--- a/slide/0519.pptx
+++ b/slide/0519.pptx
@@ -207,7 +207,7 @@
           <a:p>
             <a:fld id="{438A1740-9A82-46DA-AD96-0DC60E5E9FA3}" type="datetimeFigureOut">
               <a:rPr kumimoji="1" lang="ja-JP" altLang="en-US" smtClean="0"/>
-              <a:t>2022/5/19</a:t>
+              <a:t>2022/6/28</a:t>
             </a:fld>
             <a:endParaRPr kumimoji="1" lang="ja-JP" altLang="en-US"/>
           </a:p>
@@ -551,95 +551,10 @@
           <a:lstStyle/>
           <a:p>
             <a:r>
-              <a:rPr lang="ja-JP" altLang="en-US" b="0" i="0" dirty="0">
-                <a:solidFill>
-                  <a:srgbClr val="333333"/>
-                </a:solidFill>
-                <a:effectLst/>
-                <a:latin typeface="Arial" panose="020B0604020202020204" pitchFamily="34" charset="0"/>
-              </a:rPr>
-              <a:t>近赤外光が生体組織を透過しやすいことを利用し，数</a:t>
-            </a:r>
-            <a:r>
-              <a:rPr lang="en-US" altLang="ja-JP" b="0" i="0" dirty="0">
-                <a:solidFill>
-                  <a:srgbClr val="333333"/>
-                </a:solidFill>
-                <a:effectLst/>
-                <a:latin typeface="Arial" panose="020B0604020202020204" pitchFamily="34" charset="0"/>
-              </a:rPr>
-              <a:t>cm</a:t>
-            </a:r>
-            <a:r>
-              <a:rPr lang="ja-JP" altLang="en-US" b="0" i="0" dirty="0">
-                <a:solidFill>
-                  <a:srgbClr val="333333"/>
-                </a:solidFill>
-                <a:effectLst/>
-                <a:latin typeface="Arial" panose="020B0604020202020204" pitchFamily="34" charset="0"/>
-              </a:rPr>
-              <a:t>以上の比較的厚い組織を対象としている．</a:t>
-            </a:r>
-            <a:endParaRPr lang="en-US" altLang="ja-JP" b="0" i="0" dirty="0">
-              <a:solidFill>
-                <a:srgbClr val="333333"/>
-              </a:solidFill>
-              <a:effectLst/>
-              <a:latin typeface="Arial" panose="020B0604020202020204" pitchFamily="34" charset="0"/>
-            </a:endParaRPr>
-          </a:p>
-          <a:p>
-            <a:r>
-              <a:rPr lang="ja-JP" altLang="en-US" b="0" i="0" dirty="0">
-                <a:solidFill>
-                  <a:srgbClr val="333333"/>
-                </a:solidFill>
-                <a:effectLst/>
-                <a:latin typeface="Arial" panose="020B0604020202020204" pitchFamily="34" charset="0"/>
-              </a:rPr>
-              <a:t>この拡散光トモグラフィーの研究は</a:t>
-            </a:r>
-            <a:r>
-              <a:rPr lang="en-US" altLang="ja-JP" b="0" i="0" dirty="0">
-                <a:solidFill>
-                  <a:srgbClr val="333333"/>
-                </a:solidFill>
-                <a:effectLst/>
-                <a:latin typeface="Arial" panose="020B0604020202020204" pitchFamily="34" charset="0"/>
-              </a:rPr>
-              <a:t>1990</a:t>
-            </a:r>
-            <a:r>
-              <a:rPr lang="ja-JP" altLang="en-US" b="0" i="0" dirty="0">
-                <a:solidFill>
-                  <a:srgbClr val="333333"/>
-                </a:solidFill>
-                <a:effectLst/>
-                <a:latin typeface="Arial" panose="020B0604020202020204" pitchFamily="34" charset="0"/>
-              </a:rPr>
-              <a:t>年代初めから世界各国で開始された．</a:t>
-            </a:r>
-            <a:r>
-              <a:rPr lang="en-US" altLang="ja-JP" b="0" i="0" dirty="0">
-                <a:solidFill>
-                  <a:srgbClr val="333333"/>
-                </a:solidFill>
-                <a:effectLst/>
-                <a:latin typeface="Arial" panose="020B0604020202020204" pitchFamily="34" charset="0"/>
-              </a:rPr>
-              <a:t>2000</a:t>
-            </a:r>
-            <a:r>
-              <a:rPr lang="ja-JP" altLang="en-US" b="0" i="0" dirty="0">
-                <a:solidFill>
-                  <a:srgbClr val="333333"/>
-                </a:solidFill>
-                <a:effectLst/>
-                <a:latin typeface="Arial" panose="020B0604020202020204" pitchFamily="34" charset="0"/>
-              </a:rPr>
-              <a:t>年以降，拡散反射光から断層像を得るアルゴリズムである光マッピングという手法も開発されている</a:t>
-            </a:r>
-            <a:endParaRPr kumimoji="1" lang="ja-JP" altLang="en-US" dirty="0"/>
+              <a:rPr kumimoji="1" lang="en-US" altLang="ja-JP"/>
+              <a:t>https://takun-physics.net/9954/</a:t>
+            </a:r>
+            <a:endParaRPr kumimoji="1" lang="ja-JP" altLang="en-US"/>
           </a:p>
         </p:txBody>
       </p:sp>
@@ -660,7 +575,7 @@
           <a:p>
             <a:fld id="{EF7C5CA3-E3F9-4CDC-A2DC-589CC3C7528D}" type="slidenum">
               <a:rPr kumimoji="1" lang="ja-JP" altLang="en-US" smtClean="0"/>
-              <a:t>2</a:t>
+              <a:t>1</a:t>
             </a:fld>
             <a:endParaRPr kumimoji="1" lang="ja-JP" altLang="en-US"/>
           </a:p>
@@ -669,7 +584,7 @@
     </p:spTree>
     <p:extLst>
       <p:ext uri="{BB962C8B-B14F-4D97-AF65-F5344CB8AC3E}">
-        <p14:creationId xmlns:p14="http://schemas.microsoft.com/office/powerpoint/2010/main" val="3027434786"/>
+        <p14:creationId xmlns:p14="http://schemas.microsoft.com/office/powerpoint/2010/main" val="3883225884"/>
       </p:ext>
     </p:extLst>
   </p:cSld>
@@ -731,7 +646,86 @@
                 <a:effectLst/>
                 <a:latin typeface="Arial" panose="020B0604020202020204" pitchFamily="34" charset="0"/>
               </a:rPr>
-              <a:t>比較的厚い組織を通った近赤外光は，直進性などの波動性を失い，強く散乱される結果，生体組織内を拡散的に伝搬する</a:t>
+              <a:t>近赤外光が生体組織を透過しやすいことを利用し，数</a:t>
+            </a:r>
+            <a:r>
+              <a:rPr lang="en-US" altLang="ja-JP" b="0" i="0" dirty="0">
+                <a:solidFill>
+                  <a:srgbClr val="333333"/>
+                </a:solidFill>
+                <a:effectLst/>
+                <a:latin typeface="Arial" panose="020B0604020202020204" pitchFamily="34" charset="0"/>
+              </a:rPr>
+              <a:t>cm</a:t>
+            </a:r>
+            <a:r>
+              <a:rPr lang="ja-JP" altLang="en-US" b="0" i="0" dirty="0">
+                <a:solidFill>
+                  <a:srgbClr val="333333"/>
+                </a:solidFill>
+                <a:effectLst/>
+                <a:latin typeface="Arial" panose="020B0604020202020204" pitchFamily="34" charset="0"/>
+              </a:rPr>
+              <a:t>以上の比較的厚い組織を対象としている．</a:t>
+            </a:r>
+            <a:endParaRPr lang="en-US" altLang="ja-JP" b="0" i="0" dirty="0">
+              <a:solidFill>
+                <a:srgbClr val="333333"/>
+              </a:solidFill>
+              <a:effectLst/>
+              <a:latin typeface="Arial" panose="020B0604020202020204" pitchFamily="34" charset="0"/>
+            </a:endParaRPr>
+          </a:p>
+          <a:p>
+            <a:r>
+              <a:rPr lang="ja-JP" altLang="en-US" b="0" i="0" dirty="0">
+                <a:solidFill>
+                  <a:srgbClr val="333333"/>
+                </a:solidFill>
+                <a:effectLst/>
+                <a:latin typeface="Arial" panose="020B0604020202020204" pitchFamily="34" charset="0"/>
+              </a:rPr>
+              <a:t>この拡散光トモグラフィーの研究は</a:t>
+            </a:r>
+            <a:r>
+              <a:rPr lang="en-US" altLang="ja-JP" b="0" i="0" dirty="0">
+                <a:solidFill>
+                  <a:srgbClr val="333333"/>
+                </a:solidFill>
+                <a:effectLst/>
+                <a:latin typeface="Arial" panose="020B0604020202020204" pitchFamily="34" charset="0"/>
+              </a:rPr>
+              <a:t>1990</a:t>
+            </a:r>
+            <a:r>
+              <a:rPr lang="ja-JP" altLang="en-US" b="0" i="0" dirty="0">
+                <a:solidFill>
+                  <a:srgbClr val="333333"/>
+                </a:solidFill>
+                <a:effectLst/>
+                <a:latin typeface="Arial" panose="020B0604020202020204" pitchFamily="34" charset="0"/>
+              </a:rPr>
+              <a:t>年代初めから世界各国で開始された．</a:t>
+            </a:r>
+            <a:r>
+              <a:rPr lang="en-US" altLang="ja-JP" b="0" i="0" dirty="0">
+                <a:solidFill>
+                  <a:srgbClr val="333333"/>
+                </a:solidFill>
+                <a:effectLst/>
+                <a:latin typeface="Arial" panose="020B0604020202020204" pitchFamily="34" charset="0"/>
+              </a:rPr>
+              <a:t>2000</a:t>
+            </a:r>
+            <a:r>
+              <a:rPr lang="ja-JP" altLang="en-US" b="0" i="0" dirty="0">
+                <a:solidFill>
+                  <a:srgbClr val="333333"/>
+                </a:solidFill>
+                <a:effectLst/>
+                <a:latin typeface="Arial" panose="020B0604020202020204" pitchFamily="34" charset="0"/>
+              </a:rPr>
+              <a:t>年以降，拡散反射光から断層像を得るアルゴリズムである光マッピングという手法も開発されている</a:t>
             </a:r>
             <a:endParaRPr kumimoji="1" lang="ja-JP" altLang="en-US" dirty="0"/>
           </a:p>
@@ -754,7 +748,7 @@
           <a:p>
             <a:fld id="{EF7C5CA3-E3F9-4CDC-A2DC-589CC3C7528D}" type="slidenum">
               <a:rPr kumimoji="1" lang="ja-JP" altLang="en-US" smtClean="0"/>
-              <a:t>3</a:t>
+              <a:t>2</a:t>
             </a:fld>
             <a:endParaRPr kumimoji="1" lang="ja-JP" altLang="en-US"/>
           </a:p>
@@ -763,7 +757,7 @@
     </p:spTree>
     <p:extLst>
       <p:ext uri="{BB962C8B-B14F-4D97-AF65-F5344CB8AC3E}">
-        <p14:creationId xmlns:p14="http://schemas.microsoft.com/office/powerpoint/2010/main" val="2287743870"/>
+        <p14:creationId xmlns:p14="http://schemas.microsoft.com/office/powerpoint/2010/main" val="3027434786"/>
       </p:ext>
     </p:extLst>
   </p:cSld>
@@ -818,64 +812,15 @@
           <a:lstStyle/>
           <a:p>
             <a:r>
-              <a:rPr lang="ja-JP" altLang="en-US" dirty="0"/>
-              <a:t>輸送方程式では散乱体内部のエネルギー伝播を正確に表す方程式，しかし，三次元位置，方向，時間と</a:t>
-            </a:r>
-            <a:r>
-              <a:rPr lang="en-US" altLang="ja-JP" dirty="0"/>
-              <a:t>6</a:t>
-            </a:r>
-            <a:r>
-              <a:rPr lang="ja-JP" altLang="en-US" dirty="0"/>
-              <a:t>自由度もち，解を得るのが難しい．</a:t>
-            </a:r>
-          </a:p>
-          <a:p>
-            <a:r>
-              <a:rPr lang="ja-JP" altLang="en-US" dirty="0"/>
-              <a:t>生体組織のような拡散に近い散乱では，光はほぼ等方的に伝播する．そこで，この光の等方散乱性を導入すると，輸送方程式は光拡散近似により，光拡散方程式に変換するができる．</a:t>
-            </a:r>
-          </a:p>
-          <a:p>
-            <a:r>
-              <a:rPr lang="ja-JP" altLang="en-US" dirty="0"/>
-              <a:t>光拡散方程式は簡単な形状であっても解析的に解くことは難しい．</a:t>
-            </a:r>
-          </a:p>
-          <a:p>
-            <a:r>
-              <a:rPr lang="ja-JP" altLang="en-US" dirty="0"/>
-              <a:t>有限要素法で解かれることが多いが，組織の不均一性，複雑な形状，複雑な境界条件，先見情報を組み込むことができる．</a:t>
-            </a:r>
-            <a:endParaRPr lang="en-US" altLang="ja-JP" dirty="0"/>
-          </a:p>
-          <a:p>
-            <a:r>
-              <a:rPr lang="en-US" altLang="ja-JP" dirty="0"/>
-              <a:t>G</a:t>
-            </a:r>
-            <a:r>
-              <a:rPr lang="ja-JP" altLang="en-US" dirty="0"/>
-              <a:t>は非等方散乱パラメータ，</a:t>
-            </a:r>
-            <a:r>
-              <a:rPr lang="en-US" altLang="ja-JP" dirty="0"/>
-              <a:t>g=1</a:t>
-            </a:r>
-            <a:r>
-              <a:rPr lang="ja-JP" altLang="en-US" dirty="0"/>
-              <a:t>で完全な前方散乱，</a:t>
-            </a:r>
-            <a:r>
-              <a:rPr lang="en-US" altLang="ja-JP" dirty="0"/>
-              <a:t>g=0</a:t>
-            </a:r>
-            <a:r>
-              <a:rPr lang="ja-JP" altLang="en-US" dirty="0"/>
-              <a:t>で等方散乱，場所ごとに設定する</a:t>
-            </a:r>
-          </a:p>
-          <a:p>
+              <a:rPr lang="ja-JP" altLang="en-US" b="0" i="0" dirty="0">
+                <a:solidFill>
+                  <a:srgbClr val="333333"/>
+                </a:solidFill>
+                <a:effectLst/>
+                <a:latin typeface="Arial" panose="020B0604020202020204" pitchFamily="34" charset="0"/>
+              </a:rPr>
+              <a:t>比較的厚い組織を通った近赤外光は，直進性などの波動性を失い，強く散乱される結果，生体組織内を拡散的に伝搬する</a:t>
+            </a:r>
             <a:endParaRPr kumimoji="1" lang="ja-JP" altLang="en-US" dirty="0"/>
           </a:p>
         </p:txBody>
@@ -897,7 +842,7 @@
           <a:p>
             <a:fld id="{EF7C5CA3-E3F9-4CDC-A2DC-589CC3C7528D}" type="slidenum">
               <a:rPr kumimoji="1" lang="ja-JP" altLang="en-US" smtClean="0"/>
-              <a:t>6</a:t>
+              <a:t>3</a:t>
             </a:fld>
             <a:endParaRPr kumimoji="1" lang="ja-JP" altLang="en-US"/>
           </a:p>
@@ -906,7 +851,7 @@
     </p:spTree>
     <p:extLst>
       <p:ext uri="{BB962C8B-B14F-4D97-AF65-F5344CB8AC3E}">
-        <p14:creationId xmlns:p14="http://schemas.microsoft.com/office/powerpoint/2010/main" val="3974338205"/>
+        <p14:creationId xmlns:p14="http://schemas.microsoft.com/office/powerpoint/2010/main" val="2287743870"/>
       </p:ext>
     </p:extLst>
   </p:cSld>
@@ -961,34 +906,65 @@
           <a:lstStyle/>
           <a:p>
             <a:r>
-              <a:rPr kumimoji="1" lang="ja-JP" altLang="en-US" dirty="0"/>
-              <a:t>偏微分方程式の解は初期条件と境界条件を満たす必要がある．</a:t>
-            </a:r>
-            <a:endParaRPr kumimoji="1" lang="en-US" altLang="ja-JP" dirty="0"/>
+              <a:rPr lang="ja-JP" altLang="en-US" dirty="0"/>
+              <a:t>輸送方程式では散乱体内部のエネルギー伝播を正確に表す方程式，しかし，三次元位置，方向，時間と</a:t>
+            </a:r>
+            <a:r>
+              <a:rPr lang="en-US" altLang="ja-JP" dirty="0"/>
+              <a:t>6</a:t>
+            </a:r>
+            <a:r>
+              <a:rPr lang="ja-JP" altLang="en-US" dirty="0"/>
+              <a:t>自由度もち，解を得るのが難しい．</a:t>
+            </a:r>
           </a:p>
           <a:p>
             <a:r>
-              <a:rPr kumimoji="1" lang="ja-JP" altLang="en-US" dirty="0"/>
-              <a:t>初期状態は時刻</a:t>
-            </a:r>
-            <a:r>
-              <a:rPr kumimoji="1" lang="en-US" altLang="ja-JP" dirty="0"/>
-              <a:t>0</a:t>
-            </a:r>
-            <a:r>
-              <a:rPr kumimoji="1" lang="ja-JP" altLang="en-US" dirty="0"/>
-              <a:t>の時に満たす条件で，散乱係数の分布や入射光など</a:t>
-            </a:r>
-            <a:endParaRPr kumimoji="1" lang="en-US" altLang="ja-JP" dirty="0"/>
+              <a:rPr lang="ja-JP" altLang="en-US" dirty="0"/>
+              <a:t>生体組織のような拡散に近い散乱では，光はほぼ等方的に伝播する．そこで，この光の等方散乱性を導入すると，輸送方程式は光拡散近似により，光拡散方程式に変換するができる．</a:t>
+            </a:r>
           </a:p>
           <a:p>
-            <a:endParaRPr kumimoji="1" lang="en-US" altLang="ja-JP" dirty="0"/>
+            <a:r>
+              <a:rPr lang="ja-JP" altLang="en-US" dirty="0"/>
+              <a:t>光拡散方程式は簡単な形状であっても解析的に解くことは難しい．</a:t>
+            </a:r>
           </a:p>
           <a:p>
             <a:r>
-              <a:rPr kumimoji="1" lang="ja-JP" altLang="en-US" dirty="0"/>
-              <a:t>境界条件はこんなかんじ</a:t>
-            </a:r>
+              <a:rPr lang="ja-JP" altLang="en-US" dirty="0"/>
+              <a:t>有限要素法で解かれることが多いが，組織の不均一性，複雑な形状，複雑な境界条件，先見情報を組み込むことができる．</a:t>
+            </a:r>
+            <a:endParaRPr lang="en-US" altLang="ja-JP" dirty="0"/>
+          </a:p>
+          <a:p>
+            <a:r>
+              <a:rPr lang="en-US" altLang="ja-JP" dirty="0"/>
+              <a:t>G</a:t>
+            </a:r>
+            <a:r>
+              <a:rPr lang="ja-JP" altLang="en-US" dirty="0"/>
+              <a:t>は非等方散乱パラメータ，</a:t>
+            </a:r>
+            <a:r>
+              <a:rPr lang="en-US" altLang="ja-JP" dirty="0"/>
+              <a:t>g=1</a:t>
+            </a:r>
+            <a:r>
+              <a:rPr lang="ja-JP" altLang="en-US" dirty="0"/>
+              <a:t>で完全な前方散乱，</a:t>
+            </a:r>
+            <a:r>
+              <a:rPr lang="en-US" altLang="ja-JP" dirty="0"/>
+              <a:t>g=0</a:t>
+            </a:r>
+            <a:r>
+              <a:rPr lang="ja-JP" altLang="en-US" dirty="0"/>
+              <a:t>で等方散乱，場所ごとに設定する</a:t>
+            </a:r>
+          </a:p>
+          <a:p>
+            <a:endParaRPr kumimoji="1" lang="ja-JP" altLang="en-US" dirty="0"/>
           </a:p>
         </p:txBody>
       </p:sp>
@@ -1009,7 +985,7 @@
           <a:p>
             <a:fld id="{EF7C5CA3-E3F9-4CDC-A2DC-589CC3C7528D}" type="slidenum">
               <a:rPr kumimoji="1" lang="ja-JP" altLang="en-US" smtClean="0"/>
-              <a:t>7</a:t>
+              <a:t>6</a:t>
             </a:fld>
             <a:endParaRPr kumimoji="1" lang="ja-JP" altLang="en-US"/>
           </a:p>
@@ -1018,7 +994,7 @@
     </p:spTree>
     <p:extLst>
       <p:ext uri="{BB962C8B-B14F-4D97-AF65-F5344CB8AC3E}">
-        <p14:creationId xmlns:p14="http://schemas.microsoft.com/office/powerpoint/2010/main" val="802928886"/>
+        <p14:creationId xmlns:p14="http://schemas.microsoft.com/office/powerpoint/2010/main" val="3974338205"/>
       </p:ext>
     </p:extLst>
   </p:cSld>
@@ -1073,10 +1049,34 @@
           <a:lstStyle/>
           <a:p>
             <a:r>
-              <a:rPr lang="ja-JP" altLang="en-US" dirty="0"/>
-              <a:t>観測される光強度は出力面において、散乱媒体内部から外部に向けて流出する光の放射エネルギー流束の、出力面に対する垂直方向成分として次式で表される</a:t>
-            </a:r>
-            <a:endParaRPr kumimoji="1" lang="ja-JP" altLang="en-US" dirty="0"/>
+              <a:rPr kumimoji="1" lang="ja-JP" altLang="en-US" dirty="0"/>
+              <a:t>偏微分方程式の解は初期条件と境界条件を満たす必要がある．</a:t>
+            </a:r>
+            <a:endParaRPr kumimoji="1" lang="en-US" altLang="ja-JP" dirty="0"/>
+          </a:p>
+          <a:p>
+            <a:r>
+              <a:rPr kumimoji="1" lang="ja-JP" altLang="en-US" dirty="0"/>
+              <a:t>初期状態は時刻</a:t>
+            </a:r>
+            <a:r>
+              <a:rPr kumimoji="1" lang="en-US" altLang="ja-JP" dirty="0"/>
+              <a:t>0</a:t>
+            </a:r>
+            <a:r>
+              <a:rPr kumimoji="1" lang="ja-JP" altLang="en-US" dirty="0"/>
+              <a:t>の時に満たす条件で，散乱係数の分布や入射光など</a:t>
+            </a:r>
+            <a:endParaRPr kumimoji="1" lang="en-US" altLang="ja-JP" dirty="0"/>
+          </a:p>
+          <a:p>
+            <a:endParaRPr kumimoji="1" lang="en-US" altLang="ja-JP" dirty="0"/>
+          </a:p>
+          <a:p>
+            <a:r>
+              <a:rPr kumimoji="1" lang="ja-JP" altLang="en-US" dirty="0"/>
+              <a:t>境界条件はこんなかんじ</a:t>
+            </a:r>
           </a:p>
         </p:txBody>
       </p:sp>
@@ -1097,7 +1097,7 @@
           <a:p>
             <a:fld id="{EF7C5CA3-E3F9-4CDC-A2DC-589CC3C7528D}" type="slidenum">
               <a:rPr kumimoji="1" lang="ja-JP" altLang="en-US" smtClean="0"/>
-              <a:t>8</a:t>
+              <a:t>7</a:t>
             </a:fld>
             <a:endParaRPr kumimoji="1" lang="ja-JP" altLang="en-US"/>
           </a:p>
@@ -1106,7 +1106,7 @@
     </p:spTree>
     <p:extLst>
       <p:ext uri="{BB962C8B-B14F-4D97-AF65-F5344CB8AC3E}">
-        <p14:creationId xmlns:p14="http://schemas.microsoft.com/office/powerpoint/2010/main" val="573012434"/>
+        <p14:creationId xmlns:p14="http://schemas.microsoft.com/office/powerpoint/2010/main" val="802928886"/>
       </p:ext>
     </p:extLst>
   </p:cSld>
@@ -1161,16 +1161,10 @@
           <a:lstStyle/>
           <a:p>
             <a:r>
-              <a:rPr kumimoji="1" lang="ja-JP" altLang="en-US" dirty="0"/>
-              <a:t>電場とか音場とか</a:t>
-            </a:r>
-            <a:endParaRPr kumimoji="1" lang="en-US" altLang="ja-JP" dirty="0"/>
-          </a:p>
-          <a:p>
-            <a:r>
-              <a:rPr kumimoji="1" lang="ja-JP" altLang="en-US" dirty="0"/>
-              <a:t>有限要素法は</a:t>
-            </a:r>
+              <a:rPr lang="ja-JP" altLang="en-US" dirty="0"/>
+              <a:t>観測される光強度は出力面において、散乱媒体内部から外部に向けて流出する光の放射エネルギー流束の、出力面に対する垂直方向成分として次式で表される</a:t>
+            </a:r>
+            <a:endParaRPr kumimoji="1" lang="ja-JP" altLang="en-US" dirty="0"/>
           </a:p>
         </p:txBody>
       </p:sp>
@@ -1191,7 +1185,7 @@
           <a:p>
             <a:fld id="{EF7C5CA3-E3F9-4CDC-A2DC-589CC3C7528D}" type="slidenum">
               <a:rPr kumimoji="1" lang="ja-JP" altLang="en-US" smtClean="0"/>
-              <a:t>9</a:t>
+              <a:t>8</a:t>
             </a:fld>
             <a:endParaRPr kumimoji="1" lang="ja-JP" altLang="en-US"/>
           </a:p>
@@ -1200,7 +1194,7 @@
     </p:spTree>
     <p:extLst>
       <p:ext uri="{BB962C8B-B14F-4D97-AF65-F5344CB8AC3E}">
-        <p14:creationId xmlns:p14="http://schemas.microsoft.com/office/powerpoint/2010/main" val="1516750805"/>
+        <p14:creationId xmlns:p14="http://schemas.microsoft.com/office/powerpoint/2010/main" val="573012434"/>
       </p:ext>
     </p:extLst>
   </p:cSld>
@@ -1255,6 +1249,100 @@
           <a:lstStyle/>
           <a:p>
             <a:r>
+              <a:rPr kumimoji="1" lang="ja-JP" altLang="en-US" dirty="0"/>
+              <a:t>電場とか音場とか</a:t>
+            </a:r>
+            <a:endParaRPr kumimoji="1" lang="en-US" altLang="ja-JP" dirty="0"/>
+          </a:p>
+          <a:p>
+            <a:r>
+              <a:rPr kumimoji="1" lang="ja-JP" altLang="en-US" dirty="0"/>
+              <a:t>有限要素法は</a:t>
+            </a:r>
+          </a:p>
+        </p:txBody>
+      </p:sp>
+      <p:sp>
+        <p:nvSpPr>
+          <p:cNvPr id="4" name="スライド番号プレースホルダー 3"/>
+          <p:cNvSpPr>
+            <a:spLocks noGrp="1"/>
+          </p:cNvSpPr>
+          <p:nvPr>
+            <p:ph type="sldNum" sz="quarter" idx="5"/>
+          </p:nvPr>
+        </p:nvSpPr>
+        <p:spPr/>
+        <p:txBody>
+          <a:bodyPr/>
+          <a:lstStyle/>
+          <a:p>
+            <a:fld id="{EF7C5CA3-E3F9-4CDC-A2DC-589CC3C7528D}" type="slidenum">
+              <a:rPr kumimoji="1" lang="ja-JP" altLang="en-US" smtClean="0"/>
+              <a:t>9</a:t>
+            </a:fld>
+            <a:endParaRPr kumimoji="1" lang="ja-JP" altLang="en-US"/>
+          </a:p>
+        </p:txBody>
+      </p:sp>
+    </p:spTree>
+    <p:extLst>
+      <p:ext uri="{BB962C8B-B14F-4D97-AF65-F5344CB8AC3E}">
+        <p14:creationId xmlns:p14="http://schemas.microsoft.com/office/powerpoint/2010/main" val="1516750805"/>
+      </p:ext>
+    </p:extLst>
+  </p:cSld>
+  <p:clrMapOvr>
+    <a:masterClrMapping/>
+  </p:clrMapOvr>
+</p:notes>
+</file>
+
+<file path=ppt/notesSlides/notesSlide8.xml><?xml version="1.0" encoding="utf-8"?>
+<p:notes xmlns:a="http://schemas.openxmlformats.org/drawingml/2006/main" xmlns:r="http://schemas.openxmlformats.org/officeDocument/2006/relationships" xmlns:p="http://schemas.openxmlformats.org/presentationml/2006/main">
+  <p:cSld>
+    <p:spTree>
+      <p:nvGrpSpPr>
+        <p:cNvPr id="1" name=""/>
+        <p:cNvGrpSpPr/>
+        <p:nvPr/>
+      </p:nvGrpSpPr>
+      <p:grpSpPr>
+        <a:xfrm>
+          <a:off x="0" y="0"/>
+          <a:ext cx="0" cy="0"/>
+          <a:chOff x="0" y="0"/>
+          <a:chExt cx="0" cy="0"/>
+        </a:xfrm>
+      </p:grpSpPr>
+      <p:sp>
+        <p:nvSpPr>
+          <p:cNvPr id="2" name="スライド イメージ プレースホルダー 1"/>
+          <p:cNvSpPr>
+            <a:spLocks noGrp="1" noRot="1" noChangeAspect="1"/>
+          </p:cNvSpPr>
+          <p:nvPr>
+            <p:ph type="sldImg"/>
+          </p:nvPr>
+        </p:nvSpPr>
+        <p:spPr/>
+      </p:sp>
+      <p:sp>
+        <p:nvSpPr>
+          <p:cNvPr id="3" name="ノート プレースホルダー 2"/>
+          <p:cNvSpPr>
+            <a:spLocks noGrp="1"/>
+          </p:cNvSpPr>
+          <p:nvPr>
+            <p:ph type="body" idx="1"/>
+          </p:nvPr>
+        </p:nvSpPr>
+        <p:spPr/>
+        <p:txBody>
+          <a:bodyPr/>
+          <a:lstStyle/>
+          <a:p>
+            <a:r>
               <a:rPr kumimoji="1" lang="en-US" altLang="ja-JP" dirty="0" err="1"/>
               <a:t>Φt</a:t>
             </a:r>
@@ -1326,7 +1414,7 @@
 </p:notes>
 </file>
 
-<file path=ppt/notesSlides/notesSlide8.xml><?xml version="1.0" encoding="utf-8"?>
+<file path=ppt/notesSlides/notesSlide9.xml><?xml version="1.0" encoding="utf-8"?>
 <p:notes xmlns:a="http://schemas.openxmlformats.org/drawingml/2006/main" xmlns:r="http://schemas.openxmlformats.org/officeDocument/2006/relationships" xmlns:p="http://schemas.openxmlformats.org/presentationml/2006/main">
   <p:cSld>
     <p:spTree>
@@ -1575,7 +1663,7 @@
           <a:p>
             <a:fld id="{C801310E-4C28-4D51-ADB4-8E3E74A70742}" type="datetimeFigureOut">
               <a:rPr kumimoji="1" lang="ja-JP" altLang="en-US" smtClean="0"/>
-              <a:t>2022/5/19</a:t>
+              <a:t>2022/6/28</a:t>
             </a:fld>
             <a:endParaRPr kumimoji="1" lang="ja-JP" altLang="en-US"/>
           </a:p>
@@ -1805,7 +1893,7 @@
           <a:p>
             <a:fld id="{C801310E-4C28-4D51-ADB4-8E3E74A70742}" type="datetimeFigureOut">
               <a:rPr kumimoji="1" lang="ja-JP" altLang="en-US" smtClean="0"/>
-              <a:t>2022/5/19</a:t>
+              <a:t>2022/6/28</a:t>
             </a:fld>
             <a:endParaRPr kumimoji="1" lang="ja-JP" altLang="en-US"/>
           </a:p>
@@ -2045,7 +2133,7 @@
           <a:p>
             <a:fld id="{C801310E-4C28-4D51-ADB4-8E3E74A70742}" type="datetimeFigureOut">
               <a:rPr kumimoji="1" lang="ja-JP" altLang="en-US" smtClean="0"/>
-              <a:t>2022/5/19</a:t>
+              <a:t>2022/6/28</a:t>
             </a:fld>
             <a:endParaRPr kumimoji="1" lang="ja-JP" altLang="en-US"/>
           </a:p>
@@ -2275,7 +2363,7 @@
           <a:p>
             <a:fld id="{C801310E-4C28-4D51-ADB4-8E3E74A70742}" type="datetimeFigureOut">
               <a:rPr kumimoji="1" lang="ja-JP" altLang="en-US" smtClean="0"/>
-              <a:t>2022/5/19</a:t>
+              <a:t>2022/6/28</a:t>
             </a:fld>
             <a:endParaRPr kumimoji="1" lang="ja-JP" altLang="en-US"/>
           </a:p>
@@ -2550,7 +2638,7 @@
           <a:p>
             <a:fld id="{C801310E-4C28-4D51-ADB4-8E3E74A70742}" type="datetimeFigureOut">
               <a:rPr kumimoji="1" lang="ja-JP" altLang="en-US" smtClean="0"/>
-              <a:t>2022/5/19</a:t>
+              <a:t>2022/6/28</a:t>
             </a:fld>
             <a:endParaRPr kumimoji="1" lang="ja-JP" altLang="en-US"/>
           </a:p>
@@ -2879,7 +2967,7 @@
           <a:p>
             <a:fld id="{C801310E-4C28-4D51-ADB4-8E3E74A70742}" type="datetimeFigureOut">
               <a:rPr kumimoji="1" lang="ja-JP" altLang="en-US" smtClean="0"/>
-              <a:t>2022/5/19</a:t>
+              <a:t>2022/6/28</a:t>
             </a:fld>
             <a:endParaRPr kumimoji="1" lang="ja-JP" altLang="en-US"/>
           </a:p>
@@ -3355,7 +3443,7 @@
           <a:p>
             <a:fld id="{C801310E-4C28-4D51-ADB4-8E3E74A70742}" type="datetimeFigureOut">
               <a:rPr kumimoji="1" lang="ja-JP" altLang="en-US" smtClean="0"/>
-              <a:t>2022/5/19</a:t>
+              <a:t>2022/6/28</a:t>
             </a:fld>
             <a:endParaRPr kumimoji="1" lang="ja-JP" altLang="en-US"/>
           </a:p>
@@ -3496,7 +3584,7 @@
           <a:p>
             <a:fld id="{C801310E-4C28-4D51-ADB4-8E3E74A70742}" type="datetimeFigureOut">
               <a:rPr kumimoji="1" lang="ja-JP" altLang="en-US" smtClean="0"/>
-              <a:t>2022/5/19</a:t>
+              <a:t>2022/6/28</a:t>
             </a:fld>
             <a:endParaRPr kumimoji="1" lang="ja-JP" altLang="en-US"/>
           </a:p>
@@ -3609,7 +3697,7 @@
           <a:p>
             <a:fld id="{C801310E-4C28-4D51-ADB4-8E3E74A70742}" type="datetimeFigureOut">
               <a:rPr kumimoji="1" lang="ja-JP" altLang="en-US" smtClean="0"/>
-              <a:t>2022/5/19</a:t>
+              <a:t>2022/6/28</a:t>
             </a:fld>
             <a:endParaRPr kumimoji="1" lang="ja-JP" altLang="en-US"/>
           </a:p>
@@ -3952,7 +4040,7 @@
           <a:p>
             <a:fld id="{C801310E-4C28-4D51-ADB4-8E3E74A70742}" type="datetimeFigureOut">
               <a:rPr kumimoji="1" lang="ja-JP" altLang="en-US" smtClean="0"/>
-              <a:t>2022/5/19</a:t>
+              <a:t>2022/6/28</a:t>
             </a:fld>
             <a:endParaRPr kumimoji="1" lang="ja-JP" altLang="en-US"/>
           </a:p>
@@ -4240,7 +4328,7 @@
           <a:p>
             <a:fld id="{C801310E-4C28-4D51-ADB4-8E3E74A70742}" type="datetimeFigureOut">
               <a:rPr kumimoji="1" lang="ja-JP" altLang="en-US" smtClean="0"/>
-              <a:t>2022/5/19</a:t>
+              <a:t>2022/6/28</a:t>
             </a:fld>
             <a:endParaRPr kumimoji="1" lang="ja-JP" altLang="en-US"/>
           </a:p>
@@ -4513,7 +4601,7 @@
           <a:p>
             <a:fld id="{C801310E-4C28-4D51-ADB4-8E3E74A70742}" type="datetimeFigureOut">
               <a:rPr kumimoji="1" lang="ja-JP" altLang="en-US" smtClean="0"/>
-              <a:t>2022/5/19</a:t>
+              <a:t>2022/6/28</a:t>
             </a:fld>
             <a:endParaRPr kumimoji="1" lang="ja-JP" altLang="en-US"/>
           </a:p>
@@ -9608,7 +9696,7 @@
           </a:ln>
           <a:extLst>
             <a:ext uri="{C572A759-6A51-4108-AA02-DFA0A04FC94B}">
-              <ma14:wrappingTextBoxFlag xmlns:lc="http://schemas.openxmlformats.org/drawingml/2006/lockedCanvas" xmlns:ma14="http://schemas.microsoft.com/office/mac/drawingml/2011/main" xmlns:a14="http://schemas.microsoft.com/office/drawing/2010/main" xmlns:m="http://schemas.openxmlformats.org/officeDocument/2006/math" xmlns="" val="1"/>
+              <ma14:wrappingTextBoxFlag xmlns="" xmlns:m="http://schemas.openxmlformats.org/officeDocument/2006/math" xmlns:a14="http://schemas.microsoft.com/office/drawing/2010/main" xmlns:ma14="http://schemas.microsoft.com/office/mac/drawingml/2011/main" xmlns:lc="http://schemas.openxmlformats.org/drawingml/2006/lockedCanvas" val="1"/>
             </a:ext>
           </a:extLst>
         </p:spPr>
@@ -9948,7 +10036,7 @@
           </a:ln>
           <a:extLst>
             <a:ext uri="{C572A759-6A51-4108-AA02-DFA0A04FC94B}">
-              <ma14:wrappingTextBoxFlag xmlns:lc="http://schemas.openxmlformats.org/drawingml/2006/lockedCanvas" xmlns:ma14="http://schemas.microsoft.com/office/mac/drawingml/2011/main" xmlns:a14="http://schemas.microsoft.com/office/drawing/2010/main" xmlns:m="http://schemas.openxmlformats.org/officeDocument/2006/math" xmlns="" val="1"/>
+              <ma14:wrappingTextBoxFlag xmlns="" xmlns:m="http://schemas.openxmlformats.org/officeDocument/2006/math" xmlns:a14="http://schemas.microsoft.com/office/drawing/2010/main" xmlns:ma14="http://schemas.microsoft.com/office/mac/drawingml/2011/main" xmlns:lc="http://schemas.openxmlformats.org/drawingml/2006/lockedCanvas" val="1"/>
             </a:ext>
           </a:extLst>
         </p:spPr>
@@ -10288,7 +10376,7 @@
           </a:ln>
           <a:extLst>
             <a:ext uri="{C572A759-6A51-4108-AA02-DFA0A04FC94B}">
-              <ma14:wrappingTextBoxFlag xmlns:lc="http://schemas.openxmlformats.org/drawingml/2006/lockedCanvas" xmlns:ma14="http://schemas.microsoft.com/office/mac/drawingml/2011/main" xmlns:a14="http://schemas.microsoft.com/office/drawing/2010/main" xmlns:m="http://schemas.openxmlformats.org/officeDocument/2006/math" xmlns="" val="1"/>
+              <ma14:wrappingTextBoxFlag xmlns="" xmlns:m="http://schemas.openxmlformats.org/officeDocument/2006/math" xmlns:a14="http://schemas.microsoft.com/office/drawing/2010/main" xmlns:ma14="http://schemas.microsoft.com/office/mac/drawingml/2011/main" xmlns:lc="http://schemas.openxmlformats.org/drawingml/2006/lockedCanvas" val="1"/>
             </a:ext>
           </a:extLst>
         </p:spPr>
@@ -10628,7 +10716,7 @@
           </a:ln>
           <a:extLst>
             <a:ext uri="{C572A759-6A51-4108-AA02-DFA0A04FC94B}">
-              <ma14:wrappingTextBoxFlag xmlns:lc="http://schemas.openxmlformats.org/drawingml/2006/lockedCanvas" xmlns:ma14="http://schemas.microsoft.com/office/mac/drawingml/2011/main" xmlns:a14="http://schemas.microsoft.com/office/drawing/2010/main" xmlns:m="http://schemas.openxmlformats.org/officeDocument/2006/math" xmlns="" val="1"/>
+              <ma14:wrappingTextBoxFlag xmlns="" xmlns:m="http://schemas.openxmlformats.org/officeDocument/2006/math" xmlns:a14="http://schemas.microsoft.com/office/drawing/2010/main" xmlns:ma14="http://schemas.microsoft.com/office/mac/drawingml/2011/main" xmlns:lc="http://schemas.openxmlformats.org/drawingml/2006/lockedCanvas" val="1"/>
             </a:ext>
           </a:extLst>
         </p:spPr>
@@ -10968,7 +11056,7 @@
           </a:ln>
           <a:extLst>
             <a:ext uri="{C572A759-6A51-4108-AA02-DFA0A04FC94B}">
-              <ma14:wrappingTextBoxFlag xmlns:lc="http://schemas.openxmlformats.org/drawingml/2006/lockedCanvas" xmlns:ma14="http://schemas.microsoft.com/office/mac/drawingml/2011/main" xmlns:a14="http://schemas.microsoft.com/office/drawing/2010/main" xmlns:m="http://schemas.openxmlformats.org/officeDocument/2006/math" xmlns="" val="1"/>
+              <ma14:wrappingTextBoxFlag xmlns="" xmlns:m="http://schemas.openxmlformats.org/officeDocument/2006/math" xmlns:a14="http://schemas.microsoft.com/office/drawing/2010/main" xmlns:ma14="http://schemas.microsoft.com/office/mac/drawingml/2011/main" xmlns:lc="http://schemas.openxmlformats.org/drawingml/2006/lockedCanvas" val="1"/>
             </a:ext>
           </a:extLst>
         </p:spPr>
@@ -11308,7 +11396,7 @@
           </a:ln>
           <a:extLst>
             <a:ext uri="{C572A759-6A51-4108-AA02-DFA0A04FC94B}">
-              <ma14:wrappingTextBoxFlag xmlns:lc="http://schemas.openxmlformats.org/drawingml/2006/lockedCanvas" xmlns:ma14="http://schemas.microsoft.com/office/mac/drawingml/2011/main" xmlns:a14="http://schemas.microsoft.com/office/drawing/2010/main" xmlns:m="http://schemas.openxmlformats.org/officeDocument/2006/math" xmlns="" val="1"/>
+              <ma14:wrappingTextBoxFlag xmlns="" xmlns:m="http://schemas.openxmlformats.org/officeDocument/2006/math" xmlns:a14="http://schemas.microsoft.com/office/drawing/2010/main" xmlns:ma14="http://schemas.microsoft.com/office/mac/drawingml/2011/main" xmlns:lc="http://schemas.openxmlformats.org/drawingml/2006/lockedCanvas" val="1"/>
             </a:ext>
           </a:extLst>
         </p:spPr>

--- a/slide/0519.pptx
+++ b/slide/0519.pptx
@@ -5,7 +5,7 @@
     <p:sldMasterId id="2147483648" r:id="rId1"/>
   </p:sldMasterIdLst>
   <p:notesMasterIdLst>
-    <p:notesMasterId r:id="rId13"/>
+    <p:notesMasterId r:id="rId15"/>
   </p:notesMasterIdLst>
   <p:sldIdLst>
     <p:sldId id="256" r:id="rId2"/>
@@ -18,7 +18,9 @@
     <p:sldId id="263" r:id="rId9"/>
     <p:sldId id="265" r:id="rId10"/>
     <p:sldId id="264" r:id="rId11"/>
-    <p:sldId id="266" r:id="rId12"/>
+    <p:sldId id="267" r:id="rId12"/>
+    <p:sldId id="268" r:id="rId13"/>
+    <p:sldId id="266" r:id="rId14"/>
   </p:sldIdLst>
   <p:sldSz cx="12192000" cy="6858000"/>
   <p:notesSz cx="6858000" cy="9144000"/>
@@ -207,7 +209,7 @@
           <a:p>
             <a:fld id="{438A1740-9A82-46DA-AD96-0DC60E5E9FA3}" type="datetimeFigureOut">
               <a:rPr kumimoji="1" lang="ja-JP" altLang="en-US" smtClean="0"/>
-              <a:t>2022/6/28</a:t>
+              <a:t>2022/7/4</a:t>
             </a:fld>
             <a:endParaRPr kumimoji="1" lang="ja-JP" altLang="en-US"/>
           </a:p>
@@ -594,6 +596,224 @@
 </p:notes>
 </file>
 
+<file path=ppt/notesSlides/notesSlide10.xml><?xml version="1.0" encoding="utf-8"?>
+<p:notes xmlns:a="http://schemas.openxmlformats.org/drawingml/2006/main" xmlns:r="http://schemas.openxmlformats.org/officeDocument/2006/relationships" xmlns:p="http://schemas.openxmlformats.org/presentationml/2006/main">
+  <p:cSld>
+    <p:spTree>
+      <p:nvGrpSpPr>
+        <p:cNvPr id="1" name=""/>
+        <p:cNvGrpSpPr/>
+        <p:nvPr/>
+      </p:nvGrpSpPr>
+      <p:grpSpPr>
+        <a:xfrm>
+          <a:off x="0" y="0"/>
+          <a:ext cx="0" cy="0"/>
+          <a:chOff x="0" y="0"/>
+          <a:chExt cx="0" cy="0"/>
+        </a:xfrm>
+      </p:grpSpPr>
+      <p:sp>
+        <p:nvSpPr>
+          <p:cNvPr id="2" name="スライド イメージ プレースホルダー 1"/>
+          <p:cNvSpPr>
+            <a:spLocks noGrp="1" noRot="1" noChangeAspect="1"/>
+          </p:cNvSpPr>
+          <p:nvPr>
+            <p:ph type="sldImg"/>
+          </p:nvPr>
+        </p:nvSpPr>
+        <p:spPr/>
+      </p:sp>
+      <p:sp>
+        <p:nvSpPr>
+          <p:cNvPr id="3" name="ノート プレースホルダー 2"/>
+          <p:cNvSpPr>
+            <a:spLocks noGrp="1"/>
+          </p:cNvSpPr>
+          <p:nvPr>
+            <p:ph type="body" idx="1"/>
+          </p:nvPr>
+        </p:nvSpPr>
+        <p:spPr/>
+        <p:txBody>
+          <a:bodyPr/>
+          <a:lstStyle/>
+          <a:p>
+            <a:r>
+              <a:rPr kumimoji="1" lang="en-US" altLang="ja-JP" dirty="0" err="1"/>
+              <a:t>Φt</a:t>
+            </a:r>
+            <a:r>
+              <a:rPr kumimoji="1" lang="ja-JP" altLang="en-US" dirty="0"/>
+              <a:t>は既知だからこの値を代入することで</a:t>
+            </a:r>
+            <a:r>
+              <a:rPr kumimoji="1" lang="en-US" altLang="ja-JP" dirty="0" err="1"/>
+              <a:t>Δt</a:t>
+            </a:r>
+            <a:r>
+              <a:rPr kumimoji="1" lang="ja-JP" altLang="en-US" dirty="0"/>
+              <a:t>秒後の</a:t>
+            </a:r>
+            <a:r>
+              <a:rPr kumimoji="1" lang="en-US" altLang="ja-JP" dirty="0"/>
+              <a:t>Φt+1</a:t>
+            </a:r>
+          </a:p>
+          <a:p>
+            <a:r>
+              <a:rPr kumimoji="1" lang="ja-JP" altLang="en-US" dirty="0"/>
+              <a:t>これを繰り返すことで，任意の時間，任意の位置での光強度を求めることができる．</a:t>
+            </a:r>
+            <a:endParaRPr kumimoji="1" lang="en-US" altLang="ja-JP" dirty="0"/>
+          </a:p>
+          <a:p>
+            <a:endParaRPr kumimoji="1" lang="en-US" altLang="ja-JP" dirty="0"/>
+          </a:p>
+          <a:p>
+            <a:endParaRPr kumimoji="1" lang="ja-JP" altLang="en-US" dirty="0"/>
+          </a:p>
+        </p:txBody>
+      </p:sp>
+      <p:sp>
+        <p:nvSpPr>
+          <p:cNvPr id="4" name="スライド番号プレースホルダー 3"/>
+          <p:cNvSpPr>
+            <a:spLocks noGrp="1"/>
+          </p:cNvSpPr>
+          <p:nvPr>
+            <p:ph type="sldNum" sz="quarter" idx="5"/>
+          </p:nvPr>
+        </p:nvSpPr>
+        <p:spPr/>
+        <p:txBody>
+          <a:bodyPr/>
+          <a:lstStyle/>
+          <a:p>
+            <a:fld id="{EF7C5CA3-E3F9-4CDC-A2DC-589CC3C7528D}" type="slidenum">
+              <a:rPr kumimoji="1" lang="ja-JP" altLang="en-US" smtClean="0"/>
+              <a:t>12</a:t>
+            </a:fld>
+            <a:endParaRPr kumimoji="1" lang="ja-JP" altLang="en-US"/>
+          </a:p>
+        </p:txBody>
+      </p:sp>
+    </p:spTree>
+    <p:extLst>
+      <p:ext uri="{BB962C8B-B14F-4D97-AF65-F5344CB8AC3E}">
+        <p14:creationId xmlns:p14="http://schemas.microsoft.com/office/powerpoint/2010/main" val="1801841742"/>
+      </p:ext>
+    </p:extLst>
+  </p:cSld>
+  <p:clrMapOvr>
+    <a:masterClrMapping/>
+  </p:clrMapOvr>
+</p:notes>
+</file>
+
+<file path=ppt/notesSlides/notesSlide11.xml><?xml version="1.0" encoding="utf-8"?>
+<p:notes xmlns:a="http://schemas.openxmlformats.org/drawingml/2006/main" xmlns:r="http://schemas.openxmlformats.org/officeDocument/2006/relationships" xmlns:p="http://schemas.openxmlformats.org/presentationml/2006/main">
+  <p:cSld>
+    <p:spTree>
+      <p:nvGrpSpPr>
+        <p:cNvPr id="1" name=""/>
+        <p:cNvGrpSpPr/>
+        <p:nvPr/>
+      </p:nvGrpSpPr>
+      <p:grpSpPr>
+        <a:xfrm>
+          <a:off x="0" y="0"/>
+          <a:ext cx="0" cy="0"/>
+          <a:chOff x="0" y="0"/>
+          <a:chExt cx="0" cy="0"/>
+        </a:xfrm>
+      </p:grpSpPr>
+      <p:sp>
+        <p:nvSpPr>
+          <p:cNvPr id="2" name="スライド イメージ プレースホルダー 1"/>
+          <p:cNvSpPr>
+            <a:spLocks noGrp="1" noRot="1" noChangeAspect="1"/>
+          </p:cNvSpPr>
+          <p:nvPr>
+            <p:ph type="sldImg"/>
+          </p:nvPr>
+        </p:nvSpPr>
+        <p:spPr/>
+      </p:sp>
+      <p:sp>
+        <p:nvSpPr>
+          <p:cNvPr id="3" name="ノート プレースホルダー 2"/>
+          <p:cNvSpPr>
+            <a:spLocks noGrp="1"/>
+          </p:cNvSpPr>
+          <p:nvPr>
+            <p:ph type="body" idx="1"/>
+          </p:nvPr>
+        </p:nvSpPr>
+        <p:spPr/>
+        <p:txBody>
+          <a:bodyPr/>
+          <a:lstStyle/>
+          <a:p>
+            <a:r>
+              <a:rPr kumimoji="1" lang="ja-JP" altLang="en-US" dirty="0"/>
+              <a:t>移流方程式で実装した</a:t>
+            </a:r>
+            <a:endParaRPr kumimoji="1" lang="en-US" altLang="ja-JP" dirty="0"/>
+          </a:p>
+          <a:p>
+            <a:r>
+              <a:rPr kumimoji="1" lang="ja-JP" altLang="en-US" dirty="0"/>
+              <a:t>吸収率の分布や時間間隔なども自由に設定できるようにしてある</a:t>
+            </a:r>
+            <a:endParaRPr kumimoji="1" lang="en-US" altLang="ja-JP" dirty="0"/>
+          </a:p>
+          <a:p>
+            <a:r>
+              <a:rPr kumimoji="1" lang="ja-JP" altLang="en-US" dirty="0"/>
+              <a:t>これを光拡散方程式に今後する</a:t>
+            </a:r>
+            <a:endParaRPr kumimoji="1" lang="en-US" altLang="ja-JP" dirty="0"/>
+          </a:p>
+        </p:txBody>
+      </p:sp>
+      <p:sp>
+        <p:nvSpPr>
+          <p:cNvPr id="4" name="スライド番号プレースホルダー 3"/>
+          <p:cNvSpPr>
+            <a:spLocks noGrp="1"/>
+          </p:cNvSpPr>
+          <p:nvPr>
+            <p:ph type="sldNum" sz="quarter" idx="5"/>
+          </p:nvPr>
+        </p:nvSpPr>
+        <p:spPr/>
+        <p:txBody>
+          <a:bodyPr/>
+          <a:lstStyle/>
+          <a:p>
+            <a:fld id="{EF7C5CA3-E3F9-4CDC-A2DC-589CC3C7528D}" type="slidenum">
+              <a:rPr kumimoji="1" lang="ja-JP" altLang="en-US" smtClean="0"/>
+              <a:t>13</a:t>
+            </a:fld>
+            <a:endParaRPr kumimoji="1" lang="ja-JP" altLang="en-US"/>
+          </a:p>
+        </p:txBody>
+      </p:sp>
+    </p:spTree>
+    <p:extLst>
+      <p:ext uri="{BB962C8B-B14F-4D97-AF65-F5344CB8AC3E}">
+        <p14:creationId xmlns:p14="http://schemas.microsoft.com/office/powerpoint/2010/main" val="2257380765"/>
+      </p:ext>
+    </p:extLst>
+  </p:cSld>
+  <p:clrMapOvr>
+    <a:masterClrMapping/>
+  </p:clrMapOvr>
+</p:notes>
+</file>
+
 <file path=ppt/notesSlides/notesSlide2.xml><?xml version="1.0" encoding="utf-8"?>
 <p:notes xmlns:a="http://schemas.openxmlformats.org/drawingml/2006/main" xmlns:r="http://schemas.openxmlformats.org/officeDocument/2006/relationships" xmlns:p="http://schemas.openxmlformats.org/presentationml/2006/main">
   <p:cSld>
@@ -1459,24 +1679,38 @@
           <a:lstStyle/>
           <a:p>
             <a:r>
+              <a:rPr kumimoji="1" lang="en-US" altLang="ja-JP" dirty="0" err="1"/>
+              <a:t>Φt</a:t>
+            </a:r>
+            <a:r>
               <a:rPr kumimoji="1" lang="ja-JP" altLang="en-US" dirty="0"/>
-              <a:t>移流方程式で実装した</a:t>
+              <a:t>は既知だからこの値を代入することで</a:t>
+            </a:r>
+            <a:r>
+              <a:rPr kumimoji="1" lang="en-US" altLang="ja-JP" dirty="0" err="1"/>
+              <a:t>Δt</a:t>
+            </a:r>
+            <a:r>
+              <a:rPr kumimoji="1" lang="ja-JP" altLang="en-US" dirty="0"/>
+              <a:t>秒後の</a:t>
+            </a:r>
+            <a:r>
+              <a:rPr kumimoji="1" lang="en-US" altLang="ja-JP" dirty="0"/>
+              <a:t>Φt+1</a:t>
+            </a:r>
+          </a:p>
+          <a:p>
+            <a:r>
+              <a:rPr kumimoji="1" lang="ja-JP" altLang="en-US" dirty="0"/>
+              <a:t>これを繰り返すことで，任意の時間，任意の位置での光強度を求めることができる．</a:t>
             </a:r>
             <a:endParaRPr kumimoji="1" lang="en-US" altLang="ja-JP" dirty="0"/>
           </a:p>
           <a:p>
-            <a:r>
-              <a:rPr kumimoji="1" lang="ja-JP" altLang="en-US" dirty="0"/>
-              <a:t>吸収率の分布や時間間隔なども自由に設定できるようにしてある</a:t>
-            </a:r>
             <a:endParaRPr kumimoji="1" lang="en-US" altLang="ja-JP" dirty="0"/>
           </a:p>
           <a:p>
-            <a:r>
-              <a:rPr kumimoji="1" lang="ja-JP" altLang="en-US" dirty="0"/>
-              <a:t>これを光拡散方程式に今後する</a:t>
-            </a:r>
-            <a:endParaRPr kumimoji="1" lang="en-US" altLang="ja-JP" dirty="0"/>
+            <a:endParaRPr kumimoji="1" lang="ja-JP" altLang="en-US" dirty="0"/>
           </a:p>
         </p:txBody>
       </p:sp>
@@ -1506,7 +1740,7 @@
     </p:spTree>
     <p:extLst>
       <p:ext uri="{BB962C8B-B14F-4D97-AF65-F5344CB8AC3E}">
-        <p14:creationId xmlns:p14="http://schemas.microsoft.com/office/powerpoint/2010/main" val="2257380765"/>
+        <p14:creationId xmlns:p14="http://schemas.microsoft.com/office/powerpoint/2010/main" val="120926722"/>
       </p:ext>
     </p:extLst>
   </p:cSld>
@@ -1663,7 +1897,7 @@
           <a:p>
             <a:fld id="{C801310E-4C28-4D51-ADB4-8E3E74A70742}" type="datetimeFigureOut">
               <a:rPr kumimoji="1" lang="ja-JP" altLang="en-US" smtClean="0"/>
-              <a:t>2022/6/28</a:t>
+              <a:t>2022/7/4</a:t>
             </a:fld>
             <a:endParaRPr kumimoji="1" lang="ja-JP" altLang="en-US"/>
           </a:p>
@@ -1893,7 +2127,7 @@
           <a:p>
             <a:fld id="{C801310E-4C28-4D51-ADB4-8E3E74A70742}" type="datetimeFigureOut">
               <a:rPr kumimoji="1" lang="ja-JP" altLang="en-US" smtClean="0"/>
-              <a:t>2022/6/28</a:t>
+              <a:t>2022/7/4</a:t>
             </a:fld>
             <a:endParaRPr kumimoji="1" lang="ja-JP" altLang="en-US"/>
           </a:p>
@@ -2133,7 +2367,7 @@
           <a:p>
             <a:fld id="{C801310E-4C28-4D51-ADB4-8E3E74A70742}" type="datetimeFigureOut">
               <a:rPr kumimoji="1" lang="ja-JP" altLang="en-US" smtClean="0"/>
-              <a:t>2022/6/28</a:t>
+              <a:t>2022/7/4</a:t>
             </a:fld>
             <a:endParaRPr kumimoji="1" lang="ja-JP" altLang="en-US"/>
           </a:p>
@@ -2363,7 +2597,7 @@
           <a:p>
             <a:fld id="{C801310E-4C28-4D51-ADB4-8E3E74A70742}" type="datetimeFigureOut">
               <a:rPr kumimoji="1" lang="ja-JP" altLang="en-US" smtClean="0"/>
-              <a:t>2022/6/28</a:t>
+              <a:t>2022/7/4</a:t>
             </a:fld>
             <a:endParaRPr kumimoji="1" lang="ja-JP" altLang="en-US"/>
           </a:p>
@@ -2638,7 +2872,7 @@
           <a:p>
             <a:fld id="{C801310E-4C28-4D51-ADB4-8E3E74A70742}" type="datetimeFigureOut">
               <a:rPr kumimoji="1" lang="ja-JP" altLang="en-US" smtClean="0"/>
-              <a:t>2022/6/28</a:t>
+              <a:t>2022/7/4</a:t>
             </a:fld>
             <a:endParaRPr kumimoji="1" lang="ja-JP" altLang="en-US"/>
           </a:p>
@@ -2967,7 +3201,7 @@
           <a:p>
             <a:fld id="{C801310E-4C28-4D51-ADB4-8E3E74A70742}" type="datetimeFigureOut">
               <a:rPr kumimoji="1" lang="ja-JP" altLang="en-US" smtClean="0"/>
-              <a:t>2022/6/28</a:t>
+              <a:t>2022/7/4</a:t>
             </a:fld>
             <a:endParaRPr kumimoji="1" lang="ja-JP" altLang="en-US"/>
           </a:p>
@@ -3443,7 +3677,7 @@
           <a:p>
             <a:fld id="{C801310E-4C28-4D51-ADB4-8E3E74A70742}" type="datetimeFigureOut">
               <a:rPr kumimoji="1" lang="ja-JP" altLang="en-US" smtClean="0"/>
-              <a:t>2022/6/28</a:t>
+              <a:t>2022/7/4</a:t>
             </a:fld>
             <a:endParaRPr kumimoji="1" lang="ja-JP" altLang="en-US"/>
           </a:p>
@@ -3584,7 +3818,7 @@
           <a:p>
             <a:fld id="{C801310E-4C28-4D51-ADB4-8E3E74A70742}" type="datetimeFigureOut">
               <a:rPr kumimoji="1" lang="ja-JP" altLang="en-US" smtClean="0"/>
-              <a:t>2022/6/28</a:t>
+              <a:t>2022/7/4</a:t>
             </a:fld>
             <a:endParaRPr kumimoji="1" lang="ja-JP" altLang="en-US"/>
           </a:p>
@@ -3697,7 +3931,7 @@
           <a:p>
             <a:fld id="{C801310E-4C28-4D51-ADB4-8E3E74A70742}" type="datetimeFigureOut">
               <a:rPr kumimoji="1" lang="ja-JP" altLang="en-US" smtClean="0"/>
-              <a:t>2022/6/28</a:t>
+              <a:t>2022/7/4</a:t>
             </a:fld>
             <a:endParaRPr kumimoji="1" lang="ja-JP" altLang="en-US"/>
           </a:p>
@@ -4040,7 +4274,7 @@
           <a:p>
             <a:fld id="{C801310E-4C28-4D51-ADB4-8E3E74A70742}" type="datetimeFigureOut">
               <a:rPr kumimoji="1" lang="ja-JP" altLang="en-US" smtClean="0"/>
-              <a:t>2022/6/28</a:t>
+              <a:t>2022/7/4</a:t>
             </a:fld>
             <a:endParaRPr kumimoji="1" lang="ja-JP" altLang="en-US"/>
           </a:p>
@@ -4328,7 +4562,7 @@
           <a:p>
             <a:fld id="{C801310E-4C28-4D51-ADB4-8E3E74A70742}" type="datetimeFigureOut">
               <a:rPr kumimoji="1" lang="ja-JP" altLang="en-US" smtClean="0"/>
-              <a:t>2022/6/28</a:t>
+              <a:t>2022/7/4</a:t>
             </a:fld>
             <a:endParaRPr kumimoji="1" lang="ja-JP" altLang="en-US"/>
           </a:p>
@@ -4601,7 +4835,7 @@
           <a:p>
             <a:fld id="{C801310E-4C28-4D51-ADB4-8E3E74A70742}" type="datetimeFigureOut">
               <a:rPr kumimoji="1" lang="ja-JP" altLang="en-US" smtClean="0"/>
-              <a:t>2022/6/28</a:t>
+              <a:t>2022/7/4</a:t>
             </a:fld>
             <a:endParaRPr kumimoji="1" lang="ja-JP" altLang="en-US"/>
           </a:p>
@@ -9229,6 +9463,5591 @@
 </file>
 
 <file path=ppt/slides/slide11.xml><?xml version="1.0" encoding="utf-8"?>
+<p:sld xmlns:a="http://schemas.openxmlformats.org/drawingml/2006/main" xmlns:r="http://schemas.openxmlformats.org/officeDocument/2006/relationships" xmlns:p="http://schemas.openxmlformats.org/presentationml/2006/main">
+  <p:cSld>
+    <p:spTree>
+      <p:nvGrpSpPr>
+        <p:cNvPr id="1" name=""/>
+        <p:cNvGrpSpPr/>
+        <p:nvPr/>
+      </p:nvGrpSpPr>
+      <p:grpSpPr>
+        <a:xfrm>
+          <a:off x="0" y="0"/>
+          <a:ext cx="0" cy="0"/>
+          <a:chOff x="0" y="0"/>
+          <a:chExt cx="0" cy="0"/>
+        </a:xfrm>
+      </p:grpSpPr>
+      <p:sp>
+        <p:nvSpPr>
+          <p:cNvPr id="2" name="タイトル 1">
+            <a:extLst>
+              <a:ext uri="{FF2B5EF4-FFF2-40B4-BE49-F238E27FC236}">
+                <a16:creationId xmlns:a16="http://schemas.microsoft.com/office/drawing/2014/main" id="{D61A0F76-D2BC-1333-D25D-45B69AF50A94}"/>
+              </a:ext>
+            </a:extLst>
+          </p:cNvPr>
+          <p:cNvSpPr>
+            <a:spLocks noGrp="1"/>
+          </p:cNvSpPr>
+          <p:nvPr>
+            <p:ph type="title"/>
+          </p:nvPr>
+        </p:nvSpPr>
+        <p:spPr/>
+        <p:txBody>
+          <a:bodyPr/>
+          <a:lstStyle/>
+          <a:p>
+            <a:r>
+              <a:rPr lang="ja-JP" altLang="en-US" dirty="0"/>
+              <a:t>入力面での境界条件</a:t>
+            </a:r>
+            <a:r>
+              <a:rPr kumimoji="1" lang="ja-JP" altLang="en-US" dirty="0"/>
+              <a:t>の離散化</a:t>
+            </a:r>
+          </a:p>
+        </p:txBody>
+      </p:sp>
+      <mc:AlternateContent xmlns:mc="http://schemas.openxmlformats.org/markup-compatibility/2006" xmlns:a14="http://schemas.microsoft.com/office/drawing/2010/main">
+        <mc:Choice Requires="a14">
+          <p:sp>
+            <p:nvSpPr>
+              <p:cNvPr id="10" name="方程式">
+                <a:extLst>
+                  <a:ext uri="{FF2B5EF4-FFF2-40B4-BE49-F238E27FC236}">
+                    <a16:creationId xmlns:a16="http://schemas.microsoft.com/office/drawing/2014/main" id="{77B5F3B7-E4B4-FD58-A473-976DAE482710}"/>
+                  </a:ext>
+                </a:extLst>
+              </p:cNvPr>
+              <p:cNvSpPr txBox="1"/>
+              <p:nvPr/>
+            </p:nvSpPr>
+            <p:spPr>
+              <a:xfrm>
+                <a:off x="1853747" y="1382144"/>
+                <a:ext cx="6160853" cy="765915"/>
+              </a:xfrm>
+              <a:prstGeom prst="rect">
+                <a:avLst/>
+              </a:prstGeom>
+              <a:ln w="12700">
+                <a:miter lim="400000"/>
+              </a:ln>
+            </p:spPr>
+            <p:txBody>
+              <a:bodyPr wrap="none" lIns="0" tIns="0" rIns="0" bIns="0">
+                <a:spAutoFit/>
+              </a:bodyPr>
+              <a:lstStyle>
+                <a:defPPr marL="0" marR="0" indent="0" algn="l" defTabSz="914400" rtl="0" fontAlgn="auto" latinLnBrk="1" hangingPunct="0">
+                  <a:lnSpc>
+                    <a:spcPct val="100000"/>
+                  </a:lnSpc>
+                  <a:spcBef>
+                    <a:spcPts val="0"/>
+                  </a:spcBef>
+                  <a:spcAft>
+                    <a:spcPts val="0"/>
+                  </a:spcAft>
+                  <a:buClrTx/>
+                  <a:buSzTx/>
+                  <a:buFontTx/>
+                  <a:buNone/>
+                  <a:tabLst/>
+                  <a:defRPr kumimoji="0" sz="1800" b="0" i="0" u="none" strike="noStrike" cap="none" spc="0" normalizeH="0" baseline="0">
+                    <a:ln>
+                      <a:noFill/>
+                    </a:ln>
+                    <a:solidFill>
+                      <a:srgbClr val="000000"/>
+                    </a:solidFill>
+                    <a:effectLst/>
+                    <a:uFillTx/>
+                  </a:defRPr>
+                </a:defPPr>
+                <a:lvl1pPr marL="0" marR="0" indent="0" algn="ctr" defTabSz="821531" rtl="0" fontAlgn="auto" latinLnBrk="0" hangingPunct="0">
+                  <a:lnSpc>
+                    <a:spcPct val="100000"/>
+                  </a:lnSpc>
+                  <a:spcBef>
+                    <a:spcPts val="0"/>
+                  </a:spcBef>
+                  <a:spcAft>
+                    <a:spcPts val="0"/>
+                  </a:spcAft>
+                  <a:buClrTx/>
+                  <a:buSzTx/>
+                  <a:buFontTx/>
+                  <a:buNone/>
+                  <a:tabLst/>
+                  <a:defRPr kumimoji="0" sz="3200" b="0" i="0" u="none" strike="noStrike" cap="none" spc="0" normalizeH="0" baseline="0">
+                    <a:ln>
+                      <a:noFill/>
+                    </a:ln>
+                    <a:solidFill>
+                      <a:srgbClr val="000000"/>
+                    </a:solidFill>
+                    <a:effectLst/>
+                    <a:uFillTx/>
+                    <a:latin typeface="ヒラギノ角ゴ ProN W6"/>
+                    <a:ea typeface="ヒラギノ角ゴ ProN W6"/>
+                    <a:cs typeface="ヒラギノ角ゴ ProN W6"/>
+                    <a:sym typeface="ヒラギノ角ゴ ProN W6"/>
+                  </a:defRPr>
+                </a:lvl1pPr>
+                <a:lvl2pPr marL="0" marR="0" indent="228600" algn="ctr" defTabSz="821531" rtl="0" fontAlgn="auto" latinLnBrk="0" hangingPunct="0">
+                  <a:lnSpc>
+                    <a:spcPct val="100000"/>
+                  </a:lnSpc>
+                  <a:spcBef>
+                    <a:spcPts val="0"/>
+                  </a:spcBef>
+                  <a:spcAft>
+                    <a:spcPts val="0"/>
+                  </a:spcAft>
+                  <a:buClrTx/>
+                  <a:buSzTx/>
+                  <a:buFontTx/>
+                  <a:buNone/>
+                  <a:tabLst/>
+                  <a:defRPr kumimoji="0" sz="3200" b="0" i="0" u="none" strike="noStrike" cap="none" spc="0" normalizeH="0" baseline="0">
+                    <a:ln>
+                      <a:noFill/>
+                    </a:ln>
+                    <a:solidFill>
+                      <a:srgbClr val="000000"/>
+                    </a:solidFill>
+                    <a:effectLst/>
+                    <a:uFillTx/>
+                    <a:latin typeface="ヒラギノ角ゴ ProN W6"/>
+                    <a:ea typeface="ヒラギノ角ゴ ProN W6"/>
+                    <a:cs typeface="ヒラギノ角ゴ ProN W6"/>
+                    <a:sym typeface="ヒラギノ角ゴ ProN W6"/>
+                  </a:defRPr>
+                </a:lvl2pPr>
+                <a:lvl3pPr marL="0" marR="0" indent="457200" algn="ctr" defTabSz="821531" rtl="0" fontAlgn="auto" latinLnBrk="0" hangingPunct="0">
+                  <a:lnSpc>
+                    <a:spcPct val="100000"/>
+                  </a:lnSpc>
+                  <a:spcBef>
+                    <a:spcPts val="0"/>
+                  </a:spcBef>
+                  <a:spcAft>
+                    <a:spcPts val="0"/>
+                  </a:spcAft>
+                  <a:buClrTx/>
+                  <a:buSzTx/>
+                  <a:buFontTx/>
+                  <a:buNone/>
+                  <a:tabLst/>
+                  <a:defRPr kumimoji="0" sz="3200" b="0" i="0" u="none" strike="noStrike" cap="none" spc="0" normalizeH="0" baseline="0">
+                    <a:ln>
+                      <a:noFill/>
+                    </a:ln>
+                    <a:solidFill>
+                      <a:srgbClr val="000000"/>
+                    </a:solidFill>
+                    <a:effectLst/>
+                    <a:uFillTx/>
+                    <a:latin typeface="ヒラギノ角ゴ ProN W6"/>
+                    <a:ea typeface="ヒラギノ角ゴ ProN W6"/>
+                    <a:cs typeface="ヒラギノ角ゴ ProN W6"/>
+                    <a:sym typeface="ヒラギノ角ゴ ProN W6"/>
+                  </a:defRPr>
+                </a:lvl3pPr>
+                <a:lvl4pPr marL="0" marR="0" indent="685800" algn="ctr" defTabSz="821531" rtl="0" fontAlgn="auto" latinLnBrk="0" hangingPunct="0">
+                  <a:lnSpc>
+                    <a:spcPct val="100000"/>
+                  </a:lnSpc>
+                  <a:spcBef>
+                    <a:spcPts val="0"/>
+                  </a:spcBef>
+                  <a:spcAft>
+                    <a:spcPts val="0"/>
+                  </a:spcAft>
+                  <a:buClrTx/>
+                  <a:buSzTx/>
+                  <a:buFontTx/>
+                  <a:buNone/>
+                  <a:tabLst/>
+                  <a:defRPr kumimoji="0" sz="3200" b="0" i="0" u="none" strike="noStrike" cap="none" spc="0" normalizeH="0" baseline="0">
+                    <a:ln>
+                      <a:noFill/>
+                    </a:ln>
+                    <a:solidFill>
+                      <a:srgbClr val="000000"/>
+                    </a:solidFill>
+                    <a:effectLst/>
+                    <a:uFillTx/>
+                    <a:latin typeface="ヒラギノ角ゴ ProN W6"/>
+                    <a:ea typeface="ヒラギノ角ゴ ProN W6"/>
+                    <a:cs typeface="ヒラギノ角ゴ ProN W6"/>
+                    <a:sym typeface="ヒラギノ角ゴ ProN W6"/>
+                  </a:defRPr>
+                </a:lvl4pPr>
+                <a:lvl5pPr marL="0" marR="0" indent="914400" algn="ctr" defTabSz="821531" rtl="0" fontAlgn="auto" latinLnBrk="0" hangingPunct="0">
+                  <a:lnSpc>
+                    <a:spcPct val="100000"/>
+                  </a:lnSpc>
+                  <a:spcBef>
+                    <a:spcPts val="0"/>
+                  </a:spcBef>
+                  <a:spcAft>
+                    <a:spcPts val="0"/>
+                  </a:spcAft>
+                  <a:buClrTx/>
+                  <a:buSzTx/>
+                  <a:buFontTx/>
+                  <a:buNone/>
+                  <a:tabLst/>
+                  <a:defRPr kumimoji="0" sz="3200" b="0" i="0" u="none" strike="noStrike" cap="none" spc="0" normalizeH="0" baseline="0">
+                    <a:ln>
+                      <a:noFill/>
+                    </a:ln>
+                    <a:solidFill>
+                      <a:srgbClr val="000000"/>
+                    </a:solidFill>
+                    <a:effectLst/>
+                    <a:uFillTx/>
+                    <a:latin typeface="ヒラギノ角ゴ ProN W6"/>
+                    <a:ea typeface="ヒラギノ角ゴ ProN W6"/>
+                    <a:cs typeface="ヒラギノ角ゴ ProN W6"/>
+                    <a:sym typeface="ヒラギノ角ゴ ProN W6"/>
+                  </a:defRPr>
+                </a:lvl5pPr>
+                <a:lvl6pPr marL="0" marR="0" indent="1143000" algn="ctr" defTabSz="821531" rtl="0" fontAlgn="auto" latinLnBrk="0" hangingPunct="0">
+                  <a:lnSpc>
+                    <a:spcPct val="100000"/>
+                  </a:lnSpc>
+                  <a:spcBef>
+                    <a:spcPts val="0"/>
+                  </a:spcBef>
+                  <a:spcAft>
+                    <a:spcPts val="0"/>
+                  </a:spcAft>
+                  <a:buClrTx/>
+                  <a:buSzTx/>
+                  <a:buFontTx/>
+                  <a:buNone/>
+                  <a:tabLst/>
+                  <a:defRPr kumimoji="0" sz="3200" b="0" i="0" u="none" strike="noStrike" cap="none" spc="0" normalizeH="0" baseline="0">
+                    <a:ln>
+                      <a:noFill/>
+                    </a:ln>
+                    <a:solidFill>
+                      <a:srgbClr val="000000"/>
+                    </a:solidFill>
+                    <a:effectLst/>
+                    <a:uFillTx/>
+                    <a:latin typeface="ヒラギノ角ゴ ProN W6"/>
+                    <a:ea typeface="ヒラギノ角ゴ ProN W6"/>
+                    <a:cs typeface="ヒラギノ角ゴ ProN W6"/>
+                    <a:sym typeface="ヒラギノ角ゴ ProN W6"/>
+                  </a:defRPr>
+                </a:lvl6pPr>
+                <a:lvl7pPr marL="0" marR="0" indent="1371600" algn="ctr" defTabSz="821531" rtl="0" fontAlgn="auto" latinLnBrk="0" hangingPunct="0">
+                  <a:lnSpc>
+                    <a:spcPct val="100000"/>
+                  </a:lnSpc>
+                  <a:spcBef>
+                    <a:spcPts val="0"/>
+                  </a:spcBef>
+                  <a:spcAft>
+                    <a:spcPts val="0"/>
+                  </a:spcAft>
+                  <a:buClrTx/>
+                  <a:buSzTx/>
+                  <a:buFontTx/>
+                  <a:buNone/>
+                  <a:tabLst/>
+                  <a:defRPr kumimoji="0" sz="3200" b="0" i="0" u="none" strike="noStrike" cap="none" spc="0" normalizeH="0" baseline="0">
+                    <a:ln>
+                      <a:noFill/>
+                    </a:ln>
+                    <a:solidFill>
+                      <a:srgbClr val="000000"/>
+                    </a:solidFill>
+                    <a:effectLst/>
+                    <a:uFillTx/>
+                    <a:latin typeface="ヒラギノ角ゴ ProN W6"/>
+                    <a:ea typeface="ヒラギノ角ゴ ProN W6"/>
+                    <a:cs typeface="ヒラギノ角ゴ ProN W6"/>
+                    <a:sym typeface="ヒラギノ角ゴ ProN W6"/>
+                  </a:defRPr>
+                </a:lvl7pPr>
+                <a:lvl8pPr marL="0" marR="0" indent="1600200" algn="ctr" defTabSz="821531" rtl="0" fontAlgn="auto" latinLnBrk="0" hangingPunct="0">
+                  <a:lnSpc>
+                    <a:spcPct val="100000"/>
+                  </a:lnSpc>
+                  <a:spcBef>
+                    <a:spcPts val="0"/>
+                  </a:spcBef>
+                  <a:spcAft>
+                    <a:spcPts val="0"/>
+                  </a:spcAft>
+                  <a:buClrTx/>
+                  <a:buSzTx/>
+                  <a:buFontTx/>
+                  <a:buNone/>
+                  <a:tabLst/>
+                  <a:defRPr kumimoji="0" sz="3200" b="0" i="0" u="none" strike="noStrike" cap="none" spc="0" normalizeH="0" baseline="0">
+                    <a:ln>
+                      <a:noFill/>
+                    </a:ln>
+                    <a:solidFill>
+                      <a:srgbClr val="000000"/>
+                    </a:solidFill>
+                    <a:effectLst/>
+                    <a:uFillTx/>
+                    <a:latin typeface="ヒラギノ角ゴ ProN W6"/>
+                    <a:ea typeface="ヒラギノ角ゴ ProN W6"/>
+                    <a:cs typeface="ヒラギノ角ゴ ProN W6"/>
+                    <a:sym typeface="ヒラギノ角ゴ ProN W6"/>
+                  </a:defRPr>
+                </a:lvl8pPr>
+                <a:lvl9pPr marL="0" marR="0" indent="1828800" algn="ctr" defTabSz="821531" rtl="0" fontAlgn="auto" latinLnBrk="0" hangingPunct="0">
+                  <a:lnSpc>
+                    <a:spcPct val="100000"/>
+                  </a:lnSpc>
+                  <a:spcBef>
+                    <a:spcPts val="0"/>
+                  </a:spcBef>
+                  <a:spcAft>
+                    <a:spcPts val="0"/>
+                  </a:spcAft>
+                  <a:buClrTx/>
+                  <a:buSzTx/>
+                  <a:buFontTx/>
+                  <a:buNone/>
+                  <a:tabLst/>
+                  <a:defRPr kumimoji="0" sz="3200" b="0" i="0" u="none" strike="noStrike" cap="none" spc="0" normalizeH="0" baseline="0">
+                    <a:ln>
+                      <a:noFill/>
+                    </a:ln>
+                    <a:solidFill>
+                      <a:srgbClr val="000000"/>
+                    </a:solidFill>
+                    <a:effectLst/>
+                    <a:uFillTx/>
+                    <a:latin typeface="ヒラギノ角ゴ ProN W6"/>
+                    <a:ea typeface="ヒラギノ角ゴ ProN W6"/>
+                    <a:cs typeface="ヒラギノ角ゴ ProN W6"/>
+                    <a:sym typeface="ヒラギノ角ゴ ProN W6"/>
+                  </a:defRPr>
+                </a:lvl9pPr>
+              </a:lstStyle>
+              <a:p>
+                <a:pPr algn="l" defTabSz="914400" latinLnBrk="1">
+                  <a:defRPr sz="1800"/>
+                </a:pPr>
+                <a14:m>
+                  <m:oMathPara xmlns:m="http://schemas.openxmlformats.org/officeDocument/2006/math">
+                    <m:oMathParaPr>
+                      <m:jc m:val="centerGroup"/>
+                    </m:oMathParaPr>
+                    <m:oMath xmlns:m="http://schemas.openxmlformats.org/officeDocument/2006/math">
+                      <m:r>
+                        <a:rPr lang="ar-AE" sz="2400" i="1" smtClean="0">
+                          <a:solidFill>
+                            <a:srgbClr val="000000"/>
+                          </a:solidFill>
+                          <a:latin typeface="Cambria Math" panose="02040503050406030204" pitchFamily="18" charset="0"/>
+                        </a:rPr>
+                        <m:t>𝜙</m:t>
+                      </m:r>
+                      <m:r>
+                        <a:rPr lang="ar-AE" sz="2400" i="1" smtClean="0">
+                          <a:solidFill>
+                            <a:srgbClr val="000000"/>
+                          </a:solidFill>
+                          <a:latin typeface="Cambria Math" panose="02040503050406030204" pitchFamily="18" charset="0"/>
+                        </a:rPr>
+                        <m:t>(</m:t>
+                      </m:r>
+                      <m:r>
+                        <a:rPr lang="en-US" sz="2400" b="0" i="1" smtClean="0">
+                          <a:solidFill>
+                            <a:srgbClr val="000000"/>
+                          </a:solidFill>
+                          <a:latin typeface="Cambria Math" panose="02040503050406030204" pitchFamily="18" charset="0"/>
+                        </a:rPr>
+                        <m:t>𝑥</m:t>
+                      </m:r>
+                      <m:r>
+                        <a:rPr lang="en-US" sz="2400" b="0" i="1" smtClean="0">
+                          <a:solidFill>
+                            <a:srgbClr val="000000"/>
+                          </a:solidFill>
+                          <a:latin typeface="Cambria Math" panose="02040503050406030204" pitchFamily="18" charset="0"/>
+                        </a:rPr>
+                        <m:t>,</m:t>
+                      </m:r>
+                      <m:r>
+                        <a:rPr lang="en-US" sz="2400" b="0" i="1" smtClean="0">
+                          <a:solidFill>
+                            <a:srgbClr val="000000"/>
+                          </a:solidFill>
+                          <a:latin typeface="Cambria Math" panose="02040503050406030204" pitchFamily="18" charset="0"/>
+                        </a:rPr>
+                        <m:t>0</m:t>
+                      </m:r>
+                      <m:r>
+                        <a:rPr lang="ar-AE" sz="2400" i="1">
+                          <a:solidFill>
+                            <a:srgbClr val="000000"/>
+                          </a:solidFill>
+                          <a:latin typeface="Cambria Math" panose="02040503050406030204" pitchFamily="18" charset="0"/>
+                        </a:rPr>
+                        <m:t>,</m:t>
+                      </m:r>
+                      <m:r>
+                        <a:rPr lang="ar-AE" sz="2400" i="1">
+                          <a:solidFill>
+                            <a:srgbClr val="000000"/>
+                          </a:solidFill>
+                          <a:latin typeface="Cambria Math" panose="02040503050406030204" pitchFamily="18" charset="0"/>
+                        </a:rPr>
+                        <m:t>𝑡</m:t>
+                      </m:r>
+                      <m:r>
+                        <a:rPr lang="ar-AE" sz="2400" i="1">
+                          <a:solidFill>
+                            <a:srgbClr val="000000"/>
+                          </a:solidFill>
+                          <a:latin typeface="Cambria Math" panose="02040503050406030204" pitchFamily="18" charset="0"/>
+                        </a:rPr>
+                        <m:t>)=−</m:t>
+                      </m:r>
+                      <m:r>
+                        <a:rPr lang="ar-AE" sz="2400" i="1">
+                          <a:solidFill>
+                            <a:srgbClr val="000000"/>
+                          </a:solidFill>
+                          <a:latin typeface="Cambria Math" panose="02040503050406030204" pitchFamily="18" charset="0"/>
+                        </a:rPr>
+                        <m:t>2</m:t>
+                      </m:r>
+                      <m:r>
+                        <a:rPr lang="ar-AE" sz="2400" i="1">
+                          <a:solidFill>
+                            <a:srgbClr val="000000"/>
+                          </a:solidFill>
+                          <a:latin typeface="Cambria Math" panose="02040503050406030204" pitchFamily="18" charset="0"/>
+                        </a:rPr>
+                        <m:t>𝐷𝐴</m:t>
+                      </m:r>
+                      <m:f>
+                        <m:fPr>
+                          <m:ctrlPr>
+                            <a:rPr lang="ar-AE" sz="2400" i="1">
+                              <a:solidFill>
+                                <a:srgbClr val="000000"/>
+                              </a:solidFill>
+                              <a:latin typeface="Cambria Math" panose="02040503050406030204" pitchFamily="18" charset="0"/>
+                            </a:rPr>
+                          </m:ctrlPr>
+                        </m:fPr>
+                        <m:num>
+                          <m:r>
+                            <a:rPr lang="ar-AE" sz="2400" i="1">
+                              <a:solidFill>
+                                <a:srgbClr val="000000"/>
+                              </a:solidFill>
+                              <a:latin typeface="Cambria Math" panose="02040503050406030204" pitchFamily="18" charset="0"/>
+                            </a:rPr>
+                            <m:t>𝜕𝜙</m:t>
+                          </m:r>
+                          <m:r>
+                            <a:rPr lang="ar-AE" sz="2400" i="1">
+                              <a:solidFill>
+                                <a:srgbClr val="000000"/>
+                              </a:solidFill>
+                              <a:latin typeface="Cambria Math" panose="02040503050406030204" pitchFamily="18" charset="0"/>
+                            </a:rPr>
+                            <m:t>(</m:t>
+                          </m:r>
+                          <m:r>
+                            <a:rPr lang="en-US" sz="2400" b="0" i="1" smtClean="0">
+                              <a:solidFill>
+                                <a:srgbClr val="000000"/>
+                              </a:solidFill>
+                              <a:latin typeface="Cambria Math" panose="02040503050406030204" pitchFamily="18" charset="0"/>
+                            </a:rPr>
+                            <m:t>𝑥</m:t>
+                          </m:r>
+                          <m:r>
+                            <a:rPr lang="en-US" sz="2400" b="0" i="1" smtClean="0">
+                              <a:solidFill>
+                                <a:srgbClr val="000000"/>
+                              </a:solidFill>
+                              <a:latin typeface="Cambria Math" panose="02040503050406030204" pitchFamily="18" charset="0"/>
+                            </a:rPr>
+                            <m:t>,</m:t>
+                          </m:r>
+                          <m:r>
+                            <a:rPr lang="en-US" sz="2400" b="0" i="1" smtClean="0">
+                              <a:solidFill>
+                                <a:srgbClr val="000000"/>
+                              </a:solidFill>
+                              <a:latin typeface="Cambria Math" panose="02040503050406030204" pitchFamily="18" charset="0"/>
+                            </a:rPr>
+                            <m:t>0</m:t>
+                          </m:r>
+                          <m:r>
+                            <a:rPr lang="ar-AE" sz="2400" i="1">
+                              <a:solidFill>
+                                <a:srgbClr val="000000"/>
+                              </a:solidFill>
+                              <a:latin typeface="Cambria Math" panose="02040503050406030204" pitchFamily="18" charset="0"/>
+                            </a:rPr>
+                            <m:t>,</m:t>
+                          </m:r>
+                          <m:r>
+                            <a:rPr lang="ar-AE" sz="2400" i="1">
+                              <a:solidFill>
+                                <a:srgbClr val="000000"/>
+                              </a:solidFill>
+                              <a:latin typeface="Cambria Math" panose="02040503050406030204" pitchFamily="18" charset="0"/>
+                            </a:rPr>
+                            <m:t>𝑡</m:t>
+                          </m:r>
+                          <m:r>
+                            <a:rPr lang="ar-AE" sz="2400" i="1">
+                              <a:solidFill>
+                                <a:srgbClr val="000000"/>
+                              </a:solidFill>
+                              <a:latin typeface="Cambria Math" panose="02040503050406030204" pitchFamily="18" charset="0"/>
+                            </a:rPr>
+                            <m:t>)</m:t>
+                          </m:r>
+                        </m:num>
+                        <m:den>
+                          <m:r>
+                            <a:rPr lang="ar-AE" sz="2400" i="1">
+                              <a:solidFill>
+                                <a:srgbClr val="000000"/>
+                              </a:solidFill>
+                              <a:latin typeface="Cambria Math" panose="02040503050406030204" pitchFamily="18" charset="0"/>
+                            </a:rPr>
+                            <m:t>𝜕</m:t>
+                          </m:r>
+                          <m:r>
+                            <a:rPr lang="ar-AE" sz="2400" i="1">
+                              <a:solidFill>
+                                <a:srgbClr val="000000"/>
+                              </a:solidFill>
+                              <a:latin typeface="Cambria Math" panose="02040503050406030204" pitchFamily="18" charset="0"/>
+                            </a:rPr>
+                            <m:t>𝑛</m:t>
+                          </m:r>
+                        </m:den>
+                      </m:f>
+                      <m:r>
+                        <a:rPr lang="ar-AE" sz="2400" i="1">
+                          <a:solidFill>
+                            <a:srgbClr val="000000"/>
+                          </a:solidFill>
+                          <a:latin typeface="Cambria Math" panose="02040503050406030204" pitchFamily="18" charset="0"/>
+                        </a:rPr>
+                        <m:t>+</m:t>
+                      </m:r>
+                      <m:f>
+                        <m:fPr>
+                          <m:ctrlPr>
+                            <a:rPr lang="ar-AE" sz="2400" i="1">
+                              <a:solidFill>
+                                <a:srgbClr val="000000"/>
+                              </a:solidFill>
+                              <a:latin typeface="Cambria Math" panose="02040503050406030204" pitchFamily="18" charset="0"/>
+                            </a:rPr>
+                          </m:ctrlPr>
+                        </m:fPr>
+                        <m:num>
+                          <m:r>
+                            <a:rPr lang="ar-AE" sz="2400" i="1">
+                              <a:solidFill>
+                                <a:srgbClr val="000000"/>
+                              </a:solidFill>
+                              <a:latin typeface="Cambria Math" panose="02040503050406030204" pitchFamily="18" charset="0"/>
+                            </a:rPr>
+                            <m:t>4</m:t>
+                          </m:r>
+                        </m:num>
+                        <m:den>
+                          <m:r>
+                            <a:rPr lang="ar-AE" sz="2400" i="1">
+                              <a:solidFill>
+                                <a:srgbClr val="000000"/>
+                              </a:solidFill>
+                              <a:latin typeface="Cambria Math" panose="02040503050406030204" pitchFamily="18" charset="0"/>
+                            </a:rPr>
+                            <m:t>1</m:t>
+                          </m:r>
+                          <m:r>
+                            <a:rPr lang="ar-AE" sz="2400" i="1">
+                              <a:solidFill>
+                                <a:srgbClr val="000000"/>
+                              </a:solidFill>
+                              <a:latin typeface="Cambria Math" panose="02040503050406030204" pitchFamily="18" charset="0"/>
+                            </a:rPr>
+                            <m:t>−</m:t>
+                          </m:r>
+                          <m:sSub>
+                            <m:sSubPr>
+                              <m:ctrlPr>
+                                <a:rPr lang="ar-AE" sz="2400" i="1">
+                                  <a:solidFill>
+                                    <a:srgbClr val="000000"/>
+                                  </a:solidFill>
+                                  <a:latin typeface="Cambria Math" panose="02040503050406030204" pitchFamily="18" charset="0"/>
+                                </a:rPr>
+                              </m:ctrlPr>
+                            </m:sSubPr>
+                            <m:e>
+                              <m:r>
+                                <a:rPr lang="ar-AE" sz="2400" i="1">
+                                  <a:solidFill>
+                                    <a:srgbClr val="000000"/>
+                                  </a:solidFill>
+                                  <a:latin typeface="Cambria Math" panose="02040503050406030204" pitchFamily="18" charset="0"/>
+                                </a:rPr>
+                                <m:t>𝑟</m:t>
+                              </m:r>
+                            </m:e>
+                            <m:sub>
+                              <m:r>
+                                <a:rPr lang="ar-AE" sz="2400" i="1">
+                                  <a:solidFill>
+                                    <a:srgbClr val="000000"/>
+                                  </a:solidFill>
+                                  <a:latin typeface="Cambria Math" panose="02040503050406030204" pitchFamily="18" charset="0"/>
+                                </a:rPr>
+                                <m:t>𝑑</m:t>
+                              </m:r>
+                            </m:sub>
+                          </m:sSub>
+                        </m:den>
+                      </m:f>
+                      <m:r>
+                        <a:rPr lang="ar-AE" sz="2400" i="1">
+                          <a:solidFill>
+                            <a:srgbClr val="000000"/>
+                          </a:solidFill>
+                          <a:latin typeface="Cambria Math" panose="02040503050406030204" pitchFamily="18" charset="0"/>
+                        </a:rPr>
+                        <m:t>𝐼</m:t>
+                      </m:r>
+                      <m:r>
+                        <a:rPr lang="ar-AE" sz="2400" i="1">
+                          <a:solidFill>
+                            <a:srgbClr val="000000"/>
+                          </a:solidFill>
+                          <a:latin typeface="Cambria Math" panose="02040503050406030204" pitchFamily="18" charset="0"/>
+                        </a:rPr>
+                        <m:t>(</m:t>
+                      </m:r>
+                      <m:r>
+                        <a:rPr lang="en-US" sz="2400" b="0" i="1" smtClean="0">
+                          <a:solidFill>
+                            <a:srgbClr val="000000"/>
+                          </a:solidFill>
+                          <a:latin typeface="Cambria Math" panose="02040503050406030204" pitchFamily="18" charset="0"/>
+                        </a:rPr>
+                        <m:t>𝑥</m:t>
+                      </m:r>
+                      <m:r>
+                        <a:rPr lang="ar-AE" sz="2400" i="1">
+                          <a:solidFill>
+                            <a:srgbClr val="000000"/>
+                          </a:solidFill>
+                          <a:latin typeface="Cambria Math" panose="02040503050406030204" pitchFamily="18" charset="0"/>
+                        </a:rPr>
+                        <m:t>,</m:t>
+                      </m:r>
+                      <m:limUpp>
+                        <m:limUppPr>
+                          <m:ctrlPr>
+                            <a:rPr lang="ar-AE" sz="2400" i="1">
+                              <a:solidFill>
+                                <a:srgbClr val="000000"/>
+                              </a:solidFill>
+                              <a:latin typeface="Cambria Math" panose="02040503050406030204" pitchFamily="18" charset="0"/>
+                            </a:rPr>
+                          </m:ctrlPr>
+                        </m:limUppPr>
+                        <m:e>
+                          <m:r>
+                            <a:rPr lang="en-US" sz="2400" b="0" i="1" smtClean="0">
+                              <a:solidFill>
+                                <a:srgbClr val="000000"/>
+                              </a:solidFill>
+                              <a:latin typeface="Cambria Math" panose="02040503050406030204" pitchFamily="18" charset="0"/>
+                            </a:rPr>
+                            <m:t>0</m:t>
+                          </m:r>
+                        </m:e>
+                        <m:lim>
+                          <m:r>
+                            <a:rPr lang="ar-AE" sz="2400" i="1">
+                              <a:solidFill>
+                                <a:srgbClr val="000000"/>
+                              </a:solidFill>
+                              <a:latin typeface="Cambria Math" panose="02040503050406030204" pitchFamily="18" charset="0"/>
+                            </a:rPr>
+                            <m:t>̂</m:t>
+                          </m:r>
+                        </m:lim>
+                      </m:limUpp>
+                      <m:r>
+                        <a:rPr lang="ar-AE" sz="2400" i="1">
+                          <a:solidFill>
+                            <a:srgbClr val="000000"/>
+                          </a:solidFill>
+                          <a:latin typeface="Cambria Math" panose="02040503050406030204" pitchFamily="18" charset="0"/>
+                        </a:rPr>
+                        <m:t>,</m:t>
+                      </m:r>
+                      <m:r>
+                        <a:rPr lang="ar-AE" sz="2400" i="1">
+                          <a:solidFill>
+                            <a:srgbClr val="000000"/>
+                          </a:solidFill>
+                          <a:latin typeface="Cambria Math" panose="02040503050406030204" pitchFamily="18" charset="0"/>
+                        </a:rPr>
+                        <m:t>𝑡</m:t>
+                      </m:r>
+                      <m:r>
+                        <a:rPr lang="ar-AE" sz="2400" i="1">
+                          <a:solidFill>
+                            <a:srgbClr val="000000"/>
+                          </a:solidFill>
+                          <a:latin typeface="Cambria Math" panose="02040503050406030204" pitchFamily="18" charset="0"/>
+                        </a:rPr>
+                        <m:t>)</m:t>
+                      </m:r>
+                    </m:oMath>
+                  </m:oMathPara>
+                </a14:m>
+                <a:endParaRPr sz="2400" dirty="0"/>
+              </a:p>
+            </p:txBody>
+          </p:sp>
+        </mc:Choice>
+        <mc:Fallback xmlns="">
+          <p:sp>
+            <p:nvSpPr>
+              <p:cNvPr id="10" name="方程式">
+                <a:extLst>
+                  <a:ext uri="{FF2B5EF4-FFF2-40B4-BE49-F238E27FC236}">
+                    <a16:creationId xmlns:a16="http://schemas.microsoft.com/office/drawing/2014/main" id="{77B5F3B7-E4B4-FD58-A473-976DAE482710}"/>
+                  </a:ext>
+                </a:extLst>
+              </p:cNvPr>
+              <p:cNvSpPr txBox="1">
+                <a:spLocks noRot="1" noChangeAspect="1" noMove="1" noResize="1" noEditPoints="1" noAdjustHandles="1" noChangeArrowheads="1" noChangeShapeType="1" noTextEdit="1"/>
+              </p:cNvSpPr>
+              <p:nvPr/>
+            </p:nvSpPr>
+            <p:spPr>
+              <a:xfrm>
+                <a:off x="1853747" y="1382144"/>
+                <a:ext cx="6160853" cy="765915"/>
+              </a:xfrm>
+              <a:prstGeom prst="rect">
+                <a:avLst/>
+              </a:prstGeom>
+              <a:blipFill>
+                <a:blip r:embed="rId3"/>
+                <a:stretch>
+                  <a:fillRect/>
+                </a:stretch>
+              </a:blipFill>
+              <a:ln w="12700">
+                <a:miter lim="400000"/>
+              </a:ln>
+            </p:spPr>
+            <p:txBody>
+              <a:bodyPr/>
+              <a:lstStyle/>
+              <a:p>
+                <a:r>
+                  <a:rPr lang="ja-JP" altLang="en-US">
+                    <a:noFill/>
+                  </a:rPr>
+                  <a:t> </a:t>
+                </a:r>
+              </a:p>
+            </p:txBody>
+          </p:sp>
+        </mc:Fallback>
+      </mc:AlternateContent>
+      <p:sp>
+        <p:nvSpPr>
+          <p:cNvPr id="3" name="テキスト ボックス 2">
+            <a:extLst>
+              <a:ext uri="{FF2B5EF4-FFF2-40B4-BE49-F238E27FC236}">
+                <a16:creationId xmlns:a16="http://schemas.microsoft.com/office/drawing/2014/main" id="{43089950-7500-DACA-41C9-39A9ED31CE46}"/>
+              </a:ext>
+            </a:extLst>
+          </p:cNvPr>
+          <p:cNvSpPr txBox="1"/>
+          <p:nvPr/>
+        </p:nvSpPr>
+        <p:spPr>
+          <a:xfrm>
+            <a:off x="838199" y="1613647"/>
+            <a:ext cx="914400" cy="369332"/>
+          </a:xfrm>
+          <a:prstGeom prst="rect">
+            <a:avLst/>
+          </a:prstGeom>
+          <a:noFill/>
+        </p:spPr>
+        <p:txBody>
+          <a:bodyPr wrap="square" rtlCol="0">
+            <a:spAutoFit/>
+          </a:bodyPr>
+          <a:lstStyle/>
+          <a:p>
+            <a:r>
+              <a:rPr kumimoji="1" lang="ja-JP" altLang="en-US" dirty="0"/>
+              <a:t>入力面</a:t>
+            </a:r>
+          </a:p>
+        </p:txBody>
+      </p:sp>
+      <mc:AlternateContent xmlns:mc="http://schemas.openxmlformats.org/markup-compatibility/2006" xmlns:a14="http://schemas.microsoft.com/office/drawing/2010/main">
+        <mc:Choice Requires="a14">
+          <p:sp>
+            <p:nvSpPr>
+              <p:cNvPr id="12" name="方程式">
+                <a:extLst>
+                  <a:ext uri="{FF2B5EF4-FFF2-40B4-BE49-F238E27FC236}">
+                    <a16:creationId xmlns:a16="http://schemas.microsoft.com/office/drawing/2014/main" id="{E4451155-A6FA-7B6F-9BF0-D6487D74D69C}"/>
+                  </a:ext>
+                </a:extLst>
+              </p:cNvPr>
+              <p:cNvSpPr txBox="1"/>
+              <p:nvPr/>
+            </p:nvSpPr>
+            <p:spPr>
+              <a:xfrm>
+                <a:off x="1853747" y="2832463"/>
+                <a:ext cx="4925002" cy="809709"/>
+              </a:xfrm>
+              <a:prstGeom prst="rect">
+                <a:avLst/>
+              </a:prstGeom>
+              <a:ln w="12700">
+                <a:miter lim="400000"/>
+              </a:ln>
+            </p:spPr>
+            <p:txBody>
+              <a:bodyPr wrap="none" lIns="0" tIns="0" rIns="0" bIns="0">
+                <a:spAutoFit/>
+              </a:bodyPr>
+              <a:lstStyle>
+                <a:defPPr marL="0" marR="0" indent="0" algn="l" defTabSz="914400" rtl="0" fontAlgn="auto" latinLnBrk="1" hangingPunct="0">
+                  <a:lnSpc>
+                    <a:spcPct val="100000"/>
+                  </a:lnSpc>
+                  <a:spcBef>
+                    <a:spcPts val="0"/>
+                  </a:spcBef>
+                  <a:spcAft>
+                    <a:spcPts val="0"/>
+                  </a:spcAft>
+                  <a:buClrTx/>
+                  <a:buSzTx/>
+                  <a:buFontTx/>
+                  <a:buNone/>
+                  <a:tabLst/>
+                  <a:defRPr kumimoji="0" sz="1800" b="0" i="0" u="none" strike="noStrike" cap="none" spc="0" normalizeH="0" baseline="0">
+                    <a:ln>
+                      <a:noFill/>
+                    </a:ln>
+                    <a:solidFill>
+                      <a:srgbClr val="000000"/>
+                    </a:solidFill>
+                    <a:effectLst/>
+                    <a:uFillTx/>
+                  </a:defRPr>
+                </a:defPPr>
+                <a:lvl1pPr marL="0" marR="0" indent="0" algn="ctr" defTabSz="821531" rtl="0" fontAlgn="auto" latinLnBrk="0" hangingPunct="0">
+                  <a:lnSpc>
+                    <a:spcPct val="100000"/>
+                  </a:lnSpc>
+                  <a:spcBef>
+                    <a:spcPts val="0"/>
+                  </a:spcBef>
+                  <a:spcAft>
+                    <a:spcPts val="0"/>
+                  </a:spcAft>
+                  <a:buClrTx/>
+                  <a:buSzTx/>
+                  <a:buFontTx/>
+                  <a:buNone/>
+                  <a:tabLst/>
+                  <a:defRPr kumimoji="0" sz="3200" b="0" i="0" u="none" strike="noStrike" cap="none" spc="0" normalizeH="0" baseline="0">
+                    <a:ln>
+                      <a:noFill/>
+                    </a:ln>
+                    <a:solidFill>
+                      <a:srgbClr val="000000"/>
+                    </a:solidFill>
+                    <a:effectLst/>
+                    <a:uFillTx/>
+                    <a:latin typeface="ヒラギノ角ゴ ProN W6"/>
+                    <a:ea typeface="ヒラギノ角ゴ ProN W6"/>
+                    <a:cs typeface="ヒラギノ角ゴ ProN W6"/>
+                    <a:sym typeface="ヒラギノ角ゴ ProN W6"/>
+                  </a:defRPr>
+                </a:lvl1pPr>
+                <a:lvl2pPr marL="0" marR="0" indent="228600" algn="ctr" defTabSz="821531" rtl="0" fontAlgn="auto" latinLnBrk="0" hangingPunct="0">
+                  <a:lnSpc>
+                    <a:spcPct val="100000"/>
+                  </a:lnSpc>
+                  <a:spcBef>
+                    <a:spcPts val="0"/>
+                  </a:spcBef>
+                  <a:spcAft>
+                    <a:spcPts val="0"/>
+                  </a:spcAft>
+                  <a:buClrTx/>
+                  <a:buSzTx/>
+                  <a:buFontTx/>
+                  <a:buNone/>
+                  <a:tabLst/>
+                  <a:defRPr kumimoji="0" sz="3200" b="0" i="0" u="none" strike="noStrike" cap="none" spc="0" normalizeH="0" baseline="0">
+                    <a:ln>
+                      <a:noFill/>
+                    </a:ln>
+                    <a:solidFill>
+                      <a:srgbClr val="000000"/>
+                    </a:solidFill>
+                    <a:effectLst/>
+                    <a:uFillTx/>
+                    <a:latin typeface="ヒラギノ角ゴ ProN W6"/>
+                    <a:ea typeface="ヒラギノ角ゴ ProN W6"/>
+                    <a:cs typeface="ヒラギノ角ゴ ProN W6"/>
+                    <a:sym typeface="ヒラギノ角ゴ ProN W6"/>
+                  </a:defRPr>
+                </a:lvl2pPr>
+                <a:lvl3pPr marL="0" marR="0" indent="457200" algn="ctr" defTabSz="821531" rtl="0" fontAlgn="auto" latinLnBrk="0" hangingPunct="0">
+                  <a:lnSpc>
+                    <a:spcPct val="100000"/>
+                  </a:lnSpc>
+                  <a:spcBef>
+                    <a:spcPts val="0"/>
+                  </a:spcBef>
+                  <a:spcAft>
+                    <a:spcPts val="0"/>
+                  </a:spcAft>
+                  <a:buClrTx/>
+                  <a:buSzTx/>
+                  <a:buFontTx/>
+                  <a:buNone/>
+                  <a:tabLst/>
+                  <a:defRPr kumimoji="0" sz="3200" b="0" i="0" u="none" strike="noStrike" cap="none" spc="0" normalizeH="0" baseline="0">
+                    <a:ln>
+                      <a:noFill/>
+                    </a:ln>
+                    <a:solidFill>
+                      <a:srgbClr val="000000"/>
+                    </a:solidFill>
+                    <a:effectLst/>
+                    <a:uFillTx/>
+                    <a:latin typeface="ヒラギノ角ゴ ProN W6"/>
+                    <a:ea typeface="ヒラギノ角ゴ ProN W6"/>
+                    <a:cs typeface="ヒラギノ角ゴ ProN W6"/>
+                    <a:sym typeface="ヒラギノ角ゴ ProN W6"/>
+                  </a:defRPr>
+                </a:lvl3pPr>
+                <a:lvl4pPr marL="0" marR="0" indent="685800" algn="ctr" defTabSz="821531" rtl="0" fontAlgn="auto" latinLnBrk="0" hangingPunct="0">
+                  <a:lnSpc>
+                    <a:spcPct val="100000"/>
+                  </a:lnSpc>
+                  <a:spcBef>
+                    <a:spcPts val="0"/>
+                  </a:spcBef>
+                  <a:spcAft>
+                    <a:spcPts val="0"/>
+                  </a:spcAft>
+                  <a:buClrTx/>
+                  <a:buSzTx/>
+                  <a:buFontTx/>
+                  <a:buNone/>
+                  <a:tabLst/>
+                  <a:defRPr kumimoji="0" sz="3200" b="0" i="0" u="none" strike="noStrike" cap="none" spc="0" normalizeH="0" baseline="0">
+                    <a:ln>
+                      <a:noFill/>
+                    </a:ln>
+                    <a:solidFill>
+                      <a:srgbClr val="000000"/>
+                    </a:solidFill>
+                    <a:effectLst/>
+                    <a:uFillTx/>
+                    <a:latin typeface="ヒラギノ角ゴ ProN W6"/>
+                    <a:ea typeface="ヒラギノ角ゴ ProN W6"/>
+                    <a:cs typeface="ヒラギノ角ゴ ProN W6"/>
+                    <a:sym typeface="ヒラギノ角ゴ ProN W6"/>
+                  </a:defRPr>
+                </a:lvl4pPr>
+                <a:lvl5pPr marL="0" marR="0" indent="914400" algn="ctr" defTabSz="821531" rtl="0" fontAlgn="auto" latinLnBrk="0" hangingPunct="0">
+                  <a:lnSpc>
+                    <a:spcPct val="100000"/>
+                  </a:lnSpc>
+                  <a:spcBef>
+                    <a:spcPts val="0"/>
+                  </a:spcBef>
+                  <a:spcAft>
+                    <a:spcPts val="0"/>
+                  </a:spcAft>
+                  <a:buClrTx/>
+                  <a:buSzTx/>
+                  <a:buFontTx/>
+                  <a:buNone/>
+                  <a:tabLst/>
+                  <a:defRPr kumimoji="0" sz="3200" b="0" i="0" u="none" strike="noStrike" cap="none" spc="0" normalizeH="0" baseline="0">
+                    <a:ln>
+                      <a:noFill/>
+                    </a:ln>
+                    <a:solidFill>
+                      <a:srgbClr val="000000"/>
+                    </a:solidFill>
+                    <a:effectLst/>
+                    <a:uFillTx/>
+                    <a:latin typeface="ヒラギノ角ゴ ProN W6"/>
+                    <a:ea typeface="ヒラギノ角ゴ ProN W6"/>
+                    <a:cs typeface="ヒラギノ角ゴ ProN W6"/>
+                    <a:sym typeface="ヒラギノ角ゴ ProN W6"/>
+                  </a:defRPr>
+                </a:lvl5pPr>
+                <a:lvl6pPr marL="0" marR="0" indent="1143000" algn="ctr" defTabSz="821531" rtl="0" fontAlgn="auto" latinLnBrk="0" hangingPunct="0">
+                  <a:lnSpc>
+                    <a:spcPct val="100000"/>
+                  </a:lnSpc>
+                  <a:spcBef>
+                    <a:spcPts val="0"/>
+                  </a:spcBef>
+                  <a:spcAft>
+                    <a:spcPts val="0"/>
+                  </a:spcAft>
+                  <a:buClrTx/>
+                  <a:buSzTx/>
+                  <a:buFontTx/>
+                  <a:buNone/>
+                  <a:tabLst/>
+                  <a:defRPr kumimoji="0" sz="3200" b="0" i="0" u="none" strike="noStrike" cap="none" spc="0" normalizeH="0" baseline="0">
+                    <a:ln>
+                      <a:noFill/>
+                    </a:ln>
+                    <a:solidFill>
+                      <a:srgbClr val="000000"/>
+                    </a:solidFill>
+                    <a:effectLst/>
+                    <a:uFillTx/>
+                    <a:latin typeface="ヒラギノ角ゴ ProN W6"/>
+                    <a:ea typeface="ヒラギノ角ゴ ProN W6"/>
+                    <a:cs typeface="ヒラギノ角ゴ ProN W6"/>
+                    <a:sym typeface="ヒラギノ角ゴ ProN W6"/>
+                  </a:defRPr>
+                </a:lvl6pPr>
+                <a:lvl7pPr marL="0" marR="0" indent="1371600" algn="ctr" defTabSz="821531" rtl="0" fontAlgn="auto" latinLnBrk="0" hangingPunct="0">
+                  <a:lnSpc>
+                    <a:spcPct val="100000"/>
+                  </a:lnSpc>
+                  <a:spcBef>
+                    <a:spcPts val="0"/>
+                  </a:spcBef>
+                  <a:spcAft>
+                    <a:spcPts val="0"/>
+                  </a:spcAft>
+                  <a:buClrTx/>
+                  <a:buSzTx/>
+                  <a:buFontTx/>
+                  <a:buNone/>
+                  <a:tabLst/>
+                  <a:defRPr kumimoji="0" sz="3200" b="0" i="0" u="none" strike="noStrike" cap="none" spc="0" normalizeH="0" baseline="0">
+                    <a:ln>
+                      <a:noFill/>
+                    </a:ln>
+                    <a:solidFill>
+                      <a:srgbClr val="000000"/>
+                    </a:solidFill>
+                    <a:effectLst/>
+                    <a:uFillTx/>
+                    <a:latin typeface="ヒラギノ角ゴ ProN W6"/>
+                    <a:ea typeface="ヒラギノ角ゴ ProN W6"/>
+                    <a:cs typeface="ヒラギノ角ゴ ProN W6"/>
+                    <a:sym typeface="ヒラギノ角ゴ ProN W6"/>
+                  </a:defRPr>
+                </a:lvl7pPr>
+                <a:lvl8pPr marL="0" marR="0" indent="1600200" algn="ctr" defTabSz="821531" rtl="0" fontAlgn="auto" latinLnBrk="0" hangingPunct="0">
+                  <a:lnSpc>
+                    <a:spcPct val="100000"/>
+                  </a:lnSpc>
+                  <a:spcBef>
+                    <a:spcPts val="0"/>
+                  </a:spcBef>
+                  <a:spcAft>
+                    <a:spcPts val="0"/>
+                  </a:spcAft>
+                  <a:buClrTx/>
+                  <a:buSzTx/>
+                  <a:buFontTx/>
+                  <a:buNone/>
+                  <a:tabLst/>
+                  <a:defRPr kumimoji="0" sz="3200" b="0" i="0" u="none" strike="noStrike" cap="none" spc="0" normalizeH="0" baseline="0">
+                    <a:ln>
+                      <a:noFill/>
+                    </a:ln>
+                    <a:solidFill>
+                      <a:srgbClr val="000000"/>
+                    </a:solidFill>
+                    <a:effectLst/>
+                    <a:uFillTx/>
+                    <a:latin typeface="ヒラギノ角ゴ ProN W6"/>
+                    <a:ea typeface="ヒラギノ角ゴ ProN W6"/>
+                    <a:cs typeface="ヒラギノ角ゴ ProN W6"/>
+                    <a:sym typeface="ヒラギノ角ゴ ProN W6"/>
+                  </a:defRPr>
+                </a:lvl8pPr>
+                <a:lvl9pPr marL="0" marR="0" indent="1828800" algn="ctr" defTabSz="821531" rtl="0" fontAlgn="auto" latinLnBrk="0" hangingPunct="0">
+                  <a:lnSpc>
+                    <a:spcPct val="100000"/>
+                  </a:lnSpc>
+                  <a:spcBef>
+                    <a:spcPts val="0"/>
+                  </a:spcBef>
+                  <a:spcAft>
+                    <a:spcPts val="0"/>
+                  </a:spcAft>
+                  <a:buClrTx/>
+                  <a:buSzTx/>
+                  <a:buFontTx/>
+                  <a:buNone/>
+                  <a:tabLst/>
+                  <a:defRPr kumimoji="0" sz="3200" b="0" i="0" u="none" strike="noStrike" cap="none" spc="0" normalizeH="0" baseline="0">
+                    <a:ln>
+                      <a:noFill/>
+                    </a:ln>
+                    <a:solidFill>
+                      <a:srgbClr val="000000"/>
+                    </a:solidFill>
+                    <a:effectLst/>
+                    <a:uFillTx/>
+                    <a:latin typeface="ヒラギノ角ゴ ProN W6"/>
+                    <a:ea typeface="ヒラギノ角ゴ ProN W6"/>
+                    <a:cs typeface="ヒラギノ角ゴ ProN W6"/>
+                    <a:sym typeface="ヒラギノ角ゴ ProN W6"/>
+                  </a:defRPr>
+                </a:lvl9pPr>
+              </a:lstStyle>
+              <a:p>
+                <a:pPr algn="l" defTabSz="914400" latinLnBrk="1">
+                  <a:defRPr sz="1800"/>
+                </a:pPr>
+                <a14:m>
+                  <m:oMathPara xmlns:m="http://schemas.openxmlformats.org/officeDocument/2006/math">
+                    <m:oMathParaPr>
+                      <m:jc m:val="centerGroup"/>
+                    </m:oMathParaPr>
+                    <m:oMath xmlns:m="http://schemas.openxmlformats.org/officeDocument/2006/math">
+                      <m:sSubSup>
+                        <m:sSubSupPr>
+                          <m:ctrlPr>
+                            <a:rPr lang="ar-AE" altLang="ja-JP" sz="2400" i="1" smtClean="0">
+                              <a:latin typeface="Cambria Math" panose="02040503050406030204" pitchFamily="18" charset="0"/>
+                            </a:rPr>
+                          </m:ctrlPr>
+                        </m:sSubSupPr>
+                        <m:e>
+                          <m:r>
+                            <a:rPr lang="ar-AE" altLang="ja-JP" sz="2400" i="1">
+                              <a:latin typeface="Cambria Math" panose="02040503050406030204" pitchFamily="18" charset="0"/>
+                            </a:rPr>
+                            <m:t>𝜙</m:t>
+                          </m:r>
+                        </m:e>
+                        <m:sub>
+                          <m:r>
+                            <a:rPr lang="en-US" altLang="ja-JP" sz="2400" i="1">
+                              <a:latin typeface="Cambria Math" panose="02040503050406030204" pitchFamily="18" charset="0"/>
+                            </a:rPr>
+                            <m:t>𝑥</m:t>
+                          </m:r>
+                          <m:r>
+                            <a:rPr lang="en-US" altLang="ja-JP" sz="2400" i="1">
+                              <a:latin typeface="Cambria Math" panose="02040503050406030204" pitchFamily="18" charset="0"/>
+                            </a:rPr>
+                            <m:t>,</m:t>
+                          </m:r>
+                          <m:r>
+                            <a:rPr lang="en-US" altLang="ja-JP" sz="2400" i="1">
+                              <a:latin typeface="Cambria Math" panose="02040503050406030204" pitchFamily="18" charset="0"/>
+                            </a:rPr>
+                            <m:t>1</m:t>
+                          </m:r>
+                        </m:sub>
+                        <m:sup>
+                          <m:r>
+                            <a:rPr lang="en-US" altLang="ja-JP" sz="2400" i="1">
+                              <a:latin typeface="Cambria Math" panose="02040503050406030204" pitchFamily="18" charset="0"/>
+                            </a:rPr>
+                            <m:t>𝑡</m:t>
+                          </m:r>
+                        </m:sup>
+                      </m:sSubSup>
+                      <m:r>
+                        <a:rPr lang="ar-AE" sz="2400" i="1">
+                          <a:solidFill>
+                            <a:srgbClr val="000000"/>
+                          </a:solidFill>
+                          <a:latin typeface="Cambria Math" panose="02040503050406030204" pitchFamily="18" charset="0"/>
+                        </a:rPr>
+                        <m:t>=−</m:t>
+                      </m:r>
+                      <m:r>
+                        <a:rPr lang="ar-AE" sz="2400" i="1">
+                          <a:solidFill>
+                            <a:srgbClr val="000000"/>
+                          </a:solidFill>
+                          <a:latin typeface="Cambria Math" panose="02040503050406030204" pitchFamily="18" charset="0"/>
+                        </a:rPr>
+                        <m:t>2</m:t>
+                      </m:r>
+                      <m:r>
+                        <a:rPr lang="ar-AE" sz="2400" i="1">
+                          <a:solidFill>
+                            <a:srgbClr val="000000"/>
+                          </a:solidFill>
+                          <a:latin typeface="Cambria Math" panose="02040503050406030204" pitchFamily="18" charset="0"/>
+                        </a:rPr>
+                        <m:t>𝐷𝐴</m:t>
+                      </m:r>
+                      <m:f>
+                        <m:fPr>
+                          <m:ctrlPr>
+                            <a:rPr lang="ar-AE" sz="2400" i="1">
+                              <a:solidFill>
+                                <a:srgbClr val="000000"/>
+                              </a:solidFill>
+                              <a:latin typeface="Cambria Math" panose="02040503050406030204" pitchFamily="18" charset="0"/>
+                            </a:rPr>
+                          </m:ctrlPr>
+                        </m:fPr>
+                        <m:num>
+                          <m:sSubSup>
+                            <m:sSubSupPr>
+                              <m:ctrlPr>
+                                <a:rPr lang="ar-AE" altLang="ja-JP" sz="2400" i="1">
+                                  <a:latin typeface="Cambria Math" panose="02040503050406030204" pitchFamily="18" charset="0"/>
+                                </a:rPr>
+                              </m:ctrlPr>
+                            </m:sSubSupPr>
+                            <m:e>
+                              <m:r>
+                                <a:rPr lang="ar-AE" altLang="ja-JP" sz="2400" i="1">
+                                  <a:latin typeface="Cambria Math" panose="02040503050406030204" pitchFamily="18" charset="0"/>
+                                </a:rPr>
+                                <m:t>𝜙</m:t>
+                              </m:r>
+                            </m:e>
+                            <m:sub>
+                              <m:r>
+                                <a:rPr lang="en-US" altLang="ja-JP" sz="2400" i="1">
+                                  <a:latin typeface="Cambria Math" panose="02040503050406030204" pitchFamily="18" charset="0"/>
+                                </a:rPr>
+                                <m:t>𝑥</m:t>
+                              </m:r>
+                              <m:r>
+                                <a:rPr lang="en-US" altLang="ja-JP" sz="2400" i="1">
+                                  <a:latin typeface="Cambria Math" panose="02040503050406030204" pitchFamily="18" charset="0"/>
+                                </a:rPr>
+                                <m:t>,</m:t>
+                              </m:r>
+                              <m:r>
+                                <a:rPr lang="en-US" altLang="ja-JP" sz="2400" i="1">
+                                  <a:latin typeface="Cambria Math" panose="02040503050406030204" pitchFamily="18" charset="0"/>
+                                </a:rPr>
+                                <m:t>1</m:t>
+                              </m:r>
+                            </m:sub>
+                            <m:sup>
+                              <m:r>
+                                <a:rPr lang="en-US" altLang="ja-JP" sz="2400" i="1">
+                                  <a:latin typeface="Cambria Math" panose="02040503050406030204" pitchFamily="18" charset="0"/>
+                                </a:rPr>
+                                <m:t>𝑡</m:t>
+                              </m:r>
+                            </m:sup>
+                          </m:sSubSup>
+                          <m:r>
+                            <a:rPr lang="en-US" altLang="ja-JP" sz="2400" b="0" i="1" smtClean="0">
+                              <a:latin typeface="Cambria Math" panose="02040503050406030204" pitchFamily="18" charset="0"/>
+                            </a:rPr>
+                            <m:t>−</m:t>
+                          </m:r>
+                          <m:sSubSup>
+                            <m:sSubSupPr>
+                              <m:ctrlPr>
+                                <a:rPr lang="ar-AE" altLang="ja-JP" sz="2400" i="1">
+                                  <a:latin typeface="Cambria Math" panose="02040503050406030204" pitchFamily="18" charset="0"/>
+                                </a:rPr>
+                              </m:ctrlPr>
+                            </m:sSubSupPr>
+                            <m:e>
+                              <m:r>
+                                <a:rPr lang="ar-AE" altLang="ja-JP" sz="2400" i="1">
+                                  <a:latin typeface="Cambria Math" panose="02040503050406030204" pitchFamily="18" charset="0"/>
+                                </a:rPr>
+                                <m:t>𝜙</m:t>
+                              </m:r>
+                            </m:e>
+                            <m:sub>
+                              <m:r>
+                                <a:rPr lang="en-US" altLang="ja-JP" sz="2400" i="1">
+                                  <a:latin typeface="Cambria Math" panose="02040503050406030204" pitchFamily="18" charset="0"/>
+                                </a:rPr>
+                                <m:t>𝑥</m:t>
+                              </m:r>
+                              <m:r>
+                                <a:rPr lang="en-US" altLang="ja-JP" sz="2400" i="1">
+                                  <a:latin typeface="Cambria Math" panose="02040503050406030204" pitchFamily="18" charset="0"/>
+                                </a:rPr>
+                                <m:t>,</m:t>
+                              </m:r>
+                              <m:r>
+                                <a:rPr lang="en-US" altLang="ja-JP" sz="2400" b="0" i="1" smtClean="0">
+                                  <a:latin typeface="Cambria Math" panose="02040503050406030204" pitchFamily="18" charset="0"/>
+                                </a:rPr>
+                                <m:t>2</m:t>
+                              </m:r>
+                            </m:sub>
+                            <m:sup>
+                              <m:r>
+                                <a:rPr lang="en-US" altLang="ja-JP" sz="2400" i="1">
+                                  <a:latin typeface="Cambria Math" panose="02040503050406030204" pitchFamily="18" charset="0"/>
+                                </a:rPr>
+                                <m:t>𝑡</m:t>
+                              </m:r>
+                            </m:sup>
+                          </m:sSubSup>
+                        </m:num>
+                        <m:den>
+                          <m:r>
+                            <a:rPr lang="ar-AE" sz="2400" i="1" smtClean="0">
+                              <a:solidFill>
+                                <a:srgbClr val="000000"/>
+                              </a:solidFill>
+                              <a:latin typeface="Cambria Math" panose="02040503050406030204" pitchFamily="18" charset="0"/>
+                              <a:ea typeface="Cambria Math" panose="02040503050406030204" pitchFamily="18" charset="0"/>
+                            </a:rPr>
+                            <m:t>∆</m:t>
+                          </m:r>
+                          <m:r>
+                            <a:rPr lang="en-US" sz="2400" b="0" i="1" smtClean="0">
+                              <a:solidFill>
+                                <a:srgbClr val="000000"/>
+                              </a:solidFill>
+                              <a:latin typeface="Cambria Math" panose="02040503050406030204" pitchFamily="18" charset="0"/>
+                              <a:ea typeface="Cambria Math" panose="02040503050406030204" pitchFamily="18" charset="0"/>
+                            </a:rPr>
+                            <m:t>𝑦</m:t>
+                          </m:r>
+                        </m:den>
+                      </m:f>
+                      <m:r>
+                        <a:rPr lang="ar-AE" sz="2400" i="1">
+                          <a:solidFill>
+                            <a:srgbClr val="000000"/>
+                          </a:solidFill>
+                          <a:latin typeface="Cambria Math" panose="02040503050406030204" pitchFamily="18" charset="0"/>
+                        </a:rPr>
+                        <m:t>+</m:t>
+                      </m:r>
+                      <m:f>
+                        <m:fPr>
+                          <m:ctrlPr>
+                            <a:rPr lang="ar-AE" sz="2400" i="1">
+                              <a:solidFill>
+                                <a:srgbClr val="000000"/>
+                              </a:solidFill>
+                              <a:latin typeface="Cambria Math" panose="02040503050406030204" pitchFamily="18" charset="0"/>
+                            </a:rPr>
+                          </m:ctrlPr>
+                        </m:fPr>
+                        <m:num>
+                          <m:r>
+                            <a:rPr lang="ar-AE" sz="2400" i="1">
+                              <a:solidFill>
+                                <a:srgbClr val="000000"/>
+                              </a:solidFill>
+                              <a:latin typeface="Cambria Math" panose="02040503050406030204" pitchFamily="18" charset="0"/>
+                            </a:rPr>
+                            <m:t>4</m:t>
+                          </m:r>
+                        </m:num>
+                        <m:den>
+                          <m:r>
+                            <a:rPr lang="ar-AE" sz="2400" i="1">
+                              <a:solidFill>
+                                <a:srgbClr val="000000"/>
+                              </a:solidFill>
+                              <a:latin typeface="Cambria Math" panose="02040503050406030204" pitchFamily="18" charset="0"/>
+                            </a:rPr>
+                            <m:t>1</m:t>
+                          </m:r>
+                          <m:r>
+                            <a:rPr lang="ar-AE" sz="2400" i="1">
+                              <a:solidFill>
+                                <a:srgbClr val="000000"/>
+                              </a:solidFill>
+                              <a:latin typeface="Cambria Math" panose="02040503050406030204" pitchFamily="18" charset="0"/>
+                            </a:rPr>
+                            <m:t>−</m:t>
+                          </m:r>
+                          <m:sSub>
+                            <m:sSubPr>
+                              <m:ctrlPr>
+                                <a:rPr lang="ar-AE" sz="2400" i="1">
+                                  <a:solidFill>
+                                    <a:srgbClr val="000000"/>
+                                  </a:solidFill>
+                                  <a:latin typeface="Cambria Math" panose="02040503050406030204" pitchFamily="18" charset="0"/>
+                                </a:rPr>
+                              </m:ctrlPr>
+                            </m:sSubPr>
+                            <m:e>
+                              <m:r>
+                                <a:rPr lang="ar-AE" sz="2400" i="1">
+                                  <a:solidFill>
+                                    <a:srgbClr val="000000"/>
+                                  </a:solidFill>
+                                  <a:latin typeface="Cambria Math" panose="02040503050406030204" pitchFamily="18" charset="0"/>
+                                </a:rPr>
+                                <m:t>𝑟</m:t>
+                              </m:r>
+                            </m:e>
+                            <m:sub>
+                              <m:r>
+                                <a:rPr lang="ar-AE" sz="2400" i="1">
+                                  <a:solidFill>
+                                    <a:srgbClr val="000000"/>
+                                  </a:solidFill>
+                                  <a:latin typeface="Cambria Math" panose="02040503050406030204" pitchFamily="18" charset="0"/>
+                                </a:rPr>
+                                <m:t>𝑑</m:t>
+                              </m:r>
+                            </m:sub>
+                          </m:sSub>
+                        </m:den>
+                      </m:f>
+                      <m:sSubSup>
+                        <m:sSubSupPr>
+                          <m:ctrlPr>
+                            <a:rPr lang="en-US" altLang="ja-JP" sz="2400" i="1" dirty="0">
+                              <a:latin typeface="Cambria Math" panose="02040503050406030204" pitchFamily="18" charset="0"/>
+                            </a:rPr>
+                          </m:ctrlPr>
+                        </m:sSubSupPr>
+                        <m:e>
+                          <m:r>
+                            <a:rPr lang="en-US" altLang="ja-JP" sz="2400" i="1" dirty="0">
+                              <a:latin typeface="Cambria Math" panose="02040503050406030204" pitchFamily="18" charset="0"/>
+                            </a:rPr>
+                            <m:t>𝐼</m:t>
+                          </m:r>
+                        </m:e>
+                        <m:sub>
+                          <m:r>
+                            <a:rPr lang="en-US" altLang="ja-JP" sz="2400" i="1" dirty="0">
+                              <a:latin typeface="Cambria Math" panose="02040503050406030204" pitchFamily="18" charset="0"/>
+                            </a:rPr>
+                            <m:t>𝑖</m:t>
+                          </m:r>
+                          <m:r>
+                            <a:rPr lang="en-US" altLang="ja-JP" sz="2400" i="1" dirty="0">
+                              <a:latin typeface="Cambria Math" panose="02040503050406030204" pitchFamily="18" charset="0"/>
+                            </a:rPr>
+                            <m:t>,</m:t>
+                          </m:r>
+                          <m:r>
+                            <a:rPr lang="en-US" altLang="ja-JP" sz="2400" i="1" dirty="0">
+                              <a:latin typeface="Cambria Math" panose="02040503050406030204" pitchFamily="18" charset="0"/>
+                            </a:rPr>
+                            <m:t>𝑥</m:t>
+                          </m:r>
+                        </m:sub>
+                        <m:sup>
+                          <m:r>
+                            <a:rPr lang="en-US" altLang="ja-JP" sz="2400" i="1" dirty="0">
+                              <a:latin typeface="Cambria Math" panose="02040503050406030204" pitchFamily="18" charset="0"/>
+                            </a:rPr>
+                            <m:t>𝑡</m:t>
+                          </m:r>
+                        </m:sup>
+                      </m:sSubSup>
+                    </m:oMath>
+                  </m:oMathPara>
+                </a14:m>
+                <a:endParaRPr sz="2400" dirty="0"/>
+              </a:p>
+            </p:txBody>
+          </p:sp>
+        </mc:Choice>
+        <mc:Fallback xmlns="">
+          <p:sp>
+            <p:nvSpPr>
+              <p:cNvPr id="12" name="方程式">
+                <a:extLst>
+                  <a:ext uri="{FF2B5EF4-FFF2-40B4-BE49-F238E27FC236}">
+                    <a16:creationId xmlns:a16="http://schemas.microsoft.com/office/drawing/2014/main" id="{E4451155-A6FA-7B6F-9BF0-D6487D74D69C}"/>
+                  </a:ext>
+                </a:extLst>
+              </p:cNvPr>
+              <p:cNvSpPr txBox="1">
+                <a:spLocks noRot="1" noChangeAspect="1" noMove="1" noResize="1" noEditPoints="1" noAdjustHandles="1" noChangeArrowheads="1" noChangeShapeType="1" noTextEdit="1"/>
+              </p:cNvSpPr>
+              <p:nvPr/>
+            </p:nvSpPr>
+            <p:spPr>
+              <a:xfrm>
+                <a:off x="1853747" y="2832463"/>
+                <a:ext cx="4925002" cy="809709"/>
+              </a:xfrm>
+              <a:prstGeom prst="rect">
+                <a:avLst/>
+              </a:prstGeom>
+              <a:blipFill>
+                <a:blip r:embed="rId4"/>
+                <a:stretch>
+                  <a:fillRect/>
+                </a:stretch>
+              </a:blipFill>
+              <a:ln w="12700">
+                <a:miter lim="400000"/>
+              </a:ln>
+            </p:spPr>
+            <p:txBody>
+              <a:bodyPr/>
+              <a:lstStyle/>
+              <a:p>
+                <a:r>
+                  <a:rPr lang="ja-JP" altLang="en-US">
+                    <a:noFill/>
+                  </a:rPr>
+                  <a:t> </a:t>
+                </a:r>
+              </a:p>
+            </p:txBody>
+          </p:sp>
+        </mc:Fallback>
+      </mc:AlternateContent>
+      <mc:AlternateContent xmlns:mc="http://schemas.openxmlformats.org/markup-compatibility/2006" xmlns:a14="http://schemas.microsoft.com/office/drawing/2010/main">
+        <mc:Choice Requires="a14">
+          <p:sp>
+            <p:nvSpPr>
+              <p:cNvPr id="13" name="テキスト ボックス 12">
+                <a:extLst>
+                  <a:ext uri="{FF2B5EF4-FFF2-40B4-BE49-F238E27FC236}">
+                    <a16:creationId xmlns:a16="http://schemas.microsoft.com/office/drawing/2014/main" id="{5D98123A-BDDE-9B0F-79CE-1DC81BA39FB5}"/>
+                  </a:ext>
+                </a:extLst>
+              </p:cNvPr>
+              <p:cNvSpPr txBox="1"/>
+              <p:nvPr/>
+            </p:nvSpPr>
+            <p:spPr>
+              <a:xfrm>
+                <a:off x="838199" y="2269863"/>
+                <a:ext cx="7477462" cy="680571"/>
+              </a:xfrm>
+              <a:prstGeom prst="rect">
+                <a:avLst/>
+              </a:prstGeom>
+              <a:noFill/>
+            </p:spPr>
+            <p:txBody>
+              <a:bodyPr wrap="square" rtlCol="0">
+                <a:spAutoFit/>
+              </a:bodyPr>
+              <a:lstStyle/>
+              <a:p>
+                <a:r>
+                  <a:rPr lang="ja-JP" altLang="en-US" dirty="0">
+                    <a:solidFill>
+                      <a:srgbClr val="000000"/>
+                    </a:solidFill>
+                  </a:rPr>
+                  <a:t>入力面における</a:t>
+                </a:r>
+                <a14:m>
+                  <m:oMath xmlns:m="http://schemas.openxmlformats.org/officeDocument/2006/math">
+                    <m:r>
+                      <a:rPr lang="ar-AE" altLang="ja-JP" i="1">
+                        <a:solidFill>
+                          <a:srgbClr val="000000"/>
+                        </a:solidFill>
+                        <a:latin typeface="Cambria Math" panose="02040503050406030204" pitchFamily="18" charset="0"/>
+                      </a:rPr>
+                      <m:t>𝜙</m:t>
+                    </m:r>
+                    <m:r>
+                      <a:rPr lang="ar-AE" altLang="ja-JP" i="1">
+                        <a:solidFill>
+                          <a:srgbClr val="000000"/>
+                        </a:solidFill>
+                        <a:latin typeface="Cambria Math" panose="02040503050406030204" pitchFamily="18" charset="0"/>
+                      </a:rPr>
+                      <m:t>(</m:t>
+                    </m:r>
+                    <m:r>
+                      <a:rPr lang="en-US" altLang="ja-JP" i="1">
+                        <a:solidFill>
+                          <a:srgbClr val="000000"/>
+                        </a:solidFill>
+                        <a:latin typeface="Cambria Math" panose="02040503050406030204" pitchFamily="18" charset="0"/>
+                      </a:rPr>
+                      <m:t>𝑥</m:t>
+                    </m:r>
+                    <m:r>
+                      <a:rPr lang="en-US" altLang="ja-JP" i="1">
+                        <a:solidFill>
+                          <a:srgbClr val="000000"/>
+                        </a:solidFill>
+                        <a:latin typeface="Cambria Math" panose="02040503050406030204" pitchFamily="18" charset="0"/>
+                      </a:rPr>
+                      <m:t>,</m:t>
+                    </m:r>
+                    <m:r>
+                      <a:rPr lang="en-US" altLang="ja-JP" i="1">
+                        <a:solidFill>
+                          <a:srgbClr val="000000"/>
+                        </a:solidFill>
+                        <a:latin typeface="Cambria Math" panose="02040503050406030204" pitchFamily="18" charset="0"/>
+                      </a:rPr>
+                      <m:t>0</m:t>
+                    </m:r>
+                    <m:r>
+                      <a:rPr lang="ar-AE" altLang="ja-JP" i="1">
+                        <a:solidFill>
+                          <a:srgbClr val="000000"/>
+                        </a:solidFill>
+                        <a:latin typeface="Cambria Math" panose="02040503050406030204" pitchFamily="18" charset="0"/>
+                      </a:rPr>
+                      <m:t>,</m:t>
+                    </m:r>
+                    <m:r>
+                      <a:rPr lang="ar-AE" altLang="ja-JP" i="1">
+                        <a:solidFill>
+                          <a:srgbClr val="000000"/>
+                        </a:solidFill>
+                        <a:latin typeface="Cambria Math" panose="02040503050406030204" pitchFamily="18" charset="0"/>
+                      </a:rPr>
+                      <m:t>𝑡</m:t>
+                    </m:r>
+                    <m:r>
+                      <a:rPr lang="ar-AE" altLang="ja-JP" i="1">
+                        <a:solidFill>
+                          <a:srgbClr val="000000"/>
+                        </a:solidFill>
+                        <a:latin typeface="Cambria Math" panose="02040503050406030204" pitchFamily="18" charset="0"/>
+                      </a:rPr>
+                      <m:t>)</m:t>
+                    </m:r>
+                  </m:oMath>
+                </a14:m>
+                <a:r>
+                  <a:rPr kumimoji="1" lang="ja-JP" altLang="en-US" dirty="0"/>
+                  <a:t>を</a:t>
+                </a:r>
+                <a14:m>
+                  <m:oMath xmlns:m="http://schemas.openxmlformats.org/officeDocument/2006/math">
+                    <m:sSubSup>
+                      <m:sSubSupPr>
+                        <m:ctrlPr>
+                          <a:rPr lang="ar-AE" altLang="ja-JP" i="1" smtClean="0">
+                            <a:solidFill>
+                              <a:srgbClr val="000000"/>
+                            </a:solidFill>
+                            <a:latin typeface="Cambria Math" panose="02040503050406030204" pitchFamily="18" charset="0"/>
+                          </a:rPr>
+                        </m:ctrlPr>
+                      </m:sSubSupPr>
+                      <m:e>
+                        <m:r>
+                          <a:rPr lang="ar-AE" altLang="ja-JP" i="1">
+                            <a:solidFill>
+                              <a:srgbClr val="000000"/>
+                            </a:solidFill>
+                            <a:latin typeface="Cambria Math" panose="02040503050406030204" pitchFamily="18" charset="0"/>
+                          </a:rPr>
+                          <m:t>𝜙</m:t>
+                        </m:r>
+                      </m:e>
+                      <m:sub>
+                        <m:r>
+                          <a:rPr lang="en-US" altLang="ja-JP" b="0" i="1" smtClean="0">
+                            <a:solidFill>
+                              <a:srgbClr val="000000"/>
+                            </a:solidFill>
+                            <a:latin typeface="Cambria Math" panose="02040503050406030204" pitchFamily="18" charset="0"/>
+                          </a:rPr>
+                          <m:t>𝑥</m:t>
+                        </m:r>
+                        <m:r>
+                          <a:rPr lang="en-US" altLang="ja-JP" b="0" i="1" smtClean="0">
+                            <a:solidFill>
+                              <a:srgbClr val="000000"/>
+                            </a:solidFill>
+                            <a:latin typeface="Cambria Math" panose="02040503050406030204" pitchFamily="18" charset="0"/>
+                          </a:rPr>
+                          <m:t>,</m:t>
+                        </m:r>
+                        <m:r>
+                          <a:rPr lang="en-US" altLang="ja-JP" b="0" i="1" smtClean="0">
+                            <a:solidFill>
+                              <a:srgbClr val="000000"/>
+                            </a:solidFill>
+                            <a:latin typeface="Cambria Math" panose="02040503050406030204" pitchFamily="18" charset="0"/>
+                          </a:rPr>
+                          <m:t>1</m:t>
+                        </m:r>
+                      </m:sub>
+                      <m:sup>
+                        <m:r>
+                          <a:rPr lang="en-US" altLang="ja-JP" b="0" i="1" smtClean="0">
+                            <a:solidFill>
+                              <a:srgbClr val="000000"/>
+                            </a:solidFill>
+                            <a:latin typeface="Cambria Math" panose="02040503050406030204" pitchFamily="18" charset="0"/>
+                          </a:rPr>
+                          <m:t>𝑡</m:t>
+                        </m:r>
+                      </m:sup>
+                    </m:sSubSup>
+                    <m:r>
+                      <a:rPr lang="en-US" altLang="ja-JP" b="0" i="1" smtClean="0">
+                        <a:solidFill>
+                          <a:srgbClr val="000000"/>
+                        </a:solidFill>
+                        <a:latin typeface="Cambria Math" panose="02040503050406030204" pitchFamily="18" charset="0"/>
+                      </a:rPr>
+                      <m:t>=</m:t>
+                    </m:r>
+                    <m:r>
+                      <a:rPr lang="ar-AE" altLang="ja-JP" i="1">
+                        <a:solidFill>
+                          <a:srgbClr val="000000"/>
+                        </a:solidFill>
+                        <a:latin typeface="Cambria Math" panose="02040503050406030204" pitchFamily="18" charset="0"/>
+                      </a:rPr>
+                      <m:t>𝜙</m:t>
+                    </m:r>
+                    <m:r>
+                      <a:rPr lang="en-US" altLang="ja-JP" b="0" i="1" smtClean="0">
+                        <a:solidFill>
+                          <a:srgbClr val="000000"/>
+                        </a:solidFill>
+                        <a:latin typeface="Cambria Math" panose="02040503050406030204" pitchFamily="18" charset="0"/>
+                      </a:rPr>
+                      <m:t>(</m:t>
+                    </m:r>
+                    <m:r>
+                      <a:rPr lang="en-US" altLang="ja-JP" b="0" i="1" smtClean="0">
+                        <a:solidFill>
+                          <a:srgbClr val="000000"/>
+                        </a:solidFill>
+                        <a:latin typeface="Cambria Math" panose="02040503050406030204" pitchFamily="18" charset="0"/>
+                      </a:rPr>
+                      <m:t>𝑥</m:t>
+                    </m:r>
+                    <m:r>
+                      <a:rPr lang="en-US" altLang="ja-JP" b="0" i="1" smtClean="0">
+                        <a:solidFill>
+                          <a:srgbClr val="000000"/>
+                        </a:solidFill>
+                        <a:latin typeface="Cambria Math" panose="02040503050406030204" pitchFamily="18" charset="0"/>
+                      </a:rPr>
+                      <m:t>,</m:t>
+                    </m:r>
+                    <m:r>
+                      <a:rPr lang="en-US" altLang="ja-JP" b="0" i="1" smtClean="0">
+                        <a:solidFill>
+                          <a:srgbClr val="000000"/>
+                        </a:solidFill>
+                        <a:latin typeface="Cambria Math" panose="02040503050406030204" pitchFamily="18" charset="0"/>
+                      </a:rPr>
+                      <m:t>0</m:t>
+                    </m:r>
+                    <m:r>
+                      <a:rPr lang="en-US" altLang="ja-JP" b="0" i="1" smtClean="0">
+                        <a:solidFill>
+                          <a:srgbClr val="000000"/>
+                        </a:solidFill>
+                        <a:latin typeface="Cambria Math" panose="02040503050406030204" pitchFamily="18" charset="0"/>
+                      </a:rPr>
+                      <m:t>,</m:t>
+                    </m:r>
+                    <m:r>
+                      <a:rPr lang="en-US" altLang="ja-JP" b="0" i="1" smtClean="0">
+                        <a:solidFill>
+                          <a:srgbClr val="000000"/>
+                        </a:solidFill>
+                        <a:latin typeface="Cambria Math" panose="02040503050406030204" pitchFamily="18" charset="0"/>
+                      </a:rPr>
+                      <m:t>𝑡</m:t>
+                    </m:r>
+                    <m:r>
+                      <a:rPr lang="en-US" altLang="ja-JP" b="0" i="1" smtClean="0">
+                        <a:solidFill>
+                          <a:srgbClr val="000000"/>
+                        </a:solidFill>
+                        <a:latin typeface="Cambria Math" panose="02040503050406030204" pitchFamily="18" charset="0"/>
+                      </a:rPr>
+                      <m:t>)</m:t>
+                    </m:r>
+                  </m:oMath>
+                </a14:m>
+                <a:r>
+                  <a:rPr kumimoji="1" lang="ja-JP" altLang="en-US" dirty="0"/>
+                  <a:t>，</a:t>
+                </a:r>
+                <a14:m>
+                  <m:oMath xmlns:m="http://schemas.openxmlformats.org/officeDocument/2006/math">
+                    <m:sSub>
+                      <m:sSubPr>
+                        <m:ctrlPr>
+                          <a:rPr kumimoji="1" lang="en-US" altLang="ja-JP" i="1" dirty="0" smtClean="0">
+                            <a:latin typeface="Cambria Math" panose="02040503050406030204" pitchFamily="18" charset="0"/>
+                          </a:rPr>
+                        </m:ctrlPr>
+                      </m:sSubPr>
+                      <m:e>
+                        <m:r>
+                          <a:rPr kumimoji="1" lang="en-US" altLang="ja-JP" b="0" i="1" dirty="0" smtClean="0">
+                            <a:latin typeface="Cambria Math" panose="02040503050406030204" pitchFamily="18" charset="0"/>
+                          </a:rPr>
+                          <m:t>𝐼</m:t>
+                        </m:r>
+                      </m:e>
+                      <m:sub>
+                        <m:r>
+                          <a:rPr kumimoji="1" lang="en-US" altLang="ja-JP" b="0" i="1" dirty="0" smtClean="0">
+                            <a:latin typeface="Cambria Math" panose="02040503050406030204" pitchFamily="18" charset="0"/>
+                          </a:rPr>
+                          <m:t>𝑖</m:t>
+                        </m:r>
+                      </m:sub>
+                    </m:sSub>
+                    <m:d>
+                      <m:dPr>
+                        <m:ctrlPr>
+                          <a:rPr kumimoji="1" lang="en-US" altLang="ja-JP" b="0" i="1" dirty="0" smtClean="0">
+                            <a:latin typeface="Cambria Math" panose="02040503050406030204" pitchFamily="18" charset="0"/>
+                          </a:rPr>
+                        </m:ctrlPr>
+                      </m:dPr>
+                      <m:e>
+                        <m:r>
+                          <a:rPr kumimoji="1" lang="en-US" altLang="ja-JP" b="0" i="1" dirty="0" smtClean="0">
+                            <a:latin typeface="Cambria Math" panose="02040503050406030204" pitchFamily="18" charset="0"/>
+                          </a:rPr>
+                          <m:t>𝑥</m:t>
+                        </m:r>
+                        <m:r>
+                          <a:rPr kumimoji="1" lang="en-US" altLang="ja-JP" b="0" i="1" dirty="0" smtClean="0">
+                            <a:latin typeface="Cambria Math" panose="02040503050406030204" pitchFamily="18" charset="0"/>
+                          </a:rPr>
+                          <m:t>,</m:t>
+                        </m:r>
+                        <m:r>
+                          <a:rPr kumimoji="1" lang="en-US" altLang="ja-JP" b="0" i="1" dirty="0" smtClean="0">
+                            <a:latin typeface="Cambria Math" panose="02040503050406030204" pitchFamily="18" charset="0"/>
+                          </a:rPr>
+                          <m:t>0</m:t>
+                        </m:r>
+                        <m:r>
+                          <a:rPr kumimoji="1" lang="en-US" altLang="ja-JP" b="0" i="1" dirty="0" smtClean="0">
+                            <a:latin typeface="Cambria Math" panose="02040503050406030204" pitchFamily="18" charset="0"/>
+                          </a:rPr>
+                          <m:t>,</m:t>
+                        </m:r>
+                        <m:r>
+                          <a:rPr kumimoji="1" lang="en-US" altLang="ja-JP" b="0" i="1" dirty="0" smtClean="0">
+                            <a:latin typeface="Cambria Math" panose="02040503050406030204" pitchFamily="18" charset="0"/>
+                          </a:rPr>
+                          <m:t>𝑡</m:t>
+                        </m:r>
+                      </m:e>
+                    </m:d>
+                  </m:oMath>
+                </a14:m>
+                <a:r>
+                  <a:rPr kumimoji="1" lang="ja-JP" altLang="en-US" dirty="0"/>
+                  <a:t>を</a:t>
+                </a:r>
+                <a14:m>
+                  <m:oMath xmlns:m="http://schemas.openxmlformats.org/officeDocument/2006/math">
+                    <m:sSub>
+                      <m:sSubPr>
+                        <m:ctrlPr>
+                          <a:rPr lang="en-US" altLang="ja-JP" i="1" dirty="0">
+                            <a:latin typeface="Cambria Math" panose="02040503050406030204" pitchFamily="18" charset="0"/>
+                          </a:rPr>
+                        </m:ctrlPr>
+                      </m:sSubPr>
+                      <m:e>
+                        <m:sSubSup>
+                          <m:sSubSupPr>
+                            <m:ctrlPr>
+                              <a:rPr lang="en-US" altLang="ja-JP" i="1" dirty="0" smtClean="0">
+                                <a:latin typeface="Cambria Math" panose="02040503050406030204" pitchFamily="18" charset="0"/>
+                              </a:rPr>
+                            </m:ctrlPr>
+                          </m:sSubSupPr>
+                          <m:e>
+                            <m:r>
+                              <a:rPr lang="en-US" altLang="ja-JP" b="0" i="1" dirty="0" smtClean="0">
+                                <a:latin typeface="Cambria Math" panose="02040503050406030204" pitchFamily="18" charset="0"/>
+                              </a:rPr>
+                              <m:t>𝐼</m:t>
+                            </m:r>
+                          </m:e>
+                          <m:sub>
+                            <m:r>
+                              <a:rPr lang="en-US" altLang="ja-JP" b="0" i="1" dirty="0" smtClean="0">
+                                <a:latin typeface="Cambria Math" panose="02040503050406030204" pitchFamily="18" charset="0"/>
+                              </a:rPr>
+                              <m:t>𝑖</m:t>
+                            </m:r>
+                            <m:r>
+                              <a:rPr lang="en-US" altLang="ja-JP" b="0" i="1" dirty="0" smtClean="0">
+                                <a:latin typeface="Cambria Math" panose="02040503050406030204" pitchFamily="18" charset="0"/>
+                              </a:rPr>
+                              <m:t>,</m:t>
+                            </m:r>
+                            <m:r>
+                              <a:rPr lang="en-US" altLang="ja-JP" b="0" i="1" dirty="0" smtClean="0">
+                                <a:latin typeface="Cambria Math" panose="02040503050406030204" pitchFamily="18" charset="0"/>
+                              </a:rPr>
+                              <m:t>𝑥</m:t>
+                            </m:r>
+                          </m:sub>
+                          <m:sup>
+                            <m:r>
+                              <a:rPr lang="en-US" altLang="ja-JP" b="0" i="1" dirty="0" smtClean="0">
+                                <a:latin typeface="Cambria Math" panose="02040503050406030204" pitchFamily="18" charset="0"/>
+                              </a:rPr>
+                              <m:t>𝑡</m:t>
+                            </m:r>
+                          </m:sup>
+                        </m:sSubSup>
+                        <m:r>
+                          <a:rPr lang="en-US" altLang="ja-JP" b="0" i="1" dirty="0" smtClean="0">
+                            <a:latin typeface="Cambria Math" panose="02040503050406030204" pitchFamily="18" charset="0"/>
+                          </a:rPr>
+                          <m:t>=</m:t>
+                        </m:r>
+                        <m:r>
+                          <a:rPr lang="en-US" altLang="ja-JP" i="1" dirty="0">
+                            <a:latin typeface="Cambria Math" panose="02040503050406030204" pitchFamily="18" charset="0"/>
+                          </a:rPr>
+                          <m:t>𝐼</m:t>
+                        </m:r>
+                      </m:e>
+                      <m:sub>
+                        <m:r>
+                          <a:rPr lang="en-US" altLang="ja-JP" i="1" dirty="0">
+                            <a:latin typeface="Cambria Math" panose="02040503050406030204" pitchFamily="18" charset="0"/>
+                          </a:rPr>
+                          <m:t>𝑖</m:t>
+                        </m:r>
+                      </m:sub>
+                    </m:sSub>
+                    <m:d>
+                      <m:dPr>
+                        <m:ctrlPr>
+                          <a:rPr lang="en-US" altLang="ja-JP" i="1" dirty="0">
+                            <a:latin typeface="Cambria Math" panose="02040503050406030204" pitchFamily="18" charset="0"/>
+                          </a:rPr>
+                        </m:ctrlPr>
+                      </m:dPr>
+                      <m:e>
+                        <m:r>
+                          <a:rPr lang="en-US" altLang="ja-JP" i="1" dirty="0">
+                            <a:latin typeface="Cambria Math" panose="02040503050406030204" pitchFamily="18" charset="0"/>
+                          </a:rPr>
+                          <m:t>𝑥</m:t>
+                        </m:r>
+                        <m:r>
+                          <a:rPr lang="en-US" altLang="ja-JP" i="1" dirty="0">
+                            <a:latin typeface="Cambria Math" panose="02040503050406030204" pitchFamily="18" charset="0"/>
+                          </a:rPr>
+                          <m:t>,</m:t>
+                        </m:r>
+                        <m:r>
+                          <a:rPr lang="en-US" altLang="ja-JP" i="1" dirty="0">
+                            <a:latin typeface="Cambria Math" panose="02040503050406030204" pitchFamily="18" charset="0"/>
+                          </a:rPr>
+                          <m:t>0</m:t>
+                        </m:r>
+                        <m:r>
+                          <a:rPr lang="en-US" altLang="ja-JP" i="1" dirty="0">
+                            <a:latin typeface="Cambria Math" panose="02040503050406030204" pitchFamily="18" charset="0"/>
+                          </a:rPr>
+                          <m:t>,</m:t>
+                        </m:r>
+                        <m:r>
+                          <a:rPr lang="en-US" altLang="ja-JP" i="1" dirty="0">
+                            <a:latin typeface="Cambria Math" panose="02040503050406030204" pitchFamily="18" charset="0"/>
+                          </a:rPr>
+                          <m:t>𝑡</m:t>
+                        </m:r>
+                      </m:e>
+                    </m:d>
+                  </m:oMath>
+                </a14:m>
+                <a:r>
+                  <a:rPr kumimoji="1" lang="ja-JP" altLang="en-US" dirty="0"/>
+                  <a:t>とおくと</a:t>
+                </a:r>
+              </a:p>
+            </p:txBody>
+          </p:sp>
+        </mc:Choice>
+        <mc:Fallback xmlns="">
+          <p:sp>
+            <p:nvSpPr>
+              <p:cNvPr id="13" name="テキスト ボックス 12">
+                <a:extLst>
+                  <a:ext uri="{FF2B5EF4-FFF2-40B4-BE49-F238E27FC236}">
+                    <a16:creationId xmlns:a16="http://schemas.microsoft.com/office/drawing/2014/main" id="{5D98123A-BDDE-9B0F-79CE-1DC81BA39FB5}"/>
+                  </a:ext>
+                </a:extLst>
+              </p:cNvPr>
+              <p:cNvSpPr txBox="1">
+                <a:spLocks noRot="1" noChangeAspect="1" noMove="1" noResize="1" noEditPoints="1" noAdjustHandles="1" noChangeArrowheads="1" noChangeShapeType="1" noTextEdit="1"/>
+              </p:cNvSpPr>
+              <p:nvPr/>
+            </p:nvSpPr>
+            <p:spPr>
+              <a:xfrm>
+                <a:off x="838199" y="2269863"/>
+                <a:ext cx="7477462" cy="680571"/>
+              </a:xfrm>
+              <a:prstGeom prst="rect">
+                <a:avLst/>
+              </a:prstGeom>
+              <a:blipFill>
+                <a:blip r:embed="rId5"/>
+                <a:stretch>
+                  <a:fillRect l="-652" t="-893" r="-489" b="-13393"/>
+                </a:stretch>
+              </a:blipFill>
+            </p:spPr>
+            <p:txBody>
+              <a:bodyPr/>
+              <a:lstStyle/>
+              <a:p>
+                <a:r>
+                  <a:rPr lang="ja-JP" altLang="en-US">
+                    <a:noFill/>
+                  </a:rPr>
+                  <a:t> </a:t>
+                </a:r>
+              </a:p>
+            </p:txBody>
+          </p:sp>
+        </mc:Fallback>
+      </mc:AlternateContent>
+      <mc:AlternateContent xmlns:mc="http://schemas.openxmlformats.org/markup-compatibility/2006" xmlns:a14="http://schemas.microsoft.com/office/drawing/2010/main">
+        <mc:Choice Requires="a14">
+          <p:sp>
+            <p:nvSpPr>
+              <p:cNvPr id="14" name="テキスト ボックス 13">
+                <a:extLst>
+                  <a:ext uri="{FF2B5EF4-FFF2-40B4-BE49-F238E27FC236}">
+                    <a16:creationId xmlns:a16="http://schemas.microsoft.com/office/drawing/2014/main" id="{D9F31460-511F-8667-2808-C1ED8D6E4E69}"/>
+                  </a:ext>
+                </a:extLst>
+              </p:cNvPr>
+              <p:cNvSpPr txBox="1"/>
+              <p:nvPr/>
+            </p:nvSpPr>
+            <p:spPr>
+              <a:xfrm>
+                <a:off x="838199" y="3642172"/>
+                <a:ext cx="7477462" cy="403572"/>
+              </a:xfrm>
+              <a:prstGeom prst="rect">
+                <a:avLst/>
+              </a:prstGeom>
+              <a:noFill/>
+            </p:spPr>
+            <p:txBody>
+              <a:bodyPr wrap="square" rtlCol="0">
+                <a:spAutoFit/>
+              </a:bodyPr>
+              <a:lstStyle/>
+              <a:p>
+                <a:r>
+                  <a:rPr lang="ja-JP" altLang="en-US" dirty="0">
+                    <a:solidFill>
+                      <a:srgbClr val="000000"/>
+                    </a:solidFill>
+                  </a:rPr>
+                  <a:t>これを</a:t>
+                </a:r>
+                <a14:m>
+                  <m:oMath xmlns:m="http://schemas.openxmlformats.org/officeDocument/2006/math">
+                    <m:sSubSup>
+                      <m:sSubSupPr>
+                        <m:ctrlPr>
+                          <a:rPr lang="ar-AE" altLang="ja-JP" i="1" smtClean="0">
+                            <a:solidFill>
+                              <a:srgbClr val="000000"/>
+                            </a:solidFill>
+                            <a:latin typeface="Cambria Math" panose="02040503050406030204" pitchFamily="18" charset="0"/>
+                          </a:rPr>
+                        </m:ctrlPr>
+                      </m:sSubSupPr>
+                      <m:e>
+                        <m:r>
+                          <a:rPr lang="ar-AE" altLang="ja-JP" i="1">
+                            <a:solidFill>
+                              <a:srgbClr val="000000"/>
+                            </a:solidFill>
+                            <a:latin typeface="Cambria Math" panose="02040503050406030204" pitchFamily="18" charset="0"/>
+                          </a:rPr>
+                          <m:t>𝜙</m:t>
+                        </m:r>
+                      </m:e>
+                      <m:sub>
+                        <m:r>
+                          <a:rPr lang="en-US" altLang="ja-JP" b="0" i="1" smtClean="0">
+                            <a:solidFill>
+                              <a:srgbClr val="000000"/>
+                            </a:solidFill>
+                            <a:latin typeface="Cambria Math" panose="02040503050406030204" pitchFamily="18" charset="0"/>
+                          </a:rPr>
+                          <m:t>𝑥</m:t>
+                        </m:r>
+                        <m:r>
+                          <a:rPr lang="en-US" altLang="ja-JP" b="0" i="1" smtClean="0">
+                            <a:solidFill>
+                              <a:srgbClr val="000000"/>
+                            </a:solidFill>
+                            <a:latin typeface="Cambria Math" panose="02040503050406030204" pitchFamily="18" charset="0"/>
+                          </a:rPr>
+                          <m:t>,</m:t>
+                        </m:r>
+                        <m:r>
+                          <a:rPr lang="en-US" altLang="ja-JP" b="0" i="1" smtClean="0">
+                            <a:solidFill>
+                              <a:srgbClr val="000000"/>
+                            </a:solidFill>
+                            <a:latin typeface="Cambria Math" panose="02040503050406030204" pitchFamily="18" charset="0"/>
+                          </a:rPr>
+                          <m:t>1</m:t>
+                        </m:r>
+                      </m:sub>
+                      <m:sup>
+                        <m:r>
+                          <a:rPr lang="en-US" altLang="ja-JP" b="0" i="1" smtClean="0">
+                            <a:solidFill>
+                              <a:srgbClr val="000000"/>
+                            </a:solidFill>
+                            <a:latin typeface="Cambria Math" panose="02040503050406030204" pitchFamily="18" charset="0"/>
+                          </a:rPr>
+                          <m:t>𝑡</m:t>
+                        </m:r>
+                      </m:sup>
+                    </m:sSubSup>
+                  </m:oMath>
+                </a14:m>
+                <a:r>
+                  <a:rPr kumimoji="1" lang="ja-JP" altLang="en-US" dirty="0"/>
+                  <a:t>についてとくと入射面における境界条件は</a:t>
+                </a:r>
+              </a:p>
+            </p:txBody>
+          </p:sp>
+        </mc:Choice>
+        <mc:Fallback xmlns="">
+          <p:sp>
+            <p:nvSpPr>
+              <p:cNvPr id="14" name="テキスト ボックス 13">
+                <a:extLst>
+                  <a:ext uri="{FF2B5EF4-FFF2-40B4-BE49-F238E27FC236}">
+                    <a16:creationId xmlns:a16="http://schemas.microsoft.com/office/drawing/2014/main" id="{D9F31460-511F-8667-2808-C1ED8D6E4E69}"/>
+                  </a:ext>
+                </a:extLst>
+              </p:cNvPr>
+              <p:cNvSpPr txBox="1">
+                <a:spLocks noRot="1" noChangeAspect="1" noMove="1" noResize="1" noEditPoints="1" noAdjustHandles="1" noChangeArrowheads="1" noChangeShapeType="1" noTextEdit="1"/>
+              </p:cNvSpPr>
+              <p:nvPr/>
+            </p:nvSpPr>
+            <p:spPr>
+              <a:xfrm>
+                <a:off x="838199" y="3642172"/>
+                <a:ext cx="7477462" cy="403572"/>
+              </a:xfrm>
+              <a:prstGeom prst="rect">
+                <a:avLst/>
+              </a:prstGeom>
+              <a:blipFill>
+                <a:blip r:embed="rId6"/>
+                <a:stretch>
+                  <a:fillRect l="-652" t="-2985" b="-17910"/>
+                </a:stretch>
+              </a:blipFill>
+            </p:spPr>
+            <p:txBody>
+              <a:bodyPr/>
+              <a:lstStyle/>
+              <a:p>
+                <a:r>
+                  <a:rPr lang="ja-JP" altLang="en-US">
+                    <a:noFill/>
+                  </a:rPr>
+                  <a:t> </a:t>
+                </a:r>
+              </a:p>
+            </p:txBody>
+          </p:sp>
+        </mc:Fallback>
+      </mc:AlternateContent>
+      <mc:AlternateContent xmlns:mc="http://schemas.openxmlformats.org/markup-compatibility/2006" xmlns:a14="http://schemas.microsoft.com/office/drawing/2010/main">
+        <mc:Choice Requires="a14">
+          <p:sp>
+            <p:nvSpPr>
+              <p:cNvPr id="15" name="方程式">
+                <a:extLst>
+                  <a:ext uri="{FF2B5EF4-FFF2-40B4-BE49-F238E27FC236}">
+                    <a16:creationId xmlns:a16="http://schemas.microsoft.com/office/drawing/2014/main" id="{1FB3DFC4-1D58-F675-B7AA-CED9DB5CC444}"/>
+                  </a:ext>
+                </a:extLst>
+              </p:cNvPr>
+              <p:cNvSpPr txBox="1"/>
+              <p:nvPr/>
+            </p:nvSpPr>
+            <p:spPr>
+              <a:xfrm>
+                <a:off x="1853747" y="4045744"/>
+                <a:ext cx="5335050" cy="821892"/>
+              </a:xfrm>
+              <a:prstGeom prst="rect">
+                <a:avLst/>
+              </a:prstGeom>
+              <a:ln w="12700">
+                <a:miter lim="400000"/>
+              </a:ln>
+            </p:spPr>
+            <p:txBody>
+              <a:bodyPr wrap="none" lIns="0" tIns="0" rIns="0" bIns="0">
+                <a:spAutoFit/>
+              </a:bodyPr>
+              <a:lstStyle>
+                <a:defPPr marL="0" marR="0" indent="0" algn="l" defTabSz="914400" rtl="0" fontAlgn="auto" latinLnBrk="1" hangingPunct="0">
+                  <a:lnSpc>
+                    <a:spcPct val="100000"/>
+                  </a:lnSpc>
+                  <a:spcBef>
+                    <a:spcPts val="0"/>
+                  </a:spcBef>
+                  <a:spcAft>
+                    <a:spcPts val="0"/>
+                  </a:spcAft>
+                  <a:buClrTx/>
+                  <a:buSzTx/>
+                  <a:buFontTx/>
+                  <a:buNone/>
+                  <a:tabLst/>
+                  <a:defRPr kumimoji="0" sz="1800" b="0" i="0" u="none" strike="noStrike" cap="none" spc="0" normalizeH="0" baseline="0">
+                    <a:ln>
+                      <a:noFill/>
+                    </a:ln>
+                    <a:solidFill>
+                      <a:srgbClr val="000000"/>
+                    </a:solidFill>
+                    <a:effectLst/>
+                    <a:uFillTx/>
+                  </a:defRPr>
+                </a:defPPr>
+                <a:lvl1pPr marL="0" marR="0" indent="0" algn="ctr" defTabSz="821531" rtl="0" fontAlgn="auto" latinLnBrk="0" hangingPunct="0">
+                  <a:lnSpc>
+                    <a:spcPct val="100000"/>
+                  </a:lnSpc>
+                  <a:spcBef>
+                    <a:spcPts val="0"/>
+                  </a:spcBef>
+                  <a:spcAft>
+                    <a:spcPts val="0"/>
+                  </a:spcAft>
+                  <a:buClrTx/>
+                  <a:buSzTx/>
+                  <a:buFontTx/>
+                  <a:buNone/>
+                  <a:tabLst/>
+                  <a:defRPr kumimoji="0" sz="3200" b="0" i="0" u="none" strike="noStrike" cap="none" spc="0" normalizeH="0" baseline="0">
+                    <a:ln>
+                      <a:noFill/>
+                    </a:ln>
+                    <a:solidFill>
+                      <a:srgbClr val="000000"/>
+                    </a:solidFill>
+                    <a:effectLst/>
+                    <a:uFillTx/>
+                    <a:latin typeface="ヒラギノ角ゴ ProN W6"/>
+                    <a:ea typeface="ヒラギノ角ゴ ProN W6"/>
+                    <a:cs typeface="ヒラギノ角ゴ ProN W6"/>
+                    <a:sym typeface="ヒラギノ角ゴ ProN W6"/>
+                  </a:defRPr>
+                </a:lvl1pPr>
+                <a:lvl2pPr marL="0" marR="0" indent="228600" algn="ctr" defTabSz="821531" rtl="0" fontAlgn="auto" latinLnBrk="0" hangingPunct="0">
+                  <a:lnSpc>
+                    <a:spcPct val="100000"/>
+                  </a:lnSpc>
+                  <a:spcBef>
+                    <a:spcPts val="0"/>
+                  </a:spcBef>
+                  <a:spcAft>
+                    <a:spcPts val="0"/>
+                  </a:spcAft>
+                  <a:buClrTx/>
+                  <a:buSzTx/>
+                  <a:buFontTx/>
+                  <a:buNone/>
+                  <a:tabLst/>
+                  <a:defRPr kumimoji="0" sz="3200" b="0" i="0" u="none" strike="noStrike" cap="none" spc="0" normalizeH="0" baseline="0">
+                    <a:ln>
+                      <a:noFill/>
+                    </a:ln>
+                    <a:solidFill>
+                      <a:srgbClr val="000000"/>
+                    </a:solidFill>
+                    <a:effectLst/>
+                    <a:uFillTx/>
+                    <a:latin typeface="ヒラギノ角ゴ ProN W6"/>
+                    <a:ea typeface="ヒラギノ角ゴ ProN W6"/>
+                    <a:cs typeface="ヒラギノ角ゴ ProN W6"/>
+                    <a:sym typeface="ヒラギノ角ゴ ProN W6"/>
+                  </a:defRPr>
+                </a:lvl2pPr>
+                <a:lvl3pPr marL="0" marR="0" indent="457200" algn="ctr" defTabSz="821531" rtl="0" fontAlgn="auto" latinLnBrk="0" hangingPunct="0">
+                  <a:lnSpc>
+                    <a:spcPct val="100000"/>
+                  </a:lnSpc>
+                  <a:spcBef>
+                    <a:spcPts val="0"/>
+                  </a:spcBef>
+                  <a:spcAft>
+                    <a:spcPts val="0"/>
+                  </a:spcAft>
+                  <a:buClrTx/>
+                  <a:buSzTx/>
+                  <a:buFontTx/>
+                  <a:buNone/>
+                  <a:tabLst/>
+                  <a:defRPr kumimoji="0" sz="3200" b="0" i="0" u="none" strike="noStrike" cap="none" spc="0" normalizeH="0" baseline="0">
+                    <a:ln>
+                      <a:noFill/>
+                    </a:ln>
+                    <a:solidFill>
+                      <a:srgbClr val="000000"/>
+                    </a:solidFill>
+                    <a:effectLst/>
+                    <a:uFillTx/>
+                    <a:latin typeface="ヒラギノ角ゴ ProN W6"/>
+                    <a:ea typeface="ヒラギノ角ゴ ProN W6"/>
+                    <a:cs typeface="ヒラギノ角ゴ ProN W6"/>
+                    <a:sym typeface="ヒラギノ角ゴ ProN W6"/>
+                  </a:defRPr>
+                </a:lvl3pPr>
+                <a:lvl4pPr marL="0" marR="0" indent="685800" algn="ctr" defTabSz="821531" rtl="0" fontAlgn="auto" latinLnBrk="0" hangingPunct="0">
+                  <a:lnSpc>
+                    <a:spcPct val="100000"/>
+                  </a:lnSpc>
+                  <a:spcBef>
+                    <a:spcPts val="0"/>
+                  </a:spcBef>
+                  <a:spcAft>
+                    <a:spcPts val="0"/>
+                  </a:spcAft>
+                  <a:buClrTx/>
+                  <a:buSzTx/>
+                  <a:buFontTx/>
+                  <a:buNone/>
+                  <a:tabLst/>
+                  <a:defRPr kumimoji="0" sz="3200" b="0" i="0" u="none" strike="noStrike" cap="none" spc="0" normalizeH="0" baseline="0">
+                    <a:ln>
+                      <a:noFill/>
+                    </a:ln>
+                    <a:solidFill>
+                      <a:srgbClr val="000000"/>
+                    </a:solidFill>
+                    <a:effectLst/>
+                    <a:uFillTx/>
+                    <a:latin typeface="ヒラギノ角ゴ ProN W6"/>
+                    <a:ea typeface="ヒラギノ角ゴ ProN W6"/>
+                    <a:cs typeface="ヒラギノ角ゴ ProN W6"/>
+                    <a:sym typeface="ヒラギノ角ゴ ProN W6"/>
+                  </a:defRPr>
+                </a:lvl4pPr>
+                <a:lvl5pPr marL="0" marR="0" indent="914400" algn="ctr" defTabSz="821531" rtl="0" fontAlgn="auto" latinLnBrk="0" hangingPunct="0">
+                  <a:lnSpc>
+                    <a:spcPct val="100000"/>
+                  </a:lnSpc>
+                  <a:spcBef>
+                    <a:spcPts val="0"/>
+                  </a:spcBef>
+                  <a:spcAft>
+                    <a:spcPts val="0"/>
+                  </a:spcAft>
+                  <a:buClrTx/>
+                  <a:buSzTx/>
+                  <a:buFontTx/>
+                  <a:buNone/>
+                  <a:tabLst/>
+                  <a:defRPr kumimoji="0" sz="3200" b="0" i="0" u="none" strike="noStrike" cap="none" spc="0" normalizeH="0" baseline="0">
+                    <a:ln>
+                      <a:noFill/>
+                    </a:ln>
+                    <a:solidFill>
+                      <a:srgbClr val="000000"/>
+                    </a:solidFill>
+                    <a:effectLst/>
+                    <a:uFillTx/>
+                    <a:latin typeface="ヒラギノ角ゴ ProN W6"/>
+                    <a:ea typeface="ヒラギノ角ゴ ProN W6"/>
+                    <a:cs typeface="ヒラギノ角ゴ ProN W6"/>
+                    <a:sym typeface="ヒラギノ角ゴ ProN W6"/>
+                  </a:defRPr>
+                </a:lvl5pPr>
+                <a:lvl6pPr marL="0" marR="0" indent="1143000" algn="ctr" defTabSz="821531" rtl="0" fontAlgn="auto" latinLnBrk="0" hangingPunct="0">
+                  <a:lnSpc>
+                    <a:spcPct val="100000"/>
+                  </a:lnSpc>
+                  <a:spcBef>
+                    <a:spcPts val="0"/>
+                  </a:spcBef>
+                  <a:spcAft>
+                    <a:spcPts val="0"/>
+                  </a:spcAft>
+                  <a:buClrTx/>
+                  <a:buSzTx/>
+                  <a:buFontTx/>
+                  <a:buNone/>
+                  <a:tabLst/>
+                  <a:defRPr kumimoji="0" sz="3200" b="0" i="0" u="none" strike="noStrike" cap="none" spc="0" normalizeH="0" baseline="0">
+                    <a:ln>
+                      <a:noFill/>
+                    </a:ln>
+                    <a:solidFill>
+                      <a:srgbClr val="000000"/>
+                    </a:solidFill>
+                    <a:effectLst/>
+                    <a:uFillTx/>
+                    <a:latin typeface="ヒラギノ角ゴ ProN W6"/>
+                    <a:ea typeface="ヒラギノ角ゴ ProN W6"/>
+                    <a:cs typeface="ヒラギノ角ゴ ProN W6"/>
+                    <a:sym typeface="ヒラギノ角ゴ ProN W6"/>
+                  </a:defRPr>
+                </a:lvl6pPr>
+                <a:lvl7pPr marL="0" marR="0" indent="1371600" algn="ctr" defTabSz="821531" rtl="0" fontAlgn="auto" latinLnBrk="0" hangingPunct="0">
+                  <a:lnSpc>
+                    <a:spcPct val="100000"/>
+                  </a:lnSpc>
+                  <a:spcBef>
+                    <a:spcPts val="0"/>
+                  </a:spcBef>
+                  <a:spcAft>
+                    <a:spcPts val="0"/>
+                  </a:spcAft>
+                  <a:buClrTx/>
+                  <a:buSzTx/>
+                  <a:buFontTx/>
+                  <a:buNone/>
+                  <a:tabLst/>
+                  <a:defRPr kumimoji="0" sz="3200" b="0" i="0" u="none" strike="noStrike" cap="none" spc="0" normalizeH="0" baseline="0">
+                    <a:ln>
+                      <a:noFill/>
+                    </a:ln>
+                    <a:solidFill>
+                      <a:srgbClr val="000000"/>
+                    </a:solidFill>
+                    <a:effectLst/>
+                    <a:uFillTx/>
+                    <a:latin typeface="ヒラギノ角ゴ ProN W6"/>
+                    <a:ea typeface="ヒラギノ角ゴ ProN W6"/>
+                    <a:cs typeface="ヒラギノ角ゴ ProN W6"/>
+                    <a:sym typeface="ヒラギノ角ゴ ProN W6"/>
+                  </a:defRPr>
+                </a:lvl7pPr>
+                <a:lvl8pPr marL="0" marR="0" indent="1600200" algn="ctr" defTabSz="821531" rtl="0" fontAlgn="auto" latinLnBrk="0" hangingPunct="0">
+                  <a:lnSpc>
+                    <a:spcPct val="100000"/>
+                  </a:lnSpc>
+                  <a:spcBef>
+                    <a:spcPts val="0"/>
+                  </a:spcBef>
+                  <a:spcAft>
+                    <a:spcPts val="0"/>
+                  </a:spcAft>
+                  <a:buClrTx/>
+                  <a:buSzTx/>
+                  <a:buFontTx/>
+                  <a:buNone/>
+                  <a:tabLst/>
+                  <a:defRPr kumimoji="0" sz="3200" b="0" i="0" u="none" strike="noStrike" cap="none" spc="0" normalizeH="0" baseline="0">
+                    <a:ln>
+                      <a:noFill/>
+                    </a:ln>
+                    <a:solidFill>
+                      <a:srgbClr val="000000"/>
+                    </a:solidFill>
+                    <a:effectLst/>
+                    <a:uFillTx/>
+                    <a:latin typeface="ヒラギノ角ゴ ProN W6"/>
+                    <a:ea typeface="ヒラギノ角ゴ ProN W6"/>
+                    <a:cs typeface="ヒラギノ角ゴ ProN W6"/>
+                    <a:sym typeface="ヒラギノ角ゴ ProN W6"/>
+                  </a:defRPr>
+                </a:lvl8pPr>
+                <a:lvl9pPr marL="0" marR="0" indent="1828800" algn="ctr" defTabSz="821531" rtl="0" fontAlgn="auto" latinLnBrk="0" hangingPunct="0">
+                  <a:lnSpc>
+                    <a:spcPct val="100000"/>
+                  </a:lnSpc>
+                  <a:spcBef>
+                    <a:spcPts val="0"/>
+                  </a:spcBef>
+                  <a:spcAft>
+                    <a:spcPts val="0"/>
+                  </a:spcAft>
+                  <a:buClrTx/>
+                  <a:buSzTx/>
+                  <a:buFontTx/>
+                  <a:buNone/>
+                  <a:tabLst/>
+                  <a:defRPr kumimoji="0" sz="3200" b="0" i="0" u="none" strike="noStrike" cap="none" spc="0" normalizeH="0" baseline="0">
+                    <a:ln>
+                      <a:noFill/>
+                    </a:ln>
+                    <a:solidFill>
+                      <a:srgbClr val="000000"/>
+                    </a:solidFill>
+                    <a:effectLst/>
+                    <a:uFillTx/>
+                    <a:latin typeface="ヒラギノ角ゴ ProN W6"/>
+                    <a:ea typeface="ヒラギノ角ゴ ProN W6"/>
+                    <a:cs typeface="ヒラギノ角ゴ ProN W6"/>
+                    <a:sym typeface="ヒラギノ角ゴ ProN W6"/>
+                  </a:defRPr>
+                </a:lvl9pPr>
+              </a:lstStyle>
+              <a:p>
+                <a:pPr algn="l" defTabSz="914400" latinLnBrk="1">
+                  <a:defRPr sz="1800"/>
+                </a:pPr>
+                <a14:m>
+                  <m:oMathPara xmlns:m="http://schemas.openxmlformats.org/officeDocument/2006/math">
+                    <m:oMathParaPr>
+                      <m:jc m:val="centerGroup"/>
+                    </m:oMathParaPr>
+                    <m:oMath xmlns:m="http://schemas.openxmlformats.org/officeDocument/2006/math">
+                      <m:sSubSup>
+                        <m:sSubSupPr>
+                          <m:ctrlPr>
+                            <a:rPr lang="ar-AE" altLang="ja-JP" sz="2400" i="1" smtClean="0">
+                              <a:latin typeface="Cambria Math" panose="02040503050406030204" pitchFamily="18" charset="0"/>
+                            </a:rPr>
+                          </m:ctrlPr>
+                        </m:sSubSupPr>
+                        <m:e>
+                          <m:r>
+                            <a:rPr lang="ar-AE" altLang="ja-JP" sz="2400" i="1">
+                              <a:latin typeface="Cambria Math" panose="02040503050406030204" pitchFamily="18" charset="0"/>
+                            </a:rPr>
+                            <m:t>𝜙</m:t>
+                          </m:r>
+                        </m:e>
+                        <m:sub>
+                          <m:r>
+                            <a:rPr lang="en-US" altLang="ja-JP" sz="2400" i="1">
+                              <a:latin typeface="Cambria Math" panose="02040503050406030204" pitchFamily="18" charset="0"/>
+                            </a:rPr>
+                            <m:t>𝑥</m:t>
+                          </m:r>
+                          <m:r>
+                            <a:rPr lang="en-US" altLang="ja-JP" sz="2400" i="1">
+                              <a:latin typeface="Cambria Math" panose="02040503050406030204" pitchFamily="18" charset="0"/>
+                            </a:rPr>
+                            <m:t>,</m:t>
+                          </m:r>
+                          <m:r>
+                            <a:rPr lang="en-US" altLang="ja-JP" sz="2400" i="1">
+                              <a:latin typeface="Cambria Math" panose="02040503050406030204" pitchFamily="18" charset="0"/>
+                            </a:rPr>
+                            <m:t>1</m:t>
+                          </m:r>
+                        </m:sub>
+                        <m:sup>
+                          <m:r>
+                            <a:rPr lang="en-US" altLang="ja-JP" sz="2400" i="1">
+                              <a:latin typeface="Cambria Math" panose="02040503050406030204" pitchFamily="18" charset="0"/>
+                            </a:rPr>
+                            <m:t>𝑡</m:t>
+                          </m:r>
+                        </m:sup>
+                      </m:sSubSup>
+                      <m:r>
+                        <a:rPr lang="ar-AE" sz="2400" i="1">
+                          <a:solidFill>
+                            <a:srgbClr val="000000"/>
+                          </a:solidFill>
+                          <a:latin typeface="Cambria Math" panose="02040503050406030204" pitchFamily="18" charset="0"/>
+                        </a:rPr>
+                        <m:t>=</m:t>
+                      </m:r>
+                      <m:f>
+                        <m:fPr>
+                          <m:ctrlPr>
+                            <a:rPr lang="ar-AE" sz="2400" i="1">
+                              <a:solidFill>
+                                <a:srgbClr val="000000"/>
+                              </a:solidFill>
+                              <a:latin typeface="Cambria Math" panose="02040503050406030204" pitchFamily="18" charset="0"/>
+                            </a:rPr>
+                          </m:ctrlPr>
+                        </m:fPr>
+                        <m:num>
+                          <m:r>
+                            <a:rPr lang="en-US" sz="2400" b="0" i="1" smtClean="0">
+                              <a:solidFill>
+                                <a:srgbClr val="000000"/>
+                              </a:solidFill>
+                              <a:latin typeface="Cambria Math" panose="02040503050406030204" pitchFamily="18" charset="0"/>
+                            </a:rPr>
+                            <m:t>1</m:t>
+                          </m:r>
+                        </m:num>
+                        <m:den>
+                          <m:r>
+                            <a:rPr lang="en-US" sz="2400" b="0" i="1" smtClean="0">
+                              <a:solidFill>
+                                <a:srgbClr val="000000"/>
+                              </a:solidFill>
+                              <a:latin typeface="Cambria Math" panose="02040503050406030204" pitchFamily="18" charset="0"/>
+                            </a:rPr>
+                            <m:t>2</m:t>
+                          </m:r>
+                          <m:r>
+                            <a:rPr lang="en-US" sz="2400" b="0" i="1" smtClean="0">
+                              <a:solidFill>
+                                <a:srgbClr val="000000"/>
+                              </a:solidFill>
+                              <a:latin typeface="Cambria Math" panose="02040503050406030204" pitchFamily="18" charset="0"/>
+                            </a:rPr>
+                            <m:t>𝐷𝐴</m:t>
+                          </m:r>
+                          <m:r>
+                            <a:rPr lang="en-US" sz="2400" b="0" i="1" smtClean="0">
+                              <a:solidFill>
+                                <a:srgbClr val="000000"/>
+                              </a:solidFill>
+                              <a:latin typeface="Cambria Math" panose="02040503050406030204" pitchFamily="18" charset="0"/>
+                            </a:rPr>
+                            <m:t>+∆</m:t>
+                          </m:r>
+                          <m:r>
+                            <a:rPr lang="en-US" sz="2400" b="0" i="1" smtClean="0">
+                              <a:solidFill>
+                                <a:srgbClr val="000000"/>
+                              </a:solidFill>
+                              <a:latin typeface="Cambria Math" panose="02040503050406030204" pitchFamily="18" charset="0"/>
+                              <a:ea typeface="Cambria Math" panose="02040503050406030204" pitchFamily="18" charset="0"/>
+                            </a:rPr>
+                            <m:t>𝑦</m:t>
+                          </m:r>
+                        </m:den>
+                      </m:f>
+                      <m:d>
+                        <m:dPr>
+                          <m:begChr m:val="["/>
+                          <m:endChr m:val="]"/>
+                          <m:ctrlPr>
+                            <a:rPr lang="ar-AE" altLang="ja-JP" sz="2400" i="1" smtClean="0">
+                              <a:solidFill>
+                                <a:srgbClr val="000000"/>
+                              </a:solidFill>
+                              <a:latin typeface="Cambria Math" panose="02040503050406030204" pitchFamily="18" charset="0"/>
+                            </a:rPr>
+                          </m:ctrlPr>
+                        </m:dPr>
+                        <m:e>
+                          <m:r>
+                            <a:rPr lang="en-US" altLang="ja-JP" sz="2400" b="0" i="1" smtClean="0">
+                              <a:solidFill>
+                                <a:srgbClr val="000000"/>
+                              </a:solidFill>
+                              <a:latin typeface="Cambria Math" panose="02040503050406030204" pitchFamily="18" charset="0"/>
+                            </a:rPr>
+                            <m:t>2</m:t>
+                          </m:r>
+                          <m:r>
+                            <a:rPr lang="en-US" altLang="ja-JP" sz="2400" b="0" i="1" smtClean="0">
+                              <a:solidFill>
+                                <a:srgbClr val="000000"/>
+                              </a:solidFill>
+                              <a:latin typeface="Cambria Math" panose="02040503050406030204" pitchFamily="18" charset="0"/>
+                            </a:rPr>
+                            <m:t>𝐷𝐴</m:t>
+                          </m:r>
+                          <m:sSubSup>
+                            <m:sSubSupPr>
+                              <m:ctrlPr>
+                                <a:rPr lang="ar-AE" altLang="ja-JP" sz="2400" i="1">
+                                  <a:latin typeface="Cambria Math" panose="02040503050406030204" pitchFamily="18" charset="0"/>
+                                </a:rPr>
+                              </m:ctrlPr>
+                            </m:sSubSupPr>
+                            <m:e>
+                              <m:r>
+                                <a:rPr lang="ar-AE" altLang="ja-JP" sz="2400" i="1">
+                                  <a:latin typeface="Cambria Math" panose="02040503050406030204" pitchFamily="18" charset="0"/>
+                                </a:rPr>
+                                <m:t>𝜙</m:t>
+                              </m:r>
+                            </m:e>
+                            <m:sub>
+                              <m:r>
+                                <a:rPr lang="en-US" altLang="ja-JP" sz="2400" i="1">
+                                  <a:latin typeface="Cambria Math" panose="02040503050406030204" pitchFamily="18" charset="0"/>
+                                </a:rPr>
+                                <m:t>𝑥</m:t>
+                              </m:r>
+                              <m:r>
+                                <a:rPr lang="en-US" altLang="ja-JP" sz="2400" i="1">
+                                  <a:latin typeface="Cambria Math" panose="02040503050406030204" pitchFamily="18" charset="0"/>
+                                </a:rPr>
+                                <m:t>,</m:t>
+                              </m:r>
+                              <m:r>
+                                <a:rPr lang="en-US" altLang="ja-JP" sz="2400" i="1">
+                                  <a:latin typeface="Cambria Math" panose="02040503050406030204" pitchFamily="18" charset="0"/>
+                                </a:rPr>
+                                <m:t>2</m:t>
+                              </m:r>
+                            </m:sub>
+                            <m:sup>
+                              <m:r>
+                                <a:rPr lang="en-US" altLang="ja-JP" sz="2400" i="1">
+                                  <a:latin typeface="Cambria Math" panose="02040503050406030204" pitchFamily="18" charset="0"/>
+                                </a:rPr>
+                                <m:t>𝑡</m:t>
+                              </m:r>
+                            </m:sup>
+                          </m:sSubSup>
+                          <m:r>
+                            <a:rPr lang="en-US" altLang="ja-JP" sz="2400" b="0" i="1" smtClean="0">
+                              <a:latin typeface="Cambria Math" panose="02040503050406030204" pitchFamily="18" charset="0"/>
+                            </a:rPr>
+                            <m:t>+</m:t>
+                          </m:r>
+                          <m:f>
+                            <m:fPr>
+                              <m:ctrlPr>
+                                <a:rPr lang="ar-AE" altLang="ja-JP" sz="2400" i="1">
+                                  <a:latin typeface="Cambria Math" panose="02040503050406030204" pitchFamily="18" charset="0"/>
+                                </a:rPr>
+                              </m:ctrlPr>
+                            </m:fPr>
+                            <m:num>
+                              <m:r>
+                                <a:rPr lang="ar-AE" altLang="ja-JP" sz="2400" i="1">
+                                  <a:latin typeface="Cambria Math" panose="02040503050406030204" pitchFamily="18" charset="0"/>
+                                </a:rPr>
+                                <m:t>4</m:t>
+                              </m:r>
+                              <m:r>
+                                <a:rPr lang="ar-AE" altLang="ja-JP" sz="2400" i="1" smtClean="0">
+                                  <a:latin typeface="Cambria Math" panose="02040503050406030204" pitchFamily="18" charset="0"/>
+                                  <a:ea typeface="Cambria Math" panose="02040503050406030204" pitchFamily="18" charset="0"/>
+                                </a:rPr>
+                                <m:t>∆</m:t>
+                              </m:r>
+                              <m:r>
+                                <a:rPr lang="en-US" altLang="ja-JP" sz="2400" b="0" i="1" smtClean="0">
+                                  <a:latin typeface="Cambria Math" panose="02040503050406030204" pitchFamily="18" charset="0"/>
+                                  <a:ea typeface="Cambria Math" panose="02040503050406030204" pitchFamily="18" charset="0"/>
+                                </a:rPr>
+                                <m:t>𝑦</m:t>
+                              </m:r>
+                            </m:num>
+                            <m:den>
+                              <m:r>
+                                <a:rPr lang="ar-AE" altLang="ja-JP" sz="2400" i="1">
+                                  <a:latin typeface="Cambria Math" panose="02040503050406030204" pitchFamily="18" charset="0"/>
+                                </a:rPr>
+                                <m:t>1</m:t>
+                              </m:r>
+                              <m:r>
+                                <a:rPr lang="ar-AE" altLang="ja-JP" sz="2400" i="1">
+                                  <a:latin typeface="Cambria Math" panose="02040503050406030204" pitchFamily="18" charset="0"/>
+                                </a:rPr>
+                                <m:t>−</m:t>
+                              </m:r>
+                              <m:sSub>
+                                <m:sSubPr>
+                                  <m:ctrlPr>
+                                    <a:rPr lang="ar-AE" altLang="ja-JP" sz="2400" i="1">
+                                      <a:latin typeface="Cambria Math" panose="02040503050406030204" pitchFamily="18" charset="0"/>
+                                    </a:rPr>
+                                  </m:ctrlPr>
+                                </m:sSubPr>
+                                <m:e>
+                                  <m:r>
+                                    <a:rPr lang="ar-AE" altLang="ja-JP" sz="2400" i="1">
+                                      <a:latin typeface="Cambria Math" panose="02040503050406030204" pitchFamily="18" charset="0"/>
+                                    </a:rPr>
+                                    <m:t>𝑟</m:t>
+                                  </m:r>
+                                </m:e>
+                                <m:sub>
+                                  <m:r>
+                                    <a:rPr lang="ar-AE" altLang="ja-JP" sz="2400" i="1">
+                                      <a:latin typeface="Cambria Math" panose="02040503050406030204" pitchFamily="18" charset="0"/>
+                                    </a:rPr>
+                                    <m:t>𝑑</m:t>
+                                  </m:r>
+                                </m:sub>
+                              </m:sSub>
+                            </m:den>
+                          </m:f>
+                          <m:sSubSup>
+                            <m:sSubSupPr>
+                              <m:ctrlPr>
+                                <a:rPr lang="en-US" altLang="ja-JP" sz="2400" i="1" dirty="0">
+                                  <a:latin typeface="Cambria Math" panose="02040503050406030204" pitchFamily="18" charset="0"/>
+                                </a:rPr>
+                              </m:ctrlPr>
+                            </m:sSubSupPr>
+                            <m:e>
+                              <m:r>
+                                <a:rPr lang="en-US" altLang="ja-JP" sz="2400" i="1" dirty="0">
+                                  <a:latin typeface="Cambria Math" panose="02040503050406030204" pitchFamily="18" charset="0"/>
+                                </a:rPr>
+                                <m:t>𝐼</m:t>
+                              </m:r>
+                            </m:e>
+                            <m:sub>
+                              <m:r>
+                                <a:rPr lang="en-US" altLang="ja-JP" sz="2400" i="1" dirty="0">
+                                  <a:latin typeface="Cambria Math" panose="02040503050406030204" pitchFamily="18" charset="0"/>
+                                </a:rPr>
+                                <m:t>𝑖</m:t>
+                              </m:r>
+                              <m:r>
+                                <a:rPr lang="en-US" altLang="ja-JP" sz="2400" i="1" dirty="0">
+                                  <a:latin typeface="Cambria Math" panose="02040503050406030204" pitchFamily="18" charset="0"/>
+                                </a:rPr>
+                                <m:t>,</m:t>
+                              </m:r>
+                              <m:r>
+                                <a:rPr lang="en-US" altLang="ja-JP" sz="2400" i="1" dirty="0">
+                                  <a:latin typeface="Cambria Math" panose="02040503050406030204" pitchFamily="18" charset="0"/>
+                                </a:rPr>
+                                <m:t>𝑥</m:t>
+                              </m:r>
+                            </m:sub>
+                            <m:sup>
+                              <m:r>
+                                <a:rPr lang="en-US" altLang="ja-JP" sz="2400" i="1" dirty="0">
+                                  <a:latin typeface="Cambria Math" panose="02040503050406030204" pitchFamily="18" charset="0"/>
+                                </a:rPr>
+                                <m:t>𝑡</m:t>
+                              </m:r>
+                            </m:sup>
+                          </m:sSubSup>
+                        </m:e>
+                      </m:d>
+                    </m:oMath>
+                  </m:oMathPara>
+                </a14:m>
+                <a:endParaRPr sz="2400" dirty="0"/>
+              </a:p>
+            </p:txBody>
+          </p:sp>
+        </mc:Choice>
+        <mc:Fallback xmlns="">
+          <p:sp>
+            <p:nvSpPr>
+              <p:cNvPr id="15" name="方程式">
+                <a:extLst>
+                  <a:ext uri="{FF2B5EF4-FFF2-40B4-BE49-F238E27FC236}">
+                    <a16:creationId xmlns:a16="http://schemas.microsoft.com/office/drawing/2014/main" id="{1FB3DFC4-1D58-F675-B7AA-CED9DB5CC444}"/>
+                  </a:ext>
+                </a:extLst>
+              </p:cNvPr>
+              <p:cNvSpPr txBox="1">
+                <a:spLocks noRot="1" noChangeAspect="1" noMove="1" noResize="1" noEditPoints="1" noAdjustHandles="1" noChangeArrowheads="1" noChangeShapeType="1" noTextEdit="1"/>
+              </p:cNvSpPr>
+              <p:nvPr/>
+            </p:nvSpPr>
+            <p:spPr>
+              <a:xfrm>
+                <a:off x="1853747" y="4045744"/>
+                <a:ext cx="5335050" cy="821892"/>
+              </a:xfrm>
+              <a:prstGeom prst="rect">
+                <a:avLst/>
+              </a:prstGeom>
+              <a:blipFill>
+                <a:blip r:embed="rId7"/>
+                <a:stretch>
+                  <a:fillRect/>
+                </a:stretch>
+              </a:blipFill>
+              <a:ln w="12700">
+                <a:miter lim="400000"/>
+              </a:ln>
+            </p:spPr>
+            <p:txBody>
+              <a:bodyPr/>
+              <a:lstStyle/>
+              <a:p>
+                <a:r>
+                  <a:rPr lang="ja-JP" altLang="en-US">
+                    <a:noFill/>
+                  </a:rPr>
+                  <a:t> </a:t>
+                </a:r>
+              </a:p>
+            </p:txBody>
+          </p:sp>
+        </mc:Fallback>
+      </mc:AlternateContent>
+    </p:spTree>
+    <p:extLst>
+      <p:ext uri="{BB962C8B-B14F-4D97-AF65-F5344CB8AC3E}">
+        <p14:creationId xmlns:p14="http://schemas.microsoft.com/office/powerpoint/2010/main" val="3217758693"/>
+      </p:ext>
+    </p:extLst>
+  </p:cSld>
+  <p:clrMapOvr>
+    <a:masterClrMapping/>
+  </p:clrMapOvr>
+</p:sld>
+</file>
+
+<file path=ppt/slides/slide12.xml><?xml version="1.0" encoding="utf-8"?>
+<p:sld xmlns:a="http://schemas.openxmlformats.org/drawingml/2006/main" xmlns:r="http://schemas.openxmlformats.org/officeDocument/2006/relationships" xmlns:p="http://schemas.openxmlformats.org/presentationml/2006/main">
+  <p:cSld>
+    <p:spTree>
+      <p:nvGrpSpPr>
+        <p:cNvPr id="1" name=""/>
+        <p:cNvGrpSpPr/>
+        <p:nvPr/>
+      </p:nvGrpSpPr>
+      <p:grpSpPr>
+        <a:xfrm>
+          <a:off x="0" y="0"/>
+          <a:ext cx="0" cy="0"/>
+          <a:chOff x="0" y="0"/>
+          <a:chExt cx="0" cy="0"/>
+        </a:xfrm>
+      </p:grpSpPr>
+      <p:sp>
+        <p:nvSpPr>
+          <p:cNvPr id="2" name="タイトル 1">
+            <a:extLst>
+              <a:ext uri="{FF2B5EF4-FFF2-40B4-BE49-F238E27FC236}">
+                <a16:creationId xmlns:a16="http://schemas.microsoft.com/office/drawing/2014/main" id="{D61A0F76-D2BC-1333-D25D-45B69AF50A94}"/>
+              </a:ext>
+            </a:extLst>
+          </p:cNvPr>
+          <p:cNvSpPr>
+            <a:spLocks noGrp="1"/>
+          </p:cNvSpPr>
+          <p:nvPr>
+            <p:ph type="title"/>
+          </p:nvPr>
+        </p:nvSpPr>
+        <p:spPr/>
+        <p:txBody>
+          <a:bodyPr/>
+          <a:lstStyle/>
+          <a:p>
+            <a:r>
+              <a:rPr lang="ja-JP" altLang="en-US" dirty="0"/>
+              <a:t>出力面での境界条件</a:t>
+            </a:r>
+            <a:r>
+              <a:rPr kumimoji="1" lang="ja-JP" altLang="en-US" dirty="0"/>
+              <a:t>の離散化</a:t>
+            </a:r>
+          </a:p>
+        </p:txBody>
+      </p:sp>
+      <p:sp>
+        <p:nvSpPr>
+          <p:cNvPr id="3" name="テキスト ボックス 2">
+            <a:extLst>
+              <a:ext uri="{FF2B5EF4-FFF2-40B4-BE49-F238E27FC236}">
+                <a16:creationId xmlns:a16="http://schemas.microsoft.com/office/drawing/2014/main" id="{43089950-7500-DACA-41C9-39A9ED31CE46}"/>
+              </a:ext>
+            </a:extLst>
+          </p:cNvPr>
+          <p:cNvSpPr txBox="1"/>
+          <p:nvPr/>
+        </p:nvSpPr>
+        <p:spPr>
+          <a:xfrm>
+            <a:off x="838199" y="1613647"/>
+            <a:ext cx="914400" cy="369332"/>
+          </a:xfrm>
+          <a:prstGeom prst="rect">
+            <a:avLst/>
+          </a:prstGeom>
+          <a:noFill/>
+        </p:spPr>
+        <p:txBody>
+          <a:bodyPr wrap="square" rtlCol="0">
+            <a:spAutoFit/>
+          </a:bodyPr>
+          <a:lstStyle/>
+          <a:p>
+            <a:r>
+              <a:rPr lang="ja-JP" altLang="en-US" dirty="0"/>
+              <a:t>出力面</a:t>
+            </a:r>
+            <a:endParaRPr kumimoji="1" lang="ja-JP" altLang="en-US" dirty="0"/>
+          </a:p>
+        </p:txBody>
+      </p:sp>
+      <mc:AlternateContent xmlns:mc="http://schemas.openxmlformats.org/markup-compatibility/2006" xmlns:a14="http://schemas.microsoft.com/office/drawing/2010/main">
+        <mc:Choice Requires="a14">
+          <p:sp>
+            <p:nvSpPr>
+              <p:cNvPr id="9" name="方程式">
+                <a:extLst>
+                  <a:ext uri="{FF2B5EF4-FFF2-40B4-BE49-F238E27FC236}">
+                    <a16:creationId xmlns:a16="http://schemas.microsoft.com/office/drawing/2014/main" id="{76E290F5-43DA-5FF0-09D7-1C2ACF6DD13F}"/>
+                  </a:ext>
+                </a:extLst>
+              </p:cNvPr>
+              <p:cNvSpPr txBox="1"/>
+              <p:nvPr/>
+            </p:nvSpPr>
+            <p:spPr>
+              <a:xfrm>
+                <a:off x="2120687" y="1338925"/>
+                <a:ext cx="4118179" cy="703526"/>
+              </a:xfrm>
+              <a:prstGeom prst="rect">
+                <a:avLst/>
+              </a:prstGeom>
+              <a:ln w="12700">
+                <a:miter lim="400000"/>
+              </a:ln>
+            </p:spPr>
+            <p:txBody>
+              <a:bodyPr wrap="none" lIns="0" tIns="0" rIns="0" bIns="0">
+                <a:spAutoFit/>
+              </a:bodyPr>
+              <a:lstStyle>
+                <a:defPPr marL="0" marR="0" indent="0" algn="l" defTabSz="914400" rtl="0" fontAlgn="auto" latinLnBrk="1" hangingPunct="0">
+                  <a:lnSpc>
+                    <a:spcPct val="100000"/>
+                  </a:lnSpc>
+                  <a:spcBef>
+                    <a:spcPts val="0"/>
+                  </a:spcBef>
+                  <a:spcAft>
+                    <a:spcPts val="0"/>
+                  </a:spcAft>
+                  <a:buClrTx/>
+                  <a:buSzTx/>
+                  <a:buFontTx/>
+                  <a:buNone/>
+                  <a:tabLst/>
+                  <a:defRPr kumimoji="0" sz="1800" b="0" i="0" u="none" strike="noStrike" cap="none" spc="0" normalizeH="0" baseline="0">
+                    <a:ln>
+                      <a:noFill/>
+                    </a:ln>
+                    <a:solidFill>
+                      <a:srgbClr val="000000"/>
+                    </a:solidFill>
+                    <a:effectLst/>
+                    <a:uFillTx/>
+                  </a:defRPr>
+                </a:defPPr>
+                <a:lvl1pPr marL="0" marR="0" indent="0" algn="ctr" defTabSz="821531" rtl="0" fontAlgn="auto" latinLnBrk="0" hangingPunct="0">
+                  <a:lnSpc>
+                    <a:spcPct val="100000"/>
+                  </a:lnSpc>
+                  <a:spcBef>
+                    <a:spcPts val="0"/>
+                  </a:spcBef>
+                  <a:spcAft>
+                    <a:spcPts val="0"/>
+                  </a:spcAft>
+                  <a:buClrTx/>
+                  <a:buSzTx/>
+                  <a:buFontTx/>
+                  <a:buNone/>
+                  <a:tabLst/>
+                  <a:defRPr kumimoji="0" sz="3200" b="0" i="0" u="none" strike="noStrike" cap="none" spc="0" normalizeH="0" baseline="0">
+                    <a:ln>
+                      <a:noFill/>
+                    </a:ln>
+                    <a:solidFill>
+                      <a:srgbClr val="000000"/>
+                    </a:solidFill>
+                    <a:effectLst/>
+                    <a:uFillTx/>
+                    <a:latin typeface="ヒラギノ角ゴ ProN W6"/>
+                    <a:ea typeface="ヒラギノ角ゴ ProN W6"/>
+                    <a:cs typeface="ヒラギノ角ゴ ProN W6"/>
+                    <a:sym typeface="ヒラギノ角ゴ ProN W6"/>
+                  </a:defRPr>
+                </a:lvl1pPr>
+                <a:lvl2pPr marL="0" marR="0" indent="228600" algn="ctr" defTabSz="821531" rtl="0" fontAlgn="auto" latinLnBrk="0" hangingPunct="0">
+                  <a:lnSpc>
+                    <a:spcPct val="100000"/>
+                  </a:lnSpc>
+                  <a:spcBef>
+                    <a:spcPts val="0"/>
+                  </a:spcBef>
+                  <a:spcAft>
+                    <a:spcPts val="0"/>
+                  </a:spcAft>
+                  <a:buClrTx/>
+                  <a:buSzTx/>
+                  <a:buFontTx/>
+                  <a:buNone/>
+                  <a:tabLst/>
+                  <a:defRPr kumimoji="0" sz="3200" b="0" i="0" u="none" strike="noStrike" cap="none" spc="0" normalizeH="0" baseline="0">
+                    <a:ln>
+                      <a:noFill/>
+                    </a:ln>
+                    <a:solidFill>
+                      <a:srgbClr val="000000"/>
+                    </a:solidFill>
+                    <a:effectLst/>
+                    <a:uFillTx/>
+                    <a:latin typeface="ヒラギノ角ゴ ProN W6"/>
+                    <a:ea typeface="ヒラギノ角ゴ ProN W6"/>
+                    <a:cs typeface="ヒラギノ角ゴ ProN W6"/>
+                    <a:sym typeface="ヒラギノ角ゴ ProN W6"/>
+                  </a:defRPr>
+                </a:lvl2pPr>
+                <a:lvl3pPr marL="0" marR="0" indent="457200" algn="ctr" defTabSz="821531" rtl="0" fontAlgn="auto" latinLnBrk="0" hangingPunct="0">
+                  <a:lnSpc>
+                    <a:spcPct val="100000"/>
+                  </a:lnSpc>
+                  <a:spcBef>
+                    <a:spcPts val="0"/>
+                  </a:spcBef>
+                  <a:spcAft>
+                    <a:spcPts val="0"/>
+                  </a:spcAft>
+                  <a:buClrTx/>
+                  <a:buSzTx/>
+                  <a:buFontTx/>
+                  <a:buNone/>
+                  <a:tabLst/>
+                  <a:defRPr kumimoji="0" sz="3200" b="0" i="0" u="none" strike="noStrike" cap="none" spc="0" normalizeH="0" baseline="0">
+                    <a:ln>
+                      <a:noFill/>
+                    </a:ln>
+                    <a:solidFill>
+                      <a:srgbClr val="000000"/>
+                    </a:solidFill>
+                    <a:effectLst/>
+                    <a:uFillTx/>
+                    <a:latin typeface="ヒラギノ角ゴ ProN W6"/>
+                    <a:ea typeface="ヒラギノ角ゴ ProN W6"/>
+                    <a:cs typeface="ヒラギノ角ゴ ProN W6"/>
+                    <a:sym typeface="ヒラギノ角ゴ ProN W6"/>
+                  </a:defRPr>
+                </a:lvl3pPr>
+                <a:lvl4pPr marL="0" marR="0" indent="685800" algn="ctr" defTabSz="821531" rtl="0" fontAlgn="auto" latinLnBrk="0" hangingPunct="0">
+                  <a:lnSpc>
+                    <a:spcPct val="100000"/>
+                  </a:lnSpc>
+                  <a:spcBef>
+                    <a:spcPts val="0"/>
+                  </a:spcBef>
+                  <a:spcAft>
+                    <a:spcPts val="0"/>
+                  </a:spcAft>
+                  <a:buClrTx/>
+                  <a:buSzTx/>
+                  <a:buFontTx/>
+                  <a:buNone/>
+                  <a:tabLst/>
+                  <a:defRPr kumimoji="0" sz="3200" b="0" i="0" u="none" strike="noStrike" cap="none" spc="0" normalizeH="0" baseline="0">
+                    <a:ln>
+                      <a:noFill/>
+                    </a:ln>
+                    <a:solidFill>
+                      <a:srgbClr val="000000"/>
+                    </a:solidFill>
+                    <a:effectLst/>
+                    <a:uFillTx/>
+                    <a:latin typeface="ヒラギノ角ゴ ProN W6"/>
+                    <a:ea typeface="ヒラギノ角ゴ ProN W6"/>
+                    <a:cs typeface="ヒラギノ角ゴ ProN W6"/>
+                    <a:sym typeface="ヒラギノ角ゴ ProN W6"/>
+                  </a:defRPr>
+                </a:lvl4pPr>
+                <a:lvl5pPr marL="0" marR="0" indent="914400" algn="ctr" defTabSz="821531" rtl="0" fontAlgn="auto" latinLnBrk="0" hangingPunct="0">
+                  <a:lnSpc>
+                    <a:spcPct val="100000"/>
+                  </a:lnSpc>
+                  <a:spcBef>
+                    <a:spcPts val="0"/>
+                  </a:spcBef>
+                  <a:spcAft>
+                    <a:spcPts val="0"/>
+                  </a:spcAft>
+                  <a:buClrTx/>
+                  <a:buSzTx/>
+                  <a:buFontTx/>
+                  <a:buNone/>
+                  <a:tabLst/>
+                  <a:defRPr kumimoji="0" sz="3200" b="0" i="0" u="none" strike="noStrike" cap="none" spc="0" normalizeH="0" baseline="0">
+                    <a:ln>
+                      <a:noFill/>
+                    </a:ln>
+                    <a:solidFill>
+                      <a:srgbClr val="000000"/>
+                    </a:solidFill>
+                    <a:effectLst/>
+                    <a:uFillTx/>
+                    <a:latin typeface="ヒラギノ角ゴ ProN W6"/>
+                    <a:ea typeface="ヒラギノ角ゴ ProN W6"/>
+                    <a:cs typeface="ヒラギノ角ゴ ProN W6"/>
+                    <a:sym typeface="ヒラギノ角ゴ ProN W6"/>
+                  </a:defRPr>
+                </a:lvl5pPr>
+                <a:lvl6pPr marL="0" marR="0" indent="1143000" algn="ctr" defTabSz="821531" rtl="0" fontAlgn="auto" latinLnBrk="0" hangingPunct="0">
+                  <a:lnSpc>
+                    <a:spcPct val="100000"/>
+                  </a:lnSpc>
+                  <a:spcBef>
+                    <a:spcPts val="0"/>
+                  </a:spcBef>
+                  <a:spcAft>
+                    <a:spcPts val="0"/>
+                  </a:spcAft>
+                  <a:buClrTx/>
+                  <a:buSzTx/>
+                  <a:buFontTx/>
+                  <a:buNone/>
+                  <a:tabLst/>
+                  <a:defRPr kumimoji="0" sz="3200" b="0" i="0" u="none" strike="noStrike" cap="none" spc="0" normalizeH="0" baseline="0">
+                    <a:ln>
+                      <a:noFill/>
+                    </a:ln>
+                    <a:solidFill>
+                      <a:srgbClr val="000000"/>
+                    </a:solidFill>
+                    <a:effectLst/>
+                    <a:uFillTx/>
+                    <a:latin typeface="ヒラギノ角ゴ ProN W6"/>
+                    <a:ea typeface="ヒラギノ角ゴ ProN W6"/>
+                    <a:cs typeface="ヒラギノ角ゴ ProN W6"/>
+                    <a:sym typeface="ヒラギノ角ゴ ProN W6"/>
+                  </a:defRPr>
+                </a:lvl6pPr>
+                <a:lvl7pPr marL="0" marR="0" indent="1371600" algn="ctr" defTabSz="821531" rtl="0" fontAlgn="auto" latinLnBrk="0" hangingPunct="0">
+                  <a:lnSpc>
+                    <a:spcPct val="100000"/>
+                  </a:lnSpc>
+                  <a:spcBef>
+                    <a:spcPts val="0"/>
+                  </a:spcBef>
+                  <a:spcAft>
+                    <a:spcPts val="0"/>
+                  </a:spcAft>
+                  <a:buClrTx/>
+                  <a:buSzTx/>
+                  <a:buFontTx/>
+                  <a:buNone/>
+                  <a:tabLst/>
+                  <a:defRPr kumimoji="0" sz="3200" b="0" i="0" u="none" strike="noStrike" cap="none" spc="0" normalizeH="0" baseline="0">
+                    <a:ln>
+                      <a:noFill/>
+                    </a:ln>
+                    <a:solidFill>
+                      <a:srgbClr val="000000"/>
+                    </a:solidFill>
+                    <a:effectLst/>
+                    <a:uFillTx/>
+                    <a:latin typeface="ヒラギノ角ゴ ProN W6"/>
+                    <a:ea typeface="ヒラギノ角ゴ ProN W6"/>
+                    <a:cs typeface="ヒラギノ角ゴ ProN W6"/>
+                    <a:sym typeface="ヒラギノ角ゴ ProN W6"/>
+                  </a:defRPr>
+                </a:lvl7pPr>
+                <a:lvl8pPr marL="0" marR="0" indent="1600200" algn="ctr" defTabSz="821531" rtl="0" fontAlgn="auto" latinLnBrk="0" hangingPunct="0">
+                  <a:lnSpc>
+                    <a:spcPct val="100000"/>
+                  </a:lnSpc>
+                  <a:spcBef>
+                    <a:spcPts val="0"/>
+                  </a:spcBef>
+                  <a:spcAft>
+                    <a:spcPts val="0"/>
+                  </a:spcAft>
+                  <a:buClrTx/>
+                  <a:buSzTx/>
+                  <a:buFontTx/>
+                  <a:buNone/>
+                  <a:tabLst/>
+                  <a:defRPr kumimoji="0" sz="3200" b="0" i="0" u="none" strike="noStrike" cap="none" spc="0" normalizeH="0" baseline="0">
+                    <a:ln>
+                      <a:noFill/>
+                    </a:ln>
+                    <a:solidFill>
+                      <a:srgbClr val="000000"/>
+                    </a:solidFill>
+                    <a:effectLst/>
+                    <a:uFillTx/>
+                    <a:latin typeface="ヒラギノ角ゴ ProN W6"/>
+                    <a:ea typeface="ヒラギノ角ゴ ProN W6"/>
+                    <a:cs typeface="ヒラギノ角ゴ ProN W6"/>
+                    <a:sym typeface="ヒラギノ角ゴ ProN W6"/>
+                  </a:defRPr>
+                </a:lvl8pPr>
+                <a:lvl9pPr marL="0" marR="0" indent="1828800" algn="ctr" defTabSz="821531" rtl="0" fontAlgn="auto" latinLnBrk="0" hangingPunct="0">
+                  <a:lnSpc>
+                    <a:spcPct val="100000"/>
+                  </a:lnSpc>
+                  <a:spcBef>
+                    <a:spcPts val="0"/>
+                  </a:spcBef>
+                  <a:spcAft>
+                    <a:spcPts val="0"/>
+                  </a:spcAft>
+                  <a:buClrTx/>
+                  <a:buSzTx/>
+                  <a:buFontTx/>
+                  <a:buNone/>
+                  <a:tabLst/>
+                  <a:defRPr kumimoji="0" sz="3200" b="0" i="0" u="none" strike="noStrike" cap="none" spc="0" normalizeH="0" baseline="0">
+                    <a:ln>
+                      <a:noFill/>
+                    </a:ln>
+                    <a:solidFill>
+                      <a:srgbClr val="000000"/>
+                    </a:solidFill>
+                    <a:effectLst/>
+                    <a:uFillTx/>
+                    <a:latin typeface="ヒラギノ角ゴ ProN W6"/>
+                    <a:ea typeface="ヒラギノ角ゴ ProN W6"/>
+                    <a:cs typeface="ヒラギノ角ゴ ProN W6"/>
+                    <a:sym typeface="ヒラギノ角ゴ ProN W6"/>
+                  </a:defRPr>
+                </a:lvl9pPr>
+              </a:lstStyle>
+              <a:p>
+                <a:pPr algn="l" defTabSz="914400" latinLnBrk="1">
+                  <a:defRPr sz="1800"/>
+                </a:pPr>
+                <a14:m>
+                  <m:oMathPara xmlns:m="http://schemas.openxmlformats.org/officeDocument/2006/math">
+                    <m:oMathParaPr>
+                      <m:jc m:val="centerGroup"/>
+                    </m:oMathParaPr>
+                    <m:oMath xmlns:m="http://schemas.openxmlformats.org/officeDocument/2006/math">
+                      <m:r>
+                        <a:rPr lang="ar-AE" sz="2400" i="1" smtClean="0">
+                          <a:solidFill>
+                            <a:srgbClr val="000000"/>
+                          </a:solidFill>
+                          <a:latin typeface="Cambria Math" panose="02040503050406030204" pitchFamily="18" charset="0"/>
+                        </a:rPr>
+                        <m:t>𝜙</m:t>
+                      </m:r>
+                      <m:r>
+                        <a:rPr lang="ar-AE" sz="2400" i="1" smtClean="0">
+                          <a:solidFill>
+                            <a:srgbClr val="000000"/>
+                          </a:solidFill>
+                          <a:latin typeface="Cambria Math" panose="02040503050406030204" pitchFamily="18" charset="0"/>
+                        </a:rPr>
+                        <m:t>(</m:t>
+                      </m:r>
+                      <m:r>
+                        <a:rPr lang="ar-AE" sz="2400" b="0" i="1" smtClean="0">
+                          <a:solidFill>
+                            <a:srgbClr val="000000"/>
+                          </a:solidFill>
+                          <a:latin typeface="Cambria Math" panose="02040503050406030204" pitchFamily="18" charset="0"/>
+                        </a:rPr>
+                        <m:t>𝑥</m:t>
+                      </m:r>
+                      <m:r>
+                        <a:rPr lang="en-US" sz="2400" b="0" i="1" smtClean="0">
+                          <a:solidFill>
+                            <a:srgbClr val="000000"/>
+                          </a:solidFill>
+                          <a:latin typeface="Cambria Math" panose="02040503050406030204" pitchFamily="18" charset="0"/>
+                        </a:rPr>
+                        <m:t>,</m:t>
+                      </m:r>
+                      <m:sSub>
+                        <m:sSubPr>
+                          <m:ctrlPr>
+                            <a:rPr lang="en-US" altLang="ja-JP" sz="2400" b="0" i="1" smtClean="0">
+                              <a:solidFill>
+                                <a:srgbClr val="000000"/>
+                              </a:solidFill>
+                              <a:latin typeface="Cambria Math" panose="02040503050406030204" pitchFamily="18" charset="0"/>
+                            </a:rPr>
+                          </m:ctrlPr>
+                        </m:sSubPr>
+                        <m:e>
+                          <m:r>
+                            <a:rPr lang="en-US" altLang="ja-JP" sz="2400" b="0" i="1" smtClean="0">
+                              <a:solidFill>
+                                <a:srgbClr val="000000"/>
+                              </a:solidFill>
+                              <a:latin typeface="Cambria Math" panose="02040503050406030204" pitchFamily="18" charset="0"/>
+                            </a:rPr>
+                            <m:t>𝑦</m:t>
+                          </m:r>
+                        </m:e>
+                        <m:sub>
+                          <m:r>
+                            <a:rPr lang="en-US" altLang="ja-JP" sz="2400" b="0" i="1" smtClean="0">
+                              <a:solidFill>
+                                <a:srgbClr val="000000"/>
+                              </a:solidFill>
+                              <a:latin typeface="Cambria Math" panose="02040503050406030204" pitchFamily="18" charset="0"/>
+                            </a:rPr>
+                            <m:t>0</m:t>
+                          </m:r>
+                        </m:sub>
+                      </m:sSub>
+                      <m:r>
+                        <a:rPr lang="ar-AE" sz="2400" i="1">
+                          <a:solidFill>
+                            <a:srgbClr val="000000"/>
+                          </a:solidFill>
+                          <a:latin typeface="Cambria Math" panose="02040503050406030204" pitchFamily="18" charset="0"/>
+                        </a:rPr>
+                        <m:t>,</m:t>
+                      </m:r>
+                      <m:r>
+                        <a:rPr lang="ar-AE" sz="2400" i="1">
+                          <a:solidFill>
+                            <a:srgbClr val="000000"/>
+                          </a:solidFill>
+                          <a:latin typeface="Cambria Math" panose="02040503050406030204" pitchFamily="18" charset="0"/>
+                        </a:rPr>
+                        <m:t>𝑡</m:t>
+                      </m:r>
+                      <m:r>
+                        <a:rPr lang="ar-AE" sz="2400" i="1">
+                          <a:solidFill>
+                            <a:srgbClr val="000000"/>
+                          </a:solidFill>
+                          <a:latin typeface="Cambria Math" panose="02040503050406030204" pitchFamily="18" charset="0"/>
+                        </a:rPr>
+                        <m:t>)=−</m:t>
+                      </m:r>
+                      <m:r>
+                        <a:rPr lang="ar-AE" sz="2400" i="1">
+                          <a:solidFill>
+                            <a:srgbClr val="000000"/>
+                          </a:solidFill>
+                          <a:latin typeface="Cambria Math" panose="02040503050406030204" pitchFamily="18" charset="0"/>
+                        </a:rPr>
+                        <m:t>2</m:t>
+                      </m:r>
+                      <m:r>
+                        <a:rPr lang="ar-AE" sz="2400" i="1">
+                          <a:solidFill>
+                            <a:srgbClr val="000000"/>
+                          </a:solidFill>
+                          <a:latin typeface="Cambria Math" panose="02040503050406030204" pitchFamily="18" charset="0"/>
+                        </a:rPr>
+                        <m:t>𝐷𝐴</m:t>
+                      </m:r>
+                      <m:f>
+                        <m:fPr>
+                          <m:ctrlPr>
+                            <a:rPr lang="ar-AE" sz="2400" i="1">
+                              <a:solidFill>
+                                <a:srgbClr val="000000"/>
+                              </a:solidFill>
+                              <a:latin typeface="Cambria Math" panose="02040503050406030204" pitchFamily="18" charset="0"/>
+                            </a:rPr>
+                          </m:ctrlPr>
+                        </m:fPr>
+                        <m:num>
+                          <m:r>
+                            <a:rPr lang="ar-AE" sz="2400" i="1">
+                              <a:solidFill>
+                                <a:srgbClr val="000000"/>
+                              </a:solidFill>
+                              <a:latin typeface="Cambria Math" panose="02040503050406030204" pitchFamily="18" charset="0"/>
+                            </a:rPr>
+                            <m:t>𝜕𝜙</m:t>
+                          </m:r>
+                          <m:r>
+                            <a:rPr lang="ar-AE" sz="2400" i="1">
+                              <a:solidFill>
+                                <a:srgbClr val="000000"/>
+                              </a:solidFill>
+                              <a:latin typeface="Cambria Math" panose="02040503050406030204" pitchFamily="18" charset="0"/>
+                            </a:rPr>
+                            <m:t>(</m:t>
+                          </m:r>
+                          <m:sSub>
+                            <m:sSubPr>
+                              <m:ctrlPr>
+                                <a:rPr lang="ar-AE" sz="2400" i="1" smtClean="0">
+                                  <a:solidFill>
+                                    <a:srgbClr val="000000"/>
+                                  </a:solidFill>
+                                  <a:latin typeface="Cambria Math" panose="02040503050406030204" pitchFamily="18" charset="0"/>
+                                </a:rPr>
+                              </m:ctrlPr>
+                            </m:sSubPr>
+                            <m:e>
+                              <m:r>
+                                <a:rPr lang="en-US" sz="2400" b="0" i="1" smtClean="0">
+                                  <a:solidFill>
+                                    <a:srgbClr val="000000"/>
+                                  </a:solidFill>
+                                  <a:latin typeface="Cambria Math" panose="02040503050406030204" pitchFamily="18" charset="0"/>
+                                </a:rPr>
+                                <m:t>𝑥</m:t>
+                              </m:r>
+                              <m:r>
+                                <a:rPr lang="en-US" sz="2400" b="0" i="1" smtClean="0">
+                                  <a:solidFill>
+                                    <a:srgbClr val="000000"/>
+                                  </a:solidFill>
+                                  <a:latin typeface="Cambria Math" panose="02040503050406030204" pitchFamily="18" charset="0"/>
+                                </a:rPr>
+                                <m:t>,</m:t>
+                              </m:r>
+                              <m:r>
+                                <a:rPr lang="en-US" sz="2400" b="0" i="1" smtClean="0">
+                                  <a:solidFill>
+                                    <a:srgbClr val="000000"/>
+                                  </a:solidFill>
+                                  <a:latin typeface="Cambria Math" panose="02040503050406030204" pitchFamily="18" charset="0"/>
+                                </a:rPr>
+                                <m:t>𝑦</m:t>
+                              </m:r>
+                            </m:e>
+                            <m:sub>
+                              <m:r>
+                                <a:rPr lang="en-US" sz="2400" b="0" i="1" smtClean="0">
+                                  <a:solidFill>
+                                    <a:srgbClr val="000000"/>
+                                  </a:solidFill>
+                                  <a:latin typeface="Cambria Math" panose="02040503050406030204" pitchFamily="18" charset="0"/>
+                                </a:rPr>
+                                <m:t>0</m:t>
+                              </m:r>
+                            </m:sub>
+                          </m:sSub>
+                          <m:r>
+                            <a:rPr lang="ar-AE" sz="2400" i="1">
+                              <a:solidFill>
+                                <a:srgbClr val="000000"/>
+                              </a:solidFill>
+                              <a:latin typeface="Cambria Math" panose="02040503050406030204" pitchFamily="18" charset="0"/>
+                            </a:rPr>
+                            <m:t>,</m:t>
+                          </m:r>
+                          <m:r>
+                            <a:rPr lang="ar-AE" sz="2400" i="1">
+                              <a:solidFill>
+                                <a:srgbClr val="000000"/>
+                              </a:solidFill>
+                              <a:latin typeface="Cambria Math" panose="02040503050406030204" pitchFamily="18" charset="0"/>
+                            </a:rPr>
+                            <m:t>𝑡</m:t>
+                          </m:r>
+                          <m:r>
+                            <a:rPr lang="ar-AE" sz="2400" i="1">
+                              <a:solidFill>
+                                <a:srgbClr val="000000"/>
+                              </a:solidFill>
+                              <a:latin typeface="Cambria Math" panose="02040503050406030204" pitchFamily="18" charset="0"/>
+                            </a:rPr>
+                            <m:t>)</m:t>
+                          </m:r>
+                        </m:num>
+                        <m:den>
+                          <m:r>
+                            <a:rPr lang="ar-AE" sz="2400" i="1">
+                              <a:solidFill>
+                                <a:srgbClr val="000000"/>
+                              </a:solidFill>
+                              <a:latin typeface="Cambria Math" panose="02040503050406030204" pitchFamily="18" charset="0"/>
+                            </a:rPr>
+                            <m:t>𝜕</m:t>
+                          </m:r>
+                          <m:r>
+                            <a:rPr lang="ar-AE" sz="2400" i="1">
+                              <a:solidFill>
+                                <a:srgbClr val="000000"/>
+                              </a:solidFill>
+                              <a:latin typeface="Cambria Math" panose="02040503050406030204" pitchFamily="18" charset="0"/>
+                            </a:rPr>
+                            <m:t>𝑛</m:t>
+                          </m:r>
+                        </m:den>
+                      </m:f>
+                    </m:oMath>
+                  </m:oMathPara>
+                </a14:m>
+                <a:endParaRPr sz="2400" dirty="0"/>
+              </a:p>
+            </p:txBody>
+          </p:sp>
+        </mc:Choice>
+        <mc:Fallback xmlns="">
+          <p:sp>
+            <p:nvSpPr>
+              <p:cNvPr id="9" name="方程式">
+                <a:extLst>
+                  <a:ext uri="{FF2B5EF4-FFF2-40B4-BE49-F238E27FC236}">
+                    <a16:creationId xmlns:a16="http://schemas.microsoft.com/office/drawing/2014/main" id="{76E290F5-43DA-5FF0-09D7-1C2ACF6DD13F}"/>
+                  </a:ext>
+                </a:extLst>
+              </p:cNvPr>
+              <p:cNvSpPr txBox="1">
+                <a:spLocks noRot="1" noChangeAspect="1" noMove="1" noResize="1" noEditPoints="1" noAdjustHandles="1" noChangeArrowheads="1" noChangeShapeType="1" noTextEdit="1"/>
+              </p:cNvSpPr>
+              <p:nvPr/>
+            </p:nvSpPr>
+            <p:spPr>
+              <a:xfrm>
+                <a:off x="2120687" y="1338925"/>
+                <a:ext cx="4118179" cy="703526"/>
+              </a:xfrm>
+              <a:prstGeom prst="rect">
+                <a:avLst/>
+              </a:prstGeom>
+              <a:blipFill>
+                <a:blip r:embed="rId3"/>
+                <a:stretch>
+                  <a:fillRect/>
+                </a:stretch>
+              </a:blipFill>
+              <a:ln w="12700">
+                <a:miter lim="400000"/>
+              </a:ln>
+            </p:spPr>
+            <p:txBody>
+              <a:bodyPr/>
+              <a:lstStyle/>
+              <a:p>
+                <a:r>
+                  <a:rPr lang="ja-JP" altLang="en-US">
+                    <a:noFill/>
+                  </a:rPr>
+                  <a:t> </a:t>
+                </a:r>
+              </a:p>
+            </p:txBody>
+          </p:sp>
+        </mc:Fallback>
+      </mc:AlternateContent>
+      <mc:AlternateContent xmlns:mc="http://schemas.openxmlformats.org/markup-compatibility/2006" xmlns:a14="http://schemas.microsoft.com/office/drawing/2010/main">
+        <mc:Choice Requires="a14">
+          <p:sp>
+            <p:nvSpPr>
+              <p:cNvPr id="11" name="テキスト ボックス 10">
+                <a:extLst>
+                  <a:ext uri="{FF2B5EF4-FFF2-40B4-BE49-F238E27FC236}">
+                    <a16:creationId xmlns:a16="http://schemas.microsoft.com/office/drawing/2014/main" id="{437B4947-C2DC-1A0F-EB4B-E6AEF5E1BDF6}"/>
+                  </a:ext>
+                </a:extLst>
+              </p:cNvPr>
+              <p:cNvSpPr txBox="1"/>
+              <p:nvPr/>
+            </p:nvSpPr>
+            <p:spPr>
+              <a:xfrm>
+                <a:off x="838199" y="2269863"/>
+                <a:ext cx="9499900" cy="680571"/>
+              </a:xfrm>
+              <a:prstGeom prst="rect">
+                <a:avLst/>
+              </a:prstGeom>
+              <a:noFill/>
+            </p:spPr>
+            <p:txBody>
+              <a:bodyPr wrap="square" rtlCol="0">
+                <a:spAutoFit/>
+              </a:bodyPr>
+              <a:lstStyle/>
+              <a:p>
+                <a:r>
+                  <a:rPr lang="ja-JP" altLang="en-US" dirty="0">
+                    <a:solidFill>
+                      <a:srgbClr val="000000"/>
+                    </a:solidFill>
+                  </a:rPr>
+                  <a:t>離散化前の出力面の</a:t>
+                </a:r>
+                <a:r>
+                  <a:rPr lang="en-US" altLang="ja-JP" dirty="0">
+                    <a:solidFill>
+                      <a:srgbClr val="000000"/>
+                    </a:solidFill>
+                  </a:rPr>
+                  <a:t>y</a:t>
+                </a:r>
+                <a:r>
+                  <a:rPr lang="ja-JP" altLang="en-US" dirty="0">
+                    <a:solidFill>
+                      <a:srgbClr val="000000"/>
+                    </a:solidFill>
+                  </a:rPr>
+                  <a:t>座標</a:t>
+                </a:r>
+                <a14:m>
+                  <m:oMath xmlns:m="http://schemas.openxmlformats.org/officeDocument/2006/math">
+                    <m:r>
+                      <a:rPr lang="en-US" altLang="ja-JP" b="0" i="1" smtClean="0">
+                        <a:solidFill>
+                          <a:srgbClr val="000000"/>
+                        </a:solidFill>
+                        <a:latin typeface="Cambria Math" panose="02040503050406030204" pitchFamily="18" charset="0"/>
+                      </a:rPr>
+                      <m:t>𝑦</m:t>
+                    </m:r>
+                    <m:r>
+                      <a:rPr lang="en-US" altLang="ja-JP" b="0" i="1" smtClean="0">
+                        <a:solidFill>
+                          <a:srgbClr val="000000"/>
+                        </a:solidFill>
+                        <a:latin typeface="Cambria Math" panose="02040503050406030204" pitchFamily="18" charset="0"/>
+                      </a:rPr>
+                      <m:t>=</m:t>
+                    </m:r>
+                    <m:sSub>
+                      <m:sSubPr>
+                        <m:ctrlPr>
+                          <a:rPr lang="en-US" altLang="ja-JP" b="0" i="1" smtClean="0">
+                            <a:solidFill>
+                              <a:srgbClr val="000000"/>
+                            </a:solidFill>
+                            <a:latin typeface="Cambria Math" panose="02040503050406030204" pitchFamily="18" charset="0"/>
+                          </a:rPr>
+                        </m:ctrlPr>
+                      </m:sSubPr>
+                      <m:e>
+                        <m:r>
+                          <a:rPr lang="en-US" altLang="ja-JP" b="0" i="1" smtClean="0">
+                            <a:solidFill>
+                              <a:srgbClr val="000000"/>
+                            </a:solidFill>
+                            <a:latin typeface="Cambria Math" panose="02040503050406030204" pitchFamily="18" charset="0"/>
+                          </a:rPr>
+                          <m:t>𝑦</m:t>
+                        </m:r>
+                      </m:e>
+                      <m:sub>
+                        <m:r>
+                          <a:rPr lang="en-US" altLang="ja-JP" b="0" i="1" smtClean="0">
+                            <a:solidFill>
+                              <a:srgbClr val="000000"/>
+                            </a:solidFill>
+                            <a:latin typeface="Cambria Math" panose="02040503050406030204" pitchFamily="18" charset="0"/>
+                          </a:rPr>
+                          <m:t>0</m:t>
+                        </m:r>
+                      </m:sub>
+                    </m:sSub>
+                    <m:r>
+                      <a:rPr lang="ja-JP" altLang="en-US" i="1">
+                        <a:solidFill>
+                          <a:srgbClr val="000000"/>
+                        </a:solidFill>
+                        <a:latin typeface="Cambria Math" panose="02040503050406030204" pitchFamily="18" charset="0"/>
+                      </a:rPr>
+                      <m:t>に</m:t>
+                    </m:r>
+                    <m:r>
+                      <a:rPr lang="ja-JP" altLang="en-US" i="1">
+                        <a:solidFill>
+                          <a:srgbClr val="000000"/>
+                        </a:solidFill>
+                        <a:latin typeface="Cambria Math" panose="02040503050406030204" pitchFamily="18" charset="0"/>
+                      </a:rPr>
+                      <m:t>対</m:t>
+                    </m:r>
+                    <m:r>
+                      <a:rPr lang="ja-JP" altLang="en-US" i="1">
+                        <a:solidFill>
+                          <a:srgbClr val="000000"/>
+                        </a:solidFill>
+                        <a:latin typeface="Cambria Math" panose="02040503050406030204" pitchFamily="18" charset="0"/>
+                      </a:rPr>
+                      <m:t>して</m:t>
+                    </m:r>
+                  </m:oMath>
+                </a14:m>
+                <a:r>
+                  <a:rPr lang="ja-JP" altLang="en-US" dirty="0">
+                    <a:solidFill>
+                      <a:srgbClr val="000000"/>
+                    </a:solidFill>
+                  </a:rPr>
+                  <a:t>，離散化後の出力面の座標は</a:t>
+                </a:r>
+                <a14:m>
+                  <m:oMath xmlns:m="http://schemas.openxmlformats.org/officeDocument/2006/math">
+                    <m:r>
+                      <a:rPr lang="en-US" altLang="ja-JP" b="0" i="1" smtClean="0">
+                        <a:solidFill>
+                          <a:srgbClr val="000000"/>
+                        </a:solidFill>
+                        <a:latin typeface="Cambria Math" panose="02040503050406030204" pitchFamily="18" charset="0"/>
+                      </a:rPr>
+                      <m:t>𝑦</m:t>
+                    </m:r>
+                    <m:r>
+                      <a:rPr lang="en-US" altLang="ja-JP" b="0" i="1" smtClean="0">
+                        <a:solidFill>
+                          <a:srgbClr val="000000"/>
+                        </a:solidFill>
+                        <a:latin typeface="Cambria Math" panose="02040503050406030204" pitchFamily="18" charset="0"/>
+                      </a:rPr>
+                      <m:t>=</m:t>
+                    </m:r>
+                    <m:r>
+                      <a:rPr lang="en-US" altLang="ja-JP" b="0" i="1" smtClean="0">
+                        <a:solidFill>
+                          <a:srgbClr val="000000"/>
+                        </a:solidFill>
+                        <a:latin typeface="Cambria Math" panose="02040503050406030204" pitchFamily="18" charset="0"/>
+                      </a:rPr>
+                      <m:t>𝑀</m:t>
+                    </m:r>
+                  </m:oMath>
+                </a14:m>
+                <a:r>
+                  <a:rPr lang="ja-JP" altLang="en-US" dirty="0">
+                    <a:solidFill>
+                      <a:srgbClr val="000000"/>
+                    </a:solidFill>
+                  </a:rPr>
+                  <a:t>であるから，出力面における</a:t>
+                </a:r>
+                <a14:m>
+                  <m:oMath xmlns:m="http://schemas.openxmlformats.org/officeDocument/2006/math">
+                    <m:r>
+                      <a:rPr lang="ar-AE" altLang="ja-JP" i="1">
+                        <a:solidFill>
+                          <a:srgbClr val="000000"/>
+                        </a:solidFill>
+                        <a:latin typeface="Cambria Math" panose="02040503050406030204" pitchFamily="18" charset="0"/>
+                      </a:rPr>
+                      <m:t>𝜙</m:t>
+                    </m:r>
+                    <m:r>
+                      <a:rPr lang="ar-AE" altLang="ja-JP" i="1">
+                        <a:solidFill>
+                          <a:srgbClr val="000000"/>
+                        </a:solidFill>
+                        <a:latin typeface="Cambria Math" panose="02040503050406030204" pitchFamily="18" charset="0"/>
+                      </a:rPr>
+                      <m:t>(</m:t>
+                    </m:r>
+                    <m:r>
+                      <a:rPr lang="en-US" altLang="ja-JP" i="1">
+                        <a:solidFill>
+                          <a:srgbClr val="000000"/>
+                        </a:solidFill>
+                        <a:latin typeface="Cambria Math" panose="02040503050406030204" pitchFamily="18" charset="0"/>
+                      </a:rPr>
+                      <m:t>𝑥</m:t>
+                    </m:r>
+                    <m:r>
+                      <a:rPr lang="en-US" altLang="ja-JP" i="1">
+                        <a:solidFill>
+                          <a:srgbClr val="000000"/>
+                        </a:solidFill>
+                        <a:latin typeface="Cambria Math" panose="02040503050406030204" pitchFamily="18" charset="0"/>
+                      </a:rPr>
+                      <m:t>,</m:t>
+                    </m:r>
+                    <m:sSub>
+                      <m:sSubPr>
+                        <m:ctrlPr>
+                          <a:rPr lang="en-US" altLang="ja-JP" i="1" smtClean="0">
+                            <a:solidFill>
+                              <a:srgbClr val="000000"/>
+                            </a:solidFill>
+                            <a:latin typeface="Cambria Math" panose="02040503050406030204" pitchFamily="18" charset="0"/>
+                          </a:rPr>
+                        </m:ctrlPr>
+                      </m:sSubPr>
+                      <m:e>
+                        <m:r>
+                          <a:rPr lang="en-US" altLang="ja-JP" b="0" i="1" smtClean="0">
+                            <a:solidFill>
+                              <a:srgbClr val="000000"/>
+                            </a:solidFill>
+                            <a:latin typeface="Cambria Math" panose="02040503050406030204" pitchFamily="18" charset="0"/>
+                          </a:rPr>
+                          <m:t>𝑦</m:t>
+                        </m:r>
+                      </m:e>
+                      <m:sub>
+                        <m:r>
+                          <a:rPr lang="en-US" altLang="ja-JP" b="0" i="1" smtClean="0">
+                            <a:solidFill>
+                              <a:srgbClr val="000000"/>
+                            </a:solidFill>
+                            <a:latin typeface="Cambria Math" panose="02040503050406030204" pitchFamily="18" charset="0"/>
+                          </a:rPr>
+                          <m:t>0</m:t>
+                        </m:r>
+                      </m:sub>
+                    </m:sSub>
+                    <m:r>
+                      <a:rPr lang="ar-AE" altLang="ja-JP" i="1">
+                        <a:solidFill>
+                          <a:srgbClr val="000000"/>
+                        </a:solidFill>
+                        <a:latin typeface="Cambria Math" panose="02040503050406030204" pitchFamily="18" charset="0"/>
+                      </a:rPr>
+                      <m:t>,</m:t>
+                    </m:r>
+                    <m:r>
+                      <a:rPr lang="ar-AE" altLang="ja-JP" i="1">
+                        <a:solidFill>
+                          <a:srgbClr val="000000"/>
+                        </a:solidFill>
+                        <a:latin typeface="Cambria Math" panose="02040503050406030204" pitchFamily="18" charset="0"/>
+                      </a:rPr>
+                      <m:t>𝑡</m:t>
+                    </m:r>
+                    <m:r>
+                      <a:rPr lang="ar-AE" altLang="ja-JP" i="1">
+                        <a:solidFill>
+                          <a:srgbClr val="000000"/>
+                        </a:solidFill>
+                        <a:latin typeface="Cambria Math" panose="02040503050406030204" pitchFamily="18" charset="0"/>
+                      </a:rPr>
+                      <m:t>)</m:t>
+                    </m:r>
+                  </m:oMath>
+                </a14:m>
+                <a:r>
+                  <a:rPr kumimoji="1" lang="ja-JP" altLang="en-US" dirty="0"/>
+                  <a:t>を</a:t>
+                </a:r>
+                <a14:m>
+                  <m:oMath xmlns:m="http://schemas.openxmlformats.org/officeDocument/2006/math">
+                    <m:sSubSup>
+                      <m:sSubSupPr>
+                        <m:ctrlPr>
+                          <a:rPr lang="ar-AE" altLang="ja-JP" i="1" smtClean="0">
+                            <a:solidFill>
+                              <a:srgbClr val="000000"/>
+                            </a:solidFill>
+                            <a:latin typeface="Cambria Math" panose="02040503050406030204" pitchFamily="18" charset="0"/>
+                          </a:rPr>
+                        </m:ctrlPr>
+                      </m:sSubSupPr>
+                      <m:e>
+                        <m:r>
+                          <a:rPr lang="ar-AE" altLang="ja-JP" i="1">
+                            <a:solidFill>
+                              <a:srgbClr val="000000"/>
+                            </a:solidFill>
+                            <a:latin typeface="Cambria Math" panose="02040503050406030204" pitchFamily="18" charset="0"/>
+                          </a:rPr>
+                          <m:t>𝜙</m:t>
+                        </m:r>
+                      </m:e>
+                      <m:sub>
+                        <m:r>
+                          <a:rPr lang="en-US" altLang="ja-JP" b="0" i="1" smtClean="0">
+                            <a:solidFill>
+                              <a:srgbClr val="000000"/>
+                            </a:solidFill>
+                            <a:latin typeface="Cambria Math" panose="02040503050406030204" pitchFamily="18" charset="0"/>
+                          </a:rPr>
+                          <m:t>𝑥</m:t>
+                        </m:r>
+                        <m:r>
+                          <a:rPr lang="en-US" altLang="ja-JP" b="0" i="1" smtClean="0">
+                            <a:solidFill>
+                              <a:srgbClr val="000000"/>
+                            </a:solidFill>
+                            <a:latin typeface="Cambria Math" panose="02040503050406030204" pitchFamily="18" charset="0"/>
+                          </a:rPr>
+                          <m:t>,</m:t>
+                        </m:r>
+                        <m:r>
+                          <a:rPr lang="en-US" altLang="ja-JP" b="0" i="1" smtClean="0">
+                            <a:solidFill>
+                              <a:srgbClr val="000000"/>
+                            </a:solidFill>
+                            <a:latin typeface="Cambria Math" panose="02040503050406030204" pitchFamily="18" charset="0"/>
+                          </a:rPr>
+                          <m:t>𝑀</m:t>
+                        </m:r>
+                      </m:sub>
+                      <m:sup>
+                        <m:r>
+                          <a:rPr lang="en-US" altLang="ja-JP" b="0" i="1" smtClean="0">
+                            <a:solidFill>
+                              <a:srgbClr val="000000"/>
+                            </a:solidFill>
+                            <a:latin typeface="Cambria Math" panose="02040503050406030204" pitchFamily="18" charset="0"/>
+                          </a:rPr>
+                          <m:t>𝑡</m:t>
+                        </m:r>
+                      </m:sup>
+                    </m:sSubSup>
+                    <m:r>
+                      <a:rPr lang="en-US" altLang="ja-JP" b="0" i="1" smtClean="0">
+                        <a:solidFill>
+                          <a:srgbClr val="000000"/>
+                        </a:solidFill>
+                        <a:latin typeface="Cambria Math" panose="02040503050406030204" pitchFamily="18" charset="0"/>
+                      </a:rPr>
+                      <m:t>=</m:t>
+                    </m:r>
+                    <m:r>
+                      <a:rPr lang="ar-AE" altLang="ja-JP" i="1">
+                        <a:solidFill>
+                          <a:srgbClr val="000000"/>
+                        </a:solidFill>
+                        <a:latin typeface="Cambria Math" panose="02040503050406030204" pitchFamily="18" charset="0"/>
+                      </a:rPr>
+                      <m:t>𝜙</m:t>
+                    </m:r>
+                    <m:r>
+                      <a:rPr lang="en-US" altLang="ja-JP" b="0" i="1" smtClean="0">
+                        <a:solidFill>
+                          <a:srgbClr val="000000"/>
+                        </a:solidFill>
+                        <a:latin typeface="Cambria Math" panose="02040503050406030204" pitchFamily="18" charset="0"/>
+                      </a:rPr>
+                      <m:t>(</m:t>
+                    </m:r>
+                    <m:r>
+                      <a:rPr lang="en-US" altLang="ja-JP" b="0" i="1" smtClean="0">
+                        <a:solidFill>
+                          <a:srgbClr val="000000"/>
+                        </a:solidFill>
+                        <a:latin typeface="Cambria Math" panose="02040503050406030204" pitchFamily="18" charset="0"/>
+                      </a:rPr>
+                      <m:t>𝑥</m:t>
+                    </m:r>
+                    <m:r>
+                      <a:rPr lang="en-US" altLang="ja-JP" b="0" i="1" smtClean="0">
+                        <a:solidFill>
+                          <a:srgbClr val="000000"/>
+                        </a:solidFill>
+                        <a:latin typeface="Cambria Math" panose="02040503050406030204" pitchFamily="18" charset="0"/>
+                      </a:rPr>
+                      <m:t>,</m:t>
+                    </m:r>
+                    <m:sSub>
+                      <m:sSubPr>
+                        <m:ctrlPr>
+                          <a:rPr lang="en-US" altLang="ja-JP" b="0" i="1" smtClean="0">
+                            <a:solidFill>
+                              <a:srgbClr val="000000"/>
+                            </a:solidFill>
+                            <a:latin typeface="Cambria Math" panose="02040503050406030204" pitchFamily="18" charset="0"/>
+                          </a:rPr>
+                        </m:ctrlPr>
+                      </m:sSubPr>
+                      <m:e>
+                        <m:r>
+                          <a:rPr lang="en-US" altLang="ja-JP" b="0" i="1" smtClean="0">
+                            <a:solidFill>
+                              <a:srgbClr val="000000"/>
+                            </a:solidFill>
+                            <a:latin typeface="Cambria Math" panose="02040503050406030204" pitchFamily="18" charset="0"/>
+                          </a:rPr>
+                          <m:t>𝑦</m:t>
+                        </m:r>
+                      </m:e>
+                      <m:sub>
+                        <m:r>
+                          <a:rPr lang="en-US" altLang="ja-JP" b="0" i="1" smtClean="0">
+                            <a:solidFill>
+                              <a:srgbClr val="000000"/>
+                            </a:solidFill>
+                            <a:latin typeface="Cambria Math" panose="02040503050406030204" pitchFamily="18" charset="0"/>
+                          </a:rPr>
+                          <m:t>0</m:t>
+                        </m:r>
+                      </m:sub>
+                    </m:sSub>
+                    <m:r>
+                      <a:rPr lang="en-US" altLang="ja-JP" b="0" i="1" smtClean="0">
+                        <a:solidFill>
+                          <a:srgbClr val="000000"/>
+                        </a:solidFill>
+                        <a:latin typeface="Cambria Math" panose="02040503050406030204" pitchFamily="18" charset="0"/>
+                      </a:rPr>
+                      <m:t>,</m:t>
+                    </m:r>
+                    <m:r>
+                      <a:rPr lang="en-US" altLang="ja-JP" b="0" i="1" smtClean="0">
+                        <a:solidFill>
+                          <a:srgbClr val="000000"/>
+                        </a:solidFill>
+                        <a:latin typeface="Cambria Math" panose="02040503050406030204" pitchFamily="18" charset="0"/>
+                      </a:rPr>
+                      <m:t>𝑡</m:t>
+                    </m:r>
+                    <m:r>
+                      <a:rPr lang="en-US" altLang="ja-JP" b="0" i="1" smtClean="0">
+                        <a:solidFill>
+                          <a:srgbClr val="000000"/>
+                        </a:solidFill>
+                        <a:latin typeface="Cambria Math" panose="02040503050406030204" pitchFamily="18" charset="0"/>
+                      </a:rPr>
+                      <m:t>)</m:t>
+                    </m:r>
+                  </m:oMath>
+                </a14:m>
+                <a:r>
+                  <a:rPr kumimoji="1" lang="ja-JP" altLang="en-US" dirty="0"/>
+                  <a:t> とおくと</a:t>
+                </a:r>
+              </a:p>
+            </p:txBody>
+          </p:sp>
+        </mc:Choice>
+        <mc:Fallback xmlns="">
+          <p:sp>
+            <p:nvSpPr>
+              <p:cNvPr id="11" name="テキスト ボックス 10">
+                <a:extLst>
+                  <a:ext uri="{FF2B5EF4-FFF2-40B4-BE49-F238E27FC236}">
+                    <a16:creationId xmlns:a16="http://schemas.microsoft.com/office/drawing/2014/main" id="{437B4947-C2DC-1A0F-EB4B-E6AEF5E1BDF6}"/>
+                  </a:ext>
+                </a:extLst>
+              </p:cNvPr>
+              <p:cNvSpPr txBox="1">
+                <a:spLocks noRot="1" noChangeAspect="1" noMove="1" noResize="1" noEditPoints="1" noAdjustHandles="1" noChangeArrowheads="1" noChangeShapeType="1" noTextEdit="1"/>
+              </p:cNvSpPr>
+              <p:nvPr/>
+            </p:nvSpPr>
+            <p:spPr>
+              <a:xfrm>
+                <a:off x="838199" y="2269863"/>
+                <a:ext cx="9499900" cy="680571"/>
+              </a:xfrm>
+              <a:prstGeom prst="rect">
+                <a:avLst/>
+              </a:prstGeom>
+              <a:blipFill>
+                <a:blip r:embed="rId4"/>
+                <a:stretch>
+                  <a:fillRect l="-513" t="-3571" b="-10714"/>
+                </a:stretch>
+              </a:blipFill>
+            </p:spPr>
+            <p:txBody>
+              <a:bodyPr/>
+              <a:lstStyle/>
+              <a:p>
+                <a:r>
+                  <a:rPr lang="ja-JP" altLang="en-US">
+                    <a:noFill/>
+                  </a:rPr>
+                  <a:t> </a:t>
+                </a:r>
+              </a:p>
+            </p:txBody>
+          </p:sp>
+        </mc:Fallback>
+      </mc:AlternateContent>
+      <mc:AlternateContent xmlns:mc="http://schemas.openxmlformats.org/markup-compatibility/2006" xmlns:a14="http://schemas.microsoft.com/office/drawing/2010/main">
+        <mc:Choice Requires="a14">
+          <p:sp>
+            <p:nvSpPr>
+              <p:cNvPr id="16" name="方程式">
+                <a:extLst>
+                  <a:ext uri="{FF2B5EF4-FFF2-40B4-BE49-F238E27FC236}">
+                    <a16:creationId xmlns:a16="http://schemas.microsoft.com/office/drawing/2014/main" id="{7B1DD7A5-EEB6-26C8-F93C-68E31727FAD3}"/>
+                  </a:ext>
+                </a:extLst>
+              </p:cNvPr>
+              <p:cNvSpPr txBox="1"/>
+              <p:nvPr/>
+            </p:nvSpPr>
+            <p:spPr>
+              <a:xfrm>
+                <a:off x="2120687" y="3127630"/>
+                <a:ext cx="3823547" cy="810607"/>
+              </a:xfrm>
+              <a:prstGeom prst="rect">
+                <a:avLst/>
+              </a:prstGeom>
+              <a:ln w="12700">
+                <a:miter lim="400000"/>
+              </a:ln>
+            </p:spPr>
+            <p:txBody>
+              <a:bodyPr wrap="none" lIns="0" tIns="0" rIns="0" bIns="0">
+                <a:spAutoFit/>
+              </a:bodyPr>
+              <a:lstStyle>
+                <a:defPPr marL="0" marR="0" indent="0" algn="l" defTabSz="914400" rtl="0" fontAlgn="auto" latinLnBrk="1" hangingPunct="0">
+                  <a:lnSpc>
+                    <a:spcPct val="100000"/>
+                  </a:lnSpc>
+                  <a:spcBef>
+                    <a:spcPts val="0"/>
+                  </a:spcBef>
+                  <a:spcAft>
+                    <a:spcPts val="0"/>
+                  </a:spcAft>
+                  <a:buClrTx/>
+                  <a:buSzTx/>
+                  <a:buFontTx/>
+                  <a:buNone/>
+                  <a:tabLst/>
+                  <a:defRPr kumimoji="0" sz="1800" b="0" i="0" u="none" strike="noStrike" cap="none" spc="0" normalizeH="0" baseline="0">
+                    <a:ln>
+                      <a:noFill/>
+                    </a:ln>
+                    <a:solidFill>
+                      <a:srgbClr val="000000"/>
+                    </a:solidFill>
+                    <a:effectLst/>
+                    <a:uFillTx/>
+                  </a:defRPr>
+                </a:defPPr>
+                <a:lvl1pPr marL="0" marR="0" indent="0" algn="ctr" defTabSz="821531" rtl="0" fontAlgn="auto" latinLnBrk="0" hangingPunct="0">
+                  <a:lnSpc>
+                    <a:spcPct val="100000"/>
+                  </a:lnSpc>
+                  <a:spcBef>
+                    <a:spcPts val="0"/>
+                  </a:spcBef>
+                  <a:spcAft>
+                    <a:spcPts val="0"/>
+                  </a:spcAft>
+                  <a:buClrTx/>
+                  <a:buSzTx/>
+                  <a:buFontTx/>
+                  <a:buNone/>
+                  <a:tabLst/>
+                  <a:defRPr kumimoji="0" sz="3200" b="0" i="0" u="none" strike="noStrike" cap="none" spc="0" normalizeH="0" baseline="0">
+                    <a:ln>
+                      <a:noFill/>
+                    </a:ln>
+                    <a:solidFill>
+                      <a:srgbClr val="000000"/>
+                    </a:solidFill>
+                    <a:effectLst/>
+                    <a:uFillTx/>
+                    <a:latin typeface="ヒラギノ角ゴ ProN W6"/>
+                    <a:ea typeface="ヒラギノ角ゴ ProN W6"/>
+                    <a:cs typeface="ヒラギノ角ゴ ProN W6"/>
+                    <a:sym typeface="ヒラギノ角ゴ ProN W6"/>
+                  </a:defRPr>
+                </a:lvl1pPr>
+                <a:lvl2pPr marL="0" marR="0" indent="228600" algn="ctr" defTabSz="821531" rtl="0" fontAlgn="auto" latinLnBrk="0" hangingPunct="0">
+                  <a:lnSpc>
+                    <a:spcPct val="100000"/>
+                  </a:lnSpc>
+                  <a:spcBef>
+                    <a:spcPts val="0"/>
+                  </a:spcBef>
+                  <a:spcAft>
+                    <a:spcPts val="0"/>
+                  </a:spcAft>
+                  <a:buClrTx/>
+                  <a:buSzTx/>
+                  <a:buFontTx/>
+                  <a:buNone/>
+                  <a:tabLst/>
+                  <a:defRPr kumimoji="0" sz="3200" b="0" i="0" u="none" strike="noStrike" cap="none" spc="0" normalizeH="0" baseline="0">
+                    <a:ln>
+                      <a:noFill/>
+                    </a:ln>
+                    <a:solidFill>
+                      <a:srgbClr val="000000"/>
+                    </a:solidFill>
+                    <a:effectLst/>
+                    <a:uFillTx/>
+                    <a:latin typeface="ヒラギノ角ゴ ProN W6"/>
+                    <a:ea typeface="ヒラギノ角ゴ ProN W6"/>
+                    <a:cs typeface="ヒラギノ角ゴ ProN W6"/>
+                    <a:sym typeface="ヒラギノ角ゴ ProN W6"/>
+                  </a:defRPr>
+                </a:lvl2pPr>
+                <a:lvl3pPr marL="0" marR="0" indent="457200" algn="ctr" defTabSz="821531" rtl="0" fontAlgn="auto" latinLnBrk="0" hangingPunct="0">
+                  <a:lnSpc>
+                    <a:spcPct val="100000"/>
+                  </a:lnSpc>
+                  <a:spcBef>
+                    <a:spcPts val="0"/>
+                  </a:spcBef>
+                  <a:spcAft>
+                    <a:spcPts val="0"/>
+                  </a:spcAft>
+                  <a:buClrTx/>
+                  <a:buSzTx/>
+                  <a:buFontTx/>
+                  <a:buNone/>
+                  <a:tabLst/>
+                  <a:defRPr kumimoji="0" sz="3200" b="0" i="0" u="none" strike="noStrike" cap="none" spc="0" normalizeH="0" baseline="0">
+                    <a:ln>
+                      <a:noFill/>
+                    </a:ln>
+                    <a:solidFill>
+                      <a:srgbClr val="000000"/>
+                    </a:solidFill>
+                    <a:effectLst/>
+                    <a:uFillTx/>
+                    <a:latin typeface="ヒラギノ角ゴ ProN W6"/>
+                    <a:ea typeface="ヒラギノ角ゴ ProN W6"/>
+                    <a:cs typeface="ヒラギノ角ゴ ProN W6"/>
+                    <a:sym typeface="ヒラギノ角ゴ ProN W6"/>
+                  </a:defRPr>
+                </a:lvl3pPr>
+                <a:lvl4pPr marL="0" marR="0" indent="685800" algn="ctr" defTabSz="821531" rtl="0" fontAlgn="auto" latinLnBrk="0" hangingPunct="0">
+                  <a:lnSpc>
+                    <a:spcPct val="100000"/>
+                  </a:lnSpc>
+                  <a:spcBef>
+                    <a:spcPts val="0"/>
+                  </a:spcBef>
+                  <a:spcAft>
+                    <a:spcPts val="0"/>
+                  </a:spcAft>
+                  <a:buClrTx/>
+                  <a:buSzTx/>
+                  <a:buFontTx/>
+                  <a:buNone/>
+                  <a:tabLst/>
+                  <a:defRPr kumimoji="0" sz="3200" b="0" i="0" u="none" strike="noStrike" cap="none" spc="0" normalizeH="0" baseline="0">
+                    <a:ln>
+                      <a:noFill/>
+                    </a:ln>
+                    <a:solidFill>
+                      <a:srgbClr val="000000"/>
+                    </a:solidFill>
+                    <a:effectLst/>
+                    <a:uFillTx/>
+                    <a:latin typeface="ヒラギノ角ゴ ProN W6"/>
+                    <a:ea typeface="ヒラギノ角ゴ ProN W6"/>
+                    <a:cs typeface="ヒラギノ角ゴ ProN W6"/>
+                    <a:sym typeface="ヒラギノ角ゴ ProN W6"/>
+                  </a:defRPr>
+                </a:lvl4pPr>
+                <a:lvl5pPr marL="0" marR="0" indent="914400" algn="ctr" defTabSz="821531" rtl="0" fontAlgn="auto" latinLnBrk="0" hangingPunct="0">
+                  <a:lnSpc>
+                    <a:spcPct val="100000"/>
+                  </a:lnSpc>
+                  <a:spcBef>
+                    <a:spcPts val="0"/>
+                  </a:spcBef>
+                  <a:spcAft>
+                    <a:spcPts val="0"/>
+                  </a:spcAft>
+                  <a:buClrTx/>
+                  <a:buSzTx/>
+                  <a:buFontTx/>
+                  <a:buNone/>
+                  <a:tabLst/>
+                  <a:defRPr kumimoji="0" sz="3200" b="0" i="0" u="none" strike="noStrike" cap="none" spc="0" normalizeH="0" baseline="0">
+                    <a:ln>
+                      <a:noFill/>
+                    </a:ln>
+                    <a:solidFill>
+                      <a:srgbClr val="000000"/>
+                    </a:solidFill>
+                    <a:effectLst/>
+                    <a:uFillTx/>
+                    <a:latin typeface="ヒラギノ角ゴ ProN W6"/>
+                    <a:ea typeface="ヒラギノ角ゴ ProN W6"/>
+                    <a:cs typeface="ヒラギノ角ゴ ProN W6"/>
+                    <a:sym typeface="ヒラギノ角ゴ ProN W6"/>
+                  </a:defRPr>
+                </a:lvl5pPr>
+                <a:lvl6pPr marL="0" marR="0" indent="1143000" algn="ctr" defTabSz="821531" rtl="0" fontAlgn="auto" latinLnBrk="0" hangingPunct="0">
+                  <a:lnSpc>
+                    <a:spcPct val="100000"/>
+                  </a:lnSpc>
+                  <a:spcBef>
+                    <a:spcPts val="0"/>
+                  </a:spcBef>
+                  <a:spcAft>
+                    <a:spcPts val="0"/>
+                  </a:spcAft>
+                  <a:buClrTx/>
+                  <a:buSzTx/>
+                  <a:buFontTx/>
+                  <a:buNone/>
+                  <a:tabLst/>
+                  <a:defRPr kumimoji="0" sz="3200" b="0" i="0" u="none" strike="noStrike" cap="none" spc="0" normalizeH="0" baseline="0">
+                    <a:ln>
+                      <a:noFill/>
+                    </a:ln>
+                    <a:solidFill>
+                      <a:srgbClr val="000000"/>
+                    </a:solidFill>
+                    <a:effectLst/>
+                    <a:uFillTx/>
+                    <a:latin typeface="ヒラギノ角ゴ ProN W6"/>
+                    <a:ea typeface="ヒラギノ角ゴ ProN W6"/>
+                    <a:cs typeface="ヒラギノ角ゴ ProN W6"/>
+                    <a:sym typeface="ヒラギノ角ゴ ProN W6"/>
+                  </a:defRPr>
+                </a:lvl6pPr>
+                <a:lvl7pPr marL="0" marR="0" indent="1371600" algn="ctr" defTabSz="821531" rtl="0" fontAlgn="auto" latinLnBrk="0" hangingPunct="0">
+                  <a:lnSpc>
+                    <a:spcPct val="100000"/>
+                  </a:lnSpc>
+                  <a:spcBef>
+                    <a:spcPts val="0"/>
+                  </a:spcBef>
+                  <a:spcAft>
+                    <a:spcPts val="0"/>
+                  </a:spcAft>
+                  <a:buClrTx/>
+                  <a:buSzTx/>
+                  <a:buFontTx/>
+                  <a:buNone/>
+                  <a:tabLst/>
+                  <a:defRPr kumimoji="0" sz="3200" b="0" i="0" u="none" strike="noStrike" cap="none" spc="0" normalizeH="0" baseline="0">
+                    <a:ln>
+                      <a:noFill/>
+                    </a:ln>
+                    <a:solidFill>
+                      <a:srgbClr val="000000"/>
+                    </a:solidFill>
+                    <a:effectLst/>
+                    <a:uFillTx/>
+                    <a:latin typeface="ヒラギノ角ゴ ProN W6"/>
+                    <a:ea typeface="ヒラギノ角ゴ ProN W6"/>
+                    <a:cs typeface="ヒラギノ角ゴ ProN W6"/>
+                    <a:sym typeface="ヒラギノ角ゴ ProN W6"/>
+                  </a:defRPr>
+                </a:lvl7pPr>
+                <a:lvl8pPr marL="0" marR="0" indent="1600200" algn="ctr" defTabSz="821531" rtl="0" fontAlgn="auto" latinLnBrk="0" hangingPunct="0">
+                  <a:lnSpc>
+                    <a:spcPct val="100000"/>
+                  </a:lnSpc>
+                  <a:spcBef>
+                    <a:spcPts val="0"/>
+                  </a:spcBef>
+                  <a:spcAft>
+                    <a:spcPts val="0"/>
+                  </a:spcAft>
+                  <a:buClrTx/>
+                  <a:buSzTx/>
+                  <a:buFontTx/>
+                  <a:buNone/>
+                  <a:tabLst/>
+                  <a:defRPr kumimoji="0" sz="3200" b="0" i="0" u="none" strike="noStrike" cap="none" spc="0" normalizeH="0" baseline="0">
+                    <a:ln>
+                      <a:noFill/>
+                    </a:ln>
+                    <a:solidFill>
+                      <a:srgbClr val="000000"/>
+                    </a:solidFill>
+                    <a:effectLst/>
+                    <a:uFillTx/>
+                    <a:latin typeface="ヒラギノ角ゴ ProN W6"/>
+                    <a:ea typeface="ヒラギノ角ゴ ProN W6"/>
+                    <a:cs typeface="ヒラギノ角ゴ ProN W6"/>
+                    <a:sym typeface="ヒラギノ角ゴ ProN W6"/>
+                  </a:defRPr>
+                </a:lvl8pPr>
+                <a:lvl9pPr marL="0" marR="0" indent="1828800" algn="ctr" defTabSz="821531" rtl="0" fontAlgn="auto" latinLnBrk="0" hangingPunct="0">
+                  <a:lnSpc>
+                    <a:spcPct val="100000"/>
+                  </a:lnSpc>
+                  <a:spcBef>
+                    <a:spcPts val="0"/>
+                  </a:spcBef>
+                  <a:spcAft>
+                    <a:spcPts val="0"/>
+                  </a:spcAft>
+                  <a:buClrTx/>
+                  <a:buSzTx/>
+                  <a:buFontTx/>
+                  <a:buNone/>
+                  <a:tabLst/>
+                  <a:defRPr kumimoji="0" sz="3200" b="0" i="0" u="none" strike="noStrike" cap="none" spc="0" normalizeH="0" baseline="0">
+                    <a:ln>
+                      <a:noFill/>
+                    </a:ln>
+                    <a:solidFill>
+                      <a:srgbClr val="000000"/>
+                    </a:solidFill>
+                    <a:effectLst/>
+                    <a:uFillTx/>
+                    <a:latin typeface="ヒラギノ角ゴ ProN W6"/>
+                    <a:ea typeface="ヒラギノ角ゴ ProN W6"/>
+                    <a:cs typeface="ヒラギノ角ゴ ProN W6"/>
+                    <a:sym typeface="ヒラギノ角ゴ ProN W6"/>
+                  </a:defRPr>
+                </a:lvl9pPr>
+              </a:lstStyle>
+              <a:p>
+                <a:pPr algn="l" defTabSz="914400" latinLnBrk="1">
+                  <a:defRPr sz="1800"/>
+                </a:pPr>
+                <a14:m>
+                  <m:oMathPara xmlns:m="http://schemas.openxmlformats.org/officeDocument/2006/math">
+                    <m:oMathParaPr>
+                      <m:jc m:val="centerGroup"/>
+                    </m:oMathParaPr>
+                    <m:oMath xmlns:m="http://schemas.openxmlformats.org/officeDocument/2006/math">
+                      <m:sSubSup>
+                        <m:sSubSupPr>
+                          <m:ctrlPr>
+                            <a:rPr lang="ar-AE" altLang="ja-JP" sz="2400" i="1" smtClean="0">
+                              <a:latin typeface="Cambria Math" panose="02040503050406030204" pitchFamily="18" charset="0"/>
+                            </a:rPr>
+                          </m:ctrlPr>
+                        </m:sSubSupPr>
+                        <m:e>
+                          <m:r>
+                            <a:rPr lang="ar-AE" altLang="ja-JP" sz="2400" i="1">
+                              <a:latin typeface="Cambria Math" panose="02040503050406030204" pitchFamily="18" charset="0"/>
+                            </a:rPr>
+                            <m:t>𝜙</m:t>
+                          </m:r>
+                        </m:e>
+                        <m:sub>
+                          <m:r>
+                            <a:rPr lang="en-US" altLang="ja-JP" sz="2400" i="1">
+                              <a:latin typeface="Cambria Math" panose="02040503050406030204" pitchFamily="18" charset="0"/>
+                            </a:rPr>
+                            <m:t>𝑥</m:t>
+                          </m:r>
+                          <m:r>
+                            <a:rPr lang="en-US" altLang="ja-JP" sz="2400" i="1">
+                              <a:latin typeface="Cambria Math" panose="02040503050406030204" pitchFamily="18" charset="0"/>
+                            </a:rPr>
+                            <m:t>,</m:t>
+                          </m:r>
+                          <m:r>
+                            <a:rPr lang="en-US" altLang="ja-JP" sz="2400" i="1">
+                              <a:latin typeface="Cambria Math" panose="02040503050406030204" pitchFamily="18" charset="0"/>
+                            </a:rPr>
+                            <m:t>𝑀</m:t>
+                          </m:r>
+                        </m:sub>
+                        <m:sup>
+                          <m:r>
+                            <a:rPr lang="en-US" altLang="ja-JP" sz="2400" i="1">
+                              <a:latin typeface="Cambria Math" panose="02040503050406030204" pitchFamily="18" charset="0"/>
+                            </a:rPr>
+                            <m:t>𝑡</m:t>
+                          </m:r>
+                        </m:sup>
+                      </m:sSubSup>
+                      <m:r>
+                        <a:rPr lang="en-US" altLang="ja-JP" sz="2400" b="0" i="1" smtClean="0">
+                          <a:latin typeface="Cambria Math" panose="02040503050406030204" pitchFamily="18" charset="0"/>
+                        </a:rPr>
+                        <m:t>=</m:t>
+                      </m:r>
+                      <m:r>
+                        <a:rPr lang="ar-AE" sz="2400" i="1">
+                          <a:solidFill>
+                            <a:srgbClr val="000000"/>
+                          </a:solidFill>
+                          <a:latin typeface="Cambria Math" panose="02040503050406030204" pitchFamily="18" charset="0"/>
+                        </a:rPr>
+                        <m:t>−</m:t>
+                      </m:r>
+                      <m:r>
+                        <a:rPr lang="ar-AE" sz="2400" i="1">
+                          <a:solidFill>
+                            <a:srgbClr val="000000"/>
+                          </a:solidFill>
+                          <a:latin typeface="Cambria Math" panose="02040503050406030204" pitchFamily="18" charset="0"/>
+                        </a:rPr>
+                        <m:t>2</m:t>
+                      </m:r>
+                      <m:r>
+                        <a:rPr lang="ar-AE" sz="2400" i="1">
+                          <a:solidFill>
+                            <a:srgbClr val="000000"/>
+                          </a:solidFill>
+                          <a:latin typeface="Cambria Math" panose="02040503050406030204" pitchFamily="18" charset="0"/>
+                        </a:rPr>
+                        <m:t>𝐷𝐴</m:t>
+                      </m:r>
+                      <m:f>
+                        <m:fPr>
+                          <m:ctrlPr>
+                            <a:rPr lang="ar-AE" sz="2400" i="1">
+                              <a:solidFill>
+                                <a:srgbClr val="000000"/>
+                              </a:solidFill>
+                              <a:latin typeface="Cambria Math" panose="02040503050406030204" pitchFamily="18" charset="0"/>
+                            </a:rPr>
+                          </m:ctrlPr>
+                        </m:fPr>
+                        <m:num>
+                          <m:sSubSup>
+                            <m:sSubSupPr>
+                              <m:ctrlPr>
+                                <a:rPr lang="ar-AE" altLang="ja-JP" sz="2400" i="1">
+                                  <a:latin typeface="Cambria Math" panose="02040503050406030204" pitchFamily="18" charset="0"/>
+                                </a:rPr>
+                              </m:ctrlPr>
+                            </m:sSubSupPr>
+                            <m:e>
+                              <m:r>
+                                <a:rPr lang="ar-AE" altLang="ja-JP" sz="2400" i="1">
+                                  <a:latin typeface="Cambria Math" panose="02040503050406030204" pitchFamily="18" charset="0"/>
+                                </a:rPr>
+                                <m:t>𝜙</m:t>
+                              </m:r>
+                            </m:e>
+                            <m:sub>
+                              <m:r>
+                                <a:rPr lang="en-US" altLang="ja-JP" sz="2400" i="1">
+                                  <a:latin typeface="Cambria Math" panose="02040503050406030204" pitchFamily="18" charset="0"/>
+                                </a:rPr>
+                                <m:t>𝑥</m:t>
+                              </m:r>
+                              <m:r>
+                                <a:rPr lang="en-US" altLang="ja-JP" sz="2400" i="1">
+                                  <a:latin typeface="Cambria Math" panose="02040503050406030204" pitchFamily="18" charset="0"/>
+                                </a:rPr>
+                                <m:t>,</m:t>
+                              </m:r>
+                              <m:r>
+                                <a:rPr lang="en-US" altLang="ja-JP" sz="2400" i="1">
+                                  <a:latin typeface="Cambria Math" panose="02040503050406030204" pitchFamily="18" charset="0"/>
+                                </a:rPr>
+                                <m:t>𝑀</m:t>
+                              </m:r>
+                            </m:sub>
+                            <m:sup>
+                              <m:r>
+                                <a:rPr lang="en-US" altLang="ja-JP" sz="2400" i="1">
+                                  <a:latin typeface="Cambria Math" panose="02040503050406030204" pitchFamily="18" charset="0"/>
+                                </a:rPr>
+                                <m:t>𝑡</m:t>
+                              </m:r>
+                            </m:sup>
+                          </m:sSubSup>
+                          <m:r>
+                            <a:rPr lang="en-US" altLang="ja-JP" sz="2400" b="0" i="1" smtClean="0">
+                              <a:latin typeface="Cambria Math" panose="02040503050406030204" pitchFamily="18" charset="0"/>
+                            </a:rPr>
+                            <m:t>−</m:t>
+                          </m:r>
+                          <m:sSubSup>
+                            <m:sSubSupPr>
+                              <m:ctrlPr>
+                                <a:rPr lang="ar-AE" altLang="ja-JP" sz="2400" i="1">
+                                  <a:latin typeface="Cambria Math" panose="02040503050406030204" pitchFamily="18" charset="0"/>
+                                </a:rPr>
+                              </m:ctrlPr>
+                            </m:sSubSupPr>
+                            <m:e>
+                              <m:r>
+                                <a:rPr lang="ar-AE" altLang="ja-JP" sz="2400" i="1">
+                                  <a:latin typeface="Cambria Math" panose="02040503050406030204" pitchFamily="18" charset="0"/>
+                                </a:rPr>
+                                <m:t>𝜙</m:t>
+                              </m:r>
+                            </m:e>
+                            <m:sub>
+                              <m:r>
+                                <a:rPr lang="en-US" altLang="ja-JP" sz="2400" i="1">
+                                  <a:latin typeface="Cambria Math" panose="02040503050406030204" pitchFamily="18" charset="0"/>
+                                </a:rPr>
+                                <m:t>𝑥</m:t>
+                              </m:r>
+                              <m:r>
+                                <a:rPr lang="en-US" altLang="ja-JP" sz="2400" i="1">
+                                  <a:latin typeface="Cambria Math" panose="02040503050406030204" pitchFamily="18" charset="0"/>
+                                </a:rPr>
+                                <m:t>,</m:t>
+                              </m:r>
+                              <m:r>
+                                <a:rPr lang="en-US" altLang="ja-JP" sz="2400" i="1">
+                                  <a:latin typeface="Cambria Math" panose="02040503050406030204" pitchFamily="18" charset="0"/>
+                                </a:rPr>
+                                <m:t>𝑀</m:t>
+                              </m:r>
+                              <m:r>
+                                <a:rPr lang="en-US" altLang="ja-JP" sz="2400" b="0" i="1" smtClean="0">
+                                  <a:latin typeface="Cambria Math" panose="02040503050406030204" pitchFamily="18" charset="0"/>
+                                </a:rPr>
+                                <m:t>−</m:t>
+                              </m:r>
+                              <m:r>
+                                <a:rPr lang="en-US" altLang="ja-JP" sz="2400" b="0" i="1" smtClean="0">
+                                  <a:latin typeface="Cambria Math" panose="02040503050406030204" pitchFamily="18" charset="0"/>
+                                </a:rPr>
+                                <m:t>1</m:t>
+                              </m:r>
+                            </m:sub>
+                            <m:sup>
+                              <m:r>
+                                <a:rPr lang="en-US" altLang="ja-JP" sz="2400" i="1">
+                                  <a:latin typeface="Cambria Math" panose="02040503050406030204" pitchFamily="18" charset="0"/>
+                                </a:rPr>
+                                <m:t>𝑡</m:t>
+                              </m:r>
+                            </m:sup>
+                          </m:sSubSup>
+                        </m:num>
+                        <m:den>
+                          <m:r>
+                            <a:rPr lang="ar-AE" sz="2400" i="1" smtClean="0">
+                              <a:solidFill>
+                                <a:srgbClr val="000000"/>
+                              </a:solidFill>
+                              <a:latin typeface="Cambria Math" panose="02040503050406030204" pitchFamily="18" charset="0"/>
+                              <a:ea typeface="Cambria Math" panose="02040503050406030204" pitchFamily="18" charset="0"/>
+                            </a:rPr>
+                            <m:t>∆</m:t>
+                          </m:r>
+                          <m:r>
+                            <a:rPr lang="en-US" sz="2400" b="0" i="1" smtClean="0">
+                              <a:solidFill>
+                                <a:srgbClr val="000000"/>
+                              </a:solidFill>
+                              <a:latin typeface="Cambria Math" panose="02040503050406030204" pitchFamily="18" charset="0"/>
+                              <a:ea typeface="Cambria Math" panose="02040503050406030204" pitchFamily="18" charset="0"/>
+                            </a:rPr>
+                            <m:t>𝑦</m:t>
+                          </m:r>
+                        </m:den>
+                      </m:f>
+                    </m:oMath>
+                  </m:oMathPara>
+                </a14:m>
+                <a:endParaRPr sz="2400" dirty="0"/>
+              </a:p>
+            </p:txBody>
+          </p:sp>
+        </mc:Choice>
+        <mc:Fallback xmlns="">
+          <p:sp>
+            <p:nvSpPr>
+              <p:cNvPr id="16" name="方程式">
+                <a:extLst>
+                  <a:ext uri="{FF2B5EF4-FFF2-40B4-BE49-F238E27FC236}">
+                    <a16:creationId xmlns:a16="http://schemas.microsoft.com/office/drawing/2014/main" id="{7B1DD7A5-EEB6-26C8-F93C-68E31727FAD3}"/>
+                  </a:ext>
+                </a:extLst>
+              </p:cNvPr>
+              <p:cNvSpPr txBox="1">
+                <a:spLocks noRot="1" noChangeAspect="1" noMove="1" noResize="1" noEditPoints="1" noAdjustHandles="1" noChangeArrowheads="1" noChangeShapeType="1" noTextEdit="1"/>
+              </p:cNvSpPr>
+              <p:nvPr/>
+            </p:nvSpPr>
+            <p:spPr>
+              <a:xfrm>
+                <a:off x="2120687" y="3127630"/>
+                <a:ext cx="3823547" cy="810607"/>
+              </a:xfrm>
+              <a:prstGeom prst="rect">
+                <a:avLst/>
+              </a:prstGeom>
+              <a:blipFill>
+                <a:blip r:embed="rId5"/>
+                <a:stretch>
+                  <a:fillRect/>
+                </a:stretch>
+              </a:blipFill>
+              <a:ln w="12700">
+                <a:miter lim="400000"/>
+              </a:ln>
+            </p:spPr>
+            <p:txBody>
+              <a:bodyPr/>
+              <a:lstStyle/>
+              <a:p>
+                <a:r>
+                  <a:rPr lang="ja-JP" altLang="en-US">
+                    <a:noFill/>
+                  </a:rPr>
+                  <a:t> </a:t>
+                </a:r>
+              </a:p>
+            </p:txBody>
+          </p:sp>
+        </mc:Fallback>
+      </mc:AlternateContent>
+      <mc:AlternateContent xmlns:mc="http://schemas.openxmlformats.org/markup-compatibility/2006" xmlns:a14="http://schemas.microsoft.com/office/drawing/2010/main">
+        <mc:Choice Requires="a14">
+          <p:sp>
+            <p:nvSpPr>
+              <p:cNvPr id="17" name="テキスト ボックス 16">
+                <a:extLst>
+                  <a:ext uri="{FF2B5EF4-FFF2-40B4-BE49-F238E27FC236}">
+                    <a16:creationId xmlns:a16="http://schemas.microsoft.com/office/drawing/2014/main" id="{B8D017A7-0CBC-E4A8-71DD-9CCE39EF95E8}"/>
+                  </a:ext>
+                </a:extLst>
+              </p:cNvPr>
+              <p:cNvSpPr txBox="1"/>
+              <p:nvPr/>
+            </p:nvSpPr>
+            <p:spPr>
+              <a:xfrm>
+                <a:off x="838199" y="4115433"/>
+                <a:ext cx="7477462" cy="393954"/>
+              </a:xfrm>
+              <a:prstGeom prst="rect">
+                <a:avLst/>
+              </a:prstGeom>
+              <a:noFill/>
+            </p:spPr>
+            <p:txBody>
+              <a:bodyPr wrap="square" rtlCol="0">
+                <a:spAutoFit/>
+              </a:bodyPr>
+              <a:lstStyle/>
+              <a:p>
+                <a:r>
+                  <a:rPr lang="ja-JP" altLang="en-US" dirty="0">
+                    <a:solidFill>
+                      <a:srgbClr val="000000"/>
+                    </a:solidFill>
+                  </a:rPr>
+                  <a:t>これを</a:t>
+                </a:r>
+                <a14:m>
+                  <m:oMath xmlns:m="http://schemas.openxmlformats.org/officeDocument/2006/math">
+                    <m:sSubSup>
+                      <m:sSubSupPr>
+                        <m:ctrlPr>
+                          <a:rPr lang="ar-AE" altLang="ja-JP" i="1" smtClean="0">
+                            <a:solidFill>
+                              <a:srgbClr val="000000"/>
+                            </a:solidFill>
+                            <a:latin typeface="Cambria Math" panose="02040503050406030204" pitchFamily="18" charset="0"/>
+                          </a:rPr>
+                        </m:ctrlPr>
+                      </m:sSubSupPr>
+                      <m:e>
+                        <m:r>
+                          <a:rPr lang="ar-AE" altLang="ja-JP" i="1">
+                            <a:solidFill>
+                              <a:srgbClr val="000000"/>
+                            </a:solidFill>
+                            <a:latin typeface="Cambria Math" panose="02040503050406030204" pitchFamily="18" charset="0"/>
+                          </a:rPr>
+                          <m:t>𝜙</m:t>
+                        </m:r>
+                      </m:e>
+                      <m:sub>
+                        <m:r>
+                          <a:rPr lang="en-US" altLang="ja-JP" b="0" i="1" smtClean="0">
+                            <a:solidFill>
+                              <a:srgbClr val="000000"/>
+                            </a:solidFill>
+                            <a:latin typeface="Cambria Math" panose="02040503050406030204" pitchFamily="18" charset="0"/>
+                          </a:rPr>
+                          <m:t>𝑥</m:t>
+                        </m:r>
+                        <m:r>
+                          <a:rPr lang="en-US" altLang="ja-JP" b="0" i="1" smtClean="0">
+                            <a:solidFill>
+                              <a:srgbClr val="000000"/>
+                            </a:solidFill>
+                            <a:latin typeface="Cambria Math" panose="02040503050406030204" pitchFamily="18" charset="0"/>
+                          </a:rPr>
+                          <m:t>,</m:t>
+                        </m:r>
+                        <m:r>
+                          <a:rPr lang="en-US" altLang="ja-JP" b="0" i="1" smtClean="0">
+                            <a:solidFill>
+                              <a:srgbClr val="000000"/>
+                            </a:solidFill>
+                            <a:latin typeface="Cambria Math" panose="02040503050406030204" pitchFamily="18" charset="0"/>
+                          </a:rPr>
+                          <m:t>𝑀</m:t>
+                        </m:r>
+                      </m:sub>
+                      <m:sup>
+                        <m:r>
+                          <a:rPr lang="en-US" altLang="ja-JP" b="0" i="1" smtClean="0">
+                            <a:solidFill>
+                              <a:srgbClr val="000000"/>
+                            </a:solidFill>
+                            <a:latin typeface="Cambria Math" panose="02040503050406030204" pitchFamily="18" charset="0"/>
+                          </a:rPr>
+                          <m:t>𝑡</m:t>
+                        </m:r>
+                      </m:sup>
+                    </m:sSubSup>
+                  </m:oMath>
+                </a14:m>
+                <a:r>
+                  <a:rPr kumimoji="1" lang="ja-JP" altLang="en-US" dirty="0"/>
+                  <a:t>についてとくと入射面における境界条件は</a:t>
+                </a:r>
+              </a:p>
+            </p:txBody>
+          </p:sp>
+        </mc:Choice>
+        <mc:Fallback xmlns="">
+          <p:sp>
+            <p:nvSpPr>
+              <p:cNvPr id="17" name="テキスト ボックス 16">
+                <a:extLst>
+                  <a:ext uri="{FF2B5EF4-FFF2-40B4-BE49-F238E27FC236}">
+                    <a16:creationId xmlns:a16="http://schemas.microsoft.com/office/drawing/2014/main" id="{B8D017A7-0CBC-E4A8-71DD-9CCE39EF95E8}"/>
+                  </a:ext>
+                </a:extLst>
+              </p:cNvPr>
+              <p:cNvSpPr txBox="1">
+                <a:spLocks noRot="1" noChangeAspect="1" noMove="1" noResize="1" noEditPoints="1" noAdjustHandles="1" noChangeArrowheads="1" noChangeShapeType="1" noTextEdit="1"/>
+              </p:cNvSpPr>
+              <p:nvPr/>
+            </p:nvSpPr>
+            <p:spPr>
+              <a:xfrm>
+                <a:off x="838199" y="4115433"/>
+                <a:ext cx="7477462" cy="393954"/>
+              </a:xfrm>
+              <a:prstGeom prst="rect">
+                <a:avLst/>
+              </a:prstGeom>
+              <a:blipFill>
+                <a:blip r:embed="rId6"/>
+                <a:stretch>
+                  <a:fillRect l="-652" t="-3077" b="-21538"/>
+                </a:stretch>
+              </a:blipFill>
+            </p:spPr>
+            <p:txBody>
+              <a:bodyPr/>
+              <a:lstStyle/>
+              <a:p>
+                <a:r>
+                  <a:rPr lang="ja-JP" altLang="en-US">
+                    <a:noFill/>
+                  </a:rPr>
+                  <a:t> </a:t>
+                </a:r>
+              </a:p>
+            </p:txBody>
+          </p:sp>
+        </mc:Fallback>
+      </mc:AlternateContent>
+      <mc:AlternateContent xmlns:mc="http://schemas.openxmlformats.org/markup-compatibility/2006" xmlns:a14="http://schemas.microsoft.com/office/drawing/2010/main">
+        <mc:Choice Requires="a14">
+          <p:sp>
+            <p:nvSpPr>
+              <p:cNvPr id="18" name="方程式">
+                <a:extLst>
+                  <a:ext uri="{FF2B5EF4-FFF2-40B4-BE49-F238E27FC236}">
+                    <a16:creationId xmlns:a16="http://schemas.microsoft.com/office/drawing/2014/main" id="{9EC12447-0897-9B42-B240-35A54269A865}"/>
+                  </a:ext>
+                </a:extLst>
+              </p:cNvPr>
+              <p:cNvSpPr txBox="1"/>
+              <p:nvPr/>
+            </p:nvSpPr>
+            <p:spPr>
+              <a:xfrm>
+                <a:off x="2120687" y="4635336"/>
+                <a:ext cx="3342903" cy="757002"/>
+              </a:xfrm>
+              <a:prstGeom prst="rect">
+                <a:avLst/>
+              </a:prstGeom>
+              <a:ln w="12700">
+                <a:miter lim="400000"/>
+              </a:ln>
+            </p:spPr>
+            <p:txBody>
+              <a:bodyPr wrap="none" lIns="0" tIns="0" rIns="0" bIns="0">
+                <a:spAutoFit/>
+              </a:bodyPr>
+              <a:lstStyle>
+                <a:defPPr marL="0" marR="0" indent="0" algn="l" defTabSz="914400" rtl="0" fontAlgn="auto" latinLnBrk="1" hangingPunct="0">
+                  <a:lnSpc>
+                    <a:spcPct val="100000"/>
+                  </a:lnSpc>
+                  <a:spcBef>
+                    <a:spcPts val="0"/>
+                  </a:spcBef>
+                  <a:spcAft>
+                    <a:spcPts val="0"/>
+                  </a:spcAft>
+                  <a:buClrTx/>
+                  <a:buSzTx/>
+                  <a:buFontTx/>
+                  <a:buNone/>
+                  <a:tabLst/>
+                  <a:defRPr kumimoji="0" sz="1800" b="0" i="0" u="none" strike="noStrike" cap="none" spc="0" normalizeH="0" baseline="0">
+                    <a:ln>
+                      <a:noFill/>
+                    </a:ln>
+                    <a:solidFill>
+                      <a:srgbClr val="000000"/>
+                    </a:solidFill>
+                    <a:effectLst/>
+                    <a:uFillTx/>
+                  </a:defRPr>
+                </a:defPPr>
+                <a:lvl1pPr marL="0" marR="0" indent="0" algn="ctr" defTabSz="821531" rtl="0" fontAlgn="auto" latinLnBrk="0" hangingPunct="0">
+                  <a:lnSpc>
+                    <a:spcPct val="100000"/>
+                  </a:lnSpc>
+                  <a:spcBef>
+                    <a:spcPts val="0"/>
+                  </a:spcBef>
+                  <a:spcAft>
+                    <a:spcPts val="0"/>
+                  </a:spcAft>
+                  <a:buClrTx/>
+                  <a:buSzTx/>
+                  <a:buFontTx/>
+                  <a:buNone/>
+                  <a:tabLst/>
+                  <a:defRPr kumimoji="0" sz="3200" b="0" i="0" u="none" strike="noStrike" cap="none" spc="0" normalizeH="0" baseline="0">
+                    <a:ln>
+                      <a:noFill/>
+                    </a:ln>
+                    <a:solidFill>
+                      <a:srgbClr val="000000"/>
+                    </a:solidFill>
+                    <a:effectLst/>
+                    <a:uFillTx/>
+                    <a:latin typeface="ヒラギノ角ゴ ProN W6"/>
+                    <a:ea typeface="ヒラギノ角ゴ ProN W6"/>
+                    <a:cs typeface="ヒラギノ角ゴ ProN W6"/>
+                    <a:sym typeface="ヒラギノ角ゴ ProN W6"/>
+                  </a:defRPr>
+                </a:lvl1pPr>
+                <a:lvl2pPr marL="0" marR="0" indent="228600" algn="ctr" defTabSz="821531" rtl="0" fontAlgn="auto" latinLnBrk="0" hangingPunct="0">
+                  <a:lnSpc>
+                    <a:spcPct val="100000"/>
+                  </a:lnSpc>
+                  <a:spcBef>
+                    <a:spcPts val="0"/>
+                  </a:spcBef>
+                  <a:spcAft>
+                    <a:spcPts val="0"/>
+                  </a:spcAft>
+                  <a:buClrTx/>
+                  <a:buSzTx/>
+                  <a:buFontTx/>
+                  <a:buNone/>
+                  <a:tabLst/>
+                  <a:defRPr kumimoji="0" sz="3200" b="0" i="0" u="none" strike="noStrike" cap="none" spc="0" normalizeH="0" baseline="0">
+                    <a:ln>
+                      <a:noFill/>
+                    </a:ln>
+                    <a:solidFill>
+                      <a:srgbClr val="000000"/>
+                    </a:solidFill>
+                    <a:effectLst/>
+                    <a:uFillTx/>
+                    <a:latin typeface="ヒラギノ角ゴ ProN W6"/>
+                    <a:ea typeface="ヒラギノ角ゴ ProN W6"/>
+                    <a:cs typeface="ヒラギノ角ゴ ProN W6"/>
+                    <a:sym typeface="ヒラギノ角ゴ ProN W6"/>
+                  </a:defRPr>
+                </a:lvl2pPr>
+                <a:lvl3pPr marL="0" marR="0" indent="457200" algn="ctr" defTabSz="821531" rtl="0" fontAlgn="auto" latinLnBrk="0" hangingPunct="0">
+                  <a:lnSpc>
+                    <a:spcPct val="100000"/>
+                  </a:lnSpc>
+                  <a:spcBef>
+                    <a:spcPts val="0"/>
+                  </a:spcBef>
+                  <a:spcAft>
+                    <a:spcPts val="0"/>
+                  </a:spcAft>
+                  <a:buClrTx/>
+                  <a:buSzTx/>
+                  <a:buFontTx/>
+                  <a:buNone/>
+                  <a:tabLst/>
+                  <a:defRPr kumimoji="0" sz="3200" b="0" i="0" u="none" strike="noStrike" cap="none" spc="0" normalizeH="0" baseline="0">
+                    <a:ln>
+                      <a:noFill/>
+                    </a:ln>
+                    <a:solidFill>
+                      <a:srgbClr val="000000"/>
+                    </a:solidFill>
+                    <a:effectLst/>
+                    <a:uFillTx/>
+                    <a:latin typeface="ヒラギノ角ゴ ProN W6"/>
+                    <a:ea typeface="ヒラギノ角ゴ ProN W6"/>
+                    <a:cs typeface="ヒラギノ角ゴ ProN W6"/>
+                    <a:sym typeface="ヒラギノ角ゴ ProN W6"/>
+                  </a:defRPr>
+                </a:lvl3pPr>
+                <a:lvl4pPr marL="0" marR="0" indent="685800" algn="ctr" defTabSz="821531" rtl="0" fontAlgn="auto" latinLnBrk="0" hangingPunct="0">
+                  <a:lnSpc>
+                    <a:spcPct val="100000"/>
+                  </a:lnSpc>
+                  <a:spcBef>
+                    <a:spcPts val="0"/>
+                  </a:spcBef>
+                  <a:spcAft>
+                    <a:spcPts val="0"/>
+                  </a:spcAft>
+                  <a:buClrTx/>
+                  <a:buSzTx/>
+                  <a:buFontTx/>
+                  <a:buNone/>
+                  <a:tabLst/>
+                  <a:defRPr kumimoji="0" sz="3200" b="0" i="0" u="none" strike="noStrike" cap="none" spc="0" normalizeH="0" baseline="0">
+                    <a:ln>
+                      <a:noFill/>
+                    </a:ln>
+                    <a:solidFill>
+                      <a:srgbClr val="000000"/>
+                    </a:solidFill>
+                    <a:effectLst/>
+                    <a:uFillTx/>
+                    <a:latin typeface="ヒラギノ角ゴ ProN W6"/>
+                    <a:ea typeface="ヒラギノ角ゴ ProN W6"/>
+                    <a:cs typeface="ヒラギノ角ゴ ProN W6"/>
+                    <a:sym typeface="ヒラギノ角ゴ ProN W6"/>
+                  </a:defRPr>
+                </a:lvl4pPr>
+                <a:lvl5pPr marL="0" marR="0" indent="914400" algn="ctr" defTabSz="821531" rtl="0" fontAlgn="auto" latinLnBrk="0" hangingPunct="0">
+                  <a:lnSpc>
+                    <a:spcPct val="100000"/>
+                  </a:lnSpc>
+                  <a:spcBef>
+                    <a:spcPts val="0"/>
+                  </a:spcBef>
+                  <a:spcAft>
+                    <a:spcPts val="0"/>
+                  </a:spcAft>
+                  <a:buClrTx/>
+                  <a:buSzTx/>
+                  <a:buFontTx/>
+                  <a:buNone/>
+                  <a:tabLst/>
+                  <a:defRPr kumimoji="0" sz="3200" b="0" i="0" u="none" strike="noStrike" cap="none" spc="0" normalizeH="0" baseline="0">
+                    <a:ln>
+                      <a:noFill/>
+                    </a:ln>
+                    <a:solidFill>
+                      <a:srgbClr val="000000"/>
+                    </a:solidFill>
+                    <a:effectLst/>
+                    <a:uFillTx/>
+                    <a:latin typeface="ヒラギノ角ゴ ProN W6"/>
+                    <a:ea typeface="ヒラギノ角ゴ ProN W6"/>
+                    <a:cs typeface="ヒラギノ角ゴ ProN W6"/>
+                    <a:sym typeface="ヒラギノ角ゴ ProN W6"/>
+                  </a:defRPr>
+                </a:lvl5pPr>
+                <a:lvl6pPr marL="0" marR="0" indent="1143000" algn="ctr" defTabSz="821531" rtl="0" fontAlgn="auto" latinLnBrk="0" hangingPunct="0">
+                  <a:lnSpc>
+                    <a:spcPct val="100000"/>
+                  </a:lnSpc>
+                  <a:spcBef>
+                    <a:spcPts val="0"/>
+                  </a:spcBef>
+                  <a:spcAft>
+                    <a:spcPts val="0"/>
+                  </a:spcAft>
+                  <a:buClrTx/>
+                  <a:buSzTx/>
+                  <a:buFontTx/>
+                  <a:buNone/>
+                  <a:tabLst/>
+                  <a:defRPr kumimoji="0" sz="3200" b="0" i="0" u="none" strike="noStrike" cap="none" spc="0" normalizeH="0" baseline="0">
+                    <a:ln>
+                      <a:noFill/>
+                    </a:ln>
+                    <a:solidFill>
+                      <a:srgbClr val="000000"/>
+                    </a:solidFill>
+                    <a:effectLst/>
+                    <a:uFillTx/>
+                    <a:latin typeface="ヒラギノ角ゴ ProN W6"/>
+                    <a:ea typeface="ヒラギノ角ゴ ProN W6"/>
+                    <a:cs typeface="ヒラギノ角ゴ ProN W6"/>
+                    <a:sym typeface="ヒラギノ角ゴ ProN W6"/>
+                  </a:defRPr>
+                </a:lvl6pPr>
+                <a:lvl7pPr marL="0" marR="0" indent="1371600" algn="ctr" defTabSz="821531" rtl="0" fontAlgn="auto" latinLnBrk="0" hangingPunct="0">
+                  <a:lnSpc>
+                    <a:spcPct val="100000"/>
+                  </a:lnSpc>
+                  <a:spcBef>
+                    <a:spcPts val="0"/>
+                  </a:spcBef>
+                  <a:spcAft>
+                    <a:spcPts val="0"/>
+                  </a:spcAft>
+                  <a:buClrTx/>
+                  <a:buSzTx/>
+                  <a:buFontTx/>
+                  <a:buNone/>
+                  <a:tabLst/>
+                  <a:defRPr kumimoji="0" sz="3200" b="0" i="0" u="none" strike="noStrike" cap="none" spc="0" normalizeH="0" baseline="0">
+                    <a:ln>
+                      <a:noFill/>
+                    </a:ln>
+                    <a:solidFill>
+                      <a:srgbClr val="000000"/>
+                    </a:solidFill>
+                    <a:effectLst/>
+                    <a:uFillTx/>
+                    <a:latin typeface="ヒラギノ角ゴ ProN W6"/>
+                    <a:ea typeface="ヒラギノ角ゴ ProN W6"/>
+                    <a:cs typeface="ヒラギノ角ゴ ProN W6"/>
+                    <a:sym typeface="ヒラギノ角ゴ ProN W6"/>
+                  </a:defRPr>
+                </a:lvl7pPr>
+                <a:lvl8pPr marL="0" marR="0" indent="1600200" algn="ctr" defTabSz="821531" rtl="0" fontAlgn="auto" latinLnBrk="0" hangingPunct="0">
+                  <a:lnSpc>
+                    <a:spcPct val="100000"/>
+                  </a:lnSpc>
+                  <a:spcBef>
+                    <a:spcPts val="0"/>
+                  </a:spcBef>
+                  <a:spcAft>
+                    <a:spcPts val="0"/>
+                  </a:spcAft>
+                  <a:buClrTx/>
+                  <a:buSzTx/>
+                  <a:buFontTx/>
+                  <a:buNone/>
+                  <a:tabLst/>
+                  <a:defRPr kumimoji="0" sz="3200" b="0" i="0" u="none" strike="noStrike" cap="none" spc="0" normalizeH="0" baseline="0">
+                    <a:ln>
+                      <a:noFill/>
+                    </a:ln>
+                    <a:solidFill>
+                      <a:srgbClr val="000000"/>
+                    </a:solidFill>
+                    <a:effectLst/>
+                    <a:uFillTx/>
+                    <a:latin typeface="ヒラギノ角ゴ ProN W6"/>
+                    <a:ea typeface="ヒラギノ角ゴ ProN W6"/>
+                    <a:cs typeface="ヒラギノ角ゴ ProN W6"/>
+                    <a:sym typeface="ヒラギノ角ゴ ProN W6"/>
+                  </a:defRPr>
+                </a:lvl8pPr>
+                <a:lvl9pPr marL="0" marR="0" indent="1828800" algn="ctr" defTabSz="821531" rtl="0" fontAlgn="auto" latinLnBrk="0" hangingPunct="0">
+                  <a:lnSpc>
+                    <a:spcPct val="100000"/>
+                  </a:lnSpc>
+                  <a:spcBef>
+                    <a:spcPts val="0"/>
+                  </a:spcBef>
+                  <a:spcAft>
+                    <a:spcPts val="0"/>
+                  </a:spcAft>
+                  <a:buClrTx/>
+                  <a:buSzTx/>
+                  <a:buFontTx/>
+                  <a:buNone/>
+                  <a:tabLst/>
+                  <a:defRPr kumimoji="0" sz="3200" b="0" i="0" u="none" strike="noStrike" cap="none" spc="0" normalizeH="0" baseline="0">
+                    <a:ln>
+                      <a:noFill/>
+                    </a:ln>
+                    <a:solidFill>
+                      <a:srgbClr val="000000"/>
+                    </a:solidFill>
+                    <a:effectLst/>
+                    <a:uFillTx/>
+                    <a:latin typeface="ヒラギノ角ゴ ProN W6"/>
+                    <a:ea typeface="ヒラギノ角ゴ ProN W6"/>
+                    <a:cs typeface="ヒラギノ角ゴ ProN W6"/>
+                    <a:sym typeface="ヒラギノ角ゴ ProN W6"/>
+                  </a:defRPr>
+                </a:lvl9pPr>
+              </a:lstStyle>
+              <a:p>
+                <a:pPr algn="l" defTabSz="914400" latinLnBrk="1">
+                  <a:defRPr sz="1800"/>
+                </a:pPr>
+                <a14:m>
+                  <m:oMathPara xmlns:m="http://schemas.openxmlformats.org/officeDocument/2006/math">
+                    <m:oMathParaPr>
+                      <m:jc m:val="centerGroup"/>
+                    </m:oMathParaPr>
+                    <m:oMath xmlns:m="http://schemas.openxmlformats.org/officeDocument/2006/math">
+                      <m:sSubSup>
+                        <m:sSubSupPr>
+                          <m:ctrlPr>
+                            <a:rPr lang="ar-AE" altLang="ja-JP" sz="2400" i="1" smtClean="0">
+                              <a:latin typeface="Cambria Math" panose="02040503050406030204" pitchFamily="18" charset="0"/>
+                            </a:rPr>
+                          </m:ctrlPr>
+                        </m:sSubSupPr>
+                        <m:e>
+                          <m:r>
+                            <a:rPr lang="ar-AE" altLang="ja-JP" sz="2400" i="1">
+                              <a:latin typeface="Cambria Math" panose="02040503050406030204" pitchFamily="18" charset="0"/>
+                            </a:rPr>
+                            <m:t>𝜙</m:t>
+                          </m:r>
+                        </m:e>
+                        <m:sub>
+                          <m:r>
+                            <a:rPr lang="en-US" altLang="ja-JP" sz="2400" i="1">
+                              <a:latin typeface="Cambria Math" panose="02040503050406030204" pitchFamily="18" charset="0"/>
+                            </a:rPr>
+                            <m:t>𝑥</m:t>
+                          </m:r>
+                          <m:r>
+                            <a:rPr lang="en-US" altLang="ja-JP" sz="2400" i="1">
+                              <a:latin typeface="Cambria Math" panose="02040503050406030204" pitchFamily="18" charset="0"/>
+                            </a:rPr>
+                            <m:t>,</m:t>
+                          </m:r>
+                          <m:r>
+                            <a:rPr lang="en-US" altLang="ja-JP" sz="2400" i="1">
+                              <a:latin typeface="Cambria Math" panose="02040503050406030204" pitchFamily="18" charset="0"/>
+                            </a:rPr>
+                            <m:t>𝑀</m:t>
+                          </m:r>
+                        </m:sub>
+                        <m:sup>
+                          <m:r>
+                            <a:rPr lang="en-US" altLang="ja-JP" sz="2400" i="1">
+                              <a:latin typeface="Cambria Math" panose="02040503050406030204" pitchFamily="18" charset="0"/>
+                            </a:rPr>
+                            <m:t>𝑡</m:t>
+                          </m:r>
+                        </m:sup>
+                      </m:sSubSup>
+                      <m:r>
+                        <a:rPr lang="en-US" altLang="ja-JP" sz="2400" b="0" i="1" smtClean="0">
+                          <a:latin typeface="Cambria Math" panose="02040503050406030204" pitchFamily="18" charset="0"/>
+                        </a:rPr>
+                        <m:t>=</m:t>
+                      </m:r>
+                      <m:f>
+                        <m:fPr>
+                          <m:ctrlPr>
+                            <a:rPr lang="ar-AE" sz="2400" i="1">
+                              <a:solidFill>
+                                <a:srgbClr val="000000"/>
+                              </a:solidFill>
+                              <a:latin typeface="Cambria Math" panose="02040503050406030204" pitchFamily="18" charset="0"/>
+                            </a:rPr>
+                          </m:ctrlPr>
+                        </m:fPr>
+                        <m:num>
+                          <m:r>
+                            <a:rPr lang="en-US" sz="2400" b="0" i="1" smtClean="0">
+                              <a:solidFill>
+                                <a:srgbClr val="000000"/>
+                              </a:solidFill>
+                              <a:latin typeface="Cambria Math" panose="02040503050406030204" pitchFamily="18" charset="0"/>
+                            </a:rPr>
+                            <m:t>2</m:t>
+                          </m:r>
+                          <m:r>
+                            <a:rPr lang="en-US" sz="2400" b="0" i="1" smtClean="0">
+                              <a:solidFill>
+                                <a:srgbClr val="000000"/>
+                              </a:solidFill>
+                              <a:latin typeface="Cambria Math" panose="02040503050406030204" pitchFamily="18" charset="0"/>
+                            </a:rPr>
+                            <m:t>𝐷𝐴</m:t>
+                          </m:r>
+                        </m:num>
+                        <m:den>
+                          <m:r>
+                            <a:rPr lang="en-US" sz="2400" b="0" i="1" smtClean="0">
+                              <a:solidFill>
+                                <a:srgbClr val="000000"/>
+                              </a:solidFill>
+                              <a:latin typeface="Cambria Math" panose="02040503050406030204" pitchFamily="18" charset="0"/>
+                            </a:rPr>
+                            <m:t>2</m:t>
+                          </m:r>
+                          <m:r>
+                            <a:rPr lang="en-US" sz="2400" b="0" i="1" smtClean="0">
+                              <a:solidFill>
+                                <a:srgbClr val="000000"/>
+                              </a:solidFill>
+                              <a:latin typeface="Cambria Math" panose="02040503050406030204" pitchFamily="18" charset="0"/>
+                            </a:rPr>
+                            <m:t>𝐷𝐴</m:t>
+                          </m:r>
+                          <m:r>
+                            <a:rPr lang="en-US" sz="2400" b="0" i="1" smtClean="0">
+                              <a:solidFill>
+                                <a:srgbClr val="000000"/>
+                              </a:solidFill>
+                              <a:latin typeface="Cambria Math" panose="02040503050406030204" pitchFamily="18" charset="0"/>
+                            </a:rPr>
+                            <m:t>+∆</m:t>
+                          </m:r>
+                          <m:r>
+                            <a:rPr lang="en-US" sz="2400" b="0" i="1" smtClean="0">
+                              <a:solidFill>
+                                <a:srgbClr val="000000"/>
+                              </a:solidFill>
+                              <a:latin typeface="Cambria Math" panose="02040503050406030204" pitchFamily="18" charset="0"/>
+                              <a:ea typeface="Cambria Math" panose="02040503050406030204" pitchFamily="18" charset="0"/>
+                            </a:rPr>
+                            <m:t>𝑦</m:t>
+                          </m:r>
+                        </m:den>
+                      </m:f>
+                      <m:sSubSup>
+                        <m:sSubSupPr>
+                          <m:ctrlPr>
+                            <a:rPr lang="ar-AE" altLang="ja-JP" sz="2400" i="1">
+                              <a:latin typeface="Cambria Math" panose="02040503050406030204" pitchFamily="18" charset="0"/>
+                            </a:rPr>
+                          </m:ctrlPr>
+                        </m:sSubSupPr>
+                        <m:e>
+                          <m:r>
+                            <a:rPr lang="ar-AE" altLang="ja-JP" sz="2400" i="1">
+                              <a:latin typeface="Cambria Math" panose="02040503050406030204" pitchFamily="18" charset="0"/>
+                            </a:rPr>
+                            <m:t>𝜙</m:t>
+                          </m:r>
+                        </m:e>
+                        <m:sub>
+                          <m:r>
+                            <a:rPr lang="en-US" altLang="ja-JP" sz="2400" i="1">
+                              <a:latin typeface="Cambria Math" panose="02040503050406030204" pitchFamily="18" charset="0"/>
+                            </a:rPr>
+                            <m:t>𝑥</m:t>
+                          </m:r>
+                          <m:r>
+                            <a:rPr lang="en-US" altLang="ja-JP" sz="2400" i="1">
+                              <a:latin typeface="Cambria Math" panose="02040503050406030204" pitchFamily="18" charset="0"/>
+                            </a:rPr>
+                            <m:t>,</m:t>
+                          </m:r>
+                          <m:r>
+                            <a:rPr lang="en-US" altLang="ja-JP" sz="2400" i="1">
+                              <a:latin typeface="Cambria Math" panose="02040503050406030204" pitchFamily="18" charset="0"/>
+                            </a:rPr>
+                            <m:t>𝑀</m:t>
+                          </m:r>
+                          <m:r>
+                            <a:rPr lang="en-US" altLang="ja-JP" sz="2400" i="1">
+                              <a:latin typeface="Cambria Math" panose="02040503050406030204" pitchFamily="18" charset="0"/>
+                            </a:rPr>
+                            <m:t>−</m:t>
+                          </m:r>
+                          <m:r>
+                            <a:rPr lang="en-US" altLang="ja-JP" sz="2400" i="1">
+                              <a:latin typeface="Cambria Math" panose="02040503050406030204" pitchFamily="18" charset="0"/>
+                            </a:rPr>
+                            <m:t>1</m:t>
+                          </m:r>
+                        </m:sub>
+                        <m:sup>
+                          <m:r>
+                            <a:rPr lang="en-US" altLang="ja-JP" sz="2400" i="1">
+                              <a:latin typeface="Cambria Math" panose="02040503050406030204" pitchFamily="18" charset="0"/>
+                            </a:rPr>
+                            <m:t>𝑡</m:t>
+                          </m:r>
+                        </m:sup>
+                      </m:sSubSup>
+                    </m:oMath>
+                  </m:oMathPara>
+                </a14:m>
+                <a:endParaRPr sz="2400" dirty="0"/>
+              </a:p>
+            </p:txBody>
+          </p:sp>
+        </mc:Choice>
+        <mc:Fallback xmlns="">
+          <p:sp>
+            <p:nvSpPr>
+              <p:cNvPr id="18" name="方程式">
+                <a:extLst>
+                  <a:ext uri="{FF2B5EF4-FFF2-40B4-BE49-F238E27FC236}">
+                    <a16:creationId xmlns:a16="http://schemas.microsoft.com/office/drawing/2014/main" id="{9EC12447-0897-9B42-B240-35A54269A865}"/>
+                  </a:ext>
+                </a:extLst>
+              </p:cNvPr>
+              <p:cNvSpPr txBox="1">
+                <a:spLocks noRot="1" noChangeAspect="1" noMove="1" noResize="1" noEditPoints="1" noAdjustHandles="1" noChangeArrowheads="1" noChangeShapeType="1" noTextEdit="1"/>
+              </p:cNvSpPr>
+              <p:nvPr/>
+            </p:nvSpPr>
+            <p:spPr>
+              <a:xfrm>
+                <a:off x="2120687" y="4635336"/>
+                <a:ext cx="3342903" cy="757002"/>
+              </a:xfrm>
+              <a:prstGeom prst="rect">
+                <a:avLst/>
+              </a:prstGeom>
+              <a:blipFill>
+                <a:blip r:embed="rId7"/>
+                <a:stretch>
+                  <a:fillRect/>
+                </a:stretch>
+              </a:blipFill>
+              <a:ln w="12700">
+                <a:miter lim="400000"/>
+              </a:ln>
+            </p:spPr>
+            <p:txBody>
+              <a:bodyPr/>
+              <a:lstStyle/>
+              <a:p>
+                <a:r>
+                  <a:rPr lang="ja-JP" altLang="en-US">
+                    <a:noFill/>
+                  </a:rPr>
+                  <a:t> </a:t>
+                </a:r>
+              </a:p>
+            </p:txBody>
+          </p:sp>
+        </mc:Fallback>
+      </mc:AlternateContent>
+    </p:spTree>
+    <p:extLst>
+      <p:ext uri="{BB962C8B-B14F-4D97-AF65-F5344CB8AC3E}">
+        <p14:creationId xmlns:p14="http://schemas.microsoft.com/office/powerpoint/2010/main" val="289922892"/>
+      </p:ext>
+    </p:extLst>
+  </p:cSld>
+  <p:clrMapOvr>
+    <a:masterClrMapping/>
+  </p:clrMapOvr>
+</p:sld>
+</file>
+
+<file path=ppt/slides/slide13.xml><?xml version="1.0" encoding="utf-8"?>
 <p:sld xmlns:a="http://schemas.openxmlformats.org/drawingml/2006/main" xmlns:r="http://schemas.openxmlformats.org/officeDocument/2006/relationships" xmlns:p="http://schemas.openxmlformats.org/presentationml/2006/main">
   <p:cSld>
     <p:spTree>
@@ -16351,7 +22170,7 @@
             <p:spPr>
               <a:xfrm>
                 <a:off x="1827755" y="4716616"/>
-                <a:ext cx="1957523" cy="756297"/>
+                <a:ext cx="1522661" cy="756297"/>
               </a:xfrm>
               <a:prstGeom prst="rect">
                 <a:avLst/>
@@ -16688,50 +22507,7 @@
                           </a:solidFill>
                           <a:latin typeface="Cambria Math" panose="02040503050406030204" pitchFamily="18" charset="0"/>
                         </a:rPr>
-                        <m:t>(</m:t>
-                      </m:r>
-                      <m:sSub>
-                        <m:sSubPr>
-                          <m:ctrlPr>
-                            <a:rPr sz="2400" i="1">
-                              <a:solidFill>
-                                <a:srgbClr val="000000"/>
-                              </a:solidFill>
-                              <a:latin typeface="Cambria Math" panose="02040503050406030204" pitchFamily="18" charset="0"/>
-                            </a:rPr>
-                          </m:ctrlPr>
-                        </m:sSubPr>
-                        <m:e>
-                          <m:r>
-                            <a:rPr sz="2400" i="1">
-                              <a:solidFill>
-                                <a:srgbClr val="000000"/>
-                              </a:solidFill>
-                              <a:latin typeface="Cambria Math" panose="02040503050406030204" pitchFamily="18" charset="0"/>
-                            </a:rPr>
-                            <m:t>𝑟</m:t>
-                          </m:r>
-                        </m:e>
-                        <m:sub>
-                          <m:r>
-                            <a:rPr sz="2400" i="1">
-                              <a:solidFill>
-                                <a:srgbClr val="000000"/>
-                              </a:solidFill>
-                              <a:latin typeface="Cambria Math" panose="02040503050406030204" pitchFamily="18" charset="0"/>
-                            </a:rPr>
-                            <m:t>𝑠</m:t>
-                          </m:r>
-                        </m:sub>
-                      </m:sSub>
-                      <m:r>
-                        <a:rPr sz="2400" i="1">
-                          <a:solidFill>
-                            <a:srgbClr val="000000"/>
-                          </a:solidFill>
-                          <a:latin typeface="Cambria Math" panose="02040503050406030204" pitchFamily="18" charset="0"/>
-                        </a:rPr>
-                        <m:t>)=</m:t>
+                        <m:t>=</m:t>
                       </m:r>
                       <m:f>
                         <m:fPr>
@@ -16879,7 +22655,7 @@
             <p:spPr>
               <a:xfrm>
                 <a:off x="1827755" y="4716616"/>
-                <a:ext cx="1957523" cy="756297"/>
+                <a:ext cx="1522661" cy="756297"/>
               </a:xfrm>
               <a:prstGeom prst="rect">
                 <a:avLst/>
@@ -16944,6 +22720,1131 @@
           </a:p>
         </p:txBody>
       </p:sp>
+      <mc:AlternateContent xmlns:mc="http://schemas.openxmlformats.org/markup-compatibility/2006" xmlns:a14="http://schemas.microsoft.com/office/drawing/2010/main">
+        <mc:Choice Requires="a14">
+          <p:sp>
+            <p:nvSpPr>
+              <p:cNvPr id="11" name="方程式">
+                <a:extLst>
+                  <a:ext uri="{FF2B5EF4-FFF2-40B4-BE49-F238E27FC236}">
+                    <a16:creationId xmlns:a16="http://schemas.microsoft.com/office/drawing/2014/main" id="{920E120A-A9BD-5BF7-B408-C8F0D314398E}"/>
+                  </a:ext>
+                </a:extLst>
+              </p:cNvPr>
+              <p:cNvSpPr txBox="1"/>
+              <p:nvPr/>
+            </p:nvSpPr>
+            <p:spPr>
+              <a:xfrm>
+                <a:off x="1827755" y="5693000"/>
+                <a:ext cx="6744667" cy="383951"/>
+              </a:xfrm>
+              <a:prstGeom prst="rect">
+                <a:avLst/>
+              </a:prstGeom>
+              <a:ln w="12700">
+                <a:miter lim="400000"/>
+              </a:ln>
+            </p:spPr>
+            <p:txBody>
+              <a:bodyPr wrap="none" lIns="0" tIns="0" rIns="0" bIns="0">
+                <a:spAutoFit/>
+              </a:bodyPr>
+              <a:lstStyle>
+                <a:defPPr marL="0" marR="0" indent="0" algn="l" defTabSz="914400" rtl="0" fontAlgn="auto" latinLnBrk="1" hangingPunct="0">
+                  <a:lnSpc>
+                    <a:spcPct val="100000"/>
+                  </a:lnSpc>
+                  <a:spcBef>
+                    <a:spcPts val="0"/>
+                  </a:spcBef>
+                  <a:spcAft>
+                    <a:spcPts val="0"/>
+                  </a:spcAft>
+                  <a:buClrTx/>
+                  <a:buSzTx/>
+                  <a:buFontTx/>
+                  <a:buNone/>
+                  <a:tabLst/>
+                  <a:defRPr kumimoji="0" sz="1800" b="0" i="0" u="none" strike="noStrike" cap="none" spc="0" normalizeH="0" baseline="0">
+                    <a:ln>
+                      <a:noFill/>
+                    </a:ln>
+                    <a:solidFill>
+                      <a:srgbClr val="000000"/>
+                    </a:solidFill>
+                    <a:effectLst/>
+                    <a:uFillTx/>
+                  </a:defRPr>
+                </a:defPPr>
+                <a:lvl1pPr marL="0" marR="0" indent="0" algn="ctr" defTabSz="821531" rtl="0" fontAlgn="auto" latinLnBrk="0" hangingPunct="0">
+                  <a:lnSpc>
+                    <a:spcPct val="100000"/>
+                  </a:lnSpc>
+                  <a:spcBef>
+                    <a:spcPts val="0"/>
+                  </a:spcBef>
+                  <a:spcAft>
+                    <a:spcPts val="0"/>
+                  </a:spcAft>
+                  <a:buClrTx/>
+                  <a:buSzTx/>
+                  <a:buFontTx/>
+                  <a:buNone/>
+                  <a:tabLst/>
+                  <a:defRPr kumimoji="0" sz="3200" b="0" i="0" u="none" strike="noStrike" cap="none" spc="0" normalizeH="0" baseline="0">
+                    <a:ln>
+                      <a:noFill/>
+                    </a:ln>
+                    <a:solidFill>
+                      <a:srgbClr val="000000"/>
+                    </a:solidFill>
+                    <a:effectLst/>
+                    <a:uFillTx/>
+                    <a:latin typeface="ヒラギノ角ゴ ProN W6"/>
+                    <a:ea typeface="ヒラギノ角ゴ ProN W6"/>
+                    <a:cs typeface="ヒラギノ角ゴ ProN W6"/>
+                    <a:sym typeface="ヒラギノ角ゴ ProN W6"/>
+                  </a:defRPr>
+                </a:lvl1pPr>
+                <a:lvl2pPr marL="0" marR="0" indent="228600" algn="ctr" defTabSz="821531" rtl="0" fontAlgn="auto" latinLnBrk="0" hangingPunct="0">
+                  <a:lnSpc>
+                    <a:spcPct val="100000"/>
+                  </a:lnSpc>
+                  <a:spcBef>
+                    <a:spcPts val="0"/>
+                  </a:spcBef>
+                  <a:spcAft>
+                    <a:spcPts val="0"/>
+                  </a:spcAft>
+                  <a:buClrTx/>
+                  <a:buSzTx/>
+                  <a:buFontTx/>
+                  <a:buNone/>
+                  <a:tabLst/>
+                  <a:defRPr kumimoji="0" sz="3200" b="0" i="0" u="none" strike="noStrike" cap="none" spc="0" normalizeH="0" baseline="0">
+                    <a:ln>
+                      <a:noFill/>
+                    </a:ln>
+                    <a:solidFill>
+                      <a:srgbClr val="000000"/>
+                    </a:solidFill>
+                    <a:effectLst/>
+                    <a:uFillTx/>
+                    <a:latin typeface="ヒラギノ角ゴ ProN W6"/>
+                    <a:ea typeface="ヒラギノ角ゴ ProN W6"/>
+                    <a:cs typeface="ヒラギノ角ゴ ProN W6"/>
+                    <a:sym typeface="ヒラギノ角ゴ ProN W6"/>
+                  </a:defRPr>
+                </a:lvl2pPr>
+                <a:lvl3pPr marL="0" marR="0" indent="457200" algn="ctr" defTabSz="821531" rtl="0" fontAlgn="auto" latinLnBrk="0" hangingPunct="0">
+                  <a:lnSpc>
+                    <a:spcPct val="100000"/>
+                  </a:lnSpc>
+                  <a:spcBef>
+                    <a:spcPts val="0"/>
+                  </a:spcBef>
+                  <a:spcAft>
+                    <a:spcPts val="0"/>
+                  </a:spcAft>
+                  <a:buClrTx/>
+                  <a:buSzTx/>
+                  <a:buFontTx/>
+                  <a:buNone/>
+                  <a:tabLst/>
+                  <a:defRPr kumimoji="0" sz="3200" b="0" i="0" u="none" strike="noStrike" cap="none" spc="0" normalizeH="0" baseline="0">
+                    <a:ln>
+                      <a:noFill/>
+                    </a:ln>
+                    <a:solidFill>
+                      <a:srgbClr val="000000"/>
+                    </a:solidFill>
+                    <a:effectLst/>
+                    <a:uFillTx/>
+                    <a:latin typeface="ヒラギノ角ゴ ProN W6"/>
+                    <a:ea typeface="ヒラギノ角ゴ ProN W6"/>
+                    <a:cs typeface="ヒラギノ角ゴ ProN W6"/>
+                    <a:sym typeface="ヒラギノ角ゴ ProN W6"/>
+                  </a:defRPr>
+                </a:lvl3pPr>
+                <a:lvl4pPr marL="0" marR="0" indent="685800" algn="ctr" defTabSz="821531" rtl="0" fontAlgn="auto" latinLnBrk="0" hangingPunct="0">
+                  <a:lnSpc>
+                    <a:spcPct val="100000"/>
+                  </a:lnSpc>
+                  <a:spcBef>
+                    <a:spcPts val="0"/>
+                  </a:spcBef>
+                  <a:spcAft>
+                    <a:spcPts val="0"/>
+                  </a:spcAft>
+                  <a:buClrTx/>
+                  <a:buSzTx/>
+                  <a:buFontTx/>
+                  <a:buNone/>
+                  <a:tabLst/>
+                  <a:defRPr kumimoji="0" sz="3200" b="0" i="0" u="none" strike="noStrike" cap="none" spc="0" normalizeH="0" baseline="0">
+                    <a:ln>
+                      <a:noFill/>
+                    </a:ln>
+                    <a:solidFill>
+                      <a:srgbClr val="000000"/>
+                    </a:solidFill>
+                    <a:effectLst/>
+                    <a:uFillTx/>
+                    <a:latin typeface="ヒラギノ角ゴ ProN W6"/>
+                    <a:ea typeface="ヒラギノ角ゴ ProN W6"/>
+                    <a:cs typeface="ヒラギノ角ゴ ProN W6"/>
+                    <a:sym typeface="ヒラギノ角ゴ ProN W6"/>
+                  </a:defRPr>
+                </a:lvl4pPr>
+                <a:lvl5pPr marL="0" marR="0" indent="914400" algn="ctr" defTabSz="821531" rtl="0" fontAlgn="auto" latinLnBrk="0" hangingPunct="0">
+                  <a:lnSpc>
+                    <a:spcPct val="100000"/>
+                  </a:lnSpc>
+                  <a:spcBef>
+                    <a:spcPts val="0"/>
+                  </a:spcBef>
+                  <a:spcAft>
+                    <a:spcPts val="0"/>
+                  </a:spcAft>
+                  <a:buClrTx/>
+                  <a:buSzTx/>
+                  <a:buFontTx/>
+                  <a:buNone/>
+                  <a:tabLst/>
+                  <a:defRPr kumimoji="0" sz="3200" b="0" i="0" u="none" strike="noStrike" cap="none" spc="0" normalizeH="0" baseline="0">
+                    <a:ln>
+                      <a:noFill/>
+                    </a:ln>
+                    <a:solidFill>
+                      <a:srgbClr val="000000"/>
+                    </a:solidFill>
+                    <a:effectLst/>
+                    <a:uFillTx/>
+                    <a:latin typeface="ヒラギノ角ゴ ProN W6"/>
+                    <a:ea typeface="ヒラギノ角ゴ ProN W6"/>
+                    <a:cs typeface="ヒラギノ角ゴ ProN W6"/>
+                    <a:sym typeface="ヒラギノ角ゴ ProN W6"/>
+                  </a:defRPr>
+                </a:lvl5pPr>
+                <a:lvl6pPr marL="0" marR="0" indent="1143000" algn="ctr" defTabSz="821531" rtl="0" fontAlgn="auto" latinLnBrk="0" hangingPunct="0">
+                  <a:lnSpc>
+                    <a:spcPct val="100000"/>
+                  </a:lnSpc>
+                  <a:spcBef>
+                    <a:spcPts val="0"/>
+                  </a:spcBef>
+                  <a:spcAft>
+                    <a:spcPts val="0"/>
+                  </a:spcAft>
+                  <a:buClrTx/>
+                  <a:buSzTx/>
+                  <a:buFontTx/>
+                  <a:buNone/>
+                  <a:tabLst/>
+                  <a:defRPr kumimoji="0" sz="3200" b="0" i="0" u="none" strike="noStrike" cap="none" spc="0" normalizeH="0" baseline="0">
+                    <a:ln>
+                      <a:noFill/>
+                    </a:ln>
+                    <a:solidFill>
+                      <a:srgbClr val="000000"/>
+                    </a:solidFill>
+                    <a:effectLst/>
+                    <a:uFillTx/>
+                    <a:latin typeface="ヒラギノ角ゴ ProN W6"/>
+                    <a:ea typeface="ヒラギノ角ゴ ProN W6"/>
+                    <a:cs typeface="ヒラギノ角ゴ ProN W6"/>
+                    <a:sym typeface="ヒラギノ角ゴ ProN W6"/>
+                  </a:defRPr>
+                </a:lvl6pPr>
+                <a:lvl7pPr marL="0" marR="0" indent="1371600" algn="ctr" defTabSz="821531" rtl="0" fontAlgn="auto" latinLnBrk="0" hangingPunct="0">
+                  <a:lnSpc>
+                    <a:spcPct val="100000"/>
+                  </a:lnSpc>
+                  <a:spcBef>
+                    <a:spcPts val="0"/>
+                  </a:spcBef>
+                  <a:spcAft>
+                    <a:spcPts val="0"/>
+                  </a:spcAft>
+                  <a:buClrTx/>
+                  <a:buSzTx/>
+                  <a:buFontTx/>
+                  <a:buNone/>
+                  <a:tabLst/>
+                  <a:defRPr kumimoji="0" sz="3200" b="0" i="0" u="none" strike="noStrike" cap="none" spc="0" normalizeH="0" baseline="0">
+                    <a:ln>
+                      <a:noFill/>
+                    </a:ln>
+                    <a:solidFill>
+                      <a:srgbClr val="000000"/>
+                    </a:solidFill>
+                    <a:effectLst/>
+                    <a:uFillTx/>
+                    <a:latin typeface="ヒラギノ角ゴ ProN W6"/>
+                    <a:ea typeface="ヒラギノ角ゴ ProN W6"/>
+                    <a:cs typeface="ヒラギノ角ゴ ProN W6"/>
+                    <a:sym typeface="ヒラギノ角ゴ ProN W6"/>
+                  </a:defRPr>
+                </a:lvl7pPr>
+                <a:lvl8pPr marL="0" marR="0" indent="1600200" algn="ctr" defTabSz="821531" rtl="0" fontAlgn="auto" latinLnBrk="0" hangingPunct="0">
+                  <a:lnSpc>
+                    <a:spcPct val="100000"/>
+                  </a:lnSpc>
+                  <a:spcBef>
+                    <a:spcPts val="0"/>
+                  </a:spcBef>
+                  <a:spcAft>
+                    <a:spcPts val="0"/>
+                  </a:spcAft>
+                  <a:buClrTx/>
+                  <a:buSzTx/>
+                  <a:buFontTx/>
+                  <a:buNone/>
+                  <a:tabLst/>
+                  <a:defRPr kumimoji="0" sz="3200" b="0" i="0" u="none" strike="noStrike" cap="none" spc="0" normalizeH="0" baseline="0">
+                    <a:ln>
+                      <a:noFill/>
+                    </a:ln>
+                    <a:solidFill>
+                      <a:srgbClr val="000000"/>
+                    </a:solidFill>
+                    <a:effectLst/>
+                    <a:uFillTx/>
+                    <a:latin typeface="ヒラギノ角ゴ ProN W6"/>
+                    <a:ea typeface="ヒラギノ角ゴ ProN W6"/>
+                    <a:cs typeface="ヒラギノ角ゴ ProN W6"/>
+                    <a:sym typeface="ヒラギノ角ゴ ProN W6"/>
+                  </a:defRPr>
+                </a:lvl8pPr>
+                <a:lvl9pPr marL="0" marR="0" indent="1828800" algn="ctr" defTabSz="821531" rtl="0" fontAlgn="auto" latinLnBrk="0" hangingPunct="0">
+                  <a:lnSpc>
+                    <a:spcPct val="100000"/>
+                  </a:lnSpc>
+                  <a:spcBef>
+                    <a:spcPts val="0"/>
+                  </a:spcBef>
+                  <a:spcAft>
+                    <a:spcPts val="0"/>
+                  </a:spcAft>
+                  <a:buClrTx/>
+                  <a:buSzTx/>
+                  <a:buFontTx/>
+                  <a:buNone/>
+                  <a:tabLst/>
+                  <a:defRPr kumimoji="0" sz="3200" b="0" i="0" u="none" strike="noStrike" cap="none" spc="0" normalizeH="0" baseline="0">
+                    <a:ln>
+                      <a:noFill/>
+                    </a:ln>
+                    <a:solidFill>
+                      <a:srgbClr val="000000"/>
+                    </a:solidFill>
+                    <a:effectLst/>
+                    <a:uFillTx/>
+                    <a:latin typeface="ヒラギノ角ゴ ProN W6"/>
+                    <a:ea typeface="ヒラギノ角ゴ ProN W6"/>
+                    <a:cs typeface="ヒラギノ角ゴ ProN W6"/>
+                    <a:sym typeface="ヒラギノ角ゴ ProN W6"/>
+                  </a:defRPr>
+                </a:lvl9pPr>
+              </a:lstStyle>
+              <a:p>
+                <a:pPr algn="l" defTabSz="914400" latinLnBrk="1">
+                  <a:defRPr sz="1800"/>
+                </a:pPr>
+                <a14:m>
+                  <m:oMathPara xmlns:m="http://schemas.openxmlformats.org/officeDocument/2006/math">
+                    <m:oMathParaPr>
+                      <m:jc m:val="centerGroup"/>
+                    </m:oMathParaPr>
+                    <m:oMath xmlns:m="http://schemas.openxmlformats.org/officeDocument/2006/math">
+                      <m:sSub>
+                        <m:sSubPr>
+                          <m:ctrlPr>
+                            <a:rPr lang="ar-AE" sz="2400" i="1" smtClean="0">
+                              <a:solidFill>
+                                <a:srgbClr val="000000"/>
+                              </a:solidFill>
+                              <a:latin typeface="Cambria Math" panose="02040503050406030204" pitchFamily="18" charset="0"/>
+                            </a:rPr>
+                          </m:ctrlPr>
+                        </m:sSubPr>
+                        <m:e>
+                          <m:r>
+                            <a:rPr lang="ar-AE" sz="2400" i="1">
+                              <a:solidFill>
+                                <a:srgbClr val="000000"/>
+                              </a:solidFill>
+                              <a:latin typeface="Cambria Math" panose="02040503050406030204" pitchFamily="18" charset="0"/>
+                            </a:rPr>
+                            <m:t>𝑟</m:t>
+                          </m:r>
+                        </m:e>
+                        <m:sub>
+                          <m:r>
+                            <a:rPr lang="ar-AE" sz="2400" b="0" i="1" smtClean="0">
+                              <a:solidFill>
+                                <a:srgbClr val="000000"/>
+                              </a:solidFill>
+                              <a:latin typeface="Cambria Math" panose="02040503050406030204" pitchFamily="18" charset="0"/>
+                            </a:rPr>
+                            <m:t>𝑑</m:t>
+                          </m:r>
+                        </m:sub>
+                      </m:sSub>
+                      <m:r>
+                        <a:rPr lang="en-US" sz="2400" b="0" i="1" smtClean="0">
+                          <a:solidFill>
+                            <a:srgbClr val="000000"/>
+                          </a:solidFill>
+                          <a:latin typeface="Cambria Math" panose="02040503050406030204" pitchFamily="18" charset="0"/>
+                        </a:rPr>
+                        <m:t>=−</m:t>
+                      </m:r>
+                      <m:r>
+                        <a:rPr lang="en-US" sz="2400" b="0" i="1" smtClean="0">
+                          <a:solidFill>
+                            <a:srgbClr val="000000"/>
+                          </a:solidFill>
+                          <a:latin typeface="Cambria Math" panose="02040503050406030204" pitchFamily="18" charset="0"/>
+                        </a:rPr>
+                        <m:t>1</m:t>
+                      </m:r>
+                      <m:r>
+                        <a:rPr lang="en-US" sz="2400" b="0" i="1" smtClean="0">
+                          <a:solidFill>
+                            <a:srgbClr val="000000"/>
+                          </a:solidFill>
+                          <a:latin typeface="Cambria Math" panose="02040503050406030204" pitchFamily="18" charset="0"/>
+                        </a:rPr>
+                        <m:t>.</m:t>
+                      </m:r>
+                      <m:r>
+                        <a:rPr lang="en-US" sz="2400" b="0" i="1" smtClean="0">
+                          <a:solidFill>
+                            <a:srgbClr val="000000"/>
+                          </a:solidFill>
+                          <a:latin typeface="Cambria Math" panose="02040503050406030204" pitchFamily="18" charset="0"/>
+                        </a:rPr>
+                        <m:t>440</m:t>
+                      </m:r>
+                      <m:sSubSup>
+                        <m:sSubSupPr>
+                          <m:ctrlPr>
+                            <a:rPr lang="en-US" altLang="ja-JP" sz="2400" b="0" i="1" smtClean="0">
+                              <a:solidFill>
+                                <a:srgbClr val="000000"/>
+                              </a:solidFill>
+                              <a:latin typeface="Cambria Math" panose="02040503050406030204" pitchFamily="18" charset="0"/>
+                            </a:rPr>
+                          </m:ctrlPr>
+                        </m:sSubSupPr>
+                        <m:e>
+                          <m:r>
+                            <a:rPr lang="en-US" altLang="ja-JP" sz="2400" b="0" i="1" smtClean="0">
+                              <a:solidFill>
+                                <a:srgbClr val="000000"/>
+                              </a:solidFill>
+                              <a:latin typeface="Cambria Math" panose="02040503050406030204" pitchFamily="18" charset="0"/>
+                            </a:rPr>
+                            <m:t>𝑛</m:t>
+                          </m:r>
+                        </m:e>
+                        <m:sub>
+                          <m:r>
+                            <a:rPr lang="en-US" altLang="ja-JP" sz="2400" b="0" i="1" smtClean="0">
+                              <a:solidFill>
+                                <a:srgbClr val="000000"/>
+                              </a:solidFill>
+                              <a:latin typeface="Cambria Math" panose="02040503050406030204" pitchFamily="18" charset="0"/>
+                            </a:rPr>
+                            <m:t>𝑟𝑒𝑙</m:t>
+                          </m:r>
+                        </m:sub>
+                        <m:sup>
+                          <m:r>
+                            <a:rPr lang="en-US" altLang="ja-JP" sz="2400" b="0" i="1" smtClean="0">
+                              <a:solidFill>
+                                <a:srgbClr val="000000"/>
+                              </a:solidFill>
+                              <a:latin typeface="Cambria Math" panose="02040503050406030204" pitchFamily="18" charset="0"/>
+                            </a:rPr>
+                            <m:t>−</m:t>
+                          </m:r>
+                          <m:r>
+                            <a:rPr lang="en-US" altLang="ja-JP" sz="2400" b="0" i="1" smtClean="0">
+                              <a:solidFill>
+                                <a:srgbClr val="000000"/>
+                              </a:solidFill>
+                              <a:latin typeface="Cambria Math" panose="02040503050406030204" pitchFamily="18" charset="0"/>
+                            </a:rPr>
+                            <m:t>2</m:t>
+                          </m:r>
+                        </m:sup>
+                      </m:sSubSup>
+                      <m:r>
+                        <a:rPr lang="en-US" altLang="ja-JP" sz="2400" b="0" i="1" smtClean="0">
+                          <a:solidFill>
+                            <a:srgbClr val="000000"/>
+                          </a:solidFill>
+                          <a:latin typeface="Cambria Math" panose="02040503050406030204" pitchFamily="18" charset="0"/>
+                        </a:rPr>
+                        <m:t>+</m:t>
+                      </m:r>
+                      <m:r>
+                        <a:rPr lang="en-US" altLang="ja-JP" sz="2400" b="0" i="1" smtClean="0">
+                          <a:solidFill>
+                            <a:srgbClr val="000000"/>
+                          </a:solidFill>
+                          <a:latin typeface="Cambria Math" panose="02040503050406030204" pitchFamily="18" charset="0"/>
+                        </a:rPr>
+                        <m:t>0</m:t>
+                      </m:r>
+                      <m:r>
+                        <a:rPr lang="en-US" altLang="ja-JP" sz="2400" b="0" i="1" smtClean="0">
+                          <a:solidFill>
+                            <a:srgbClr val="000000"/>
+                          </a:solidFill>
+                          <a:latin typeface="Cambria Math" panose="02040503050406030204" pitchFamily="18" charset="0"/>
+                        </a:rPr>
+                        <m:t>.</m:t>
+                      </m:r>
+                      <m:r>
+                        <a:rPr lang="en-US" altLang="ja-JP" sz="2400" b="0" i="1" smtClean="0">
+                          <a:solidFill>
+                            <a:srgbClr val="000000"/>
+                          </a:solidFill>
+                          <a:latin typeface="Cambria Math" panose="02040503050406030204" pitchFamily="18" charset="0"/>
+                        </a:rPr>
+                        <m:t>710</m:t>
+                      </m:r>
+                      <m:sSubSup>
+                        <m:sSubSupPr>
+                          <m:ctrlPr>
+                            <a:rPr lang="en-US" altLang="ja-JP" sz="2400" i="1">
+                              <a:latin typeface="Cambria Math" panose="02040503050406030204" pitchFamily="18" charset="0"/>
+                            </a:rPr>
+                          </m:ctrlPr>
+                        </m:sSubSupPr>
+                        <m:e>
+                          <m:r>
+                            <a:rPr lang="en-US" altLang="ja-JP" sz="2400" i="1">
+                              <a:latin typeface="Cambria Math" panose="02040503050406030204" pitchFamily="18" charset="0"/>
+                            </a:rPr>
+                            <m:t>𝑛</m:t>
+                          </m:r>
+                        </m:e>
+                        <m:sub>
+                          <m:r>
+                            <a:rPr lang="en-US" altLang="ja-JP" sz="2400" i="1">
+                              <a:latin typeface="Cambria Math" panose="02040503050406030204" pitchFamily="18" charset="0"/>
+                            </a:rPr>
+                            <m:t>𝑟𝑒𝑙</m:t>
+                          </m:r>
+                        </m:sub>
+                        <m:sup>
+                          <m:r>
+                            <a:rPr lang="en-US" altLang="ja-JP" sz="2400" i="1">
+                              <a:latin typeface="Cambria Math" panose="02040503050406030204" pitchFamily="18" charset="0"/>
+                            </a:rPr>
+                            <m:t>−</m:t>
+                          </m:r>
+                          <m:r>
+                            <a:rPr lang="en-US" altLang="ja-JP" sz="2400" b="0" i="1" smtClean="0">
+                              <a:latin typeface="Cambria Math" panose="02040503050406030204" pitchFamily="18" charset="0"/>
+                            </a:rPr>
+                            <m:t>1</m:t>
+                          </m:r>
+                        </m:sup>
+                      </m:sSubSup>
+                      <m:r>
+                        <a:rPr lang="en-US" altLang="ja-JP" sz="2400" b="0" i="1" smtClean="0">
+                          <a:latin typeface="Cambria Math" panose="02040503050406030204" pitchFamily="18" charset="0"/>
+                        </a:rPr>
+                        <m:t>+</m:t>
+                      </m:r>
+                      <m:r>
+                        <a:rPr lang="en-US" altLang="ja-JP" sz="2400" b="0" i="1" smtClean="0">
+                          <a:latin typeface="Cambria Math" panose="02040503050406030204" pitchFamily="18" charset="0"/>
+                        </a:rPr>
+                        <m:t>0</m:t>
+                      </m:r>
+                      <m:r>
+                        <a:rPr lang="en-US" altLang="ja-JP" sz="2400" b="0" i="1" smtClean="0">
+                          <a:latin typeface="Cambria Math" panose="02040503050406030204" pitchFamily="18" charset="0"/>
+                        </a:rPr>
+                        <m:t>.</m:t>
+                      </m:r>
+                      <m:r>
+                        <a:rPr lang="en-US" altLang="ja-JP" sz="2400" b="0" i="1" smtClean="0">
+                          <a:latin typeface="Cambria Math" panose="02040503050406030204" pitchFamily="18" charset="0"/>
+                        </a:rPr>
+                        <m:t>668</m:t>
+                      </m:r>
+                      <m:r>
+                        <a:rPr lang="en-US" altLang="ja-JP" sz="2400" b="0" i="1" smtClean="0">
+                          <a:latin typeface="Cambria Math" panose="02040503050406030204" pitchFamily="18" charset="0"/>
+                        </a:rPr>
+                        <m:t>+</m:t>
+                      </m:r>
+                      <m:r>
+                        <a:rPr lang="en-US" altLang="ja-JP" sz="2400" b="0" i="1" smtClean="0">
+                          <a:latin typeface="Cambria Math" panose="02040503050406030204" pitchFamily="18" charset="0"/>
+                        </a:rPr>
+                        <m:t>0</m:t>
+                      </m:r>
+                      <m:r>
+                        <a:rPr lang="en-US" altLang="ja-JP" sz="2400" b="0" i="1" smtClean="0">
+                          <a:latin typeface="Cambria Math" panose="02040503050406030204" pitchFamily="18" charset="0"/>
+                        </a:rPr>
+                        <m:t>.</m:t>
+                      </m:r>
+                      <m:r>
+                        <a:rPr lang="en-US" altLang="ja-JP" sz="2400" b="0" i="1" smtClean="0">
+                          <a:latin typeface="Cambria Math" panose="02040503050406030204" pitchFamily="18" charset="0"/>
+                        </a:rPr>
+                        <m:t>0636</m:t>
+                      </m:r>
+                      <m:sSub>
+                        <m:sSubPr>
+                          <m:ctrlPr>
+                            <a:rPr lang="en-US" altLang="ja-JP" sz="2400" b="0" i="1" smtClean="0">
+                              <a:latin typeface="Cambria Math" panose="02040503050406030204" pitchFamily="18" charset="0"/>
+                            </a:rPr>
+                          </m:ctrlPr>
+                        </m:sSubPr>
+                        <m:e>
+                          <m:r>
+                            <a:rPr lang="en-US" altLang="ja-JP" sz="2400" b="0" i="1" smtClean="0">
+                              <a:latin typeface="Cambria Math" panose="02040503050406030204" pitchFamily="18" charset="0"/>
+                            </a:rPr>
+                            <m:t>𝑛</m:t>
+                          </m:r>
+                        </m:e>
+                        <m:sub>
+                          <m:r>
+                            <a:rPr lang="en-US" altLang="ja-JP" sz="2400" b="0" i="1" smtClean="0">
+                              <a:latin typeface="Cambria Math" panose="02040503050406030204" pitchFamily="18" charset="0"/>
+                            </a:rPr>
+                            <m:t>𝑟𝑒𝑙</m:t>
+                          </m:r>
+                        </m:sub>
+                      </m:sSub>
+                    </m:oMath>
+                  </m:oMathPara>
+                </a14:m>
+                <a:endParaRPr sz="2400" dirty="0"/>
+              </a:p>
+            </p:txBody>
+          </p:sp>
+        </mc:Choice>
+        <mc:Fallback xmlns="">
+          <p:sp>
+            <p:nvSpPr>
+              <p:cNvPr id="11" name="方程式">
+                <a:extLst>
+                  <a:ext uri="{FF2B5EF4-FFF2-40B4-BE49-F238E27FC236}">
+                    <a16:creationId xmlns:a16="http://schemas.microsoft.com/office/drawing/2014/main" id="{920E120A-A9BD-5BF7-B408-C8F0D314398E}"/>
+                  </a:ext>
+                </a:extLst>
+              </p:cNvPr>
+              <p:cNvSpPr txBox="1">
+                <a:spLocks noRot="1" noChangeAspect="1" noMove="1" noResize="1" noEditPoints="1" noAdjustHandles="1" noChangeArrowheads="1" noChangeShapeType="1" noTextEdit="1"/>
+              </p:cNvSpPr>
+              <p:nvPr/>
+            </p:nvSpPr>
+            <p:spPr>
+              <a:xfrm>
+                <a:off x="1827755" y="5693000"/>
+                <a:ext cx="6744667" cy="383951"/>
+              </a:xfrm>
+              <a:prstGeom prst="rect">
+                <a:avLst/>
+              </a:prstGeom>
+              <a:blipFill>
+                <a:blip r:embed="rId6"/>
+                <a:stretch>
+                  <a:fillRect l="-271" r="-90" b="-17460"/>
+                </a:stretch>
+              </a:blipFill>
+              <a:ln w="12700">
+                <a:miter lim="400000"/>
+              </a:ln>
+            </p:spPr>
+            <p:txBody>
+              <a:bodyPr/>
+              <a:lstStyle/>
+              <a:p>
+                <a:r>
+                  <a:rPr lang="ja-JP" altLang="en-US">
+                    <a:noFill/>
+                  </a:rPr>
+                  <a:t> </a:t>
+                </a:r>
+              </a:p>
+            </p:txBody>
+          </p:sp>
+        </mc:Fallback>
+      </mc:AlternateContent>
+      <p:sp>
+        <p:nvSpPr>
+          <p:cNvPr id="12" name="テキスト ボックス 11">
+            <a:extLst>
+              <a:ext uri="{FF2B5EF4-FFF2-40B4-BE49-F238E27FC236}">
+                <a16:creationId xmlns:a16="http://schemas.microsoft.com/office/drawing/2014/main" id="{7037298B-AE9C-E597-C750-AA22C6FD9D04}"/>
+              </a:ext>
+            </a:extLst>
+          </p:cNvPr>
+          <p:cNvSpPr txBox="1"/>
+          <p:nvPr/>
+        </p:nvSpPr>
+        <p:spPr>
+          <a:xfrm>
+            <a:off x="475988" y="5725169"/>
+            <a:ext cx="1351767" cy="646331"/>
+          </a:xfrm>
+          <a:prstGeom prst="rect">
+            <a:avLst/>
+          </a:prstGeom>
+          <a:noFill/>
+        </p:spPr>
+        <p:txBody>
+          <a:bodyPr wrap="square" rtlCol="0">
+            <a:spAutoFit/>
+          </a:bodyPr>
+          <a:lstStyle/>
+          <a:p>
+            <a:r>
+              <a:rPr kumimoji="1" lang="ja-JP" altLang="en-US" dirty="0"/>
+              <a:t>界面での内部反射率</a:t>
+            </a:r>
+          </a:p>
+        </p:txBody>
+      </p:sp>
+      <mc:AlternateContent xmlns:mc="http://schemas.openxmlformats.org/markup-compatibility/2006">
+        <mc:Choice xmlns:a14="http://schemas.microsoft.com/office/drawing/2010/main" Requires="a14">
+          <p:sp>
+            <p:nvSpPr>
+              <p:cNvPr id="13" name="方程式">
+                <a:extLst>
+                  <a:ext uri="{FF2B5EF4-FFF2-40B4-BE49-F238E27FC236}">
+                    <a16:creationId xmlns:a16="http://schemas.microsoft.com/office/drawing/2014/main" id="{8DD604E2-6D03-201E-A165-E6237A769401}"/>
+                  </a:ext>
+                </a:extLst>
+              </p:cNvPr>
+              <p:cNvSpPr txBox="1"/>
+              <p:nvPr/>
+            </p:nvSpPr>
+            <p:spPr>
+              <a:xfrm>
+                <a:off x="1832179" y="6297038"/>
+                <a:ext cx="2054665" cy="369332"/>
+              </a:xfrm>
+              <a:prstGeom prst="rect">
+                <a:avLst/>
+              </a:prstGeom>
+              <a:ln w="12700">
+                <a:miter lim="400000"/>
+              </a:ln>
+            </p:spPr>
+            <p:txBody>
+              <a:bodyPr wrap="none" lIns="0" tIns="0" rIns="0" bIns="0">
+                <a:spAutoFit/>
+              </a:bodyPr>
+              <a:lstStyle>
+                <a:defPPr marL="0" marR="0" indent="0" algn="l" defTabSz="914400" rtl="0" fontAlgn="auto" latinLnBrk="1" hangingPunct="0">
+                  <a:lnSpc>
+                    <a:spcPct val="100000"/>
+                  </a:lnSpc>
+                  <a:spcBef>
+                    <a:spcPts val="0"/>
+                  </a:spcBef>
+                  <a:spcAft>
+                    <a:spcPts val="0"/>
+                  </a:spcAft>
+                  <a:buClrTx/>
+                  <a:buSzTx/>
+                  <a:buFontTx/>
+                  <a:buNone/>
+                  <a:tabLst/>
+                  <a:defRPr kumimoji="0" sz="1800" b="0" i="0" u="none" strike="noStrike" cap="none" spc="0" normalizeH="0" baseline="0">
+                    <a:ln>
+                      <a:noFill/>
+                    </a:ln>
+                    <a:solidFill>
+                      <a:srgbClr val="000000"/>
+                    </a:solidFill>
+                    <a:effectLst/>
+                    <a:uFillTx/>
+                  </a:defRPr>
+                </a:defPPr>
+                <a:lvl1pPr marL="0" marR="0" indent="0" algn="ctr" defTabSz="821531" rtl="0" fontAlgn="auto" latinLnBrk="0" hangingPunct="0">
+                  <a:lnSpc>
+                    <a:spcPct val="100000"/>
+                  </a:lnSpc>
+                  <a:spcBef>
+                    <a:spcPts val="0"/>
+                  </a:spcBef>
+                  <a:spcAft>
+                    <a:spcPts val="0"/>
+                  </a:spcAft>
+                  <a:buClrTx/>
+                  <a:buSzTx/>
+                  <a:buFontTx/>
+                  <a:buNone/>
+                  <a:tabLst/>
+                  <a:defRPr kumimoji="0" sz="3200" b="0" i="0" u="none" strike="noStrike" cap="none" spc="0" normalizeH="0" baseline="0">
+                    <a:ln>
+                      <a:noFill/>
+                    </a:ln>
+                    <a:solidFill>
+                      <a:srgbClr val="000000"/>
+                    </a:solidFill>
+                    <a:effectLst/>
+                    <a:uFillTx/>
+                    <a:latin typeface="ヒラギノ角ゴ ProN W6"/>
+                    <a:ea typeface="ヒラギノ角ゴ ProN W6"/>
+                    <a:cs typeface="ヒラギノ角ゴ ProN W6"/>
+                    <a:sym typeface="ヒラギノ角ゴ ProN W6"/>
+                  </a:defRPr>
+                </a:lvl1pPr>
+                <a:lvl2pPr marL="0" marR="0" indent="228600" algn="ctr" defTabSz="821531" rtl="0" fontAlgn="auto" latinLnBrk="0" hangingPunct="0">
+                  <a:lnSpc>
+                    <a:spcPct val="100000"/>
+                  </a:lnSpc>
+                  <a:spcBef>
+                    <a:spcPts val="0"/>
+                  </a:spcBef>
+                  <a:spcAft>
+                    <a:spcPts val="0"/>
+                  </a:spcAft>
+                  <a:buClrTx/>
+                  <a:buSzTx/>
+                  <a:buFontTx/>
+                  <a:buNone/>
+                  <a:tabLst/>
+                  <a:defRPr kumimoji="0" sz="3200" b="0" i="0" u="none" strike="noStrike" cap="none" spc="0" normalizeH="0" baseline="0">
+                    <a:ln>
+                      <a:noFill/>
+                    </a:ln>
+                    <a:solidFill>
+                      <a:srgbClr val="000000"/>
+                    </a:solidFill>
+                    <a:effectLst/>
+                    <a:uFillTx/>
+                    <a:latin typeface="ヒラギノ角ゴ ProN W6"/>
+                    <a:ea typeface="ヒラギノ角ゴ ProN W6"/>
+                    <a:cs typeface="ヒラギノ角ゴ ProN W6"/>
+                    <a:sym typeface="ヒラギノ角ゴ ProN W6"/>
+                  </a:defRPr>
+                </a:lvl2pPr>
+                <a:lvl3pPr marL="0" marR="0" indent="457200" algn="ctr" defTabSz="821531" rtl="0" fontAlgn="auto" latinLnBrk="0" hangingPunct="0">
+                  <a:lnSpc>
+                    <a:spcPct val="100000"/>
+                  </a:lnSpc>
+                  <a:spcBef>
+                    <a:spcPts val="0"/>
+                  </a:spcBef>
+                  <a:spcAft>
+                    <a:spcPts val="0"/>
+                  </a:spcAft>
+                  <a:buClrTx/>
+                  <a:buSzTx/>
+                  <a:buFontTx/>
+                  <a:buNone/>
+                  <a:tabLst/>
+                  <a:defRPr kumimoji="0" sz="3200" b="0" i="0" u="none" strike="noStrike" cap="none" spc="0" normalizeH="0" baseline="0">
+                    <a:ln>
+                      <a:noFill/>
+                    </a:ln>
+                    <a:solidFill>
+                      <a:srgbClr val="000000"/>
+                    </a:solidFill>
+                    <a:effectLst/>
+                    <a:uFillTx/>
+                    <a:latin typeface="ヒラギノ角ゴ ProN W6"/>
+                    <a:ea typeface="ヒラギノ角ゴ ProN W6"/>
+                    <a:cs typeface="ヒラギノ角ゴ ProN W6"/>
+                    <a:sym typeface="ヒラギノ角ゴ ProN W6"/>
+                  </a:defRPr>
+                </a:lvl3pPr>
+                <a:lvl4pPr marL="0" marR="0" indent="685800" algn="ctr" defTabSz="821531" rtl="0" fontAlgn="auto" latinLnBrk="0" hangingPunct="0">
+                  <a:lnSpc>
+                    <a:spcPct val="100000"/>
+                  </a:lnSpc>
+                  <a:spcBef>
+                    <a:spcPts val="0"/>
+                  </a:spcBef>
+                  <a:spcAft>
+                    <a:spcPts val="0"/>
+                  </a:spcAft>
+                  <a:buClrTx/>
+                  <a:buSzTx/>
+                  <a:buFontTx/>
+                  <a:buNone/>
+                  <a:tabLst/>
+                  <a:defRPr kumimoji="0" sz="3200" b="0" i="0" u="none" strike="noStrike" cap="none" spc="0" normalizeH="0" baseline="0">
+                    <a:ln>
+                      <a:noFill/>
+                    </a:ln>
+                    <a:solidFill>
+                      <a:srgbClr val="000000"/>
+                    </a:solidFill>
+                    <a:effectLst/>
+                    <a:uFillTx/>
+                    <a:latin typeface="ヒラギノ角ゴ ProN W6"/>
+                    <a:ea typeface="ヒラギノ角ゴ ProN W6"/>
+                    <a:cs typeface="ヒラギノ角ゴ ProN W6"/>
+                    <a:sym typeface="ヒラギノ角ゴ ProN W6"/>
+                  </a:defRPr>
+                </a:lvl4pPr>
+                <a:lvl5pPr marL="0" marR="0" indent="914400" algn="ctr" defTabSz="821531" rtl="0" fontAlgn="auto" latinLnBrk="0" hangingPunct="0">
+                  <a:lnSpc>
+                    <a:spcPct val="100000"/>
+                  </a:lnSpc>
+                  <a:spcBef>
+                    <a:spcPts val="0"/>
+                  </a:spcBef>
+                  <a:spcAft>
+                    <a:spcPts val="0"/>
+                  </a:spcAft>
+                  <a:buClrTx/>
+                  <a:buSzTx/>
+                  <a:buFontTx/>
+                  <a:buNone/>
+                  <a:tabLst/>
+                  <a:defRPr kumimoji="0" sz="3200" b="0" i="0" u="none" strike="noStrike" cap="none" spc="0" normalizeH="0" baseline="0">
+                    <a:ln>
+                      <a:noFill/>
+                    </a:ln>
+                    <a:solidFill>
+                      <a:srgbClr val="000000"/>
+                    </a:solidFill>
+                    <a:effectLst/>
+                    <a:uFillTx/>
+                    <a:latin typeface="ヒラギノ角ゴ ProN W6"/>
+                    <a:ea typeface="ヒラギノ角ゴ ProN W6"/>
+                    <a:cs typeface="ヒラギノ角ゴ ProN W6"/>
+                    <a:sym typeface="ヒラギノ角ゴ ProN W6"/>
+                  </a:defRPr>
+                </a:lvl5pPr>
+                <a:lvl6pPr marL="0" marR="0" indent="1143000" algn="ctr" defTabSz="821531" rtl="0" fontAlgn="auto" latinLnBrk="0" hangingPunct="0">
+                  <a:lnSpc>
+                    <a:spcPct val="100000"/>
+                  </a:lnSpc>
+                  <a:spcBef>
+                    <a:spcPts val="0"/>
+                  </a:spcBef>
+                  <a:spcAft>
+                    <a:spcPts val="0"/>
+                  </a:spcAft>
+                  <a:buClrTx/>
+                  <a:buSzTx/>
+                  <a:buFontTx/>
+                  <a:buNone/>
+                  <a:tabLst/>
+                  <a:defRPr kumimoji="0" sz="3200" b="0" i="0" u="none" strike="noStrike" cap="none" spc="0" normalizeH="0" baseline="0">
+                    <a:ln>
+                      <a:noFill/>
+                    </a:ln>
+                    <a:solidFill>
+                      <a:srgbClr val="000000"/>
+                    </a:solidFill>
+                    <a:effectLst/>
+                    <a:uFillTx/>
+                    <a:latin typeface="ヒラギノ角ゴ ProN W6"/>
+                    <a:ea typeface="ヒラギノ角ゴ ProN W6"/>
+                    <a:cs typeface="ヒラギノ角ゴ ProN W6"/>
+                    <a:sym typeface="ヒラギノ角ゴ ProN W6"/>
+                  </a:defRPr>
+                </a:lvl6pPr>
+                <a:lvl7pPr marL="0" marR="0" indent="1371600" algn="ctr" defTabSz="821531" rtl="0" fontAlgn="auto" latinLnBrk="0" hangingPunct="0">
+                  <a:lnSpc>
+                    <a:spcPct val="100000"/>
+                  </a:lnSpc>
+                  <a:spcBef>
+                    <a:spcPts val="0"/>
+                  </a:spcBef>
+                  <a:spcAft>
+                    <a:spcPts val="0"/>
+                  </a:spcAft>
+                  <a:buClrTx/>
+                  <a:buSzTx/>
+                  <a:buFontTx/>
+                  <a:buNone/>
+                  <a:tabLst/>
+                  <a:defRPr kumimoji="0" sz="3200" b="0" i="0" u="none" strike="noStrike" cap="none" spc="0" normalizeH="0" baseline="0">
+                    <a:ln>
+                      <a:noFill/>
+                    </a:ln>
+                    <a:solidFill>
+                      <a:srgbClr val="000000"/>
+                    </a:solidFill>
+                    <a:effectLst/>
+                    <a:uFillTx/>
+                    <a:latin typeface="ヒラギノ角ゴ ProN W6"/>
+                    <a:ea typeface="ヒラギノ角ゴ ProN W6"/>
+                    <a:cs typeface="ヒラギノ角ゴ ProN W6"/>
+                    <a:sym typeface="ヒラギノ角ゴ ProN W6"/>
+                  </a:defRPr>
+                </a:lvl7pPr>
+                <a:lvl8pPr marL="0" marR="0" indent="1600200" algn="ctr" defTabSz="821531" rtl="0" fontAlgn="auto" latinLnBrk="0" hangingPunct="0">
+                  <a:lnSpc>
+                    <a:spcPct val="100000"/>
+                  </a:lnSpc>
+                  <a:spcBef>
+                    <a:spcPts val="0"/>
+                  </a:spcBef>
+                  <a:spcAft>
+                    <a:spcPts val="0"/>
+                  </a:spcAft>
+                  <a:buClrTx/>
+                  <a:buSzTx/>
+                  <a:buFontTx/>
+                  <a:buNone/>
+                  <a:tabLst/>
+                  <a:defRPr kumimoji="0" sz="3200" b="0" i="0" u="none" strike="noStrike" cap="none" spc="0" normalizeH="0" baseline="0">
+                    <a:ln>
+                      <a:noFill/>
+                    </a:ln>
+                    <a:solidFill>
+                      <a:srgbClr val="000000"/>
+                    </a:solidFill>
+                    <a:effectLst/>
+                    <a:uFillTx/>
+                    <a:latin typeface="ヒラギノ角ゴ ProN W6"/>
+                    <a:ea typeface="ヒラギノ角ゴ ProN W6"/>
+                    <a:cs typeface="ヒラギノ角ゴ ProN W6"/>
+                    <a:sym typeface="ヒラギノ角ゴ ProN W6"/>
+                  </a:defRPr>
+                </a:lvl8pPr>
+                <a:lvl9pPr marL="0" marR="0" indent="1828800" algn="ctr" defTabSz="821531" rtl="0" fontAlgn="auto" latinLnBrk="0" hangingPunct="0">
+                  <a:lnSpc>
+                    <a:spcPct val="100000"/>
+                  </a:lnSpc>
+                  <a:spcBef>
+                    <a:spcPts val="0"/>
+                  </a:spcBef>
+                  <a:spcAft>
+                    <a:spcPts val="0"/>
+                  </a:spcAft>
+                  <a:buClrTx/>
+                  <a:buSzTx/>
+                  <a:buFontTx/>
+                  <a:buNone/>
+                  <a:tabLst/>
+                  <a:defRPr kumimoji="0" sz="3200" b="0" i="0" u="none" strike="noStrike" cap="none" spc="0" normalizeH="0" baseline="0">
+                    <a:ln>
+                      <a:noFill/>
+                    </a:ln>
+                    <a:solidFill>
+                      <a:srgbClr val="000000"/>
+                    </a:solidFill>
+                    <a:effectLst/>
+                    <a:uFillTx/>
+                    <a:latin typeface="ヒラギノ角ゴ ProN W6"/>
+                    <a:ea typeface="ヒラギノ角ゴ ProN W6"/>
+                    <a:cs typeface="ヒラギノ角ゴ ProN W6"/>
+                    <a:sym typeface="ヒラギノ角ゴ ProN W6"/>
+                  </a:defRPr>
+                </a:lvl9pPr>
+              </a:lstStyle>
+              <a:p>
+                <a:pPr algn="l" defTabSz="914400" latinLnBrk="1">
+                  <a:defRPr sz="1800"/>
+                </a:pPr>
+                <a14:m>
+                  <m:oMath xmlns:m="http://schemas.openxmlformats.org/officeDocument/2006/math">
+                    <m:sSub>
+                      <m:sSubPr>
+                        <m:ctrlPr>
+                          <a:rPr lang="en-US" altLang="ja-JP" sz="2400" b="0" i="1" smtClean="0">
+                            <a:latin typeface="Cambria Math" panose="02040503050406030204" pitchFamily="18" charset="0"/>
+                          </a:rPr>
+                        </m:ctrlPr>
+                      </m:sSubPr>
+                      <m:e>
+                        <m:r>
+                          <a:rPr lang="en-US" altLang="ja-JP" sz="2400" b="0" i="1" smtClean="0">
+                            <a:latin typeface="Cambria Math" panose="02040503050406030204" pitchFamily="18" charset="0"/>
+                          </a:rPr>
+                          <m:t>𝑛</m:t>
+                        </m:r>
+                      </m:e>
+                      <m:sub>
+                        <m:r>
+                          <a:rPr lang="en-US" altLang="ja-JP" sz="2400" b="0" i="1" smtClean="0">
+                            <a:latin typeface="Cambria Math" panose="02040503050406030204" pitchFamily="18" charset="0"/>
+                          </a:rPr>
+                          <m:t>𝑟𝑒𝑙</m:t>
+                        </m:r>
+                      </m:sub>
+                    </m:sSub>
+                    <m:r>
+                      <a:rPr lang="ja-JP" altLang="en-US" sz="2400" i="1">
+                        <a:latin typeface="Cambria Math" panose="02040503050406030204" pitchFamily="18" charset="0"/>
+                      </a:rPr>
+                      <m:t>は</m:t>
+                    </m:r>
+                  </m:oMath>
+                </a14:m>
+                <a:r>
+                  <a:rPr lang="ja-JP" altLang="en-US" sz="2400" dirty="0"/>
+                  <a:t>屈折率比</a:t>
+                </a:r>
+                <a:endParaRPr lang="en-US" sz="2400" dirty="0"/>
+              </a:p>
+            </p:txBody>
+          </p:sp>
+        </mc:Choice>
+        <mc:Fallback>
+          <p:sp>
+            <p:nvSpPr>
+              <p:cNvPr id="13" name="方程式">
+                <a:extLst>
+                  <a:ext uri="{FF2B5EF4-FFF2-40B4-BE49-F238E27FC236}">
+                    <a16:creationId xmlns:a16="http://schemas.microsoft.com/office/drawing/2014/main" id="{8DD604E2-6D03-201E-A165-E6237A769401}"/>
+                  </a:ext>
+                </a:extLst>
+              </p:cNvPr>
+              <p:cNvSpPr txBox="1">
+                <a:spLocks noRot="1" noChangeAspect="1" noMove="1" noResize="1" noEditPoints="1" noAdjustHandles="1" noChangeArrowheads="1" noChangeShapeType="1" noTextEdit="1"/>
+              </p:cNvSpPr>
+              <p:nvPr/>
+            </p:nvSpPr>
+            <p:spPr>
+              <a:xfrm>
+                <a:off x="1832179" y="6297038"/>
+                <a:ext cx="2054665" cy="369332"/>
+              </a:xfrm>
+              <a:prstGeom prst="rect">
+                <a:avLst/>
+              </a:prstGeom>
+              <a:blipFill>
+                <a:blip r:embed="rId7"/>
+                <a:stretch>
+                  <a:fillRect l="-3858" t="-32787" r="-8012" b="-40984"/>
+                </a:stretch>
+              </a:blipFill>
+              <a:ln w="12700">
+                <a:miter lim="400000"/>
+              </a:ln>
+            </p:spPr>
+            <p:txBody>
+              <a:bodyPr/>
+              <a:lstStyle/>
+              <a:p>
+                <a:r>
+                  <a:rPr lang="ja-JP" altLang="en-US">
+                    <a:noFill/>
+                  </a:rPr>
+                  <a:t> </a:t>
+                </a:r>
+              </a:p>
+            </p:txBody>
+          </p:sp>
+        </mc:Fallback>
+      </mc:AlternateContent>
     </p:spTree>
     <p:extLst>
       <p:ext uri="{BB962C8B-B14F-4D97-AF65-F5344CB8AC3E}">

--- a/slide/0519.pptx
+++ b/slide/0519.pptx
@@ -14303,8 +14303,8 @@
           </p:sp>
         </mc:Fallback>
       </mc:AlternateContent>
-      <mc:AlternateContent xmlns:mc="http://schemas.openxmlformats.org/markup-compatibility/2006" xmlns:a14="http://schemas.microsoft.com/office/drawing/2010/main">
-        <mc:Choice Requires="a14">
+      <mc:AlternateContent xmlns:mc="http://schemas.openxmlformats.org/markup-compatibility/2006">
+        <mc:Choice xmlns:a14="http://schemas.microsoft.com/office/drawing/2010/main" Requires="a14">
           <p:sp>
             <p:nvSpPr>
               <p:cNvPr id="17" name="テキスト ボックス 16">
@@ -14409,14 +14409,18 @@
                   </m:oMath>
                 </a14:m>
                 <a:r>
+                  <a:rPr kumimoji="1" lang="ja-JP" altLang="en-US"/>
+                  <a:t>についてとくと出力面に</a:t>
+                </a:r>
+                <a:r>
                   <a:rPr kumimoji="1" lang="ja-JP" altLang="en-US" dirty="0"/>
-                  <a:t>についてとくと入射面における境界条件は</a:t>
+                  <a:t>おける境界条件は</a:t>
                 </a:r>
               </a:p>
             </p:txBody>
           </p:sp>
         </mc:Choice>
-        <mc:Fallback xmlns="">
+        <mc:Fallback>
           <p:sp>
             <p:nvSpPr>
               <p:cNvPr id="17" name="テキスト ボックス 16">

--- a/slide/0519.pptx
+++ b/slide/0519.pptx
@@ -5,7 +5,7 @@
     <p:sldMasterId id="2147483648" r:id="rId1"/>
   </p:sldMasterIdLst>
   <p:notesMasterIdLst>
-    <p:notesMasterId r:id="rId15"/>
+    <p:notesMasterId r:id="rId20"/>
   </p:notesMasterIdLst>
   <p:sldIdLst>
     <p:sldId id="256" r:id="rId2"/>
@@ -18,9 +18,14 @@
     <p:sldId id="263" r:id="rId9"/>
     <p:sldId id="265" r:id="rId10"/>
     <p:sldId id="264" r:id="rId11"/>
-    <p:sldId id="267" r:id="rId12"/>
-    <p:sldId id="268" r:id="rId13"/>
-    <p:sldId id="266" r:id="rId14"/>
+    <p:sldId id="266" r:id="rId12"/>
+    <p:sldId id="267" r:id="rId13"/>
+    <p:sldId id="268" r:id="rId14"/>
+    <p:sldId id="269" r:id="rId15"/>
+    <p:sldId id="270" r:id="rId16"/>
+    <p:sldId id="271" r:id="rId17"/>
+    <p:sldId id="272" r:id="rId18"/>
+    <p:sldId id="273" r:id="rId19"/>
   </p:sldIdLst>
   <p:sldSz cx="12192000" cy="6858000"/>
   <p:notesSz cx="6858000" cy="9144000"/>
@@ -209,7 +214,7 @@
           <a:p>
             <a:fld id="{438A1740-9A82-46DA-AD96-0DC60E5E9FA3}" type="datetimeFigureOut">
               <a:rPr kumimoji="1" lang="ja-JP" altLang="en-US" smtClean="0"/>
-              <a:t>2022/7/4</a:t>
+              <a:t>2022/7/6</a:t>
             </a:fld>
             <a:endParaRPr kumimoji="1" lang="ja-JP" altLang="en-US"/>
           </a:p>
@@ -702,7 +707,7 @@
     </p:spTree>
     <p:extLst>
       <p:ext uri="{BB962C8B-B14F-4D97-AF65-F5344CB8AC3E}">
-        <p14:creationId xmlns:p14="http://schemas.microsoft.com/office/powerpoint/2010/main" val="1801841742"/>
+        <p14:creationId xmlns:p14="http://schemas.microsoft.com/office/powerpoint/2010/main" val="120926722"/>
       </p:ext>
     </p:extLst>
   </p:cSld>
@@ -757,24 +762,38 @@
           <a:lstStyle/>
           <a:p>
             <a:r>
+              <a:rPr kumimoji="1" lang="en-US" altLang="ja-JP" dirty="0" err="1"/>
+              <a:t>Φt</a:t>
+            </a:r>
+            <a:r>
               <a:rPr kumimoji="1" lang="ja-JP" altLang="en-US" dirty="0"/>
-              <a:t>移流方程式で実装した</a:t>
+              <a:t>は既知だからこの値を代入することで</a:t>
+            </a:r>
+            <a:r>
+              <a:rPr kumimoji="1" lang="en-US" altLang="ja-JP" dirty="0" err="1"/>
+              <a:t>Δt</a:t>
+            </a:r>
+            <a:r>
+              <a:rPr kumimoji="1" lang="ja-JP" altLang="en-US" dirty="0"/>
+              <a:t>秒後の</a:t>
+            </a:r>
+            <a:r>
+              <a:rPr kumimoji="1" lang="en-US" altLang="ja-JP" dirty="0"/>
+              <a:t>Φt+1</a:t>
+            </a:r>
+          </a:p>
+          <a:p>
+            <a:r>
+              <a:rPr kumimoji="1" lang="ja-JP" altLang="en-US" dirty="0"/>
+              <a:t>これを繰り返すことで，任意の時間，任意の位置での光強度を求めることができる．</a:t>
             </a:r>
             <a:endParaRPr kumimoji="1" lang="en-US" altLang="ja-JP" dirty="0"/>
           </a:p>
           <a:p>
-            <a:r>
-              <a:rPr kumimoji="1" lang="ja-JP" altLang="en-US" dirty="0"/>
-              <a:t>吸収率の分布や時間間隔なども自由に設定できるようにしてある</a:t>
-            </a:r>
             <a:endParaRPr kumimoji="1" lang="en-US" altLang="ja-JP" dirty="0"/>
           </a:p>
           <a:p>
-            <a:r>
-              <a:rPr kumimoji="1" lang="ja-JP" altLang="en-US" dirty="0"/>
-              <a:t>これを光拡散方程式に今後する</a:t>
-            </a:r>
-            <a:endParaRPr kumimoji="1" lang="en-US" altLang="ja-JP" dirty="0"/>
+            <a:endParaRPr kumimoji="1" lang="ja-JP" altLang="en-US" dirty="0"/>
           </a:p>
         </p:txBody>
       </p:sp>
@@ -804,7 +823,239 @@
     </p:spTree>
     <p:extLst>
       <p:ext uri="{BB962C8B-B14F-4D97-AF65-F5344CB8AC3E}">
-        <p14:creationId xmlns:p14="http://schemas.microsoft.com/office/powerpoint/2010/main" val="2257380765"/>
+        <p14:creationId xmlns:p14="http://schemas.microsoft.com/office/powerpoint/2010/main" val="1801841742"/>
+      </p:ext>
+    </p:extLst>
+  </p:cSld>
+  <p:clrMapOvr>
+    <a:masterClrMapping/>
+  </p:clrMapOvr>
+</p:notes>
+</file>
+
+<file path=ppt/notesSlides/notesSlide12.xml><?xml version="1.0" encoding="utf-8"?>
+<p:notes xmlns:a="http://schemas.openxmlformats.org/drawingml/2006/main" xmlns:r="http://schemas.openxmlformats.org/officeDocument/2006/relationships" xmlns:p="http://schemas.openxmlformats.org/presentationml/2006/main">
+  <p:cSld>
+    <p:spTree>
+      <p:nvGrpSpPr>
+        <p:cNvPr id="1" name=""/>
+        <p:cNvGrpSpPr/>
+        <p:nvPr/>
+      </p:nvGrpSpPr>
+      <p:grpSpPr>
+        <a:xfrm>
+          <a:off x="0" y="0"/>
+          <a:ext cx="0" cy="0"/>
+          <a:chOff x="0" y="0"/>
+          <a:chExt cx="0" cy="0"/>
+        </a:xfrm>
+      </p:grpSpPr>
+      <p:sp>
+        <p:nvSpPr>
+          <p:cNvPr id="2" name="スライド イメージ プレースホルダー 1"/>
+          <p:cNvSpPr>
+            <a:spLocks noGrp="1" noRot="1" noChangeAspect="1"/>
+          </p:cNvSpPr>
+          <p:nvPr>
+            <p:ph type="sldImg"/>
+          </p:nvPr>
+        </p:nvSpPr>
+        <p:spPr/>
+      </p:sp>
+      <p:sp>
+        <p:nvSpPr>
+          <p:cNvPr id="3" name="ノート プレースホルダー 2"/>
+          <p:cNvSpPr>
+            <a:spLocks noGrp="1"/>
+          </p:cNvSpPr>
+          <p:nvPr>
+            <p:ph type="body" idx="1"/>
+          </p:nvPr>
+        </p:nvSpPr>
+        <p:spPr/>
+        <p:txBody>
+          <a:bodyPr/>
+          <a:lstStyle/>
+          <a:p>
+            <a:r>
+              <a:rPr kumimoji="1" lang="en-US" altLang="ja-JP" dirty="0" err="1"/>
+              <a:t>Φt</a:t>
+            </a:r>
+            <a:r>
+              <a:rPr kumimoji="1" lang="ja-JP" altLang="en-US" dirty="0"/>
+              <a:t>は既知だからこの値を代入することで</a:t>
+            </a:r>
+            <a:r>
+              <a:rPr kumimoji="1" lang="en-US" altLang="ja-JP" dirty="0" err="1"/>
+              <a:t>Δt</a:t>
+            </a:r>
+            <a:r>
+              <a:rPr kumimoji="1" lang="ja-JP" altLang="en-US" dirty="0"/>
+              <a:t>秒後の</a:t>
+            </a:r>
+            <a:r>
+              <a:rPr kumimoji="1" lang="en-US" altLang="ja-JP" dirty="0"/>
+              <a:t>Φt+1</a:t>
+            </a:r>
+          </a:p>
+          <a:p>
+            <a:r>
+              <a:rPr kumimoji="1" lang="ja-JP" altLang="en-US" dirty="0"/>
+              <a:t>これを繰り返すことで，任意の時間，任意の位置での光強度を求めることができる．</a:t>
+            </a:r>
+            <a:endParaRPr kumimoji="1" lang="en-US" altLang="ja-JP" dirty="0"/>
+          </a:p>
+          <a:p>
+            <a:endParaRPr kumimoji="1" lang="en-US" altLang="ja-JP" dirty="0"/>
+          </a:p>
+          <a:p>
+            <a:endParaRPr kumimoji="1" lang="ja-JP" altLang="en-US" dirty="0"/>
+          </a:p>
+        </p:txBody>
+      </p:sp>
+      <p:sp>
+        <p:nvSpPr>
+          <p:cNvPr id="4" name="スライド番号プレースホルダー 3"/>
+          <p:cNvSpPr>
+            <a:spLocks noGrp="1"/>
+          </p:cNvSpPr>
+          <p:nvPr>
+            <p:ph type="sldNum" sz="quarter" idx="5"/>
+          </p:nvPr>
+        </p:nvSpPr>
+        <p:spPr/>
+        <p:txBody>
+          <a:bodyPr/>
+          <a:lstStyle/>
+          <a:p>
+            <a:fld id="{EF7C5CA3-E3F9-4CDC-A2DC-589CC3C7528D}" type="slidenum">
+              <a:rPr kumimoji="1" lang="ja-JP" altLang="en-US" smtClean="0"/>
+              <a:t>14</a:t>
+            </a:fld>
+            <a:endParaRPr kumimoji="1" lang="ja-JP" altLang="en-US"/>
+          </a:p>
+        </p:txBody>
+      </p:sp>
+    </p:spTree>
+    <p:extLst>
+      <p:ext uri="{BB962C8B-B14F-4D97-AF65-F5344CB8AC3E}">
+        <p14:creationId xmlns:p14="http://schemas.microsoft.com/office/powerpoint/2010/main" val="3477790929"/>
+      </p:ext>
+    </p:extLst>
+  </p:cSld>
+  <p:clrMapOvr>
+    <a:masterClrMapping/>
+  </p:clrMapOvr>
+</p:notes>
+</file>
+
+<file path=ppt/notesSlides/notesSlide13.xml><?xml version="1.0" encoding="utf-8"?>
+<p:notes xmlns:a="http://schemas.openxmlformats.org/drawingml/2006/main" xmlns:r="http://schemas.openxmlformats.org/officeDocument/2006/relationships" xmlns:p="http://schemas.openxmlformats.org/presentationml/2006/main">
+  <p:cSld>
+    <p:spTree>
+      <p:nvGrpSpPr>
+        <p:cNvPr id="1" name=""/>
+        <p:cNvGrpSpPr/>
+        <p:nvPr/>
+      </p:nvGrpSpPr>
+      <p:grpSpPr>
+        <a:xfrm>
+          <a:off x="0" y="0"/>
+          <a:ext cx="0" cy="0"/>
+          <a:chOff x="0" y="0"/>
+          <a:chExt cx="0" cy="0"/>
+        </a:xfrm>
+      </p:grpSpPr>
+      <p:sp>
+        <p:nvSpPr>
+          <p:cNvPr id="2" name="スライド イメージ プレースホルダー 1"/>
+          <p:cNvSpPr>
+            <a:spLocks noGrp="1" noRot="1" noChangeAspect="1"/>
+          </p:cNvSpPr>
+          <p:nvPr>
+            <p:ph type="sldImg"/>
+          </p:nvPr>
+        </p:nvSpPr>
+        <p:spPr/>
+      </p:sp>
+      <p:sp>
+        <p:nvSpPr>
+          <p:cNvPr id="3" name="ノート プレースホルダー 2"/>
+          <p:cNvSpPr>
+            <a:spLocks noGrp="1"/>
+          </p:cNvSpPr>
+          <p:nvPr>
+            <p:ph type="body" idx="1"/>
+          </p:nvPr>
+        </p:nvSpPr>
+        <p:spPr/>
+        <p:txBody>
+          <a:bodyPr/>
+          <a:lstStyle/>
+          <a:p>
+            <a:r>
+              <a:rPr kumimoji="1" lang="en-US" altLang="ja-JP" dirty="0" err="1"/>
+              <a:t>Φt</a:t>
+            </a:r>
+            <a:r>
+              <a:rPr kumimoji="1" lang="ja-JP" altLang="en-US" dirty="0"/>
+              <a:t>は既知だからこの値を代入することで</a:t>
+            </a:r>
+            <a:r>
+              <a:rPr kumimoji="1" lang="en-US" altLang="ja-JP" dirty="0" err="1"/>
+              <a:t>Δt</a:t>
+            </a:r>
+            <a:r>
+              <a:rPr kumimoji="1" lang="ja-JP" altLang="en-US" dirty="0"/>
+              <a:t>秒後の</a:t>
+            </a:r>
+            <a:r>
+              <a:rPr kumimoji="1" lang="en-US" altLang="ja-JP" dirty="0"/>
+              <a:t>Φt+1</a:t>
+            </a:r>
+          </a:p>
+          <a:p>
+            <a:r>
+              <a:rPr kumimoji="1" lang="ja-JP" altLang="en-US" dirty="0"/>
+              <a:t>これを繰り返すことで，任意の時間，任意の位置での光強度を求めることができる．</a:t>
+            </a:r>
+            <a:endParaRPr kumimoji="1" lang="en-US" altLang="ja-JP" dirty="0"/>
+          </a:p>
+          <a:p>
+            <a:endParaRPr kumimoji="1" lang="en-US" altLang="ja-JP" dirty="0"/>
+          </a:p>
+          <a:p>
+            <a:endParaRPr kumimoji="1" lang="ja-JP" altLang="en-US" dirty="0"/>
+          </a:p>
+        </p:txBody>
+      </p:sp>
+      <p:sp>
+        <p:nvSpPr>
+          <p:cNvPr id="4" name="スライド番号プレースホルダー 3"/>
+          <p:cNvSpPr>
+            <a:spLocks noGrp="1"/>
+          </p:cNvSpPr>
+          <p:nvPr>
+            <p:ph type="sldNum" sz="quarter" idx="5"/>
+          </p:nvPr>
+        </p:nvSpPr>
+        <p:spPr/>
+        <p:txBody>
+          <a:bodyPr/>
+          <a:lstStyle/>
+          <a:p>
+            <a:fld id="{EF7C5CA3-E3F9-4CDC-A2DC-589CC3C7528D}" type="slidenum">
+              <a:rPr kumimoji="1" lang="ja-JP" altLang="en-US" smtClean="0"/>
+              <a:t>15</a:t>
+            </a:fld>
+            <a:endParaRPr kumimoji="1" lang="ja-JP" altLang="en-US"/>
+          </a:p>
+        </p:txBody>
+      </p:sp>
+    </p:spTree>
+    <p:extLst>
+      <p:ext uri="{BB962C8B-B14F-4D97-AF65-F5344CB8AC3E}">
+        <p14:creationId xmlns:p14="http://schemas.microsoft.com/office/powerpoint/2010/main" val="718273440"/>
       </p:ext>
     </p:extLst>
   </p:cSld>
@@ -1679,38 +1930,24 @@
           <a:lstStyle/>
           <a:p>
             <a:r>
-              <a:rPr kumimoji="1" lang="en-US" altLang="ja-JP" dirty="0" err="1"/>
-              <a:t>Φt</a:t>
-            </a:r>
-            <a:r>
               <a:rPr kumimoji="1" lang="ja-JP" altLang="en-US" dirty="0"/>
-              <a:t>は既知だからこの値を代入することで</a:t>
-            </a:r>
-            <a:r>
-              <a:rPr kumimoji="1" lang="en-US" altLang="ja-JP" dirty="0" err="1"/>
-              <a:t>Δt</a:t>
-            </a:r>
-            <a:r>
-              <a:rPr kumimoji="1" lang="ja-JP" altLang="en-US" dirty="0"/>
-              <a:t>秒後の</a:t>
-            </a:r>
-            <a:r>
-              <a:rPr kumimoji="1" lang="en-US" altLang="ja-JP" dirty="0"/>
-              <a:t>Φt+1</a:t>
-            </a:r>
-          </a:p>
-          <a:p>
-            <a:r>
-              <a:rPr kumimoji="1" lang="ja-JP" altLang="en-US" dirty="0"/>
-              <a:t>これを繰り返すことで，任意の時間，任意の位置での光強度を求めることができる．</a:t>
+              <a:t>移流方程式で実装した</a:t>
             </a:r>
             <a:endParaRPr kumimoji="1" lang="en-US" altLang="ja-JP" dirty="0"/>
           </a:p>
           <a:p>
+            <a:r>
+              <a:rPr kumimoji="1" lang="ja-JP" altLang="en-US" dirty="0"/>
+              <a:t>吸収率の分布や時間間隔なども自由に設定できるようにしてある</a:t>
+            </a:r>
             <a:endParaRPr kumimoji="1" lang="en-US" altLang="ja-JP" dirty="0"/>
           </a:p>
           <a:p>
-            <a:endParaRPr kumimoji="1" lang="ja-JP" altLang="en-US" dirty="0"/>
+            <a:r>
+              <a:rPr kumimoji="1" lang="ja-JP" altLang="en-US" dirty="0"/>
+              <a:t>これを光拡散方程式に今後する</a:t>
+            </a:r>
+            <a:endParaRPr kumimoji="1" lang="en-US" altLang="ja-JP" dirty="0"/>
           </a:p>
         </p:txBody>
       </p:sp>
@@ -1740,7 +1977,7 @@
     </p:spTree>
     <p:extLst>
       <p:ext uri="{BB962C8B-B14F-4D97-AF65-F5344CB8AC3E}">
-        <p14:creationId xmlns:p14="http://schemas.microsoft.com/office/powerpoint/2010/main" val="120926722"/>
+        <p14:creationId xmlns:p14="http://schemas.microsoft.com/office/powerpoint/2010/main" val="2257380765"/>
       </p:ext>
     </p:extLst>
   </p:cSld>
@@ -1897,7 +2134,7 @@
           <a:p>
             <a:fld id="{C801310E-4C28-4D51-ADB4-8E3E74A70742}" type="datetimeFigureOut">
               <a:rPr kumimoji="1" lang="ja-JP" altLang="en-US" smtClean="0"/>
-              <a:t>2022/7/4</a:t>
+              <a:t>2022/7/6</a:t>
             </a:fld>
             <a:endParaRPr kumimoji="1" lang="ja-JP" altLang="en-US"/>
           </a:p>
@@ -2127,7 +2364,7 @@
           <a:p>
             <a:fld id="{C801310E-4C28-4D51-ADB4-8E3E74A70742}" type="datetimeFigureOut">
               <a:rPr kumimoji="1" lang="ja-JP" altLang="en-US" smtClean="0"/>
-              <a:t>2022/7/4</a:t>
+              <a:t>2022/7/6</a:t>
             </a:fld>
             <a:endParaRPr kumimoji="1" lang="ja-JP" altLang="en-US"/>
           </a:p>
@@ -2367,7 +2604,7 @@
           <a:p>
             <a:fld id="{C801310E-4C28-4D51-ADB4-8E3E74A70742}" type="datetimeFigureOut">
               <a:rPr kumimoji="1" lang="ja-JP" altLang="en-US" smtClean="0"/>
-              <a:t>2022/7/4</a:t>
+              <a:t>2022/7/6</a:t>
             </a:fld>
             <a:endParaRPr kumimoji="1" lang="ja-JP" altLang="en-US"/>
           </a:p>
@@ -2597,7 +2834,7 @@
           <a:p>
             <a:fld id="{C801310E-4C28-4D51-ADB4-8E3E74A70742}" type="datetimeFigureOut">
               <a:rPr kumimoji="1" lang="ja-JP" altLang="en-US" smtClean="0"/>
-              <a:t>2022/7/4</a:t>
+              <a:t>2022/7/6</a:t>
             </a:fld>
             <a:endParaRPr kumimoji="1" lang="ja-JP" altLang="en-US"/>
           </a:p>
@@ -2872,7 +3109,7 @@
           <a:p>
             <a:fld id="{C801310E-4C28-4D51-ADB4-8E3E74A70742}" type="datetimeFigureOut">
               <a:rPr kumimoji="1" lang="ja-JP" altLang="en-US" smtClean="0"/>
-              <a:t>2022/7/4</a:t>
+              <a:t>2022/7/6</a:t>
             </a:fld>
             <a:endParaRPr kumimoji="1" lang="ja-JP" altLang="en-US"/>
           </a:p>
@@ -3201,7 +3438,7 @@
           <a:p>
             <a:fld id="{C801310E-4C28-4D51-ADB4-8E3E74A70742}" type="datetimeFigureOut">
               <a:rPr kumimoji="1" lang="ja-JP" altLang="en-US" smtClean="0"/>
-              <a:t>2022/7/4</a:t>
+              <a:t>2022/7/6</a:t>
             </a:fld>
             <a:endParaRPr kumimoji="1" lang="ja-JP" altLang="en-US"/>
           </a:p>
@@ -3677,7 +3914,7 @@
           <a:p>
             <a:fld id="{C801310E-4C28-4D51-ADB4-8E3E74A70742}" type="datetimeFigureOut">
               <a:rPr kumimoji="1" lang="ja-JP" altLang="en-US" smtClean="0"/>
-              <a:t>2022/7/4</a:t>
+              <a:t>2022/7/6</a:t>
             </a:fld>
             <a:endParaRPr kumimoji="1" lang="ja-JP" altLang="en-US"/>
           </a:p>
@@ -3818,7 +4055,7 @@
           <a:p>
             <a:fld id="{C801310E-4C28-4D51-ADB4-8E3E74A70742}" type="datetimeFigureOut">
               <a:rPr kumimoji="1" lang="ja-JP" altLang="en-US" smtClean="0"/>
-              <a:t>2022/7/4</a:t>
+              <a:t>2022/7/6</a:t>
             </a:fld>
             <a:endParaRPr kumimoji="1" lang="ja-JP" altLang="en-US"/>
           </a:p>
@@ -3931,7 +4168,7 @@
           <a:p>
             <a:fld id="{C801310E-4C28-4D51-ADB4-8E3E74A70742}" type="datetimeFigureOut">
               <a:rPr kumimoji="1" lang="ja-JP" altLang="en-US" smtClean="0"/>
-              <a:t>2022/7/4</a:t>
+              <a:t>2022/7/6</a:t>
             </a:fld>
             <a:endParaRPr kumimoji="1" lang="ja-JP" altLang="en-US"/>
           </a:p>
@@ -4274,7 +4511,7 @@
           <a:p>
             <a:fld id="{C801310E-4C28-4D51-ADB4-8E3E74A70742}" type="datetimeFigureOut">
               <a:rPr kumimoji="1" lang="ja-JP" altLang="en-US" smtClean="0"/>
-              <a:t>2022/7/4</a:t>
+              <a:t>2022/7/6</a:t>
             </a:fld>
             <a:endParaRPr kumimoji="1" lang="ja-JP" altLang="en-US"/>
           </a:p>
@@ -4562,7 +4799,7 @@
           <a:p>
             <a:fld id="{C801310E-4C28-4D51-ADB4-8E3E74A70742}" type="datetimeFigureOut">
               <a:rPr kumimoji="1" lang="ja-JP" altLang="en-US" smtClean="0"/>
-              <a:t>2022/7/4</a:t>
+              <a:t>2022/7/6</a:t>
             </a:fld>
             <a:endParaRPr kumimoji="1" lang="ja-JP" altLang="en-US"/>
           </a:p>
@@ -4835,7 +5072,7 @@
           <a:p>
             <a:fld id="{C801310E-4C28-4D51-ADB4-8E3E74A70742}" type="datetimeFigureOut">
               <a:rPr kumimoji="1" lang="ja-JP" altLang="en-US" smtClean="0"/>
-              <a:t>2022/7/4</a:t>
+              <a:t>2022/7/6</a:t>
             </a:fld>
             <a:endParaRPr kumimoji="1" lang="ja-JP" altLang="en-US"/>
           </a:p>
@@ -5374,8 +5611,8 @@
           </a:p>
         </p:txBody>
       </p:sp>
-      <mc:AlternateContent xmlns:mc="http://schemas.openxmlformats.org/markup-compatibility/2006" xmlns:a14="http://schemas.microsoft.com/office/drawing/2010/main">
-        <mc:Choice Requires="a14">
+      <mc:AlternateContent xmlns:mc="http://schemas.openxmlformats.org/markup-compatibility/2006">
+        <mc:Choice xmlns:a14="http://schemas.microsoft.com/office/drawing/2010/main" Requires="a14">
           <p:sp>
             <p:nvSpPr>
               <p:cNvPr id="4" name="方程式">
@@ -5391,7 +5628,7 @@
             <p:spPr>
               <a:xfrm>
                 <a:off x="1557376" y="2523530"/>
-                <a:ext cx="3290580" cy="622414"/>
+                <a:ext cx="3410806" cy="622222"/>
               </a:xfrm>
               <a:prstGeom prst="rect">
                 <a:avLst/>
@@ -5736,13 +5973,13 @@
                         </m:num>
                         <m:den>
                           <m:r>
-                            <a:rPr lang="ar-AE" sz="2000" i="1">
+                            <a:rPr lang="en-US" sz="2000" b="0" i="1" smtClean="0">
                               <a:solidFill>
                                 <a:srgbClr val="000000"/>
                               </a:solidFill>
                               <a:latin typeface="Cambria Math" panose="02040503050406030204" pitchFamily="18" charset="0"/>
                             </a:rPr>
-                            <m:t>𝑐</m:t>
+                            <m:t>𝑣</m:t>
                           </m:r>
                         </m:den>
                       </m:f>
@@ -6062,7 +6299,7 @@
             </p:txBody>
           </p:sp>
         </mc:Choice>
-        <mc:Fallback xmlns="">
+        <mc:Fallback>
           <p:sp>
             <p:nvSpPr>
               <p:cNvPr id="4" name="方程式">
@@ -6080,7 +6317,7 @@
             <p:spPr>
               <a:xfrm>
                 <a:off x="1557376" y="2523530"/>
-                <a:ext cx="3290580" cy="622414"/>
+                <a:ext cx="3410806" cy="622222"/>
               </a:xfrm>
               <a:prstGeom prst="rect">
                 <a:avLst/>
@@ -6088,7 +6325,7 @@
               <a:blipFill>
                 <a:blip r:embed="rId3"/>
                 <a:stretch>
-                  <a:fillRect/>
+                  <a:fillRect b="-14000"/>
                 </a:stretch>
               </a:blipFill>
               <a:ln w="12700">
@@ -7006,8 +7243,8 @@
           </a:p>
         </p:txBody>
       </p:sp>
-      <mc:AlternateContent xmlns:mc="http://schemas.openxmlformats.org/markup-compatibility/2006" xmlns:a14="http://schemas.microsoft.com/office/drawing/2010/main">
-        <mc:Choice Requires="a14">
+      <mc:AlternateContent xmlns:mc="http://schemas.openxmlformats.org/markup-compatibility/2006">
+        <mc:Choice xmlns:a14="http://schemas.microsoft.com/office/drawing/2010/main" Requires="a14">
           <p:sp>
             <p:nvSpPr>
               <p:cNvPr id="8" name="方程式">
@@ -7023,7 +7260,7 @@
             <p:spPr>
               <a:xfrm>
                 <a:off x="998085" y="4438541"/>
-                <a:ext cx="9040680" cy="685572"/>
+                <a:ext cx="9160906" cy="685572"/>
               </a:xfrm>
               <a:prstGeom prst="rect">
                 <a:avLst/>
@@ -7368,13 +7605,13 @@
                         </m:num>
                         <m:den>
                           <m:r>
-                            <a:rPr lang="ar-AE" sz="2000" i="1">
+                            <a:rPr lang="en-US" sz="2000" b="0" i="1" smtClean="0">
                               <a:solidFill>
                                 <a:srgbClr val="000000"/>
                               </a:solidFill>
                               <a:latin typeface="Cambria Math" panose="02040503050406030204" pitchFamily="18" charset="0"/>
                             </a:rPr>
-                            <m:t>𝑐</m:t>
+                            <m:t>𝑣</m:t>
                           </m:r>
                         </m:den>
                       </m:f>
@@ -7455,16 +7692,7 @@
                                   </a:solidFill>
                                   <a:latin typeface="Cambria Math" panose="02040503050406030204" pitchFamily="18" charset="0"/>
                                 </a:rPr>
-                                <m:t>+</m:t>
-                              </m:r>
-                              <m:r>
-                                <a:rPr lang="en-US" altLang="ja-JP" sz="2000" b="0" i="1" smtClean="0">
-                                  <a:solidFill>
-                                    <a:srgbClr val="000000"/>
-                                  </a:solidFill>
-                                  <a:latin typeface="Cambria Math" panose="02040503050406030204" pitchFamily="18" charset="0"/>
-                                </a:rPr>
-                                <m:t>1</m:t>
+                                <m:t>+1</m:t>
                               </m:r>
                             </m:sup>
                           </m:sSubSup>
@@ -7602,13 +7830,7 @@
                                 <a:rPr lang="en-US" altLang="ja-JP" sz="2000" b="0" i="1" smtClean="0">
                                   <a:latin typeface="Cambria Math" panose="02040503050406030204" pitchFamily="18" charset="0"/>
                                 </a:rPr>
-                                <m:t>+</m:t>
-                              </m:r>
-                              <m:r>
-                                <a:rPr lang="en-US" altLang="ja-JP" sz="2000" b="0" i="1" smtClean="0">
-                                  <a:latin typeface="Cambria Math" panose="02040503050406030204" pitchFamily="18" charset="0"/>
-                                </a:rPr>
-                                <m:t>1</m:t>
+                                <m:t>+1</m:t>
                               </m:r>
                               <m:r>
                                 <a:rPr lang="en-US" altLang="ja-JP" sz="2000" i="1">
@@ -7636,13 +7858,7 @@
                             <a:rPr lang="en-US" altLang="ja-JP" sz="2000" b="0" i="1" smtClean="0">
                               <a:latin typeface="Cambria Math" panose="02040503050406030204" pitchFamily="18" charset="0"/>
                             </a:rPr>
-                            <m:t>−</m:t>
-                          </m:r>
-                          <m:r>
-                            <a:rPr lang="en-US" altLang="ja-JP" sz="2000" b="0" i="1" smtClean="0">
-                              <a:latin typeface="Cambria Math" panose="02040503050406030204" pitchFamily="18" charset="0"/>
-                            </a:rPr>
-                            <m:t>2</m:t>
+                            <m:t>−2</m:t>
                           </m:r>
                           <m:sSubSup>
                             <m:sSubSupPr>
@@ -7722,13 +7938,7 @@
                                 <a:rPr lang="en-US" altLang="ja-JP" sz="2000" b="0" i="1" smtClean="0">
                                   <a:latin typeface="Cambria Math" panose="02040503050406030204" pitchFamily="18" charset="0"/>
                                 </a:rPr>
-                                <m:t>−</m:t>
-                              </m:r>
-                              <m:r>
-                                <a:rPr lang="en-US" altLang="ja-JP" sz="2000" b="0" i="1" smtClean="0">
-                                  <a:latin typeface="Cambria Math" panose="02040503050406030204" pitchFamily="18" charset="0"/>
-                                </a:rPr>
-                                <m:t>1</m:t>
+                                <m:t>−1</m:t>
                               </m:r>
                               <m:r>
                                 <a:rPr lang="en-US" altLang="ja-JP" sz="2000" i="1">
@@ -7842,13 +8052,7 @@
                                 <a:rPr lang="en-US" altLang="ja-JP" sz="2000" b="0" i="1" smtClean="0">
                                   <a:latin typeface="Cambria Math" panose="02040503050406030204" pitchFamily="18" charset="0"/>
                                 </a:rPr>
-                                <m:t>+</m:t>
-                              </m:r>
-                              <m:r>
-                                <a:rPr lang="en-US" altLang="ja-JP" sz="2000" b="0" i="1" smtClean="0">
-                                  <a:latin typeface="Cambria Math" panose="02040503050406030204" pitchFamily="18" charset="0"/>
-                                </a:rPr>
-                                <m:t>1</m:t>
+                                <m:t>+1</m:t>
                               </m:r>
                             </m:sub>
                             <m:sup>
@@ -7864,13 +8068,7 @@
                             <a:rPr lang="en-US" altLang="ja-JP" sz="2000" i="1">
                               <a:latin typeface="Cambria Math" panose="02040503050406030204" pitchFamily="18" charset="0"/>
                             </a:rPr>
-                            <m:t>−</m:t>
-                          </m:r>
-                          <m:r>
-                            <a:rPr lang="en-US" altLang="ja-JP" sz="2000" i="1">
-                              <a:latin typeface="Cambria Math" panose="02040503050406030204" pitchFamily="18" charset="0"/>
-                            </a:rPr>
-                            <m:t>2</m:t>
+                            <m:t>−2</m:t>
                           </m:r>
                           <m:sSubSup>
                             <m:sSubSupPr>
@@ -7962,13 +8160,7 @@
                                 <a:rPr lang="en-US" altLang="ja-JP" sz="2000" b="0" i="1" smtClean="0">
                                   <a:latin typeface="Cambria Math" panose="02040503050406030204" pitchFamily="18" charset="0"/>
                                 </a:rPr>
-                                <m:t>−</m:t>
-                              </m:r>
-                              <m:r>
-                                <a:rPr lang="en-US" altLang="ja-JP" sz="2000" b="0" i="1" smtClean="0">
-                                  <a:latin typeface="Cambria Math" panose="02040503050406030204" pitchFamily="18" charset="0"/>
-                                </a:rPr>
-                                <m:t>1</m:t>
+                                <m:t>−1</m:t>
                               </m:r>
                             </m:sub>
                             <m:sup>
@@ -8132,7 +8324,7 @@
             </p:txBody>
           </p:sp>
         </mc:Choice>
-        <mc:Fallback xmlns="">
+        <mc:Fallback>
           <p:sp>
             <p:nvSpPr>
               <p:cNvPr id="8" name="方程式">
@@ -8150,7 +8342,7 @@
             <p:spPr>
               <a:xfrm>
                 <a:off x="998085" y="4438541"/>
-                <a:ext cx="9040680" cy="685572"/>
+                <a:ext cx="9160906" cy="685572"/>
               </a:xfrm>
               <a:prstGeom prst="rect">
                 <a:avLst/>
@@ -8158,7 +8350,7 @@
               <a:blipFill>
                 <a:blip r:embed="rId5"/>
                 <a:stretch>
-                  <a:fillRect/>
+                  <a:fillRect b="-10909"/>
                 </a:stretch>
               </a:blipFill>
               <a:ln w="12700">
@@ -8277,16 +8469,7 @@
                             </a:solidFill>
                             <a:latin typeface="Cambria Math" panose="02040503050406030204" pitchFamily="18" charset="0"/>
                           </a:rPr>
-                          <m:t>+</m:t>
-                        </m:r>
-                        <m:r>
-                          <a:rPr lang="en-US" altLang="ja-JP" i="1">
-                            <a:solidFill>
-                              <a:srgbClr val="000000"/>
-                            </a:solidFill>
-                            <a:latin typeface="Cambria Math" panose="02040503050406030204" pitchFamily="18" charset="0"/>
-                          </a:rPr>
-                          <m:t>1</m:t>
+                          <m:t>+1</m:t>
                         </m:r>
                       </m:sup>
                     </m:sSubSup>
@@ -8351,8 +8534,8 @@
           </p:sp>
         </mc:Fallback>
       </mc:AlternateContent>
-      <mc:AlternateContent xmlns:mc="http://schemas.openxmlformats.org/markup-compatibility/2006" xmlns:a14="http://schemas.microsoft.com/office/drawing/2010/main">
-        <mc:Choice Requires="a14">
+      <mc:AlternateContent xmlns:mc="http://schemas.openxmlformats.org/markup-compatibility/2006">
+        <mc:Choice xmlns:a14="http://schemas.microsoft.com/office/drawing/2010/main" Requires="a14">
           <p:sp>
             <p:nvSpPr>
               <p:cNvPr id="11" name="方程式">
@@ -8736,13 +8919,7 @@
                             <a:rPr lang="en-US" altLang="ja-JP" sz="2000" i="1">
                               <a:latin typeface="Cambria Math" panose="02040503050406030204" pitchFamily="18" charset="0"/>
                             </a:rPr>
-                            <m:t>+</m:t>
-                          </m:r>
-                          <m:r>
-                            <a:rPr lang="en-US" altLang="ja-JP" sz="2000" i="1">
-                              <a:latin typeface="Cambria Math" panose="02040503050406030204" pitchFamily="18" charset="0"/>
-                            </a:rPr>
-                            <m:t>1</m:t>
+                            <m:t>+1</m:t>
                           </m:r>
                         </m:sup>
                       </m:sSubSup>
@@ -8768,7 +8945,7 @@
                           </a:solidFill>
                           <a:latin typeface="Cambria Math" panose="02040503050406030204" pitchFamily="18" charset="0"/>
                         </a:rPr>
-                        <m:t>𝑐</m:t>
+                        <m:t>𝑣</m:t>
                       </m:r>
                       <m:r>
                         <a:rPr lang="en-US" sz="2000" b="0" i="1" smtClean="0">
@@ -8837,13 +9014,7 @@
                                     <a:rPr lang="en-US" altLang="ja-JP" sz="2000" b="0" i="1" smtClean="0">
                                       <a:latin typeface="Cambria Math" panose="02040503050406030204" pitchFamily="18" charset="0"/>
                                     </a:rPr>
-                                    <m:t>+</m:t>
-                                  </m:r>
-                                  <m:r>
-                                    <a:rPr lang="en-US" altLang="ja-JP" sz="2000" b="0" i="1" smtClean="0">
-                                      <a:latin typeface="Cambria Math" panose="02040503050406030204" pitchFamily="18" charset="0"/>
-                                    </a:rPr>
-                                    <m:t>1</m:t>
+                                    <m:t>+1</m:t>
                                   </m:r>
                                   <m:r>
                                     <a:rPr lang="en-US" altLang="ja-JP" sz="2000" i="1">
@@ -8871,13 +9042,7 @@
                                 <a:rPr lang="en-US" altLang="ja-JP" sz="2000" b="0" i="1" smtClean="0">
                                   <a:latin typeface="Cambria Math" panose="02040503050406030204" pitchFamily="18" charset="0"/>
                                 </a:rPr>
-                                <m:t>−</m:t>
-                              </m:r>
-                              <m:r>
-                                <a:rPr lang="en-US" altLang="ja-JP" sz="2000" b="0" i="1" smtClean="0">
-                                  <a:latin typeface="Cambria Math" panose="02040503050406030204" pitchFamily="18" charset="0"/>
-                                </a:rPr>
-                                <m:t>2</m:t>
+                                <m:t>−2</m:t>
                               </m:r>
                               <m:sSubSup>
                                 <m:sSubSupPr>
@@ -8957,13 +9122,7 @@
                                     <a:rPr lang="en-US" altLang="ja-JP" sz="2000" b="0" i="1" smtClean="0">
                                       <a:latin typeface="Cambria Math" panose="02040503050406030204" pitchFamily="18" charset="0"/>
                                     </a:rPr>
-                                    <m:t>−</m:t>
-                                  </m:r>
-                                  <m:r>
-                                    <a:rPr lang="en-US" altLang="ja-JP" sz="2000" b="0" i="1" smtClean="0">
-                                      <a:latin typeface="Cambria Math" panose="02040503050406030204" pitchFamily="18" charset="0"/>
-                                    </a:rPr>
-                                    <m:t>1</m:t>
+                                    <m:t>−1</m:t>
                                   </m:r>
                                   <m:r>
                                     <a:rPr lang="en-US" altLang="ja-JP" sz="2000" i="1">
@@ -9077,13 +9236,7 @@
                                     <a:rPr lang="en-US" altLang="ja-JP" sz="2000" b="0" i="1" smtClean="0">
                                       <a:latin typeface="Cambria Math" panose="02040503050406030204" pitchFamily="18" charset="0"/>
                                     </a:rPr>
-                                    <m:t>+</m:t>
-                                  </m:r>
-                                  <m:r>
-                                    <a:rPr lang="en-US" altLang="ja-JP" sz="2000" b="0" i="1" smtClean="0">
-                                      <a:latin typeface="Cambria Math" panose="02040503050406030204" pitchFamily="18" charset="0"/>
-                                    </a:rPr>
-                                    <m:t>1</m:t>
+                                    <m:t>+1</m:t>
                                   </m:r>
                                 </m:sub>
                                 <m:sup>
@@ -9099,13 +9252,7 @@
                                 <a:rPr lang="en-US" altLang="ja-JP" sz="2000" i="1">
                                   <a:latin typeface="Cambria Math" panose="02040503050406030204" pitchFamily="18" charset="0"/>
                                 </a:rPr>
-                                <m:t>−</m:t>
-                              </m:r>
-                              <m:r>
-                                <a:rPr lang="en-US" altLang="ja-JP" sz="2000" i="1">
-                                  <a:latin typeface="Cambria Math" panose="02040503050406030204" pitchFamily="18" charset="0"/>
-                                </a:rPr>
-                                <m:t>2</m:t>
+                                <m:t>−2</m:t>
                               </m:r>
                               <m:sSubSup>
                                 <m:sSubSupPr>
@@ -9197,13 +9344,7 @@
                                     <a:rPr lang="en-US" altLang="ja-JP" sz="2000" b="0" i="1" smtClean="0">
                                       <a:latin typeface="Cambria Math" panose="02040503050406030204" pitchFamily="18" charset="0"/>
                                     </a:rPr>
-                                    <m:t>−</m:t>
-                                  </m:r>
-                                  <m:r>
-                                    <a:rPr lang="en-US" altLang="ja-JP" sz="2000" b="0" i="1" smtClean="0">
-                                      <a:latin typeface="Cambria Math" panose="02040503050406030204" pitchFamily="18" charset="0"/>
-                                    </a:rPr>
-                                    <m:t>1</m:t>
+                                    <m:t>−1</m:t>
                                   </m:r>
                                 </m:sub>
                                 <m:sup>
@@ -9278,7 +9419,7 @@
                             <a:rPr lang="en-US" altLang="ja-JP" sz="2000" b="0" i="1" smtClean="0">
                               <a:latin typeface="Cambria Math" panose="02040503050406030204" pitchFamily="18" charset="0"/>
                             </a:rPr>
-                            <m:t>𝑐</m:t>
+                            <m:t>𝑣</m:t>
                           </m:r>
                           <m:r>
                             <a:rPr lang="en-US" altLang="ja-JP" sz="2000" b="0" i="1" smtClean="0">
@@ -9334,19 +9475,7 @@
                         <a:rPr lang="en-US" altLang="ja-JP" sz="2000" b="0" i="1" smtClean="0">
                           <a:latin typeface="Cambria Math" panose="02040503050406030204" pitchFamily="18" charset="0"/>
                         </a:rPr>
-                        <m:t>−</m:t>
-                      </m:r>
-                      <m:r>
-                        <a:rPr lang="en-US" altLang="ja-JP" sz="2000" b="0" i="1" smtClean="0">
-                          <a:latin typeface="Cambria Math" panose="02040503050406030204" pitchFamily="18" charset="0"/>
-                        </a:rPr>
-                        <m:t>1</m:t>
-                      </m:r>
-                      <m:r>
-                        <a:rPr lang="en-US" altLang="ja-JP" sz="2000" b="0" i="1" smtClean="0">
-                          <a:latin typeface="Cambria Math" panose="02040503050406030204" pitchFamily="18" charset="0"/>
-                        </a:rPr>
-                        <m:t>)</m:t>
+                        <m:t>−1)</m:t>
                       </m:r>
                       <m:sSubSup>
                         <m:sSubSupPr>
@@ -9401,7 +9530,7 @@
             </p:txBody>
           </p:sp>
         </mc:Choice>
-        <mc:Fallback xmlns="">
+        <mc:Fallback>
           <p:sp>
             <p:nvSpPr>
               <p:cNvPr id="11" name="方程式">
@@ -9427,7 +9556,7 @@
               <a:blipFill>
                 <a:blip r:embed="rId7"/>
                 <a:stretch>
-                  <a:fillRect/>
+                  <a:fillRect l="-670" b="-7018"/>
                 </a:stretch>
               </a:blipFill>
               <a:ln w="12700">
@@ -9463,6 +9592,244 @@
 </file>
 
 <file path=ppt/slides/slide11.xml><?xml version="1.0" encoding="utf-8"?>
+<p:sld xmlns:a="http://schemas.openxmlformats.org/drawingml/2006/main" xmlns:r="http://schemas.openxmlformats.org/officeDocument/2006/relationships" xmlns:p="http://schemas.openxmlformats.org/presentationml/2006/main">
+  <p:cSld>
+    <p:spTree>
+      <p:nvGrpSpPr>
+        <p:cNvPr id="1" name=""/>
+        <p:cNvGrpSpPr/>
+        <p:nvPr/>
+      </p:nvGrpSpPr>
+      <p:grpSpPr>
+        <a:xfrm>
+          <a:off x="0" y="0"/>
+          <a:ext cx="0" cy="0"/>
+          <a:chOff x="0" y="0"/>
+          <a:chExt cx="0" cy="0"/>
+        </a:xfrm>
+      </p:grpSpPr>
+      <p:sp>
+        <p:nvSpPr>
+          <p:cNvPr id="2" name="タイトル 1">
+            <a:extLst>
+              <a:ext uri="{FF2B5EF4-FFF2-40B4-BE49-F238E27FC236}">
+                <a16:creationId xmlns:a16="http://schemas.microsoft.com/office/drawing/2014/main" id="{07840522-AEE5-938A-2A30-D638A8871AA8}"/>
+              </a:ext>
+            </a:extLst>
+          </p:cNvPr>
+          <p:cNvSpPr>
+            <a:spLocks noGrp="1"/>
+          </p:cNvSpPr>
+          <p:nvPr>
+            <p:ph type="title"/>
+          </p:nvPr>
+        </p:nvSpPr>
+        <p:spPr/>
+        <p:txBody>
+          <a:bodyPr/>
+          <a:lstStyle/>
+          <a:p>
+            <a:r>
+              <a:rPr kumimoji="1" lang="en-US" altLang="ja-JP" dirty="0"/>
+              <a:t>FDTD</a:t>
+            </a:r>
+            <a:r>
+              <a:rPr kumimoji="1" lang="ja-JP" altLang="en-US" dirty="0"/>
+              <a:t>プログラムの実装</a:t>
+            </a:r>
+          </a:p>
+        </p:txBody>
+      </p:sp>
+      <p:pic>
+        <p:nvPicPr>
+          <p:cNvPr id="4" name="out">
+            <a:hlinkClick r:id="" action="ppaction://media"/>
+            <a:extLst>
+              <a:ext uri="{FF2B5EF4-FFF2-40B4-BE49-F238E27FC236}">
+                <a16:creationId xmlns:a16="http://schemas.microsoft.com/office/drawing/2014/main" id="{879AB7EB-C0A3-55BB-F549-A96DC394A296}"/>
+              </a:ext>
+            </a:extLst>
+          </p:cNvPr>
+          <p:cNvPicPr>
+            <a:picLocks noChangeAspect="1"/>
+          </p:cNvPicPr>
+          <p:nvPr>
+            <a:videoFile r:link="rId2"/>
+            <p:extLst>
+              <p:ext uri="{DAA4B4D4-6D71-4841-9C94-3DE7FCFB9230}">
+                <p14:media xmlns:p14="http://schemas.microsoft.com/office/powerpoint/2010/main" r:embed="rId1"/>
+              </p:ext>
+            </p:extLst>
+          </p:nvPr>
+        </p:nvPicPr>
+        <p:blipFill>
+          <a:blip r:embed="rId5"/>
+          <a:stretch>
+            <a:fillRect/>
+          </a:stretch>
+        </p:blipFill>
+        <p:spPr>
+          <a:xfrm>
+            <a:off x="555172" y="1445911"/>
+            <a:ext cx="9621492" cy="5412089"/>
+          </a:xfrm>
+          <a:prstGeom prst="rect">
+            <a:avLst/>
+          </a:prstGeom>
+        </p:spPr>
+      </p:pic>
+    </p:spTree>
+    <p:extLst>
+      <p:ext uri="{BB962C8B-B14F-4D97-AF65-F5344CB8AC3E}">
+        <p14:creationId xmlns:p14="http://schemas.microsoft.com/office/powerpoint/2010/main" val="3348432352"/>
+      </p:ext>
+    </p:extLst>
+  </p:cSld>
+  <p:clrMapOvr>
+    <a:masterClrMapping/>
+  </p:clrMapOvr>
+  <p:timing>
+    <p:tnLst>
+      <p:par>
+        <p:cTn id="1" dur="indefinite" restart="never" nodeType="tmRoot">
+          <p:childTnLst>
+            <p:seq concurrent="1" nextAc="seek">
+              <p:cTn id="2" dur="indefinite" nodeType="mainSeq">
+                <p:childTnLst>
+                  <p:par>
+                    <p:cTn id="3" fill="hold">
+                      <p:stCondLst>
+                        <p:cond delay="indefinite"/>
+                        <p:cond evt="onBegin" delay="0">
+                          <p:tn val="2"/>
+                        </p:cond>
+                      </p:stCondLst>
+                      <p:childTnLst>
+                        <p:par>
+                          <p:cTn id="4" fill="hold">
+                            <p:stCondLst>
+                              <p:cond delay="0"/>
+                            </p:stCondLst>
+                            <p:childTnLst>
+                              <p:par>
+                                <p:cTn id="5" presetID="1" presetClass="mediacall" presetSubtype="0" fill="hold" nodeType="afterEffect">
+                                  <p:stCondLst>
+                                    <p:cond delay="0"/>
+                                  </p:stCondLst>
+                                  <p:childTnLst>
+                                    <p:cmd type="call" cmd="playFrom(0.0)">
+                                      <p:cBhvr>
+                                        <p:cTn id="6" dur="10000" fill="hold"/>
+                                        <p:tgtEl>
+                                          <p:spTgt spid="4"/>
+                                        </p:tgtEl>
+                                      </p:cBhvr>
+                                    </p:cmd>
+                                  </p:childTnLst>
+                                </p:cTn>
+                              </p:par>
+                            </p:childTnLst>
+                          </p:cTn>
+                        </p:par>
+                      </p:childTnLst>
+                    </p:cTn>
+                  </p:par>
+                </p:childTnLst>
+              </p:cTn>
+              <p:prevCondLst>
+                <p:cond evt="onPrev" delay="0">
+                  <p:tgtEl>
+                    <p:sldTgt/>
+                  </p:tgtEl>
+                </p:cond>
+              </p:prevCondLst>
+              <p:nextCondLst>
+                <p:cond evt="onNext" delay="0">
+                  <p:tgtEl>
+                    <p:sldTgt/>
+                  </p:tgtEl>
+                </p:cond>
+              </p:nextCondLst>
+            </p:seq>
+            <p:video>
+              <p:cMediaNode vol="80000">
+                <p:cTn id="7" fill="hold" display="0">
+                  <p:stCondLst>
+                    <p:cond delay="indefinite"/>
+                  </p:stCondLst>
+                </p:cTn>
+                <p:tgtEl>
+                  <p:spTgt spid="4"/>
+                </p:tgtEl>
+              </p:cMediaNode>
+            </p:video>
+            <p:seq concurrent="1" nextAc="seek">
+              <p:cTn id="8" restart="whenNotActive" fill="hold" evtFilter="cancelBubble" nodeType="interactiveSeq">
+                <p:stCondLst>
+                  <p:cond evt="onClick" delay="0">
+                    <p:tgtEl>
+                      <p:spTgt spid="4"/>
+                    </p:tgtEl>
+                  </p:cond>
+                </p:stCondLst>
+                <p:endSync evt="end" delay="0">
+                  <p:rtn val="all"/>
+                </p:endSync>
+                <p:childTnLst>
+                  <p:par>
+                    <p:cTn id="9" fill="hold">
+                      <p:stCondLst>
+                        <p:cond delay="0"/>
+                      </p:stCondLst>
+                      <p:childTnLst>
+                        <p:par>
+                          <p:cTn id="10" fill="hold">
+                            <p:stCondLst>
+                              <p:cond delay="0"/>
+                            </p:stCondLst>
+                            <p:childTnLst>
+                              <p:par>
+                                <p:cTn id="11" presetID="2" presetClass="mediacall" presetSubtype="0" fill="hold" nodeType="clickEffect">
+                                  <p:stCondLst>
+                                    <p:cond delay="0"/>
+                                  </p:stCondLst>
+                                  <p:childTnLst>
+                                    <p:cmd type="call" cmd="togglePause">
+                                      <p:cBhvr>
+                                        <p:cTn id="12" dur="1" fill="hold"/>
+                                        <p:tgtEl>
+                                          <p:spTgt spid="4"/>
+                                        </p:tgtEl>
+                                      </p:cBhvr>
+                                    </p:cmd>
+                                  </p:childTnLst>
+                                </p:cTn>
+                              </p:par>
+                            </p:childTnLst>
+                          </p:cTn>
+                        </p:par>
+                      </p:childTnLst>
+                    </p:cTn>
+                  </p:par>
+                </p:childTnLst>
+              </p:cTn>
+              <p:nextCondLst>
+                <p:cond evt="onClick" delay="0">
+                  <p:tgtEl>
+                    <p:spTgt spid="4"/>
+                  </p:tgtEl>
+                </p:cond>
+              </p:nextCondLst>
+            </p:seq>
+          </p:childTnLst>
+        </p:cTn>
+      </p:par>
+    </p:tnLst>
+  </p:timing>
+</p:sld>
+</file>
+
+<file path=ppt/slides/slide12.xml><?xml version="1.0" encoding="utf-8"?>
 <p:sld xmlns:a="http://schemas.openxmlformats.org/drawingml/2006/main" xmlns:r="http://schemas.openxmlformats.org/officeDocument/2006/relationships" xmlns:p="http://schemas.openxmlformats.org/presentationml/2006/main">
   <p:cSld>
     <p:spTree>
@@ -9883,25 +10250,7 @@
                           </a:solidFill>
                           <a:latin typeface="Cambria Math" panose="02040503050406030204" pitchFamily="18" charset="0"/>
                         </a:rPr>
-                        <m:t>,</m:t>
-                      </m:r>
-                      <m:r>
-                        <a:rPr lang="en-US" sz="2400" b="0" i="1" smtClean="0">
-                          <a:solidFill>
-                            <a:srgbClr val="000000"/>
-                          </a:solidFill>
-                          <a:latin typeface="Cambria Math" panose="02040503050406030204" pitchFamily="18" charset="0"/>
-                        </a:rPr>
-                        <m:t>0</m:t>
-                      </m:r>
-                      <m:r>
-                        <a:rPr lang="ar-AE" sz="2400" i="1">
-                          <a:solidFill>
-                            <a:srgbClr val="000000"/>
-                          </a:solidFill>
-                          <a:latin typeface="Cambria Math" panose="02040503050406030204" pitchFamily="18" charset="0"/>
-                        </a:rPr>
-                        <m:t>,</m:t>
+                        <m:t>,0,</m:t>
                       </m:r>
                       <m:r>
                         <a:rPr lang="ar-AE" sz="2400" i="1">
@@ -9919,16 +10268,7 @@
                           </a:solidFill>
                           <a:latin typeface="Cambria Math" panose="02040503050406030204" pitchFamily="18" charset="0"/>
                         </a:rPr>
-                        <m:t>)=−</m:t>
-                      </m:r>
-                      <m:r>
-                        <a:rPr lang="ar-AE" sz="2400" i="1">
-                          <a:solidFill>
-                            <a:srgbClr val="000000"/>
-                          </a:solidFill>
-                          <a:latin typeface="Cambria Math" panose="02040503050406030204" pitchFamily="18" charset="0"/>
-                        </a:rPr>
-                        <m:t>2</m:t>
+                        <m:t>)=−2</m:t>
                       </m:r>
                       <m:r>
                         <a:rPr lang="ar-AE" sz="2400" i="1">
@@ -9985,25 +10325,7 @@
                               </a:solidFill>
                               <a:latin typeface="Cambria Math" panose="02040503050406030204" pitchFamily="18" charset="0"/>
                             </a:rPr>
-                            <m:t>,</m:t>
-                          </m:r>
-                          <m:r>
-                            <a:rPr lang="en-US" sz="2400" b="0" i="1" smtClean="0">
-                              <a:solidFill>
-                                <a:srgbClr val="000000"/>
-                              </a:solidFill>
-                              <a:latin typeface="Cambria Math" panose="02040503050406030204" pitchFamily="18" charset="0"/>
-                            </a:rPr>
-                            <m:t>0</m:t>
-                          </m:r>
-                          <m:r>
-                            <a:rPr lang="ar-AE" sz="2400" i="1">
-                              <a:solidFill>
-                                <a:srgbClr val="000000"/>
-                              </a:solidFill>
-                              <a:latin typeface="Cambria Math" panose="02040503050406030204" pitchFamily="18" charset="0"/>
-                            </a:rPr>
-                            <m:t>,</m:t>
+                            <m:t>,0,</m:t>
                           </m:r>
                           <m:r>
                             <a:rPr lang="ar-AE" sz="2400" i="1">
@@ -10084,16 +10406,7 @@
                               </a:solidFill>
                               <a:latin typeface="Cambria Math" panose="02040503050406030204" pitchFamily="18" charset="0"/>
                             </a:rPr>
-                            <m:t>1</m:t>
-                          </m:r>
-                          <m:r>
-                            <a:rPr lang="ar-AE" sz="2400" i="1">
-                              <a:solidFill>
-                                <a:srgbClr val="000000"/>
-                              </a:solidFill>
-                              <a:latin typeface="Cambria Math" panose="02040503050406030204" pitchFamily="18" charset="0"/>
-                            </a:rPr>
-                            <m:t>−</m:t>
+                            <m:t>1−</m:t>
                           </m:r>
                           <m:sSub>
                             <m:sSubPr>
@@ -10684,13 +10997,7 @@
                             <a:rPr lang="en-US" altLang="ja-JP" sz="2400" i="1">
                               <a:latin typeface="Cambria Math" panose="02040503050406030204" pitchFamily="18" charset="0"/>
                             </a:rPr>
-                            <m:t>,</m:t>
-                          </m:r>
-                          <m:r>
-                            <a:rPr lang="en-US" altLang="ja-JP" sz="2400" i="1">
-                              <a:latin typeface="Cambria Math" panose="02040503050406030204" pitchFamily="18" charset="0"/>
-                            </a:rPr>
-                            <m:t>1</m:t>
+                            <m:t>,1</m:t>
                           </m:r>
                         </m:sub>
                         <m:sup>
@@ -10709,16 +11016,7 @@
                           </a:solidFill>
                           <a:latin typeface="Cambria Math" panose="02040503050406030204" pitchFamily="18" charset="0"/>
                         </a:rPr>
-                        <m:t>=−</m:t>
-                      </m:r>
-                      <m:r>
-                        <a:rPr lang="ar-AE" sz="2400" i="1">
-                          <a:solidFill>
-                            <a:srgbClr val="000000"/>
-                          </a:solidFill>
-                          <a:latin typeface="Cambria Math" panose="02040503050406030204" pitchFamily="18" charset="0"/>
-                        </a:rPr>
-                        <m:t>2</m:t>
+                        <m:t>=−2</m:t>
                       </m:r>
                       <m:r>
                         <a:rPr lang="ar-AE" sz="2400" i="1">
@@ -10768,13 +11066,7 @@
                                 <a:rPr lang="en-US" altLang="ja-JP" sz="2400" i="1">
                                   <a:latin typeface="Cambria Math" panose="02040503050406030204" pitchFamily="18" charset="0"/>
                                 </a:rPr>
-                                <m:t>,</m:t>
-                              </m:r>
-                              <m:r>
-                                <a:rPr lang="en-US" altLang="ja-JP" sz="2400" i="1">
-                                  <a:latin typeface="Cambria Math" panose="02040503050406030204" pitchFamily="18" charset="0"/>
-                                </a:rPr>
-                                <m:t>1</m:t>
+                                <m:t>,1</m:t>
                               </m:r>
                             </m:sub>
                             <m:sup>
@@ -10819,13 +11111,7 @@
                                 <a:rPr lang="en-US" altLang="ja-JP" sz="2400" i="1">
                                   <a:latin typeface="Cambria Math" panose="02040503050406030204" pitchFamily="18" charset="0"/>
                                 </a:rPr>
-                                <m:t>,</m:t>
-                              </m:r>
-                              <m:r>
-                                <a:rPr lang="en-US" altLang="ja-JP" sz="2400" b="0" i="1" smtClean="0">
-                                  <a:latin typeface="Cambria Math" panose="02040503050406030204" pitchFamily="18" charset="0"/>
-                                </a:rPr>
-                                <m:t>2</m:t>
+                                <m:t>,2</m:t>
                               </m:r>
                             </m:sub>
                             <m:sup>
@@ -10900,16 +11186,7 @@
                               </a:solidFill>
                               <a:latin typeface="Cambria Math" panose="02040503050406030204" pitchFamily="18" charset="0"/>
                             </a:rPr>
-                            <m:t>1</m:t>
-                          </m:r>
-                          <m:r>
-                            <a:rPr lang="ar-AE" sz="2400" i="1">
-                              <a:solidFill>
-                                <a:srgbClr val="000000"/>
-                              </a:solidFill>
-                              <a:latin typeface="Cambria Math" panose="02040503050406030204" pitchFamily="18" charset="0"/>
-                            </a:rPr>
-                            <m:t>−</m:t>
+                            <m:t>1−</m:t>
                           </m:r>
                           <m:sSub>
                             <m:sSubPr>
@@ -11122,25 +11399,7 @@
                         </a:solidFill>
                         <a:latin typeface="Cambria Math" panose="02040503050406030204" pitchFamily="18" charset="0"/>
                       </a:rPr>
-                      <m:t>,</m:t>
-                    </m:r>
-                    <m:r>
-                      <a:rPr lang="en-US" altLang="ja-JP" i="1">
-                        <a:solidFill>
-                          <a:srgbClr val="000000"/>
-                        </a:solidFill>
-                        <a:latin typeface="Cambria Math" panose="02040503050406030204" pitchFamily="18" charset="0"/>
-                      </a:rPr>
-                      <m:t>0</m:t>
-                    </m:r>
-                    <m:r>
-                      <a:rPr lang="ar-AE" altLang="ja-JP" i="1">
-                        <a:solidFill>
-                          <a:srgbClr val="000000"/>
-                        </a:solidFill>
-                        <a:latin typeface="Cambria Math" panose="02040503050406030204" pitchFamily="18" charset="0"/>
-                      </a:rPr>
-                      <m:t>,</m:t>
+                      <m:t>,0,</m:t>
                     </m:r>
                     <m:r>
                       <a:rPr lang="ar-AE" altLang="ja-JP" i="1">
@@ -11207,16 +11466,7 @@
                             </a:solidFill>
                             <a:latin typeface="Cambria Math" panose="02040503050406030204" pitchFamily="18" charset="0"/>
                           </a:rPr>
-                          <m:t>,</m:t>
-                        </m:r>
-                        <m:r>
-                          <a:rPr lang="en-US" altLang="ja-JP" b="0" i="1" smtClean="0">
-                            <a:solidFill>
-                              <a:srgbClr val="000000"/>
-                            </a:solidFill>
-                            <a:latin typeface="Cambria Math" panose="02040503050406030204" pitchFamily="18" charset="0"/>
-                          </a:rPr>
-                          <m:t>1</m:t>
+                          <m:t>,1</m:t>
                         </m:r>
                       </m:sub>
                       <m:sup>
@@ -11274,25 +11524,7 @@
                         </a:solidFill>
                         <a:latin typeface="Cambria Math" panose="02040503050406030204" pitchFamily="18" charset="0"/>
                       </a:rPr>
-                      <m:t>,</m:t>
-                    </m:r>
-                    <m:r>
-                      <a:rPr lang="en-US" altLang="ja-JP" b="0" i="1" smtClean="0">
-                        <a:solidFill>
-                          <a:srgbClr val="000000"/>
-                        </a:solidFill>
-                        <a:latin typeface="Cambria Math" panose="02040503050406030204" pitchFamily="18" charset="0"/>
-                      </a:rPr>
-                      <m:t>0</m:t>
-                    </m:r>
-                    <m:r>
-                      <a:rPr lang="en-US" altLang="ja-JP" b="0" i="1" smtClean="0">
-                        <a:solidFill>
-                          <a:srgbClr val="000000"/>
-                        </a:solidFill>
-                        <a:latin typeface="Cambria Math" panose="02040503050406030204" pitchFamily="18" charset="0"/>
-                      </a:rPr>
-                      <m:t>,</m:t>
+                      <m:t>,0,</m:t>
                     </m:r>
                     <m:r>
                       <a:rPr lang="en-US" altLang="ja-JP" b="0" i="1" smtClean="0">
@@ -11364,19 +11596,7 @@
                           <a:rPr kumimoji="1" lang="en-US" altLang="ja-JP" b="0" i="1" dirty="0" smtClean="0">
                             <a:latin typeface="Cambria Math" panose="02040503050406030204" pitchFamily="18" charset="0"/>
                           </a:rPr>
-                          <m:t>,</m:t>
-                        </m:r>
-                        <m:r>
-                          <a:rPr kumimoji="1" lang="en-US" altLang="ja-JP" b="0" i="1" dirty="0" smtClean="0">
-                            <a:latin typeface="Cambria Math" panose="02040503050406030204" pitchFamily="18" charset="0"/>
-                          </a:rPr>
-                          <m:t>0</m:t>
-                        </m:r>
-                        <m:r>
-                          <a:rPr kumimoji="1" lang="en-US" altLang="ja-JP" b="0" i="1" dirty="0" smtClean="0">
-                            <a:latin typeface="Cambria Math" panose="02040503050406030204" pitchFamily="18" charset="0"/>
-                          </a:rPr>
-                          <m:t>,</m:t>
+                          <m:t>,0,</m:t>
                         </m:r>
                         <m:r>
                           <a:rPr kumimoji="1" lang="en-US" altLang="ja-JP" b="0" i="1" dirty="0" smtClean="0">
@@ -11489,19 +11709,7 @@
                           <a:rPr lang="en-US" altLang="ja-JP" i="1" dirty="0">
                             <a:latin typeface="Cambria Math" panose="02040503050406030204" pitchFamily="18" charset="0"/>
                           </a:rPr>
-                          <m:t>,</m:t>
-                        </m:r>
-                        <m:r>
-                          <a:rPr lang="en-US" altLang="ja-JP" i="1" dirty="0">
-                            <a:latin typeface="Cambria Math" panose="02040503050406030204" pitchFamily="18" charset="0"/>
-                          </a:rPr>
-                          <m:t>0</m:t>
-                        </m:r>
-                        <m:r>
-                          <a:rPr lang="en-US" altLang="ja-JP" i="1" dirty="0">
-                            <a:latin typeface="Cambria Math" panose="02040503050406030204" pitchFamily="18" charset="0"/>
-                          </a:rPr>
-                          <m:t>,</m:t>
+                          <m:t>,0,</m:t>
                         </m:r>
                         <m:r>
                           <a:rPr lang="en-US" altLang="ja-JP" i="1" dirty="0">
@@ -11645,16 +11853,7 @@
                             </a:solidFill>
                             <a:latin typeface="Cambria Math" panose="02040503050406030204" pitchFamily="18" charset="0"/>
                           </a:rPr>
-                          <m:t>,</m:t>
-                        </m:r>
-                        <m:r>
-                          <a:rPr lang="en-US" altLang="ja-JP" b="0" i="1" smtClean="0">
-                            <a:solidFill>
-                              <a:srgbClr val="000000"/>
-                            </a:solidFill>
-                            <a:latin typeface="Cambria Math" panose="02040503050406030204" pitchFamily="18" charset="0"/>
-                          </a:rPr>
-                          <m:t>1</m:t>
+                          <m:t>,1</m:t>
                         </m:r>
                       </m:sub>
                       <m:sup>
@@ -12089,13 +12288,7 @@
                             <a:rPr lang="en-US" altLang="ja-JP" sz="2400" i="1">
                               <a:latin typeface="Cambria Math" panose="02040503050406030204" pitchFamily="18" charset="0"/>
                             </a:rPr>
-                            <m:t>,</m:t>
-                          </m:r>
-                          <m:r>
-                            <a:rPr lang="en-US" altLang="ja-JP" sz="2400" i="1">
-                              <a:latin typeface="Cambria Math" panose="02040503050406030204" pitchFamily="18" charset="0"/>
-                            </a:rPr>
-                            <m:t>1</m:t>
+                            <m:t>,1</m:t>
                           </m:r>
                         </m:sub>
                         <m:sup>
@@ -12237,13 +12430,7 @@
                                 <a:rPr lang="en-US" altLang="ja-JP" sz="2400" i="1">
                                   <a:latin typeface="Cambria Math" panose="02040503050406030204" pitchFamily="18" charset="0"/>
                                 </a:rPr>
-                                <m:t>,</m:t>
-                              </m:r>
-                              <m:r>
-                                <a:rPr lang="en-US" altLang="ja-JP" sz="2400" i="1">
-                                  <a:latin typeface="Cambria Math" panose="02040503050406030204" pitchFamily="18" charset="0"/>
-                                </a:rPr>
-                                <m:t>2</m:t>
+                                <m:t>,2</m:t>
                               </m:r>
                             </m:sub>
                             <m:sup>
@@ -12296,13 +12483,7 @@
                                 <a:rPr lang="ar-AE" altLang="ja-JP" sz="2400" i="1">
                                   <a:latin typeface="Cambria Math" panose="02040503050406030204" pitchFamily="18" charset="0"/>
                                 </a:rPr>
-                                <m:t>1</m:t>
-                              </m:r>
-                              <m:r>
-                                <a:rPr lang="ar-AE" altLang="ja-JP" sz="2400" i="1">
-                                  <a:latin typeface="Cambria Math" panose="02040503050406030204" pitchFamily="18" charset="0"/>
-                                </a:rPr>
-                                <m:t>−</m:t>
+                                <m:t>1−</m:t>
                               </m:r>
                               <m:sSub>
                                 <m:sSubPr>
@@ -12447,7 +12628,7 @@
 </p:sld>
 </file>
 
-<file path=ppt/slides/slide12.xml><?xml version="1.0" encoding="utf-8"?>
+<file path=ppt/slides/slide13.xml><?xml version="1.0" encoding="utf-8"?>
 <p:sld xmlns:a="http://schemas.openxmlformats.org/drawingml/2006/main" xmlns:r="http://schemas.openxmlformats.org/officeDocument/2006/relationships" xmlns:p="http://schemas.openxmlformats.org/presentationml/2006/main">
   <p:cSld>
     <p:spTree>
@@ -12965,16 +13146,7 @@
                           </a:solidFill>
                           <a:latin typeface="Cambria Math" panose="02040503050406030204" pitchFamily="18" charset="0"/>
                         </a:rPr>
-                        <m:t>)=−</m:t>
-                      </m:r>
-                      <m:r>
-                        <a:rPr lang="ar-AE" sz="2400" i="1">
-                          <a:solidFill>
-                            <a:srgbClr val="000000"/>
-                          </a:solidFill>
-                          <a:latin typeface="Cambria Math" panose="02040503050406030204" pitchFamily="18" charset="0"/>
-                        </a:rPr>
-                        <m:t>2</m:t>
+                        <m:t>)=−2</m:t>
                       </m:r>
                       <m:r>
                         <a:rPr lang="ar-AE" sz="2400" i="1">
@@ -14083,16 +14255,7 @@
                           </a:solidFill>
                           <a:latin typeface="Cambria Math" panose="02040503050406030204" pitchFamily="18" charset="0"/>
                         </a:rPr>
-                        <m:t>−</m:t>
-                      </m:r>
-                      <m:r>
-                        <a:rPr lang="ar-AE" sz="2400" i="1">
-                          <a:solidFill>
-                            <a:srgbClr val="000000"/>
-                          </a:solidFill>
-                          <a:latin typeface="Cambria Math" panose="02040503050406030204" pitchFamily="18" charset="0"/>
-                        </a:rPr>
-                        <m:t>2</m:t>
+                        <m:t>−2</m:t>
                       </m:r>
                       <m:r>
                         <a:rPr lang="ar-AE" sz="2400" i="1">
@@ -14205,13 +14368,7 @@
                                 <a:rPr lang="en-US" altLang="ja-JP" sz="2400" b="0" i="1" smtClean="0">
                                   <a:latin typeface="Cambria Math" panose="02040503050406030204" pitchFamily="18" charset="0"/>
                                 </a:rPr>
-                                <m:t>−</m:t>
-                              </m:r>
-                              <m:r>
-                                <a:rPr lang="en-US" altLang="ja-JP" sz="2400" b="0" i="1" smtClean="0">
-                                  <a:latin typeface="Cambria Math" panose="02040503050406030204" pitchFamily="18" charset="0"/>
-                                </a:rPr>
-                                <m:t>1</m:t>
+                                <m:t>−1</m:t>
                               </m:r>
                             </m:sub>
                             <m:sup>
@@ -14303,8 +14460,8 @@
           </p:sp>
         </mc:Fallback>
       </mc:AlternateContent>
-      <mc:AlternateContent xmlns:mc="http://schemas.openxmlformats.org/markup-compatibility/2006">
-        <mc:Choice xmlns:a14="http://schemas.microsoft.com/office/drawing/2010/main" Requires="a14">
+      <mc:AlternateContent xmlns:mc="http://schemas.openxmlformats.org/markup-compatibility/2006" xmlns:a14="http://schemas.microsoft.com/office/drawing/2010/main">
+        <mc:Choice Requires="a14">
           <p:sp>
             <p:nvSpPr>
               <p:cNvPr id="17" name="テキスト ボックス 16">
@@ -14420,7 +14577,7 @@
             </p:txBody>
           </p:sp>
         </mc:Choice>
-        <mc:Fallback>
+        <mc:Fallback xmlns="">
           <p:sp>
             <p:nvSpPr>
               <p:cNvPr id="17" name="テキスト ボックス 16">
@@ -14964,13 +15121,7 @@
                             <a:rPr lang="en-US" altLang="ja-JP" sz="2400" i="1">
                               <a:latin typeface="Cambria Math" panose="02040503050406030204" pitchFamily="18" charset="0"/>
                             </a:rPr>
-                            <m:t>−</m:t>
-                          </m:r>
-                          <m:r>
-                            <a:rPr lang="en-US" altLang="ja-JP" sz="2400" i="1">
-                              <a:latin typeface="Cambria Math" panose="02040503050406030204" pitchFamily="18" charset="0"/>
-                            </a:rPr>
-                            <m:t>1</m:t>
+                            <m:t>−1</m:t>
                           </m:r>
                         </m:sub>
                         <m:sup>
@@ -15051,7 +15202,7 @@
 </p:sld>
 </file>
 
-<file path=ppt/slides/slide13.xml><?xml version="1.0" encoding="utf-8"?>
+<file path=ppt/slides/slide14.xml><?xml version="1.0" encoding="utf-8"?>
 <p:sld xmlns:a="http://schemas.openxmlformats.org/drawingml/2006/main" xmlns:r="http://schemas.openxmlformats.org/officeDocument/2006/relationships" xmlns:p="http://schemas.openxmlformats.org/presentationml/2006/main">
   <p:cSld>
     <p:spTree>
@@ -15073,7 +15224,7 @@
           <p:cNvPr id="2" name="タイトル 1">
             <a:extLst>
               <a:ext uri="{FF2B5EF4-FFF2-40B4-BE49-F238E27FC236}">
-                <a16:creationId xmlns:a16="http://schemas.microsoft.com/office/drawing/2014/main" id="{07840522-AEE5-938A-2A30-D638A8871AA8}"/>
+                <a16:creationId xmlns:a16="http://schemas.microsoft.com/office/drawing/2014/main" id="{D61A0F76-D2BC-1333-D25D-45B69AF50A94}"/>
               </a:ext>
             </a:extLst>
           </p:cNvPr>
@@ -15090,23 +15241,5198 @@
           <a:lstStyle/>
           <a:p>
             <a:r>
+              <a:rPr kumimoji="1" lang="ja-JP" altLang="en-US"/>
+              <a:t>離散化した光拡散方程式の適用条件</a:t>
+            </a:r>
+            <a:endParaRPr kumimoji="1" lang="ja-JP" altLang="en-US" dirty="0"/>
+          </a:p>
+        </p:txBody>
+      </p:sp>
+      <mc:AlternateContent xmlns:mc="http://schemas.openxmlformats.org/markup-compatibility/2006">
+        <mc:Choice xmlns:a14="http://schemas.microsoft.com/office/drawing/2010/main" Requires="a14">
+          <p:sp>
+            <p:nvSpPr>
+              <p:cNvPr id="14" name="テキスト ボックス 13">
+                <a:extLst>
+                  <a:ext uri="{FF2B5EF4-FFF2-40B4-BE49-F238E27FC236}">
+                    <a16:creationId xmlns:a16="http://schemas.microsoft.com/office/drawing/2014/main" id="{87585186-D08E-3A4C-9A05-97197204CF0A}"/>
+                  </a:ext>
+                </a:extLst>
+              </p:cNvPr>
+              <p:cNvSpPr txBox="1"/>
+              <p:nvPr/>
+            </p:nvSpPr>
+            <p:spPr>
+              <a:xfrm>
+                <a:off x="723263" y="1360662"/>
+                <a:ext cx="10012684" cy="660052"/>
+              </a:xfrm>
+              <a:prstGeom prst="rect">
+                <a:avLst/>
+              </a:prstGeom>
+              <a:noFill/>
+            </p:spPr>
+            <p:txBody>
+              <a:bodyPr wrap="square">
+                <a:spAutoFit/>
+              </a:bodyPr>
+              <a:lstStyle/>
+              <a:p>
+                <a:pPr/>
+                <a14:m>
+                  <m:oMathPara xmlns:m="http://schemas.openxmlformats.org/officeDocument/2006/math">
+                    <m:oMathParaPr>
+                      <m:jc m:val="centerGroup"/>
+                    </m:oMathParaPr>
+                    <m:oMath xmlns:m="http://schemas.openxmlformats.org/officeDocument/2006/math">
+                      <m:sSubSup>
+                        <m:sSubSupPr>
+                          <m:ctrlPr>
+                            <a:rPr lang="ar-AE" altLang="ja-JP" i="1" smtClean="0">
+                              <a:latin typeface="Cambria Math" panose="02040503050406030204" pitchFamily="18" charset="0"/>
+                            </a:rPr>
+                          </m:ctrlPr>
+                        </m:sSubSupPr>
+                        <m:e>
+                          <m:r>
+                            <a:rPr lang="ar-AE" altLang="ja-JP" i="1">
+                              <a:latin typeface="Cambria Math" panose="02040503050406030204" pitchFamily="18" charset="0"/>
+                            </a:rPr>
+                            <m:t>𝜙</m:t>
+                          </m:r>
+                        </m:e>
+                        <m:sub>
+                          <m:r>
+                            <a:rPr lang="en-US" altLang="ja-JP" i="1">
+                              <a:latin typeface="Cambria Math" panose="02040503050406030204" pitchFamily="18" charset="0"/>
+                            </a:rPr>
+                            <m:t>𝑥</m:t>
+                          </m:r>
+                          <m:r>
+                            <a:rPr lang="en-US" altLang="ja-JP" i="1">
+                              <a:latin typeface="Cambria Math" panose="02040503050406030204" pitchFamily="18" charset="0"/>
+                            </a:rPr>
+                            <m:t>,</m:t>
+                          </m:r>
+                          <m:r>
+                            <a:rPr lang="en-US" altLang="ja-JP" i="1">
+                              <a:latin typeface="Cambria Math" panose="02040503050406030204" pitchFamily="18" charset="0"/>
+                            </a:rPr>
+                            <m:t>𝑦</m:t>
+                          </m:r>
+                        </m:sub>
+                        <m:sup>
+                          <m:r>
+                            <a:rPr lang="en-US" altLang="ja-JP" i="1">
+                              <a:latin typeface="Cambria Math" panose="02040503050406030204" pitchFamily="18" charset="0"/>
+                            </a:rPr>
+                            <m:t>𝑡</m:t>
+                          </m:r>
+                          <m:r>
+                            <a:rPr lang="en-US" altLang="ja-JP" i="1">
+                              <a:latin typeface="Cambria Math" panose="02040503050406030204" pitchFamily="18" charset="0"/>
+                            </a:rPr>
+                            <m:t>+1</m:t>
+                          </m:r>
+                        </m:sup>
+                      </m:sSubSup>
+                      <m:r>
+                        <a:rPr lang="en-US" altLang="ja-JP" b="0" i="1" smtClean="0">
+                          <a:latin typeface="Cambria Math" panose="02040503050406030204" pitchFamily="18" charset="0"/>
+                        </a:rPr>
+                        <m:t>=</m:t>
+                      </m:r>
+                      <m:f>
+                        <m:fPr>
+                          <m:ctrlPr>
+                            <a:rPr lang="en-US" altLang="ja-JP" b="0" i="1" smtClean="0">
+                              <a:latin typeface="Cambria Math" panose="02040503050406030204" pitchFamily="18" charset="0"/>
+                            </a:rPr>
+                          </m:ctrlPr>
+                        </m:fPr>
+                        <m:num>
+                          <m:r>
+                            <a:rPr lang="en-US" altLang="ja-JP" b="0" i="1" smtClean="0">
+                              <a:latin typeface="Cambria Math" panose="02040503050406030204" pitchFamily="18" charset="0"/>
+                            </a:rPr>
+                            <m:t>𝑣</m:t>
+                          </m:r>
+                          <m:r>
+                            <m:rPr>
+                              <m:sty m:val="p"/>
+                            </m:rPr>
+                            <a:rPr lang="el-GR" altLang="ja-JP" b="0" i="1" smtClean="0">
+                              <a:latin typeface="Cambria Math" panose="02040503050406030204" pitchFamily="18" charset="0"/>
+                              <a:ea typeface="Cambria Math" panose="02040503050406030204" pitchFamily="18" charset="0"/>
+                            </a:rPr>
+                            <m:t>Δ</m:t>
+                          </m:r>
+                          <m:r>
+                            <a:rPr lang="en-US" altLang="ja-JP" b="0" i="1" smtClean="0">
+                              <a:latin typeface="Cambria Math" panose="02040503050406030204" pitchFamily="18" charset="0"/>
+                              <a:ea typeface="Cambria Math" panose="02040503050406030204" pitchFamily="18" charset="0"/>
+                            </a:rPr>
+                            <m:t>𝑡𝐷</m:t>
+                          </m:r>
+                        </m:num>
+                        <m:den>
+                          <m:r>
+                            <m:rPr>
+                              <m:sty m:val="p"/>
+                            </m:rPr>
+                            <a:rPr lang="el-GR" altLang="ja-JP" b="0" i="1" smtClean="0">
+                              <a:latin typeface="Cambria Math" panose="02040503050406030204" pitchFamily="18" charset="0"/>
+                              <a:ea typeface="Cambria Math" panose="02040503050406030204" pitchFamily="18" charset="0"/>
+                            </a:rPr>
+                            <m:t>Δ</m:t>
+                          </m:r>
+                          <m:r>
+                            <a:rPr lang="en-US" altLang="ja-JP" b="0" i="1" smtClean="0">
+                              <a:latin typeface="Cambria Math" panose="02040503050406030204" pitchFamily="18" charset="0"/>
+                              <a:ea typeface="Cambria Math" panose="02040503050406030204" pitchFamily="18" charset="0"/>
+                            </a:rPr>
+                            <m:t>𝑥</m:t>
+                          </m:r>
+                          <m:r>
+                            <a:rPr lang="en-US" altLang="ja-JP" b="0" i="1" smtClean="0">
+                              <a:latin typeface="Cambria Math" panose="02040503050406030204" pitchFamily="18" charset="0"/>
+                              <a:ea typeface="Cambria Math" panose="02040503050406030204" pitchFamily="18" charset="0"/>
+                            </a:rPr>
+                            <m:t>∙</m:t>
+                          </m:r>
+                          <m:r>
+                            <m:rPr>
+                              <m:sty m:val="p"/>
+                            </m:rPr>
+                            <a:rPr lang="el-GR" altLang="ja-JP" b="0" i="1" smtClean="0">
+                              <a:latin typeface="Cambria Math" panose="02040503050406030204" pitchFamily="18" charset="0"/>
+                              <a:ea typeface="Cambria Math" panose="02040503050406030204" pitchFamily="18" charset="0"/>
+                            </a:rPr>
+                            <m:t>Δ</m:t>
+                          </m:r>
+                          <m:r>
+                            <a:rPr lang="en-US" altLang="ja-JP" b="0" i="1" smtClean="0">
+                              <a:latin typeface="Cambria Math" panose="02040503050406030204" pitchFamily="18" charset="0"/>
+                              <a:ea typeface="Cambria Math" panose="02040503050406030204" pitchFamily="18" charset="0"/>
+                            </a:rPr>
+                            <m:t>𝑦</m:t>
+                          </m:r>
+                        </m:den>
+                      </m:f>
+                      <m:d>
+                        <m:dPr>
+                          <m:begChr m:val="["/>
+                          <m:endChr m:val="]"/>
+                          <m:ctrlPr>
+                            <a:rPr lang="en-US" altLang="ja-JP" b="0" i="1" smtClean="0">
+                              <a:latin typeface="Cambria Math" panose="02040503050406030204" pitchFamily="18" charset="0"/>
+                            </a:rPr>
+                          </m:ctrlPr>
+                        </m:dPr>
+                        <m:e>
+                          <m:f>
+                            <m:fPr>
+                              <m:ctrlPr>
+                                <a:rPr lang="en-US" altLang="ja-JP" b="0" i="1" smtClean="0">
+                                  <a:latin typeface="Cambria Math" panose="02040503050406030204" pitchFamily="18" charset="0"/>
+                                </a:rPr>
+                              </m:ctrlPr>
+                            </m:fPr>
+                            <m:num>
+                              <m:r>
+                                <m:rPr>
+                                  <m:sty m:val="p"/>
+                                </m:rPr>
+                                <a:rPr lang="el-GR" altLang="ja-JP" b="0" i="1" smtClean="0">
+                                  <a:latin typeface="Cambria Math" panose="02040503050406030204" pitchFamily="18" charset="0"/>
+                                  <a:ea typeface="Cambria Math" panose="02040503050406030204" pitchFamily="18" charset="0"/>
+                                </a:rPr>
+                                <m:t>Δ</m:t>
+                              </m:r>
+                              <m:r>
+                                <a:rPr lang="en-US" altLang="ja-JP" b="0" i="1" smtClean="0">
+                                  <a:latin typeface="Cambria Math" panose="02040503050406030204" pitchFamily="18" charset="0"/>
+                                  <a:ea typeface="Cambria Math" panose="02040503050406030204" pitchFamily="18" charset="0"/>
+                                </a:rPr>
+                                <m:t>𝑦</m:t>
+                              </m:r>
+                            </m:num>
+                            <m:den>
+                              <m:r>
+                                <m:rPr>
+                                  <m:sty m:val="p"/>
+                                </m:rPr>
+                                <a:rPr lang="el-GR" altLang="ja-JP" b="0" i="1" smtClean="0">
+                                  <a:latin typeface="Cambria Math" panose="02040503050406030204" pitchFamily="18" charset="0"/>
+                                  <a:ea typeface="Cambria Math" panose="02040503050406030204" pitchFamily="18" charset="0"/>
+                                </a:rPr>
+                                <m:t>Δ</m:t>
+                              </m:r>
+                              <m:r>
+                                <a:rPr lang="en-US" altLang="ja-JP" b="0" i="1" smtClean="0">
+                                  <a:latin typeface="Cambria Math" panose="02040503050406030204" pitchFamily="18" charset="0"/>
+                                  <a:ea typeface="Cambria Math" panose="02040503050406030204" pitchFamily="18" charset="0"/>
+                                </a:rPr>
+                                <m:t>𝑥</m:t>
+                              </m:r>
+                            </m:den>
+                          </m:f>
+                          <m:sSubSup>
+                            <m:sSubSupPr>
+                              <m:ctrlPr>
+                                <a:rPr lang="ar-AE" altLang="ja-JP" i="1">
+                                  <a:latin typeface="Cambria Math" panose="02040503050406030204" pitchFamily="18" charset="0"/>
+                                </a:rPr>
+                              </m:ctrlPr>
+                            </m:sSubSupPr>
+                            <m:e>
+                              <m:r>
+                                <a:rPr lang="ar-AE" altLang="ja-JP" i="1">
+                                  <a:latin typeface="Cambria Math" panose="02040503050406030204" pitchFamily="18" charset="0"/>
+                                </a:rPr>
+                                <m:t>𝜙</m:t>
+                              </m:r>
+                            </m:e>
+                            <m:sub>
+                              <m:r>
+                                <a:rPr lang="en-US" altLang="ja-JP" i="1">
+                                  <a:latin typeface="Cambria Math" panose="02040503050406030204" pitchFamily="18" charset="0"/>
+                                </a:rPr>
+                                <m:t>𝑥</m:t>
+                              </m:r>
+                              <m:r>
+                                <a:rPr lang="en-US" altLang="ja-JP" i="1">
+                                  <a:latin typeface="Cambria Math" panose="02040503050406030204" pitchFamily="18" charset="0"/>
+                                </a:rPr>
+                                <m:t>+1</m:t>
+                              </m:r>
+                              <m:r>
+                                <a:rPr lang="en-US" altLang="ja-JP" i="1">
+                                  <a:latin typeface="Cambria Math" panose="02040503050406030204" pitchFamily="18" charset="0"/>
+                                </a:rPr>
+                                <m:t>,</m:t>
+                              </m:r>
+                              <m:r>
+                                <a:rPr lang="en-US" altLang="ja-JP" i="1">
+                                  <a:latin typeface="Cambria Math" panose="02040503050406030204" pitchFamily="18" charset="0"/>
+                                </a:rPr>
+                                <m:t>𝑦</m:t>
+                              </m:r>
+                            </m:sub>
+                            <m:sup>
+                              <m:r>
+                                <a:rPr lang="en-US" altLang="ja-JP" i="1">
+                                  <a:latin typeface="Cambria Math" panose="02040503050406030204" pitchFamily="18" charset="0"/>
+                                </a:rPr>
+                                <m:t>𝑡</m:t>
+                              </m:r>
+                            </m:sup>
+                          </m:sSubSup>
+                          <m:r>
+                            <a:rPr lang="en-US" altLang="ja-JP" i="1">
+                              <a:latin typeface="Cambria Math" panose="02040503050406030204" pitchFamily="18" charset="0"/>
+                            </a:rPr>
+                            <m:t>−2</m:t>
+                          </m:r>
+                          <m:sSubSup>
+                            <m:sSubSupPr>
+                              <m:ctrlPr>
+                                <a:rPr lang="ar-AE" altLang="ja-JP" i="1">
+                                  <a:latin typeface="Cambria Math" panose="02040503050406030204" pitchFamily="18" charset="0"/>
+                                </a:rPr>
+                              </m:ctrlPr>
+                            </m:sSubSupPr>
+                            <m:e>
+                              <m:r>
+                                <a:rPr lang="ar-AE" altLang="ja-JP" i="1">
+                                  <a:latin typeface="Cambria Math" panose="02040503050406030204" pitchFamily="18" charset="0"/>
+                                </a:rPr>
+                                <m:t>𝜙</m:t>
+                              </m:r>
+                            </m:e>
+                            <m:sub>
+                              <m:r>
+                                <a:rPr lang="en-US" altLang="ja-JP" i="1">
+                                  <a:latin typeface="Cambria Math" panose="02040503050406030204" pitchFamily="18" charset="0"/>
+                                </a:rPr>
+                                <m:t>𝑥</m:t>
+                              </m:r>
+                              <m:r>
+                                <a:rPr lang="en-US" altLang="ja-JP" i="1">
+                                  <a:latin typeface="Cambria Math" panose="02040503050406030204" pitchFamily="18" charset="0"/>
+                                </a:rPr>
+                                <m:t>,</m:t>
+                              </m:r>
+                              <m:r>
+                                <a:rPr lang="en-US" altLang="ja-JP" i="1">
+                                  <a:latin typeface="Cambria Math" panose="02040503050406030204" pitchFamily="18" charset="0"/>
+                                </a:rPr>
+                                <m:t>𝑦</m:t>
+                              </m:r>
+                            </m:sub>
+                            <m:sup>
+                              <m:r>
+                                <a:rPr lang="en-US" altLang="ja-JP" i="1">
+                                  <a:latin typeface="Cambria Math" panose="02040503050406030204" pitchFamily="18" charset="0"/>
+                                </a:rPr>
+                                <m:t>𝑡</m:t>
+                              </m:r>
+                            </m:sup>
+                          </m:sSubSup>
+                          <m:r>
+                            <a:rPr lang="en-US" altLang="ja-JP" i="1">
+                              <a:latin typeface="Cambria Math" panose="02040503050406030204" pitchFamily="18" charset="0"/>
+                            </a:rPr>
+                            <m:t>+</m:t>
+                          </m:r>
+                          <m:sSubSup>
+                            <m:sSubSupPr>
+                              <m:ctrlPr>
+                                <a:rPr lang="ar-AE" altLang="ja-JP" i="1">
+                                  <a:latin typeface="Cambria Math" panose="02040503050406030204" pitchFamily="18" charset="0"/>
+                                </a:rPr>
+                              </m:ctrlPr>
+                            </m:sSubSupPr>
+                            <m:e>
+                              <m:r>
+                                <a:rPr lang="ar-AE" altLang="ja-JP" i="1">
+                                  <a:latin typeface="Cambria Math" panose="02040503050406030204" pitchFamily="18" charset="0"/>
+                                </a:rPr>
+                                <m:t>𝜙</m:t>
+                              </m:r>
+                            </m:e>
+                            <m:sub>
+                              <m:r>
+                                <a:rPr lang="en-US" altLang="ja-JP" i="1">
+                                  <a:latin typeface="Cambria Math" panose="02040503050406030204" pitchFamily="18" charset="0"/>
+                                </a:rPr>
+                                <m:t>𝑥</m:t>
+                              </m:r>
+                              <m:r>
+                                <a:rPr lang="en-US" altLang="ja-JP" i="1">
+                                  <a:latin typeface="Cambria Math" panose="02040503050406030204" pitchFamily="18" charset="0"/>
+                                </a:rPr>
+                                <m:t>−1</m:t>
+                              </m:r>
+                              <m:r>
+                                <a:rPr lang="en-US" altLang="ja-JP" i="1">
+                                  <a:latin typeface="Cambria Math" panose="02040503050406030204" pitchFamily="18" charset="0"/>
+                                </a:rPr>
+                                <m:t>,</m:t>
+                              </m:r>
+                              <m:r>
+                                <a:rPr lang="en-US" altLang="ja-JP" i="1">
+                                  <a:latin typeface="Cambria Math" panose="02040503050406030204" pitchFamily="18" charset="0"/>
+                                </a:rPr>
+                                <m:t>𝑦</m:t>
+                              </m:r>
+                            </m:sub>
+                            <m:sup>
+                              <m:r>
+                                <a:rPr lang="en-US" altLang="ja-JP" i="1">
+                                  <a:latin typeface="Cambria Math" panose="02040503050406030204" pitchFamily="18" charset="0"/>
+                                </a:rPr>
+                                <m:t>𝑡</m:t>
+                              </m:r>
+                            </m:sup>
+                          </m:sSubSup>
+                          <m:r>
+                            <a:rPr lang="en-US" altLang="ja-JP" b="0" i="1" smtClean="0">
+                              <a:latin typeface="Cambria Math" panose="02040503050406030204" pitchFamily="18" charset="0"/>
+                            </a:rPr>
+                            <m:t>+</m:t>
+                          </m:r>
+                          <m:f>
+                            <m:fPr>
+                              <m:ctrlPr>
+                                <a:rPr lang="en-US" altLang="ja-JP" b="0" i="1" smtClean="0">
+                                  <a:latin typeface="Cambria Math" panose="02040503050406030204" pitchFamily="18" charset="0"/>
+                                </a:rPr>
+                              </m:ctrlPr>
+                            </m:fPr>
+                            <m:num>
+                              <m:r>
+                                <m:rPr>
+                                  <m:sty m:val="p"/>
+                                </m:rPr>
+                                <a:rPr lang="el-GR" altLang="ja-JP" b="0" i="1" smtClean="0">
+                                  <a:latin typeface="Cambria Math" panose="02040503050406030204" pitchFamily="18" charset="0"/>
+                                  <a:ea typeface="Cambria Math" panose="02040503050406030204" pitchFamily="18" charset="0"/>
+                                </a:rPr>
+                                <m:t>Δ</m:t>
+                              </m:r>
+                              <m:r>
+                                <a:rPr lang="en-US" altLang="ja-JP" b="0" i="1" smtClean="0">
+                                  <a:latin typeface="Cambria Math" panose="02040503050406030204" pitchFamily="18" charset="0"/>
+                                  <a:ea typeface="Cambria Math" panose="02040503050406030204" pitchFamily="18" charset="0"/>
+                                </a:rPr>
+                                <m:t>𝑥</m:t>
+                              </m:r>
+                            </m:num>
+                            <m:den>
+                              <m:r>
+                                <m:rPr>
+                                  <m:sty m:val="p"/>
+                                </m:rPr>
+                                <a:rPr lang="el-GR" altLang="ja-JP" b="0" i="1" smtClean="0">
+                                  <a:latin typeface="Cambria Math" panose="02040503050406030204" pitchFamily="18" charset="0"/>
+                                  <a:ea typeface="Cambria Math" panose="02040503050406030204" pitchFamily="18" charset="0"/>
+                                </a:rPr>
+                                <m:t>Δ</m:t>
+                              </m:r>
+                              <m:r>
+                                <a:rPr lang="en-US" altLang="ja-JP" b="0" i="1" smtClean="0">
+                                  <a:latin typeface="Cambria Math" panose="02040503050406030204" pitchFamily="18" charset="0"/>
+                                  <a:ea typeface="Cambria Math" panose="02040503050406030204" pitchFamily="18" charset="0"/>
+                                </a:rPr>
+                                <m:t>𝑦</m:t>
+                              </m:r>
+                            </m:den>
+                          </m:f>
+                          <m:sSubSup>
+                            <m:sSubSupPr>
+                              <m:ctrlPr>
+                                <a:rPr lang="ar-AE" altLang="ja-JP" i="1">
+                                  <a:latin typeface="Cambria Math" panose="02040503050406030204" pitchFamily="18" charset="0"/>
+                                </a:rPr>
+                              </m:ctrlPr>
+                            </m:sSubSupPr>
+                            <m:e>
+                              <m:r>
+                                <a:rPr lang="ar-AE" altLang="ja-JP" i="1">
+                                  <a:latin typeface="Cambria Math" panose="02040503050406030204" pitchFamily="18" charset="0"/>
+                                </a:rPr>
+                                <m:t>𝜙</m:t>
+                              </m:r>
+                            </m:e>
+                            <m:sub>
+                              <m:r>
+                                <a:rPr lang="en-US" altLang="ja-JP" i="1">
+                                  <a:latin typeface="Cambria Math" panose="02040503050406030204" pitchFamily="18" charset="0"/>
+                                </a:rPr>
+                                <m:t>𝑥</m:t>
+                              </m:r>
+                              <m:r>
+                                <a:rPr lang="en-US" altLang="ja-JP" i="1">
+                                  <a:latin typeface="Cambria Math" panose="02040503050406030204" pitchFamily="18" charset="0"/>
+                                </a:rPr>
+                                <m:t>,</m:t>
+                              </m:r>
+                              <m:r>
+                                <a:rPr lang="en-US" altLang="ja-JP" i="1">
+                                  <a:latin typeface="Cambria Math" panose="02040503050406030204" pitchFamily="18" charset="0"/>
+                                </a:rPr>
+                                <m:t>𝑦</m:t>
+                              </m:r>
+                              <m:r>
+                                <a:rPr lang="en-US" altLang="ja-JP" i="1">
+                                  <a:latin typeface="Cambria Math" panose="02040503050406030204" pitchFamily="18" charset="0"/>
+                                </a:rPr>
+                                <m:t>+1</m:t>
+                              </m:r>
+                            </m:sub>
+                            <m:sup>
+                              <m:r>
+                                <a:rPr lang="en-US" altLang="ja-JP" i="1">
+                                  <a:latin typeface="Cambria Math" panose="02040503050406030204" pitchFamily="18" charset="0"/>
+                                </a:rPr>
+                                <m:t>𝑡</m:t>
+                              </m:r>
+                            </m:sup>
+                          </m:sSubSup>
+                          <m:r>
+                            <a:rPr lang="en-US" altLang="ja-JP" i="1">
+                              <a:latin typeface="Cambria Math" panose="02040503050406030204" pitchFamily="18" charset="0"/>
+                            </a:rPr>
+                            <m:t>−2</m:t>
+                          </m:r>
+                          <m:sSubSup>
+                            <m:sSubSupPr>
+                              <m:ctrlPr>
+                                <a:rPr lang="ar-AE" altLang="ja-JP" i="1">
+                                  <a:latin typeface="Cambria Math" panose="02040503050406030204" pitchFamily="18" charset="0"/>
+                                </a:rPr>
+                              </m:ctrlPr>
+                            </m:sSubSupPr>
+                            <m:e>
+                              <m:r>
+                                <a:rPr lang="ar-AE" altLang="ja-JP" i="1">
+                                  <a:latin typeface="Cambria Math" panose="02040503050406030204" pitchFamily="18" charset="0"/>
+                                </a:rPr>
+                                <m:t>𝜙</m:t>
+                              </m:r>
+                            </m:e>
+                            <m:sub>
+                              <m:r>
+                                <a:rPr lang="en-US" altLang="ja-JP" i="1">
+                                  <a:latin typeface="Cambria Math" panose="02040503050406030204" pitchFamily="18" charset="0"/>
+                                </a:rPr>
+                                <m:t>𝑥</m:t>
+                              </m:r>
+                              <m:r>
+                                <a:rPr lang="en-US" altLang="ja-JP" i="1">
+                                  <a:latin typeface="Cambria Math" panose="02040503050406030204" pitchFamily="18" charset="0"/>
+                                </a:rPr>
+                                <m:t>,</m:t>
+                              </m:r>
+                              <m:r>
+                                <a:rPr lang="en-US" altLang="ja-JP" i="1">
+                                  <a:latin typeface="Cambria Math" panose="02040503050406030204" pitchFamily="18" charset="0"/>
+                                </a:rPr>
+                                <m:t>𝑦</m:t>
+                              </m:r>
+                            </m:sub>
+                            <m:sup>
+                              <m:r>
+                                <a:rPr lang="en-US" altLang="ja-JP" i="1">
+                                  <a:latin typeface="Cambria Math" panose="02040503050406030204" pitchFamily="18" charset="0"/>
+                                </a:rPr>
+                                <m:t>𝑡</m:t>
+                              </m:r>
+                            </m:sup>
+                          </m:sSubSup>
+                          <m:r>
+                            <a:rPr lang="en-US" altLang="ja-JP" i="1">
+                              <a:latin typeface="Cambria Math" panose="02040503050406030204" pitchFamily="18" charset="0"/>
+                            </a:rPr>
+                            <m:t>+</m:t>
+                          </m:r>
+                          <m:sSubSup>
+                            <m:sSubSupPr>
+                              <m:ctrlPr>
+                                <a:rPr lang="ar-AE" altLang="ja-JP" i="1">
+                                  <a:latin typeface="Cambria Math" panose="02040503050406030204" pitchFamily="18" charset="0"/>
+                                </a:rPr>
+                              </m:ctrlPr>
+                            </m:sSubSupPr>
+                            <m:e>
+                              <m:r>
+                                <a:rPr lang="ar-AE" altLang="ja-JP" i="1">
+                                  <a:latin typeface="Cambria Math" panose="02040503050406030204" pitchFamily="18" charset="0"/>
+                                </a:rPr>
+                                <m:t>𝜙</m:t>
+                              </m:r>
+                            </m:e>
+                            <m:sub>
+                              <m:r>
+                                <a:rPr lang="en-US" altLang="ja-JP" i="1">
+                                  <a:latin typeface="Cambria Math" panose="02040503050406030204" pitchFamily="18" charset="0"/>
+                                </a:rPr>
+                                <m:t>𝑥</m:t>
+                              </m:r>
+                              <m:r>
+                                <a:rPr lang="en-US" altLang="ja-JP" i="1">
+                                  <a:latin typeface="Cambria Math" panose="02040503050406030204" pitchFamily="18" charset="0"/>
+                                </a:rPr>
+                                <m:t>,</m:t>
+                              </m:r>
+                              <m:r>
+                                <a:rPr lang="en-US" altLang="ja-JP" i="1">
+                                  <a:latin typeface="Cambria Math" panose="02040503050406030204" pitchFamily="18" charset="0"/>
+                                </a:rPr>
+                                <m:t>𝑦</m:t>
+                              </m:r>
+                              <m:r>
+                                <a:rPr lang="en-US" altLang="ja-JP" i="1">
+                                  <a:latin typeface="Cambria Math" panose="02040503050406030204" pitchFamily="18" charset="0"/>
+                                </a:rPr>
+                                <m:t>−1</m:t>
+                              </m:r>
+                            </m:sub>
+                            <m:sup>
+                              <m:r>
+                                <a:rPr lang="en-US" altLang="ja-JP" i="1">
+                                  <a:latin typeface="Cambria Math" panose="02040503050406030204" pitchFamily="18" charset="0"/>
+                                </a:rPr>
+                                <m:t>𝑡</m:t>
+                              </m:r>
+                            </m:sup>
+                          </m:sSubSup>
+                        </m:e>
+                      </m:d>
+                      <m:r>
+                        <a:rPr lang="en-US" altLang="ja-JP" b="0" i="1" smtClean="0">
+                          <a:latin typeface="Cambria Math" panose="02040503050406030204" pitchFamily="18" charset="0"/>
+                        </a:rPr>
+                        <m:t>−</m:t>
+                      </m:r>
+                      <m:sSubSup>
+                        <m:sSubSupPr>
+                          <m:ctrlPr>
+                            <a:rPr lang="ar-AE" altLang="ja-JP" i="1">
+                              <a:latin typeface="Cambria Math" panose="02040503050406030204" pitchFamily="18" charset="0"/>
+                            </a:rPr>
+                          </m:ctrlPr>
+                        </m:sSubSupPr>
+                        <m:e>
+                          <m:r>
+                            <a:rPr lang="en-US" altLang="ja-JP" i="1">
+                              <a:latin typeface="Cambria Math" panose="02040503050406030204" pitchFamily="18" charset="0"/>
+                            </a:rPr>
+                            <m:t>(</m:t>
+                          </m:r>
+                          <m:r>
+                            <a:rPr lang="en-US" altLang="ja-JP" i="1">
+                              <a:latin typeface="Cambria Math" panose="02040503050406030204" pitchFamily="18" charset="0"/>
+                            </a:rPr>
+                            <m:t>𝑐</m:t>
+                          </m:r>
+                          <m:r>
+                            <a:rPr lang="en-US" altLang="ja-JP" i="1">
+                              <a:latin typeface="Cambria Math" panose="02040503050406030204" pitchFamily="18" charset="0"/>
+                              <a:ea typeface="Cambria Math" panose="02040503050406030204" pitchFamily="18" charset="0"/>
+                            </a:rPr>
+                            <m:t>∆</m:t>
+                          </m:r>
+                          <m:r>
+                            <a:rPr lang="en-US" altLang="ja-JP" i="1">
+                              <a:latin typeface="Cambria Math" panose="02040503050406030204" pitchFamily="18" charset="0"/>
+                              <a:ea typeface="Cambria Math" panose="02040503050406030204" pitchFamily="18" charset="0"/>
+                            </a:rPr>
+                            <m:t>𝑡</m:t>
+                          </m:r>
+                          <m:r>
+                            <a:rPr lang="ar-AE" altLang="ja-JP" i="1">
+                              <a:latin typeface="Cambria Math" panose="02040503050406030204" pitchFamily="18" charset="0"/>
+                            </a:rPr>
+                            <m:t>𝜇</m:t>
+                          </m:r>
+                        </m:e>
+                        <m:sub>
+                          <m:r>
+                            <a:rPr lang="en-US" altLang="ja-JP" i="1">
+                              <a:latin typeface="Cambria Math" panose="02040503050406030204" pitchFamily="18" charset="0"/>
+                            </a:rPr>
+                            <m:t>𝑎</m:t>
+                          </m:r>
+                        </m:sub>
+                        <m:sup>
+                          <m:r>
+                            <a:rPr lang="en-US" altLang="ja-JP" i="1">
+                              <a:latin typeface="Cambria Math" panose="02040503050406030204" pitchFamily="18" charset="0"/>
+                            </a:rPr>
+                            <m:t>𝑥</m:t>
+                          </m:r>
+                          <m:r>
+                            <a:rPr lang="en-US" altLang="ja-JP" i="1">
+                              <a:latin typeface="Cambria Math" panose="02040503050406030204" pitchFamily="18" charset="0"/>
+                            </a:rPr>
+                            <m:t>,</m:t>
+                          </m:r>
+                          <m:r>
+                            <a:rPr lang="en-US" altLang="ja-JP" i="1">
+                              <a:latin typeface="Cambria Math" panose="02040503050406030204" pitchFamily="18" charset="0"/>
+                            </a:rPr>
+                            <m:t>𝑦</m:t>
+                          </m:r>
+                        </m:sup>
+                      </m:sSubSup>
+                      <m:r>
+                        <a:rPr lang="en-US" altLang="ja-JP" i="1">
+                          <a:latin typeface="Cambria Math" panose="02040503050406030204" pitchFamily="18" charset="0"/>
+                        </a:rPr>
+                        <m:t>−1)</m:t>
+                      </m:r>
+                      <m:sSubSup>
+                        <m:sSubSupPr>
+                          <m:ctrlPr>
+                            <a:rPr lang="ar-AE" altLang="ja-JP" i="1">
+                              <a:latin typeface="Cambria Math" panose="02040503050406030204" pitchFamily="18" charset="0"/>
+                            </a:rPr>
+                          </m:ctrlPr>
+                        </m:sSubSupPr>
+                        <m:e>
+                          <m:r>
+                            <a:rPr lang="ar-AE" altLang="ja-JP" i="1">
+                              <a:latin typeface="Cambria Math" panose="02040503050406030204" pitchFamily="18" charset="0"/>
+                            </a:rPr>
+                            <m:t>𝜙</m:t>
+                          </m:r>
+                        </m:e>
+                        <m:sub>
+                          <m:r>
+                            <a:rPr lang="en-US" altLang="ja-JP" i="1">
+                              <a:latin typeface="Cambria Math" panose="02040503050406030204" pitchFamily="18" charset="0"/>
+                            </a:rPr>
+                            <m:t>𝑥</m:t>
+                          </m:r>
+                          <m:r>
+                            <a:rPr lang="en-US" altLang="ja-JP" i="1">
+                              <a:latin typeface="Cambria Math" panose="02040503050406030204" pitchFamily="18" charset="0"/>
+                            </a:rPr>
+                            <m:t>,</m:t>
+                          </m:r>
+                          <m:r>
+                            <a:rPr lang="en-US" altLang="ja-JP" i="1">
+                              <a:latin typeface="Cambria Math" panose="02040503050406030204" pitchFamily="18" charset="0"/>
+                            </a:rPr>
+                            <m:t>𝑦</m:t>
+                          </m:r>
+                        </m:sub>
+                        <m:sup>
+                          <m:r>
+                            <a:rPr lang="en-US" altLang="ja-JP" i="1">
+                              <a:latin typeface="Cambria Math" panose="02040503050406030204" pitchFamily="18" charset="0"/>
+                            </a:rPr>
+                            <m:t>𝑡</m:t>
+                          </m:r>
+                        </m:sup>
+                      </m:sSubSup>
+                    </m:oMath>
+                  </m:oMathPara>
+                </a14:m>
+                <a:endParaRPr lang="ja-JP" altLang="en-US"/>
+              </a:p>
+            </p:txBody>
+          </p:sp>
+        </mc:Choice>
+        <mc:Fallback>
+          <p:sp>
+            <p:nvSpPr>
+              <p:cNvPr id="14" name="テキスト ボックス 13">
+                <a:extLst>
+                  <a:ext uri="{FF2B5EF4-FFF2-40B4-BE49-F238E27FC236}">
+                    <a16:creationId xmlns:a16="http://schemas.microsoft.com/office/drawing/2014/main" id="{87585186-D08E-3A4C-9A05-97197204CF0A}"/>
+                  </a:ext>
+                </a:extLst>
+              </p:cNvPr>
+              <p:cNvSpPr txBox="1">
+                <a:spLocks noRot="1" noChangeAspect="1" noMove="1" noResize="1" noEditPoints="1" noAdjustHandles="1" noChangeArrowheads="1" noChangeShapeType="1" noTextEdit="1"/>
+              </p:cNvSpPr>
+              <p:nvPr/>
+            </p:nvSpPr>
+            <p:spPr>
+              <a:xfrm>
+                <a:off x="723263" y="1360662"/>
+                <a:ext cx="10012684" cy="660052"/>
+              </a:xfrm>
+              <a:prstGeom prst="rect">
+                <a:avLst/>
+              </a:prstGeom>
+              <a:blipFill>
+                <a:blip r:embed="rId3"/>
+                <a:stretch>
+                  <a:fillRect b="-5769"/>
+                </a:stretch>
+              </a:blipFill>
+            </p:spPr>
+            <p:txBody>
+              <a:bodyPr/>
+              <a:lstStyle/>
+              <a:p>
+                <a:r>
+                  <a:rPr lang="ja-JP" altLang="en-US">
+                    <a:noFill/>
+                  </a:rPr>
+                  <a:t> </a:t>
+                </a:r>
+              </a:p>
+            </p:txBody>
+          </p:sp>
+        </mc:Fallback>
+      </mc:AlternateContent>
+      <mc:AlternateContent xmlns:mc="http://schemas.openxmlformats.org/markup-compatibility/2006">
+        <mc:Choice xmlns:a14="http://schemas.microsoft.com/office/drawing/2010/main" Requires="a14">
+          <p:sp>
+            <p:nvSpPr>
+              <p:cNvPr id="15" name="テキスト ボックス 14">
+                <a:extLst>
+                  <a:ext uri="{FF2B5EF4-FFF2-40B4-BE49-F238E27FC236}">
+                    <a16:creationId xmlns:a16="http://schemas.microsoft.com/office/drawing/2014/main" id="{8CEF5B5F-96C8-B647-9B0B-DBEE529CE7E9}"/>
+                  </a:ext>
+                </a:extLst>
+              </p:cNvPr>
+              <p:cNvSpPr txBox="1"/>
+              <p:nvPr/>
+            </p:nvSpPr>
+            <p:spPr>
+              <a:xfrm>
+                <a:off x="723263" y="2446193"/>
+                <a:ext cx="10012684" cy="660052"/>
+              </a:xfrm>
+              <a:prstGeom prst="rect">
+                <a:avLst/>
+              </a:prstGeom>
+              <a:noFill/>
+            </p:spPr>
+            <p:txBody>
+              <a:bodyPr wrap="square">
+                <a:spAutoFit/>
+              </a:bodyPr>
+              <a:lstStyle/>
+              <a:p>
+                <a:pPr/>
+                <a14:m>
+                  <m:oMathPara xmlns:m="http://schemas.openxmlformats.org/officeDocument/2006/math">
+                    <m:oMathParaPr>
+                      <m:jc m:val="centerGroup"/>
+                    </m:oMathParaPr>
+                    <m:oMath xmlns:m="http://schemas.openxmlformats.org/officeDocument/2006/math">
+                      <m:sSubSup>
+                        <m:sSubSupPr>
+                          <m:ctrlPr>
+                            <a:rPr lang="ar-AE" altLang="ja-JP" i="1" smtClean="0">
+                              <a:latin typeface="Cambria Math" panose="02040503050406030204" pitchFamily="18" charset="0"/>
+                            </a:rPr>
+                          </m:ctrlPr>
+                        </m:sSubSupPr>
+                        <m:e>
+                          <m:r>
+                            <a:rPr lang="ar-AE" altLang="ja-JP" i="1">
+                              <a:latin typeface="Cambria Math" panose="02040503050406030204" pitchFamily="18" charset="0"/>
+                            </a:rPr>
+                            <m:t>𝜙</m:t>
+                          </m:r>
+                        </m:e>
+                        <m:sub>
+                          <m:r>
+                            <a:rPr lang="en-US" altLang="ja-JP" i="1">
+                              <a:latin typeface="Cambria Math" panose="02040503050406030204" pitchFamily="18" charset="0"/>
+                            </a:rPr>
+                            <m:t>𝑥</m:t>
+                          </m:r>
+                          <m:r>
+                            <a:rPr lang="en-US" altLang="ja-JP" i="1">
+                              <a:latin typeface="Cambria Math" panose="02040503050406030204" pitchFamily="18" charset="0"/>
+                            </a:rPr>
+                            <m:t>,</m:t>
+                          </m:r>
+                          <m:r>
+                            <a:rPr lang="en-US" altLang="ja-JP" i="1">
+                              <a:latin typeface="Cambria Math" panose="02040503050406030204" pitchFamily="18" charset="0"/>
+                            </a:rPr>
+                            <m:t>𝑦</m:t>
+                          </m:r>
+                        </m:sub>
+                        <m:sup>
+                          <m:r>
+                            <a:rPr lang="en-US" altLang="ja-JP" i="1">
+                              <a:latin typeface="Cambria Math" panose="02040503050406030204" pitchFamily="18" charset="0"/>
+                            </a:rPr>
+                            <m:t>𝑡</m:t>
+                          </m:r>
+                          <m:r>
+                            <a:rPr lang="en-US" altLang="ja-JP" i="1">
+                              <a:latin typeface="Cambria Math" panose="02040503050406030204" pitchFamily="18" charset="0"/>
+                            </a:rPr>
+                            <m:t>+1</m:t>
+                          </m:r>
+                        </m:sup>
+                      </m:sSubSup>
+                      <m:r>
+                        <a:rPr lang="en-US" altLang="ja-JP" b="0" i="1" smtClean="0">
+                          <a:latin typeface="Cambria Math" panose="02040503050406030204" pitchFamily="18" charset="0"/>
+                        </a:rPr>
+                        <m:t>=</m:t>
+                      </m:r>
+                      <m:f>
+                        <m:fPr>
+                          <m:ctrlPr>
+                            <a:rPr lang="en-US" altLang="ja-JP" b="0" i="1" smtClean="0">
+                              <a:latin typeface="Cambria Math" panose="02040503050406030204" pitchFamily="18" charset="0"/>
+                            </a:rPr>
+                          </m:ctrlPr>
+                        </m:fPr>
+                        <m:num>
+                          <m:r>
+                            <a:rPr lang="en-US" altLang="ja-JP" b="0" i="1" smtClean="0">
+                              <a:latin typeface="Cambria Math" panose="02040503050406030204" pitchFamily="18" charset="0"/>
+                            </a:rPr>
+                            <m:t>𝑝</m:t>
+                          </m:r>
+                        </m:num>
+                        <m:den>
+                          <m:r>
+                            <a:rPr lang="en-US" altLang="ja-JP" b="0" i="1" smtClean="0">
+                              <a:latin typeface="Cambria Math" panose="02040503050406030204" pitchFamily="18" charset="0"/>
+                            </a:rPr>
+                            <m:t>4</m:t>
+                          </m:r>
+                        </m:den>
+                      </m:f>
+                      <m:d>
+                        <m:dPr>
+                          <m:begChr m:val="["/>
+                          <m:endChr m:val="]"/>
+                          <m:ctrlPr>
+                            <a:rPr lang="en-US" altLang="ja-JP" b="0" i="1" smtClean="0">
+                              <a:latin typeface="Cambria Math" panose="02040503050406030204" pitchFamily="18" charset="0"/>
+                            </a:rPr>
+                          </m:ctrlPr>
+                        </m:dPr>
+                        <m:e>
+                          <m:f>
+                            <m:fPr>
+                              <m:ctrlPr>
+                                <a:rPr lang="en-US" altLang="ja-JP" b="0" i="1" smtClean="0">
+                                  <a:latin typeface="Cambria Math" panose="02040503050406030204" pitchFamily="18" charset="0"/>
+                                </a:rPr>
+                              </m:ctrlPr>
+                            </m:fPr>
+                            <m:num>
+                              <m:r>
+                                <m:rPr>
+                                  <m:sty m:val="p"/>
+                                </m:rPr>
+                                <a:rPr lang="el-GR" altLang="ja-JP" b="0" i="1" smtClean="0">
+                                  <a:latin typeface="Cambria Math" panose="02040503050406030204" pitchFamily="18" charset="0"/>
+                                  <a:ea typeface="Cambria Math" panose="02040503050406030204" pitchFamily="18" charset="0"/>
+                                </a:rPr>
+                                <m:t>Δ</m:t>
+                              </m:r>
+                              <m:r>
+                                <a:rPr lang="en-US" altLang="ja-JP" b="0" i="1" smtClean="0">
+                                  <a:latin typeface="Cambria Math" panose="02040503050406030204" pitchFamily="18" charset="0"/>
+                                  <a:ea typeface="Cambria Math" panose="02040503050406030204" pitchFamily="18" charset="0"/>
+                                </a:rPr>
+                                <m:t>𝑦</m:t>
+                              </m:r>
+                            </m:num>
+                            <m:den>
+                              <m:r>
+                                <m:rPr>
+                                  <m:sty m:val="p"/>
+                                </m:rPr>
+                                <a:rPr lang="el-GR" altLang="ja-JP" b="0" i="1" smtClean="0">
+                                  <a:latin typeface="Cambria Math" panose="02040503050406030204" pitchFamily="18" charset="0"/>
+                                  <a:ea typeface="Cambria Math" panose="02040503050406030204" pitchFamily="18" charset="0"/>
+                                </a:rPr>
+                                <m:t>Δ</m:t>
+                              </m:r>
+                              <m:r>
+                                <a:rPr lang="en-US" altLang="ja-JP" b="0" i="1" smtClean="0">
+                                  <a:latin typeface="Cambria Math" panose="02040503050406030204" pitchFamily="18" charset="0"/>
+                                  <a:ea typeface="Cambria Math" panose="02040503050406030204" pitchFamily="18" charset="0"/>
+                                </a:rPr>
+                                <m:t>𝑥</m:t>
+                              </m:r>
+                            </m:den>
+                          </m:f>
+                          <m:sSubSup>
+                            <m:sSubSupPr>
+                              <m:ctrlPr>
+                                <a:rPr lang="ar-AE" altLang="ja-JP" i="1">
+                                  <a:latin typeface="Cambria Math" panose="02040503050406030204" pitchFamily="18" charset="0"/>
+                                </a:rPr>
+                              </m:ctrlPr>
+                            </m:sSubSupPr>
+                            <m:e>
+                              <m:r>
+                                <a:rPr lang="en-US" altLang="ja-JP" b="0" i="1" smtClean="0">
+                                  <a:latin typeface="Cambria Math" panose="02040503050406030204" pitchFamily="18" charset="0"/>
+                                </a:rPr>
+                                <m:t>(</m:t>
+                              </m:r>
+                              <m:r>
+                                <a:rPr lang="ar-AE" altLang="ja-JP" i="1">
+                                  <a:latin typeface="Cambria Math" panose="02040503050406030204" pitchFamily="18" charset="0"/>
+                                </a:rPr>
+                                <m:t>𝜙</m:t>
+                              </m:r>
+                            </m:e>
+                            <m:sub>
+                              <m:r>
+                                <a:rPr lang="en-US" altLang="ja-JP" i="1">
+                                  <a:latin typeface="Cambria Math" panose="02040503050406030204" pitchFamily="18" charset="0"/>
+                                </a:rPr>
+                                <m:t>𝑥</m:t>
+                              </m:r>
+                              <m:r>
+                                <a:rPr lang="en-US" altLang="ja-JP" i="1">
+                                  <a:latin typeface="Cambria Math" panose="02040503050406030204" pitchFamily="18" charset="0"/>
+                                </a:rPr>
+                                <m:t>+1</m:t>
+                              </m:r>
+                              <m:r>
+                                <a:rPr lang="en-US" altLang="ja-JP" i="1">
+                                  <a:latin typeface="Cambria Math" panose="02040503050406030204" pitchFamily="18" charset="0"/>
+                                </a:rPr>
+                                <m:t>,</m:t>
+                              </m:r>
+                              <m:r>
+                                <a:rPr lang="en-US" altLang="ja-JP" i="1">
+                                  <a:latin typeface="Cambria Math" panose="02040503050406030204" pitchFamily="18" charset="0"/>
+                                </a:rPr>
+                                <m:t>𝑦</m:t>
+                              </m:r>
+                            </m:sub>
+                            <m:sup>
+                              <m:r>
+                                <a:rPr lang="en-US" altLang="ja-JP" i="1">
+                                  <a:latin typeface="Cambria Math" panose="02040503050406030204" pitchFamily="18" charset="0"/>
+                                </a:rPr>
+                                <m:t>𝑡</m:t>
+                              </m:r>
+                            </m:sup>
+                          </m:sSubSup>
+                          <m:r>
+                            <a:rPr lang="en-US" altLang="ja-JP" b="0" i="1" smtClean="0">
+                              <a:latin typeface="Cambria Math" panose="02040503050406030204" pitchFamily="18" charset="0"/>
+                            </a:rPr>
+                            <m:t>+</m:t>
+                          </m:r>
+                          <m:sSubSup>
+                            <m:sSubSupPr>
+                              <m:ctrlPr>
+                                <a:rPr lang="ar-AE" altLang="ja-JP" i="1" smtClean="0">
+                                  <a:latin typeface="Cambria Math" panose="02040503050406030204" pitchFamily="18" charset="0"/>
+                                </a:rPr>
+                              </m:ctrlPr>
+                            </m:sSubSupPr>
+                            <m:e>
+                              <m:r>
+                                <a:rPr lang="ar-AE" altLang="ja-JP" i="1">
+                                  <a:latin typeface="Cambria Math" panose="02040503050406030204" pitchFamily="18" charset="0"/>
+                                </a:rPr>
+                                <m:t>𝜙</m:t>
+                              </m:r>
+                            </m:e>
+                            <m:sub>
+                              <m:r>
+                                <a:rPr lang="en-US" altLang="ja-JP" i="1">
+                                  <a:latin typeface="Cambria Math" panose="02040503050406030204" pitchFamily="18" charset="0"/>
+                                </a:rPr>
+                                <m:t>𝑥</m:t>
+                              </m:r>
+                              <m:r>
+                                <a:rPr lang="en-US" altLang="ja-JP" i="1">
+                                  <a:latin typeface="Cambria Math" panose="02040503050406030204" pitchFamily="18" charset="0"/>
+                                </a:rPr>
+                                <m:t>−1</m:t>
+                              </m:r>
+                              <m:r>
+                                <a:rPr lang="en-US" altLang="ja-JP" i="1">
+                                  <a:latin typeface="Cambria Math" panose="02040503050406030204" pitchFamily="18" charset="0"/>
+                                </a:rPr>
+                                <m:t>,</m:t>
+                              </m:r>
+                              <m:r>
+                                <a:rPr lang="en-US" altLang="ja-JP" i="1">
+                                  <a:latin typeface="Cambria Math" panose="02040503050406030204" pitchFamily="18" charset="0"/>
+                                </a:rPr>
+                                <m:t>𝑦</m:t>
+                              </m:r>
+                            </m:sub>
+                            <m:sup>
+                              <m:r>
+                                <a:rPr lang="en-US" altLang="ja-JP" i="1">
+                                  <a:latin typeface="Cambria Math" panose="02040503050406030204" pitchFamily="18" charset="0"/>
+                                </a:rPr>
+                                <m:t>𝑡</m:t>
+                              </m:r>
+                            </m:sup>
+                          </m:sSubSup>
+                          <m:r>
+                            <a:rPr lang="en-US" altLang="ja-JP" b="0" i="1" smtClean="0">
+                              <a:latin typeface="Cambria Math" panose="02040503050406030204" pitchFamily="18" charset="0"/>
+                            </a:rPr>
+                            <m:t>)+</m:t>
+                          </m:r>
+                          <m:f>
+                            <m:fPr>
+                              <m:ctrlPr>
+                                <a:rPr lang="en-US" altLang="ja-JP" b="0" i="1" smtClean="0">
+                                  <a:latin typeface="Cambria Math" panose="02040503050406030204" pitchFamily="18" charset="0"/>
+                                </a:rPr>
+                              </m:ctrlPr>
+                            </m:fPr>
+                            <m:num>
+                              <m:r>
+                                <m:rPr>
+                                  <m:sty m:val="p"/>
+                                </m:rPr>
+                                <a:rPr lang="el-GR" altLang="ja-JP" b="0" i="1" smtClean="0">
+                                  <a:latin typeface="Cambria Math" panose="02040503050406030204" pitchFamily="18" charset="0"/>
+                                  <a:ea typeface="Cambria Math" panose="02040503050406030204" pitchFamily="18" charset="0"/>
+                                </a:rPr>
+                                <m:t>Δ</m:t>
+                              </m:r>
+                              <m:r>
+                                <a:rPr lang="en-US" altLang="ja-JP" b="0" i="1" smtClean="0">
+                                  <a:latin typeface="Cambria Math" panose="02040503050406030204" pitchFamily="18" charset="0"/>
+                                  <a:ea typeface="Cambria Math" panose="02040503050406030204" pitchFamily="18" charset="0"/>
+                                </a:rPr>
+                                <m:t>𝑥</m:t>
+                              </m:r>
+                            </m:num>
+                            <m:den>
+                              <m:r>
+                                <m:rPr>
+                                  <m:sty m:val="p"/>
+                                </m:rPr>
+                                <a:rPr lang="el-GR" altLang="ja-JP" b="0" i="1" smtClean="0">
+                                  <a:latin typeface="Cambria Math" panose="02040503050406030204" pitchFamily="18" charset="0"/>
+                                  <a:ea typeface="Cambria Math" panose="02040503050406030204" pitchFamily="18" charset="0"/>
+                                </a:rPr>
+                                <m:t>Δ</m:t>
+                              </m:r>
+                              <m:r>
+                                <a:rPr lang="en-US" altLang="ja-JP" b="0" i="1" smtClean="0">
+                                  <a:latin typeface="Cambria Math" panose="02040503050406030204" pitchFamily="18" charset="0"/>
+                                  <a:ea typeface="Cambria Math" panose="02040503050406030204" pitchFamily="18" charset="0"/>
+                                </a:rPr>
+                                <m:t>𝑦</m:t>
+                              </m:r>
+                            </m:den>
+                          </m:f>
+                          <m:r>
+                            <a:rPr lang="en-US" altLang="ja-JP" b="0" i="1" smtClean="0">
+                              <a:latin typeface="Cambria Math" panose="02040503050406030204" pitchFamily="18" charset="0"/>
+                            </a:rPr>
+                            <m:t>(</m:t>
+                          </m:r>
+                          <m:sSubSup>
+                            <m:sSubSupPr>
+                              <m:ctrlPr>
+                                <a:rPr lang="ar-AE" altLang="ja-JP" i="1">
+                                  <a:latin typeface="Cambria Math" panose="02040503050406030204" pitchFamily="18" charset="0"/>
+                                </a:rPr>
+                              </m:ctrlPr>
+                            </m:sSubSupPr>
+                            <m:e>
+                              <m:r>
+                                <a:rPr lang="ar-AE" altLang="ja-JP" i="1">
+                                  <a:latin typeface="Cambria Math" panose="02040503050406030204" pitchFamily="18" charset="0"/>
+                                </a:rPr>
+                                <m:t>𝜙</m:t>
+                              </m:r>
+                            </m:e>
+                            <m:sub>
+                              <m:r>
+                                <a:rPr lang="en-US" altLang="ja-JP" i="1">
+                                  <a:latin typeface="Cambria Math" panose="02040503050406030204" pitchFamily="18" charset="0"/>
+                                </a:rPr>
+                                <m:t>𝑥</m:t>
+                              </m:r>
+                              <m:r>
+                                <a:rPr lang="en-US" altLang="ja-JP" i="1">
+                                  <a:latin typeface="Cambria Math" panose="02040503050406030204" pitchFamily="18" charset="0"/>
+                                </a:rPr>
+                                <m:t>,</m:t>
+                              </m:r>
+                              <m:r>
+                                <a:rPr lang="en-US" altLang="ja-JP" i="1">
+                                  <a:latin typeface="Cambria Math" panose="02040503050406030204" pitchFamily="18" charset="0"/>
+                                </a:rPr>
+                                <m:t>𝑦</m:t>
+                              </m:r>
+                              <m:r>
+                                <a:rPr lang="en-US" altLang="ja-JP" i="1">
+                                  <a:latin typeface="Cambria Math" panose="02040503050406030204" pitchFamily="18" charset="0"/>
+                                </a:rPr>
+                                <m:t>+1</m:t>
+                              </m:r>
+                            </m:sub>
+                            <m:sup>
+                              <m:r>
+                                <a:rPr lang="en-US" altLang="ja-JP" i="1">
+                                  <a:latin typeface="Cambria Math" panose="02040503050406030204" pitchFamily="18" charset="0"/>
+                                </a:rPr>
+                                <m:t>𝑡</m:t>
+                              </m:r>
+                            </m:sup>
+                          </m:sSubSup>
+                          <m:r>
+                            <a:rPr lang="en-US" altLang="ja-JP" i="1">
+                              <a:latin typeface="Cambria Math" panose="02040503050406030204" pitchFamily="18" charset="0"/>
+                            </a:rPr>
+                            <m:t>+</m:t>
+                          </m:r>
+                          <m:sSubSup>
+                            <m:sSubSupPr>
+                              <m:ctrlPr>
+                                <a:rPr lang="ar-AE" altLang="ja-JP" i="1">
+                                  <a:latin typeface="Cambria Math" panose="02040503050406030204" pitchFamily="18" charset="0"/>
+                                </a:rPr>
+                              </m:ctrlPr>
+                            </m:sSubSupPr>
+                            <m:e>
+                              <m:r>
+                                <a:rPr lang="ar-AE" altLang="ja-JP" i="1">
+                                  <a:latin typeface="Cambria Math" panose="02040503050406030204" pitchFamily="18" charset="0"/>
+                                </a:rPr>
+                                <m:t>𝜙</m:t>
+                              </m:r>
+                            </m:e>
+                            <m:sub>
+                              <m:r>
+                                <a:rPr lang="en-US" altLang="ja-JP" i="1">
+                                  <a:latin typeface="Cambria Math" panose="02040503050406030204" pitchFamily="18" charset="0"/>
+                                </a:rPr>
+                                <m:t>𝑥</m:t>
+                              </m:r>
+                              <m:r>
+                                <a:rPr lang="en-US" altLang="ja-JP" i="1">
+                                  <a:latin typeface="Cambria Math" panose="02040503050406030204" pitchFamily="18" charset="0"/>
+                                </a:rPr>
+                                <m:t>,</m:t>
+                              </m:r>
+                              <m:r>
+                                <a:rPr lang="en-US" altLang="ja-JP" i="1">
+                                  <a:latin typeface="Cambria Math" panose="02040503050406030204" pitchFamily="18" charset="0"/>
+                                </a:rPr>
+                                <m:t>𝑦</m:t>
+                              </m:r>
+                              <m:r>
+                                <a:rPr lang="en-US" altLang="ja-JP" i="1">
+                                  <a:latin typeface="Cambria Math" panose="02040503050406030204" pitchFamily="18" charset="0"/>
+                                </a:rPr>
+                                <m:t>−1</m:t>
+                              </m:r>
+                            </m:sub>
+                            <m:sup>
+                              <m:r>
+                                <a:rPr lang="en-US" altLang="ja-JP" i="1">
+                                  <a:latin typeface="Cambria Math" panose="02040503050406030204" pitchFamily="18" charset="0"/>
+                                </a:rPr>
+                                <m:t>𝑡</m:t>
+                              </m:r>
+                            </m:sup>
+                          </m:sSubSup>
+                          <m:r>
+                            <a:rPr lang="en-US" altLang="ja-JP" b="0" i="1" smtClean="0">
+                              <a:latin typeface="Cambria Math" panose="02040503050406030204" pitchFamily="18" charset="0"/>
+                            </a:rPr>
+                            <m:t>)</m:t>
+                          </m:r>
+                        </m:e>
+                      </m:d>
+                      <m:r>
+                        <a:rPr lang="en-US" altLang="ja-JP" b="0" i="1" smtClean="0">
+                          <a:latin typeface="Cambria Math" panose="02040503050406030204" pitchFamily="18" charset="0"/>
+                        </a:rPr>
+                        <m:t>−</m:t>
+                      </m:r>
+                      <m:d>
+                        <m:dPr>
+                          <m:begChr m:val="["/>
+                          <m:endChr m:val="]"/>
+                          <m:ctrlPr>
+                            <a:rPr lang="en-US" altLang="ja-JP" b="0" i="1" smtClean="0">
+                              <a:latin typeface="Cambria Math" panose="02040503050406030204" pitchFamily="18" charset="0"/>
+                            </a:rPr>
+                          </m:ctrlPr>
+                        </m:dPr>
+                        <m:e>
+                          <m:r>
+                            <a:rPr lang="en-US" altLang="ja-JP" i="1">
+                              <a:latin typeface="Cambria Math" panose="02040503050406030204" pitchFamily="18" charset="0"/>
+                            </a:rPr>
+                            <m:t>1−</m:t>
+                          </m:r>
+                          <m:f>
+                            <m:fPr>
+                              <m:ctrlPr>
+                                <a:rPr lang="en-US" altLang="ja-JP" i="1">
+                                  <a:latin typeface="Cambria Math" panose="02040503050406030204" pitchFamily="18" charset="0"/>
+                                </a:rPr>
+                              </m:ctrlPr>
+                            </m:fPr>
+                            <m:num>
+                              <m:r>
+                                <a:rPr lang="en-US" altLang="ja-JP" i="1">
+                                  <a:latin typeface="Cambria Math" panose="02040503050406030204" pitchFamily="18" charset="0"/>
+                                </a:rPr>
+                                <m:t>1</m:t>
+                              </m:r>
+                            </m:num>
+                            <m:den>
+                              <m:r>
+                                <a:rPr lang="en-US" altLang="ja-JP" i="1">
+                                  <a:latin typeface="Cambria Math" panose="02040503050406030204" pitchFamily="18" charset="0"/>
+                                </a:rPr>
+                                <m:t>2</m:t>
+                              </m:r>
+                            </m:den>
+                          </m:f>
+                          <m:d>
+                            <m:dPr>
+                              <m:ctrlPr>
+                                <a:rPr lang="en-US" altLang="ja-JP" i="1">
+                                  <a:latin typeface="Cambria Math" panose="02040503050406030204" pitchFamily="18" charset="0"/>
+                                </a:rPr>
+                              </m:ctrlPr>
+                            </m:dPr>
+                            <m:e>
+                              <m:f>
+                                <m:fPr>
+                                  <m:ctrlPr>
+                                    <a:rPr lang="en-US" altLang="ja-JP" i="1">
+                                      <a:latin typeface="Cambria Math" panose="02040503050406030204" pitchFamily="18" charset="0"/>
+                                    </a:rPr>
+                                  </m:ctrlPr>
+                                </m:fPr>
+                                <m:num>
+                                  <m:r>
+                                    <a:rPr lang="en-US" altLang="ja-JP" i="1">
+                                      <a:latin typeface="Cambria Math" panose="02040503050406030204" pitchFamily="18" charset="0"/>
+                                      <a:ea typeface="Cambria Math" panose="02040503050406030204" pitchFamily="18" charset="0"/>
+                                    </a:rPr>
+                                    <m:t>∆</m:t>
+                                  </m:r>
+                                  <m:r>
+                                    <a:rPr lang="en-US" altLang="ja-JP" i="1">
+                                      <a:latin typeface="Cambria Math" panose="02040503050406030204" pitchFamily="18" charset="0"/>
+                                      <a:ea typeface="Cambria Math" panose="02040503050406030204" pitchFamily="18" charset="0"/>
+                                    </a:rPr>
+                                    <m:t>𝑦</m:t>
+                                  </m:r>
+                                </m:num>
+                                <m:den>
+                                  <m:r>
+                                    <a:rPr lang="en-US" altLang="ja-JP" i="1">
+                                      <a:latin typeface="Cambria Math" panose="02040503050406030204" pitchFamily="18" charset="0"/>
+                                      <a:ea typeface="Cambria Math" panose="02040503050406030204" pitchFamily="18" charset="0"/>
+                                    </a:rPr>
+                                    <m:t>∆</m:t>
+                                  </m:r>
+                                  <m:r>
+                                    <a:rPr lang="en-US" altLang="ja-JP" i="1">
+                                      <a:latin typeface="Cambria Math" panose="02040503050406030204" pitchFamily="18" charset="0"/>
+                                      <a:ea typeface="Cambria Math" panose="02040503050406030204" pitchFamily="18" charset="0"/>
+                                    </a:rPr>
+                                    <m:t>𝑥</m:t>
+                                  </m:r>
+                                </m:den>
+                              </m:f>
+                              <m:r>
+                                <a:rPr lang="en-US" altLang="ja-JP" i="1">
+                                  <a:latin typeface="Cambria Math" panose="02040503050406030204" pitchFamily="18" charset="0"/>
+                                </a:rPr>
+                                <m:t>+</m:t>
+                              </m:r>
+                              <m:f>
+                                <m:fPr>
+                                  <m:ctrlPr>
+                                    <a:rPr lang="en-US" altLang="ja-JP" i="1">
+                                      <a:latin typeface="Cambria Math" panose="02040503050406030204" pitchFamily="18" charset="0"/>
+                                    </a:rPr>
+                                  </m:ctrlPr>
+                                </m:fPr>
+                                <m:num>
+                                  <m:r>
+                                    <a:rPr lang="en-US" altLang="ja-JP" i="1">
+                                      <a:latin typeface="Cambria Math" panose="02040503050406030204" pitchFamily="18" charset="0"/>
+                                      <a:ea typeface="Cambria Math" panose="02040503050406030204" pitchFamily="18" charset="0"/>
+                                    </a:rPr>
+                                    <m:t>∆</m:t>
+                                  </m:r>
+                                  <m:r>
+                                    <a:rPr lang="en-US" altLang="ja-JP" i="1">
+                                      <a:latin typeface="Cambria Math" panose="02040503050406030204" pitchFamily="18" charset="0"/>
+                                      <a:ea typeface="Cambria Math" panose="02040503050406030204" pitchFamily="18" charset="0"/>
+                                    </a:rPr>
+                                    <m:t>𝑥</m:t>
+                                  </m:r>
+                                </m:num>
+                                <m:den>
+                                  <m:r>
+                                    <a:rPr lang="en-US" altLang="ja-JP" i="1">
+                                      <a:latin typeface="Cambria Math" panose="02040503050406030204" pitchFamily="18" charset="0"/>
+                                      <a:ea typeface="Cambria Math" panose="02040503050406030204" pitchFamily="18" charset="0"/>
+                                    </a:rPr>
+                                    <m:t>∆</m:t>
+                                  </m:r>
+                                  <m:r>
+                                    <a:rPr lang="en-US" altLang="ja-JP" i="1">
+                                      <a:latin typeface="Cambria Math" panose="02040503050406030204" pitchFamily="18" charset="0"/>
+                                      <a:ea typeface="Cambria Math" panose="02040503050406030204" pitchFamily="18" charset="0"/>
+                                    </a:rPr>
+                                    <m:t>𝑦</m:t>
+                                  </m:r>
+                                </m:den>
+                              </m:f>
+                            </m:e>
+                          </m:d>
+                          <m:r>
+                            <a:rPr lang="en-US" altLang="ja-JP" i="1">
+                              <a:latin typeface="Cambria Math" panose="02040503050406030204" pitchFamily="18" charset="0"/>
+                            </a:rPr>
+                            <m:t>𝑝</m:t>
+                          </m:r>
+                          <m:r>
+                            <a:rPr lang="en-US" altLang="ja-JP" b="0" i="1" smtClean="0">
+                              <a:latin typeface="Cambria Math" panose="02040503050406030204" pitchFamily="18" charset="0"/>
+                            </a:rPr>
+                            <m:t>−</m:t>
+                          </m:r>
+                          <m:r>
+                            <a:rPr lang="en-US" altLang="ja-JP" i="1">
+                              <a:latin typeface="Cambria Math" panose="02040503050406030204" pitchFamily="18" charset="0"/>
+                            </a:rPr>
+                            <m:t>𝑣</m:t>
+                          </m:r>
+                          <m:r>
+                            <a:rPr lang="en-US" altLang="ja-JP" i="1">
+                              <a:latin typeface="Cambria Math" panose="02040503050406030204" pitchFamily="18" charset="0"/>
+                              <a:ea typeface="Cambria Math" panose="02040503050406030204" pitchFamily="18" charset="0"/>
+                            </a:rPr>
+                            <m:t>∆</m:t>
+                          </m:r>
+                          <m:r>
+                            <a:rPr lang="en-US" altLang="ja-JP" i="1">
+                              <a:latin typeface="Cambria Math" panose="02040503050406030204" pitchFamily="18" charset="0"/>
+                              <a:ea typeface="Cambria Math" panose="02040503050406030204" pitchFamily="18" charset="0"/>
+                            </a:rPr>
+                            <m:t>𝑡</m:t>
+                          </m:r>
+                          <m:sSubSup>
+                            <m:sSubSupPr>
+                              <m:ctrlPr>
+                                <a:rPr lang="ar-AE" altLang="ja-JP" i="1">
+                                  <a:latin typeface="Cambria Math" panose="02040503050406030204" pitchFamily="18" charset="0"/>
+                                </a:rPr>
+                              </m:ctrlPr>
+                            </m:sSubSupPr>
+                            <m:e>
+                              <m:r>
+                                <a:rPr lang="ar-AE" altLang="ja-JP" i="1">
+                                  <a:latin typeface="Cambria Math" panose="02040503050406030204" pitchFamily="18" charset="0"/>
+                                </a:rPr>
+                                <m:t>𝜇</m:t>
+                              </m:r>
+                            </m:e>
+                            <m:sub>
+                              <m:r>
+                                <a:rPr lang="en-US" altLang="ja-JP" i="1">
+                                  <a:latin typeface="Cambria Math" panose="02040503050406030204" pitchFamily="18" charset="0"/>
+                                </a:rPr>
+                                <m:t>𝑎</m:t>
+                              </m:r>
+                            </m:sub>
+                            <m:sup>
+                              <m:r>
+                                <a:rPr lang="en-US" altLang="ja-JP" i="1">
+                                  <a:latin typeface="Cambria Math" panose="02040503050406030204" pitchFamily="18" charset="0"/>
+                                </a:rPr>
+                                <m:t>𝑥</m:t>
+                              </m:r>
+                              <m:r>
+                                <a:rPr lang="en-US" altLang="ja-JP" i="1">
+                                  <a:latin typeface="Cambria Math" panose="02040503050406030204" pitchFamily="18" charset="0"/>
+                                </a:rPr>
+                                <m:t>,</m:t>
+                              </m:r>
+                              <m:r>
+                                <a:rPr lang="en-US" altLang="ja-JP" i="1">
+                                  <a:latin typeface="Cambria Math" panose="02040503050406030204" pitchFamily="18" charset="0"/>
+                                </a:rPr>
+                                <m:t>𝑦</m:t>
+                              </m:r>
+                            </m:sup>
+                          </m:sSubSup>
+                        </m:e>
+                      </m:d>
+                      <m:sSubSup>
+                        <m:sSubSupPr>
+                          <m:ctrlPr>
+                            <a:rPr lang="ar-AE" altLang="ja-JP" i="1" smtClean="0">
+                              <a:latin typeface="Cambria Math" panose="02040503050406030204" pitchFamily="18" charset="0"/>
+                            </a:rPr>
+                          </m:ctrlPr>
+                        </m:sSubSupPr>
+                        <m:e>
+                          <m:r>
+                            <a:rPr lang="ar-AE" altLang="ja-JP" i="1">
+                              <a:latin typeface="Cambria Math" panose="02040503050406030204" pitchFamily="18" charset="0"/>
+                            </a:rPr>
+                            <m:t>𝜙</m:t>
+                          </m:r>
+                        </m:e>
+                        <m:sub>
+                          <m:r>
+                            <a:rPr lang="en-US" altLang="ja-JP" i="1">
+                              <a:latin typeface="Cambria Math" panose="02040503050406030204" pitchFamily="18" charset="0"/>
+                            </a:rPr>
+                            <m:t>𝑥</m:t>
+                          </m:r>
+                          <m:r>
+                            <a:rPr lang="en-US" altLang="ja-JP" i="1">
+                              <a:latin typeface="Cambria Math" panose="02040503050406030204" pitchFamily="18" charset="0"/>
+                            </a:rPr>
+                            <m:t>,</m:t>
+                          </m:r>
+                          <m:r>
+                            <a:rPr lang="en-US" altLang="ja-JP" i="1">
+                              <a:latin typeface="Cambria Math" panose="02040503050406030204" pitchFamily="18" charset="0"/>
+                            </a:rPr>
+                            <m:t>𝑦</m:t>
+                          </m:r>
+                        </m:sub>
+                        <m:sup>
+                          <m:r>
+                            <a:rPr lang="en-US" altLang="ja-JP" i="1">
+                              <a:latin typeface="Cambria Math" panose="02040503050406030204" pitchFamily="18" charset="0"/>
+                            </a:rPr>
+                            <m:t>𝑡</m:t>
+                          </m:r>
+                        </m:sup>
+                      </m:sSubSup>
+                    </m:oMath>
+                  </m:oMathPara>
+                </a14:m>
+                <a:endParaRPr lang="ja-JP" altLang="en-US"/>
+              </a:p>
+            </p:txBody>
+          </p:sp>
+        </mc:Choice>
+        <mc:Fallback>
+          <p:sp>
+            <p:nvSpPr>
+              <p:cNvPr id="15" name="テキスト ボックス 14">
+                <a:extLst>
+                  <a:ext uri="{FF2B5EF4-FFF2-40B4-BE49-F238E27FC236}">
+                    <a16:creationId xmlns:a16="http://schemas.microsoft.com/office/drawing/2014/main" id="{8CEF5B5F-96C8-B647-9B0B-DBEE529CE7E9}"/>
+                  </a:ext>
+                </a:extLst>
+              </p:cNvPr>
+              <p:cNvSpPr txBox="1">
+                <a:spLocks noRot="1" noChangeAspect="1" noMove="1" noResize="1" noEditPoints="1" noAdjustHandles="1" noChangeArrowheads="1" noChangeShapeType="1" noTextEdit="1"/>
+              </p:cNvSpPr>
+              <p:nvPr/>
+            </p:nvSpPr>
+            <p:spPr>
+              <a:xfrm>
+                <a:off x="723263" y="2446193"/>
+                <a:ext cx="10012684" cy="660052"/>
+              </a:xfrm>
+              <a:prstGeom prst="rect">
+                <a:avLst/>
+              </a:prstGeom>
+              <a:blipFill>
+                <a:blip r:embed="rId4"/>
+                <a:stretch>
+                  <a:fillRect b="-5660"/>
+                </a:stretch>
+              </a:blipFill>
+            </p:spPr>
+            <p:txBody>
+              <a:bodyPr/>
+              <a:lstStyle/>
+              <a:p>
+                <a:r>
+                  <a:rPr lang="ja-JP" altLang="en-US">
+                    <a:noFill/>
+                  </a:rPr>
+                  <a:t> </a:t>
+                </a:r>
+              </a:p>
+            </p:txBody>
+          </p:sp>
+        </mc:Fallback>
+      </mc:AlternateContent>
+      <mc:AlternateContent xmlns:mc="http://schemas.openxmlformats.org/markup-compatibility/2006">
+        <mc:Choice xmlns:a14="http://schemas.microsoft.com/office/drawing/2010/main" Requires="a14">
+          <p:sp>
+            <p:nvSpPr>
+              <p:cNvPr id="19" name="テキスト ボックス 18">
+                <a:extLst>
+                  <a:ext uri="{FF2B5EF4-FFF2-40B4-BE49-F238E27FC236}">
+                    <a16:creationId xmlns:a16="http://schemas.microsoft.com/office/drawing/2014/main" id="{872C7A0E-B5A1-3145-B11E-F51EABF7234E}"/>
+                  </a:ext>
+                </a:extLst>
+              </p:cNvPr>
+              <p:cNvSpPr txBox="1"/>
+              <p:nvPr/>
+            </p:nvSpPr>
+            <p:spPr>
+              <a:xfrm>
+                <a:off x="1089658" y="2000425"/>
+                <a:ext cx="10012684" cy="524439"/>
+              </a:xfrm>
+              <a:prstGeom prst="rect">
+                <a:avLst/>
+              </a:prstGeom>
+              <a:noFill/>
+            </p:spPr>
+            <p:txBody>
+              <a:bodyPr wrap="square">
+                <a:spAutoFit/>
+              </a:bodyPr>
+              <a:lstStyle/>
+              <a:p>
+                <a:pPr/>
+                <a14:m>
+                  <m:oMath xmlns:m="http://schemas.openxmlformats.org/officeDocument/2006/math">
+                    <m:r>
+                      <a:rPr lang="en-US" altLang="ja-JP" b="0" i="1" smtClean="0">
+                        <a:latin typeface="Cambria Math" panose="02040503050406030204" pitchFamily="18" charset="0"/>
+                      </a:rPr>
+                      <m:t>𝑝</m:t>
+                    </m:r>
+                    <m:r>
+                      <a:rPr lang="en-US" altLang="ja-JP" b="0" i="1" smtClean="0">
+                        <a:latin typeface="Cambria Math" panose="02040503050406030204" pitchFamily="18" charset="0"/>
+                      </a:rPr>
+                      <m:t>=</m:t>
+                    </m:r>
+                    <m:f>
+                      <m:fPr>
+                        <m:ctrlPr>
+                          <a:rPr lang="en-US" altLang="ja-JP" b="0" i="1" smtClean="0">
+                            <a:latin typeface="Cambria Math" panose="02040503050406030204" pitchFamily="18" charset="0"/>
+                          </a:rPr>
+                        </m:ctrlPr>
+                      </m:fPr>
+                      <m:num>
+                        <m:r>
+                          <a:rPr lang="en-US" altLang="ja-JP" b="0" i="1" smtClean="0">
+                            <a:latin typeface="Cambria Math" panose="02040503050406030204" pitchFamily="18" charset="0"/>
+                          </a:rPr>
+                          <m:t>4</m:t>
+                        </m:r>
+                        <m:r>
+                          <a:rPr lang="en-US" altLang="ja-JP" b="0" i="1" smtClean="0">
+                            <a:latin typeface="Cambria Math" panose="02040503050406030204" pitchFamily="18" charset="0"/>
+                          </a:rPr>
+                          <m:t>𝑣</m:t>
+                        </m:r>
+                        <m:r>
+                          <m:rPr>
+                            <m:sty m:val="p"/>
+                          </m:rPr>
+                          <a:rPr lang="el-GR" altLang="ja-JP" b="0" i="1" smtClean="0">
+                            <a:latin typeface="Cambria Math" panose="02040503050406030204" pitchFamily="18" charset="0"/>
+                            <a:ea typeface="Cambria Math" panose="02040503050406030204" pitchFamily="18" charset="0"/>
+                          </a:rPr>
+                          <m:t>Δ</m:t>
+                        </m:r>
+                        <m:r>
+                          <a:rPr lang="en-US" altLang="ja-JP" b="0" i="1" smtClean="0">
+                            <a:latin typeface="Cambria Math" panose="02040503050406030204" pitchFamily="18" charset="0"/>
+                            <a:ea typeface="Cambria Math" panose="02040503050406030204" pitchFamily="18" charset="0"/>
+                          </a:rPr>
+                          <m:t>𝑡𝐷</m:t>
+                        </m:r>
+                      </m:num>
+                      <m:den>
+                        <m:r>
+                          <m:rPr>
+                            <m:sty m:val="p"/>
+                          </m:rPr>
+                          <a:rPr lang="el-GR" altLang="ja-JP" b="0" i="1" smtClean="0">
+                            <a:latin typeface="Cambria Math" panose="02040503050406030204" pitchFamily="18" charset="0"/>
+                            <a:ea typeface="Cambria Math" panose="02040503050406030204" pitchFamily="18" charset="0"/>
+                          </a:rPr>
+                          <m:t>Δ</m:t>
+                        </m:r>
+                        <m:r>
+                          <a:rPr lang="en-US" altLang="ja-JP" b="0" i="1" smtClean="0">
+                            <a:latin typeface="Cambria Math" panose="02040503050406030204" pitchFamily="18" charset="0"/>
+                            <a:ea typeface="Cambria Math" panose="02040503050406030204" pitchFamily="18" charset="0"/>
+                          </a:rPr>
+                          <m:t>𝑥</m:t>
+                        </m:r>
+                        <m:r>
+                          <a:rPr lang="en-US" altLang="ja-JP" b="0" i="1" smtClean="0">
+                            <a:latin typeface="Cambria Math" panose="02040503050406030204" pitchFamily="18" charset="0"/>
+                            <a:ea typeface="Cambria Math" panose="02040503050406030204" pitchFamily="18" charset="0"/>
+                          </a:rPr>
+                          <m:t>∙</m:t>
+                        </m:r>
+                        <m:r>
+                          <m:rPr>
+                            <m:sty m:val="p"/>
+                          </m:rPr>
+                          <a:rPr lang="el-GR" altLang="ja-JP" b="0" i="1" smtClean="0">
+                            <a:latin typeface="Cambria Math" panose="02040503050406030204" pitchFamily="18" charset="0"/>
+                            <a:ea typeface="Cambria Math" panose="02040503050406030204" pitchFamily="18" charset="0"/>
+                          </a:rPr>
+                          <m:t>Δ</m:t>
+                        </m:r>
+                        <m:r>
+                          <a:rPr lang="en-US" altLang="ja-JP" b="0" i="1" smtClean="0">
+                            <a:latin typeface="Cambria Math" panose="02040503050406030204" pitchFamily="18" charset="0"/>
+                            <a:ea typeface="Cambria Math" panose="02040503050406030204" pitchFamily="18" charset="0"/>
+                          </a:rPr>
+                          <m:t>𝑦</m:t>
+                        </m:r>
+                      </m:den>
+                    </m:f>
+                  </m:oMath>
+                </a14:m>
+                <a:r>
+                  <a:rPr lang="ja-JP" altLang="en-US"/>
+                  <a:t>とすると</a:t>
+                </a:r>
+              </a:p>
+            </p:txBody>
+          </p:sp>
+        </mc:Choice>
+        <mc:Fallback>
+          <p:sp>
+            <p:nvSpPr>
+              <p:cNvPr id="19" name="テキスト ボックス 18">
+                <a:extLst>
+                  <a:ext uri="{FF2B5EF4-FFF2-40B4-BE49-F238E27FC236}">
+                    <a16:creationId xmlns:a16="http://schemas.microsoft.com/office/drawing/2014/main" id="{872C7A0E-B5A1-3145-B11E-F51EABF7234E}"/>
+                  </a:ext>
+                </a:extLst>
+              </p:cNvPr>
+              <p:cNvSpPr txBox="1">
+                <a:spLocks noRot="1" noChangeAspect="1" noMove="1" noResize="1" noEditPoints="1" noAdjustHandles="1" noChangeArrowheads="1" noChangeShapeType="1" noTextEdit="1"/>
+              </p:cNvSpPr>
+              <p:nvPr/>
+            </p:nvSpPr>
+            <p:spPr>
+              <a:xfrm>
+                <a:off x="1089658" y="2000425"/>
+                <a:ext cx="10012684" cy="524439"/>
+              </a:xfrm>
+              <a:prstGeom prst="rect">
+                <a:avLst/>
+              </a:prstGeom>
+              <a:blipFill>
+                <a:blip r:embed="rId5"/>
+                <a:stretch>
+                  <a:fillRect b="-2381"/>
+                </a:stretch>
+              </a:blipFill>
+            </p:spPr>
+            <p:txBody>
+              <a:bodyPr/>
+              <a:lstStyle/>
+              <a:p>
+                <a:r>
+                  <a:rPr lang="ja-JP" altLang="en-US">
+                    <a:noFill/>
+                  </a:rPr>
+                  <a:t> </a:t>
+                </a:r>
+              </a:p>
+            </p:txBody>
+          </p:sp>
+        </mc:Fallback>
+      </mc:AlternateContent>
+      <p:cxnSp>
+        <p:nvCxnSpPr>
+          <p:cNvPr id="7" name="直線コネクタ 6">
+            <a:extLst>
+              <a:ext uri="{FF2B5EF4-FFF2-40B4-BE49-F238E27FC236}">
+                <a16:creationId xmlns:a16="http://schemas.microsoft.com/office/drawing/2014/main" id="{C2F7DD22-F5D8-A349-9F58-5A9915901CED}"/>
+              </a:ext>
+            </a:extLst>
+          </p:cNvPr>
+          <p:cNvCxnSpPr/>
+          <p:nvPr/>
+        </p:nvCxnSpPr>
+        <p:spPr>
+          <a:xfrm>
+            <a:off x="2133600" y="3223009"/>
+            <a:ext cx="1930400" cy="0"/>
+          </a:xfrm>
+          <a:prstGeom prst="line">
+            <a:avLst/>
+          </a:prstGeom>
+          <a:ln w="28575"/>
+        </p:spPr>
+        <p:style>
+          <a:lnRef idx="1">
+            <a:schemeClr val="accent1"/>
+          </a:lnRef>
+          <a:fillRef idx="0">
+            <a:schemeClr val="accent1"/>
+          </a:fillRef>
+          <a:effectRef idx="0">
+            <a:schemeClr val="accent1"/>
+          </a:effectRef>
+          <a:fontRef idx="minor">
+            <a:schemeClr val="tx1"/>
+          </a:fontRef>
+        </p:style>
+      </p:cxnSp>
+      <p:cxnSp>
+        <p:nvCxnSpPr>
+          <p:cNvPr id="20" name="直線コネクタ 19">
+            <a:extLst>
+              <a:ext uri="{FF2B5EF4-FFF2-40B4-BE49-F238E27FC236}">
+                <a16:creationId xmlns:a16="http://schemas.microsoft.com/office/drawing/2014/main" id="{26ACF44F-57CE-154D-9363-B367E1FB51D4}"/>
+              </a:ext>
+            </a:extLst>
+          </p:cNvPr>
+          <p:cNvCxnSpPr/>
+          <p:nvPr/>
+        </p:nvCxnSpPr>
+        <p:spPr>
+          <a:xfrm>
+            <a:off x="4368800" y="3223009"/>
+            <a:ext cx="1930400" cy="0"/>
+          </a:xfrm>
+          <a:prstGeom prst="line">
+            <a:avLst/>
+          </a:prstGeom>
+          <a:ln w="28575"/>
+        </p:spPr>
+        <p:style>
+          <a:lnRef idx="1">
+            <a:schemeClr val="accent2"/>
+          </a:lnRef>
+          <a:fillRef idx="0">
+            <a:schemeClr val="accent2"/>
+          </a:fillRef>
+          <a:effectRef idx="0">
+            <a:schemeClr val="accent2"/>
+          </a:effectRef>
+          <a:fontRef idx="minor">
+            <a:schemeClr val="tx1"/>
+          </a:fontRef>
+        </p:style>
+      </p:cxnSp>
+      <p:sp>
+        <p:nvSpPr>
+          <p:cNvPr id="8" name="テキスト ボックス 7">
+            <a:extLst>
+              <a:ext uri="{FF2B5EF4-FFF2-40B4-BE49-F238E27FC236}">
+                <a16:creationId xmlns:a16="http://schemas.microsoft.com/office/drawing/2014/main" id="{0E3808D0-E320-7D4C-98B8-2E50E8EF8B3F}"/>
+              </a:ext>
+            </a:extLst>
+          </p:cNvPr>
+          <p:cNvSpPr txBox="1"/>
+          <p:nvPr/>
+        </p:nvSpPr>
+        <p:spPr>
+          <a:xfrm>
+            <a:off x="2133600" y="3340100"/>
+            <a:ext cx="1930400" cy="646331"/>
+          </a:xfrm>
+          <a:prstGeom prst="rect">
+            <a:avLst/>
+          </a:prstGeom>
+          <a:noFill/>
+        </p:spPr>
+        <p:txBody>
+          <a:bodyPr wrap="square" rtlCol="0">
+            <a:spAutoFit/>
+          </a:bodyPr>
+          <a:lstStyle/>
+          <a:p>
+            <a:r>
+              <a:rPr lang="en-US" altLang="ja-JP" dirty="0"/>
+              <a:t>x</a:t>
+            </a:r>
+            <a:r>
+              <a:rPr kumimoji="1" lang="ja-JP" altLang="en-US"/>
+              <a:t>の前後から移動してくる光子数</a:t>
+            </a:r>
+          </a:p>
+        </p:txBody>
+      </p:sp>
+      <p:sp>
+        <p:nvSpPr>
+          <p:cNvPr id="21" name="テキスト ボックス 20">
+            <a:extLst>
+              <a:ext uri="{FF2B5EF4-FFF2-40B4-BE49-F238E27FC236}">
+                <a16:creationId xmlns:a16="http://schemas.microsoft.com/office/drawing/2014/main" id="{8E7DA048-2D66-0F48-BABB-F6F73B72B248}"/>
+              </a:ext>
+            </a:extLst>
+          </p:cNvPr>
+          <p:cNvSpPr txBox="1"/>
+          <p:nvPr/>
+        </p:nvSpPr>
+        <p:spPr>
+          <a:xfrm>
+            <a:off x="4330700" y="3340100"/>
+            <a:ext cx="1930400" cy="646331"/>
+          </a:xfrm>
+          <a:prstGeom prst="rect">
+            <a:avLst/>
+          </a:prstGeom>
+          <a:noFill/>
+        </p:spPr>
+        <p:txBody>
+          <a:bodyPr wrap="square" rtlCol="0">
+            <a:spAutoFit/>
+          </a:bodyPr>
+          <a:lstStyle/>
+          <a:p>
+            <a:r>
+              <a:rPr kumimoji="1" lang="en-US" altLang="ja-JP" dirty="0"/>
+              <a:t>y</a:t>
+            </a:r>
+            <a:r>
+              <a:rPr kumimoji="1" lang="ja-JP" altLang="en-US"/>
+              <a:t>の前後から移動してくる光子数</a:t>
+            </a:r>
+          </a:p>
+        </p:txBody>
+      </p:sp>
+      <p:cxnSp>
+        <p:nvCxnSpPr>
+          <p:cNvPr id="22" name="直線コネクタ 21">
+            <a:extLst>
+              <a:ext uri="{FF2B5EF4-FFF2-40B4-BE49-F238E27FC236}">
+                <a16:creationId xmlns:a16="http://schemas.microsoft.com/office/drawing/2014/main" id="{F555E3FF-FE67-5947-B82B-DD36433573EA}"/>
+              </a:ext>
+            </a:extLst>
+          </p:cNvPr>
+          <p:cNvCxnSpPr>
+            <a:cxnSpLocks/>
+          </p:cNvCxnSpPr>
+          <p:nvPr/>
+        </p:nvCxnSpPr>
+        <p:spPr>
+          <a:xfrm>
+            <a:off x="6819900" y="3223009"/>
+            <a:ext cx="3517900" cy="0"/>
+          </a:xfrm>
+          <a:prstGeom prst="line">
+            <a:avLst/>
+          </a:prstGeom>
+          <a:ln w="28575">
+            <a:solidFill>
+              <a:schemeClr val="accent6">
+                <a:lumMod val="60000"/>
+                <a:lumOff val="40000"/>
+              </a:schemeClr>
+            </a:solidFill>
+          </a:ln>
+        </p:spPr>
+        <p:style>
+          <a:lnRef idx="1">
+            <a:schemeClr val="accent1"/>
+          </a:lnRef>
+          <a:fillRef idx="0">
+            <a:schemeClr val="accent1"/>
+          </a:fillRef>
+          <a:effectRef idx="0">
+            <a:schemeClr val="accent1"/>
+          </a:effectRef>
+          <a:fontRef idx="minor">
+            <a:schemeClr val="tx1"/>
+          </a:fontRef>
+        </p:style>
+      </p:cxnSp>
+      <p:sp>
+        <p:nvSpPr>
+          <p:cNvPr id="24" name="テキスト ボックス 23">
+            <a:extLst>
+              <a:ext uri="{FF2B5EF4-FFF2-40B4-BE49-F238E27FC236}">
+                <a16:creationId xmlns:a16="http://schemas.microsoft.com/office/drawing/2014/main" id="{4DF1800A-A975-5941-99C7-49106C528413}"/>
+              </a:ext>
+            </a:extLst>
+          </p:cNvPr>
+          <p:cNvSpPr txBox="1"/>
+          <p:nvPr/>
+        </p:nvSpPr>
+        <p:spPr>
+          <a:xfrm>
+            <a:off x="7156450" y="3340100"/>
+            <a:ext cx="2844800" cy="646331"/>
+          </a:xfrm>
+          <a:prstGeom prst="rect">
+            <a:avLst/>
+          </a:prstGeom>
+          <a:noFill/>
+        </p:spPr>
+        <p:txBody>
+          <a:bodyPr wrap="square" rtlCol="0">
+            <a:spAutoFit/>
+          </a:bodyPr>
+          <a:lstStyle/>
+          <a:p>
+            <a:r>
+              <a:rPr kumimoji="1" lang="en-US" altLang="ja-JP" dirty="0"/>
+              <a:t>(</a:t>
+            </a:r>
+            <a:r>
+              <a:rPr kumimoji="1" lang="en-US" altLang="ja-JP" dirty="0" err="1"/>
+              <a:t>x,y</a:t>
+            </a:r>
+            <a:r>
+              <a:rPr kumimoji="1" lang="en-US" altLang="ja-JP" dirty="0"/>
+              <a:t>) </a:t>
+            </a:r>
+            <a:r>
+              <a:rPr lang="ja-JP" altLang="en-US"/>
+              <a:t>に残る光子数と吸収により消滅する光子数</a:t>
+            </a:r>
+            <a:endParaRPr lang="en-US" altLang="ja-JP" dirty="0"/>
+          </a:p>
+        </p:txBody>
+      </p:sp>
+      <p:sp>
+        <p:nvSpPr>
+          <p:cNvPr id="25" name="テキスト ボックス 24">
+            <a:extLst>
+              <a:ext uri="{FF2B5EF4-FFF2-40B4-BE49-F238E27FC236}">
+                <a16:creationId xmlns:a16="http://schemas.microsoft.com/office/drawing/2014/main" id="{692F3AC0-B1E4-8641-B66F-D45051BD17A7}"/>
+              </a:ext>
+            </a:extLst>
+          </p:cNvPr>
+          <p:cNvSpPr txBox="1"/>
+          <p:nvPr/>
+        </p:nvSpPr>
+        <p:spPr>
+          <a:xfrm>
+            <a:off x="1460500" y="4291231"/>
+            <a:ext cx="9271000" cy="369332"/>
+          </a:xfrm>
+          <a:prstGeom prst="rect">
+            <a:avLst/>
+          </a:prstGeom>
+          <a:noFill/>
+        </p:spPr>
+        <p:txBody>
+          <a:bodyPr wrap="square" rtlCol="0">
+            <a:spAutoFit/>
+          </a:bodyPr>
+          <a:lstStyle/>
+          <a:p>
+            <a:r>
+              <a:rPr lang="ja-JP" altLang="en-US"/>
+              <a:t>拡散近似の仮定より，拡散による隣接するピクセルへの光子の移動は等方的</a:t>
+            </a:r>
+            <a:r>
+              <a:rPr lang="en-US" altLang="ja-JP" dirty="0"/>
+              <a:t>(</a:t>
+            </a:r>
+            <a:r>
+              <a:rPr lang="ja-JP" altLang="en-US"/>
+              <a:t>等確率</a:t>
+            </a:r>
+            <a:r>
+              <a:rPr lang="en-US" altLang="ja-JP" dirty="0"/>
+              <a:t>p)</a:t>
+            </a:r>
+            <a:endParaRPr kumimoji="1" lang="ja-JP" altLang="en-US"/>
+          </a:p>
+        </p:txBody>
+      </p:sp>
+      <p:sp>
+        <p:nvSpPr>
+          <p:cNvPr id="26" name="テキスト ボックス 25">
+            <a:extLst>
+              <a:ext uri="{FF2B5EF4-FFF2-40B4-BE49-F238E27FC236}">
+                <a16:creationId xmlns:a16="http://schemas.microsoft.com/office/drawing/2014/main" id="{D2EC7E32-7B1D-E14D-8006-623030BAD780}"/>
+              </a:ext>
+            </a:extLst>
+          </p:cNvPr>
+          <p:cNvSpPr txBox="1"/>
+          <p:nvPr/>
+        </p:nvSpPr>
+        <p:spPr>
+          <a:xfrm>
+            <a:off x="1460500" y="4735057"/>
+            <a:ext cx="9271000" cy="369332"/>
+          </a:xfrm>
+          <a:prstGeom prst="rect">
+            <a:avLst/>
+          </a:prstGeom>
+          <a:noFill/>
+        </p:spPr>
+        <p:txBody>
+          <a:bodyPr wrap="square" rtlCol="0">
+            <a:spAutoFit/>
+          </a:bodyPr>
+          <a:lstStyle/>
+          <a:p>
+            <a:r>
+              <a:rPr lang="ja-JP" altLang="en-US"/>
+              <a:t>拡散によって隣接するピクセルに移動する確率</a:t>
+            </a:r>
+            <a:r>
+              <a:rPr lang="en-US" altLang="ja-JP" dirty="0"/>
+              <a:t>P</a:t>
+            </a:r>
+            <a:r>
+              <a:rPr lang="ja-JP" altLang="en-US"/>
+              <a:t>は</a:t>
+            </a:r>
+            <a:endParaRPr kumimoji="1" lang="ja-JP" altLang="en-US"/>
+          </a:p>
+        </p:txBody>
+      </p:sp>
+      <mc:AlternateContent xmlns:mc="http://schemas.openxmlformats.org/markup-compatibility/2006">
+        <mc:Choice xmlns:a14="http://schemas.microsoft.com/office/drawing/2010/main" Requires="a14">
+          <p:sp>
+            <p:nvSpPr>
+              <p:cNvPr id="27" name="テキスト ボックス 26">
+                <a:extLst>
+                  <a:ext uri="{FF2B5EF4-FFF2-40B4-BE49-F238E27FC236}">
+                    <a16:creationId xmlns:a16="http://schemas.microsoft.com/office/drawing/2014/main" id="{69DB5B38-38A4-0946-97A2-2C13E354C725}"/>
+                  </a:ext>
+                </a:extLst>
+              </p:cNvPr>
+              <p:cNvSpPr txBox="1"/>
+              <p:nvPr/>
+            </p:nvSpPr>
+            <p:spPr>
+              <a:xfrm>
+                <a:off x="1460500" y="5140124"/>
+                <a:ext cx="3573350" cy="1135439"/>
+              </a:xfrm>
+              <a:prstGeom prst="rect">
+                <a:avLst/>
+              </a:prstGeom>
+              <a:noFill/>
+            </p:spPr>
+            <p:txBody>
+              <a:bodyPr wrap="none" lIns="0" tIns="0" rIns="0" bIns="0" rtlCol="0">
+                <a:spAutoFit/>
+              </a:bodyPr>
+              <a:lstStyle/>
+              <a:p>
+                <a14:m>
+                  <m:oMathPara xmlns:m="http://schemas.openxmlformats.org/officeDocument/2006/math">
+                    <m:oMathParaPr>
+                      <m:jc m:val="centerGroup"/>
+                    </m:oMathParaPr>
+                    <m:oMath xmlns:m="http://schemas.openxmlformats.org/officeDocument/2006/math">
+                      <m:sSub>
+                        <m:sSubPr>
+                          <m:ctrlPr>
+                            <a:rPr kumimoji="1" lang="en-US" altLang="ja-JP" i="1" smtClean="0">
+                              <a:latin typeface="Cambria Math" panose="02040503050406030204" pitchFamily="18" charset="0"/>
+                            </a:rPr>
+                          </m:ctrlPr>
+                        </m:sSubPr>
+                        <m:e>
+                          <m:r>
+                            <a:rPr kumimoji="1" lang="en-US" altLang="ja-JP" b="0" i="1" smtClean="0">
+                              <a:latin typeface="Cambria Math" panose="02040503050406030204" pitchFamily="18" charset="0"/>
+                            </a:rPr>
+                            <m:t>𝑃</m:t>
+                          </m:r>
+                        </m:e>
+                        <m:sub>
+                          <m:r>
+                            <a:rPr kumimoji="1" lang="en-US" altLang="ja-JP" b="0" i="1" smtClean="0">
+                              <a:latin typeface="Cambria Math" panose="02040503050406030204" pitchFamily="18" charset="0"/>
+                            </a:rPr>
+                            <m:t>𝑥</m:t>
+                          </m:r>
+                          <m:r>
+                            <a:rPr kumimoji="1" lang="en-US" altLang="ja-JP" b="0" i="1" smtClean="0">
+                              <a:latin typeface="Cambria Math" panose="02040503050406030204" pitchFamily="18" charset="0"/>
+                            </a:rPr>
+                            <m:t>,</m:t>
+                          </m:r>
+                          <m:r>
+                            <a:rPr kumimoji="1" lang="en-US" altLang="ja-JP" b="0" i="1" smtClean="0">
+                              <a:latin typeface="Cambria Math" panose="02040503050406030204" pitchFamily="18" charset="0"/>
+                            </a:rPr>
+                            <m:t>𝑦</m:t>
+                          </m:r>
+                        </m:sub>
+                      </m:sSub>
+                      <m:r>
+                        <a:rPr kumimoji="1" lang="en-US" altLang="ja-JP" b="0" i="1" smtClean="0">
+                          <a:latin typeface="Cambria Math" panose="02040503050406030204" pitchFamily="18" charset="0"/>
+                        </a:rPr>
+                        <m:t>= </m:t>
+                      </m:r>
+                      <m:f>
+                        <m:fPr>
+                          <m:ctrlPr>
+                            <a:rPr kumimoji="1" lang="en-US" altLang="ja-JP" b="0" i="1" smtClean="0">
+                              <a:latin typeface="Cambria Math" panose="02040503050406030204" pitchFamily="18" charset="0"/>
+                            </a:rPr>
+                          </m:ctrlPr>
+                        </m:fPr>
+                        <m:num>
+                          <m:r>
+                            <a:rPr kumimoji="1" lang="en-US" altLang="ja-JP" b="0" i="1" smtClean="0">
+                              <a:latin typeface="Cambria Math" panose="02040503050406030204" pitchFamily="18" charset="0"/>
+                            </a:rPr>
+                            <m:t>𝑝</m:t>
+                          </m:r>
+                        </m:num>
+                        <m:den>
+                          <m:r>
+                            <a:rPr kumimoji="1" lang="en-US" altLang="ja-JP" b="0" i="1" smtClean="0">
+                              <a:latin typeface="Cambria Math" panose="02040503050406030204" pitchFamily="18" charset="0"/>
+                            </a:rPr>
+                            <m:t>4</m:t>
+                          </m:r>
+                        </m:den>
+                      </m:f>
+                      <m:r>
+                        <a:rPr kumimoji="1" lang="en-US" altLang="ja-JP" b="0" i="1" smtClean="0">
+                          <a:latin typeface="Cambria Math" panose="02040503050406030204" pitchFamily="18" charset="0"/>
+                        </a:rPr>
+                        <m:t> </m:t>
+                      </m:r>
+                      <m:f>
+                        <m:fPr>
+                          <m:ctrlPr>
+                            <a:rPr kumimoji="1" lang="en-US" altLang="ja-JP" b="0" i="1" smtClean="0">
+                              <a:latin typeface="Cambria Math" panose="02040503050406030204" pitchFamily="18" charset="0"/>
+                            </a:rPr>
+                          </m:ctrlPr>
+                        </m:fPr>
+                        <m:num>
+                          <m:r>
+                            <a:rPr kumimoji="1" lang="en-US" altLang="ja-JP" b="0" i="1" smtClean="0">
+                              <a:latin typeface="Cambria Math" panose="02040503050406030204" pitchFamily="18" charset="0"/>
+                              <a:ea typeface="Cambria Math" panose="02040503050406030204" pitchFamily="18" charset="0"/>
+                            </a:rPr>
+                            <m:t>∆</m:t>
+                          </m:r>
+                          <m:r>
+                            <a:rPr kumimoji="1" lang="en-US" altLang="ja-JP" b="0" i="1" smtClean="0">
+                              <a:latin typeface="Cambria Math" panose="02040503050406030204" pitchFamily="18" charset="0"/>
+                              <a:ea typeface="Cambria Math" panose="02040503050406030204" pitchFamily="18" charset="0"/>
+                            </a:rPr>
+                            <m:t>𝑦</m:t>
+                          </m:r>
+                        </m:num>
+                        <m:den>
+                          <m:r>
+                            <a:rPr kumimoji="1" lang="en-US" altLang="ja-JP" b="0" i="1" smtClean="0">
+                              <a:latin typeface="Cambria Math" panose="02040503050406030204" pitchFamily="18" charset="0"/>
+                              <a:ea typeface="Cambria Math" panose="02040503050406030204" pitchFamily="18" charset="0"/>
+                            </a:rPr>
+                            <m:t>∆</m:t>
+                          </m:r>
+                          <m:r>
+                            <a:rPr kumimoji="1" lang="en-US" altLang="ja-JP" b="0" i="1" smtClean="0">
+                              <a:latin typeface="Cambria Math" panose="02040503050406030204" pitchFamily="18" charset="0"/>
+                              <a:ea typeface="Cambria Math" panose="02040503050406030204" pitchFamily="18" charset="0"/>
+                            </a:rPr>
+                            <m:t>𝑥</m:t>
+                          </m:r>
+                        </m:den>
+                      </m:f>
+                      <m:r>
+                        <a:rPr kumimoji="1" lang="en-US" altLang="ja-JP" b="0" i="1" smtClean="0">
+                          <a:latin typeface="Cambria Math" panose="02040503050406030204" pitchFamily="18" charset="0"/>
+                        </a:rPr>
+                        <m:t>+</m:t>
+                      </m:r>
+                      <m:f>
+                        <m:fPr>
+                          <m:ctrlPr>
+                            <a:rPr kumimoji="1" lang="en-US" altLang="ja-JP" b="0" i="1" smtClean="0">
+                              <a:latin typeface="Cambria Math" panose="02040503050406030204" pitchFamily="18" charset="0"/>
+                            </a:rPr>
+                          </m:ctrlPr>
+                        </m:fPr>
+                        <m:num>
+                          <m:r>
+                            <a:rPr kumimoji="1" lang="en-US" altLang="ja-JP" b="0" i="1" smtClean="0">
+                              <a:latin typeface="Cambria Math" panose="02040503050406030204" pitchFamily="18" charset="0"/>
+                            </a:rPr>
+                            <m:t>𝑝</m:t>
+                          </m:r>
+                        </m:num>
+                        <m:den>
+                          <m:r>
+                            <a:rPr kumimoji="1" lang="en-US" altLang="ja-JP" b="0" i="1" smtClean="0">
+                              <a:latin typeface="Cambria Math" panose="02040503050406030204" pitchFamily="18" charset="0"/>
+                            </a:rPr>
+                            <m:t>4</m:t>
+                          </m:r>
+                        </m:den>
+                      </m:f>
+                      <m:r>
+                        <a:rPr kumimoji="1" lang="en-US" altLang="ja-JP" b="0" i="1" smtClean="0">
+                          <a:latin typeface="Cambria Math" panose="02040503050406030204" pitchFamily="18" charset="0"/>
+                        </a:rPr>
+                        <m:t> </m:t>
+                      </m:r>
+                      <m:f>
+                        <m:fPr>
+                          <m:ctrlPr>
+                            <a:rPr kumimoji="1" lang="en-US" altLang="ja-JP" b="0" i="1" smtClean="0">
+                              <a:latin typeface="Cambria Math" panose="02040503050406030204" pitchFamily="18" charset="0"/>
+                            </a:rPr>
+                          </m:ctrlPr>
+                        </m:fPr>
+                        <m:num>
+                          <m:r>
+                            <a:rPr kumimoji="1" lang="en-US" altLang="ja-JP" b="0" i="1" smtClean="0">
+                              <a:latin typeface="Cambria Math" panose="02040503050406030204" pitchFamily="18" charset="0"/>
+                              <a:ea typeface="Cambria Math" panose="02040503050406030204" pitchFamily="18" charset="0"/>
+                            </a:rPr>
+                            <m:t>∆</m:t>
+                          </m:r>
+                          <m:r>
+                            <a:rPr kumimoji="1" lang="en-US" altLang="ja-JP" b="0" i="1" smtClean="0">
+                              <a:latin typeface="Cambria Math" panose="02040503050406030204" pitchFamily="18" charset="0"/>
+                              <a:ea typeface="Cambria Math" panose="02040503050406030204" pitchFamily="18" charset="0"/>
+                            </a:rPr>
+                            <m:t>𝑦</m:t>
+                          </m:r>
+                        </m:num>
+                        <m:den>
+                          <m:r>
+                            <a:rPr kumimoji="1" lang="en-US" altLang="ja-JP" b="0" i="1" smtClean="0">
+                              <a:latin typeface="Cambria Math" panose="02040503050406030204" pitchFamily="18" charset="0"/>
+                              <a:ea typeface="Cambria Math" panose="02040503050406030204" pitchFamily="18" charset="0"/>
+                            </a:rPr>
+                            <m:t>∆</m:t>
+                          </m:r>
+                          <m:r>
+                            <a:rPr kumimoji="1" lang="en-US" altLang="ja-JP" b="0" i="1" smtClean="0">
+                              <a:latin typeface="Cambria Math" panose="02040503050406030204" pitchFamily="18" charset="0"/>
+                              <a:ea typeface="Cambria Math" panose="02040503050406030204" pitchFamily="18" charset="0"/>
+                            </a:rPr>
+                            <m:t>𝑥</m:t>
+                          </m:r>
+                        </m:den>
+                      </m:f>
+                      <m:r>
+                        <a:rPr kumimoji="1" lang="en-US" altLang="ja-JP" b="0" i="1" smtClean="0">
+                          <a:latin typeface="Cambria Math" panose="02040503050406030204" pitchFamily="18" charset="0"/>
+                        </a:rPr>
+                        <m:t>+</m:t>
+                      </m:r>
+                      <m:f>
+                        <m:fPr>
+                          <m:ctrlPr>
+                            <a:rPr kumimoji="1" lang="en-US" altLang="ja-JP" b="0" i="1" smtClean="0">
+                              <a:latin typeface="Cambria Math" panose="02040503050406030204" pitchFamily="18" charset="0"/>
+                            </a:rPr>
+                          </m:ctrlPr>
+                        </m:fPr>
+                        <m:num>
+                          <m:r>
+                            <a:rPr kumimoji="1" lang="en-US" altLang="ja-JP" b="0" i="1" smtClean="0">
+                              <a:latin typeface="Cambria Math" panose="02040503050406030204" pitchFamily="18" charset="0"/>
+                            </a:rPr>
+                            <m:t>𝑝</m:t>
+                          </m:r>
+                        </m:num>
+                        <m:den>
+                          <m:r>
+                            <a:rPr kumimoji="1" lang="en-US" altLang="ja-JP" b="0" i="1" smtClean="0">
+                              <a:latin typeface="Cambria Math" panose="02040503050406030204" pitchFamily="18" charset="0"/>
+                            </a:rPr>
+                            <m:t>4</m:t>
+                          </m:r>
+                        </m:den>
+                      </m:f>
+                      <m:r>
+                        <a:rPr kumimoji="1" lang="en-US" altLang="ja-JP" b="0" i="1" smtClean="0">
+                          <a:latin typeface="Cambria Math" panose="02040503050406030204" pitchFamily="18" charset="0"/>
+                        </a:rPr>
+                        <m:t> </m:t>
+                      </m:r>
+                      <m:f>
+                        <m:fPr>
+                          <m:ctrlPr>
+                            <a:rPr kumimoji="1" lang="en-US" altLang="ja-JP" b="0" i="1" smtClean="0">
+                              <a:latin typeface="Cambria Math" panose="02040503050406030204" pitchFamily="18" charset="0"/>
+                            </a:rPr>
+                          </m:ctrlPr>
+                        </m:fPr>
+                        <m:num>
+                          <m:r>
+                            <a:rPr kumimoji="1" lang="en-US" altLang="ja-JP" b="0" i="1" smtClean="0">
+                              <a:latin typeface="Cambria Math" panose="02040503050406030204" pitchFamily="18" charset="0"/>
+                              <a:ea typeface="Cambria Math" panose="02040503050406030204" pitchFamily="18" charset="0"/>
+                            </a:rPr>
+                            <m:t>∆</m:t>
+                          </m:r>
+                          <m:r>
+                            <a:rPr kumimoji="1" lang="en-US" altLang="ja-JP" b="0" i="1" smtClean="0">
+                              <a:latin typeface="Cambria Math" panose="02040503050406030204" pitchFamily="18" charset="0"/>
+                              <a:ea typeface="Cambria Math" panose="02040503050406030204" pitchFamily="18" charset="0"/>
+                            </a:rPr>
+                            <m:t>𝑥</m:t>
+                          </m:r>
+                        </m:num>
+                        <m:den>
+                          <m:r>
+                            <a:rPr kumimoji="1" lang="en-US" altLang="ja-JP" b="0" i="1" smtClean="0">
+                              <a:latin typeface="Cambria Math" panose="02040503050406030204" pitchFamily="18" charset="0"/>
+                              <a:ea typeface="Cambria Math" panose="02040503050406030204" pitchFamily="18" charset="0"/>
+                            </a:rPr>
+                            <m:t>∆</m:t>
+                          </m:r>
+                          <m:r>
+                            <a:rPr kumimoji="1" lang="en-US" altLang="ja-JP" b="0" i="1" smtClean="0">
+                              <a:latin typeface="Cambria Math" panose="02040503050406030204" pitchFamily="18" charset="0"/>
+                              <a:ea typeface="Cambria Math" panose="02040503050406030204" pitchFamily="18" charset="0"/>
+                            </a:rPr>
+                            <m:t>𝑦</m:t>
+                          </m:r>
+                        </m:den>
+                      </m:f>
+                      <m:r>
+                        <a:rPr kumimoji="1" lang="en-US" altLang="ja-JP" b="0" i="1" smtClean="0">
+                          <a:latin typeface="Cambria Math" panose="02040503050406030204" pitchFamily="18" charset="0"/>
+                        </a:rPr>
+                        <m:t>+</m:t>
+                      </m:r>
+                      <m:f>
+                        <m:fPr>
+                          <m:ctrlPr>
+                            <a:rPr kumimoji="1" lang="en-US" altLang="ja-JP" b="0" i="1" smtClean="0">
+                              <a:latin typeface="Cambria Math" panose="02040503050406030204" pitchFamily="18" charset="0"/>
+                            </a:rPr>
+                          </m:ctrlPr>
+                        </m:fPr>
+                        <m:num>
+                          <m:r>
+                            <a:rPr kumimoji="1" lang="en-US" altLang="ja-JP" b="0" i="1" smtClean="0">
+                              <a:latin typeface="Cambria Math" panose="02040503050406030204" pitchFamily="18" charset="0"/>
+                            </a:rPr>
+                            <m:t>𝑝</m:t>
+                          </m:r>
+                        </m:num>
+                        <m:den>
+                          <m:r>
+                            <a:rPr kumimoji="1" lang="en-US" altLang="ja-JP" b="0" i="1" smtClean="0">
+                              <a:latin typeface="Cambria Math" panose="02040503050406030204" pitchFamily="18" charset="0"/>
+                            </a:rPr>
+                            <m:t>4</m:t>
+                          </m:r>
+                        </m:den>
+                      </m:f>
+                      <m:r>
+                        <a:rPr kumimoji="1" lang="en-US" altLang="ja-JP" b="0" i="1" smtClean="0">
+                          <a:latin typeface="Cambria Math" panose="02040503050406030204" pitchFamily="18" charset="0"/>
+                        </a:rPr>
+                        <m:t> </m:t>
+                      </m:r>
+                      <m:f>
+                        <m:fPr>
+                          <m:ctrlPr>
+                            <a:rPr kumimoji="1" lang="en-US" altLang="ja-JP" b="0" i="1" smtClean="0">
+                              <a:latin typeface="Cambria Math" panose="02040503050406030204" pitchFamily="18" charset="0"/>
+                            </a:rPr>
+                          </m:ctrlPr>
+                        </m:fPr>
+                        <m:num>
+                          <m:r>
+                            <a:rPr kumimoji="1" lang="en-US" altLang="ja-JP" b="0" i="1" smtClean="0">
+                              <a:latin typeface="Cambria Math" panose="02040503050406030204" pitchFamily="18" charset="0"/>
+                              <a:ea typeface="Cambria Math" panose="02040503050406030204" pitchFamily="18" charset="0"/>
+                            </a:rPr>
+                            <m:t>∆</m:t>
+                          </m:r>
+                          <m:r>
+                            <a:rPr kumimoji="1" lang="en-US" altLang="ja-JP" b="0" i="1" smtClean="0">
+                              <a:latin typeface="Cambria Math" panose="02040503050406030204" pitchFamily="18" charset="0"/>
+                              <a:ea typeface="Cambria Math" panose="02040503050406030204" pitchFamily="18" charset="0"/>
+                            </a:rPr>
+                            <m:t>𝑥</m:t>
+                          </m:r>
+                        </m:num>
+                        <m:den>
+                          <m:r>
+                            <a:rPr kumimoji="1" lang="en-US" altLang="ja-JP" b="0" i="1" smtClean="0">
+                              <a:latin typeface="Cambria Math" panose="02040503050406030204" pitchFamily="18" charset="0"/>
+                              <a:ea typeface="Cambria Math" panose="02040503050406030204" pitchFamily="18" charset="0"/>
+                            </a:rPr>
+                            <m:t>∆</m:t>
+                          </m:r>
+                          <m:r>
+                            <a:rPr kumimoji="1" lang="en-US" altLang="ja-JP" b="0" i="1" smtClean="0">
+                              <a:latin typeface="Cambria Math" panose="02040503050406030204" pitchFamily="18" charset="0"/>
+                              <a:ea typeface="Cambria Math" panose="02040503050406030204" pitchFamily="18" charset="0"/>
+                            </a:rPr>
+                            <m:t>𝑦</m:t>
+                          </m:r>
+                        </m:den>
+                      </m:f>
+                    </m:oMath>
+                    <m:oMath xmlns:m="http://schemas.openxmlformats.org/officeDocument/2006/math">
+                      <m:r>
+                        <a:rPr kumimoji="1" lang="en-US" altLang="ja-JP" b="0" i="0" smtClean="0">
+                          <a:latin typeface="Cambria Math" panose="02040503050406030204" pitchFamily="18" charset="0"/>
+                        </a:rPr>
+                        <m:t>        </m:t>
+                      </m:r>
+                      <m:r>
+                        <a:rPr kumimoji="1" lang="en-US" altLang="ja-JP" b="0" i="1" smtClean="0">
+                          <a:latin typeface="Cambria Math" panose="02040503050406030204" pitchFamily="18" charset="0"/>
+                        </a:rPr>
+                        <m:t> =</m:t>
+                      </m:r>
+                      <m:f>
+                        <m:fPr>
+                          <m:ctrlPr>
+                            <a:rPr kumimoji="1" lang="en-US" altLang="ja-JP" b="0" i="1" smtClean="0">
+                              <a:latin typeface="Cambria Math" panose="02040503050406030204" pitchFamily="18" charset="0"/>
+                            </a:rPr>
+                          </m:ctrlPr>
+                        </m:fPr>
+                        <m:num>
+                          <m:r>
+                            <a:rPr kumimoji="1" lang="en-US" altLang="ja-JP" b="0" i="1" smtClean="0">
+                              <a:latin typeface="Cambria Math" panose="02040503050406030204" pitchFamily="18" charset="0"/>
+                            </a:rPr>
+                            <m:t>1</m:t>
+                          </m:r>
+                        </m:num>
+                        <m:den>
+                          <m:r>
+                            <a:rPr kumimoji="1" lang="en-US" altLang="ja-JP" b="0" i="1" smtClean="0">
+                              <a:latin typeface="Cambria Math" panose="02040503050406030204" pitchFamily="18" charset="0"/>
+                            </a:rPr>
+                            <m:t>2</m:t>
+                          </m:r>
+                        </m:den>
+                      </m:f>
+                      <m:d>
+                        <m:dPr>
+                          <m:ctrlPr>
+                            <a:rPr kumimoji="1" lang="en-US" altLang="ja-JP" b="0" i="1" smtClean="0">
+                              <a:latin typeface="Cambria Math" panose="02040503050406030204" pitchFamily="18" charset="0"/>
+                            </a:rPr>
+                          </m:ctrlPr>
+                        </m:dPr>
+                        <m:e>
+                          <m:f>
+                            <m:fPr>
+                              <m:ctrlPr>
+                                <a:rPr kumimoji="1" lang="en-US" altLang="ja-JP" b="0" i="1" smtClean="0">
+                                  <a:latin typeface="Cambria Math" panose="02040503050406030204" pitchFamily="18" charset="0"/>
+                                </a:rPr>
+                              </m:ctrlPr>
+                            </m:fPr>
+                            <m:num>
+                              <m:r>
+                                <a:rPr kumimoji="1" lang="en-US" altLang="ja-JP" b="0" i="1" smtClean="0">
+                                  <a:latin typeface="Cambria Math" panose="02040503050406030204" pitchFamily="18" charset="0"/>
+                                  <a:ea typeface="Cambria Math" panose="02040503050406030204" pitchFamily="18" charset="0"/>
+                                </a:rPr>
+                                <m:t>∆</m:t>
+                              </m:r>
+                              <m:r>
+                                <a:rPr kumimoji="1" lang="en-US" altLang="ja-JP" b="0" i="1" smtClean="0">
+                                  <a:latin typeface="Cambria Math" panose="02040503050406030204" pitchFamily="18" charset="0"/>
+                                  <a:ea typeface="Cambria Math" panose="02040503050406030204" pitchFamily="18" charset="0"/>
+                                </a:rPr>
+                                <m:t>𝑦</m:t>
+                              </m:r>
+                            </m:num>
+                            <m:den>
+                              <m:r>
+                                <a:rPr kumimoji="1" lang="en-US" altLang="ja-JP" b="0" i="1" smtClean="0">
+                                  <a:latin typeface="Cambria Math" panose="02040503050406030204" pitchFamily="18" charset="0"/>
+                                  <a:ea typeface="Cambria Math" panose="02040503050406030204" pitchFamily="18" charset="0"/>
+                                </a:rPr>
+                                <m:t>∆</m:t>
+                              </m:r>
+                              <m:r>
+                                <a:rPr kumimoji="1" lang="en-US" altLang="ja-JP" b="0" i="1" smtClean="0">
+                                  <a:latin typeface="Cambria Math" panose="02040503050406030204" pitchFamily="18" charset="0"/>
+                                  <a:ea typeface="Cambria Math" panose="02040503050406030204" pitchFamily="18" charset="0"/>
+                                </a:rPr>
+                                <m:t>𝑥</m:t>
+                              </m:r>
+                            </m:den>
+                          </m:f>
+                          <m:r>
+                            <a:rPr kumimoji="1" lang="en-US" altLang="ja-JP" b="0" i="1" smtClean="0">
+                              <a:latin typeface="Cambria Math" panose="02040503050406030204" pitchFamily="18" charset="0"/>
+                            </a:rPr>
+                            <m:t>+</m:t>
+                          </m:r>
+                          <m:f>
+                            <m:fPr>
+                              <m:ctrlPr>
+                                <a:rPr kumimoji="1" lang="en-US" altLang="ja-JP" b="0" i="1" smtClean="0">
+                                  <a:latin typeface="Cambria Math" panose="02040503050406030204" pitchFamily="18" charset="0"/>
+                                </a:rPr>
+                              </m:ctrlPr>
+                            </m:fPr>
+                            <m:num>
+                              <m:r>
+                                <a:rPr kumimoji="1" lang="en-US" altLang="ja-JP" b="0" i="1" smtClean="0">
+                                  <a:latin typeface="Cambria Math" panose="02040503050406030204" pitchFamily="18" charset="0"/>
+                                  <a:ea typeface="Cambria Math" panose="02040503050406030204" pitchFamily="18" charset="0"/>
+                                </a:rPr>
+                                <m:t>∆</m:t>
+                              </m:r>
+                              <m:r>
+                                <a:rPr kumimoji="1" lang="en-US" altLang="ja-JP" b="0" i="1" smtClean="0">
+                                  <a:latin typeface="Cambria Math" panose="02040503050406030204" pitchFamily="18" charset="0"/>
+                                  <a:ea typeface="Cambria Math" panose="02040503050406030204" pitchFamily="18" charset="0"/>
+                                </a:rPr>
+                                <m:t>𝑥</m:t>
+                              </m:r>
+                            </m:num>
+                            <m:den>
+                              <m:r>
+                                <a:rPr kumimoji="1" lang="en-US" altLang="ja-JP" b="0" i="1" smtClean="0">
+                                  <a:latin typeface="Cambria Math" panose="02040503050406030204" pitchFamily="18" charset="0"/>
+                                  <a:ea typeface="Cambria Math" panose="02040503050406030204" pitchFamily="18" charset="0"/>
+                                </a:rPr>
+                                <m:t>∆</m:t>
+                              </m:r>
+                              <m:r>
+                                <a:rPr kumimoji="1" lang="en-US" altLang="ja-JP" b="0" i="1" smtClean="0">
+                                  <a:latin typeface="Cambria Math" panose="02040503050406030204" pitchFamily="18" charset="0"/>
+                                  <a:ea typeface="Cambria Math" panose="02040503050406030204" pitchFamily="18" charset="0"/>
+                                </a:rPr>
+                                <m:t>𝑦</m:t>
+                              </m:r>
+                            </m:den>
+                          </m:f>
+                        </m:e>
+                      </m:d>
+                      <m:r>
+                        <a:rPr kumimoji="1" lang="en-US" altLang="ja-JP" b="0" i="1" smtClean="0">
+                          <a:latin typeface="Cambria Math" panose="02040503050406030204" pitchFamily="18" charset="0"/>
+                        </a:rPr>
+                        <m:t>𝑝</m:t>
+                      </m:r>
+                    </m:oMath>
+                  </m:oMathPara>
+                </a14:m>
+                <a:endParaRPr kumimoji="1" lang="ja-JP" altLang="en-US"/>
+              </a:p>
+            </p:txBody>
+          </p:sp>
+        </mc:Choice>
+        <mc:Fallback>
+          <p:sp>
+            <p:nvSpPr>
+              <p:cNvPr id="27" name="テキスト ボックス 26">
+                <a:extLst>
+                  <a:ext uri="{FF2B5EF4-FFF2-40B4-BE49-F238E27FC236}">
+                    <a16:creationId xmlns:a16="http://schemas.microsoft.com/office/drawing/2014/main" id="{69DB5B38-38A4-0946-97A2-2C13E354C725}"/>
+                  </a:ext>
+                </a:extLst>
+              </p:cNvPr>
+              <p:cNvSpPr txBox="1">
+                <a:spLocks noRot="1" noChangeAspect="1" noMove="1" noResize="1" noEditPoints="1" noAdjustHandles="1" noChangeArrowheads="1" noChangeShapeType="1" noTextEdit="1"/>
+              </p:cNvSpPr>
+              <p:nvPr/>
+            </p:nvSpPr>
+            <p:spPr>
+              <a:xfrm>
+                <a:off x="1460500" y="5140124"/>
+                <a:ext cx="3573350" cy="1135439"/>
+              </a:xfrm>
+              <a:prstGeom prst="rect">
+                <a:avLst/>
+              </a:prstGeom>
+              <a:blipFill>
+                <a:blip r:embed="rId6"/>
+                <a:stretch>
+                  <a:fillRect l="-2128" t="-2222" r="-709" b="-7778"/>
+                </a:stretch>
+              </a:blipFill>
+            </p:spPr>
+            <p:txBody>
+              <a:bodyPr/>
+              <a:lstStyle/>
+              <a:p>
+                <a:r>
+                  <a:rPr lang="ja-JP" altLang="en-US">
+                    <a:noFill/>
+                  </a:rPr>
+                  <a:t> </a:t>
+                </a:r>
+              </a:p>
+            </p:txBody>
+          </p:sp>
+        </mc:Fallback>
+      </mc:AlternateContent>
+    </p:spTree>
+    <p:extLst>
+      <p:ext uri="{BB962C8B-B14F-4D97-AF65-F5344CB8AC3E}">
+        <p14:creationId xmlns:p14="http://schemas.microsoft.com/office/powerpoint/2010/main" val="3434868233"/>
+      </p:ext>
+    </p:extLst>
+  </p:cSld>
+  <p:clrMapOvr>
+    <a:masterClrMapping/>
+  </p:clrMapOvr>
+</p:sld>
+</file>
+
+<file path=ppt/slides/slide15.xml><?xml version="1.0" encoding="utf-8"?>
+<p:sld xmlns:a="http://schemas.openxmlformats.org/drawingml/2006/main" xmlns:r="http://schemas.openxmlformats.org/officeDocument/2006/relationships" xmlns:p="http://schemas.openxmlformats.org/presentationml/2006/main">
+  <p:cSld>
+    <p:spTree>
+      <p:nvGrpSpPr>
+        <p:cNvPr id="1" name=""/>
+        <p:cNvGrpSpPr/>
+        <p:nvPr/>
+      </p:nvGrpSpPr>
+      <p:grpSpPr>
+        <a:xfrm>
+          <a:off x="0" y="0"/>
+          <a:ext cx="0" cy="0"/>
+          <a:chOff x="0" y="0"/>
+          <a:chExt cx="0" cy="0"/>
+        </a:xfrm>
+      </p:grpSpPr>
+      <p:sp>
+        <p:nvSpPr>
+          <p:cNvPr id="2" name="タイトル 1">
+            <a:extLst>
+              <a:ext uri="{FF2B5EF4-FFF2-40B4-BE49-F238E27FC236}">
+                <a16:creationId xmlns:a16="http://schemas.microsoft.com/office/drawing/2014/main" id="{D61A0F76-D2BC-1333-D25D-45B69AF50A94}"/>
+              </a:ext>
+            </a:extLst>
+          </p:cNvPr>
+          <p:cNvSpPr>
+            <a:spLocks noGrp="1"/>
+          </p:cNvSpPr>
+          <p:nvPr>
+            <p:ph type="title"/>
+          </p:nvPr>
+        </p:nvSpPr>
+        <p:spPr/>
+        <p:txBody>
+          <a:bodyPr/>
+          <a:lstStyle/>
+          <a:p>
+            <a:r>
+              <a:rPr kumimoji="1" lang="ja-JP" altLang="en-US"/>
+              <a:t>離散化した光拡散方程式の適用条件</a:t>
+            </a:r>
+            <a:endParaRPr kumimoji="1" lang="ja-JP" altLang="en-US" dirty="0"/>
+          </a:p>
+        </p:txBody>
+      </p:sp>
+      <mc:AlternateContent xmlns:mc="http://schemas.openxmlformats.org/markup-compatibility/2006">
+        <mc:Choice xmlns:a14="http://schemas.microsoft.com/office/drawing/2010/main" Requires="a14">
+          <p:sp>
+            <p:nvSpPr>
+              <p:cNvPr id="15" name="テキスト ボックス 14">
+                <a:extLst>
+                  <a:ext uri="{FF2B5EF4-FFF2-40B4-BE49-F238E27FC236}">
+                    <a16:creationId xmlns:a16="http://schemas.microsoft.com/office/drawing/2014/main" id="{8CEF5B5F-96C8-B647-9B0B-DBEE529CE7E9}"/>
+                  </a:ext>
+                </a:extLst>
+              </p:cNvPr>
+              <p:cNvSpPr txBox="1"/>
+              <p:nvPr/>
+            </p:nvSpPr>
+            <p:spPr>
+              <a:xfrm>
+                <a:off x="723263" y="1329468"/>
+                <a:ext cx="10012684" cy="660052"/>
+              </a:xfrm>
+              <a:prstGeom prst="rect">
+                <a:avLst/>
+              </a:prstGeom>
+              <a:noFill/>
+            </p:spPr>
+            <p:txBody>
+              <a:bodyPr wrap="square">
+                <a:spAutoFit/>
+              </a:bodyPr>
+              <a:lstStyle/>
+              <a:p>
+                <a:pPr/>
+                <a14:m>
+                  <m:oMathPara xmlns:m="http://schemas.openxmlformats.org/officeDocument/2006/math">
+                    <m:oMathParaPr>
+                      <m:jc m:val="centerGroup"/>
+                    </m:oMathParaPr>
+                    <m:oMath xmlns:m="http://schemas.openxmlformats.org/officeDocument/2006/math">
+                      <m:sSubSup>
+                        <m:sSubSupPr>
+                          <m:ctrlPr>
+                            <a:rPr lang="ar-AE" altLang="ja-JP" i="1" smtClean="0">
+                              <a:latin typeface="Cambria Math" panose="02040503050406030204" pitchFamily="18" charset="0"/>
+                            </a:rPr>
+                          </m:ctrlPr>
+                        </m:sSubSupPr>
+                        <m:e>
+                          <m:r>
+                            <a:rPr lang="ar-AE" altLang="ja-JP" i="1">
+                              <a:latin typeface="Cambria Math" panose="02040503050406030204" pitchFamily="18" charset="0"/>
+                            </a:rPr>
+                            <m:t>𝜙</m:t>
+                          </m:r>
+                        </m:e>
+                        <m:sub>
+                          <m:r>
+                            <a:rPr lang="en-US" altLang="ja-JP" i="1">
+                              <a:latin typeface="Cambria Math" panose="02040503050406030204" pitchFamily="18" charset="0"/>
+                            </a:rPr>
+                            <m:t>𝑥</m:t>
+                          </m:r>
+                          <m:r>
+                            <a:rPr lang="en-US" altLang="ja-JP" i="1">
+                              <a:latin typeface="Cambria Math" panose="02040503050406030204" pitchFamily="18" charset="0"/>
+                            </a:rPr>
+                            <m:t>,</m:t>
+                          </m:r>
+                          <m:r>
+                            <a:rPr lang="en-US" altLang="ja-JP" i="1">
+                              <a:latin typeface="Cambria Math" panose="02040503050406030204" pitchFamily="18" charset="0"/>
+                            </a:rPr>
+                            <m:t>𝑦</m:t>
+                          </m:r>
+                        </m:sub>
+                        <m:sup>
+                          <m:r>
+                            <a:rPr lang="en-US" altLang="ja-JP" i="1">
+                              <a:latin typeface="Cambria Math" panose="02040503050406030204" pitchFamily="18" charset="0"/>
+                            </a:rPr>
+                            <m:t>𝑡</m:t>
+                          </m:r>
+                          <m:r>
+                            <a:rPr lang="en-US" altLang="ja-JP" i="1">
+                              <a:latin typeface="Cambria Math" panose="02040503050406030204" pitchFamily="18" charset="0"/>
+                            </a:rPr>
+                            <m:t>+1</m:t>
+                          </m:r>
+                        </m:sup>
+                      </m:sSubSup>
+                      <m:r>
+                        <a:rPr lang="en-US" altLang="ja-JP" b="0" i="1" smtClean="0">
+                          <a:latin typeface="Cambria Math" panose="02040503050406030204" pitchFamily="18" charset="0"/>
+                        </a:rPr>
+                        <m:t>=</m:t>
+                      </m:r>
+                      <m:f>
+                        <m:fPr>
+                          <m:ctrlPr>
+                            <a:rPr lang="en-US" altLang="ja-JP" b="0" i="1" smtClean="0">
+                              <a:latin typeface="Cambria Math" panose="02040503050406030204" pitchFamily="18" charset="0"/>
+                            </a:rPr>
+                          </m:ctrlPr>
+                        </m:fPr>
+                        <m:num>
+                          <m:r>
+                            <a:rPr lang="en-US" altLang="ja-JP" b="0" i="1" smtClean="0">
+                              <a:latin typeface="Cambria Math" panose="02040503050406030204" pitchFamily="18" charset="0"/>
+                            </a:rPr>
+                            <m:t>𝑝</m:t>
+                          </m:r>
+                        </m:num>
+                        <m:den>
+                          <m:r>
+                            <a:rPr lang="en-US" altLang="ja-JP" b="0" i="1" smtClean="0">
+                              <a:latin typeface="Cambria Math" panose="02040503050406030204" pitchFamily="18" charset="0"/>
+                            </a:rPr>
+                            <m:t>4</m:t>
+                          </m:r>
+                        </m:den>
+                      </m:f>
+                      <m:d>
+                        <m:dPr>
+                          <m:begChr m:val="["/>
+                          <m:endChr m:val="]"/>
+                          <m:ctrlPr>
+                            <a:rPr lang="en-US" altLang="ja-JP" b="0" i="1" smtClean="0">
+                              <a:latin typeface="Cambria Math" panose="02040503050406030204" pitchFamily="18" charset="0"/>
+                            </a:rPr>
+                          </m:ctrlPr>
+                        </m:dPr>
+                        <m:e>
+                          <m:f>
+                            <m:fPr>
+                              <m:ctrlPr>
+                                <a:rPr lang="en-US" altLang="ja-JP" b="0" i="1" smtClean="0">
+                                  <a:latin typeface="Cambria Math" panose="02040503050406030204" pitchFamily="18" charset="0"/>
+                                </a:rPr>
+                              </m:ctrlPr>
+                            </m:fPr>
+                            <m:num>
+                              <m:r>
+                                <m:rPr>
+                                  <m:sty m:val="p"/>
+                                </m:rPr>
+                                <a:rPr lang="el-GR" altLang="ja-JP" b="0" i="1" smtClean="0">
+                                  <a:latin typeface="Cambria Math" panose="02040503050406030204" pitchFamily="18" charset="0"/>
+                                  <a:ea typeface="Cambria Math" panose="02040503050406030204" pitchFamily="18" charset="0"/>
+                                </a:rPr>
+                                <m:t>Δ</m:t>
+                              </m:r>
+                              <m:r>
+                                <a:rPr lang="en-US" altLang="ja-JP" b="0" i="1" smtClean="0">
+                                  <a:latin typeface="Cambria Math" panose="02040503050406030204" pitchFamily="18" charset="0"/>
+                                  <a:ea typeface="Cambria Math" panose="02040503050406030204" pitchFamily="18" charset="0"/>
+                                </a:rPr>
+                                <m:t>𝑦</m:t>
+                              </m:r>
+                            </m:num>
+                            <m:den>
+                              <m:r>
+                                <m:rPr>
+                                  <m:sty m:val="p"/>
+                                </m:rPr>
+                                <a:rPr lang="el-GR" altLang="ja-JP" b="0" i="1" smtClean="0">
+                                  <a:latin typeface="Cambria Math" panose="02040503050406030204" pitchFamily="18" charset="0"/>
+                                  <a:ea typeface="Cambria Math" panose="02040503050406030204" pitchFamily="18" charset="0"/>
+                                </a:rPr>
+                                <m:t>Δ</m:t>
+                              </m:r>
+                              <m:r>
+                                <a:rPr lang="en-US" altLang="ja-JP" b="0" i="1" smtClean="0">
+                                  <a:latin typeface="Cambria Math" panose="02040503050406030204" pitchFamily="18" charset="0"/>
+                                  <a:ea typeface="Cambria Math" panose="02040503050406030204" pitchFamily="18" charset="0"/>
+                                </a:rPr>
+                                <m:t>𝑥</m:t>
+                              </m:r>
+                            </m:den>
+                          </m:f>
+                          <m:sSubSup>
+                            <m:sSubSupPr>
+                              <m:ctrlPr>
+                                <a:rPr lang="ar-AE" altLang="ja-JP" i="1">
+                                  <a:latin typeface="Cambria Math" panose="02040503050406030204" pitchFamily="18" charset="0"/>
+                                </a:rPr>
+                              </m:ctrlPr>
+                            </m:sSubSupPr>
+                            <m:e>
+                              <m:r>
+                                <a:rPr lang="en-US" altLang="ja-JP" b="0" i="1" smtClean="0">
+                                  <a:latin typeface="Cambria Math" panose="02040503050406030204" pitchFamily="18" charset="0"/>
+                                </a:rPr>
+                                <m:t>(</m:t>
+                              </m:r>
+                              <m:r>
+                                <a:rPr lang="ar-AE" altLang="ja-JP" i="1">
+                                  <a:latin typeface="Cambria Math" panose="02040503050406030204" pitchFamily="18" charset="0"/>
+                                </a:rPr>
+                                <m:t>𝜙</m:t>
+                              </m:r>
+                            </m:e>
+                            <m:sub>
+                              <m:r>
+                                <a:rPr lang="en-US" altLang="ja-JP" i="1">
+                                  <a:latin typeface="Cambria Math" panose="02040503050406030204" pitchFamily="18" charset="0"/>
+                                </a:rPr>
+                                <m:t>𝑥</m:t>
+                              </m:r>
+                              <m:r>
+                                <a:rPr lang="en-US" altLang="ja-JP" i="1">
+                                  <a:latin typeface="Cambria Math" panose="02040503050406030204" pitchFamily="18" charset="0"/>
+                                </a:rPr>
+                                <m:t>+1</m:t>
+                              </m:r>
+                              <m:r>
+                                <a:rPr lang="en-US" altLang="ja-JP" i="1">
+                                  <a:latin typeface="Cambria Math" panose="02040503050406030204" pitchFamily="18" charset="0"/>
+                                </a:rPr>
+                                <m:t>,</m:t>
+                              </m:r>
+                              <m:r>
+                                <a:rPr lang="en-US" altLang="ja-JP" i="1">
+                                  <a:latin typeface="Cambria Math" panose="02040503050406030204" pitchFamily="18" charset="0"/>
+                                </a:rPr>
+                                <m:t>𝑦</m:t>
+                              </m:r>
+                            </m:sub>
+                            <m:sup>
+                              <m:r>
+                                <a:rPr lang="en-US" altLang="ja-JP" i="1">
+                                  <a:latin typeface="Cambria Math" panose="02040503050406030204" pitchFamily="18" charset="0"/>
+                                </a:rPr>
+                                <m:t>𝑡</m:t>
+                              </m:r>
+                            </m:sup>
+                          </m:sSubSup>
+                          <m:r>
+                            <a:rPr lang="en-US" altLang="ja-JP" b="0" i="1" smtClean="0">
+                              <a:latin typeface="Cambria Math" panose="02040503050406030204" pitchFamily="18" charset="0"/>
+                            </a:rPr>
+                            <m:t>+</m:t>
+                          </m:r>
+                          <m:sSubSup>
+                            <m:sSubSupPr>
+                              <m:ctrlPr>
+                                <a:rPr lang="ar-AE" altLang="ja-JP" i="1" smtClean="0">
+                                  <a:latin typeface="Cambria Math" panose="02040503050406030204" pitchFamily="18" charset="0"/>
+                                </a:rPr>
+                              </m:ctrlPr>
+                            </m:sSubSupPr>
+                            <m:e>
+                              <m:r>
+                                <a:rPr lang="ar-AE" altLang="ja-JP" i="1">
+                                  <a:latin typeface="Cambria Math" panose="02040503050406030204" pitchFamily="18" charset="0"/>
+                                </a:rPr>
+                                <m:t>𝜙</m:t>
+                              </m:r>
+                            </m:e>
+                            <m:sub>
+                              <m:r>
+                                <a:rPr lang="en-US" altLang="ja-JP" i="1">
+                                  <a:latin typeface="Cambria Math" panose="02040503050406030204" pitchFamily="18" charset="0"/>
+                                </a:rPr>
+                                <m:t>𝑥</m:t>
+                              </m:r>
+                              <m:r>
+                                <a:rPr lang="en-US" altLang="ja-JP" i="1">
+                                  <a:latin typeface="Cambria Math" panose="02040503050406030204" pitchFamily="18" charset="0"/>
+                                </a:rPr>
+                                <m:t>−1</m:t>
+                              </m:r>
+                              <m:r>
+                                <a:rPr lang="en-US" altLang="ja-JP" i="1">
+                                  <a:latin typeface="Cambria Math" panose="02040503050406030204" pitchFamily="18" charset="0"/>
+                                </a:rPr>
+                                <m:t>,</m:t>
+                              </m:r>
+                              <m:r>
+                                <a:rPr lang="en-US" altLang="ja-JP" i="1">
+                                  <a:latin typeface="Cambria Math" panose="02040503050406030204" pitchFamily="18" charset="0"/>
+                                </a:rPr>
+                                <m:t>𝑦</m:t>
+                              </m:r>
+                            </m:sub>
+                            <m:sup>
+                              <m:r>
+                                <a:rPr lang="en-US" altLang="ja-JP" i="1">
+                                  <a:latin typeface="Cambria Math" panose="02040503050406030204" pitchFamily="18" charset="0"/>
+                                </a:rPr>
+                                <m:t>𝑡</m:t>
+                              </m:r>
+                            </m:sup>
+                          </m:sSubSup>
+                          <m:r>
+                            <a:rPr lang="en-US" altLang="ja-JP" b="0" i="1" smtClean="0">
+                              <a:latin typeface="Cambria Math" panose="02040503050406030204" pitchFamily="18" charset="0"/>
+                            </a:rPr>
+                            <m:t>)+</m:t>
+                          </m:r>
+                          <m:f>
+                            <m:fPr>
+                              <m:ctrlPr>
+                                <a:rPr lang="en-US" altLang="ja-JP" b="0" i="1" smtClean="0">
+                                  <a:latin typeface="Cambria Math" panose="02040503050406030204" pitchFamily="18" charset="0"/>
+                                </a:rPr>
+                              </m:ctrlPr>
+                            </m:fPr>
+                            <m:num>
+                              <m:r>
+                                <m:rPr>
+                                  <m:sty m:val="p"/>
+                                </m:rPr>
+                                <a:rPr lang="el-GR" altLang="ja-JP" b="0" i="1" smtClean="0">
+                                  <a:latin typeface="Cambria Math" panose="02040503050406030204" pitchFamily="18" charset="0"/>
+                                  <a:ea typeface="Cambria Math" panose="02040503050406030204" pitchFamily="18" charset="0"/>
+                                </a:rPr>
+                                <m:t>Δ</m:t>
+                              </m:r>
+                              <m:r>
+                                <a:rPr lang="en-US" altLang="ja-JP" b="0" i="1" smtClean="0">
+                                  <a:latin typeface="Cambria Math" panose="02040503050406030204" pitchFamily="18" charset="0"/>
+                                  <a:ea typeface="Cambria Math" panose="02040503050406030204" pitchFamily="18" charset="0"/>
+                                </a:rPr>
+                                <m:t>𝑥</m:t>
+                              </m:r>
+                            </m:num>
+                            <m:den>
+                              <m:r>
+                                <m:rPr>
+                                  <m:sty m:val="p"/>
+                                </m:rPr>
+                                <a:rPr lang="el-GR" altLang="ja-JP" b="0" i="1" smtClean="0">
+                                  <a:latin typeface="Cambria Math" panose="02040503050406030204" pitchFamily="18" charset="0"/>
+                                  <a:ea typeface="Cambria Math" panose="02040503050406030204" pitchFamily="18" charset="0"/>
+                                </a:rPr>
+                                <m:t>Δ</m:t>
+                              </m:r>
+                              <m:r>
+                                <a:rPr lang="en-US" altLang="ja-JP" b="0" i="1" smtClean="0">
+                                  <a:latin typeface="Cambria Math" panose="02040503050406030204" pitchFamily="18" charset="0"/>
+                                  <a:ea typeface="Cambria Math" panose="02040503050406030204" pitchFamily="18" charset="0"/>
+                                </a:rPr>
+                                <m:t>𝑦</m:t>
+                              </m:r>
+                            </m:den>
+                          </m:f>
+                          <m:r>
+                            <a:rPr lang="en-US" altLang="ja-JP" b="0" i="1" smtClean="0">
+                              <a:latin typeface="Cambria Math" panose="02040503050406030204" pitchFamily="18" charset="0"/>
+                            </a:rPr>
+                            <m:t>(</m:t>
+                          </m:r>
+                          <m:sSubSup>
+                            <m:sSubSupPr>
+                              <m:ctrlPr>
+                                <a:rPr lang="ar-AE" altLang="ja-JP" i="1">
+                                  <a:latin typeface="Cambria Math" panose="02040503050406030204" pitchFamily="18" charset="0"/>
+                                </a:rPr>
+                              </m:ctrlPr>
+                            </m:sSubSupPr>
+                            <m:e>
+                              <m:r>
+                                <a:rPr lang="ar-AE" altLang="ja-JP" i="1">
+                                  <a:latin typeface="Cambria Math" panose="02040503050406030204" pitchFamily="18" charset="0"/>
+                                </a:rPr>
+                                <m:t>𝜙</m:t>
+                              </m:r>
+                            </m:e>
+                            <m:sub>
+                              <m:r>
+                                <a:rPr lang="en-US" altLang="ja-JP" i="1">
+                                  <a:latin typeface="Cambria Math" panose="02040503050406030204" pitchFamily="18" charset="0"/>
+                                </a:rPr>
+                                <m:t>𝑥</m:t>
+                              </m:r>
+                              <m:r>
+                                <a:rPr lang="en-US" altLang="ja-JP" i="1">
+                                  <a:latin typeface="Cambria Math" panose="02040503050406030204" pitchFamily="18" charset="0"/>
+                                </a:rPr>
+                                <m:t>,</m:t>
+                              </m:r>
+                              <m:r>
+                                <a:rPr lang="en-US" altLang="ja-JP" i="1">
+                                  <a:latin typeface="Cambria Math" panose="02040503050406030204" pitchFamily="18" charset="0"/>
+                                </a:rPr>
+                                <m:t>𝑦</m:t>
+                              </m:r>
+                              <m:r>
+                                <a:rPr lang="en-US" altLang="ja-JP" i="1">
+                                  <a:latin typeface="Cambria Math" panose="02040503050406030204" pitchFamily="18" charset="0"/>
+                                </a:rPr>
+                                <m:t>+1</m:t>
+                              </m:r>
+                            </m:sub>
+                            <m:sup>
+                              <m:r>
+                                <a:rPr lang="en-US" altLang="ja-JP" i="1">
+                                  <a:latin typeface="Cambria Math" panose="02040503050406030204" pitchFamily="18" charset="0"/>
+                                </a:rPr>
+                                <m:t>𝑡</m:t>
+                              </m:r>
+                            </m:sup>
+                          </m:sSubSup>
+                          <m:r>
+                            <a:rPr lang="en-US" altLang="ja-JP" i="1">
+                              <a:latin typeface="Cambria Math" panose="02040503050406030204" pitchFamily="18" charset="0"/>
+                            </a:rPr>
+                            <m:t>+</m:t>
+                          </m:r>
+                          <m:sSubSup>
+                            <m:sSubSupPr>
+                              <m:ctrlPr>
+                                <a:rPr lang="ar-AE" altLang="ja-JP" i="1">
+                                  <a:latin typeface="Cambria Math" panose="02040503050406030204" pitchFamily="18" charset="0"/>
+                                </a:rPr>
+                              </m:ctrlPr>
+                            </m:sSubSupPr>
+                            <m:e>
+                              <m:r>
+                                <a:rPr lang="ar-AE" altLang="ja-JP" i="1">
+                                  <a:latin typeface="Cambria Math" panose="02040503050406030204" pitchFamily="18" charset="0"/>
+                                </a:rPr>
+                                <m:t>𝜙</m:t>
+                              </m:r>
+                            </m:e>
+                            <m:sub>
+                              <m:r>
+                                <a:rPr lang="en-US" altLang="ja-JP" i="1">
+                                  <a:latin typeface="Cambria Math" panose="02040503050406030204" pitchFamily="18" charset="0"/>
+                                </a:rPr>
+                                <m:t>𝑥</m:t>
+                              </m:r>
+                              <m:r>
+                                <a:rPr lang="en-US" altLang="ja-JP" i="1">
+                                  <a:latin typeface="Cambria Math" panose="02040503050406030204" pitchFamily="18" charset="0"/>
+                                </a:rPr>
+                                <m:t>,</m:t>
+                              </m:r>
+                              <m:r>
+                                <a:rPr lang="en-US" altLang="ja-JP" i="1">
+                                  <a:latin typeface="Cambria Math" panose="02040503050406030204" pitchFamily="18" charset="0"/>
+                                </a:rPr>
+                                <m:t>𝑦</m:t>
+                              </m:r>
+                              <m:r>
+                                <a:rPr lang="en-US" altLang="ja-JP" i="1">
+                                  <a:latin typeface="Cambria Math" panose="02040503050406030204" pitchFamily="18" charset="0"/>
+                                </a:rPr>
+                                <m:t>−1</m:t>
+                              </m:r>
+                            </m:sub>
+                            <m:sup>
+                              <m:r>
+                                <a:rPr lang="en-US" altLang="ja-JP" i="1">
+                                  <a:latin typeface="Cambria Math" panose="02040503050406030204" pitchFamily="18" charset="0"/>
+                                </a:rPr>
+                                <m:t>𝑡</m:t>
+                              </m:r>
+                            </m:sup>
+                          </m:sSubSup>
+                          <m:r>
+                            <a:rPr lang="en-US" altLang="ja-JP" b="0" i="1" smtClean="0">
+                              <a:latin typeface="Cambria Math" panose="02040503050406030204" pitchFamily="18" charset="0"/>
+                            </a:rPr>
+                            <m:t>)</m:t>
+                          </m:r>
+                        </m:e>
+                      </m:d>
+                      <m:r>
+                        <a:rPr lang="en-US" altLang="ja-JP" b="0" i="1" smtClean="0">
+                          <a:latin typeface="Cambria Math" panose="02040503050406030204" pitchFamily="18" charset="0"/>
+                        </a:rPr>
+                        <m:t>−</m:t>
+                      </m:r>
+                      <m:d>
+                        <m:dPr>
+                          <m:begChr m:val="["/>
+                          <m:endChr m:val="]"/>
+                          <m:ctrlPr>
+                            <a:rPr lang="en-US" altLang="ja-JP" b="0" i="1" smtClean="0">
+                              <a:latin typeface="Cambria Math" panose="02040503050406030204" pitchFamily="18" charset="0"/>
+                            </a:rPr>
+                          </m:ctrlPr>
+                        </m:dPr>
+                        <m:e>
+                          <m:r>
+                            <a:rPr lang="en-US" altLang="ja-JP" i="1">
+                              <a:latin typeface="Cambria Math" panose="02040503050406030204" pitchFamily="18" charset="0"/>
+                            </a:rPr>
+                            <m:t>1−</m:t>
+                          </m:r>
+                          <m:f>
+                            <m:fPr>
+                              <m:ctrlPr>
+                                <a:rPr lang="en-US" altLang="ja-JP" i="1">
+                                  <a:latin typeface="Cambria Math" panose="02040503050406030204" pitchFamily="18" charset="0"/>
+                                </a:rPr>
+                              </m:ctrlPr>
+                            </m:fPr>
+                            <m:num>
+                              <m:r>
+                                <a:rPr lang="en-US" altLang="ja-JP" i="1">
+                                  <a:latin typeface="Cambria Math" panose="02040503050406030204" pitchFamily="18" charset="0"/>
+                                </a:rPr>
+                                <m:t>1</m:t>
+                              </m:r>
+                            </m:num>
+                            <m:den>
+                              <m:r>
+                                <a:rPr lang="en-US" altLang="ja-JP" i="1">
+                                  <a:latin typeface="Cambria Math" panose="02040503050406030204" pitchFamily="18" charset="0"/>
+                                </a:rPr>
+                                <m:t>2</m:t>
+                              </m:r>
+                            </m:den>
+                          </m:f>
+                          <m:d>
+                            <m:dPr>
+                              <m:ctrlPr>
+                                <a:rPr lang="en-US" altLang="ja-JP" i="1">
+                                  <a:latin typeface="Cambria Math" panose="02040503050406030204" pitchFamily="18" charset="0"/>
+                                </a:rPr>
+                              </m:ctrlPr>
+                            </m:dPr>
+                            <m:e>
+                              <m:f>
+                                <m:fPr>
+                                  <m:ctrlPr>
+                                    <a:rPr lang="en-US" altLang="ja-JP" i="1">
+                                      <a:latin typeface="Cambria Math" panose="02040503050406030204" pitchFamily="18" charset="0"/>
+                                    </a:rPr>
+                                  </m:ctrlPr>
+                                </m:fPr>
+                                <m:num>
+                                  <m:r>
+                                    <a:rPr lang="en-US" altLang="ja-JP" i="1">
+                                      <a:latin typeface="Cambria Math" panose="02040503050406030204" pitchFamily="18" charset="0"/>
+                                      <a:ea typeface="Cambria Math" panose="02040503050406030204" pitchFamily="18" charset="0"/>
+                                    </a:rPr>
+                                    <m:t>∆</m:t>
+                                  </m:r>
+                                  <m:r>
+                                    <a:rPr lang="en-US" altLang="ja-JP" i="1">
+                                      <a:latin typeface="Cambria Math" panose="02040503050406030204" pitchFamily="18" charset="0"/>
+                                      <a:ea typeface="Cambria Math" panose="02040503050406030204" pitchFamily="18" charset="0"/>
+                                    </a:rPr>
+                                    <m:t>𝑦</m:t>
+                                  </m:r>
+                                </m:num>
+                                <m:den>
+                                  <m:r>
+                                    <a:rPr lang="en-US" altLang="ja-JP" i="1">
+                                      <a:latin typeface="Cambria Math" panose="02040503050406030204" pitchFamily="18" charset="0"/>
+                                      <a:ea typeface="Cambria Math" panose="02040503050406030204" pitchFamily="18" charset="0"/>
+                                    </a:rPr>
+                                    <m:t>∆</m:t>
+                                  </m:r>
+                                  <m:r>
+                                    <a:rPr lang="en-US" altLang="ja-JP" i="1">
+                                      <a:latin typeface="Cambria Math" panose="02040503050406030204" pitchFamily="18" charset="0"/>
+                                      <a:ea typeface="Cambria Math" panose="02040503050406030204" pitchFamily="18" charset="0"/>
+                                    </a:rPr>
+                                    <m:t>𝑥</m:t>
+                                  </m:r>
+                                </m:den>
+                              </m:f>
+                              <m:r>
+                                <a:rPr lang="en-US" altLang="ja-JP" i="1">
+                                  <a:latin typeface="Cambria Math" panose="02040503050406030204" pitchFamily="18" charset="0"/>
+                                </a:rPr>
+                                <m:t>+</m:t>
+                              </m:r>
+                              <m:f>
+                                <m:fPr>
+                                  <m:ctrlPr>
+                                    <a:rPr lang="en-US" altLang="ja-JP" i="1">
+                                      <a:latin typeface="Cambria Math" panose="02040503050406030204" pitchFamily="18" charset="0"/>
+                                    </a:rPr>
+                                  </m:ctrlPr>
+                                </m:fPr>
+                                <m:num>
+                                  <m:r>
+                                    <a:rPr lang="en-US" altLang="ja-JP" i="1">
+                                      <a:latin typeface="Cambria Math" panose="02040503050406030204" pitchFamily="18" charset="0"/>
+                                      <a:ea typeface="Cambria Math" panose="02040503050406030204" pitchFamily="18" charset="0"/>
+                                    </a:rPr>
+                                    <m:t>∆</m:t>
+                                  </m:r>
+                                  <m:r>
+                                    <a:rPr lang="en-US" altLang="ja-JP" i="1">
+                                      <a:latin typeface="Cambria Math" panose="02040503050406030204" pitchFamily="18" charset="0"/>
+                                      <a:ea typeface="Cambria Math" panose="02040503050406030204" pitchFamily="18" charset="0"/>
+                                    </a:rPr>
+                                    <m:t>𝑥</m:t>
+                                  </m:r>
+                                </m:num>
+                                <m:den>
+                                  <m:r>
+                                    <a:rPr lang="en-US" altLang="ja-JP" i="1">
+                                      <a:latin typeface="Cambria Math" panose="02040503050406030204" pitchFamily="18" charset="0"/>
+                                      <a:ea typeface="Cambria Math" panose="02040503050406030204" pitchFamily="18" charset="0"/>
+                                    </a:rPr>
+                                    <m:t>∆</m:t>
+                                  </m:r>
+                                  <m:r>
+                                    <a:rPr lang="en-US" altLang="ja-JP" i="1">
+                                      <a:latin typeface="Cambria Math" panose="02040503050406030204" pitchFamily="18" charset="0"/>
+                                      <a:ea typeface="Cambria Math" panose="02040503050406030204" pitchFamily="18" charset="0"/>
+                                    </a:rPr>
+                                    <m:t>𝑦</m:t>
+                                  </m:r>
+                                </m:den>
+                              </m:f>
+                            </m:e>
+                          </m:d>
+                          <m:r>
+                            <a:rPr lang="en-US" altLang="ja-JP" i="1">
+                              <a:latin typeface="Cambria Math" panose="02040503050406030204" pitchFamily="18" charset="0"/>
+                            </a:rPr>
+                            <m:t>𝑝</m:t>
+                          </m:r>
+                          <m:r>
+                            <a:rPr lang="en-US" altLang="ja-JP" b="0" i="1" smtClean="0">
+                              <a:latin typeface="Cambria Math" panose="02040503050406030204" pitchFamily="18" charset="0"/>
+                            </a:rPr>
+                            <m:t>−</m:t>
+                          </m:r>
+                          <m:r>
+                            <a:rPr lang="en-US" altLang="ja-JP" i="1">
+                              <a:latin typeface="Cambria Math" panose="02040503050406030204" pitchFamily="18" charset="0"/>
+                            </a:rPr>
+                            <m:t>𝑣</m:t>
+                          </m:r>
+                          <m:r>
+                            <a:rPr lang="en-US" altLang="ja-JP" i="1">
+                              <a:latin typeface="Cambria Math" panose="02040503050406030204" pitchFamily="18" charset="0"/>
+                              <a:ea typeface="Cambria Math" panose="02040503050406030204" pitchFamily="18" charset="0"/>
+                            </a:rPr>
+                            <m:t>∆</m:t>
+                          </m:r>
+                          <m:r>
+                            <a:rPr lang="en-US" altLang="ja-JP" i="1">
+                              <a:latin typeface="Cambria Math" panose="02040503050406030204" pitchFamily="18" charset="0"/>
+                              <a:ea typeface="Cambria Math" panose="02040503050406030204" pitchFamily="18" charset="0"/>
+                            </a:rPr>
+                            <m:t>𝑡</m:t>
+                          </m:r>
+                          <m:sSubSup>
+                            <m:sSubSupPr>
+                              <m:ctrlPr>
+                                <a:rPr lang="ar-AE" altLang="ja-JP" i="1">
+                                  <a:latin typeface="Cambria Math" panose="02040503050406030204" pitchFamily="18" charset="0"/>
+                                </a:rPr>
+                              </m:ctrlPr>
+                            </m:sSubSupPr>
+                            <m:e>
+                              <m:r>
+                                <a:rPr lang="ar-AE" altLang="ja-JP" i="1">
+                                  <a:latin typeface="Cambria Math" panose="02040503050406030204" pitchFamily="18" charset="0"/>
+                                </a:rPr>
+                                <m:t>𝜇</m:t>
+                              </m:r>
+                            </m:e>
+                            <m:sub>
+                              <m:r>
+                                <a:rPr lang="en-US" altLang="ja-JP" i="1">
+                                  <a:latin typeface="Cambria Math" panose="02040503050406030204" pitchFamily="18" charset="0"/>
+                                </a:rPr>
+                                <m:t>𝑎</m:t>
+                              </m:r>
+                            </m:sub>
+                            <m:sup>
+                              <m:r>
+                                <a:rPr lang="en-US" altLang="ja-JP" i="1">
+                                  <a:latin typeface="Cambria Math" panose="02040503050406030204" pitchFamily="18" charset="0"/>
+                                </a:rPr>
+                                <m:t>𝑥</m:t>
+                              </m:r>
+                              <m:r>
+                                <a:rPr lang="en-US" altLang="ja-JP" i="1">
+                                  <a:latin typeface="Cambria Math" panose="02040503050406030204" pitchFamily="18" charset="0"/>
+                                </a:rPr>
+                                <m:t>,</m:t>
+                              </m:r>
+                              <m:r>
+                                <a:rPr lang="en-US" altLang="ja-JP" i="1">
+                                  <a:latin typeface="Cambria Math" panose="02040503050406030204" pitchFamily="18" charset="0"/>
+                                </a:rPr>
+                                <m:t>𝑦</m:t>
+                              </m:r>
+                            </m:sup>
+                          </m:sSubSup>
+                        </m:e>
+                      </m:d>
+                      <m:sSubSup>
+                        <m:sSubSupPr>
+                          <m:ctrlPr>
+                            <a:rPr lang="ar-AE" altLang="ja-JP" i="1" smtClean="0">
+                              <a:latin typeface="Cambria Math" panose="02040503050406030204" pitchFamily="18" charset="0"/>
+                            </a:rPr>
+                          </m:ctrlPr>
+                        </m:sSubSupPr>
+                        <m:e>
+                          <m:r>
+                            <a:rPr lang="ar-AE" altLang="ja-JP" i="1">
+                              <a:latin typeface="Cambria Math" panose="02040503050406030204" pitchFamily="18" charset="0"/>
+                            </a:rPr>
+                            <m:t>𝜙</m:t>
+                          </m:r>
+                        </m:e>
+                        <m:sub>
+                          <m:r>
+                            <a:rPr lang="en-US" altLang="ja-JP" i="1">
+                              <a:latin typeface="Cambria Math" panose="02040503050406030204" pitchFamily="18" charset="0"/>
+                            </a:rPr>
+                            <m:t>𝑥</m:t>
+                          </m:r>
+                          <m:r>
+                            <a:rPr lang="en-US" altLang="ja-JP" i="1">
+                              <a:latin typeface="Cambria Math" panose="02040503050406030204" pitchFamily="18" charset="0"/>
+                            </a:rPr>
+                            <m:t>,</m:t>
+                          </m:r>
+                          <m:r>
+                            <a:rPr lang="en-US" altLang="ja-JP" i="1">
+                              <a:latin typeface="Cambria Math" panose="02040503050406030204" pitchFamily="18" charset="0"/>
+                            </a:rPr>
+                            <m:t>𝑦</m:t>
+                          </m:r>
+                        </m:sub>
+                        <m:sup>
+                          <m:r>
+                            <a:rPr lang="en-US" altLang="ja-JP" i="1">
+                              <a:latin typeface="Cambria Math" panose="02040503050406030204" pitchFamily="18" charset="0"/>
+                            </a:rPr>
+                            <m:t>𝑡</m:t>
+                          </m:r>
+                        </m:sup>
+                      </m:sSubSup>
+                    </m:oMath>
+                  </m:oMathPara>
+                </a14:m>
+                <a:endParaRPr lang="ja-JP" altLang="en-US"/>
+              </a:p>
+            </p:txBody>
+          </p:sp>
+        </mc:Choice>
+        <mc:Fallback>
+          <p:sp>
+            <p:nvSpPr>
+              <p:cNvPr id="15" name="テキスト ボックス 14">
+                <a:extLst>
+                  <a:ext uri="{FF2B5EF4-FFF2-40B4-BE49-F238E27FC236}">
+                    <a16:creationId xmlns:a16="http://schemas.microsoft.com/office/drawing/2014/main" id="{8CEF5B5F-96C8-B647-9B0B-DBEE529CE7E9}"/>
+                  </a:ext>
+                </a:extLst>
+              </p:cNvPr>
+              <p:cNvSpPr txBox="1">
+                <a:spLocks noRot="1" noChangeAspect="1" noMove="1" noResize="1" noEditPoints="1" noAdjustHandles="1" noChangeArrowheads="1" noChangeShapeType="1" noTextEdit="1"/>
+              </p:cNvSpPr>
+              <p:nvPr/>
+            </p:nvSpPr>
+            <p:spPr>
+              <a:xfrm>
+                <a:off x="723263" y="1329468"/>
+                <a:ext cx="10012684" cy="660052"/>
+              </a:xfrm>
+              <a:prstGeom prst="rect">
+                <a:avLst/>
+              </a:prstGeom>
+              <a:blipFill>
+                <a:blip r:embed="rId3"/>
+                <a:stretch>
+                  <a:fillRect b="-3774"/>
+                </a:stretch>
+              </a:blipFill>
+            </p:spPr>
+            <p:txBody>
+              <a:bodyPr/>
+              <a:lstStyle/>
+              <a:p>
+                <a:r>
+                  <a:rPr lang="ja-JP" altLang="en-US">
+                    <a:noFill/>
+                  </a:rPr>
+                  <a:t> </a:t>
+                </a:r>
+              </a:p>
+            </p:txBody>
+          </p:sp>
+        </mc:Fallback>
+      </mc:AlternateContent>
+      <mc:AlternateContent xmlns:mc="http://schemas.openxmlformats.org/markup-compatibility/2006">
+        <mc:Choice xmlns:a14="http://schemas.microsoft.com/office/drawing/2010/main" Requires="a14">
+          <p:sp>
+            <p:nvSpPr>
+              <p:cNvPr id="27" name="テキスト ボックス 26">
+                <a:extLst>
+                  <a:ext uri="{FF2B5EF4-FFF2-40B4-BE49-F238E27FC236}">
+                    <a16:creationId xmlns:a16="http://schemas.microsoft.com/office/drawing/2014/main" id="{69DB5B38-38A4-0946-97A2-2C13E354C725}"/>
+                  </a:ext>
+                </a:extLst>
+              </p:cNvPr>
+              <p:cNvSpPr txBox="1"/>
+              <p:nvPr/>
+            </p:nvSpPr>
+            <p:spPr>
+              <a:xfrm>
+                <a:off x="1155700" y="2106284"/>
+                <a:ext cx="2108334" cy="567720"/>
+              </a:xfrm>
+              <a:prstGeom prst="rect">
+                <a:avLst/>
+              </a:prstGeom>
+              <a:noFill/>
+            </p:spPr>
+            <p:txBody>
+              <a:bodyPr wrap="none" lIns="0" tIns="0" rIns="0" bIns="0" rtlCol="0">
+                <a:spAutoFit/>
+              </a:bodyPr>
+              <a:lstStyle/>
+              <a:p>
+                <a14:m>
+                  <m:oMathPara xmlns:m="http://schemas.openxmlformats.org/officeDocument/2006/math">
+                    <m:oMathParaPr>
+                      <m:jc m:val="centerGroup"/>
+                    </m:oMathParaPr>
+                    <m:oMath xmlns:m="http://schemas.openxmlformats.org/officeDocument/2006/math">
+                      <m:sSub>
+                        <m:sSubPr>
+                          <m:ctrlPr>
+                            <a:rPr kumimoji="1" lang="en-US" altLang="ja-JP" i="1" smtClean="0">
+                              <a:latin typeface="Cambria Math" panose="02040503050406030204" pitchFamily="18" charset="0"/>
+                            </a:rPr>
+                          </m:ctrlPr>
+                        </m:sSubPr>
+                        <m:e>
+                          <m:r>
+                            <a:rPr kumimoji="1" lang="en-US" altLang="ja-JP" b="0" i="1" smtClean="0">
+                              <a:latin typeface="Cambria Math" panose="02040503050406030204" pitchFamily="18" charset="0"/>
+                            </a:rPr>
+                            <m:t>𝑃</m:t>
+                          </m:r>
+                        </m:e>
+                        <m:sub>
+                          <m:r>
+                            <a:rPr kumimoji="1" lang="en-US" altLang="ja-JP" b="0" i="1" smtClean="0">
+                              <a:latin typeface="Cambria Math" panose="02040503050406030204" pitchFamily="18" charset="0"/>
+                            </a:rPr>
+                            <m:t>𝑥</m:t>
+                          </m:r>
+                          <m:r>
+                            <a:rPr kumimoji="1" lang="en-US" altLang="ja-JP" b="0" i="1" smtClean="0">
+                              <a:latin typeface="Cambria Math" panose="02040503050406030204" pitchFamily="18" charset="0"/>
+                            </a:rPr>
+                            <m:t>,</m:t>
+                          </m:r>
+                          <m:r>
+                            <a:rPr kumimoji="1" lang="en-US" altLang="ja-JP" b="0" i="1" smtClean="0">
+                              <a:latin typeface="Cambria Math" panose="02040503050406030204" pitchFamily="18" charset="0"/>
+                            </a:rPr>
+                            <m:t>𝑦</m:t>
+                          </m:r>
+                        </m:sub>
+                      </m:sSub>
+                      <m:r>
+                        <a:rPr kumimoji="1" lang="en-US" altLang="ja-JP" b="0" i="1" smtClean="0">
+                          <a:latin typeface="Cambria Math" panose="02040503050406030204" pitchFamily="18" charset="0"/>
+                        </a:rPr>
+                        <m:t>=</m:t>
+                      </m:r>
+                      <m:f>
+                        <m:fPr>
+                          <m:ctrlPr>
+                            <a:rPr kumimoji="1" lang="en-US" altLang="ja-JP" b="0" i="1" smtClean="0">
+                              <a:latin typeface="Cambria Math" panose="02040503050406030204" pitchFamily="18" charset="0"/>
+                            </a:rPr>
+                          </m:ctrlPr>
+                        </m:fPr>
+                        <m:num>
+                          <m:r>
+                            <a:rPr kumimoji="1" lang="en-US" altLang="ja-JP" b="0" i="1" smtClean="0">
+                              <a:latin typeface="Cambria Math" panose="02040503050406030204" pitchFamily="18" charset="0"/>
+                            </a:rPr>
+                            <m:t>1</m:t>
+                          </m:r>
+                        </m:num>
+                        <m:den>
+                          <m:r>
+                            <a:rPr kumimoji="1" lang="en-US" altLang="ja-JP" b="0" i="1" smtClean="0">
+                              <a:latin typeface="Cambria Math" panose="02040503050406030204" pitchFamily="18" charset="0"/>
+                            </a:rPr>
+                            <m:t>2</m:t>
+                          </m:r>
+                        </m:den>
+                      </m:f>
+                      <m:d>
+                        <m:dPr>
+                          <m:ctrlPr>
+                            <a:rPr kumimoji="1" lang="en-US" altLang="ja-JP" b="0" i="1" smtClean="0">
+                              <a:latin typeface="Cambria Math" panose="02040503050406030204" pitchFamily="18" charset="0"/>
+                            </a:rPr>
+                          </m:ctrlPr>
+                        </m:dPr>
+                        <m:e>
+                          <m:f>
+                            <m:fPr>
+                              <m:ctrlPr>
+                                <a:rPr kumimoji="1" lang="en-US" altLang="ja-JP" b="0" i="1" smtClean="0">
+                                  <a:latin typeface="Cambria Math" panose="02040503050406030204" pitchFamily="18" charset="0"/>
+                                </a:rPr>
+                              </m:ctrlPr>
+                            </m:fPr>
+                            <m:num>
+                              <m:r>
+                                <a:rPr kumimoji="1" lang="en-US" altLang="ja-JP" b="0" i="1" smtClean="0">
+                                  <a:latin typeface="Cambria Math" panose="02040503050406030204" pitchFamily="18" charset="0"/>
+                                  <a:ea typeface="Cambria Math" panose="02040503050406030204" pitchFamily="18" charset="0"/>
+                                </a:rPr>
+                                <m:t>∆</m:t>
+                              </m:r>
+                              <m:r>
+                                <a:rPr kumimoji="1" lang="en-US" altLang="ja-JP" b="0" i="1" smtClean="0">
+                                  <a:latin typeface="Cambria Math" panose="02040503050406030204" pitchFamily="18" charset="0"/>
+                                  <a:ea typeface="Cambria Math" panose="02040503050406030204" pitchFamily="18" charset="0"/>
+                                </a:rPr>
+                                <m:t>𝑦</m:t>
+                              </m:r>
+                            </m:num>
+                            <m:den>
+                              <m:r>
+                                <a:rPr kumimoji="1" lang="en-US" altLang="ja-JP" b="0" i="1" smtClean="0">
+                                  <a:latin typeface="Cambria Math" panose="02040503050406030204" pitchFamily="18" charset="0"/>
+                                  <a:ea typeface="Cambria Math" panose="02040503050406030204" pitchFamily="18" charset="0"/>
+                                </a:rPr>
+                                <m:t>∆</m:t>
+                              </m:r>
+                              <m:r>
+                                <a:rPr kumimoji="1" lang="en-US" altLang="ja-JP" b="0" i="1" smtClean="0">
+                                  <a:latin typeface="Cambria Math" panose="02040503050406030204" pitchFamily="18" charset="0"/>
+                                  <a:ea typeface="Cambria Math" panose="02040503050406030204" pitchFamily="18" charset="0"/>
+                                </a:rPr>
+                                <m:t>𝑥</m:t>
+                              </m:r>
+                            </m:den>
+                          </m:f>
+                          <m:r>
+                            <a:rPr kumimoji="1" lang="en-US" altLang="ja-JP" b="0" i="1" smtClean="0">
+                              <a:latin typeface="Cambria Math" panose="02040503050406030204" pitchFamily="18" charset="0"/>
+                            </a:rPr>
+                            <m:t>+</m:t>
+                          </m:r>
+                          <m:f>
+                            <m:fPr>
+                              <m:ctrlPr>
+                                <a:rPr kumimoji="1" lang="en-US" altLang="ja-JP" b="0" i="1" smtClean="0">
+                                  <a:latin typeface="Cambria Math" panose="02040503050406030204" pitchFamily="18" charset="0"/>
+                                </a:rPr>
+                              </m:ctrlPr>
+                            </m:fPr>
+                            <m:num>
+                              <m:r>
+                                <a:rPr kumimoji="1" lang="en-US" altLang="ja-JP" b="0" i="1" smtClean="0">
+                                  <a:latin typeface="Cambria Math" panose="02040503050406030204" pitchFamily="18" charset="0"/>
+                                  <a:ea typeface="Cambria Math" panose="02040503050406030204" pitchFamily="18" charset="0"/>
+                                </a:rPr>
+                                <m:t>∆</m:t>
+                              </m:r>
+                              <m:r>
+                                <a:rPr kumimoji="1" lang="en-US" altLang="ja-JP" b="0" i="1" smtClean="0">
+                                  <a:latin typeface="Cambria Math" panose="02040503050406030204" pitchFamily="18" charset="0"/>
+                                  <a:ea typeface="Cambria Math" panose="02040503050406030204" pitchFamily="18" charset="0"/>
+                                </a:rPr>
+                                <m:t>𝑥</m:t>
+                              </m:r>
+                            </m:num>
+                            <m:den>
+                              <m:r>
+                                <a:rPr kumimoji="1" lang="en-US" altLang="ja-JP" b="0" i="1" smtClean="0">
+                                  <a:latin typeface="Cambria Math" panose="02040503050406030204" pitchFamily="18" charset="0"/>
+                                  <a:ea typeface="Cambria Math" panose="02040503050406030204" pitchFamily="18" charset="0"/>
+                                </a:rPr>
+                                <m:t>∆</m:t>
+                              </m:r>
+                              <m:r>
+                                <a:rPr kumimoji="1" lang="en-US" altLang="ja-JP" b="0" i="1" smtClean="0">
+                                  <a:latin typeface="Cambria Math" panose="02040503050406030204" pitchFamily="18" charset="0"/>
+                                  <a:ea typeface="Cambria Math" panose="02040503050406030204" pitchFamily="18" charset="0"/>
+                                </a:rPr>
+                                <m:t>𝑦</m:t>
+                              </m:r>
+                            </m:den>
+                          </m:f>
+                        </m:e>
+                      </m:d>
+                      <m:r>
+                        <a:rPr kumimoji="1" lang="en-US" altLang="ja-JP" b="0" i="1" smtClean="0">
+                          <a:latin typeface="Cambria Math" panose="02040503050406030204" pitchFamily="18" charset="0"/>
+                        </a:rPr>
+                        <m:t>𝑝</m:t>
+                      </m:r>
+                    </m:oMath>
+                  </m:oMathPara>
+                </a14:m>
+                <a:endParaRPr kumimoji="1" lang="ja-JP" altLang="en-US"/>
+              </a:p>
+            </p:txBody>
+          </p:sp>
+        </mc:Choice>
+        <mc:Fallback>
+          <p:sp>
+            <p:nvSpPr>
+              <p:cNvPr id="27" name="テキスト ボックス 26">
+                <a:extLst>
+                  <a:ext uri="{FF2B5EF4-FFF2-40B4-BE49-F238E27FC236}">
+                    <a16:creationId xmlns:a16="http://schemas.microsoft.com/office/drawing/2014/main" id="{69DB5B38-38A4-0946-97A2-2C13E354C725}"/>
+                  </a:ext>
+                </a:extLst>
+              </p:cNvPr>
+              <p:cNvSpPr txBox="1">
+                <a:spLocks noRot="1" noChangeAspect="1" noMove="1" noResize="1" noEditPoints="1" noAdjustHandles="1" noChangeArrowheads="1" noChangeShapeType="1" noTextEdit="1"/>
+              </p:cNvSpPr>
+              <p:nvPr/>
+            </p:nvSpPr>
+            <p:spPr>
+              <a:xfrm>
+                <a:off x="1155700" y="2106284"/>
+                <a:ext cx="2108334" cy="567720"/>
+              </a:xfrm>
+              <a:prstGeom prst="rect">
+                <a:avLst/>
+              </a:prstGeom>
+              <a:blipFill>
+                <a:blip r:embed="rId4"/>
+                <a:stretch>
+                  <a:fillRect l="-1807" t="-6667" r="-2410" b="-13333"/>
+                </a:stretch>
+              </a:blipFill>
+            </p:spPr>
+            <p:txBody>
+              <a:bodyPr/>
+              <a:lstStyle/>
+              <a:p>
+                <a:r>
+                  <a:rPr lang="ja-JP" altLang="en-US">
+                    <a:noFill/>
+                  </a:rPr>
+                  <a:t> </a:t>
+                </a:r>
+              </a:p>
+            </p:txBody>
+          </p:sp>
+        </mc:Fallback>
+      </mc:AlternateContent>
+      <p:sp>
+        <p:nvSpPr>
+          <p:cNvPr id="3" name="テキスト ボックス 2">
+            <a:extLst>
+              <a:ext uri="{FF2B5EF4-FFF2-40B4-BE49-F238E27FC236}">
+                <a16:creationId xmlns:a16="http://schemas.microsoft.com/office/drawing/2014/main" id="{68185CA8-1180-CD4A-AF99-3DCAB8AD0053}"/>
+              </a:ext>
+            </a:extLst>
+          </p:cNvPr>
+          <p:cNvSpPr txBox="1"/>
+          <p:nvPr/>
+        </p:nvSpPr>
+        <p:spPr>
+          <a:xfrm>
+            <a:off x="990600" y="2870200"/>
+            <a:ext cx="10121900" cy="1200329"/>
+          </a:xfrm>
+          <a:prstGeom prst="rect">
+            <a:avLst/>
+          </a:prstGeom>
+          <a:noFill/>
+        </p:spPr>
+        <p:txBody>
+          <a:bodyPr wrap="square" rtlCol="0">
+            <a:spAutoFit/>
+          </a:bodyPr>
+          <a:lstStyle/>
+          <a:p>
+            <a:pPr marL="342900" indent="-342900">
+              <a:buAutoNum type="arabicParenBoth"/>
+            </a:pPr>
+            <a:r>
+              <a:rPr lang="ja-JP" altLang="en-US"/>
+              <a:t>拡散によって</a:t>
+            </a:r>
+            <a:r>
+              <a:rPr lang="en-US" altLang="ja-JP" dirty="0"/>
+              <a:t>x</a:t>
+            </a:r>
+            <a:r>
+              <a:rPr lang="ja-JP" altLang="en-US"/>
+              <a:t>方向，</a:t>
+            </a:r>
+            <a:r>
+              <a:rPr lang="en-US" altLang="ja-JP" dirty="0"/>
+              <a:t>y</a:t>
+            </a:r>
+            <a:r>
+              <a:rPr lang="ja-JP" altLang="en-US"/>
+              <a:t>方向の隣接するピクセルへの移動する確率の総和は</a:t>
+            </a:r>
+            <a:r>
+              <a:rPr lang="en-US" altLang="ja-JP" dirty="0"/>
+              <a:t>1</a:t>
+            </a:r>
+            <a:r>
+              <a:rPr lang="ja-JP" altLang="en-US"/>
+              <a:t>より小さくなければならない</a:t>
+            </a:r>
+            <a:endParaRPr lang="en-US" altLang="ja-JP" dirty="0"/>
+          </a:p>
+          <a:p>
+            <a:pPr marL="342900" indent="-342900">
+              <a:buAutoNum type="arabicParenBoth"/>
+            </a:pPr>
+            <a:r>
+              <a:rPr kumimoji="1" lang="ja-JP" altLang="en-US"/>
+              <a:t>拡散によって隣接するピクセルに移動した後に残る光子から吸収により減る光子を引いた結果が負になってはならない．</a:t>
+            </a:r>
+          </a:p>
+        </p:txBody>
+      </p:sp>
+      <mc:AlternateContent xmlns:mc="http://schemas.openxmlformats.org/markup-compatibility/2006">
+        <mc:Choice xmlns:a14="http://schemas.microsoft.com/office/drawing/2010/main" Requires="a14">
+          <p:sp>
+            <p:nvSpPr>
+              <p:cNvPr id="16" name="テキスト ボックス 15">
+                <a:extLst>
+                  <a:ext uri="{FF2B5EF4-FFF2-40B4-BE49-F238E27FC236}">
+                    <a16:creationId xmlns:a16="http://schemas.microsoft.com/office/drawing/2014/main" id="{805D6E9F-015D-0F4B-A435-584BB39FDE71}"/>
+                  </a:ext>
+                </a:extLst>
+              </p:cNvPr>
+              <p:cNvSpPr txBox="1"/>
+              <p:nvPr/>
+            </p:nvSpPr>
+            <p:spPr>
+              <a:xfrm>
+                <a:off x="1155700" y="4354184"/>
+                <a:ext cx="2124108" cy="438646"/>
+              </a:xfrm>
+              <a:prstGeom prst="rect">
+                <a:avLst/>
+              </a:prstGeom>
+              <a:noFill/>
+            </p:spPr>
+            <p:txBody>
+              <a:bodyPr wrap="none" lIns="0" tIns="0" rIns="0" bIns="0" rtlCol="0">
+                <a:spAutoFit/>
+              </a:bodyPr>
+              <a:lstStyle/>
+              <a:p>
+                <a14:m>
+                  <m:oMath xmlns:m="http://schemas.openxmlformats.org/officeDocument/2006/math">
+                    <m:f>
+                      <m:fPr>
+                        <m:ctrlPr>
+                          <a:rPr kumimoji="1" lang="en-US" altLang="ja-JP" b="0" i="1" smtClean="0">
+                            <a:latin typeface="Cambria Math" panose="02040503050406030204" pitchFamily="18" charset="0"/>
+                          </a:rPr>
+                        </m:ctrlPr>
+                      </m:fPr>
+                      <m:num>
+                        <m:r>
+                          <a:rPr kumimoji="1" lang="en-US" altLang="ja-JP" b="0" i="1" smtClean="0">
+                            <a:latin typeface="Cambria Math" panose="02040503050406030204" pitchFamily="18" charset="0"/>
+                          </a:rPr>
+                          <m:t>1</m:t>
+                        </m:r>
+                      </m:num>
+                      <m:den>
+                        <m:r>
+                          <a:rPr kumimoji="1" lang="en-US" altLang="ja-JP" b="0" i="1" smtClean="0">
+                            <a:latin typeface="Cambria Math" panose="02040503050406030204" pitchFamily="18" charset="0"/>
+                          </a:rPr>
+                          <m:t>2</m:t>
+                        </m:r>
+                      </m:den>
+                    </m:f>
+                    <m:d>
+                      <m:dPr>
+                        <m:ctrlPr>
+                          <a:rPr kumimoji="1" lang="en-US" altLang="ja-JP" b="0" i="1" smtClean="0">
+                            <a:latin typeface="Cambria Math" panose="02040503050406030204" pitchFamily="18" charset="0"/>
+                          </a:rPr>
+                        </m:ctrlPr>
+                      </m:dPr>
+                      <m:e>
+                        <m:f>
+                          <m:fPr>
+                            <m:ctrlPr>
+                              <a:rPr kumimoji="1" lang="en-US" altLang="ja-JP" b="0" i="1" smtClean="0">
+                                <a:latin typeface="Cambria Math" panose="02040503050406030204" pitchFamily="18" charset="0"/>
+                              </a:rPr>
+                            </m:ctrlPr>
+                          </m:fPr>
+                          <m:num>
+                            <m:r>
+                              <a:rPr kumimoji="1" lang="en-US" altLang="ja-JP" b="0" i="1" smtClean="0">
+                                <a:latin typeface="Cambria Math" panose="02040503050406030204" pitchFamily="18" charset="0"/>
+                                <a:ea typeface="Cambria Math" panose="02040503050406030204" pitchFamily="18" charset="0"/>
+                              </a:rPr>
+                              <m:t>∆</m:t>
+                            </m:r>
+                            <m:r>
+                              <a:rPr kumimoji="1" lang="en-US" altLang="ja-JP" b="0" i="1" smtClean="0">
+                                <a:latin typeface="Cambria Math" panose="02040503050406030204" pitchFamily="18" charset="0"/>
+                                <a:ea typeface="Cambria Math" panose="02040503050406030204" pitchFamily="18" charset="0"/>
+                              </a:rPr>
+                              <m:t>𝑦</m:t>
+                            </m:r>
+                          </m:num>
+                          <m:den>
+                            <m:r>
+                              <a:rPr kumimoji="1" lang="en-US" altLang="ja-JP" b="0" i="1" smtClean="0">
+                                <a:latin typeface="Cambria Math" panose="02040503050406030204" pitchFamily="18" charset="0"/>
+                                <a:ea typeface="Cambria Math" panose="02040503050406030204" pitchFamily="18" charset="0"/>
+                              </a:rPr>
+                              <m:t>∆</m:t>
+                            </m:r>
+                            <m:r>
+                              <a:rPr kumimoji="1" lang="en-US" altLang="ja-JP" b="0" i="1" smtClean="0">
+                                <a:latin typeface="Cambria Math" panose="02040503050406030204" pitchFamily="18" charset="0"/>
+                                <a:ea typeface="Cambria Math" panose="02040503050406030204" pitchFamily="18" charset="0"/>
+                              </a:rPr>
+                              <m:t>𝑥</m:t>
+                            </m:r>
+                          </m:den>
+                        </m:f>
+                        <m:r>
+                          <a:rPr kumimoji="1" lang="en-US" altLang="ja-JP" b="0" i="1" smtClean="0">
+                            <a:latin typeface="Cambria Math" panose="02040503050406030204" pitchFamily="18" charset="0"/>
+                          </a:rPr>
+                          <m:t>+</m:t>
+                        </m:r>
+                        <m:f>
+                          <m:fPr>
+                            <m:ctrlPr>
+                              <a:rPr kumimoji="1" lang="en-US" altLang="ja-JP" b="0" i="1" smtClean="0">
+                                <a:latin typeface="Cambria Math" panose="02040503050406030204" pitchFamily="18" charset="0"/>
+                              </a:rPr>
+                            </m:ctrlPr>
+                          </m:fPr>
+                          <m:num>
+                            <m:r>
+                              <a:rPr kumimoji="1" lang="en-US" altLang="ja-JP" b="0" i="1" smtClean="0">
+                                <a:latin typeface="Cambria Math" panose="02040503050406030204" pitchFamily="18" charset="0"/>
+                                <a:ea typeface="Cambria Math" panose="02040503050406030204" pitchFamily="18" charset="0"/>
+                              </a:rPr>
+                              <m:t>∆</m:t>
+                            </m:r>
+                            <m:r>
+                              <a:rPr kumimoji="1" lang="en-US" altLang="ja-JP" b="0" i="1" smtClean="0">
+                                <a:latin typeface="Cambria Math" panose="02040503050406030204" pitchFamily="18" charset="0"/>
+                                <a:ea typeface="Cambria Math" panose="02040503050406030204" pitchFamily="18" charset="0"/>
+                              </a:rPr>
+                              <m:t>𝑥</m:t>
+                            </m:r>
+                          </m:num>
+                          <m:den>
+                            <m:r>
+                              <a:rPr kumimoji="1" lang="en-US" altLang="ja-JP" b="0" i="1" smtClean="0">
+                                <a:latin typeface="Cambria Math" panose="02040503050406030204" pitchFamily="18" charset="0"/>
+                                <a:ea typeface="Cambria Math" panose="02040503050406030204" pitchFamily="18" charset="0"/>
+                              </a:rPr>
+                              <m:t>∆</m:t>
+                            </m:r>
+                            <m:r>
+                              <a:rPr kumimoji="1" lang="en-US" altLang="ja-JP" b="0" i="1" smtClean="0">
+                                <a:latin typeface="Cambria Math" panose="02040503050406030204" pitchFamily="18" charset="0"/>
+                                <a:ea typeface="Cambria Math" panose="02040503050406030204" pitchFamily="18" charset="0"/>
+                              </a:rPr>
+                              <m:t>𝑦</m:t>
+                            </m:r>
+                          </m:den>
+                        </m:f>
+                      </m:e>
+                    </m:d>
+                    <m:r>
+                      <a:rPr kumimoji="1" lang="en-US" altLang="ja-JP" b="0" i="1" smtClean="0">
+                        <a:latin typeface="Cambria Math" panose="02040503050406030204" pitchFamily="18" charset="0"/>
+                      </a:rPr>
+                      <m:t>𝑝</m:t>
+                    </m:r>
+                    <m:r>
+                      <a:rPr kumimoji="1" lang="en-US" altLang="ja-JP" b="0" i="1" smtClean="0">
+                        <a:latin typeface="Cambria Math" panose="02040503050406030204" pitchFamily="18" charset="0"/>
+                      </a:rPr>
+                      <m:t>&lt;1</m:t>
+                    </m:r>
+                  </m:oMath>
+                </a14:m>
+                <a:r>
+                  <a:rPr kumimoji="1" lang="en-US" altLang="ja-JP" dirty="0"/>
+                  <a:t>…</a:t>
+                </a:r>
+                <a:r>
+                  <a:rPr kumimoji="1" lang="ja-JP" altLang="en-US"/>
+                  <a:t>①</a:t>
+                </a:r>
+              </a:p>
+            </p:txBody>
+          </p:sp>
+        </mc:Choice>
+        <mc:Fallback>
+          <p:sp>
+            <p:nvSpPr>
+              <p:cNvPr id="16" name="テキスト ボックス 15">
+                <a:extLst>
+                  <a:ext uri="{FF2B5EF4-FFF2-40B4-BE49-F238E27FC236}">
+                    <a16:creationId xmlns:a16="http://schemas.microsoft.com/office/drawing/2014/main" id="{805D6E9F-015D-0F4B-A435-584BB39FDE71}"/>
+                  </a:ext>
+                </a:extLst>
+              </p:cNvPr>
+              <p:cNvSpPr txBox="1">
+                <a:spLocks noRot="1" noChangeAspect="1" noMove="1" noResize="1" noEditPoints="1" noAdjustHandles="1" noChangeArrowheads="1" noChangeShapeType="1" noTextEdit="1"/>
+              </p:cNvSpPr>
+              <p:nvPr/>
+            </p:nvSpPr>
+            <p:spPr>
+              <a:xfrm>
+                <a:off x="1155700" y="4354184"/>
+                <a:ext cx="2124108" cy="438646"/>
+              </a:xfrm>
+              <a:prstGeom prst="rect">
+                <a:avLst/>
+              </a:prstGeom>
+              <a:blipFill>
+                <a:blip r:embed="rId5"/>
+                <a:stretch>
+                  <a:fillRect l="-2976" r="-5357" b="-13889"/>
+                </a:stretch>
+              </a:blipFill>
+            </p:spPr>
+            <p:txBody>
+              <a:bodyPr/>
+              <a:lstStyle/>
+              <a:p>
+                <a:r>
+                  <a:rPr lang="ja-JP" altLang="en-US">
+                    <a:noFill/>
+                  </a:rPr>
+                  <a:t> </a:t>
+                </a:r>
+              </a:p>
+            </p:txBody>
+          </p:sp>
+        </mc:Fallback>
+      </mc:AlternateContent>
+      <mc:AlternateContent xmlns:mc="http://schemas.openxmlformats.org/markup-compatibility/2006">
+        <mc:Choice xmlns:a14="http://schemas.microsoft.com/office/drawing/2010/main" Requires="a14">
+          <p:sp>
+            <p:nvSpPr>
+              <p:cNvPr id="17" name="テキスト ボックス 16">
+                <a:extLst>
+                  <a:ext uri="{FF2B5EF4-FFF2-40B4-BE49-F238E27FC236}">
+                    <a16:creationId xmlns:a16="http://schemas.microsoft.com/office/drawing/2014/main" id="{963ED403-825A-2542-9CC0-2A005AD8796B}"/>
+                  </a:ext>
+                </a:extLst>
+              </p:cNvPr>
+              <p:cNvSpPr txBox="1"/>
+              <p:nvPr/>
+            </p:nvSpPr>
+            <p:spPr>
+              <a:xfrm>
+                <a:off x="1155700" y="4951209"/>
+                <a:ext cx="3568797" cy="438646"/>
+              </a:xfrm>
+              <a:prstGeom prst="rect">
+                <a:avLst/>
+              </a:prstGeom>
+              <a:noFill/>
+            </p:spPr>
+            <p:txBody>
+              <a:bodyPr wrap="none" lIns="0" tIns="0" rIns="0" bIns="0" rtlCol="0">
+                <a:spAutoFit/>
+              </a:bodyPr>
+              <a:lstStyle/>
+              <a:p>
+                <a14:m>
+                  <m:oMath xmlns:m="http://schemas.openxmlformats.org/officeDocument/2006/math">
+                    <m:r>
+                      <a:rPr lang="en-US" altLang="ja-JP" i="1" smtClean="0">
+                        <a:latin typeface="Cambria Math" panose="02040503050406030204" pitchFamily="18" charset="0"/>
+                      </a:rPr>
+                      <m:t>1−</m:t>
+                    </m:r>
+                    <m:f>
+                      <m:fPr>
+                        <m:ctrlPr>
+                          <a:rPr lang="en-US" altLang="ja-JP" i="1">
+                            <a:latin typeface="Cambria Math" panose="02040503050406030204" pitchFamily="18" charset="0"/>
+                          </a:rPr>
+                        </m:ctrlPr>
+                      </m:fPr>
+                      <m:num>
+                        <m:r>
+                          <a:rPr lang="en-US" altLang="ja-JP" i="1">
+                            <a:latin typeface="Cambria Math" panose="02040503050406030204" pitchFamily="18" charset="0"/>
+                          </a:rPr>
+                          <m:t>1</m:t>
+                        </m:r>
+                      </m:num>
+                      <m:den>
+                        <m:r>
+                          <a:rPr lang="en-US" altLang="ja-JP" i="1">
+                            <a:latin typeface="Cambria Math" panose="02040503050406030204" pitchFamily="18" charset="0"/>
+                          </a:rPr>
+                          <m:t>2</m:t>
+                        </m:r>
+                      </m:den>
+                    </m:f>
+                    <m:d>
+                      <m:dPr>
+                        <m:ctrlPr>
+                          <a:rPr lang="en-US" altLang="ja-JP" i="1">
+                            <a:latin typeface="Cambria Math" panose="02040503050406030204" pitchFamily="18" charset="0"/>
+                          </a:rPr>
+                        </m:ctrlPr>
+                      </m:dPr>
+                      <m:e>
+                        <m:f>
+                          <m:fPr>
+                            <m:ctrlPr>
+                              <a:rPr lang="en-US" altLang="ja-JP" i="1">
+                                <a:latin typeface="Cambria Math" panose="02040503050406030204" pitchFamily="18" charset="0"/>
+                              </a:rPr>
+                            </m:ctrlPr>
+                          </m:fPr>
+                          <m:num>
+                            <m:r>
+                              <a:rPr lang="en-US" altLang="ja-JP" i="1">
+                                <a:latin typeface="Cambria Math" panose="02040503050406030204" pitchFamily="18" charset="0"/>
+                                <a:ea typeface="Cambria Math" panose="02040503050406030204" pitchFamily="18" charset="0"/>
+                              </a:rPr>
+                              <m:t>∆</m:t>
+                            </m:r>
+                            <m:r>
+                              <a:rPr lang="en-US" altLang="ja-JP" i="1">
+                                <a:latin typeface="Cambria Math" panose="02040503050406030204" pitchFamily="18" charset="0"/>
+                                <a:ea typeface="Cambria Math" panose="02040503050406030204" pitchFamily="18" charset="0"/>
+                              </a:rPr>
+                              <m:t>𝑦</m:t>
+                            </m:r>
+                          </m:num>
+                          <m:den>
+                            <m:r>
+                              <a:rPr lang="en-US" altLang="ja-JP" i="1">
+                                <a:latin typeface="Cambria Math" panose="02040503050406030204" pitchFamily="18" charset="0"/>
+                                <a:ea typeface="Cambria Math" panose="02040503050406030204" pitchFamily="18" charset="0"/>
+                              </a:rPr>
+                              <m:t>∆</m:t>
+                            </m:r>
+                            <m:r>
+                              <a:rPr lang="en-US" altLang="ja-JP" i="1">
+                                <a:latin typeface="Cambria Math" panose="02040503050406030204" pitchFamily="18" charset="0"/>
+                                <a:ea typeface="Cambria Math" panose="02040503050406030204" pitchFamily="18" charset="0"/>
+                              </a:rPr>
+                              <m:t>𝑥</m:t>
+                            </m:r>
+                          </m:den>
+                        </m:f>
+                        <m:r>
+                          <a:rPr lang="en-US" altLang="ja-JP" i="1">
+                            <a:latin typeface="Cambria Math" panose="02040503050406030204" pitchFamily="18" charset="0"/>
+                          </a:rPr>
+                          <m:t>+</m:t>
+                        </m:r>
+                        <m:f>
+                          <m:fPr>
+                            <m:ctrlPr>
+                              <a:rPr lang="en-US" altLang="ja-JP" i="1">
+                                <a:latin typeface="Cambria Math" panose="02040503050406030204" pitchFamily="18" charset="0"/>
+                              </a:rPr>
+                            </m:ctrlPr>
+                          </m:fPr>
+                          <m:num>
+                            <m:r>
+                              <a:rPr lang="en-US" altLang="ja-JP" i="1">
+                                <a:latin typeface="Cambria Math" panose="02040503050406030204" pitchFamily="18" charset="0"/>
+                                <a:ea typeface="Cambria Math" panose="02040503050406030204" pitchFamily="18" charset="0"/>
+                              </a:rPr>
+                              <m:t>∆</m:t>
+                            </m:r>
+                            <m:r>
+                              <a:rPr lang="en-US" altLang="ja-JP" i="1">
+                                <a:latin typeface="Cambria Math" panose="02040503050406030204" pitchFamily="18" charset="0"/>
+                                <a:ea typeface="Cambria Math" panose="02040503050406030204" pitchFamily="18" charset="0"/>
+                              </a:rPr>
+                              <m:t>𝑥</m:t>
+                            </m:r>
+                          </m:num>
+                          <m:den>
+                            <m:r>
+                              <a:rPr lang="en-US" altLang="ja-JP" i="1">
+                                <a:latin typeface="Cambria Math" panose="02040503050406030204" pitchFamily="18" charset="0"/>
+                                <a:ea typeface="Cambria Math" panose="02040503050406030204" pitchFamily="18" charset="0"/>
+                              </a:rPr>
+                              <m:t>∆</m:t>
+                            </m:r>
+                            <m:r>
+                              <a:rPr lang="en-US" altLang="ja-JP" i="1">
+                                <a:latin typeface="Cambria Math" panose="02040503050406030204" pitchFamily="18" charset="0"/>
+                                <a:ea typeface="Cambria Math" panose="02040503050406030204" pitchFamily="18" charset="0"/>
+                              </a:rPr>
+                              <m:t>𝑦</m:t>
+                            </m:r>
+                          </m:den>
+                        </m:f>
+                      </m:e>
+                    </m:d>
+                    <m:r>
+                      <a:rPr lang="en-US" altLang="ja-JP" i="1">
+                        <a:latin typeface="Cambria Math" panose="02040503050406030204" pitchFamily="18" charset="0"/>
+                      </a:rPr>
+                      <m:t>𝑝</m:t>
+                    </m:r>
+                    <m:r>
+                      <a:rPr lang="en-US" altLang="ja-JP" b="0" i="1" smtClean="0">
+                        <a:latin typeface="Cambria Math" panose="02040503050406030204" pitchFamily="18" charset="0"/>
+                      </a:rPr>
+                      <m:t>−</m:t>
+                    </m:r>
+                    <m:r>
+                      <a:rPr lang="en-US" altLang="ja-JP" i="1">
+                        <a:latin typeface="Cambria Math" panose="02040503050406030204" pitchFamily="18" charset="0"/>
+                      </a:rPr>
+                      <m:t>𝑣</m:t>
+                    </m:r>
+                    <m:r>
+                      <a:rPr lang="en-US" altLang="ja-JP" i="1">
+                        <a:latin typeface="Cambria Math" panose="02040503050406030204" pitchFamily="18" charset="0"/>
+                        <a:ea typeface="Cambria Math" panose="02040503050406030204" pitchFamily="18" charset="0"/>
+                      </a:rPr>
+                      <m:t>∆</m:t>
+                    </m:r>
+                    <m:r>
+                      <a:rPr lang="en-US" altLang="ja-JP" i="1">
+                        <a:latin typeface="Cambria Math" panose="02040503050406030204" pitchFamily="18" charset="0"/>
+                        <a:ea typeface="Cambria Math" panose="02040503050406030204" pitchFamily="18" charset="0"/>
+                      </a:rPr>
+                      <m:t>𝑡</m:t>
+                    </m:r>
+                    <m:sSubSup>
+                      <m:sSubSupPr>
+                        <m:ctrlPr>
+                          <a:rPr lang="ar-AE" altLang="ja-JP" i="1">
+                            <a:latin typeface="Cambria Math" panose="02040503050406030204" pitchFamily="18" charset="0"/>
+                          </a:rPr>
+                        </m:ctrlPr>
+                      </m:sSubSupPr>
+                      <m:e>
+                        <m:r>
+                          <a:rPr lang="ar-AE" altLang="ja-JP" i="1">
+                            <a:latin typeface="Cambria Math" panose="02040503050406030204" pitchFamily="18" charset="0"/>
+                          </a:rPr>
+                          <m:t>𝜇</m:t>
+                        </m:r>
+                      </m:e>
+                      <m:sub>
+                        <m:r>
+                          <a:rPr lang="en-US" altLang="ja-JP" i="1">
+                            <a:latin typeface="Cambria Math" panose="02040503050406030204" pitchFamily="18" charset="0"/>
+                          </a:rPr>
+                          <m:t>𝑎</m:t>
+                        </m:r>
+                      </m:sub>
+                      <m:sup>
+                        <m:r>
+                          <a:rPr lang="en-US" altLang="ja-JP" i="1">
+                            <a:latin typeface="Cambria Math" panose="02040503050406030204" pitchFamily="18" charset="0"/>
+                          </a:rPr>
+                          <m:t>𝑥</m:t>
+                        </m:r>
+                        <m:r>
+                          <a:rPr lang="en-US" altLang="ja-JP" i="1">
+                            <a:latin typeface="Cambria Math" panose="02040503050406030204" pitchFamily="18" charset="0"/>
+                          </a:rPr>
+                          <m:t>,</m:t>
+                        </m:r>
+                        <m:r>
+                          <a:rPr lang="en-US" altLang="ja-JP" i="1">
+                            <a:latin typeface="Cambria Math" panose="02040503050406030204" pitchFamily="18" charset="0"/>
+                          </a:rPr>
+                          <m:t>𝑦</m:t>
+                        </m:r>
+                      </m:sup>
+                    </m:sSubSup>
+                    <m:r>
+                      <a:rPr lang="en-US" altLang="ja-JP" b="0" i="1" smtClean="0">
+                        <a:latin typeface="Cambria Math" panose="02040503050406030204" pitchFamily="18" charset="0"/>
+                      </a:rPr>
+                      <m:t>&gt;0</m:t>
+                    </m:r>
+                  </m:oMath>
+                </a14:m>
+                <a:r>
+                  <a:rPr kumimoji="1" lang="en-US" altLang="ja-JP" dirty="0"/>
+                  <a:t>…</a:t>
+                </a:r>
+                <a:r>
+                  <a:rPr kumimoji="1" lang="ja-JP" altLang="en-US" dirty="0"/>
+                  <a:t>②</a:t>
+                </a:r>
+                <a:endParaRPr kumimoji="1" lang="ja-JP" altLang="en-US"/>
+              </a:p>
+            </p:txBody>
+          </p:sp>
+        </mc:Choice>
+        <mc:Fallback>
+          <p:sp>
+            <p:nvSpPr>
+              <p:cNvPr id="17" name="テキスト ボックス 16">
+                <a:extLst>
+                  <a:ext uri="{FF2B5EF4-FFF2-40B4-BE49-F238E27FC236}">
+                    <a16:creationId xmlns:a16="http://schemas.microsoft.com/office/drawing/2014/main" id="{963ED403-825A-2542-9CC0-2A005AD8796B}"/>
+                  </a:ext>
+                </a:extLst>
+              </p:cNvPr>
+              <p:cNvSpPr txBox="1">
+                <a:spLocks noRot="1" noChangeAspect="1" noMove="1" noResize="1" noEditPoints="1" noAdjustHandles="1" noChangeArrowheads="1" noChangeShapeType="1" noTextEdit="1"/>
+              </p:cNvSpPr>
+              <p:nvPr/>
+            </p:nvSpPr>
+            <p:spPr>
+              <a:xfrm>
+                <a:off x="1155700" y="4951209"/>
+                <a:ext cx="3568797" cy="438646"/>
+              </a:xfrm>
+              <a:prstGeom prst="rect">
+                <a:avLst/>
+              </a:prstGeom>
+              <a:blipFill>
+                <a:blip r:embed="rId6"/>
+                <a:stretch>
+                  <a:fillRect l="-2491" r="-3203" b="-13889"/>
+                </a:stretch>
+              </a:blipFill>
+            </p:spPr>
+            <p:txBody>
+              <a:bodyPr/>
+              <a:lstStyle/>
+              <a:p>
+                <a:r>
+                  <a:rPr lang="ja-JP" altLang="en-US">
+                    <a:noFill/>
+                  </a:rPr>
+                  <a:t> </a:t>
+                </a:r>
+              </a:p>
+            </p:txBody>
+          </p:sp>
+        </mc:Fallback>
+      </mc:AlternateContent>
+      <p:sp>
+        <p:nvSpPr>
+          <p:cNvPr id="18" name="テキスト ボックス 17">
+            <a:extLst>
+              <a:ext uri="{FF2B5EF4-FFF2-40B4-BE49-F238E27FC236}">
+                <a16:creationId xmlns:a16="http://schemas.microsoft.com/office/drawing/2014/main" id="{15C97B2C-F18F-864F-A025-3B7E175A5D5B}"/>
+              </a:ext>
+            </a:extLst>
+          </p:cNvPr>
+          <p:cNvSpPr txBox="1"/>
+          <p:nvPr/>
+        </p:nvSpPr>
+        <p:spPr>
+          <a:xfrm>
+            <a:off x="990600" y="5624204"/>
+            <a:ext cx="10121900" cy="646331"/>
+          </a:xfrm>
+          <a:prstGeom prst="rect">
+            <a:avLst/>
+          </a:prstGeom>
+          <a:noFill/>
+        </p:spPr>
+        <p:txBody>
+          <a:bodyPr wrap="square" rtlCol="0">
+            <a:spAutoFit/>
+          </a:bodyPr>
+          <a:lstStyle/>
+          <a:p>
+            <a:r>
+              <a:rPr lang="en-US" altLang="ja-JP" dirty="0"/>
+              <a:t>①</a:t>
+            </a:r>
+            <a:r>
+              <a:rPr lang="ja-JP" altLang="en-US"/>
+              <a:t>は②が満たされれば自動的に満たされる条件なので，式②が満たされるようにパラメータを設定する．</a:t>
+            </a:r>
+            <a:endParaRPr kumimoji="1" lang="ja-JP" altLang="en-US"/>
+          </a:p>
+        </p:txBody>
+      </p:sp>
+    </p:spTree>
+    <p:extLst>
+      <p:ext uri="{BB962C8B-B14F-4D97-AF65-F5344CB8AC3E}">
+        <p14:creationId xmlns:p14="http://schemas.microsoft.com/office/powerpoint/2010/main" val="644809362"/>
+      </p:ext>
+    </p:extLst>
+  </p:cSld>
+  <p:clrMapOvr>
+    <a:masterClrMapping/>
+  </p:clrMapOvr>
+</p:sld>
+</file>
+
+<file path=ppt/slides/slide16.xml><?xml version="1.0" encoding="utf-8"?>
+<p:sld xmlns:a="http://schemas.openxmlformats.org/drawingml/2006/main" xmlns:r="http://schemas.openxmlformats.org/officeDocument/2006/relationships" xmlns:p="http://schemas.openxmlformats.org/presentationml/2006/main">
+  <p:cSld>
+    <p:spTree>
+      <p:nvGrpSpPr>
+        <p:cNvPr id="1" name=""/>
+        <p:cNvGrpSpPr/>
+        <p:nvPr/>
+      </p:nvGrpSpPr>
+      <p:grpSpPr>
+        <a:xfrm>
+          <a:off x="0" y="0"/>
+          <a:ext cx="0" cy="0"/>
+          <a:chOff x="0" y="0"/>
+          <a:chExt cx="0" cy="0"/>
+        </a:xfrm>
+      </p:grpSpPr>
+      <p:sp>
+        <p:nvSpPr>
+          <p:cNvPr id="2" name="タイトル 1">
+            <a:extLst>
+              <a:ext uri="{FF2B5EF4-FFF2-40B4-BE49-F238E27FC236}">
+                <a16:creationId xmlns:a16="http://schemas.microsoft.com/office/drawing/2014/main" id="{2DAF5611-645B-BD40-9E08-2140FA60F25E}"/>
+              </a:ext>
+            </a:extLst>
+          </p:cNvPr>
+          <p:cNvSpPr>
+            <a:spLocks noGrp="1"/>
+          </p:cNvSpPr>
+          <p:nvPr>
+            <p:ph type="title"/>
+          </p:nvPr>
+        </p:nvSpPr>
+        <p:spPr/>
+        <p:txBody>
+          <a:bodyPr/>
+          <a:lstStyle/>
+          <a:p>
+            <a:r>
+              <a:rPr kumimoji="1" lang="ja-JP" altLang="en-US"/>
+              <a:t>パラメータの設定</a:t>
+            </a:r>
+          </a:p>
+        </p:txBody>
+      </p:sp>
+      <p:graphicFrame>
+        <p:nvGraphicFramePr>
+          <p:cNvPr id="4" name="表 4">
+            <a:extLst>
+              <a:ext uri="{FF2B5EF4-FFF2-40B4-BE49-F238E27FC236}">
+                <a16:creationId xmlns:a16="http://schemas.microsoft.com/office/drawing/2014/main" id="{BDC2D5B0-88B5-9941-A3DB-D5E9E5FE12D0}"/>
+              </a:ext>
+            </a:extLst>
+          </p:cNvPr>
+          <p:cNvGraphicFramePr>
+            <a:graphicFrameLocks noGrp="1"/>
+          </p:cNvGraphicFramePr>
+          <p:nvPr>
+            <p:extLst>
+              <p:ext uri="{D42A27DB-BD31-4B8C-83A1-F6EECF244321}">
+                <p14:modId xmlns:p14="http://schemas.microsoft.com/office/powerpoint/2010/main" val="4093020912"/>
+              </p:ext>
+            </p:extLst>
+          </p:nvPr>
+        </p:nvGraphicFramePr>
+        <p:xfrm>
+          <a:off x="1803400" y="1690688"/>
+          <a:ext cx="8127999" cy="4414760"/>
+        </p:xfrm>
+        <a:graphic>
+          <a:graphicData uri="http://schemas.openxmlformats.org/drawingml/2006/table">
+            <a:tbl>
+              <a:tblPr>
+                <a:tableStyleId>{5C22544A-7EE6-4342-B048-85BDC9FD1C3A}</a:tableStyleId>
+              </a:tblPr>
+              <a:tblGrid>
+                <a:gridCol w="2709333">
+                  <a:extLst>
+                    <a:ext uri="{9D8B030D-6E8A-4147-A177-3AD203B41FA5}">
+                      <a16:colId xmlns:a16="http://schemas.microsoft.com/office/drawing/2014/main" val="1395538209"/>
+                    </a:ext>
+                  </a:extLst>
+                </a:gridCol>
+                <a:gridCol w="2709333">
+                  <a:extLst>
+                    <a:ext uri="{9D8B030D-6E8A-4147-A177-3AD203B41FA5}">
+                      <a16:colId xmlns:a16="http://schemas.microsoft.com/office/drawing/2014/main" val="3033817120"/>
+                    </a:ext>
+                  </a:extLst>
+                </a:gridCol>
+                <a:gridCol w="2709333">
+                  <a:extLst>
+                    <a:ext uri="{9D8B030D-6E8A-4147-A177-3AD203B41FA5}">
+                      <a16:colId xmlns:a16="http://schemas.microsoft.com/office/drawing/2014/main" val="1711745922"/>
+                    </a:ext>
+                  </a:extLst>
+                </a:gridCol>
+              </a:tblGrid>
+              <a:tr h="441476">
+                <a:tc>
+                  <a:txBody>
+                    <a:bodyPr/>
+                    <a:lstStyle/>
+                    <a:p>
+                      <a:r>
+                        <a:rPr kumimoji="1" lang="ja-JP" altLang="en-US"/>
+                        <a:t>対象の大きさ</a:t>
+                      </a:r>
+                    </a:p>
+                  </a:txBody>
+                  <a:tcPr/>
+                </a:tc>
+                <a:tc>
+                  <a:txBody>
+                    <a:bodyPr/>
+                    <a:lstStyle/>
+                    <a:p>
+                      <a:r>
+                        <a:rPr kumimoji="1" lang="en-US" altLang="ja-JP" dirty="0"/>
+                        <a:t>mm x mm</a:t>
+                      </a:r>
+                      <a:endParaRPr kumimoji="1" lang="ja-JP" altLang="en-US"/>
+                    </a:p>
+                  </a:txBody>
+                  <a:tcPr/>
+                </a:tc>
+                <a:tc>
+                  <a:txBody>
+                    <a:bodyPr/>
+                    <a:lstStyle/>
+                    <a:p>
+                      <a:r>
+                        <a:rPr kumimoji="1" lang="en-US" altLang="ja-JP" dirty="0"/>
+                        <a:t>5.00*5.00</a:t>
+                      </a:r>
+                      <a:endParaRPr kumimoji="1" lang="ja-JP" altLang="en-US"/>
+                    </a:p>
+                  </a:txBody>
+                  <a:tcPr/>
+                </a:tc>
+                <a:extLst>
+                  <a:ext uri="{0D108BD9-81ED-4DB2-BD59-A6C34878D82A}">
+                    <a16:rowId xmlns:a16="http://schemas.microsoft.com/office/drawing/2014/main" val="3620679715"/>
+                  </a:ext>
+                </a:extLst>
+              </a:tr>
+              <a:tr h="441476">
+                <a:tc>
+                  <a:txBody>
+                    <a:bodyPr/>
+                    <a:lstStyle/>
+                    <a:p>
+                      <a:r>
+                        <a:rPr kumimoji="1" lang="en-US" altLang="ja-JP" dirty="0"/>
+                        <a:t>x</a:t>
+                      </a:r>
+                      <a:r>
+                        <a:rPr kumimoji="1" lang="ja-JP" altLang="en-US"/>
+                        <a:t>方向のピクセルサイズ</a:t>
+                      </a:r>
+                      <a:endParaRPr kumimoji="1" lang="en-US" altLang="ja-JP" dirty="0"/>
+                    </a:p>
+                  </a:txBody>
+                  <a:tcPr/>
+                </a:tc>
+                <a:tc>
+                  <a:txBody>
+                    <a:bodyPr/>
+                    <a:lstStyle/>
+                    <a:p>
+                      <a:r>
+                        <a:rPr kumimoji="1" lang="en-US" altLang="ja-JP" dirty="0"/>
+                        <a:t>mm</a:t>
+                      </a:r>
+                      <a:endParaRPr kumimoji="1" lang="ja-JP" altLang="en-US"/>
+                    </a:p>
+                  </a:txBody>
+                  <a:tcPr/>
+                </a:tc>
+                <a:tc>
+                  <a:txBody>
+                    <a:bodyPr/>
+                    <a:lstStyle/>
+                    <a:p>
+                      <a:r>
+                        <a:rPr kumimoji="1" lang="en-US" altLang="ja-JP" dirty="0"/>
+                        <a:t>0.02</a:t>
+                      </a:r>
+                      <a:endParaRPr kumimoji="1" lang="ja-JP" altLang="en-US"/>
+                    </a:p>
+                  </a:txBody>
+                  <a:tcPr/>
+                </a:tc>
+                <a:extLst>
+                  <a:ext uri="{0D108BD9-81ED-4DB2-BD59-A6C34878D82A}">
+                    <a16:rowId xmlns:a16="http://schemas.microsoft.com/office/drawing/2014/main" val="3308469794"/>
+                  </a:ext>
+                </a:extLst>
+              </a:tr>
+              <a:tr h="441476">
+                <a:tc>
+                  <a:txBody>
+                    <a:bodyPr/>
+                    <a:lstStyle/>
+                    <a:p>
+                      <a:r>
+                        <a:rPr kumimoji="1" lang="en-US" altLang="ja-JP" dirty="0"/>
+                        <a:t>y</a:t>
+                      </a:r>
+                      <a:r>
+                        <a:rPr kumimoji="1" lang="ja-JP" altLang="en-US"/>
+                        <a:t>方向のピクセルサイズ</a:t>
+                      </a:r>
+                    </a:p>
+                  </a:txBody>
+                  <a:tcPr/>
+                </a:tc>
+                <a:tc>
+                  <a:txBody>
+                    <a:bodyPr/>
+                    <a:lstStyle/>
+                    <a:p>
+                      <a:r>
+                        <a:rPr kumimoji="1" lang="en-US" altLang="ja-JP" dirty="0"/>
+                        <a:t>mm</a:t>
+                      </a:r>
+                      <a:endParaRPr kumimoji="1" lang="ja-JP" altLang="en-US"/>
+                    </a:p>
+                  </a:txBody>
+                  <a:tcPr/>
+                </a:tc>
+                <a:tc>
+                  <a:txBody>
+                    <a:bodyPr/>
+                    <a:lstStyle/>
+                    <a:p>
+                      <a:r>
+                        <a:rPr kumimoji="1" lang="en-US" altLang="ja-JP" dirty="0"/>
+                        <a:t>0.02</a:t>
+                      </a:r>
+                      <a:endParaRPr kumimoji="1" lang="ja-JP" altLang="en-US"/>
+                    </a:p>
+                  </a:txBody>
+                  <a:tcPr/>
+                </a:tc>
+                <a:extLst>
+                  <a:ext uri="{0D108BD9-81ED-4DB2-BD59-A6C34878D82A}">
+                    <a16:rowId xmlns:a16="http://schemas.microsoft.com/office/drawing/2014/main" val="1986350477"/>
+                  </a:ext>
+                </a:extLst>
+              </a:tr>
+              <a:tr h="441476">
+                <a:tc>
+                  <a:txBody>
+                    <a:bodyPr/>
+                    <a:lstStyle/>
+                    <a:p>
+                      <a:r>
+                        <a:rPr kumimoji="1" lang="ja-JP" altLang="en-US"/>
+                        <a:t>散乱係数</a:t>
+                      </a:r>
+                    </a:p>
+                  </a:txBody>
+                  <a:tcPr/>
+                </a:tc>
+                <a:tc>
+                  <a:txBody>
+                    <a:bodyPr/>
+                    <a:lstStyle/>
+                    <a:p>
+                      <a:r>
+                        <a:rPr kumimoji="1" lang="en-US" altLang="ja-JP" dirty="0"/>
+                        <a:t>mm^-1</a:t>
+                      </a:r>
+                      <a:endParaRPr kumimoji="1" lang="ja-JP" altLang="en-US"/>
+                    </a:p>
+                  </a:txBody>
+                  <a:tcPr/>
+                </a:tc>
+                <a:tc>
+                  <a:txBody>
+                    <a:bodyPr/>
+                    <a:lstStyle/>
+                    <a:p>
+                      <a:r>
+                        <a:rPr kumimoji="1" lang="en-US" altLang="ja-JP" dirty="0"/>
+                        <a:t>10</a:t>
+                      </a:r>
+                      <a:endParaRPr kumimoji="1" lang="ja-JP" altLang="en-US"/>
+                    </a:p>
+                  </a:txBody>
+                  <a:tcPr/>
+                </a:tc>
+                <a:extLst>
+                  <a:ext uri="{0D108BD9-81ED-4DB2-BD59-A6C34878D82A}">
+                    <a16:rowId xmlns:a16="http://schemas.microsoft.com/office/drawing/2014/main" val="2605974814"/>
+                  </a:ext>
+                </a:extLst>
+              </a:tr>
+              <a:tr h="441476">
+                <a:tc>
+                  <a:txBody>
+                    <a:bodyPr/>
+                    <a:lstStyle/>
+                    <a:p>
+                      <a:r>
+                        <a:rPr kumimoji="1" lang="ja-JP" altLang="en-US"/>
+                        <a:t>吸収体の吸収係数</a:t>
+                      </a:r>
+                    </a:p>
+                  </a:txBody>
+                  <a:tcPr/>
+                </a:tc>
+                <a:tc>
+                  <a:txBody>
+                    <a:bodyPr/>
+                    <a:lstStyle/>
+                    <a:p>
+                      <a:r>
+                        <a:rPr kumimoji="1" lang="en-US" altLang="ja-JP" dirty="0"/>
+                        <a:t>mm^-1</a:t>
+                      </a:r>
+                      <a:endParaRPr kumimoji="1" lang="ja-JP" altLang="en-US"/>
+                    </a:p>
+                  </a:txBody>
+                  <a:tcPr/>
+                </a:tc>
+                <a:tc>
+                  <a:txBody>
+                    <a:bodyPr/>
+                    <a:lstStyle/>
+                    <a:p>
+                      <a:r>
+                        <a:rPr kumimoji="1" lang="en-US" altLang="ja-JP" dirty="0"/>
+                        <a:t>100</a:t>
+                      </a:r>
+                      <a:endParaRPr kumimoji="1" lang="ja-JP" altLang="en-US"/>
+                    </a:p>
+                  </a:txBody>
+                  <a:tcPr/>
+                </a:tc>
+                <a:extLst>
+                  <a:ext uri="{0D108BD9-81ED-4DB2-BD59-A6C34878D82A}">
+                    <a16:rowId xmlns:a16="http://schemas.microsoft.com/office/drawing/2014/main" val="3770538021"/>
+                  </a:ext>
+                </a:extLst>
+              </a:tr>
+              <a:tr h="441476">
+                <a:tc>
+                  <a:txBody>
+                    <a:bodyPr/>
+                    <a:lstStyle/>
+                    <a:p>
+                      <a:r>
+                        <a:rPr kumimoji="1" lang="ja-JP" altLang="en-US"/>
+                        <a:t>対象の吸収係数</a:t>
+                      </a:r>
+                    </a:p>
+                  </a:txBody>
+                  <a:tcPr/>
+                </a:tc>
+                <a:tc>
+                  <a:txBody>
+                    <a:bodyPr/>
+                    <a:lstStyle/>
+                    <a:p>
+                      <a:pPr marL="0" marR="0" lvl="0" indent="0" algn="l" defTabSz="914400" rtl="0" eaLnBrk="1" fontAlgn="auto" latinLnBrk="0" hangingPunct="1">
+                        <a:lnSpc>
+                          <a:spcPct val="100000"/>
+                        </a:lnSpc>
+                        <a:spcBef>
+                          <a:spcPts val="0"/>
+                        </a:spcBef>
+                        <a:spcAft>
+                          <a:spcPts val="0"/>
+                        </a:spcAft>
+                        <a:buClrTx/>
+                        <a:buSzTx/>
+                        <a:buFontTx/>
+                        <a:buNone/>
+                        <a:tabLst/>
+                        <a:defRPr/>
+                      </a:pPr>
+                      <a:r>
+                        <a:rPr kumimoji="1" lang="en-US" altLang="ja-JP" dirty="0"/>
+                        <a:t>mm^-1</a:t>
+                      </a:r>
+                      <a:endParaRPr kumimoji="1" lang="ja-JP" altLang="en-US"/>
+                    </a:p>
+                  </a:txBody>
+                  <a:tcPr/>
+                </a:tc>
+                <a:tc>
+                  <a:txBody>
+                    <a:bodyPr/>
+                    <a:lstStyle/>
+                    <a:p>
+                      <a:r>
+                        <a:rPr kumimoji="1" lang="en-US" altLang="ja-JP" dirty="0"/>
+                        <a:t>0.1</a:t>
+                      </a:r>
+                      <a:endParaRPr kumimoji="1" lang="ja-JP" altLang="en-US"/>
+                    </a:p>
+                  </a:txBody>
+                  <a:tcPr/>
+                </a:tc>
+                <a:extLst>
+                  <a:ext uri="{0D108BD9-81ED-4DB2-BD59-A6C34878D82A}">
+                    <a16:rowId xmlns:a16="http://schemas.microsoft.com/office/drawing/2014/main" val="2979204984"/>
+                  </a:ext>
+                </a:extLst>
+              </a:tr>
+              <a:tr h="441476">
+                <a:tc>
+                  <a:txBody>
+                    <a:bodyPr/>
+                    <a:lstStyle/>
+                    <a:p>
+                      <a:r>
+                        <a:rPr kumimoji="1" lang="ja-JP" altLang="en-US"/>
+                        <a:t>時間間隔</a:t>
+                      </a:r>
+                    </a:p>
+                  </a:txBody>
+                  <a:tcPr/>
+                </a:tc>
+                <a:tc>
+                  <a:txBody>
+                    <a:bodyPr/>
+                    <a:lstStyle/>
+                    <a:p>
+                      <a:pPr marL="0" marR="0" lvl="0" indent="0" algn="l" defTabSz="914400" rtl="0" eaLnBrk="1" fontAlgn="auto" latinLnBrk="0" hangingPunct="1">
+                        <a:lnSpc>
+                          <a:spcPct val="100000"/>
+                        </a:lnSpc>
+                        <a:spcBef>
+                          <a:spcPts val="0"/>
+                        </a:spcBef>
+                        <a:spcAft>
+                          <a:spcPts val="0"/>
+                        </a:spcAft>
+                        <a:buClrTx/>
+                        <a:buSzTx/>
+                        <a:buFontTx/>
+                        <a:buNone/>
+                        <a:tabLst/>
+                        <a:defRPr/>
+                      </a:pPr>
+                      <a:r>
+                        <a:rPr kumimoji="1" lang="en-US" altLang="ja-JP" dirty="0" err="1"/>
+                        <a:t>ps</a:t>
+                      </a:r>
+                      <a:endParaRPr kumimoji="1" lang="ja-JP" altLang="en-US"/>
+                    </a:p>
+                  </a:txBody>
+                  <a:tcPr/>
+                </a:tc>
+                <a:tc>
+                  <a:txBody>
+                    <a:bodyPr/>
+                    <a:lstStyle/>
+                    <a:p>
+                      <a:r>
+                        <a:rPr kumimoji="1" lang="en-US" altLang="ja-JP" dirty="0"/>
+                        <a:t>0.002</a:t>
+                      </a:r>
+                      <a:endParaRPr kumimoji="1" lang="ja-JP" altLang="en-US"/>
+                    </a:p>
+                  </a:txBody>
+                  <a:tcPr/>
+                </a:tc>
+                <a:extLst>
+                  <a:ext uri="{0D108BD9-81ED-4DB2-BD59-A6C34878D82A}">
+                    <a16:rowId xmlns:a16="http://schemas.microsoft.com/office/drawing/2014/main" val="1195806979"/>
+                  </a:ext>
+                </a:extLst>
+              </a:tr>
+              <a:tr h="441476">
+                <a:tc>
+                  <a:txBody>
+                    <a:bodyPr/>
+                    <a:lstStyle/>
+                    <a:p>
+                      <a:r>
+                        <a:rPr kumimoji="1" lang="ja-JP" altLang="en-US"/>
+                        <a:t>入力光の強度</a:t>
+                      </a:r>
+                    </a:p>
+                  </a:txBody>
+                  <a:tcPr/>
+                </a:tc>
+                <a:tc>
+                  <a:txBody>
+                    <a:bodyPr/>
+                    <a:lstStyle/>
+                    <a:p>
+                      <a:pPr marL="0" marR="0" lvl="0" indent="0" algn="l" defTabSz="914400" rtl="0" eaLnBrk="1" fontAlgn="auto" latinLnBrk="0" hangingPunct="1">
+                        <a:lnSpc>
+                          <a:spcPct val="100000"/>
+                        </a:lnSpc>
+                        <a:spcBef>
+                          <a:spcPts val="0"/>
+                        </a:spcBef>
+                        <a:spcAft>
+                          <a:spcPts val="0"/>
+                        </a:spcAft>
+                        <a:buClrTx/>
+                        <a:buSzTx/>
+                        <a:buFontTx/>
+                        <a:buNone/>
+                        <a:tabLst/>
+                        <a:defRPr/>
+                      </a:pPr>
+                      <a:endParaRPr kumimoji="1" lang="ja-JP" altLang="en-US"/>
+                    </a:p>
+                  </a:txBody>
+                  <a:tcPr/>
+                </a:tc>
+                <a:tc>
+                  <a:txBody>
+                    <a:bodyPr/>
+                    <a:lstStyle/>
+                    <a:p>
+                      <a:r>
+                        <a:rPr kumimoji="1" lang="en-US" altLang="ja-JP" dirty="0"/>
+                        <a:t>10</a:t>
+                      </a:r>
+                      <a:endParaRPr kumimoji="1" lang="ja-JP" altLang="en-US"/>
+                    </a:p>
+                  </a:txBody>
+                  <a:tcPr/>
+                </a:tc>
+                <a:extLst>
+                  <a:ext uri="{0D108BD9-81ED-4DB2-BD59-A6C34878D82A}">
+                    <a16:rowId xmlns:a16="http://schemas.microsoft.com/office/drawing/2014/main" val="285443003"/>
+                  </a:ext>
+                </a:extLst>
+              </a:tr>
+              <a:tr h="441476">
+                <a:tc>
+                  <a:txBody>
+                    <a:bodyPr/>
+                    <a:lstStyle/>
+                    <a:p>
+                      <a:r>
+                        <a:rPr kumimoji="1" lang="ja-JP" altLang="en-US"/>
+                        <a:t>屈折率</a:t>
+                      </a:r>
+                    </a:p>
+                  </a:txBody>
+                  <a:tcPr/>
+                </a:tc>
+                <a:tc>
+                  <a:txBody>
+                    <a:bodyPr/>
+                    <a:lstStyle/>
+                    <a:p>
+                      <a:pPr marL="0" marR="0" lvl="0" indent="0" algn="l" defTabSz="914400" rtl="0" eaLnBrk="1" fontAlgn="auto" latinLnBrk="0" hangingPunct="1">
+                        <a:lnSpc>
+                          <a:spcPct val="100000"/>
+                        </a:lnSpc>
+                        <a:spcBef>
+                          <a:spcPts val="0"/>
+                        </a:spcBef>
+                        <a:spcAft>
+                          <a:spcPts val="0"/>
+                        </a:spcAft>
+                        <a:buClrTx/>
+                        <a:buSzTx/>
+                        <a:buFontTx/>
+                        <a:buNone/>
+                        <a:tabLst/>
+                        <a:defRPr/>
+                      </a:pPr>
+                      <a:endParaRPr kumimoji="1" lang="ja-JP" altLang="en-US"/>
+                    </a:p>
+                  </a:txBody>
+                  <a:tcPr/>
+                </a:tc>
+                <a:tc>
+                  <a:txBody>
+                    <a:bodyPr/>
+                    <a:lstStyle/>
+                    <a:p>
+                      <a:r>
+                        <a:rPr kumimoji="1" lang="en-US" altLang="ja-JP" dirty="0"/>
+                        <a:t>1.33</a:t>
+                      </a:r>
+                      <a:endParaRPr kumimoji="1" lang="ja-JP" altLang="en-US"/>
+                    </a:p>
+                  </a:txBody>
+                  <a:tcPr/>
+                </a:tc>
+                <a:extLst>
+                  <a:ext uri="{0D108BD9-81ED-4DB2-BD59-A6C34878D82A}">
+                    <a16:rowId xmlns:a16="http://schemas.microsoft.com/office/drawing/2014/main" val="2602798998"/>
+                  </a:ext>
+                </a:extLst>
+              </a:tr>
+              <a:tr h="441476">
+                <a:tc>
+                  <a:txBody>
+                    <a:bodyPr/>
+                    <a:lstStyle/>
+                    <a:p>
+                      <a:r>
+                        <a:rPr kumimoji="1" lang="ja-JP" altLang="en-US"/>
+                        <a:t>対象内の光速</a:t>
+                      </a:r>
+                    </a:p>
+                  </a:txBody>
+                  <a:tcPr/>
+                </a:tc>
+                <a:tc>
+                  <a:txBody>
+                    <a:bodyPr/>
+                    <a:lstStyle/>
+                    <a:p>
+                      <a:pPr marL="0" marR="0" lvl="0" indent="0" algn="l" defTabSz="914400" rtl="0" eaLnBrk="1" fontAlgn="auto" latinLnBrk="0" hangingPunct="1">
+                        <a:lnSpc>
+                          <a:spcPct val="100000"/>
+                        </a:lnSpc>
+                        <a:spcBef>
+                          <a:spcPts val="0"/>
+                        </a:spcBef>
+                        <a:spcAft>
+                          <a:spcPts val="0"/>
+                        </a:spcAft>
+                        <a:buClrTx/>
+                        <a:buSzTx/>
+                        <a:buFontTx/>
+                        <a:buNone/>
+                        <a:tabLst/>
+                        <a:defRPr/>
+                      </a:pPr>
+                      <a:r>
+                        <a:rPr kumimoji="1" lang="en-US" altLang="ja-JP" dirty="0"/>
+                        <a:t>mm/</a:t>
+                      </a:r>
+                      <a:r>
+                        <a:rPr kumimoji="1" lang="en-US" altLang="ja-JP" dirty="0" err="1"/>
+                        <a:t>ps</a:t>
+                      </a:r>
+                      <a:endParaRPr kumimoji="1" lang="ja-JP" altLang="en-US"/>
+                    </a:p>
+                  </a:txBody>
+                  <a:tcPr/>
+                </a:tc>
+                <a:tc>
+                  <a:txBody>
+                    <a:bodyPr/>
+                    <a:lstStyle/>
+                    <a:p>
+                      <a:r>
+                        <a:rPr kumimoji="1" lang="en-US" altLang="ja-JP" dirty="0"/>
+                        <a:t>0.2256</a:t>
+                      </a:r>
+                      <a:endParaRPr kumimoji="1" lang="ja-JP" altLang="en-US"/>
+                    </a:p>
+                  </a:txBody>
+                  <a:tcPr/>
+                </a:tc>
+                <a:extLst>
+                  <a:ext uri="{0D108BD9-81ED-4DB2-BD59-A6C34878D82A}">
+                    <a16:rowId xmlns:a16="http://schemas.microsoft.com/office/drawing/2014/main" val="2828300848"/>
+                  </a:ext>
+                </a:extLst>
+              </a:tr>
+            </a:tbl>
+          </a:graphicData>
+        </a:graphic>
+      </p:graphicFrame>
+    </p:spTree>
+    <p:extLst>
+      <p:ext uri="{BB962C8B-B14F-4D97-AF65-F5344CB8AC3E}">
+        <p14:creationId xmlns:p14="http://schemas.microsoft.com/office/powerpoint/2010/main" val="3210545724"/>
+      </p:ext>
+    </p:extLst>
+  </p:cSld>
+  <p:clrMapOvr>
+    <a:masterClrMapping/>
+  </p:clrMapOvr>
+</p:sld>
+</file>
+
+<file path=ppt/slides/slide17.xml><?xml version="1.0" encoding="utf-8"?>
+<p:sld xmlns:a="http://schemas.openxmlformats.org/drawingml/2006/main" xmlns:r="http://schemas.openxmlformats.org/officeDocument/2006/relationships" xmlns:p="http://schemas.openxmlformats.org/presentationml/2006/main">
+  <p:cSld>
+    <p:spTree>
+      <p:nvGrpSpPr>
+        <p:cNvPr id="1" name=""/>
+        <p:cNvGrpSpPr/>
+        <p:nvPr/>
+      </p:nvGrpSpPr>
+      <p:grpSpPr>
+        <a:xfrm>
+          <a:off x="0" y="0"/>
+          <a:ext cx="0" cy="0"/>
+          <a:chOff x="0" y="0"/>
+          <a:chExt cx="0" cy="0"/>
+        </a:xfrm>
+      </p:grpSpPr>
+      <p:sp>
+        <p:nvSpPr>
+          <p:cNvPr id="2" name="タイトル 1">
+            <a:extLst>
+              <a:ext uri="{FF2B5EF4-FFF2-40B4-BE49-F238E27FC236}">
+                <a16:creationId xmlns:a16="http://schemas.microsoft.com/office/drawing/2014/main" id="{656E1F11-C5BB-AD4B-BB8D-3CB4A43E2C90}"/>
+              </a:ext>
+            </a:extLst>
+          </p:cNvPr>
+          <p:cNvSpPr>
+            <a:spLocks noGrp="1"/>
+          </p:cNvSpPr>
+          <p:nvPr>
+            <p:ph type="title"/>
+          </p:nvPr>
+        </p:nvSpPr>
+        <p:spPr/>
+        <p:txBody>
+          <a:bodyPr/>
+          <a:lstStyle/>
+          <a:p>
+            <a:r>
               <a:rPr kumimoji="1" lang="en-US" altLang="ja-JP" dirty="0"/>
               <a:t>FDTD</a:t>
             </a:r>
             <a:r>
-              <a:rPr kumimoji="1" lang="ja-JP" altLang="en-US" dirty="0"/>
-              <a:t>プログラムの実装</a:t>
+              <a:rPr kumimoji="1" lang="ja-JP" altLang="en-US"/>
+              <a:t>を用いたシミュレーション</a:t>
             </a:r>
           </a:p>
         </p:txBody>
       </p:sp>
       <p:pic>
         <p:nvPicPr>
-          <p:cNvPr id="4" name="out">
+          <p:cNvPr id="4" name="test_0706" descr="test_0706">
             <a:hlinkClick r:id="" action="ppaction://media"/>
             <a:extLst>
               <a:ext uri="{FF2B5EF4-FFF2-40B4-BE49-F238E27FC236}">
-                <a16:creationId xmlns:a16="http://schemas.microsoft.com/office/drawing/2014/main" id="{879AB7EB-C0A3-55BB-F549-A96DC394A296}"/>
+                <a16:creationId xmlns:a16="http://schemas.microsoft.com/office/drawing/2014/main" id="{6A579515-BDE6-B34C-9642-3CE88EB57E16}"/>
               </a:ext>
             </a:extLst>
           </p:cNvPr>
@@ -15123,15 +20449,50 @@
           </p:nvPr>
         </p:nvPicPr>
         <p:blipFill>
-          <a:blip r:embed="rId5"/>
+          <a:blip r:embed="rId4"/>
           <a:stretch>
             <a:fillRect/>
           </a:stretch>
         </p:blipFill>
         <p:spPr>
           <a:xfrm>
-            <a:off x="555172" y="1445911"/>
-            <a:ext cx="9621492" cy="5412089"/>
+            <a:off x="3227438" y="1404926"/>
+            <a:ext cx="9694352" cy="5453073"/>
+          </a:xfrm>
+          <a:prstGeom prst="rect">
+            <a:avLst/>
+          </a:prstGeom>
+        </p:spPr>
+      </p:pic>
+      <p:pic>
+        <p:nvPicPr>
+          <p:cNvPr id="6" name="図 5">
+            <a:extLst>
+              <a:ext uri="{FF2B5EF4-FFF2-40B4-BE49-F238E27FC236}">
+                <a16:creationId xmlns:a16="http://schemas.microsoft.com/office/drawing/2014/main" id="{153925C8-6824-E844-8554-C87FDD1C42CF}"/>
+              </a:ext>
+            </a:extLst>
+          </p:cNvPr>
+          <p:cNvPicPr>
+            <a:picLocks noChangeAspect="1"/>
+          </p:cNvPicPr>
+          <p:nvPr/>
+        </p:nvPicPr>
+        <p:blipFill rotWithShape="1">
+          <a:blip r:embed="rId5">
+            <a:extLst>
+              <a:ext uri="{28A0092B-C50C-407E-A947-70E740481C1C}">
+                <a14:useLocalDpi xmlns:a14="http://schemas.microsoft.com/office/drawing/2010/main" val="0"/>
+              </a:ext>
+            </a:extLst>
+          </a:blip>
+          <a:srcRect l="25097" t="10883" r="14015"/>
+          <a:stretch/>
+        </p:blipFill>
+        <p:spPr>
+          <a:xfrm>
+            <a:off x="339211" y="2045604"/>
+            <a:ext cx="5845277" cy="4812395"/>
           </a:xfrm>
           <a:prstGeom prst="rect">
             <a:avLst/>
@@ -15141,7 +20502,7 @@
     </p:spTree>
     <p:extLst>
       <p:ext uri="{BB962C8B-B14F-4D97-AF65-F5344CB8AC3E}">
-        <p14:creationId xmlns:p14="http://schemas.microsoft.com/office/powerpoint/2010/main" val="3348432352"/>
+        <p14:creationId xmlns:p14="http://schemas.microsoft.com/office/powerpoint/2010/main" val="2722106911"/>
       </p:ext>
     </p:extLst>
   </p:cSld>
@@ -15160,9 +20521,6 @@
                     <p:cTn id="3" fill="hold">
                       <p:stCondLst>
                         <p:cond delay="indefinite"/>
-                        <p:cond evt="onBegin" delay="0">
-                          <p:tn val="2"/>
-                        </p:cond>
                       </p:stCondLst>
                       <p:childTnLst>
                         <p:par>
@@ -15172,14 +20530,14 @@
                             </p:stCondLst>
                             <p:childTnLst>
                               <p:par>
-                                <p:cTn id="5" presetID="1" presetClass="mediacall" presetSubtype="0" fill="hold" nodeType="afterEffect">
+                                <p:cTn id="5" presetID="1" presetClass="mediacall" presetSubtype="0" fill="hold" nodeType="clickEffect">
                                   <p:stCondLst>
                                     <p:cond delay="0"/>
                                   </p:stCondLst>
                                   <p:childTnLst>
                                     <p:cmd type="call" cmd="playFrom(0.0)">
                                       <p:cBhvr>
-                                        <p:cTn id="6" dur="10000" fill="hold"/>
+                                        <p:cTn id="6" dur="50000" fill="hold"/>
                                         <p:tgtEl>
                                           <p:spTgt spid="4"/>
                                         </p:tgtEl>
@@ -15286,6 +20644,99 @@
       </p:par>
     </p:tnLst>
   </p:timing>
+</p:sld>
+</file>
+
+<file path=ppt/slides/slide18.xml><?xml version="1.0" encoding="utf-8"?>
+<p:sld xmlns:a="http://schemas.openxmlformats.org/drawingml/2006/main" xmlns:r="http://schemas.openxmlformats.org/officeDocument/2006/relationships" xmlns:p="http://schemas.openxmlformats.org/presentationml/2006/main">
+  <p:cSld>
+    <p:spTree>
+      <p:nvGrpSpPr>
+        <p:cNvPr id="1" name=""/>
+        <p:cNvGrpSpPr/>
+        <p:nvPr/>
+      </p:nvGrpSpPr>
+      <p:grpSpPr>
+        <a:xfrm>
+          <a:off x="0" y="0"/>
+          <a:ext cx="0" cy="0"/>
+          <a:chOff x="0" y="0"/>
+          <a:chExt cx="0" cy="0"/>
+        </a:xfrm>
+      </p:grpSpPr>
+      <p:pic>
+        <p:nvPicPr>
+          <p:cNvPr id="5" name="図 4" descr="グラフ, レーダー チャート, 等高線グラフ&#10;&#10;自動的に生成された説明">
+            <a:extLst>
+              <a:ext uri="{FF2B5EF4-FFF2-40B4-BE49-F238E27FC236}">
+                <a16:creationId xmlns:a16="http://schemas.microsoft.com/office/drawing/2014/main" id="{CE1953DF-ABB0-7941-8F42-F2F6ED4CE636}"/>
+              </a:ext>
+            </a:extLst>
+          </p:cNvPr>
+          <p:cNvPicPr>
+            <a:picLocks noChangeAspect="1"/>
+          </p:cNvPicPr>
+          <p:nvPr/>
+        </p:nvPicPr>
+        <p:blipFill rotWithShape="1">
+          <a:blip r:embed="rId2">
+            <a:extLst>
+              <a:ext uri="{28A0092B-C50C-407E-A947-70E740481C1C}">
+                <a14:useLocalDpi xmlns:a14="http://schemas.microsoft.com/office/drawing/2010/main" val="0"/>
+              </a:ext>
+            </a:extLst>
+          </a:blip>
+          <a:srcRect t="13978"/>
+          <a:stretch/>
+        </p:blipFill>
+        <p:spPr>
+          <a:xfrm>
+            <a:off x="197465" y="1278628"/>
+            <a:ext cx="11319829" cy="5958348"/>
+          </a:xfrm>
+          <a:prstGeom prst="rect">
+            <a:avLst/>
+          </a:prstGeom>
+        </p:spPr>
+      </p:pic>
+      <p:sp>
+        <p:nvSpPr>
+          <p:cNvPr id="2" name="タイトル 1">
+            <a:extLst>
+              <a:ext uri="{FF2B5EF4-FFF2-40B4-BE49-F238E27FC236}">
+                <a16:creationId xmlns:a16="http://schemas.microsoft.com/office/drawing/2014/main" id="{656E1F11-C5BB-AD4B-BB8D-3CB4A43E2C90}"/>
+              </a:ext>
+            </a:extLst>
+          </p:cNvPr>
+          <p:cNvSpPr>
+            <a:spLocks noGrp="1"/>
+          </p:cNvSpPr>
+          <p:nvPr>
+            <p:ph type="title"/>
+          </p:nvPr>
+        </p:nvSpPr>
+        <p:spPr/>
+        <p:txBody>
+          <a:bodyPr/>
+          <a:lstStyle/>
+          <a:p>
+            <a:r>
+              <a:rPr kumimoji="1" lang="ja-JP" altLang="en-US"/>
+              <a:t>出力面の強度分布</a:t>
+            </a:r>
+          </a:p>
+        </p:txBody>
+      </p:sp>
+    </p:spTree>
+    <p:extLst>
+      <p:ext uri="{BB962C8B-B14F-4D97-AF65-F5344CB8AC3E}">
+        <p14:creationId xmlns:p14="http://schemas.microsoft.com/office/powerpoint/2010/main" val="2658141268"/>
+      </p:ext>
+    </p:extLst>
+  </p:cSld>
+  <p:clrMapOvr>
+    <a:masterClrMapping/>
+  </p:clrMapOvr>
 </p:sld>
 </file>
 
@@ -15519,7 +20970,7 @@
           </a:ln>
           <a:extLst>
             <a:ext uri="{C572A759-6A51-4108-AA02-DFA0A04FC94B}">
-              <ma14:wrappingTextBoxFlag xmlns="" xmlns:m="http://schemas.openxmlformats.org/officeDocument/2006/math" xmlns:a14="http://schemas.microsoft.com/office/drawing/2010/main" xmlns:ma14="http://schemas.microsoft.com/office/mac/drawingml/2011/main" xmlns:lc="http://schemas.openxmlformats.org/drawingml/2006/lockedCanvas" val="1"/>
+              <ma14:wrappingTextBoxFlag xmlns:lc="http://schemas.openxmlformats.org/drawingml/2006/lockedCanvas" xmlns:ma14="http://schemas.microsoft.com/office/mac/drawingml/2011/main" xmlns:a14="http://schemas.microsoft.com/office/drawing/2010/main" xmlns:m="http://schemas.openxmlformats.org/officeDocument/2006/math" xmlns="" val="1"/>
             </a:ext>
           </a:extLst>
         </p:spPr>
@@ -15859,7 +21310,7 @@
           </a:ln>
           <a:extLst>
             <a:ext uri="{C572A759-6A51-4108-AA02-DFA0A04FC94B}">
-              <ma14:wrappingTextBoxFlag xmlns="" xmlns:m="http://schemas.openxmlformats.org/officeDocument/2006/math" xmlns:a14="http://schemas.microsoft.com/office/drawing/2010/main" xmlns:ma14="http://schemas.microsoft.com/office/mac/drawingml/2011/main" xmlns:lc="http://schemas.openxmlformats.org/drawingml/2006/lockedCanvas" val="1"/>
+              <ma14:wrappingTextBoxFlag xmlns:lc="http://schemas.openxmlformats.org/drawingml/2006/lockedCanvas" xmlns:ma14="http://schemas.microsoft.com/office/mac/drawingml/2011/main" xmlns:a14="http://schemas.microsoft.com/office/drawing/2010/main" xmlns:m="http://schemas.openxmlformats.org/officeDocument/2006/math" xmlns="" val="1"/>
             </a:ext>
           </a:extLst>
         </p:spPr>
@@ -16199,7 +21650,7 @@
           </a:ln>
           <a:extLst>
             <a:ext uri="{C572A759-6A51-4108-AA02-DFA0A04FC94B}">
-              <ma14:wrappingTextBoxFlag xmlns="" xmlns:m="http://schemas.openxmlformats.org/officeDocument/2006/math" xmlns:a14="http://schemas.microsoft.com/office/drawing/2010/main" xmlns:ma14="http://schemas.microsoft.com/office/mac/drawingml/2011/main" xmlns:lc="http://schemas.openxmlformats.org/drawingml/2006/lockedCanvas" val="1"/>
+              <ma14:wrappingTextBoxFlag xmlns:lc="http://schemas.openxmlformats.org/drawingml/2006/lockedCanvas" xmlns:ma14="http://schemas.microsoft.com/office/mac/drawingml/2011/main" xmlns:a14="http://schemas.microsoft.com/office/drawing/2010/main" xmlns:m="http://schemas.openxmlformats.org/officeDocument/2006/math" xmlns="" val="1"/>
             </a:ext>
           </a:extLst>
         </p:spPr>
@@ -16539,7 +21990,7 @@
           </a:ln>
           <a:extLst>
             <a:ext uri="{C572A759-6A51-4108-AA02-DFA0A04FC94B}">
-              <ma14:wrappingTextBoxFlag xmlns="" xmlns:m="http://schemas.openxmlformats.org/officeDocument/2006/math" xmlns:a14="http://schemas.microsoft.com/office/drawing/2010/main" xmlns:ma14="http://schemas.microsoft.com/office/mac/drawingml/2011/main" xmlns:lc="http://schemas.openxmlformats.org/drawingml/2006/lockedCanvas" val="1"/>
+              <ma14:wrappingTextBoxFlag xmlns:lc="http://schemas.openxmlformats.org/drawingml/2006/lockedCanvas" xmlns:ma14="http://schemas.microsoft.com/office/mac/drawingml/2011/main" xmlns:a14="http://schemas.microsoft.com/office/drawing/2010/main" xmlns:m="http://schemas.openxmlformats.org/officeDocument/2006/math" xmlns="" val="1"/>
             </a:ext>
           </a:extLst>
         </p:spPr>
@@ -16879,7 +22330,7 @@
           </a:ln>
           <a:extLst>
             <a:ext uri="{C572A759-6A51-4108-AA02-DFA0A04FC94B}">
-              <ma14:wrappingTextBoxFlag xmlns="" xmlns:m="http://schemas.openxmlformats.org/officeDocument/2006/math" xmlns:a14="http://schemas.microsoft.com/office/drawing/2010/main" xmlns:ma14="http://schemas.microsoft.com/office/mac/drawingml/2011/main" xmlns:lc="http://schemas.openxmlformats.org/drawingml/2006/lockedCanvas" val="1"/>
+              <ma14:wrappingTextBoxFlag xmlns:lc="http://schemas.openxmlformats.org/drawingml/2006/lockedCanvas" xmlns:ma14="http://schemas.microsoft.com/office/mac/drawingml/2011/main" xmlns:a14="http://schemas.microsoft.com/office/drawing/2010/main" xmlns:m="http://schemas.openxmlformats.org/officeDocument/2006/math" xmlns="" val="1"/>
             </a:ext>
           </a:extLst>
         </p:spPr>
@@ -17219,7 +22670,7 @@
           </a:ln>
           <a:extLst>
             <a:ext uri="{C572A759-6A51-4108-AA02-DFA0A04FC94B}">
-              <ma14:wrappingTextBoxFlag xmlns="" xmlns:m="http://schemas.openxmlformats.org/officeDocument/2006/math" xmlns:a14="http://schemas.microsoft.com/office/drawing/2010/main" xmlns:ma14="http://schemas.microsoft.com/office/mac/drawingml/2011/main" xmlns:lc="http://schemas.openxmlformats.org/drawingml/2006/lockedCanvas" val="1"/>
+              <ma14:wrappingTextBoxFlag xmlns:lc="http://schemas.openxmlformats.org/drawingml/2006/lockedCanvas" xmlns:ma14="http://schemas.microsoft.com/office/mac/drawingml/2011/main" xmlns:a14="http://schemas.microsoft.com/office/drawing/2010/main" xmlns:m="http://schemas.openxmlformats.org/officeDocument/2006/math" xmlns="" val="1"/>
             </a:ext>
           </a:extLst>
         </p:spPr>
@@ -20996,25 +26447,7 @@
                           </a:solidFill>
                           <a:latin typeface="Cambria Math" panose="02040503050406030204" pitchFamily="18" charset="0"/>
                         </a:rPr>
-                        <m:t>,</m:t>
-                      </m:r>
-                      <m:r>
-                        <a:rPr lang="en-US" sz="2400" b="0" i="1" smtClean="0">
-                          <a:solidFill>
-                            <a:srgbClr val="000000"/>
-                          </a:solidFill>
-                          <a:latin typeface="Cambria Math" panose="02040503050406030204" pitchFamily="18" charset="0"/>
-                        </a:rPr>
-                        <m:t>0</m:t>
-                      </m:r>
-                      <m:r>
-                        <a:rPr lang="ar-AE" sz="2400" i="1">
-                          <a:solidFill>
-                            <a:srgbClr val="000000"/>
-                          </a:solidFill>
-                          <a:latin typeface="Cambria Math" panose="02040503050406030204" pitchFamily="18" charset="0"/>
-                        </a:rPr>
-                        <m:t>,</m:t>
+                        <m:t>,0,</m:t>
                       </m:r>
                       <m:r>
                         <a:rPr lang="ar-AE" sz="2400" i="1">
@@ -21032,16 +26465,7 @@
                           </a:solidFill>
                           <a:latin typeface="Cambria Math" panose="02040503050406030204" pitchFamily="18" charset="0"/>
                         </a:rPr>
-                        <m:t>)=−</m:t>
-                      </m:r>
-                      <m:r>
-                        <a:rPr lang="ar-AE" sz="2400" i="1">
-                          <a:solidFill>
-                            <a:srgbClr val="000000"/>
-                          </a:solidFill>
-                          <a:latin typeface="Cambria Math" panose="02040503050406030204" pitchFamily="18" charset="0"/>
-                        </a:rPr>
-                        <m:t>2</m:t>
+                        <m:t>)=−2</m:t>
                       </m:r>
                       <m:r>
                         <a:rPr lang="ar-AE" sz="2400" i="1">
@@ -21098,25 +26522,7 @@
                               </a:solidFill>
                               <a:latin typeface="Cambria Math" panose="02040503050406030204" pitchFamily="18" charset="0"/>
                             </a:rPr>
-                            <m:t>,</m:t>
-                          </m:r>
-                          <m:r>
-                            <a:rPr lang="en-US" sz="2400" b="0" i="1" smtClean="0">
-                              <a:solidFill>
-                                <a:srgbClr val="000000"/>
-                              </a:solidFill>
-                              <a:latin typeface="Cambria Math" panose="02040503050406030204" pitchFamily="18" charset="0"/>
-                            </a:rPr>
-                            <m:t>0</m:t>
-                          </m:r>
-                          <m:r>
-                            <a:rPr lang="ar-AE" sz="2400" i="1">
-                              <a:solidFill>
-                                <a:srgbClr val="000000"/>
-                              </a:solidFill>
-                              <a:latin typeface="Cambria Math" panose="02040503050406030204" pitchFamily="18" charset="0"/>
-                            </a:rPr>
-                            <m:t>,</m:t>
+                            <m:t>,0,</m:t>
                           </m:r>
                           <m:r>
                             <a:rPr lang="ar-AE" sz="2400" i="1">
@@ -21197,16 +26603,7 @@
                               </a:solidFill>
                               <a:latin typeface="Cambria Math" panose="02040503050406030204" pitchFamily="18" charset="0"/>
                             </a:rPr>
-                            <m:t>1</m:t>
-                          </m:r>
-                          <m:r>
-                            <a:rPr lang="ar-AE" sz="2400" i="1">
-                              <a:solidFill>
-                                <a:srgbClr val="000000"/>
-                              </a:solidFill>
-                              <a:latin typeface="Cambria Math" panose="02040503050406030204" pitchFamily="18" charset="0"/>
-                            </a:rPr>
-                            <m:t>−</m:t>
+                            <m:t>1−</m:t>
                           </m:r>
                           <m:sSub>
                             <m:sSubPr>
@@ -21902,16 +27299,7 @@
                           </a:solidFill>
                           <a:latin typeface="Cambria Math" panose="02040503050406030204" pitchFamily="18" charset="0"/>
                         </a:rPr>
-                        <m:t>)=−</m:t>
-                      </m:r>
-                      <m:r>
-                        <a:rPr lang="ar-AE" sz="2400" i="1">
-                          <a:solidFill>
-                            <a:srgbClr val="000000"/>
-                          </a:solidFill>
-                          <a:latin typeface="Cambria Math" panose="02040503050406030204" pitchFamily="18" charset="0"/>
-                        </a:rPr>
-                        <m:t>2</m:t>
+                        <m:t>)=−2</m:t>
                       </m:r>
                       <m:r>
                         <a:rPr lang="ar-AE" sz="2400" i="1">
@@ -22532,16 +27920,7 @@
                               </a:solidFill>
                               <a:latin typeface="Cambria Math" panose="02040503050406030204" pitchFamily="18" charset="0"/>
                             </a:rPr>
-                            <m:t>1</m:t>
-                          </m:r>
-                          <m:r>
-                            <a:rPr sz="2400" i="1">
-                              <a:solidFill>
-                                <a:srgbClr val="000000"/>
-                              </a:solidFill>
-                              <a:latin typeface="Cambria Math" panose="02040503050406030204" pitchFamily="18" charset="0"/>
-                            </a:rPr>
-                            <m:t>+</m:t>
+                            <m:t>1+</m:t>
                           </m:r>
                           <m:sSub>
                             <m:sSubPr>
@@ -22586,16 +27965,7 @@
                               </a:solidFill>
                               <a:latin typeface="Cambria Math" panose="02040503050406030204" pitchFamily="18" charset="0"/>
                             </a:rPr>
-                            <m:t>1</m:t>
-                          </m:r>
-                          <m:r>
-                            <a:rPr sz="2400" i="1">
-                              <a:solidFill>
-                                <a:srgbClr val="000000"/>
-                              </a:solidFill>
-                              <a:latin typeface="Cambria Math" panose="02040503050406030204" pitchFamily="18" charset="0"/>
-                            </a:rPr>
-                            <m:t>−</m:t>
+                            <m:t>1−</m:t>
                           </m:r>
                           <m:sSub>
                             <m:sSubPr>
@@ -23103,34 +28473,7 @@
                           </a:solidFill>
                           <a:latin typeface="Cambria Math" panose="02040503050406030204" pitchFamily="18" charset="0"/>
                         </a:rPr>
-                        <m:t>=−</m:t>
-                      </m:r>
-                      <m:r>
-                        <a:rPr lang="en-US" sz="2400" b="0" i="1" smtClean="0">
-                          <a:solidFill>
-                            <a:srgbClr val="000000"/>
-                          </a:solidFill>
-                          <a:latin typeface="Cambria Math" panose="02040503050406030204" pitchFamily="18" charset="0"/>
-                        </a:rPr>
-                        <m:t>1</m:t>
-                      </m:r>
-                      <m:r>
-                        <a:rPr lang="en-US" sz="2400" b="0" i="1" smtClean="0">
-                          <a:solidFill>
-                            <a:srgbClr val="000000"/>
-                          </a:solidFill>
-                          <a:latin typeface="Cambria Math" panose="02040503050406030204" pitchFamily="18" charset="0"/>
-                        </a:rPr>
-                        <m:t>.</m:t>
-                      </m:r>
-                      <m:r>
-                        <a:rPr lang="en-US" sz="2400" b="0" i="1" smtClean="0">
-                          <a:solidFill>
-                            <a:srgbClr val="000000"/>
-                          </a:solidFill>
-                          <a:latin typeface="Cambria Math" panose="02040503050406030204" pitchFamily="18" charset="0"/>
-                        </a:rPr>
-                        <m:t>440</m:t>
+                        <m:t>=−1.440</m:t>
                       </m:r>
                       <m:sSubSup>
                         <m:sSubSupPr>
@@ -23173,16 +28516,7 @@
                               </a:solidFill>
                               <a:latin typeface="Cambria Math" panose="02040503050406030204" pitchFamily="18" charset="0"/>
                             </a:rPr>
-                            <m:t>−</m:t>
-                          </m:r>
-                          <m:r>
-                            <a:rPr lang="en-US" altLang="ja-JP" sz="2400" b="0" i="1" smtClean="0">
-                              <a:solidFill>
-                                <a:srgbClr val="000000"/>
-                              </a:solidFill>
-                              <a:latin typeface="Cambria Math" panose="02040503050406030204" pitchFamily="18" charset="0"/>
-                            </a:rPr>
-                            <m:t>2</m:t>
+                            <m:t>−2</m:t>
                           </m:r>
                         </m:sup>
                       </m:sSubSup>
@@ -23193,34 +28527,7 @@
                           </a:solidFill>
                           <a:latin typeface="Cambria Math" panose="02040503050406030204" pitchFamily="18" charset="0"/>
                         </a:rPr>
-                        <m:t>+</m:t>
-                      </m:r>
-                      <m:r>
-                        <a:rPr lang="en-US" altLang="ja-JP" sz="2400" b="0" i="1" smtClean="0">
-                          <a:solidFill>
-                            <a:srgbClr val="000000"/>
-                          </a:solidFill>
-                          <a:latin typeface="Cambria Math" panose="02040503050406030204" pitchFamily="18" charset="0"/>
-                        </a:rPr>
-                        <m:t>0</m:t>
-                      </m:r>
-                      <m:r>
-                        <a:rPr lang="en-US" altLang="ja-JP" sz="2400" b="0" i="1" smtClean="0">
-                          <a:solidFill>
-                            <a:srgbClr val="000000"/>
-                          </a:solidFill>
-                          <a:latin typeface="Cambria Math" panose="02040503050406030204" pitchFamily="18" charset="0"/>
-                        </a:rPr>
-                        <m:t>.</m:t>
-                      </m:r>
-                      <m:r>
-                        <a:rPr lang="en-US" altLang="ja-JP" sz="2400" b="0" i="1" smtClean="0">
-                          <a:solidFill>
-                            <a:srgbClr val="000000"/>
-                          </a:solidFill>
-                          <a:latin typeface="Cambria Math" panose="02040503050406030204" pitchFamily="18" charset="0"/>
-                        </a:rPr>
-                        <m:t>710</m:t>
+                        <m:t>+0.710</m:t>
                       </m:r>
                       <m:sSubSup>
                         <m:sSubSupPr>
@@ -23265,49 +28572,7 @@
                         <a:rPr lang="en-US" altLang="ja-JP" sz="2400" b="0" i="1" smtClean="0">
                           <a:latin typeface="Cambria Math" panose="02040503050406030204" pitchFamily="18" charset="0"/>
                         </a:rPr>
-                        <m:t>+</m:t>
-                      </m:r>
-                      <m:r>
-                        <a:rPr lang="en-US" altLang="ja-JP" sz="2400" b="0" i="1" smtClean="0">
-                          <a:latin typeface="Cambria Math" panose="02040503050406030204" pitchFamily="18" charset="0"/>
-                        </a:rPr>
-                        <m:t>0</m:t>
-                      </m:r>
-                      <m:r>
-                        <a:rPr lang="en-US" altLang="ja-JP" sz="2400" b="0" i="1" smtClean="0">
-                          <a:latin typeface="Cambria Math" panose="02040503050406030204" pitchFamily="18" charset="0"/>
-                        </a:rPr>
-                        <m:t>.</m:t>
-                      </m:r>
-                      <m:r>
-                        <a:rPr lang="en-US" altLang="ja-JP" sz="2400" b="0" i="1" smtClean="0">
-                          <a:latin typeface="Cambria Math" panose="02040503050406030204" pitchFamily="18" charset="0"/>
-                        </a:rPr>
-                        <m:t>668</m:t>
-                      </m:r>
-                      <m:r>
-                        <a:rPr lang="en-US" altLang="ja-JP" sz="2400" b="0" i="1" smtClean="0">
-                          <a:latin typeface="Cambria Math" panose="02040503050406030204" pitchFamily="18" charset="0"/>
-                        </a:rPr>
-                        <m:t>+</m:t>
-                      </m:r>
-                      <m:r>
-                        <a:rPr lang="en-US" altLang="ja-JP" sz="2400" b="0" i="1" smtClean="0">
-                          <a:latin typeface="Cambria Math" panose="02040503050406030204" pitchFamily="18" charset="0"/>
-                        </a:rPr>
-                        <m:t>0</m:t>
-                      </m:r>
-                      <m:r>
-                        <a:rPr lang="en-US" altLang="ja-JP" sz="2400" b="0" i="1" smtClean="0">
-                          <a:latin typeface="Cambria Math" panose="02040503050406030204" pitchFamily="18" charset="0"/>
-                        </a:rPr>
-                        <m:t>.</m:t>
-                      </m:r>
-                      <m:r>
-                        <a:rPr lang="en-US" altLang="ja-JP" sz="2400" b="0" i="1" smtClean="0">
-                          <a:latin typeface="Cambria Math" panose="02040503050406030204" pitchFamily="18" charset="0"/>
-                        </a:rPr>
-                        <m:t>0636</m:t>
+                        <m:t>+0.668+0.0636</m:t>
                       </m:r>
                       <m:sSub>
                         <m:sSubPr>
@@ -23425,8 +28690,8 @@
           </a:p>
         </p:txBody>
       </p:sp>
-      <mc:AlternateContent xmlns:mc="http://schemas.openxmlformats.org/markup-compatibility/2006">
-        <mc:Choice xmlns:a14="http://schemas.microsoft.com/office/drawing/2010/main" Requires="a14">
+      <mc:AlternateContent xmlns:mc="http://schemas.openxmlformats.org/markup-compatibility/2006" xmlns:a14="http://schemas.microsoft.com/office/drawing/2010/main">
+        <mc:Choice Requires="a14">
           <p:sp>
             <p:nvSpPr>
               <p:cNvPr id="13" name="方程式">
@@ -23801,7 +29066,7 @@
             </p:txBody>
           </p:sp>
         </mc:Choice>
-        <mc:Fallback>
+        <mc:Fallback xmlns="">
           <p:sp>
             <p:nvSpPr>
               <p:cNvPr id="13" name="方程式">

--- a/slide/0519.pptx
+++ b/slide/0519.pptx
@@ -5,7 +5,7 @@
     <p:sldMasterId id="2147483648" r:id="rId1"/>
   </p:sldMasterIdLst>
   <p:notesMasterIdLst>
-    <p:notesMasterId r:id="rId20"/>
+    <p:notesMasterId r:id="rId22"/>
   </p:notesMasterIdLst>
   <p:sldIdLst>
     <p:sldId id="256" r:id="rId2"/>
@@ -26,6 +26,8 @@
     <p:sldId id="271" r:id="rId17"/>
     <p:sldId id="272" r:id="rId18"/>
     <p:sldId id="273" r:id="rId19"/>
+    <p:sldId id="274" r:id="rId20"/>
+    <p:sldId id="275" r:id="rId21"/>
   </p:sldIdLst>
   <p:sldSz cx="12192000" cy="6858000"/>
   <p:notesSz cx="6858000" cy="9144000"/>
@@ -214,7 +216,7 @@
           <a:p>
             <a:fld id="{438A1740-9A82-46DA-AD96-0DC60E5E9FA3}" type="datetimeFigureOut">
               <a:rPr kumimoji="1" lang="ja-JP" altLang="en-US" smtClean="0"/>
-              <a:t>2022/7/6</a:t>
+              <a:t>2022/7/12</a:t>
             </a:fld>
             <a:endParaRPr kumimoji="1" lang="ja-JP" altLang="en-US"/>
           </a:p>
@@ -1056,6 +1058,148 @@
     <p:extLst>
       <p:ext uri="{BB962C8B-B14F-4D97-AF65-F5344CB8AC3E}">
         <p14:creationId xmlns:p14="http://schemas.microsoft.com/office/powerpoint/2010/main" val="718273440"/>
+      </p:ext>
+    </p:extLst>
+  </p:cSld>
+  <p:clrMapOvr>
+    <a:masterClrMapping/>
+  </p:clrMapOvr>
+</p:notes>
+</file>
+
+<file path=ppt/notesSlides/notesSlide14.xml><?xml version="1.0" encoding="utf-8"?>
+<p:notes xmlns:a="http://schemas.openxmlformats.org/drawingml/2006/main" xmlns:r="http://schemas.openxmlformats.org/officeDocument/2006/relationships" xmlns:p="http://schemas.openxmlformats.org/presentationml/2006/main">
+  <p:cSld>
+    <p:spTree>
+      <p:nvGrpSpPr>
+        <p:cNvPr id="1" name=""/>
+        <p:cNvGrpSpPr/>
+        <p:nvPr/>
+      </p:nvGrpSpPr>
+      <p:grpSpPr>
+        <a:xfrm>
+          <a:off x="0" y="0"/>
+          <a:ext cx="0" cy="0"/>
+          <a:chOff x="0" y="0"/>
+          <a:chExt cx="0" cy="0"/>
+        </a:xfrm>
+      </p:grpSpPr>
+      <p:sp>
+        <p:nvSpPr>
+          <p:cNvPr id="2" name="スライド イメージ プレースホルダー 1"/>
+          <p:cNvSpPr>
+            <a:spLocks noGrp="1" noRot="1" noChangeAspect="1"/>
+          </p:cNvSpPr>
+          <p:nvPr>
+            <p:ph type="sldImg"/>
+          </p:nvPr>
+        </p:nvSpPr>
+        <p:spPr/>
+      </p:sp>
+      <p:sp>
+        <p:nvSpPr>
+          <p:cNvPr id="3" name="ノート プレースホルダー 2"/>
+          <p:cNvSpPr>
+            <a:spLocks noGrp="1"/>
+          </p:cNvSpPr>
+          <p:nvPr>
+            <p:ph type="body" idx="1"/>
+          </p:nvPr>
+        </p:nvSpPr>
+        <p:spPr/>
+        <p:txBody>
+          <a:bodyPr/>
+          <a:lstStyle/>
+          <a:p>
+            <a:r>
+              <a:rPr kumimoji="1" lang="ja-JP" altLang="en-US" dirty="0"/>
+              <a:t>散乱媒体内の光の吸収は次の</a:t>
+            </a:r>
+            <a:r>
+              <a:rPr kumimoji="1" lang="en-US" altLang="ja-JP" dirty="0"/>
+              <a:t>lambert</a:t>
+            </a:r>
+            <a:r>
+              <a:rPr kumimoji="1" lang="ja-JP" altLang="en-US" dirty="0"/>
+              <a:t>則に従う．</a:t>
+            </a:r>
+            <a:r>
+              <a:rPr kumimoji="1" lang="en-US" altLang="ja-JP" dirty="0"/>
+              <a:t>I</a:t>
+            </a:r>
+            <a:r>
+              <a:rPr kumimoji="1" lang="ja-JP" altLang="en-US" dirty="0"/>
+              <a:t>は出力光強度，</a:t>
+            </a:r>
+            <a:r>
+              <a:rPr kumimoji="1" lang="en-US" altLang="ja-JP" dirty="0"/>
+              <a:t>I0</a:t>
+            </a:r>
+            <a:r>
+              <a:rPr kumimoji="1" lang="ja-JP" altLang="en-US" dirty="0"/>
+              <a:t>は入力光強度，</a:t>
+            </a:r>
+            <a:r>
+              <a:rPr kumimoji="1" lang="en-US" altLang="ja-JP" dirty="0" err="1"/>
+              <a:t>μa</a:t>
+            </a:r>
+            <a:r>
+              <a:rPr kumimoji="1" lang="ja-JP" altLang="en-US" dirty="0"/>
+              <a:t>じゃ吸収係数</a:t>
+            </a:r>
+            <a:r>
+              <a:rPr kumimoji="1" lang="en-US" altLang="ja-JP" dirty="0"/>
+              <a:t>L</a:t>
+            </a:r>
+            <a:r>
+              <a:rPr kumimoji="1" lang="ja-JP" altLang="en-US" dirty="0"/>
+              <a:t>は媒体内の光路長</a:t>
+            </a:r>
+            <a:endParaRPr kumimoji="1" lang="en-US" altLang="ja-JP" dirty="0"/>
+          </a:p>
+          <a:p>
+            <a:r>
+              <a:rPr kumimoji="1" lang="ja-JP" altLang="en-US" dirty="0"/>
+              <a:t>散乱媒体内の屈折率が一定であるとすると，媒体内の光速は一定だから，時刻</a:t>
+            </a:r>
+            <a:r>
+              <a:rPr kumimoji="1" lang="en-US" altLang="ja-JP" dirty="0"/>
+              <a:t>t</a:t>
+            </a:r>
+            <a:r>
+              <a:rPr kumimoji="1" lang="ja-JP" altLang="en-US" dirty="0"/>
+              <a:t>が決まると光路長が決まる．参照媒体と測定媒体の吸収係数の差が小さいとき，</a:t>
+            </a:r>
+          </a:p>
+        </p:txBody>
+      </p:sp>
+      <p:sp>
+        <p:nvSpPr>
+          <p:cNvPr id="4" name="スライド番号プレースホルダー 3"/>
+          <p:cNvSpPr>
+            <a:spLocks noGrp="1"/>
+          </p:cNvSpPr>
+          <p:nvPr>
+            <p:ph type="sldNum" sz="quarter" idx="5"/>
+          </p:nvPr>
+        </p:nvSpPr>
+        <p:spPr/>
+        <p:txBody>
+          <a:bodyPr/>
+          <a:lstStyle/>
+          <a:p>
+            <a:fld id="{EF7C5CA3-E3F9-4CDC-A2DC-589CC3C7528D}" type="slidenum">
+              <a:rPr kumimoji="1" lang="ja-JP" altLang="en-US" smtClean="0"/>
+              <a:t>20</a:t>
+            </a:fld>
+            <a:endParaRPr kumimoji="1" lang="ja-JP" altLang="en-US"/>
+          </a:p>
+        </p:txBody>
+      </p:sp>
+    </p:spTree>
+    <p:extLst>
+      <p:ext uri="{BB962C8B-B14F-4D97-AF65-F5344CB8AC3E}">
+        <p14:creationId xmlns:p14="http://schemas.microsoft.com/office/powerpoint/2010/main" val="224669603"/>
       </p:ext>
     </p:extLst>
   </p:cSld>
@@ -2134,7 +2278,7 @@
           <a:p>
             <a:fld id="{C801310E-4C28-4D51-ADB4-8E3E74A70742}" type="datetimeFigureOut">
               <a:rPr kumimoji="1" lang="ja-JP" altLang="en-US" smtClean="0"/>
-              <a:t>2022/7/6</a:t>
+              <a:t>2022/7/12</a:t>
             </a:fld>
             <a:endParaRPr kumimoji="1" lang="ja-JP" altLang="en-US"/>
           </a:p>
@@ -2364,7 +2508,7 @@
           <a:p>
             <a:fld id="{C801310E-4C28-4D51-ADB4-8E3E74A70742}" type="datetimeFigureOut">
               <a:rPr kumimoji="1" lang="ja-JP" altLang="en-US" smtClean="0"/>
-              <a:t>2022/7/6</a:t>
+              <a:t>2022/7/12</a:t>
             </a:fld>
             <a:endParaRPr kumimoji="1" lang="ja-JP" altLang="en-US"/>
           </a:p>
@@ -2604,7 +2748,7 @@
           <a:p>
             <a:fld id="{C801310E-4C28-4D51-ADB4-8E3E74A70742}" type="datetimeFigureOut">
               <a:rPr kumimoji="1" lang="ja-JP" altLang="en-US" smtClean="0"/>
-              <a:t>2022/7/6</a:t>
+              <a:t>2022/7/12</a:t>
             </a:fld>
             <a:endParaRPr kumimoji="1" lang="ja-JP" altLang="en-US"/>
           </a:p>
@@ -2834,7 +2978,7 @@
           <a:p>
             <a:fld id="{C801310E-4C28-4D51-ADB4-8E3E74A70742}" type="datetimeFigureOut">
               <a:rPr kumimoji="1" lang="ja-JP" altLang="en-US" smtClean="0"/>
-              <a:t>2022/7/6</a:t>
+              <a:t>2022/7/12</a:t>
             </a:fld>
             <a:endParaRPr kumimoji="1" lang="ja-JP" altLang="en-US"/>
           </a:p>
@@ -3109,7 +3253,7 @@
           <a:p>
             <a:fld id="{C801310E-4C28-4D51-ADB4-8E3E74A70742}" type="datetimeFigureOut">
               <a:rPr kumimoji="1" lang="ja-JP" altLang="en-US" smtClean="0"/>
-              <a:t>2022/7/6</a:t>
+              <a:t>2022/7/12</a:t>
             </a:fld>
             <a:endParaRPr kumimoji="1" lang="ja-JP" altLang="en-US"/>
           </a:p>
@@ -3438,7 +3582,7 @@
           <a:p>
             <a:fld id="{C801310E-4C28-4D51-ADB4-8E3E74A70742}" type="datetimeFigureOut">
               <a:rPr kumimoji="1" lang="ja-JP" altLang="en-US" smtClean="0"/>
-              <a:t>2022/7/6</a:t>
+              <a:t>2022/7/12</a:t>
             </a:fld>
             <a:endParaRPr kumimoji="1" lang="ja-JP" altLang="en-US"/>
           </a:p>
@@ -3914,7 +4058,7 @@
           <a:p>
             <a:fld id="{C801310E-4C28-4D51-ADB4-8E3E74A70742}" type="datetimeFigureOut">
               <a:rPr kumimoji="1" lang="ja-JP" altLang="en-US" smtClean="0"/>
-              <a:t>2022/7/6</a:t>
+              <a:t>2022/7/12</a:t>
             </a:fld>
             <a:endParaRPr kumimoji="1" lang="ja-JP" altLang="en-US"/>
           </a:p>
@@ -4055,7 +4199,7 @@
           <a:p>
             <a:fld id="{C801310E-4C28-4D51-ADB4-8E3E74A70742}" type="datetimeFigureOut">
               <a:rPr kumimoji="1" lang="ja-JP" altLang="en-US" smtClean="0"/>
-              <a:t>2022/7/6</a:t>
+              <a:t>2022/7/12</a:t>
             </a:fld>
             <a:endParaRPr kumimoji="1" lang="ja-JP" altLang="en-US"/>
           </a:p>
@@ -4168,7 +4312,7 @@
           <a:p>
             <a:fld id="{C801310E-4C28-4D51-ADB4-8E3E74A70742}" type="datetimeFigureOut">
               <a:rPr kumimoji="1" lang="ja-JP" altLang="en-US" smtClean="0"/>
-              <a:t>2022/7/6</a:t>
+              <a:t>2022/7/12</a:t>
             </a:fld>
             <a:endParaRPr kumimoji="1" lang="ja-JP" altLang="en-US"/>
           </a:p>
@@ -4511,7 +4655,7 @@
           <a:p>
             <a:fld id="{C801310E-4C28-4D51-ADB4-8E3E74A70742}" type="datetimeFigureOut">
               <a:rPr kumimoji="1" lang="ja-JP" altLang="en-US" smtClean="0"/>
-              <a:t>2022/7/6</a:t>
+              <a:t>2022/7/12</a:t>
             </a:fld>
             <a:endParaRPr kumimoji="1" lang="ja-JP" altLang="en-US"/>
           </a:p>
@@ -4799,7 +4943,7 @@
           <a:p>
             <a:fld id="{C801310E-4C28-4D51-ADB4-8E3E74A70742}" type="datetimeFigureOut">
               <a:rPr kumimoji="1" lang="ja-JP" altLang="en-US" smtClean="0"/>
-              <a:t>2022/7/6</a:t>
+              <a:t>2022/7/12</a:t>
             </a:fld>
             <a:endParaRPr kumimoji="1" lang="ja-JP" altLang="en-US"/>
           </a:p>
@@ -5072,7 +5216,7 @@
           <a:p>
             <a:fld id="{C801310E-4C28-4D51-ADB4-8E3E74A70742}" type="datetimeFigureOut">
               <a:rPr kumimoji="1" lang="ja-JP" altLang="en-US" smtClean="0"/>
-              <a:t>2022/7/6</a:t>
+              <a:t>2022/7/12</a:t>
             </a:fld>
             <a:endParaRPr kumimoji="1" lang="ja-JP" altLang="en-US"/>
           </a:p>
@@ -5611,8 +5755,8 @@
           </a:p>
         </p:txBody>
       </p:sp>
-      <mc:AlternateContent xmlns:mc="http://schemas.openxmlformats.org/markup-compatibility/2006">
-        <mc:Choice xmlns:a14="http://schemas.microsoft.com/office/drawing/2010/main" Requires="a14">
+      <mc:AlternateContent xmlns:mc="http://schemas.openxmlformats.org/markup-compatibility/2006" xmlns:a14="http://schemas.microsoft.com/office/drawing/2010/main">
+        <mc:Choice Requires="a14">
           <p:sp>
             <p:nvSpPr>
               <p:cNvPr id="4" name="方程式">
@@ -6299,7 +6443,7 @@
             </p:txBody>
           </p:sp>
         </mc:Choice>
-        <mc:Fallback>
+        <mc:Fallback xmlns="">
           <p:sp>
             <p:nvSpPr>
               <p:cNvPr id="4" name="方程式">
@@ -7243,8 +7387,8 @@
           </a:p>
         </p:txBody>
       </p:sp>
-      <mc:AlternateContent xmlns:mc="http://schemas.openxmlformats.org/markup-compatibility/2006">
-        <mc:Choice xmlns:a14="http://schemas.microsoft.com/office/drawing/2010/main" Requires="a14">
+      <mc:AlternateContent xmlns:mc="http://schemas.openxmlformats.org/markup-compatibility/2006" xmlns:a14="http://schemas.microsoft.com/office/drawing/2010/main">
+        <mc:Choice Requires="a14">
           <p:sp>
             <p:nvSpPr>
               <p:cNvPr id="8" name="方程式">
@@ -7692,7 +7836,16 @@
                                   </a:solidFill>
                                   <a:latin typeface="Cambria Math" panose="02040503050406030204" pitchFamily="18" charset="0"/>
                                 </a:rPr>
-                                <m:t>+1</m:t>
+                                <m:t>+</m:t>
+                              </m:r>
+                              <m:r>
+                                <a:rPr lang="en-US" altLang="ja-JP" sz="2000" b="0" i="1" smtClean="0">
+                                  <a:solidFill>
+                                    <a:srgbClr val="000000"/>
+                                  </a:solidFill>
+                                  <a:latin typeface="Cambria Math" panose="02040503050406030204" pitchFamily="18" charset="0"/>
+                                </a:rPr>
+                                <m:t>1</m:t>
                               </m:r>
                             </m:sup>
                           </m:sSubSup>
@@ -7830,7 +7983,13 @@
                                 <a:rPr lang="en-US" altLang="ja-JP" sz="2000" b="0" i="1" smtClean="0">
                                   <a:latin typeface="Cambria Math" panose="02040503050406030204" pitchFamily="18" charset="0"/>
                                 </a:rPr>
-                                <m:t>+1</m:t>
+                                <m:t>+</m:t>
+                              </m:r>
+                              <m:r>
+                                <a:rPr lang="en-US" altLang="ja-JP" sz="2000" b="0" i="1" smtClean="0">
+                                  <a:latin typeface="Cambria Math" panose="02040503050406030204" pitchFamily="18" charset="0"/>
+                                </a:rPr>
+                                <m:t>1</m:t>
                               </m:r>
                               <m:r>
                                 <a:rPr lang="en-US" altLang="ja-JP" sz="2000" i="1">
@@ -7858,7 +8017,13 @@
                             <a:rPr lang="en-US" altLang="ja-JP" sz="2000" b="0" i="1" smtClean="0">
                               <a:latin typeface="Cambria Math" panose="02040503050406030204" pitchFamily="18" charset="0"/>
                             </a:rPr>
-                            <m:t>−2</m:t>
+                            <m:t>−</m:t>
+                          </m:r>
+                          <m:r>
+                            <a:rPr lang="en-US" altLang="ja-JP" sz="2000" b="0" i="1" smtClean="0">
+                              <a:latin typeface="Cambria Math" panose="02040503050406030204" pitchFamily="18" charset="0"/>
+                            </a:rPr>
+                            <m:t>2</m:t>
                           </m:r>
                           <m:sSubSup>
                             <m:sSubSupPr>
@@ -7938,7 +8103,13 @@
                                 <a:rPr lang="en-US" altLang="ja-JP" sz="2000" b="0" i="1" smtClean="0">
                                   <a:latin typeface="Cambria Math" panose="02040503050406030204" pitchFamily="18" charset="0"/>
                                 </a:rPr>
-                                <m:t>−1</m:t>
+                                <m:t>−</m:t>
+                              </m:r>
+                              <m:r>
+                                <a:rPr lang="en-US" altLang="ja-JP" sz="2000" b="0" i="1" smtClean="0">
+                                  <a:latin typeface="Cambria Math" panose="02040503050406030204" pitchFamily="18" charset="0"/>
+                                </a:rPr>
+                                <m:t>1</m:t>
                               </m:r>
                               <m:r>
                                 <a:rPr lang="en-US" altLang="ja-JP" sz="2000" i="1">
@@ -8052,7 +8223,13 @@
                                 <a:rPr lang="en-US" altLang="ja-JP" sz="2000" b="0" i="1" smtClean="0">
                                   <a:latin typeface="Cambria Math" panose="02040503050406030204" pitchFamily="18" charset="0"/>
                                 </a:rPr>
-                                <m:t>+1</m:t>
+                                <m:t>+</m:t>
+                              </m:r>
+                              <m:r>
+                                <a:rPr lang="en-US" altLang="ja-JP" sz="2000" b="0" i="1" smtClean="0">
+                                  <a:latin typeface="Cambria Math" panose="02040503050406030204" pitchFamily="18" charset="0"/>
+                                </a:rPr>
+                                <m:t>1</m:t>
                               </m:r>
                             </m:sub>
                             <m:sup>
@@ -8068,7 +8245,13 @@
                             <a:rPr lang="en-US" altLang="ja-JP" sz="2000" i="1">
                               <a:latin typeface="Cambria Math" panose="02040503050406030204" pitchFamily="18" charset="0"/>
                             </a:rPr>
-                            <m:t>−2</m:t>
+                            <m:t>−</m:t>
+                          </m:r>
+                          <m:r>
+                            <a:rPr lang="en-US" altLang="ja-JP" sz="2000" i="1">
+                              <a:latin typeface="Cambria Math" panose="02040503050406030204" pitchFamily="18" charset="0"/>
+                            </a:rPr>
+                            <m:t>2</m:t>
                           </m:r>
                           <m:sSubSup>
                             <m:sSubSupPr>
@@ -8160,7 +8343,13 @@
                                 <a:rPr lang="en-US" altLang="ja-JP" sz="2000" b="0" i="1" smtClean="0">
                                   <a:latin typeface="Cambria Math" panose="02040503050406030204" pitchFamily="18" charset="0"/>
                                 </a:rPr>
-                                <m:t>−1</m:t>
+                                <m:t>−</m:t>
+                              </m:r>
+                              <m:r>
+                                <a:rPr lang="en-US" altLang="ja-JP" sz="2000" b="0" i="1" smtClean="0">
+                                  <a:latin typeface="Cambria Math" panose="02040503050406030204" pitchFamily="18" charset="0"/>
+                                </a:rPr>
+                                <m:t>1</m:t>
                               </m:r>
                             </m:sub>
                             <m:sup>
@@ -8324,7 +8513,7 @@
             </p:txBody>
           </p:sp>
         </mc:Choice>
-        <mc:Fallback>
+        <mc:Fallback xmlns="">
           <p:sp>
             <p:nvSpPr>
               <p:cNvPr id="8" name="方程式">
@@ -8469,7 +8658,16 @@
                             </a:solidFill>
                             <a:latin typeface="Cambria Math" panose="02040503050406030204" pitchFamily="18" charset="0"/>
                           </a:rPr>
-                          <m:t>+1</m:t>
+                          <m:t>+</m:t>
+                        </m:r>
+                        <m:r>
+                          <a:rPr lang="en-US" altLang="ja-JP" i="1">
+                            <a:solidFill>
+                              <a:srgbClr val="000000"/>
+                            </a:solidFill>
+                            <a:latin typeface="Cambria Math" panose="02040503050406030204" pitchFamily="18" charset="0"/>
+                          </a:rPr>
+                          <m:t>1</m:t>
                         </m:r>
                       </m:sup>
                     </m:sSubSup>
@@ -8534,8 +8732,8 @@
           </p:sp>
         </mc:Fallback>
       </mc:AlternateContent>
-      <mc:AlternateContent xmlns:mc="http://schemas.openxmlformats.org/markup-compatibility/2006">
-        <mc:Choice xmlns:a14="http://schemas.microsoft.com/office/drawing/2010/main" Requires="a14">
+      <mc:AlternateContent xmlns:mc="http://schemas.openxmlformats.org/markup-compatibility/2006" xmlns:a14="http://schemas.microsoft.com/office/drawing/2010/main">
+        <mc:Choice Requires="a14">
           <p:sp>
             <p:nvSpPr>
               <p:cNvPr id="11" name="方程式">
@@ -8919,7 +9117,13 @@
                             <a:rPr lang="en-US" altLang="ja-JP" sz="2000" i="1">
                               <a:latin typeface="Cambria Math" panose="02040503050406030204" pitchFamily="18" charset="0"/>
                             </a:rPr>
-                            <m:t>+1</m:t>
+                            <m:t>+</m:t>
+                          </m:r>
+                          <m:r>
+                            <a:rPr lang="en-US" altLang="ja-JP" sz="2000" i="1">
+                              <a:latin typeface="Cambria Math" panose="02040503050406030204" pitchFamily="18" charset="0"/>
+                            </a:rPr>
+                            <m:t>1</m:t>
                           </m:r>
                         </m:sup>
                       </m:sSubSup>
@@ -9014,7 +9218,13 @@
                                     <a:rPr lang="en-US" altLang="ja-JP" sz="2000" b="0" i="1" smtClean="0">
                                       <a:latin typeface="Cambria Math" panose="02040503050406030204" pitchFamily="18" charset="0"/>
                                     </a:rPr>
-                                    <m:t>+1</m:t>
+                                    <m:t>+</m:t>
+                                  </m:r>
+                                  <m:r>
+                                    <a:rPr lang="en-US" altLang="ja-JP" sz="2000" b="0" i="1" smtClean="0">
+                                      <a:latin typeface="Cambria Math" panose="02040503050406030204" pitchFamily="18" charset="0"/>
+                                    </a:rPr>
+                                    <m:t>1</m:t>
                                   </m:r>
                                   <m:r>
                                     <a:rPr lang="en-US" altLang="ja-JP" sz="2000" i="1">
@@ -9042,7 +9252,13 @@
                                 <a:rPr lang="en-US" altLang="ja-JP" sz="2000" b="0" i="1" smtClean="0">
                                   <a:latin typeface="Cambria Math" panose="02040503050406030204" pitchFamily="18" charset="0"/>
                                 </a:rPr>
-                                <m:t>−2</m:t>
+                                <m:t>−</m:t>
+                              </m:r>
+                              <m:r>
+                                <a:rPr lang="en-US" altLang="ja-JP" sz="2000" b="0" i="1" smtClean="0">
+                                  <a:latin typeface="Cambria Math" panose="02040503050406030204" pitchFamily="18" charset="0"/>
+                                </a:rPr>
+                                <m:t>2</m:t>
                               </m:r>
                               <m:sSubSup>
                                 <m:sSubSupPr>
@@ -9122,7 +9338,13 @@
                                     <a:rPr lang="en-US" altLang="ja-JP" sz="2000" b="0" i="1" smtClean="0">
                                       <a:latin typeface="Cambria Math" panose="02040503050406030204" pitchFamily="18" charset="0"/>
                                     </a:rPr>
-                                    <m:t>−1</m:t>
+                                    <m:t>−</m:t>
+                                  </m:r>
+                                  <m:r>
+                                    <a:rPr lang="en-US" altLang="ja-JP" sz="2000" b="0" i="1" smtClean="0">
+                                      <a:latin typeface="Cambria Math" panose="02040503050406030204" pitchFamily="18" charset="0"/>
+                                    </a:rPr>
+                                    <m:t>1</m:t>
                                   </m:r>
                                   <m:r>
                                     <a:rPr lang="en-US" altLang="ja-JP" sz="2000" i="1">
@@ -9236,7 +9458,13 @@
                                     <a:rPr lang="en-US" altLang="ja-JP" sz="2000" b="0" i="1" smtClean="0">
                                       <a:latin typeface="Cambria Math" panose="02040503050406030204" pitchFamily="18" charset="0"/>
                                     </a:rPr>
-                                    <m:t>+1</m:t>
+                                    <m:t>+</m:t>
+                                  </m:r>
+                                  <m:r>
+                                    <a:rPr lang="en-US" altLang="ja-JP" sz="2000" b="0" i="1" smtClean="0">
+                                      <a:latin typeface="Cambria Math" panose="02040503050406030204" pitchFamily="18" charset="0"/>
+                                    </a:rPr>
+                                    <m:t>1</m:t>
                                   </m:r>
                                 </m:sub>
                                 <m:sup>
@@ -9252,7 +9480,13 @@
                                 <a:rPr lang="en-US" altLang="ja-JP" sz="2000" i="1">
                                   <a:latin typeface="Cambria Math" panose="02040503050406030204" pitchFamily="18" charset="0"/>
                                 </a:rPr>
-                                <m:t>−2</m:t>
+                                <m:t>−</m:t>
+                              </m:r>
+                              <m:r>
+                                <a:rPr lang="en-US" altLang="ja-JP" sz="2000" i="1">
+                                  <a:latin typeface="Cambria Math" panose="02040503050406030204" pitchFamily="18" charset="0"/>
+                                </a:rPr>
+                                <m:t>2</m:t>
                               </m:r>
                               <m:sSubSup>
                                 <m:sSubSupPr>
@@ -9344,7 +9578,13 @@
                                     <a:rPr lang="en-US" altLang="ja-JP" sz="2000" b="0" i="1" smtClean="0">
                                       <a:latin typeface="Cambria Math" panose="02040503050406030204" pitchFamily="18" charset="0"/>
                                     </a:rPr>
-                                    <m:t>−1</m:t>
+                                    <m:t>−</m:t>
+                                  </m:r>
+                                  <m:r>
+                                    <a:rPr lang="en-US" altLang="ja-JP" sz="2000" b="0" i="1" smtClean="0">
+                                      <a:latin typeface="Cambria Math" panose="02040503050406030204" pitchFamily="18" charset="0"/>
+                                    </a:rPr>
+                                    <m:t>1</m:t>
                                   </m:r>
                                 </m:sub>
                                 <m:sup>
@@ -9475,7 +9715,19 @@
                         <a:rPr lang="en-US" altLang="ja-JP" sz="2000" b="0" i="1" smtClean="0">
                           <a:latin typeface="Cambria Math" panose="02040503050406030204" pitchFamily="18" charset="0"/>
                         </a:rPr>
-                        <m:t>−1)</m:t>
+                        <m:t>−</m:t>
+                      </m:r>
+                      <m:r>
+                        <a:rPr lang="en-US" altLang="ja-JP" sz="2000" b="0" i="1" smtClean="0">
+                          <a:latin typeface="Cambria Math" panose="02040503050406030204" pitchFamily="18" charset="0"/>
+                        </a:rPr>
+                        <m:t>1</m:t>
+                      </m:r>
+                      <m:r>
+                        <a:rPr lang="en-US" altLang="ja-JP" sz="2000" b="0" i="1" smtClean="0">
+                          <a:latin typeface="Cambria Math" panose="02040503050406030204" pitchFamily="18" charset="0"/>
+                        </a:rPr>
+                        <m:t>)</m:t>
                       </m:r>
                       <m:sSubSup>
                         <m:sSubSupPr>
@@ -9530,7 +9782,7 @@
             </p:txBody>
           </p:sp>
         </mc:Choice>
-        <mc:Fallback>
+        <mc:Fallback xmlns="">
           <p:sp>
             <p:nvSpPr>
               <p:cNvPr id="11" name="方程式">
@@ -10250,7 +10502,25 @@
                           </a:solidFill>
                           <a:latin typeface="Cambria Math" panose="02040503050406030204" pitchFamily="18" charset="0"/>
                         </a:rPr>
-                        <m:t>,0,</m:t>
+                        <m:t>,</m:t>
+                      </m:r>
+                      <m:r>
+                        <a:rPr lang="en-US" sz="2400" b="0" i="1" smtClean="0">
+                          <a:solidFill>
+                            <a:srgbClr val="000000"/>
+                          </a:solidFill>
+                          <a:latin typeface="Cambria Math" panose="02040503050406030204" pitchFamily="18" charset="0"/>
+                        </a:rPr>
+                        <m:t>0</m:t>
+                      </m:r>
+                      <m:r>
+                        <a:rPr lang="en-US" sz="2400" b="0" i="1" smtClean="0">
+                          <a:solidFill>
+                            <a:srgbClr val="000000"/>
+                          </a:solidFill>
+                          <a:latin typeface="Cambria Math" panose="02040503050406030204" pitchFamily="18" charset="0"/>
+                        </a:rPr>
+                        <m:t>,</m:t>
                       </m:r>
                       <m:r>
                         <a:rPr lang="ar-AE" sz="2400" i="1">
@@ -10268,7 +10538,16 @@
                           </a:solidFill>
                           <a:latin typeface="Cambria Math" panose="02040503050406030204" pitchFamily="18" charset="0"/>
                         </a:rPr>
-                        <m:t>)=−2</m:t>
+                        <m:t>)=−</m:t>
+                      </m:r>
+                      <m:r>
+                        <a:rPr lang="ar-AE" sz="2400" i="1">
+                          <a:solidFill>
+                            <a:srgbClr val="000000"/>
+                          </a:solidFill>
+                          <a:latin typeface="Cambria Math" panose="02040503050406030204" pitchFamily="18" charset="0"/>
+                        </a:rPr>
+                        <m:t>2</m:t>
                       </m:r>
                       <m:r>
                         <a:rPr lang="ar-AE" sz="2400" i="1">
@@ -10325,7 +10604,25 @@
                               </a:solidFill>
                               <a:latin typeface="Cambria Math" panose="02040503050406030204" pitchFamily="18" charset="0"/>
                             </a:rPr>
-                            <m:t>,0,</m:t>
+                            <m:t>,</m:t>
+                          </m:r>
+                          <m:r>
+                            <a:rPr lang="en-US" sz="2400" b="0" i="1" smtClean="0">
+                              <a:solidFill>
+                                <a:srgbClr val="000000"/>
+                              </a:solidFill>
+                              <a:latin typeface="Cambria Math" panose="02040503050406030204" pitchFamily="18" charset="0"/>
+                            </a:rPr>
+                            <m:t>0</m:t>
+                          </m:r>
+                          <m:r>
+                            <a:rPr lang="en-US" sz="2400" b="0" i="1" smtClean="0">
+                              <a:solidFill>
+                                <a:srgbClr val="000000"/>
+                              </a:solidFill>
+                              <a:latin typeface="Cambria Math" panose="02040503050406030204" pitchFamily="18" charset="0"/>
+                            </a:rPr>
+                            <m:t>,</m:t>
                           </m:r>
                           <m:r>
                             <a:rPr lang="ar-AE" sz="2400" i="1">
@@ -10406,7 +10703,16 @@
                               </a:solidFill>
                               <a:latin typeface="Cambria Math" panose="02040503050406030204" pitchFamily="18" charset="0"/>
                             </a:rPr>
-                            <m:t>1−</m:t>
+                            <m:t>1</m:t>
+                          </m:r>
+                          <m:r>
+                            <a:rPr lang="ar-AE" sz="2400" i="1">
+                              <a:solidFill>
+                                <a:srgbClr val="000000"/>
+                              </a:solidFill>
+                              <a:latin typeface="Cambria Math" panose="02040503050406030204" pitchFamily="18" charset="0"/>
+                            </a:rPr>
+                            <m:t>−</m:t>
                           </m:r>
                           <m:sSub>
                             <m:sSubPr>
@@ -10997,7 +11303,13 @@
                             <a:rPr lang="en-US" altLang="ja-JP" sz="2400" i="1">
                               <a:latin typeface="Cambria Math" panose="02040503050406030204" pitchFamily="18" charset="0"/>
                             </a:rPr>
-                            <m:t>,1</m:t>
+                            <m:t>,</m:t>
+                          </m:r>
+                          <m:r>
+                            <a:rPr lang="en-US" altLang="ja-JP" sz="2400" i="1">
+                              <a:latin typeface="Cambria Math" panose="02040503050406030204" pitchFamily="18" charset="0"/>
+                            </a:rPr>
+                            <m:t>1</m:t>
                           </m:r>
                         </m:sub>
                         <m:sup>
@@ -11016,7 +11328,16 @@
                           </a:solidFill>
                           <a:latin typeface="Cambria Math" panose="02040503050406030204" pitchFamily="18" charset="0"/>
                         </a:rPr>
-                        <m:t>=−2</m:t>
+                        <m:t>=−</m:t>
+                      </m:r>
+                      <m:r>
+                        <a:rPr lang="ar-AE" sz="2400" i="1">
+                          <a:solidFill>
+                            <a:srgbClr val="000000"/>
+                          </a:solidFill>
+                          <a:latin typeface="Cambria Math" panose="02040503050406030204" pitchFamily="18" charset="0"/>
+                        </a:rPr>
+                        <m:t>2</m:t>
                       </m:r>
                       <m:r>
                         <a:rPr lang="ar-AE" sz="2400" i="1">
@@ -11066,7 +11387,13 @@
                                 <a:rPr lang="en-US" altLang="ja-JP" sz="2400" i="1">
                                   <a:latin typeface="Cambria Math" panose="02040503050406030204" pitchFamily="18" charset="0"/>
                                 </a:rPr>
-                                <m:t>,1</m:t>
+                                <m:t>,</m:t>
+                              </m:r>
+                              <m:r>
+                                <a:rPr lang="en-US" altLang="ja-JP" sz="2400" i="1">
+                                  <a:latin typeface="Cambria Math" panose="02040503050406030204" pitchFamily="18" charset="0"/>
+                                </a:rPr>
+                                <m:t>1</m:t>
                               </m:r>
                             </m:sub>
                             <m:sup>
@@ -11111,7 +11438,13 @@
                                 <a:rPr lang="en-US" altLang="ja-JP" sz="2400" i="1">
                                   <a:latin typeface="Cambria Math" panose="02040503050406030204" pitchFamily="18" charset="0"/>
                                 </a:rPr>
-                                <m:t>,2</m:t>
+                                <m:t>,</m:t>
+                              </m:r>
+                              <m:r>
+                                <a:rPr lang="en-US" altLang="ja-JP" sz="2400" i="1">
+                                  <a:latin typeface="Cambria Math" panose="02040503050406030204" pitchFamily="18" charset="0"/>
+                                </a:rPr>
+                                <m:t>2</m:t>
                               </m:r>
                             </m:sub>
                             <m:sup>
@@ -11186,7 +11519,16 @@
                               </a:solidFill>
                               <a:latin typeface="Cambria Math" panose="02040503050406030204" pitchFamily="18" charset="0"/>
                             </a:rPr>
-                            <m:t>1−</m:t>
+                            <m:t>1</m:t>
+                          </m:r>
+                          <m:r>
+                            <a:rPr lang="ar-AE" sz="2400" i="1">
+                              <a:solidFill>
+                                <a:srgbClr val="000000"/>
+                              </a:solidFill>
+                              <a:latin typeface="Cambria Math" panose="02040503050406030204" pitchFamily="18" charset="0"/>
+                            </a:rPr>
+                            <m:t>−</m:t>
                           </m:r>
                           <m:sSub>
                             <m:sSubPr>
@@ -11399,7 +11741,25 @@
                         </a:solidFill>
                         <a:latin typeface="Cambria Math" panose="02040503050406030204" pitchFamily="18" charset="0"/>
                       </a:rPr>
-                      <m:t>,0,</m:t>
+                      <m:t>,</m:t>
+                    </m:r>
+                    <m:r>
+                      <a:rPr lang="en-US" altLang="ja-JP" i="1">
+                        <a:solidFill>
+                          <a:srgbClr val="000000"/>
+                        </a:solidFill>
+                        <a:latin typeface="Cambria Math" panose="02040503050406030204" pitchFamily="18" charset="0"/>
+                      </a:rPr>
+                      <m:t>0</m:t>
+                    </m:r>
+                    <m:r>
+                      <a:rPr lang="en-US" altLang="ja-JP" i="1">
+                        <a:solidFill>
+                          <a:srgbClr val="000000"/>
+                        </a:solidFill>
+                        <a:latin typeface="Cambria Math" panose="02040503050406030204" pitchFamily="18" charset="0"/>
+                      </a:rPr>
+                      <m:t>,</m:t>
                     </m:r>
                     <m:r>
                       <a:rPr lang="ar-AE" altLang="ja-JP" i="1">
@@ -11466,7 +11826,16 @@
                             </a:solidFill>
                             <a:latin typeface="Cambria Math" panose="02040503050406030204" pitchFamily="18" charset="0"/>
                           </a:rPr>
-                          <m:t>,1</m:t>
+                          <m:t>,</m:t>
+                        </m:r>
+                        <m:r>
+                          <a:rPr lang="en-US" altLang="ja-JP" b="0" i="1" smtClean="0">
+                            <a:solidFill>
+                              <a:srgbClr val="000000"/>
+                            </a:solidFill>
+                            <a:latin typeface="Cambria Math" panose="02040503050406030204" pitchFamily="18" charset="0"/>
+                          </a:rPr>
+                          <m:t>1</m:t>
                         </m:r>
                       </m:sub>
                       <m:sup>
@@ -11524,7 +11893,25 @@
                         </a:solidFill>
                         <a:latin typeface="Cambria Math" panose="02040503050406030204" pitchFamily="18" charset="0"/>
                       </a:rPr>
-                      <m:t>,0,</m:t>
+                      <m:t>,</m:t>
+                    </m:r>
+                    <m:r>
+                      <a:rPr lang="en-US" altLang="ja-JP" b="0" i="1" smtClean="0">
+                        <a:solidFill>
+                          <a:srgbClr val="000000"/>
+                        </a:solidFill>
+                        <a:latin typeface="Cambria Math" panose="02040503050406030204" pitchFamily="18" charset="0"/>
+                      </a:rPr>
+                      <m:t>0</m:t>
+                    </m:r>
+                    <m:r>
+                      <a:rPr lang="en-US" altLang="ja-JP" b="0" i="1" smtClean="0">
+                        <a:solidFill>
+                          <a:srgbClr val="000000"/>
+                        </a:solidFill>
+                        <a:latin typeface="Cambria Math" panose="02040503050406030204" pitchFamily="18" charset="0"/>
+                      </a:rPr>
+                      <m:t>,</m:t>
                     </m:r>
                     <m:r>
                       <a:rPr lang="en-US" altLang="ja-JP" b="0" i="1" smtClean="0">
@@ -11596,7 +11983,19 @@
                           <a:rPr kumimoji="1" lang="en-US" altLang="ja-JP" b="0" i="1" dirty="0" smtClean="0">
                             <a:latin typeface="Cambria Math" panose="02040503050406030204" pitchFamily="18" charset="0"/>
                           </a:rPr>
-                          <m:t>,0,</m:t>
+                          <m:t>,</m:t>
+                        </m:r>
+                        <m:r>
+                          <a:rPr kumimoji="1" lang="en-US" altLang="ja-JP" b="0" i="1" dirty="0" smtClean="0">
+                            <a:latin typeface="Cambria Math" panose="02040503050406030204" pitchFamily="18" charset="0"/>
+                          </a:rPr>
+                          <m:t>0</m:t>
+                        </m:r>
+                        <m:r>
+                          <a:rPr kumimoji="1" lang="en-US" altLang="ja-JP" b="0" i="1" dirty="0" smtClean="0">
+                            <a:latin typeface="Cambria Math" panose="02040503050406030204" pitchFamily="18" charset="0"/>
+                          </a:rPr>
+                          <m:t>,</m:t>
                         </m:r>
                         <m:r>
                           <a:rPr kumimoji="1" lang="en-US" altLang="ja-JP" b="0" i="1" dirty="0" smtClean="0">
@@ -11709,7 +12108,19 @@
                           <a:rPr lang="en-US" altLang="ja-JP" i="1" dirty="0">
                             <a:latin typeface="Cambria Math" panose="02040503050406030204" pitchFamily="18" charset="0"/>
                           </a:rPr>
-                          <m:t>,0,</m:t>
+                          <m:t>,</m:t>
+                        </m:r>
+                        <m:r>
+                          <a:rPr lang="en-US" altLang="ja-JP" i="1" dirty="0">
+                            <a:latin typeface="Cambria Math" panose="02040503050406030204" pitchFamily="18" charset="0"/>
+                          </a:rPr>
+                          <m:t>0</m:t>
+                        </m:r>
+                        <m:r>
+                          <a:rPr lang="en-US" altLang="ja-JP" i="1" dirty="0">
+                            <a:latin typeface="Cambria Math" panose="02040503050406030204" pitchFamily="18" charset="0"/>
+                          </a:rPr>
+                          <m:t>,</m:t>
                         </m:r>
                         <m:r>
                           <a:rPr lang="en-US" altLang="ja-JP" i="1" dirty="0">
@@ -11853,7 +12264,16 @@
                             </a:solidFill>
                             <a:latin typeface="Cambria Math" panose="02040503050406030204" pitchFamily="18" charset="0"/>
                           </a:rPr>
-                          <m:t>,1</m:t>
+                          <m:t>,</m:t>
+                        </m:r>
+                        <m:r>
+                          <a:rPr lang="en-US" altLang="ja-JP" b="0" i="1" smtClean="0">
+                            <a:solidFill>
+                              <a:srgbClr val="000000"/>
+                            </a:solidFill>
+                            <a:latin typeface="Cambria Math" panose="02040503050406030204" pitchFamily="18" charset="0"/>
+                          </a:rPr>
+                          <m:t>1</m:t>
                         </m:r>
                       </m:sub>
                       <m:sup>
@@ -12288,7 +12708,13 @@
                             <a:rPr lang="en-US" altLang="ja-JP" sz="2400" i="1">
                               <a:latin typeface="Cambria Math" panose="02040503050406030204" pitchFamily="18" charset="0"/>
                             </a:rPr>
-                            <m:t>,1</m:t>
+                            <m:t>,</m:t>
+                          </m:r>
+                          <m:r>
+                            <a:rPr lang="en-US" altLang="ja-JP" sz="2400" i="1">
+                              <a:latin typeface="Cambria Math" panose="02040503050406030204" pitchFamily="18" charset="0"/>
+                            </a:rPr>
+                            <m:t>1</m:t>
                           </m:r>
                         </m:sub>
                         <m:sup>
@@ -12430,7 +12856,13 @@
                                 <a:rPr lang="en-US" altLang="ja-JP" sz="2400" i="1">
                                   <a:latin typeface="Cambria Math" panose="02040503050406030204" pitchFamily="18" charset="0"/>
                                 </a:rPr>
-                                <m:t>,2</m:t>
+                                <m:t>,</m:t>
+                              </m:r>
+                              <m:r>
+                                <a:rPr lang="en-US" altLang="ja-JP" sz="2400" i="1">
+                                  <a:latin typeface="Cambria Math" panose="02040503050406030204" pitchFamily="18" charset="0"/>
+                                </a:rPr>
+                                <m:t>2</m:t>
                               </m:r>
                             </m:sub>
                             <m:sup>
@@ -12483,7 +12915,13 @@
                                 <a:rPr lang="ar-AE" altLang="ja-JP" sz="2400" i="1">
                                   <a:latin typeface="Cambria Math" panose="02040503050406030204" pitchFamily="18" charset="0"/>
                                 </a:rPr>
-                                <m:t>1−</m:t>
+                                <m:t>1</m:t>
+                              </m:r>
+                              <m:r>
+                                <a:rPr lang="ar-AE" altLang="ja-JP" sz="2400" i="1">
+                                  <a:latin typeface="Cambria Math" panose="02040503050406030204" pitchFamily="18" charset="0"/>
+                                </a:rPr>
+                                <m:t>−</m:t>
                               </m:r>
                               <m:sSub>
                                 <m:sSubPr>
@@ -13146,7 +13584,16 @@
                           </a:solidFill>
                           <a:latin typeface="Cambria Math" panose="02040503050406030204" pitchFamily="18" charset="0"/>
                         </a:rPr>
-                        <m:t>)=−2</m:t>
+                        <m:t>)=−</m:t>
+                      </m:r>
+                      <m:r>
+                        <a:rPr lang="ar-AE" sz="2400" i="1">
+                          <a:solidFill>
+                            <a:srgbClr val="000000"/>
+                          </a:solidFill>
+                          <a:latin typeface="Cambria Math" panose="02040503050406030204" pitchFamily="18" charset="0"/>
+                        </a:rPr>
+                        <m:t>2</m:t>
                       </m:r>
                       <m:r>
                         <a:rPr lang="ar-AE" sz="2400" i="1">
@@ -14255,7 +14702,16 @@
                           </a:solidFill>
                           <a:latin typeface="Cambria Math" panose="02040503050406030204" pitchFamily="18" charset="0"/>
                         </a:rPr>
-                        <m:t>−2</m:t>
+                        <m:t>−</m:t>
+                      </m:r>
+                      <m:r>
+                        <a:rPr lang="ar-AE" sz="2400" i="1">
+                          <a:solidFill>
+                            <a:srgbClr val="000000"/>
+                          </a:solidFill>
+                          <a:latin typeface="Cambria Math" panose="02040503050406030204" pitchFamily="18" charset="0"/>
+                        </a:rPr>
+                        <m:t>2</m:t>
                       </m:r>
                       <m:r>
                         <a:rPr lang="ar-AE" sz="2400" i="1">
@@ -14368,7 +14824,13 @@
                                 <a:rPr lang="en-US" altLang="ja-JP" sz="2400" b="0" i="1" smtClean="0">
                                   <a:latin typeface="Cambria Math" panose="02040503050406030204" pitchFamily="18" charset="0"/>
                                 </a:rPr>
-                                <m:t>−1</m:t>
+                                <m:t>−</m:t>
+                              </m:r>
+                              <m:r>
+                                <a:rPr lang="en-US" altLang="ja-JP" sz="2400" b="0" i="1" smtClean="0">
+                                  <a:latin typeface="Cambria Math" panose="02040503050406030204" pitchFamily="18" charset="0"/>
+                                </a:rPr>
+                                <m:t>1</m:t>
                               </m:r>
                             </m:sub>
                             <m:sup>
@@ -15121,7 +15583,13 @@
                             <a:rPr lang="en-US" altLang="ja-JP" sz="2400" i="1">
                               <a:latin typeface="Cambria Math" panose="02040503050406030204" pitchFamily="18" charset="0"/>
                             </a:rPr>
-                            <m:t>−1</m:t>
+                            <m:t>−</m:t>
+                          </m:r>
+                          <m:r>
+                            <a:rPr lang="en-US" altLang="ja-JP" sz="2400" i="1">
+                              <a:latin typeface="Cambria Math" panose="02040503050406030204" pitchFamily="18" charset="0"/>
+                            </a:rPr>
+                            <m:t>1</m:t>
                           </m:r>
                         </m:sub>
                         <m:sup>
@@ -15248,8 +15716,8 @@
           </a:p>
         </p:txBody>
       </p:sp>
-      <mc:AlternateContent xmlns:mc="http://schemas.openxmlformats.org/markup-compatibility/2006">
-        <mc:Choice xmlns:a14="http://schemas.microsoft.com/office/drawing/2010/main" Requires="a14">
+      <mc:AlternateContent xmlns:mc="http://schemas.openxmlformats.org/markup-compatibility/2006" xmlns:a14="http://schemas.microsoft.com/office/drawing/2010/main">
+        <mc:Choice Requires="a14">
           <p:sp>
             <p:nvSpPr>
               <p:cNvPr id="14" name="テキスト ボックス 13">
@@ -15332,7 +15800,13 @@
                             <a:rPr lang="en-US" altLang="ja-JP" i="1">
                               <a:latin typeface="Cambria Math" panose="02040503050406030204" pitchFamily="18" charset="0"/>
                             </a:rPr>
-                            <m:t>+1</m:t>
+                            <m:t>+</m:t>
+                          </m:r>
+                          <m:r>
+                            <a:rPr lang="en-US" altLang="ja-JP" i="1">
+                              <a:latin typeface="Cambria Math" panose="02040503050406030204" pitchFamily="18" charset="0"/>
+                            </a:rPr>
+                            <m:t>1</m:t>
                           </m:r>
                         </m:sup>
                       </m:sSubSup>
@@ -15504,7 +15978,13 @@
                                 <a:rPr lang="en-US" altLang="ja-JP" i="1">
                                   <a:latin typeface="Cambria Math" panose="02040503050406030204" pitchFamily="18" charset="0"/>
                                 </a:rPr>
-                                <m:t>+1</m:t>
+                                <m:t>+</m:t>
+                              </m:r>
+                              <m:r>
+                                <a:rPr lang="en-US" altLang="ja-JP" i="1">
+                                  <a:latin typeface="Cambria Math" panose="02040503050406030204" pitchFamily="18" charset="0"/>
+                                </a:rPr>
+                                <m:t>1</m:t>
                               </m:r>
                               <m:r>
                                 <a:rPr lang="en-US" altLang="ja-JP" i="1">
@@ -15532,7 +16012,13 @@
                             <a:rPr lang="en-US" altLang="ja-JP" i="1">
                               <a:latin typeface="Cambria Math" panose="02040503050406030204" pitchFamily="18" charset="0"/>
                             </a:rPr>
-                            <m:t>−2</m:t>
+                            <m:t>−</m:t>
+                          </m:r>
+                          <m:r>
+                            <a:rPr lang="en-US" altLang="ja-JP" i="1">
+                              <a:latin typeface="Cambria Math" panose="02040503050406030204" pitchFamily="18" charset="0"/>
+                            </a:rPr>
+                            <m:t>2</m:t>
                           </m:r>
                           <m:sSubSup>
                             <m:sSubSupPr>
@@ -15612,7 +16098,13 @@
                                 <a:rPr lang="en-US" altLang="ja-JP" i="1">
                                   <a:latin typeface="Cambria Math" panose="02040503050406030204" pitchFamily="18" charset="0"/>
                                 </a:rPr>
-                                <m:t>−1</m:t>
+                                <m:t>−</m:t>
+                              </m:r>
+                              <m:r>
+                                <a:rPr lang="en-US" altLang="ja-JP" i="1">
+                                  <a:latin typeface="Cambria Math" panose="02040503050406030204" pitchFamily="18" charset="0"/>
+                                </a:rPr>
+                                <m:t>1</m:t>
                               </m:r>
                               <m:r>
                                 <a:rPr lang="en-US" altLang="ja-JP" i="1">
@@ -15728,7 +16220,13 @@
                                 <a:rPr lang="en-US" altLang="ja-JP" i="1">
                                   <a:latin typeface="Cambria Math" panose="02040503050406030204" pitchFamily="18" charset="0"/>
                                 </a:rPr>
-                                <m:t>+1</m:t>
+                                <m:t>+</m:t>
+                              </m:r>
+                              <m:r>
+                                <a:rPr lang="en-US" altLang="ja-JP" i="1">
+                                  <a:latin typeface="Cambria Math" panose="02040503050406030204" pitchFamily="18" charset="0"/>
+                                </a:rPr>
+                                <m:t>1</m:t>
                               </m:r>
                             </m:sub>
                             <m:sup>
@@ -15744,7 +16242,13 @@
                             <a:rPr lang="en-US" altLang="ja-JP" i="1">
                               <a:latin typeface="Cambria Math" panose="02040503050406030204" pitchFamily="18" charset="0"/>
                             </a:rPr>
-                            <m:t>−2</m:t>
+                            <m:t>−</m:t>
+                          </m:r>
+                          <m:r>
+                            <a:rPr lang="en-US" altLang="ja-JP" i="1">
+                              <a:latin typeface="Cambria Math" panose="02040503050406030204" pitchFamily="18" charset="0"/>
+                            </a:rPr>
+                            <m:t>2</m:t>
                           </m:r>
                           <m:sSubSup>
                             <m:sSubSupPr>
@@ -15836,7 +16340,13 @@
                                 <a:rPr lang="en-US" altLang="ja-JP" i="1">
                                   <a:latin typeface="Cambria Math" panose="02040503050406030204" pitchFamily="18" charset="0"/>
                                 </a:rPr>
-                                <m:t>−1</m:t>
+                                <m:t>−</m:t>
+                              </m:r>
+                              <m:r>
+                                <a:rPr lang="en-US" altLang="ja-JP" i="1">
+                                  <a:latin typeface="Cambria Math" panose="02040503050406030204" pitchFamily="18" charset="0"/>
+                                </a:rPr>
+                                <m:t>1</m:t>
                               </m:r>
                             </m:sub>
                             <m:sup>
@@ -15931,7 +16441,19 @@
                         <a:rPr lang="en-US" altLang="ja-JP" i="1">
                           <a:latin typeface="Cambria Math" panose="02040503050406030204" pitchFamily="18" charset="0"/>
                         </a:rPr>
-                        <m:t>−1)</m:t>
+                        <m:t>−</m:t>
+                      </m:r>
+                      <m:r>
+                        <a:rPr lang="en-US" altLang="ja-JP" i="1">
+                          <a:latin typeface="Cambria Math" panose="02040503050406030204" pitchFamily="18" charset="0"/>
+                        </a:rPr>
+                        <m:t>1</m:t>
+                      </m:r>
+                      <m:r>
+                        <a:rPr lang="en-US" altLang="ja-JP" i="1">
+                          <a:latin typeface="Cambria Math" panose="02040503050406030204" pitchFamily="18" charset="0"/>
+                        </a:rPr>
+                        <m:t>)</m:t>
                       </m:r>
                       <m:sSubSup>
                         <m:sSubSupPr>
@@ -15986,7 +16508,7 @@
             </p:txBody>
           </p:sp>
         </mc:Choice>
-        <mc:Fallback>
+        <mc:Fallback xmlns="">
           <p:sp>
             <p:nvSpPr>
               <p:cNvPr id="14" name="テキスト ボックス 13">
@@ -16031,8 +16553,8 @@
           </p:sp>
         </mc:Fallback>
       </mc:AlternateContent>
-      <mc:AlternateContent xmlns:mc="http://schemas.openxmlformats.org/markup-compatibility/2006">
-        <mc:Choice xmlns:a14="http://schemas.microsoft.com/office/drawing/2010/main" Requires="a14">
+      <mc:AlternateContent xmlns:mc="http://schemas.openxmlformats.org/markup-compatibility/2006" xmlns:a14="http://schemas.microsoft.com/office/drawing/2010/main">
+        <mc:Choice Requires="a14">
           <p:sp>
             <p:nvSpPr>
               <p:cNvPr id="15" name="テキスト ボックス 14">
@@ -16115,7 +16637,13 @@
                             <a:rPr lang="en-US" altLang="ja-JP" i="1">
                               <a:latin typeface="Cambria Math" panose="02040503050406030204" pitchFamily="18" charset="0"/>
                             </a:rPr>
-                            <m:t>+1</m:t>
+                            <m:t>+</m:t>
+                          </m:r>
+                          <m:r>
+                            <a:rPr lang="en-US" altLang="ja-JP" i="1">
+                              <a:latin typeface="Cambria Math" panose="02040503050406030204" pitchFamily="18" charset="0"/>
+                            </a:rPr>
+                            <m:t>1</m:t>
                           </m:r>
                         </m:sup>
                       </m:sSubSup>
@@ -16241,7 +16769,13 @@
                                 <a:rPr lang="en-US" altLang="ja-JP" i="1">
                                   <a:latin typeface="Cambria Math" panose="02040503050406030204" pitchFamily="18" charset="0"/>
                                 </a:rPr>
-                                <m:t>+1</m:t>
+                                <m:t>+</m:t>
+                              </m:r>
+                              <m:r>
+                                <a:rPr lang="en-US" altLang="ja-JP" i="1">
+                                  <a:latin typeface="Cambria Math" panose="02040503050406030204" pitchFamily="18" charset="0"/>
+                                </a:rPr>
+                                <m:t>1</m:t>
                               </m:r>
                               <m:r>
                                 <a:rPr lang="en-US" altLang="ja-JP" i="1">
@@ -16298,7 +16832,13 @@
                                 <a:rPr lang="en-US" altLang="ja-JP" i="1">
                                   <a:latin typeface="Cambria Math" panose="02040503050406030204" pitchFamily="18" charset="0"/>
                                 </a:rPr>
-                                <m:t>−1</m:t>
+                                <m:t>−</m:t>
+                              </m:r>
+                              <m:r>
+                                <a:rPr lang="en-US" altLang="ja-JP" i="1">
+                                  <a:latin typeface="Cambria Math" panose="02040503050406030204" pitchFamily="18" charset="0"/>
+                                </a:rPr>
+                                <m:t>1</m:t>
                               </m:r>
                               <m:r>
                                 <a:rPr lang="en-US" altLang="ja-JP" i="1">
@@ -16420,7 +16960,13 @@
                                 <a:rPr lang="en-US" altLang="ja-JP" i="1">
                                   <a:latin typeface="Cambria Math" panose="02040503050406030204" pitchFamily="18" charset="0"/>
                                 </a:rPr>
-                                <m:t>+1</m:t>
+                                <m:t>+</m:t>
+                              </m:r>
+                              <m:r>
+                                <a:rPr lang="en-US" altLang="ja-JP" i="1">
+                                  <a:latin typeface="Cambria Math" panose="02040503050406030204" pitchFamily="18" charset="0"/>
+                                </a:rPr>
+                                <m:t>1</m:t>
                               </m:r>
                             </m:sub>
                             <m:sup>
@@ -16477,7 +17023,13 @@
                                 <a:rPr lang="en-US" altLang="ja-JP" i="1">
                                   <a:latin typeface="Cambria Math" panose="02040503050406030204" pitchFamily="18" charset="0"/>
                                 </a:rPr>
-                                <m:t>−1</m:t>
+                                <m:t>−</m:t>
+                              </m:r>
+                              <m:r>
+                                <a:rPr lang="en-US" altLang="ja-JP" i="1">
+                                  <a:latin typeface="Cambria Math" panose="02040503050406030204" pitchFamily="18" charset="0"/>
+                                </a:rPr>
+                                <m:t>1</m:t>
                               </m:r>
                             </m:sub>
                             <m:sup>
@@ -16518,7 +17070,13 @@
                             <a:rPr lang="en-US" altLang="ja-JP" i="1">
                               <a:latin typeface="Cambria Math" panose="02040503050406030204" pitchFamily="18" charset="0"/>
                             </a:rPr>
-                            <m:t>1−</m:t>
+                            <m:t>1</m:t>
+                          </m:r>
+                          <m:r>
+                            <a:rPr lang="en-US" altLang="ja-JP" i="1">
+                              <a:latin typeface="Cambria Math" panose="02040503050406030204" pitchFamily="18" charset="0"/>
+                            </a:rPr>
+                            <m:t>−</m:t>
                           </m:r>
                           <m:f>
                             <m:fPr>
@@ -16776,7 +17334,7 @@
             </p:txBody>
           </p:sp>
         </mc:Choice>
-        <mc:Fallback>
+        <mc:Fallback xmlns="">
           <p:sp>
             <p:nvSpPr>
               <p:cNvPr id="15" name="テキスト ボックス 14">
@@ -16821,8 +17379,8 @@
           </p:sp>
         </mc:Fallback>
       </mc:AlternateContent>
-      <mc:AlternateContent xmlns:mc="http://schemas.openxmlformats.org/markup-compatibility/2006">
-        <mc:Choice xmlns:a14="http://schemas.microsoft.com/office/drawing/2010/main" Requires="a14">
+      <mc:AlternateContent xmlns:mc="http://schemas.openxmlformats.org/markup-compatibility/2006" xmlns:a14="http://schemas.microsoft.com/office/drawing/2010/main">
+        <mc:Choice Requires="a14">
           <p:sp>
             <p:nvSpPr>
               <p:cNvPr id="19" name="テキスト ボックス 18">
@@ -16851,7 +17409,6 @@
               </a:bodyPr>
               <a:lstStyle/>
               <a:p>
-                <a:pPr/>
                 <a14:m>
                   <m:oMath xmlns:m="http://schemas.openxmlformats.org/officeDocument/2006/math">
                     <m:r>
@@ -16959,7 +17516,7 @@
             </p:txBody>
           </p:sp>
         </mc:Choice>
-        <mc:Fallback>
+        <mc:Fallback xmlns="">
           <p:sp>
             <p:nvSpPr>
               <p:cNvPr id="19" name="テキスト ボックス 18">
@@ -17342,8 +17899,8 @@
           </a:p>
         </p:txBody>
       </p:sp>
-      <mc:AlternateContent xmlns:mc="http://schemas.openxmlformats.org/markup-compatibility/2006">
-        <mc:Choice xmlns:a14="http://schemas.microsoft.com/office/drawing/2010/main" Requires="a14">
+      <mc:AlternateContent xmlns:mc="http://schemas.openxmlformats.org/markup-compatibility/2006" xmlns:a14="http://schemas.microsoft.com/office/drawing/2010/main">
+        <mc:Choice Requires="a14">
           <p:sp>
             <p:nvSpPr>
               <p:cNvPr id="27" name="テキスト ボックス 26">
@@ -17372,6 +17929,7 @@
               </a:bodyPr>
               <a:lstStyle/>
               <a:p>
+                <a:pPr/>
                 <a14:m>
                   <m:oMathPara xmlns:m="http://schemas.openxmlformats.org/officeDocument/2006/math">
                     <m:oMathParaPr>
@@ -17879,7 +18437,7 @@
             </p:txBody>
           </p:sp>
         </mc:Choice>
-        <mc:Fallback>
+        <mc:Fallback xmlns="">
           <p:sp>
             <p:nvSpPr>
               <p:cNvPr id="27" name="テキスト ボックス 26">
@@ -17983,8 +18541,8 @@
           </a:p>
         </p:txBody>
       </p:sp>
-      <mc:AlternateContent xmlns:mc="http://schemas.openxmlformats.org/markup-compatibility/2006">
-        <mc:Choice xmlns:a14="http://schemas.microsoft.com/office/drawing/2010/main" Requires="a14">
+      <mc:AlternateContent xmlns:mc="http://schemas.openxmlformats.org/markup-compatibility/2006" xmlns:a14="http://schemas.microsoft.com/office/drawing/2010/main">
+        <mc:Choice Requires="a14">
           <p:sp>
             <p:nvSpPr>
               <p:cNvPr id="15" name="テキスト ボックス 14">
@@ -18067,7 +18625,13 @@
                             <a:rPr lang="en-US" altLang="ja-JP" i="1">
                               <a:latin typeface="Cambria Math" panose="02040503050406030204" pitchFamily="18" charset="0"/>
                             </a:rPr>
-                            <m:t>+1</m:t>
+                            <m:t>+</m:t>
+                          </m:r>
+                          <m:r>
+                            <a:rPr lang="en-US" altLang="ja-JP" i="1">
+                              <a:latin typeface="Cambria Math" panose="02040503050406030204" pitchFamily="18" charset="0"/>
+                            </a:rPr>
+                            <m:t>1</m:t>
                           </m:r>
                         </m:sup>
                       </m:sSubSup>
@@ -18193,7 +18757,13 @@
                                 <a:rPr lang="en-US" altLang="ja-JP" i="1">
                                   <a:latin typeface="Cambria Math" panose="02040503050406030204" pitchFamily="18" charset="0"/>
                                 </a:rPr>
-                                <m:t>+1</m:t>
+                                <m:t>+</m:t>
+                              </m:r>
+                              <m:r>
+                                <a:rPr lang="en-US" altLang="ja-JP" i="1">
+                                  <a:latin typeface="Cambria Math" panose="02040503050406030204" pitchFamily="18" charset="0"/>
+                                </a:rPr>
+                                <m:t>1</m:t>
                               </m:r>
                               <m:r>
                                 <a:rPr lang="en-US" altLang="ja-JP" i="1">
@@ -18250,7 +18820,13 @@
                                 <a:rPr lang="en-US" altLang="ja-JP" i="1">
                                   <a:latin typeface="Cambria Math" panose="02040503050406030204" pitchFamily="18" charset="0"/>
                                 </a:rPr>
-                                <m:t>−1</m:t>
+                                <m:t>−</m:t>
+                              </m:r>
+                              <m:r>
+                                <a:rPr lang="en-US" altLang="ja-JP" i="1">
+                                  <a:latin typeface="Cambria Math" panose="02040503050406030204" pitchFamily="18" charset="0"/>
+                                </a:rPr>
+                                <m:t>1</m:t>
                               </m:r>
                               <m:r>
                                 <a:rPr lang="en-US" altLang="ja-JP" i="1">
@@ -18372,7 +18948,13 @@
                                 <a:rPr lang="en-US" altLang="ja-JP" i="1">
                                   <a:latin typeface="Cambria Math" panose="02040503050406030204" pitchFamily="18" charset="0"/>
                                 </a:rPr>
-                                <m:t>+1</m:t>
+                                <m:t>+</m:t>
+                              </m:r>
+                              <m:r>
+                                <a:rPr lang="en-US" altLang="ja-JP" i="1">
+                                  <a:latin typeface="Cambria Math" panose="02040503050406030204" pitchFamily="18" charset="0"/>
+                                </a:rPr>
+                                <m:t>1</m:t>
                               </m:r>
                             </m:sub>
                             <m:sup>
@@ -18429,7 +19011,13 @@
                                 <a:rPr lang="en-US" altLang="ja-JP" i="1">
                                   <a:latin typeface="Cambria Math" panose="02040503050406030204" pitchFamily="18" charset="0"/>
                                 </a:rPr>
-                                <m:t>−1</m:t>
+                                <m:t>−</m:t>
+                              </m:r>
+                              <m:r>
+                                <a:rPr lang="en-US" altLang="ja-JP" i="1">
+                                  <a:latin typeface="Cambria Math" panose="02040503050406030204" pitchFamily="18" charset="0"/>
+                                </a:rPr>
+                                <m:t>1</m:t>
                               </m:r>
                             </m:sub>
                             <m:sup>
@@ -18470,7 +19058,13 @@
                             <a:rPr lang="en-US" altLang="ja-JP" i="1">
                               <a:latin typeface="Cambria Math" panose="02040503050406030204" pitchFamily="18" charset="0"/>
                             </a:rPr>
-                            <m:t>1−</m:t>
+                            <m:t>1</m:t>
+                          </m:r>
+                          <m:r>
+                            <a:rPr lang="en-US" altLang="ja-JP" i="1">
+                              <a:latin typeface="Cambria Math" panose="02040503050406030204" pitchFamily="18" charset="0"/>
+                            </a:rPr>
+                            <m:t>−</m:t>
                           </m:r>
                           <m:f>
                             <m:fPr>
@@ -18723,12 +19317,12 @@
                     </m:oMath>
                   </m:oMathPara>
                 </a14:m>
-                <a:endParaRPr lang="ja-JP" altLang="en-US"/>
+                <a:endParaRPr lang="ja-JP" altLang="en-US" dirty="0"/>
               </a:p>
             </p:txBody>
           </p:sp>
         </mc:Choice>
-        <mc:Fallback>
+        <mc:Fallback xmlns="">
           <p:sp>
             <p:nvSpPr>
               <p:cNvPr id="15" name="テキスト ボックス 14">
@@ -18773,8 +19367,8 @@
           </p:sp>
         </mc:Fallback>
       </mc:AlternateContent>
-      <mc:AlternateContent xmlns:mc="http://schemas.openxmlformats.org/markup-compatibility/2006">
-        <mc:Choice xmlns:a14="http://schemas.microsoft.com/office/drawing/2010/main" Requires="a14">
+      <mc:AlternateContent xmlns:mc="http://schemas.openxmlformats.org/markup-compatibility/2006" xmlns:a14="http://schemas.microsoft.com/office/drawing/2010/main">
+        <mc:Choice Requires="a14">
           <p:sp>
             <p:nvSpPr>
               <p:cNvPr id="27" name="テキスト ボックス 26">
@@ -18803,6 +19397,7 @@
               </a:bodyPr>
               <a:lstStyle/>
               <a:p>
+                <a:pPr/>
                 <a14:m>
                   <m:oMathPara xmlns:m="http://schemas.openxmlformats.org/officeDocument/2006/math">
                     <m:oMathParaPr>
@@ -18990,7 +19585,7 @@
             </p:txBody>
           </p:sp>
         </mc:Choice>
-        <mc:Fallback>
+        <mc:Fallback xmlns="">
           <p:sp>
             <p:nvSpPr>
               <p:cNvPr id="27" name="テキスト ボックス 26">
@@ -19107,8 +19702,8 @@
           </a:p>
         </p:txBody>
       </p:sp>
-      <mc:AlternateContent xmlns:mc="http://schemas.openxmlformats.org/markup-compatibility/2006">
-        <mc:Choice xmlns:a14="http://schemas.microsoft.com/office/drawing/2010/main" Requires="a14">
+      <mc:AlternateContent xmlns:mc="http://schemas.openxmlformats.org/markup-compatibility/2006" xmlns:a14="http://schemas.microsoft.com/office/drawing/2010/main">
+        <mc:Choice Requires="a14">
           <p:sp>
             <p:nvSpPr>
               <p:cNvPr id="16" name="テキスト ボックス 15">
@@ -19273,7 +19868,13 @@
                       <a:rPr kumimoji="1" lang="en-US" altLang="ja-JP" b="0" i="1" smtClean="0">
                         <a:latin typeface="Cambria Math" panose="02040503050406030204" pitchFamily="18" charset="0"/>
                       </a:rPr>
-                      <m:t>&lt;1</m:t>
+                      <m:t>&lt;</m:t>
+                    </m:r>
+                    <m:r>
+                      <a:rPr kumimoji="1" lang="en-US" altLang="ja-JP" b="0" i="1" smtClean="0">
+                        <a:latin typeface="Cambria Math" panose="02040503050406030204" pitchFamily="18" charset="0"/>
+                      </a:rPr>
+                      <m:t>1</m:t>
                     </m:r>
                   </m:oMath>
                 </a14:m>
@@ -19289,7 +19890,7 @@
             </p:txBody>
           </p:sp>
         </mc:Choice>
-        <mc:Fallback>
+        <mc:Fallback xmlns="">
           <p:sp>
             <p:nvSpPr>
               <p:cNvPr id="16" name="テキスト ボックス 15">
@@ -19334,8 +19935,8 @@
           </p:sp>
         </mc:Fallback>
       </mc:AlternateContent>
-      <mc:AlternateContent xmlns:mc="http://schemas.openxmlformats.org/markup-compatibility/2006">
-        <mc:Choice xmlns:a14="http://schemas.microsoft.com/office/drawing/2010/main" Requires="a14">
+      <mc:AlternateContent xmlns:mc="http://schemas.openxmlformats.org/markup-compatibility/2006" xmlns:a14="http://schemas.microsoft.com/office/drawing/2010/main">
+        <mc:Choice Requires="a14">
           <p:sp>
             <p:nvSpPr>
               <p:cNvPr id="17" name="テキスト ボックス 16">
@@ -19370,7 +19971,13 @@
                       <a:rPr lang="en-US" altLang="ja-JP" i="1" smtClean="0">
                         <a:latin typeface="Cambria Math" panose="02040503050406030204" pitchFamily="18" charset="0"/>
                       </a:rPr>
-                      <m:t>1−</m:t>
+                      <m:t>1</m:t>
+                    </m:r>
+                    <m:r>
+                      <a:rPr lang="en-US" altLang="ja-JP" i="1" smtClean="0">
+                        <a:latin typeface="Cambria Math" panose="02040503050406030204" pitchFamily="18" charset="0"/>
+                      </a:rPr>
+                      <m:t>−</m:t>
                     </m:r>
                     <m:f>
                       <m:fPr>
@@ -19577,7 +20184,13 @@
                       <a:rPr lang="en-US" altLang="ja-JP" b="0" i="1" smtClean="0">
                         <a:latin typeface="Cambria Math" panose="02040503050406030204" pitchFamily="18" charset="0"/>
                       </a:rPr>
-                      <m:t>&gt;0</m:t>
+                      <m:t>&gt;</m:t>
+                    </m:r>
+                    <m:r>
+                      <a:rPr lang="en-US" altLang="ja-JP" b="0" i="1" smtClean="0">
+                        <a:latin typeface="Cambria Math" panose="02040503050406030204" pitchFamily="18" charset="0"/>
+                      </a:rPr>
+                      <m:t>0</m:t>
                     </m:r>
                   </m:oMath>
                 </a14:m>
@@ -19594,7 +20207,7 @@
             </p:txBody>
           </p:sp>
         </mc:Choice>
-        <mc:Fallback>
+        <mc:Fallback xmlns="">
           <p:sp>
             <p:nvSpPr>
               <p:cNvPr id="17" name="テキスト ボックス 16">
@@ -20740,6 +21353,3110 @@
 </p:sld>
 </file>
 
+<file path=ppt/slides/slide19.xml><?xml version="1.0" encoding="utf-8"?>
+<p:sld xmlns:a="http://schemas.openxmlformats.org/drawingml/2006/main" xmlns:r="http://schemas.openxmlformats.org/officeDocument/2006/relationships" xmlns:p="http://schemas.openxmlformats.org/presentationml/2006/main">
+  <p:cSld>
+    <p:spTree>
+      <p:nvGrpSpPr>
+        <p:cNvPr id="1" name=""/>
+        <p:cNvGrpSpPr/>
+        <p:nvPr/>
+      </p:nvGrpSpPr>
+      <p:grpSpPr>
+        <a:xfrm>
+          <a:off x="0" y="0"/>
+          <a:ext cx="0" cy="0"/>
+          <a:chOff x="0" y="0"/>
+          <a:chExt cx="0" cy="0"/>
+        </a:xfrm>
+      </p:grpSpPr>
+      <p:sp>
+        <p:nvSpPr>
+          <p:cNvPr id="2" name="タイトル 1">
+            <a:extLst>
+              <a:ext uri="{FF2B5EF4-FFF2-40B4-BE49-F238E27FC236}">
+                <a16:creationId xmlns:a16="http://schemas.microsoft.com/office/drawing/2014/main" id="{E08C016C-9BF8-A1BA-99B7-D32CFA1DC3D8}"/>
+              </a:ext>
+            </a:extLst>
+          </p:cNvPr>
+          <p:cNvSpPr>
+            <a:spLocks noGrp="1"/>
+          </p:cNvSpPr>
+          <p:nvPr>
+            <p:ph type="title"/>
+          </p:nvPr>
+        </p:nvSpPr>
+        <p:spPr>
+          <a:xfrm>
+            <a:off x="838200" y="365125"/>
+            <a:ext cx="10881852" cy="1325563"/>
+          </a:xfrm>
+        </p:spPr>
+        <p:txBody>
+          <a:bodyPr/>
+          <a:lstStyle/>
+          <a:p>
+            <a:r>
+              <a:rPr kumimoji="1" lang="ja-JP" altLang="en-US" dirty="0"/>
+              <a:t>参照媒体と測定媒体における出力光の関係</a:t>
+            </a:r>
+          </a:p>
+        </p:txBody>
+      </p:sp>
+      <p:sp>
+        <p:nvSpPr>
+          <p:cNvPr id="3" name="コンテンツ プレースホルダー 2">
+            <a:extLst>
+              <a:ext uri="{FF2B5EF4-FFF2-40B4-BE49-F238E27FC236}">
+                <a16:creationId xmlns:a16="http://schemas.microsoft.com/office/drawing/2014/main" id="{34745218-DC8E-C1FB-0C7F-B9058FCCB40C}"/>
+              </a:ext>
+            </a:extLst>
+          </p:cNvPr>
+          <p:cNvSpPr>
+            <a:spLocks noGrp="1"/>
+          </p:cNvSpPr>
+          <p:nvPr>
+            <p:ph idx="1"/>
+          </p:nvPr>
+        </p:nvSpPr>
+        <p:spPr>
+          <a:xfrm>
+            <a:off x="838200" y="1825625"/>
+            <a:ext cx="5129981" cy="445627"/>
+          </a:xfrm>
+        </p:spPr>
+        <p:txBody>
+          <a:bodyPr>
+            <a:normAutofit fontScale="92500" lnSpcReduction="10000"/>
+          </a:bodyPr>
+          <a:lstStyle/>
+          <a:p>
+            <a:pPr marL="0" indent="0">
+              <a:buNone/>
+            </a:pPr>
+            <a:r>
+              <a:rPr lang="ja-JP" altLang="en-US" dirty="0"/>
+              <a:t>インパルス光のとき</a:t>
+            </a:r>
+            <a:endParaRPr kumimoji="1" lang="ja-JP" altLang="en-US" dirty="0"/>
+          </a:p>
+        </p:txBody>
+      </p:sp>
+      <mc:AlternateContent xmlns:mc="http://schemas.openxmlformats.org/markup-compatibility/2006">
+        <mc:Choice xmlns:a14="http://schemas.microsoft.com/office/drawing/2010/main" Requires="a14">
+          <p:sp>
+            <p:nvSpPr>
+              <p:cNvPr id="6" name="テキスト ボックス 5">
+                <a:extLst>
+                  <a:ext uri="{FF2B5EF4-FFF2-40B4-BE49-F238E27FC236}">
+                    <a16:creationId xmlns:a16="http://schemas.microsoft.com/office/drawing/2014/main" id="{944174F0-6591-7464-2C59-FB80DCE05436}"/>
+                  </a:ext>
+                </a:extLst>
+              </p:cNvPr>
+              <p:cNvSpPr txBox="1"/>
+              <p:nvPr/>
+            </p:nvSpPr>
+            <p:spPr>
+              <a:xfrm>
+                <a:off x="2788060" y="2048438"/>
+                <a:ext cx="6096000" cy="972702"/>
+              </a:xfrm>
+              <a:prstGeom prst="rect">
+                <a:avLst/>
+              </a:prstGeom>
+              <a:noFill/>
+            </p:spPr>
+            <p:txBody>
+              <a:bodyPr wrap="square">
+                <a:spAutoFit/>
+              </a:bodyPr>
+              <a:lstStyle/>
+              <a:p>
+                <a:pPr/>
+                <a14:m>
+                  <m:oMathPara xmlns:m="http://schemas.openxmlformats.org/officeDocument/2006/math">
+                    <m:oMathParaPr>
+                      <m:jc m:val="centerGroup"/>
+                    </m:oMathParaPr>
+                    <m:oMath xmlns:m="http://schemas.openxmlformats.org/officeDocument/2006/math">
+                      <m:sSub>
+                        <m:sSubPr>
+                          <m:ctrlPr>
+                            <a:rPr kumimoji="1" lang="en-US" altLang="ja-JP" i="1" smtClean="0">
+                              <a:latin typeface="Cambria Math" panose="02040503050406030204" pitchFamily="18" charset="0"/>
+                            </a:rPr>
+                          </m:ctrlPr>
+                        </m:sSubPr>
+                        <m:e>
+                          <m:r>
+                            <a:rPr kumimoji="1" lang="en-US" altLang="ja-JP" b="0" i="1" smtClean="0">
+                              <a:latin typeface="Cambria Math" panose="02040503050406030204" pitchFamily="18" charset="0"/>
+                            </a:rPr>
+                            <m:t>𝐼</m:t>
+                          </m:r>
+                        </m:e>
+                        <m:sub>
+                          <m:r>
+                            <a:rPr kumimoji="1" lang="en-US" altLang="ja-JP" b="0" i="1" smtClean="0">
+                              <a:latin typeface="Cambria Math" panose="02040503050406030204" pitchFamily="18" charset="0"/>
+                            </a:rPr>
+                            <m:t>𝑚</m:t>
+                          </m:r>
+                        </m:sub>
+                      </m:sSub>
+                      <m:d>
+                        <m:dPr>
+                          <m:ctrlPr>
+                            <a:rPr kumimoji="1" lang="en-US" altLang="ja-JP" b="0" i="1" smtClean="0">
+                              <a:latin typeface="Cambria Math" panose="02040503050406030204" pitchFamily="18" charset="0"/>
+                            </a:rPr>
+                          </m:ctrlPr>
+                        </m:dPr>
+                        <m:e>
+                          <m:r>
+                            <a:rPr kumimoji="1" lang="en-US" altLang="ja-JP" b="0" i="1" smtClean="0">
+                              <a:latin typeface="Cambria Math" panose="02040503050406030204" pitchFamily="18" charset="0"/>
+                            </a:rPr>
+                            <m:t>𝑥</m:t>
+                          </m:r>
+                          <m:r>
+                            <a:rPr kumimoji="1" lang="en-US" altLang="ja-JP" b="0" i="1" smtClean="0">
+                              <a:latin typeface="Cambria Math" panose="02040503050406030204" pitchFamily="18" charset="0"/>
+                            </a:rPr>
+                            <m:t>,</m:t>
+                          </m:r>
+                          <m:sSub>
+                            <m:sSubPr>
+                              <m:ctrlPr>
+                                <a:rPr kumimoji="1" lang="en-US" altLang="ja-JP" b="0" i="1" smtClean="0">
+                                  <a:latin typeface="Cambria Math" panose="02040503050406030204" pitchFamily="18" charset="0"/>
+                                </a:rPr>
+                              </m:ctrlPr>
+                            </m:sSubPr>
+                            <m:e>
+                              <m:r>
+                                <a:rPr kumimoji="1" lang="en-US" altLang="ja-JP" b="0" i="1" smtClean="0">
+                                  <a:latin typeface="Cambria Math" panose="02040503050406030204" pitchFamily="18" charset="0"/>
+                                </a:rPr>
+                                <m:t>𝑥</m:t>
+                              </m:r>
+                            </m:e>
+                            <m:sub>
+                              <m:r>
+                                <a:rPr kumimoji="1" lang="en-US" altLang="ja-JP" b="0" i="1" smtClean="0">
+                                  <a:latin typeface="Cambria Math" panose="02040503050406030204" pitchFamily="18" charset="0"/>
+                                </a:rPr>
+                                <m:t>𝑖</m:t>
+                              </m:r>
+                            </m:sub>
+                          </m:sSub>
+                          <m:r>
+                            <a:rPr kumimoji="1" lang="en-US" altLang="ja-JP" b="0" i="1" smtClean="0">
+                              <a:latin typeface="Cambria Math" panose="02040503050406030204" pitchFamily="18" charset="0"/>
+                            </a:rPr>
+                            <m:t>,</m:t>
+                          </m:r>
+                          <m:r>
+                            <a:rPr kumimoji="1" lang="en-US" altLang="ja-JP" b="0" i="1" smtClean="0">
+                              <a:latin typeface="Cambria Math" panose="02040503050406030204" pitchFamily="18" charset="0"/>
+                            </a:rPr>
+                            <m:t>𝑡</m:t>
+                          </m:r>
+                        </m:e>
+                      </m:d>
+                      <m:r>
+                        <a:rPr kumimoji="1" lang="en-US" altLang="ja-JP" b="0" i="1" smtClean="0">
+                          <a:latin typeface="Cambria Math" panose="02040503050406030204" pitchFamily="18" charset="0"/>
+                        </a:rPr>
+                        <m:t>=</m:t>
+                      </m:r>
+                      <m:sSub>
+                        <m:sSubPr>
+                          <m:ctrlPr>
+                            <a:rPr kumimoji="1" lang="en-US" altLang="ja-JP" b="0" i="1" smtClean="0">
+                              <a:latin typeface="Cambria Math" panose="02040503050406030204" pitchFamily="18" charset="0"/>
+                            </a:rPr>
+                          </m:ctrlPr>
+                        </m:sSubPr>
+                        <m:e>
+                          <m:r>
+                            <a:rPr kumimoji="1" lang="en-US" altLang="ja-JP" b="0" i="1" smtClean="0">
+                              <a:latin typeface="Cambria Math" panose="02040503050406030204" pitchFamily="18" charset="0"/>
+                            </a:rPr>
+                            <m:t>𝐼</m:t>
+                          </m:r>
+                        </m:e>
+                        <m:sub>
+                          <m:r>
+                            <a:rPr kumimoji="1" lang="en-US" altLang="ja-JP" b="0" i="1" smtClean="0">
+                              <a:latin typeface="Cambria Math" panose="02040503050406030204" pitchFamily="18" charset="0"/>
+                            </a:rPr>
+                            <m:t>𝑟</m:t>
+                          </m:r>
+                        </m:sub>
+                      </m:sSub>
+                      <m:d>
+                        <m:dPr>
+                          <m:ctrlPr>
+                            <a:rPr kumimoji="1" lang="en-US" altLang="ja-JP" b="0" i="1" smtClean="0">
+                              <a:latin typeface="Cambria Math" panose="02040503050406030204" pitchFamily="18" charset="0"/>
+                            </a:rPr>
+                          </m:ctrlPr>
+                        </m:dPr>
+                        <m:e>
+                          <m:r>
+                            <a:rPr kumimoji="1" lang="en-US" altLang="ja-JP" b="0" i="1" smtClean="0">
+                              <a:latin typeface="Cambria Math" panose="02040503050406030204" pitchFamily="18" charset="0"/>
+                            </a:rPr>
+                            <m:t>𝑥</m:t>
+                          </m:r>
+                          <m:r>
+                            <a:rPr kumimoji="1" lang="en-US" altLang="ja-JP" b="0" i="1" smtClean="0">
+                              <a:latin typeface="Cambria Math" panose="02040503050406030204" pitchFamily="18" charset="0"/>
+                            </a:rPr>
+                            <m:t>,</m:t>
+                          </m:r>
+                          <m:sSub>
+                            <m:sSubPr>
+                              <m:ctrlPr>
+                                <a:rPr kumimoji="1" lang="en-US" altLang="ja-JP" b="0" i="1" smtClean="0">
+                                  <a:latin typeface="Cambria Math" panose="02040503050406030204" pitchFamily="18" charset="0"/>
+                                </a:rPr>
+                              </m:ctrlPr>
+                            </m:sSubPr>
+                            <m:e>
+                              <m:r>
+                                <a:rPr kumimoji="1" lang="en-US" altLang="ja-JP" b="0" i="1" smtClean="0">
+                                  <a:latin typeface="Cambria Math" panose="02040503050406030204" pitchFamily="18" charset="0"/>
+                                </a:rPr>
+                                <m:t>𝑥</m:t>
+                              </m:r>
+                            </m:e>
+                            <m:sub>
+                              <m:r>
+                                <a:rPr kumimoji="1" lang="en-US" altLang="ja-JP" b="0" i="1" smtClean="0">
+                                  <a:latin typeface="Cambria Math" panose="02040503050406030204" pitchFamily="18" charset="0"/>
+                                </a:rPr>
+                                <m:t>𝑖</m:t>
+                              </m:r>
+                            </m:sub>
+                          </m:sSub>
+                          <m:r>
+                            <a:rPr kumimoji="1" lang="en-US" altLang="ja-JP" b="0" i="1" smtClean="0">
+                              <a:latin typeface="Cambria Math" panose="02040503050406030204" pitchFamily="18" charset="0"/>
+                            </a:rPr>
+                            <m:t>,</m:t>
+                          </m:r>
+                          <m:r>
+                            <a:rPr kumimoji="1" lang="en-US" altLang="ja-JP" b="0" i="1" smtClean="0">
+                              <a:latin typeface="Cambria Math" panose="02040503050406030204" pitchFamily="18" charset="0"/>
+                            </a:rPr>
+                            <m:t>𝑡</m:t>
+                          </m:r>
+                        </m:e>
+                      </m:d>
+                      <m:r>
+                        <a:rPr kumimoji="1" lang="en-US" altLang="ja-JP" b="0" i="1" smtClean="0">
+                          <a:latin typeface="Cambria Math" panose="02040503050406030204" pitchFamily="18" charset="0"/>
+                        </a:rPr>
+                        <m:t>𝑒𝑥𝑝</m:t>
+                      </m:r>
+                      <m:d>
+                        <m:dPr>
+                          <m:begChr m:val="["/>
+                          <m:endChr m:val="]"/>
+                          <m:ctrlPr>
+                            <a:rPr kumimoji="1" lang="en-US" altLang="ja-JP" b="0" i="1" smtClean="0">
+                              <a:latin typeface="Cambria Math" panose="02040503050406030204" pitchFamily="18" charset="0"/>
+                            </a:rPr>
+                          </m:ctrlPr>
+                        </m:dPr>
+                        <m:e>
+                          <m:r>
+                            <a:rPr kumimoji="1" lang="en-US" altLang="ja-JP" b="0" i="1" smtClean="0">
+                              <a:latin typeface="Cambria Math" panose="02040503050406030204" pitchFamily="18" charset="0"/>
+                            </a:rPr>
+                            <m:t>−</m:t>
+                          </m:r>
+                          <m:nary>
+                            <m:naryPr>
+                              <m:chr m:val="∑"/>
+                              <m:ctrlPr>
+                                <a:rPr kumimoji="1" lang="en-US" altLang="ja-JP" b="0" i="1" smtClean="0">
+                                  <a:latin typeface="Cambria Math" panose="02040503050406030204" pitchFamily="18" charset="0"/>
+                                </a:rPr>
+                              </m:ctrlPr>
+                            </m:naryPr>
+                            <m:sub>
+                              <m:r>
+                                <m:rPr>
+                                  <m:brk m:alnAt="23"/>
+                                </m:rPr>
+                                <a:rPr kumimoji="1" lang="en-US" altLang="ja-JP" b="0" i="1" smtClean="0">
+                                  <a:latin typeface="Cambria Math" panose="02040503050406030204" pitchFamily="18" charset="0"/>
+                                </a:rPr>
+                                <m:t>𝑗</m:t>
+                              </m:r>
+                              <m:r>
+                                <a:rPr kumimoji="1" lang="en-US" altLang="ja-JP" b="0" i="1" smtClean="0">
+                                  <a:latin typeface="Cambria Math" panose="02040503050406030204" pitchFamily="18" charset="0"/>
+                                </a:rPr>
+                                <m:t>=</m:t>
+                              </m:r>
+                              <m:r>
+                                <m:rPr>
+                                  <m:brk m:alnAt="23"/>
+                                </m:rPr>
+                                <a:rPr kumimoji="1" lang="en-US" altLang="ja-JP" b="0" i="1" smtClean="0">
+                                  <a:latin typeface="Cambria Math" panose="02040503050406030204" pitchFamily="18" charset="0"/>
+                                </a:rPr>
+                                <m:t>1</m:t>
+                              </m:r>
+                            </m:sub>
+                            <m:sup>
+                              <m:r>
+                                <a:rPr kumimoji="1" lang="en-US" altLang="ja-JP" b="0" i="1" smtClean="0">
+                                  <a:latin typeface="Cambria Math" panose="02040503050406030204" pitchFamily="18" charset="0"/>
+                                </a:rPr>
+                                <m:t>𝑁</m:t>
+                              </m:r>
+                            </m:sup>
+                            <m:e>
+                              <m:f>
+                                <m:fPr>
+                                  <m:ctrlPr>
+                                    <a:rPr kumimoji="1" lang="en-US" altLang="ja-JP" b="0" i="1" smtClean="0">
+                                      <a:latin typeface="Cambria Math" panose="02040503050406030204" pitchFamily="18" charset="0"/>
+                                    </a:rPr>
+                                  </m:ctrlPr>
+                                </m:fPr>
+                                <m:num>
+                                  <m:r>
+                                    <a:rPr kumimoji="1" lang="en-US" altLang="ja-JP" b="0" i="1" smtClean="0">
+                                      <a:latin typeface="Cambria Math" panose="02040503050406030204" pitchFamily="18" charset="0"/>
+                                    </a:rPr>
+                                    <m:t>𝑣</m:t>
+                                  </m:r>
+                                  <m:sSub>
+                                    <m:sSubPr>
+                                      <m:ctrlPr>
+                                        <a:rPr kumimoji="1" lang="en-US" altLang="ja-JP" b="0" i="1" smtClean="0">
+                                          <a:latin typeface="Cambria Math" panose="02040503050406030204" pitchFamily="18" charset="0"/>
+                                        </a:rPr>
+                                      </m:ctrlPr>
+                                    </m:sSubPr>
+                                    <m:e>
+                                      <m:r>
+                                        <a:rPr kumimoji="1" lang="ja-JP" altLang="en-US" b="0" i="1" smtClean="0">
+                                          <a:latin typeface="Cambria Math" panose="02040503050406030204" pitchFamily="18" charset="0"/>
+                                        </a:rPr>
+                                        <m:t>𝜇</m:t>
+                                      </m:r>
+                                    </m:e>
+                                    <m:sub>
+                                      <m:r>
+                                        <a:rPr kumimoji="1" lang="en-US" altLang="ja-JP" b="0" i="1" smtClean="0">
+                                          <a:latin typeface="Cambria Math" panose="02040503050406030204" pitchFamily="18" charset="0"/>
+                                        </a:rPr>
+                                        <m:t>𝑎</m:t>
+                                      </m:r>
+                                      <m:r>
+                                        <a:rPr kumimoji="1" lang="en-US" altLang="ja-JP" b="0" i="1" smtClean="0">
+                                          <a:latin typeface="Cambria Math" panose="02040503050406030204" pitchFamily="18" charset="0"/>
+                                        </a:rPr>
+                                        <m:t>,</m:t>
+                                      </m:r>
+                                      <m:r>
+                                        <a:rPr kumimoji="1" lang="en-US" altLang="ja-JP" b="0" i="1" smtClean="0">
+                                          <a:latin typeface="Cambria Math" panose="02040503050406030204" pitchFamily="18" charset="0"/>
+                                        </a:rPr>
+                                        <m:t>𝑗</m:t>
+                                      </m:r>
+                                    </m:sub>
+                                  </m:sSub>
+                                  <m:sSub>
+                                    <m:sSubPr>
+                                      <m:ctrlPr>
+                                        <a:rPr kumimoji="1" lang="en-US" altLang="ja-JP" b="0" i="1" smtClean="0">
+                                          <a:latin typeface="Cambria Math" panose="02040503050406030204" pitchFamily="18" charset="0"/>
+                                        </a:rPr>
+                                      </m:ctrlPr>
+                                    </m:sSubPr>
+                                    <m:e>
+                                      <m:r>
+                                        <a:rPr kumimoji="1" lang="en-US" altLang="ja-JP" b="0" i="1" smtClean="0">
+                                          <a:latin typeface="Cambria Math" panose="02040503050406030204" pitchFamily="18" charset="0"/>
+                                        </a:rPr>
+                                        <m:t>𝐻</m:t>
+                                      </m:r>
+                                    </m:e>
+                                    <m:sub>
+                                      <m:r>
+                                        <a:rPr kumimoji="1" lang="en-US" altLang="ja-JP" b="0" i="1" smtClean="0">
+                                          <a:latin typeface="Cambria Math" panose="02040503050406030204" pitchFamily="18" charset="0"/>
+                                        </a:rPr>
+                                        <m:t>𝑟</m:t>
+                                      </m:r>
+                                      <m:r>
+                                        <a:rPr kumimoji="1" lang="en-US" altLang="ja-JP" b="0" i="1" smtClean="0">
+                                          <a:latin typeface="Cambria Math" panose="02040503050406030204" pitchFamily="18" charset="0"/>
+                                        </a:rPr>
+                                        <m:t>,</m:t>
+                                      </m:r>
+                                      <m:r>
+                                        <a:rPr kumimoji="1" lang="en-US" altLang="ja-JP" b="0" i="1" smtClean="0">
+                                          <a:latin typeface="Cambria Math" panose="02040503050406030204" pitchFamily="18" charset="0"/>
+                                        </a:rPr>
+                                        <m:t>𝑗</m:t>
+                                      </m:r>
+                                    </m:sub>
+                                  </m:sSub>
+                                  <m:r>
+                                    <a:rPr kumimoji="1" lang="en-US" altLang="ja-JP" b="0" i="1" smtClean="0">
+                                      <a:latin typeface="Cambria Math" panose="02040503050406030204" pitchFamily="18" charset="0"/>
+                                    </a:rPr>
+                                    <m:t>(</m:t>
+                                  </m:r>
+                                  <m:r>
+                                    <a:rPr kumimoji="1" lang="en-US" altLang="ja-JP" b="0" i="1" smtClean="0">
+                                      <a:latin typeface="Cambria Math" panose="02040503050406030204" pitchFamily="18" charset="0"/>
+                                    </a:rPr>
+                                    <m:t>𝑥</m:t>
+                                  </m:r>
+                                  <m:r>
+                                    <a:rPr kumimoji="1" lang="en-US" altLang="ja-JP" b="0" i="1" smtClean="0">
+                                      <a:latin typeface="Cambria Math" panose="02040503050406030204" pitchFamily="18" charset="0"/>
+                                    </a:rPr>
+                                    <m:t>,</m:t>
+                                  </m:r>
+                                  <m:sSub>
+                                    <m:sSubPr>
+                                      <m:ctrlPr>
+                                        <a:rPr kumimoji="1" lang="en-US" altLang="ja-JP" b="0" i="1" smtClean="0">
+                                          <a:latin typeface="Cambria Math" panose="02040503050406030204" pitchFamily="18" charset="0"/>
+                                        </a:rPr>
+                                      </m:ctrlPr>
+                                    </m:sSubPr>
+                                    <m:e>
+                                      <m:r>
+                                        <a:rPr kumimoji="1" lang="en-US" altLang="ja-JP" b="0" i="1" smtClean="0">
+                                          <a:latin typeface="Cambria Math" panose="02040503050406030204" pitchFamily="18" charset="0"/>
+                                        </a:rPr>
+                                        <m:t>𝑥</m:t>
+                                      </m:r>
+                                    </m:e>
+                                    <m:sub>
+                                      <m:r>
+                                        <a:rPr kumimoji="1" lang="en-US" altLang="ja-JP" b="0" i="1" smtClean="0">
+                                          <a:latin typeface="Cambria Math" panose="02040503050406030204" pitchFamily="18" charset="0"/>
+                                        </a:rPr>
+                                        <m:t>𝑖</m:t>
+                                      </m:r>
+                                    </m:sub>
+                                  </m:sSub>
+                                  <m:r>
+                                    <a:rPr kumimoji="1" lang="en-US" altLang="ja-JP" b="0" i="1" smtClean="0">
+                                      <a:latin typeface="Cambria Math" panose="02040503050406030204" pitchFamily="18" charset="0"/>
+                                    </a:rPr>
+                                    <m:t>,</m:t>
+                                  </m:r>
+                                  <m:r>
+                                    <a:rPr kumimoji="1" lang="en-US" altLang="ja-JP" b="0" i="1" smtClean="0">
+                                      <a:latin typeface="Cambria Math" panose="02040503050406030204" pitchFamily="18" charset="0"/>
+                                    </a:rPr>
+                                    <m:t>𝑡</m:t>
+                                  </m:r>
+                                  <m:r>
+                                    <a:rPr kumimoji="1" lang="en-US" altLang="ja-JP" b="0" i="1" smtClean="0">
+                                      <a:latin typeface="Cambria Math" panose="02040503050406030204" pitchFamily="18" charset="0"/>
+                                    </a:rPr>
+                                    <m:t>)</m:t>
+                                  </m:r>
+                                </m:num>
+                                <m:den>
+                                  <m:sSub>
+                                    <m:sSubPr>
+                                      <m:ctrlPr>
+                                        <a:rPr kumimoji="1" lang="en-US" altLang="ja-JP" b="0" i="1" smtClean="0">
+                                          <a:latin typeface="Cambria Math" panose="02040503050406030204" pitchFamily="18" charset="0"/>
+                                        </a:rPr>
+                                      </m:ctrlPr>
+                                    </m:sSubPr>
+                                    <m:e>
+                                      <m:r>
+                                        <a:rPr kumimoji="1" lang="en-US" altLang="ja-JP" b="0" i="1" smtClean="0">
+                                          <a:latin typeface="Cambria Math" panose="02040503050406030204" pitchFamily="18" charset="0"/>
+                                        </a:rPr>
+                                        <m:t>𝐼</m:t>
+                                      </m:r>
+                                    </m:e>
+                                    <m:sub>
+                                      <m:r>
+                                        <a:rPr kumimoji="1" lang="en-US" altLang="ja-JP" b="0" i="1" smtClean="0">
+                                          <a:latin typeface="Cambria Math" panose="02040503050406030204" pitchFamily="18" charset="0"/>
+                                        </a:rPr>
+                                        <m:t>𝑟</m:t>
+                                      </m:r>
+                                    </m:sub>
+                                  </m:sSub>
+                                  <m:r>
+                                    <a:rPr kumimoji="1" lang="en-US" altLang="ja-JP" b="0" i="1" smtClean="0">
+                                      <a:latin typeface="Cambria Math" panose="02040503050406030204" pitchFamily="18" charset="0"/>
+                                    </a:rPr>
+                                    <m:t>(</m:t>
+                                  </m:r>
+                                  <m:r>
+                                    <a:rPr kumimoji="1" lang="en-US" altLang="ja-JP" b="0" i="1" smtClean="0">
+                                      <a:latin typeface="Cambria Math" panose="02040503050406030204" pitchFamily="18" charset="0"/>
+                                    </a:rPr>
+                                    <m:t>𝑥</m:t>
+                                  </m:r>
+                                  <m:r>
+                                    <a:rPr kumimoji="1" lang="en-US" altLang="ja-JP" b="0" i="1" smtClean="0">
+                                      <a:latin typeface="Cambria Math" panose="02040503050406030204" pitchFamily="18" charset="0"/>
+                                    </a:rPr>
+                                    <m:t>,</m:t>
+                                  </m:r>
+                                  <m:sSub>
+                                    <m:sSubPr>
+                                      <m:ctrlPr>
+                                        <a:rPr kumimoji="1" lang="en-US" altLang="ja-JP" b="0" i="1" smtClean="0">
+                                          <a:latin typeface="Cambria Math" panose="02040503050406030204" pitchFamily="18" charset="0"/>
+                                        </a:rPr>
+                                      </m:ctrlPr>
+                                    </m:sSubPr>
+                                    <m:e>
+                                      <m:r>
+                                        <a:rPr kumimoji="1" lang="en-US" altLang="ja-JP" b="0" i="1" smtClean="0">
+                                          <a:latin typeface="Cambria Math" panose="02040503050406030204" pitchFamily="18" charset="0"/>
+                                        </a:rPr>
+                                        <m:t>𝑥</m:t>
+                                      </m:r>
+                                    </m:e>
+                                    <m:sub>
+                                      <m:r>
+                                        <a:rPr kumimoji="1" lang="en-US" altLang="ja-JP" b="0" i="1" smtClean="0">
+                                          <a:latin typeface="Cambria Math" panose="02040503050406030204" pitchFamily="18" charset="0"/>
+                                        </a:rPr>
+                                        <m:t>𝑖</m:t>
+                                      </m:r>
+                                    </m:sub>
+                                  </m:sSub>
+                                  <m:r>
+                                    <a:rPr kumimoji="1" lang="en-US" altLang="ja-JP" b="0" i="1" smtClean="0">
+                                      <a:latin typeface="Cambria Math" panose="02040503050406030204" pitchFamily="18" charset="0"/>
+                                    </a:rPr>
+                                    <m:t>,</m:t>
+                                  </m:r>
+                                  <m:r>
+                                    <a:rPr kumimoji="1" lang="en-US" altLang="ja-JP" b="0" i="1" smtClean="0">
+                                      <a:latin typeface="Cambria Math" panose="02040503050406030204" pitchFamily="18" charset="0"/>
+                                    </a:rPr>
+                                    <m:t>𝑡</m:t>
+                                  </m:r>
+                                  <m:r>
+                                    <a:rPr kumimoji="1" lang="en-US" altLang="ja-JP" b="0" i="1" smtClean="0">
+                                      <a:latin typeface="Cambria Math" panose="02040503050406030204" pitchFamily="18" charset="0"/>
+                                    </a:rPr>
+                                    <m:t>)</m:t>
+                                  </m:r>
+                                </m:den>
+                              </m:f>
+                            </m:e>
+                          </m:nary>
+                        </m:e>
+                      </m:d>
+                    </m:oMath>
+                  </m:oMathPara>
+                </a14:m>
+                <a:endParaRPr lang="ja-JP" altLang="en-US" dirty="0"/>
+              </a:p>
+            </p:txBody>
+          </p:sp>
+        </mc:Choice>
+        <mc:Fallback>
+          <p:sp>
+            <p:nvSpPr>
+              <p:cNvPr id="6" name="テキスト ボックス 5">
+                <a:extLst>
+                  <a:ext uri="{FF2B5EF4-FFF2-40B4-BE49-F238E27FC236}">
+                    <a16:creationId xmlns:a16="http://schemas.microsoft.com/office/drawing/2014/main" id="{944174F0-6591-7464-2C59-FB80DCE05436}"/>
+                  </a:ext>
+                </a:extLst>
+              </p:cNvPr>
+              <p:cNvSpPr txBox="1">
+                <a:spLocks noRot="1" noChangeAspect="1" noMove="1" noResize="1" noEditPoints="1" noAdjustHandles="1" noChangeArrowheads="1" noChangeShapeType="1" noTextEdit="1"/>
+              </p:cNvSpPr>
+              <p:nvPr/>
+            </p:nvSpPr>
+            <p:spPr>
+              <a:xfrm>
+                <a:off x="2788060" y="2048438"/>
+                <a:ext cx="6096000" cy="972702"/>
+              </a:xfrm>
+              <a:prstGeom prst="rect">
+                <a:avLst/>
+              </a:prstGeom>
+              <a:blipFill>
+                <a:blip r:embed="rId2"/>
+                <a:stretch>
+                  <a:fillRect/>
+                </a:stretch>
+              </a:blipFill>
+            </p:spPr>
+            <p:txBody>
+              <a:bodyPr/>
+              <a:lstStyle/>
+              <a:p>
+                <a:r>
+                  <a:rPr lang="ja-JP" altLang="en-US">
+                    <a:noFill/>
+                  </a:rPr>
+                  <a:t> </a:t>
+                </a:r>
+              </a:p>
+            </p:txBody>
+          </p:sp>
+        </mc:Fallback>
+      </mc:AlternateContent>
+      <mc:AlternateContent xmlns:mc="http://schemas.openxmlformats.org/markup-compatibility/2006">
+        <mc:Choice xmlns:a14="http://schemas.microsoft.com/office/drawing/2010/main" Requires="a14">
+          <p:sp>
+            <p:nvSpPr>
+              <p:cNvPr id="7" name="テキスト ボックス 6">
+                <a:extLst>
+                  <a:ext uri="{FF2B5EF4-FFF2-40B4-BE49-F238E27FC236}">
+                    <a16:creationId xmlns:a16="http://schemas.microsoft.com/office/drawing/2014/main" id="{9196EF58-D5EB-29D8-155D-9BCAFE7C38F3}"/>
+                  </a:ext>
+                </a:extLst>
+              </p:cNvPr>
+              <p:cNvSpPr txBox="1"/>
+              <p:nvPr/>
+            </p:nvSpPr>
+            <p:spPr>
+              <a:xfrm>
+                <a:off x="1053281" y="3048130"/>
+                <a:ext cx="9565558" cy="391646"/>
+              </a:xfrm>
+              <a:prstGeom prst="rect">
+                <a:avLst/>
+              </a:prstGeom>
+              <a:noFill/>
+            </p:spPr>
+            <p:txBody>
+              <a:bodyPr wrap="square">
+                <a:spAutoFit/>
+              </a:bodyPr>
+              <a:lstStyle/>
+              <a:p>
+                <a:pPr/>
+                <a14:m>
+                  <m:oMath xmlns:m="http://schemas.openxmlformats.org/officeDocument/2006/math">
+                    <m:sSub>
+                      <m:sSubPr>
+                        <m:ctrlPr>
+                          <a:rPr kumimoji="1" lang="en-US" altLang="ja-JP" b="0" i="1" smtClean="0">
+                            <a:latin typeface="Cambria Math" panose="02040503050406030204" pitchFamily="18" charset="0"/>
+                          </a:rPr>
+                        </m:ctrlPr>
+                      </m:sSubPr>
+                      <m:e>
+                        <m:r>
+                          <a:rPr kumimoji="1" lang="en-US" altLang="ja-JP" b="0" i="1" smtClean="0">
+                            <a:latin typeface="Cambria Math" panose="02040503050406030204" pitchFamily="18" charset="0"/>
+                          </a:rPr>
+                          <m:t>𝐻</m:t>
+                        </m:r>
+                      </m:e>
+                      <m:sub>
+                        <m:r>
+                          <a:rPr kumimoji="1" lang="en-US" altLang="ja-JP" b="0" i="1" smtClean="0">
+                            <a:latin typeface="Cambria Math" panose="02040503050406030204" pitchFamily="18" charset="0"/>
+                          </a:rPr>
+                          <m:t>𝑟</m:t>
+                        </m:r>
+                        <m:r>
+                          <a:rPr kumimoji="1" lang="en-US" altLang="ja-JP" b="0" i="1" smtClean="0">
+                            <a:latin typeface="Cambria Math" panose="02040503050406030204" pitchFamily="18" charset="0"/>
+                          </a:rPr>
+                          <m:t>,</m:t>
+                        </m:r>
+                        <m:r>
+                          <a:rPr kumimoji="1" lang="en-US" altLang="ja-JP" b="0" i="1" smtClean="0">
+                            <a:latin typeface="Cambria Math" panose="02040503050406030204" pitchFamily="18" charset="0"/>
+                          </a:rPr>
+                          <m:t>𝑗</m:t>
+                        </m:r>
+                      </m:sub>
+                    </m:sSub>
+                    <m:r>
+                      <a:rPr kumimoji="1" lang="en-US" altLang="ja-JP" b="0" i="1" smtClean="0">
+                        <a:latin typeface="Cambria Math" panose="02040503050406030204" pitchFamily="18" charset="0"/>
+                      </a:rPr>
+                      <m:t>(</m:t>
+                    </m:r>
+                    <m:r>
+                      <a:rPr kumimoji="1" lang="en-US" altLang="ja-JP" b="0" i="1" smtClean="0">
+                        <a:latin typeface="Cambria Math" panose="02040503050406030204" pitchFamily="18" charset="0"/>
+                      </a:rPr>
+                      <m:t>𝑥</m:t>
+                    </m:r>
+                    <m:r>
+                      <a:rPr kumimoji="1" lang="en-US" altLang="ja-JP" b="0" i="1" smtClean="0">
+                        <a:latin typeface="Cambria Math" panose="02040503050406030204" pitchFamily="18" charset="0"/>
+                      </a:rPr>
+                      <m:t>,</m:t>
+                    </m:r>
+                    <m:sSub>
+                      <m:sSubPr>
+                        <m:ctrlPr>
+                          <a:rPr kumimoji="1" lang="en-US" altLang="ja-JP" b="0" i="1" smtClean="0">
+                            <a:latin typeface="Cambria Math" panose="02040503050406030204" pitchFamily="18" charset="0"/>
+                          </a:rPr>
+                        </m:ctrlPr>
+                      </m:sSubPr>
+                      <m:e>
+                        <m:r>
+                          <a:rPr kumimoji="1" lang="en-US" altLang="ja-JP" b="0" i="1" smtClean="0">
+                            <a:latin typeface="Cambria Math" panose="02040503050406030204" pitchFamily="18" charset="0"/>
+                          </a:rPr>
+                          <m:t>𝑥</m:t>
+                        </m:r>
+                      </m:e>
+                      <m:sub>
+                        <m:r>
+                          <a:rPr kumimoji="1" lang="en-US" altLang="ja-JP" b="0" i="1" smtClean="0">
+                            <a:latin typeface="Cambria Math" panose="02040503050406030204" pitchFamily="18" charset="0"/>
+                          </a:rPr>
+                          <m:t>𝑖</m:t>
+                        </m:r>
+                      </m:sub>
+                    </m:sSub>
+                    <m:r>
+                      <a:rPr kumimoji="1" lang="en-US" altLang="ja-JP" b="0" i="1" smtClean="0">
+                        <a:latin typeface="Cambria Math" panose="02040503050406030204" pitchFamily="18" charset="0"/>
+                      </a:rPr>
+                      <m:t>,</m:t>
+                    </m:r>
+                    <m:r>
+                      <a:rPr kumimoji="1" lang="en-US" altLang="ja-JP" b="0" i="1" smtClean="0">
+                        <a:latin typeface="Cambria Math" panose="02040503050406030204" pitchFamily="18" charset="0"/>
+                      </a:rPr>
+                      <m:t>𝑡</m:t>
+                    </m:r>
+                    <m:r>
+                      <a:rPr kumimoji="1" lang="en-US" altLang="ja-JP" b="0" i="1" smtClean="0">
+                        <a:latin typeface="Cambria Math" panose="02040503050406030204" pitchFamily="18" charset="0"/>
+                      </a:rPr>
+                      <m:t>)</m:t>
+                    </m:r>
+                  </m:oMath>
+                </a14:m>
+                <a:r>
+                  <a:rPr lang="ja-JP" altLang="en-US" dirty="0"/>
+                  <a:t>：</a:t>
+                </a:r>
+                <a14:m>
+                  <m:oMath xmlns:m="http://schemas.openxmlformats.org/officeDocument/2006/math">
+                    <m:sSub>
+                      <m:sSubPr>
+                        <m:ctrlPr>
+                          <a:rPr lang="en-US" altLang="ja-JP" i="1" dirty="0" smtClean="0">
+                            <a:latin typeface="Cambria Math" panose="02040503050406030204" pitchFamily="18" charset="0"/>
+                          </a:rPr>
+                        </m:ctrlPr>
+                      </m:sSubPr>
+                      <m:e>
+                        <m:r>
+                          <a:rPr lang="en-US" altLang="ja-JP" b="0" i="1" dirty="0" smtClean="0">
+                            <a:latin typeface="Cambria Math" panose="02040503050406030204" pitchFamily="18" charset="0"/>
+                          </a:rPr>
+                          <m:t>𝑥</m:t>
+                        </m:r>
+                      </m:e>
+                      <m:sub>
+                        <m:r>
+                          <a:rPr lang="en-US" altLang="ja-JP" b="0" i="1" dirty="0" smtClean="0">
+                            <a:latin typeface="Cambria Math" panose="02040503050406030204" pitchFamily="18" charset="0"/>
+                          </a:rPr>
+                          <m:t>𝑖</m:t>
+                        </m:r>
+                      </m:sub>
+                    </m:sSub>
+                    <m:r>
+                      <a:rPr lang="ja-JP" altLang="en-US" i="1" dirty="0">
+                        <a:latin typeface="Cambria Math" panose="02040503050406030204" pitchFamily="18" charset="0"/>
+                      </a:rPr>
+                      <m:t>に</m:t>
+                    </m:r>
+                    <m:r>
+                      <a:rPr lang="ja-JP" altLang="en-US" i="1" dirty="0" smtClean="0">
+                        <a:latin typeface="Cambria Math" panose="02040503050406030204" pitchFamily="18" charset="0"/>
+                      </a:rPr>
+                      <m:t>入射</m:t>
+                    </m:r>
+                  </m:oMath>
+                </a14:m>
+                <a:r>
+                  <a:rPr lang="ja-JP" altLang="en-US" dirty="0"/>
+                  <a:t>した光のうち，ピクセル</a:t>
+                </a:r>
+                <a:r>
+                  <a:rPr lang="en-US" altLang="ja-JP" dirty="0"/>
+                  <a:t>j</a:t>
+                </a:r>
+                <a:r>
+                  <a:rPr lang="ja-JP" altLang="en-US" dirty="0"/>
+                  <a:t>を通って時刻</a:t>
+                </a:r>
+                <a:r>
+                  <a:rPr lang="en-US" altLang="ja-JP" dirty="0"/>
+                  <a:t>t</a:t>
+                </a:r>
+                <a:r>
+                  <a:rPr lang="ja-JP" altLang="en-US" dirty="0"/>
+                  <a:t>に</a:t>
+                </a:r>
+                <a:r>
+                  <a:rPr lang="en-US" altLang="ja-JP" dirty="0"/>
+                  <a:t>x</a:t>
+                </a:r>
+                <a:r>
+                  <a:rPr lang="ja-JP" altLang="en-US" dirty="0"/>
+                  <a:t>に到達した光エネルギー</a:t>
+                </a:r>
+              </a:p>
+            </p:txBody>
+          </p:sp>
+        </mc:Choice>
+        <mc:Fallback>
+          <p:sp>
+            <p:nvSpPr>
+              <p:cNvPr id="7" name="テキスト ボックス 6">
+                <a:extLst>
+                  <a:ext uri="{FF2B5EF4-FFF2-40B4-BE49-F238E27FC236}">
+                    <a16:creationId xmlns:a16="http://schemas.microsoft.com/office/drawing/2014/main" id="{9196EF58-D5EB-29D8-155D-9BCAFE7C38F3}"/>
+                  </a:ext>
+                </a:extLst>
+              </p:cNvPr>
+              <p:cNvSpPr txBox="1">
+                <a:spLocks noRot="1" noChangeAspect="1" noMove="1" noResize="1" noEditPoints="1" noAdjustHandles="1" noChangeArrowheads="1" noChangeShapeType="1" noTextEdit="1"/>
+              </p:cNvSpPr>
+              <p:nvPr/>
+            </p:nvSpPr>
+            <p:spPr>
+              <a:xfrm>
+                <a:off x="1053281" y="3048130"/>
+                <a:ext cx="9565558" cy="391646"/>
+              </a:xfrm>
+              <a:prstGeom prst="rect">
+                <a:avLst/>
+              </a:prstGeom>
+              <a:blipFill>
+                <a:blip r:embed="rId3"/>
+                <a:stretch>
+                  <a:fillRect t="-4688" b="-21875"/>
+                </a:stretch>
+              </a:blipFill>
+            </p:spPr>
+            <p:txBody>
+              <a:bodyPr/>
+              <a:lstStyle/>
+              <a:p>
+                <a:r>
+                  <a:rPr lang="ja-JP" altLang="en-US">
+                    <a:noFill/>
+                  </a:rPr>
+                  <a:t> </a:t>
+                </a:r>
+              </a:p>
+            </p:txBody>
+          </p:sp>
+        </mc:Fallback>
+      </mc:AlternateContent>
+      <p:graphicFrame>
+        <p:nvGraphicFramePr>
+          <p:cNvPr id="8" name="表 8">
+            <a:extLst>
+              <a:ext uri="{FF2B5EF4-FFF2-40B4-BE49-F238E27FC236}">
+                <a16:creationId xmlns:a16="http://schemas.microsoft.com/office/drawing/2014/main" id="{61138FC4-C708-E5F1-29DD-CBC404F0A2FD}"/>
+              </a:ext>
+            </a:extLst>
+          </p:cNvPr>
+          <p:cNvGraphicFramePr>
+            <a:graphicFrameLocks noGrp="1"/>
+          </p:cNvGraphicFramePr>
+          <p:nvPr>
+            <p:extLst>
+              <p:ext uri="{D42A27DB-BD31-4B8C-83A1-F6EECF244321}">
+                <p14:modId xmlns:p14="http://schemas.microsoft.com/office/powerpoint/2010/main" val="847064319"/>
+              </p:ext>
+            </p:extLst>
+          </p:nvPr>
+        </p:nvGraphicFramePr>
+        <p:xfrm>
+          <a:off x="1904181" y="4399695"/>
+          <a:ext cx="8128000" cy="1854200"/>
+        </p:xfrm>
+        <a:graphic>
+          <a:graphicData uri="http://schemas.openxmlformats.org/drawingml/2006/table">
+            <a:tbl>
+              <a:tblPr>
+                <a:tableStyleId>{5C22544A-7EE6-4342-B048-85BDC9FD1C3A}</a:tableStyleId>
+              </a:tblPr>
+              <a:tblGrid>
+                <a:gridCol w="812800">
+                  <a:extLst>
+                    <a:ext uri="{9D8B030D-6E8A-4147-A177-3AD203B41FA5}">
+                      <a16:colId xmlns:a16="http://schemas.microsoft.com/office/drawing/2014/main" val="300642030"/>
+                    </a:ext>
+                  </a:extLst>
+                </a:gridCol>
+                <a:gridCol w="812800">
+                  <a:extLst>
+                    <a:ext uri="{9D8B030D-6E8A-4147-A177-3AD203B41FA5}">
+                      <a16:colId xmlns:a16="http://schemas.microsoft.com/office/drawing/2014/main" val="3237376204"/>
+                    </a:ext>
+                  </a:extLst>
+                </a:gridCol>
+                <a:gridCol w="812800">
+                  <a:extLst>
+                    <a:ext uri="{9D8B030D-6E8A-4147-A177-3AD203B41FA5}">
+                      <a16:colId xmlns:a16="http://schemas.microsoft.com/office/drawing/2014/main" val="2536661678"/>
+                    </a:ext>
+                  </a:extLst>
+                </a:gridCol>
+                <a:gridCol w="812800">
+                  <a:extLst>
+                    <a:ext uri="{9D8B030D-6E8A-4147-A177-3AD203B41FA5}">
+                      <a16:colId xmlns:a16="http://schemas.microsoft.com/office/drawing/2014/main" val="1492950638"/>
+                    </a:ext>
+                  </a:extLst>
+                </a:gridCol>
+                <a:gridCol w="812800">
+                  <a:extLst>
+                    <a:ext uri="{9D8B030D-6E8A-4147-A177-3AD203B41FA5}">
+                      <a16:colId xmlns:a16="http://schemas.microsoft.com/office/drawing/2014/main" val="2290315220"/>
+                    </a:ext>
+                  </a:extLst>
+                </a:gridCol>
+                <a:gridCol w="812800">
+                  <a:extLst>
+                    <a:ext uri="{9D8B030D-6E8A-4147-A177-3AD203B41FA5}">
+                      <a16:colId xmlns:a16="http://schemas.microsoft.com/office/drawing/2014/main" val="468250865"/>
+                    </a:ext>
+                  </a:extLst>
+                </a:gridCol>
+                <a:gridCol w="812800">
+                  <a:extLst>
+                    <a:ext uri="{9D8B030D-6E8A-4147-A177-3AD203B41FA5}">
+                      <a16:colId xmlns:a16="http://schemas.microsoft.com/office/drawing/2014/main" val="3093295053"/>
+                    </a:ext>
+                  </a:extLst>
+                </a:gridCol>
+                <a:gridCol w="812800">
+                  <a:extLst>
+                    <a:ext uri="{9D8B030D-6E8A-4147-A177-3AD203B41FA5}">
+                      <a16:colId xmlns:a16="http://schemas.microsoft.com/office/drawing/2014/main" val="2311182366"/>
+                    </a:ext>
+                  </a:extLst>
+                </a:gridCol>
+                <a:gridCol w="812800">
+                  <a:extLst>
+                    <a:ext uri="{9D8B030D-6E8A-4147-A177-3AD203B41FA5}">
+                      <a16:colId xmlns:a16="http://schemas.microsoft.com/office/drawing/2014/main" val="402794420"/>
+                    </a:ext>
+                  </a:extLst>
+                </a:gridCol>
+                <a:gridCol w="812800">
+                  <a:extLst>
+                    <a:ext uri="{9D8B030D-6E8A-4147-A177-3AD203B41FA5}">
+                      <a16:colId xmlns:a16="http://schemas.microsoft.com/office/drawing/2014/main" val="4267963421"/>
+                    </a:ext>
+                  </a:extLst>
+                </a:gridCol>
+              </a:tblGrid>
+              <a:tr h="370840">
+                <a:tc>
+                  <a:txBody>
+                    <a:bodyPr/>
+                    <a:lstStyle/>
+                    <a:p>
+                      <a:pPr algn="ctr"/>
+                      <a:r>
+                        <a:rPr kumimoji="1" lang="en-US" altLang="ja-JP" dirty="0"/>
+                        <a:t>1</a:t>
+                      </a:r>
+                      <a:endParaRPr kumimoji="1" lang="ja-JP" altLang="en-US" dirty="0"/>
+                    </a:p>
+                  </a:txBody>
+                  <a:tcPr/>
+                </a:tc>
+                <a:tc>
+                  <a:txBody>
+                    <a:bodyPr/>
+                    <a:lstStyle/>
+                    <a:p>
+                      <a:pPr algn="ctr"/>
+                      <a:r>
+                        <a:rPr kumimoji="1" lang="en-US" altLang="ja-JP" dirty="0"/>
+                        <a:t>2</a:t>
+                      </a:r>
+                      <a:endParaRPr kumimoji="1" lang="ja-JP" altLang="en-US" dirty="0"/>
+                    </a:p>
+                  </a:txBody>
+                  <a:tcPr/>
+                </a:tc>
+                <a:tc>
+                  <a:txBody>
+                    <a:bodyPr/>
+                    <a:lstStyle/>
+                    <a:p>
+                      <a:pPr algn="ctr"/>
+                      <a:endParaRPr kumimoji="1" lang="ja-JP" altLang="en-US"/>
+                    </a:p>
+                  </a:txBody>
+                  <a:tcPr/>
+                </a:tc>
+                <a:tc>
+                  <a:txBody>
+                    <a:bodyPr/>
+                    <a:lstStyle/>
+                    <a:p>
+                      <a:pPr algn="ctr"/>
+                      <a:endParaRPr kumimoji="1" lang="ja-JP" altLang="en-US"/>
+                    </a:p>
+                  </a:txBody>
+                  <a:tcPr/>
+                </a:tc>
+                <a:tc>
+                  <a:txBody>
+                    <a:bodyPr/>
+                    <a:lstStyle/>
+                    <a:p>
+                      <a:pPr algn="ctr"/>
+                      <a:endParaRPr kumimoji="1" lang="ja-JP" altLang="en-US"/>
+                    </a:p>
+                  </a:txBody>
+                  <a:tcPr/>
+                </a:tc>
+                <a:tc>
+                  <a:txBody>
+                    <a:bodyPr/>
+                    <a:lstStyle/>
+                    <a:p>
+                      <a:pPr algn="ctr"/>
+                      <a:endParaRPr kumimoji="1" lang="ja-JP" altLang="en-US"/>
+                    </a:p>
+                  </a:txBody>
+                  <a:tcPr/>
+                </a:tc>
+                <a:tc>
+                  <a:txBody>
+                    <a:bodyPr/>
+                    <a:lstStyle/>
+                    <a:p>
+                      <a:pPr algn="ctr"/>
+                      <a:endParaRPr kumimoji="1" lang="ja-JP" altLang="en-US"/>
+                    </a:p>
+                  </a:txBody>
+                  <a:tcPr/>
+                </a:tc>
+                <a:tc>
+                  <a:txBody>
+                    <a:bodyPr/>
+                    <a:lstStyle/>
+                    <a:p>
+                      <a:pPr algn="ctr"/>
+                      <a:endParaRPr kumimoji="1" lang="ja-JP" altLang="en-US"/>
+                    </a:p>
+                  </a:txBody>
+                  <a:tcPr/>
+                </a:tc>
+                <a:tc>
+                  <a:txBody>
+                    <a:bodyPr/>
+                    <a:lstStyle/>
+                    <a:p>
+                      <a:pPr algn="ctr"/>
+                      <a:endParaRPr kumimoji="1" lang="ja-JP" altLang="en-US"/>
+                    </a:p>
+                  </a:txBody>
+                  <a:tcPr/>
+                </a:tc>
+                <a:tc>
+                  <a:txBody>
+                    <a:bodyPr/>
+                    <a:lstStyle/>
+                    <a:p>
+                      <a:pPr algn="ctr"/>
+                      <a:endParaRPr kumimoji="1" lang="ja-JP" altLang="en-US"/>
+                    </a:p>
+                  </a:txBody>
+                  <a:tcPr/>
+                </a:tc>
+                <a:extLst>
+                  <a:ext uri="{0D108BD9-81ED-4DB2-BD59-A6C34878D82A}">
+                    <a16:rowId xmlns:a16="http://schemas.microsoft.com/office/drawing/2014/main" val="2728460433"/>
+                  </a:ext>
+                </a:extLst>
+              </a:tr>
+              <a:tr h="370840">
+                <a:tc>
+                  <a:txBody>
+                    <a:bodyPr/>
+                    <a:lstStyle/>
+                    <a:p>
+                      <a:pPr algn="ctr"/>
+                      <a:endParaRPr kumimoji="1" lang="ja-JP" altLang="en-US"/>
+                    </a:p>
+                  </a:txBody>
+                  <a:tcPr/>
+                </a:tc>
+                <a:tc>
+                  <a:txBody>
+                    <a:bodyPr/>
+                    <a:lstStyle/>
+                    <a:p>
+                      <a:pPr algn="ctr"/>
+                      <a:endParaRPr kumimoji="1" lang="ja-JP" altLang="en-US"/>
+                    </a:p>
+                  </a:txBody>
+                  <a:tcPr/>
+                </a:tc>
+                <a:tc>
+                  <a:txBody>
+                    <a:bodyPr/>
+                    <a:lstStyle/>
+                    <a:p>
+                      <a:pPr algn="ctr"/>
+                      <a:endParaRPr kumimoji="1" lang="ja-JP" altLang="en-US"/>
+                    </a:p>
+                  </a:txBody>
+                  <a:tcPr/>
+                </a:tc>
+                <a:tc>
+                  <a:txBody>
+                    <a:bodyPr/>
+                    <a:lstStyle/>
+                    <a:p>
+                      <a:pPr algn="ctr"/>
+                      <a:endParaRPr kumimoji="1" lang="ja-JP" altLang="en-US"/>
+                    </a:p>
+                  </a:txBody>
+                  <a:tcPr/>
+                </a:tc>
+                <a:tc>
+                  <a:txBody>
+                    <a:bodyPr/>
+                    <a:lstStyle/>
+                    <a:p>
+                      <a:pPr algn="ctr"/>
+                      <a:endParaRPr kumimoji="1" lang="ja-JP" altLang="en-US"/>
+                    </a:p>
+                  </a:txBody>
+                  <a:tcPr/>
+                </a:tc>
+                <a:tc>
+                  <a:txBody>
+                    <a:bodyPr/>
+                    <a:lstStyle/>
+                    <a:p>
+                      <a:pPr algn="ctr"/>
+                      <a:endParaRPr kumimoji="1" lang="ja-JP" altLang="en-US" dirty="0"/>
+                    </a:p>
+                  </a:txBody>
+                  <a:tcPr/>
+                </a:tc>
+                <a:tc>
+                  <a:txBody>
+                    <a:bodyPr/>
+                    <a:lstStyle/>
+                    <a:p>
+                      <a:pPr algn="ctr"/>
+                      <a:endParaRPr kumimoji="1" lang="ja-JP" altLang="en-US"/>
+                    </a:p>
+                  </a:txBody>
+                  <a:tcPr/>
+                </a:tc>
+                <a:tc>
+                  <a:txBody>
+                    <a:bodyPr/>
+                    <a:lstStyle/>
+                    <a:p>
+                      <a:pPr algn="ctr"/>
+                      <a:endParaRPr kumimoji="1" lang="ja-JP" altLang="en-US"/>
+                    </a:p>
+                  </a:txBody>
+                  <a:tcPr/>
+                </a:tc>
+                <a:tc>
+                  <a:txBody>
+                    <a:bodyPr/>
+                    <a:lstStyle/>
+                    <a:p>
+                      <a:pPr algn="ctr"/>
+                      <a:endParaRPr kumimoji="1" lang="ja-JP" altLang="en-US"/>
+                    </a:p>
+                  </a:txBody>
+                  <a:tcPr/>
+                </a:tc>
+                <a:tc>
+                  <a:txBody>
+                    <a:bodyPr/>
+                    <a:lstStyle/>
+                    <a:p>
+                      <a:pPr algn="ctr"/>
+                      <a:endParaRPr kumimoji="1" lang="ja-JP" altLang="en-US"/>
+                    </a:p>
+                  </a:txBody>
+                  <a:tcPr/>
+                </a:tc>
+                <a:extLst>
+                  <a:ext uri="{0D108BD9-81ED-4DB2-BD59-A6C34878D82A}">
+                    <a16:rowId xmlns:a16="http://schemas.microsoft.com/office/drawing/2014/main" val="1190224964"/>
+                  </a:ext>
+                </a:extLst>
+              </a:tr>
+              <a:tr h="370840">
+                <a:tc>
+                  <a:txBody>
+                    <a:bodyPr/>
+                    <a:lstStyle/>
+                    <a:p>
+                      <a:pPr algn="ctr"/>
+                      <a:endParaRPr kumimoji="1" lang="ja-JP" altLang="en-US"/>
+                    </a:p>
+                  </a:txBody>
+                  <a:tcPr/>
+                </a:tc>
+                <a:tc>
+                  <a:txBody>
+                    <a:bodyPr/>
+                    <a:lstStyle/>
+                    <a:p>
+                      <a:pPr algn="ctr"/>
+                      <a:endParaRPr kumimoji="1" lang="ja-JP" altLang="en-US"/>
+                    </a:p>
+                  </a:txBody>
+                  <a:tcPr/>
+                </a:tc>
+                <a:tc>
+                  <a:txBody>
+                    <a:bodyPr/>
+                    <a:lstStyle/>
+                    <a:p>
+                      <a:pPr algn="ctr"/>
+                      <a:endParaRPr kumimoji="1" lang="ja-JP" altLang="en-US"/>
+                    </a:p>
+                  </a:txBody>
+                  <a:tcPr/>
+                </a:tc>
+                <a:tc>
+                  <a:txBody>
+                    <a:bodyPr/>
+                    <a:lstStyle/>
+                    <a:p>
+                      <a:pPr algn="ctr"/>
+                      <a:r>
+                        <a:rPr kumimoji="1" lang="en-US" altLang="ja-JP" dirty="0"/>
+                        <a:t>j</a:t>
+                      </a:r>
+                      <a:endParaRPr kumimoji="1" lang="ja-JP" altLang="en-US" dirty="0"/>
+                    </a:p>
+                  </a:txBody>
+                  <a:tcPr/>
+                </a:tc>
+                <a:tc>
+                  <a:txBody>
+                    <a:bodyPr/>
+                    <a:lstStyle/>
+                    <a:p>
+                      <a:pPr algn="ctr"/>
+                      <a:endParaRPr kumimoji="1" lang="ja-JP" altLang="en-US"/>
+                    </a:p>
+                  </a:txBody>
+                  <a:tcPr/>
+                </a:tc>
+                <a:tc>
+                  <a:txBody>
+                    <a:bodyPr/>
+                    <a:lstStyle/>
+                    <a:p>
+                      <a:pPr algn="ctr"/>
+                      <a:endParaRPr kumimoji="1" lang="ja-JP" altLang="en-US"/>
+                    </a:p>
+                  </a:txBody>
+                  <a:tcPr/>
+                </a:tc>
+                <a:tc>
+                  <a:txBody>
+                    <a:bodyPr/>
+                    <a:lstStyle/>
+                    <a:p>
+                      <a:pPr algn="ctr"/>
+                      <a:endParaRPr kumimoji="1" lang="ja-JP" altLang="en-US"/>
+                    </a:p>
+                  </a:txBody>
+                  <a:tcPr/>
+                </a:tc>
+                <a:tc>
+                  <a:txBody>
+                    <a:bodyPr/>
+                    <a:lstStyle/>
+                    <a:p>
+                      <a:pPr algn="ctr"/>
+                      <a:endParaRPr kumimoji="1" lang="ja-JP" altLang="en-US"/>
+                    </a:p>
+                  </a:txBody>
+                  <a:tcPr/>
+                </a:tc>
+                <a:tc>
+                  <a:txBody>
+                    <a:bodyPr/>
+                    <a:lstStyle/>
+                    <a:p>
+                      <a:pPr algn="ctr"/>
+                      <a:endParaRPr kumimoji="1" lang="ja-JP" altLang="en-US"/>
+                    </a:p>
+                  </a:txBody>
+                  <a:tcPr/>
+                </a:tc>
+                <a:tc>
+                  <a:txBody>
+                    <a:bodyPr/>
+                    <a:lstStyle/>
+                    <a:p>
+                      <a:pPr algn="ctr"/>
+                      <a:endParaRPr kumimoji="1" lang="ja-JP" altLang="en-US"/>
+                    </a:p>
+                  </a:txBody>
+                  <a:tcPr/>
+                </a:tc>
+                <a:extLst>
+                  <a:ext uri="{0D108BD9-81ED-4DB2-BD59-A6C34878D82A}">
+                    <a16:rowId xmlns:a16="http://schemas.microsoft.com/office/drawing/2014/main" val="1344464668"/>
+                  </a:ext>
+                </a:extLst>
+              </a:tr>
+              <a:tr h="370840">
+                <a:tc>
+                  <a:txBody>
+                    <a:bodyPr/>
+                    <a:lstStyle/>
+                    <a:p>
+                      <a:pPr algn="ctr"/>
+                      <a:endParaRPr kumimoji="1" lang="ja-JP" altLang="en-US"/>
+                    </a:p>
+                  </a:txBody>
+                  <a:tcPr/>
+                </a:tc>
+                <a:tc>
+                  <a:txBody>
+                    <a:bodyPr/>
+                    <a:lstStyle/>
+                    <a:p>
+                      <a:pPr algn="ctr"/>
+                      <a:endParaRPr kumimoji="1" lang="ja-JP" altLang="en-US"/>
+                    </a:p>
+                  </a:txBody>
+                  <a:tcPr/>
+                </a:tc>
+                <a:tc>
+                  <a:txBody>
+                    <a:bodyPr/>
+                    <a:lstStyle/>
+                    <a:p>
+                      <a:pPr algn="ctr"/>
+                      <a:endParaRPr kumimoji="1" lang="ja-JP" altLang="en-US"/>
+                    </a:p>
+                  </a:txBody>
+                  <a:tcPr/>
+                </a:tc>
+                <a:tc>
+                  <a:txBody>
+                    <a:bodyPr/>
+                    <a:lstStyle/>
+                    <a:p>
+                      <a:pPr algn="ctr"/>
+                      <a:endParaRPr kumimoji="1" lang="ja-JP" altLang="en-US"/>
+                    </a:p>
+                  </a:txBody>
+                  <a:tcPr/>
+                </a:tc>
+                <a:tc>
+                  <a:txBody>
+                    <a:bodyPr/>
+                    <a:lstStyle/>
+                    <a:p>
+                      <a:pPr algn="ctr"/>
+                      <a:endParaRPr kumimoji="1" lang="ja-JP" altLang="en-US"/>
+                    </a:p>
+                  </a:txBody>
+                  <a:tcPr/>
+                </a:tc>
+                <a:tc>
+                  <a:txBody>
+                    <a:bodyPr/>
+                    <a:lstStyle/>
+                    <a:p>
+                      <a:pPr algn="ctr"/>
+                      <a:endParaRPr kumimoji="1" lang="ja-JP" altLang="en-US"/>
+                    </a:p>
+                  </a:txBody>
+                  <a:tcPr/>
+                </a:tc>
+                <a:tc>
+                  <a:txBody>
+                    <a:bodyPr/>
+                    <a:lstStyle/>
+                    <a:p>
+                      <a:pPr algn="ctr"/>
+                      <a:endParaRPr kumimoji="1" lang="ja-JP" altLang="en-US"/>
+                    </a:p>
+                  </a:txBody>
+                  <a:tcPr/>
+                </a:tc>
+                <a:tc>
+                  <a:txBody>
+                    <a:bodyPr/>
+                    <a:lstStyle/>
+                    <a:p>
+                      <a:pPr algn="ctr"/>
+                      <a:endParaRPr kumimoji="1" lang="ja-JP" altLang="en-US"/>
+                    </a:p>
+                  </a:txBody>
+                  <a:tcPr/>
+                </a:tc>
+                <a:tc>
+                  <a:txBody>
+                    <a:bodyPr/>
+                    <a:lstStyle/>
+                    <a:p>
+                      <a:pPr algn="ctr"/>
+                      <a:endParaRPr kumimoji="1" lang="ja-JP" altLang="en-US"/>
+                    </a:p>
+                  </a:txBody>
+                  <a:tcPr/>
+                </a:tc>
+                <a:tc>
+                  <a:txBody>
+                    <a:bodyPr/>
+                    <a:lstStyle/>
+                    <a:p>
+                      <a:pPr algn="ctr"/>
+                      <a:endParaRPr kumimoji="1" lang="ja-JP" altLang="en-US"/>
+                    </a:p>
+                  </a:txBody>
+                  <a:tcPr/>
+                </a:tc>
+                <a:extLst>
+                  <a:ext uri="{0D108BD9-81ED-4DB2-BD59-A6C34878D82A}">
+                    <a16:rowId xmlns:a16="http://schemas.microsoft.com/office/drawing/2014/main" val="623969555"/>
+                  </a:ext>
+                </a:extLst>
+              </a:tr>
+              <a:tr h="370840">
+                <a:tc>
+                  <a:txBody>
+                    <a:bodyPr/>
+                    <a:lstStyle/>
+                    <a:p>
+                      <a:pPr algn="ctr"/>
+                      <a:endParaRPr kumimoji="1" lang="ja-JP" altLang="en-US"/>
+                    </a:p>
+                  </a:txBody>
+                  <a:tcPr/>
+                </a:tc>
+                <a:tc>
+                  <a:txBody>
+                    <a:bodyPr/>
+                    <a:lstStyle/>
+                    <a:p>
+                      <a:pPr algn="ctr"/>
+                      <a:endParaRPr kumimoji="1" lang="ja-JP" altLang="en-US"/>
+                    </a:p>
+                  </a:txBody>
+                  <a:tcPr/>
+                </a:tc>
+                <a:tc>
+                  <a:txBody>
+                    <a:bodyPr/>
+                    <a:lstStyle/>
+                    <a:p>
+                      <a:pPr algn="ctr"/>
+                      <a:endParaRPr kumimoji="1" lang="ja-JP" altLang="en-US"/>
+                    </a:p>
+                  </a:txBody>
+                  <a:tcPr/>
+                </a:tc>
+                <a:tc>
+                  <a:txBody>
+                    <a:bodyPr/>
+                    <a:lstStyle/>
+                    <a:p>
+                      <a:pPr algn="ctr"/>
+                      <a:endParaRPr kumimoji="1" lang="ja-JP" altLang="en-US"/>
+                    </a:p>
+                  </a:txBody>
+                  <a:tcPr/>
+                </a:tc>
+                <a:tc>
+                  <a:txBody>
+                    <a:bodyPr/>
+                    <a:lstStyle/>
+                    <a:p>
+                      <a:pPr algn="ctr"/>
+                      <a:endParaRPr kumimoji="1" lang="ja-JP" altLang="en-US"/>
+                    </a:p>
+                  </a:txBody>
+                  <a:tcPr/>
+                </a:tc>
+                <a:tc>
+                  <a:txBody>
+                    <a:bodyPr/>
+                    <a:lstStyle/>
+                    <a:p>
+                      <a:pPr algn="ctr"/>
+                      <a:endParaRPr kumimoji="1" lang="ja-JP" altLang="en-US"/>
+                    </a:p>
+                  </a:txBody>
+                  <a:tcPr/>
+                </a:tc>
+                <a:tc>
+                  <a:txBody>
+                    <a:bodyPr/>
+                    <a:lstStyle/>
+                    <a:p>
+                      <a:pPr algn="ctr"/>
+                      <a:endParaRPr kumimoji="1" lang="ja-JP" altLang="en-US"/>
+                    </a:p>
+                  </a:txBody>
+                  <a:tcPr/>
+                </a:tc>
+                <a:tc>
+                  <a:txBody>
+                    <a:bodyPr/>
+                    <a:lstStyle/>
+                    <a:p>
+                      <a:pPr algn="ctr"/>
+                      <a:endParaRPr kumimoji="1" lang="ja-JP" altLang="en-US"/>
+                    </a:p>
+                  </a:txBody>
+                  <a:tcPr/>
+                </a:tc>
+                <a:tc>
+                  <a:txBody>
+                    <a:bodyPr/>
+                    <a:lstStyle/>
+                    <a:p>
+                      <a:pPr algn="ctr"/>
+                      <a:endParaRPr kumimoji="1" lang="ja-JP" altLang="en-US"/>
+                    </a:p>
+                  </a:txBody>
+                  <a:tcPr/>
+                </a:tc>
+                <a:tc>
+                  <a:txBody>
+                    <a:bodyPr/>
+                    <a:lstStyle/>
+                    <a:p>
+                      <a:pPr algn="ctr"/>
+                      <a:r>
+                        <a:rPr kumimoji="1" lang="en-US" altLang="ja-JP" dirty="0"/>
+                        <a:t>N</a:t>
+                      </a:r>
+                      <a:endParaRPr kumimoji="1" lang="ja-JP" altLang="en-US" dirty="0"/>
+                    </a:p>
+                  </a:txBody>
+                  <a:tcPr/>
+                </a:tc>
+                <a:extLst>
+                  <a:ext uri="{0D108BD9-81ED-4DB2-BD59-A6C34878D82A}">
+                    <a16:rowId xmlns:a16="http://schemas.microsoft.com/office/drawing/2014/main" val="646596838"/>
+                  </a:ext>
+                </a:extLst>
+              </a:tr>
+            </a:tbl>
+          </a:graphicData>
+        </a:graphic>
+      </p:graphicFrame>
+      <mc:AlternateContent xmlns:mc="http://schemas.openxmlformats.org/markup-compatibility/2006">
+        <mc:Choice xmlns:a14="http://schemas.microsoft.com/office/drawing/2010/main" Requires="a14">
+          <p:sp>
+            <p:nvSpPr>
+              <p:cNvPr id="10" name="テキスト ボックス 9">
+                <a:extLst>
+                  <a:ext uri="{FF2B5EF4-FFF2-40B4-BE49-F238E27FC236}">
+                    <a16:creationId xmlns:a16="http://schemas.microsoft.com/office/drawing/2014/main" id="{2DA5F988-F5FC-2736-E82D-A7E95BB2D1DD}"/>
+                  </a:ext>
+                </a:extLst>
+              </p:cNvPr>
+              <p:cNvSpPr txBox="1"/>
+              <p:nvPr/>
+            </p:nvSpPr>
+            <p:spPr>
+              <a:xfrm>
+                <a:off x="5531260" y="3998577"/>
+                <a:ext cx="609600" cy="369332"/>
+              </a:xfrm>
+              <a:prstGeom prst="rect">
+                <a:avLst/>
+              </a:prstGeom>
+              <a:noFill/>
+            </p:spPr>
+            <p:txBody>
+              <a:bodyPr wrap="square">
+                <a:spAutoFit/>
+              </a:bodyPr>
+              <a:lstStyle/>
+              <a:p>
+                <a:pPr/>
+                <a14:m>
+                  <m:oMathPara xmlns:m="http://schemas.openxmlformats.org/officeDocument/2006/math">
+                    <m:oMathParaPr>
+                      <m:jc m:val="centerGroup"/>
+                    </m:oMathParaPr>
+                    <m:oMath xmlns:m="http://schemas.openxmlformats.org/officeDocument/2006/math">
+                      <m:sSub>
+                        <m:sSubPr>
+                          <m:ctrlPr>
+                            <a:rPr lang="en-US" altLang="ja-JP" i="1" dirty="0" smtClean="0">
+                              <a:latin typeface="Cambria Math" panose="02040503050406030204" pitchFamily="18" charset="0"/>
+                            </a:rPr>
+                          </m:ctrlPr>
+                        </m:sSubPr>
+                        <m:e>
+                          <m:r>
+                            <a:rPr lang="en-US" altLang="ja-JP" b="0" i="1" dirty="0" smtClean="0">
+                              <a:latin typeface="Cambria Math" panose="02040503050406030204" pitchFamily="18" charset="0"/>
+                            </a:rPr>
+                            <m:t>𝑥</m:t>
+                          </m:r>
+                        </m:e>
+                        <m:sub>
+                          <m:r>
+                            <a:rPr lang="en-US" altLang="ja-JP" b="0" i="1" dirty="0" smtClean="0">
+                              <a:latin typeface="Cambria Math" panose="02040503050406030204" pitchFamily="18" charset="0"/>
+                            </a:rPr>
+                            <m:t>𝑖</m:t>
+                          </m:r>
+                        </m:sub>
+                      </m:sSub>
+                    </m:oMath>
+                  </m:oMathPara>
+                </a14:m>
+                <a:endParaRPr lang="ja-JP" altLang="en-US" dirty="0"/>
+              </a:p>
+            </p:txBody>
+          </p:sp>
+        </mc:Choice>
+        <mc:Fallback>
+          <p:sp>
+            <p:nvSpPr>
+              <p:cNvPr id="10" name="テキスト ボックス 9">
+                <a:extLst>
+                  <a:ext uri="{FF2B5EF4-FFF2-40B4-BE49-F238E27FC236}">
+                    <a16:creationId xmlns:a16="http://schemas.microsoft.com/office/drawing/2014/main" id="{2DA5F988-F5FC-2736-E82D-A7E95BB2D1DD}"/>
+                  </a:ext>
+                </a:extLst>
+              </p:cNvPr>
+              <p:cNvSpPr txBox="1">
+                <a:spLocks noRot="1" noChangeAspect="1" noMove="1" noResize="1" noEditPoints="1" noAdjustHandles="1" noChangeArrowheads="1" noChangeShapeType="1" noTextEdit="1"/>
+              </p:cNvSpPr>
+              <p:nvPr/>
+            </p:nvSpPr>
+            <p:spPr>
+              <a:xfrm>
+                <a:off x="5531260" y="3998577"/>
+                <a:ext cx="609600" cy="369332"/>
+              </a:xfrm>
+              <a:prstGeom prst="rect">
+                <a:avLst/>
+              </a:prstGeom>
+              <a:blipFill>
+                <a:blip r:embed="rId4"/>
+                <a:stretch>
+                  <a:fillRect/>
+                </a:stretch>
+              </a:blipFill>
+            </p:spPr>
+            <p:txBody>
+              <a:bodyPr/>
+              <a:lstStyle/>
+              <a:p>
+                <a:r>
+                  <a:rPr lang="ja-JP" altLang="en-US">
+                    <a:noFill/>
+                  </a:rPr>
+                  <a:t> </a:t>
+                </a:r>
+              </a:p>
+            </p:txBody>
+          </p:sp>
+        </mc:Fallback>
+      </mc:AlternateContent>
+      <mc:AlternateContent xmlns:mc="http://schemas.openxmlformats.org/markup-compatibility/2006">
+        <mc:Choice xmlns:a14="http://schemas.microsoft.com/office/drawing/2010/main" Requires="a14">
+          <p:sp>
+            <p:nvSpPr>
+              <p:cNvPr id="11" name="テキスト ボックス 10">
+                <a:extLst>
+                  <a:ext uri="{FF2B5EF4-FFF2-40B4-BE49-F238E27FC236}">
+                    <a16:creationId xmlns:a16="http://schemas.microsoft.com/office/drawing/2014/main" id="{271F2C55-D1E6-1777-B0FA-5C6CA9052DB5}"/>
+                  </a:ext>
+                </a:extLst>
+              </p:cNvPr>
+              <p:cNvSpPr txBox="1"/>
+              <p:nvPr/>
+            </p:nvSpPr>
+            <p:spPr>
+              <a:xfrm>
+                <a:off x="5466736" y="6253895"/>
+                <a:ext cx="609600" cy="369332"/>
+              </a:xfrm>
+              <a:prstGeom prst="rect">
+                <a:avLst/>
+              </a:prstGeom>
+              <a:noFill/>
+            </p:spPr>
+            <p:txBody>
+              <a:bodyPr wrap="square">
+                <a:spAutoFit/>
+              </a:bodyPr>
+              <a:lstStyle/>
+              <a:p>
+                <a:pPr/>
+                <a14:m>
+                  <m:oMathPara xmlns:m="http://schemas.openxmlformats.org/officeDocument/2006/math">
+                    <m:oMathParaPr>
+                      <m:jc m:val="centerGroup"/>
+                    </m:oMathParaPr>
+                    <m:oMath xmlns:m="http://schemas.openxmlformats.org/officeDocument/2006/math">
+                      <m:sSub>
+                        <m:sSubPr>
+                          <m:ctrlPr>
+                            <a:rPr lang="en-US" altLang="ja-JP" i="1" dirty="0" smtClean="0">
+                              <a:latin typeface="Cambria Math" panose="02040503050406030204" pitchFamily="18" charset="0"/>
+                            </a:rPr>
+                          </m:ctrlPr>
+                        </m:sSubPr>
+                        <m:e>
+                          <m:r>
+                            <a:rPr lang="en-US" altLang="ja-JP" b="0" i="1" dirty="0" smtClean="0">
+                              <a:latin typeface="Cambria Math" panose="02040503050406030204" pitchFamily="18" charset="0"/>
+                            </a:rPr>
+                            <m:t>𝑥</m:t>
+                          </m:r>
+                        </m:e>
+                        <m:sub>
+                          <m:r>
+                            <a:rPr lang="en-US" altLang="ja-JP" b="0" i="1" dirty="0" smtClean="0">
+                              <a:latin typeface="Cambria Math" panose="02040503050406030204" pitchFamily="18" charset="0"/>
+                            </a:rPr>
+                            <m:t>𝑖</m:t>
+                          </m:r>
+                        </m:sub>
+                      </m:sSub>
+                    </m:oMath>
+                  </m:oMathPara>
+                </a14:m>
+                <a:endParaRPr lang="ja-JP" altLang="en-US" dirty="0"/>
+              </a:p>
+            </p:txBody>
+          </p:sp>
+        </mc:Choice>
+        <mc:Fallback>
+          <p:sp>
+            <p:nvSpPr>
+              <p:cNvPr id="11" name="テキスト ボックス 10">
+                <a:extLst>
+                  <a:ext uri="{FF2B5EF4-FFF2-40B4-BE49-F238E27FC236}">
+                    <a16:creationId xmlns:a16="http://schemas.microsoft.com/office/drawing/2014/main" id="{271F2C55-D1E6-1777-B0FA-5C6CA9052DB5}"/>
+                  </a:ext>
+                </a:extLst>
+              </p:cNvPr>
+              <p:cNvSpPr txBox="1">
+                <a:spLocks noRot="1" noChangeAspect="1" noMove="1" noResize="1" noEditPoints="1" noAdjustHandles="1" noChangeArrowheads="1" noChangeShapeType="1" noTextEdit="1"/>
+              </p:cNvSpPr>
+              <p:nvPr/>
+            </p:nvSpPr>
+            <p:spPr>
+              <a:xfrm>
+                <a:off x="5466736" y="6253895"/>
+                <a:ext cx="609600" cy="369332"/>
+              </a:xfrm>
+              <a:prstGeom prst="rect">
+                <a:avLst/>
+              </a:prstGeom>
+              <a:blipFill>
+                <a:blip r:embed="rId5"/>
+                <a:stretch>
+                  <a:fillRect b="-1667"/>
+                </a:stretch>
+              </a:blipFill>
+            </p:spPr>
+            <p:txBody>
+              <a:bodyPr/>
+              <a:lstStyle/>
+              <a:p>
+                <a:r>
+                  <a:rPr lang="ja-JP" altLang="en-US">
+                    <a:noFill/>
+                  </a:rPr>
+                  <a:t> </a:t>
+                </a:r>
+              </a:p>
+            </p:txBody>
+          </p:sp>
+        </mc:Fallback>
+      </mc:AlternateContent>
+      <p:sp>
+        <p:nvSpPr>
+          <p:cNvPr id="12" name="矢印: 下 11">
+            <a:extLst>
+              <a:ext uri="{FF2B5EF4-FFF2-40B4-BE49-F238E27FC236}">
+                <a16:creationId xmlns:a16="http://schemas.microsoft.com/office/drawing/2014/main" id="{E6BDC3C0-CAA9-3C03-C346-E1F174A6806C}"/>
+              </a:ext>
+            </a:extLst>
+          </p:cNvPr>
+          <p:cNvSpPr/>
+          <p:nvPr/>
+        </p:nvSpPr>
+        <p:spPr>
+          <a:xfrm>
+            <a:off x="5466736" y="4021915"/>
+            <a:ext cx="265470" cy="345994"/>
+          </a:xfrm>
+          <a:prstGeom prst="downArrow">
+            <a:avLst/>
+          </a:prstGeom>
+        </p:spPr>
+        <p:style>
+          <a:lnRef idx="2">
+            <a:schemeClr val="accent2">
+              <a:shade val="50000"/>
+            </a:schemeClr>
+          </a:lnRef>
+          <a:fillRef idx="1">
+            <a:schemeClr val="accent2"/>
+          </a:fillRef>
+          <a:effectRef idx="0">
+            <a:schemeClr val="accent2"/>
+          </a:effectRef>
+          <a:fontRef idx="minor">
+            <a:schemeClr val="lt1"/>
+          </a:fontRef>
+        </p:style>
+        <p:txBody>
+          <a:bodyPr rtlCol="0" anchor="ctr"/>
+          <a:lstStyle/>
+          <a:p>
+            <a:pPr algn="ctr"/>
+            <a:endParaRPr kumimoji="1" lang="ja-JP" altLang="en-US"/>
+          </a:p>
+        </p:txBody>
+      </p:sp>
+      <p:sp>
+        <p:nvSpPr>
+          <p:cNvPr id="13" name="矢印: 下 12">
+            <a:extLst>
+              <a:ext uri="{FF2B5EF4-FFF2-40B4-BE49-F238E27FC236}">
+                <a16:creationId xmlns:a16="http://schemas.microsoft.com/office/drawing/2014/main" id="{0E056DEF-7202-41E6-1263-1C40EC901AD4}"/>
+              </a:ext>
+            </a:extLst>
+          </p:cNvPr>
+          <p:cNvSpPr/>
+          <p:nvPr/>
+        </p:nvSpPr>
+        <p:spPr>
+          <a:xfrm>
+            <a:off x="5398525" y="6253895"/>
+            <a:ext cx="265470" cy="569891"/>
+          </a:xfrm>
+          <a:prstGeom prst="downArrow">
+            <a:avLst/>
+          </a:prstGeom>
+        </p:spPr>
+        <p:style>
+          <a:lnRef idx="2">
+            <a:schemeClr val="accent1">
+              <a:shade val="50000"/>
+            </a:schemeClr>
+          </a:lnRef>
+          <a:fillRef idx="1">
+            <a:schemeClr val="accent1"/>
+          </a:fillRef>
+          <a:effectRef idx="0">
+            <a:schemeClr val="accent1"/>
+          </a:effectRef>
+          <a:fontRef idx="minor">
+            <a:schemeClr val="lt1"/>
+          </a:fontRef>
+        </p:style>
+        <p:txBody>
+          <a:bodyPr rtlCol="0" anchor="ctr"/>
+          <a:lstStyle/>
+          <a:p>
+            <a:pPr algn="ctr"/>
+            <a:endParaRPr kumimoji="1" lang="ja-JP" altLang="en-US"/>
+          </a:p>
+        </p:txBody>
+      </p:sp>
+      <p:sp>
+        <p:nvSpPr>
+          <p:cNvPr id="14" name="フリーフォーム: 図形 13">
+            <a:extLst>
+              <a:ext uri="{FF2B5EF4-FFF2-40B4-BE49-F238E27FC236}">
+                <a16:creationId xmlns:a16="http://schemas.microsoft.com/office/drawing/2014/main" id="{AE342EC7-9408-F0BA-8668-84C40AFCB120}"/>
+              </a:ext>
+            </a:extLst>
+          </p:cNvPr>
+          <p:cNvSpPr/>
+          <p:nvPr/>
+        </p:nvSpPr>
+        <p:spPr>
+          <a:xfrm>
+            <a:off x="4493342" y="4351918"/>
+            <a:ext cx="1081548" cy="2084450"/>
+          </a:xfrm>
+          <a:custGeom>
+            <a:avLst/>
+            <a:gdLst>
+              <a:gd name="connsiteX0" fmla="*/ 1081548 w 1081548"/>
+              <a:gd name="connsiteY0" fmla="*/ 0 h 2084450"/>
+              <a:gd name="connsiteX1" fmla="*/ 786581 w 1081548"/>
+              <a:gd name="connsiteY1" fmla="*/ 98323 h 2084450"/>
+              <a:gd name="connsiteX2" fmla="*/ 452284 w 1081548"/>
+              <a:gd name="connsiteY2" fmla="*/ 186813 h 2084450"/>
+              <a:gd name="connsiteX3" fmla="*/ 235974 w 1081548"/>
+              <a:gd name="connsiteY3" fmla="*/ 255639 h 2084450"/>
+              <a:gd name="connsiteX4" fmla="*/ 186813 w 1081548"/>
+              <a:gd name="connsiteY4" fmla="*/ 294968 h 2084450"/>
+              <a:gd name="connsiteX5" fmla="*/ 245806 w 1081548"/>
+              <a:gd name="connsiteY5" fmla="*/ 353962 h 2084450"/>
+              <a:gd name="connsiteX6" fmla="*/ 412955 w 1081548"/>
+              <a:gd name="connsiteY6" fmla="*/ 540775 h 2084450"/>
+              <a:gd name="connsiteX7" fmla="*/ 127819 w 1081548"/>
+              <a:gd name="connsiteY7" fmla="*/ 580104 h 2084450"/>
+              <a:gd name="connsiteX8" fmla="*/ 0 w 1081548"/>
+              <a:gd name="connsiteY8" fmla="*/ 609600 h 2084450"/>
+              <a:gd name="connsiteX9" fmla="*/ 29497 w 1081548"/>
+              <a:gd name="connsiteY9" fmla="*/ 639097 h 2084450"/>
+              <a:gd name="connsiteX10" fmla="*/ 157316 w 1081548"/>
+              <a:gd name="connsiteY10" fmla="*/ 698091 h 2084450"/>
+              <a:gd name="connsiteX11" fmla="*/ 235974 w 1081548"/>
+              <a:gd name="connsiteY11" fmla="*/ 747252 h 2084450"/>
+              <a:gd name="connsiteX12" fmla="*/ 167148 w 1081548"/>
+              <a:gd name="connsiteY12" fmla="*/ 806246 h 2084450"/>
+              <a:gd name="connsiteX13" fmla="*/ 127819 w 1081548"/>
+              <a:gd name="connsiteY13" fmla="*/ 865239 h 2084450"/>
+              <a:gd name="connsiteX14" fmla="*/ 216310 w 1081548"/>
+              <a:gd name="connsiteY14" fmla="*/ 963562 h 2084450"/>
+              <a:gd name="connsiteX15" fmla="*/ 235974 w 1081548"/>
+              <a:gd name="connsiteY15" fmla="*/ 993058 h 2084450"/>
+              <a:gd name="connsiteX16" fmla="*/ 393290 w 1081548"/>
+              <a:gd name="connsiteY16" fmla="*/ 1022555 h 2084450"/>
+              <a:gd name="connsiteX17" fmla="*/ 383458 w 1081548"/>
+              <a:gd name="connsiteY17" fmla="*/ 1327355 h 2084450"/>
+              <a:gd name="connsiteX18" fmla="*/ 491613 w 1081548"/>
+              <a:gd name="connsiteY18" fmla="*/ 1455175 h 2084450"/>
+              <a:gd name="connsiteX19" fmla="*/ 609600 w 1081548"/>
+              <a:gd name="connsiteY19" fmla="*/ 1543665 h 2084450"/>
+              <a:gd name="connsiteX20" fmla="*/ 580103 w 1081548"/>
+              <a:gd name="connsiteY20" fmla="*/ 1720646 h 2084450"/>
+              <a:gd name="connsiteX21" fmla="*/ 589935 w 1081548"/>
+              <a:gd name="connsiteY21" fmla="*/ 1809136 h 2084450"/>
+              <a:gd name="connsiteX22" fmla="*/ 668593 w 1081548"/>
+              <a:gd name="connsiteY22" fmla="*/ 1868129 h 2084450"/>
+              <a:gd name="connsiteX23" fmla="*/ 884903 w 1081548"/>
+              <a:gd name="connsiteY23" fmla="*/ 1907458 h 2084450"/>
+              <a:gd name="connsiteX24" fmla="*/ 924232 w 1081548"/>
+              <a:gd name="connsiteY24" fmla="*/ 1917291 h 2084450"/>
+              <a:gd name="connsiteX25" fmla="*/ 963561 w 1081548"/>
+              <a:gd name="connsiteY25" fmla="*/ 1966452 h 2084450"/>
+              <a:gd name="connsiteX26" fmla="*/ 1002890 w 1081548"/>
+              <a:gd name="connsiteY26" fmla="*/ 2005781 h 2084450"/>
+              <a:gd name="connsiteX27" fmla="*/ 1061884 w 1081548"/>
+              <a:gd name="connsiteY27" fmla="*/ 2084439 h 2084450"/>
+            </a:gdLst>
+            <a:ahLst/>
+            <a:cxnLst>
+              <a:cxn ang="0">
+                <a:pos x="connsiteX0" y="connsiteY0"/>
+              </a:cxn>
+              <a:cxn ang="0">
+                <a:pos x="connsiteX1" y="connsiteY1"/>
+              </a:cxn>
+              <a:cxn ang="0">
+                <a:pos x="connsiteX2" y="connsiteY2"/>
+              </a:cxn>
+              <a:cxn ang="0">
+                <a:pos x="connsiteX3" y="connsiteY3"/>
+              </a:cxn>
+              <a:cxn ang="0">
+                <a:pos x="connsiteX4" y="connsiteY4"/>
+              </a:cxn>
+              <a:cxn ang="0">
+                <a:pos x="connsiteX5" y="connsiteY5"/>
+              </a:cxn>
+              <a:cxn ang="0">
+                <a:pos x="connsiteX6" y="connsiteY6"/>
+              </a:cxn>
+              <a:cxn ang="0">
+                <a:pos x="connsiteX7" y="connsiteY7"/>
+              </a:cxn>
+              <a:cxn ang="0">
+                <a:pos x="connsiteX8" y="connsiteY8"/>
+              </a:cxn>
+              <a:cxn ang="0">
+                <a:pos x="connsiteX9" y="connsiteY9"/>
+              </a:cxn>
+              <a:cxn ang="0">
+                <a:pos x="connsiteX10" y="connsiteY10"/>
+              </a:cxn>
+              <a:cxn ang="0">
+                <a:pos x="connsiteX11" y="connsiteY11"/>
+              </a:cxn>
+              <a:cxn ang="0">
+                <a:pos x="connsiteX12" y="connsiteY12"/>
+              </a:cxn>
+              <a:cxn ang="0">
+                <a:pos x="connsiteX13" y="connsiteY13"/>
+              </a:cxn>
+              <a:cxn ang="0">
+                <a:pos x="connsiteX14" y="connsiteY14"/>
+              </a:cxn>
+              <a:cxn ang="0">
+                <a:pos x="connsiteX15" y="connsiteY15"/>
+              </a:cxn>
+              <a:cxn ang="0">
+                <a:pos x="connsiteX16" y="connsiteY16"/>
+              </a:cxn>
+              <a:cxn ang="0">
+                <a:pos x="connsiteX17" y="connsiteY17"/>
+              </a:cxn>
+              <a:cxn ang="0">
+                <a:pos x="connsiteX18" y="connsiteY18"/>
+              </a:cxn>
+              <a:cxn ang="0">
+                <a:pos x="connsiteX19" y="connsiteY19"/>
+              </a:cxn>
+              <a:cxn ang="0">
+                <a:pos x="connsiteX20" y="connsiteY20"/>
+              </a:cxn>
+              <a:cxn ang="0">
+                <a:pos x="connsiteX21" y="connsiteY21"/>
+              </a:cxn>
+              <a:cxn ang="0">
+                <a:pos x="connsiteX22" y="connsiteY22"/>
+              </a:cxn>
+              <a:cxn ang="0">
+                <a:pos x="connsiteX23" y="connsiteY23"/>
+              </a:cxn>
+              <a:cxn ang="0">
+                <a:pos x="connsiteX24" y="connsiteY24"/>
+              </a:cxn>
+              <a:cxn ang="0">
+                <a:pos x="connsiteX25" y="connsiteY25"/>
+              </a:cxn>
+              <a:cxn ang="0">
+                <a:pos x="connsiteX26" y="connsiteY26"/>
+              </a:cxn>
+              <a:cxn ang="0">
+                <a:pos x="connsiteX27" y="connsiteY27"/>
+              </a:cxn>
+            </a:cxnLst>
+            <a:rect l="l" t="t" r="r" b="b"/>
+            <a:pathLst>
+              <a:path w="1081548" h="2084450">
+                <a:moveTo>
+                  <a:pt x="1081548" y="0"/>
+                </a:moveTo>
+                <a:cubicBezTo>
+                  <a:pt x="920763" y="32160"/>
+                  <a:pt x="1184804" y="-23168"/>
+                  <a:pt x="786581" y="98323"/>
+                </a:cubicBezTo>
+                <a:cubicBezTo>
+                  <a:pt x="676328" y="131960"/>
+                  <a:pt x="563119" y="155146"/>
+                  <a:pt x="452284" y="186813"/>
+                </a:cubicBezTo>
+                <a:cubicBezTo>
+                  <a:pt x="379530" y="207600"/>
+                  <a:pt x="308077" y="232697"/>
+                  <a:pt x="235974" y="255639"/>
+                </a:cubicBezTo>
+                <a:cubicBezTo>
+                  <a:pt x="219587" y="268749"/>
+                  <a:pt x="184725" y="274087"/>
+                  <a:pt x="186813" y="294968"/>
+                </a:cubicBezTo>
+                <a:cubicBezTo>
+                  <a:pt x="189580" y="322640"/>
+                  <a:pt x="227263" y="333237"/>
+                  <a:pt x="245806" y="353962"/>
+                </a:cubicBezTo>
+                <a:lnTo>
+                  <a:pt x="412955" y="540775"/>
+                </a:lnTo>
+                <a:cubicBezTo>
+                  <a:pt x="204759" y="603232"/>
+                  <a:pt x="440186" y="541058"/>
+                  <a:pt x="127819" y="580104"/>
+                </a:cubicBezTo>
+                <a:cubicBezTo>
+                  <a:pt x="84431" y="585528"/>
+                  <a:pt x="42606" y="599768"/>
+                  <a:pt x="0" y="609600"/>
+                </a:cubicBezTo>
+                <a:cubicBezTo>
+                  <a:pt x="9832" y="619432"/>
+                  <a:pt x="17766" y="631632"/>
+                  <a:pt x="29497" y="639097"/>
+                </a:cubicBezTo>
+                <a:cubicBezTo>
+                  <a:pt x="171795" y="729651"/>
+                  <a:pt x="52126" y="641450"/>
+                  <a:pt x="157316" y="698091"/>
+                </a:cubicBezTo>
+                <a:cubicBezTo>
+                  <a:pt x="184539" y="712750"/>
+                  <a:pt x="209755" y="730865"/>
+                  <a:pt x="235974" y="747252"/>
+                </a:cubicBezTo>
+                <a:cubicBezTo>
+                  <a:pt x="211344" y="765725"/>
+                  <a:pt x="186321" y="781595"/>
+                  <a:pt x="167148" y="806246"/>
+                </a:cubicBezTo>
+                <a:cubicBezTo>
+                  <a:pt x="152638" y="824901"/>
+                  <a:pt x="140929" y="845575"/>
+                  <a:pt x="127819" y="865239"/>
+                </a:cubicBezTo>
+                <a:cubicBezTo>
+                  <a:pt x="253050" y="1040561"/>
+                  <a:pt x="115748" y="863000"/>
+                  <a:pt x="216310" y="963562"/>
+                </a:cubicBezTo>
+                <a:cubicBezTo>
+                  <a:pt x="224666" y="971918"/>
+                  <a:pt x="225066" y="988513"/>
+                  <a:pt x="235974" y="993058"/>
+                </a:cubicBezTo>
+                <a:cubicBezTo>
+                  <a:pt x="251693" y="999608"/>
+                  <a:pt x="362257" y="1017383"/>
+                  <a:pt x="393290" y="1022555"/>
+                </a:cubicBezTo>
+                <a:cubicBezTo>
+                  <a:pt x="390013" y="1124155"/>
+                  <a:pt x="360930" y="1228230"/>
+                  <a:pt x="383458" y="1327355"/>
+                </a:cubicBezTo>
+                <a:cubicBezTo>
+                  <a:pt x="395827" y="1381780"/>
+                  <a:pt x="453228" y="1414658"/>
+                  <a:pt x="491613" y="1455175"/>
+                </a:cubicBezTo>
+                <a:cubicBezTo>
+                  <a:pt x="538650" y="1504825"/>
+                  <a:pt x="557486" y="1512396"/>
+                  <a:pt x="609600" y="1543665"/>
+                </a:cubicBezTo>
+                <a:cubicBezTo>
+                  <a:pt x="592220" y="1613183"/>
+                  <a:pt x="580103" y="1645514"/>
+                  <a:pt x="580103" y="1720646"/>
+                </a:cubicBezTo>
+                <a:cubicBezTo>
+                  <a:pt x="580103" y="1750324"/>
+                  <a:pt x="574666" y="1783687"/>
+                  <a:pt x="589935" y="1809136"/>
+                </a:cubicBezTo>
+                <a:cubicBezTo>
+                  <a:pt x="606797" y="1837240"/>
+                  <a:pt x="638469" y="1855219"/>
+                  <a:pt x="668593" y="1868129"/>
+                </a:cubicBezTo>
+                <a:cubicBezTo>
+                  <a:pt x="727673" y="1893449"/>
+                  <a:pt x="819237" y="1900162"/>
+                  <a:pt x="884903" y="1907458"/>
+                </a:cubicBezTo>
+                <a:cubicBezTo>
+                  <a:pt x="898013" y="1910736"/>
+                  <a:pt x="913421" y="1909183"/>
+                  <a:pt x="924232" y="1917291"/>
+                </a:cubicBezTo>
+                <a:cubicBezTo>
+                  <a:pt x="941020" y="1929882"/>
+                  <a:pt x="949619" y="1950767"/>
+                  <a:pt x="963561" y="1966452"/>
+                </a:cubicBezTo>
+                <a:cubicBezTo>
+                  <a:pt x="975878" y="1980309"/>
+                  <a:pt x="991766" y="1990949"/>
+                  <a:pt x="1002890" y="2005781"/>
+                </a:cubicBezTo>
+                <a:cubicBezTo>
+                  <a:pt x="1063968" y="2087218"/>
+                  <a:pt x="1020054" y="2084439"/>
+                  <a:pt x="1061884" y="2084439"/>
+                </a:cubicBezTo>
+              </a:path>
+            </a:pathLst>
+          </a:custGeom>
+        </p:spPr>
+        <p:style>
+          <a:lnRef idx="1">
+            <a:schemeClr val="accent2"/>
+          </a:lnRef>
+          <a:fillRef idx="0">
+            <a:schemeClr val="accent2"/>
+          </a:fillRef>
+          <a:effectRef idx="0">
+            <a:schemeClr val="accent2"/>
+          </a:effectRef>
+          <a:fontRef idx="minor">
+            <a:schemeClr val="tx1"/>
+          </a:fontRef>
+        </p:style>
+        <p:txBody>
+          <a:bodyPr rtlCol="0" anchor="ctr"/>
+          <a:lstStyle/>
+          <a:p>
+            <a:pPr algn="ctr"/>
+            <a:endParaRPr kumimoji="1" lang="ja-JP" altLang="en-US"/>
+          </a:p>
+        </p:txBody>
+      </p:sp>
+      <p:sp>
+        <p:nvSpPr>
+          <p:cNvPr id="15" name="フリーフォーム: 図形 14">
+            <a:extLst>
+              <a:ext uri="{FF2B5EF4-FFF2-40B4-BE49-F238E27FC236}">
+                <a16:creationId xmlns:a16="http://schemas.microsoft.com/office/drawing/2014/main" id="{822805BB-7D29-96DD-B9D6-6E18718B9782}"/>
+              </a:ext>
+            </a:extLst>
+          </p:cNvPr>
+          <p:cNvSpPr/>
+          <p:nvPr/>
+        </p:nvSpPr>
+        <p:spPr>
+          <a:xfrm>
+            <a:off x="4852718" y="4401080"/>
+            <a:ext cx="958147" cy="2153166"/>
+          </a:xfrm>
+          <a:custGeom>
+            <a:avLst/>
+            <a:gdLst>
+              <a:gd name="connsiteX0" fmla="*/ 761501 w 958147"/>
+              <a:gd name="connsiteY0" fmla="*/ 0 h 2153166"/>
+              <a:gd name="connsiteX1" fmla="*/ 790998 w 958147"/>
+              <a:gd name="connsiteY1" fmla="*/ 49161 h 2153166"/>
+              <a:gd name="connsiteX2" fmla="*/ 840159 w 958147"/>
+              <a:gd name="connsiteY2" fmla="*/ 108155 h 2153166"/>
+              <a:gd name="connsiteX3" fmla="*/ 594353 w 958147"/>
+              <a:gd name="connsiteY3" fmla="*/ 157316 h 2153166"/>
+              <a:gd name="connsiteX4" fmla="*/ 614017 w 958147"/>
+              <a:gd name="connsiteY4" fmla="*/ 245806 h 2153166"/>
+              <a:gd name="connsiteX5" fmla="*/ 830327 w 958147"/>
+              <a:gd name="connsiteY5" fmla="*/ 412955 h 2153166"/>
+              <a:gd name="connsiteX6" fmla="*/ 958147 w 958147"/>
+              <a:gd name="connsiteY6" fmla="*/ 501445 h 2153166"/>
+              <a:gd name="connsiteX7" fmla="*/ 928650 w 958147"/>
+              <a:gd name="connsiteY7" fmla="*/ 550606 h 2153166"/>
+              <a:gd name="connsiteX8" fmla="*/ 751669 w 958147"/>
+              <a:gd name="connsiteY8" fmla="*/ 599767 h 2153166"/>
+              <a:gd name="connsiteX9" fmla="*/ 564856 w 958147"/>
+              <a:gd name="connsiteY9" fmla="*/ 609600 h 2153166"/>
+              <a:gd name="connsiteX10" fmla="*/ 525527 w 958147"/>
+              <a:gd name="connsiteY10" fmla="*/ 658761 h 2153166"/>
+              <a:gd name="connsiteX11" fmla="*/ 574688 w 958147"/>
+              <a:gd name="connsiteY11" fmla="*/ 963561 h 2153166"/>
+              <a:gd name="connsiteX12" fmla="*/ 4417 w 958147"/>
+              <a:gd name="connsiteY12" fmla="*/ 1347019 h 2153166"/>
+              <a:gd name="connsiteX13" fmla="*/ 14250 w 958147"/>
+              <a:gd name="connsiteY13" fmla="*/ 1386348 h 2153166"/>
+              <a:gd name="connsiteX14" fmla="*/ 328882 w 958147"/>
+              <a:gd name="connsiteY14" fmla="*/ 1337187 h 2153166"/>
+              <a:gd name="connsiteX15" fmla="*/ 358379 w 958147"/>
+              <a:gd name="connsiteY15" fmla="*/ 1327355 h 2153166"/>
+              <a:gd name="connsiteX16" fmla="*/ 456701 w 958147"/>
+              <a:gd name="connsiteY16" fmla="*/ 1307690 h 2153166"/>
+              <a:gd name="connsiteX17" fmla="*/ 535359 w 958147"/>
+              <a:gd name="connsiteY17" fmla="*/ 1337187 h 2153166"/>
+              <a:gd name="connsiteX18" fmla="*/ 555024 w 958147"/>
+              <a:gd name="connsiteY18" fmla="*/ 1415845 h 2153166"/>
+              <a:gd name="connsiteX19" fmla="*/ 633682 w 958147"/>
+              <a:gd name="connsiteY19" fmla="*/ 1563329 h 2153166"/>
+              <a:gd name="connsiteX20" fmla="*/ 663179 w 958147"/>
+              <a:gd name="connsiteY20" fmla="*/ 1602658 h 2153166"/>
+              <a:gd name="connsiteX21" fmla="*/ 673011 w 958147"/>
+              <a:gd name="connsiteY21" fmla="*/ 1710813 h 2153166"/>
+              <a:gd name="connsiteX22" fmla="*/ 633682 w 958147"/>
+              <a:gd name="connsiteY22" fmla="*/ 1848464 h 2153166"/>
+              <a:gd name="connsiteX23" fmla="*/ 653347 w 958147"/>
+              <a:gd name="connsiteY23" fmla="*/ 1946787 h 2153166"/>
+              <a:gd name="connsiteX24" fmla="*/ 673011 w 958147"/>
+              <a:gd name="connsiteY24" fmla="*/ 2054942 h 2153166"/>
+              <a:gd name="connsiteX25" fmla="*/ 692676 w 958147"/>
+              <a:gd name="connsiteY25" fmla="*/ 2133600 h 2153166"/>
+            </a:gdLst>
+            <a:ahLst/>
+            <a:cxnLst>
+              <a:cxn ang="0">
+                <a:pos x="connsiteX0" y="connsiteY0"/>
+              </a:cxn>
+              <a:cxn ang="0">
+                <a:pos x="connsiteX1" y="connsiteY1"/>
+              </a:cxn>
+              <a:cxn ang="0">
+                <a:pos x="connsiteX2" y="connsiteY2"/>
+              </a:cxn>
+              <a:cxn ang="0">
+                <a:pos x="connsiteX3" y="connsiteY3"/>
+              </a:cxn>
+              <a:cxn ang="0">
+                <a:pos x="connsiteX4" y="connsiteY4"/>
+              </a:cxn>
+              <a:cxn ang="0">
+                <a:pos x="connsiteX5" y="connsiteY5"/>
+              </a:cxn>
+              <a:cxn ang="0">
+                <a:pos x="connsiteX6" y="connsiteY6"/>
+              </a:cxn>
+              <a:cxn ang="0">
+                <a:pos x="connsiteX7" y="connsiteY7"/>
+              </a:cxn>
+              <a:cxn ang="0">
+                <a:pos x="connsiteX8" y="connsiteY8"/>
+              </a:cxn>
+              <a:cxn ang="0">
+                <a:pos x="connsiteX9" y="connsiteY9"/>
+              </a:cxn>
+              <a:cxn ang="0">
+                <a:pos x="connsiteX10" y="connsiteY10"/>
+              </a:cxn>
+              <a:cxn ang="0">
+                <a:pos x="connsiteX11" y="connsiteY11"/>
+              </a:cxn>
+              <a:cxn ang="0">
+                <a:pos x="connsiteX12" y="connsiteY12"/>
+              </a:cxn>
+              <a:cxn ang="0">
+                <a:pos x="connsiteX13" y="connsiteY13"/>
+              </a:cxn>
+              <a:cxn ang="0">
+                <a:pos x="connsiteX14" y="connsiteY14"/>
+              </a:cxn>
+              <a:cxn ang="0">
+                <a:pos x="connsiteX15" y="connsiteY15"/>
+              </a:cxn>
+              <a:cxn ang="0">
+                <a:pos x="connsiteX16" y="connsiteY16"/>
+              </a:cxn>
+              <a:cxn ang="0">
+                <a:pos x="connsiteX17" y="connsiteY17"/>
+              </a:cxn>
+              <a:cxn ang="0">
+                <a:pos x="connsiteX18" y="connsiteY18"/>
+              </a:cxn>
+              <a:cxn ang="0">
+                <a:pos x="connsiteX19" y="connsiteY19"/>
+              </a:cxn>
+              <a:cxn ang="0">
+                <a:pos x="connsiteX20" y="connsiteY20"/>
+              </a:cxn>
+              <a:cxn ang="0">
+                <a:pos x="connsiteX21" y="connsiteY21"/>
+              </a:cxn>
+              <a:cxn ang="0">
+                <a:pos x="connsiteX22" y="connsiteY22"/>
+              </a:cxn>
+              <a:cxn ang="0">
+                <a:pos x="connsiteX23" y="connsiteY23"/>
+              </a:cxn>
+              <a:cxn ang="0">
+                <a:pos x="connsiteX24" y="connsiteY24"/>
+              </a:cxn>
+              <a:cxn ang="0">
+                <a:pos x="connsiteX25" y="connsiteY25"/>
+              </a:cxn>
+            </a:cxnLst>
+            <a:rect l="l" t="t" r="r" b="b"/>
+            <a:pathLst>
+              <a:path w="958147" h="2153166">
+                <a:moveTo>
+                  <a:pt x="761501" y="0"/>
+                </a:moveTo>
+                <a:cubicBezTo>
+                  <a:pt x="771333" y="16387"/>
+                  <a:pt x="779758" y="33706"/>
+                  <a:pt x="790998" y="49161"/>
+                </a:cubicBezTo>
+                <a:cubicBezTo>
+                  <a:pt x="806054" y="69863"/>
+                  <a:pt x="849666" y="84388"/>
+                  <a:pt x="840159" y="108155"/>
+                </a:cubicBezTo>
+                <a:cubicBezTo>
+                  <a:pt x="818770" y="161629"/>
+                  <a:pt x="596512" y="157181"/>
+                  <a:pt x="594353" y="157316"/>
+                </a:cubicBezTo>
+                <a:cubicBezTo>
+                  <a:pt x="541353" y="174982"/>
+                  <a:pt x="541973" y="164156"/>
+                  <a:pt x="614017" y="245806"/>
+                </a:cubicBezTo>
+                <a:cubicBezTo>
+                  <a:pt x="697601" y="340535"/>
+                  <a:pt x="729116" y="337046"/>
+                  <a:pt x="830327" y="412955"/>
+                </a:cubicBezTo>
+                <a:cubicBezTo>
+                  <a:pt x="955101" y="506536"/>
+                  <a:pt x="860004" y="462187"/>
+                  <a:pt x="958147" y="501445"/>
+                </a:cubicBezTo>
+                <a:cubicBezTo>
+                  <a:pt x="948315" y="517832"/>
+                  <a:pt x="943441" y="538505"/>
+                  <a:pt x="928650" y="550606"/>
+                </a:cubicBezTo>
+                <a:cubicBezTo>
+                  <a:pt x="871147" y="597654"/>
+                  <a:pt x="822288" y="594897"/>
+                  <a:pt x="751669" y="599767"/>
+                </a:cubicBezTo>
+                <a:cubicBezTo>
+                  <a:pt x="689460" y="604057"/>
+                  <a:pt x="627127" y="606322"/>
+                  <a:pt x="564856" y="609600"/>
+                </a:cubicBezTo>
+                <a:cubicBezTo>
+                  <a:pt x="551746" y="625987"/>
+                  <a:pt x="527077" y="637833"/>
+                  <a:pt x="525527" y="658761"/>
+                </a:cubicBezTo>
+                <a:cubicBezTo>
+                  <a:pt x="514628" y="805897"/>
+                  <a:pt x="536632" y="849389"/>
+                  <a:pt x="574688" y="963561"/>
+                </a:cubicBezTo>
+                <a:cubicBezTo>
+                  <a:pt x="-88197" y="975190"/>
+                  <a:pt x="4417" y="786875"/>
+                  <a:pt x="4417" y="1347019"/>
+                </a:cubicBezTo>
+                <a:cubicBezTo>
+                  <a:pt x="4417" y="1360532"/>
+                  <a:pt x="10972" y="1373238"/>
+                  <a:pt x="14250" y="1386348"/>
+                </a:cubicBezTo>
+                <a:cubicBezTo>
+                  <a:pt x="168708" y="1367041"/>
+                  <a:pt x="175957" y="1369382"/>
+                  <a:pt x="328882" y="1337187"/>
+                </a:cubicBezTo>
+                <a:cubicBezTo>
+                  <a:pt x="339024" y="1335052"/>
+                  <a:pt x="348414" y="1330202"/>
+                  <a:pt x="358379" y="1327355"/>
+                </a:cubicBezTo>
+                <a:cubicBezTo>
+                  <a:pt x="399455" y="1315619"/>
+                  <a:pt x="410333" y="1315418"/>
+                  <a:pt x="456701" y="1307690"/>
+                </a:cubicBezTo>
+                <a:cubicBezTo>
+                  <a:pt x="482920" y="1317522"/>
+                  <a:pt x="516523" y="1316467"/>
+                  <a:pt x="535359" y="1337187"/>
+                </a:cubicBezTo>
+                <a:cubicBezTo>
+                  <a:pt x="553539" y="1357185"/>
+                  <a:pt x="546477" y="1390206"/>
+                  <a:pt x="555024" y="1415845"/>
+                </a:cubicBezTo>
+                <a:cubicBezTo>
+                  <a:pt x="574820" y="1475232"/>
+                  <a:pt x="598397" y="1510401"/>
+                  <a:pt x="633682" y="1563329"/>
+                </a:cubicBezTo>
+                <a:cubicBezTo>
+                  <a:pt x="642772" y="1576964"/>
+                  <a:pt x="653347" y="1589548"/>
+                  <a:pt x="663179" y="1602658"/>
+                </a:cubicBezTo>
+                <a:cubicBezTo>
+                  <a:pt x="666456" y="1638710"/>
+                  <a:pt x="674914" y="1674663"/>
+                  <a:pt x="673011" y="1710813"/>
+                </a:cubicBezTo>
+                <a:cubicBezTo>
+                  <a:pt x="671468" y="1740139"/>
+                  <a:pt x="644140" y="1817090"/>
+                  <a:pt x="633682" y="1848464"/>
+                </a:cubicBezTo>
+                <a:cubicBezTo>
+                  <a:pt x="640237" y="1881238"/>
+                  <a:pt x="647093" y="1913954"/>
+                  <a:pt x="653347" y="1946787"/>
+                </a:cubicBezTo>
+                <a:cubicBezTo>
+                  <a:pt x="660203" y="1982783"/>
+                  <a:pt x="665825" y="2019011"/>
+                  <a:pt x="673011" y="2054942"/>
+                </a:cubicBezTo>
+                <a:cubicBezTo>
+                  <a:pt x="693387" y="2156822"/>
+                  <a:pt x="692676" y="2172543"/>
+                  <a:pt x="692676" y="2133600"/>
+                </a:cubicBezTo>
+              </a:path>
+            </a:pathLst>
+          </a:custGeom>
+          <a:ln>
+            <a:solidFill>
+              <a:srgbClr val="00B050"/>
+            </a:solidFill>
+          </a:ln>
+        </p:spPr>
+        <p:style>
+          <a:lnRef idx="1">
+            <a:schemeClr val="accent4"/>
+          </a:lnRef>
+          <a:fillRef idx="0">
+            <a:schemeClr val="accent4"/>
+          </a:fillRef>
+          <a:effectRef idx="0">
+            <a:schemeClr val="accent4"/>
+          </a:effectRef>
+          <a:fontRef idx="minor">
+            <a:schemeClr val="tx1"/>
+          </a:fontRef>
+        </p:style>
+        <p:txBody>
+          <a:bodyPr rtlCol="0" anchor="ctr"/>
+          <a:lstStyle/>
+          <a:p>
+            <a:pPr algn="ctr"/>
+            <a:endParaRPr kumimoji="1" lang="ja-JP" altLang="en-US"/>
+          </a:p>
+        </p:txBody>
+      </p:sp>
+      <p:sp>
+        <p:nvSpPr>
+          <p:cNvPr id="16" name="フリーフォーム: 図形 15">
+            <a:extLst>
+              <a:ext uri="{FF2B5EF4-FFF2-40B4-BE49-F238E27FC236}">
+                <a16:creationId xmlns:a16="http://schemas.microsoft.com/office/drawing/2014/main" id="{B483EC39-14A5-EE26-74D1-89599B8F68F9}"/>
+              </a:ext>
+            </a:extLst>
+          </p:cNvPr>
+          <p:cNvSpPr/>
+          <p:nvPr/>
+        </p:nvSpPr>
+        <p:spPr>
+          <a:xfrm>
+            <a:off x="4109884" y="4391247"/>
+            <a:ext cx="1474839" cy="1868129"/>
+          </a:xfrm>
+          <a:custGeom>
+            <a:avLst/>
+            <a:gdLst>
+              <a:gd name="connsiteX0" fmla="*/ 1474839 w 1474839"/>
+              <a:gd name="connsiteY0" fmla="*/ 0 h 1868129"/>
+              <a:gd name="connsiteX1" fmla="*/ 1160206 w 1474839"/>
+              <a:gd name="connsiteY1" fmla="*/ 108155 h 1868129"/>
+              <a:gd name="connsiteX2" fmla="*/ 757084 w 1474839"/>
+              <a:gd name="connsiteY2" fmla="*/ 206478 h 1868129"/>
+              <a:gd name="connsiteX3" fmla="*/ 550606 w 1474839"/>
+              <a:gd name="connsiteY3" fmla="*/ 255639 h 1868129"/>
+              <a:gd name="connsiteX4" fmla="*/ 304800 w 1474839"/>
+              <a:gd name="connsiteY4" fmla="*/ 363794 h 1868129"/>
+              <a:gd name="connsiteX5" fmla="*/ 157316 w 1474839"/>
+              <a:gd name="connsiteY5" fmla="*/ 432620 h 1868129"/>
+              <a:gd name="connsiteX6" fmla="*/ 98322 w 1474839"/>
+              <a:gd name="connsiteY6" fmla="*/ 462117 h 1868129"/>
+              <a:gd name="connsiteX7" fmla="*/ 49161 w 1474839"/>
+              <a:gd name="connsiteY7" fmla="*/ 471949 h 1868129"/>
+              <a:gd name="connsiteX8" fmla="*/ 0 w 1474839"/>
+              <a:gd name="connsiteY8" fmla="*/ 491613 h 1868129"/>
+              <a:gd name="connsiteX9" fmla="*/ 58993 w 1474839"/>
+              <a:gd name="connsiteY9" fmla="*/ 589936 h 1868129"/>
+              <a:gd name="connsiteX10" fmla="*/ 117987 w 1474839"/>
+              <a:gd name="connsiteY10" fmla="*/ 629265 h 1868129"/>
+              <a:gd name="connsiteX11" fmla="*/ 147484 w 1474839"/>
+              <a:gd name="connsiteY11" fmla="*/ 658762 h 1868129"/>
+              <a:gd name="connsiteX12" fmla="*/ 196645 w 1474839"/>
+              <a:gd name="connsiteY12" fmla="*/ 717755 h 1868129"/>
+              <a:gd name="connsiteX13" fmla="*/ 363793 w 1474839"/>
+              <a:gd name="connsiteY13" fmla="*/ 845575 h 1868129"/>
+              <a:gd name="connsiteX14" fmla="*/ 412955 w 1474839"/>
+              <a:gd name="connsiteY14" fmla="*/ 914400 h 1868129"/>
+              <a:gd name="connsiteX15" fmla="*/ 452284 w 1474839"/>
+              <a:gd name="connsiteY15" fmla="*/ 943897 h 1868129"/>
+              <a:gd name="connsiteX16" fmla="*/ 501445 w 1474839"/>
+              <a:gd name="connsiteY16" fmla="*/ 1140542 h 1868129"/>
+              <a:gd name="connsiteX17" fmla="*/ 491613 w 1474839"/>
+              <a:gd name="connsiteY17" fmla="*/ 1238865 h 1868129"/>
+              <a:gd name="connsiteX18" fmla="*/ 481781 w 1474839"/>
+              <a:gd name="connsiteY18" fmla="*/ 1278194 h 1868129"/>
+              <a:gd name="connsiteX19" fmla="*/ 471948 w 1474839"/>
+              <a:gd name="connsiteY19" fmla="*/ 1327355 h 1868129"/>
+              <a:gd name="connsiteX20" fmla="*/ 462116 w 1474839"/>
+              <a:gd name="connsiteY20" fmla="*/ 1406013 h 1868129"/>
+              <a:gd name="connsiteX21" fmla="*/ 471948 w 1474839"/>
+              <a:gd name="connsiteY21" fmla="*/ 1543665 h 1868129"/>
+              <a:gd name="connsiteX22" fmla="*/ 521110 w 1474839"/>
+              <a:gd name="connsiteY22" fmla="*/ 1573162 h 1868129"/>
+              <a:gd name="connsiteX23" fmla="*/ 727587 w 1474839"/>
+              <a:gd name="connsiteY23" fmla="*/ 1622323 h 1868129"/>
+              <a:gd name="connsiteX24" fmla="*/ 865239 w 1474839"/>
+              <a:gd name="connsiteY24" fmla="*/ 1651820 h 1868129"/>
+              <a:gd name="connsiteX25" fmla="*/ 1061884 w 1474839"/>
+              <a:gd name="connsiteY25" fmla="*/ 1681317 h 1868129"/>
+              <a:gd name="connsiteX26" fmla="*/ 1297858 w 1474839"/>
+              <a:gd name="connsiteY26" fmla="*/ 1730478 h 1868129"/>
+              <a:gd name="connsiteX27" fmla="*/ 1356851 w 1474839"/>
+              <a:gd name="connsiteY27" fmla="*/ 1740310 h 1868129"/>
+              <a:gd name="connsiteX28" fmla="*/ 1376516 w 1474839"/>
+              <a:gd name="connsiteY28" fmla="*/ 1769807 h 1868129"/>
+              <a:gd name="connsiteX29" fmla="*/ 1396181 w 1474839"/>
+              <a:gd name="connsiteY29" fmla="*/ 1838633 h 1868129"/>
+              <a:gd name="connsiteX30" fmla="*/ 1406013 w 1474839"/>
+              <a:gd name="connsiteY30" fmla="*/ 1868129 h 1868129"/>
+            </a:gdLst>
+            <a:ahLst/>
+            <a:cxnLst>
+              <a:cxn ang="0">
+                <a:pos x="connsiteX0" y="connsiteY0"/>
+              </a:cxn>
+              <a:cxn ang="0">
+                <a:pos x="connsiteX1" y="connsiteY1"/>
+              </a:cxn>
+              <a:cxn ang="0">
+                <a:pos x="connsiteX2" y="connsiteY2"/>
+              </a:cxn>
+              <a:cxn ang="0">
+                <a:pos x="connsiteX3" y="connsiteY3"/>
+              </a:cxn>
+              <a:cxn ang="0">
+                <a:pos x="connsiteX4" y="connsiteY4"/>
+              </a:cxn>
+              <a:cxn ang="0">
+                <a:pos x="connsiteX5" y="connsiteY5"/>
+              </a:cxn>
+              <a:cxn ang="0">
+                <a:pos x="connsiteX6" y="connsiteY6"/>
+              </a:cxn>
+              <a:cxn ang="0">
+                <a:pos x="connsiteX7" y="connsiteY7"/>
+              </a:cxn>
+              <a:cxn ang="0">
+                <a:pos x="connsiteX8" y="connsiteY8"/>
+              </a:cxn>
+              <a:cxn ang="0">
+                <a:pos x="connsiteX9" y="connsiteY9"/>
+              </a:cxn>
+              <a:cxn ang="0">
+                <a:pos x="connsiteX10" y="connsiteY10"/>
+              </a:cxn>
+              <a:cxn ang="0">
+                <a:pos x="connsiteX11" y="connsiteY11"/>
+              </a:cxn>
+              <a:cxn ang="0">
+                <a:pos x="connsiteX12" y="connsiteY12"/>
+              </a:cxn>
+              <a:cxn ang="0">
+                <a:pos x="connsiteX13" y="connsiteY13"/>
+              </a:cxn>
+              <a:cxn ang="0">
+                <a:pos x="connsiteX14" y="connsiteY14"/>
+              </a:cxn>
+              <a:cxn ang="0">
+                <a:pos x="connsiteX15" y="connsiteY15"/>
+              </a:cxn>
+              <a:cxn ang="0">
+                <a:pos x="connsiteX16" y="connsiteY16"/>
+              </a:cxn>
+              <a:cxn ang="0">
+                <a:pos x="connsiteX17" y="connsiteY17"/>
+              </a:cxn>
+              <a:cxn ang="0">
+                <a:pos x="connsiteX18" y="connsiteY18"/>
+              </a:cxn>
+              <a:cxn ang="0">
+                <a:pos x="connsiteX19" y="connsiteY19"/>
+              </a:cxn>
+              <a:cxn ang="0">
+                <a:pos x="connsiteX20" y="connsiteY20"/>
+              </a:cxn>
+              <a:cxn ang="0">
+                <a:pos x="connsiteX21" y="connsiteY21"/>
+              </a:cxn>
+              <a:cxn ang="0">
+                <a:pos x="connsiteX22" y="connsiteY22"/>
+              </a:cxn>
+              <a:cxn ang="0">
+                <a:pos x="connsiteX23" y="connsiteY23"/>
+              </a:cxn>
+              <a:cxn ang="0">
+                <a:pos x="connsiteX24" y="connsiteY24"/>
+              </a:cxn>
+              <a:cxn ang="0">
+                <a:pos x="connsiteX25" y="connsiteY25"/>
+              </a:cxn>
+              <a:cxn ang="0">
+                <a:pos x="connsiteX26" y="connsiteY26"/>
+              </a:cxn>
+              <a:cxn ang="0">
+                <a:pos x="connsiteX27" y="connsiteY27"/>
+              </a:cxn>
+              <a:cxn ang="0">
+                <a:pos x="connsiteX28" y="connsiteY28"/>
+              </a:cxn>
+              <a:cxn ang="0">
+                <a:pos x="connsiteX29" y="connsiteY29"/>
+              </a:cxn>
+              <a:cxn ang="0">
+                <a:pos x="connsiteX30" y="connsiteY30"/>
+              </a:cxn>
+            </a:cxnLst>
+            <a:rect l="l" t="t" r="r" b="b"/>
+            <a:pathLst>
+              <a:path w="1474839" h="1868129">
+                <a:moveTo>
+                  <a:pt x="1474839" y="0"/>
+                </a:moveTo>
+                <a:cubicBezTo>
+                  <a:pt x="1369664" y="42070"/>
+                  <a:pt x="1280743" y="78756"/>
+                  <a:pt x="1160206" y="108155"/>
+                </a:cubicBezTo>
+                <a:lnTo>
+                  <a:pt x="757084" y="206478"/>
+                </a:lnTo>
+                <a:cubicBezTo>
+                  <a:pt x="688318" y="223115"/>
+                  <a:pt x="615914" y="228428"/>
+                  <a:pt x="550606" y="255639"/>
+                </a:cubicBezTo>
+                <a:cubicBezTo>
+                  <a:pt x="475914" y="286761"/>
+                  <a:pt x="375913" y="326691"/>
+                  <a:pt x="304800" y="363794"/>
+                </a:cubicBezTo>
+                <a:cubicBezTo>
+                  <a:pt x="164746" y="436866"/>
+                  <a:pt x="255936" y="412896"/>
+                  <a:pt x="157316" y="432620"/>
+                </a:cubicBezTo>
+                <a:cubicBezTo>
+                  <a:pt x="137651" y="442452"/>
+                  <a:pt x="118984" y="454604"/>
+                  <a:pt x="98322" y="462117"/>
+                </a:cubicBezTo>
+                <a:cubicBezTo>
+                  <a:pt x="82617" y="467828"/>
+                  <a:pt x="65168" y="467147"/>
+                  <a:pt x="49161" y="471949"/>
+                </a:cubicBezTo>
+                <a:cubicBezTo>
+                  <a:pt x="32256" y="477020"/>
+                  <a:pt x="16387" y="485058"/>
+                  <a:pt x="0" y="491613"/>
+                </a:cubicBezTo>
+                <a:cubicBezTo>
+                  <a:pt x="19664" y="524387"/>
+                  <a:pt x="34119" y="560916"/>
+                  <a:pt x="58993" y="589936"/>
+                </a:cubicBezTo>
+                <a:cubicBezTo>
+                  <a:pt x="74374" y="607880"/>
+                  <a:pt x="99331" y="614755"/>
+                  <a:pt x="117987" y="629265"/>
+                </a:cubicBezTo>
+                <a:cubicBezTo>
+                  <a:pt x="128963" y="637802"/>
+                  <a:pt x="138246" y="648369"/>
+                  <a:pt x="147484" y="658762"/>
+                </a:cubicBezTo>
+                <a:cubicBezTo>
+                  <a:pt x="164490" y="677894"/>
+                  <a:pt x="178545" y="699655"/>
+                  <a:pt x="196645" y="717755"/>
+                </a:cubicBezTo>
+                <a:cubicBezTo>
+                  <a:pt x="262481" y="783591"/>
+                  <a:pt x="286509" y="794052"/>
+                  <a:pt x="363793" y="845575"/>
+                </a:cubicBezTo>
+                <a:cubicBezTo>
+                  <a:pt x="380180" y="868517"/>
+                  <a:pt x="394095" y="893444"/>
+                  <a:pt x="412955" y="914400"/>
+                </a:cubicBezTo>
+                <a:cubicBezTo>
+                  <a:pt x="423917" y="926580"/>
+                  <a:pt x="446313" y="928637"/>
+                  <a:pt x="452284" y="943897"/>
+                </a:cubicBezTo>
+                <a:cubicBezTo>
+                  <a:pt x="476905" y="1006817"/>
+                  <a:pt x="485058" y="1074994"/>
+                  <a:pt x="501445" y="1140542"/>
+                </a:cubicBezTo>
+                <a:cubicBezTo>
+                  <a:pt x="498168" y="1173316"/>
+                  <a:pt x="496271" y="1206258"/>
+                  <a:pt x="491613" y="1238865"/>
+                </a:cubicBezTo>
+                <a:cubicBezTo>
+                  <a:pt x="489702" y="1252242"/>
+                  <a:pt x="484712" y="1265003"/>
+                  <a:pt x="481781" y="1278194"/>
+                </a:cubicBezTo>
+                <a:cubicBezTo>
+                  <a:pt x="478156" y="1294508"/>
+                  <a:pt x="474489" y="1310838"/>
+                  <a:pt x="471948" y="1327355"/>
+                </a:cubicBezTo>
+                <a:cubicBezTo>
+                  <a:pt x="467930" y="1353471"/>
+                  <a:pt x="465393" y="1379794"/>
+                  <a:pt x="462116" y="1406013"/>
+                </a:cubicBezTo>
+                <a:cubicBezTo>
+                  <a:pt x="465393" y="1451897"/>
+                  <a:pt x="456638" y="1500287"/>
+                  <a:pt x="471948" y="1543665"/>
+                </a:cubicBezTo>
+                <a:cubicBezTo>
+                  <a:pt x="478308" y="1561686"/>
+                  <a:pt x="503544" y="1565634"/>
+                  <a:pt x="521110" y="1573162"/>
+                </a:cubicBezTo>
+                <a:cubicBezTo>
+                  <a:pt x="609091" y="1610868"/>
+                  <a:pt x="628089" y="1603189"/>
+                  <a:pt x="727587" y="1622323"/>
+                </a:cubicBezTo>
+                <a:cubicBezTo>
+                  <a:pt x="773668" y="1631185"/>
+                  <a:pt x="819027" y="1643665"/>
+                  <a:pt x="865239" y="1651820"/>
+                </a:cubicBezTo>
+                <a:cubicBezTo>
+                  <a:pt x="930512" y="1663339"/>
+                  <a:pt x="996671" y="1669460"/>
+                  <a:pt x="1061884" y="1681317"/>
+                </a:cubicBezTo>
+                <a:cubicBezTo>
+                  <a:pt x="1140935" y="1695690"/>
+                  <a:pt x="1218604" y="1717269"/>
+                  <a:pt x="1297858" y="1730478"/>
+                </a:cubicBezTo>
+                <a:lnTo>
+                  <a:pt x="1356851" y="1740310"/>
+                </a:lnTo>
+                <a:cubicBezTo>
+                  <a:pt x="1363406" y="1750142"/>
+                  <a:pt x="1372127" y="1758835"/>
+                  <a:pt x="1376516" y="1769807"/>
+                </a:cubicBezTo>
+                <a:cubicBezTo>
+                  <a:pt x="1385378" y="1791960"/>
+                  <a:pt x="1389325" y="1815779"/>
+                  <a:pt x="1396181" y="1838633"/>
+                </a:cubicBezTo>
+                <a:cubicBezTo>
+                  <a:pt x="1399159" y="1848560"/>
+                  <a:pt x="1402736" y="1858297"/>
+                  <a:pt x="1406013" y="1868129"/>
+                </a:cubicBezTo>
+              </a:path>
+            </a:pathLst>
+          </a:custGeom>
+          <a:noFill/>
+        </p:spPr>
+        <p:style>
+          <a:lnRef idx="2">
+            <a:schemeClr val="accent1">
+              <a:shade val="50000"/>
+            </a:schemeClr>
+          </a:lnRef>
+          <a:fillRef idx="1">
+            <a:schemeClr val="accent1"/>
+          </a:fillRef>
+          <a:effectRef idx="0">
+            <a:schemeClr val="accent1"/>
+          </a:effectRef>
+          <a:fontRef idx="minor">
+            <a:schemeClr val="lt1"/>
+          </a:fontRef>
+        </p:style>
+        <p:txBody>
+          <a:bodyPr rtlCol="0" anchor="ctr"/>
+          <a:lstStyle/>
+          <a:p>
+            <a:pPr algn="ctr"/>
+            <a:endParaRPr kumimoji="1" lang="ja-JP" altLang="en-US"/>
+          </a:p>
+        </p:txBody>
+      </p:sp>
+      <mc:AlternateContent xmlns:mc="http://schemas.openxmlformats.org/markup-compatibility/2006">
+        <mc:Choice xmlns:a14="http://schemas.microsoft.com/office/drawing/2010/main" Requires="a14">
+          <p:sp>
+            <p:nvSpPr>
+              <p:cNvPr id="17" name="テキスト ボックス 16">
+                <a:extLst>
+                  <a:ext uri="{FF2B5EF4-FFF2-40B4-BE49-F238E27FC236}">
+                    <a16:creationId xmlns:a16="http://schemas.microsoft.com/office/drawing/2014/main" id="{2B3884C9-A515-91A2-B7C0-EB9479905771}"/>
+                  </a:ext>
+                </a:extLst>
+              </p:cNvPr>
+              <p:cNvSpPr txBox="1"/>
+              <p:nvPr/>
+            </p:nvSpPr>
+            <p:spPr>
+              <a:xfrm>
+                <a:off x="1053281" y="3422777"/>
+                <a:ext cx="9565558" cy="391646"/>
+              </a:xfrm>
+              <a:prstGeom prst="rect">
+                <a:avLst/>
+              </a:prstGeom>
+              <a:noFill/>
+            </p:spPr>
+            <p:txBody>
+              <a:bodyPr wrap="square">
+                <a:spAutoFit/>
+              </a:bodyPr>
+              <a:lstStyle/>
+              <a:p>
+                <a:pPr/>
+                <a14:m>
+                  <m:oMath xmlns:m="http://schemas.openxmlformats.org/officeDocument/2006/math">
+                    <m:sSub>
+                      <m:sSubPr>
+                        <m:ctrlPr>
+                          <a:rPr kumimoji="1" lang="en-US" altLang="ja-JP" b="0" i="1" smtClean="0">
+                            <a:latin typeface="Cambria Math" panose="02040503050406030204" pitchFamily="18" charset="0"/>
+                          </a:rPr>
+                        </m:ctrlPr>
+                      </m:sSubPr>
+                      <m:e>
+                        <m:r>
+                          <a:rPr kumimoji="1" lang="ja-JP" altLang="en-US" b="0" i="1" smtClean="0">
+                            <a:latin typeface="Cambria Math" panose="02040503050406030204" pitchFamily="18" charset="0"/>
+                          </a:rPr>
+                          <m:t>𝜇</m:t>
+                        </m:r>
+                      </m:e>
+                      <m:sub>
+                        <m:r>
+                          <a:rPr kumimoji="1" lang="en-US" altLang="ja-JP" b="0" i="1" smtClean="0">
+                            <a:latin typeface="Cambria Math" panose="02040503050406030204" pitchFamily="18" charset="0"/>
+                          </a:rPr>
+                          <m:t>𝑎</m:t>
+                        </m:r>
+                        <m:r>
+                          <a:rPr kumimoji="1" lang="en-US" altLang="ja-JP" b="0" i="1" smtClean="0">
+                            <a:latin typeface="Cambria Math" panose="02040503050406030204" pitchFamily="18" charset="0"/>
+                          </a:rPr>
+                          <m:t>,</m:t>
+                        </m:r>
+                        <m:r>
+                          <a:rPr kumimoji="1" lang="en-US" altLang="ja-JP" b="0" i="1" smtClean="0">
+                            <a:latin typeface="Cambria Math" panose="02040503050406030204" pitchFamily="18" charset="0"/>
+                          </a:rPr>
+                          <m:t>𝑗</m:t>
+                        </m:r>
+                      </m:sub>
+                    </m:sSub>
+                  </m:oMath>
+                </a14:m>
+                <a:r>
+                  <a:rPr lang="ja-JP" altLang="en-US" dirty="0"/>
+                  <a:t>：</a:t>
+                </a:r>
+                <a:r>
+                  <a:rPr lang="en-US" altLang="ja-JP" dirty="0"/>
+                  <a:t>j</a:t>
+                </a:r>
+                <a:r>
+                  <a:rPr lang="ja-JP" altLang="en-US" dirty="0"/>
+                  <a:t>の吸収係数</a:t>
+                </a:r>
+              </a:p>
+            </p:txBody>
+          </p:sp>
+        </mc:Choice>
+        <mc:Fallback>
+          <p:sp>
+            <p:nvSpPr>
+              <p:cNvPr id="17" name="テキスト ボックス 16">
+                <a:extLst>
+                  <a:ext uri="{FF2B5EF4-FFF2-40B4-BE49-F238E27FC236}">
+                    <a16:creationId xmlns:a16="http://schemas.microsoft.com/office/drawing/2014/main" id="{2B3884C9-A515-91A2-B7C0-EB9479905771}"/>
+                  </a:ext>
+                </a:extLst>
+              </p:cNvPr>
+              <p:cNvSpPr txBox="1">
+                <a:spLocks noRot="1" noChangeAspect="1" noMove="1" noResize="1" noEditPoints="1" noAdjustHandles="1" noChangeArrowheads="1" noChangeShapeType="1" noTextEdit="1"/>
+              </p:cNvSpPr>
+              <p:nvPr/>
+            </p:nvSpPr>
+            <p:spPr>
+              <a:xfrm>
+                <a:off x="1053281" y="3422777"/>
+                <a:ext cx="9565558" cy="391646"/>
+              </a:xfrm>
+              <a:prstGeom prst="rect">
+                <a:avLst/>
+              </a:prstGeom>
+              <a:blipFill>
+                <a:blip r:embed="rId6"/>
+                <a:stretch>
+                  <a:fillRect t="-4615" b="-20000"/>
+                </a:stretch>
+              </a:blipFill>
+            </p:spPr>
+            <p:txBody>
+              <a:bodyPr/>
+              <a:lstStyle/>
+              <a:p>
+                <a:r>
+                  <a:rPr lang="ja-JP" altLang="en-US">
+                    <a:noFill/>
+                  </a:rPr>
+                  <a:t> </a:t>
+                </a:r>
+              </a:p>
+            </p:txBody>
+          </p:sp>
+        </mc:Fallback>
+      </mc:AlternateContent>
+    </p:spTree>
+    <p:extLst>
+      <p:ext uri="{BB962C8B-B14F-4D97-AF65-F5344CB8AC3E}">
+        <p14:creationId xmlns:p14="http://schemas.microsoft.com/office/powerpoint/2010/main" val="589569359"/>
+      </p:ext>
+    </p:extLst>
+  </p:cSld>
+  <p:clrMapOvr>
+    <a:masterClrMapping/>
+  </p:clrMapOvr>
+</p:sld>
+</file>
+
 <file path=ppt/slides/slide2.xml><?xml version="1.0" encoding="utf-8"?>
 <p:sld xmlns:a="http://schemas.openxmlformats.org/drawingml/2006/main" xmlns:r="http://schemas.openxmlformats.org/officeDocument/2006/relationships" xmlns:p="http://schemas.openxmlformats.org/presentationml/2006/main">
   <p:cSld>
@@ -20865,6 +24582,974 @@
 </p:sld>
 </file>
 
+<file path=ppt/slides/slide20.xml><?xml version="1.0" encoding="utf-8"?>
+<p:sld xmlns:a="http://schemas.openxmlformats.org/drawingml/2006/main" xmlns:r="http://schemas.openxmlformats.org/officeDocument/2006/relationships" xmlns:p="http://schemas.openxmlformats.org/presentationml/2006/main">
+  <p:cSld>
+    <p:spTree>
+      <p:nvGrpSpPr>
+        <p:cNvPr id="1" name=""/>
+        <p:cNvGrpSpPr/>
+        <p:nvPr/>
+      </p:nvGrpSpPr>
+      <p:grpSpPr>
+        <a:xfrm>
+          <a:off x="0" y="0"/>
+          <a:ext cx="0" cy="0"/>
+          <a:chOff x="0" y="0"/>
+          <a:chExt cx="0" cy="0"/>
+        </a:xfrm>
+      </p:grpSpPr>
+      <p:sp>
+        <p:nvSpPr>
+          <p:cNvPr id="2" name="タイトル 1">
+            <a:extLst>
+              <a:ext uri="{FF2B5EF4-FFF2-40B4-BE49-F238E27FC236}">
+                <a16:creationId xmlns:a16="http://schemas.microsoft.com/office/drawing/2014/main" id="{79C24694-F6E7-9A21-DBDD-8AF562BD38BA}"/>
+              </a:ext>
+            </a:extLst>
+          </p:cNvPr>
+          <p:cNvSpPr>
+            <a:spLocks noGrp="1"/>
+          </p:cNvSpPr>
+          <p:nvPr>
+            <p:ph type="title"/>
+          </p:nvPr>
+        </p:nvSpPr>
+        <p:spPr/>
+        <p:txBody>
+          <a:bodyPr/>
+          <a:lstStyle/>
+          <a:p>
+            <a:r>
+              <a:rPr lang="ja-JP" altLang="en-US" dirty="0"/>
+              <a:t>関係式の導出</a:t>
+            </a:r>
+            <a:endParaRPr kumimoji="1" lang="ja-JP" altLang="en-US" dirty="0"/>
+          </a:p>
+        </p:txBody>
+      </p:sp>
+      <p:sp>
+        <p:nvSpPr>
+          <p:cNvPr id="4" name="テキスト ボックス 3">
+            <a:extLst>
+              <a:ext uri="{FF2B5EF4-FFF2-40B4-BE49-F238E27FC236}">
+                <a16:creationId xmlns:a16="http://schemas.microsoft.com/office/drawing/2014/main" id="{A7F3C307-B20E-F6ED-2980-BA8D16BF0200}"/>
+              </a:ext>
+            </a:extLst>
+          </p:cNvPr>
+          <p:cNvSpPr txBox="1"/>
+          <p:nvPr/>
+        </p:nvSpPr>
+        <p:spPr>
+          <a:xfrm>
+            <a:off x="914400" y="1602658"/>
+            <a:ext cx="9379974" cy="369332"/>
+          </a:xfrm>
+          <a:prstGeom prst="rect">
+            <a:avLst/>
+          </a:prstGeom>
+          <a:noFill/>
+        </p:spPr>
+        <p:txBody>
+          <a:bodyPr wrap="square" rtlCol="0">
+            <a:spAutoFit/>
+          </a:bodyPr>
+          <a:lstStyle/>
+          <a:p>
+            <a:r>
+              <a:rPr kumimoji="1" lang="en-US" altLang="ja-JP" dirty="0"/>
+              <a:t>Beer-Lambert</a:t>
+            </a:r>
+            <a:r>
+              <a:rPr lang="ja-JP" altLang="en-US" dirty="0"/>
+              <a:t>則</a:t>
+            </a:r>
+            <a:endParaRPr kumimoji="1" lang="ja-JP" altLang="en-US" dirty="0"/>
+          </a:p>
+        </p:txBody>
+      </p:sp>
+      <mc:AlternateContent xmlns:mc="http://schemas.openxmlformats.org/markup-compatibility/2006">
+        <mc:Choice xmlns:a14="http://schemas.microsoft.com/office/drawing/2010/main" Requires="a14">
+          <p:sp>
+            <p:nvSpPr>
+              <p:cNvPr id="5" name="テキスト ボックス 4">
+                <a:extLst>
+                  <a:ext uri="{FF2B5EF4-FFF2-40B4-BE49-F238E27FC236}">
+                    <a16:creationId xmlns:a16="http://schemas.microsoft.com/office/drawing/2014/main" id="{16BEC4FA-8FD6-F69A-63D7-2AE72ACEB0CA}"/>
+                  </a:ext>
+                </a:extLst>
+              </p:cNvPr>
+              <p:cNvSpPr txBox="1"/>
+              <p:nvPr/>
+            </p:nvSpPr>
+            <p:spPr>
+              <a:xfrm>
+                <a:off x="3642852" y="1648824"/>
+                <a:ext cx="1736950" cy="276999"/>
+              </a:xfrm>
+              <a:prstGeom prst="rect">
+                <a:avLst/>
+              </a:prstGeom>
+              <a:noFill/>
+            </p:spPr>
+            <p:txBody>
+              <a:bodyPr wrap="none" lIns="0" tIns="0" rIns="0" bIns="0" rtlCol="0">
+                <a:spAutoFit/>
+              </a:bodyPr>
+              <a:lstStyle/>
+              <a:p>
+                <a14:m>
+                  <m:oMathPara xmlns:m="http://schemas.openxmlformats.org/officeDocument/2006/math">
+                    <m:oMathParaPr>
+                      <m:jc m:val="centerGroup"/>
+                    </m:oMathParaPr>
+                    <m:oMath xmlns:m="http://schemas.openxmlformats.org/officeDocument/2006/math">
+                      <m:r>
+                        <a:rPr kumimoji="1" lang="en-US" altLang="ja-JP" b="0" i="1" smtClean="0">
+                          <a:latin typeface="Cambria Math" panose="02040503050406030204" pitchFamily="18" charset="0"/>
+                        </a:rPr>
+                        <m:t>𝐼</m:t>
+                      </m:r>
+                      <m:r>
+                        <a:rPr kumimoji="1" lang="en-US" altLang="ja-JP" b="0" i="1" smtClean="0">
+                          <a:latin typeface="Cambria Math" panose="02040503050406030204" pitchFamily="18" charset="0"/>
+                        </a:rPr>
+                        <m:t>=</m:t>
+                      </m:r>
+                      <m:sSub>
+                        <m:sSubPr>
+                          <m:ctrlPr>
+                            <a:rPr kumimoji="1" lang="en-US" altLang="ja-JP" b="0" i="1" smtClean="0">
+                              <a:latin typeface="Cambria Math" panose="02040503050406030204" pitchFamily="18" charset="0"/>
+                            </a:rPr>
+                          </m:ctrlPr>
+                        </m:sSubPr>
+                        <m:e>
+                          <m:r>
+                            <a:rPr kumimoji="1" lang="en-US" altLang="ja-JP" b="0" i="1" smtClean="0">
+                              <a:latin typeface="Cambria Math" panose="02040503050406030204" pitchFamily="18" charset="0"/>
+                            </a:rPr>
+                            <m:t>𝐼</m:t>
+                          </m:r>
+                        </m:e>
+                        <m:sub>
+                          <m:r>
+                            <a:rPr kumimoji="1" lang="en-US" altLang="ja-JP" b="0" i="1" smtClean="0">
+                              <a:latin typeface="Cambria Math" panose="02040503050406030204" pitchFamily="18" charset="0"/>
+                            </a:rPr>
+                            <m:t>0</m:t>
+                          </m:r>
+                        </m:sub>
+                      </m:sSub>
+                      <m:r>
+                        <m:rPr>
+                          <m:sty m:val="p"/>
+                        </m:rPr>
+                        <a:rPr kumimoji="1" lang="en-US" altLang="ja-JP" b="0" i="0" smtClean="0">
+                          <a:latin typeface="Cambria Math" panose="02040503050406030204" pitchFamily="18" charset="0"/>
+                        </a:rPr>
+                        <m:t>exp</m:t>
+                      </m:r>
+                      <m:r>
+                        <a:rPr kumimoji="1" lang="en-US" altLang="ja-JP" b="0" i="1" smtClean="0">
+                          <a:latin typeface="Cambria Math" panose="02040503050406030204" pitchFamily="18" charset="0"/>
+                        </a:rPr>
+                        <m:t>⁡(−</m:t>
+                      </m:r>
+                      <m:sSub>
+                        <m:sSubPr>
+                          <m:ctrlPr>
+                            <a:rPr kumimoji="1" lang="en-US" altLang="ja-JP" b="0" i="1" smtClean="0">
+                              <a:latin typeface="Cambria Math" panose="02040503050406030204" pitchFamily="18" charset="0"/>
+                            </a:rPr>
+                          </m:ctrlPr>
+                        </m:sSubPr>
+                        <m:e>
+                          <m:r>
+                            <a:rPr kumimoji="1" lang="ja-JP" altLang="en-US" b="0" i="1" smtClean="0">
+                              <a:latin typeface="Cambria Math" panose="02040503050406030204" pitchFamily="18" charset="0"/>
+                            </a:rPr>
+                            <m:t>𝜇</m:t>
+                          </m:r>
+                        </m:e>
+                        <m:sub>
+                          <m:r>
+                            <a:rPr kumimoji="1" lang="en-US" altLang="ja-JP" b="0" i="1" smtClean="0">
+                              <a:latin typeface="Cambria Math" panose="02040503050406030204" pitchFamily="18" charset="0"/>
+                            </a:rPr>
+                            <m:t>𝑎</m:t>
+                          </m:r>
+                        </m:sub>
+                      </m:sSub>
+                      <m:r>
+                        <a:rPr kumimoji="1" lang="en-US" altLang="ja-JP" b="0" i="1" smtClean="0">
+                          <a:latin typeface="Cambria Math" panose="02040503050406030204" pitchFamily="18" charset="0"/>
+                        </a:rPr>
+                        <m:t>𝐿</m:t>
+                      </m:r>
+                      <m:r>
+                        <a:rPr kumimoji="1" lang="en-US" altLang="ja-JP" b="0" i="1" smtClean="0">
+                          <a:latin typeface="Cambria Math" panose="02040503050406030204" pitchFamily="18" charset="0"/>
+                        </a:rPr>
+                        <m:t>)</m:t>
+                      </m:r>
+                    </m:oMath>
+                  </m:oMathPara>
+                </a14:m>
+                <a:endParaRPr kumimoji="1" lang="ja-JP" altLang="en-US" dirty="0"/>
+              </a:p>
+            </p:txBody>
+          </p:sp>
+        </mc:Choice>
+        <mc:Fallback>
+          <p:sp>
+            <p:nvSpPr>
+              <p:cNvPr id="5" name="テキスト ボックス 4">
+                <a:extLst>
+                  <a:ext uri="{FF2B5EF4-FFF2-40B4-BE49-F238E27FC236}">
+                    <a16:creationId xmlns:a16="http://schemas.microsoft.com/office/drawing/2014/main" id="{16BEC4FA-8FD6-F69A-63D7-2AE72ACEB0CA}"/>
+                  </a:ext>
+                </a:extLst>
+              </p:cNvPr>
+              <p:cNvSpPr txBox="1">
+                <a:spLocks noRot="1" noChangeAspect="1" noMove="1" noResize="1" noEditPoints="1" noAdjustHandles="1" noChangeArrowheads="1" noChangeShapeType="1" noTextEdit="1"/>
+              </p:cNvSpPr>
+              <p:nvPr/>
+            </p:nvSpPr>
+            <p:spPr>
+              <a:xfrm>
+                <a:off x="3642852" y="1648824"/>
+                <a:ext cx="1736950" cy="276999"/>
+              </a:xfrm>
+              <a:prstGeom prst="rect">
+                <a:avLst/>
+              </a:prstGeom>
+              <a:blipFill>
+                <a:blip r:embed="rId3"/>
+                <a:stretch>
+                  <a:fillRect l="-2456" t="-2174" r="-4211" b="-32609"/>
+                </a:stretch>
+              </a:blipFill>
+            </p:spPr>
+            <p:txBody>
+              <a:bodyPr/>
+              <a:lstStyle/>
+              <a:p>
+                <a:r>
+                  <a:rPr lang="ja-JP" altLang="en-US">
+                    <a:noFill/>
+                  </a:rPr>
+                  <a:t> </a:t>
+                </a:r>
+              </a:p>
+            </p:txBody>
+          </p:sp>
+        </mc:Fallback>
+      </mc:AlternateContent>
+      <mc:AlternateContent xmlns:mc="http://schemas.openxmlformats.org/markup-compatibility/2006">
+        <mc:Choice xmlns:a14="http://schemas.microsoft.com/office/drawing/2010/main" Requires="a14">
+          <p:sp>
+            <p:nvSpPr>
+              <p:cNvPr id="7" name="テキスト ボックス 6">
+                <a:extLst>
+                  <a:ext uri="{FF2B5EF4-FFF2-40B4-BE49-F238E27FC236}">
+                    <a16:creationId xmlns:a16="http://schemas.microsoft.com/office/drawing/2014/main" id="{1523C9D6-6276-60AF-F295-3ED32E14E295}"/>
+                  </a:ext>
+                </a:extLst>
+              </p:cNvPr>
+              <p:cNvSpPr txBox="1"/>
+              <p:nvPr/>
+            </p:nvSpPr>
+            <p:spPr>
+              <a:xfrm>
+                <a:off x="914400" y="2018156"/>
+                <a:ext cx="9379974" cy="391646"/>
+              </a:xfrm>
+              <a:prstGeom prst="rect">
+                <a:avLst/>
+              </a:prstGeom>
+              <a:noFill/>
+            </p:spPr>
+            <p:txBody>
+              <a:bodyPr wrap="square" rtlCol="0">
+                <a:spAutoFit/>
+              </a:bodyPr>
+              <a:lstStyle/>
+              <a:p>
+                <a:r>
+                  <a:rPr kumimoji="1" lang="ja-JP" altLang="en-US" dirty="0"/>
+                  <a:t>光路長が</a:t>
+                </a:r>
+                <a14:m>
+                  <m:oMath xmlns:m="http://schemas.openxmlformats.org/officeDocument/2006/math">
+                    <m:r>
+                      <a:rPr kumimoji="1" lang="en-US" altLang="ja-JP" b="0" i="1" smtClean="0">
+                        <a:latin typeface="Cambria Math" panose="02040503050406030204" pitchFamily="18" charset="0"/>
+                      </a:rPr>
+                      <m:t>𝐿</m:t>
+                    </m:r>
+                    <m:d>
+                      <m:dPr>
+                        <m:ctrlPr>
+                          <a:rPr kumimoji="1" lang="en-US" altLang="ja-JP" b="0" i="1" smtClean="0">
+                            <a:latin typeface="Cambria Math" panose="02040503050406030204" pitchFamily="18" charset="0"/>
+                          </a:rPr>
+                        </m:ctrlPr>
+                      </m:dPr>
+                      <m:e>
+                        <m:r>
+                          <a:rPr kumimoji="1" lang="en-US" altLang="ja-JP" b="0" i="1" smtClean="0">
+                            <a:latin typeface="Cambria Math" panose="02040503050406030204" pitchFamily="18" charset="0"/>
+                          </a:rPr>
+                          <m:t>𝑡</m:t>
+                        </m:r>
+                      </m:e>
+                    </m:d>
+                    <m:r>
+                      <a:rPr kumimoji="1" lang="en-US" altLang="ja-JP" b="0" i="1" smtClean="0">
+                        <a:latin typeface="Cambria Math" panose="02040503050406030204" pitchFamily="18" charset="0"/>
+                      </a:rPr>
+                      <m:t>=</m:t>
+                    </m:r>
+                    <m:r>
+                      <a:rPr kumimoji="1" lang="en-US" altLang="ja-JP" b="0" i="1" smtClean="0">
+                        <a:latin typeface="Cambria Math" panose="02040503050406030204" pitchFamily="18" charset="0"/>
+                      </a:rPr>
+                      <m:t>𝑣𝑡</m:t>
+                    </m:r>
+                    <m:r>
+                      <a:rPr lang="ja-JP" altLang="en-US" i="1">
+                        <a:latin typeface="Cambria Math" panose="02040503050406030204" pitchFamily="18" charset="0"/>
+                      </a:rPr>
+                      <m:t>となる</m:t>
+                    </m:r>
+                    <m:r>
+                      <a:rPr lang="ja-JP" altLang="en-US" i="1" smtClean="0">
+                        <a:latin typeface="Cambria Math" panose="02040503050406030204" pitchFamily="18" charset="0"/>
+                      </a:rPr>
+                      <m:t>平均</m:t>
+                    </m:r>
+                  </m:oMath>
+                </a14:m>
+                <a:r>
+                  <a:rPr kumimoji="1" lang="ja-JP" altLang="en-US" dirty="0"/>
+                  <a:t>光路長分布を</a:t>
+                </a:r>
+                <a14:m>
+                  <m:oMath xmlns:m="http://schemas.openxmlformats.org/officeDocument/2006/math">
+                    <m:sSub>
+                      <m:sSubPr>
+                        <m:ctrlPr>
+                          <a:rPr lang="en-US" altLang="ja-JP" i="1">
+                            <a:latin typeface="Cambria Math" panose="02040503050406030204" pitchFamily="18" charset="0"/>
+                          </a:rPr>
+                        </m:ctrlPr>
+                      </m:sSubPr>
+                      <m:e>
+                        <m:r>
+                          <a:rPr lang="en-US" altLang="ja-JP" b="0" i="1" smtClean="0">
+                            <a:latin typeface="Cambria Math" panose="02040503050406030204" pitchFamily="18" charset="0"/>
+                          </a:rPr>
+                          <m:t>𝐿</m:t>
+                        </m:r>
+                      </m:e>
+                      <m:sub>
+                        <m:r>
+                          <a:rPr lang="en-US" altLang="ja-JP" b="0" i="1" smtClean="0">
+                            <a:latin typeface="Cambria Math" panose="02040503050406030204" pitchFamily="18" charset="0"/>
+                          </a:rPr>
+                          <m:t>𝑗</m:t>
+                        </m:r>
+                      </m:sub>
+                    </m:sSub>
+                    <m:d>
+                      <m:dPr>
+                        <m:ctrlPr>
+                          <a:rPr lang="en-US" altLang="ja-JP" b="0" i="1" smtClean="0">
+                            <a:latin typeface="Cambria Math" panose="02040503050406030204" pitchFamily="18" charset="0"/>
+                          </a:rPr>
+                        </m:ctrlPr>
+                      </m:dPr>
+                      <m:e>
+                        <m:r>
+                          <a:rPr lang="en-US" altLang="ja-JP" b="0" i="1" smtClean="0">
+                            <a:latin typeface="Cambria Math" panose="02040503050406030204" pitchFamily="18" charset="0"/>
+                          </a:rPr>
+                          <m:t>𝑥</m:t>
+                        </m:r>
+                        <m:r>
+                          <a:rPr lang="en-US" altLang="ja-JP" b="0" i="1" smtClean="0">
+                            <a:latin typeface="Cambria Math" panose="02040503050406030204" pitchFamily="18" charset="0"/>
+                          </a:rPr>
+                          <m:t>,</m:t>
+                        </m:r>
+                        <m:sSub>
+                          <m:sSubPr>
+                            <m:ctrlPr>
+                              <a:rPr lang="en-US" altLang="ja-JP" b="0" i="1" smtClean="0">
+                                <a:latin typeface="Cambria Math" panose="02040503050406030204" pitchFamily="18" charset="0"/>
+                              </a:rPr>
+                            </m:ctrlPr>
+                          </m:sSubPr>
+                          <m:e>
+                            <m:r>
+                              <a:rPr lang="en-US" altLang="ja-JP" b="0" i="1" smtClean="0">
+                                <a:latin typeface="Cambria Math" panose="02040503050406030204" pitchFamily="18" charset="0"/>
+                              </a:rPr>
+                              <m:t>𝑥</m:t>
+                            </m:r>
+                          </m:e>
+                          <m:sub>
+                            <m:r>
+                              <a:rPr lang="en-US" altLang="ja-JP" b="0" i="1" smtClean="0">
+                                <a:latin typeface="Cambria Math" panose="02040503050406030204" pitchFamily="18" charset="0"/>
+                              </a:rPr>
+                              <m:t>𝑖</m:t>
+                            </m:r>
+                          </m:sub>
+                        </m:sSub>
+                        <m:r>
+                          <a:rPr lang="en-US" altLang="ja-JP" b="0" i="1" smtClean="0">
+                            <a:latin typeface="Cambria Math" panose="02040503050406030204" pitchFamily="18" charset="0"/>
+                          </a:rPr>
+                          <m:t>,</m:t>
+                        </m:r>
+                        <m:r>
+                          <a:rPr lang="en-US" altLang="ja-JP" b="0" i="1" smtClean="0">
+                            <a:latin typeface="Cambria Math" panose="02040503050406030204" pitchFamily="18" charset="0"/>
+                          </a:rPr>
+                          <m:t>𝑡</m:t>
+                        </m:r>
+                      </m:e>
+                    </m:d>
+                  </m:oMath>
+                </a14:m>
+                <a:r>
+                  <a:rPr kumimoji="1" lang="ja-JP" altLang="en-US" dirty="0"/>
+                  <a:t>とすると</a:t>
+                </a:r>
+              </a:p>
+            </p:txBody>
+          </p:sp>
+        </mc:Choice>
+        <mc:Fallback>
+          <p:sp>
+            <p:nvSpPr>
+              <p:cNvPr id="7" name="テキスト ボックス 6">
+                <a:extLst>
+                  <a:ext uri="{FF2B5EF4-FFF2-40B4-BE49-F238E27FC236}">
+                    <a16:creationId xmlns:a16="http://schemas.microsoft.com/office/drawing/2014/main" id="{1523C9D6-6276-60AF-F295-3ED32E14E295}"/>
+                  </a:ext>
+                </a:extLst>
+              </p:cNvPr>
+              <p:cNvSpPr txBox="1">
+                <a:spLocks noRot="1" noChangeAspect="1" noMove="1" noResize="1" noEditPoints="1" noAdjustHandles="1" noChangeArrowheads="1" noChangeShapeType="1" noTextEdit="1"/>
+              </p:cNvSpPr>
+              <p:nvPr/>
+            </p:nvSpPr>
+            <p:spPr>
+              <a:xfrm>
+                <a:off x="914400" y="2018156"/>
+                <a:ext cx="9379974" cy="391646"/>
+              </a:xfrm>
+              <a:prstGeom prst="rect">
+                <a:avLst/>
+              </a:prstGeom>
+              <a:blipFill>
+                <a:blip r:embed="rId4"/>
+                <a:stretch>
+                  <a:fillRect l="-520" t="-4688" b="-21875"/>
+                </a:stretch>
+              </a:blipFill>
+            </p:spPr>
+            <p:txBody>
+              <a:bodyPr/>
+              <a:lstStyle/>
+              <a:p>
+                <a:r>
+                  <a:rPr lang="ja-JP" altLang="en-US">
+                    <a:noFill/>
+                  </a:rPr>
+                  <a:t> </a:t>
+                </a:r>
+              </a:p>
+            </p:txBody>
+          </p:sp>
+        </mc:Fallback>
+      </mc:AlternateContent>
+      <mc:AlternateContent xmlns:mc="http://schemas.openxmlformats.org/markup-compatibility/2006">
+        <mc:Choice xmlns:a14="http://schemas.microsoft.com/office/drawing/2010/main" Requires="a14">
+          <p:sp>
+            <p:nvSpPr>
+              <p:cNvPr id="8" name="テキスト ボックス 7">
+                <a:extLst>
+                  <a:ext uri="{FF2B5EF4-FFF2-40B4-BE49-F238E27FC236}">
+                    <a16:creationId xmlns:a16="http://schemas.microsoft.com/office/drawing/2014/main" id="{C83DC581-541E-B49D-6A60-2CDEF0CFA466}"/>
+                  </a:ext>
+                </a:extLst>
+              </p:cNvPr>
+              <p:cNvSpPr txBox="1"/>
+              <p:nvPr/>
+            </p:nvSpPr>
+            <p:spPr>
+              <a:xfrm>
+                <a:off x="3048000" y="2213979"/>
+                <a:ext cx="6096000" cy="972702"/>
+              </a:xfrm>
+              <a:prstGeom prst="rect">
+                <a:avLst/>
+              </a:prstGeom>
+              <a:noFill/>
+            </p:spPr>
+            <p:txBody>
+              <a:bodyPr wrap="square">
+                <a:spAutoFit/>
+              </a:bodyPr>
+              <a:lstStyle/>
+              <a:p>
+                <a:pPr/>
+                <a14:m>
+                  <m:oMathPara xmlns:m="http://schemas.openxmlformats.org/officeDocument/2006/math">
+                    <m:oMathParaPr>
+                      <m:jc m:val="centerGroup"/>
+                    </m:oMathParaPr>
+                    <m:oMath xmlns:m="http://schemas.openxmlformats.org/officeDocument/2006/math">
+                      <m:sSub>
+                        <m:sSubPr>
+                          <m:ctrlPr>
+                            <a:rPr kumimoji="1" lang="en-US" altLang="ja-JP" i="1" smtClean="0">
+                              <a:latin typeface="Cambria Math" panose="02040503050406030204" pitchFamily="18" charset="0"/>
+                            </a:rPr>
+                          </m:ctrlPr>
+                        </m:sSubPr>
+                        <m:e>
+                          <m:r>
+                            <a:rPr kumimoji="1" lang="en-US" altLang="ja-JP" b="0" i="1" smtClean="0">
+                              <a:latin typeface="Cambria Math" panose="02040503050406030204" pitchFamily="18" charset="0"/>
+                            </a:rPr>
+                            <m:t>𝐼</m:t>
+                          </m:r>
+                        </m:e>
+                        <m:sub>
+                          <m:r>
+                            <a:rPr kumimoji="1" lang="en-US" altLang="ja-JP" b="0" i="1" smtClean="0">
+                              <a:latin typeface="Cambria Math" panose="02040503050406030204" pitchFamily="18" charset="0"/>
+                            </a:rPr>
+                            <m:t>𝑚</m:t>
+                          </m:r>
+                        </m:sub>
+                      </m:sSub>
+                      <m:d>
+                        <m:dPr>
+                          <m:ctrlPr>
+                            <a:rPr kumimoji="1" lang="en-US" altLang="ja-JP" b="0" i="1" smtClean="0">
+                              <a:latin typeface="Cambria Math" panose="02040503050406030204" pitchFamily="18" charset="0"/>
+                            </a:rPr>
+                          </m:ctrlPr>
+                        </m:dPr>
+                        <m:e>
+                          <m:r>
+                            <a:rPr kumimoji="1" lang="en-US" altLang="ja-JP" b="0" i="1" smtClean="0">
+                              <a:latin typeface="Cambria Math" panose="02040503050406030204" pitchFamily="18" charset="0"/>
+                            </a:rPr>
+                            <m:t>𝑥</m:t>
+                          </m:r>
+                          <m:r>
+                            <a:rPr kumimoji="1" lang="en-US" altLang="ja-JP" b="0" i="1" smtClean="0">
+                              <a:latin typeface="Cambria Math" panose="02040503050406030204" pitchFamily="18" charset="0"/>
+                            </a:rPr>
+                            <m:t>,</m:t>
+                          </m:r>
+                          <m:sSub>
+                            <m:sSubPr>
+                              <m:ctrlPr>
+                                <a:rPr kumimoji="1" lang="en-US" altLang="ja-JP" b="0" i="1" smtClean="0">
+                                  <a:latin typeface="Cambria Math" panose="02040503050406030204" pitchFamily="18" charset="0"/>
+                                </a:rPr>
+                              </m:ctrlPr>
+                            </m:sSubPr>
+                            <m:e>
+                              <m:r>
+                                <a:rPr kumimoji="1" lang="en-US" altLang="ja-JP" b="0" i="1" smtClean="0">
+                                  <a:latin typeface="Cambria Math" panose="02040503050406030204" pitchFamily="18" charset="0"/>
+                                </a:rPr>
+                                <m:t>𝑥</m:t>
+                              </m:r>
+                            </m:e>
+                            <m:sub>
+                              <m:r>
+                                <a:rPr kumimoji="1" lang="en-US" altLang="ja-JP" b="0" i="1" smtClean="0">
+                                  <a:latin typeface="Cambria Math" panose="02040503050406030204" pitchFamily="18" charset="0"/>
+                                </a:rPr>
+                                <m:t>𝑖</m:t>
+                              </m:r>
+                            </m:sub>
+                          </m:sSub>
+                          <m:r>
+                            <a:rPr kumimoji="1" lang="en-US" altLang="ja-JP" b="0" i="1" smtClean="0">
+                              <a:latin typeface="Cambria Math" panose="02040503050406030204" pitchFamily="18" charset="0"/>
+                            </a:rPr>
+                            <m:t>,</m:t>
+                          </m:r>
+                          <m:r>
+                            <a:rPr kumimoji="1" lang="en-US" altLang="ja-JP" b="0" i="1" smtClean="0">
+                              <a:latin typeface="Cambria Math" panose="02040503050406030204" pitchFamily="18" charset="0"/>
+                            </a:rPr>
+                            <m:t>𝑡</m:t>
+                          </m:r>
+                        </m:e>
+                      </m:d>
+                      <m:r>
+                        <a:rPr kumimoji="1" lang="en-US" altLang="ja-JP" b="0" i="1" smtClean="0">
+                          <a:latin typeface="Cambria Math" panose="02040503050406030204" pitchFamily="18" charset="0"/>
+                        </a:rPr>
+                        <m:t>=</m:t>
+                      </m:r>
+                      <m:sSub>
+                        <m:sSubPr>
+                          <m:ctrlPr>
+                            <a:rPr kumimoji="1" lang="en-US" altLang="ja-JP" b="0" i="1" smtClean="0">
+                              <a:latin typeface="Cambria Math" panose="02040503050406030204" pitchFamily="18" charset="0"/>
+                            </a:rPr>
+                          </m:ctrlPr>
+                        </m:sSubPr>
+                        <m:e>
+                          <m:r>
+                            <a:rPr kumimoji="1" lang="en-US" altLang="ja-JP" b="0" i="1" smtClean="0">
+                              <a:latin typeface="Cambria Math" panose="02040503050406030204" pitchFamily="18" charset="0"/>
+                            </a:rPr>
+                            <m:t>𝐼</m:t>
+                          </m:r>
+                        </m:e>
+                        <m:sub>
+                          <m:r>
+                            <a:rPr kumimoji="1" lang="en-US" altLang="ja-JP" b="0" i="1" smtClean="0">
+                              <a:latin typeface="Cambria Math" panose="02040503050406030204" pitchFamily="18" charset="0"/>
+                            </a:rPr>
+                            <m:t>𝑟</m:t>
+                          </m:r>
+                        </m:sub>
+                      </m:sSub>
+                      <m:d>
+                        <m:dPr>
+                          <m:ctrlPr>
+                            <a:rPr kumimoji="1" lang="en-US" altLang="ja-JP" b="0" i="1" smtClean="0">
+                              <a:latin typeface="Cambria Math" panose="02040503050406030204" pitchFamily="18" charset="0"/>
+                            </a:rPr>
+                          </m:ctrlPr>
+                        </m:dPr>
+                        <m:e>
+                          <m:r>
+                            <a:rPr kumimoji="1" lang="en-US" altLang="ja-JP" b="0" i="1" smtClean="0">
+                              <a:latin typeface="Cambria Math" panose="02040503050406030204" pitchFamily="18" charset="0"/>
+                            </a:rPr>
+                            <m:t>𝑥</m:t>
+                          </m:r>
+                          <m:r>
+                            <a:rPr kumimoji="1" lang="en-US" altLang="ja-JP" b="0" i="1" smtClean="0">
+                              <a:latin typeface="Cambria Math" panose="02040503050406030204" pitchFamily="18" charset="0"/>
+                            </a:rPr>
+                            <m:t>,</m:t>
+                          </m:r>
+                          <m:sSub>
+                            <m:sSubPr>
+                              <m:ctrlPr>
+                                <a:rPr kumimoji="1" lang="en-US" altLang="ja-JP" b="0" i="1" smtClean="0">
+                                  <a:latin typeface="Cambria Math" panose="02040503050406030204" pitchFamily="18" charset="0"/>
+                                </a:rPr>
+                              </m:ctrlPr>
+                            </m:sSubPr>
+                            <m:e>
+                              <m:r>
+                                <a:rPr kumimoji="1" lang="en-US" altLang="ja-JP" b="0" i="1" smtClean="0">
+                                  <a:latin typeface="Cambria Math" panose="02040503050406030204" pitchFamily="18" charset="0"/>
+                                </a:rPr>
+                                <m:t>𝑥</m:t>
+                              </m:r>
+                            </m:e>
+                            <m:sub>
+                              <m:r>
+                                <a:rPr kumimoji="1" lang="en-US" altLang="ja-JP" b="0" i="1" smtClean="0">
+                                  <a:latin typeface="Cambria Math" panose="02040503050406030204" pitchFamily="18" charset="0"/>
+                                </a:rPr>
+                                <m:t>𝑖</m:t>
+                              </m:r>
+                            </m:sub>
+                          </m:sSub>
+                          <m:r>
+                            <a:rPr kumimoji="1" lang="en-US" altLang="ja-JP" b="0" i="1" smtClean="0">
+                              <a:latin typeface="Cambria Math" panose="02040503050406030204" pitchFamily="18" charset="0"/>
+                            </a:rPr>
+                            <m:t>,</m:t>
+                          </m:r>
+                          <m:r>
+                            <a:rPr kumimoji="1" lang="en-US" altLang="ja-JP" b="0" i="1" smtClean="0">
+                              <a:latin typeface="Cambria Math" panose="02040503050406030204" pitchFamily="18" charset="0"/>
+                            </a:rPr>
+                            <m:t>𝑡</m:t>
+                          </m:r>
+                        </m:e>
+                      </m:d>
+                      <m:r>
+                        <a:rPr kumimoji="1" lang="en-US" altLang="ja-JP" b="0" i="1" smtClean="0">
+                          <a:latin typeface="Cambria Math" panose="02040503050406030204" pitchFamily="18" charset="0"/>
+                        </a:rPr>
+                        <m:t>𝑒𝑥𝑝</m:t>
+                      </m:r>
+                      <m:d>
+                        <m:dPr>
+                          <m:begChr m:val="["/>
+                          <m:endChr m:val="]"/>
+                          <m:ctrlPr>
+                            <a:rPr kumimoji="1" lang="en-US" altLang="ja-JP" b="0" i="1" smtClean="0">
+                              <a:latin typeface="Cambria Math" panose="02040503050406030204" pitchFamily="18" charset="0"/>
+                            </a:rPr>
+                          </m:ctrlPr>
+                        </m:dPr>
+                        <m:e>
+                          <m:r>
+                            <a:rPr kumimoji="1" lang="en-US" altLang="ja-JP" b="0" i="1" smtClean="0">
+                              <a:latin typeface="Cambria Math" panose="02040503050406030204" pitchFamily="18" charset="0"/>
+                            </a:rPr>
+                            <m:t>−</m:t>
+                          </m:r>
+                          <m:nary>
+                            <m:naryPr>
+                              <m:chr m:val="∑"/>
+                              <m:ctrlPr>
+                                <a:rPr kumimoji="1" lang="en-US" altLang="ja-JP" b="0" i="1" smtClean="0">
+                                  <a:latin typeface="Cambria Math" panose="02040503050406030204" pitchFamily="18" charset="0"/>
+                                </a:rPr>
+                              </m:ctrlPr>
+                            </m:naryPr>
+                            <m:sub>
+                              <m:r>
+                                <m:rPr>
+                                  <m:brk m:alnAt="23"/>
+                                </m:rPr>
+                                <a:rPr kumimoji="1" lang="en-US" altLang="ja-JP" b="0" i="1" smtClean="0">
+                                  <a:latin typeface="Cambria Math" panose="02040503050406030204" pitchFamily="18" charset="0"/>
+                                </a:rPr>
+                                <m:t>𝑗</m:t>
+                              </m:r>
+                              <m:r>
+                                <a:rPr kumimoji="1" lang="en-US" altLang="ja-JP" b="0" i="1" smtClean="0">
+                                  <a:latin typeface="Cambria Math" panose="02040503050406030204" pitchFamily="18" charset="0"/>
+                                </a:rPr>
+                                <m:t>=</m:t>
+                              </m:r>
+                              <m:r>
+                                <m:rPr>
+                                  <m:brk m:alnAt="23"/>
+                                </m:rPr>
+                                <a:rPr kumimoji="1" lang="en-US" altLang="ja-JP" b="0" i="1" smtClean="0">
+                                  <a:latin typeface="Cambria Math" panose="02040503050406030204" pitchFamily="18" charset="0"/>
+                                </a:rPr>
+                                <m:t>1</m:t>
+                              </m:r>
+                            </m:sub>
+                            <m:sup>
+                              <m:r>
+                                <a:rPr kumimoji="1" lang="en-US" altLang="ja-JP" b="0" i="1" smtClean="0">
+                                  <a:latin typeface="Cambria Math" panose="02040503050406030204" pitchFamily="18" charset="0"/>
+                                </a:rPr>
+                                <m:t>𝑁</m:t>
+                              </m:r>
+                            </m:sup>
+                            <m:e>
+                              <m:sSub>
+                                <m:sSubPr>
+                                  <m:ctrlPr>
+                                    <a:rPr lang="en-US" altLang="ja-JP" i="1">
+                                      <a:latin typeface="Cambria Math" panose="02040503050406030204" pitchFamily="18" charset="0"/>
+                                    </a:rPr>
+                                  </m:ctrlPr>
+                                </m:sSubPr>
+                                <m:e>
+                                  <m:r>
+                                    <a:rPr lang="ja-JP" altLang="en-US" i="1">
+                                      <a:latin typeface="Cambria Math" panose="02040503050406030204" pitchFamily="18" charset="0"/>
+                                    </a:rPr>
+                                    <m:t>𝜇</m:t>
+                                  </m:r>
+                                </m:e>
+                                <m:sub>
+                                  <m:r>
+                                    <a:rPr lang="en-US" altLang="ja-JP" i="1">
+                                      <a:latin typeface="Cambria Math" panose="02040503050406030204" pitchFamily="18" charset="0"/>
+                                    </a:rPr>
+                                    <m:t>𝑎</m:t>
+                                  </m:r>
+                                  <m:r>
+                                    <a:rPr lang="en-US" altLang="ja-JP" i="1">
+                                      <a:latin typeface="Cambria Math" panose="02040503050406030204" pitchFamily="18" charset="0"/>
+                                    </a:rPr>
+                                    <m:t>,</m:t>
+                                  </m:r>
+                                  <m:r>
+                                    <a:rPr lang="en-US" altLang="ja-JP" i="1">
+                                      <a:latin typeface="Cambria Math" panose="02040503050406030204" pitchFamily="18" charset="0"/>
+                                    </a:rPr>
+                                    <m:t>𝑗</m:t>
+                                  </m:r>
+                                </m:sub>
+                              </m:sSub>
+                              <m:sSub>
+                                <m:sSubPr>
+                                  <m:ctrlPr>
+                                    <a:rPr lang="en-US" altLang="ja-JP" i="1">
+                                      <a:latin typeface="Cambria Math" panose="02040503050406030204" pitchFamily="18" charset="0"/>
+                                    </a:rPr>
+                                  </m:ctrlPr>
+                                </m:sSubPr>
+                                <m:e>
+                                  <m:r>
+                                    <a:rPr lang="en-US" altLang="ja-JP" b="0" i="1" smtClean="0">
+                                      <a:latin typeface="Cambria Math" panose="02040503050406030204" pitchFamily="18" charset="0"/>
+                                    </a:rPr>
+                                    <m:t>𝐿</m:t>
+                                  </m:r>
+                                </m:e>
+                                <m:sub>
+                                  <m:r>
+                                    <a:rPr lang="en-US" altLang="ja-JP" i="1">
+                                      <a:latin typeface="Cambria Math" panose="02040503050406030204" pitchFamily="18" charset="0"/>
+                                    </a:rPr>
+                                    <m:t>𝑗</m:t>
+                                  </m:r>
+                                </m:sub>
+                              </m:sSub>
+                              <m:r>
+                                <a:rPr lang="en-US" altLang="ja-JP" i="1">
+                                  <a:latin typeface="Cambria Math" panose="02040503050406030204" pitchFamily="18" charset="0"/>
+                                </a:rPr>
+                                <m:t>(</m:t>
+                              </m:r>
+                              <m:r>
+                                <a:rPr lang="en-US" altLang="ja-JP" i="1">
+                                  <a:latin typeface="Cambria Math" panose="02040503050406030204" pitchFamily="18" charset="0"/>
+                                </a:rPr>
+                                <m:t>𝑥</m:t>
+                              </m:r>
+                              <m:r>
+                                <a:rPr lang="en-US" altLang="ja-JP" i="1">
+                                  <a:latin typeface="Cambria Math" panose="02040503050406030204" pitchFamily="18" charset="0"/>
+                                </a:rPr>
+                                <m:t>,</m:t>
+                              </m:r>
+                              <m:sSub>
+                                <m:sSubPr>
+                                  <m:ctrlPr>
+                                    <a:rPr lang="en-US" altLang="ja-JP" i="1">
+                                      <a:latin typeface="Cambria Math" panose="02040503050406030204" pitchFamily="18" charset="0"/>
+                                    </a:rPr>
+                                  </m:ctrlPr>
+                                </m:sSubPr>
+                                <m:e>
+                                  <m:r>
+                                    <a:rPr lang="en-US" altLang="ja-JP" i="1">
+                                      <a:latin typeface="Cambria Math" panose="02040503050406030204" pitchFamily="18" charset="0"/>
+                                    </a:rPr>
+                                    <m:t>𝑥</m:t>
+                                  </m:r>
+                                </m:e>
+                                <m:sub>
+                                  <m:r>
+                                    <a:rPr lang="en-US" altLang="ja-JP" i="1">
+                                      <a:latin typeface="Cambria Math" panose="02040503050406030204" pitchFamily="18" charset="0"/>
+                                    </a:rPr>
+                                    <m:t>𝑖</m:t>
+                                  </m:r>
+                                </m:sub>
+                              </m:sSub>
+                              <m:r>
+                                <a:rPr lang="en-US" altLang="ja-JP" i="1">
+                                  <a:latin typeface="Cambria Math" panose="02040503050406030204" pitchFamily="18" charset="0"/>
+                                </a:rPr>
+                                <m:t>,</m:t>
+                              </m:r>
+                              <m:r>
+                                <a:rPr lang="en-US" altLang="ja-JP" i="1">
+                                  <a:latin typeface="Cambria Math" panose="02040503050406030204" pitchFamily="18" charset="0"/>
+                                </a:rPr>
+                                <m:t>𝑡</m:t>
+                              </m:r>
+                              <m:r>
+                                <a:rPr lang="en-US" altLang="ja-JP" i="1">
+                                  <a:latin typeface="Cambria Math" panose="02040503050406030204" pitchFamily="18" charset="0"/>
+                                </a:rPr>
+                                <m:t>)</m:t>
+                              </m:r>
+                            </m:e>
+                          </m:nary>
+                        </m:e>
+                      </m:d>
+                    </m:oMath>
+                  </m:oMathPara>
+                </a14:m>
+                <a:endParaRPr lang="ja-JP" altLang="en-US" dirty="0"/>
+              </a:p>
+            </p:txBody>
+          </p:sp>
+        </mc:Choice>
+        <mc:Fallback>
+          <p:sp>
+            <p:nvSpPr>
+              <p:cNvPr id="8" name="テキスト ボックス 7">
+                <a:extLst>
+                  <a:ext uri="{FF2B5EF4-FFF2-40B4-BE49-F238E27FC236}">
+                    <a16:creationId xmlns:a16="http://schemas.microsoft.com/office/drawing/2014/main" id="{C83DC581-541E-B49D-6A60-2CDEF0CFA466}"/>
+                  </a:ext>
+                </a:extLst>
+              </p:cNvPr>
+              <p:cNvSpPr txBox="1">
+                <a:spLocks noRot="1" noChangeAspect="1" noMove="1" noResize="1" noEditPoints="1" noAdjustHandles="1" noChangeArrowheads="1" noChangeShapeType="1" noTextEdit="1"/>
+              </p:cNvSpPr>
+              <p:nvPr/>
+            </p:nvSpPr>
+            <p:spPr>
+              <a:xfrm>
+                <a:off x="3048000" y="2213979"/>
+                <a:ext cx="6096000" cy="972702"/>
+              </a:xfrm>
+              <a:prstGeom prst="rect">
+                <a:avLst/>
+              </a:prstGeom>
+              <a:blipFill>
+                <a:blip r:embed="rId5"/>
+                <a:stretch>
+                  <a:fillRect/>
+                </a:stretch>
+              </a:blipFill>
+            </p:spPr>
+            <p:txBody>
+              <a:bodyPr/>
+              <a:lstStyle/>
+              <a:p>
+                <a:r>
+                  <a:rPr lang="ja-JP" altLang="en-US">
+                    <a:noFill/>
+                  </a:rPr>
+                  <a:t> </a:t>
+                </a:r>
+              </a:p>
+            </p:txBody>
+          </p:sp>
+        </mc:Fallback>
+      </mc:AlternateContent>
+    </p:spTree>
+    <p:extLst>
+      <p:ext uri="{BB962C8B-B14F-4D97-AF65-F5344CB8AC3E}">
+        <p14:creationId xmlns:p14="http://schemas.microsoft.com/office/powerpoint/2010/main" val="465469415"/>
+      </p:ext>
+    </p:extLst>
+  </p:cSld>
+  <p:clrMapOvr>
+    <a:masterClrMapping/>
+  </p:clrMapOvr>
+</p:sld>
+</file>
+
 <file path=ppt/slides/slide3.xml><?xml version="1.0" encoding="utf-8"?>
 <p:sld xmlns:a="http://schemas.openxmlformats.org/drawingml/2006/main" xmlns:r="http://schemas.openxmlformats.org/officeDocument/2006/relationships" xmlns:p="http://schemas.openxmlformats.org/presentationml/2006/main">
   <p:cSld>
@@ -20970,7 +25655,7 @@
           </a:ln>
           <a:extLst>
             <a:ext uri="{C572A759-6A51-4108-AA02-DFA0A04FC94B}">
-              <ma14:wrappingTextBoxFlag xmlns:lc="http://schemas.openxmlformats.org/drawingml/2006/lockedCanvas" xmlns:ma14="http://schemas.microsoft.com/office/mac/drawingml/2011/main" xmlns:a14="http://schemas.microsoft.com/office/drawing/2010/main" xmlns:m="http://schemas.openxmlformats.org/officeDocument/2006/math" xmlns="" val="1"/>
+              <ma14:wrappingTextBoxFlag xmlns="" xmlns:m="http://schemas.openxmlformats.org/officeDocument/2006/math" xmlns:a14="http://schemas.microsoft.com/office/drawing/2010/main" xmlns:ma14="http://schemas.microsoft.com/office/mac/drawingml/2011/main" xmlns:lc="http://schemas.openxmlformats.org/drawingml/2006/lockedCanvas" val="1"/>
             </a:ext>
           </a:extLst>
         </p:spPr>
@@ -21310,7 +25995,7 @@
           </a:ln>
           <a:extLst>
             <a:ext uri="{C572A759-6A51-4108-AA02-DFA0A04FC94B}">
-              <ma14:wrappingTextBoxFlag xmlns:lc="http://schemas.openxmlformats.org/drawingml/2006/lockedCanvas" xmlns:ma14="http://schemas.microsoft.com/office/mac/drawingml/2011/main" xmlns:a14="http://schemas.microsoft.com/office/drawing/2010/main" xmlns:m="http://schemas.openxmlformats.org/officeDocument/2006/math" xmlns="" val="1"/>
+              <ma14:wrappingTextBoxFlag xmlns="" xmlns:m="http://schemas.openxmlformats.org/officeDocument/2006/math" xmlns:a14="http://schemas.microsoft.com/office/drawing/2010/main" xmlns:ma14="http://schemas.microsoft.com/office/mac/drawingml/2011/main" xmlns:lc="http://schemas.openxmlformats.org/drawingml/2006/lockedCanvas" val="1"/>
             </a:ext>
           </a:extLst>
         </p:spPr>
@@ -21650,7 +26335,7 @@
           </a:ln>
           <a:extLst>
             <a:ext uri="{C572A759-6A51-4108-AA02-DFA0A04FC94B}">
-              <ma14:wrappingTextBoxFlag xmlns:lc="http://schemas.openxmlformats.org/drawingml/2006/lockedCanvas" xmlns:ma14="http://schemas.microsoft.com/office/mac/drawingml/2011/main" xmlns:a14="http://schemas.microsoft.com/office/drawing/2010/main" xmlns:m="http://schemas.openxmlformats.org/officeDocument/2006/math" xmlns="" val="1"/>
+              <ma14:wrappingTextBoxFlag xmlns="" xmlns:m="http://schemas.openxmlformats.org/officeDocument/2006/math" xmlns:a14="http://schemas.microsoft.com/office/drawing/2010/main" xmlns:ma14="http://schemas.microsoft.com/office/mac/drawingml/2011/main" xmlns:lc="http://schemas.openxmlformats.org/drawingml/2006/lockedCanvas" val="1"/>
             </a:ext>
           </a:extLst>
         </p:spPr>
@@ -21990,7 +26675,7 @@
           </a:ln>
           <a:extLst>
             <a:ext uri="{C572A759-6A51-4108-AA02-DFA0A04FC94B}">
-              <ma14:wrappingTextBoxFlag xmlns:lc="http://schemas.openxmlformats.org/drawingml/2006/lockedCanvas" xmlns:ma14="http://schemas.microsoft.com/office/mac/drawingml/2011/main" xmlns:a14="http://schemas.microsoft.com/office/drawing/2010/main" xmlns:m="http://schemas.openxmlformats.org/officeDocument/2006/math" xmlns="" val="1"/>
+              <ma14:wrappingTextBoxFlag xmlns="" xmlns:m="http://schemas.openxmlformats.org/officeDocument/2006/math" xmlns:a14="http://schemas.microsoft.com/office/drawing/2010/main" xmlns:ma14="http://schemas.microsoft.com/office/mac/drawingml/2011/main" xmlns:lc="http://schemas.openxmlformats.org/drawingml/2006/lockedCanvas" val="1"/>
             </a:ext>
           </a:extLst>
         </p:spPr>
@@ -22330,7 +27015,7 @@
           </a:ln>
           <a:extLst>
             <a:ext uri="{C572A759-6A51-4108-AA02-DFA0A04FC94B}">
-              <ma14:wrappingTextBoxFlag xmlns:lc="http://schemas.openxmlformats.org/drawingml/2006/lockedCanvas" xmlns:ma14="http://schemas.microsoft.com/office/mac/drawingml/2011/main" xmlns:a14="http://schemas.microsoft.com/office/drawing/2010/main" xmlns:m="http://schemas.openxmlformats.org/officeDocument/2006/math" xmlns="" val="1"/>
+              <ma14:wrappingTextBoxFlag xmlns="" xmlns:m="http://schemas.openxmlformats.org/officeDocument/2006/math" xmlns:a14="http://schemas.microsoft.com/office/drawing/2010/main" xmlns:ma14="http://schemas.microsoft.com/office/mac/drawingml/2011/main" xmlns:lc="http://schemas.openxmlformats.org/drawingml/2006/lockedCanvas" val="1"/>
             </a:ext>
           </a:extLst>
         </p:spPr>
@@ -22670,7 +27355,7 @@
           </a:ln>
           <a:extLst>
             <a:ext uri="{C572A759-6A51-4108-AA02-DFA0A04FC94B}">
-              <ma14:wrappingTextBoxFlag xmlns:lc="http://schemas.openxmlformats.org/drawingml/2006/lockedCanvas" xmlns:ma14="http://schemas.microsoft.com/office/mac/drawingml/2011/main" xmlns:a14="http://schemas.microsoft.com/office/drawing/2010/main" xmlns:m="http://schemas.openxmlformats.org/officeDocument/2006/math" xmlns="" val="1"/>
+              <ma14:wrappingTextBoxFlag xmlns="" xmlns:m="http://schemas.openxmlformats.org/officeDocument/2006/math" xmlns:a14="http://schemas.microsoft.com/office/drawing/2010/main" xmlns:ma14="http://schemas.microsoft.com/office/mac/drawingml/2011/main" xmlns:lc="http://schemas.openxmlformats.org/drawingml/2006/lockedCanvas" val="1"/>
             </a:ext>
           </a:extLst>
         </p:spPr>
@@ -26447,7 +31132,25 @@
                           </a:solidFill>
                           <a:latin typeface="Cambria Math" panose="02040503050406030204" pitchFamily="18" charset="0"/>
                         </a:rPr>
-                        <m:t>,0,</m:t>
+                        <m:t>,</m:t>
+                      </m:r>
+                      <m:r>
+                        <a:rPr lang="en-US" sz="2400" b="0" i="1" smtClean="0">
+                          <a:solidFill>
+                            <a:srgbClr val="000000"/>
+                          </a:solidFill>
+                          <a:latin typeface="Cambria Math" panose="02040503050406030204" pitchFamily="18" charset="0"/>
+                        </a:rPr>
+                        <m:t>0</m:t>
+                      </m:r>
+                      <m:r>
+                        <a:rPr lang="en-US" sz="2400" b="0" i="1" smtClean="0">
+                          <a:solidFill>
+                            <a:srgbClr val="000000"/>
+                          </a:solidFill>
+                          <a:latin typeface="Cambria Math" panose="02040503050406030204" pitchFamily="18" charset="0"/>
+                        </a:rPr>
+                        <m:t>,</m:t>
                       </m:r>
                       <m:r>
                         <a:rPr lang="ar-AE" sz="2400" i="1">
@@ -26465,7 +31168,16 @@
                           </a:solidFill>
                           <a:latin typeface="Cambria Math" panose="02040503050406030204" pitchFamily="18" charset="0"/>
                         </a:rPr>
-                        <m:t>)=−2</m:t>
+                        <m:t>)=−</m:t>
+                      </m:r>
+                      <m:r>
+                        <a:rPr lang="ar-AE" sz="2400" i="1">
+                          <a:solidFill>
+                            <a:srgbClr val="000000"/>
+                          </a:solidFill>
+                          <a:latin typeface="Cambria Math" panose="02040503050406030204" pitchFamily="18" charset="0"/>
+                        </a:rPr>
+                        <m:t>2</m:t>
                       </m:r>
                       <m:r>
                         <a:rPr lang="ar-AE" sz="2400" i="1">
@@ -26522,7 +31234,25 @@
                               </a:solidFill>
                               <a:latin typeface="Cambria Math" panose="02040503050406030204" pitchFamily="18" charset="0"/>
                             </a:rPr>
-                            <m:t>,0,</m:t>
+                            <m:t>,</m:t>
+                          </m:r>
+                          <m:r>
+                            <a:rPr lang="en-US" sz="2400" b="0" i="1" smtClean="0">
+                              <a:solidFill>
+                                <a:srgbClr val="000000"/>
+                              </a:solidFill>
+                              <a:latin typeface="Cambria Math" panose="02040503050406030204" pitchFamily="18" charset="0"/>
+                            </a:rPr>
+                            <m:t>0</m:t>
+                          </m:r>
+                          <m:r>
+                            <a:rPr lang="en-US" sz="2400" b="0" i="1" smtClean="0">
+                              <a:solidFill>
+                                <a:srgbClr val="000000"/>
+                              </a:solidFill>
+                              <a:latin typeface="Cambria Math" panose="02040503050406030204" pitchFamily="18" charset="0"/>
+                            </a:rPr>
+                            <m:t>,</m:t>
                           </m:r>
                           <m:r>
                             <a:rPr lang="ar-AE" sz="2400" i="1">
@@ -26603,7 +31333,16 @@
                               </a:solidFill>
                               <a:latin typeface="Cambria Math" panose="02040503050406030204" pitchFamily="18" charset="0"/>
                             </a:rPr>
-                            <m:t>1−</m:t>
+                            <m:t>1</m:t>
+                          </m:r>
+                          <m:r>
+                            <a:rPr lang="ar-AE" sz="2400" i="1">
+                              <a:solidFill>
+                                <a:srgbClr val="000000"/>
+                              </a:solidFill>
+                              <a:latin typeface="Cambria Math" panose="02040503050406030204" pitchFamily="18" charset="0"/>
+                            </a:rPr>
+                            <m:t>−</m:t>
                           </m:r>
                           <m:sSub>
                             <m:sSubPr>
@@ -27299,7 +32038,16 @@
                           </a:solidFill>
                           <a:latin typeface="Cambria Math" panose="02040503050406030204" pitchFamily="18" charset="0"/>
                         </a:rPr>
-                        <m:t>)=−2</m:t>
+                        <m:t>)=−</m:t>
+                      </m:r>
+                      <m:r>
+                        <a:rPr lang="ar-AE" sz="2400" i="1">
+                          <a:solidFill>
+                            <a:srgbClr val="000000"/>
+                          </a:solidFill>
+                          <a:latin typeface="Cambria Math" panose="02040503050406030204" pitchFamily="18" charset="0"/>
+                        </a:rPr>
+                        <m:t>2</m:t>
                       </m:r>
                       <m:r>
                         <a:rPr lang="ar-AE" sz="2400" i="1">
@@ -27920,7 +32668,16 @@
                               </a:solidFill>
                               <a:latin typeface="Cambria Math" panose="02040503050406030204" pitchFamily="18" charset="0"/>
                             </a:rPr>
-                            <m:t>1+</m:t>
+                            <m:t>1</m:t>
+                          </m:r>
+                          <m:r>
+                            <a:rPr sz="2400" i="1">
+                              <a:solidFill>
+                                <a:srgbClr val="000000"/>
+                              </a:solidFill>
+                              <a:latin typeface="Cambria Math" panose="02040503050406030204" pitchFamily="18" charset="0"/>
+                            </a:rPr>
+                            <m:t>+</m:t>
                           </m:r>
                           <m:sSub>
                             <m:sSubPr>
@@ -27965,7 +32722,16 @@
                               </a:solidFill>
                               <a:latin typeface="Cambria Math" panose="02040503050406030204" pitchFamily="18" charset="0"/>
                             </a:rPr>
-                            <m:t>1−</m:t>
+                            <m:t>1</m:t>
+                          </m:r>
+                          <m:r>
+                            <a:rPr sz="2400" i="1">
+                              <a:solidFill>
+                                <a:srgbClr val="000000"/>
+                              </a:solidFill>
+                              <a:latin typeface="Cambria Math" panose="02040503050406030204" pitchFamily="18" charset="0"/>
+                            </a:rPr>
+                            <m:t>−</m:t>
                           </m:r>
                           <m:sSub>
                             <m:sSubPr>
@@ -28473,7 +33239,34 @@
                           </a:solidFill>
                           <a:latin typeface="Cambria Math" panose="02040503050406030204" pitchFamily="18" charset="0"/>
                         </a:rPr>
-                        <m:t>=−1.440</m:t>
+                        <m:t>=−</m:t>
+                      </m:r>
+                      <m:r>
+                        <a:rPr lang="en-US" sz="2400" b="0" i="1" smtClean="0">
+                          <a:solidFill>
+                            <a:srgbClr val="000000"/>
+                          </a:solidFill>
+                          <a:latin typeface="Cambria Math" panose="02040503050406030204" pitchFamily="18" charset="0"/>
+                        </a:rPr>
+                        <m:t>1</m:t>
+                      </m:r>
+                      <m:r>
+                        <a:rPr lang="en-US" sz="2400" b="0" i="1" smtClean="0">
+                          <a:solidFill>
+                            <a:srgbClr val="000000"/>
+                          </a:solidFill>
+                          <a:latin typeface="Cambria Math" panose="02040503050406030204" pitchFamily="18" charset="0"/>
+                        </a:rPr>
+                        <m:t>.</m:t>
+                      </m:r>
+                      <m:r>
+                        <a:rPr lang="en-US" sz="2400" b="0" i="1" smtClean="0">
+                          <a:solidFill>
+                            <a:srgbClr val="000000"/>
+                          </a:solidFill>
+                          <a:latin typeface="Cambria Math" panose="02040503050406030204" pitchFamily="18" charset="0"/>
+                        </a:rPr>
+                        <m:t>440</m:t>
                       </m:r>
                       <m:sSubSup>
                         <m:sSubSupPr>
@@ -28516,7 +33309,16 @@
                               </a:solidFill>
                               <a:latin typeface="Cambria Math" panose="02040503050406030204" pitchFamily="18" charset="0"/>
                             </a:rPr>
-                            <m:t>−2</m:t>
+                            <m:t>−</m:t>
+                          </m:r>
+                          <m:r>
+                            <a:rPr lang="en-US" altLang="ja-JP" sz="2400" b="0" i="1" smtClean="0">
+                              <a:solidFill>
+                                <a:srgbClr val="000000"/>
+                              </a:solidFill>
+                              <a:latin typeface="Cambria Math" panose="02040503050406030204" pitchFamily="18" charset="0"/>
+                            </a:rPr>
+                            <m:t>2</m:t>
                           </m:r>
                         </m:sup>
                       </m:sSubSup>
@@ -28527,7 +33329,34 @@
                           </a:solidFill>
                           <a:latin typeface="Cambria Math" panose="02040503050406030204" pitchFamily="18" charset="0"/>
                         </a:rPr>
-                        <m:t>+0.710</m:t>
+                        <m:t>+</m:t>
+                      </m:r>
+                      <m:r>
+                        <a:rPr lang="en-US" altLang="ja-JP" sz="2400" b="0" i="1" smtClean="0">
+                          <a:solidFill>
+                            <a:srgbClr val="000000"/>
+                          </a:solidFill>
+                          <a:latin typeface="Cambria Math" panose="02040503050406030204" pitchFamily="18" charset="0"/>
+                        </a:rPr>
+                        <m:t>0</m:t>
+                      </m:r>
+                      <m:r>
+                        <a:rPr lang="en-US" altLang="ja-JP" sz="2400" b="0" i="1" smtClean="0">
+                          <a:solidFill>
+                            <a:srgbClr val="000000"/>
+                          </a:solidFill>
+                          <a:latin typeface="Cambria Math" panose="02040503050406030204" pitchFamily="18" charset="0"/>
+                        </a:rPr>
+                        <m:t>.</m:t>
+                      </m:r>
+                      <m:r>
+                        <a:rPr lang="en-US" altLang="ja-JP" sz="2400" b="0" i="1" smtClean="0">
+                          <a:solidFill>
+                            <a:srgbClr val="000000"/>
+                          </a:solidFill>
+                          <a:latin typeface="Cambria Math" panose="02040503050406030204" pitchFamily="18" charset="0"/>
+                        </a:rPr>
+                        <m:t>710</m:t>
                       </m:r>
                       <m:sSubSup>
                         <m:sSubSupPr>
@@ -28572,7 +33401,49 @@
                         <a:rPr lang="en-US" altLang="ja-JP" sz="2400" b="0" i="1" smtClean="0">
                           <a:latin typeface="Cambria Math" panose="02040503050406030204" pitchFamily="18" charset="0"/>
                         </a:rPr>
-                        <m:t>+0.668+0.0636</m:t>
+                        <m:t>+</m:t>
+                      </m:r>
+                      <m:r>
+                        <a:rPr lang="en-US" altLang="ja-JP" sz="2400" b="0" i="1" smtClean="0">
+                          <a:latin typeface="Cambria Math" panose="02040503050406030204" pitchFamily="18" charset="0"/>
+                        </a:rPr>
+                        <m:t>0</m:t>
+                      </m:r>
+                      <m:r>
+                        <a:rPr lang="en-US" altLang="ja-JP" sz="2400" b="0" i="1" smtClean="0">
+                          <a:latin typeface="Cambria Math" panose="02040503050406030204" pitchFamily="18" charset="0"/>
+                        </a:rPr>
+                        <m:t>.</m:t>
+                      </m:r>
+                      <m:r>
+                        <a:rPr lang="en-US" altLang="ja-JP" sz="2400" b="0" i="1" smtClean="0">
+                          <a:latin typeface="Cambria Math" panose="02040503050406030204" pitchFamily="18" charset="0"/>
+                        </a:rPr>
+                        <m:t>668</m:t>
+                      </m:r>
+                      <m:r>
+                        <a:rPr lang="en-US" altLang="ja-JP" sz="2400" b="0" i="1" smtClean="0">
+                          <a:latin typeface="Cambria Math" panose="02040503050406030204" pitchFamily="18" charset="0"/>
+                        </a:rPr>
+                        <m:t>+</m:t>
+                      </m:r>
+                      <m:r>
+                        <a:rPr lang="en-US" altLang="ja-JP" sz="2400" b="0" i="1" smtClean="0">
+                          <a:latin typeface="Cambria Math" panose="02040503050406030204" pitchFamily="18" charset="0"/>
+                        </a:rPr>
+                        <m:t>0</m:t>
+                      </m:r>
+                      <m:r>
+                        <a:rPr lang="en-US" altLang="ja-JP" sz="2400" b="0" i="1" smtClean="0">
+                          <a:latin typeface="Cambria Math" panose="02040503050406030204" pitchFamily="18" charset="0"/>
+                        </a:rPr>
+                        <m:t>.</m:t>
+                      </m:r>
+                      <m:r>
+                        <a:rPr lang="en-US" altLang="ja-JP" sz="2400" b="0" i="1" smtClean="0">
+                          <a:latin typeface="Cambria Math" panose="02040503050406030204" pitchFamily="18" charset="0"/>
+                        </a:rPr>
+                        <m:t>0636</m:t>
                       </m:r>
                       <m:sSub>
                         <m:sSubPr>

--- a/slide/0519.pptx
+++ b/slide/0519.pptx
@@ -5,7 +5,7 @@
     <p:sldMasterId id="2147483648" r:id="rId1"/>
   </p:sldMasterIdLst>
   <p:notesMasterIdLst>
-    <p:notesMasterId r:id="rId22"/>
+    <p:notesMasterId r:id="rId24"/>
   </p:notesMasterIdLst>
   <p:sldIdLst>
     <p:sldId id="256" r:id="rId2"/>
@@ -28,6 +28,8 @@
     <p:sldId id="273" r:id="rId19"/>
     <p:sldId id="274" r:id="rId20"/>
     <p:sldId id="275" r:id="rId21"/>
+    <p:sldId id="276" r:id="rId22"/>
+    <p:sldId id="277" r:id="rId23"/>
   </p:sldIdLst>
   <p:sldSz cx="12192000" cy="6858000"/>
   <p:notesSz cx="6858000" cy="9144000"/>
@@ -216,7 +218,7 @@
           <a:p>
             <a:fld id="{438A1740-9A82-46DA-AD96-0DC60E5E9FA3}" type="datetimeFigureOut">
               <a:rPr kumimoji="1" lang="ja-JP" altLang="en-US" smtClean="0"/>
-              <a:t>2022/7/12</a:t>
+              <a:t>2022/7/13</a:t>
             </a:fld>
             <a:endParaRPr kumimoji="1" lang="ja-JP" altLang="en-US"/>
           </a:p>
@@ -2278,7 +2280,7 @@
           <a:p>
             <a:fld id="{C801310E-4C28-4D51-ADB4-8E3E74A70742}" type="datetimeFigureOut">
               <a:rPr kumimoji="1" lang="ja-JP" altLang="en-US" smtClean="0"/>
-              <a:t>2022/7/12</a:t>
+              <a:t>2022/7/13</a:t>
             </a:fld>
             <a:endParaRPr kumimoji="1" lang="ja-JP" altLang="en-US"/>
           </a:p>
@@ -2508,7 +2510,7 @@
           <a:p>
             <a:fld id="{C801310E-4C28-4D51-ADB4-8E3E74A70742}" type="datetimeFigureOut">
               <a:rPr kumimoji="1" lang="ja-JP" altLang="en-US" smtClean="0"/>
-              <a:t>2022/7/12</a:t>
+              <a:t>2022/7/13</a:t>
             </a:fld>
             <a:endParaRPr kumimoji="1" lang="ja-JP" altLang="en-US"/>
           </a:p>
@@ -2748,7 +2750,7 @@
           <a:p>
             <a:fld id="{C801310E-4C28-4D51-ADB4-8E3E74A70742}" type="datetimeFigureOut">
               <a:rPr kumimoji="1" lang="ja-JP" altLang="en-US" smtClean="0"/>
-              <a:t>2022/7/12</a:t>
+              <a:t>2022/7/13</a:t>
             </a:fld>
             <a:endParaRPr kumimoji="1" lang="ja-JP" altLang="en-US"/>
           </a:p>
@@ -2978,7 +2980,7 @@
           <a:p>
             <a:fld id="{C801310E-4C28-4D51-ADB4-8E3E74A70742}" type="datetimeFigureOut">
               <a:rPr kumimoji="1" lang="ja-JP" altLang="en-US" smtClean="0"/>
-              <a:t>2022/7/12</a:t>
+              <a:t>2022/7/13</a:t>
             </a:fld>
             <a:endParaRPr kumimoji="1" lang="ja-JP" altLang="en-US"/>
           </a:p>
@@ -3253,7 +3255,7 @@
           <a:p>
             <a:fld id="{C801310E-4C28-4D51-ADB4-8E3E74A70742}" type="datetimeFigureOut">
               <a:rPr kumimoji="1" lang="ja-JP" altLang="en-US" smtClean="0"/>
-              <a:t>2022/7/12</a:t>
+              <a:t>2022/7/13</a:t>
             </a:fld>
             <a:endParaRPr kumimoji="1" lang="ja-JP" altLang="en-US"/>
           </a:p>
@@ -3582,7 +3584,7 @@
           <a:p>
             <a:fld id="{C801310E-4C28-4D51-ADB4-8E3E74A70742}" type="datetimeFigureOut">
               <a:rPr kumimoji="1" lang="ja-JP" altLang="en-US" smtClean="0"/>
-              <a:t>2022/7/12</a:t>
+              <a:t>2022/7/13</a:t>
             </a:fld>
             <a:endParaRPr kumimoji="1" lang="ja-JP" altLang="en-US"/>
           </a:p>
@@ -4058,7 +4060,7 @@
           <a:p>
             <a:fld id="{C801310E-4C28-4D51-ADB4-8E3E74A70742}" type="datetimeFigureOut">
               <a:rPr kumimoji="1" lang="ja-JP" altLang="en-US" smtClean="0"/>
-              <a:t>2022/7/12</a:t>
+              <a:t>2022/7/13</a:t>
             </a:fld>
             <a:endParaRPr kumimoji="1" lang="ja-JP" altLang="en-US"/>
           </a:p>
@@ -4199,7 +4201,7 @@
           <a:p>
             <a:fld id="{C801310E-4C28-4D51-ADB4-8E3E74A70742}" type="datetimeFigureOut">
               <a:rPr kumimoji="1" lang="ja-JP" altLang="en-US" smtClean="0"/>
-              <a:t>2022/7/12</a:t>
+              <a:t>2022/7/13</a:t>
             </a:fld>
             <a:endParaRPr kumimoji="1" lang="ja-JP" altLang="en-US"/>
           </a:p>
@@ -4312,7 +4314,7 @@
           <a:p>
             <a:fld id="{C801310E-4C28-4D51-ADB4-8E3E74A70742}" type="datetimeFigureOut">
               <a:rPr kumimoji="1" lang="ja-JP" altLang="en-US" smtClean="0"/>
-              <a:t>2022/7/12</a:t>
+              <a:t>2022/7/13</a:t>
             </a:fld>
             <a:endParaRPr kumimoji="1" lang="ja-JP" altLang="en-US"/>
           </a:p>
@@ -4655,7 +4657,7 @@
           <a:p>
             <a:fld id="{C801310E-4C28-4D51-ADB4-8E3E74A70742}" type="datetimeFigureOut">
               <a:rPr kumimoji="1" lang="ja-JP" altLang="en-US" smtClean="0"/>
-              <a:t>2022/7/12</a:t>
+              <a:t>2022/7/13</a:t>
             </a:fld>
             <a:endParaRPr kumimoji="1" lang="ja-JP" altLang="en-US"/>
           </a:p>
@@ -4943,7 +4945,7 @@
           <a:p>
             <a:fld id="{C801310E-4C28-4D51-ADB4-8E3E74A70742}" type="datetimeFigureOut">
               <a:rPr kumimoji="1" lang="ja-JP" altLang="en-US" smtClean="0"/>
-              <a:t>2022/7/12</a:t>
+              <a:t>2022/7/13</a:t>
             </a:fld>
             <a:endParaRPr kumimoji="1" lang="ja-JP" altLang="en-US"/>
           </a:p>
@@ -5216,7 +5218,7 @@
           <a:p>
             <a:fld id="{C801310E-4C28-4D51-ADB4-8E3E74A70742}" type="datetimeFigureOut">
               <a:rPr kumimoji="1" lang="ja-JP" altLang="en-US" smtClean="0"/>
-              <a:t>2022/7/12</a:t>
+              <a:t>2022/7/13</a:t>
             </a:fld>
             <a:endParaRPr kumimoji="1" lang="ja-JP" altLang="en-US"/>
           </a:p>
@@ -17329,7 +17331,7 @@
                     </m:oMath>
                   </m:oMathPara>
                 </a14:m>
-                <a:endParaRPr lang="ja-JP" altLang="en-US"/>
+                <a:endParaRPr lang="ja-JP" altLang="en-US" dirty="0"/>
               </a:p>
             </p:txBody>
           </p:sp>
@@ -21041,11 +21043,11 @@
       </p:sp>
       <p:pic>
         <p:nvPicPr>
-          <p:cNvPr id="4" name="test_0706" descr="test_0706">
+          <p:cNvPr id="3" name="intensity_with_ab">
             <a:hlinkClick r:id="" action="ppaction://media"/>
             <a:extLst>
               <a:ext uri="{FF2B5EF4-FFF2-40B4-BE49-F238E27FC236}">
-                <a16:creationId xmlns:a16="http://schemas.microsoft.com/office/drawing/2014/main" id="{6A579515-BDE6-B34C-9642-3CE88EB57E16}"/>
+                <a16:creationId xmlns:a16="http://schemas.microsoft.com/office/drawing/2014/main" id="{3FDA11AA-0C47-08F1-DCC1-CE95054B2BB1}"/>
               </a:ext>
             </a:extLst>
           </p:cNvPr>
@@ -21069,8 +21071,8 @@
         </p:blipFill>
         <p:spPr>
           <a:xfrm>
-            <a:off x="3227438" y="1404926"/>
-            <a:ext cx="9694352" cy="5453073"/>
+            <a:off x="3688270" y="1452055"/>
+            <a:ext cx="9610569" cy="5405945"/>
           </a:xfrm>
           <a:prstGeom prst="rect">
             <a:avLst/>
@@ -21150,9 +21152,9 @@
                                   <p:childTnLst>
                                     <p:cmd type="call" cmd="playFrom(0.0)">
                                       <p:cBhvr>
-                                        <p:cTn id="6" dur="50000" fill="hold"/>
+                                        <p:cTn id="6" dur="16667" fill="hold"/>
                                         <p:tgtEl>
-                                          <p:spTgt spid="4"/>
+                                          <p:spTgt spid="3"/>
                                         </p:tgtEl>
                                       </p:cBhvr>
                                     </p:cmd>
@@ -21190,7 +21192,7 @@
                   </p:stCondLst>
                 </p:cTn>
                 <p:tgtEl>
-                  <p:spTgt spid="4"/>
+                  <p:spTgt spid="3"/>
                 </p:tgtEl>
               </p:cMediaNode>
             </p:video>
@@ -21199,7 +21201,7 @@
                 <p:stCondLst>
                   <p:cond evt="onClick" delay="0">
                     <p:tgtEl>
-                      <p:spTgt spid="4"/>
+                      <p:spTgt spid="3"/>
                     </p:tgtEl>
                   </p:cond>
                 </p:stCondLst>
@@ -21229,7 +21231,7 @@
                                       <p:cBhvr>
                                         <p:cTn id="12" dur="1" fill="hold"/>
                                         <p:tgtEl>
-                                          <p:spTgt spid="4"/>
+                                          <p:spTgt spid="3"/>
                                         </p:tgtEl>
                                       </p:cBhvr>
                                     </p:cmd>
@@ -21247,7 +21249,7 @@
               <p:nextCondLst>
                 <p:cond evt="onClick" delay="0">
                   <p:tgtEl>
-                    <p:spTgt spid="4"/>
+                    <p:spTgt spid="3"/>
                   </p:tgtEl>
                 </p:cond>
               </p:nextCondLst>
@@ -21354,7 +21356,7 @@
 </file>
 
 <file path=ppt/slides/slide19.xml><?xml version="1.0" encoding="utf-8"?>
-<p:sld xmlns:a="http://schemas.openxmlformats.org/drawingml/2006/main" xmlns:r="http://schemas.openxmlformats.org/officeDocument/2006/relationships" xmlns:p="http://schemas.openxmlformats.org/presentationml/2006/main">
+<p:sld xmlns:a="http://schemas.openxmlformats.org/drawingml/2006/main" xmlns:r="http://schemas.openxmlformats.org/officeDocument/2006/relationships" xmlns:p="http://schemas.openxmlformats.org/presentationml/2006/main" show="0">
   <p:cSld>
     <p:spTree>
       <p:nvGrpSpPr>
@@ -21442,8 +21444,8 @@
           </a:p>
         </p:txBody>
       </p:sp>
-      <mc:AlternateContent xmlns:mc="http://schemas.openxmlformats.org/markup-compatibility/2006">
-        <mc:Choice xmlns:a14="http://schemas.microsoft.com/office/drawing/2010/main" Requires="a14">
+      <mc:AlternateContent xmlns:mc="http://schemas.openxmlformats.org/markup-compatibility/2006" xmlns:a14="http://schemas.microsoft.com/office/drawing/2010/main">
+        <mc:Choice Requires="a14">
           <p:sp>
             <p:nvSpPr>
               <p:cNvPr id="6" name="テキスト ボックス 5">
@@ -21974,7 +21976,7 @@
             </p:txBody>
           </p:sp>
         </mc:Choice>
-        <mc:Fallback>
+        <mc:Fallback xmlns="">
           <p:sp>
             <p:nvSpPr>
               <p:cNvPr id="6" name="テキスト ボックス 5">
@@ -22019,8 +22021,8 @@
           </p:sp>
         </mc:Fallback>
       </mc:AlternateContent>
-      <mc:AlternateContent xmlns:mc="http://schemas.openxmlformats.org/markup-compatibility/2006">
-        <mc:Choice xmlns:a14="http://schemas.microsoft.com/office/drawing/2010/main" Requires="a14">
+      <mc:AlternateContent xmlns:mc="http://schemas.openxmlformats.org/markup-compatibility/2006" xmlns:a14="http://schemas.microsoft.com/office/drawing/2010/main">
+        <mc:Choice Requires="a14">
           <p:sp>
             <p:nvSpPr>
               <p:cNvPr id="7" name="テキスト ボックス 6">
@@ -22049,7 +22051,6 @@
               </a:bodyPr>
               <a:lstStyle/>
               <a:p>
-                <a:pPr/>
                 <a14:m>
                   <m:oMath xmlns:m="http://schemas.openxmlformats.org/officeDocument/2006/math">
                     <m:sSub>
@@ -22229,7 +22230,7 @@
             </p:txBody>
           </p:sp>
         </mc:Choice>
-        <mc:Fallback>
+        <mc:Fallback xmlns="">
           <p:sp>
             <p:nvSpPr>
               <p:cNvPr id="7" name="テキスト ボックス 6">
@@ -22981,8 +22982,8 @@
           </a:graphicData>
         </a:graphic>
       </p:graphicFrame>
-      <mc:AlternateContent xmlns:mc="http://schemas.openxmlformats.org/markup-compatibility/2006">
-        <mc:Choice xmlns:a14="http://schemas.microsoft.com/office/drawing/2010/main" Requires="a14">
+      <mc:AlternateContent xmlns:mc="http://schemas.openxmlformats.org/markup-compatibility/2006" xmlns:a14="http://schemas.microsoft.com/office/drawing/2010/main">
+        <mc:Choice Requires="a14">
           <p:sp>
             <p:nvSpPr>
               <p:cNvPr id="10" name="テキスト ボックス 9">
@@ -23051,7 +23052,7 @@
             </p:txBody>
           </p:sp>
         </mc:Choice>
-        <mc:Fallback>
+        <mc:Fallback xmlns="">
           <p:sp>
             <p:nvSpPr>
               <p:cNvPr id="10" name="テキスト ボックス 9">
@@ -23096,8 +23097,8 @@
           </p:sp>
         </mc:Fallback>
       </mc:AlternateContent>
-      <mc:AlternateContent xmlns:mc="http://schemas.openxmlformats.org/markup-compatibility/2006">
-        <mc:Choice xmlns:a14="http://schemas.microsoft.com/office/drawing/2010/main" Requires="a14">
+      <mc:AlternateContent xmlns:mc="http://schemas.openxmlformats.org/markup-compatibility/2006" xmlns:a14="http://schemas.microsoft.com/office/drawing/2010/main">
+        <mc:Choice Requires="a14">
           <p:sp>
             <p:nvSpPr>
               <p:cNvPr id="11" name="テキスト ボックス 10">
@@ -23166,7 +23167,7 @@
             </p:txBody>
           </p:sp>
         </mc:Choice>
-        <mc:Fallback>
+        <mc:Fallback xmlns="">
           <p:sp>
             <p:nvSpPr>
               <p:cNvPr id="11" name="テキスト ボックス 10">
@@ -24311,8 +24312,8 @@
           </a:p>
         </p:txBody>
       </p:sp>
-      <mc:AlternateContent xmlns:mc="http://schemas.openxmlformats.org/markup-compatibility/2006">
-        <mc:Choice xmlns:a14="http://schemas.microsoft.com/office/drawing/2010/main" Requires="a14">
+      <mc:AlternateContent xmlns:mc="http://schemas.openxmlformats.org/markup-compatibility/2006" xmlns:a14="http://schemas.microsoft.com/office/drawing/2010/main">
+        <mc:Choice Requires="a14">
           <p:sp>
             <p:nvSpPr>
               <p:cNvPr id="17" name="テキスト ボックス 16">
@@ -24341,7 +24342,6 @@
               </a:bodyPr>
               <a:lstStyle/>
               <a:p>
-                <a:pPr/>
                 <a14:m>
                   <m:oMath xmlns:m="http://schemas.openxmlformats.org/officeDocument/2006/math">
                     <m:sSub>
@@ -24399,7 +24399,7 @@
             </p:txBody>
           </p:sp>
         </mc:Choice>
-        <mc:Fallback>
+        <mc:Fallback xmlns="">
           <p:sp>
             <p:nvSpPr>
               <p:cNvPr id="17" name="テキスト ボックス 16">
@@ -24583,7 +24583,7 @@
 </file>
 
 <file path=ppt/slides/slide20.xml><?xml version="1.0" encoding="utf-8"?>
-<p:sld xmlns:a="http://schemas.openxmlformats.org/drawingml/2006/main" xmlns:r="http://schemas.openxmlformats.org/officeDocument/2006/relationships" xmlns:p="http://schemas.openxmlformats.org/presentationml/2006/main">
+<p:sld xmlns:a="http://schemas.openxmlformats.org/drawingml/2006/main" xmlns:r="http://schemas.openxmlformats.org/officeDocument/2006/relationships" xmlns:p="http://schemas.openxmlformats.org/presentationml/2006/main" show="0">
   <p:cSld>
     <p:spTree>
       <p:nvGrpSpPr>
@@ -24668,8 +24668,8 @@
           </a:p>
         </p:txBody>
       </p:sp>
-      <mc:AlternateContent xmlns:mc="http://schemas.openxmlformats.org/markup-compatibility/2006">
-        <mc:Choice xmlns:a14="http://schemas.microsoft.com/office/drawing/2010/main" Requires="a14">
+      <mc:AlternateContent xmlns:mc="http://schemas.openxmlformats.org/markup-compatibility/2006" xmlns:a14="http://schemas.microsoft.com/office/drawing/2010/main">
+        <mc:Choice Requires="a14">
           <p:sp>
             <p:nvSpPr>
               <p:cNvPr id="5" name="テキスト ボックス 4">
@@ -24698,6 +24698,7 @@
               </a:bodyPr>
               <a:lstStyle/>
               <a:p>
+                <a:pPr/>
                 <a14:m>
                   <m:oMathPara xmlns:m="http://schemas.openxmlformats.org/officeDocument/2006/math">
                     <m:oMathParaPr>
@@ -24801,7 +24802,7 @@
             </p:txBody>
           </p:sp>
         </mc:Choice>
-        <mc:Fallback>
+        <mc:Fallback xmlns="">
           <p:sp>
             <p:nvSpPr>
               <p:cNvPr id="5" name="テキスト ボックス 4">
@@ -24846,8 +24847,8 @@
           </p:sp>
         </mc:Fallback>
       </mc:AlternateContent>
-      <mc:AlternateContent xmlns:mc="http://schemas.openxmlformats.org/markup-compatibility/2006">
-        <mc:Choice xmlns:a14="http://schemas.microsoft.com/office/drawing/2010/main" Requires="a14">
+      <mc:AlternateContent xmlns:mc="http://schemas.openxmlformats.org/markup-compatibility/2006" xmlns:a14="http://schemas.microsoft.com/office/drawing/2010/main">
+        <mc:Choice Requires="a14">
           <p:sp>
             <p:nvSpPr>
               <p:cNvPr id="7" name="テキスト ボックス 6">
@@ -25032,7 +25033,7 @@
             </p:txBody>
           </p:sp>
         </mc:Choice>
-        <mc:Fallback>
+        <mc:Fallback xmlns="">
           <p:sp>
             <p:nvSpPr>
               <p:cNvPr id="7" name="テキスト ボックス 6">
@@ -25077,8 +25078,8 @@
           </p:sp>
         </mc:Fallback>
       </mc:AlternateContent>
-      <mc:AlternateContent xmlns:mc="http://schemas.openxmlformats.org/markup-compatibility/2006">
-        <mc:Choice xmlns:a14="http://schemas.microsoft.com/office/drawing/2010/main" Requires="a14">
+      <mc:AlternateContent xmlns:mc="http://schemas.openxmlformats.org/markup-compatibility/2006" xmlns:a14="http://schemas.microsoft.com/office/drawing/2010/main">
+        <mc:Choice Requires="a14">
           <p:sp>
             <p:nvSpPr>
               <p:cNvPr id="8" name="テキスト ボックス 7">
@@ -25492,7 +25493,7 @@
             </p:txBody>
           </p:sp>
         </mc:Choice>
-        <mc:Fallback>
+        <mc:Fallback xmlns="">
           <p:sp>
             <p:nvSpPr>
               <p:cNvPr id="8" name="テキスト ボックス 7">
@@ -25537,6 +25538,184 @@
           </p:sp>
         </mc:Fallback>
       </mc:AlternateContent>
+      <mc:AlternateContent xmlns:mc="http://schemas.openxmlformats.org/markup-compatibility/2006">
+        <mc:Choice xmlns:a14="http://schemas.microsoft.com/office/drawing/2010/main" Requires="a14">
+          <p:sp>
+            <p:nvSpPr>
+              <p:cNvPr id="9" name="テキスト ボックス 8">
+                <a:extLst>
+                  <a:ext uri="{FF2B5EF4-FFF2-40B4-BE49-F238E27FC236}">
+                    <a16:creationId xmlns:a16="http://schemas.microsoft.com/office/drawing/2014/main" id="{91021748-4ACF-C369-B995-6D76A3AD139B}"/>
+                  </a:ext>
+                </a:extLst>
+              </p:cNvPr>
+              <p:cNvSpPr txBox="1"/>
+              <p:nvPr/>
+            </p:nvSpPr>
+            <p:spPr>
+              <a:xfrm>
+                <a:off x="914400" y="3233177"/>
+                <a:ext cx="9379974" cy="391646"/>
+              </a:xfrm>
+              <a:prstGeom prst="rect">
+                <a:avLst/>
+              </a:prstGeom>
+              <a:noFill/>
+            </p:spPr>
+            <p:txBody>
+              <a:bodyPr wrap="square" rtlCol="0">
+                <a:spAutoFit/>
+              </a:bodyPr>
+              <a:lstStyle/>
+              <a:p>
+                <a14:m>
+                  <m:oMath xmlns:m="http://schemas.openxmlformats.org/officeDocument/2006/math">
+                    <m:sSub>
+                      <m:sSubPr>
+                        <m:ctrlPr>
+                          <a:rPr lang="en-US" altLang="ja-JP" i="1">
+                            <a:latin typeface="Cambria Math" panose="02040503050406030204" pitchFamily="18" charset="0"/>
+                          </a:rPr>
+                        </m:ctrlPr>
+                      </m:sSubPr>
+                      <m:e>
+                        <m:r>
+                          <a:rPr lang="en-US" altLang="ja-JP" b="0" i="1" smtClean="0">
+                            <a:latin typeface="Cambria Math" panose="02040503050406030204" pitchFamily="18" charset="0"/>
+                          </a:rPr>
+                          <m:t>𝐿</m:t>
+                        </m:r>
+                      </m:e>
+                      <m:sub>
+                        <m:r>
+                          <a:rPr lang="en-US" altLang="ja-JP" b="0" i="1" smtClean="0">
+                            <a:latin typeface="Cambria Math" panose="02040503050406030204" pitchFamily="18" charset="0"/>
+                          </a:rPr>
+                          <m:t>𝑗</m:t>
+                        </m:r>
+                      </m:sub>
+                    </m:sSub>
+                    <m:d>
+                      <m:dPr>
+                        <m:ctrlPr>
+                          <a:rPr lang="en-US" altLang="ja-JP" b="0" i="1" smtClean="0">
+                            <a:latin typeface="Cambria Math" panose="02040503050406030204" pitchFamily="18" charset="0"/>
+                          </a:rPr>
+                        </m:ctrlPr>
+                      </m:dPr>
+                      <m:e>
+                        <m:r>
+                          <a:rPr lang="en-US" altLang="ja-JP" b="0" i="1" smtClean="0">
+                            <a:latin typeface="Cambria Math" panose="02040503050406030204" pitchFamily="18" charset="0"/>
+                          </a:rPr>
+                          <m:t>𝑥</m:t>
+                        </m:r>
+                        <m:r>
+                          <a:rPr lang="en-US" altLang="ja-JP" b="0" i="1" smtClean="0">
+                            <a:latin typeface="Cambria Math" panose="02040503050406030204" pitchFamily="18" charset="0"/>
+                          </a:rPr>
+                          <m:t>,</m:t>
+                        </m:r>
+                        <m:sSub>
+                          <m:sSubPr>
+                            <m:ctrlPr>
+                              <a:rPr lang="en-US" altLang="ja-JP" b="0" i="1" smtClean="0">
+                                <a:latin typeface="Cambria Math" panose="02040503050406030204" pitchFamily="18" charset="0"/>
+                              </a:rPr>
+                            </m:ctrlPr>
+                          </m:sSubPr>
+                          <m:e>
+                            <m:r>
+                              <a:rPr lang="en-US" altLang="ja-JP" b="0" i="1" smtClean="0">
+                                <a:latin typeface="Cambria Math" panose="02040503050406030204" pitchFamily="18" charset="0"/>
+                              </a:rPr>
+                              <m:t>𝑥</m:t>
+                            </m:r>
+                          </m:e>
+                          <m:sub>
+                            <m:r>
+                              <a:rPr lang="en-US" altLang="ja-JP" b="0" i="1" smtClean="0">
+                                <a:latin typeface="Cambria Math" panose="02040503050406030204" pitchFamily="18" charset="0"/>
+                              </a:rPr>
+                              <m:t>𝑖</m:t>
+                            </m:r>
+                          </m:sub>
+                        </m:sSub>
+                        <m:r>
+                          <a:rPr lang="en-US" altLang="ja-JP" b="0" i="1" smtClean="0">
+                            <a:latin typeface="Cambria Math" panose="02040503050406030204" pitchFamily="18" charset="0"/>
+                          </a:rPr>
+                          <m:t>,</m:t>
+                        </m:r>
+                        <m:r>
+                          <a:rPr lang="en-US" altLang="ja-JP" b="0" i="1" smtClean="0">
+                            <a:latin typeface="Cambria Math" panose="02040503050406030204" pitchFamily="18" charset="0"/>
+                          </a:rPr>
+                          <m:t>𝑡</m:t>
+                        </m:r>
+                      </m:e>
+                    </m:d>
+                    <m:r>
+                      <a:rPr lang="ja-JP" altLang="en-US" i="1">
+                        <a:latin typeface="Cambria Math" panose="02040503050406030204" pitchFamily="18" charset="0"/>
+                      </a:rPr>
+                      <m:t>を</m:t>
+                    </m:r>
+                  </m:oMath>
+                </a14:m>
+                <a:r>
+                  <a:rPr kumimoji="1" lang="ja-JP" altLang="en-US" dirty="0"/>
+                  <a:t>求める．</a:t>
+                </a:r>
+              </a:p>
+            </p:txBody>
+          </p:sp>
+        </mc:Choice>
+        <mc:Fallback>
+          <p:sp>
+            <p:nvSpPr>
+              <p:cNvPr id="9" name="テキスト ボックス 8">
+                <a:extLst>
+                  <a:ext uri="{FF2B5EF4-FFF2-40B4-BE49-F238E27FC236}">
+                    <a16:creationId xmlns:a16="http://schemas.microsoft.com/office/drawing/2014/main" id="{91021748-4ACF-C369-B995-6D76A3AD139B}"/>
+                  </a:ext>
+                </a:extLst>
+              </p:cNvPr>
+              <p:cNvSpPr txBox="1">
+                <a:spLocks noRot="1" noChangeAspect="1" noMove="1" noResize="1" noEditPoints="1" noAdjustHandles="1" noChangeArrowheads="1" noChangeShapeType="1" noTextEdit="1"/>
+              </p:cNvSpPr>
+              <p:nvPr/>
+            </p:nvSpPr>
+            <p:spPr>
+              <a:xfrm>
+                <a:off x="914400" y="3233177"/>
+                <a:ext cx="9379974" cy="391646"/>
+              </a:xfrm>
+              <a:prstGeom prst="rect">
+                <a:avLst/>
+              </a:prstGeom>
+              <a:blipFill>
+                <a:blip r:embed="rId6"/>
+                <a:stretch>
+                  <a:fillRect t="-4615" b="-20000"/>
+                </a:stretch>
+              </a:blipFill>
+            </p:spPr>
+            <p:txBody>
+              <a:bodyPr/>
+              <a:lstStyle/>
+              <a:p>
+                <a:r>
+                  <a:rPr lang="ja-JP" altLang="en-US">
+                    <a:noFill/>
+                  </a:rPr>
+                  <a:t> </a:t>
+                </a:r>
+              </a:p>
+            </p:txBody>
+          </p:sp>
+        </mc:Fallback>
+      </mc:AlternateContent>
     </p:spTree>
     <p:extLst>
       <p:ext uri="{BB962C8B-B14F-4D97-AF65-F5344CB8AC3E}">
@@ -25547,6 +25726,2798 @@
   <p:clrMapOvr>
     <a:masterClrMapping/>
   </p:clrMapOvr>
+</p:sld>
+</file>
+
+<file path=ppt/slides/slide21.xml><?xml version="1.0" encoding="utf-8"?>
+<p:sld xmlns:a="http://schemas.openxmlformats.org/drawingml/2006/main" xmlns:r="http://schemas.openxmlformats.org/officeDocument/2006/relationships" xmlns:p="http://schemas.openxmlformats.org/presentationml/2006/main">
+  <p:cSld>
+    <p:spTree>
+      <p:nvGrpSpPr>
+        <p:cNvPr id="1" name=""/>
+        <p:cNvGrpSpPr/>
+        <p:nvPr/>
+      </p:nvGrpSpPr>
+      <p:grpSpPr>
+        <a:xfrm>
+          <a:off x="0" y="0"/>
+          <a:ext cx="0" cy="0"/>
+          <a:chOff x="0" y="0"/>
+          <a:chExt cx="0" cy="0"/>
+        </a:xfrm>
+      </p:grpSpPr>
+      <p:sp>
+        <p:nvSpPr>
+          <p:cNvPr id="2" name="タイトル 1">
+            <a:extLst>
+              <a:ext uri="{FF2B5EF4-FFF2-40B4-BE49-F238E27FC236}">
+                <a16:creationId xmlns:a16="http://schemas.microsoft.com/office/drawing/2014/main" id="{2BFEF497-0230-DFAA-C2CE-DAC3E4D0875B}"/>
+              </a:ext>
+            </a:extLst>
+          </p:cNvPr>
+          <p:cNvSpPr>
+            <a:spLocks noGrp="1"/>
+          </p:cNvSpPr>
+          <p:nvPr>
+            <p:ph type="title"/>
+          </p:nvPr>
+        </p:nvSpPr>
+        <p:spPr/>
+        <p:txBody>
+          <a:bodyPr/>
+          <a:lstStyle/>
+          <a:p>
+            <a:r>
+              <a:rPr lang="ja-JP" altLang="en-US" dirty="0"/>
+              <a:t>強度比分布の抽出</a:t>
+            </a:r>
+            <a:endParaRPr kumimoji="1" lang="ja-JP" altLang="en-US" dirty="0"/>
+          </a:p>
+        </p:txBody>
+      </p:sp>
+      <mc:AlternateContent xmlns:mc="http://schemas.openxmlformats.org/markup-compatibility/2006">
+        <mc:Choice xmlns:a14="http://schemas.microsoft.com/office/drawing/2010/main" Requires="a14">
+          <p:sp>
+            <p:nvSpPr>
+              <p:cNvPr id="4" name="テキスト ボックス 3">
+                <a:extLst>
+                  <a:ext uri="{FF2B5EF4-FFF2-40B4-BE49-F238E27FC236}">
+                    <a16:creationId xmlns:a16="http://schemas.microsoft.com/office/drawing/2014/main" id="{7B51F826-E799-CACD-F449-E229E996A620}"/>
+                  </a:ext>
+                </a:extLst>
+              </p:cNvPr>
+              <p:cNvSpPr txBox="1"/>
+              <p:nvPr/>
+            </p:nvSpPr>
+            <p:spPr>
+              <a:xfrm>
+                <a:off x="2180357" y="1556342"/>
+                <a:ext cx="3084819" cy="518604"/>
+              </a:xfrm>
+              <a:prstGeom prst="rect">
+                <a:avLst/>
+              </a:prstGeom>
+              <a:noFill/>
+            </p:spPr>
+            <p:txBody>
+              <a:bodyPr wrap="none" lIns="0" tIns="0" rIns="0" bIns="0" rtlCol="0">
+                <a:spAutoFit/>
+              </a:bodyPr>
+              <a:lstStyle/>
+              <a:p>
+                <a14:m>
+                  <m:oMathPara xmlns:m="http://schemas.openxmlformats.org/officeDocument/2006/math">
+                    <m:oMathParaPr>
+                      <m:jc m:val="centerGroup"/>
+                    </m:oMathParaPr>
+                    <m:oMath xmlns:m="http://schemas.openxmlformats.org/officeDocument/2006/math">
+                      <m:sSub>
+                        <m:sSubPr>
+                          <m:ctrlPr>
+                            <a:rPr kumimoji="1" lang="en-US" altLang="ja-JP" i="1" smtClean="0">
+                              <a:latin typeface="Cambria Math" panose="02040503050406030204" pitchFamily="18" charset="0"/>
+                            </a:rPr>
+                          </m:ctrlPr>
+                        </m:sSubPr>
+                        <m:e>
+                          <m:r>
+                            <a:rPr kumimoji="1" lang="en-US" altLang="ja-JP" b="0" i="1" smtClean="0">
+                              <a:latin typeface="Cambria Math" panose="02040503050406030204" pitchFamily="18" charset="0"/>
+                            </a:rPr>
+                            <m:t>𝑖</m:t>
+                          </m:r>
+                        </m:e>
+                        <m:sub>
+                          <m:r>
+                            <a:rPr kumimoji="1" lang="en-US" altLang="ja-JP" b="0" i="1" smtClean="0">
+                              <a:latin typeface="Cambria Math" panose="02040503050406030204" pitchFamily="18" charset="0"/>
+                            </a:rPr>
+                            <m:t>𝑚</m:t>
+                          </m:r>
+                        </m:sub>
+                      </m:sSub>
+                      <m:d>
+                        <m:dPr>
+                          <m:ctrlPr>
+                            <a:rPr kumimoji="1" lang="en-US" altLang="ja-JP" b="0" i="1" smtClean="0">
+                              <a:latin typeface="Cambria Math" panose="02040503050406030204" pitchFamily="18" charset="0"/>
+                            </a:rPr>
+                          </m:ctrlPr>
+                        </m:dPr>
+                        <m:e>
+                          <m:r>
+                            <a:rPr kumimoji="1" lang="en-US" altLang="ja-JP" b="0" i="1" smtClean="0">
+                              <a:latin typeface="Cambria Math" panose="02040503050406030204" pitchFamily="18" charset="0"/>
+                            </a:rPr>
+                            <m:t>𝑥</m:t>
+                          </m:r>
+                          <m:r>
+                            <a:rPr kumimoji="1" lang="en-US" altLang="ja-JP" b="0" i="1" smtClean="0">
+                              <a:latin typeface="Cambria Math" panose="02040503050406030204" pitchFamily="18" charset="0"/>
+                            </a:rPr>
+                            <m:t>,</m:t>
+                          </m:r>
+                          <m:sSub>
+                            <m:sSubPr>
+                              <m:ctrlPr>
+                                <a:rPr kumimoji="1" lang="en-US" altLang="ja-JP" b="0" i="1" smtClean="0">
+                                  <a:latin typeface="Cambria Math" panose="02040503050406030204" pitchFamily="18" charset="0"/>
+                                </a:rPr>
+                              </m:ctrlPr>
+                            </m:sSubPr>
+                            <m:e>
+                              <m:r>
+                                <a:rPr kumimoji="1" lang="en-US" altLang="ja-JP" b="0" i="1" smtClean="0">
+                                  <a:latin typeface="Cambria Math" panose="02040503050406030204" pitchFamily="18" charset="0"/>
+                                </a:rPr>
+                                <m:t>𝑦</m:t>
+                              </m:r>
+                            </m:e>
+                            <m:sub>
+                              <m:r>
+                                <a:rPr kumimoji="1" lang="en-US" altLang="ja-JP" b="0" i="1" smtClean="0">
+                                  <a:latin typeface="Cambria Math" panose="02040503050406030204" pitchFamily="18" charset="0"/>
+                                </a:rPr>
+                                <m:t>0</m:t>
+                              </m:r>
+                            </m:sub>
+                          </m:sSub>
+                          <m:r>
+                            <a:rPr kumimoji="1" lang="en-US" altLang="ja-JP" b="0" i="1" smtClean="0">
+                              <a:latin typeface="Cambria Math" panose="02040503050406030204" pitchFamily="18" charset="0"/>
+                            </a:rPr>
+                            <m:t>,</m:t>
+                          </m:r>
+                          <m:sSub>
+                            <m:sSubPr>
+                              <m:ctrlPr>
+                                <a:rPr kumimoji="1" lang="en-US" altLang="ja-JP" b="0" i="1" smtClean="0">
+                                  <a:latin typeface="Cambria Math" panose="02040503050406030204" pitchFamily="18" charset="0"/>
+                                </a:rPr>
+                              </m:ctrlPr>
+                            </m:sSubPr>
+                            <m:e>
+                              <m:r>
+                                <a:rPr kumimoji="1" lang="en-US" altLang="ja-JP" b="0" i="1" smtClean="0">
+                                  <a:latin typeface="Cambria Math" panose="02040503050406030204" pitchFamily="18" charset="0"/>
+                                </a:rPr>
+                                <m:t>𝑡</m:t>
+                              </m:r>
+                            </m:e>
+                            <m:sub>
+                              <m:r>
+                                <a:rPr kumimoji="1" lang="en-US" altLang="ja-JP" b="0" i="1" smtClean="0">
+                                  <a:latin typeface="Cambria Math" panose="02040503050406030204" pitchFamily="18" charset="0"/>
+                                </a:rPr>
+                                <m:t>0</m:t>
+                              </m:r>
+                            </m:sub>
+                          </m:sSub>
+                        </m:e>
+                      </m:d>
+                      <m:r>
+                        <a:rPr kumimoji="1" lang="en-US" altLang="ja-JP" b="0" i="1" smtClean="0">
+                          <a:latin typeface="Cambria Math" panose="02040503050406030204" pitchFamily="18" charset="0"/>
+                        </a:rPr>
+                        <m:t>=</m:t>
+                      </m:r>
+                      <m:f>
+                        <m:fPr>
+                          <m:ctrlPr>
+                            <a:rPr kumimoji="1" lang="en-US" altLang="ja-JP" b="0" i="1" smtClean="0">
+                              <a:latin typeface="Cambria Math" panose="02040503050406030204" pitchFamily="18" charset="0"/>
+                            </a:rPr>
+                          </m:ctrlPr>
+                        </m:fPr>
+                        <m:num>
+                          <m:r>
+                            <a:rPr kumimoji="1" lang="en-US" altLang="ja-JP" b="0" i="1" smtClean="0">
+                              <a:latin typeface="Cambria Math" panose="02040503050406030204" pitchFamily="18" charset="0"/>
+                            </a:rPr>
+                            <m:t>1</m:t>
+                          </m:r>
+                        </m:num>
+                        <m:den>
+                          <m:r>
+                            <a:rPr kumimoji="1" lang="en-US" altLang="ja-JP" b="0" i="1" smtClean="0">
+                              <a:latin typeface="Cambria Math" panose="02040503050406030204" pitchFamily="18" charset="0"/>
+                            </a:rPr>
+                            <m:t>2</m:t>
+                          </m:r>
+                          <m:r>
+                            <a:rPr kumimoji="1" lang="en-US" altLang="ja-JP" b="0" i="1" smtClean="0">
+                              <a:latin typeface="Cambria Math" panose="02040503050406030204" pitchFamily="18" charset="0"/>
+                            </a:rPr>
+                            <m:t>𝐴</m:t>
+                          </m:r>
+                        </m:den>
+                      </m:f>
+                      <m:sSub>
+                        <m:sSubPr>
+                          <m:ctrlPr>
+                            <a:rPr kumimoji="1" lang="en-US" altLang="ja-JP" b="0" i="1" smtClean="0">
+                              <a:latin typeface="Cambria Math" panose="02040503050406030204" pitchFamily="18" charset="0"/>
+                            </a:rPr>
+                          </m:ctrlPr>
+                        </m:sSubPr>
+                        <m:e>
+                          <m:r>
+                            <a:rPr lang="ar-AE" altLang="ja-JP" i="1">
+                              <a:latin typeface="Cambria Math" panose="02040503050406030204" pitchFamily="18" charset="0"/>
+                            </a:rPr>
+                            <m:t>𝜙</m:t>
+                          </m:r>
+                        </m:e>
+                        <m:sub>
+                          <m:r>
+                            <a:rPr kumimoji="1" lang="en-US" altLang="ja-JP" b="0" i="1" smtClean="0">
+                              <a:latin typeface="Cambria Math" panose="02040503050406030204" pitchFamily="18" charset="0"/>
+                            </a:rPr>
+                            <m:t>𝑚</m:t>
+                          </m:r>
+                        </m:sub>
+                      </m:sSub>
+                      <m:r>
+                        <a:rPr kumimoji="1" lang="en-US" altLang="ja-JP" b="0" i="1" smtClean="0">
+                          <a:latin typeface="Cambria Math" panose="02040503050406030204" pitchFamily="18" charset="0"/>
+                        </a:rPr>
+                        <m:t>(</m:t>
+                      </m:r>
+                      <m:r>
+                        <a:rPr kumimoji="1" lang="en-US" altLang="ja-JP" b="0" i="1" smtClean="0">
+                          <a:latin typeface="Cambria Math" panose="02040503050406030204" pitchFamily="18" charset="0"/>
+                        </a:rPr>
+                        <m:t>𝑥</m:t>
+                      </m:r>
+                      <m:r>
+                        <a:rPr kumimoji="1" lang="en-US" altLang="ja-JP" b="0" i="1" smtClean="0">
+                          <a:latin typeface="Cambria Math" panose="02040503050406030204" pitchFamily="18" charset="0"/>
+                        </a:rPr>
+                        <m:t>,</m:t>
+                      </m:r>
+                      <m:sSub>
+                        <m:sSubPr>
+                          <m:ctrlPr>
+                            <a:rPr kumimoji="1" lang="en-US" altLang="ja-JP" b="0" i="1" smtClean="0">
+                              <a:latin typeface="Cambria Math" panose="02040503050406030204" pitchFamily="18" charset="0"/>
+                            </a:rPr>
+                          </m:ctrlPr>
+                        </m:sSubPr>
+                        <m:e>
+                          <m:r>
+                            <a:rPr kumimoji="1" lang="en-US" altLang="ja-JP" b="0" i="1" smtClean="0">
+                              <a:latin typeface="Cambria Math" panose="02040503050406030204" pitchFamily="18" charset="0"/>
+                            </a:rPr>
+                            <m:t>𝑦</m:t>
+                          </m:r>
+                        </m:e>
+                        <m:sub>
+                          <m:r>
+                            <a:rPr kumimoji="1" lang="en-US" altLang="ja-JP" b="0" i="1" smtClean="0">
+                              <a:latin typeface="Cambria Math" panose="02040503050406030204" pitchFamily="18" charset="0"/>
+                            </a:rPr>
+                            <m:t>0</m:t>
+                          </m:r>
+                        </m:sub>
+                      </m:sSub>
+                      <m:r>
+                        <a:rPr kumimoji="1" lang="en-US" altLang="ja-JP" b="0" i="1" smtClean="0">
+                          <a:latin typeface="Cambria Math" panose="02040503050406030204" pitchFamily="18" charset="0"/>
+                        </a:rPr>
+                        <m:t>,</m:t>
+                      </m:r>
+                      <m:sSub>
+                        <m:sSubPr>
+                          <m:ctrlPr>
+                            <a:rPr kumimoji="1" lang="en-US" altLang="ja-JP" b="0" i="1" smtClean="0">
+                              <a:latin typeface="Cambria Math" panose="02040503050406030204" pitchFamily="18" charset="0"/>
+                            </a:rPr>
+                          </m:ctrlPr>
+                        </m:sSubPr>
+                        <m:e>
+                          <m:r>
+                            <a:rPr kumimoji="1" lang="en-US" altLang="ja-JP" b="0" i="1" smtClean="0">
+                              <a:latin typeface="Cambria Math" panose="02040503050406030204" pitchFamily="18" charset="0"/>
+                            </a:rPr>
+                            <m:t>𝑡</m:t>
+                          </m:r>
+                        </m:e>
+                        <m:sub>
+                          <m:r>
+                            <a:rPr kumimoji="1" lang="en-US" altLang="ja-JP" b="0" i="1" smtClean="0">
+                              <a:latin typeface="Cambria Math" panose="02040503050406030204" pitchFamily="18" charset="0"/>
+                            </a:rPr>
+                            <m:t>0</m:t>
+                          </m:r>
+                        </m:sub>
+                      </m:sSub>
+                      <m:r>
+                        <a:rPr kumimoji="1" lang="en-US" altLang="ja-JP" b="0" i="1" smtClean="0">
+                          <a:latin typeface="Cambria Math" panose="02040503050406030204" pitchFamily="18" charset="0"/>
+                        </a:rPr>
+                        <m:t>)</m:t>
+                      </m:r>
+                    </m:oMath>
+                  </m:oMathPara>
+                </a14:m>
+                <a:endParaRPr kumimoji="1" lang="ja-JP" altLang="en-US" dirty="0"/>
+              </a:p>
+            </p:txBody>
+          </p:sp>
+        </mc:Choice>
+        <mc:Fallback>
+          <p:sp>
+            <p:nvSpPr>
+              <p:cNvPr id="4" name="テキスト ボックス 3">
+                <a:extLst>
+                  <a:ext uri="{FF2B5EF4-FFF2-40B4-BE49-F238E27FC236}">
+                    <a16:creationId xmlns:a16="http://schemas.microsoft.com/office/drawing/2014/main" id="{7B51F826-E799-CACD-F449-E229E996A620}"/>
+                  </a:ext>
+                </a:extLst>
+              </p:cNvPr>
+              <p:cNvSpPr txBox="1">
+                <a:spLocks noRot="1" noChangeAspect="1" noMove="1" noResize="1" noEditPoints="1" noAdjustHandles="1" noChangeArrowheads="1" noChangeShapeType="1" noTextEdit="1"/>
+              </p:cNvSpPr>
+              <p:nvPr/>
+            </p:nvSpPr>
+            <p:spPr>
+              <a:xfrm>
+                <a:off x="2180357" y="1556342"/>
+                <a:ext cx="3084819" cy="518604"/>
+              </a:xfrm>
+              <a:prstGeom prst="rect">
+                <a:avLst/>
+              </a:prstGeom>
+              <a:blipFill>
+                <a:blip r:embed="rId2"/>
+                <a:stretch>
+                  <a:fillRect/>
+                </a:stretch>
+              </a:blipFill>
+            </p:spPr>
+            <p:txBody>
+              <a:bodyPr/>
+              <a:lstStyle/>
+              <a:p>
+                <a:r>
+                  <a:rPr lang="ja-JP" altLang="en-US">
+                    <a:noFill/>
+                  </a:rPr>
+                  <a:t> </a:t>
+                </a:r>
+              </a:p>
+            </p:txBody>
+          </p:sp>
+        </mc:Fallback>
+      </mc:AlternateContent>
+      <mc:AlternateContent xmlns:mc="http://schemas.openxmlformats.org/markup-compatibility/2006">
+        <mc:Choice xmlns:a14="http://schemas.microsoft.com/office/drawing/2010/main" Requires="a14">
+          <p:sp>
+            <p:nvSpPr>
+              <p:cNvPr id="5" name="テキスト ボックス 4">
+                <a:extLst>
+                  <a:ext uri="{FF2B5EF4-FFF2-40B4-BE49-F238E27FC236}">
+                    <a16:creationId xmlns:a16="http://schemas.microsoft.com/office/drawing/2014/main" id="{3FFA5D9A-70D4-7BAB-5138-A6444A85D3F3}"/>
+                  </a:ext>
+                </a:extLst>
+              </p:cNvPr>
+              <p:cNvSpPr txBox="1"/>
+              <p:nvPr/>
+            </p:nvSpPr>
+            <p:spPr>
+              <a:xfrm>
+                <a:off x="6194323" y="1556342"/>
+                <a:ext cx="2955040" cy="518604"/>
+              </a:xfrm>
+              <a:prstGeom prst="rect">
+                <a:avLst/>
+              </a:prstGeom>
+              <a:noFill/>
+            </p:spPr>
+            <p:txBody>
+              <a:bodyPr wrap="none" lIns="0" tIns="0" rIns="0" bIns="0" rtlCol="0">
+                <a:spAutoFit/>
+              </a:bodyPr>
+              <a:lstStyle/>
+              <a:p>
+                <a14:m>
+                  <m:oMathPara xmlns:m="http://schemas.openxmlformats.org/officeDocument/2006/math">
+                    <m:oMathParaPr>
+                      <m:jc m:val="centerGroup"/>
+                    </m:oMathParaPr>
+                    <m:oMath xmlns:m="http://schemas.openxmlformats.org/officeDocument/2006/math">
+                      <m:sSub>
+                        <m:sSubPr>
+                          <m:ctrlPr>
+                            <a:rPr kumimoji="1" lang="en-US" altLang="ja-JP" i="1" smtClean="0">
+                              <a:latin typeface="Cambria Math" panose="02040503050406030204" pitchFamily="18" charset="0"/>
+                            </a:rPr>
+                          </m:ctrlPr>
+                        </m:sSubPr>
+                        <m:e>
+                          <m:r>
+                            <a:rPr kumimoji="1" lang="en-US" altLang="ja-JP" b="0" i="1" smtClean="0">
+                              <a:latin typeface="Cambria Math" panose="02040503050406030204" pitchFamily="18" charset="0"/>
+                            </a:rPr>
+                            <m:t>𝑖</m:t>
+                          </m:r>
+                        </m:e>
+                        <m:sub>
+                          <m:r>
+                            <a:rPr kumimoji="1" lang="en-US" altLang="ja-JP" b="0" i="1" smtClean="0">
+                              <a:latin typeface="Cambria Math" panose="02040503050406030204" pitchFamily="18" charset="0"/>
+                            </a:rPr>
+                            <m:t>𝑟</m:t>
+                          </m:r>
+                        </m:sub>
+                      </m:sSub>
+                      <m:d>
+                        <m:dPr>
+                          <m:ctrlPr>
+                            <a:rPr kumimoji="1" lang="en-US" altLang="ja-JP" b="0" i="1" smtClean="0">
+                              <a:latin typeface="Cambria Math" panose="02040503050406030204" pitchFamily="18" charset="0"/>
+                            </a:rPr>
+                          </m:ctrlPr>
+                        </m:dPr>
+                        <m:e>
+                          <m:r>
+                            <a:rPr kumimoji="1" lang="en-US" altLang="ja-JP" b="0" i="1" smtClean="0">
+                              <a:latin typeface="Cambria Math" panose="02040503050406030204" pitchFamily="18" charset="0"/>
+                            </a:rPr>
+                            <m:t>𝑥</m:t>
+                          </m:r>
+                          <m:r>
+                            <a:rPr kumimoji="1" lang="en-US" altLang="ja-JP" b="0" i="1" smtClean="0">
+                              <a:latin typeface="Cambria Math" panose="02040503050406030204" pitchFamily="18" charset="0"/>
+                            </a:rPr>
+                            <m:t>,</m:t>
+                          </m:r>
+                          <m:sSub>
+                            <m:sSubPr>
+                              <m:ctrlPr>
+                                <a:rPr kumimoji="1" lang="en-US" altLang="ja-JP" b="0" i="1" smtClean="0">
+                                  <a:latin typeface="Cambria Math" panose="02040503050406030204" pitchFamily="18" charset="0"/>
+                                </a:rPr>
+                              </m:ctrlPr>
+                            </m:sSubPr>
+                            <m:e>
+                              <m:r>
+                                <a:rPr kumimoji="1" lang="en-US" altLang="ja-JP" b="0" i="1" smtClean="0">
+                                  <a:latin typeface="Cambria Math" panose="02040503050406030204" pitchFamily="18" charset="0"/>
+                                </a:rPr>
+                                <m:t>𝑦</m:t>
+                              </m:r>
+                            </m:e>
+                            <m:sub>
+                              <m:r>
+                                <a:rPr kumimoji="1" lang="en-US" altLang="ja-JP" b="0" i="1" smtClean="0">
+                                  <a:latin typeface="Cambria Math" panose="02040503050406030204" pitchFamily="18" charset="0"/>
+                                </a:rPr>
+                                <m:t>0</m:t>
+                              </m:r>
+                            </m:sub>
+                          </m:sSub>
+                          <m:r>
+                            <a:rPr kumimoji="1" lang="en-US" altLang="ja-JP" b="0" i="1" smtClean="0">
+                              <a:latin typeface="Cambria Math" panose="02040503050406030204" pitchFamily="18" charset="0"/>
+                            </a:rPr>
+                            <m:t>,</m:t>
+                          </m:r>
+                          <m:sSub>
+                            <m:sSubPr>
+                              <m:ctrlPr>
+                                <a:rPr kumimoji="1" lang="en-US" altLang="ja-JP" b="0" i="1" smtClean="0">
+                                  <a:latin typeface="Cambria Math" panose="02040503050406030204" pitchFamily="18" charset="0"/>
+                                </a:rPr>
+                              </m:ctrlPr>
+                            </m:sSubPr>
+                            <m:e>
+                              <m:r>
+                                <a:rPr kumimoji="1" lang="en-US" altLang="ja-JP" b="0" i="1" smtClean="0">
+                                  <a:latin typeface="Cambria Math" panose="02040503050406030204" pitchFamily="18" charset="0"/>
+                                </a:rPr>
+                                <m:t>𝑡</m:t>
+                              </m:r>
+                            </m:e>
+                            <m:sub>
+                              <m:r>
+                                <a:rPr kumimoji="1" lang="en-US" altLang="ja-JP" b="0" i="1" smtClean="0">
+                                  <a:latin typeface="Cambria Math" panose="02040503050406030204" pitchFamily="18" charset="0"/>
+                                </a:rPr>
+                                <m:t>0</m:t>
+                              </m:r>
+                            </m:sub>
+                          </m:sSub>
+                        </m:e>
+                      </m:d>
+                      <m:r>
+                        <a:rPr kumimoji="1" lang="en-US" altLang="ja-JP" b="0" i="1" smtClean="0">
+                          <a:latin typeface="Cambria Math" panose="02040503050406030204" pitchFamily="18" charset="0"/>
+                        </a:rPr>
+                        <m:t>=</m:t>
+                      </m:r>
+                      <m:f>
+                        <m:fPr>
+                          <m:ctrlPr>
+                            <a:rPr kumimoji="1" lang="en-US" altLang="ja-JP" b="0" i="1" smtClean="0">
+                              <a:latin typeface="Cambria Math" panose="02040503050406030204" pitchFamily="18" charset="0"/>
+                            </a:rPr>
+                          </m:ctrlPr>
+                        </m:fPr>
+                        <m:num>
+                          <m:r>
+                            <a:rPr kumimoji="1" lang="en-US" altLang="ja-JP" b="0" i="1" smtClean="0">
+                              <a:latin typeface="Cambria Math" panose="02040503050406030204" pitchFamily="18" charset="0"/>
+                            </a:rPr>
+                            <m:t>1</m:t>
+                          </m:r>
+                        </m:num>
+                        <m:den>
+                          <m:r>
+                            <a:rPr kumimoji="1" lang="en-US" altLang="ja-JP" b="0" i="1" smtClean="0">
+                              <a:latin typeface="Cambria Math" panose="02040503050406030204" pitchFamily="18" charset="0"/>
+                            </a:rPr>
+                            <m:t>2</m:t>
+                          </m:r>
+                          <m:r>
+                            <a:rPr kumimoji="1" lang="en-US" altLang="ja-JP" b="0" i="1" smtClean="0">
+                              <a:latin typeface="Cambria Math" panose="02040503050406030204" pitchFamily="18" charset="0"/>
+                            </a:rPr>
+                            <m:t>𝐴</m:t>
+                          </m:r>
+                        </m:den>
+                      </m:f>
+                      <m:sSub>
+                        <m:sSubPr>
+                          <m:ctrlPr>
+                            <a:rPr kumimoji="1" lang="en-US" altLang="ja-JP" b="0" i="1" smtClean="0">
+                              <a:latin typeface="Cambria Math" panose="02040503050406030204" pitchFamily="18" charset="0"/>
+                            </a:rPr>
+                          </m:ctrlPr>
+                        </m:sSubPr>
+                        <m:e>
+                          <m:r>
+                            <a:rPr lang="ar-AE" altLang="ja-JP" i="1">
+                              <a:latin typeface="Cambria Math" panose="02040503050406030204" pitchFamily="18" charset="0"/>
+                            </a:rPr>
+                            <m:t>𝜙</m:t>
+                          </m:r>
+                        </m:e>
+                        <m:sub>
+                          <m:r>
+                            <a:rPr kumimoji="1" lang="en-US" altLang="ja-JP" b="0" i="1" smtClean="0">
+                              <a:latin typeface="Cambria Math" panose="02040503050406030204" pitchFamily="18" charset="0"/>
+                            </a:rPr>
+                            <m:t>𝑟</m:t>
+                          </m:r>
+                        </m:sub>
+                      </m:sSub>
+                      <m:r>
+                        <a:rPr kumimoji="1" lang="en-US" altLang="ja-JP" b="0" i="1" smtClean="0">
+                          <a:latin typeface="Cambria Math" panose="02040503050406030204" pitchFamily="18" charset="0"/>
+                        </a:rPr>
+                        <m:t>(</m:t>
+                      </m:r>
+                      <m:r>
+                        <a:rPr kumimoji="1" lang="en-US" altLang="ja-JP" b="0" i="1" smtClean="0">
+                          <a:latin typeface="Cambria Math" panose="02040503050406030204" pitchFamily="18" charset="0"/>
+                        </a:rPr>
+                        <m:t>𝑥</m:t>
+                      </m:r>
+                      <m:r>
+                        <a:rPr kumimoji="1" lang="en-US" altLang="ja-JP" b="0" i="1" smtClean="0">
+                          <a:latin typeface="Cambria Math" panose="02040503050406030204" pitchFamily="18" charset="0"/>
+                        </a:rPr>
+                        <m:t>,</m:t>
+                      </m:r>
+                      <m:sSub>
+                        <m:sSubPr>
+                          <m:ctrlPr>
+                            <a:rPr kumimoji="1" lang="en-US" altLang="ja-JP" b="0" i="1" smtClean="0">
+                              <a:latin typeface="Cambria Math" panose="02040503050406030204" pitchFamily="18" charset="0"/>
+                            </a:rPr>
+                          </m:ctrlPr>
+                        </m:sSubPr>
+                        <m:e>
+                          <m:r>
+                            <a:rPr kumimoji="1" lang="en-US" altLang="ja-JP" b="0" i="1" smtClean="0">
+                              <a:latin typeface="Cambria Math" panose="02040503050406030204" pitchFamily="18" charset="0"/>
+                            </a:rPr>
+                            <m:t>𝑦</m:t>
+                          </m:r>
+                        </m:e>
+                        <m:sub>
+                          <m:r>
+                            <a:rPr kumimoji="1" lang="en-US" altLang="ja-JP" b="0" i="1" smtClean="0">
+                              <a:latin typeface="Cambria Math" panose="02040503050406030204" pitchFamily="18" charset="0"/>
+                            </a:rPr>
+                            <m:t>0</m:t>
+                          </m:r>
+                        </m:sub>
+                      </m:sSub>
+                      <m:r>
+                        <a:rPr kumimoji="1" lang="en-US" altLang="ja-JP" b="0" i="1" smtClean="0">
+                          <a:latin typeface="Cambria Math" panose="02040503050406030204" pitchFamily="18" charset="0"/>
+                        </a:rPr>
+                        <m:t>,</m:t>
+                      </m:r>
+                      <m:sSub>
+                        <m:sSubPr>
+                          <m:ctrlPr>
+                            <a:rPr kumimoji="1" lang="en-US" altLang="ja-JP" b="0" i="1" smtClean="0">
+                              <a:latin typeface="Cambria Math" panose="02040503050406030204" pitchFamily="18" charset="0"/>
+                            </a:rPr>
+                          </m:ctrlPr>
+                        </m:sSubPr>
+                        <m:e>
+                          <m:r>
+                            <a:rPr kumimoji="1" lang="en-US" altLang="ja-JP" b="0" i="1" smtClean="0">
+                              <a:latin typeface="Cambria Math" panose="02040503050406030204" pitchFamily="18" charset="0"/>
+                            </a:rPr>
+                            <m:t>𝑡</m:t>
+                          </m:r>
+                        </m:e>
+                        <m:sub>
+                          <m:r>
+                            <a:rPr kumimoji="1" lang="en-US" altLang="ja-JP" b="0" i="1" smtClean="0">
+                              <a:latin typeface="Cambria Math" panose="02040503050406030204" pitchFamily="18" charset="0"/>
+                            </a:rPr>
+                            <m:t>0</m:t>
+                          </m:r>
+                        </m:sub>
+                      </m:sSub>
+                      <m:r>
+                        <a:rPr kumimoji="1" lang="en-US" altLang="ja-JP" b="0" i="1" smtClean="0">
+                          <a:latin typeface="Cambria Math" panose="02040503050406030204" pitchFamily="18" charset="0"/>
+                        </a:rPr>
+                        <m:t>)</m:t>
+                      </m:r>
+                    </m:oMath>
+                  </m:oMathPara>
+                </a14:m>
+                <a:endParaRPr kumimoji="1" lang="ja-JP" altLang="en-US" dirty="0"/>
+              </a:p>
+            </p:txBody>
+          </p:sp>
+        </mc:Choice>
+        <mc:Fallback>
+          <p:sp>
+            <p:nvSpPr>
+              <p:cNvPr id="5" name="テキスト ボックス 4">
+                <a:extLst>
+                  <a:ext uri="{FF2B5EF4-FFF2-40B4-BE49-F238E27FC236}">
+                    <a16:creationId xmlns:a16="http://schemas.microsoft.com/office/drawing/2014/main" id="{3FFA5D9A-70D4-7BAB-5138-A6444A85D3F3}"/>
+                  </a:ext>
+                </a:extLst>
+              </p:cNvPr>
+              <p:cNvSpPr txBox="1">
+                <a:spLocks noRot="1" noChangeAspect="1" noMove="1" noResize="1" noEditPoints="1" noAdjustHandles="1" noChangeArrowheads="1" noChangeShapeType="1" noTextEdit="1"/>
+              </p:cNvSpPr>
+              <p:nvPr/>
+            </p:nvSpPr>
+            <p:spPr>
+              <a:xfrm>
+                <a:off x="6194323" y="1556342"/>
+                <a:ext cx="2955040" cy="518604"/>
+              </a:xfrm>
+              <a:prstGeom prst="rect">
+                <a:avLst/>
+              </a:prstGeom>
+              <a:blipFill>
+                <a:blip r:embed="rId3"/>
+                <a:stretch>
+                  <a:fillRect/>
+                </a:stretch>
+              </a:blipFill>
+            </p:spPr>
+            <p:txBody>
+              <a:bodyPr/>
+              <a:lstStyle/>
+              <a:p>
+                <a:r>
+                  <a:rPr lang="ja-JP" altLang="en-US">
+                    <a:noFill/>
+                  </a:rPr>
+                  <a:t> </a:t>
+                </a:r>
+              </a:p>
+            </p:txBody>
+          </p:sp>
+        </mc:Fallback>
+      </mc:AlternateContent>
+      <mc:AlternateContent xmlns:mc="http://schemas.openxmlformats.org/markup-compatibility/2006">
+        <mc:Choice xmlns:a14="http://schemas.microsoft.com/office/drawing/2010/main" Requires="a14">
+          <p:sp>
+            <p:nvSpPr>
+              <p:cNvPr id="6" name="テキスト ボックス 5">
+                <a:extLst>
+                  <a:ext uri="{FF2B5EF4-FFF2-40B4-BE49-F238E27FC236}">
+                    <a16:creationId xmlns:a16="http://schemas.microsoft.com/office/drawing/2014/main" id="{5199A0CC-22A2-AAD8-E5F4-DDA5B33F4EC0}"/>
+                  </a:ext>
+                </a:extLst>
+              </p:cNvPr>
+              <p:cNvSpPr txBox="1"/>
+              <p:nvPr/>
+            </p:nvSpPr>
+            <p:spPr>
+              <a:xfrm>
+                <a:off x="1000846" y="2601129"/>
+                <a:ext cx="6105005" cy="276999"/>
+              </a:xfrm>
+              <a:prstGeom prst="rect">
+                <a:avLst/>
+              </a:prstGeom>
+              <a:noFill/>
+            </p:spPr>
+            <p:txBody>
+              <a:bodyPr wrap="none" lIns="0" tIns="0" rIns="0" bIns="0" rtlCol="0">
+                <a:spAutoFit/>
+              </a:bodyPr>
+              <a:lstStyle/>
+              <a:p>
+                <a14:m>
+                  <m:oMath xmlns:m="http://schemas.openxmlformats.org/officeDocument/2006/math">
+                    <m:sSub>
+                      <m:sSubPr>
+                        <m:ctrlPr>
+                          <a:rPr kumimoji="1" lang="en-US" altLang="ja-JP" i="1" smtClean="0">
+                            <a:latin typeface="Cambria Math" panose="02040503050406030204" pitchFamily="18" charset="0"/>
+                          </a:rPr>
+                        </m:ctrlPr>
+                      </m:sSubPr>
+                      <m:e>
+                        <m:r>
+                          <a:rPr kumimoji="1" lang="en-US" altLang="ja-JP" b="0" i="1" smtClean="0">
+                            <a:latin typeface="Cambria Math" panose="02040503050406030204" pitchFamily="18" charset="0"/>
+                          </a:rPr>
+                          <m:t>𝑖</m:t>
+                        </m:r>
+                      </m:e>
+                      <m:sub>
+                        <m:r>
+                          <a:rPr kumimoji="1" lang="en-US" altLang="ja-JP" b="0" i="1" smtClean="0">
+                            <a:latin typeface="Cambria Math" panose="02040503050406030204" pitchFamily="18" charset="0"/>
+                          </a:rPr>
+                          <m:t>𝑚</m:t>
+                        </m:r>
+                      </m:sub>
+                    </m:sSub>
+                  </m:oMath>
+                </a14:m>
+                <a:r>
+                  <a:rPr kumimoji="1" lang="ja-JP" altLang="en-US" dirty="0"/>
+                  <a:t>と</a:t>
+                </a:r>
+                <a14:m>
+                  <m:oMath xmlns:m="http://schemas.openxmlformats.org/officeDocument/2006/math">
+                    <m:sSub>
+                      <m:sSubPr>
+                        <m:ctrlPr>
+                          <a:rPr lang="en-US" altLang="ja-JP" i="1">
+                            <a:latin typeface="Cambria Math" panose="02040503050406030204" pitchFamily="18" charset="0"/>
+                          </a:rPr>
+                        </m:ctrlPr>
+                      </m:sSubPr>
+                      <m:e>
+                        <m:r>
+                          <a:rPr lang="en-US" altLang="ja-JP" i="1">
+                            <a:latin typeface="Cambria Math" panose="02040503050406030204" pitchFamily="18" charset="0"/>
+                          </a:rPr>
+                          <m:t>𝑖</m:t>
+                        </m:r>
+                      </m:e>
+                      <m:sub>
+                        <m:r>
+                          <a:rPr lang="en-US" altLang="ja-JP" b="0" i="1" smtClean="0">
+                            <a:latin typeface="Cambria Math" panose="02040503050406030204" pitchFamily="18" charset="0"/>
+                          </a:rPr>
+                          <m:t>𝑟</m:t>
+                        </m:r>
+                      </m:sub>
+                    </m:sSub>
+                    <m:r>
+                      <a:rPr lang="ja-JP" altLang="en-US" i="1" smtClean="0">
+                        <a:latin typeface="Cambria Math" panose="02040503050406030204" pitchFamily="18" charset="0"/>
+                      </a:rPr>
+                      <m:t>を</m:t>
+                    </m:r>
+                  </m:oMath>
+                </a14:m>
+                <a:r>
+                  <a:rPr kumimoji="1" lang="ja-JP" altLang="en-US" dirty="0"/>
+                  <a:t>用いて時間積分された出力強度分布</a:t>
+                </a:r>
+                <a14:m>
+                  <m:oMath xmlns:m="http://schemas.openxmlformats.org/officeDocument/2006/math">
+                    <m:sSub>
+                      <m:sSubPr>
+                        <m:ctrlPr>
+                          <a:rPr lang="en-US" altLang="ja-JP" i="1">
+                            <a:latin typeface="Cambria Math" panose="02040503050406030204" pitchFamily="18" charset="0"/>
+                          </a:rPr>
+                        </m:ctrlPr>
+                      </m:sSubPr>
+                      <m:e>
+                        <m:r>
+                          <a:rPr lang="en-US" altLang="ja-JP" b="0" i="1" smtClean="0">
+                            <a:latin typeface="Cambria Math" panose="02040503050406030204" pitchFamily="18" charset="0"/>
+                          </a:rPr>
+                          <m:t>𝑃</m:t>
+                        </m:r>
+                      </m:e>
+                      <m:sub>
+                        <m:r>
+                          <a:rPr lang="en-US" altLang="ja-JP" b="0" i="1" smtClean="0">
+                            <a:latin typeface="Cambria Math" panose="02040503050406030204" pitchFamily="18" charset="0"/>
+                          </a:rPr>
+                          <m:t>𝑚</m:t>
+                        </m:r>
+                      </m:sub>
+                    </m:sSub>
+                    <m:r>
+                      <a:rPr lang="en-US" altLang="ja-JP" b="0" i="1" smtClean="0">
+                        <a:latin typeface="Cambria Math" panose="02040503050406030204" pitchFamily="18" charset="0"/>
+                      </a:rPr>
+                      <m:t>,</m:t>
+                    </m:r>
+                    <m:sSub>
+                      <m:sSubPr>
+                        <m:ctrlPr>
+                          <a:rPr lang="en-US" altLang="ja-JP" i="1">
+                            <a:latin typeface="Cambria Math" panose="02040503050406030204" pitchFamily="18" charset="0"/>
+                          </a:rPr>
+                        </m:ctrlPr>
+                      </m:sSubPr>
+                      <m:e>
+                        <m:r>
+                          <a:rPr lang="en-US" altLang="ja-JP" b="0" i="1" smtClean="0">
+                            <a:latin typeface="Cambria Math" panose="02040503050406030204" pitchFamily="18" charset="0"/>
+                          </a:rPr>
+                          <m:t>𝑃</m:t>
+                        </m:r>
+                      </m:e>
+                      <m:sub>
+                        <m:r>
+                          <a:rPr lang="en-US" altLang="ja-JP" i="1">
+                            <a:latin typeface="Cambria Math" panose="02040503050406030204" pitchFamily="18" charset="0"/>
+                          </a:rPr>
+                          <m:t>𝑟</m:t>
+                        </m:r>
+                      </m:sub>
+                    </m:sSub>
+                  </m:oMath>
+                </a14:m>
+                <a:r>
+                  <a:rPr kumimoji="1" lang="ja-JP" altLang="en-US" dirty="0"/>
+                  <a:t>を求める</a:t>
+                </a:r>
+              </a:p>
+            </p:txBody>
+          </p:sp>
+        </mc:Choice>
+        <mc:Fallback>
+          <p:sp>
+            <p:nvSpPr>
+              <p:cNvPr id="6" name="テキスト ボックス 5">
+                <a:extLst>
+                  <a:ext uri="{FF2B5EF4-FFF2-40B4-BE49-F238E27FC236}">
+                    <a16:creationId xmlns:a16="http://schemas.microsoft.com/office/drawing/2014/main" id="{5199A0CC-22A2-AAD8-E5F4-DDA5B33F4EC0}"/>
+                  </a:ext>
+                </a:extLst>
+              </p:cNvPr>
+              <p:cNvSpPr txBox="1">
+                <a:spLocks noRot="1" noChangeAspect="1" noMove="1" noResize="1" noEditPoints="1" noAdjustHandles="1" noChangeArrowheads="1" noChangeShapeType="1" noTextEdit="1"/>
+              </p:cNvSpPr>
+              <p:nvPr/>
+            </p:nvSpPr>
+            <p:spPr>
+              <a:xfrm>
+                <a:off x="1000846" y="2601129"/>
+                <a:ext cx="6105005" cy="276999"/>
+              </a:xfrm>
+              <a:prstGeom prst="rect">
+                <a:avLst/>
+              </a:prstGeom>
+              <a:blipFill>
+                <a:blip r:embed="rId4"/>
+                <a:stretch>
+                  <a:fillRect l="-1397" t="-26667" r="-798" b="-53333"/>
+                </a:stretch>
+              </a:blipFill>
+            </p:spPr>
+            <p:txBody>
+              <a:bodyPr/>
+              <a:lstStyle/>
+              <a:p>
+                <a:r>
+                  <a:rPr lang="ja-JP" altLang="en-US">
+                    <a:noFill/>
+                  </a:rPr>
+                  <a:t> </a:t>
+                </a:r>
+              </a:p>
+            </p:txBody>
+          </p:sp>
+        </mc:Fallback>
+      </mc:AlternateContent>
+      <mc:AlternateContent xmlns:mc="http://schemas.openxmlformats.org/markup-compatibility/2006">
+        <mc:Choice xmlns:a14="http://schemas.microsoft.com/office/drawing/2010/main" Requires="a14">
+          <p:sp>
+            <p:nvSpPr>
+              <p:cNvPr id="7" name="テキスト ボックス 6">
+                <a:extLst>
+                  <a:ext uri="{FF2B5EF4-FFF2-40B4-BE49-F238E27FC236}">
+                    <a16:creationId xmlns:a16="http://schemas.microsoft.com/office/drawing/2014/main" id="{0E5605CC-96FA-D187-4576-2693E1C27718}"/>
+                  </a:ext>
+                </a:extLst>
+              </p:cNvPr>
+              <p:cNvSpPr txBox="1"/>
+              <p:nvPr/>
+            </p:nvSpPr>
+            <p:spPr>
+              <a:xfrm>
+                <a:off x="2180357" y="3167936"/>
+                <a:ext cx="3277949" cy="619400"/>
+              </a:xfrm>
+              <a:prstGeom prst="rect">
+                <a:avLst/>
+              </a:prstGeom>
+              <a:noFill/>
+            </p:spPr>
+            <p:txBody>
+              <a:bodyPr wrap="none" lIns="0" tIns="0" rIns="0" bIns="0" rtlCol="0">
+                <a:spAutoFit/>
+              </a:bodyPr>
+              <a:lstStyle/>
+              <a:p>
+                <a14:m>
+                  <m:oMathPara xmlns:m="http://schemas.openxmlformats.org/officeDocument/2006/math">
+                    <m:oMathParaPr>
+                      <m:jc m:val="centerGroup"/>
+                    </m:oMathParaPr>
+                    <m:oMath xmlns:m="http://schemas.openxmlformats.org/officeDocument/2006/math">
+                      <m:sSub>
+                        <m:sSubPr>
+                          <m:ctrlPr>
+                            <a:rPr kumimoji="1" lang="en-US" altLang="ja-JP" i="1" smtClean="0">
+                              <a:latin typeface="Cambria Math" panose="02040503050406030204" pitchFamily="18" charset="0"/>
+                            </a:rPr>
+                          </m:ctrlPr>
+                        </m:sSubPr>
+                        <m:e>
+                          <m:r>
+                            <a:rPr kumimoji="1" lang="en-US" altLang="ja-JP" b="0" i="1" smtClean="0">
+                              <a:latin typeface="Cambria Math" panose="02040503050406030204" pitchFamily="18" charset="0"/>
+                            </a:rPr>
+                            <m:t>𝑃</m:t>
+                          </m:r>
+                        </m:e>
+                        <m:sub>
+                          <m:r>
+                            <a:rPr kumimoji="1" lang="en-US" altLang="ja-JP" b="0" i="1" smtClean="0">
+                              <a:latin typeface="Cambria Math" panose="02040503050406030204" pitchFamily="18" charset="0"/>
+                            </a:rPr>
+                            <m:t>𝑚</m:t>
+                          </m:r>
+                        </m:sub>
+                      </m:sSub>
+                      <m:d>
+                        <m:dPr>
+                          <m:ctrlPr>
+                            <a:rPr kumimoji="1" lang="en-US" altLang="ja-JP" b="0" i="1" smtClean="0">
+                              <a:latin typeface="Cambria Math" panose="02040503050406030204" pitchFamily="18" charset="0"/>
+                            </a:rPr>
+                          </m:ctrlPr>
+                        </m:dPr>
+                        <m:e>
+                          <m:r>
+                            <a:rPr kumimoji="1" lang="en-US" altLang="ja-JP" b="0" i="1" smtClean="0">
+                              <a:latin typeface="Cambria Math" panose="02040503050406030204" pitchFamily="18" charset="0"/>
+                            </a:rPr>
+                            <m:t>𝑥</m:t>
+                          </m:r>
+                          <m:r>
+                            <a:rPr kumimoji="1" lang="en-US" altLang="ja-JP" b="0" i="1" smtClean="0">
+                              <a:latin typeface="Cambria Math" panose="02040503050406030204" pitchFamily="18" charset="0"/>
+                            </a:rPr>
+                            <m:t>,</m:t>
+                          </m:r>
+                          <m:sSub>
+                            <m:sSubPr>
+                              <m:ctrlPr>
+                                <a:rPr kumimoji="1" lang="en-US" altLang="ja-JP" b="0" i="1" smtClean="0">
+                                  <a:latin typeface="Cambria Math" panose="02040503050406030204" pitchFamily="18" charset="0"/>
+                                </a:rPr>
+                              </m:ctrlPr>
+                            </m:sSubPr>
+                            <m:e>
+                              <m:r>
+                                <a:rPr kumimoji="1" lang="en-US" altLang="ja-JP" b="0" i="1" smtClean="0">
+                                  <a:latin typeface="Cambria Math" panose="02040503050406030204" pitchFamily="18" charset="0"/>
+                                </a:rPr>
+                                <m:t>𝑦</m:t>
+                              </m:r>
+                            </m:e>
+                            <m:sub>
+                              <m:r>
+                                <a:rPr kumimoji="1" lang="en-US" altLang="ja-JP" b="0" i="1" smtClean="0">
+                                  <a:latin typeface="Cambria Math" panose="02040503050406030204" pitchFamily="18" charset="0"/>
+                                </a:rPr>
+                                <m:t>0</m:t>
+                              </m:r>
+                            </m:sub>
+                          </m:sSub>
+                          <m:r>
+                            <a:rPr kumimoji="1" lang="en-US" altLang="ja-JP" b="0" i="1" smtClean="0">
+                              <a:latin typeface="Cambria Math" panose="02040503050406030204" pitchFamily="18" charset="0"/>
+                            </a:rPr>
+                            <m:t>,</m:t>
+                          </m:r>
+                          <m:sSub>
+                            <m:sSubPr>
+                              <m:ctrlPr>
+                                <a:rPr kumimoji="1" lang="en-US" altLang="ja-JP" b="0" i="1" smtClean="0">
+                                  <a:latin typeface="Cambria Math" panose="02040503050406030204" pitchFamily="18" charset="0"/>
+                                </a:rPr>
+                              </m:ctrlPr>
+                            </m:sSubPr>
+                            <m:e>
+                              <m:r>
+                                <a:rPr kumimoji="1" lang="en-US" altLang="ja-JP" b="0" i="1" smtClean="0">
+                                  <a:latin typeface="Cambria Math" panose="02040503050406030204" pitchFamily="18" charset="0"/>
+                                </a:rPr>
+                                <m:t>𝑡</m:t>
+                              </m:r>
+                            </m:e>
+                            <m:sub>
+                              <m:r>
+                                <a:rPr kumimoji="1" lang="en-US" altLang="ja-JP" b="0" i="1" smtClean="0">
+                                  <a:latin typeface="Cambria Math" panose="02040503050406030204" pitchFamily="18" charset="0"/>
+                                </a:rPr>
+                                <m:t>0</m:t>
+                              </m:r>
+                            </m:sub>
+                          </m:sSub>
+                        </m:e>
+                      </m:d>
+                      <m:r>
+                        <a:rPr kumimoji="1" lang="en-US" altLang="ja-JP" b="0" i="1" smtClean="0">
+                          <a:latin typeface="Cambria Math" panose="02040503050406030204" pitchFamily="18" charset="0"/>
+                        </a:rPr>
+                        <m:t>=</m:t>
+                      </m:r>
+                      <m:nary>
+                        <m:naryPr>
+                          <m:ctrlPr>
+                            <a:rPr kumimoji="1" lang="en-US" altLang="ja-JP" b="0" i="1" smtClean="0">
+                              <a:latin typeface="Cambria Math" panose="02040503050406030204" pitchFamily="18" charset="0"/>
+                            </a:rPr>
+                          </m:ctrlPr>
+                        </m:naryPr>
+                        <m:sub>
+                          <m:r>
+                            <m:rPr>
+                              <m:brk m:alnAt="23"/>
+                            </m:rPr>
+                            <a:rPr kumimoji="1" lang="en-US" altLang="ja-JP" b="0" i="1" smtClean="0">
+                              <a:latin typeface="Cambria Math" panose="02040503050406030204" pitchFamily="18" charset="0"/>
+                            </a:rPr>
+                            <m:t>0</m:t>
+                          </m:r>
+                        </m:sub>
+                        <m:sup>
+                          <m:sSub>
+                            <m:sSubPr>
+                              <m:ctrlPr>
+                                <a:rPr kumimoji="1" lang="en-US" altLang="ja-JP" b="0" i="1" smtClean="0">
+                                  <a:latin typeface="Cambria Math" panose="02040503050406030204" pitchFamily="18" charset="0"/>
+                                </a:rPr>
+                              </m:ctrlPr>
+                            </m:sSubPr>
+                            <m:e>
+                              <m:r>
+                                <a:rPr kumimoji="1" lang="en-US" altLang="ja-JP" b="0" i="1" smtClean="0">
+                                  <a:latin typeface="Cambria Math" panose="02040503050406030204" pitchFamily="18" charset="0"/>
+                                </a:rPr>
+                                <m:t>𝑡</m:t>
+                              </m:r>
+                            </m:e>
+                            <m:sub>
+                              <m:r>
+                                <a:rPr kumimoji="1" lang="en-US" altLang="ja-JP" b="0" i="1" smtClean="0">
+                                  <a:latin typeface="Cambria Math" panose="02040503050406030204" pitchFamily="18" charset="0"/>
+                                </a:rPr>
+                                <m:t>0</m:t>
+                              </m:r>
+                            </m:sub>
+                          </m:sSub>
+                        </m:sup>
+                        <m:e>
+                          <m:sSub>
+                            <m:sSubPr>
+                              <m:ctrlPr>
+                                <a:rPr lang="en-US" altLang="ja-JP" i="1">
+                                  <a:latin typeface="Cambria Math" panose="02040503050406030204" pitchFamily="18" charset="0"/>
+                                </a:rPr>
+                              </m:ctrlPr>
+                            </m:sSubPr>
+                            <m:e>
+                              <m:r>
+                                <a:rPr lang="en-US" altLang="ja-JP" i="1">
+                                  <a:latin typeface="Cambria Math" panose="02040503050406030204" pitchFamily="18" charset="0"/>
+                                </a:rPr>
+                                <m:t>𝑖</m:t>
+                              </m:r>
+                            </m:e>
+                            <m:sub>
+                              <m:r>
+                                <a:rPr lang="en-US" altLang="ja-JP" i="1">
+                                  <a:latin typeface="Cambria Math" panose="02040503050406030204" pitchFamily="18" charset="0"/>
+                                </a:rPr>
+                                <m:t>𝑚</m:t>
+                              </m:r>
+                            </m:sub>
+                          </m:sSub>
+                          <m:d>
+                            <m:dPr>
+                              <m:ctrlPr>
+                                <a:rPr lang="en-US" altLang="ja-JP" i="1">
+                                  <a:latin typeface="Cambria Math" panose="02040503050406030204" pitchFamily="18" charset="0"/>
+                                </a:rPr>
+                              </m:ctrlPr>
+                            </m:dPr>
+                            <m:e>
+                              <m:r>
+                                <a:rPr lang="en-US" altLang="ja-JP" i="1">
+                                  <a:latin typeface="Cambria Math" panose="02040503050406030204" pitchFamily="18" charset="0"/>
+                                </a:rPr>
+                                <m:t>𝑥</m:t>
+                              </m:r>
+                              <m:r>
+                                <a:rPr lang="en-US" altLang="ja-JP" i="1">
+                                  <a:latin typeface="Cambria Math" panose="02040503050406030204" pitchFamily="18" charset="0"/>
+                                </a:rPr>
+                                <m:t>,</m:t>
+                              </m:r>
+                              <m:sSub>
+                                <m:sSubPr>
+                                  <m:ctrlPr>
+                                    <a:rPr lang="en-US" altLang="ja-JP" i="1">
+                                      <a:latin typeface="Cambria Math" panose="02040503050406030204" pitchFamily="18" charset="0"/>
+                                    </a:rPr>
+                                  </m:ctrlPr>
+                                </m:sSubPr>
+                                <m:e>
+                                  <m:r>
+                                    <a:rPr lang="en-US" altLang="ja-JP" i="1">
+                                      <a:latin typeface="Cambria Math" panose="02040503050406030204" pitchFamily="18" charset="0"/>
+                                    </a:rPr>
+                                    <m:t>𝑦</m:t>
+                                  </m:r>
+                                </m:e>
+                                <m:sub>
+                                  <m:r>
+                                    <a:rPr lang="en-US" altLang="ja-JP" i="1">
+                                      <a:latin typeface="Cambria Math" panose="02040503050406030204" pitchFamily="18" charset="0"/>
+                                    </a:rPr>
+                                    <m:t>0</m:t>
+                                  </m:r>
+                                </m:sub>
+                              </m:sSub>
+                              <m:r>
+                                <a:rPr lang="en-US" altLang="ja-JP" i="1">
+                                  <a:latin typeface="Cambria Math" panose="02040503050406030204" pitchFamily="18" charset="0"/>
+                                </a:rPr>
+                                <m:t>,</m:t>
+                              </m:r>
+                              <m:r>
+                                <a:rPr lang="ja-JP" altLang="en-US" i="1" smtClean="0">
+                                  <a:latin typeface="Cambria Math" panose="02040503050406030204" pitchFamily="18" charset="0"/>
+                                </a:rPr>
+                                <m:t>𝜏</m:t>
+                              </m:r>
+                              <m:r>
+                                <a:rPr lang="en-US" altLang="ja-JP" i="1" smtClean="0">
+                                  <a:latin typeface="Cambria Math" panose="02040503050406030204" pitchFamily="18" charset="0"/>
+                                </a:rPr>
+                                <m:t> </m:t>
+                              </m:r>
+                            </m:e>
+                          </m:d>
+                          <m:r>
+                            <a:rPr lang="en-US" altLang="ja-JP" b="0" i="1" smtClean="0">
+                              <a:latin typeface="Cambria Math" panose="02040503050406030204" pitchFamily="18" charset="0"/>
+                            </a:rPr>
+                            <m:t>𝑑</m:t>
+                          </m:r>
+                          <m:r>
+                            <a:rPr lang="ja-JP" altLang="en-US" b="0" i="1" smtClean="0">
+                              <a:latin typeface="Cambria Math" panose="02040503050406030204" pitchFamily="18" charset="0"/>
+                            </a:rPr>
+                            <m:t>𝜏</m:t>
+                          </m:r>
+                        </m:e>
+                      </m:nary>
+                    </m:oMath>
+                  </m:oMathPara>
+                </a14:m>
+                <a:endParaRPr kumimoji="1" lang="ja-JP" altLang="en-US" dirty="0"/>
+              </a:p>
+            </p:txBody>
+          </p:sp>
+        </mc:Choice>
+        <mc:Fallback>
+          <p:sp>
+            <p:nvSpPr>
+              <p:cNvPr id="7" name="テキスト ボックス 6">
+                <a:extLst>
+                  <a:ext uri="{FF2B5EF4-FFF2-40B4-BE49-F238E27FC236}">
+                    <a16:creationId xmlns:a16="http://schemas.microsoft.com/office/drawing/2014/main" id="{0E5605CC-96FA-D187-4576-2693E1C27718}"/>
+                  </a:ext>
+                </a:extLst>
+              </p:cNvPr>
+              <p:cNvSpPr txBox="1">
+                <a:spLocks noRot="1" noChangeAspect="1" noMove="1" noResize="1" noEditPoints="1" noAdjustHandles="1" noChangeArrowheads="1" noChangeShapeType="1" noTextEdit="1"/>
+              </p:cNvSpPr>
+              <p:nvPr/>
+            </p:nvSpPr>
+            <p:spPr>
+              <a:xfrm>
+                <a:off x="2180357" y="3167936"/>
+                <a:ext cx="3277949" cy="619400"/>
+              </a:xfrm>
+              <a:prstGeom prst="rect">
+                <a:avLst/>
+              </a:prstGeom>
+              <a:blipFill>
+                <a:blip r:embed="rId5"/>
+                <a:stretch>
+                  <a:fillRect/>
+                </a:stretch>
+              </a:blipFill>
+            </p:spPr>
+            <p:txBody>
+              <a:bodyPr/>
+              <a:lstStyle/>
+              <a:p>
+                <a:r>
+                  <a:rPr lang="ja-JP" altLang="en-US">
+                    <a:noFill/>
+                  </a:rPr>
+                  <a:t> </a:t>
+                </a:r>
+              </a:p>
+            </p:txBody>
+          </p:sp>
+        </mc:Fallback>
+      </mc:AlternateContent>
+      <mc:AlternateContent xmlns:mc="http://schemas.openxmlformats.org/markup-compatibility/2006">
+        <mc:Choice xmlns:a14="http://schemas.microsoft.com/office/drawing/2010/main" Requires="a14">
+          <p:sp>
+            <p:nvSpPr>
+              <p:cNvPr id="8" name="テキスト ボックス 7">
+                <a:extLst>
+                  <a:ext uri="{FF2B5EF4-FFF2-40B4-BE49-F238E27FC236}">
+                    <a16:creationId xmlns:a16="http://schemas.microsoft.com/office/drawing/2014/main" id="{6B9DC31B-9703-6575-1C91-53FB688DC5E4}"/>
+                  </a:ext>
+                </a:extLst>
+              </p:cNvPr>
+              <p:cNvSpPr txBox="1"/>
+              <p:nvPr/>
+            </p:nvSpPr>
+            <p:spPr>
+              <a:xfrm>
+                <a:off x="6194323" y="3216139"/>
+                <a:ext cx="3148170" cy="619400"/>
+              </a:xfrm>
+              <a:prstGeom prst="rect">
+                <a:avLst/>
+              </a:prstGeom>
+              <a:noFill/>
+            </p:spPr>
+            <p:txBody>
+              <a:bodyPr wrap="none" lIns="0" tIns="0" rIns="0" bIns="0" rtlCol="0">
+                <a:spAutoFit/>
+              </a:bodyPr>
+              <a:lstStyle/>
+              <a:p>
+                <a14:m>
+                  <m:oMathPara xmlns:m="http://schemas.openxmlformats.org/officeDocument/2006/math">
+                    <m:oMathParaPr>
+                      <m:jc m:val="centerGroup"/>
+                    </m:oMathParaPr>
+                    <m:oMath xmlns:m="http://schemas.openxmlformats.org/officeDocument/2006/math">
+                      <m:sSub>
+                        <m:sSubPr>
+                          <m:ctrlPr>
+                            <a:rPr kumimoji="1" lang="en-US" altLang="ja-JP" i="1" smtClean="0">
+                              <a:latin typeface="Cambria Math" panose="02040503050406030204" pitchFamily="18" charset="0"/>
+                            </a:rPr>
+                          </m:ctrlPr>
+                        </m:sSubPr>
+                        <m:e>
+                          <m:r>
+                            <a:rPr kumimoji="1" lang="en-US" altLang="ja-JP" b="0" i="1" smtClean="0">
+                              <a:latin typeface="Cambria Math" panose="02040503050406030204" pitchFamily="18" charset="0"/>
+                            </a:rPr>
+                            <m:t>𝑃</m:t>
+                          </m:r>
+                        </m:e>
+                        <m:sub>
+                          <m:r>
+                            <a:rPr kumimoji="1" lang="en-US" altLang="ja-JP" b="0" i="1" smtClean="0">
+                              <a:latin typeface="Cambria Math" panose="02040503050406030204" pitchFamily="18" charset="0"/>
+                            </a:rPr>
+                            <m:t>𝑟</m:t>
+                          </m:r>
+                        </m:sub>
+                      </m:sSub>
+                      <m:d>
+                        <m:dPr>
+                          <m:ctrlPr>
+                            <a:rPr kumimoji="1" lang="en-US" altLang="ja-JP" b="0" i="1" smtClean="0">
+                              <a:latin typeface="Cambria Math" panose="02040503050406030204" pitchFamily="18" charset="0"/>
+                            </a:rPr>
+                          </m:ctrlPr>
+                        </m:dPr>
+                        <m:e>
+                          <m:r>
+                            <a:rPr kumimoji="1" lang="en-US" altLang="ja-JP" b="0" i="1" smtClean="0">
+                              <a:latin typeface="Cambria Math" panose="02040503050406030204" pitchFamily="18" charset="0"/>
+                            </a:rPr>
+                            <m:t>𝑥</m:t>
+                          </m:r>
+                          <m:r>
+                            <a:rPr kumimoji="1" lang="en-US" altLang="ja-JP" b="0" i="1" smtClean="0">
+                              <a:latin typeface="Cambria Math" panose="02040503050406030204" pitchFamily="18" charset="0"/>
+                            </a:rPr>
+                            <m:t>,</m:t>
+                          </m:r>
+                          <m:sSub>
+                            <m:sSubPr>
+                              <m:ctrlPr>
+                                <a:rPr kumimoji="1" lang="en-US" altLang="ja-JP" b="0" i="1" smtClean="0">
+                                  <a:latin typeface="Cambria Math" panose="02040503050406030204" pitchFamily="18" charset="0"/>
+                                </a:rPr>
+                              </m:ctrlPr>
+                            </m:sSubPr>
+                            <m:e>
+                              <m:r>
+                                <a:rPr kumimoji="1" lang="en-US" altLang="ja-JP" b="0" i="1" smtClean="0">
+                                  <a:latin typeface="Cambria Math" panose="02040503050406030204" pitchFamily="18" charset="0"/>
+                                </a:rPr>
+                                <m:t>𝑦</m:t>
+                              </m:r>
+                            </m:e>
+                            <m:sub>
+                              <m:r>
+                                <a:rPr kumimoji="1" lang="en-US" altLang="ja-JP" b="0" i="1" smtClean="0">
+                                  <a:latin typeface="Cambria Math" panose="02040503050406030204" pitchFamily="18" charset="0"/>
+                                </a:rPr>
+                                <m:t>0</m:t>
+                              </m:r>
+                            </m:sub>
+                          </m:sSub>
+                          <m:r>
+                            <a:rPr kumimoji="1" lang="en-US" altLang="ja-JP" b="0" i="1" smtClean="0">
+                              <a:latin typeface="Cambria Math" panose="02040503050406030204" pitchFamily="18" charset="0"/>
+                            </a:rPr>
+                            <m:t>,</m:t>
+                          </m:r>
+                          <m:sSub>
+                            <m:sSubPr>
+                              <m:ctrlPr>
+                                <a:rPr kumimoji="1" lang="en-US" altLang="ja-JP" b="0" i="1" smtClean="0">
+                                  <a:latin typeface="Cambria Math" panose="02040503050406030204" pitchFamily="18" charset="0"/>
+                                </a:rPr>
+                              </m:ctrlPr>
+                            </m:sSubPr>
+                            <m:e>
+                              <m:r>
+                                <a:rPr kumimoji="1" lang="en-US" altLang="ja-JP" b="0" i="1" smtClean="0">
+                                  <a:latin typeface="Cambria Math" panose="02040503050406030204" pitchFamily="18" charset="0"/>
+                                </a:rPr>
+                                <m:t>𝑡</m:t>
+                              </m:r>
+                            </m:e>
+                            <m:sub>
+                              <m:r>
+                                <a:rPr kumimoji="1" lang="en-US" altLang="ja-JP" b="0" i="1" smtClean="0">
+                                  <a:latin typeface="Cambria Math" panose="02040503050406030204" pitchFamily="18" charset="0"/>
+                                </a:rPr>
+                                <m:t>0</m:t>
+                              </m:r>
+                            </m:sub>
+                          </m:sSub>
+                        </m:e>
+                      </m:d>
+                      <m:r>
+                        <a:rPr kumimoji="1" lang="en-US" altLang="ja-JP" b="0" i="1" smtClean="0">
+                          <a:latin typeface="Cambria Math" panose="02040503050406030204" pitchFamily="18" charset="0"/>
+                        </a:rPr>
+                        <m:t>=</m:t>
+                      </m:r>
+                      <m:nary>
+                        <m:naryPr>
+                          <m:ctrlPr>
+                            <a:rPr kumimoji="1" lang="en-US" altLang="ja-JP" b="0" i="1" smtClean="0">
+                              <a:latin typeface="Cambria Math" panose="02040503050406030204" pitchFamily="18" charset="0"/>
+                            </a:rPr>
+                          </m:ctrlPr>
+                        </m:naryPr>
+                        <m:sub>
+                          <m:r>
+                            <m:rPr>
+                              <m:brk m:alnAt="23"/>
+                            </m:rPr>
+                            <a:rPr kumimoji="1" lang="en-US" altLang="ja-JP" b="0" i="1" smtClean="0">
+                              <a:latin typeface="Cambria Math" panose="02040503050406030204" pitchFamily="18" charset="0"/>
+                            </a:rPr>
+                            <m:t>0</m:t>
+                          </m:r>
+                        </m:sub>
+                        <m:sup>
+                          <m:sSub>
+                            <m:sSubPr>
+                              <m:ctrlPr>
+                                <a:rPr kumimoji="1" lang="en-US" altLang="ja-JP" b="0" i="1" smtClean="0">
+                                  <a:latin typeface="Cambria Math" panose="02040503050406030204" pitchFamily="18" charset="0"/>
+                                </a:rPr>
+                              </m:ctrlPr>
+                            </m:sSubPr>
+                            <m:e>
+                              <m:r>
+                                <a:rPr kumimoji="1" lang="en-US" altLang="ja-JP" b="0" i="1" smtClean="0">
+                                  <a:latin typeface="Cambria Math" panose="02040503050406030204" pitchFamily="18" charset="0"/>
+                                </a:rPr>
+                                <m:t>𝑡</m:t>
+                              </m:r>
+                            </m:e>
+                            <m:sub>
+                              <m:r>
+                                <a:rPr kumimoji="1" lang="en-US" altLang="ja-JP" b="0" i="1" smtClean="0">
+                                  <a:latin typeface="Cambria Math" panose="02040503050406030204" pitchFamily="18" charset="0"/>
+                                </a:rPr>
+                                <m:t>0</m:t>
+                              </m:r>
+                            </m:sub>
+                          </m:sSub>
+                        </m:sup>
+                        <m:e>
+                          <m:sSub>
+                            <m:sSubPr>
+                              <m:ctrlPr>
+                                <a:rPr lang="en-US" altLang="ja-JP" i="1">
+                                  <a:latin typeface="Cambria Math" panose="02040503050406030204" pitchFamily="18" charset="0"/>
+                                </a:rPr>
+                              </m:ctrlPr>
+                            </m:sSubPr>
+                            <m:e>
+                              <m:r>
+                                <a:rPr lang="en-US" altLang="ja-JP" i="1">
+                                  <a:latin typeface="Cambria Math" panose="02040503050406030204" pitchFamily="18" charset="0"/>
+                                </a:rPr>
+                                <m:t>𝑖</m:t>
+                              </m:r>
+                            </m:e>
+                            <m:sub>
+                              <m:r>
+                                <a:rPr lang="en-US" altLang="ja-JP" b="0" i="1" smtClean="0">
+                                  <a:latin typeface="Cambria Math" panose="02040503050406030204" pitchFamily="18" charset="0"/>
+                                </a:rPr>
+                                <m:t>𝑟</m:t>
+                              </m:r>
+                            </m:sub>
+                          </m:sSub>
+                          <m:d>
+                            <m:dPr>
+                              <m:ctrlPr>
+                                <a:rPr lang="en-US" altLang="ja-JP" i="1">
+                                  <a:latin typeface="Cambria Math" panose="02040503050406030204" pitchFamily="18" charset="0"/>
+                                </a:rPr>
+                              </m:ctrlPr>
+                            </m:dPr>
+                            <m:e>
+                              <m:r>
+                                <a:rPr lang="en-US" altLang="ja-JP" i="1">
+                                  <a:latin typeface="Cambria Math" panose="02040503050406030204" pitchFamily="18" charset="0"/>
+                                </a:rPr>
+                                <m:t>𝑥</m:t>
+                              </m:r>
+                              <m:r>
+                                <a:rPr lang="en-US" altLang="ja-JP" i="1">
+                                  <a:latin typeface="Cambria Math" panose="02040503050406030204" pitchFamily="18" charset="0"/>
+                                </a:rPr>
+                                <m:t>,</m:t>
+                              </m:r>
+                              <m:sSub>
+                                <m:sSubPr>
+                                  <m:ctrlPr>
+                                    <a:rPr lang="en-US" altLang="ja-JP" i="1">
+                                      <a:latin typeface="Cambria Math" panose="02040503050406030204" pitchFamily="18" charset="0"/>
+                                    </a:rPr>
+                                  </m:ctrlPr>
+                                </m:sSubPr>
+                                <m:e>
+                                  <m:r>
+                                    <a:rPr lang="en-US" altLang="ja-JP" i="1">
+                                      <a:latin typeface="Cambria Math" panose="02040503050406030204" pitchFamily="18" charset="0"/>
+                                    </a:rPr>
+                                    <m:t>𝑦</m:t>
+                                  </m:r>
+                                </m:e>
+                                <m:sub>
+                                  <m:r>
+                                    <a:rPr lang="en-US" altLang="ja-JP" i="1">
+                                      <a:latin typeface="Cambria Math" panose="02040503050406030204" pitchFamily="18" charset="0"/>
+                                    </a:rPr>
+                                    <m:t>0</m:t>
+                                  </m:r>
+                                </m:sub>
+                              </m:sSub>
+                              <m:r>
+                                <a:rPr lang="en-US" altLang="ja-JP" i="1">
+                                  <a:latin typeface="Cambria Math" panose="02040503050406030204" pitchFamily="18" charset="0"/>
+                                </a:rPr>
+                                <m:t>,</m:t>
+                              </m:r>
+                              <m:r>
+                                <a:rPr lang="ja-JP" altLang="en-US" i="1" smtClean="0">
+                                  <a:latin typeface="Cambria Math" panose="02040503050406030204" pitchFamily="18" charset="0"/>
+                                </a:rPr>
+                                <m:t>𝜏</m:t>
+                              </m:r>
+                              <m:r>
+                                <a:rPr lang="en-US" altLang="ja-JP" i="1" smtClean="0">
+                                  <a:latin typeface="Cambria Math" panose="02040503050406030204" pitchFamily="18" charset="0"/>
+                                </a:rPr>
+                                <m:t> </m:t>
+                              </m:r>
+                            </m:e>
+                          </m:d>
+                          <m:r>
+                            <a:rPr lang="en-US" altLang="ja-JP" b="0" i="1" smtClean="0">
+                              <a:latin typeface="Cambria Math" panose="02040503050406030204" pitchFamily="18" charset="0"/>
+                            </a:rPr>
+                            <m:t>𝑑</m:t>
+                          </m:r>
+                          <m:r>
+                            <a:rPr lang="ja-JP" altLang="en-US" b="0" i="1" smtClean="0">
+                              <a:latin typeface="Cambria Math" panose="02040503050406030204" pitchFamily="18" charset="0"/>
+                            </a:rPr>
+                            <m:t>𝜏</m:t>
+                          </m:r>
+                        </m:e>
+                      </m:nary>
+                    </m:oMath>
+                  </m:oMathPara>
+                </a14:m>
+                <a:endParaRPr kumimoji="1" lang="ja-JP" altLang="en-US" dirty="0"/>
+              </a:p>
+            </p:txBody>
+          </p:sp>
+        </mc:Choice>
+        <mc:Fallback>
+          <p:sp>
+            <p:nvSpPr>
+              <p:cNvPr id="8" name="テキスト ボックス 7">
+                <a:extLst>
+                  <a:ext uri="{FF2B5EF4-FFF2-40B4-BE49-F238E27FC236}">
+                    <a16:creationId xmlns:a16="http://schemas.microsoft.com/office/drawing/2014/main" id="{6B9DC31B-9703-6575-1C91-53FB688DC5E4}"/>
+                  </a:ext>
+                </a:extLst>
+              </p:cNvPr>
+              <p:cNvSpPr txBox="1">
+                <a:spLocks noRot="1" noChangeAspect="1" noMove="1" noResize="1" noEditPoints="1" noAdjustHandles="1" noChangeArrowheads="1" noChangeShapeType="1" noTextEdit="1"/>
+              </p:cNvSpPr>
+              <p:nvPr/>
+            </p:nvSpPr>
+            <p:spPr>
+              <a:xfrm>
+                <a:off x="6194323" y="3216139"/>
+                <a:ext cx="3148170" cy="619400"/>
+              </a:xfrm>
+              <a:prstGeom prst="rect">
+                <a:avLst/>
+              </a:prstGeom>
+              <a:blipFill>
+                <a:blip r:embed="rId6"/>
+                <a:stretch>
+                  <a:fillRect/>
+                </a:stretch>
+              </a:blipFill>
+            </p:spPr>
+            <p:txBody>
+              <a:bodyPr/>
+              <a:lstStyle/>
+              <a:p>
+                <a:r>
+                  <a:rPr lang="ja-JP" altLang="en-US">
+                    <a:noFill/>
+                  </a:rPr>
+                  <a:t> </a:t>
+                </a:r>
+              </a:p>
+            </p:txBody>
+          </p:sp>
+        </mc:Fallback>
+      </mc:AlternateContent>
+      <p:sp>
+        <p:nvSpPr>
+          <p:cNvPr id="9" name="テキスト ボックス 8">
+            <a:extLst>
+              <a:ext uri="{FF2B5EF4-FFF2-40B4-BE49-F238E27FC236}">
+                <a16:creationId xmlns:a16="http://schemas.microsoft.com/office/drawing/2014/main" id="{22947491-605E-2CF5-B097-7040E7817600}"/>
+              </a:ext>
+            </a:extLst>
+          </p:cNvPr>
+          <p:cNvSpPr txBox="1"/>
+          <p:nvPr/>
+        </p:nvSpPr>
+        <p:spPr>
+          <a:xfrm>
+            <a:off x="1000846" y="4000710"/>
+            <a:ext cx="2077492" cy="276999"/>
+          </a:xfrm>
+          <a:prstGeom prst="rect">
+            <a:avLst/>
+          </a:prstGeom>
+          <a:noFill/>
+        </p:spPr>
+        <p:txBody>
+          <a:bodyPr wrap="none" lIns="0" tIns="0" rIns="0" bIns="0" rtlCol="0">
+            <a:spAutoFit/>
+          </a:bodyPr>
+          <a:lstStyle/>
+          <a:p>
+            <a:r>
+              <a:rPr kumimoji="1" lang="ja-JP" altLang="en-US" dirty="0"/>
+              <a:t>強度比分布を求める</a:t>
+            </a:r>
+          </a:p>
+        </p:txBody>
+      </p:sp>
+      <mc:AlternateContent xmlns:mc="http://schemas.openxmlformats.org/markup-compatibility/2006">
+        <mc:Choice xmlns:a14="http://schemas.microsoft.com/office/drawing/2010/main" Requires="a14">
+          <p:sp>
+            <p:nvSpPr>
+              <p:cNvPr id="11" name="テキスト ボックス 10">
+                <a:extLst>
+                  <a:ext uri="{FF2B5EF4-FFF2-40B4-BE49-F238E27FC236}">
+                    <a16:creationId xmlns:a16="http://schemas.microsoft.com/office/drawing/2014/main" id="{581035D8-99B7-1372-0E73-A5DA65CDE828}"/>
+                  </a:ext>
+                </a:extLst>
+              </p:cNvPr>
+              <p:cNvSpPr txBox="1"/>
+              <p:nvPr/>
+            </p:nvSpPr>
+            <p:spPr>
+              <a:xfrm>
+                <a:off x="3563138" y="4337192"/>
+                <a:ext cx="3790335" cy="584840"/>
+              </a:xfrm>
+              <a:prstGeom prst="rect">
+                <a:avLst/>
+              </a:prstGeom>
+              <a:noFill/>
+            </p:spPr>
+            <p:txBody>
+              <a:bodyPr wrap="square" lIns="0" tIns="0" rIns="0" bIns="0" rtlCol="0">
+                <a:spAutoFit/>
+              </a:bodyPr>
+              <a:lstStyle/>
+              <a:p>
+                <a14:m>
+                  <m:oMathPara xmlns:m="http://schemas.openxmlformats.org/officeDocument/2006/math">
+                    <m:oMathParaPr>
+                      <m:jc m:val="centerGroup"/>
+                    </m:oMathParaPr>
+                    <m:oMath xmlns:m="http://schemas.openxmlformats.org/officeDocument/2006/math">
+                      <m:r>
+                        <a:rPr kumimoji="1" lang="en-US" altLang="ja-JP" b="0" i="1" smtClean="0">
+                          <a:latin typeface="Cambria Math" panose="02040503050406030204" pitchFamily="18" charset="0"/>
+                        </a:rPr>
+                        <m:t>𝑅</m:t>
+                      </m:r>
+                      <m:d>
+                        <m:dPr>
+                          <m:ctrlPr>
+                            <a:rPr kumimoji="1" lang="en-US" altLang="ja-JP" b="0" i="1" smtClean="0">
+                              <a:latin typeface="Cambria Math" panose="02040503050406030204" pitchFamily="18" charset="0"/>
+                            </a:rPr>
+                          </m:ctrlPr>
+                        </m:dPr>
+                        <m:e>
+                          <m:r>
+                            <a:rPr kumimoji="1" lang="en-US" altLang="ja-JP" b="0" i="1" smtClean="0">
+                              <a:latin typeface="Cambria Math" panose="02040503050406030204" pitchFamily="18" charset="0"/>
+                            </a:rPr>
+                            <m:t>𝑥</m:t>
+                          </m:r>
+                          <m:r>
+                            <a:rPr kumimoji="1" lang="en-US" altLang="ja-JP" b="0" i="1" smtClean="0">
+                              <a:latin typeface="Cambria Math" panose="02040503050406030204" pitchFamily="18" charset="0"/>
+                            </a:rPr>
+                            <m:t>,</m:t>
+                          </m:r>
+                          <m:sSub>
+                            <m:sSubPr>
+                              <m:ctrlPr>
+                                <a:rPr kumimoji="1" lang="en-US" altLang="ja-JP" b="0" i="1" smtClean="0">
+                                  <a:latin typeface="Cambria Math" panose="02040503050406030204" pitchFamily="18" charset="0"/>
+                                </a:rPr>
+                              </m:ctrlPr>
+                            </m:sSubPr>
+                            <m:e>
+                              <m:r>
+                                <a:rPr kumimoji="1" lang="en-US" altLang="ja-JP" b="0" i="1" smtClean="0">
+                                  <a:latin typeface="Cambria Math" panose="02040503050406030204" pitchFamily="18" charset="0"/>
+                                </a:rPr>
+                                <m:t>𝑦</m:t>
+                              </m:r>
+                            </m:e>
+                            <m:sub>
+                              <m:r>
+                                <a:rPr kumimoji="1" lang="en-US" altLang="ja-JP" b="0" i="1" smtClean="0">
+                                  <a:latin typeface="Cambria Math" panose="02040503050406030204" pitchFamily="18" charset="0"/>
+                                </a:rPr>
+                                <m:t>0</m:t>
+                              </m:r>
+                            </m:sub>
+                          </m:sSub>
+                          <m:r>
+                            <a:rPr kumimoji="1" lang="en-US" altLang="ja-JP" b="0" i="1" smtClean="0">
+                              <a:latin typeface="Cambria Math" panose="02040503050406030204" pitchFamily="18" charset="0"/>
+                            </a:rPr>
+                            <m:t>,</m:t>
+                          </m:r>
+                          <m:sSub>
+                            <m:sSubPr>
+                              <m:ctrlPr>
+                                <a:rPr kumimoji="1" lang="en-US" altLang="ja-JP" b="0" i="1" smtClean="0">
+                                  <a:latin typeface="Cambria Math" panose="02040503050406030204" pitchFamily="18" charset="0"/>
+                                </a:rPr>
+                              </m:ctrlPr>
+                            </m:sSubPr>
+                            <m:e>
+                              <m:r>
+                                <a:rPr kumimoji="1" lang="en-US" altLang="ja-JP" b="0" i="1" smtClean="0">
+                                  <a:latin typeface="Cambria Math" panose="02040503050406030204" pitchFamily="18" charset="0"/>
+                                </a:rPr>
+                                <m:t>𝑡</m:t>
+                              </m:r>
+                            </m:e>
+                            <m:sub>
+                              <m:r>
+                                <a:rPr kumimoji="1" lang="en-US" altLang="ja-JP" b="0" i="1" smtClean="0">
+                                  <a:latin typeface="Cambria Math" panose="02040503050406030204" pitchFamily="18" charset="0"/>
+                                </a:rPr>
+                                <m:t>0</m:t>
+                              </m:r>
+                            </m:sub>
+                          </m:sSub>
+                        </m:e>
+                      </m:d>
+                      <m:r>
+                        <a:rPr kumimoji="1" lang="en-US" altLang="ja-JP" b="0" i="1" smtClean="0">
+                          <a:latin typeface="Cambria Math" panose="02040503050406030204" pitchFamily="18" charset="0"/>
+                        </a:rPr>
+                        <m:t>=−</m:t>
+                      </m:r>
+                      <m:func>
+                        <m:funcPr>
+                          <m:ctrlPr>
+                            <a:rPr kumimoji="1" lang="en-US" altLang="ja-JP" b="0" i="1" smtClean="0">
+                              <a:latin typeface="Cambria Math" panose="02040503050406030204" pitchFamily="18" charset="0"/>
+                            </a:rPr>
+                          </m:ctrlPr>
+                        </m:funcPr>
+                        <m:fName>
+                          <m:r>
+                            <m:rPr>
+                              <m:sty m:val="p"/>
+                            </m:rPr>
+                            <a:rPr kumimoji="1" lang="en-US" altLang="ja-JP" b="0" i="0" smtClean="0">
+                              <a:latin typeface="Cambria Math" panose="02040503050406030204" pitchFamily="18" charset="0"/>
+                            </a:rPr>
+                            <m:t>log</m:t>
+                          </m:r>
+                        </m:fName>
+                        <m:e>
+                          <m:f>
+                            <m:fPr>
+                              <m:ctrlPr>
+                                <a:rPr kumimoji="1" lang="en-US" altLang="ja-JP" b="0" i="1" smtClean="0">
+                                  <a:latin typeface="Cambria Math" panose="02040503050406030204" pitchFamily="18" charset="0"/>
+                                </a:rPr>
+                              </m:ctrlPr>
+                            </m:fPr>
+                            <m:num>
+                              <m:sSub>
+                                <m:sSubPr>
+                                  <m:ctrlPr>
+                                    <a:rPr lang="en-US" altLang="ja-JP" i="1">
+                                      <a:latin typeface="Cambria Math" panose="02040503050406030204" pitchFamily="18" charset="0"/>
+                                    </a:rPr>
+                                  </m:ctrlPr>
+                                </m:sSubPr>
+                                <m:e>
+                                  <m:r>
+                                    <a:rPr lang="en-US" altLang="ja-JP" i="1">
+                                      <a:latin typeface="Cambria Math" panose="02040503050406030204" pitchFamily="18" charset="0"/>
+                                    </a:rPr>
+                                    <m:t>𝑃</m:t>
+                                  </m:r>
+                                </m:e>
+                                <m:sub>
+                                  <m:r>
+                                    <a:rPr lang="en-US" altLang="ja-JP" i="1">
+                                      <a:latin typeface="Cambria Math" panose="02040503050406030204" pitchFamily="18" charset="0"/>
+                                    </a:rPr>
+                                    <m:t>𝑚</m:t>
+                                  </m:r>
+                                </m:sub>
+                              </m:sSub>
+                              <m:d>
+                                <m:dPr>
+                                  <m:ctrlPr>
+                                    <a:rPr lang="en-US" altLang="ja-JP" i="1">
+                                      <a:latin typeface="Cambria Math" panose="02040503050406030204" pitchFamily="18" charset="0"/>
+                                    </a:rPr>
+                                  </m:ctrlPr>
+                                </m:dPr>
+                                <m:e>
+                                  <m:r>
+                                    <a:rPr lang="en-US" altLang="ja-JP" i="1">
+                                      <a:latin typeface="Cambria Math" panose="02040503050406030204" pitchFamily="18" charset="0"/>
+                                    </a:rPr>
+                                    <m:t>𝑥</m:t>
+                                  </m:r>
+                                  <m:r>
+                                    <a:rPr lang="en-US" altLang="ja-JP" i="1">
+                                      <a:latin typeface="Cambria Math" panose="02040503050406030204" pitchFamily="18" charset="0"/>
+                                    </a:rPr>
+                                    <m:t>,</m:t>
+                                  </m:r>
+                                  <m:sSub>
+                                    <m:sSubPr>
+                                      <m:ctrlPr>
+                                        <a:rPr lang="en-US" altLang="ja-JP" i="1">
+                                          <a:latin typeface="Cambria Math" panose="02040503050406030204" pitchFamily="18" charset="0"/>
+                                        </a:rPr>
+                                      </m:ctrlPr>
+                                    </m:sSubPr>
+                                    <m:e>
+                                      <m:r>
+                                        <a:rPr lang="en-US" altLang="ja-JP" i="1">
+                                          <a:latin typeface="Cambria Math" panose="02040503050406030204" pitchFamily="18" charset="0"/>
+                                        </a:rPr>
+                                        <m:t>𝑦</m:t>
+                                      </m:r>
+                                    </m:e>
+                                    <m:sub>
+                                      <m:r>
+                                        <a:rPr lang="en-US" altLang="ja-JP" i="1">
+                                          <a:latin typeface="Cambria Math" panose="02040503050406030204" pitchFamily="18" charset="0"/>
+                                        </a:rPr>
+                                        <m:t>0</m:t>
+                                      </m:r>
+                                    </m:sub>
+                                  </m:sSub>
+                                  <m:r>
+                                    <a:rPr lang="en-US" altLang="ja-JP" i="1">
+                                      <a:latin typeface="Cambria Math" panose="02040503050406030204" pitchFamily="18" charset="0"/>
+                                    </a:rPr>
+                                    <m:t>,</m:t>
+                                  </m:r>
+                                  <m:sSub>
+                                    <m:sSubPr>
+                                      <m:ctrlPr>
+                                        <a:rPr lang="en-US" altLang="ja-JP" i="1">
+                                          <a:latin typeface="Cambria Math" panose="02040503050406030204" pitchFamily="18" charset="0"/>
+                                        </a:rPr>
+                                      </m:ctrlPr>
+                                    </m:sSubPr>
+                                    <m:e>
+                                      <m:r>
+                                        <a:rPr lang="en-US" altLang="ja-JP" i="1">
+                                          <a:latin typeface="Cambria Math" panose="02040503050406030204" pitchFamily="18" charset="0"/>
+                                        </a:rPr>
+                                        <m:t>𝑡</m:t>
+                                      </m:r>
+                                    </m:e>
+                                    <m:sub>
+                                      <m:r>
+                                        <a:rPr lang="en-US" altLang="ja-JP" i="1">
+                                          <a:latin typeface="Cambria Math" panose="02040503050406030204" pitchFamily="18" charset="0"/>
+                                        </a:rPr>
+                                        <m:t>0</m:t>
+                                      </m:r>
+                                    </m:sub>
+                                  </m:sSub>
+                                </m:e>
+                              </m:d>
+                            </m:num>
+                            <m:den>
+                              <m:sSub>
+                                <m:sSubPr>
+                                  <m:ctrlPr>
+                                    <a:rPr lang="en-US" altLang="ja-JP" i="1">
+                                      <a:latin typeface="Cambria Math" panose="02040503050406030204" pitchFamily="18" charset="0"/>
+                                    </a:rPr>
+                                  </m:ctrlPr>
+                                </m:sSubPr>
+                                <m:e>
+                                  <m:r>
+                                    <a:rPr lang="en-US" altLang="ja-JP" i="1">
+                                      <a:latin typeface="Cambria Math" panose="02040503050406030204" pitchFamily="18" charset="0"/>
+                                    </a:rPr>
+                                    <m:t>𝑃</m:t>
+                                  </m:r>
+                                </m:e>
+                                <m:sub>
+                                  <m:r>
+                                    <a:rPr lang="en-US" altLang="ja-JP" b="0" i="1" smtClean="0">
+                                      <a:latin typeface="Cambria Math" panose="02040503050406030204" pitchFamily="18" charset="0"/>
+                                    </a:rPr>
+                                    <m:t>𝑟</m:t>
+                                  </m:r>
+                                </m:sub>
+                              </m:sSub>
+                              <m:d>
+                                <m:dPr>
+                                  <m:ctrlPr>
+                                    <a:rPr lang="en-US" altLang="ja-JP" i="1">
+                                      <a:latin typeface="Cambria Math" panose="02040503050406030204" pitchFamily="18" charset="0"/>
+                                    </a:rPr>
+                                  </m:ctrlPr>
+                                </m:dPr>
+                                <m:e>
+                                  <m:r>
+                                    <a:rPr lang="en-US" altLang="ja-JP" i="1">
+                                      <a:latin typeface="Cambria Math" panose="02040503050406030204" pitchFamily="18" charset="0"/>
+                                    </a:rPr>
+                                    <m:t>𝑥</m:t>
+                                  </m:r>
+                                  <m:r>
+                                    <a:rPr lang="en-US" altLang="ja-JP" i="1">
+                                      <a:latin typeface="Cambria Math" panose="02040503050406030204" pitchFamily="18" charset="0"/>
+                                    </a:rPr>
+                                    <m:t>,</m:t>
+                                  </m:r>
+                                  <m:sSub>
+                                    <m:sSubPr>
+                                      <m:ctrlPr>
+                                        <a:rPr lang="en-US" altLang="ja-JP" i="1">
+                                          <a:latin typeface="Cambria Math" panose="02040503050406030204" pitchFamily="18" charset="0"/>
+                                        </a:rPr>
+                                      </m:ctrlPr>
+                                    </m:sSubPr>
+                                    <m:e>
+                                      <m:r>
+                                        <a:rPr lang="en-US" altLang="ja-JP" i="1">
+                                          <a:latin typeface="Cambria Math" panose="02040503050406030204" pitchFamily="18" charset="0"/>
+                                        </a:rPr>
+                                        <m:t>𝑦</m:t>
+                                      </m:r>
+                                    </m:e>
+                                    <m:sub>
+                                      <m:r>
+                                        <a:rPr lang="en-US" altLang="ja-JP" i="1">
+                                          <a:latin typeface="Cambria Math" panose="02040503050406030204" pitchFamily="18" charset="0"/>
+                                        </a:rPr>
+                                        <m:t>0</m:t>
+                                      </m:r>
+                                    </m:sub>
+                                  </m:sSub>
+                                  <m:r>
+                                    <a:rPr lang="en-US" altLang="ja-JP" i="1">
+                                      <a:latin typeface="Cambria Math" panose="02040503050406030204" pitchFamily="18" charset="0"/>
+                                    </a:rPr>
+                                    <m:t>,</m:t>
+                                  </m:r>
+                                  <m:sSub>
+                                    <m:sSubPr>
+                                      <m:ctrlPr>
+                                        <a:rPr lang="en-US" altLang="ja-JP" i="1">
+                                          <a:latin typeface="Cambria Math" panose="02040503050406030204" pitchFamily="18" charset="0"/>
+                                        </a:rPr>
+                                      </m:ctrlPr>
+                                    </m:sSubPr>
+                                    <m:e>
+                                      <m:r>
+                                        <a:rPr lang="en-US" altLang="ja-JP" i="1">
+                                          <a:latin typeface="Cambria Math" panose="02040503050406030204" pitchFamily="18" charset="0"/>
+                                        </a:rPr>
+                                        <m:t>𝑡</m:t>
+                                      </m:r>
+                                    </m:e>
+                                    <m:sub>
+                                      <m:r>
+                                        <a:rPr lang="en-US" altLang="ja-JP" i="1">
+                                          <a:latin typeface="Cambria Math" panose="02040503050406030204" pitchFamily="18" charset="0"/>
+                                        </a:rPr>
+                                        <m:t>0</m:t>
+                                      </m:r>
+                                    </m:sub>
+                                  </m:sSub>
+                                </m:e>
+                              </m:d>
+                            </m:den>
+                          </m:f>
+                        </m:e>
+                      </m:func>
+                    </m:oMath>
+                  </m:oMathPara>
+                </a14:m>
+                <a:endParaRPr kumimoji="1" lang="ja-JP" altLang="en-US" dirty="0"/>
+              </a:p>
+            </p:txBody>
+          </p:sp>
+        </mc:Choice>
+        <mc:Fallback>
+          <p:sp>
+            <p:nvSpPr>
+              <p:cNvPr id="11" name="テキスト ボックス 10">
+                <a:extLst>
+                  <a:ext uri="{FF2B5EF4-FFF2-40B4-BE49-F238E27FC236}">
+                    <a16:creationId xmlns:a16="http://schemas.microsoft.com/office/drawing/2014/main" id="{581035D8-99B7-1372-0E73-A5DA65CDE828}"/>
+                  </a:ext>
+                </a:extLst>
+              </p:cNvPr>
+              <p:cNvSpPr txBox="1">
+                <a:spLocks noRot="1" noChangeAspect="1" noMove="1" noResize="1" noEditPoints="1" noAdjustHandles="1" noChangeArrowheads="1" noChangeShapeType="1" noTextEdit="1"/>
+              </p:cNvSpPr>
+              <p:nvPr/>
+            </p:nvSpPr>
+            <p:spPr>
+              <a:xfrm>
+                <a:off x="3563138" y="4337192"/>
+                <a:ext cx="3790335" cy="584840"/>
+              </a:xfrm>
+              <a:prstGeom prst="rect">
+                <a:avLst/>
+              </a:prstGeom>
+              <a:blipFill>
+                <a:blip r:embed="rId7"/>
+                <a:stretch>
+                  <a:fillRect/>
+                </a:stretch>
+              </a:blipFill>
+            </p:spPr>
+            <p:txBody>
+              <a:bodyPr/>
+              <a:lstStyle/>
+              <a:p>
+                <a:r>
+                  <a:rPr lang="ja-JP" altLang="en-US">
+                    <a:noFill/>
+                  </a:rPr>
+                  <a:t> </a:t>
+                </a:r>
+              </a:p>
+            </p:txBody>
+          </p:sp>
+        </mc:Fallback>
+      </mc:AlternateContent>
+      <p:sp>
+        <p:nvSpPr>
+          <p:cNvPr id="12" name="テキスト ボックス 11">
+            <a:extLst>
+              <a:ext uri="{FF2B5EF4-FFF2-40B4-BE49-F238E27FC236}">
+                <a16:creationId xmlns:a16="http://schemas.microsoft.com/office/drawing/2014/main" id="{BFA58E96-700E-0683-FD1A-0B3C939A1DA6}"/>
+              </a:ext>
+            </a:extLst>
+          </p:cNvPr>
+          <p:cNvSpPr txBox="1"/>
+          <p:nvPr/>
+        </p:nvSpPr>
+        <p:spPr>
+          <a:xfrm>
+            <a:off x="1015631" y="5107900"/>
+            <a:ext cx="2769989" cy="276999"/>
+          </a:xfrm>
+          <a:prstGeom prst="rect">
+            <a:avLst/>
+          </a:prstGeom>
+          <a:noFill/>
+        </p:spPr>
+        <p:txBody>
+          <a:bodyPr wrap="none" lIns="0" tIns="0" rIns="0" bIns="0" rtlCol="0">
+            <a:spAutoFit/>
+          </a:bodyPr>
+          <a:lstStyle/>
+          <a:p>
+            <a:r>
+              <a:rPr lang="ja-JP" altLang="en-US" dirty="0"/>
+              <a:t>散乱媒体内部の強度比分布</a:t>
+            </a:r>
+            <a:endParaRPr kumimoji="1" lang="ja-JP" altLang="en-US" dirty="0"/>
+          </a:p>
+        </p:txBody>
+      </p:sp>
+      <mc:AlternateContent xmlns:mc="http://schemas.openxmlformats.org/markup-compatibility/2006">
+        <mc:Choice xmlns:a14="http://schemas.microsoft.com/office/drawing/2010/main" Requires="a14">
+          <p:sp>
+            <p:nvSpPr>
+              <p:cNvPr id="13" name="テキスト ボックス 12">
+                <a:extLst>
+                  <a:ext uri="{FF2B5EF4-FFF2-40B4-BE49-F238E27FC236}">
+                    <a16:creationId xmlns:a16="http://schemas.microsoft.com/office/drawing/2014/main" id="{4B33459B-8097-526D-7AFF-D762A00B710C}"/>
+                  </a:ext>
+                </a:extLst>
+              </p:cNvPr>
+              <p:cNvSpPr txBox="1"/>
+              <p:nvPr/>
+            </p:nvSpPr>
+            <p:spPr>
+              <a:xfrm>
+                <a:off x="3563138" y="5622027"/>
+                <a:ext cx="3790335" cy="591572"/>
+              </a:xfrm>
+              <a:prstGeom prst="rect">
+                <a:avLst/>
+              </a:prstGeom>
+              <a:noFill/>
+            </p:spPr>
+            <p:txBody>
+              <a:bodyPr wrap="square" lIns="0" tIns="0" rIns="0" bIns="0" rtlCol="0">
+                <a:spAutoFit/>
+              </a:bodyPr>
+              <a:lstStyle/>
+              <a:p>
+                <a14:m>
+                  <m:oMathPara xmlns:m="http://schemas.openxmlformats.org/officeDocument/2006/math">
+                    <m:oMathParaPr>
+                      <m:jc m:val="centerGroup"/>
+                    </m:oMathParaPr>
+                    <m:oMath xmlns:m="http://schemas.openxmlformats.org/officeDocument/2006/math">
+                      <m:r>
+                        <a:rPr kumimoji="1" lang="en-US" altLang="ja-JP" b="0" i="1" smtClean="0">
+                          <a:latin typeface="Cambria Math" panose="02040503050406030204" pitchFamily="18" charset="0"/>
+                        </a:rPr>
+                        <m:t>𝑟</m:t>
+                      </m:r>
+                      <m:d>
+                        <m:dPr>
+                          <m:ctrlPr>
+                            <a:rPr kumimoji="1" lang="en-US" altLang="ja-JP" b="0" i="1" smtClean="0">
+                              <a:latin typeface="Cambria Math" panose="02040503050406030204" pitchFamily="18" charset="0"/>
+                            </a:rPr>
+                          </m:ctrlPr>
+                        </m:dPr>
+                        <m:e>
+                          <m:r>
+                            <a:rPr kumimoji="1" lang="en-US" altLang="ja-JP" b="0" i="1" smtClean="0">
+                              <a:latin typeface="Cambria Math" panose="02040503050406030204" pitchFamily="18" charset="0"/>
+                            </a:rPr>
+                            <m:t>𝑥</m:t>
+                          </m:r>
+                          <m:r>
+                            <a:rPr kumimoji="1" lang="en-US" altLang="ja-JP" b="0" i="1" smtClean="0">
+                              <a:latin typeface="Cambria Math" panose="02040503050406030204" pitchFamily="18" charset="0"/>
+                            </a:rPr>
+                            <m:t>,</m:t>
+                          </m:r>
+                          <m:sSub>
+                            <m:sSubPr>
+                              <m:ctrlPr>
+                                <a:rPr kumimoji="1" lang="en-US" altLang="ja-JP" b="0" i="1" smtClean="0">
+                                  <a:latin typeface="Cambria Math" panose="02040503050406030204" pitchFamily="18" charset="0"/>
+                                </a:rPr>
+                              </m:ctrlPr>
+                            </m:sSubPr>
+                            <m:e>
+                              <m:r>
+                                <a:rPr kumimoji="1" lang="en-US" altLang="ja-JP" b="0" i="1" smtClean="0">
+                                  <a:latin typeface="Cambria Math" panose="02040503050406030204" pitchFamily="18" charset="0"/>
+                                </a:rPr>
+                                <m:t>𝑦</m:t>
+                              </m:r>
+                            </m:e>
+                            <m:sub>
+                              <m:r>
+                                <a:rPr kumimoji="1" lang="en-US" altLang="ja-JP" b="0" i="1" smtClean="0">
+                                  <a:latin typeface="Cambria Math" panose="02040503050406030204" pitchFamily="18" charset="0"/>
+                                </a:rPr>
+                                <m:t>0</m:t>
+                              </m:r>
+                            </m:sub>
+                          </m:sSub>
+                          <m:r>
+                            <a:rPr kumimoji="1" lang="en-US" altLang="ja-JP" b="0" i="1" smtClean="0">
+                              <a:latin typeface="Cambria Math" panose="02040503050406030204" pitchFamily="18" charset="0"/>
+                            </a:rPr>
+                            <m:t>,</m:t>
+                          </m:r>
+                          <m:sSub>
+                            <m:sSubPr>
+                              <m:ctrlPr>
+                                <a:rPr kumimoji="1" lang="en-US" altLang="ja-JP" b="0" i="1" smtClean="0">
+                                  <a:latin typeface="Cambria Math" panose="02040503050406030204" pitchFamily="18" charset="0"/>
+                                </a:rPr>
+                              </m:ctrlPr>
+                            </m:sSubPr>
+                            <m:e>
+                              <m:r>
+                                <a:rPr kumimoji="1" lang="en-US" altLang="ja-JP" b="0" i="1" smtClean="0">
+                                  <a:latin typeface="Cambria Math" panose="02040503050406030204" pitchFamily="18" charset="0"/>
+                                </a:rPr>
+                                <m:t>𝑡</m:t>
+                              </m:r>
+                            </m:e>
+                            <m:sub>
+                              <m:r>
+                                <a:rPr kumimoji="1" lang="en-US" altLang="ja-JP" b="0" i="1" smtClean="0">
+                                  <a:latin typeface="Cambria Math" panose="02040503050406030204" pitchFamily="18" charset="0"/>
+                                </a:rPr>
+                                <m:t>0</m:t>
+                              </m:r>
+                            </m:sub>
+                          </m:sSub>
+                        </m:e>
+                      </m:d>
+                      <m:r>
+                        <a:rPr kumimoji="1" lang="en-US" altLang="ja-JP" b="0" i="1" smtClean="0">
+                          <a:latin typeface="Cambria Math" panose="02040503050406030204" pitchFamily="18" charset="0"/>
+                        </a:rPr>
+                        <m:t>=−</m:t>
+                      </m:r>
+                      <m:func>
+                        <m:funcPr>
+                          <m:ctrlPr>
+                            <a:rPr kumimoji="1" lang="en-US" altLang="ja-JP" b="0" i="1" smtClean="0">
+                              <a:latin typeface="Cambria Math" panose="02040503050406030204" pitchFamily="18" charset="0"/>
+                            </a:rPr>
+                          </m:ctrlPr>
+                        </m:funcPr>
+                        <m:fName>
+                          <m:r>
+                            <m:rPr>
+                              <m:sty m:val="p"/>
+                            </m:rPr>
+                            <a:rPr kumimoji="1" lang="en-US" altLang="ja-JP" b="0" i="0" smtClean="0">
+                              <a:latin typeface="Cambria Math" panose="02040503050406030204" pitchFamily="18" charset="0"/>
+                            </a:rPr>
+                            <m:t>log</m:t>
+                          </m:r>
+                        </m:fName>
+                        <m:e>
+                          <m:f>
+                            <m:fPr>
+                              <m:ctrlPr>
+                                <a:rPr kumimoji="1" lang="en-US" altLang="ja-JP" b="0" i="1" smtClean="0">
+                                  <a:latin typeface="Cambria Math" panose="02040503050406030204" pitchFamily="18" charset="0"/>
+                                </a:rPr>
+                              </m:ctrlPr>
+                            </m:fPr>
+                            <m:num>
+                              <m:sSub>
+                                <m:sSubPr>
+                                  <m:ctrlPr>
+                                    <a:rPr lang="en-US" altLang="ja-JP" i="1">
+                                      <a:latin typeface="Cambria Math" panose="02040503050406030204" pitchFamily="18" charset="0"/>
+                                    </a:rPr>
+                                  </m:ctrlPr>
+                                </m:sSubPr>
+                                <m:e>
+                                  <m:r>
+                                    <a:rPr lang="ar-AE" altLang="ja-JP" i="1">
+                                      <a:latin typeface="Cambria Math" panose="02040503050406030204" pitchFamily="18" charset="0"/>
+                                    </a:rPr>
+                                    <m:t>𝜙</m:t>
+                                  </m:r>
+                                </m:e>
+                                <m:sub>
+                                  <m:r>
+                                    <a:rPr lang="en-US" altLang="ja-JP" i="1">
+                                      <a:latin typeface="Cambria Math" panose="02040503050406030204" pitchFamily="18" charset="0"/>
+                                    </a:rPr>
+                                    <m:t>𝑚</m:t>
+                                  </m:r>
+                                </m:sub>
+                              </m:sSub>
+                              <m:d>
+                                <m:dPr>
+                                  <m:ctrlPr>
+                                    <a:rPr lang="en-US" altLang="ja-JP" i="1">
+                                      <a:latin typeface="Cambria Math" panose="02040503050406030204" pitchFamily="18" charset="0"/>
+                                    </a:rPr>
+                                  </m:ctrlPr>
+                                </m:dPr>
+                                <m:e>
+                                  <m:r>
+                                    <a:rPr lang="en-US" altLang="ja-JP" i="1">
+                                      <a:latin typeface="Cambria Math" panose="02040503050406030204" pitchFamily="18" charset="0"/>
+                                    </a:rPr>
+                                    <m:t>𝑥</m:t>
+                                  </m:r>
+                                  <m:r>
+                                    <a:rPr lang="en-US" altLang="ja-JP" i="1">
+                                      <a:latin typeface="Cambria Math" panose="02040503050406030204" pitchFamily="18" charset="0"/>
+                                    </a:rPr>
+                                    <m:t>,</m:t>
+                                  </m:r>
+                                  <m:r>
+                                    <a:rPr lang="en-US" altLang="ja-JP" b="0" i="1" smtClean="0">
+                                      <a:latin typeface="Cambria Math" panose="02040503050406030204" pitchFamily="18" charset="0"/>
+                                    </a:rPr>
+                                    <m:t>𝑦</m:t>
+                                  </m:r>
+                                  <m:r>
+                                    <a:rPr lang="en-US" altLang="ja-JP" i="1">
+                                      <a:latin typeface="Cambria Math" panose="02040503050406030204" pitchFamily="18" charset="0"/>
+                                    </a:rPr>
+                                    <m:t>,</m:t>
+                                  </m:r>
+                                  <m:sSub>
+                                    <m:sSubPr>
+                                      <m:ctrlPr>
+                                        <a:rPr lang="en-US" altLang="ja-JP" i="1">
+                                          <a:latin typeface="Cambria Math" panose="02040503050406030204" pitchFamily="18" charset="0"/>
+                                        </a:rPr>
+                                      </m:ctrlPr>
+                                    </m:sSubPr>
+                                    <m:e>
+                                      <m:r>
+                                        <a:rPr lang="en-US" altLang="ja-JP" i="1">
+                                          <a:latin typeface="Cambria Math" panose="02040503050406030204" pitchFamily="18" charset="0"/>
+                                        </a:rPr>
+                                        <m:t>𝑡</m:t>
+                                      </m:r>
+                                    </m:e>
+                                    <m:sub>
+                                      <m:r>
+                                        <a:rPr lang="en-US" altLang="ja-JP" i="1">
+                                          <a:latin typeface="Cambria Math" panose="02040503050406030204" pitchFamily="18" charset="0"/>
+                                        </a:rPr>
+                                        <m:t>0</m:t>
+                                      </m:r>
+                                    </m:sub>
+                                  </m:sSub>
+                                </m:e>
+                              </m:d>
+                            </m:num>
+                            <m:den>
+                              <m:sSub>
+                                <m:sSubPr>
+                                  <m:ctrlPr>
+                                    <a:rPr lang="en-US" altLang="ja-JP" i="1">
+                                      <a:latin typeface="Cambria Math" panose="02040503050406030204" pitchFamily="18" charset="0"/>
+                                    </a:rPr>
+                                  </m:ctrlPr>
+                                </m:sSubPr>
+                                <m:e>
+                                  <m:r>
+                                    <a:rPr lang="ar-AE" altLang="ja-JP" i="1">
+                                      <a:latin typeface="Cambria Math" panose="02040503050406030204" pitchFamily="18" charset="0"/>
+                                    </a:rPr>
+                                    <m:t>𝜙</m:t>
+                                  </m:r>
+                                </m:e>
+                                <m:sub>
+                                  <m:r>
+                                    <a:rPr lang="en-US" altLang="ja-JP" b="0" i="1" smtClean="0">
+                                      <a:latin typeface="Cambria Math" panose="02040503050406030204" pitchFamily="18" charset="0"/>
+                                    </a:rPr>
+                                    <m:t>𝑟</m:t>
+                                  </m:r>
+                                </m:sub>
+                              </m:sSub>
+                              <m:d>
+                                <m:dPr>
+                                  <m:ctrlPr>
+                                    <a:rPr lang="en-US" altLang="ja-JP" i="1">
+                                      <a:latin typeface="Cambria Math" panose="02040503050406030204" pitchFamily="18" charset="0"/>
+                                    </a:rPr>
+                                  </m:ctrlPr>
+                                </m:dPr>
+                                <m:e>
+                                  <m:r>
+                                    <a:rPr lang="en-US" altLang="ja-JP" i="1">
+                                      <a:latin typeface="Cambria Math" panose="02040503050406030204" pitchFamily="18" charset="0"/>
+                                    </a:rPr>
+                                    <m:t>𝑥</m:t>
+                                  </m:r>
+                                  <m:r>
+                                    <a:rPr lang="en-US" altLang="ja-JP" i="1">
+                                      <a:latin typeface="Cambria Math" panose="02040503050406030204" pitchFamily="18" charset="0"/>
+                                    </a:rPr>
+                                    <m:t>,</m:t>
+                                  </m:r>
+                                  <m:r>
+                                    <a:rPr lang="en-US" altLang="ja-JP" b="0" i="1" smtClean="0">
+                                      <a:latin typeface="Cambria Math" panose="02040503050406030204" pitchFamily="18" charset="0"/>
+                                    </a:rPr>
+                                    <m:t>𝑦</m:t>
+                                  </m:r>
+                                  <m:r>
+                                    <a:rPr lang="en-US" altLang="ja-JP" i="1">
+                                      <a:latin typeface="Cambria Math" panose="02040503050406030204" pitchFamily="18" charset="0"/>
+                                    </a:rPr>
+                                    <m:t>,</m:t>
+                                  </m:r>
+                                  <m:sSub>
+                                    <m:sSubPr>
+                                      <m:ctrlPr>
+                                        <a:rPr lang="en-US" altLang="ja-JP" i="1">
+                                          <a:latin typeface="Cambria Math" panose="02040503050406030204" pitchFamily="18" charset="0"/>
+                                        </a:rPr>
+                                      </m:ctrlPr>
+                                    </m:sSubPr>
+                                    <m:e>
+                                      <m:r>
+                                        <a:rPr lang="en-US" altLang="ja-JP" i="1">
+                                          <a:latin typeface="Cambria Math" panose="02040503050406030204" pitchFamily="18" charset="0"/>
+                                        </a:rPr>
+                                        <m:t>𝑡</m:t>
+                                      </m:r>
+                                    </m:e>
+                                    <m:sub>
+                                      <m:r>
+                                        <a:rPr lang="en-US" altLang="ja-JP" i="1">
+                                          <a:latin typeface="Cambria Math" panose="02040503050406030204" pitchFamily="18" charset="0"/>
+                                        </a:rPr>
+                                        <m:t>0</m:t>
+                                      </m:r>
+                                    </m:sub>
+                                  </m:sSub>
+                                </m:e>
+                              </m:d>
+                            </m:den>
+                          </m:f>
+                        </m:e>
+                      </m:func>
+                    </m:oMath>
+                  </m:oMathPara>
+                </a14:m>
+                <a:endParaRPr kumimoji="1" lang="ja-JP" altLang="en-US" dirty="0"/>
+              </a:p>
+            </p:txBody>
+          </p:sp>
+        </mc:Choice>
+        <mc:Fallback>
+          <p:sp>
+            <p:nvSpPr>
+              <p:cNvPr id="13" name="テキスト ボックス 12">
+                <a:extLst>
+                  <a:ext uri="{FF2B5EF4-FFF2-40B4-BE49-F238E27FC236}">
+                    <a16:creationId xmlns:a16="http://schemas.microsoft.com/office/drawing/2014/main" id="{4B33459B-8097-526D-7AFF-D762A00B710C}"/>
+                  </a:ext>
+                </a:extLst>
+              </p:cNvPr>
+              <p:cNvSpPr txBox="1">
+                <a:spLocks noRot="1" noChangeAspect="1" noMove="1" noResize="1" noEditPoints="1" noAdjustHandles="1" noChangeArrowheads="1" noChangeShapeType="1" noTextEdit="1"/>
+              </p:cNvSpPr>
+              <p:nvPr/>
+            </p:nvSpPr>
+            <p:spPr>
+              <a:xfrm>
+                <a:off x="3563138" y="5622027"/>
+                <a:ext cx="3790335" cy="591572"/>
+              </a:xfrm>
+              <a:prstGeom prst="rect">
+                <a:avLst/>
+              </a:prstGeom>
+              <a:blipFill>
+                <a:blip r:embed="rId8"/>
+                <a:stretch>
+                  <a:fillRect/>
+                </a:stretch>
+              </a:blipFill>
+            </p:spPr>
+            <p:txBody>
+              <a:bodyPr/>
+              <a:lstStyle/>
+              <a:p>
+                <a:r>
+                  <a:rPr lang="ja-JP" altLang="en-US">
+                    <a:noFill/>
+                  </a:rPr>
+                  <a:t> </a:t>
+                </a:r>
+              </a:p>
+            </p:txBody>
+          </p:sp>
+        </mc:Fallback>
+      </mc:AlternateContent>
+    </p:spTree>
+    <p:extLst>
+      <p:ext uri="{BB962C8B-B14F-4D97-AF65-F5344CB8AC3E}">
+        <p14:creationId xmlns:p14="http://schemas.microsoft.com/office/powerpoint/2010/main" val="2192112772"/>
+      </p:ext>
+    </p:extLst>
+  </p:cSld>
+  <p:clrMapOvr>
+    <a:masterClrMapping/>
+  </p:clrMapOvr>
+</p:sld>
+</file>
+
+<file path=ppt/slides/slide22.xml><?xml version="1.0" encoding="utf-8"?>
+<p:sld xmlns:a="http://schemas.openxmlformats.org/drawingml/2006/main" xmlns:r="http://schemas.openxmlformats.org/officeDocument/2006/relationships" xmlns:p="http://schemas.openxmlformats.org/presentationml/2006/main">
+  <p:cSld>
+    <p:spTree>
+      <p:nvGrpSpPr>
+        <p:cNvPr id="1" name=""/>
+        <p:cNvGrpSpPr/>
+        <p:nvPr/>
+      </p:nvGrpSpPr>
+      <p:grpSpPr>
+        <a:xfrm>
+          <a:off x="0" y="0"/>
+          <a:ext cx="0" cy="0"/>
+          <a:chOff x="0" y="0"/>
+          <a:chExt cx="0" cy="0"/>
+        </a:xfrm>
+      </p:grpSpPr>
+      <p:pic>
+        <p:nvPicPr>
+          <p:cNvPr id="3" name="intensity_ratio_log">
+            <a:hlinkClick r:id="" action="ppaction://media"/>
+            <a:extLst>
+              <a:ext uri="{FF2B5EF4-FFF2-40B4-BE49-F238E27FC236}">
+                <a16:creationId xmlns:a16="http://schemas.microsoft.com/office/drawing/2014/main" id="{90EF5C05-AD73-B0D5-7BC3-9E2B04CFD969}"/>
+              </a:ext>
+            </a:extLst>
+          </p:cNvPr>
+          <p:cNvPicPr>
+            <a:picLocks noChangeAspect="1"/>
+          </p:cNvPicPr>
+          <p:nvPr>
+            <a:videoFile r:link="rId2"/>
+            <p:extLst>
+              <p:ext uri="{DAA4B4D4-6D71-4841-9C94-3DE7FCFB9230}">
+                <p14:media xmlns:p14="http://schemas.microsoft.com/office/powerpoint/2010/main" r:embed="rId1"/>
+              </p:ext>
+            </p:extLst>
+          </p:nvPr>
+        </p:nvPicPr>
+        <p:blipFill>
+          <a:blip r:embed="rId4"/>
+          <a:stretch>
+            <a:fillRect/>
+          </a:stretch>
+        </p:blipFill>
+        <p:spPr>
+          <a:xfrm>
+            <a:off x="3672839" y="1515681"/>
+            <a:ext cx="9497454" cy="5342318"/>
+          </a:xfrm>
+          <a:prstGeom prst="rect">
+            <a:avLst/>
+          </a:prstGeom>
+        </p:spPr>
+      </p:pic>
+      <p:sp>
+        <p:nvSpPr>
+          <p:cNvPr id="2" name="タイトル 1">
+            <a:extLst>
+              <a:ext uri="{FF2B5EF4-FFF2-40B4-BE49-F238E27FC236}">
+                <a16:creationId xmlns:a16="http://schemas.microsoft.com/office/drawing/2014/main" id="{656E1F11-C5BB-AD4B-BB8D-3CB4A43E2C90}"/>
+              </a:ext>
+            </a:extLst>
+          </p:cNvPr>
+          <p:cNvSpPr>
+            <a:spLocks noGrp="1"/>
+          </p:cNvSpPr>
+          <p:nvPr>
+            <p:ph type="title"/>
+          </p:nvPr>
+        </p:nvSpPr>
+        <p:spPr/>
+        <p:txBody>
+          <a:bodyPr/>
+          <a:lstStyle/>
+          <a:p>
+            <a:r>
+              <a:rPr lang="ja-JP" altLang="en-US" dirty="0"/>
+              <a:t>散乱体内部の強度比分布</a:t>
+            </a:r>
+            <a:endParaRPr kumimoji="1" lang="ja-JP" altLang="en-US" dirty="0"/>
+          </a:p>
+        </p:txBody>
+      </p:sp>
+      <p:pic>
+        <p:nvPicPr>
+          <p:cNvPr id="6" name="図 5">
+            <a:extLst>
+              <a:ext uri="{FF2B5EF4-FFF2-40B4-BE49-F238E27FC236}">
+                <a16:creationId xmlns:a16="http://schemas.microsoft.com/office/drawing/2014/main" id="{153925C8-6824-E844-8554-C87FDD1C42CF}"/>
+              </a:ext>
+            </a:extLst>
+          </p:cNvPr>
+          <p:cNvPicPr>
+            <a:picLocks noChangeAspect="1"/>
+          </p:cNvPicPr>
+          <p:nvPr/>
+        </p:nvPicPr>
+        <p:blipFill rotWithShape="1">
+          <a:blip r:embed="rId5">
+            <a:extLst>
+              <a:ext uri="{28A0092B-C50C-407E-A947-70E740481C1C}">
+                <a14:useLocalDpi xmlns:a14="http://schemas.microsoft.com/office/drawing/2010/main" val="0"/>
+              </a:ext>
+            </a:extLst>
+          </a:blip>
+          <a:srcRect l="25097" t="10883" r="14015"/>
+          <a:stretch/>
+        </p:blipFill>
+        <p:spPr>
+          <a:xfrm>
+            <a:off x="339211" y="2045604"/>
+            <a:ext cx="5845277" cy="4812395"/>
+          </a:xfrm>
+          <a:prstGeom prst="rect">
+            <a:avLst/>
+          </a:prstGeom>
+        </p:spPr>
+      </p:pic>
+    </p:spTree>
+    <p:extLst>
+      <p:ext uri="{BB962C8B-B14F-4D97-AF65-F5344CB8AC3E}">
+        <p14:creationId xmlns:p14="http://schemas.microsoft.com/office/powerpoint/2010/main" val="4122568209"/>
+      </p:ext>
+    </p:extLst>
+  </p:cSld>
+  <p:clrMapOvr>
+    <a:masterClrMapping/>
+  </p:clrMapOvr>
+  <p:timing>
+    <p:tnLst>
+      <p:par>
+        <p:cTn id="1" dur="indefinite" restart="never" nodeType="tmRoot">
+          <p:childTnLst>
+            <p:seq concurrent="1" nextAc="seek">
+              <p:cTn id="2" dur="indefinite" nodeType="mainSeq">
+                <p:childTnLst>
+                  <p:par>
+                    <p:cTn id="3" fill="hold">
+                      <p:stCondLst>
+                        <p:cond delay="indefinite"/>
+                      </p:stCondLst>
+                      <p:childTnLst>
+                        <p:par>
+                          <p:cTn id="4" fill="hold">
+                            <p:stCondLst>
+                              <p:cond delay="0"/>
+                            </p:stCondLst>
+                            <p:childTnLst>
+                              <p:par>
+                                <p:cTn id="5" presetID="1" presetClass="mediacall" presetSubtype="0" fill="hold" nodeType="clickEffect">
+                                  <p:stCondLst>
+                                    <p:cond delay="0"/>
+                                  </p:stCondLst>
+                                  <p:childTnLst>
+                                    <p:cmd type="call" cmd="playFrom(0.0)">
+                                      <p:cBhvr>
+                                        <p:cTn id="6" dur="16667" fill="hold"/>
+                                        <p:tgtEl>
+                                          <p:spTgt spid="3"/>
+                                        </p:tgtEl>
+                                      </p:cBhvr>
+                                    </p:cmd>
+                                  </p:childTnLst>
+                                </p:cTn>
+                              </p:par>
+                            </p:childTnLst>
+                          </p:cTn>
+                        </p:par>
+                      </p:childTnLst>
+                    </p:cTn>
+                  </p:par>
+                </p:childTnLst>
+              </p:cTn>
+              <p:prevCondLst>
+                <p:cond evt="onPrev" delay="0">
+                  <p:tgtEl>
+                    <p:sldTgt/>
+                  </p:tgtEl>
+                </p:cond>
+              </p:prevCondLst>
+              <p:nextCondLst>
+                <p:cond evt="onNext" delay="0">
+                  <p:tgtEl>
+                    <p:sldTgt/>
+                  </p:tgtEl>
+                </p:cond>
+              </p:nextCondLst>
+            </p:seq>
+            <p:video>
+              <p:cMediaNode vol="80000">
+                <p:cTn id="7" fill="hold" display="0">
+                  <p:stCondLst>
+                    <p:cond delay="indefinite"/>
+                  </p:stCondLst>
+                </p:cTn>
+                <p:tgtEl>
+                  <p:spTgt spid="3"/>
+                </p:tgtEl>
+              </p:cMediaNode>
+            </p:video>
+            <p:seq concurrent="1" nextAc="seek">
+              <p:cTn id="8" restart="whenNotActive" fill="hold" evtFilter="cancelBubble" nodeType="interactiveSeq">
+                <p:stCondLst>
+                  <p:cond evt="onClick" delay="0">
+                    <p:tgtEl>
+                      <p:spTgt spid="3"/>
+                    </p:tgtEl>
+                  </p:cond>
+                </p:stCondLst>
+                <p:endSync evt="end" delay="0">
+                  <p:rtn val="all"/>
+                </p:endSync>
+                <p:childTnLst>
+                  <p:par>
+                    <p:cTn id="9" fill="hold">
+                      <p:stCondLst>
+                        <p:cond delay="0"/>
+                      </p:stCondLst>
+                      <p:childTnLst>
+                        <p:par>
+                          <p:cTn id="10" fill="hold">
+                            <p:stCondLst>
+                              <p:cond delay="0"/>
+                            </p:stCondLst>
+                            <p:childTnLst>
+                              <p:par>
+                                <p:cTn id="11" presetID="2" presetClass="mediacall" presetSubtype="0" fill="hold" nodeType="clickEffect">
+                                  <p:stCondLst>
+                                    <p:cond delay="0"/>
+                                  </p:stCondLst>
+                                  <p:childTnLst>
+                                    <p:cmd type="call" cmd="togglePause">
+                                      <p:cBhvr>
+                                        <p:cTn id="12" dur="1" fill="hold"/>
+                                        <p:tgtEl>
+                                          <p:spTgt spid="3"/>
+                                        </p:tgtEl>
+                                      </p:cBhvr>
+                                    </p:cmd>
+                                  </p:childTnLst>
+                                </p:cTn>
+                              </p:par>
+                            </p:childTnLst>
+                          </p:cTn>
+                        </p:par>
+                      </p:childTnLst>
+                    </p:cTn>
+                  </p:par>
+                </p:childTnLst>
+              </p:cTn>
+              <p:nextCondLst>
+                <p:cond evt="onClick" delay="0">
+                  <p:tgtEl>
+                    <p:spTgt spid="3"/>
+                  </p:tgtEl>
+                </p:cond>
+              </p:nextCondLst>
+            </p:seq>
+          </p:childTnLst>
+        </p:cTn>
+      </p:par>
+    </p:tnLst>
+  </p:timing>
 </p:sld>
 </file>
 
@@ -25655,7 +28626,7 @@
           </a:ln>
           <a:extLst>
             <a:ext uri="{C572A759-6A51-4108-AA02-DFA0A04FC94B}">
-              <ma14:wrappingTextBoxFlag xmlns="" xmlns:m="http://schemas.openxmlformats.org/officeDocument/2006/math" xmlns:a14="http://schemas.microsoft.com/office/drawing/2010/main" xmlns:ma14="http://schemas.microsoft.com/office/mac/drawingml/2011/main" xmlns:lc="http://schemas.openxmlformats.org/drawingml/2006/lockedCanvas" val="1"/>
+              <ma14:wrappingTextBoxFlag xmlns:lc="http://schemas.openxmlformats.org/drawingml/2006/lockedCanvas" xmlns:ma14="http://schemas.microsoft.com/office/mac/drawingml/2011/main" xmlns:a14="http://schemas.microsoft.com/office/drawing/2010/main" xmlns:m="http://schemas.openxmlformats.org/officeDocument/2006/math" xmlns="" val="1"/>
             </a:ext>
           </a:extLst>
         </p:spPr>
@@ -25995,7 +28966,7 @@
           </a:ln>
           <a:extLst>
             <a:ext uri="{C572A759-6A51-4108-AA02-DFA0A04FC94B}">
-              <ma14:wrappingTextBoxFlag xmlns="" xmlns:m="http://schemas.openxmlformats.org/officeDocument/2006/math" xmlns:a14="http://schemas.microsoft.com/office/drawing/2010/main" xmlns:ma14="http://schemas.microsoft.com/office/mac/drawingml/2011/main" xmlns:lc="http://schemas.openxmlformats.org/drawingml/2006/lockedCanvas" val="1"/>
+              <ma14:wrappingTextBoxFlag xmlns:lc="http://schemas.openxmlformats.org/drawingml/2006/lockedCanvas" xmlns:ma14="http://schemas.microsoft.com/office/mac/drawingml/2011/main" xmlns:a14="http://schemas.microsoft.com/office/drawing/2010/main" xmlns:m="http://schemas.openxmlformats.org/officeDocument/2006/math" xmlns="" val="1"/>
             </a:ext>
           </a:extLst>
         </p:spPr>
@@ -26335,7 +29306,7 @@
           </a:ln>
           <a:extLst>
             <a:ext uri="{C572A759-6A51-4108-AA02-DFA0A04FC94B}">
-              <ma14:wrappingTextBoxFlag xmlns="" xmlns:m="http://schemas.openxmlformats.org/officeDocument/2006/math" xmlns:a14="http://schemas.microsoft.com/office/drawing/2010/main" xmlns:ma14="http://schemas.microsoft.com/office/mac/drawingml/2011/main" xmlns:lc="http://schemas.openxmlformats.org/drawingml/2006/lockedCanvas" val="1"/>
+              <ma14:wrappingTextBoxFlag xmlns:lc="http://schemas.openxmlformats.org/drawingml/2006/lockedCanvas" xmlns:ma14="http://schemas.microsoft.com/office/mac/drawingml/2011/main" xmlns:a14="http://schemas.microsoft.com/office/drawing/2010/main" xmlns:m="http://schemas.openxmlformats.org/officeDocument/2006/math" xmlns="" val="1"/>
             </a:ext>
           </a:extLst>
         </p:spPr>
@@ -26675,7 +29646,7 @@
           </a:ln>
           <a:extLst>
             <a:ext uri="{C572A759-6A51-4108-AA02-DFA0A04FC94B}">
-              <ma14:wrappingTextBoxFlag xmlns="" xmlns:m="http://schemas.openxmlformats.org/officeDocument/2006/math" xmlns:a14="http://schemas.microsoft.com/office/drawing/2010/main" xmlns:ma14="http://schemas.microsoft.com/office/mac/drawingml/2011/main" xmlns:lc="http://schemas.openxmlformats.org/drawingml/2006/lockedCanvas" val="1"/>
+              <ma14:wrappingTextBoxFlag xmlns:lc="http://schemas.openxmlformats.org/drawingml/2006/lockedCanvas" xmlns:ma14="http://schemas.microsoft.com/office/mac/drawingml/2011/main" xmlns:a14="http://schemas.microsoft.com/office/drawing/2010/main" xmlns:m="http://schemas.openxmlformats.org/officeDocument/2006/math" xmlns="" val="1"/>
             </a:ext>
           </a:extLst>
         </p:spPr>
@@ -27015,7 +29986,7 @@
           </a:ln>
           <a:extLst>
             <a:ext uri="{C572A759-6A51-4108-AA02-DFA0A04FC94B}">
-              <ma14:wrappingTextBoxFlag xmlns="" xmlns:m="http://schemas.openxmlformats.org/officeDocument/2006/math" xmlns:a14="http://schemas.microsoft.com/office/drawing/2010/main" xmlns:ma14="http://schemas.microsoft.com/office/mac/drawingml/2011/main" xmlns:lc="http://schemas.openxmlformats.org/drawingml/2006/lockedCanvas" val="1"/>
+              <ma14:wrappingTextBoxFlag xmlns:lc="http://schemas.openxmlformats.org/drawingml/2006/lockedCanvas" xmlns:ma14="http://schemas.microsoft.com/office/mac/drawingml/2011/main" xmlns:a14="http://schemas.microsoft.com/office/drawing/2010/main" xmlns:m="http://schemas.openxmlformats.org/officeDocument/2006/math" xmlns="" val="1"/>
             </a:ext>
           </a:extLst>
         </p:spPr>
@@ -27355,7 +30326,7 @@
           </a:ln>
           <a:extLst>
             <a:ext uri="{C572A759-6A51-4108-AA02-DFA0A04FC94B}">
-              <ma14:wrappingTextBoxFlag xmlns="" xmlns:m="http://schemas.openxmlformats.org/officeDocument/2006/math" xmlns:a14="http://schemas.microsoft.com/office/drawing/2010/main" xmlns:ma14="http://schemas.microsoft.com/office/mac/drawingml/2011/main" xmlns:lc="http://schemas.openxmlformats.org/drawingml/2006/lockedCanvas" val="1"/>
+              <ma14:wrappingTextBoxFlag xmlns:lc="http://schemas.openxmlformats.org/drawingml/2006/lockedCanvas" xmlns:ma14="http://schemas.microsoft.com/office/mac/drawingml/2011/main" xmlns:a14="http://schemas.microsoft.com/office/drawing/2010/main" xmlns:m="http://schemas.openxmlformats.org/officeDocument/2006/math" xmlns="" val="1"/>
             </a:ext>
           </a:extLst>
         </p:spPr>

--- a/slide/0519.pptx
+++ b/slide/0519.pptx
@@ -5,7 +5,7 @@
     <p:sldMasterId id="2147483648" r:id="rId1"/>
   </p:sldMasterIdLst>
   <p:notesMasterIdLst>
-    <p:notesMasterId r:id="rId24"/>
+    <p:notesMasterId r:id="rId25"/>
   </p:notesMasterIdLst>
   <p:sldIdLst>
     <p:sldId id="256" r:id="rId2"/>
@@ -30,6 +30,7 @@
     <p:sldId id="275" r:id="rId21"/>
     <p:sldId id="276" r:id="rId22"/>
     <p:sldId id="277" r:id="rId23"/>
+    <p:sldId id="278" r:id="rId24"/>
   </p:sldIdLst>
   <p:sldSz cx="12192000" cy="6858000"/>
   <p:notesSz cx="6858000" cy="9144000"/>
@@ -218,7 +219,7 @@
           <a:p>
             <a:fld id="{438A1740-9A82-46DA-AD96-0DC60E5E9FA3}" type="datetimeFigureOut">
               <a:rPr kumimoji="1" lang="ja-JP" altLang="en-US" smtClean="0"/>
-              <a:t>2022/7/13</a:t>
+              <a:t>2022/7/26</a:t>
             </a:fld>
             <a:endParaRPr kumimoji="1" lang="ja-JP" altLang="en-US"/>
           </a:p>
@@ -2280,7 +2281,7 @@
           <a:p>
             <a:fld id="{C801310E-4C28-4D51-ADB4-8E3E74A70742}" type="datetimeFigureOut">
               <a:rPr kumimoji="1" lang="ja-JP" altLang="en-US" smtClean="0"/>
-              <a:t>2022/7/13</a:t>
+              <a:t>2022/7/26</a:t>
             </a:fld>
             <a:endParaRPr kumimoji="1" lang="ja-JP" altLang="en-US"/>
           </a:p>
@@ -2510,7 +2511,7 @@
           <a:p>
             <a:fld id="{C801310E-4C28-4D51-ADB4-8E3E74A70742}" type="datetimeFigureOut">
               <a:rPr kumimoji="1" lang="ja-JP" altLang="en-US" smtClean="0"/>
-              <a:t>2022/7/13</a:t>
+              <a:t>2022/7/26</a:t>
             </a:fld>
             <a:endParaRPr kumimoji="1" lang="ja-JP" altLang="en-US"/>
           </a:p>
@@ -2750,7 +2751,7 @@
           <a:p>
             <a:fld id="{C801310E-4C28-4D51-ADB4-8E3E74A70742}" type="datetimeFigureOut">
               <a:rPr kumimoji="1" lang="ja-JP" altLang="en-US" smtClean="0"/>
-              <a:t>2022/7/13</a:t>
+              <a:t>2022/7/26</a:t>
             </a:fld>
             <a:endParaRPr kumimoji="1" lang="ja-JP" altLang="en-US"/>
           </a:p>
@@ -2980,7 +2981,7 @@
           <a:p>
             <a:fld id="{C801310E-4C28-4D51-ADB4-8E3E74A70742}" type="datetimeFigureOut">
               <a:rPr kumimoji="1" lang="ja-JP" altLang="en-US" smtClean="0"/>
-              <a:t>2022/7/13</a:t>
+              <a:t>2022/7/26</a:t>
             </a:fld>
             <a:endParaRPr kumimoji="1" lang="ja-JP" altLang="en-US"/>
           </a:p>
@@ -3255,7 +3256,7 @@
           <a:p>
             <a:fld id="{C801310E-4C28-4D51-ADB4-8E3E74A70742}" type="datetimeFigureOut">
               <a:rPr kumimoji="1" lang="ja-JP" altLang="en-US" smtClean="0"/>
-              <a:t>2022/7/13</a:t>
+              <a:t>2022/7/26</a:t>
             </a:fld>
             <a:endParaRPr kumimoji="1" lang="ja-JP" altLang="en-US"/>
           </a:p>
@@ -3584,7 +3585,7 @@
           <a:p>
             <a:fld id="{C801310E-4C28-4D51-ADB4-8E3E74A70742}" type="datetimeFigureOut">
               <a:rPr kumimoji="1" lang="ja-JP" altLang="en-US" smtClean="0"/>
-              <a:t>2022/7/13</a:t>
+              <a:t>2022/7/26</a:t>
             </a:fld>
             <a:endParaRPr kumimoji="1" lang="ja-JP" altLang="en-US"/>
           </a:p>
@@ -4060,7 +4061,7 @@
           <a:p>
             <a:fld id="{C801310E-4C28-4D51-ADB4-8E3E74A70742}" type="datetimeFigureOut">
               <a:rPr kumimoji="1" lang="ja-JP" altLang="en-US" smtClean="0"/>
-              <a:t>2022/7/13</a:t>
+              <a:t>2022/7/26</a:t>
             </a:fld>
             <a:endParaRPr kumimoji="1" lang="ja-JP" altLang="en-US"/>
           </a:p>
@@ -4201,7 +4202,7 @@
           <a:p>
             <a:fld id="{C801310E-4C28-4D51-ADB4-8E3E74A70742}" type="datetimeFigureOut">
               <a:rPr kumimoji="1" lang="ja-JP" altLang="en-US" smtClean="0"/>
-              <a:t>2022/7/13</a:t>
+              <a:t>2022/7/26</a:t>
             </a:fld>
             <a:endParaRPr kumimoji="1" lang="ja-JP" altLang="en-US"/>
           </a:p>
@@ -4314,7 +4315,7 @@
           <a:p>
             <a:fld id="{C801310E-4C28-4D51-ADB4-8E3E74A70742}" type="datetimeFigureOut">
               <a:rPr kumimoji="1" lang="ja-JP" altLang="en-US" smtClean="0"/>
-              <a:t>2022/7/13</a:t>
+              <a:t>2022/7/26</a:t>
             </a:fld>
             <a:endParaRPr kumimoji="1" lang="ja-JP" altLang="en-US"/>
           </a:p>
@@ -4657,7 +4658,7 @@
           <a:p>
             <a:fld id="{C801310E-4C28-4D51-ADB4-8E3E74A70742}" type="datetimeFigureOut">
               <a:rPr kumimoji="1" lang="ja-JP" altLang="en-US" smtClean="0"/>
-              <a:t>2022/7/13</a:t>
+              <a:t>2022/7/26</a:t>
             </a:fld>
             <a:endParaRPr kumimoji="1" lang="ja-JP" altLang="en-US"/>
           </a:p>
@@ -4945,7 +4946,7 @@
           <a:p>
             <a:fld id="{C801310E-4C28-4D51-ADB4-8E3E74A70742}" type="datetimeFigureOut">
               <a:rPr kumimoji="1" lang="ja-JP" altLang="en-US" smtClean="0"/>
-              <a:t>2022/7/13</a:t>
+              <a:t>2022/7/26</a:t>
             </a:fld>
             <a:endParaRPr kumimoji="1" lang="ja-JP" altLang="en-US"/>
           </a:p>
@@ -5218,7 +5219,7 @@
           <a:p>
             <a:fld id="{C801310E-4C28-4D51-ADB4-8E3E74A70742}" type="datetimeFigureOut">
               <a:rPr kumimoji="1" lang="ja-JP" altLang="en-US" smtClean="0"/>
-              <a:t>2022/7/13</a:t>
+              <a:t>2022/7/26</a:t>
             </a:fld>
             <a:endParaRPr kumimoji="1" lang="ja-JP" altLang="en-US"/>
           </a:p>
@@ -7838,16 +7839,7 @@
                                   </a:solidFill>
                                   <a:latin typeface="Cambria Math" panose="02040503050406030204" pitchFamily="18" charset="0"/>
                                 </a:rPr>
-                                <m:t>+</m:t>
-                              </m:r>
-                              <m:r>
-                                <a:rPr lang="en-US" altLang="ja-JP" sz="2000" b="0" i="1" smtClean="0">
-                                  <a:solidFill>
-                                    <a:srgbClr val="000000"/>
-                                  </a:solidFill>
-                                  <a:latin typeface="Cambria Math" panose="02040503050406030204" pitchFamily="18" charset="0"/>
-                                </a:rPr>
-                                <m:t>1</m:t>
+                                <m:t>+1</m:t>
                               </m:r>
                             </m:sup>
                           </m:sSubSup>
@@ -7985,13 +7977,7 @@
                                 <a:rPr lang="en-US" altLang="ja-JP" sz="2000" b="0" i="1" smtClean="0">
                                   <a:latin typeface="Cambria Math" panose="02040503050406030204" pitchFamily="18" charset="0"/>
                                 </a:rPr>
-                                <m:t>+</m:t>
-                              </m:r>
-                              <m:r>
-                                <a:rPr lang="en-US" altLang="ja-JP" sz="2000" b="0" i="1" smtClean="0">
-                                  <a:latin typeface="Cambria Math" panose="02040503050406030204" pitchFamily="18" charset="0"/>
-                                </a:rPr>
-                                <m:t>1</m:t>
+                                <m:t>+1</m:t>
                               </m:r>
                               <m:r>
                                 <a:rPr lang="en-US" altLang="ja-JP" sz="2000" i="1">
@@ -8019,13 +8005,7 @@
                             <a:rPr lang="en-US" altLang="ja-JP" sz="2000" b="0" i="1" smtClean="0">
                               <a:latin typeface="Cambria Math" panose="02040503050406030204" pitchFamily="18" charset="0"/>
                             </a:rPr>
-                            <m:t>−</m:t>
-                          </m:r>
-                          <m:r>
-                            <a:rPr lang="en-US" altLang="ja-JP" sz="2000" b="0" i="1" smtClean="0">
-                              <a:latin typeface="Cambria Math" panose="02040503050406030204" pitchFamily="18" charset="0"/>
-                            </a:rPr>
-                            <m:t>2</m:t>
+                            <m:t>−2</m:t>
                           </m:r>
                           <m:sSubSup>
                             <m:sSubSupPr>
@@ -8105,13 +8085,7 @@
                                 <a:rPr lang="en-US" altLang="ja-JP" sz="2000" b="0" i="1" smtClean="0">
                                   <a:latin typeface="Cambria Math" panose="02040503050406030204" pitchFamily="18" charset="0"/>
                                 </a:rPr>
-                                <m:t>−</m:t>
-                              </m:r>
-                              <m:r>
-                                <a:rPr lang="en-US" altLang="ja-JP" sz="2000" b="0" i="1" smtClean="0">
-                                  <a:latin typeface="Cambria Math" panose="02040503050406030204" pitchFamily="18" charset="0"/>
-                                </a:rPr>
-                                <m:t>1</m:t>
+                                <m:t>−1</m:t>
                               </m:r>
                               <m:r>
                                 <a:rPr lang="en-US" altLang="ja-JP" sz="2000" i="1">
@@ -8225,13 +8199,7 @@
                                 <a:rPr lang="en-US" altLang="ja-JP" sz="2000" b="0" i="1" smtClean="0">
                                   <a:latin typeface="Cambria Math" panose="02040503050406030204" pitchFamily="18" charset="0"/>
                                 </a:rPr>
-                                <m:t>+</m:t>
-                              </m:r>
-                              <m:r>
-                                <a:rPr lang="en-US" altLang="ja-JP" sz="2000" b="0" i="1" smtClean="0">
-                                  <a:latin typeface="Cambria Math" panose="02040503050406030204" pitchFamily="18" charset="0"/>
-                                </a:rPr>
-                                <m:t>1</m:t>
+                                <m:t>+1</m:t>
                               </m:r>
                             </m:sub>
                             <m:sup>
@@ -8247,13 +8215,7 @@
                             <a:rPr lang="en-US" altLang="ja-JP" sz="2000" i="1">
                               <a:latin typeface="Cambria Math" panose="02040503050406030204" pitchFamily="18" charset="0"/>
                             </a:rPr>
-                            <m:t>−</m:t>
-                          </m:r>
-                          <m:r>
-                            <a:rPr lang="en-US" altLang="ja-JP" sz="2000" i="1">
-                              <a:latin typeface="Cambria Math" panose="02040503050406030204" pitchFamily="18" charset="0"/>
-                            </a:rPr>
-                            <m:t>2</m:t>
+                            <m:t>−2</m:t>
                           </m:r>
                           <m:sSubSup>
                             <m:sSubSupPr>
@@ -8345,13 +8307,7 @@
                                 <a:rPr lang="en-US" altLang="ja-JP" sz="2000" b="0" i="1" smtClean="0">
                                   <a:latin typeface="Cambria Math" panose="02040503050406030204" pitchFamily="18" charset="0"/>
                                 </a:rPr>
-                                <m:t>−</m:t>
-                              </m:r>
-                              <m:r>
-                                <a:rPr lang="en-US" altLang="ja-JP" sz="2000" b="0" i="1" smtClean="0">
-                                  <a:latin typeface="Cambria Math" panose="02040503050406030204" pitchFamily="18" charset="0"/>
-                                </a:rPr>
-                                <m:t>1</m:t>
+                                <m:t>−1</m:t>
                               </m:r>
                             </m:sub>
                             <m:sup>
@@ -8660,16 +8616,7 @@
                             </a:solidFill>
                             <a:latin typeface="Cambria Math" panose="02040503050406030204" pitchFamily="18" charset="0"/>
                           </a:rPr>
-                          <m:t>+</m:t>
-                        </m:r>
-                        <m:r>
-                          <a:rPr lang="en-US" altLang="ja-JP" i="1">
-                            <a:solidFill>
-                              <a:srgbClr val="000000"/>
-                            </a:solidFill>
-                            <a:latin typeface="Cambria Math" panose="02040503050406030204" pitchFamily="18" charset="0"/>
-                          </a:rPr>
-                          <m:t>1</m:t>
+                          <m:t>+1</m:t>
                         </m:r>
                       </m:sup>
                     </m:sSubSup>
@@ -9119,13 +9066,7 @@
                             <a:rPr lang="en-US" altLang="ja-JP" sz="2000" i="1">
                               <a:latin typeface="Cambria Math" panose="02040503050406030204" pitchFamily="18" charset="0"/>
                             </a:rPr>
-                            <m:t>+</m:t>
-                          </m:r>
-                          <m:r>
-                            <a:rPr lang="en-US" altLang="ja-JP" sz="2000" i="1">
-                              <a:latin typeface="Cambria Math" panose="02040503050406030204" pitchFamily="18" charset="0"/>
-                            </a:rPr>
-                            <m:t>1</m:t>
+                            <m:t>+1</m:t>
                           </m:r>
                         </m:sup>
                       </m:sSubSup>
@@ -9220,13 +9161,7 @@
                                     <a:rPr lang="en-US" altLang="ja-JP" sz="2000" b="0" i="1" smtClean="0">
                                       <a:latin typeface="Cambria Math" panose="02040503050406030204" pitchFamily="18" charset="0"/>
                                     </a:rPr>
-                                    <m:t>+</m:t>
-                                  </m:r>
-                                  <m:r>
-                                    <a:rPr lang="en-US" altLang="ja-JP" sz="2000" b="0" i="1" smtClean="0">
-                                      <a:latin typeface="Cambria Math" panose="02040503050406030204" pitchFamily="18" charset="0"/>
-                                    </a:rPr>
-                                    <m:t>1</m:t>
+                                    <m:t>+1</m:t>
                                   </m:r>
                                   <m:r>
                                     <a:rPr lang="en-US" altLang="ja-JP" sz="2000" i="1">
@@ -9254,13 +9189,7 @@
                                 <a:rPr lang="en-US" altLang="ja-JP" sz="2000" b="0" i="1" smtClean="0">
                                   <a:latin typeface="Cambria Math" panose="02040503050406030204" pitchFamily="18" charset="0"/>
                                 </a:rPr>
-                                <m:t>−</m:t>
-                              </m:r>
-                              <m:r>
-                                <a:rPr lang="en-US" altLang="ja-JP" sz="2000" b="0" i="1" smtClean="0">
-                                  <a:latin typeface="Cambria Math" panose="02040503050406030204" pitchFamily="18" charset="0"/>
-                                </a:rPr>
-                                <m:t>2</m:t>
+                                <m:t>−2</m:t>
                               </m:r>
                               <m:sSubSup>
                                 <m:sSubSupPr>
@@ -9340,13 +9269,7 @@
                                     <a:rPr lang="en-US" altLang="ja-JP" sz="2000" b="0" i="1" smtClean="0">
                                       <a:latin typeface="Cambria Math" panose="02040503050406030204" pitchFamily="18" charset="0"/>
                                     </a:rPr>
-                                    <m:t>−</m:t>
-                                  </m:r>
-                                  <m:r>
-                                    <a:rPr lang="en-US" altLang="ja-JP" sz="2000" b="0" i="1" smtClean="0">
-                                      <a:latin typeface="Cambria Math" panose="02040503050406030204" pitchFamily="18" charset="0"/>
-                                    </a:rPr>
-                                    <m:t>1</m:t>
+                                    <m:t>−1</m:t>
                                   </m:r>
                                   <m:r>
                                     <a:rPr lang="en-US" altLang="ja-JP" sz="2000" i="1">
@@ -9460,13 +9383,7 @@
                                     <a:rPr lang="en-US" altLang="ja-JP" sz="2000" b="0" i="1" smtClean="0">
                                       <a:latin typeface="Cambria Math" panose="02040503050406030204" pitchFamily="18" charset="0"/>
                                     </a:rPr>
-                                    <m:t>+</m:t>
-                                  </m:r>
-                                  <m:r>
-                                    <a:rPr lang="en-US" altLang="ja-JP" sz="2000" b="0" i="1" smtClean="0">
-                                      <a:latin typeface="Cambria Math" panose="02040503050406030204" pitchFamily="18" charset="0"/>
-                                    </a:rPr>
-                                    <m:t>1</m:t>
+                                    <m:t>+1</m:t>
                                   </m:r>
                                 </m:sub>
                                 <m:sup>
@@ -9482,13 +9399,7 @@
                                 <a:rPr lang="en-US" altLang="ja-JP" sz="2000" i="1">
                                   <a:latin typeface="Cambria Math" panose="02040503050406030204" pitchFamily="18" charset="0"/>
                                 </a:rPr>
-                                <m:t>−</m:t>
-                              </m:r>
-                              <m:r>
-                                <a:rPr lang="en-US" altLang="ja-JP" sz="2000" i="1">
-                                  <a:latin typeface="Cambria Math" panose="02040503050406030204" pitchFamily="18" charset="0"/>
-                                </a:rPr>
-                                <m:t>2</m:t>
+                                <m:t>−2</m:t>
                               </m:r>
                               <m:sSubSup>
                                 <m:sSubSupPr>
@@ -9580,13 +9491,7 @@
                                     <a:rPr lang="en-US" altLang="ja-JP" sz="2000" b="0" i="1" smtClean="0">
                                       <a:latin typeface="Cambria Math" panose="02040503050406030204" pitchFamily="18" charset="0"/>
                                     </a:rPr>
-                                    <m:t>−</m:t>
-                                  </m:r>
-                                  <m:r>
-                                    <a:rPr lang="en-US" altLang="ja-JP" sz="2000" b="0" i="1" smtClean="0">
-                                      <a:latin typeface="Cambria Math" panose="02040503050406030204" pitchFamily="18" charset="0"/>
-                                    </a:rPr>
-                                    <m:t>1</m:t>
+                                    <m:t>−1</m:t>
                                   </m:r>
                                 </m:sub>
                                 <m:sup>
@@ -9717,19 +9622,7 @@
                         <a:rPr lang="en-US" altLang="ja-JP" sz="2000" b="0" i="1" smtClean="0">
                           <a:latin typeface="Cambria Math" panose="02040503050406030204" pitchFamily="18" charset="0"/>
                         </a:rPr>
-                        <m:t>−</m:t>
-                      </m:r>
-                      <m:r>
-                        <a:rPr lang="en-US" altLang="ja-JP" sz="2000" b="0" i="1" smtClean="0">
-                          <a:latin typeface="Cambria Math" panose="02040503050406030204" pitchFamily="18" charset="0"/>
-                        </a:rPr>
-                        <m:t>1</m:t>
-                      </m:r>
-                      <m:r>
-                        <a:rPr lang="en-US" altLang="ja-JP" sz="2000" b="0" i="1" smtClean="0">
-                          <a:latin typeface="Cambria Math" panose="02040503050406030204" pitchFamily="18" charset="0"/>
-                        </a:rPr>
-                        <m:t>)</m:t>
+                        <m:t>−1)</m:t>
                       </m:r>
                       <m:sSubSup>
                         <m:sSubSupPr>
@@ -10504,25 +10397,7 @@
                           </a:solidFill>
                           <a:latin typeface="Cambria Math" panose="02040503050406030204" pitchFamily="18" charset="0"/>
                         </a:rPr>
-                        <m:t>,</m:t>
-                      </m:r>
-                      <m:r>
-                        <a:rPr lang="en-US" sz="2400" b="0" i="1" smtClean="0">
-                          <a:solidFill>
-                            <a:srgbClr val="000000"/>
-                          </a:solidFill>
-                          <a:latin typeface="Cambria Math" panose="02040503050406030204" pitchFamily="18" charset="0"/>
-                        </a:rPr>
-                        <m:t>0</m:t>
-                      </m:r>
-                      <m:r>
-                        <a:rPr lang="en-US" sz="2400" b="0" i="1" smtClean="0">
-                          <a:solidFill>
-                            <a:srgbClr val="000000"/>
-                          </a:solidFill>
-                          <a:latin typeface="Cambria Math" panose="02040503050406030204" pitchFamily="18" charset="0"/>
-                        </a:rPr>
-                        <m:t>,</m:t>
+                        <m:t>,0,</m:t>
                       </m:r>
                       <m:r>
                         <a:rPr lang="ar-AE" sz="2400" i="1">
@@ -10540,16 +10415,7 @@
                           </a:solidFill>
                           <a:latin typeface="Cambria Math" panose="02040503050406030204" pitchFamily="18" charset="0"/>
                         </a:rPr>
-                        <m:t>)=−</m:t>
-                      </m:r>
-                      <m:r>
-                        <a:rPr lang="ar-AE" sz="2400" i="1">
-                          <a:solidFill>
-                            <a:srgbClr val="000000"/>
-                          </a:solidFill>
-                          <a:latin typeface="Cambria Math" panose="02040503050406030204" pitchFamily="18" charset="0"/>
-                        </a:rPr>
-                        <m:t>2</m:t>
+                        <m:t>)=−2</m:t>
                       </m:r>
                       <m:r>
                         <a:rPr lang="ar-AE" sz="2400" i="1">
@@ -10606,25 +10472,7 @@
                               </a:solidFill>
                               <a:latin typeface="Cambria Math" panose="02040503050406030204" pitchFamily="18" charset="0"/>
                             </a:rPr>
-                            <m:t>,</m:t>
-                          </m:r>
-                          <m:r>
-                            <a:rPr lang="en-US" sz="2400" b="0" i="1" smtClean="0">
-                              <a:solidFill>
-                                <a:srgbClr val="000000"/>
-                              </a:solidFill>
-                              <a:latin typeface="Cambria Math" panose="02040503050406030204" pitchFamily="18" charset="0"/>
-                            </a:rPr>
-                            <m:t>0</m:t>
-                          </m:r>
-                          <m:r>
-                            <a:rPr lang="en-US" sz="2400" b="0" i="1" smtClean="0">
-                              <a:solidFill>
-                                <a:srgbClr val="000000"/>
-                              </a:solidFill>
-                              <a:latin typeface="Cambria Math" panose="02040503050406030204" pitchFamily="18" charset="0"/>
-                            </a:rPr>
-                            <m:t>,</m:t>
+                            <m:t>,0,</m:t>
                           </m:r>
                           <m:r>
                             <a:rPr lang="ar-AE" sz="2400" i="1">
@@ -10705,16 +10553,7 @@
                               </a:solidFill>
                               <a:latin typeface="Cambria Math" panose="02040503050406030204" pitchFamily="18" charset="0"/>
                             </a:rPr>
-                            <m:t>1</m:t>
-                          </m:r>
-                          <m:r>
-                            <a:rPr lang="ar-AE" sz="2400" i="1">
-                              <a:solidFill>
-                                <a:srgbClr val="000000"/>
-                              </a:solidFill>
-                              <a:latin typeface="Cambria Math" panose="02040503050406030204" pitchFamily="18" charset="0"/>
-                            </a:rPr>
-                            <m:t>−</m:t>
+                            <m:t>1−</m:t>
                           </m:r>
                           <m:sSub>
                             <m:sSubPr>
@@ -11305,13 +11144,7 @@
                             <a:rPr lang="en-US" altLang="ja-JP" sz="2400" i="1">
                               <a:latin typeface="Cambria Math" panose="02040503050406030204" pitchFamily="18" charset="0"/>
                             </a:rPr>
-                            <m:t>,</m:t>
-                          </m:r>
-                          <m:r>
-                            <a:rPr lang="en-US" altLang="ja-JP" sz="2400" i="1">
-                              <a:latin typeface="Cambria Math" panose="02040503050406030204" pitchFamily="18" charset="0"/>
-                            </a:rPr>
-                            <m:t>1</m:t>
+                            <m:t>,1</m:t>
                           </m:r>
                         </m:sub>
                         <m:sup>
@@ -11330,16 +11163,7 @@
                           </a:solidFill>
                           <a:latin typeface="Cambria Math" panose="02040503050406030204" pitchFamily="18" charset="0"/>
                         </a:rPr>
-                        <m:t>=−</m:t>
-                      </m:r>
-                      <m:r>
-                        <a:rPr lang="ar-AE" sz="2400" i="1">
-                          <a:solidFill>
-                            <a:srgbClr val="000000"/>
-                          </a:solidFill>
-                          <a:latin typeface="Cambria Math" panose="02040503050406030204" pitchFamily="18" charset="0"/>
-                        </a:rPr>
-                        <m:t>2</m:t>
+                        <m:t>=−2</m:t>
                       </m:r>
                       <m:r>
                         <a:rPr lang="ar-AE" sz="2400" i="1">
@@ -11389,13 +11213,7 @@
                                 <a:rPr lang="en-US" altLang="ja-JP" sz="2400" i="1">
                                   <a:latin typeface="Cambria Math" panose="02040503050406030204" pitchFamily="18" charset="0"/>
                                 </a:rPr>
-                                <m:t>,</m:t>
-                              </m:r>
-                              <m:r>
-                                <a:rPr lang="en-US" altLang="ja-JP" sz="2400" i="1">
-                                  <a:latin typeface="Cambria Math" panose="02040503050406030204" pitchFamily="18" charset="0"/>
-                                </a:rPr>
-                                <m:t>1</m:t>
+                                <m:t>,1</m:t>
                               </m:r>
                             </m:sub>
                             <m:sup>
@@ -11440,13 +11258,7 @@
                                 <a:rPr lang="en-US" altLang="ja-JP" sz="2400" i="1">
                                   <a:latin typeface="Cambria Math" panose="02040503050406030204" pitchFamily="18" charset="0"/>
                                 </a:rPr>
-                                <m:t>,</m:t>
-                              </m:r>
-                              <m:r>
-                                <a:rPr lang="en-US" altLang="ja-JP" sz="2400" i="1">
-                                  <a:latin typeface="Cambria Math" panose="02040503050406030204" pitchFamily="18" charset="0"/>
-                                </a:rPr>
-                                <m:t>2</m:t>
+                                <m:t>,2</m:t>
                               </m:r>
                             </m:sub>
                             <m:sup>
@@ -11521,16 +11333,7 @@
                               </a:solidFill>
                               <a:latin typeface="Cambria Math" panose="02040503050406030204" pitchFamily="18" charset="0"/>
                             </a:rPr>
-                            <m:t>1</m:t>
-                          </m:r>
-                          <m:r>
-                            <a:rPr lang="ar-AE" sz="2400" i="1">
-                              <a:solidFill>
-                                <a:srgbClr val="000000"/>
-                              </a:solidFill>
-                              <a:latin typeface="Cambria Math" panose="02040503050406030204" pitchFamily="18" charset="0"/>
-                            </a:rPr>
-                            <m:t>−</m:t>
+                            <m:t>1−</m:t>
                           </m:r>
                           <m:sSub>
                             <m:sSubPr>
@@ -11743,25 +11546,7 @@
                         </a:solidFill>
                         <a:latin typeface="Cambria Math" panose="02040503050406030204" pitchFamily="18" charset="0"/>
                       </a:rPr>
-                      <m:t>,</m:t>
-                    </m:r>
-                    <m:r>
-                      <a:rPr lang="en-US" altLang="ja-JP" i="1">
-                        <a:solidFill>
-                          <a:srgbClr val="000000"/>
-                        </a:solidFill>
-                        <a:latin typeface="Cambria Math" panose="02040503050406030204" pitchFamily="18" charset="0"/>
-                      </a:rPr>
-                      <m:t>0</m:t>
-                    </m:r>
-                    <m:r>
-                      <a:rPr lang="en-US" altLang="ja-JP" i="1">
-                        <a:solidFill>
-                          <a:srgbClr val="000000"/>
-                        </a:solidFill>
-                        <a:latin typeface="Cambria Math" panose="02040503050406030204" pitchFamily="18" charset="0"/>
-                      </a:rPr>
-                      <m:t>,</m:t>
+                      <m:t>,0,</m:t>
                     </m:r>
                     <m:r>
                       <a:rPr lang="ar-AE" altLang="ja-JP" i="1">
@@ -11828,16 +11613,7 @@
                             </a:solidFill>
                             <a:latin typeface="Cambria Math" panose="02040503050406030204" pitchFamily="18" charset="0"/>
                           </a:rPr>
-                          <m:t>,</m:t>
-                        </m:r>
-                        <m:r>
-                          <a:rPr lang="en-US" altLang="ja-JP" b="0" i="1" smtClean="0">
-                            <a:solidFill>
-                              <a:srgbClr val="000000"/>
-                            </a:solidFill>
-                            <a:latin typeface="Cambria Math" panose="02040503050406030204" pitchFamily="18" charset="0"/>
-                          </a:rPr>
-                          <m:t>1</m:t>
+                          <m:t>,1</m:t>
                         </m:r>
                       </m:sub>
                       <m:sup>
@@ -11895,25 +11671,7 @@
                         </a:solidFill>
                         <a:latin typeface="Cambria Math" panose="02040503050406030204" pitchFamily="18" charset="0"/>
                       </a:rPr>
-                      <m:t>,</m:t>
-                    </m:r>
-                    <m:r>
-                      <a:rPr lang="en-US" altLang="ja-JP" b="0" i="1" smtClean="0">
-                        <a:solidFill>
-                          <a:srgbClr val="000000"/>
-                        </a:solidFill>
-                        <a:latin typeface="Cambria Math" panose="02040503050406030204" pitchFamily="18" charset="0"/>
-                      </a:rPr>
-                      <m:t>0</m:t>
-                    </m:r>
-                    <m:r>
-                      <a:rPr lang="en-US" altLang="ja-JP" b="0" i="1" smtClean="0">
-                        <a:solidFill>
-                          <a:srgbClr val="000000"/>
-                        </a:solidFill>
-                        <a:latin typeface="Cambria Math" panose="02040503050406030204" pitchFamily="18" charset="0"/>
-                      </a:rPr>
-                      <m:t>,</m:t>
+                      <m:t>,0,</m:t>
                     </m:r>
                     <m:r>
                       <a:rPr lang="en-US" altLang="ja-JP" b="0" i="1" smtClean="0">
@@ -11985,19 +11743,7 @@
                           <a:rPr kumimoji="1" lang="en-US" altLang="ja-JP" b="0" i="1" dirty="0" smtClean="0">
                             <a:latin typeface="Cambria Math" panose="02040503050406030204" pitchFamily="18" charset="0"/>
                           </a:rPr>
-                          <m:t>,</m:t>
-                        </m:r>
-                        <m:r>
-                          <a:rPr kumimoji="1" lang="en-US" altLang="ja-JP" b="0" i="1" dirty="0" smtClean="0">
-                            <a:latin typeface="Cambria Math" panose="02040503050406030204" pitchFamily="18" charset="0"/>
-                          </a:rPr>
-                          <m:t>0</m:t>
-                        </m:r>
-                        <m:r>
-                          <a:rPr kumimoji="1" lang="en-US" altLang="ja-JP" b="0" i="1" dirty="0" smtClean="0">
-                            <a:latin typeface="Cambria Math" panose="02040503050406030204" pitchFamily="18" charset="0"/>
-                          </a:rPr>
-                          <m:t>,</m:t>
+                          <m:t>,0,</m:t>
                         </m:r>
                         <m:r>
                           <a:rPr kumimoji="1" lang="en-US" altLang="ja-JP" b="0" i="1" dirty="0" smtClean="0">
@@ -12110,19 +11856,7 @@
                           <a:rPr lang="en-US" altLang="ja-JP" i="1" dirty="0">
                             <a:latin typeface="Cambria Math" panose="02040503050406030204" pitchFamily="18" charset="0"/>
                           </a:rPr>
-                          <m:t>,</m:t>
-                        </m:r>
-                        <m:r>
-                          <a:rPr lang="en-US" altLang="ja-JP" i="1" dirty="0">
-                            <a:latin typeface="Cambria Math" panose="02040503050406030204" pitchFamily="18" charset="0"/>
-                          </a:rPr>
-                          <m:t>0</m:t>
-                        </m:r>
-                        <m:r>
-                          <a:rPr lang="en-US" altLang="ja-JP" i="1" dirty="0">
-                            <a:latin typeface="Cambria Math" panose="02040503050406030204" pitchFamily="18" charset="0"/>
-                          </a:rPr>
-                          <m:t>,</m:t>
+                          <m:t>,0,</m:t>
                         </m:r>
                         <m:r>
                           <a:rPr lang="en-US" altLang="ja-JP" i="1" dirty="0">
@@ -12266,16 +12000,7 @@
                             </a:solidFill>
                             <a:latin typeface="Cambria Math" panose="02040503050406030204" pitchFamily="18" charset="0"/>
                           </a:rPr>
-                          <m:t>,</m:t>
-                        </m:r>
-                        <m:r>
-                          <a:rPr lang="en-US" altLang="ja-JP" b="0" i="1" smtClean="0">
-                            <a:solidFill>
-                              <a:srgbClr val="000000"/>
-                            </a:solidFill>
-                            <a:latin typeface="Cambria Math" panose="02040503050406030204" pitchFamily="18" charset="0"/>
-                          </a:rPr>
-                          <m:t>1</m:t>
+                          <m:t>,1</m:t>
                         </m:r>
                       </m:sub>
                       <m:sup>
@@ -12710,13 +12435,7 @@
                             <a:rPr lang="en-US" altLang="ja-JP" sz="2400" i="1">
                               <a:latin typeface="Cambria Math" panose="02040503050406030204" pitchFamily="18" charset="0"/>
                             </a:rPr>
-                            <m:t>,</m:t>
-                          </m:r>
-                          <m:r>
-                            <a:rPr lang="en-US" altLang="ja-JP" sz="2400" i="1">
-                              <a:latin typeface="Cambria Math" panose="02040503050406030204" pitchFamily="18" charset="0"/>
-                            </a:rPr>
-                            <m:t>1</m:t>
+                            <m:t>,1</m:t>
                           </m:r>
                         </m:sub>
                         <m:sup>
@@ -12858,13 +12577,7 @@
                                 <a:rPr lang="en-US" altLang="ja-JP" sz="2400" i="1">
                                   <a:latin typeface="Cambria Math" panose="02040503050406030204" pitchFamily="18" charset="0"/>
                                 </a:rPr>
-                                <m:t>,</m:t>
-                              </m:r>
-                              <m:r>
-                                <a:rPr lang="en-US" altLang="ja-JP" sz="2400" i="1">
-                                  <a:latin typeface="Cambria Math" panose="02040503050406030204" pitchFamily="18" charset="0"/>
-                                </a:rPr>
-                                <m:t>2</m:t>
+                                <m:t>,2</m:t>
                               </m:r>
                             </m:sub>
                             <m:sup>
@@ -12917,13 +12630,7 @@
                                 <a:rPr lang="ar-AE" altLang="ja-JP" sz="2400" i="1">
                                   <a:latin typeface="Cambria Math" panose="02040503050406030204" pitchFamily="18" charset="0"/>
                                 </a:rPr>
-                                <m:t>1</m:t>
-                              </m:r>
-                              <m:r>
-                                <a:rPr lang="ar-AE" altLang="ja-JP" sz="2400" i="1">
-                                  <a:latin typeface="Cambria Math" panose="02040503050406030204" pitchFamily="18" charset="0"/>
-                                </a:rPr>
-                                <m:t>−</m:t>
+                                <m:t>1−</m:t>
                               </m:r>
                               <m:sSub>
                                 <m:sSubPr>
@@ -13586,16 +13293,7 @@
                           </a:solidFill>
                           <a:latin typeface="Cambria Math" panose="02040503050406030204" pitchFamily="18" charset="0"/>
                         </a:rPr>
-                        <m:t>)=−</m:t>
-                      </m:r>
-                      <m:r>
-                        <a:rPr lang="ar-AE" sz="2400" i="1">
-                          <a:solidFill>
-                            <a:srgbClr val="000000"/>
-                          </a:solidFill>
-                          <a:latin typeface="Cambria Math" panose="02040503050406030204" pitchFamily="18" charset="0"/>
-                        </a:rPr>
-                        <m:t>2</m:t>
+                        <m:t>)=−2</m:t>
                       </m:r>
                       <m:r>
                         <a:rPr lang="ar-AE" sz="2400" i="1">
@@ -14704,16 +14402,7 @@
                           </a:solidFill>
                           <a:latin typeface="Cambria Math" panose="02040503050406030204" pitchFamily="18" charset="0"/>
                         </a:rPr>
-                        <m:t>−</m:t>
-                      </m:r>
-                      <m:r>
-                        <a:rPr lang="ar-AE" sz="2400" i="1">
-                          <a:solidFill>
-                            <a:srgbClr val="000000"/>
-                          </a:solidFill>
-                          <a:latin typeface="Cambria Math" panose="02040503050406030204" pitchFamily="18" charset="0"/>
-                        </a:rPr>
-                        <m:t>2</m:t>
+                        <m:t>−2</m:t>
                       </m:r>
                       <m:r>
                         <a:rPr lang="ar-AE" sz="2400" i="1">
@@ -14826,13 +14515,7 @@
                                 <a:rPr lang="en-US" altLang="ja-JP" sz="2400" b="0" i="1" smtClean="0">
                                   <a:latin typeface="Cambria Math" panose="02040503050406030204" pitchFamily="18" charset="0"/>
                                 </a:rPr>
-                                <m:t>−</m:t>
-                              </m:r>
-                              <m:r>
-                                <a:rPr lang="en-US" altLang="ja-JP" sz="2400" b="0" i="1" smtClean="0">
-                                  <a:latin typeface="Cambria Math" panose="02040503050406030204" pitchFamily="18" charset="0"/>
-                                </a:rPr>
-                                <m:t>1</m:t>
+                                <m:t>−1</m:t>
                               </m:r>
                             </m:sub>
                             <m:sup>
@@ -15585,13 +15268,7 @@
                             <a:rPr lang="en-US" altLang="ja-JP" sz="2400" i="1">
                               <a:latin typeface="Cambria Math" panose="02040503050406030204" pitchFamily="18" charset="0"/>
                             </a:rPr>
-                            <m:t>−</m:t>
-                          </m:r>
-                          <m:r>
-                            <a:rPr lang="en-US" altLang="ja-JP" sz="2400" i="1">
-                              <a:latin typeface="Cambria Math" panose="02040503050406030204" pitchFamily="18" charset="0"/>
-                            </a:rPr>
-                            <m:t>1</m:t>
+                            <m:t>−1</m:t>
                           </m:r>
                         </m:sub>
                         <m:sup>
@@ -15802,13 +15479,7 @@
                             <a:rPr lang="en-US" altLang="ja-JP" i="1">
                               <a:latin typeface="Cambria Math" panose="02040503050406030204" pitchFamily="18" charset="0"/>
                             </a:rPr>
-                            <m:t>+</m:t>
-                          </m:r>
-                          <m:r>
-                            <a:rPr lang="en-US" altLang="ja-JP" i="1">
-                              <a:latin typeface="Cambria Math" panose="02040503050406030204" pitchFamily="18" charset="0"/>
-                            </a:rPr>
-                            <m:t>1</m:t>
+                            <m:t>+1</m:t>
                           </m:r>
                         </m:sup>
                       </m:sSubSup>
@@ -15980,19 +15651,7 @@
                                 <a:rPr lang="en-US" altLang="ja-JP" i="1">
                                   <a:latin typeface="Cambria Math" panose="02040503050406030204" pitchFamily="18" charset="0"/>
                                 </a:rPr>
-                                <m:t>+</m:t>
-                              </m:r>
-                              <m:r>
-                                <a:rPr lang="en-US" altLang="ja-JP" i="1">
-                                  <a:latin typeface="Cambria Math" panose="02040503050406030204" pitchFamily="18" charset="0"/>
-                                </a:rPr>
-                                <m:t>1</m:t>
-                              </m:r>
-                              <m:r>
-                                <a:rPr lang="en-US" altLang="ja-JP" i="1">
-                                  <a:latin typeface="Cambria Math" panose="02040503050406030204" pitchFamily="18" charset="0"/>
-                                </a:rPr>
-                                <m:t>,</m:t>
+                                <m:t>+1,</m:t>
                               </m:r>
                               <m:r>
                                 <a:rPr lang="en-US" altLang="ja-JP" i="1">
@@ -16014,13 +15673,7 @@
                             <a:rPr lang="en-US" altLang="ja-JP" i="1">
                               <a:latin typeface="Cambria Math" panose="02040503050406030204" pitchFamily="18" charset="0"/>
                             </a:rPr>
-                            <m:t>−</m:t>
-                          </m:r>
-                          <m:r>
-                            <a:rPr lang="en-US" altLang="ja-JP" i="1">
-                              <a:latin typeface="Cambria Math" panose="02040503050406030204" pitchFamily="18" charset="0"/>
-                            </a:rPr>
-                            <m:t>2</m:t>
+                            <m:t>−2</m:t>
                           </m:r>
                           <m:sSubSup>
                             <m:sSubSupPr>
@@ -16100,19 +15753,7 @@
                                 <a:rPr lang="en-US" altLang="ja-JP" i="1">
                                   <a:latin typeface="Cambria Math" panose="02040503050406030204" pitchFamily="18" charset="0"/>
                                 </a:rPr>
-                                <m:t>−</m:t>
-                              </m:r>
-                              <m:r>
-                                <a:rPr lang="en-US" altLang="ja-JP" i="1">
-                                  <a:latin typeface="Cambria Math" panose="02040503050406030204" pitchFamily="18" charset="0"/>
-                                </a:rPr>
-                                <m:t>1</m:t>
-                              </m:r>
-                              <m:r>
-                                <a:rPr lang="en-US" altLang="ja-JP" i="1">
-                                  <a:latin typeface="Cambria Math" panose="02040503050406030204" pitchFamily="18" charset="0"/>
-                                </a:rPr>
-                                <m:t>,</m:t>
+                                <m:t>−1,</m:t>
                               </m:r>
                               <m:r>
                                 <a:rPr lang="en-US" altLang="ja-JP" i="1">
@@ -16222,13 +15863,7 @@
                                 <a:rPr lang="en-US" altLang="ja-JP" i="1">
                                   <a:latin typeface="Cambria Math" panose="02040503050406030204" pitchFamily="18" charset="0"/>
                                 </a:rPr>
-                                <m:t>+</m:t>
-                              </m:r>
-                              <m:r>
-                                <a:rPr lang="en-US" altLang="ja-JP" i="1">
-                                  <a:latin typeface="Cambria Math" panose="02040503050406030204" pitchFamily="18" charset="0"/>
-                                </a:rPr>
-                                <m:t>1</m:t>
+                                <m:t>+1</m:t>
                               </m:r>
                             </m:sub>
                             <m:sup>
@@ -16244,13 +15879,7 @@
                             <a:rPr lang="en-US" altLang="ja-JP" i="1">
                               <a:latin typeface="Cambria Math" panose="02040503050406030204" pitchFamily="18" charset="0"/>
                             </a:rPr>
-                            <m:t>−</m:t>
-                          </m:r>
-                          <m:r>
-                            <a:rPr lang="en-US" altLang="ja-JP" i="1">
-                              <a:latin typeface="Cambria Math" panose="02040503050406030204" pitchFamily="18" charset="0"/>
-                            </a:rPr>
-                            <m:t>2</m:t>
+                            <m:t>−2</m:t>
                           </m:r>
                           <m:sSubSup>
                             <m:sSubSupPr>
@@ -16342,13 +15971,7 @@
                                 <a:rPr lang="en-US" altLang="ja-JP" i="1">
                                   <a:latin typeface="Cambria Math" panose="02040503050406030204" pitchFamily="18" charset="0"/>
                                 </a:rPr>
-                                <m:t>−</m:t>
-                              </m:r>
-                              <m:r>
-                                <a:rPr lang="en-US" altLang="ja-JP" i="1">
-                                  <a:latin typeface="Cambria Math" panose="02040503050406030204" pitchFamily="18" charset="0"/>
-                                </a:rPr>
-                                <m:t>1</m:t>
+                                <m:t>−1</m:t>
                               </m:r>
                             </m:sub>
                             <m:sup>
@@ -16443,19 +16066,7 @@
                         <a:rPr lang="en-US" altLang="ja-JP" i="1">
                           <a:latin typeface="Cambria Math" panose="02040503050406030204" pitchFamily="18" charset="0"/>
                         </a:rPr>
-                        <m:t>−</m:t>
-                      </m:r>
-                      <m:r>
-                        <a:rPr lang="en-US" altLang="ja-JP" i="1">
-                          <a:latin typeface="Cambria Math" panose="02040503050406030204" pitchFamily="18" charset="0"/>
-                        </a:rPr>
-                        <m:t>1</m:t>
-                      </m:r>
-                      <m:r>
-                        <a:rPr lang="en-US" altLang="ja-JP" i="1">
-                          <a:latin typeface="Cambria Math" panose="02040503050406030204" pitchFamily="18" charset="0"/>
-                        </a:rPr>
-                        <m:t>)</m:t>
+                        <m:t>−1)</m:t>
                       </m:r>
                       <m:sSubSup>
                         <m:sSubSupPr>
@@ -16639,13 +16250,7 @@
                             <a:rPr lang="en-US" altLang="ja-JP" i="1">
                               <a:latin typeface="Cambria Math" panose="02040503050406030204" pitchFamily="18" charset="0"/>
                             </a:rPr>
-                            <m:t>+</m:t>
-                          </m:r>
-                          <m:r>
-                            <a:rPr lang="en-US" altLang="ja-JP" i="1">
-                              <a:latin typeface="Cambria Math" panose="02040503050406030204" pitchFamily="18" charset="0"/>
-                            </a:rPr>
-                            <m:t>1</m:t>
+                            <m:t>+1</m:t>
                           </m:r>
                         </m:sup>
                       </m:sSubSup>
@@ -16771,19 +16376,7 @@
                                 <a:rPr lang="en-US" altLang="ja-JP" i="1">
                                   <a:latin typeface="Cambria Math" panose="02040503050406030204" pitchFamily="18" charset="0"/>
                                 </a:rPr>
-                                <m:t>+</m:t>
-                              </m:r>
-                              <m:r>
-                                <a:rPr lang="en-US" altLang="ja-JP" i="1">
-                                  <a:latin typeface="Cambria Math" panose="02040503050406030204" pitchFamily="18" charset="0"/>
-                                </a:rPr>
-                                <m:t>1</m:t>
-                              </m:r>
-                              <m:r>
-                                <a:rPr lang="en-US" altLang="ja-JP" i="1">
-                                  <a:latin typeface="Cambria Math" panose="02040503050406030204" pitchFamily="18" charset="0"/>
-                                </a:rPr>
-                                <m:t>,</m:t>
+                                <m:t>+1,</m:t>
                               </m:r>
                               <m:r>
                                 <a:rPr lang="en-US" altLang="ja-JP" i="1">
@@ -16834,19 +16427,7 @@
                                 <a:rPr lang="en-US" altLang="ja-JP" i="1">
                                   <a:latin typeface="Cambria Math" panose="02040503050406030204" pitchFamily="18" charset="0"/>
                                 </a:rPr>
-                                <m:t>−</m:t>
-                              </m:r>
-                              <m:r>
-                                <a:rPr lang="en-US" altLang="ja-JP" i="1">
-                                  <a:latin typeface="Cambria Math" panose="02040503050406030204" pitchFamily="18" charset="0"/>
-                                </a:rPr>
-                                <m:t>1</m:t>
-                              </m:r>
-                              <m:r>
-                                <a:rPr lang="en-US" altLang="ja-JP" i="1">
-                                  <a:latin typeface="Cambria Math" panose="02040503050406030204" pitchFamily="18" charset="0"/>
-                                </a:rPr>
-                                <m:t>,</m:t>
+                                <m:t>−1,</m:t>
                               </m:r>
                               <m:r>
                                 <a:rPr lang="en-US" altLang="ja-JP" i="1">
@@ -16962,13 +16543,7 @@
                                 <a:rPr lang="en-US" altLang="ja-JP" i="1">
                                   <a:latin typeface="Cambria Math" panose="02040503050406030204" pitchFamily="18" charset="0"/>
                                 </a:rPr>
-                                <m:t>+</m:t>
-                              </m:r>
-                              <m:r>
-                                <a:rPr lang="en-US" altLang="ja-JP" i="1">
-                                  <a:latin typeface="Cambria Math" panose="02040503050406030204" pitchFamily="18" charset="0"/>
-                                </a:rPr>
-                                <m:t>1</m:t>
+                                <m:t>+1</m:t>
                               </m:r>
                             </m:sub>
                             <m:sup>
@@ -17025,13 +16600,7 @@
                                 <a:rPr lang="en-US" altLang="ja-JP" i="1">
                                   <a:latin typeface="Cambria Math" panose="02040503050406030204" pitchFamily="18" charset="0"/>
                                 </a:rPr>
-                                <m:t>−</m:t>
-                              </m:r>
-                              <m:r>
-                                <a:rPr lang="en-US" altLang="ja-JP" i="1">
-                                  <a:latin typeface="Cambria Math" panose="02040503050406030204" pitchFamily="18" charset="0"/>
-                                </a:rPr>
-                                <m:t>1</m:t>
+                                <m:t>−1</m:t>
                               </m:r>
                             </m:sub>
                             <m:sup>
@@ -17072,13 +16641,7 @@
                             <a:rPr lang="en-US" altLang="ja-JP" i="1">
                               <a:latin typeface="Cambria Math" panose="02040503050406030204" pitchFamily="18" charset="0"/>
                             </a:rPr>
-                            <m:t>1</m:t>
-                          </m:r>
-                          <m:r>
-                            <a:rPr lang="en-US" altLang="ja-JP" i="1">
-                              <a:latin typeface="Cambria Math" panose="02040503050406030204" pitchFamily="18" charset="0"/>
-                            </a:rPr>
-                            <m:t>−</m:t>
+                            <m:t>1−</m:t>
                           </m:r>
                           <m:f>
                             <m:fPr>
@@ -18627,13 +18190,7 @@
                             <a:rPr lang="en-US" altLang="ja-JP" i="1">
                               <a:latin typeface="Cambria Math" panose="02040503050406030204" pitchFamily="18" charset="0"/>
                             </a:rPr>
-                            <m:t>+</m:t>
-                          </m:r>
-                          <m:r>
-                            <a:rPr lang="en-US" altLang="ja-JP" i="1">
-                              <a:latin typeface="Cambria Math" panose="02040503050406030204" pitchFamily="18" charset="0"/>
-                            </a:rPr>
-                            <m:t>1</m:t>
+                            <m:t>+1</m:t>
                           </m:r>
                         </m:sup>
                       </m:sSubSup>
@@ -18759,19 +18316,7 @@
                                 <a:rPr lang="en-US" altLang="ja-JP" i="1">
                                   <a:latin typeface="Cambria Math" panose="02040503050406030204" pitchFamily="18" charset="0"/>
                                 </a:rPr>
-                                <m:t>+</m:t>
-                              </m:r>
-                              <m:r>
-                                <a:rPr lang="en-US" altLang="ja-JP" i="1">
-                                  <a:latin typeface="Cambria Math" panose="02040503050406030204" pitchFamily="18" charset="0"/>
-                                </a:rPr>
-                                <m:t>1</m:t>
-                              </m:r>
-                              <m:r>
-                                <a:rPr lang="en-US" altLang="ja-JP" i="1">
-                                  <a:latin typeface="Cambria Math" panose="02040503050406030204" pitchFamily="18" charset="0"/>
-                                </a:rPr>
-                                <m:t>,</m:t>
+                                <m:t>+1,</m:t>
                               </m:r>
                               <m:r>
                                 <a:rPr lang="en-US" altLang="ja-JP" i="1">
@@ -18822,19 +18367,7 @@
                                 <a:rPr lang="en-US" altLang="ja-JP" i="1">
                                   <a:latin typeface="Cambria Math" panose="02040503050406030204" pitchFamily="18" charset="0"/>
                                 </a:rPr>
-                                <m:t>−</m:t>
-                              </m:r>
-                              <m:r>
-                                <a:rPr lang="en-US" altLang="ja-JP" i="1">
-                                  <a:latin typeface="Cambria Math" panose="02040503050406030204" pitchFamily="18" charset="0"/>
-                                </a:rPr>
-                                <m:t>1</m:t>
-                              </m:r>
-                              <m:r>
-                                <a:rPr lang="en-US" altLang="ja-JP" i="1">
-                                  <a:latin typeface="Cambria Math" panose="02040503050406030204" pitchFamily="18" charset="0"/>
-                                </a:rPr>
-                                <m:t>,</m:t>
+                                <m:t>−1,</m:t>
                               </m:r>
                               <m:r>
                                 <a:rPr lang="en-US" altLang="ja-JP" i="1">
@@ -18950,13 +18483,7 @@
                                 <a:rPr lang="en-US" altLang="ja-JP" i="1">
                                   <a:latin typeface="Cambria Math" panose="02040503050406030204" pitchFamily="18" charset="0"/>
                                 </a:rPr>
-                                <m:t>+</m:t>
-                              </m:r>
-                              <m:r>
-                                <a:rPr lang="en-US" altLang="ja-JP" i="1">
-                                  <a:latin typeface="Cambria Math" panose="02040503050406030204" pitchFamily="18" charset="0"/>
-                                </a:rPr>
-                                <m:t>1</m:t>
+                                <m:t>+1</m:t>
                               </m:r>
                             </m:sub>
                             <m:sup>
@@ -19013,13 +18540,7 @@
                                 <a:rPr lang="en-US" altLang="ja-JP" i="1">
                                   <a:latin typeface="Cambria Math" panose="02040503050406030204" pitchFamily="18" charset="0"/>
                                 </a:rPr>
-                                <m:t>−</m:t>
-                              </m:r>
-                              <m:r>
-                                <a:rPr lang="en-US" altLang="ja-JP" i="1">
-                                  <a:latin typeface="Cambria Math" panose="02040503050406030204" pitchFamily="18" charset="0"/>
-                                </a:rPr>
-                                <m:t>1</m:t>
+                                <m:t>−1</m:t>
                               </m:r>
                             </m:sub>
                             <m:sup>
@@ -19060,13 +18581,7 @@
                             <a:rPr lang="en-US" altLang="ja-JP" i="1">
                               <a:latin typeface="Cambria Math" panose="02040503050406030204" pitchFamily="18" charset="0"/>
                             </a:rPr>
-                            <m:t>1</m:t>
-                          </m:r>
-                          <m:r>
-                            <a:rPr lang="en-US" altLang="ja-JP" i="1">
-                              <a:latin typeface="Cambria Math" panose="02040503050406030204" pitchFamily="18" charset="0"/>
-                            </a:rPr>
-                            <m:t>−</m:t>
+                            <m:t>1−</m:t>
                           </m:r>
                           <m:f>
                             <m:fPr>
@@ -19870,13 +19385,7 @@
                       <a:rPr kumimoji="1" lang="en-US" altLang="ja-JP" b="0" i="1" smtClean="0">
                         <a:latin typeface="Cambria Math" panose="02040503050406030204" pitchFamily="18" charset="0"/>
                       </a:rPr>
-                      <m:t>&lt;</m:t>
-                    </m:r>
-                    <m:r>
-                      <a:rPr kumimoji="1" lang="en-US" altLang="ja-JP" b="0" i="1" smtClean="0">
-                        <a:latin typeface="Cambria Math" panose="02040503050406030204" pitchFamily="18" charset="0"/>
-                      </a:rPr>
-                      <m:t>1</m:t>
+                      <m:t>&lt;1</m:t>
                     </m:r>
                   </m:oMath>
                 </a14:m>
@@ -19973,13 +19482,7 @@
                       <a:rPr lang="en-US" altLang="ja-JP" i="1" smtClean="0">
                         <a:latin typeface="Cambria Math" panose="02040503050406030204" pitchFamily="18" charset="0"/>
                       </a:rPr>
-                      <m:t>1</m:t>
-                    </m:r>
-                    <m:r>
-                      <a:rPr lang="en-US" altLang="ja-JP" i="1" smtClean="0">
-                        <a:latin typeface="Cambria Math" panose="02040503050406030204" pitchFamily="18" charset="0"/>
-                      </a:rPr>
-                      <m:t>−</m:t>
+                      <m:t>1−</m:t>
                     </m:r>
                     <m:f>
                       <m:fPr>
@@ -20186,13 +19689,7 @@
                       <a:rPr lang="en-US" altLang="ja-JP" b="0" i="1" smtClean="0">
                         <a:latin typeface="Cambria Math" panose="02040503050406030204" pitchFamily="18" charset="0"/>
                       </a:rPr>
-                      <m:t>&gt;</m:t>
-                    </m:r>
-                    <m:r>
-                      <a:rPr lang="en-US" altLang="ja-JP" b="0" i="1" smtClean="0">
-                        <a:latin typeface="Cambria Math" panose="02040503050406030204" pitchFamily="18" charset="0"/>
-                      </a:rPr>
-                      <m:t>0</m:t>
+                      <m:t>&gt;0</m:t>
                     </m:r>
                   </m:oMath>
                 </a14:m>
@@ -21356,7 +20853,7 @@
 </file>
 
 <file path=ppt/slides/slide19.xml><?xml version="1.0" encoding="utf-8"?>
-<p:sld xmlns:a="http://schemas.openxmlformats.org/drawingml/2006/main" xmlns:r="http://schemas.openxmlformats.org/officeDocument/2006/relationships" xmlns:p="http://schemas.openxmlformats.org/presentationml/2006/main" show="0">
+<p:sld xmlns:a="http://schemas.openxmlformats.org/drawingml/2006/main" xmlns:r="http://schemas.openxmlformats.org/officeDocument/2006/relationships" xmlns:p="http://schemas.openxmlformats.org/presentationml/2006/main">
   <p:cSld>
     <p:spTree>
       <p:nvGrpSpPr>
@@ -24583,7 +24080,7 @@
 </file>
 
 <file path=ppt/slides/slide20.xml><?xml version="1.0" encoding="utf-8"?>
-<p:sld xmlns:a="http://schemas.openxmlformats.org/drawingml/2006/main" xmlns:r="http://schemas.openxmlformats.org/officeDocument/2006/relationships" xmlns:p="http://schemas.openxmlformats.org/presentationml/2006/main" show="0">
+<p:sld xmlns:a="http://schemas.openxmlformats.org/drawingml/2006/main" xmlns:r="http://schemas.openxmlformats.org/officeDocument/2006/relationships" xmlns:p="http://schemas.openxmlformats.org/presentationml/2006/main">
   <p:cSld>
     <p:spTree>
       <p:nvGrpSpPr>
@@ -24621,234 +24118,15 @@
           <a:lstStyle/>
           <a:p>
             <a:r>
-              <a:rPr lang="ja-JP" altLang="en-US" dirty="0"/>
-              <a:t>関係式の導出</a:t>
+              <a:rPr kumimoji="1" lang="ja-JP" altLang="en-US"/>
+              <a:t>光路長分布の導出</a:t>
             </a:r>
             <a:endParaRPr kumimoji="1" lang="ja-JP" altLang="en-US" dirty="0"/>
           </a:p>
         </p:txBody>
       </p:sp>
-      <p:sp>
-        <p:nvSpPr>
-          <p:cNvPr id="4" name="テキスト ボックス 3">
-            <a:extLst>
-              <a:ext uri="{FF2B5EF4-FFF2-40B4-BE49-F238E27FC236}">
-                <a16:creationId xmlns:a16="http://schemas.microsoft.com/office/drawing/2014/main" id="{A7F3C307-B20E-F6ED-2980-BA8D16BF0200}"/>
-              </a:ext>
-            </a:extLst>
-          </p:cNvPr>
-          <p:cNvSpPr txBox="1"/>
-          <p:nvPr/>
-        </p:nvSpPr>
-        <p:spPr>
-          <a:xfrm>
-            <a:off x="914400" y="1602658"/>
-            <a:ext cx="9379974" cy="369332"/>
-          </a:xfrm>
-          <a:prstGeom prst="rect">
-            <a:avLst/>
-          </a:prstGeom>
-          <a:noFill/>
-        </p:spPr>
-        <p:txBody>
-          <a:bodyPr wrap="square" rtlCol="0">
-            <a:spAutoFit/>
-          </a:bodyPr>
-          <a:lstStyle/>
-          <a:p>
-            <a:r>
-              <a:rPr kumimoji="1" lang="en-US" altLang="ja-JP" dirty="0"/>
-              <a:t>Beer-Lambert</a:t>
-            </a:r>
-            <a:r>
-              <a:rPr lang="ja-JP" altLang="en-US" dirty="0"/>
-              <a:t>則</a:t>
-            </a:r>
-            <a:endParaRPr kumimoji="1" lang="ja-JP" altLang="en-US" dirty="0"/>
-          </a:p>
-        </p:txBody>
-      </p:sp>
-      <mc:AlternateContent xmlns:mc="http://schemas.openxmlformats.org/markup-compatibility/2006" xmlns:a14="http://schemas.microsoft.com/office/drawing/2010/main">
-        <mc:Choice Requires="a14">
-          <p:sp>
-            <p:nvSpPr>
-              <p:cNvPr id="5" name="テキスト ボックス 4">
-                <a:extLst>
-                  <a:ext uri="{FF2B5EF4-FFF2-40B4-BE49-F238E27FC236}">
-                    <a16:creationId xmlns:a16="http://schemas.microsoft.com/office/drawing/2014/main" id="{16BEC4FA-8FD6-F69A-63D7-2AE72ACEB0CA}"/>
-                  </a:ext>
-                </a:extLst>
-              </p:cNvPr>
-              <p:cNvSpPr txBox="1"/>
-              <p:nvPr/>
-            </p:nvSpPr>
-            <p:spPr>
-              <a:xfrm>
-                <a:off x="3642852" y="1648824"/>
-                <a:ext cx="1736950" cy="276999"/>
-              </a:xfrm>
-              <a:prstGeom prst="rect">
-                <a:avLst/>
-              </a:prstGeom>
-              <a:noFill/>
-            </p:spPr>
-            <p:txBody>
-              <a:bodyPr wrap="none" lIns="0" tIns="0" rIns="0" bIns="0" rtlCol="0">
-                <a:spAutoFit/>
-              </a:bodyPr>
-              <a:lstStyle/>
-              <a:p>
-                <a:pPr/>
-                <a14:m>
-                  <m:oMathPara xmlns:m="http://schemas.openxmlformats.org/officeDocument/2006/math">
-                    <m:oMathParaPr>
-                      <m:jc m:val="centerGroup"/>
-                    </m:oMathParaPr>
-                    <m:oMath xmlns:m="http://schemas.openxmlformats.org/officeDocument/2006/math">
-                      <m:r>
-                        <a:rPr kumimoji="1" lang="en-US" altLang="ja-JP" b="0" i="1" smtClean="0">
-                          <a:latin typeface="Cambria Math" panose="02040503050406030204" pitchFamily="18" charset="0"/>
-                        </a:rPr>
-                        <m:t>𝐼</m:t>
-                      </m:r>
-                      <m:r>
-                        <a:rPr kumimoji="1" lang="en-US" altLang="ja-JP" b="0" i="1" smtClean="0">
-                          <a:latin typeface="Cambria Math" panose="02040503050406030204" pitchFamily="18" charset="0"/>
-                        </a:rPr>
-                        <m:t>=</m:t>
-                      </m:r>
-                      <m:sSub>
-                        <m:sSubPr>
-                          <m:ctrlPr>
-                            <a:rPr kumimoji="1" lang="en-US" altLang="ja-JP" b="0" i="1" smtClean="0">
-                              <a:latin typeface="Cambria Math" panose="02040503050406030204" pitchFamily="18" charset="0"/>
-                            </a:rPr>
-                          </m:ctrlPr>
-                        </m:sSubPr>
-                        <m:e>
-                          <m:r>
-                            <a:rPr kumimoji="1" lang="en-US" altLang="ja-JP" b="0" i="1" smtClean="0">
-                              <a:latin typeface="Cambria Math" panose="02040503050406030204" pitchFamily="18" charset="0"/>
-                            </a:rPr>
-                            <m:t>𝐼</m:t>
-                          </m:r>
-                        </m:e>
-                        <m:sub>
-                          <m:r>
-                            <a:rPr kumimoji="1" lang="en-US" altLang="ja-JP" b="0" i="1" smtClean="0">
-                              <a:latin typeface="Cambria Math" panose="02040503050406030204" pitchFamily="18" charset="0"/>
-                            </a:rPr>
-                            <m:t>0</m:t>
-                          </m:r>
-                        </m:sub>
-                      </m:sSub>
-                      <m:r>
-                        <m:rPr>
-                          <m:sty m:val="p"/>
-                        </m:rPr>
-                        <a:rPr kumimoji="1" lang="en-US" altLang="ja-JP" b="0" i="0" smtClean="0">
-                          <a:latin typeface="Cambria Math" panose="02040503050406030204" pitchFamily="18" charset="0"/>
-                        </a:rPr>
-                        <m:t>exp</m:t>
-                      </m:r>
-                      <m:r>
-                        <a:rPr kumimoji="1" lang="en-US" altLang="ja-JP" b="0" i="1" smtClean="0">
-                          <a:latin typeface="Cambria Math" panose="02040503050406030204" pitchFamily="18" charset="0"/>
-                        </a:rPr>
-                        <m:t>⁡(−</m:t>
-                      </m:r>
-                      <m:sSub>
-                        <m:sSubPr>
-                          <m:ctrlPr>
-                            <a:rPr kumimoji="1" lang="en-US" altLang="ja-JP" b="0" i="1" smtClean="0">
-                              <a:latin typeface="Cambria Math" panose="02040503050406030204" pitchFamily="18" charset="0"/>
-                            </a:rPr>
-                          </m:ctrlPr>
-                        </m:sSubPr>
-                        <m:e>
-                          <m:r>
-                            <a:rPr kumimoji="1" lang="ja-JP" altLang="en-US" b="0" i="1" smtClean="0">
-                              <a:latin typeface="Cambria Math" panose="02040503050406030204" pitchFamily="18" charset="0"/>
-                            </a:rPr>
-                            <m:t>𝜇</m:t>
-                          </m:r>
-                        </m:e>
-                        <m:sub>
-                          <m:r>
-                            <a:rPr kumimoji="1" lang="en-US" altLang="ja-JP" b="0" i="1" smtClean="0">
-                              <a:latin typeface="Cambria Math" panose="02040503050406030204" pitchFamily="18" charset="0"/>
-                            </a:rPr>
-                            <m:t>𝑎</m:t>
-                          </m:r>
-                        </m:sub>
-                      </m:sSub>
-                      <m:r>
-                        <a:rPr kumimoji="1" lang="en-US" altLang="ja-JP" b="0" i="1" smtClean="0">
-                          <a:latin typeface="Cambria Math" panose="02040503050406030204" pitchFamily="18" charset="0"/>
-                        </a:rPr>
-                        <m:t>𝐿</m:t>
-                      </m:r>
-                      <m:r>
-                        <a:rPr kumimoji="1" lang="en-US" altLang="ja-JP" b="0" i="1" smtClean="0">
-                          <a:latin typeface="Cambria Math" panose="02040503050406030204" pitchFamily="18" charset="0"/>
-                        </a:rPr>
-                        <m:t>)</m:t>
-                      </m:r>
-                    </m:oMath>
-                  </m:oMathPara>
-                </a14:m>
-                <a:endParaRPr kumimoji="1" lang="ja-JP" altLang="en-US" dirty="0"/>
-              </a:p>
-            </p:txBody>
-          </p:sp>
-        </mc:Choice>
-        <mc:Fallback xmlns="">
-          <p:sp>
-            <p:nvSpPr>
-              <p:cNvPr id="5" name="テキスト ボックス 4">
-                <a:extLst>
-                  <a:ext uri="{FF2B5EF4-FFF2-40B4-BE49-F238E27FC236}">
-                    <a16:creationId xmlns:a16="http://schemas.microsoft.com/office/drawing/2014/main" id="{16BEC4FA-8FD6-F69A-63D7-2AE72ACEB0CA}"/>
-                  </a:ext>
-                </a:extLst>
-              </p:cNvPr>
-              <p:cNvSpPr txBox="1">
-                <a:spLocks noRot="1" noChangeAspect="1" noMove="1" noResize="1" noEditPoints="1" noAdjustHandles="1" noChangeArrowheads="1" noChangeShapeType="1" noTextEdit="1"/>
-              </p:cNvSpPr>
-              <p:nvPr/>
-            </p:nvSpPr>
-            <p:spPr>
-              <a:xfrm>
-                <a:off x="3642852" y="1648824"/>
-                <a:ext cx="1736950" cy="276999"/>
-              </a:xfrm>
-              <a:prstGeom prst="rect">
-                <a:avLst/>
-              </a:prstGeom>
-              <a:blipFill>
-                <a:blip r:embed="rId3"/>
-                <a:stretch>
-                  <a:fillRect l="-2456" t="-2174" r="-4211" b="-32609"/>
-                </a:stretch>
-              </a:blipFill>
-            </p:spPr>
-            <p:txBody>
-              <a:bodyPr/>
-              <a:lstStyle/>
-              <a:p>
-                <a:r>
-                  <a:rPr lang="ja-JP" altLang="en-US">
-                    <a:noFill/>
-                  </a:rPr>
-                  <a:t> </a:t>
-                </a:r>
-              </a:p>
-            </p:txBody>
-          </p:sp>
-        </mc:Fallback>
-      </mc:AlternateContent>
-      <mc:AlternateContent xmlns:mc="http://schemas.openxmlformats.org/markup-compatibility/2006" xmlns:a14="http://schemas.microsoft.com/office/drawing/2010/main">
-        <mc:Choice Requires="a14">
+      <mc:AlternateContent xmlns:mc="http://schemas.openxmlformats.org/markup-compatibility/2006">
+        <mc:Choice xmlns:a14="http://schemas.microsoft.com/office/drawing/2010/main" Requires="a14">
           <p:sp>
             <p:nvSpPr>
               <p:cNvPr id="7" name="テキスト ボックス 6">
@@ -24863,7 +24141,7 @@
             </p:nvSpPr>
             <p:spPr>
               <a:xfrm>
-                <a:off x="914400" y="2018156"/>
+                <a:off x="838200" y="1485594"/>
                 <a:ext cx="9379974" cy="391646"/>
               </a:xfrm>
               <a:prstGeom prst="rect">
@@ -24878,63 +24156,12 @@
               <a:lstStyle/>
               <a:p>
                 <a:r>
-                  <a:rPr kumimoji="1" lang="ja-JP" altLang="en-US" dirty="0"/>
-                  <a:t>光路長が</a:t>
+                  <a:rPr lang="ja-JP" altLang="en-US"/>
+                  <a:t>各ピクセルの光路</a:t>
                 </a:r>
-                <a14:m>
-                  <m:oMath xmlns:m="http://schemas.openxmlformats.org/officeDocument/2006/math">
-                    <m:r>
-                      <a:rPr kumimoji="1" lang="en-US" altLang="ja-JP" b="0" i="1" smtClean="0">
-                        <a:latin typeface="Cambria Math" panose="02040503050406030204" pitchFamily="18" charset="0"/>
-                      </a:rPr>
-                      <m:t>𝐿</m:t>
-                    </m:r>
-                    <m:d>
-                      <m:dPr>
-                        <m:ctrlPr>
-                          <a:rPr kumimoji="1" lang="en-US" altLang="ja-JP" b="0" i="1" smtClean="0">
-                            <a:latin typeface="Cambria Math" panose="02040503050406030204" pitchFamily="18" charset="0"/>
-                          </a:rPr>
-                        </m:ctrlPr>
-                      </m:dPr>
-                      <m:e>
-                        <m:r>
-                          <a:rPr kumimoji="1" lang="en-US" altLang="ja-JP" b="0" i="1" smtClean="0">
-                            <a:latin typeface="Cambria Math" panose="02040503050406030204" pitchFamily="18" charset="0"/>
-                          </a:rPr>
-                          <m:t>𝑡</m:t>
-                        </m:r>
-                      </m:e>
-                    </m:d>
-                    <m:r>
-                      <a:rPr kumimoji="1" lang="en-US" altLang="ja-JP" b="0" i="1" smtClean="0">
-                        <a:latin typeface="Cambria Math" panose="02040503050406030204" pitchFamily="18" charset="0"/>
-                      </a:rPr>
-                      <m:t>=</m:t>
-                    </m:r>
-                    <m:r>
-                      <a:rPr kumimoji="1" lang="en-US" altLang="ja-JP" b="0" i="1" smtClean="0">
-                        <a:latin typeface="Cambria Math" panose="02040503050406030204" pitchFamily="18" charset="0"/>
-                      </a:rPr>
-                      <m:t>𝑣𝑡</m:t>
-                    </m:r>
-                    <m:r>
-                      <a:rPr lang="ja-JP" altLang="en-US" i="1">
-                        <a:latin typeface="Cambria Math" panose="02040503050406030204" pitchFamily="18" charset="0"/>
-                      </a:rPr>
-                      <m:t>となる</m:t>
-                    </m:r>
-                    <m:r>
-                      <a:rPr lang="ja-JP" altLang="en-US" i="1" smtClean="0">
-                        <a:latin typeface="Cambria Math" panose="02040503050406030204" pitchFamily="18" charset="0"/>
-                      </a:rPr>
-                      <m:t>平均</m:t>
-                    </m:r>
-                  </m:oMath>
-                </a14:m>
                 <a:r>
-                  <a:rPr kumimoji="1" lang="ja-JP" altLang="en-US" dirty="0"/>
-                  <a:t>光路長分布を</a:t>
+                  <a:rPr kumimoji="1" lang="ja-JP" altLang="en-US"/>
+                  <a:t>長を</a:t>
                 </a:r>
                 <a14:m>
                   <m:oMath xmlns:m="http://schemas.openxmlformats.org/officeDocument/2006/math">
@@ -25033,7 +24260,7 @@
             </p:txBody>
           </p:sp>
         </mc:Choice>
-        <mc:Fallback xmlns="">
+        <mc:Fallback>
           <p:sp>
             <p:nvSpPr>
               <p:cNvPr id="7" name="テキスト ボックス 6">
@@ -25050,16 +24277,16 @@
             </p:nvSpPr>
             <p:spPr>
               <a:xfrm>
-                <a:off x="914400" y="2018156"/>
+                <a:off x="838200" y="1485594"/>
                 <a:ext cx="9379974" cy="391646"/>
               </a:xfrm>
               <a:prstGeom prst="rect">
                 <a:avLst/>
               </a:prstGeom>
               <a:blipFill>
-                <a:blip r:embed="rId4"/>
+                <a:blip r:embed="rId3"/>
                 <a:stretch>
-                  <a:fillRect l="-520" t="-4688" b="-21875"/>
+                  <a:fillRect l="-677" t="-9677" b="-19355"/>
                 </a:stretch>
               </a:blipFill>
             </p:spPr>
@@ -25078,14 +24305,14 @@
           </p:sp>
         </mc:Fallback>
       </mc:AlternateContent>
-      <mc:AlternateContent xmlns:mc="http://schemas.openxmlformats.org/markup-compatibility/2006" xmlns:a14="http://schemas.microsoft.com/office/drawing/2010/main">
-        <mc:Choice Requires="a14">
+      <mc:AlternateContent xmlns:mc="http://schemas.openxmlformats.org/markup-compatibility/2006">
+        <mc:Choice xmlns:a14="http://schemas.microsoft.com/office/drawing/2010/main" Requires="a14">
           <p:sp>
             <p:nvSpPr>
-              <p:cNvPr id="8" name="テキスト ボックス 7">
+              <p:cNvPr id="3" name="テキスト ボックス 2">
                 <a:extLst>
                   <a:ext uri="{FF2B5EF4-FFF2-40B4-BE49-F238E27FC236}">
-                    <a16:creationId xmlns:a16="http://schemas.microsoft.com/office/drawing/2014/main" id="{C83DC581-541E-B49D-6A60-2CDEF0CFA466}"/>
+                    <a16:creationId xmlns:a16="http://schemas.microsoft.com/office/drawing/2014/main" id="{224F3EC3-4732-4241-B89A-A4E2DE02323B}"/>
                   </a:ext>
                 </a:extLst>
               </p:cNvPr>
@@ -25094,8 +24321,8 @@
             </p:nvSpPr>
             <p:spPr>
               <a:xfrm>
-                <a:off x="3048000" y="2213979"/>
-                <a:ext cx="6096000" cy="972702"/>
+                <a:off x="3174437" y="1974518"/>
+                <a:ext cx="5690725" cy="686791"/>
               </a:xfrm>
               <a:prstGeom prst="rect">
                 <a:avLst/>
@@ -25103,52 +24330,57 @@
               <a:noFill/>
             </p:spPr>
             <p:txBody>
-              <a:bodyPr wrap="square">
+              <a:bodyPr wrap="none" lIns="0" tIns="0" rIns="0" bIns="0" rtlCol="0">
                 <a:spAutoFit/>
               </a:bodyPr>
               <a:lstStyle/>
               <a:p>
-                <a:pPr/>
                 <a14:m>
                   <m:oMathPara xmlns:m="http://schemas.openxmlformats.org/officeDocument/2006/math">
                     <m:oMathParaPr>
                       <m:jc m:val="centerGroup"/>
                     </m:oMathParaPr>
                     <m:oMath xmlns:m="http://schemas.openxmlformats.org/officeDocument/2006/math">
-                      <m:sSub>
-                        <m:sSubPr>
+                      <m:f>
+                        <m:fPr>
                           <m:ctrlPr>
                             <a:rPr kumimoji="1" lang="en-US" altLang="ja-JP" i="1" smtClean="0">
                               <a:latin typeface="Cambria Math" panose="02040503050406030204" pitchFamily="18" charset="0"/>
                             </a:rPr>
                           </m:ctrlPr>
-                        </m:sSubPr>
-                        <m:e>
+                        </m:fPr>
+                        <m:num>
+                          <m:sSub>
+                            <m:sSubPr>
+                              <m:ctrlPr>
+                                <a:rPr kumimoji="1" lang="en-US" altLang="ja-JP" i="1" smtClean="0">
+                                  <a:latin typeface="Cambria Math" panose="02040503050406030204" pitchFamily="18" charset="0"/>
+                                </a:rPr>
+                              </m:ctrlPr>
+                            </m:sSubPr>
+                            <m:e>
+                              <m:r>
+                                <a:rPr kumimoji="1" lang="en-US" altLang="ja-JP" b="0" i="1" smtClean="0">
+                                  <a:latin typeface="Cambria Math" panose="02040503050406030204" pitchFamily="18" charset="0"/>
+                                </a:rPr>
+                                <m:t>𝐿</m:t>
+                              </m:r>
+                            </m:e>
+                            <m:sub>
+                              <m:r>
+                                <a:rPr kumimoji="1" lang="en-US" altLang="ja-JP" b="0" i="1" smtClean="0">
+                                  <a:latin typeface="Cambria Math" panose="02040503050406030204" pitchFamily="18" charset="0"/>
+                                </a:rPr>
+                                <m:t>𝑗</m:t>
+                              </m:r>
+                            </m:sub>
+                          </m:sSub>
                           <m:r>
                             <a:rPr kumimoji="1" lang="en-US" altLang="ja-JP" b="0" i="1" smtClean="0">
                               <a:latin typeface="Cambria Math" panose="02040503050406030204" pitchFamily="18" charset="0"/>
                             </a:rPr>
-                            <m:t>𝐼</m:t>
-                          </m:r>
-                        </m:e>
-                        <m:sub>
-                          <m:r>
-                            <a:rPr kumimoji="1" lang="en-US" altLang="ja-JP" b="0" i="1" smtClean="0">
-                              <a:latin typeface="Cambria Math" panose="02040503050406030204" pitchFamily="18" charset="0"/>
-                            </a:rPr>
-                            <m:t>𝑚</m:t>
-                          </m:r>
-                        </m:sub>
-                      </m:sSub>
-                      <m:d>
-                        <m:dPr>
-                          <m:ctrlPr>
-                            <a:rPr kumimoji="1" lang="en-US" altLang="ja-JP" b="0" i="1" smtClean="0">
-                              <a:latin typeface="Cambria Math" panose="02040503050406030204" pitchFamily="18" charset="0"/>
-                            </a:rPr>
-                          </m:ctrlPr>
-                        </m:dPr>
-                        <m:e>
+                            <m:t>(</m:t>
+                          </m:r>
                           <m:r>
                             <a:rPr kumimoji="1" lang="en-US" altLang="ja-JP" b="0" i="1" smtClean="0">
                               <a:latin typeface="Cambria Math" panose="02040503050406030204" pitchFamily="18" charset="0"/>
@@ -25198,122 +24430,129 @@
                             </a:rPr>
                             <m:t>𝑡</m:t>
                           </m:r>
-                        </m:e>
-                      </m:d>
+                          <m:r>
+                            <a:rPr kumimoji="1" lang="en-US" altLang="ja-JP" b="0" i="1" smtClean="0">
+                              <a:latin typeface="Cambria Math" panose="02040503050406030204" pitchFamily="18" charset="0"/>
+                            </a:rPr>
+                            <m:t>)</m:t>
+                          </m:r>
+                        </m:num>
+                        <m:den>
+                          <m:sSub>
+                            <m:sSubPr>
+                              <m:ctrlPr>
+                                <a:rPr kumimoji="1" lang="en-US" altLang="ja-JP" i="1" smtClean="0">
+                                  <a:latin typeface="Cambria Math" panose="02040503050406030204" pitchFamily="18" charset="0"/>
+                                </a:rPr>
+                              </m:ctrlPr>
+                            </m:sSubPr>
+                            <m:e>
+                              <m:r>
+                                <a:rPr kumimoji="1" lang="en-US" altLang="ja-JP" b="0" i="1" smtClean="0">
+                                  <a:latin typeface="Cambria Math" panose="02040503050406030204" pitchFamily="18" charset="0"/>
+                                </a:rPr>
+                                <m:t>𝐻</m:t>
+                              </m:r>
+                            </m:e>
+                            <m:sub>
+                              <m:r>
+                                <a:rPr kumimoji="1" lang="en-US" altLang="ja-JP" b="0" i="1" smtClean="0">
+                                  <a:latin typeface="Cambria Math" panose="02040503050406030204" pitchFamily="18" charset="0"/>
+                                </a:rPr>
+                                <m:t>𝑟</m:t>
+                              </m:r>
+                              <m:r>
+                                <a:rPr kumimoji="1" lang="en-US" altLang="ja-JP" b="0" i="1" smtClean="0">
+                                  <a:latin typeface="Cambria Math" panose="02040503050406030204" pitchFamily="18" charset="0"/>
+                                </a:rPr>
+                                <m:t>,</m:t>
+                              </m:r>
+                              <m:r>
+                                <a:rPr kumimoji="1" lang="en-US" altLang="ja-JP" b="0" i="1" smtClean="0">
+                                  <a:latin typeface="Cambria Math" panose="02040503050406030204" pitchFamily="18" charset="0"/>
+                                </a:rPr>
+                                <m:t>𝑗</m:t>
+                              </m:r>
+                            </m:sub>
+                          </m:sSub>
+                          <m:r>
+                            <a:rPr kumimoji="1" lang="en-US" altLang="ja-JP" b="0" i="1" smtClean="0">
+                              <a:latin typeface="Cambria Math" panose="02040503050406030204" pitchFamily="18" charset="0"/>
+                            </a:rPr>
+                            <m:t>(</m:t>
+                          </m:r>
+                          <m:r>
+                            <a:rPr kumimoji="1" lang="en-US" altLang="ja-JP" b="0" i="1" smtClean="0">
+                              <a:latin typeface="Cambria Math" panose="02040503050406030204" pitchFamily="18" charset="0"/>
+                            </a:rPr>
+                            <m:t>𝑥</m:t>
+                          </m:r>
+                          <m:r>
+                            <a:rPr kumimoji="1" lang="en-US" altLang="ja-JP" b="0" i="1" smtClean="0">
+                              <a:latin typeface="Cambria Math" panose="02040503050406030204" pitchFamily="18" charset="0"/>
+                            </a:rPr>
+                            <m:t>,</m:t>
+                          </m:r>
+                          <m:sSub>
+                            <m:sSubPr>
+                              <m:ctrlPr>
+                                <a:rPr kumimoji="1" lang="en-US" altLang="ja-JP" b="0" i="1" smtClean="0">
+                                  <a:latin typeface="Cambria Math" panose="02040503050406030204" pitchFamily="18" charset="0"/>
+                                </a:rPr>
+                              </m:ctrlPr>
+                            </m:sSubPr>
+                            <m:e>
+                              <m:r>
+                                <a:rPr kumimoji="1" lang="en-US" altLang="ja-JP" b="0" i="1" smtClean="0">
+                                  <a:latin typeface="Cambria Math" panose="02040503050406030204" pitchFamily="18" charset="0"/>
+                                </a:rPr>
+                                <m:t>𝑥</m:t>
+                              </m:r>
+                            </m:e>
+                            <m:sub>
+                              <m:r>
+                                <a:rPr kumimoji="1" lang="en-US" altLang="ja-JP" b="0" i="1" smtClean="0">
+                                  <a:latin typeface="Cambria Math" panose="02040503050406030204" pitchFamily="18" charset="0"/>
+                                </a:rPr>
+                                <m:t>𝑖</m:t>
+                              </m:r>
+                            </m:sub>
+                          </m:sSub>
+                          <m:r>
+                            <a:rPr kumimoji="1" lang="en-US" altLang="ja-JP" b="0" i="1" smtClean="0">
+                              <a:latin typeface="Cambria Math" panose="02040503050406030204" pitchFamily="18" charset="0"/>
+                            </a:rPr>
+                            <m:t>,</m:t>
+                          </m:r>
+                          <m:r>
+                            <a:rPr kumimoji="1" lang="en-US" altLang="ja-JP" b="0" i="1" smtClean="0">
+                              <a:latin typeface="Cambria Math" panose="02040503050406030204" pitchFamily="18" charset="0"/>
+                            </a:rPr>
+                            <m:t>𝑡</m:t>
+                          </m:r>
+                          <m:r>
+                            <a:rPr kumimoji="1" lang="en-US" altLang="ja-JP" b="0" i="1" smtClean="0">
+                              <a:latin typeface="Cambria Math" panose="02040503050406030204" pitchFamily="18" charset="0"/>
+                            </a:rPr>
+                            <m:t>)</m:t>
+                          </m:r>
+                        </m:den>
+                      </m:f>
                       <m:r>
                         <a:rPr kumimoji="1" lang="en-US" altLang="ja-JP" b="0" i="1" smtClean="0">
                           <a:latin typeface="Cambria Math" panose="02040503050406030204" pitchFamily="18" charset="0"/>
                         </a:rPr>
                         <m:t>=</m:t>
                       </m:r>
-                      <m:sSub>
-                        <m:sSubPr>
+                      <m:f>
+                        <m:fPr>
                           <m:ctrlPr>
                             <a:rPr kumimoji="1" lang="en-US" altLang="ja-JP" b="0" i="1" smtClean="0">
                               <a:latin typeface="Cambria Math" panose="02040503050406030204" pitchFamily="18" charset="0"/>
                             </a:rPr>
                           </m:ctrlPr>
-                        </m:sSubPr>
-                        <m:e>
-                          <m:r>
-                            <a:rPr kumimoji="1" lang="en-US" altLang="ja-JP" b="0" i="1" smtClean="0">
-                              <a:latin typeface="Cambria Math" panose="02040503050406030204" pitchFamily="18" charset="0"/>
-                            </a:rPr>
-                            <m:t>𝐼</m:t>
-                          </m:r>
-                        </m:e>
-                        <m:sub>
-                          <m:r>
-                            <a:rPr kumimoji="1" lang="en-US" altLang="ja-JP" b="0" i="1" smtClean="0">
-                              <a:latin typeface="Cambria Math" panose="02040503050406030204" pitchFamily="18" charset="0"/>
-                            </a:rPr>
-                            <m:t>𝑟</m:t>
-                          </m:r>
-                        </m:sub>
-                      </m:sSub>
-                      <m:d>
-                        <m:dPr>
-                          <m:ctrlPr>
-                            <a:rPr kumimoji="1" lang="en-US" altLang="ja-JP" b="0" i="1" smtClean="0">
-                              <a:latin typeface="Cambria Math" panose="02040503050406030204" pitchFamily="18" charset="0"/>
-                            </a:rPr>
-                          </m:ctrlPr>
-                        </m:dPr>
-                        <m:e>
-                          <m:r>
-                            <a:rPr kumimoji="1" lang="en-US" altLang="ja-JP" b="0" i="1" smtClean="0">
-                              <a:latin typeface="Cambria Math" panose="02040503050406030204" pitchFamily="18" charset="0"/>
-                            </a:rPr>
-                            <m:t>𝑥</m:t>
-                          </m:r>
-                          <m:r>
-                            <a:rPr kumimoji="1" lang="en-US" altLang="ja-JP" b="0" i="1" smtClean="0">
-                              <a:latin typeface="Cambria Math" panose="02040503050406030204" pitchFamily="18" charset="0"/>
-                            </a:rPr>
-                            <m:t>,</m:t>
-                          </m:r>
-                          <m:sSub>
-                            <m:sSubPr>
-                              <m:ctrlPr>
-                                <a:rPr kumimoji="1" lang="en-US" altLang="ja-JP" b="0" i="1" smtClean="0">
-                                  <a:latin typeface="Cambria Math" panose="02040503050406030204" pitchFamily="18" charset="0"/>
-                                </a:rPr>
-                              </m:ctrlPr>
-                            </m:sSubPr>
-                            <m:e>
-                              <m:r>
-                                <a:rPr kumimoji="1" lang="en-US" altLang="ja-JP" b="0" i="1" smtClean="0">
-                                  <a:latin typeface="Cambria Math" panose="02040503050406030204" pitchFamily="18" charset="0"/>
-                                </a:rPr>
-                                <m:t>𝑥</m:t>
-                              </m:r>
-                            </m:e>
-                            <m:sub>
-                              <m:r>
-                                <a:rPr kumimoji="1" lang="en-US" altLang="ja-JP" b="0" i="1" smtClean="0">
-                                  <a:latin typeface="Cambria Math" panose="02040503050406030204" pitchFamily="18" charset="0"/>
-                                </a:rPr>
-                                <m:t>𝑖</m:t>
-                              </m:r>
-                            </m:sub>
-                          </m:sSub>
-                          <m:r>
-                            <a:rPr kumimoji="1" lang="en-US" altLang="ja-JP" b="0" i="1" smtClean="0">
-                              <a:latin typeface="Cambria Math" panose="02040503050406030204" pitchFamily="18" charset="0"/>
-                            </a:rPr>
-                            <m:t>,</m:t>
-                          </m:r>
-                          <m:r>
-                            <a:rPr kumimoji="1" lang="en-US" altLang="ja-JP" b="0" i="1" smtClean="0">
-                              <a:latin typeface="Cambria Math" panose="02040503050406030204" pitchFamily="18" charset="0"/>
-                            </a:rPr>
-                            <m:t>𝑡</m:t>
-                          </m:r>
-                        </m:e>
-                      </m:d>
-                      <m:r>
-                        <a:rPr kumimoji="1" lang="en-US" altLang="ja-JP" b="0" i="1" smtClean="0">
-                          <a:latin typeface="Cambria Math" panose="02040503050406030204" pitchFamily="18" charset="0"/>
-                        </a:rPr>
-                        <m:t>𝑒𝑥𝑝</m:t>
-                      </m:r>
-                      <m:d>
-                        <m:dPr>
-                          <m:begChr m:val="["/>
-                          <m:endChr m:val="]"/>
-                          <m:ctrlPr>
-                            <a:rPr kumimoji="1" lang="en-US" altLang="ja-JP" b="0" i="1" smtClean="0">
-                              <a:latin typeface="Cambria Math" panose="02040503050406030204" pitchFamily="18" charset="0"/>
-                            </a:rPr>
-                          </m:ctrlPr>
-                        </m:dPr>
-                        <m:e>
-                          <m:r>
-                            <a:rPr kumimoji="1" lang="en-US" altLang="ja-JP" b="0" i="1" smtClean="0">
-                              <a:latin typeface="Cambria Math" panose="02040503050406030204" pitchFamily="18" charset="0"/>
-                            </a:rPr>
-                            <m:t>−</m:t>
-                          </m:r>
+                        </m:fPr>
+                        <m:num>
                           <m:nary>
                             <m:naryPr>
                               <m:chr m:val="∑"/>
@@ -25337,21 +24576,137 @@
                                 <a:rPr kumimoji="1" lang="en-US" altLang="ja-JP" b="0" i="1" smtClean="0">
                                   <a:latin typeface="Cambria Math" panose="02040503050406030204" pitchFamily="18" charset="0"/>
                                 </a:rPr>
-                                <m:t>=</m:t>
-                              </m:r>
-                              <m:r>
-                                <m:rPr>
-                                  <m:brk m:alnAt="23"/>
-                                </m:rPr>
-                                <a:rPr kumimoji="1" lang="en-US" altLang="ja-JP" b="0" i="1" smtClean="0">
-                                  <a:latin typeface="Cambria Math" panose="02040503050406030204" pitchFamily="18" charset="0"/>
-                                </a:rPr>
-                                <m:t>1</m:t>
+                                <m:t>=1</m:t>
                               </m:r>
                             </m:sub>
                             <m:sup>
                               <m:r>
                                 <a:rPr kumimoji="1" lang="en-US" altLang="ja-JP" b="0" i="1" smtClean="0">
+                                  <a:latin typeface="Cambria Math" panose="02040503050406030204" pitchFamily="18" charset="0"/>
+                                </a:rPr>
+                                <m:t>𝑁</m:t>
+                              </m:r>
+                            </m:sup>
+                            <m:e>
+                              <m:sSub>
+                                <m:sSubPr>
+                                  <m:ctrlPr>
+                                    <a:rPr kumimoji="1" lang="en-US" altLang="ja-JP" b="0" i="1" smtClean="0">
+                                      <a:latin typeface="Cambria Math" panose="02040503050406030204" pitchFamily="18" charset="0"/>
+                                    </a:rPr>
+                                  </m:ctrlPr>
+                                </m:sSubPr>
+                                <m:e>
+                                  <m:r>
+                                    <a:rPr kumimoji="1" lang="en-US" altLang="ja-JP" b="0" i="1" smtClean="0">
+                                      <a:latin typeface="Cambria Math" panose="02040503050406030204" pitchFamily="18" charset="0"/>
+                                    </a:rPr>
+                                    <m:t>𝐿</m:t>
+                                  </m:r>
+                                </m:e>
+                                <m:sub>
+                                  <m:r>
+                                    <a:rPr kumimoji="1" lang="en-US" altLang="ja-JP" b="0" i="1" smtClean="0">
+                                      <a:latin typeface="Cambria Math" panose="02040503050406030204" pitchFamily="18" charset="0"/>
+                                    </a:rPr>
+                                    <m:t>𝑗</m:t>
+                                  </m:r>
+                                </m:sub>
+                              </m:sSub>
+                              <m:r>
+                                <a:rPr kumimoji="1" lang="en-US" altLang="ja-JP" b="0" i="1" smtClean="0">
+                                  <a:latin typeface="Cambria Math" panose="02040503050406030204" pitchFamily="18" charset="0"/>
+                                </a:rPr>
+                                <m:t>(</m:t>
+                              </m:r>
+                              <m:r>
+                                <a:rPr kumimoji="1" lang="en-US" altLang="ja-JP" b="0" i="1" smtClean="0">
+                                  <a:latin typeface="Cambria Math" panose="02040503050406030204" pitchFamily="18" charset="0"/>
+                                </a:rPr>
+                                <m:t>𝑥</m:t>
+                              </m:r>
+                              <m:r>
+                                <a:rPr kumimoji="1" lang="en-US" altLang="ja-JP" b="0" i="1" smtClean="0">
+                                  <a:latin typeface="Cambria Math" panose="02040503050406030204" pitchFamily="18" charset="0"/>
+                                </a:rPr>
+                                <m:t>,</m:t>
+                              </m:r>
+                              <m:sSub>
+                                <m:sSubPr>
+                                  <m:ctrlPr>
+                                    <a:rPr kumimoji="1" lang="en-US" altLang="ja-JP" b="0" i="1" smtClean="0">
+                                      <a:latin typeface="Cambria Math" panose="02040503050406030204" pitchFamily="18" charset="0"/>
+                                    </a:rPr>
+                                  </m:ctrlPr>
+                                </m:sSubPr>
+                                <m:e>
+                                  <m:r>
+                                    <a:rPr kumimoji="1" lang="en-US" altLang="ja-JP" b="0" i="1" smtClean="0">
+                                      <a:latin typeface="Cambria Math" panose="02040503050406030204" pitchFamily="18" charset="0"/>
+                                    </a:rPr>
+                                    <m:t>𝑥</m:t>
+                                  </m:r>
+                                </m:e>
+                                <m:sub>
+                                  <m:r>
+                                    <a:rPr kumimoji="1" lang="en-US" altLang="ja-JP" b="0" i="1" smtClean="0">
+                                      <a:latin typeface="Cambria Math" panose="02040503050406030204" pitchFamily="18" charset="0"/>
+                                    </a:rPr>
+                                    <m:t>𝑖</m:t>
+                                  </m:r>
+                                </m:sub>
+                              </m:sSub>
+                              <m:r>
+                                <a:rPr kumimoji="1" lang="en-US" altLang="ja-JP" b="0" i="1" smtClean="0">
+                                  <a:latin typeface="Cambria Math" panose="02040503050406030204" pitchFamily="18" charset="0"/>
+                                </a:rPr>
+                                <m:t>,</m:t>
+                              </m:r>
+                              <m:r>
+                                <a:rPr kumimoji="1" lang="en-US" altLang="ja-JP" b="0" i="1" smtClean="0">
+                                  <a:latin typeface="Cambria Math" panose="02040503050406030204" pitchFamily="18" charset="0"/>
+                                </a:rPr>
+                                <m:t>𝑡</m:t>
+                              </m:r>
+                              <m:r>
+                                <a:rPr kumimoji="1" lang="en-US" altLang="ja-JP" b="0" i="1" smtClean="0">
+                                  <a:latin typeface="Cambria Math" panose="02040503050406030204" pitchFamily="18" charset="0"/>
+                                </a:rPr>
+                                <m:t>)</m:t>
+                              </m:r>
+                            </m:e>
+                          </m:nary>
+                        </m:num>
+                        <m:den>
+                          <m:nary>
+                            <m:naryPr>
+                              <m:chr m:val="∑"/>
+                              <m:ctrlPr>
+                                <a:rPr lang="en-US" altLang="ja-JP" i="1">
+                                  <a:latin typeface="Cambria Math" panose="02040503050406030204" pitchFamily="18" charset="0"/>
+                                </a:rPr>
+                              </m:ctrlPr>
+                            </m:naryPr>
+                            <m:sub>
+                              <m:r>
+                                <m:rPr>
+                                  <m:brk m:alnAt="23"/>
+                                </m:rPr>
+                                <a:rPr lang="en-US" altLang="ja-JP" i="1">
+                                  <a:latin typeface="Cambria Math" panose="02040503050406030204" pitchFamily="18" charset="0"/>
+                                </a:rPr>
+                                <m:t>𝑗</m:t>
+                              </m:r>
+                              <m:r>
+                                <a:rPr lang="en-US" altLang="ja-JP" i="1">
+                                  <a:latin typeface="Cambria Math" panose="02040503050406030204" pitchFamily="18" charset="0"/>
+                                </a:rPr>
+                                <m:t>=1</m:t>
+                              </m:r>
+                            </m:sub>
+                            <m:sup>
+                              <m:r>
+                                <a:rPr lang="en-US" altLang="ja-JP" i="1">
                                   <a:latin typeface="Cambria Math" panose="02040503050406030204" pitchFamily="18" charset="0"/>
                                 </a:rPr>
                                 <m:t>𝑁</m:t>
@@ -25368,47 +24723,10 @@
                                 </m:sSubPr>
                                 <m:e>
                                   <m:r>
-                                    <a:rPr lang="ja-JP" altLang="en-US" i="1">
-                                      <a:latin typeface="Cambria Math" panose="02040503050406030204" pitchFamily="18" charset="0"/>
-                                    </a:rPr>
-                                    <m:t>𝜇</m:t>
-                                  </m:r>
-                                </m:e>
-                                <m:sub>
-                                  <m:r>
-                                    <a:rPr lang="en-US" altLang="ja-JP" i="1">
-                                      <a:latin typeface="Cambria Math" panose="02040503050406030204" pitchFamily="18" charset="0"/>
-                                    </a:rPr>
-                                    <m:t>𝑎</m:t>
-                                  </m:r>
-                                  <m:r>
-                                    <a:rPr lang="en-US" altLang="ja-JP" i="1">
-                                      <a:latin typeface="Cambria Math" panose="02040503050406030204" pitchFamily="18" charset="0"/>
-                                    </a:rPr>
-                                    <m:t>,</m:t>
-                                  </m:r>
-                                  <m:r>
-                                    <a:rPr lang="en-US" altLang="ja-JP" i="1">
-                                      <a:latin typeface="Cambria Math" panose="02040503050406030204" pitchFamily="18" charset="0"/>
-                                    </a:rPr>
-                                    <m:t>𝑗</m:t>
-                                  </m:r>
-                                </m:sub>
-                              </m:sSub>
-                              <m:sSub>
-                                <m:sSubPr>
-                                  <m:ctrlPr>
-                                    <a:rPr lang="en-US" altLang="ja-JP" i="1">
-                                      <a:latin typeface="Cambria Math" panose="02040503050406030204" pitchFamily="18" charset="0"/>
-                                    </a:rPr>
-                                  </m:ctrlPr>
-                                </m:sSubPr>
-                                <m:e>
-                                  <m:r>
                                     <a:rPr lang="en-US" altLang="ja-JP" b="0" i="1" smtClean="0">
                                       <a:latin typeface="Cambria Math" panose="02040503050406030204" pitchFamily="18" charset="0"/>
                                     </a:rPr>
-                                    <m:t>𝐿</m:t>
+                                    <m:t>𝐻</m:t>
                                   </m:r>
                                 </m:e>
                                 <m:sub>
@@ -25483,23 +24801,269 @@
                               </m:r>
                             </m:e>
                           </m:nary>
-                        </m:e>
-                      </m:d>
+                        </m:den>
+                      </m:f>
+                      <m:r>
+                        <a:rPr kumimoji="1" lang="en-US" altLang="ja-JP" b="0" i="1" smtClean="0">
+                          <a:latin typeface="Cambria Math" panose="02040503050406030204" pitchFamily="18" charset="0"/>
+                        </a:rPr>
+                        <m:t>=</m:t>
+                      </m:r>
+                      <m:f>
+                        <m:fPr>
+                          <m:ctrlPr>
+                            <a:rPr kumimoji="1" lang="en-US" altLang="ja-JP" b="0" i="1" smtClean="0">
+                              <a:latin typeface="Cambria Math" panose="02040503050406030204" pitchFamily="18" charset="0"/>
+                            </a:rPr>
+                          </m:ctrlPr>
+                        </m:fPr>
+                        <m:num>
+                          <m:r>
+                            <a:rPr kumimoji="1" lang="en-US" altLang="ja-JP" b="0" i="1" smtClean="0">
+                              <a:latin typeface="Cambria Math" panose="02040503050406030204" pitchFamily="18" charset="0"/>
+                            </a:rPr>
+                            <m:t>𝐿</m:t>
+                          </m:r>
+                          <m:r>
+                            <a:rPr kumimoji="1" lang="en-US" altLang="ja-JP" b="0" i="1" smtClean="0">
+                              <a:latin typeface="Cambria Math" panose="02040503050406030204" pitchFamily="18" charset="0"/>
+                            </a:rPr>
+                            <m:t>(</m:t>
+                          </m:r>
+                          <m:r>
+                            <a:rPr kumimoji="1" lang="en-US" altLang="ja-JP" b="0" i="1" smtClean="0">
+                              <a:latin typeface="Cambria Math" panose="02040503050406030204" pitchFamily="18" charset="0"/>
+                            </a:rPr>
+                            <m:t>𝑡</m:t>
+                          </m:r>
+                          <m:r>
+                            <a:rPr kumimoji="1" lang="en-US" altLang="ja-JP" b="0" i="1" smtClean="0">
+                              <a:latin typeface="Cambria Math" panose="02040503050406030204" pitchFamily="18" charset="0"/>
+                            </a:rPr>
+                            <m:t>)</m:t>
+                          </m:r>
+                        </m:num>
+                        <m:den>
+                          <m:r>
+                            <a:rPr kumimoji="1" lang="en-US" altLang="ja-JP" b="0" i="1" smtClean="0">
+                              <a:latin typeface="Cambria Math" panose="02040503050406030204" pitchFamily="18" charset="0"/>
+                            </a:rPr>
+                            <m:t>𝑡</m:t>
+                          </m:r>
+                          <m:sSub>
+                            <m:sSubPr>
+                              <m:ctrlPr>
+                                <a:rPr kumimoji="1" lang="en-US" altLang="ja-JP" b="0" i="1" smtClean="0">
+                                  <a:latin typeface="Cambria Math" panose="02040503050406030204" pitchFamily="18" charset="0"/>
+                                </a:rPr>
+                              </m:ctrlPr>
+                            </m:sSubPr>
+                            <m:e>
+                              <m:r>
+                                <a:rPr kumimoji="1" lang="en-US" altLang="ja-JP" b="0" i="1" smtClean="0">
+                                  <a:latin typeface="Cambria Math" panose="02040503050406030204" pitchFamily="18" charset="0"/>
+                                </a:rPr>
+                                <m:t>𝐼</m:t>
+                              </m:r>
+                            </m:e>
+                            <m:sub>
+                              <m:r>
+                                <a:rPr kumimoji="1" lang="en-US" altLang="ja-JP" b="0" i="1" smtClean="0">
+                                  <a:latin typeface="Cambria Math" panose="02040503050406030204" pitchFamily="18" charset="0"/>
+                                </a:rPr>
+                                <m:t>𝑟</m:t>
+                              </m:r>
+                            </m:sub>
+                          </m:sSub>
+                          <m:r>
+                            <a:rPr kumimoji="1" lang="en-US" altLang="ja-JP" b="0" i="1" smtClean="0">
+                              <a:latin typeface="Cambria Math" panose="02040503050406030204" pitchFamily="18" charset="0"/>
+                            </a:rPr>
+                            <m:t>(</m:t>
+                          </m:r>
+                          <m:r>
+                            <a:rPr kumimoji="1" lang="en-US" altLang="ja-JP" b="0" i="1" smtClean="0">
+                              <a:latin typeface="Cambria Math" panose="02040503050406030204" pitchFamily="18" charset="0"/>
+                            </a:rPr>
+                            <m:t>𝑥</m:t>
+                          </m:r>
+                          <m:r>
+                            <a:rPr kumimoji="1" lang="en-US" altLang="ja-JP" b="0" i="1" smtClean="0">
+                              <a:latin typeface="Cambria Math" panose="02040503050406030204" pitchFamily="18" charset="0"/>
+                            </a:rPr>
+                            <m:t>,</m:t>
+                          </m:r>
+                          <m:sSub>
+                            <m:sSubPr>
+                              <m:ctrlPr>
+                                <a:rPr kumimoji="1" lang="en-US" altLang="ja-JP" b="0" i="1" smtClean="0">
+                                  <a:latin typeface="Cambria Math" panose="02040503050406030204" pitchFamily="18" charset="0"/>
+                                </a:rPr>
+                              </m:ctrlPr>
+                            </m:sSubPr>
+                            <m:e>
+                              <m:r>
+                                <a:rPr kumimoji="1" lang="en-US" altLang="ja-JP" b="0" i="1" smtClean="0">
+                                  <a:latin typeface="Cambria Math" panose="02040503050406030204" pitchFamily="18" charset="0"/>
+                                </a:rPr>
+                                <m:t>𝑥</m:t>
+                              </m:r>
+                            </m:e>
+                            <m:sub>
+                              <m:r>
+                                <a:rPr kumimoji="1" lang="en-US" altLang="ja-JP" b="0" i="1" smtClean="0">
+                                  <a:latin typeface="Cambria Math" panose="02040503050406030204" pitchFamily="18" charset="0"/>
+                                </a:rPr>
+                                <m:t>𝑖</m:t>
+                              </m:r>
+                            </m:sub>
+                          </m:sSub>
+                          <m:r>
+                            <a:rPr kumimoji="1" lang="en-US" altLang="ja-JP" b="0" i="1" smtClean="0">
+                              <a:latin typeface="Cambria Math" panose="02040503050406030204" pitchFamily="18" charset="0"/>
+                            </a:rPr>
+                            <m:t>,</m:t>
+                          </m:r>
+                          <m:r>
+                            <a:rPr kumimoji="1" lang="en-US" altLang="ja-JP" b="0" i="1" smtClean="0">
+                              <a:latin typeface="Cambria Math" panose="02040503050406030204" pitchFamily="18" charset="0"/>
+                            </a:rPr>
+                            <m:t>𝑡</m:t>
+                          </m:r>
+                          <m:r>
+                            <a:rPr kumimoji="1" lang="en-US" altLang="ja-JP" b="0" i="1" smtClean="0">
+                              <a:latin typeface="Cambria Math" panose="02040503050406030204" pitchFamily="18" charset="0"/>
+                            </a:rPr>
+                            <m:t>)</m:t>
+                          </m:r>
+                        </m:den>
+                      </m:f>
+                      <m:r>
+                        <a:rPr kumimoji="1" lang="en-US" altLang="ja-JP" b="0" i="1" smtClean="0">
+                          <a:latin typeface="Cambria Math" panose="02040503050406030204" pitchFamily="18" charset="0"/>
+                        </a:rPr>
+                        <m:t>=</m:t>
+                      </m:r>
+                      <m:f>
+                        <m:fPr>
+                          <m:ctrlPr>
+                            <a:rPr kumimoji="1" lang="en-US" altLang="ja-JP" b="0" i="1" smtClean="0">
+                              <a:latin typeface="Cambria Math" panose="02040503050406030204" pitchFamily="18" charset="0"/>
+                            </a:rPr>
+                          </m:ctrlPr>
+                        </m:fPr>
+                        <m:num>
+                          <m:r>
+                            <a:rPr kumimoji="1" lang="en-US" altLang="ja-JP" b="0" i="1" smtClean="0">
+                              <a:latin typeface="Cambria Math" panose="02040503050406030204" pitchFamily="18" charset="0"/>
+                            </a:rPr>
+                            <m:t>𝑣</m:t>
+                          </m:r>
+                        </m:num>
+                        <m:den>
+                          <m:sSub>
+                            <m:sSubPr>
+                              <m:ctrlPr>
+                                <a:rPr kumimoji="1" lang="en-US" altLang="ja-JP" b="0" i="1" smtClean="0">
+                                  <a:latin typeface="Cambria Math" panose="02040503050406030204" pitchFamily="18" charset="0"/>
+                                </a:rPr>
+                              </m:ctrlPr>
+                            </m:sSubPr>
+                            <m:e>
+                              <m:r>
+                                <a:rPr kumimoji="1" lang="en-US" altLang="ja-JP" b="0" i="1" smtClean="0">
+                                  <a:latin typeface="Cambria Math" panose="02040503050406030204" pitchFamily="18" charset="0"/>
+                                </a:rPr>
+                                <m:t>𝐼</m:t>
+                              </m:r>
+                            </m:e>
+                            <m:sub>
+                              <m:r>
+                                <a:rPr kumimoji="1" lang="en-US" altLang="ja-JP" b="0" i="1" smtClean="0">
+                                  <a:latin typeface="Cambria Math" panose="02040503050406030204" pitchFamily="18" charset="0"/>
+                                </a:rPr>
+                                <m:t>𝑟</m:t>
+                              </m:r>
+                            </m:sub>
+                          </m:sSub>
+                          <m:r>
+                            <a:rPr kumimoji="1" lang="en-US" altLang="ja-JP" b="0" i="1" smtClean="0">
+                              <a:latin typeface="Cambria Math" panose="02040503050406030204" pitchFamily="18" charset="0"/>
+                            </a:rPr>
+                            <m:t>(</m:t>
+                          </m:r>
+                          <m:r>
+                            <a:rPr kumimoji="1" lang="en-US" altLang="ja-JP" b="0" i="1" smtClean="0">
+                              <a:latin typeface="Cambria Math" panose="02040503050406030204" pitchFamily="18" charset="0"/>
+                            </a:rPr>
+                            <m:t>𝑥</m:t>
+                          </m:r>
+                          <m:r>
+                            <a:rPr kumimoji="1" lang="en-US" altLang="ja-JP" b="0" i="1" smtClean="0">
+                              <a:latin typeface="Cambria Math" panose="02040503050406030204" pitchFamily="18" charset="0"/>
+                            </a:rPr>
+                            <m:t>,</m:t>
+                          </m:r>
+                          <m:sSub>
+                            <m:sSubPr>
+                              <m:ctrlPr>
+                                <a:rPr kumimoji="1" lang="en-US" altLang="ja-JP" b="0" i="1" smtClean="0">
+                                  <a:latin typeface="Cambria Math" panose="02040503050406030204" pitchFamily="18" charset="0"/>
+                                </a:rPr>
+                              </m:ctrlPr>
+                            </m:sSubPr>
+                            <m:e>
+                              <m:r>
+                                <a:rPr kumimoji="1" lang="en-US" altLang="ja-JP" b="0" i="1" smtClean="0">
+                                  <a:latin typeface="Cambria Math" panose="02040503050406030204" pitchFamily="18" charset="0"/>
+                                </a:rPr>
+                                <m:t>𝑥</m:t>
+                              </m:r>
+                            </m:e>
+                            <m:sub>
+                              <m:r>
+                                <a:rPr kumimoji="1" lang="en-US" altLang="ja-JP" b="0" i="1" smtClean="0">
+                                  <a:latin typeface="Cambria Math" panose="02040503050406030204" pitchFamily="18" charset="0"/>
+                                </a:rPr>
+                                <m:t>𝑖</m:t>
+                              </m:r>
+                            </m:sub>
+                          </m:sSub>
+                          <m:r>
+                            <a:rPr kumimoji="1" lang="en-US" altLang="ja-JP" b="0" i="1" smtClean="0">
+                              <a:latin typeface="Cambria Math" panose="02040503050406030204" pitchFamily="18" charset="0"/>
+                            </a:rPr>
+                            <m:t>,</m:t>
+                          </m:r>
+                          <m:r>
+                            <a:rPr kumimoji="1" lang="en-US" altLang="ja-JP" b="0" i="1" smtClean="0">
+                              <a:latin typeface="Cambria Math" panose="02040503050406030204" pitchFamily="18" charset="0"/>
+                            </a:rPr>
+                            <m:t>𝑡</m:t>
+                          </m:r>
+                          <m:r>
+                            <a:rPr kumimoji="1" lang="en-US" altLang="ja-JP" b="0" i="1" smtClean="0">
+                              <a:latin typeface="Cambria Math" panose="02040503050406030204" pitchFamily="18" charset="0"/>
+                            </a:rPr>
+                            <m:t>)</m:t>
+                          </m:r>
+                        </m:den>
+                      </m:f>
                     </m:oMath>
                   </m:oMathPara>
                 </a14:m>
-                <a:endParaRPr lang="ja-JP" altLang="en-US" dirty="0"/>
+                <a:endParaRPr kumimoji="1" lang="ja-JP" altLang="en-US"/>
               </a:p>
             </p:txBody>
           </p:sp>
         </mc:Choice>
-        <mc:Fallback xmlns="">
+        <mc:Fallback>
           <p:sp>
             <p:nvSpPr>
-              <p:cNvPr id="8" name="テキスト ボックス 7">
+              <p:cNvPr id="3" name="テキスト ボックス 2">
                 <a:extLst>
                   <a:ext uri="{FF2B5EF4-FFF2-40B4-BE49-F238E27FC236}">
-                    <a16:creationId xmlns:a16="http://schemas.microsoft.com/office/drawing/2014/main" id="{C83DC581-541E-B49D-6A60-2CDEF0CFA466}"/>
+                    <a16:creationId xmlns:a16="http://schemas.microsoft.com/office/drawing/2014/main" id="{224F3EC3-4732-4241-B89A-A4E2DE02323B}"/>
                   </a:ext>
                 </a:extLst>
               </p:cNvPr>
@@ -25510,16 +25074,16 @@
             </p:nvSpPr>
             <p:spPr>
               <a:xfrm>
-                <a:off x="3048000" y="2213979"/>
-                <a:ext cx="6096000" cy="972702"/>
+                <a:off x="3174437" y="1974518"/>
+                <a:ext cx="5690725" cy="686791"/>
               </a:xfrm>
               <a:prstGeom prst="rect">
                 <a:avLst/>
               </a:prstGeom>
               <a:blipFill>
-                <a:blip r:embed="rId5"/>
+                <a:blip r:embed="rId4"/>
                 <a:stretch>
-                  <a:fillRect/>
+                  <a:fillRect l="-446" t="-65455" r="-1116" b="-90909"/>
                 </a:stretch>
               </a:blipFill>
             </p:spPr>
@@ -25542,10 +25106,10 @@
         <mc:Choice xmlns:a14="http://schemas.microsoft.com/office/drawing/2010/main" Requires="a14">
           <p:sp>
             <p:nvSpPr>
-              <p:cNvPr id="9" name="テキスト ボックス 8">
+              <p:cNvPr id="6" name="テキスト ボックス 5">
                 <a:extLst>
                   <a:ext uri="{FF2B5EF4-FFF2-40B4-BE49-F238E27FC236}">
-                    <a16:creationId xmlns:a16="http://schemas.microsoft.com/office/drawing/2014/main" id="{91021748-4ACF-C369-B995-6D76A3AD139B}"/>
+                    <a16:creationId xmlns:a16="http://schemas.microsoft.com/office/drawing/2014/main" id="{57BD5A96-3F03-554B-BD8B-B46F0970405E}"/>
                   </a:ext>
                 </a:extLst>
               </p:cNvPr>
@@ -25554,8 +25118,1453 @@
             </p:nvSpPr>
             <p:spPr>
               <a:xfrm>
-                <a:off x="914400" y="3233177"/>
-                <a:ext cx="9379974" cy="391646"/>
+                <a:off x="3174437" y="3029605"/>
+                <a:ext cx="2651367" cy="584712"/>
+              </a:xfrm>
+              <a:prstGeom prst="rect">
+                <a:avLst/>
+              </a:prstGeom>
+              <a:noFill/>
+            </p:spPr>
+            <p:txBody>
+              <a:bodyPr wrap="none" lIns="0" tIns="0" rIns="0" bIns="0" rtlCol="0">
+                <a:spAutoFit/>
+              </a:bodyPr>
+              <a:lstStyle/>
+              <a:p>
+                <a14:m>
+                  <m:oMathPara xmlns:m="http://schemas.openxmlformats.org/officeDocument/2006/math">
+                    <m:oMathParaPr>
+                      <m:jc m:val="centerGroup"/>
+                    </m:oMathParaPr>
+                    <m:oMath xmlns:m="http://schemas.openxmlformats.org/officeDocument/2006/math">
+                      <m:sSub>
+                        <m:sSubPr>
+                          <m:ctrlPr>
+                            <a:rPr lang="en-US" altLang="ja-JP" i="1" smtClean="0">
+                              <a:latin typeface="Cambria Math" panose="02040503050406030204" pitchFamily="18" charset="0"/>
+                            </a:rPr>
+                          </m:ctrlPr>
+                        </m:sSubPr>
+                        <m:e>
+                          <m:r>
+                            <a:rPr lang="en-US" altLang="ja-JP" i="1">
+                              <a:latin typeface="Cambria Math" panose="02040503050406030204" pitchFamily="18" charset="0"/>
+                            </a:rPr>
+                            <m:t>𝐿</m:t>
+                          </m:r>
+                        </m:e>
+                        <m:sub>
+                          <m:r>
+                            <a:rPr lang="en-US" altLang="ja-JP" i="1">
+                              <a:latin typeface="Cambria Math" panose="02040503050406030204" pitchFamily="18" charset="0"/>
+                            </a:rPr>
+                            <m:t>𝑗</m:t>
+                          </m:r>
+                        </m:sub>
+                      </m:sSub>
+                      <m:d>
+                        <m:dPr>
+                          <m:ctrlPr>
+                            <a:rPr lang="en-US" altLang="ja-JP" i="1">
+                              <a:latin typeface="Cambria Math" panose="02040503050406030204" pitchFamily="18" charset="0"/>
+                            </a:rPr>
+                          </m:ctrlPr>
+                        </m:dPr>
+                        <m:e>
+                          <m:r>
+                            <a:rPr lang="en-US" altLang="ja-JP" i="1">
+                              <a:latin typeface="Cambria Math" panose="02040503050406030204" pitchFamily="18" charset="0"/>
+                            </a:rPr>
+                            <m:t>𝑥</m:t>
+                          </m:r>
+                          <m:r>
+                            <a:rPr lang="en-US" altLang="ja-JP" i="1">
+                              <a:latin typeface="Cambria Math" panose="02040503050406030204" pitchFamily="18" charset="0"/>
+                            </a:rPr>
+                            <m:t>,</m:t>
+                          </m:r>
+                          <m:sSub>
+                            <m:sSubPr>
+                              <m:ctrlPr>
+                                <a:rPr lang="en-US" altLang="ja-JP" i="1">
+                                  <a:latin typeface="Cambria Math" panose="02040503050406030204" pitchFamily="18" charset="0"/>
+                                </a:rPr>
+                              </m:ctrlPr>
+                            </m:sSubPr>
+                            <m:e>
+                              <m:r>
+                                <a:rPr lang="en-US" altLang="ja-JP" i="1">
+                                  <a:latin typeface="Cambria Math" panose="02040503050406030204" pitchFamily="18" charset="0"/>
+                                </a:rPr>
+                                <m:t>𝑥</m:t>
+                              </m:r>
+                            </m:e>
+                            <m:sub>
+                              <m:r>
+                                <a:rPr lang="en-US" altLang="ja-JP" i="1">
+                                  <a:latin typeface="Cambria Math" panose="02040503050406030204" pitchFamily="18" charset="0"/>
+                                </a:rPr>
+                                <m:t>𝑖</m:t>
+                              </m:r>
+                            </m:sub>
+                          </m:sSub>
+                          <m:r>
+                            <a:rPr lang="en-US" altLang="ja-JP" i="1">
+                              <a:latin typeface="Cambria Math" panose="02040503050406030204" pitchFamily="18" charset="0"/>
+                            </a:rPr>
+                            <m:t>,</m:t>
+                          </m:r>
+                          <m:r>
+                            <a:rPr lang="en-US" altLang="ja-JP" i="1">
+                              <a:latin typeface="Cambria Math" panose="02040503050406030204" pitchFamily="18" charset="0"/>
+                            </a:rPr>
+                            <m:t>𝑡</m:t>
+                          </m:r>
+                        </m:e>
+                      </m:d>
+                      <m:r>
+                        <a:rPr lang="en-US" altLang="ja-JP" b="0" i="1" smtClean="0">
+                          <a:latin typeface="Cambria Math" panose="02040503050406030204" pitchFamily="18" charset="0"/>
+                        </a:rPr>
+                        <m:t>=</m:t>
+                      </m:r>
+                      <m:f>
+                        <m:fPr>
+                          <m:ctrlPr>
+                            <a:rPr lang="en-US" altLang="ja-JP" i="1">
+                              <a:latin typeface="Cambria Math" panose="02040503050406030204" pitchFamily="18" charset="0"/>
+                            </a:rPr>
+                          </m:ctrlPr>
+                        </m:fPr>
+                        <m:num>
+                          <m:r>
+                            <a:rPr lang="en-US" altLang="ja-JP" i="1">
+                              <a:latin typeface="Cambria Math" panose="02040503050406030204" pitchFamily="18" charset="0"/>
+                            </a:rPr>
+                            <m:t>𝑣</m:t>
+                          </m:r>
+                          <m:sSub>
+                            <m:sSubPr>
+                              <m:ctrlPr>
+                                <a:rPr lang="en-US" altLang="ja-JP" i="1">
+                                  <a:latin typeface="Cambria Math" panose="02040503050406030204" pitchFamily="18" charset="0"/>
+                                </a:rPr>
+                              </m:ctrlPr>
+                            </m:sSubPr>
+                            <m:e>
+                              <m:r>
+                                <a:rPr lang="en-US" altLang="ja-JP" i="1">
+                                  <a:latin typeface="Cambria Math" panose="02040503050406030204" pitchFamily="18" charset="0"/>
+                                </a:rPr>
+                                <m:t>𝐻</m:t>
+                              </m:r>
+                            </m:e>
+                            <m:sub>
+                              <m:r>
+                                <a:rPr lang="en-US" altLang="ja-JP" i="1">
+                                  <a:latin typeface="Cambria Math" panose="02040503050406030204" pitchFamily="18" charset="0"/>
+                                </a:rPr>
+                                <m:t>𝑟</m:t>
+                              </m:r>
+                              <m:r>
+                                <a:rPr lang="en-US" altLang="ja-JP" i="1">
+                                  <a:latin typeface="Cambria Math" panose="02040503050406030204" pitchFamily="18" charset="0"/>
+                                </a:rPr>
+                                <m:t>,</m:t>
+                              </m:r>
+                              <m:r>
+                                <a:rPr lang="en-US" altLang="ja-JP" i="1">
+                                  <a:latin typeface="Cambria Math" panose="02040503050406030204" pitchFamily="18" charset="0"/>
+                                </a:rPr>
+                                <m:t>𝑗</m:t>
+                              </m:r>
+                            </m:sub>
+                          </m:sSub>
+                          <m:r>
+                            <a:rPr lang="en-US" altLang="ja-JP" i="1">
+                              <a:latin typeface="Cambria Math" panose="02040503050406030204" pitchFamily="18" charset="0"/>
+                            </a:rPr>
+                            <m:t>(</m:t>
+                          </m:r>
+                          <m:r>
+                            <a:rPr lang="en-US" altLang="ja-JP" i="1">
+                              <a:latin typeface="Cambria Math" panose="02040503050406030204" pitchFamily="18" charset="0"/>
+                            </a:rPr>
+                            <m:t>𝑥</m:t>
+                          </m:r>
+                          <m:r>
+                            <a:rPr lang="en-US" altLang="ja-JP" i="1">
+                              <a:latin typeface="Cambria Math" panose="02040503050406030204" pitchFamily="18" charset="0"/>
+                            </a:rPr>
+                            <m:t>,</m:t>
+                          </m:r>
+                          <m:sSub>
+                            <m:sSubPr>
+                              <m:ctrlPr>
+                                <a:rPr lang="en-US" altLang="ja-JP" i="1">
+                                  <a:latin typeface="Cambria Math" panose="02040503050406030204" pitchFamily="18" charset="0"/>
+                                </a:rPr>
+                              </m:ctrlPr>
+                            </m:sSubPr>
+                            <m:e>
+                              <m:r>
+                                <a:rPr lang="en-US" altLang="ja-JP" i="1">
+                                  <a:latin typeface="Cambria Math" panose="02040503050406030204" pitchFamily="18" charset="0"/>
+                                </a:rPr>
+                                <m:t>𝑥</m:t>
+                              </m:r>
+                            </m:e>
+                            <m:sub>
+                              <m:r>
+                                <a:rPr lang="en-US" altLang="ja-JP" i="1">
+                                  <a:latin typeface="Cambria Math" panose="02040503050406030204" pitchFamily="18" charset="0"/>
+                                </a:rPr>
+                                <m:t>𝑖</m:t>
+                              </m:r>
+                            </m:sub>
+                          </m:sSub>
+                          <m:r>
+                            <a:rPr lang="en-US" altLang="ja-JP" i="1">
+                              <a:latin typeface="Cambria Math" panose="02040503050406030204" pitchFamily="18" charset="0"/>
+                            </a:rPr>
+                            <m:t>,</m:t>
+                          </m:r>
+                          <m:r>
+                            <a:rPr lang="en-US" altLang="ja-JP" i="1">
+                              <a:latin typeface="Cambria Math" panose="02040503050406030204" pitchFamily="18" charset="0"/>
+                            </a:rPr>
+                            <m:t>𝑡</m:t>
+                          </m:r>
+                          <m:r>
+                            <a:rPr lang="en-US" altLang="ja-JP" i="1">
+                              <a:latin typeface="Cambria Math" panose="02040503050406030204" pitchFamily="18" charset="0"/>
+                            </a:rPr>
+                            <m:t>)</m:t>
+                          </m:r>
+                        </m:num>
+                        <m:den>
+                          <m:sSub>
+                            <m:sSubPr>
+                              <m:ctrlPr>
+                                <a:rPr lang="en-US" altLang="ja-JP" i="1">
+                                  <a:latin typeface="Cambria Math" panose="02040503050406030204" pitchFamily="18" charset="0"/>
+                                </a:rPr>
+                              </m:ctrlPr>
+                            </m:sSubPr>
+                            <m:e>
+                              <m:r>
+                                <a:rPr lang="en-US" altLang="ja-JP" i="1">
+                                  <a:latin typeface="Cambria Math" panose="02040503050406030204" pitchFamily="18" charset="0"/>
+                                </a:rPr>
+                                <m:t>𝐼</m:t>
+                              </m:r>
+                            </m:e>
+                            <m:sub>
+                              <m:r>
+                                <a:rPr lang="en-US" altLang="ja-JP" i="1">
+                                  <a:latin typeface="Cambria Math" panose="02040503050406030204" pitchFamily="18" charset="0"/>
+                                </a:rPr>
+                                <m:t>𝑟</m:t>
+                              </m:r>
+                            </m:sub>
+                          </m:sSub>
+                          <m:r>
+                            <a:rPr lang="en-US" altLang="ja-JP" i="1">
+                              <a:latin typeface="Cambria Math" panose="02040503050406030204" pitchFamily="18" charset="0"/>
+                            </a:rPr>
+                            <m:t>(</m:t>
+                          </m:r>
+                          <m:r>
+                            <a:rPr lang="en-US" altLang="ja-JP" i="1">
+                              <a:latin typeface="Cambria Math" panose="02040503050406030204" pitchFamily="18" charset="0"/>
+                            </a:rPr>
+                            <m:t>𝑥</m:t>
+                          </m:r>
+                          <m:r>
+                            <a:rPr lang="en-US" altLang="ja-JP" i="1">
+                              <a:latin typeface="Cambria Math" panose="02040503050406030204" pitchFamily="18" charset="0"/>
+                            </a:rPr>
+                            <m:t>,</m:t>
+                          </m:r>
+                          <m:sSub>
+                            <m:sSubPr>
+                              <m:ctrlPr>
+                                <a:rPr lang="en-US" altLang="ja-JP" i="1">
+                                  <a:latin typeface="Cambria Math" panose="02040503050406030204" pitchFamily="18" charset="0"/>
+                                </a:rPr>
+                              </m:ctrlPr>
+                            </m:sSubPr>
+                            <m:e>
+                              <m:r>
+                                <a:rPr lang="en-US" altLang="ja-JP" i="1">
+                                  <a:latin typeface="Cambria Math" panose="02040503050406030204" pitchFamily="18" charset="0"/>
+                                </a:rPr>
+                                <m:t>𝑥</m:t>
+                              </m:r>
+                            </m:e>
+                            <m:sub>
+                              <m:r>
+                                <a:rPr lang="en-US" altLang="ja-JP" i="1">
+                                  <a:latin typeface="Cambria Math" panose="02040503050406030204" pitchFamily="18" charset="0"/>
+                                </a:rPr>
+                                <m:t>𝑖</m:t>
+                              </m:r>
+                            </m:sub>
+                          </m:sSub>
+                          <m:r>
+                            <a:rPr lang="en-US" altLang="ja-JP" i="1">
+                              <a:latin typeface="Cambria Math" panose="02040503050406030204" pitchFamily="18" charset="0"/>
+                            </a:rPr>
+                            <m:t>,</m:t>
+                          </m:r>
+                          <m:r>
+                            <a:rPr lang="en-US" altLang="ja-JP" i="1">
+                              <a:latin typeface="Cambria Math" panose="02040503050406030204" pitchFamily="18" charset="0"/>
+                            </a:rPr>
+                            <m:t>𝑡</m:t>
+                          </m:r>
+                          <m:r>
+                            <a:rPr lang="en-US" altLang="ja-JP" i="1">
+                              <a:latin typeface="Cambria Math" panose="02040503050406030204" pitchFamily="18" charset="0"/>
+                            </a:rPr>
+                            <m:t>)</m:t>
+                          </m:r>
+                        </m:den>
+                      </m:f>
+                    </m:oMath>
+                  </m:oMathPara>
+                </a14:m>
+                <a:endParaRPr kumimoji="1" lang="ja-JP" altLang="en-US"/>
+              </a:p>
+            </p:txBody>
+          </p:sp>
+        </mc:Choice>
+        <mc:Fallback>
+          <p:sp>
+            <p:nvSpPr>
+              <p:cNvPr id="6" name="テキスト ボックス 5">
+                <a:extLst>
+                  <a:ext uri="{FF2B5EF4-FFF2-40B4-BE49-F238E27FC236}">
+                    <a16:creationId xmlns:a16="http://schemas.microsoft.com/office/drawing/2014/main" id="{57BD5A96-3F03-554B-BD8B-B46F0970405E}"/>
+                  </a:ext>
+                </a:extLst>
+              </p:cNvPr>
+              <p:cNvSpPr txBox="1">
+                <a:spLocks noRot="1" noChangeAspect="1" noMove="1" noResize="1" noEditPoints="1" noAdjustHandles="1" noChangeArrowheads="1" noChangeShapeType="1" noTextEdit="1"/>
+              </p:cNvSpPr>
+              <p:nvPr/>
+            </p:nvSpPr>
+            <p:spPr>
+              <a:xfrm>
+                <a:off x="3174437" y="3029605"/>
+                <a:ext cx="2651367" cy="584712"/>
+              </a:xfrm>
+              <a:prstGeom prst="rect">
+                <a:avLst/>
+              </a:prstGeom>
+              <a:blipFill>
+                <a:blip r:embed="rId5"/>
+                <a:stretch>
+                  <a:fillRect l="-1435" r="-2392" b="-19149"/>
+                </a:stretch>
+              </a:blipFill>
+            </p:spPr>
+            <p:txBody>
+              <a:bodyPr/>
+              <a:lstStyle/>
+              <a:p>
+                <a:r>
+                  <a:rPr lang="ja-JP" altLang="en-US">
+                    <a:noFill/>
+                  </a:rPr>
+                  <a:t> </a:t>
+                </a:r>
+              </a:p>
+            </p:txBody>
+          </p:sp>
+        </mc:Fallback>
+      </mc:AlternateContent>
+      <mc:AlternateContent xmlns:mc="http://schemas.openxmlformats.org/markup-compatibility/2006">
+        <mc:Choice xmlns:a14="http://schemas.microsoft.com/office/drawing/2010/main" Requires="a14">
+          <p:sp>
+            <p:nvSpPr>
+              <p:cNvPr id="10" name="テキスト ボックス 9">
+                <a:extLst>
+                  <a:ext uri="{FF2B5EF4-FFF2-40B4-BE49-F238E27FC236}">
+                    <a16:creationId xmlns:a16="http://schemas.microsoft.com/office/drawing/2014/main" id="{252FF361-4A0C-0243-944E-24F518AAF175}"/>
+                  </a:ext>
+                </a:extLst>
+              </p:cNvPr>
+              <p:cNvSpPr txBox="1"/>
+              <p:nvPr/>
+            </p:nvSpPr>
+            <p:spPr>
+              <a:xfrm>
+                <a:off x="3094318" y="5694995"/>
+                <a:ext cx="2925481" cy="619400"/>
+              </a:xfrm>
+              <a:prstGeom prst="rect">
+                <a:avLst/>
+              </a:prstGeom>
+              <a:noFill/>
+            </p:spPr>
+            <p:txBody>
+              <a:bodyPr wrap="none" lIns="0" tIns="0" rIns="0" bIns="0" rtlCol="0">
+                <a:spAutoFit/>
+              </a:bodyPr>
+              <a:lstStyle/>
+              <a:p>
+                <a14:m>
+                  <m:oMathPara xmlns:m="http://schemas.openxmlformats.org/officeDocument/2006/math">
+                    <m:oMathParaPr>
+                      <m:jc m:val="centerGroup"/>
+                    </m:oMathParaPr>
+                    <m:oMath xmlns:m="http://schemas.openxmlformats.org/officeDocument/2006/math">
+                      <m:sSub>
+                        <m:sSubPr>
+                          <m:ctrlPr>
+                            <a:rPr kumimoji="1" lang="en-US" altLang="ja-JP" i="1" smtClean="0">
+                              <a:latin typeface="Cambria Math" panose="02040503050406030204" pitchFamily="18" charset="0"/>
+                            </a:rPr>
+                          </m:ctrlPr>
+                        </m:sSubPr>
+                        <m:e>
+                          <m:r>
+                            <a:rPr kumimoji="1" lang="en-US" altLang="ja-JP" b="0" i="1" smtClean="0">
+                              <a:latin typeface="Cambria Math" panose="02040503050406030204" pitchFamily="18" charset="0"/>
+                            </a:rPr>
+                            <m:t>𝐻</m:t>
+                          </m:r>
+                        </m:e>
+                        <m:sub>
+                          <m:r>
+                            <a:rPr kumimoji="1" lang="en-US" altLang="ja-JP" b="0" i="1" smtClean="0">
+                              <a:latin typeface="Cambria Math" panose="02040503050406030204" pitchFamily="18" charset="0"/>
+                            </a:rPr>
+                            <m:t>𝑟</m:t>
+                          </m:r>
+                          <m:r>
+                            <a:rPr kumimoji="1" lang="en-US" altLang="ja-JP" b="0" i="1" smtClean="0">
+                              <a:latin typeface="Cambria Math" panose="02040503050406030204" pitchFamily="18" charset="0"/>
+                            </a:rPr>
+                            <m:t>,</m:t>
+                          </m:r>
+                          <m:r>
+                            <a:rPr kumimoji="1" lang="en-US" altLang="ja-JP" b="0" i="1" smtClean="0">
+                              <a:latin typeface="Cambria Math" panose="02040503050406030204" pitchFamily="18" charset="0"/>
+                            </a:rPr>
+                            <m:t>𝑗</m:t>
+                          </m:r>
+                        </m:sub>
+                      </m:sSub>
+                      <m:d>
+                        <m:dPr>
+                          <m:ctrlPr>
+                            <a:rPr kumimoji="1" lang="en-US" altLang="ja-JP" b="0" i="1" smtClean="0">
+                              <a:latin typeface="Cambria Math" panose="02040503050406030204" pitchFamily="18" charset="0"/>
+                            </a:rPr>
+                          </m:ctrlPr>
+                        </m:dPr>
+                        <m:e>
+                          <m:r>
+                            <a:rPr kumimoji="1" lang="en-US" altLang="ja-JP" b="0" i="1" smtClean="0">
+                              <a:latin typeface="Cambria Math" panose="02040503050406030204" pitchFamily="18" charset="0"/>
+                            </a:rPr>
+                            <m:t>𝑥</m:t>
+                          </m:r>
+                          <m:r>
+                            <a:rPr kumimoji="1" lang="en-US" altLang="ja-JP" b="0" i="1" smtClean="0">
+                              <a:latin typeface="Cambria Math" panose="02040503050406030204" pitchFamily="18" charset="0"/>
+                            </a:rPr>
+                            <m:t>,</m:t>
+                          </m:r>
+                          <m:sSub>
+                            <m:sSubPr>
+                              <m:ctrlPr>
+                                <a:rPr kumimoji="1" lang="en-US" altLang="ja-JP" b="0" i="1" smtClean="0">
+                                  <a:latin typeface="Cambria Math" panose="02040503050406030204" pitchFamily="18" charset="0"/>
+                                </a:rPr>
+                              </m:ctrlPr>
+                            </m:sSubPr>
+                            <m:e>
+                              <m:r>
+                                <a:rPr kumimoji="1" lang="en-US" altLang="ja-JP" b="0" i="1" smtClean="0">
+                                  <a:latin typeface="Cambria Math" panose="02040503050406030204" pitchFamily="18" charset="0"/>
+                                </a:rPr>
+                                <m:t>𝑥</m:t>
+                              </m:r>
+                            </m:e>
+                            <m:sub>
+                              <m:r>
+                                <a:rPr kumimoji="1" lang="en-US" altLang="ja-JP" b="0" i="1" smtClean="0">
+                                  <a:latin typeface="Cambria Math" panose="02040503050406030204" pitchFamily="18" charset="0"/>
+                                </a:rPr>
+                                <m:t>𝑖</m:t>
+                              </m:r>
+                            </m:sub>
+                          </m:sSub>
+                          <m:r>
+                            <a:rPr kumimoji="1" lang="en-US" altLang="ja-JP" b="0" i="1" smtClean="0">
+                              <a:latin typeface="Cambria Math" panose="02040503050406030204" pitchFamily="18" charset="0"/>
+                            </a:rPr>
+                            <m:t>,</m:t>
+                          </m:r>
+                          <m:r>
+                            <a:rPr kumimoji="1" lang="en-US" altLang="ja-JP" b="0" i="1" smtClean="0">
+                              <a:latin typeface="Cambria Math" panose="02040503050406030204" pitchFamily="18" charset="0"/>
+                            </a:rPr>
+                            <m:t>𝑡</m:t>
+                          </m:r>
+                        </m:e>
+                      </m:d>
+                      <m:r>
+                        <a:rPr kumimoji="1" lang="en-US" altLang="ja-JP" b="0" i="1" smtClean="0">
+                          <a:latin typeface="Cambria Math" panose="02040503050406030204" pitchFamily="18" charset="0"/>
+                        </a:rPr>
+                        <m:t>=</m:t>
+                      </m:r>
+                      <m:nary>
+                        <m:naryPr>
+                          <m:ctrlPr>
+                            <a:rPr kumimoji="1" lang="en-US" altLang="ja-JP" b="0" i="1" smtClean="0">
+                              <a:latin typeface="Cambria Math" panose="02040503050406030204" pitchFamily="18" charset="0"/>
+                            </a:rPr>
+                          </m:ctrlPr>
+                        </m:naryPr>
+                        <m:sub>
+                          <m:r>
+                            <m:rPr>
+                              <m:brk m:alnAt="23"/>
+                            </m:rPr>
+                            <a:rPr kumimoji="1" lang="en-US" altLang="ja-JP" b="0" i="1" smtClean="0">
+                              <a:latin typeface="Cambria Math" panose="02040503050406030204" pitchFamily="18" charset="0"/>
+                            </a:rPr>
+                            <m:t>0</m:t>
+                          </m:r>
+                        </m:sub>
+                        <m:sup>
+                          <m:r>
+                            <a:rPr kumimoji="1" lang="en-US" altLang="ja-JP" b="0" i="1" smtClean="0">
+                              <a:latin typeface="Cambria Math" panose="02040503050406030204" pitchFamily="18" charset="0"/>
+                            </a:rPr>
+                            <m:t>𝑡</m:t>
+                          </m:r>
+                        </m:sup>
+                        <m:e>
+                          <m:sSub>
+                            <m:sSubPr>
+                              <m:ctrlPr>
+                                <a:rPr kumimoji="1" lang="en-US" altLang="ja-JP" b="0" i="1" smtClean="0">
+                                  <a:latin typeface="Cambria Math" panose="02040503050406030204" pitchFamily="18" charset="0"/>
+                                </a:rPr>
+                              </m:ctrlPr>
+                            </m:sSubPr>
+                            <m:e>
+                              <m:r>
+                                <a:rPr kumimoji="1" lang="en-US" altLang="ja-JP" b="0" i="1" smtClean="0">
+                                  <a:latin typeface="Cambria Math" panose="02040503050406030204" pitchFamily="18" charset="0"/>
+                                </a:rPr>
+                                <m:t>h</m:t>
+                              </m:r>
+                            </m:e>
+                            <m:sub>
+                              <m:r>
+                                <a:rPr kumimoji="1" lang="en-US" altLang="ja-JP" b="0" i="1" smtClean="0">
+                                  <a:latin typeface="Cambria Math" panose="02040503050406030204" pitchFamily="18" charset="0"/>
+                                </a:rPr>
+                                <m:t>𝑟</m:t>
+                              </m:r>
+                              <m:r>
+                                <a:rPr kumimoji="1" lang="en-US" altLang="ja-JP" b="0" i="1" smtClean="0">
+                                  <a:latin typeface="Cambria Math" panose="02040503050406030204" pitchFamily="18" charset="0"/>
+                                </a:rPr>
+                                <m:t>,</m:t>
+                              </m:r>
+                              <m:r>
+                                <a:rPr kumimoji="1" lang="en-US" altLang="ja-JP" b="0" i="1" smtClean="0">
+                                  <a:latin typeface="Cambria Math" panose="02040503050406030204" pitchFamily="18" charset="0"/>
+                                </a:rPr>
+                                <m:t>𝑗</m:t>
+                              </m:r>
+                            </m:sub>
+                          </m:sSub>
+                          <m:d>
+                            <m:dPr>
+                              <m:ctrlPr>
+                                <a:rPr kumimoji="1" lang="en-US" altLang="ja-JP" b="0" i="1" smtClean="0">
+                                  <a:latin typeface="Cambria Math" panose="02040503050406030204" pitchFamily="18" charset="0"/>
+                                </a:rPr>
+                              </m:ctrlPr>
+                            </m:dPr>
+                            <m:e>
+                              <m:sSup>
+                                <m:sSupPr>
+                                  <m:ctrlPr>
+                                    <a:rPr kumimoji="1" lang="en-US" altLang="ja-JP" b="0" i="1" smtClean="0">
+                                      <a:latin typeface="Cambria Math" panose="02040503050406030204" pitchFamily="18" charset="0"/>
+                                    </a:rPr>
+                                  </m:ctrlPr>
+                                </m:sSupPr>
+                                <m:e>
+                                  <m:r>
+                                    <a:rPr kumimoji="1" lang="en-US" altLang="ja-JP" b="0" i="1" smtClean="0">
+                                      <a:latin typeface="Cambria Math" panose="02040503050406030204" pitchFamily="18" charset="0"/>
+                                    </a:rPr>
+                                    <m:t>𝑡</m:t>
+                                  </m:r>
+                                </m:e>
+                                <m:sup>
+                                  <m:r>
+                                    <a:rPr kumimoji="1" lang="en-US" altLang="ja-JP" b="0" i="1" smtClean="0">
+                                      <a:latin typeface="Cambria Math" panose="02040503050406030204" pitchFamily="18" charset="0"/>
+                                    </a:rPr>
+                                    <m:t>′</m:t>
+                                  </m:r>
+                                </m:sup>
+                              </m:sSup>
+                            </m:e>
+                          </m:d>
+                          <m:r>
+                            <a:rPr kumimoji="1" lang="en-US" altLang="ja-JP" b="0" i="1" smtClean="0">
+                              <a:latin typeface="Cambria Math" panose="02040503050406030204" pitchFamily="18" charset="0"/>
+                            </a:rPr>
+                            <m:t>𝑑</m:t>
+                          </m:r>
+                          <m:sSup>
+                            <m:sSupPr>
+                              <m:ctrlPr>
+                                <a:rPr kumimoji="1" lang="en-US" altLang="ja-JP" b="0" i="1" smtClean="0">
+                                  <a:latin typeface="Cambria Math" panose="02040503050406030204" pitchFamily="18" charset="0"/>
+                                </a:rPr>
+                              </m:ctrlPr>
+                            </m:sSupPr>
+                            <m:e>
+                              <m:r>
+                                <a:rPr kumimoji="1" lang="en-US" altLang="ja-JP" b="0" i="1" smtClean="0">
+                                  <a:latin typeface="Cambria Math" panose="02040503050406030204" pitchFamily="18" charset="0"/>
+                                </a:rPr>
+                                <m:t>𝑡</m:t>
+                              </m:r>
+                            </m:e>
+                            <m:sup>
+                              <m:r>
+                                <a:rPr kumimoji="1" lang="en-US" altLang="ja-JP" b="0" i="1" smtClean="0">
+                                  <a:latin typeface="Cambria Math" panose="02040503050406030204" pitchFamily="18" charset="0"/>
+                                </a:rPr>
+                                <m:t>′</m:t>
+                              </m:r>
+                            </m:sup>
+                          </m:sSup>
+                        </m:e>
+                      </m:nary>
+                    </m:oMath>
+                  </m:oMathPara>
+                </a14:m>
+                <a:endParaRPr kumimoji="1" lang="ja-JP" altLang="en-US"/>
+              </a:p>
+            </p:txBody>
+          </p:sp>
+        </mc:Choice>
+        <mc:Fallback>
+          <p:sp>
+            <p:nvSpPr>
+              <p:cNvPr id="10" name="テキスト ボックス 9">
+                <a:extLst>
+                  <a:ext uri="{FF2B5EF4-FFF2-40B4-BE49-F238E27FC236}">
+                    <a16:creationId xmlns:a16="http://schemas.microsoft.com/office/drawing/2014/main" id="{252FF361-4A0C-0243-944E-24F518AAF175}"/>
+                  </a:ext>
+                </a:extLst>
+              </p:cNvPr>
+              <p:cNvSpPr txBox="1">
+                <a:spLocks noRot="1" noChangeAspect="1" noMove="1" noResize="1" noEditPoints="1" noAdjustHandles="1" noChangeArrowheads="1" noChangeShapeType="1" noTextEdit="1"/>
+              </p:cNvSpPr>
+              <p:nvPr/>
+            </p:nvSpPr>
+            <p:spPr>
+              <a:xfrm>
+                <a:off x="3094318" y="5694995"/>
+                <a:ext cx="2925481" cy="619400"/>
+              </a:xfrm>
+              <a:prstGeom prst="rect">
+                <a:avLst/>
+              </a:prstGeom>
+              <a:blipFill>
+                <a:blip r:embed="rId6"/>
+                <a:stretch>
+                  <a:fillRect t="-180000" b="-268000"/>
+                </a:stretch>
+              </a:blipFill>
+            </p:spPr>
+            <p:txBody>
+              <a:bodyPr/>
+              <a:lstStyle/>
+              <a:p>
+                <a:r>
+                  <a:rPr lang="ja-JP" altLang="en-US">
+                    <a:noFill/>
+                  </a:rPr>
+                  <a:t> </a:t>
+                </a:r>
+              </a:p>
+            </p:txBody>
+          </p:sp>
+        </mc:Fallback>
+      </mc:AlternateContent>
+      <mc:AlternateContent xmlns:mc="http://schemas.openxmlformats.org/markup-compatibility/2006">
+        <mc:Choice xmlns:a14="http://schemas.microsoft.com/office/drawing/2010/main" Requires="a14">
+          <p:sp>
+            <p:nvSpPr>
+              <p:cNvPr id="11" name="テキスト ボックス 10">
+                <a:extLst>
+                  <a:ext uri="{FF2B5EF4-FFF2-40B4-BE49-F238E27FC236}">
+                    <a16:creationId xmlns:a16="http://schemas.microsoft.com/office/drawing/2014/main" id="{1A68278C-935B-A14E-9496-F4FDE08DC2B3}"/>
+                  </a:ext>
+                </a:extLst>
+              </p:cNvPr>
+              <p:cNvSpPr txBox="1"/>
+              <p:nvPr/>
+            </p:nvSpPr>
+            <p:spPr>
+              <a:xfrm>
+                <a:off x="3120845" y="4317613"/>
+                <a:ext cx="3180166" cy="304186"/>
+              </a:xfrm>
+              <a:prstGeom prst="rect">
+                <a:avLst/>
+              </a:prstGeom>
+              <a:noFill/>
+            </p:spPr>
+            <p:txBody>
+              <a:bodyPr wrap="none" lIns="0" tIns="0" rIns="0" bIns="0" rtlCol="0">
+                <a:spAutoFit/>
+              </a:bodyPr>
+              <a:lstStyle/>
+              <a:p>
+                <a14:m>
+                  <m:oMathPara xmlns:m="http://schemas.openxmlformats.org/officeDocument/2006/math">
+                    <m:oMathParaPr>
+                      <m:jc m:val="centerGroup"/>
+                    </m:oMathParaPr>
+                    <m:oMath xmlns:m="http://schemas.openxmlformats.org/officeDocument/2006/math">
+                      <m:sSub>
+                        <m:sSubPr>
+                          <m:ctrlPr>
+                            <a:rPr kumimoji="1" lang="en-US" altLang="ja-JP" i="1" smtClean="0">
+                              <a:latin typeface="Cambria Math" panose="02040503050406030204" pitchFamily="18" charset="0"/>
+                            </a:rPr>
+                          </m:ctrlPr>
+                        </m:sSubPr>
+                        <m:e>
+                          <m:r>
+                            <a:rPr kumimoji="1" lang="en-US" altLang="ja-JP" b="0" i="1" smtClean="0">
+                              <a:latin typeface="Cambria Math" panose="02040503050406030204" pitchFamily="18" charset="0"/>
+                            </a:rPr>
+                            <m:t>h</m:t>
+                          </m:r>
+                        </m:e>
+                        <m:sub>
+                          <m:r>
+                            <a:rPr kumimoji="1" lang="en-US" altLang="ja-JP" b="0" i="1" smtClean="0">
+                              <a:latin typeface="Cambria Math" panose="02040503050406030204" pitchFamily="18" charset="0"/>
+                            </a:rPr>
+                            <m:t>𝑟</m:t>
+                          </m:r>
+                          <m:r>
+                            <a:rPr kumimoji="1" lang="en-US" altLang="ja-JP" b="0" i="1" smtClean="0">
+                              <a:latin typeface="Cambria Math" panose="02040503050406030204" pitchFamily="18" charset="0"/>
+                            </a:rPr>
+                            <m:t>,</m:t>
+                          </m:r>
+                          <m:r>
+                            <a:rPr kumimoji="1" lang="en-US" altLang="ja-JP" b="0" i="1" smtClean="0">
+                              <a:latin typeface="Cambria Math" panose="02040503050406030204" pitchFamily="18" charset="0"/>
+                            </a:rPr>
+                            <m:t>𝑗</m:t>
+                          </m:r>
+                        </m:sub>
+                      </m:sSub>
+                      <m:d>
+                        <m:dPr>
+                          <m:ctrlPr>
+                            <a:rPr kumimoji="1" lang="en-US" altLang="ja-JP" b="0" i="1" smtClean="0">
+                              <a:latin typeface="Cambria Math" panose="02040503050406030204" pitchFamily="18" charset="0"/>
+                            </a:rPr>
+                          </m:ctrlPr>
+                        </m:dPr>
+                        <m:e>
+                          <m:sSup>
+                            <m:sSupPr>
+                              <m:ctrlPr>
+                                <a:rPr kumimoji="1" lang="en-US" altLang="ja-JP" b="0" i="1" smtClean="0">
+                                  <a:latin typeface="Cambria Math" panose="02040503050406030204" pitchFamily="18" charset="0"/>
+                                </a:rPr>
+                              </m:ctrlPr>
+                            </m:sSupPr>
+                            <m:e>
+                              <m:r>
+                                <a:rPr kumimoji="1" lang="en-US" altLang="ja-JP" b="0" i="1" smtClean="0">
+                                  <a:latin typeface="Cambria Math" panose="02040503050406030204" pitchFamily="18" charset="0"/>
+                                </a:rPr>
+                                <m:t>𝑡</m:t>
+                              </m:r>
+                            </m:e>
+                            <m:sup>
+                              <m:r>
+                                <a:rPr kumimoji="1" lang="en-US" altLang="ja-JP" b="0" i="1" smtClean="0">
+                                  <a:latin typeface="Cambria Math" panose="02040503050406030204" pitchFamily="18" charset="0"/>
+                                </a:rPr>
+                                <m:t>′</m:t>
+                              </m:r>
+                            </m:sup>
+                          </m:sSup>
+                        </m:e>
+                      </m:d>
+                      <m:r>
+                        <a:rPr kumimoji="1" lang="en-US" altLang="ja-JP" b="0" i="1" smtClean="0">
+                          <a:latin typeface="Cambria Math" panose="02040503050406030204" pitchFamily="18" charset="0"/>
+                        </a:rPr>
+                        <m:t>=</m:t>
+                      </m:r>
+                      <m:sSub>
+                        <m:sSubPr>
+                          <m:ctrlPr>
+                            <a:rPr kumimoji="1" lang="en-US" altLang="ja-JP" b="0" i="1" smtClean="0">
+                              <a:latin typeface="Cambria Math" panose="02040503050406030204" pitchFamily="18" charset="0"/>
+                            </a:rPr>
+                          </m:ctrlPr>
+                        </m:sSubPr>
+                        <m:e>
+                          <m:r>
+                            <a:rPr kumimoji="1" lang="en-US" altLang="ja-JP" b="0" i="1" smtClean="0">
+                              <a:latin typeface="Cambria Math" panose="02040503050406030204" pitchFamily="18" charset="0"/>
+                            </a:rPr>
+                            <m:t>h</m:t>
+                          </m:r>
+                        </m:e>
+                        <m:sub>
+                          <m:r>
+                            <a:rPr kumimoji="1" lang="en-US" altLang="ja-JP" b="0" i="1" smtClean="0">
+                              <a:latin typeface="Cambria Math" panose="02040503050406030204" pitchFamily="18" charset="0"/>
+                            </a:rPr>
+                            <m:t>𝑟</m:t>
+                          </m:r>
+                          <m:r>
+                            <a:rPr kumimoji="1" lang="en-US" altLang="ja-JP" b="0" i="1" smtClean="0">
+                              <a:latin typeface="Cambria Math" panose="02040503050406030204" pitchFamily="18" charset="0"/>
+                            </a:rPr>
+                            <m:t>,</m:t>
+                          </m:r>
+                          <m:sSub>
+                            <m:sSubPr>
+                              <m:ctrlPr>
+                                <a:rPr kumimoji="1" lang="en-US" altLang="ja-JP" b="0" i="1" smtClean="0">
+                                  <a:latin typeface="Cambria Math" panose="02040503050406030204" pitchFamily="18" charset="0"/>
+                                </a:rPr>
+                              </m:ctrlPr>
+                            </m:sSubPr>
+                            <m:e>
+                              <m:r>
+                                <a:rPr kumimoji="1" lang="en-US" altLang="ja-JP" b="0" i="1" smtClean="0">
+                                  <a:latin typeface="Cambria Math" panose="02040503050406030204" pitchFamily="18" charset="0"/>
+                                </a:rPr>
+                                <m:t>𝑥</m:t>
+                              </m:r>
+                            </m:e>
+                            <m:sub>
+                              <m:r>
+                                <a:rPr kumimoji="1" lang="en-US" altLang="ja-JP" b="0" i="1" smtClean="0">
+                                  <a:latin typeface="Cambria Math" panose="02040503050406030204" pitchFamily="18" charset="0"/>
+                                </a:rPr>
+                                <m:t>𝑖</m:t>
+                              </m:r>
+                            </m:sub>
+                          </m:sSub>
+                          <m:r>
+                            <a:rPr kumimoji="1" lang="en-US" altLang="ja-JP" b="0" i="1" smtClean="0">
+                              <a:latin typeface="Cambria Math" panose="02040503050406030204" pitchFamily="18" charset="0"/>
+                            </a:rPr>
+                            <m:t>,</m:t>
+                          </m:r>
+                          <m:r>
+                            <a:rPr kumimoji="1" lang="en-US" altLang="ja-JP" b="0" i="1" smtClean="0">
+                              <a:latin typeface="Cambria Math" panose="02040503050406030204" pitchFamily="18" charset="0"/>
+                            </a:rPr>
+                            <m:t>𝑗</m:t>
+                          </m:r>
+                        </m:sub>
+                      </m:sSub>
+                      <m:r>
+                        <a:rPr kumimoji="1" lang="en-US" altLang="ja-JP" b="0" i="1" smtClean="0">
+                          <a:latin typeface="Cambria Math" panose="02040503050406030204" pitchFamily="18" charset="0"/>
+                        </a:rPr>
+                        <m:t>(</m:t>
+                      </m:r>
+                      <m:r>
+                        <a:rPr kumimoji="1" lang="en-US" altLang="ja-JP" b="0" i="1" smtClean="0">
+                          <a:latin typeface="Cambria Math" panose="02040503050406030204" pitchFamily="18" charset="0"/>
+                        </a:rPr>
+                        <m:t>𝑡</m:t>
+                      </m:r>
+                      <m:r>
+                        <a:rPr kumimoji="1" lang="en-US" altLang="ja-JP" b="0" i="1" smtClean="0">
+                          <a:latin typeface="Cambria Math" panose="02040503050406030204" pitchFamily="18" charset="0"/>
+                        </a:rPr>
+                        <m:t>′)</m:t>
+                      </m:r>
+                      <m:sSub>
+                        <m:sSubPr>
+                          <m:ctrlPr>
+                            <a:rPr kumimoji="1" lang="en-US" altLang="ja-JP" b="0" i="1" smtClean="0">
+                              <a:latin typeface="Cambria Math" panose="02040503050406030204" pitchFamily="18" charset="0"/>
+                            </a:rPr>
+                          </m:ctrlPr>
+                        </m:sSubPr>
+                        <m:e>
+                          <m:r>
+                            <a:rPr kumimoji="1" lang="en-US" altLang="ja-JP" b="0" i="1" smtClean="0">
+                              <a:latin typeface="Cambria Math" panose="02040503050406030204" pitchFamily="18" charset="0"/>
+                            </a:rPr>
+                            <m:t>h</m:t>
+                          </m:r>
+                        </m:e>
+                        <m:sub>
+                          <m:r>
+                            <a:rPr kumimoji="1" lang="en-US" altLang="ja-JP" b="0" i="1" smtClean="0">
+                              <a:latin typeface="Cambria Math" panose="02040503050406030204" pitchFamily="18" charset="0"/>
+                            </a:rPr>
+                            <m:t>𝑟</m:t>
+                          </m:r>
+                          <m:r>
+                            <a:rPr kumimoji="1" lang="en-US" altLang="ja-JP" b="0" i="1" smtClean="0">
+                              <a:latin typeface="Cambria Math" panose="02040503050406030204" pitchFamily="18" charset="0"/>
+                            </a:rPr>
+                            <m:t>,</m:t>
+                          </m:r>
+                          <m:r>
+                            <a:rPr kumimoji="1" lang="en-US" altLang="ja-JP" b="0" i="1" smtClean="0">
+                              <a:latin typeface="Cambria Math" panose="02040503050406030204" pitchFamily="18" charset="0"/>
+                            </a:rPr>
+                            <m:t>𝑗</m:t>
+                          </m:r>
+                          <m:r>
+                            <a:rPr kumimoji="1" lang="en-US" altLang="ja-JP" b="0" i="1" smtClean="0">
+                              <a:latin typeface="Cambria Math" panose="02040503050406030204" pitchFamily="18" charset="0"/>
+                            </a:rPr>
+                            <m:t>,</m:t>
+                          </m:r>
+                          <m:r>
+                            <a:rPr kumimoji="1" lang="en-US" altLang="ja-JP" b="0" i="1" smtClean="0">
+                              <a:latin typeface="Cambria Math" panose="02040503050406030204" pitchFamily="18" charset="0"/>
+                            </a:rPr>
+                            <m:t>𝑥</m:t>
+                          </m:r>
+                        </m:sub>
+                      </m:sSub>
+                      <m:r>
+                        <a:rPr kumimoji="1" lang="en-US" altLang="ja-JP" b="0" i="1" smtClean="0">
+                          <a:latin typeface="Cambria Math" panose="02040503050406030204" pitchFamily="18" charset="0"/>
+                        </a:rPr>
+                        <m:t>(</m:t>
+                      </m:r>
+                      <m:r>
+                        <a:rPr kumimoji="1" lang="en-US" altLang="ja-JP" b="0" i="1" smtClean="0">
+                          <a:latin typeface="Cambria Math" panose="02040503050406030204" pitchFamily="18" charset="0"/>
+                        </a:rPr>
+                        <m:t>𝑡</m:t>
+                      </m:r>
+                      <m:r>
+                        <a:rPr kumimoji="1" lang="en-US" altLang="ja-JP" b="0" i="1" smtClean="0">
+                          <a:latin typeface="Cambria Math" panose="02040503050406030204" pitchFamily="18" charset="0"/>
+                        </a:rPr>
+                        <m:t>−</m:t>
+                      </m:r>
+                      <m:r>
+                        <a:rPr kumimoji="1" lang="en-US" altLang="ja-JP" b="0" i="1" smtClean="0">
+                          <a:latin typeface="Cambria Math" panose="02040503050406030204" pitchFamily="18" charset="0"/>
+                        </a:rPr>
+                        <m:t>𝑡</m:t>
+                      </m:r>
+                      <m:r>
+                        <a:rPr kumimoji="1" lang="en-US" altLang="ja-JP" b="0" i="1" smtClean="0">
+                          <a:latin typeface="Cambria Math" panose="02040503050406030204" pitchFamily="18" charset="0"/>
+                        </a:rPr>
+                        <m:t>′)</m:t>
+                      </m:r>
+                    </m:oMath>
+                  </m:oMathPara>
+                </a14:m>
+                <a:endParaRPr kumimoji="1" lang="ja-JP" altLang="en-US"/>
+              </a:p>
+            </p:txBody>
+          </p:sp>
+        </mc:Choice>
+        <mc:Fallback>
+          <p:sp>
+            <p:nvSpPr>
+              <p:cNvPr id="11" name="テキスト ボックス 10">
+                <a:extLst>
+                  <a:ext uri="{FF2B5EF4-FFF2-40B4-BE49-F238E27FC236}">
+                    <a16:creationId xmlns:a16="http://schemas.microsoft.com/office/drawing/2014/main" id="{1A68278C-935B-A14E-9496-F4FDE08DC2B3}"/>
+                  </a:ext>
+                </a:extLst>
+              </p:cNvPr>
+              <p:cNvSpPr txBox="1">
+                <a:spLocks noRot="1" noChangeAspect="1" noMove="1" noResize="1" noEditPoints="1" noAdjustHandles="1" noChangeArrowheads="1" noChangeShapeType="1" noTextEdit="1"/>
+              </p:cNvSpPr>
+              <p:nvPr/>
+            </p:nvSpPr>
+            <p:spPr>
+              <a:xfrm>
+                <a:off x="3120845" y="4317613"/>
+                <a:ext cx="3180166" cy="304186"/>
+              </a:xfrm>
+              <a:prstGeom prst="rect">
+                <a:avLst/>
+              </a:prstGeom>
+              <a:blipFill>
+                <a:blip r:embed="rId7"/>
+                <a:stretch>
+                  <a:fillRect l="-1190" r="-1984" b="-28000"/>
+                </a:stretch>
+              </a:blipFill>
+            </p:spPr>
+            <p:txBody>
+              <a:bodyPr/>
+              <a:lstStyle/>
+              <a:p>
+                <a:r>
+                  <a:rPr lang="ja-JP" altLang="en-US">
+                    <a:noFill/>
+                  </a:rPr>
+                  <a:t> </a:t>
+                </a:r>
+              </a:p>
+            </p:txBody>
+          </p:sp>
+        </mc:Fallback>
+      </mc:AlternateContent>
+      <mc:AlternateContent xmlns:mc="http://schemas.openxmlformats.org/markup-compatibility/2006">
+        <mc:Choice xmlns:a14="http://schemas.microsoft.com/office/drawing/2010/main" Requires="a14">
+          <p:sp>
+            <p:nvSpPr>
+              <p:cNvPr id="12" name="テキスト ボックス 11">
+                <a:extLst>
+                  <a:ext uri="{FF2B5EF4-FFF2-40B4-BE49-F238E27FC236}">
+                    <a16:creationId xmlns:a16="http://schemas.microsoft.com/office/drawing/2014/main" id="{CD7B116D-5B88-E846-83CE-E418992E7EF5}"/>
+                  </a:ext>
+                </a:extLst>
+              </p:cNvPr>
+              <p:cNvSpPr txBox="1"/>
+              <p:nvPr/>
+            </p:nvSpPr>
+            <p:spPr>
+              <a:xfrm>
+                <a:off x="838200" y="3648968"/>
+                <a:ext cx="9379974" cy="668645"/>
+              </a:xfrm>
+              <a:prstGeom prst="rect">
+                <a:avLst/>
+              </a:prstGeom>
+              <a:noFill/>
+            </p:spPr>
+            <p:txBody>
+              <a:bodyPr wrap="square" rtlCol="0">
+                <a:spAutoFit/>
+              </a:bodyPr>
+              <a:lstStyle/>
+              <a:p>
+                <a:r>
+                  <a:rPr kumimoji="1" lang="ja-JP" altLang="en-US"/>
+                  <a:t>時刻</a:t>
+                </a:r>
+                <a:r>
+                  <a:rPr kumimoji="1" lang="en-US" altLang="ja-JP" dirty="0"/>
+                  <a:t>t</a:t>
+                </a:r>
+                <a:r>
+                  <a:rPr kumimoji="1" lang="ja-JP" altLang="en-US"/>
+                  <a:t>で</a:t>
+                </a:r>
+                <a14:m>
+                  <m:oMath xmlns:m="http://schemas.openxmlformats.org/officeDocument/2006/math">
+                    <m:sSub>
+                      <m:sSubPr>
+                        <m:ctrlPr>
+                          <a:rPr kumimoji="1" lang="en-US" altLang="ja-JP" i="1" smtClean="0">
+                            <a:latin typeface="Cambria Math" panose="02040503050406030204" pitchFamily="18" charset="0"/>
+                          </a:rPr>
+                        </m:ctrlPr>
+                      </m:sSubPr>
+                      <m:e>
+                        <m:r>
+                          <a:rPr kumimoji="1" lang="en-US" altLang="ja-JP" b="0" i="1" smtClean="0">
+                            <a:latin typeface="Cambria Math" panose="02040503050406030204" pitchFamily="18" charset="0"/>
+                          </a:rPr>
+                          <m:t>𝐼</m:t>
+                        </m:r>
+                      </m:e>
+                      <m:sub>
+                        <m:r>
+                          <a:rPr kumimoji="1" lang="en-US" altLang="ja-JP" b="0" i="1" smtClean="0">
+                            <a:latin typeface="Cambria Math" panose="02040503050406030204" pitchFamily="18" charset="0"/>
+                          </a:rPr>
+                          <m:t>𝑟</m:t>
+                        </m:r>
+                      </m:sub>
+                    </m:sSub>
+                    <m:r>
+                      <a:rPr kumimoji="1" lang="en-US" altLang="ja-JP" b="0" i="1" smtClean="0">
+                        <a:latin typeface="Cambria Math" panose="02040503050406030204" pitchFamily="18" charset="0"/>
+                      </a:rPr>
+                      <m:t>(</m:t>
+                    </m:r>
+                    <m:r>
+                      <a:rPr kumimoji="1" lang="en-US" altLang="ja-JP" b="0" i="1" smtClean="0">
+                        <a:latin typeface="Cambria Math" panose="02040503050406030204" pitchFamily="18" charset="0"/>
+                      </a:rPr>
+                      <m:t>𝑥</m:t>
+                    </m:r>
+                    <m:r>
+                      <a:rPr kumimoji="1" lang="en-US" altLang="ja-JP" b="0" i="1" smtClean="0">
+                        <a:latin typeface="Cambria Math" panose="02040503050406030204" pitchFamily="18" charset="0"/>
+                      </a:rPr>
+                      <m:t>,</m:t>
+                    </m:r>
+                    <m:sSub>
+                      <m:sSubPr>
+                        <m:ctrlPr>
+                          <a:rPr kumimoji="1" lang="en-US" altLang="ja-JP" b="0" i="1" smtClean="0">
+                            <a:latin typeface="Cambria Math" panose="02040503050406030204" pitchFamily="18" charset="0"/>
+                          </a:rPr>
+                        </m:ctrlPr>
+                      </m:sSubPr>
+                      <m:e>
+                        <m:r>
+                          <a:rPr kumimoji="1" lang="en-US" altLang="ja-JP" b="0" i="1" smtClean="0">
+                            <a:latin typeface="Cambria Math" panose="02040503050406030204" pitchFamily="18" charset="0"/>
+                          </a:rPr>
+                          <m:t>𝑥</m:t>
+                        </m:r>
+                      </m:e>
+                      <m:sub>
+                        <m:r>
+                          <a:rPr kumimoji="1" lang="en-US" altLang="ja-JP" b="0" i="1" smtClean="0">
+                            <a:latin typeface="Cambria Math" panose="02040503050406030204" pitchFamily="18" charset="0"/>
+                          </a:rPr>
+                          <m:t>𝑖</m:t>
+                        </m:r>
+                      </m:sub>
+                    </m:sSub>
+                    <m:r>
+                      <a:rPr kumimoji="1" lang="en-US" altLang="ja-JP" b="0" i="1" smtClean="0">
+                        <a:latin typeface="Cambria Math" panose="02040503050406030204" pitchFamily="18" charset="0"/>
+                      </a:rPr>
+                      <m:t>,</m:t>
+                    </m:r>
+                    <m:r>
+                      <a:rPr kumimoji="1" lang="en-US" altLang="ja-JP" b="0" i="1" smtClean="0">
+                        <a:latin typeface="Cambria Math" panose="02040503050406030204" pitchFamily="18" charset="0"/>
+                      </a:rPr>
+                      <m:t>𝑡</m:t>
+                    </m:r>
+                    <m:r>
+                      <a:rPr kumimoji="1" lang="en-US" altLang="ja-JP" b="0" i="1" smtClean="0">
+                        <a:latin typeface="Cambria Math" panose="02040503050406030204" pitchFamily="18" charset="0"/>
+                      </a:rPr>
+                      <m:t>)</m:t>
+                    </m:r>
+                    <m:r>
+                      <a:rPr lang="ja-JP" altLang="en-US" i="1">
+                        <a:latin typeface="Cambria Math" panose="02040503050406030204" pitchFamily="18" charset="0"/>
+                      </a:rPr>
+                      <m:t>を</m:t>
+                    </m:r>
+                    <m:r>
+                      <a:rPr lang="ja-JP" altLang="en-US" i="1" smtClean="0">
+                        <a:latin typeface="Cambria Math" panose="02040503050406030204" pitchFamily="18" charset="0"/>
+                      </a:rPr>
+                      <m:t>構成</m:t>
+                    </m:r>
+                    <m:r>
+                      <a:rPr lang="ja-JP" altLang="en-US" i="1" smtClean="0">
+                        <a:latin typeface="Cambria Math" panose="02040503050406030204" pitchFamily="18" charset="0"/>
+                      </a:rPr>
+                      <m:t>する</m:t>
+                    </m:r>
+                  </m:oMath>
+                </a14:m>
+                <a:r>
+                  <a:rPr kumimoji="1" lang="ja-JP" altLang="en-US"/>
+                  <a:t>光子が時刻</a:t>
+                </a:r>
+                <a14:m>
+                  <m:oMath xmlns:m="http://schemas.openxmlformats.org/officeDocument/2006/math">
+                    <m:r>
+                      <a:rPr kumimoji="1" lang="en-US" altLang="ja-JP" b="0" i="1" smtClean="0">
+                        <a:latin typeface="Cambria Math" panose="02040503050406030204" pitchFamily="18" charset="0"/>
+                      </a:rPr>
+                      <m:t>𝑡</m:t>
+                    </m:r>
+                    <m:r>
+                      <a:rPr kumimoji="1" lang="en-US" altLang="ja-JP" b="0" i="1" smtClean="0">
+                        <a:latin typeface="Cambria Math" panose="02040503050406030204" pitchFamily="18" charset="0"/>
+                      </a:rPr>
+                      <m:t>′(0≤</m:t>
+                    </m:r>
+                    <m:sSup>
+                      <m:sSupPr>
+                        <m:ctrlPr>
+                          <a:rPr kumimoji="1" lang="en-US" altLang="ja-JP" b="0" i="1" smtClean="0">
+                            <a:latin typeface="Cambria Math" panose="02040503050406030204" pitchFamily="18" charset="0"/>
+                            <a:ea typeface="Cambria Math" panose="02040503050406030204" pitchFamily="18" charset="0"/>
+                          </a:rPr>
+                        </m:ctrlPr>
+                      </m:sSupPr>
+                      <m:e>
+                        <m:r>
+                          <a:rPr kumimoji="1" lang="en-US" altLang="ja-JP" b="0" i="1" smtClean="0">
+                            <a:latin typeface="Cambria Math" panose="02040503050406030204" pitchFamily="18" charset="0"/>
+                            <a:ea typeface="Cambria Math" panose="02040503050406030204" pitchFamily="18" charset="0"/>
+                          </a:rPr>
+                          <m:t>𝑡</m:t>
+                        </m:r>
+                      </m:e>
+                      <m:sup>
+                        <m:r>
+                          <a:rPr kumimoji="1" lang="en-US" altLang="ja-JP" b="0" i="1" smtClean="0">
+                            <a:latin typeface="Cambria Math" panose="02040503050406030204" pitchFamily="18" charset="0"/>
+                            <a:ea typeface="Cambria Math" panose="02040503050406030204" pitchFamily="18" charset="0"/>
+                          </a:rPr>
+                          <m:t>′</m:t>
+                        </m:r>
+                      </m:sup>
+                    </m:sSup>
+                    <m:r>
+                      <a:rPr kumimoji="1" lang="en-US" altLang="ja-JP" b="0" i="1" smtClean="0">
+                        <a:latin typeface="Cambria Math" panose="02040503050406030204" pitchFamily="18" charset="0"/>
+                        <a:ea typeface="Cambria Math" panose="02040503050406030204" pitchFamily="18" charset="0"/>
+                      </a:rPr>
+                      <m:t>≤</m:t>
+                    </m:r>
+                    <m:r>
+                      <a:rPr kumimoji="1" lang="en-US" altLang="ja-JP" b="0" i="1" smtClean="0">
+                        <a:latin typeface="Cambria Math" panose="02040503050406030204" pitchFamily="18" charset="0"/>
+                        <a:ea typeface="Cambria Math" panose="02040503050406030204" pitchFamily="18" charset="0"/>
+                      </a:rPr>
+                      <m:t>𝑡</m:t>
+                    </m:r>
+                    <m:r>
+                      <a:rPr kumimoji="1" lang="en-US" altLang="ja-JP" b="0" i="1" smtClean="0">
+                        <a:latin typeface="Cambria Math" panose="02040503050406030204" pitchFamily="18" charset="0"/>
+                        <a:ea typeface="Cambria Math" panose="02040503050406030204" pitchFamily="18" charset="0"/>
+                      </a:rPr>
+                      <m:t>)</m:t>
+                    </m:r>
+                  </m:oMath>
+                </a14:m>
+                <a:r>
+                  <a:rPr kumimoji="1" lang="ja-JP" altLang="en-US"/>
+                  <a:t>においてピクセル</a:t>
+                </a:r>
+                <a:r>
+                  <a:rPr kumimoji="1" lang="en-US" altLang="ja-JP" dirty="0"/>
+                  <a:t>j</a:t>
+                </a:r>
+                <a:r>
+                  <a:rPr kumimoji="1" lang="ja-JP" altLang="en-US"/>
+                  <a:t>に存在する確率密度を</a:t>
+                </a:r>
+                <a14:m>
+                  <m:oMath xmlns:m="http://schemas.openxmlformats.org/officeDocument/2006/math">
+                    <m:sSub>
+                      <m:sSubPr>
+                        <m:ctrlPr>
+                          <a:rPr kumimoji="1" lang="en-US" altLang="ja-JP" i="1" smtClean="0">
+                            <a:latin typeface="Cambria Math" panose="02040503050406030204" pitchFamily="18" charset="0"/>
+                          </a:rPr>
+                        </m:ctrlPr>
+                      </m:sSubPr>
+                      <m:e>
+                        <m:r>
+                          <a:rPr kumimoji="1" lang="en-US" altLang="ja-JP" b="0" i="1" smtClean="0">
+                            <a:latin typeface="Cambria Math" panose="02040503050406030204" pitchFamily="18" charset="0"/>
+                          </a:rPr>
+                          <m:t>h</m:t>
+                        </m:r>
+                      </m:e>
+                      <m:sub>
+                        <m:r>
+                          <a:rPr kumimoji="1" lang="en-US" altLang="ja-JP" b="0" i="1" smtClean="0">
+                            <a:latin typeface="Cambria Math" panose="02040503050406030204" pitchFamily="18" charset="0"/>
+                          </a:rPr>
+                          <m:t>𝑟</m:t>
+                        </m:r>
+                        <m:r>
+                          <a:rPr kumimoji="1" lang="en-US" altLang="ja-JP" b="0" i="1" smtClean="0">
+                            <a:latin typeface="Cambria Math" panose="02040503050406030204" pitchFamily="18" charset="0"/>
+                          </a:rPr>
+                          <m:t>,</m:t>
+                        </m:r>
+                        <m:r>
+                          <a:rPr kumimoji="1" lang="en-US" altLang="ja-JP" b="0" i="1" smtClean="0">
+                            <a:latin typeface="Cambria Math" panose="02040503050406030204" pitchFamily="18" charset="0"/>
+                          </a:rPr>
+                          <m:t>𝑗</m:t>
+                        </m:r>
+                      </m:sub>
+                    </m:sSub>
+                    <m:r>
+                      <a:rPr kumimoji="1" lang="en-US" altLang="ja-JP" b="0" i="1" smtClean="0">
+                        <a:latin typeface="Cambria Math" panose="02040503050406030204" pitchFamily="18" charset="0"/>
+                      </a:rPr>
+                      <m:t>(</m:t>
+                    </m:r>
+                    <m:r>
+                      <a:rPr kumimoji="1" lang="en-US" altLang="ja-JP" b="0" i="1" smtClean="0">
+                        <a:latin typeface="Cambria Math" panose="02040503050406030204" pitchFamily="18" charset="0"/>
+                      </a:rPr>
+                      <m:t>𝑡</m:t>
+                    </m:r>
+                    <m:r>
+                      <a:rPr kumimoji="1" lang="en-US" altLang="ja-JP" b="0" i="1" smtClean="0">
+                        <a:latin typeface="Cambria Math" panose="02040503050406030204" pitchFamily="18" charset="0"/>
+                      </a:rPr>
+                      <m:t>′)</m:t>
+                    </m:r>
+                    <m:r>
+                      <a:rPr lang="ja-JP" altLang="en-US" i="1">
+                        <a:latin typeface="Cambria Math" panose="02040503050406030204" pitchFamily="18" charset="0"/>
+                      </a:rPr>
+                      <m:t>と</m:t>
+                    </m:r>
+                    <m:r>
+                      <a:rPr lang="ja-JP" altLang="en-US" i="1" smtClean="0">
+                        <a:latin typeface="Cambria Math" panose="02040503050406030204" pitchFamily="18" charset="0"/>
+                      </a:rPr>
+                      <m:t>すると</m:t>
+                    </m:r>
+                  </m:oMath>
+                </a14:m>
+                <a:endParaRPr kumimoji="1" lang="ja-JP" altLang="en-US" dirty="0"/>
+              </a:p>
+            </p:txBody>
+          </p:sp>
+        </mc:Choice>
+        <mc:Fallback>
+          <p:sp>
+            <p:nvSpPr>
+              <p:cNvPr id="12" name="テキスト ボックス 11">
+                <a:extLst>
+                  <a:ext uri="{FF2B5EF4-FFF2-40B4-BE49-F238E27FC236}">
+                    <a16:creationId xmlns:a16="http://schemas.microsoft.com/office/drawing/2014/main" id="{CD7B116D-5B88-E846-83CE-E418992E7EF5}"/>
+                  </a:ext>
+                </a:extLst>
+              </p:cNvPr>
+              <p:cNvSpPr txBox="1">
+                <a:spLocks noRot="1" noChangeAspect="1" noMove="1" noResize="1" noEditPoints="1" noAdjustHandles="1" noChangeArrowheads="1" noChangeShapeType="1" noTextEdit="1"/>
+              </p:cNvSpPr>
+              <p:nvPr/>
+            </p:nvSpPr>
+            <p:spPr>
+              <a:xfrm>
+                <a:off x="838200" y="3648968"/>
+                <a:ext cx="9379974" cy="668645"/>
+              </a:xfrm>
+              <a:prstGeom prst="rect">
+                <a:avLst/>
+              </a:prstGeom>
+              <a:blipFill>
+                <a:blip r:embed="rId8"/>
+                <a:stretch>
+                  <a:fillRect l="-677" t="-3774" b="-13208"/>
+                </a:stretch>
+              </a:blipFill>
+            </p:spPr>
+            <p:txBody>
+              <a:bodyPr/>
+              <a:lstStyle/>
+              <a:p>
+                <a:r>
+                  <a:rPr lang="ja-JP" altLang="en-US">
+                    <a:noFill/>
+                  </a:rPr>
+                  <a:t> </a:t>
+                </a:r>
+              </a:p>
+            </p:txBody>
+          </p:sp>
+        </mc:Fallback>
+      </mc:AlternateContent>
+      <p:sp>
+        <p:nvSpPr>
+          <p:cNvPr id="18" name="正方形/長方形 17">
+            <a:extLst>
+              <a:ext uri="{FF2B5EF4-FFF2-40B4-BE49-F238E27FC236}">
+                <a16:creationId xmlns:a16="http://schemas.microsoft.com/office/drawing/2014/main" id="{6CC03898-BE15-C64C-841A-EA44A7770A1C}"/>
+              </a:ext>
+            </a:extLst>
+          </p:cNvPr>
+          <p:cNvSpPr/>
+          <p:nvPr/>
+        </p:nvSpPr>
+        <p:spPr>
+          <a:xfrm>
+            <a:off x="10068448" y="1386673"/>
+            <a:ext cx="2039816" cy="3205425"/>
+          </a:xfrm>
+          <a:prstGeom prst="rect">
+            <a:avLst/>
+          </a:prstGeom>
+          <a:solidFill>
+            <a:schemeClr val="bg2">
+              <a:lumMod val="75000"/>
+            </a:schemeClr>
+          </a:solidFill>
+        </p:spPr>
+        <p:style>
+          <a:lnRef idx="2">
+            <a:schemeClr val="dk1">
+              <a:shade val="50000"/>
+            </a:schemeClr>
+          </a:lnRef>
+          <a:fillRef idx="1">
+            <a:schemeClr val="dk1"/>
+          </a:fillRef>
+          <a:effectRef idx="0">
+            <a:schemeClr val="dk1"/>
+          </a:effectRef>
+          <a:fontRef idx="minor">
+            <a:schemeClr val="lt1"/>
+          </a:fontRef>
+        </p:style>
+        <p:txBody>
+          <a:bodyPr rtlCol="0" anchor="ctr"/>
+          <a:lstStyle/>
+          <a:p>
+            <a:pPr algn="ctr"/>
+            <a:endParaRPr kumimoji="1" lang="ja-JP" altLang="en-US"/>
+          </a:p>
+        </p:txBody>
+      </p:sp>
+      <mc:AlternateContent xmlns:mc="http://schemas.openxmlformats.org/markup-compatibility/2006">
+        <mc:Choice xmlns:a14="http://schemas.microsoft.com/office/drawing/2010/main" Requires="a14">
+          <p:sp>
+            <p:nvSpPr>
+              <p:cNvPr id="13" name="テキスト ボックス 12">
+                <a:extLst>
+                  <a:ext uri="{FF2B5EF4-FFF2-40B4-BE49-F238E27FC236}">
+                    <a16:creationId xmlns:a16="http://schemas.microsoft.com/office/drawing/2014/main" id="{ADED2754-9E1B-6047-884B-1B8FA0919587}"/>
+                  </a:ext>
+                </a:extLst>
+              </p:cNvPr>
+              <p:cNvSpPr txBox="1"/>
+              <p:nvPr/>
+            </p:nvSpPr>
+            <p:spPr>
+              <a:xfrm>
+                <a:off x="838200" y="4942528"/>
+                <a:ext cx="9379974" cy="695832"/>
               </a:xfrm>
               <a:prstGeom prst="rect">
                 <a:avLst/>
@@ -25573,6 +26582,176 @@
                     <m:sSub>
                       <m:sSubPr>
                         <m:ctrlPr>
+                          <a:rPr kumimoji="1" lang="en-US" altLang="ja-JP" i="1" smtClean="0">
+                            <a:latin typeface="Cambria Math" panose="02040503050406030204" pitchFamily="18" charset="0"/>
+                          </a:rPr>
+                        </m:ctrlPr>
+                      </m:sSubPr>
+                      <m:e>
+                        <m:r>
+                          <a:rPr kumimoji="1" lang="en-US" altLang="ja-JP" b="0" i="1" smtClean="0">
+                            <a:latin typeface="Cambria Math" panose="02040503050406030204" pitchFamily="18" charset="0"/>
+                          </a:rPr>
+                          <m:t>h</m:t>
+                        </m:r>
+                      </m:e>
+                      <m:sub>
+                        <m:r>
+                          <a:rPr kumimoji="1" lang="en-US" altLang="ja-JP" b="0" i="1" smtClean="0">
+                            <a:latin typeface="Cambria Math" panose="02040503050406030204" pitchFamily="18" charset="0"/>
+                          </a:rPr>
+                          <m:t>𝑟</m:t>
+                        </m:r>
+                        <m:r>
+                          <a:rPr kumimoji="1" lang="en-US" altLang="ja-JP" b="0" i="1" smtClean="0">
+                            <a:latin typeface="Cambria Math" panose="02040503050406030204" pitchFamily="18" charset="0"/>
+                          </a:rPr>
+                          <m:t>,</m:t>
+                        </m:r>
+                        <m:sSub>
+                          <m:sSubPr>
+                            <m:ctrlPr>
+                              <a:rPr kumimoji="1" lang="en-US" altLang="ja-JP" b="0" i="1" smtClean="0">
+                                <a:latin typeface="Cambria Math" panose="02040503050406030204" pitchFamily="18" charset="0"/>
+                              </a:rPr>
+                            </m:ctrlPr>
+                          </m:sSubPr>
+                          <m:e>
+                            <m:r>
+                              <a:rPr kumimoji="1" lang="en-US" altLang="ja-JP" b="0" i="1" smtClean="0">
+                                <a:latin typeface="Cambria Math" panose="02040503050406030204" pitchFamily="18" charset="0"/>
+                              </a:rPr>
+                              <m:t>𝑥</m:t>
+                            </m:r>
+                          </m:e>
+                          <m:sub>
+                            <m:r>
+                              <a:rPr kumimoji="1" lang="en-US" altLang="ja-JP" b="0" i="1" smtClean="0">
+                                <a:latin typeface="Cambria Math" panose="02040503050406030204" pitchFamily="18" charset="0"/>
+                              </a:rPr>
+                              <m:t>𝑖</m:t>
+                            </m:r>
+                          </m:sub>
+                        </m:sSub>
+                        <m:r>
+                          <a:rPr kumimoji="1" lang="en-US" altLang="ja-JP" b="0" i="1" smtClean="0">
+                            <a:latin typeface="Cambria Math" panose="02040503050406030204" pitchFamily="18" charset="0"/>
+                          </a:rPr>
+                          <m:t>,</m:t>
+                        </m:r>
+                        <m:r>
+                          <a:rPr kumimoji="1" lang="en-US" altLang="ja-JP" b="0" i="1" smtClean="0">
+                            <a:latin typeface="Cambria Math" panose="02040503050406030204" pitchFamily="18" charset="0"/>
+                          </a:rPr>
+                          <m:t>𝑗</m:t>
+                        </m:r>
+                      </m:sub>
+                    </m:sSub>
+                    <m:r>
+                      <a:rPr kumimoji="1" lang="en-US" altLang="ja-JP" b="0" i="1" smtClean="0">
+                        <a:latin typeface="Cambria Math" panose="02040503050406030204" pitchFamily="18" charset="0"/>
+                      </a:rPr>
+                      <m:t>(</m:t>
+                    </m:r>
+                    <m:r>
+                      <a:rPr kumimoji="1" lang="en-US" altLang="ja-JP" b="0" i="1" smtClean="0">
+                        <a:latin typeface="Cambria Math" panose="02040503050406030204" pitchFamily="18" charset="0"/>
+                      </a:rPr>
+                      <m:t>𝑡</m:t>
+                    </m:r>
+                    <m:r>
+                      <a:rPr kumimoji="1" lang="en-US" altLang="ja-JP" b="0" i="1" smtClean="0">
+                        <a:latin typeface="Cambria Math" panose="02040503050406030204" pitchFamily="18" charset="0"/>
+                      </a:rPr>
+                      <m:t>′)</m:t>
+                    </m:r>
+                  </m:oMath>
+                </a14:m>
+                <a:r>
+                  <a:rPr lang="ja-JP" altLang="en-US"/>
+                  <a:t>は時刻</a:t>
+                </a:r>
+                <a:r>
+                  <a:rPr lang="en-US" altLang="ja-JP" dirty="0"/>
+                  <a:t>t</a:t>
+                </a:r>
+                <a:r>
+                  <a:rPr lang="ja-JP" altLang="en-US"/>
+                  <a:t>で</a:t>
+                </a:r>
+                <a14:m>
+                  <m:oMath xmlns:m="http://schemas.openxmlformats.org/officeDocument/2006/math">
+                    <m:sSub>
+                      <m:sSubPr>
+                        <m:ctrlPr>
+                          <a:rPr kumimoji="1" lang="en-US" altLang="ja-JP" i="1" dirty="0" smtClean="0">
+                            <a:latin typeface="Cambria Math" panose="02040503050406030204" pitchFamily="18" charset="0"/>
+                          </a:rPr>
+                        </m:ctrlPr>
+                      </m:sSubPr>
+                      <m:e>
+                        <m:r>
+                          <a:rPr kumimoji="1" lang="en-US" altLang="ja-JP" b="0" i="1" dirty="0" smtClean="0">
+                            <a:latin typeface="Cambria Math" panose="02040503050406030204" pitchFamily="18" charset="0"/>
+                          </a:rPr>
+                          <m:t>𝑥</m:t>
+                        </m:r>
+                      </m:e>
+                      <m:sub>
+                        <m:r>
+                          <a:rPr kumimoji="1" lang="en-US" altLang="ja-JP" b="0" i="1" dirty="0" smtClean="0">
+                            <a:latin typeface="Cambria Math" panose="02040503050406030204" pitchFamily="18" charset="0"/>
+                          </a:rPr>
+                          <m:t>𝑖</m:t>
+                        </m:r>
+                      </m:sub>
+                    </m:sSub>
+                  </m:oMath>
+                </a14:m>
+                <a:r>
+                  <a:rPr kumimoji="1" lang="ja-JP" altLang="en-US"/>
+                  <a:t>に入射した</a:t>
+                </a:r>
+                <a:r>
+                  <a:rPr lang="ja-JP" altLang="en-US"/>
+                  <a:t>光子が時刻</a:t>
+                </a:r>
+                <a14:m>
+                  <m:oMath xmlns:m="http://schemas.openxmlformats.org/officeDocument/2006/math">
+                    <m:r>
+                      <a:rPr lang="en-US" altLang="ja-JP" i="1">
+                        <a:latin typeface="Cambria Math" panose="02040503050406030204" pitchFamily="18" charset="0"/>
+                      </a:rPr>
+                      <m:t>𝑡</m:t>
+                    </m:r>
+                    <m:r>
+                      <a:rPr lang="en-US" altLang="ja-JP" i="1">
+                        <a:latin typeface="Cambria Math" panose="02040503050406030204" pitchFamily="18" charset="0"/>
+                      </a:rPr>
+                      <m:t>′</m:t>
+                    </m:r>
+                  </m:oMath>
+                </a14:m>
+                <a:r>
+                  <a:rPr kumimoji="1" lang="ja-JP" altLang="en-US"/>
+                  <a:t>にピクセル</a:t>
+                </a:r>
+                <a:r>
+                  <a:rPr kumimoji="1" lang="en-US" altLang="ja-JP" dirty="0"/>
+                  <a:t>j</a:t>
+                </a:r>
+                <a:r>
+                  <a:rPr kumimoji="1" lang="ja-JP" altLang="en-US"/>
+                  <a:t>に存在する確率密度，</a:t>
+                </a:r>
+                <a:endParaRPr kumimoji="1" lang="en-US" altLang="ja-JP" dirty="0"/>
+              </a:p>
+              <a:p>
+                <a14:m>
+                  <m:oMath xmlns:m="http://schemas.openxmlformats.org/officeDocument/2006/math">
+                    <m:sSub>
+                      <m:sSubPr>
+                        <m:ctrlPr>
                           <a:rPr lang="en-US" altLang="ja-JP" i="1">
                             <a:latin typeface="Cambria Math" panose="02040503050406030204" pitchFamily="18" charset="0"/>
                           </a:rPr>
@@ -25580,67 +26759,31 @@
                       </m:sSubPr>
                       <m:e>
                         <m:r>
-                          <a:rPr lang="en-US" altLang="ja-JP" b="0" i="1" smtClean="0">
+                          <a:rPr lang="en-US" altLang="ja-JP" i="1">
                             <a:latin typeface="Cambria Math" panose="02040503050406030204" pitchFamily="18" charset="0"/>
                           </a:rPr>
-                          <m:t>𝐿</m:t>
+                          <m:t>h</m:t>
                         </m:r>
                       </m:e>
                       <m:sub>
                         <m:r>
-                          <a:rPr lang="en-US" altLang="ja-JP" b="0" i="1" smtClean="0">
+                          <a:rPr lang="en-US" altLang="ja-JP" i="1">
+                            <a:latin typeface="Cambria Math" panose="02040503050406030204" pitchFamily="18" charset="0"/>
+                          </a:rPr>
+                          <m:t>𝑟</m:t>
+                        </m:r>
+                        <m:r>
+                          <a:rPr lang="en-US" altLang="ja-JP" i="1">
+                            <a:latin typeface="Cambria Math" panose="02040503050406030204" pitchFamily="18" charset="0"/>
+                          </a:rPr>
+                          <m:t>,</m:t>
+                        </m:r>
+                        <m:r>
+                          <a:rPr lang="en-US" altLang="ja-JP" i="1">
                             <a:latin typeface="Cambria Math" panose="02040503050406030204" pitchFamily="18" charset="0"/>
                           </a:rPr>
                           <m:t>𝑗</m:t>
                         </m:r>
-                      </m:sub>
-                    </m:sSub>
-                    <m:d>
-                      <m:dPr>
-                        <m:ctrlPr>
-                          <a:rPr lang="en-US" altLang="ja-JP" b="0" i="1" smtClean="0">
-                            <a:latin typeface="Cambria Math" panose="02040503050406030204" pitchFamily="18" charset="0"/>
-                          </a:rPr>
-                        </m:ctrlPr>
-                      </m:dPr>
-                      <m:e>
-                        <m:r>
-                          <a:rPr lang="en-US" altLang="ja-JP" b="0" i="1" smtClean="0">
-                            <a:latin typeface="Cambria Math" panose="02040503050406030204" pitchFamily="18" charset="0"/>
-                          </a:rPr>
-                          <m:t>𝑥</m:t>
-                        </m:r>
-                        <m:r>
-                          <a:rPr lang="en-US" altLang="ja-JP" b="0" i="1" smtClean="0">
-                            <a:latin typeface="Cambria Math" panose="02040503050406030204" pitchFamily="18" charset="0"/>
-                          </a:rPr>
-                          <m:t>,</m:t>
-                        </m:r>
-                        <m:sSub>
-                          <m:sSubPr>
-                            <m:ctrlPr>
-                              <a:rPr lang="en-US" altLang="ja-JP" b="0" i="1" smtClean="0">
-                                <a:latin typeface="Cambria Math" panose="02040503050406030204" pitchFamily="18" charset="0"/>
-                              </a:rPr>
-                            </m:ctrlPr>
-                          </m:sSubPr>
-                          <m:e>
-                            <m:r>
-                              <a:rPr lang="en-US" altLang="ja-JP" b="0" i="1" smtClean="0">
-                                <a:latin typeface="Cambria Math" panose="02040503050406030204" pitchFamily="18" charset="0"/>
-                              </a:rPr>
-                              <m:t>𝑥</m:t>
-                            </m:r>
-                          </m:e>
-                          <m:sub>
-                            <m:r>
-                              <a:rPr lang="en-US" altLang="ja-JP" b="0" i="1" smtClean="0">
-                                <a:latin typeface="Cambria Math" panose="02040503050406030204" pitchFamily="18" charset="0"/>
-                              </a:rPr>
-                              <m:t>𝑖</m:t>
-                            </m:r>
-                          </m:sub>
-                        </m:sSub>
                         <m:r>
                           <a:rPr lang="en-US" altLang="ja-JP" b="0" i="1" smtClean="0">
                             <a:latin typeface="Cambria Math" panose="02040503050406030204" pitchFamily="18" charset="0"/>
@@ -25651,22 +26794,85 @@
                           <a:rPr lang="en-US" altLang="ja-JP" b="0" i="1" smtClean="0">
                             <a:latin typeface="Cambria Math" panose="02040503050406030204" pitchFamily="18" charset="0"/>
                           </a:rPr>
-                          <m:t>𝑡</m:t>
+                          <m:t>𝑥</m:t>
                         </m:r>
-                      </m:e>
-                    </m:d>
+                      </m:sub>
+                    </m:sSub>
                     <m:r>
-                      <a:rPr lang="ja-JP" altLang="en-US" i="1">
+                      <a:rPr lang="en-US" altLang="ja-JP" i="1">
                         <a:latin typeface="Cambria Math" panose="02040503050406030204" pitchFamily="18" charset="0"/>
                       </a:rPr>
-                      <m:t>を</m:t>
+                      <m:t>(</m:t>
+                    </m:r>
+                    <m:r>
+                      <a:rPr lang="en-US" altLang="ja-JP" b="0" i="1" smtClean="0">
+                        <a:latin typeface="Cambria Math" panose="02040503050406030204" pitchFamily="18" charset="0"/>
+                      </a:rPr>
+                      <m:t>𝑡</m:t>
+                    </m:r>
+                    <m:r>
+                      <a:rPr lang="en-US" altLang="ja-JP" b="0" i="1" smtClean="0">
+                        <a:latin typeface="Cambria Math" panose="02040503050406030204" pitchFamily="18" charset="0"/>
+                      </a:rPr>
+                      <m:t>−</m:t>
+                    </m:r>
+                    <m:r>
+                      <a:rPr lang="en-US" altLang="ja-JP" i="1">
+                        <a:latin typeface="Cambria Math" panose="02040503050406030204" pitchFamily="18" charset="0"/>
+                      </a:rPr>
+                      <m:t>𝑡</m:t>
+                    </m:r>
+                    <m:r>
+                      <a:rPr lang="en-US" altLang="ja-JP" i="1">
+                        <a:latin typeface="Cambria Math" panose="02040503050406030204" pitchFamily="18" charset="0"/>
+                      </a:rPr>
+                      <m:t>′)</m:t>
                     </m:r>
                   </m:oMath>
                 </a14:m>
                 <a:r>
-                  <a:rPr kumimoji="1" lang="ja-JP" altLang="en-US" dirty="0"/>
-                  <a:t>求める．</a:t>
+                  <a:rPr lang="ja-JP" altLang="en-US"/>
+                  <a:t>は時刻</a:t>
                 </a:r>
+                <a:r>
+                  <a:rPr lang="en-US" altLang="ja-JP" dirty="0"/>
+                  <a:t>t’</a:t>
+                </a:r>
+                <a:r>
+                  <a:rPr lang="ja-JP" altLang="en-US"/>
+                  <a:t>でピクセル</a:t>
+                </a:r>
+                <a:r>
+                  <a:rPr lang="en-US" altLang="ja-JP" dirty="0"/>
+                  <a:t>j</a:t>
+                </a:r>
+                <a:r>
+                  <a:rPr lang="ja-JP" altLang="en-US"/>
+                  <a:t>に入射した光子が時刻</a:t>
+                </a:r>
+                <a14:m>
+                  <m:oMath xmlns:m="http://schemas.openxmlformats.org/officeDocument/2006/math">
+                    <m:r>
+                      <a:rPr lang="en-US" altLang="ja-JP" i="1">
+                        <a:latin typeface="Cambria Math" panose="02040503050406030204" pitchFamily="18" charset="0"/>
+                      </a:rPr>
+                      <m:t>𝑡</m:t>
+                    </m:r>
+                  </m:oMath>
+                </a14:m>
+                <a:r>
+                  <a:rPr lang="ja-JP" altLang="en-US"/>
+                  <a:t>に</a:t>
+                </a:r>
+                <a:r>
+                  <a:rPr lang="en-US" altLang="ja-JP" dirty="0"/>
+                  <a:t>x</a:t>
+                </a:r>
+                <a:r>
+                  <a:rPr lang="ja-JP" altLang="en-US"/>
+                  <a:t>に存在する確率密度</a:t>
+                </a:r>
+                <a:endParaRPr kumimoji="1" lang="en-US" altLang="ja-JP" dirty="0"/>
               </a:p>
             </p:txBody>
           </p:sp>
@@ -25674,10 +26880,10 @@
         <mc:Fallback>
           <p:sp>
             <p:nvSpPr>
-              <p:cNvPr id="9" name="テキスト ボックス 8">
+              <p:cNvPr id="13" name="テキスト ボックス 12">
                 <a:extLst>
                   <a:ext uri="{FF2B5EF4-FFF2-40B4-BE49-F238E27FC236}">
-                    <a16:creationId xmlns:a16="http://schemas.microsoft.com/office/drawing/2014/main" id="{91021748-4ACF-C369-B995-6D76A3AD139B}"/>
+                    <a16:creationId xmlns:a16="http://schemas.microsoft.com/office/drawing/2014/main" id="{ADED2754-9E1B-6047-884B-1B8FA0919587}"/>
                   </a:ext>
                 </a:extLst>
               </p:cNvPr>
@@ -25688,16 +26894,622 @@
             </p:nvSpPr>
             <p:spPr>
               <a:xfrm>
-                <a:off x="914400" y="3233177"/>
-                <a:ext cx="9379974" cy="391646"/>
+                <a:off x="838200" y="4942528"/>
+                <a:ext cx="9379974" cy="695832"/>
               </a:xfrm>
               <a:prstGeom prst="rect">
                 <a:avLst/>
               </a:prstGeom>
               <a:blipFill>
-                <a:blip r:embed="rId6"/>
+                <a:blip r:embed="rId9"/>
                 <a:stretch>
-                  <a:fillRect t="-4615" b="-20000"/>
+                  <a:fillRect t="-5357" b="-10714"/>
+                </a:stretch>
+              </a:blipFill>
+            </p:spPr>
+            <p:txBody>
+              <a:bodyPr/>
+              <a:lstStyle/>
+              <a:p>
+                <a:r>
+                  <a:rPr lang="ja-JP" altLang="en-US">
+                    <a:noFill/>
+                  </a:rPr>
+                  <a:t> </a:t>
+                </a:r>
+              </a:p>
+            </p:txBody>
+          </p:sp>
+        </mc:Fallback>
+      </mc:AlternateContent>
+      <mc:AlternateContent xmlns:mc="http://schemas.openxmlformats.org/markup-compatibility/2006">
+        <mc:Choice xmlns:a14="http://schemas.microsoft.com/office/drawing/2010/main" Requires="a14">
+          <p:sp>
+            <p:nvSpPr>
+              <p:cNvPr id="14" name="正方形/長方形 13">
+                <a:extLst>
+                  <a:ext uri="{FF2B5EF4-FFF2-40B4-BE49-F238E27FC236}">
+                    <a16:creationId xmlns:a16="http://schemas.microsoft.com/office/drawing/2014/main" id="{033F19D4-49AB-D349-A31A-B8FE18124D1C}"/>
+                  </a:ext>
+                </a:extLst>
+              </p:cNvPr>
+              <p:cNvSpPr/>
+              <p:nvPr/>
+            </p:nvSpPr>
+            <p:spPr>
+              <a:xfrm>
+                <a:off x="11173767" y="1386673"/>
+                <a:ext cx="502418" cy="502418"/>
+              </a:xfrm>
+              <a:prstGeom prst="rect">
+                <a:avLst/>
+              </a:prstGeom>
+              <a:solidFill>
+                <a:schemeClr val="accent1">
+                  <a:lumMod val="40000"/>
+                  <a:lumOff val="60000"/>
+                </a:schemeClr>
+              </a:solidFill>
+              <a:ln>
+                <a:solidFill>
+                  <a:schemeClr val="tx1"/>
+                </a:solidFill>
+              </a:ln>
+            </p:spPr>
+            <p:style>
+              <a:lnRef idx="2">
+                <a:schemeClr val="accent1">
+                  <a:shade val="50000"/>
+                </a:schemeClr>
+              </a:lnRef>
+              <a:fillRef idx="1">
+                <a:schemeClr val="accent1"/>
+              </a:fillRef>
+              <a:effectRef idx="0">
+                <a:schemeClr val="accent1"/>
+              </a:effectRef>
+              <a:fontRef idx="minor">
+                <a:schemeClr val="lt1"/>
+              </a:fontRef>
+            </p:style>
+            <p:txBody>
+              <a:bodyPr rtlCol="0" anchor="ctr"/>
+              <a:lstStyle/>
+              <a:p>
+                <a:pPr algn="ctr"/>
+                <a14:m>
+                  <m:oMathPara xmlns:m="http://schemas.openxmlformats.org/officeDocument/2006/math">
+                    <m:oMathParaPr>
+                      <m:jc m:val="centerGroup"/>
+                    </m:oMathParaPr>
+                    <m:oMath xmlns:m="http://schemas.openxmlformats.org/officeDocument/2006/math">
+                      <m:sSub>
+                        <m:sSubPr>
+                          <m:ctrlPr>
+                            <a:rPr kumimoji="1" lang="en-US" altLang="ja-JP" i="1" smtClean="0">
+                              <a:solidFill>
+                                <a:schemeClr val="tx1"/>
+                              </a:solidFill>
+                              <a:latin typeface="Cambria Math" panose="02040503050406030204" pitchFamily="18" charset="0"/>
+                            </a:rPr>
+                          </m:ctrlPr>
+                        </m:sSubPr>
+                        <m:e>
+                          <m:r>
+                            <a:rPr kumimoji="1" lang="en-US" altLang="ja-JP" b="0" i="1" smtClean="0">
+                              <a:solidFill>
+                                <a:schemeClr val="tx1"/>
+                              </a:solidFill>
+                              <a:latin typeface="Cambria Math" panose="02040503050406030204" pitchFamily="18" charset="0"/>
+                            </a:rPr>
+                            <m:t>𝑥</m:t>
+                          </m:r>
+                        </m:e>
+                        <m:sub>
+                          <m:r>
+                            <a:rPr kumimoji="1" lang="en-US" altLang="ja-JP" b="0" i="1" smtClean="0">
+                              <a:solidFill>
+                                <a:schemeClr val="tx1"/>
+                              </a:solidFill>
+                              <a:latin typeface="Cambria Math" panose="02040503050406030204" pitchFamily="18" charset="0"/>
+                            </a:rPr>
+                            <m:t>𝑖</m:t>
+                          </m:r>
+                        </m:sub>
+                      </m:sSub>
+                    </m:oMath>
+                  </m:oMathPara>
+                </a14:m>
+                <a:endParaRPr kumimoji="1" lang="ja-JP" altLang="en-US"/>
+              </a:p>
+            </p:txBody>
+          </p:sp>
+        </mc:Choice>
+        <mc:Fallback>
+          <p:sp>
+            <p:nvSpPr>
+              <p:cNvPr id="14" name="正方形/長方形 13">
+                <a:extLst>
+                  <a:ext uri="{FF2B5EF4-FFF2-40B4-BE49-F238E27FC236}">
+                    <a16:creationId xmlns:a16="http://schemas.microsoft.com/office/drawing/2014/main" id="{033F19D4-49AB-D349-A31A-B8FE18124D1C}"/>
+                  </a:ext>
+                </a:extLst>
+              </p:cNvPr>
+              <p:cNvSpPr>
+                <a:spLocks noRot="1" noChangeAspect="1" noMove="1" noResize="1" noEditPoints="1" noAdjustHandles="1" noChangeArrowheads="1" noChangeShapeType="1" noTextEdit="1"/>
+              </p:cNvSpPr>
+              <p:nvPr/>
+            </p:nvSpPr>
+            <p:spPr>
+              <a:xfrm>
+                <a:off x="11173767" y="1386673"/>
+                <a:ext cx="502418" cy="502418"/>
+              </a:xfrm>
+              <a:prstGeom prst="rect">
+                <a:avLst/>
+              </a:prstGeom>
+              <a:blipFill>
+                <a:blip r:embed="rId10"/>
+                <a:stretch>
+                  <a:fillRect/>
+                </a:stretch>
+              </a:blipFill>
+              <a:ln>
+                <a:solidFill>
+                  <a:schemeClr val="tx1"/>
+                </a:solidFill>
+              </a:ln>
+            </p:spPr>
+            <p:txBody>
+              <a:bodyPr/>
+              <a:lstStyle/>
+              <a:p>
+                <a:r>
+                  <a:rPr lang="ja-JP" altLang="en-US">
+                    <a:noFill/>
+                  </a:rPr>
+                  <a:t> </a:t>
+                </a:r>
+              </a:p>
+            </p:txBody>
+          </p:sp>
+        </mc:Fallback>
+      </mc:AlternateContent>
+      <p:sp>
+        <p:nvSpPr>
+          <p:cNvPr id="15" name="正方形/長方形 14">
+            <a:extLst>
+              <a:ext uri="{FF2B5EF4-FFF2-40B4-BE49-F238E27FC236}">
+                <a16:creationId xmlns:a16="http://schemas.microsoft.com/office/drawing/2014/main" id="{7E88B016-1D4A-2A43-B6D4-4F19B4844B39}"/>
+              </a:ext>
+            </a:extLst>
+          </p:cNvPr>
+          <p:cNvSpPr/>
+          <p:nvPr/>
+        </p:nvSpPr>
+        <p:spPr>
+          <a:xfrm>
+            <a:off x="10289512" y="2661309"/>
+            <a:ext cx="502418" cy="502418"/>
+          </a:xfrm>
+          <a:prstGeom prst="rect">
+            <a:avLst/>
+          </a:prstGeom>
+          <a:solidFill>
+            <a:schemeClr val="accent1">
+              <a:lumMod val="40000"/>
+              <a:lumOff val="60000"/>
+            </a:schemeClr>
+          </a:solidFill>
+          <a:ln>
+            <a:solidFill>
+              <a:schemeClr val="tx1"/>
+            </a:solidFill>
+          </a:ln>
+        </p:spPr>
+        <p:style>
+          <a:lnRef idx="2">
+            <a:schemeClr val="accent1">
+              <a:shade val="50000"/>
+            </a:schemeClr>
+          </a:lnRef>
+          <a:fillRef idx="1">
+            <a:schemeClr val="accent1"/>
+          </a:fillRef>
+          <a:effectRef idx="0">
+            <a:schemeClr val="accent1"/>
+          </a:effectRef>
+          <a:fontRef idx="minor">
+            <a:schemeClr val="lt1"/>
+          </a:fontRef>
+        </p:style>
+        <p:txBody>
+          <a:bodyPr rtlCol="0" anchor="ctr"/>
+          <a:lstStyle/>
+          <a:p>
+            <a:pPr algn="ctr"/>
+            <a:r>
+              <a:rPr kumimoji="1" lang="en-US" altLang="ja-JP" dirty="0">
+                <a:solidFill>
+                  <a:schemeClr val="tx1"/>
+                </a:solidFill>
+              </a:rPr>
+              <a:t>j</a:t>
+            </a:r>
+            <a:endParaRPr kumimoji="1" lang="ja-JP" altLang="en-US">
+              <a:solidFill>
+                <a:schemeClr val="tx1"/>
+              </a:solidFill>
+            </a:endParaRPr>
+          </a:p>
+        </p:txBody>
+      </p:sp>
+      <p:sp>
+        <p:nvSpPr>
+          <p:cNvPr id="16" name="正方形/長方形 15">
+            <a:extLst>
+              <a:ext uri="{FF2B5EF4-FFF2-40B4-BE49-F238E27FC236}">
+                <a16:creationId xmlns:a16="http://schemas.microsoft.com/office/drawing/2014/main" id="{469FACF0-0E5A-AB45-8077-37DD3B6A7A84}"/>
+              </a:ext>
+            </a:extLst>
+          </p:cNvPr>
+          <p:cNvSpPr/>
+          <p:nvPr/>
+        </p:nvSpPr>
+        <p:spPr>
+          <a:xfrm>
+            <a:off x="11203911" y="4089680"/>
+            <a:ext cx="502418" cy="502418"/>
+          </a:xfrm>
+          <a:prstGeom prst="rect">
+            <a:avLst/>
+          </a:prstGeom>
+          <a:solidFill>
+            <a:schemeClr val="accent1">
+              <a:lumMod val="40000"/>
+              <a:lumOff val="60000"/>
+            </a:schemeClr>
+          </a:solidFill>
+          <a:ln>
+            <a:solidFill>
+              <a:schemeClr val="tx1"/>
+            </a:solidFill>
+          </a:ln>
+        </p:spPr>
+        <p:style>
+          <a:lnRef idx="2">
+            <a:schemeClr val="accent1">
+              <a:shade val="50000"/>
+            </a:schemeClr>
+          </a:lnRef>
+          <a:fillRef idx="1">
+            <a:schemeClr val="accent1"/>
+          </a:fillRef>
+          <a:effectRef idx="0">
+            <a:schemeClr val="accent1"/>
+          </a:effectRef>
+          <a:fontRef idx="minor">
+            <a:schemeClr val="lt1"/>
+          </a:fontRef>
+        </p:style>
+        <p:txBody>
+          <a:bodyPr rtlCol="0" anchor="ctr"/>
+          <a:lstStyle/>
+          <a:p>
+            <a:pPr algn="ctr"/>
+            <a:r>
+              <a:rPr kumimoji="1" lang="en-US" altLang="ja-JP" dirty="0">
+                <a:solidFill>
+                  <a:schemeClr val="tx1"/>
+                </a:solidFill>
+              </a:rPr>
+              <a:t>x</a:t>
+            </a:r>
+            <a:endParaRPr kumimoji="1" lang="ja-JP" altLang="en-US">
+              <a:solidFill>
+                <a:schemeClr val="tx1"/>
+              </a:solidFill>
+            </a:endParaRPr>
+          </a:p>
+        </p:txBody>
+      </p:sp>
+      <p:cxnSp>
+        <p:nvCxnSpPr>
+          <p:cNvPr id="20" name="直線矢印コネクタ 19">
+            <a:extLst>
+              <a:ext uri="{FF2B5EF4-FFF2-40B4-BE49-F238E27FC236}">
+                <a16:creationId xmlns:a16="http://schemas.microsoft.com/office/drawing/2014/main" id="{A6BA1580-A3B6-8442-8BF9-61775056B46B}"/>
+              </a:ext>
+            </a:extLst>
+          </p:cNvPr>
+          <p:cNvCxnSpPr/>
+          <p:nvPr/>
+        </p:nvCxnSpPr>
+        <p:spPr>
+          <a:xfrm>
+            <a:off x="11444235" y="542611"/>
+            <a:ext cx="0" cy="844062"/>
+          </a:xfrm>
+          <a:prstGeom prst="straightConnector1">
+            <a:avLst/>
+          </a:prstGeom>
+          <a:ln>
+            <a:tailEnd type="triangle"/>
+          </a:ln>
+        </p:spPr>
+        <p:style>
+          <a:lnRef idx="1">
+            <a:schemeClr val="accent2"/>
+          </a:lnRef>
+          <a:fillRef idx="0">
+            <a:schemeClr val="accent2"/>
+          </a:fillRef>
+          <a:effectRef idx="0">
+            <a:schemeClr val="accent2"/>
+          </a:effectRef>
+          <a:fontRef idx="minor">
+            <a:schemeClr val="tx1"/>
+          </a:fontRef>
+        </p:style>
+      </p:cxnSp>
+      <p:cxnSp>
+        <p:nvCxnSpPr>
+          <p:cNvPr id="21" name="直線矢印コネクタ 20">
+            <a:extLst>
+              <a:ext uri="{FF2B5EF4-FFF2-40B4-BE49-F238E27FC236}">
+                <a16:creationId xmlns:a16="http://schemas.microsoft.com/office/drawing/2014/main" id="{A7B81BF9-B15F-0A4B-97F6-90A14FB63B8E}"/>
+              </a:ext>
+            </a:extLst>
+          </p:cNvPr>
+          <p:cNvCxnSpPr>
+            <a:cxnSpLocks/>
+          </p:cNvCxnSpPr>
+          <p:nvPr/>
+        </p:nvCxnSpPr>
+        <p:spPr>
+          <a:xfrm flipH="1">
+            <a:off x="10791930" y="1889090"/>
+            <a:ext cx="391047" cy="772219"/>
+          </a:xfrm>
+          <a:prstGeom prst="straightConnector1">
+            <a:avLst/>
+          </a:prstGeom>
+          <a:ln>
+            <a:tailEnd type="triangle"/>
+          </a:ln>
+        </p:spPr>
+        <p:style>
+          <a:lnRef idx="1">
+            <a:schemeClr val="accent2"/>
+          </a:lnRef>
+          <a:fillRef idx="0">
+            <a:schemeClr val="accent2"/>
+          </a:fillRef>
+          <a:effectRef idx="0">
+            <a:schemeClr val="accent2"/>
+          </a:effectRef>
+          <a:fontRef idx="minor">
+            <a:schemeClr val="tx1"/>
+          </a:fontRef>
+        </p:style>
+      </p:cxnSp>
+      <p:cxnSp>
+        <p:nvCxnSpPr>
+          <p:cNvPr id="23" name="直線矢印コネクタ 22">
+            <a:extLst>
+              <a:ext uri="{FF2B5EF4-FFF2-40B4-BE49-F238E27FC236}">
+                <a16:creationId xmlns:a16="http://schemas.microsoft.com/office/drawing/2014/main" id="{79B0DBB5-9225-9A45-8639-D281212AA4D5}"/>
+              </a:ext>
+            </a:extLst>
+          </p:cNvPr>
+          <p:cNvCxnSpPr>
+            <a:cxnSpLocks/>
+          </p:cNvCxnSpPr>
+          <p:nvPr/>
+        </p:nvCxnSpPr>
+        <p:spPr>
+          <a:xfrm>
+            <a:off x="10770995" y="3155182"/>
+            <a:ext cx="432916" cy="934498"/>
+          </a:xfrm>
+          <a:prstGeom prst="straightConnector1">
+            <a:avLst/>
+          </a:prstGeom>
+          <a:ln>
+            <a:tailEnd type="triangle"/>
+          </a:ln>
+        </p:spPr>
+        <p:style>
+          <a:lnRef idx="1">
+            <a:schemeClr val="accent2"/>
+          </a:lnRef>
+          <a:fillRef idx="0">
+            <a:schemeClr val="accent2"/>
+          </a:fillRef>
+          <a:effectRef idx="0">
+            <a:schemeClr val="accent2"/>
+          </a:effectRef>
+          <a:fontRef idx="minor">
+            <a:schemeClr val="tx1"/>
+          </a:fontRef>
+        </p:style>
+      </p:cxnSp>
+      <mc:AlternateContent xmlns:mc="http://schemas.openxmlformats.org/markup-compatibility/2006">
+        <mc:Choice xmlns:a14="http://schemas.microsoft.com/office/drawing/2010/main" Requires="a14">
+          <p:sp>
+            <p:nvSpPr>
+              <p:cNvPr id="25" name="テキスト ボックス 24">
+                <a:extLst>
+                  <a:ext uri="{FF2B5EF4-FFF2-40B4-BE49-F238E27FC236}">
+                    <a16:creationId xmlns:a16="http://schemas.microsoft.com/office/drawing/2014/main" id="{1D13F571-56A7-8649-B3CA-5F696DCE0418}"/>
+                  </a:ext>
+                </a:extLst>
+              </p:cNvPr>
+              <p:cNvSpPr txBox="1"/>
+              <p:nvPr/>
+            </p:nvSpPr>
+            <p:spPr>
+              <a:xfrm>
+                <a:off x="9606224" y="2645043"/>
+                <a:ext cx="1818752" cy="369332"/>
+              </a:xfrm>
+              <a:prstGeom prst="rect">
+                <a:avLst/>
+              </a:prstGeom>
+              <a:noFill/>
+            </p:spPr>
+            <p:txBody>
+              <a:bodyPr wrap="square" rtlCol="0">
+                <a:spAutoFit/>
+              </a:bodyPr>
+              <a:lstStyle/>
+              <a:p>
+                <a:r>
+                  <a:rPr lang="ja-JP" altLang="en-US"/>
+                  <a:t>時刻</a:t>
+                </a:r>
+                <a14:m>
+                  <m:oMath xmlns:m="http://schemas.openxmlformats.org/officeDocument/2006/math">
+                    <m:r>
+                      <a:rPr lang="en-US" altLang="ja-JP" b="0" i="1" smtClean="0">
+                        <a:latin typeface="Cambria Math" panose="02040503050406030204" pitchFamily="18" charset="0"/>
+                      </a:rPr>
+                      <m:t>𝑡</m:t>
+                    </m:r>
+                    <m:r>
+                      <a:rPr lang="en-US" altLang="ja-JP" b="0" i="1" smtClean="0">
+                        <a:latin typeface="Cambria Math" panose="02040503050406030204" pitchFamily="18" charset="0"/>
+                      </a:rPr>
+                      <m:t>′</m:t>
+                    </m:r>
+                  </m:oMath>
+                </a14:m>
+                <a:endParaRPr kumimoji="1" lang="ja-JP" altLang="en-US"/>
+              </a:p>
+            </p:txBody>
+          </p:sp>
+        </mc:Choice>
+        <mc:Fallback>
+          <p:sp>
+            <p:nvSpPr>
+              <p:cNvPr id="25" name="テキスト ボックス 24">
+                <a:extLst>
+                  <a:ext uri="{FF2B5EF4-FFF2-40B4-BE49-F238E27FC236}">
+                    <a16:creationId xmlns:a16="http://schemas.microsoft.com/office/drawing/2014/main" id="{1D13F571-56A7-8649-B3CA-5F696DCE0418}"/>
+                  </a:ext>
+                </a:extLst>
+              </p:cNvPr>
+              <p:cNvSpPr txBox="1">
+                <a:spLocks noRot="1" noChangeAspect="1" noMove="1" noResize="1" noEditPoints="1" noAdjustHandles="1" noChangeArrowheads="1" noChangeShapeType="1" noTextEdit="1"/>
+              </p:cNvSpPr>
+              <p:nvPr/>
+            </p:nvSpPr>
+            <p:spPr>
+              <a:xfrm>
+                <a:off x="9606224" y="2645043"/>
+                <a:ext cx="1818752" cy="369332"/>
+              </a:xfrm>
+              <a:prstGeom prst="rect">
+                <a:avLst/>
+              </a:prstGeom>
+              <a:blipFill>
+                <a:blip r:embed="rId11"/>
+                <a:stretch>
+                  <a:fillRect l="-2778" t="-10000" b="-26667"/>
+                </a:stretch>
+              </a:blipFill>
+            </p:spPr>
+            <p:txBody>
+              <a:bodyPr/>
+              <a:lstStyle/>
+              <a:p>
+                <a:r>
+                  <a:rPr lang="ja-JP" altLang="en-US">
+                    <a:noFill/>
+                  </a:rPr>
+                  <a:t> </a:t>
+                </a:r>
+              </a:p>
+            </p:txBody>
+          </p:sp>
+        </mc:Fallback>
+      </mc:AlternateContent>
+      <mc:AlternateContent xmlns:mc="http://schemas.openxmlformats.org/markup-compatibility/2006">
+        <mc:Choice xmlns:a14="http://schemas.microsoft.com/office/drawing/2010/main" Requires="a14">
+          <p:sp>
+            <p:nvSpPr>
+              <p:cNvPr id="26" name="テキスト ボックス 25">
+                <a:extLst>
+                  <a:ext uri="{FF2B5EF4-FFF2-40B4-BE49-F238E27FC236}">
+                    <a16:creationId xmlns:a16="http://schemas.microsoft.com/office/drawing/2014/main" id="{9F02E490-652B-DD4E-ABAF-1D659D0BABB0}"/>
+                  </a:ext>
+                </a:extLst>
+              </p:cNvPr>
+              <p:cNvSpPr txBox="1"/>
+              <p:nvPr/>
+            </p:nvSpPr>
+            <p:spPr>
+              <a:xfrm>
+                <a:off x="10430189" y="4172392"/>
+                <a:ext cx="1818752" cy="369332"/>
+              </a:xfrm>
+              <a:prstGeom prst="rect">
+                <a:avLst/>
+              </a:prstGeom>
+              <a:noFill/>
+            </p:spPr>
+            <p:txBody>
+              <a:bodyPr wrap="square" rtlCol="0">
+                <a:spAutoFit/>
+              </a:bodyPr>
+              <a:lstStyle/>
+              <a:p>
+                <a:r>
+                  <a:rPr lang="ja-JP" altLang="en-US"/>
+                  <a:t>時刻</a:t>
+                </a:r>
+                <a14:m>
+                  <m:oMath xmlns:m="http://schemas.openxmlformats.org/officeDocument/2006/math">
+                    <m:r>
+                      <a:rPr lang="en-US" altLang="ja-JP" b="0" i="1" smtClean="0">
+                        <a:latin typeface="Cambria Math" panose="02040503050406030204" pitchFamily="18" charset="0"/>
+                      </a:rPr>
+                      <m:t>𝑡</m:t>
+                    </m:r>
+                  </m:oMath>
+                </a14:m>
+                <a:endParaRPr kumimoji="1" lang="ja-JP" altLang="en-US"/>
+              </a:p>
+            </p:txBody>
+          </p:sp>
+        </mc:Choice>
+        <mc:Fallback>
+          <p:sp>
+            <p:nvSpPr>
+              <p:cNvPr id="26" name="テキスト ボックス 25">
+                <a:extLst>
+                  <a:ext uri="{FF2B5EF4-FFF2-40B4-BE49-F238E27FC236}">
+                    <a16:creationId xmlns:a16="http://schemas.microsoft.com/office/drawing/2014/main" id="{9F02E490-652B-DD4E-ABAF-1D659D0BABB0}"/>
+                  </a:ext>
+                </a:extLst>
+              </p:cNvPr>
+              <p:cNvSpPr txBox="1">
+                <a:spLocks noRot="1" noChangeAspect="1" noMove="1" noResize="1" noEditPoints="1" noAdjustHandles="1" noChangeArrowheads="1" noChangeShapeType="1" noTextEdit="1"/>
+              </p:cNvSpPr>
+              <p:nvPr/>
+            </p:nvSpPr>
+            <p:spPr>
+              <a:xfrm>
+                <a:off x="10430189" y="4172392"/>
+                <a:ext cx="1818752" cy="369332"/>
+              </a:xfrm>
+              <a:prstGeom prst="rect">
+                <a:avLst/>
+              </a:prstGeom>
+              <a:blipFill>
+                <a:blip r:embed="rId12"/>
+                <a:stretch>
+                  <a:fillRect l="-2778" t="-6667" b="-26667"/>
                 </a:stretch>
               </a:blipFill>
             </p:spPr>
@@ -25775,8 +27587,8 @@
           </a:p>
         </p:txBody>
       </p:sp>
-      <mc:AlternateContent xmlns:mc="http://schemas.openxmlformats.org/markup-compatibility/2006">
-        <mc:Choice xmlns:a14="http://schemas.microsoft.com/office/drawing/2010/main" Requires="a14">
+      <mc:AlternateContent xmlns:mc="http://schemas.openxmlformats.org/markup-compatibility/2006" xmlns:a14="http://schemas.microsoft.com/office/drawing/2010/main">
+        <mc:Choice Requires="a14">
           <p:sp>
             <p:nvSpPr>
               <p:cNvPr id="4" name="テキスト ボックス 3">
@@ -25805,6 +27617,7 @@
               </a:bodyPr>
               <a:lstStyle/>
               <a:p>
+                <a:pPr/>
                 <a14:m>
                   <m:oMathPara xmlns:m="http://schemas.openxmlformats.org/officeDocument/2006/math">
                     <m:oMathParaPr>
@@ -26065,7 +27878,7 @@
             </p:txBody>
           </p:sp>
         </mc:Choice>
-        <mc:Fallback>
+        <mc:Fallback xmlns="">
           <p:sp>
             <p:nvSpPr>
               <p:cNvPr id="4" name="テキスト ボックス 3">
@@ -26110,8 +27923,8 @@
           </p:sp>
         </mc:Fallback>
       </mc:AlternateContent>
-      <mc:AlternateContent xmlns:mc="http://schemas.openxmlformats.org/markup-compatibility/2006">
-        <mc:Choice xmlns:a14="http://schemas.microsoft.com/office/drawing/2010/main" Requires="a14">
+      <mc:AlternateContent xmlns:mc="http://schemas.openxmlformats.org/markup-compatibility/2006" xmlns:a14="http://schemas.microsoft.com/office/drawing/2010/main">
+        <mc:Choice Requires="a14">
           <p:sp>
             <p:nvSpPr>
               <p:cNvPr id="5" name="テキスト ボックス 4">
@@ -26140,6 +27953,7 @@
               </a:bodyPr>
               <a:lstStyle/>
               <a:p>
+                <a:pPr/>
                 <a14:m>
                   <m:oMathPara xmlns:m="http://schemas.openxmlformats.org/officeDocument/2006/math">
                     <m:oMathParaPr>
@@ -26400,7 +28214,7 @@
             </p:txBody>
           </p:sp>
         </mc:Choice>
-        <mc:Fallback>
+        <mc:Fallback xmlns="">
           <p:sp>
             <p:nvSpPr>
               <p:cNvPr id="5" name="テキスト ボックス 4">
@@ -26445,8 +28259,8 @@
           </p:sp>
         </mc:Fallback>
       </mc:AlternateContent>
-      <mc:AlternateContent xmlns:mc="http://schemas.openxmlformats.org/markup-compatibility/2006">
-        <mc:Choice xmlns:a14="http://schemas.microsoft.com/office/drawing/2010/main" Requires="a14">
+      <mc:AlternateContent xmlns:mc="http://schemas.openxmlformats.org/markup-compatibility/2006" xmlns:a14="http://schemas.microsoft.com/office/drawing/2010/main">
+        <mc:Choice Requires="a14">
           <p:sp>
             <p:nvSpPr>
               <p:cNvPr id="6" name="テキスト ボックス 5">
@@ -26615,7 +28429,7 @@
             </p:txBody>
           </p:sp>
         </mc:Choice>
-        <mc:Fallback>
+        <mc:Fallback xmlns="">
           <p:sp>
             <p:nvSpPr>
               <p:cNvPr id="6" name="テキスト ボックス 5">
@@ -26660,8 +28474,8 @@
           </p:sp>
         </mc:Fallback>
       </mc:AlternateContent>
-      <mc:AlternateContent xmlns:mc="http://schemas.openxmlformats.org/markup-compatibility/2006">
-        <mc:Choice xmlns:a14="http://schemas.microsoft.com/office/drawing/2010/main" Requires="a14">
+      <mc:AlternateContent xmlns:mc="http://schemas.openxmlformats.org/markup-compatibility/2006" xmlns:a14="http://schemas.microsoft.com/office/drawing/2010/main">
+        <mc:Choice Requires="a14">
           <p:sp>
             <p:nvSpPr>
               <p:cNvPr id="7" name="テキスト ボックス 6">
@@ -26690,6 +28504,7 @@
               </a:bodyPr>
               <a:lstStyle/>
               <a:p>
+                <a:pPr/>
                 <a14:m>
                   <m:oMathPara xmlns:m="http://schemas.openxmlformats.org/officeDocument/2006/math">
                     <m:oMathParaPr>
@@ -26966,7 +28781,7 @@
             </p:txBody>
           </p:sp>
         </mc:Choice>
-        <mc:Fallback>
+        <mc:Fallback xmlns="">
           <p:sp>
             <p:nvSpPr>
               <p:cNvPr id="7" name="テキスト ボックス 6">
@@ -27011,8 +28826,8 @@
           </p:sp>
         </mc:Fallback>
       </mc:AlternateContent>
-      <mc:AlternateContent xmlns:mc="http://schemas.openxmlformats.org/markup-compatibility/2006">
-        <mc:Choice xmlns:a14="http://schemas.microsoft.com/office/drawing/2010/main" Requires="a14">
+      <mc:AlternateContent xmlns:mc="http://schemas.openxmlformats.org/markup-compatibility/2006" xmlns:a14="http://schemas.microsoft.com/office/drawing/2010/main">
+        <mc:Choice Requires="a14">
           <p:sp>
             <p:nvSpPr>
               <p:cNvPr id="8" name="テキスト ボックス 7">
@@ -27041,6 +28856,7 @@
               </a:bodyPr>
               <a:lstStyle/>
               <a:p>
+                <a:pPr/>
                 <a14:m>
                   <m:oMathPara xmlns:m="http://schemas.openxmlformats.org/officeDocument/2006/math">
                     <m:oMathParaPr>
@@ -27317,7 +29133,7 @@
             </p:txBody>
           </p:sp>
         </mc:Choice>
-        <mc:Fallback>
+        <mc:Fallback xmlns="">
           <p:sp>
             <p:nvSpPr>
               <p:cNvPr id="8" name="テキスト ボックス 7">
@@ -27397,8 +29213,8 @@
           </a:p>
         </p:txBody>
       </p:sp>
-      <mc:AlternateContent xmlns:mc="http://schemas.openxmlformats.org/markup-compatibility/2006">
-        <mc:Choice xmlns:a14="http://schemas.microsoft.com/office/drawing/2010/main" Requires="a14">
+      <mc:AlternateContent xmlns:mc="http://schemas.openxmlformats.org/markup-compatibility/2006" xmlns:a14="http://schemas.microsoft.com/office/drawing/2010/main">
+        <mc:Choice Requires="a14">
           <p:sp>
             <p:nvSpPr>
               <p:cNvPr id="11" name="テキスト ボックス 10">
@@ -27427,6 +29243,7 @@
               </a:bodyPr>
               <a:lstStyle/>
               <a:p>
+                <a:pPr/>
                 <a14:m>
                   <m:oMathPara xmlns:m="http://schemas.openxmlformats.org/officeDocument/2006/math">
                     <m:oMathParaPr>
@@ -27775,7 +29592,7 @@
             </p:txBody>
           </p:sp>
         </mc:Choice>
-        <mc:Fallback>
+        <mc:Fallback xmlns="">
           <p:sp>
             <p:nvSpPr>
               <p:cNvPr id="11" name="テキスト ボックス 10">
@@ -27856,8 +29673,8 @@
           </a:p>
         </p:txBody>
       </p:sp>
-      <mc:AlternateContent xmlns:mc="http://schemas.openxmlformats.org/markup-compatibility/2006">
-        <mc:Choice xmlns:a14="http://schemas.microsoft.com/office/drawing/2010/main" Requires="a14">
+      <mc:AlternateContent xmlns:mc="http://schemas.openxmlformats.org/markup-compatibility/2006" xmlns:a14="http://schemas.microsoft.com/office/drawing/2010/main">
+        <mc:Choice Requires="a14">
           <p:sp>
             <p:nvSpPr>
               <p:cNvPr id="13" name="テキスト ボックス 12">
@@ -27886,6 +29703,7 @@
               </a:bodyPr>
               <a:lstStyle/>
               <a:p>
+                <a:pPr/>
                 <a14:m>
                   <m:oMathPara xmlns:m="http://schemas.openxmlformats.org/officeDocument/2006/math">
                     <m:oMathParaPr>
@@ -28196,7 +30014,7 @@
             </p:txBody>
           </p:sp>
         </mc:Choice>
-        <mc:Fallback>
+        <mc:Fallback xmlns="">
           <p:sp>
             <p:nvSpPr>
               <p:cNvPr id="13" name="テキスト ボックス 12">
@@ -28521,6 +30339,552 @@
 </p:sld>
 </file>
 
+<file path=ppt/slides/slide23.xml><?xml version="1.0" encoding="utf-8"?>
+<p:sld xmlns:a="http://schemas.openxmlformats.org/drawingml/2006/main" xmlns:r="http://schemas.openxmlformats.org/officeDocument/2006/relationships" xmlns:p="http://schemas.openxmlformats.org/presentationml/2006/main">
+  <p:cSld>
+    <p:spTree>
+      <p:nvGrpSpPr>
+        <p:cNvPr id="1" name=""/>
+        <p:cNvGrpSpPr/>
+        <p:nvPr/>
+      </p:nvGrpSpPr>
+      <p:grpSpPr>
+        <a:xfrm>
+          <a:off x="0" y="0"/>
+          <a:ext cx="0" cy="0"/>
+          <a:chOff x="0" y="0"/>
+          <a:chExt cx="0" cy="0"/>
+        </a:xfrm>
+      </p:grpSpPr>
+      <p:sp>
+        <p:nvSpPr>
+          <p:cNvPr id="2" name="タイトル 1">
+            <a:extLst>
+              <a:ext uri="{FF2B5EF4-FFF2-40B4-BE49-F238E27FC236}">
+                <a16:creationId xmlns:a16="http://schemas.microsoft.com/office/drawing/2014/main" id="{3DA4E01F-8331-9148-9CC0-DEF22F77CC0F}"/>
+              </a:ext>
+            </a:extLst>
+          </p:cNvPr>
+          <p:cNvSpPr>
+            <a:spLocks noGrp="1"/>
+          </p:cNvSpPr>
+          <p:nvPr>
+            <p:ph type="title"/>
+          </p:nvPr>
+        </p:nvSpPr>
+        <p:spPr/>
+        <p:txBody>
+          <a:bodyPr/>
+          <a:lstStyle/>
+          <a:p>
+            <a:r>
+              <a:rPr kumimoji="1" lang="ja-JP" altLang="en-US"/>
+              <a:t>入力光をパルス光に変更</a:t>
+            </a:r>
+          </a:p>
+        </p:txBody>
+      </p:sp>
+      <p:pic>
+        <p:nvPicPr>
+          <p:cNvPr id="5" name="図 4">
+            <a:extLst>
+              <a:ext uri="{FF2B5EF4-FFF2-40B4-BE49-F238E27FC236}">
+                <a16:creationId xmlns:a16="http://schemas.microsoft.com/office/drawing/2014/main" id="{60FB8EF6-24E6-0148-91CF-DE8FEB2C439E}"/>
+              </a:ext>
+            </a:extLst>
+          </p:cNvPr>
+          <p:cNvPicPr>
+            <a:picLocks noChangeAspect="1"/>
+          </p:cNvPicPr>
+          <p:nvPr/>
+        </p:nvPicPr>
+        <p:blipFill>
+          <a:blip r:embed="rId2">
+            <a:extLst>
+              <a:ext uri="{28A0092B-C50C-407E-A947-70E740481C1C}">
+                <a14:useLocalDpi xmlns:a14="http://schemas.microsoft.com/office/drawing/2010/main" val="0"/>
+              </a:ext>
+            </a:extLst>
+          </a:blip>
+          <a:stretch>
+            <a:fillRect/>
+          </a:stretch>
+        </p:blipFill>
+        <p:spPr>
+          <a:xfrm>
+            <a:off x="388374" y="1690688"/>
+            <a:ext cx="7315200" cy="4114800"/>
+          </a:xfrm>
+          <a:prstGeom prst="rect">
+            <a:avLst/>
+          </a:prstGeom>
+        </p:spPr>
+      </p:pic>
+      <mc:AlternateContent xmlns:mc="http://schemas.openxmlformats.org/markup-compatibility/2006">
+        <mc:Choice xmlns:a14="http://schemas.microsoft.com/office/drawing/2010/main" Requires="a14">
+          <p:sp>
+            <p:nvSpPr>
+              <p:cNvPr id="8" name="テキスト ボックス 7">
+                <a:extLst>
+                  <a:ext uri="{FF2B5EF4-FFF2-40B4-BE49-F238E27FC236}">
+                    <a16:creationId xmlns:a16="http://schemas.microsoft.com/office/drawing/2014/main" id="{0461E9F0-5006-0547-B803-0CBC7EDB202F}"/>
+                  </a:ext>
+                </a:extLst>
+              </p:cNvPr>
+              <p:cNvSpPr txBox="1"/>
+              <p:nvPr/>
+            </p:nvSpPr>
+            <p:spPr>
+              <a:xfrm>
+                <a:off x="7416800" y="1955466"/>
+                <a:ext cx="3238500" cy="1551322"/>
+              </a:xfrm>
+              <a:prstGeom prst="rect">
+                <a:avLst/>
+              </a:prstGeom>
+              <a:noFill/>
+            </p:spPr>
+            <p:txBody>
+              <a:bodyPr wrap="square">
+                <a:spAutoFit/>
+              </a:bodyPr>
+              <a:lstStyle/>
+              <a:p>
+                <a:pPr/>
+                <a14:m>
+                  <m:oMathPara xmlns:m="http://schemas.openxmlformats.org/officeDocument/2006/math">
+                    <m:oMathParaPr>
+                      <m:jc m:val="centerGroup"/>
+                    </m:oMathParaPr>
+                    <m:oMath xmlns:m="http://schemas.openxmlformats.org/officeDocument/2006/math">
+                      <m:r>
+                        <a:rPr lang="ar-AE" altLang="ja-JP" i="1" smtClean="0">
+                          <a:latin typeface="Cambria Math" panose="02040503050406030204" pitchFamily="18" charset="0"/>
+                        </a:rPr>
+                        <m:t>𝜙</m:t>
+                      </m:r>
+                      <m:d>
+                        <m:dPr>
+                          <m:ctrlPr>
+                            <a:rPr lang="en-US" altLang="ja-JP" b="0" i="1" smtClean="0">
+                              <a:latin typeface="Cambria Math" panose="02040503050406030204" pitchFamily="18" charset="0"/>
+                            </a:rPr>
+                          </m:ctrlPr>
+                        </m:dPr>
+                        <m:e>
+                          <m:r>
+                            <a:rPr lang="en-US" altLang="ja-JP" b="0" i="1" smtClean="0">
+                              <a:latin typeface="Cambria Math" panose="02040503050406030204" pitchFamily="18" charset="0"/>
+                            </a:rPr>
+                            <m:t>𝑡</m:t>
+                          </m:r>
+                        </m:e>
+                      </m:d>
+                      <m:r>
+                        <a:rPr lang="en-US" altLang="ja-JP" b="0" i="1" smtClean="0">
+                          <a:latin typeface="Cambria Math" panose="02040503050406030204" pitchFamily="18" charset="0"/>
+                        </a:rPr>
+                        <m:t>=</m:t>
+                      </m:r>
+                      <m:r>
+                        <a:rPr lang="en-US" altLang="ja-JP" b="0" i="1" smtClean="0">
+                          <a:latin typeface="Cambria Math" panose="02040503050406030204" pitchFamily="18" charset="0"/>
+                        </a:rPr>
+                        <m:t>𝐴</m:t>
+                      </m:r>
+                      <m:r>
+                        <a:rPr lang="en-US" altLang="ja-JP" b="0" i="1" smtClean="0">
+                          <a:latin typeface="Cambria Math" panose="02040503050406030204" pitchFamily="18" charset="0"/>
+                        </a:rPr>
+                        <m:t>∗</m:t>
+                      </m:r>
+                      <m:func>
+                        <m:funcPr>
+                          <m:ctrlPr>
+                            <a:rPr lang="en-US" altLang="ja-JP" b="0" i="1" smtClean="0">
+                              <a:latin typeface="Cambria Math" panose="02040503050406030204" pitchFamily="18" charset="0"/>
+                            </a:rPr>
+                          </m:ctrlPr>
+                        </m:funcPr>
+                        <m:fName>
+                          <m:r>
+                            <m:rPr>
+                              <m:sty m:val="p"/>
+                            </m:rPr>
+                            <a:rPr lang="en-US" altLang="ja-JP" b="0" i="0" smtClean="0">
+                              <a:latin typeface="Cambria Math" panose="02040503050406030204" pitchFamily="18" charset="0"/>
+                            </a:rPr>
+                            <m:t>exp</m:t>
+                          </m:r>
+                        </m:fName>
+                        <m:e>
+                          <m:d>
+                            <m:dPr>
+                              <m:ctrlPr>
+                                <a:rPr lang="en-US" altLang="ja-JP" b="0" i="1" smtClean="0">
+                                  <a:latin typeface="Cambria Math" panose="02040503050406030204" pitchFamily="18" charset="0"/>
+                                </a:rPr>
+                              </m:ctrlPr>
+                            </m:dPr>
+                            <m:e>
+                              <m:f>
+                                <m:fPr>
+                                  <m:ctrlPr>
+                                    <a:rPr lang="en-US" altLang="ja-JP" b="0" i="1" smtClean="0">
+                                      <a:latin typeface="Cambria Math" panose="02040503050406030204" pitchFamily="18" charset="0"/>
+                                    </a:rPr>
+                                  </m:ctrlPr>
+                                </m:fPr>
+                                <m:num>
+                                  <m:sSup>
+                                    <m:sSupPr>
+                                      <m:ctrlPr>
+                                        <a:rPr lang="en-US" altLang="ja-JP" i="1">
+                                          <a:latin typeface="Cambria Math" panose="02040503050406030204" pitchFamily="18" charset="0"/>
+                                        </a:rPr>
+                                      </m:ctrlPr>
+                                    </m:sSupPr>
+                                    <m:e>
+                                      <m:d>
+                                        <m:dPr>
+                                          <m:ctrlPr>
+                                            <a:rPr lang="en-US" altLang="ja-JP" i="1">
+                                              <a:latin typeface="Cambria Math" panose="02040503050406030204" pitchFamily="18" charset="0"/>
+                                            </a:rPr>
+                                          </m:ctrlPr>
+                                        </m:dPr>
+                                        <m:e>
+                                          <m:r>
+                                            <a:rPr lang="en-US" altLang="ja-JP" i="1">
+                                              <a:latin typeface="Cambria Math" panose="02040503050406030204" pitchFamily="18" charset="0"/>
+                                            </a:rPr>
+                                            <m:t>𝑡</m:t>
+                                          </m:r>
+                                          <m:r>
+                                            <a:rPr lang="en-US" altLang="ja-JP" i="1">
+                                              <a:latin typeface="Cambria Math" panose="02040503050406030204" pitchFamily="18" charset="0"/>
+                                            </a:rPr>
+                                            <m:t>−</m:t>
+                                          </m:r>
+                                          <m:sSub>
+                                            <m:sSubPr>
+                                              <m:ctrlPr>
+                                                <a:rPr lang="en-US" altLang="ja-JP" i="1">
+                                                  <a:latin typeface="Cambria Math" panose="02040503050406030204" pitchFamily="18" charset="0"/>
+                                                </a:rPr>
+                                              </m:ctrlPr>
+                                            </m:sSubPr>
+                                            <m:e>
+                                              <m:r>
+                                                <a:rPr lang="en-US" altLang="ja-JP" i="1">
+                                                  <a:latin typeface="Cambria Math" panose="02040503050406030204" pitchFamily="18" charset="0"/>
+                                                </a:rPr>
+                                                <m:t>𝑡</m:t>
+                                              </m:r>
+                                            </m:e>
+                                            <m:sub>
+                                              <m:r>
+                                                <a:rPr lang="en-US" altLang="ja-JP" i="1">
+                                                  <a:latin typeface="Cambria Math" panose="02040503050406030204" pitchFamily="18" charset="0"/>
+                                                </a:rPr>
+                                                <m:t>1</m:t>
+                                              </m:r>
+                                            </m:sub>
+                                          </m:sSub>
+                                        </m:e>
+                                      </m:d>
+                                    </m:e>
+                                    <m:sup>
+                                      <m:r>
+                                        <a:rPr lang="en-US" altLang="ja-JP" i="1">
+                                          <a:latin typeface="Cambria Math" panose="02040503050406030204" pitchFamily="18" charset="0"/>
+                                        </a:rPr>
+                                        <m:t>2</m:t>
+                                      </m:r>
+                                    </m:sup>
+                                  </m:sSup>
+                                </m:num>
+                                <m:den>
+                                  <m:sSup>
+                                    <m:sSupPr>
+                                      <m:ctrlPr>
+                                        <a:rPr lang="en-US" altLang="ja-JP" b="0" i="1" smtClean="0">
+                                          <a:latin typeface="Cambria Math" panose="02040503050406030204" pitchFamily="18" charset="0"/>
+                                        </a:rPr>
+                                      </m:ctrlPr>
+                                    </m:sSupPr>
+                                    <m:e>
+                                      <m:sSub>
+                                        <m:sSubPr>
+                                          <m:ctrlPr>
+                                            <a:rPr lang="en-US" altLang="ja-JP" b="0" i="1" smtClean="0">
+                                              <a:latin typeface="Cambria Math" panose="02040503050406030204" pitchFamily="18" charset="0"/>
+                                            </a:rPr>
+                                          </m:ctrlPr>
+                                        </m:sSubPr>
+                                        <m:e>
+                                          <m:r>
+                                            <a:rPr lang="en-US" altLang="ja-JP" b="0" i="1" smtClean="0">
+                                              <a:latin typeface="Cambria Math" panose="02040503050406030204" pitchFamily="18" charset="0"/>
+                                            </a:rPr>
+                                            <m:t>𝑡</m:t>
+                                          </m:r>
+                                        </m:e>
+                                        <m:sub>
+                                          <m:r>
+                                            <a:rPr lang="en-US" altLang="ja-JP" b="0" i="1" smtClean="0">
+                                              <a:latin typeface="Cambria Math" panose="02040503050406030204" pitchFamily="18" charset="0"/>
+                                            </a:rPr>
+                                            <m:t>2</m:t>
+                                          </m:r>
+                                        </m:sub>
+                                      </m:sSub>
+                                    </m:e>
+                                    <m:sup>
+                                      <m:r>
+                                        <a:rPr lang="en-US" altLang="ja-JP" b="0" i="1" smtClean="0">
+                                          <a:latin typeface="Cambria Math" panose="02040503050406030204" pitchFamily="18" charset="0"/>
+                                        </a:rPr>
+                                        <m:t>2</m:t>
+                                      </m:r>
+                                    </m:sup>
+                                  </m:sSup>
+                                </m:den>
+                              </m:f>
+                            </m:e>
+                          </m:d>
+                        </m:e>
+                      </m:func>
+                    </m:oMath>
+                    <m:oMath xmlns:m="http://schemas.openxmlformats.org/officeDocument/2006/math">
+                      <m:r>
+                        <a:rPr lang="en-US" altLang="ja-JP" b="0" i="1" smtClean="0">
+                          <a:latin typeface="Cambria Math" panose="02040503050406030204" pitchFamily="18" charset="0"/>
+                        </a:rPr>
+                        <m:t>𝐴</m:t>
+                      </m:r>
+                      <m:r>
+                        <a:rPr lang="en-US" altLang="ja-JP" b="0" i="1" smtClean="0">
+                          <a:latin typeface="Cambria Math" panose="02040503050406030204" pitchFamily="18" charset="0"/>
+                        </a:rPr>
+                        <m:t>:</m:t>
+                      </m:r>
+                      <m:r>
+                        <a:rPr lang="ja-JP" altLang="en-US" i="1">
+                          <a:latin typeface="Cambria Math" panose="02040503050406030204" pitchFamily="18" charset="0"/>
+                        </a:rPr>
+                        <m:t>振幅</m:t>
+                      </m:r>
+                      <m:r>
+                        <a:rPr lang="en-US" altLang="ja-JP" b="0" i="1" smtClean="0">
+                          <a:latin typeface="Cambria Math" panose="02040503050406030204" pitchFamily="18" charset="0"/>
+                        </a:rPr>
+                        <m:t>(10)</m:t>
+                      </m:r>
+                    </m:oMath>
+                    <m:oMath xmlns:m="http://schemas.openxmlformats.org/officeDocument/2006/math">
+                      <m:sSub>
+                        <m:sSubPr>
+                          <m:ctrlPr>
+                            <a:rPr lang="en-US" altLang="ja-JP" b="0" i="1" smtClean="0">
+                              <a:latin typeface="Cambria Math" panose="02040503050406030204" pitchFamily="18" charset="0"/>
+                            </a:rPr>
+                          </m:ctrlPr>
+                        </m:sSubPr>
+                        <m:e>
+                          <m:r>
+                            <a:rPr lang="en-US" altLang="ja-JP" b="0" i="1" smtClean="0">
+                              <a:latin typeface="Cambria Math" panose="02040503050406030204" pitchFamily="18" charset="0"/>
+                            </a:rPr>
+                            <m:t>𝑡</m:t>
+                          </m:r>
+                        </m:e>
+                        <m:sub>
+                          <m:r>
+                            <a:rPr lang="en-US" altLang="ja-JP" b="0" i="1" smtClean="0">
+                              <a:latin typeface="Cambria Math" panose="02040503050406030204" pitchFamily="18" charset="0"/>
+                            </a:rPr>
+                            <m:t>1</m:t>
+                          </m:r>
+                        </m:sub>
+                      </m:sSub>
+                      <m:r>
+                        <a:rPr lang="en-US" altLang="ja-JP" b="0" i="1" smtClean="0">
+                          <a:latin typeface="Cambria Math" panose="02040503050406030204" pitchFamily="18" charset="0"/>
+                        </a:rPr>
+                        <m:t>:</m:t>
+                      </m:r>
+                      <m:r>
+                        <a:rPr lang="ja-JP" altLang="en-US" i="1">
+                          <a:latin typeface="Cambria Math" panose="02040503050406030204" pitchFamily="18" charset="0"/>
+                        </a:rPr>
+                        <m:t>時間的</m:t>
+                      </m:r>
+                      <m:r>
+                        <a:rPr lang="ja-JP" altLang="en-US" i="1">
+                          <a:latin typeface="Cambria Math" panose="02040503050406030204" pitchFamily="18" charset="0"/>
+                        </a:rPr>
+                        <m:t>な</m:t>
+                      </m:r>
+                      <m:r>
+                        <a:rPr lang="ja-JP" altLang="en-US" i="1">
+                          <a:latin typeface="Cambria Math" panose="02040503050406030204" pitchFamily="18" charset="0"/>
+                        </a:rPr>
+                        <m:t>ピーク</m:t>
+                      </m:r>
+                      <m:r>
+                        <a:rPr lang="ja-JP" altLang="en-US" i="1" smtClean="0">
+                          <a:latin typeface="Cambria Math" panose="02040503050406030204" pitchFamily="18" charset="0"/>
+                        </a:rPr>
+                        <m:t>位置</m:t>
+                      </m:r>
+                      <m:r>
+                        <a:rPr lang="en-US" altLang="ja-JP" b="0" i="1" smtClean="0">
+                          <a:latin typeface="Cambria Math" panose="02040503050406030204" pitchFamily="18" charset="0"/>
+                        </a:rPr>
+                        <m:t>(15</m:t>
+                      </m:r>
+                      <m:r>
+                        <a:rPr lang="en-US" altLang="ja-JP" b="0" i="1" smtClean="0">
+                          <a:latin typeface="Cambria Math" panose="02040503050406030204" pitchFamily="18" charset="0"/>
+                        </a:rPr>
+                        <m:t>𝑝𝑠</m:t>
+                      </m:r>
+                      <m:r>
+                        <a:rPr lang="en-US" altLang="ja-JP" b="0" i="1" smtClean="0">
+                          <a:latin typeface="Cambria Math" panose="02040503050406030204" pitchFamily="18" charset="0"/>
+                        </a:rPr>
+                        <m:t>)</m:t>
+                      </m:r>
+                    </m:oMath>
+                    <m:oMath xmlns:m="http://schemas.openxmlformats.org/officeDocument/2006/math">
+                      <m:sSub>
+                        <m:sSubPr>
+                          <m:ctrlPr>
+                            <a:rPr lang="en-US" altLang="ja-JP" b="0" i="1" smtClean="0">
+                              <a:latin typeface="Cambria Math" panose="02040503050406030204" pitchFamily="18" charset="0"/>
+                            </a:rPr>
+                          </m:ctrlPr>
+                        </m:sSubPr>
+                        <m:e>
+                          <m:r>
+                            <a:rPr lang="en-US" altLang="ja-JP" b="0" i="1" smtClean="0">
+                              <a:latin typeface="Cambria Math" panose="02040503050406030204" pitchFamily="18" charset="0"/>
+                            </a:rPr>
+                            <m:t>𝑡</m:t>
+                          </m:r>
+                        </m:e>
+                        <m:sub>
+                          <m:r>
+                            <a:rPr lang="en-US" altLang="ja-JP" b="0" i="1" smtClean="0">
+                              <a:latin typeface="Cambria Math" panose="02040503050406030204" pitchFamily="18" charset="0"/>
+                            </a:rPr>
+                            <m:t>2</m:t>
+                          </m:r>
+                        </m:sub>
+                      </m:sSub>
+                      <m:r>
+                        <a:rPr lang="en-US" altLang="ja-JP" b="0" i="1" smtClean="0">
+                          <a:latin typeface="Cambria Math" panose="02040503050406030204" pitchFamily="18" charset="0"/>
+                        </a:rPr>
+                        <m:t>:</m:t>
+                      </m:r>
+                      <m:r>
+                        <a:rPr lang="ja-JP" altLang="en-US" i="1">
+                          <a:latin typeface="Cambria Math" panose="02040503050406030204" pitchFamily="18" charset="0"/>
+                        </a:rPr>
+                        <m:t>パルス</m:t>
+                      </m:r>
+                      <m:r>
+                        <a:rPr lang="ja-JP" altLang="en-US" i="1" smtClean="0">
+                          <a:latin typeface="Cambria Math" panose="02040503050406030204" pitchFamily="18" charset="0"/>
+                        </a:rPr>
+                        <m:t>幅</m:t>
+                      </m:r>
+                      <m:r>
+                        <a:rPr lang="en-US" altLang="ja-JP" b="0" i="1" smtClean="0">
+                          <a:latin typeface="Cambria Math" panose="02040503050406030204" pitchFamily="18" charset="0"/>
+                        </a:rPr>
+                        <m:t>(5</m:t>
+                      </m:r>
+                      <m:r>
+                        <a:rPr lang="en-US" altLang="ja-JP" b="0" i="1" smtClean="0">
+                          <a:latin typeface="Cambria Math" panose="02040503050406030204" pitchFamily="18" charset="0"/>
+                        </a:rPr>
+                        <m:t>𝑝𝑠</m:t>
+                      </m:r>
+                      <m:r>
+                        <a:rPr lang="en-US" altLang="ja-JP" b="0" i="1" smtClean="0">
+                          <a:latin typeface="Cambria Math" panose="02040503050406030204" pitchFamily="18" charset="0"/>
+                        </a:rPr>
+                        <m:t>)</m:t>
+                      </m:r>
+                    </m:oMath>
+                  </m:oMathPara>
+                </a14:m>
+                <a:endParaRPr lang="ja-JP" altLang="en-US"/>
+              </a:p>
+            </p:txBody>
+          </p:sp>
+        </mc:Choice>
+        <mc:Fallback>
+          <p:sp>
+            <p:nvSpPr>
+              <p:cNvPr id="8" name="テキスト ボックス 7">
+                <a:extLst>
+                  <a:ext uri="{FF2B5EF4-FFF2-40B4-BE49-F238E27FC236}">
+                    <a16:creationId xmlns:a16="http://schemas.microsoft.com/office/drawing/2014/main" id="{0461E9F0-5006-0547-B803-0CBC7EDB202F}"/>
+                  </a:ext>
+                </a:extLst>
+              </p:cNvPr>
+              <p:cNvSpPr txBox="1">
+                <a:spLocks noRot="1" noChangeAspect="1" noMove="1" noResize="1" noEditPoints="1" noAdjustHandles="1" noChangeArrowheads="1" noChangeShapeType="1" noTextEdit="1"/>
+              </p:cNvSpPr>
+              <p:nvPr/>
+            </p:nvSpPr>
+            <p:spPr>
+              <a:xfrm>
+                <a:off x="7416800" y="1955466"/>
+                <a:ext cx="3238500" cy="1551322"/>
+              </a:xfrm>
+              <a:prstGeom prst="rect">
+                <a:avLst/>
+              </a:prstGeom>
+              <a:blipFill>
+                <a:blip r:embed="rId3"/>
+                <a:stretch>
+                  <a:fillRect b="-3279"/>
+                </a:stretch>
+              </a:blipFill>
+            </p:spPr>
+            <p:txBody>
+              <a:bodyPr/>
+              <a:lstStyle/>
+              <a:p>
+                <a:r>
+                  <a:rPr lang="ja-JP" altLang="en-US">
+                    <a:noFill/>
+                  </a:rPr>
+                  <a:t> </a:t>
+                </a:r>
+              </a:p>
+            </p:txBody>
+          </p:sp>
+        </mc:Fallback>
+      </mc:AlternateContent>
+    </p:spTree>
+    <p:extLst>
+      <p:ext uri="{BB962C8B-B14F-4D97-AF65-F5344CB8AC3E}">
+        <p14:creationId xmlns:p14="http://schemas.microsoft.com/office/powerpoint/2010/main" val="1782590570"/>
+      </p:ext>
+    </p:extLst>
+  </p:cSld>
+  <p:clrMapOvr>
+    <a:masterClrMapping/>
+  </p:clrMapOvr>
+</p:sld>
+</file>
+
 <file path=ppt/slides/slide3.xml><?xml version="1.0" encoding="utf-8"?>
 <p:sld xmlns:a="http://schemas.openxmlformats.org/drawingml/2006/main" xmlns:r="http://schemas.openxmlformats.org/officeDocument/2006/relationships" xmlns:p="http://schemas.openxmlformats.org/presentationml/2006/main">
   <p:cSld>
@@ -28626,7 +30990,7 @@
           </a:ln>
           <a:extLst>
             <a:ext uri="{C572A759-6A51-4108-AA02-DFA0A04FC94B}">
-              <ma14:wrappingTextBoxFlag xmlns:lc="http://schemas.openxmlformats.org/drawingml/2006/lockedCanvas" xmlns:ma14="http://schemas.microsoft.com/office/mac/drawingml/2011/main" xmlns:a14="http://schemas.microsoft.com/office/drawing/2010/main" xmlns:m="http://schemas.openxmlformats.org/officeDocument/2006/math" xmlns="" val="1"/>
+              <ma14:wrappingTextBoxFlag xmlns="" xmlns:m="http://schemas.openxmlformats.org/officeDocument/2006/math" xmlns:a14="http://schemas.microsoft.com/office/drawing/2010/main" xmlns:ma14="http://schemas.microsoft.com/office/mac/drawingml/2011/main" xmlns:lc="http://schemas.openxmlformats.org/drawingml/2006/lockedCanvas" val="1"/>
             </a:ext>
           </a:extLst>
         </p:spPr>
@@ -28966,7 +31330,7 @@
           </a:ln>
           <a:extLst>
             <a:ext uri="{C572A759-6A51-4108-AA02-DFA0A04FC94B}">
-              <ma14:wrappingTextBoxFlag xmlns:lc="http://schemas.openxmlformats.org/drawingml/2006/lockedCanvas" xmlns:ma14="http://schemas.microsoft.com/office/mac/drawingml/2011/main" xmlns:a14="http://schemas.microsoft.com/office/drawing/2010/main" xmlns:m="http://schemas.openxmlformats.org/officeDocument/2006/math" xmlns="" val="1"/>
+              <ma14:wrappingTextBoxFlag xmlns="" xmlns:m="http://schemas.openxmlformats.org/officeDocument/2006/math" xmlns:a14="http://schemas.microsoft.com/office/drawing/2010/main" xmlns:ma14="http://schemas.microsoft.com/office/mac/drawingml/2011/main" xmlns:lc="http://schemas.openxmlformats.org/drawingml/2006/lockedCanvas" val="1"/>
             </a:ext>
           </a:extLst>
         </p:spPr>
@@ -29306,7 +31670,7 @@
           </a:ln>
           <a:extLst>
             <a:ext uri="{C572A759-6A51-4108-AA02-DFA0A04FC94B}">
-              <ma14:wrappingTextBoxFlag xmlns:lc="http://schemas.openxmlformats.org/drawingml/2006/lockedCanvas" xmlns:ma14="http://schemas.microsoft.com/office/mac/drawingml/2011/main" xmlns:a14="http://schemas.microsoft.com/office/drawing/2010/main" xmlns:m="http://schemas.openxmlformats.org/officeDocument/2006/math" xmlns="" val="1"/>
+              <ma14:wrappingTextBoxFlag xmlns="" xmlns:m="http://schemas.openxmlformats.org/officeDocument/2006/math" xmlns:a14="http://schemas.microsoft.com/office/drawing/2010/main" xmlns:ma14="http://schemas.microsoft.com/office/mac/drawingml/2011/main" xmlns:lc="http://schemas.openxmlformats.org/drawingml/2006/lockedCanvas" val="1"/>
             </a:ext>
           </a:extLst>
         </p:spPr>
@@ -29646,7 +32010,7 @@
           </a:ln>
           <a:extLst>
             <a:ext uri="{C572A759-6A51-4108-AA02-DFA0A04FC94B}">
-              <ma14:wrappingTextBoxFlag xmlns:lc="http://schemas.openxmlformats.org/drawingml/2006/lockedCanvas" xmlns:ma14="http://schemas.microsoft.com/office/mac/drawingml/2011/main" xmlns:a14="http://schemas.microsoft.com/office/drawing/2010/main" xmlns:m="http://schemas.openxmlformats.org/officeDocument/2006/math" xmlns="" val="1"/>
+              <ma14:wrappingTextBoxFlag xmlns="" xmlns:m="http://schemas.openxmlformats.org/officeDocument/2006/math" xmlns:a14="http://schemas.microsoft.com/office/drawing/2010/main" xmlns:ma14="http://schemas.microsoft.com/office/mac/drawingml/2011/main" xmlns:lc="http://schemas.openxmlformats.org/drawingml/2006/lockedCanvas" val="1"/>
             </a:ext>
           </a:extLst>
         </p:spPr>
@@ -29986,7 +32350,7 @@
           </a:ln>
           <a:extLst>
             <a:ext uri="{C572A759-6A51-4108-AA02-DFA0A04FC94B}">
-              <ma14:wrappingTextBoxFlag xmlns:lc="http://schemas.openxmlformats.org/drawingml/2006/lockedCanvas" xmlns:ma14="http://schemas.microsoft.com/office/mac/drawingml/2011/main" xmlns:a14="http://schemas.microsoft.com/office/drawing/2010/main" xmlns:m="http://schemas.openxmlformats.org/officeDocument/2006/math" xmlns="" val="1"/>
+              <ma14:wrappingTextBoxFlag xmlns="" xmlns:m="http://schemas.openxmlformats.org/officeDocument/2006/math" xmlns:a14="http://schemas.microsoft.com/office/drawing/2010/main" xmlns:ma14="http://schemas.microsoft.com/office/mac/drawingml/2011/main" xmlns:lc="http://schemas.openxmlformats.org/drawingml/2006/lockedCanvas" val="1"/>
             </a:ext>
           </a:extLst>
         </p:spPr>
@@ -30326,7 +32690,7 @@
           </a:ln>
           <a:extLst>
             <a:ext uri="{C572A759-6A51-4108-AA02-DFA0A04FC94B}">
-              <ma14:wrappingTextBoxFlag xmlns:lc="http://schemas.openxmlformats.org/drawingml/2006/lockedCanvas" xmlns:ma14="http://schemas.microsoft.com/office/mac/drawingml/2011/main" xmlns:a14="http://schemas.microsoft.com/office/drawing/2010/main" xmlns:m="http://schemas.openxmlformats.org/officeDocument/2006/math" xmlns="" val="1"/>
+              <ma14:wrappingTextBoxFlag xmlns="" xmlns:m="http://schemas.openxmlformats.org/officeDocument/2006/math" xmlns:a14="http://schemas.microsoft.com/office/drawing/2010/main" xmlns:ma14="http://schemas.microsoft.com/office/mac/drawingml/2011/main" xmlns:lc="http://schemas.openxmlformats.org/drawingml/2006/lockedCanvas" val="1"/>
             </a:ext>
           </a:extLst>
         </p:spPr>
@@ -34103,25 +36467,7 @@
                           </a:solidFill>
                           <a:latin typeface="Cambria Math" panose="02040503050406030204" pitchFamily="18" charset="0"/>
                         </a:rPr>
-                        <m:t>,</m:t>
-                      </m:r>
-                      <m:r>
-                        <a:rPr lang="en-US" sz="2400" b="0" i="1" smtClean="0">
-                          <a:solidFill>
-                            <a:srgbClr val="000000"/>
-                          </a:solidFill>
-                          <a:latin typeface="Cambria Math" panose="02040503050406030204" pitchFamily="18" charset="0"/>
-                        </a:rPr>
-                        <m:t>0</m:t>
-                      </m:r>
-                      <m:r>
-                        <a:rPr lang="en-US" sz="2400" b="0" i="1" smtClean="0">
-                          <a:solidFill>
-                            <a:srgbClr val="000000"/>
-                          </a:solidFill>
-                          <a:latin typeface="Cambria Math" panose="02040503050406030204" pitchFamily="18" charset="0"/>
-                        </a:rPr>
-                        <m:t>,</m:t>
+                        <m:t>,0,</m:t>
                       </m:r>
                       <m:r>
                         <a:rPr lang="ar-AE" sz="2400" i="1">
@@ -34139,16 +36485,7 @@
                           </a:solidFill>
                           <a:latin typeface="Cambria Math" panose="02040503050406030204" pitchFamily="18" charset="0"/>
                         </a:rPr>
-                        <m:t>)=−</m:t>
-                      </m:r>
-                      <m:r>
-                        <a:rPr lang="ar-AE" sz="2400" i="1">
-                          <a:solidFill>
-                            <a:srgbClr val="000000"/>
-                          </a:solidFill>
-                          <a:latin typeface="Cambria Math" panose="02040503050406030204" pitchFamily="18" charset="0"/>
-                        </a:rPr>
-                        <m:t>2</m:t>
+                        <m:t>)=−2</m:t>
                       </m:r>
                       <m:r>
                         <a:rPr lang="ar-AE" sz="2400" i="1">
@@ -34205,25 +36542,7 @@
                               </a:solidFill>
                               <a:latin typeface="Cambria Math" panose="02040503050406030204" pitchFamily="18" charset="0"/>
                             </a:rPr>
-                            <m:t>,</m:t>
-                          </m:r>
-                          <m:r>
-                            <a:rPr lang="en-US" sz="2400" b="0" i="1" smtClean="0">
-                              <a:solidFill>
-                                <a:srgbClr val="000000"/>
-                              </a:solidFill>
-                              <a:latin typeface="Cambria Math" panose="02040503050406030204" pitchFamily="18" charset="0"/>
-                            </a:rPr>
-                            <m:t>0</m:t>
-                          </m:r>
-                          <m:r>
-                            <a:rPr lang="en-US" sz="2400" b="0" i="1" smtClean="0">
-                              <a:solidFill>
-                                <a:srgbClr val="000000"/>
-                              </a:solidFill>
-                              <a:latin typeface="Cambria Math" panose="02040503050406030204" pitchFamily="18" charset="0"/>
-                            </a:rPr>
-                            <m:t>,</m:t>
+                            <m:t>,0,</m:t>
                           </m:r>
                           <m:r>
                             <a:rPr lang="ar-AE" sz="2400" i="1">
@@ -34304,16 +36623,7 @@
                               </a:solidFill>
                               <a:latin typeface="Cambria Math" panose="02040503050406030204" pitchFamily="18" charset="0"/>
                             </a:rPr>
-                            <m:t>1</m:t>
-                          </m:r>
-                          <m:r>
-                            <a:rPr lang="ar-AE" sz="2400" i="1">
-                              <a:solidFill>
-                                <a:srgbClr val="000000"/>
-                              </a:solidFill>
-                              <a:latin typeface="Cambria Math" panose="02040503050406030204" pitchFamily="18" charset="0"/>
-                            </a:rPr>
-                            <m:t>−</m:t>
+                            <m:t>1−</m:t>
                           </m:r>
                           <m:sSub>
                             <m:sSubPr>
@@ -35009,16 +37319,7 @@
                           </a:solidFill>
                           <a:latin typeface="Cambria Math" panose="02040503050406030204" pitchFamily="18" charset="0"/>
                         </a:rPr>
-                        <m:t>)=−</m:t>
-                      </m:r>
-                      <m:r>
-                        <a:rPr lang="ar-AE" sz="2400" i="1">
-                          <a:solidFill>
-                            <a:srgbClr val="000000"/>
-                          </a:solidFill>
-                          <a:latin typeface="Cambria Math" panose="02040503050406030204" pitchFamily="18" charset="0"/>
-                        </a:rPr>
-                        <m:t>2</m:t>
+                        <m:t>)=−2</m:t>
                       </m:r>
                       <m:r>
                         <a:rPr lang="ar-AE" sz="2400" i="1">
@@ -35639,16 +37940,7 @@
                               </a:solidFill>
                               <a:latin typeface="Cambria Math" panose="02040503050406030204" pitchFamily="18" charset="0"/>
                             </a:rPr>
-                            <m:t>1</m:t>
-                          </m:r>
-                          <m:r>
-                            <a:rPr sz="2400" i="1">
-                              <a:solidFill>
-                                <a:srgbClr val="000000"/>
-                              </a:solidFill>
-                              <a:latin typeface="Cambria Math" panose="02040503050406030204" pitchFamily="18" charset="0"/>
-                            </a:rPr>
-                            <m:t>+</m:t>
+                            <m:t>1+</m:t>
                           </m:r>
                           <m:sSub>
                             <m:sSubPr>
@@ -35693,16 +37985,7 @@
                               </a:solidFill>
                               <a:latin typeface="Cambria Math" panose="02040503050406030204" pitchFamily="18" charset="0"/>
                             </a:rPr>
-                            <m:t>1</m:t>
-                          </m:r>
-                          <m:r>
-                            <a:rPr sz="2400" i="1">
-                              <a:solidFill>
-                                <a:srgbClr val="000000"/>
-                              </a:solidFill>
-                              <a:latin typeface="Cambria Math" panose="02040503050406030204" pitchFamily="18" charset="0"/>
-                            </a:rPr>
-                            <m:t>−</m:t>
+                            <m:t>1−</m:t>
                           </m:r>
                           <m:sSub>
                             <m:sSubPr>
@@ -36210,34 +38493,7 @@
                           </a:solidFill>
                           <a:latin typeface="Cambria Math" panose="02040503050406030204" pitchFamily="18" charset="0"/>
                         </a:rPr>
-                        <m:t>=−</m:t>
-                      </m:r>
-                      <m:r>
-                        <a:rPr lang="en-US" sz="2400" b="0" i="1" smtClean="0">
-                          <a:solidFill>
-                            <a:srgbClr val="000000"/>
-                          </a:solidFill>
-                          <a:latin typeface="Cambria Math" panose="02040503050406030204" pitchFamily="18" charset="0"/>
-                        </a:rPr>
-                        <m:t>1</m:t>
-                      </m:r>
-                      <m:r>
-                        <a:rPr lang="en-US" sz="2400" b="0" i="1" smtClean="0">
-                          <a:solidFill>
-                            <a:srgbClr val="000000"/>
-                          </a:solidFill>
-                          <a:latin typeface="Cambria Math" panose="02040503050406030204" pitchFamily="18" charset="0"/>
-                        </a:rPr>
-                        <m:t>.</m:t>
-                      </m:r>
-                      <m:r>
-                        <a:rPr lang="en-US" sz="2400" b="0" i="1" smtClean="0">
-                          <a:solidFill>
-                            <a:srgbClr val="000000"/>
-                          </a:solidFill>
-                          <a:latin typeface="Cambria Math" panose="02040503050406030204" pitchFamily="18" charset="0"/>
-                        </a:rPr>
-                        <m:t>440</m:t>
+                        <m:t>=−1.440</m:t>
                       </m:r>
                       <m:sSubSup>
                         <m:sSubSupPr>
@@ -36280,16 +38536,7 @@
                               </a:solidFill>
                               <a:latin typeface="Cambria Math" panose="02040503050406030204" pitchFamily="18" charset="0"/>
                             </a:rPr>
-                            <m:t>−</m:t>
-                          </m:r>
-                          <m:r>
-                            <a:rPr lang="en-US" altLang="ja-JP" sz="2400" b="0" i="1" smtClean="0">
-                              <a:solidFill>
-                                <a:srgbClr val="000000"/>
-                              </a:solidFill>
-                              <a:latin typeface="Cambria Math" panose="02040503050406030204" pitchFamily="18" charset="0"/>
-                            </a:rPr>
-                            <m:t>2</m:t>
+                            <m:t>−2</m:t>
                           </m:r>
                         </m:sup>
                       </m:sSubSup>
@@ -36300,34 +38547,7 @@
                           </a:solidFill>
                           <a:latin typeface="Cambria Math" panose="02040503050406030204" pitchFamily="18" charset="0"/>
                         </a:rPr>
-                        <m:t>+</m:t>
-                      </m:r>
-                      <m:r>
-                        <a:rPr lang="en-US" altLang="ja-JP" sz="2400" b="0" i="1" smtClean="0">
-                          <a:solidFill>
-                            <a:srgbClr val="000000"/>
-                          </a:solidFill>
-                          <a:latin typeface="Cambria Math" panose="02040503050406030204" pitchFamily="18" charset="0"/>
-                        </a:rPr>
-                        <m:t>0</m:t>
-                      </m:r>
-                      <m:r>
-                        <a:rPr lang="en-US" altLang="ja-JP" sz="2400" b="0" i="1" smtClean="0">
-                          <a:solidFill>
-                            <a:srgbClr val="000000"/>
-                          </a:solidFill>
-                          <a:latin typeface="Cambria Math" panose="02040503050406030204" pitchFamily="18" charset="0"/>
-                        </a:rPr>
-                        <m:t>.</m:t>
-                      </m:r>
-                      <m:r>
-                        <a:rPr lang="en-US" altLang="ja-JP" sz="2400" b="0" i="1" smtClean="0">
-                          <a:solidFill>
-                            <a:srgbClr val="000000"/>
-                          </a:solidFill>
-                          <a:latin typeface="Cambria Math" panose="02040503050406030204" pitchFamily="18" charset="0"/>
-                        </a:rPr>
-                        <m:t>710</m:t>
+                        <m:t>+0.710</m:t>
                       </m:r>
                       <m:sSubSup>
                         <m:sSubSupPr>
@@ -36372,49 +38592,7 @@
                         <a:rPr lang="en-US" altLang="ja-JP" sz="2400" b="0" i="1" smtClean="0">
                           <a:latin typeface="Cambria Math" panose="02040503050406030204" pitchFamily="18" charset="0"/>
                         </a:rPr>
-                        <m:t>+</m:t>
-                      </m:r>
-                      <m:r>
-                        <a:rPr lang="en-US" altLang="ja-JP" sz="2400" b="0" i="1" smtClean="0">
-                          <a:latin typeface="Cambria Math" panose="02040503050406030204" pitchFamily="18" charset="0"/>
-                        </a:rPr>
-                        <m:t>0</m:t>
-                      </m:r>
-                      <m:r>
-                        <a:rPr lang="en-US" altLang="ja-JP" sz="2400" b="0" i="1" smtClean="0">
-                          <a:latin typeface="Cambria Math" panose="02040503050406030204" pitchFamily="18" charset="0"/>
-                        </a:rPr>
-                        <m:t>.</m:t>
-                      </m:r>
-                      <m:r>
-                        <a:rPr lang="en-US" altLang="ja-JP" sz="2400" b="0" i="1" smtClean="0">
-                          <a:latin typeface="Cambria Math" panose="02040503050406030204" pitchFamily="18" charset="0"/>
-                        </a:rPr>
-                        <m:t>668</m:t>
-                      </m:r>
-                      <m:r>
-                        <a:rPr lang="en-US" altLang="ja-JP" sz="2400" b="0" i="1" smtClean="0">
-                          <a:latin typeface="Cambria Math" panose="02040503050406030204" pitchFamily="18" charset="0"/>
-                        </a:rPr>
-                        <m:t>+</m:t>
-                      </m:r>
-                      <m:r>
-                        <a:rPr lang="en-US" altLang="ja-JP" sz="2400" b="0" i="1" smtClean="0">
-                          <a:latin typeface="Cambria Math" panose="02040503050406030204" pitchFamily="18" charset="0"/>
-                        </a:rPr>
-                        <m:t>0</m:t>
-                      </m:r>
-                      <m:r>
-                        <a:rPr lang="en-US" altLang="ja-JP" sz="2400" b="0" i="1" smtClean="0">
-                          <a:latin typeface="Cambria Math" panose="02040503050406030204" pitchFamily="18" charset="0"/>
-                        </a:rPr>
-                        <m:t>.</m:t>
-                      </m:r>
-                      <m:r>
-                        <a:rPr lang="en-US" altLang="ja-JP" sz="2400" b="0" i="1" smtClean="0">
-                          <a:latin typeface="Cambria Math" panose="02040503050406030204" pitchFamily="18" charset="0"/>
-                        </a:rPr>
-                        <m:t>0636</m:t>
+                        <m:t>+0.668+0.0636</m:t>
                       </m:r>
                       <m:sSub>
                         <m:sSubPr>

--- a/slide/0519.pptx
+++ b/slide/0519.pptx
@@ -5,7 +5,7 @@
     <p:sldMasterId id="2147483648" r:id="rId1"/>
   </p:sldMasterIdLst>
   <p:notesMasterIdLst>
-    <p:notesMasterId r:id="rId25"/>
+    <p:notesMasterId r:id="rId26"/>
   </p:notesMasterIdLst>
   <p:sldIdLst>
     <p:sldId id="256" r:id="rId2"/>
@@ -28,9 +28,10 @@
     <p:sldId id="273" r:id="rId19"/>
     <p:sldId id="274" r:id="rId20"/>
     <p:sldId id="275" r:id="rId21"/>
-    <p:sldId id="276" r:id="rId22"/>
-    <p:sldId id="277" r:id="rId23"/>
-    <p:sldId id="278" r:id="rId24"/>
+    <p:sldId id="279" r:id="rId22"/>
+    <p:sldId id="276" r:id="rId23"/>
+    <p:sldId id="277" r:id="rId24"/>
+    <p:sldId id="278" r:id="rId25"/>
   </p:sldIdLst>
   <p:sldSz cx="12192000" cy="6858000"/>
   <p:notesSz cx="6858000" cy="9144000"/>
@@ -219,7 +220,7 @@
           <a:p>
             <a:fld id="{438A1740-9A82-46DA-AD96-0DC60E5E9FA3}" type="datetimeFigureOut">
               <a:rPr kumimoji="1" lang="ja-JP" altLang="en-US" smtClean="0"/>
-              <a:t>2022/7/26</a:t>
+              <a:t>2022/8/7</a:t>
             </a:fld>
             <a:endParaRPr kumimoji="1" lang="ja-JP" altLang="en-US"/>
           </a:p>
@@ -2281,7 +2282,7 @@
           <a:p>
             <a:fld id="{C801310E-4C28-4D51-ADB4-8E3E74A70742}" type="datetimeFigureOut">
               <a:rPr kumimoji="1" lang="ja-JP" altLang="en-US" smtClean="0"/>
-              <a:t>2022/7/26</a:t>
+              <a:t>2022/8/7</a:t>
             </a:fld>
             <a:endParaRPr kumimoji="1" lang="ja-JP" altLang="en-US"/>
           </a:p>
@@ -2511,7 +2512,7 @@
           <a:p>
             <a:fld id="{C801310E-4C28-4D51-ADB4-8E3E74A70742}" type="datetimeFigureOut">
               <a:rPr kumimoji="1" lang="ja-JP" altLang="en-US" smtClean="0"/>
-              <a:t>2022/7/26</a:t>
+              <a:t>2022/8/7</a:t>
             </a:fld>
             <a:endParaRPr kumimoji="1" lang="ja-JP" altLang="en-US"/>
           </a:p>
@@ -2751,7 +2752,7 @@
           <a:p>
             <a:fld id="{C801310E-4C28-4D51-ADB4-8E3E74A70742}" type="datetimeFigureOut">
               <a:rPr kumimoji="1" lang="ja-JP" altLang="en-US" smtClean="0"/>
-              <a:t>2022/7/26</a:t>
+              <a:t>2022/8/7</a:t>
             </a:fld>
             <a:endParaRPr kumimoji="1" lang="ja-JP" altLang="en-US"/>
           </a:p>
@@ -2981,7 +2982,7 @@
           <a:p>
             <a:fld id="{C801310E-4C28-4D51-ADB4-8E3E74A70742}" type="datetimeFigureOut">
               <a:rPr kumimoji="1" lang="ja-JP" altLang="en-US" smtClean="0"/>
-              <a:t>2022/7/26</a:t>
+              <a:t>2022/8/7</a:t>
             </a:fld>
             <a:endParaRPr kumimoji="1" lang="ja-JP" altLang="en-US"/>
           </a:p>
@@ -3256,7 +3257,7 @@
           <a:p>
             <a:fld id="{C801310E-4C28-4D51-ADB4-8E3E74A70742}" type="datetimeFigureOut">
               <a:rPr kumimoji="1" lang="ja-JP" altLang="en-US" smtClean="0"/>
-              <a:t>2022/7/26</a:t>
+              <a:t>2022/8/7</a:t>
             </a:fld>
             <a:endParaRPr kumimoji="1" lang="ja-JP" altLang="en-US"/>
           </a:p>
@@ -3585,7 +3586,7 @@
           <a:p>
             <a:fld id="{C801310E-4C28-4D51-ADB4-8E3E74A70742}" type="datetimeFigureOut">
               <a:rPr kumimoji="1" lang="ja-JP" altLang="en-US" smtClean="0"/>
-              <a:t>2022/7/26</a:t>
+              <a:t>2022/8/7</a:t>
             </a:fld>
             <a:endParaRPr kumimoji="1" lang="ja-JP" altLang="en-US"/>
           </a:p>
@@ -4061,7 +4062,7 @@
           <a:p>
             <a:fld id="{C801310E-4C28-4D51-ADB4-8E3E74A70742}" type="datetimeFigureOut">
               <a:rPr kumimoji="1" lang="ja-JP" altLang="en-US" smtClean="0"/>
-              <a:t>2022/7/26</a:t>
+              <a:t>2022/8/7</a:t>
             </a:fld>
             <a:endParaRPr kumimoji="1" lang="ja-JP" altLang="en-US"/>
           </a:p>
@@ -4202,7 +4203,7 @@
           <a:p>
             <a:fld id="{C801310E-4C28-4D51-ADB4-8E3E74A70742}" type="datetimeFigureOut">
               <a:rPr kumimoji="1" lang="ja-JP" altLang="en-US" smtClean="0"/>
-              <a:t>2022/7/26</a:t>
+              <a:t>2022/8/7</a:t>
             </a:fld>
             <a:endParaRPr kumimoji="1" lang="ja-JP" altLang="en-US"/>
           </a:p>
@@ -4315,7 +4316,7 @@
           <a:p>
             <a:fld id="{C801310E-4C28-4D51-ADB4-8E3E74A70742}" type="datetimeFigureOut">
               <a:rPr kumimoji="1" lang="ja-JP" altLang="en-US" smtClean="0"/>
-              <a:t>2022/7/26</a:t>
+              <a:t>2022/8/7</a:t>
             </a:fld>
             <a:endParaRPr kumimoji="1" lang="ja-JP" altLang="en-US"/>
           </a:p>
@@ -4658,7 +4659,7 @@
           <a:p>
             <a:fld id="{C801310E-4C28-4D51-ADB4-8E3E74A70742}" type="datetimeFigureOut">
               <a:rPr kumimoji="1" lang="ja-JP" altLang="en-US" smtClean="0"/>
-              <a:t>2022/7/26</a:t>
+              <a:t>2022/8/7</a:t>
             </a:fld>
             <a:endParaRPr kumimoji="1" lang="ja-JP" altLang="en-US"/>
           </a:p>
@@ -4946,7 +4947,7 @@
           <a:p>
             <a:fld id="{C801310E-4C28-4D51-ADB4-8E3E74A70742}" type="datetimeFigureOut">
               <a:rPr kumimoji="1" lang="ja-JP" altLang="en-US" smtClean="0"/>
-              <a:t>2022/7/26</a:t>
+              <a:t>2022/8/7</a:t>
             </a:fld>
             <a:endParaRPr kumimoji="1" lang="ja-JP" altLang="en-US"/>
           </a:p>
@@ -5219,7 +5220,7 @@
           <a:p>
             <a:fld id="{C801310E-4C28-4D51-ADB4-8E3E74A70742}" type="datetimeFigureOut">
               <a:rPr kumimoji="1" lang="ja-JP" altLang="en-US" smtClean="0"/>
-              <a:t>2022/7/26</a:t>
+              <a:t>2022/8/7</a:t>
             </a:fld>
             <a:endParaRPr kumimoji="1" lang="ja-JP" altLang="en-US"/>
           </a:p>
@@ -7839,7 +7840,16 @@
                                   </a:solidFill>
                                   <a:latin typeface="Cambria Math" panose="02040503050406030204" pitchFamily="18" charset="0"/>
                                 </a:rPr>
-                                <m:t>+1</m:t>
+                                <m:t>+</m:t>
+                              </m:r>
+                              <m:r>
+                                <a:rPr lang="en-US" altLang="ja-JP" sz="2000" b="0" i="1" smtClean="0">
+                                  <a:solidFill>
+                                    <a:srgbClr val="000000"/>
+                                  </a:solidFill>
+                                  <a:latin typeface="Cambria Math" panose="02040503050406030204" pitchFamily="18" charset="0"/>
+                                </a:rPr>
+                                <m:t>1</m:t>
                               </m:r>
                             </m:sup>
                           </m:sSubSup>
@@ -7977,7 +7987,13 @@
                                 <a:rPr lang="en-US" altLang="ja-JP" sz="2000" b="0" i="1" smtClean="0">
                                   <a:latin typeface="Cambria Math" panose="02040503050406030204" pitchFamily="18" charset="0"/>
                                 </a:rPr>
-                                <m:t>+1</m:t>
+                                <m:t>+</m:t>
+                              </m:r>
+                              <m:r>
+                                <a:rPr lang="en-US" altLang="ja-JP" sz="2000" b="0" i="1" smtClean="0">
+                                  <a:latin typeface="Cambria Math" panose="02040503050406030204" pitchFamily="18" charset="0"/>
+                                </a:rPr>
+                                <m:t>1</m:t>
                               </m:r>
                               <m:r>
                                 <a:rPr lang="en-US" altLang="ja-JP" sz="2000" i="1">
@@ -8005,7 +8021,13 @@
                             <a:rPr lang="en-US" altLang="ja-JP" sz="2000" b="0" i="1" smtClean="0">
                               <a:latin typeface="Cambria Math" panose="02040503050406030204" pitchFamily="18" charset="0"/>
                             </a:rPr>
-                            <m:t>−2</m:t>
+                            <m:t>−</m:t>
+                          </m:r>
+                          <m:r>
+                            <a:rPr lang="en-US" altLang="ja-JP" sz="2000" b="0" i="1" smtClean="0">
+                              <a:latin typeface="Cambria Math" panose="02040503050406030204" pitchFamily="18" charset="0"/>
+                            </a:rPr>
+                            <m:t>2</m:t>
                           </m:r>
                           <m:sSubSup>
                             <m:sSubSupPr>
@@ -8085,7 +8107,13 @@
                                 <a:rPr lang="en-US" altLang="ja-JP" sz="2000" b="0" i="1" smtClean="0">
                                   <a:latin typeface="Cambria Math" panose="02040503050406030204" pitchFamily="18" charset="0"/>
                                 </a:rPr>
-                                <m:t>−1</m:t>
+                                <m:t>−</m:t>
+                              </m:r>
+                              <m:r>
+                                <a:rPr lang="en-US" altLang="ja-JP" sz="2000" b="0" i="1" smtClean="0">
+                                  <a:latin typeface="Cambria Math" panose="02040503050406030204" pitchFamily="18" charset="0"/>
+                                </a:rPr>
+                                <m:t>1</m:t>
                               </m:r>
                               <m:r>
                                 <a:rPr lang="en-US" altLang="ja-JP" sz="2000" i="1">
@@ -8199,7 +8227,13 @@
                                 <a:rPr lang="en-US" altLang="ja-JP" sz="2000" b="0" i="1" smtClean="0">
                                   <a:latin typeface="Cambria Math" panose="02040503050406030204" pitchFamily="18" charset="0"/>
                                 </a:rPr>
-                                <m:t>+1</m:t>
+                                <m:t>+</m:t>
+                              </m:r>
+                              <m:r>
+                                <a:rPr lang="en-US" altLang="ja-JP" sz="2000" b="0" i="1" smtClean="0">
+                                  <a:latin typeface="Cambria Math" panose="02040503050406030204" pitchFamily="18" charset="0"/>
+                                </a:rPr>
+                                <m:t>1</m:t>
                               </m:r>
                             </m:sub>
                             <m:sup>
@@ -8215,7 +8249,13 @@
                             <a:rPr lang="en-US" altLang="ja-JP" sz="2000" i="1">
                               <a:latin typeface="Cambria Math" panose="02040503050406030204" pitchFamily="18" charset="0"/>
                             </a:rPr>
-                            <m:t>−2</m:t>
+                            <m:t>−</m:t>
+                          </m:r>
+                          <m:r>
+                            <a:rPr lang="en-US" altLang="ja-JP" sz="2000" i="1">
+                              <a:latin typeface="Cambria Math" panose="02040503050406030204" pitchFamily="18" charset="0"/>
+                            </a:rPr>
+                            <m:t>2</m:t>
                           </m:r>
                           <m:sSubSup>
                             <m:sSubSupPr>
@@ -8307,7 +8347,13 @@
                                 <a:rPr lang="en-US" altLang="ja-JP" sz="2000" b="0" i="1" smtClean="0">
                                   <a:latin typeface="Cambria Math" panose="02040503050406030204" pitchFamily="18" charset="0"/>
                                 </a:rPr>
-                                <m:t>−1</m:t>
+                                <m:t>−</m:t>
+                              </m:r>
+                              <m:r>
+                                <a:rPr lang="en-US" altLang="ja-JP" sz="2000" b="0" i="1" smtClean="0">
+                                  <a:latin typeface="Cambria Math" panose="02040503050406030204" pitchFamily="18" charset="0"/>
+                                </a:rPr>
+                                <m:t>1</m:t>
                               </m:r>
                             </m:sub>
                             <m:sup>
@@ -8616,7 +8662,16 @@
                             </a:solidFill>
                             <a:latin typeface="Cambria Math" panose="02040503050406030204" pitchFamily="18" charset="0"/>
                           </a:rPr>
-                          <m:t>+1</m:t>
+                          <m:t>+</m:t>
+                        </m:r>
+                        <m:r>
+                          <a:rPr lang="en-US" altLang="ja-JP" i="1">
+                            <a:solidFill>
+                              <a:srgbClr val="000000"/>
+                            </a:solidFill>
+                            <a:latin typeface="Cambria Math" panose="02040503050406030204" pitchFamily="18" charset="0"/>
+                          </a:rPr>
+                          <m:t>1</m:t>
                         </m:r>
                       </m:sup>
                     </m:sSubSup>
@@ -9066,7 +9121,13 @@
                             <a:rPr lang="en-US" altLang="ja-JP" sz="2000" i="1">
                               <a:latin typeface="Cambria Math" panose="02040503050406030204" pitchFamily="18" charset="0"/>
                             </a:rPr>
-                            <m:t>+1</m:t>
+                            <m:t>+</m:t>
+                          </m:r>
+                          <m:r>
+                            <a:rPr lang="en-US" altLang="ja-JP" sz="2000" i="1">
+                              <a:latin typeface="Cambria Math" panose="02040503050406030204" pitchFamily="18" charset="0"/>
+                            </a:rPr>
+                            <m:t>1</m:t>
                           </m:r>
                         </m:sup>
                       </m:sSubSup>
@@ -9161,7 +9222,13 @@
                                     <a:rPr lang="en-US" altLang="ja-JP" sz="2000" b="0" i="1" smtClean="0">
                                       <a:latin typeface="Cambria Math" panose="02040503050406030204" pitchFamily="18" charset="0"/>
                                     </a:rPr>
-                                    <m:t>+1</m:t>
+                                    <m:t>+</m:t>
+                                  </m:r>
+                                  <m:r>
+                                    <a:rPr lang="en-US" altLang="ja-JP" sz="2000" b="0" i="1" smtClean="0">
+                                      <a:latin typeface="Cambria Math" panose="02040503050406030204" pitchFamily="18" charset="0"/>
+                                    </a:rPr>
+                                    <m:t>1</m:t>
                                   </m:r>
                                   <m:r>
                                     <a:rPr lang="en-US" altLang="ja-JP" sz="2000" i="1">
@@ -9189,7 +9256,13 @@
                                 <a:rPr lang="en-US" altLang="ja-JP" sz="2000" b="0" i="1" smtClean="0">
                                   <a:latin typeface="Cambria Math" panose="02040503050406030204" pitchFamily="18" charset="0"/>
                                 </a:rPr>
-                                <m:t>−2</m:t>
+                                <m:t>−</m:t>
+                              </m:r>
+                              <m:r>
+                                <a:rPr lang="en-US" altLang="ja-JP" sz="2000" b="0" i="1" smtClean="0">
+                                  <a:latin typeface="Cambria Math" panose="02040503050406030204" pitchFamily="18" charset="0"/>
+                                </a:rPr>
+                                <m:t>2</m:t>
                               </m:r>
                               <m:sSubSup>
                                 <m:sSubSupPr>
@@ -9269,7 +9342,13 @@
                                     <a:rPr lang="en-US" altLang="ja-JP" sz="2000" b="0" i="1" smtClean="0">
                                       <a:latin typeface="Cambria Math" panose="02040503050406030204" pitchFamily="18" charset="0"/>
                                     </a:rPr>
-                                    <m:t>−1</m:t>
+                                    <m:t>−</m:t>
+                                  </m:r>
+                                  <m:r>
+                                    <a:rPr lang="en-US" altLang="ja-JP" sz="2000" b="0" i="1" smtClean="0">
+                                      <a:latin typeface="Cambria Math" panose="02040503050406030204" pitchFamily="18" charset="0"/>
+                                    </a:rPr>
+                                    <m:t>1</m:t>
                                   </m:r>
                                   <m:r>
                                     <a:rPr lang="en-US" altLang="ja-JP" sz="2000" i="1">
@@ -9383,7 +9462,13 @@
                                     <a:rPr lang="en-US" altLang="ja-JP" sz="2000" b="0" i="1" smtClean="0">
                                       <a:latin typeface="Cambria Math" panose="02040503050406030204" pitchFamily="18" charset="0"/>
                                     </a:rPr>
-                                    <m:t>+1</m:t>
+                                    <m:t>+</m:t>
+                                  </m:r>
+                                  <m:r>
+                                    <a:rPr lang="en-US" altLang="ja-JP" sz="2000" b="0" i="1" smtClean="0">
+                                      <a:latin typeface="Cambria Math" panose="02040503050406030204" pitchFamily="18" charset="0"/>
+                                    </a:rPr>
+                                    <m:t>1</m:t>
                                   </m:r>
                                 </m:sub>
                                 <m:sup>
@@ -9399,7 +9484,13 @@
                                 <a:rPr lang="en-US" altLang="ja-JP" sz="2000" i="1">
                                   <a:latin typeface="Cambria Math" panose="02040503050406030204" pitchFamily="18" charset="0"/>
                                 </a:rPr>
-                                <m:t>−2</m:t>
+                                <m:t>−</m:t>
+                              </m:r>
+                              <m:r>
+                                <a:rPr lang="en-US" altLang="ja-JP" sz="2000" i="1">
+                                  <a:latin typeface="Cambria Math" panose="02040503050406030204" pitchFamily="18" charset="0"/>
+                                </a:rPr>
+                                <m:t>2</m:t>
                               </m:r>
                               <m:sSubSup>
                                 <m:sSubSupPr>
@@ -9491,7 +9582,13 @@
                                     <a:rPr lang="en-US" altLang="ja-JP" sz="2000" b="0" i="1" smtClean="0">
                                       <a:latin typeface="Cambria Math" panose="02040503050406030204" pitchFamily="18" charset="0"/>
                                     </a:rPr>
-                                    <m:t>−1</m:t>
+                                    <m:t>−</m:t>
+                                  </m:r>
+                                  <m:r>
+                                    <a:rPr lang="en-US" altLang="ja-JP" sz="2000" b="0" i="1" smtClean="0">
+                                      <a:latin typeface="Cambria Math" panose="02040503050406030204" pitchFamily="18" charset="0"/>
+                                    </a:rPr>
+                                    <m:t>1</m:t>
                                   </m:r>
                                 </m:sub>
                                 <m:sup>
@@ -9622,7 +9719,19 @@
                         <a:rPr lang="en-US" altLang="ja-JP" sz="2000" b="0" i="1" smtClean="0">
                           <a:latin typeface="Cambria Math" panose="02040503050406030204" pitchFamily="18" charset="0"/>
                         </a:rPr>
-                        <m:t>−1)</m:t>
+                        <m:t>−</m:t>
+                      </m:r>
+                      <m:r>
+                        <a:rPr lang="en-US" altLang="ja-JP" sz="2000" b="0" i="1" smtClean="0">
+                          <a:latin typeface="Cambria Math" panose="02040503050406030204" pitchFamily="18" charset="0"/>
+                        </a:rPr>
+                        <m:t>1</m:t>
+                      </m:r>
+                      <m:r>
+                        <a:rPr lang="en-US" altLang="ja-JP" sz="2000" b="0" i="1" smtClean="0">
+                          <a:latin typeface="Cambria Math" panose="02040503050406030204" pitchFamily="18" charset="0"/>
+                        </a:rPr>
+                        <m:t>)</m:t>
                       </m:r>
                       <m:sSubSup>
                         <m:sSubSupPr>
@@ -10397,7 +10506,25 @@
                           </a:solidFill>
                           <a:latin typeface="Cambria Math" panose="02040503050406030204" pitchFamily="18" charset="0"/>
                         </a:rPr>
-                        <m:t>,0,</m:t>
+                        <m:t>,</m:t>
+                      </m:r>
+                      <m:r>
+                        <a:rPr lang="en-US" sz="2400" b="0" i="1" smtClean="0">
+                          <a:solidFill>
+                            <a:srgbClr val="000000"/>
+                          </a:solidFill>
+                          <a:latin typeface="Cambria Math" panose="02040503050406030204" pitchFamily="18" charset="0"/>
+                        </a:rPr>
+                        <m:t>0</m:t>
+                      </m:r>
+                      <m:r>
+                        <a:rPr lang="en-US" sz="2400" b="0" i="1" smtClean="0">
+                          <a:solidFill>
+                            <a:srgbClr val="000000"/>
+                          </a:solidFill>
+                          <a:latin typeface="Cambria Math" panose="02040503050406030204" pitchFamily="18" charset="0"/>
+                        </a:rPr>
+                        <m:t>,</m:t>
                       </m:r>
                       <m:r>
                         <a:rPr lang="ar-AE" sz="2400" i="1">
@@ -10415,7 +10542,16 @@
                           </a:solidFill>
                           <a:latin typeface="Cambria Math" panose="02040503050406030204" pitchFamily="18" charset="0"/>
                         </a:rPr>
-                        <m:t>)=−2</m:t>
+                        <m:t>)=−</m:t>
+                      </m:r>
+                      <m:r>
+                        <a:rPr lang="ar-AE" sz="2400" i="1">
+                          <a:solidFill>
+                            <a:srgbClr val="000000"/>
+                          </a:solidFill>
+                          <a:latin typeface="Cambria Math" panose="02040503050406030204" pitchFamily="18" charset="0"/>
+                        </a:rPr>
+                        <m:t>2</m:t>
                       </m:r>
                       <m:r>
                         <a:rPr lang="ar-AE" sz="2400" i="1">
@@ -10472,7 +10608,25 @@
                               </a:solidFill>
                               <a:latin typeface="Cambria Math" panose="02040503050406030204" pitchFamily="18" charset="0"/>
                             </a:rPr>
-                            <m:t>,0,</m:t>
+                            <m:t>,</m:t>
+                          </m:r>
+                          <m:r>
+                            <a:rPr lang="en-US" sz="2400" b="0" i="1" smtClean="0">
+                              <a:solidFill>
+                                <a:srgbClr val="000000"/>
+                              </a:solidFill>
+                              <a:latin typeface="Cambria Math" panose="02040503050406030204" pitchFamily="18" charset="0"/>
+                            </a:rPr>
+                            <m:t>0</m:t>
+                          </m:r>
+                          <m:r>
+                            <a:rPr lang="en-US" sz="2400" b="0" i="1" smtClean="0">
+                              <a:solidFill>
+                                <a:srgbClr val="000000"/>
+                              </a:solidFill>
+                              <a:latin typeface="Cambria Math" panose="02040503050406030204" pitchFamily="18" charset="0"/>
+                            </a:rPr>
+                            <m:t>,</m:t>
                           </m:r>
                           <m:r>
                             <a:rPr lang="ar-AE" sz="2400" i="1">
@@ -10553,7 +10707,16 @@
                               </a:solidFill>
                               <a:latin typeface="Cambria Math" panose="02040503050406030204" pitchFamily="18" charset="0"/>
                             </a:rPr>
-                            <m:t>1−</m:t>
+                            <m:t>1</m:t>
+                          </m:r>
+                          <m:r>
+                            <a:rPr lang="ar-AE" sz="2400" i="1">
+                              <a:solidFill>
+                                <a:srgbClr val="000000"/>
+                              </a:solidFill>
+                              <a:latin typeface="Cambria Math" panose="02040503050406030204" pitchFamily="18" charset="0"/>
+                            </a:rPr>
+                            <m:t>−</m:t>
                           </m:r>
                           <m:sSub>
                             <m:sSubPr>
@@ -11144,7 +11307,13 @@
                             <a:rPr lang="en-US" altLang="ja-JP" sz="2400" i="1">
                               <a:latin typeface="Cambria Math" panose="02040503050406030204" pitchFamily="18" charset="0"/>
                             </a:rPr>
-                            <m:t>,1</m:t>
+                            <m:t>,</m:t>
+                          </m:r>
+                          <m:r>
+                            <a:rPr lang="en-US" altLang="ja-JP" sz="2400" i="1">
+                              <a:latin typeface="Cambria Math" panose="02040503050406030204" pitchFamily="18" charset="0"/>
+                            </a:rPr>
+                            <m:t>1</m:t>
                           </m:r>
                         </m:sub>
                         <m:sup>
@@ -11163,7 +11332,16 @@
                           </a:solidFill>
                           <a:latin typeface="Cambria Math" panose="02040503050406030204" pitchFamily="18" charset="0"/>
                         </a:rPr>
-                        <m:t>=−2</m:t>
+                        <m:t>=−</m:t>
+                      </m:r>
+                      <m:r>
+                        <a:rPr lang="ar-AE" sz="2400" i="1">
+                          <a:solidFill>
+                            <a:srgbClr val="000000"/>
+                          </a:solidFill>
+                          <a:latin typeface="Cambria Math" panose="02040503050406030204" pitchFamily="18" charset="0"/>
+                        </a:rPr>
+                        <m:t>2</m:t>
                       </m:r>
                       <m:r>
                         <a:rPr lang="ar-AE" sz="2400" i="1">
@@ -11213,7 +11391,13 @@
                                 <a:rPr lang="en-US" altLang="ja-JP" sz="2400" i="1">
                                   <a:latin typeface="Cambria Math" panose="02040503050406030204" pitchFamily="18" charset="0"/>
                                 </a:rPr>
-                                <m:t>,1</m:t>
+                                <m:t>,</m:t>
+                              </m:r>
+                              <m:r>
+                                <a:rPr lang="en-US" altLang="ja-JP" sz="2400" i="1">
+                                  <a:latin typeface="Cambria Math" panose="02040503050406030204" pitchFamily="18" charset="0"/>
+                                </a:rPr>
+                                <m:t>1</m:t>
                               </m:r>
                             </m:sub>
                             <m:sup>
@@ -11258,7 +11442,13 @@
                                 <a:rPr lang="en-US" altLang="ja-JP" sz="2400" i="1">
                                   <a:latin typeface="Cambria Math" panose="02040503050406030204" pitchFamily="18" charset="0"/>
                                 </a:rPr>
-                                <m:t>,2</m:t>
+                                <m:t>,</m:t>
+                              </m:r>
+                              <m:r>
+                                <a:rPr lang="en-US" altLang="ja-JP" sz="2400" i="1">
+                                  <a:latin typeface="Cambria Math" panose="02040503050406030204" pitchFamily="18" charset="0"/>
+                                </a:rPr>
+                                <m:t>2</m:t>
                               </m:r>
                             </m:sub>
                             <m:sup>
@@ -11333,7 +11523,16 @@
                               </a:solidFill>
                               <a:latin typeface="Cambria Math" panose="02040503050406030204" pitchFamily="18" charset="0"/>
                             </a:rPr>
-                            <m:t>1−</m:t>
+                            <m:t>1</m:t>
+                          </m:r>
+                          <m:r>
+                            <a:rPr lang="ar-AE" sz="2400" i="1">
+                              <a:solidFill>
+                                <a:srgbClr val="000000"/>
+                              </a:solidFill>
+                              <a:latin typeface="Cambria Math" panose="02040503050406030204" pitchFamily="18" charset="0"/>
+                            </a:rPr>
+                            <m:t>−</m:t>
                           </m:r>
                           <m:sSub>
                             <m:sSubPr>
@@ -11546,7 +11745,25 @@
                         </a:solidFill>
                         <a:latin typeface="Cambria Math" panose="02040503050406030204" pitchFamily="18" charset="0"/>
                       </a:rPr>
-                      <m:t>,0,</m:t>
+                      <m:t>,</m:t>
+                    </m:r>
+                    <m:r>
+                      <a:rPr lang="en-US" altLang="ja-JP" i="1">
+                        <a:solidFill>
+                          <a:srgbClr val="000000"/>
+                        </a:solidFill>
+                        <a:latin typeface="Cambria Math" panose="02040503050406030204" pitchFamily="18" charset="0"/>
+                      </a:rPr>
+                      <m:t>0</m:t>
+                    </m:r>
+                    <m:r>
+                      <a:rPr lang="en-US" altLang="ja-JP" i="1">
+                        <a:solidFill>
+                          <a:srgbClr val="000000"/>
+                        </a:solidFill>
+                        <a:latin typeface="Cambria Math" panose="02040503050406030204" pitchFamily="18" charset="0"/>
+                      </a:rPr>
+                      <m:t>,</m:t>
                     </m:r>
                     <m:r>
                       <a:rPr lang="ar-AE" altLang="ja-JP" i="1">
@@ -11613,7 +11830,16 @@
                             </a:solidFill>
                             <a:latin typeface="Cambria Math" panose="02040503050406030204" pitchFamily="18" charset="0"/>
                           </a:rPr>
-                          <m:t>,1</m:t>
+                          <m:t>,</m:t>
+                        </m:r>
+                        <m:r>
+                          <a:rPr lang="en-US" altLang="ja-JP" b="0" i="1" smtClean="0">
+                            <a:solidFill>
+                              <a:srgbClr val="000000"/>
+                            </a:solidFill>
+                            <a:latin typeface="Cambria Math" panose="02040503050406030204" pitchFamily="18" charset="0"/>
+                          </a:rPr>
+                          <m:t>1</m:t>
                         </m:r>
                       </m:sub>
                       <m:sup>
@@ -11671,7 +11897,25 @@
                         </a:solidFill>
                         <a:latin typeface="Cambria Math" panose="02040503050406030204" pitchFamily="18" charset="0"/>
                       </a:rPr>
-                      <m:t>,0,</m:t>
+                      <m:t>,</m:t>
+                    </m:r>
+                    <m:r>
+                      <a:rPr lang="en-US" altLang="ja-JP" b="0" i="1" smtClean="0">
+                        <a:solidFill>
+                          <a:srgbClr val="000000"/>
+                        </a:solidFill>
+                        <a:latin typeface="Cambria Math" panose="02040503050406030204" pitchFamily="18" charset="0"/>
+                      </a:rPr>
+                      <m:t>0</m:t>
+                    </m:r>
+                    <m:r>
+                      <a:rPr lang="en-US" altLang="ja-JP" b="0" i="1" smtClean="0">
+                        <a:solidFill>
+                          <a:srgbClr val="000000"/>
+                        </a:solidFill>
+                        <a:latin typeface="Cambria Math" panose="02040503050406030204" pitchFamily="18" charset="0"/>
+                      </a:rPr>
+                      <m:t>,</m:t>
                     </m:r>
                     <m:r>
                       <a:rPr lang="en-US" altLang="ja-JP" b="0" i="1" smtClean="0">
@@ -11743,7 +11987,19 @@
                           <a:rPr kumimoji="1" lang="en-US" altLang="ja-JP" b="0" i="1" dirty="0" smtClean="0">
                             <a:latin typeface="Cambria Math" panose="02040503050406030204" pitchFamily="18" charset="0"/>
                           </a:rPr>
-                          <m:t>,0,</m:t>
+                          <m:t>,</m:t>
+                        </m:r>
+                        <m:r>
+                          <a:rPr kumimoji="1" lang="en-US" altLang="ja-JP" b="0" i="1" dirty="0" smtClean="0">
+                            <a:latin typeface="Cambria Math" panose="02040503050406030204" pitchFamily="18" charset="0"/>
+                          </a:rPr>
+                          <m:t>0</m:t>
+                        </m:r>
+                        <m:r>
+                          <a:rPr kumimoji="1" lang="en-US" altLang="ja-JP" b="0" i="1" dirty="0" smtClean="0">
+                            <a:latin typeface="Cambria Math" panose="02040503050406030204" pitchFamily="18" charset="0"/>
+                          </a:rPr>
+                          <m:t>,</m:t>
                         </m:r>
                         <m:r>
                           <a:rPr kumimoji="1" lang="en-US" altLang="ja-JP" b="0" i="1" dirty="0" smtClean="0">
@@ -11856,7 +12112,19 @@
                           <a:rPr lang="en-US" altLang="ja-JP" i="1" dirty="0">
                             <a:latin typeface="Cambria Math" panose="02040503050406030204" pitchFamily="18" charset="0"/>
                           </a:rPr>
-                          <m:t>,0,</m:t>
+                          <m:t>,</m:t>
+                        </m:r>
+                        <m:r>
+                          <a:rPr lang="en-US" altLang="ja-JP" i="1" dirty="0">
+                            <a:latin typeface="Cambria Math" panose="02040503050406030204" pitchFamily="18" charset="0"/>
+                          </a:rPr>
+                          <m:t>0</m:t>
+                        </m:r>
+                        <m:r>
+                          <a:rPr lang="en-US" altLang="ja-JP" i="1" dirty="0">
+                            <a:latin typeface="Cambria Math" panose="02040503050406030204" pitchFamily="18" charset="0"/>
+                          </a:rPr>
+                          <m:t>,</m:t>
                         </m:r>
                         <m:r>
                           <a:rPr lang="en-US" altLang="ja-JP" i="1" dirty="0">
@@ -12000,7 +12268,16 @@
                             </a:solidFill>
                             <a:latin typeface="Cambria Math" panose="02040503050406030204" pitchFamily="18" charset="0"/>
                           </a:rPr>
-                          <m:t>,1</m:t>
+                          <m:t>,</m:t>
+                        </m:r>
+                        <m:r>
+                          <a:rPr lang="en-US" altLang="ja-JP" b="0" i="1" smtClean="0">
+                            <a:solidFill>
+                              <a:srgbClr val="000000"/>
+                            </a:solidFill>
+                            <a:latin typeface="Cambria Math" panose="02040503050406030204" pitchFamily="18" charset="0"/>
+                          </a:rPr>
+                          <m:t>1</m:t>
                         </m:r>
                       </m:sub>
                       <m:sup>
@@ -12435,7 +12712,13 @@
                             <a:rPr lang="en-US" altLang="ja-JP" sz="2400" i="1">
                               <a:latin typeface="Cambria Math" panose="02040503050406030204" pitchFamily="18" charset="0"/>
                             </a:rPr>
-                            <m:t>,1</m:t>
+                            <m:t>,</m:t>
+                          </m:r>
+                          <m:r>
+                            <a:rPr lang="en-US" altLang="ja-JP" sz="2400" i="1">
+                              <a:latin typeface="Cambria Math" panose="02040503050406030204" pitchFamily="18" charset="0"/>
+                            </a:rPr>
+                            <m:t>1</m:t>
                           </m:r>
                         </m:sub>
                         <m:sup>
@@ -12577,7 +12860,13 @@
                                 <a:rPr lang="en-US" altLang="ja-JP" sz="2400" i="1">
                                   <a:latin typeface="Cambria Math" panose="02040503050406030204" pitchFamily="18" charset="0"/>
                                 </a:rPr>
-                                <m:t>,2</m:t>
+                                <m:t>,</m:t>
+                              </m:r>
+                              <m:r>
+                                <a:rPr lang="en-US" altLang="ja-JP" sz="2400" i="1">
+                                  <a:latin typeface="Cambria Math" panose="02040503050406030204" pitchFamily="18" charset="0"/>
+                                </a:rPr>
+                                <m:t>2</m:t>
                               </m:r>
                             </m:sub>
                             <m:sup>
@@ -12630,7 +12919,13 @@
                                 <a:rPr lang="ar-AE" altLang="ja-JP" sz="2400" i="1">
                                   <a:latin typeface="Cambria Math" panose="02040503050406030204" pitchFamily="18" charset="0"/>
                                 </a:rPr>
-                                <m:t>1−</m:t>
+                                <m:t>1</m:t>
+                              </m:r>
+                              <m:r>
+                                <a:rPr lang="ar-AE" altLang="ja-JP" sz="2400" i="1">
+                                  <a:latin typeface="Cambria Math" panose="02040503050406030204" pitchFamily="18" charset="0"/>
+                                </a:rPr>
+                                <m:t>−</m:t>
                               </m:r>
                               <m:sSub>
                                 <m:sSubPr>
@@ -13293,7 +13588,16 @@
                           </a:solidFill>
                           <a:latin typeface="Cambria Math" panose="02040503050406030204" pitchFamily="18" charset="0"/>
                         </a:rPr>
-                        <m:t>)=−2</m:t>
+                        <m:t>)=−</m:t>
+                      </m:r>
+                      <m:r>
+                        <a:rPr lang="ar-AE" sz="2400" i="1">
+                          <a:solidFill>
+                            <a:srgbClr val="000000"/>
+                          </a:solidFill>
+                          <a:latin typeface="Cambria Math" panose="02040503050406030204" pitchFamily="18" charset="0"/>
+                        </a:rPr>
+                        <m:t>2</m:t>
                       </m:r>
                       <m:r>
                         <a:rPr lang="ar-AE" sz="2400" i="1">
@@ -14402,7 +14706,16 @@
                           </a:solidFill>
                           <a:latin typeface="Cambria Math" panose="02040503050406030204" pitchFamily="18" charset="0"/>
                         </a:rPr>
-                        <m:t>−2</m:t>
+                        <m:t>−</m:t>
+                      </m:r>
+                      <m:r>
+                        <a:rPr lang="ar-AE" sz="2400" i="1">
+                          <a:solidFill>
+                            <a:srgbClr val="000000"/>
+                          </a:solidFill>
+                          <a:latin typeface="Cambria Math" panose="02040503050406030204" pitchFamily="18" charset="0"/>
+                        </a:rPr>
+                        <m:t>2</m:t>
                       </m:r>
                       <m:r>
                         <a:rPr lang="ar-AE" sz="2400" i="1">
@@ -14515,7 +14828,13 @@
                                 <a:rPr lang="en-US" altLang="ja-JP" sz="2400" b="0" i="1" smtClean="0">
                                   <a:latin typeface="Cambria Math" panose="02040503050406030204" pitchFamily="18" charset="0"/>
                                 </a:rPr>
-                                <m:t>−1</m:t>
+                                <m:t>−</m:t>
+                              </m:r>
+                              <m:r>
+                                <a:rPr lang="en-US" altLang="ja-JP" sz="2400" b="0" i="1" smtClean="0">
+                                  <a:latin typeface="Cambria Math" panose="02040503050406030204" pitchFamily="18" charset="0"/>
+                                </a:rPr>
+                                <m:t>1</m:t>
                               </m:r>
                             </m:sub>
                             <m:sup>
@@ -15268,7 +15587,13 @@
                             <a:rPr lang="en-US" altLang="ja-JP" sz="2400" i="1">
                               <a:latin typeface="Cambria Math" panose="02040503050406030204" pitchFamily="18" charset="0"/>
                             </a:rPr>
-                            <m:t>−1</m:t>
+                            <m:t>−</m:t>
+                          </m:r>
+                          <m:r>
+                            <a:rPr lang="en-US" altLang="ja-JP" sz="2400" i="1">
+                              <a:latin typeface="Cambria Math" panose="02040503050406030204" pitchFamily="18" charset="0"/>
+                            </a:rPr>
+                            <m:t>1</m:t>
                           </m:r>
                         </m:sub>
                         <m:sup>
@@ -15479,7 +15804,13 @@
                             <a:rPr lang="en-US" altLang="ja-JP" i="1">
                               <a:latin typeface="Cambria Math" panose="02040503050406030204" pitchFamily="18" charset="0"/>
                             </a:rPr>
-                            <m:t>+1</m:t>
+                            <m:t>+</m:t>
+                          </m:r>
+                          <m:r>
+                            <a:rPr lang="en-US" altLang="ja-JP" i="1">
+                              <a:latin typeface="Cambria Math" panose="02040503050406030204" pitchFamily="18" charset="0"/>
+                            </a:rPr>
+                            <m:t>1</m:t>
                           </m:r>
                         </m:sup>
                       </m:sSubSup>
@@ -15651,7 +15982,19 @@
                                 <a:rPr lang="en-US" altLang="ja-JP" i="1">
                                   <a:latin typeface="Cambria Math" panose="02040503050406030204" pitchFamily="18" charset="0"/>
                                 </a:rPr>
-                                <m:t>+1,</m:t>
+                                <m:t>+</m:t>
+                              </m:r>
+                              <m:r>
+                                <a:rPr lang="en-US" altLang="ja-JP" i="1">
+                                  <a:latin typeface="Cambria Math" panose="02040503050406030204" pitchFamily="18" charset="0"/>
+                                </a:rPr>
+                                <m:t>1</m:t>
+                              </m:r>
+                              <m:r>
+                                <a:rPr lang="en-US" altLang="ja-JP" i="1">
+                                  <a:latin typeface="Cambria Math" panose="02040503050406030204" pitchFamily="18" charset="0"/>
+                                </a:rPr>
+                                <m:t>,</m:t>
                               </m:r>
                               <m:r>
                                 <a:rPr lang="en-US" altLang="ja-JP" i="1">
@@ -15673,7 +16016,13 @@
                             <a:rPr lang="en-US" altLang="ja-JP" i="1">
                               <a:latin typeface="Cambria Math" panose="02040503050406030204" pitchFamily="18" charset="0"/>
                             </a:rPr>
-                            <m:t>−2</m:t>
+                            <m:t>−</m:t>
+                          </m:r>
+                          <m:r>
+                            <a:rPr lang="en-US" altLang="ja-JP" i="1">
+                              <a:latin typeface="Cambria Math" panose="02040503050406030204" pitchFamily="18" charset="0"/>
+                            </a:rPr>
+                            <m:t>2</m:t>
                           </m:r>
                           <m:sSubSup>
                             <m:sSubSupPr>
@@ -15753,7 +16102,19 @@
                                 <a:rPr lang="en-US" altLang="ja-JP" i="1">
                                   <a:latin typeface="Cambria Math" panose="02040503050406030204" pitchFamily="18" charset="0"/>
                                 </a:rPr>
-                                <m:t>−1,</m:t>
+                                <m:t>−</m:t>
+                              </m:r>
+                              <m:r>
+                                <a:rPr lang="en-US" altLang="ja-JP" i="1">
+                                  <a:latin typeface="Cambria Math" panose="02040503050406030204" pitchFamily="18" charset="0"/>
+                                </a:rPr>
+                                <m:t>1</m:t>
+                              </m:r>
+                              <m:r>
+                                <a:rPr lang="en-US" altLang="ja-JP" i="1">
+                                  <a:latin typeface="Cambria Math" panose="02040503050406030204" pitchFamily="18" charset="0"/>
+                                </a:rPr>
+                                <m:t>,</m:t>
                               </m:r>
                               <m:r>
                                 <a:rPr lang="en-US" altLang="ja-JP" i="1">
@@ -15863,7 +16224,13 @@
                                 <a:rPr lang="en-US" altLang="ja-JP" i="1">
                                   <a:latin typeface="Cambria Math" panose="02040503050406030204" pitchFamily="18" charset="0"/>
                                 </a:rPr>
-                                <m:t>+1</m:t>
+                                <m:t>+</m:t>
+                              </m:r>
+                              <m:r>
+                                <a:rPr lang="en-US" altLang="ja-JP" i="1">
+                                  <a:latin typeface="Cambria Math" panose="02040503050406030204" pitchFamily="18" charset="0"/>
+                                </a:rPr>
+                                <m:t>1</m:t>
                               </m:r>
                             </m:sub>
                             <m:sup>
@@ -15879,7 +16246,13 @@
                             <a:rPr lang="en-US" altLang="ja-JP" i="1">
                               <a:latin typeface="Cambria Math" panose="02040503050406030204" pitchFamily="18" charset="0"/>
                             </a:rPr>
-                            <m:t>−2</m:t>
+                            <m:t>−</m:t>
+                          </m:r>
+                          <m:r>
+                            <a:rPr lang="en-US" altLang="ja-JP" i="1">
+                              <a:latin typeface="Cambria Math" panose="02040503050406030204" pitchFamily="18" charset="0"/>
+                            </a:rPr>
+                            <m:t>2</m:t>
                           </m:r>
                           <m:sSubSup>
                             <m:sSubSupPr>
@@ -15971,7 +16344,13 @@
                                 <a:rPr lang="en-US" altLang="ja-JP" i="1">
                                   <a:latin typeface="Cambria Math" panose="02040503050406030204" pitchFamily="18" charset="0"/>
                                 </a:rPr>
-                                <m:t>−1</m:t>
+                                <m:t>−</m:t>
+                              </m:r>
+                              <m:r>
+                                <a:rPr lang="en-US" altLang="ja-JP" i="1">
+                                  <a:latin typeface="Cambria Math" panose="02040503050406030204" pitchFamily="18" charset="0"/>
+                                </a:rPr>
+                                <m:t>1</m:t>
                               </m:r>
                             </m:sub>
                             <m:sup>
@@ -16066,7 +16445,19 @@
                         <a:rPr lang="en-US" altLang="ja-JP" i="1">
                           <a:latin typeface="Cambria Math" panose="02040503050406030204" pitchFamily="18" charset="0"/>
                         </a:rPr>
-                        <m:t>−1)</m:t>
+                        <m:t>−</m:t>
+                      </m:r>
+                      <m:r>
+                        <a:rPr lang="en-US" altLang="ja-JP" i="1">
+                          <a:latin typeface="Cambria Math" panose="02040503050406030204" pitchFamily="18" charset="0"/>
+                        </a:rPr>
+                        <m:t>1</m:t>
+                      </m:r>
+                      <m:r>
+                        <a:rPr lang="en-US" altLang="ja-JP" i="1">
+                          <a:latin typeface="Cambria Math" panose="02040503050406030204" pitchFamily="18" charset="0"/>
+                        </a:rPr>
+                        <m:t>)</m:t>
                       </m:r>
                       <m:sSubSup>
                         <m:sSubSupPr>
@@ -16250,7 +16641,13 @@
                             <a:rPr lang="en-US" altLang="ja-JP" i="1">
                               <a:latin typeface="Cambria Math" panose="02040503050406030204" pitchFamily="18" charset="0"/>
                             </a:rPr>
-                            <m:t>+1</m:t>
+                            <m:t>+</m:t>
+                          </m:r>
+                          <m:r>
+                            <a:rPr lang="en-US" altLang="ja-JP" i="1">
+                              <a:latin typeface="Cambria Math" panose="02040503050406030204" pitchFamily="18" charset="0"/>
+                            </a:rPr>
+                            <m:t>1</m:t>
                           </m:r>
                         </m:sup>
                       </m:sSubSup>
@@ -16376,7 +16773,19 @@
                                 <a:rPr lang="en-US" altLang="ja-JP" i="1">
                                   <a:latin typeface="Cambria Math" panose="02040503050406030204" pitchFamily="18" charset="0"/>
                                 </a:rPr>
-                                <m:t>+1,</m:t>
+                                <m:t>+</m:t>
+                              </m:r>
+                              <m:r>
+                                <a:rPr lang="en-US" altLang="ja-JP" i="1">
+                                  <a:latin typeface="Cambria Math" panose="02040503050406030204" pitchFamily="18" charset="0"/>
+                                </a:rPr>
+                                <m:t>1</m:t>
+                              </m:r>
+                              <m:r>
+                                <a:rPr lang="en-US" altLang="ja-JP" i="1">
+                                  <a:latin typeface="Cambria Math" panose="02040503050406030204" pitchFamily="18" charset="0"/>
+                                </a:rPr>
+                                <m:t>,</m:t>
                               </m:r>
                               <m:r>
                                 <a:rPr lang="en-US" altLang="ja-JP" i="1">
@@ -16427,7 +16836,19 @@
                                 <a:rPr lang="en-US" altLang="ja-JP" i="1">
                                   <a:latin typeface="Cambria Math" panose="02040503050406030204" pitchFamily="18" charset="0"/>
                                 </a:rPr>
-                                <m:t>−1,</m:t>
+                                <m:t>−</m:t>
+                              </m:r>
+                              <m:r>
+                                <a:rPr lang="en-US" altLang="ja-JP" i="1">
+                                  <a:latin typeface="Cambria Math" panose="02040503050406030204" pitchFamily="18" charset="0"/>
+                                </a:rPr>
+                                <m:t>1</m:t>
+                              </m:r>
+                              <m:r>
+                                <a:rPr lang="en-US" altLang="ja-JP" i="1">
+                                  <a:latin typeface="Cambria Math" panose="02040503050406030204" pitchFamily="18" charset="0"/>
+                                </a:rPr>
+                                <m:t>,</m:t>
                               </m:r>
                               <m:r>
                                 <a:rPr lang="en-US" altLang="ja-JP" i="1">
@@ -16543,7 +16964,13 @@
                                 <a:rPr lang="en-US" altLang="ja-JP" i="1">
                                   <a:latin typeface="Cambria Math" panose="02040503050406030204" pitchFamily="18" charset="0"/>
                                 </a:rPr>
-                                <m:t>+1</m:t>
+                                <m:t>+</m:t>
+                              </m:r>
+                              <m:r>
+                                <a:rPr lang="en-US" altLang="ja-JP" i="1">
+                                  <a:latin typeface="Cambria Math" panose="02040503050406030204" pitchFamily="18" charset="0"/>
+                                </a:rPr>
+                                <m:t>1</m:t>
                               </m:r>
                             </m:sub>
                             <m:sup>
@@ -16600,7 +17027,13 @@
                                 <a:rPr lang="en-US" altLang="ja-JP" i="1">
                                   <a:latin typeface="Cambria Math" panose="02040503050406030204" pitchFamily="18" charset="0"/>
                                 </a:rPr>
-                                <m:t>−1</m:t>
+                                <m:t>−</m:t>
+                              </m:r>
+                              <m:r>
+                                <a:rPr lang="en-US" altLang="ja-JP" i="1">
+                                  <a:latin typeface="Cambria Math" panose="02040503050406030204" pitchFamily="18" charset="0"/>
+                                </a:rPr>
+                                <m:t>1</m:t>
                               </m:r>
                             </m:sub>
                             <m:sup>
@@ -16641,7 +17074,13 @@
                             <a:rPr lang="en-US" altLang="ja-JP" i="1">
                               <a:latin typeface="Cambria Math" panose="02040503050406030204" pitchFamily="18" charset="0"/>
                             </a:rPr>
-                            <m:t>1−</m:t>
+                            <m:t>1</m:t>
+                          </m:r>
+                          <m:r>
+                            <a:rPr lang="en-US" altLang="ja-JP" i="1">
+                              <a:latin typeface="Cambria Math" panose="02040503050406030204" pitchFamily="18" charset="0"/>
+                            </a:rPr>
+                            <m:t>−</m:t>
                           </m:r>
                           <m:f>
                             <m:fPr>
@@ -18190,7 +18629,13 @@
                             <a:rPr lang="en-US" altLang="ja-JP" i="1">
                               <a:latin typeface="Cambria Math" panose="02040503050406030204" pitchFamily="18" charset="0"/>
                             </a:rPr>
-                            <m:t>+1</m:t>
+                            <m:t>+</m:t>
+                          </m:r>
+                          <m:r>
+                            <a:rPr lang="en-US" altLang="ja-JP" i="1">
+                              <a:latin typeface="Cambria Math" panose="02040503050406030204" pitchFamily="18" charset="0"/>
+                            </a:rPr>
+                            <m:t>1</m:t>
                           </m:r>
                         </m:sup>
                       </m:sSubSup>
@@ -18316,7 +18761,19 @@
                                 <a:rPr lang="en-US" altLang="ja-JP" i="1">
                                   <a:latin typeface="Cambria Math" panose="02040503050406030204" pitchFamily="18" charset="0"/>
                                 </a:rPr>
-                                <m:t>+1,</m:t>
+                                <m:t>+</m:t>
+                              </m:r>
+                              <m:r>
+                                <a:rPr lang="en-US" altLang="ja-JP" i="1">
+                                  <a:latin typeface="Cambria Math" panose="02040503050406030204" pitchFamily="18" charset="0"/>
+                                </a:rPr>
+                                <m:t>1</m:t>
+                              </m:r>
+                              <m:r>
+                                <a:rPr lang="en-US" altLang="ja-JP" i="1">
+                                  <a:latin typeface="Cambria Math" panose="02040503050406030204" pitchFamily="18" charset="0"/>
+                                </a:rPr>
+                                <m:t>,</m:t>
                               </m:r>
                               <m:r>
                                 <a:rPr lang="en-US" altLang="ja-JP" i="1">
@@ -18367,7 +18824,19 @@
                                 <a:rPr lang="en-US" altLang="ja-JP" i="1">
                                   <a:latin typeface="Cambria Math" panose="02040503050406030204" pitchFamily="18" charset="0"/>
                                 </a:rPr>
-                                <m:t>−1,</m:t>
+                                <m:t>−</m:t>
+                              </m:r>
+                              <m:r>
+                                <a:rPr lang="en-US" altLang="ja-JP" i="1">
+                                  <a:latin typeface="Cambria Math" panose="02040503050406030204" pitchFamily="18" charset="0"/>
+                                </a:rPr>
+                                <m:t>1</m:t>
+                              </m:r>
+                              <m:r>
+                                <a:rPr lang="en-US" altLang="ja-JP" i="1">
+                                  <a:latin typeface="Cambria Math" panose="02040503050406030204" pitchFamily="18" charset="0"/>
+                                </a:rPr>
+                                <m:t>,</m:t>
                               </m:r>
                               <m:r>
                                 <a:rPr lang="en-US" altLang="ja-JP" i="1">
@@ -18483,7 +18952,13 @@
                                 <a:rPr lang="en-US" altLang="ja-JP" i="1">
                                   <a:latin typeface="Cambria Math" panose="02040503050406030204" pitchFamily="18" charset="0"/>
                                 </a:rPr>
-                                <m:t>+1</m:t>
+                                <m:t>+</m:t>
+                              </m:r>
+                              <m:r>
+                                <a:rPr lang="en-US" altLang="ja-JP" i="1">
+                                  <a:latin typeface="Cambria Math" panose="02040503050406030204" pitchFamily="18" charset="0"/>
+                                </a:rPr>
+                                <m:t>1</m:t>
                               </m:r>
                             </m:sub>
                             <m:sup>
@@ -18540,7 +19015,13 @@
                                 <a:rPr lang="en-US" altLang="ja-JP" i="1">
                                   <a:latin typeface="Cambria Math" panose="02040503050406030204" pitchFamily="18" charset="0"/>
                                 </a:rPr>
-                                <m:t>−1</m:t>
+                                <m:t>−</m:t>
+                              </m:r>
+                              <m:r>
+                                <a:rPr lang="en-US" altLang="ja-JP" i="1">
+                                  <a:latin typeface="Cambria Math" panose="02040503050406030204" pitchFamily="18" charset="0"/>
+                                </a:rPr>
+                                <m:t>1</m:t>
                               </m:r>
                             </m:sub>
                             <m:sup>
@@ -18581,7 +19062,13 @@
                             <a:rPr lang="en-US" altLang="ja-JP" i="1">
                               <a:latin typeface="Cambria Math" panose="02040503050406030204" pitchFamily="18" charset="0"/>
                             </a:rPr>
-                            <m:t>1−</m:t>
+                            <m:t>1</m:t>
+                          </m:r>
+                          <m:r>
+                            <a:rPr lang="en-US" altLang="ja-JP" i="1">
+                              <a:latin typeface="Cambria Math" panose="02040503050406030204" pitchFamily="18" charset="0"/>
+                            </a:rPr>
+                            <m:t>−</m:t>
                           </m:r>
                           <m:f>
                             <m:fPr>
@@ -19385,7 +19872,13 @@
                       <a:rPr kumimoji="1" lang="en-US" altLang="ja-JP" b="0" i="1" smtClean="0">
                         <a:latin typeface="Cambria Math" panose="02040503050406030204" pitchFamily="18" charset="0"/>
                       </a:rPr>
-                      <m:t>&lt;1</m:t>
+                      <m:t>&lt;</m:t>
+                    </m:r>
+                    <m:r>
+                      <a:rPr kumimoji="1" lang="en-US" altLang="ja-JP" b="0" i="1" smtClean="0">
+                        <a:latin typeface="Cambria Math" panose="02040503050406030204" pitchFamily="18" charset="0"/>
+                      </a:rPr>
+                      <m:t>1</m:t>
                     </m:r>
                   </m:oMath>
                 </a14:m>
@@ -19482,7 +19975,13 @@
                       <a:rPr lang="en-US" altLang="ja-JP" i="1" smtClean="0">
                         <a:latin typeface="Cambria Math" panose="02040503050406030204" pitchFamily="18" charset="0"/>
                       </a:rPr>
-                      <m:t>1−</m:t>
+                      <m:t>1</m:t>
+                    </m:r>
+                    <m:r>
+                      <a:rPr lang="en-US" altLang="ja-JP" i="1" smtClean="0">
+                        <a:latin typeface="Cambria Math" panose="02040503050406030204" pitchFamily="18" charset="0"/>
+                      </a:rPr>
+                      <m:t>−</m:t>
                     </m:r>
                     <m:f>
                       <m:fPr>
@@ -19689,7 +20188,13 @@
                       <a:rPr lang="en-US" altLang="ja-JP" b="0" i="1" smtClean="0">
                         <a:latin typeface="Cambria Math" panose="02040503050406030204" pitchFamily="18" charset="0"/>
                       </a:rPr>
-                      <m:t>&gt;0</m:t>
+                      <m:t>&gt;</m:t>
+                    </m:r>
+                    <m:r>
+                      <a:rPr lang="en-US" altLang="ja-JP" b="0" i="1" smtClean="0">
+                        <a:latin typeface="Cambria Math" panose="02040503050406030204" pitchFamily="18" charset="0"/>
+                      </a:rPr>
+                      <m:t>0</m:t>
                     </m:r>
                   </m:oMath>
                 </a14:m>
@@ -24125,8 +24630,8 @@
           </a:p>
         </p:txBody>
       </p:sp>
-      <mc:AlternateContent xmlns:mc="http://schemas.openxmlformats.org/markup-compatibility/2006">
-        <mc:Choice xmlns:a14="http://schemas.microsoft.com/office/drawing/2010/main" Requires="a14">
+      <mc:AlternateContent xmlns:mc="http://schemas.openxmlformats.org/markup-compatibility/2006" xmlns:a14="http://schemas.microsoft.com/office/drawing/2010/main">
+        <mc:Choice Requires="a14">
           <p:sp>
             <p:nvSpPr>
               <p:cNvPr id="7" name="テキスト ボックス 6">
@@ -24260,7 +24765,7 @@
             </p:txBody>
           </p:sp>
         </mc:Choice>
-        <mc:Fallback>
+        <mc:Fallback xmlns="">
           <p:sp>
             <p:nvSpPr>
               <p:cNvPr id="7" name="テキスト ボックス 6">
@@ -24305,8 +24810,8 @@
           </p:sp>
         </mc:Fallback>
       </mc:AlternateContent>
-      <mc:AlternateContent xmlns:mc="http://schemas.openxmlformats.org/markup-compatibility/2006">
-        <mc:Choice xmlns:a14="http://schemas.microsoft.com/office/drawing/2010/main" Requires="a14">
+      <mc:AlternateContent xmlns:mc="http://schemas.openxmlformats.org/markup-compatibility/2006" xmlns:a14="http://schemas.microsoft.com/office/drawing/2010/main">
+        <mc:Choice Requires="a14">
           <p:sp>
             <p:nvSpPr>
               <p:cNvPr id="3" name="テキスト ボックス 2">
@@ -24335,6 +24840,7 @@
               </a:bodyPr>
               <a:lstStyle/>
               <a:p>
+                <a:pPr/>
                 <a14:m>
                   <m:oMathPara xmlns:m="http://schemas.openxmlformats.org/officeDocument/2006/math">
                     <m:oMathParaPr>
@@ -24576,7 +25082,13 @@
                                 <a:rPr kumimoji="1" lang="en-US" altLang="ja-JP" b="0" i="1" smtClean="0">
                                   <a:latin typeface="Cambria Math" panose="02040503050406030204" pitchFamily="18" charset="0"/>
                                 </a:rPr>
-                                <m:t>=1</m:t>
+                                <m:t>=</m:t>
+                              </m:r>
+                              <m:r>
+                                <a:rPr kumimoji="1" lang="en-US" altLang="ja-JP" b="0" i="1" smtClean="0">
+                                  <a:latin typeface="Cambria Math" panose="02040503050406030204" pitchFamily="18" charset="0"/>
+                                </a:rPr>
+                                <m:t>1</m:t>
                               </m:r>
                             </m:sub>
                             <m:sup>
@@ -24701,7 +25213,13 @@
                                 <a:rPr lang="en-US" altLang="ja-JP" i="1">
                                   <a:latin typeface="Cambria Math" panose="02040503050406030204" pitchFamily="18" charset="0"/>
                                 </a:rPr>
-                                <m:t>=1</m:t>
+                                <m:t>=</m:t>
+                              </m:r>
+                              <m:r>
+                                <a:rPr lang="en-US" altLang="ja-JP" i="1">
+                                  <a:latin typeface="Cambria Math" panose="02040503050406030204" pitchFamily="18" charset="0"/>
+                                </a:rPr>
+                                <m:t>1</m:t>
                               </m:r>
                             </m:sub>
                             <m:sup>
@@ -25057,7 +25575,7 @@
             </p:txBody>
           </p:sp>
         </mc:Choice>
-        <mc:Fallback>
+        <mc:Fallback xmlns="">
           <p:sp>
             <p:nvSpPr>
               <p:cNvPr id="3" name="テキスト ボックス 2">
@@ -25102,8 +25620,8 @@
           </p:sp>
         </mc:Fallback>
       </mc:AlternateContent>
-      <mc:AlternateContent xmlns:mc="http://schemas.openxmlformats.org/markup-compatibility/2006">
-        <mc:Choice xmlns:a14="http://schemas.microsoft.com/office/drawing/2010/main" Requires="a14">
+      <mc:AlternateContent xmlns:mc="http://schemas.openxmlformats.org/markup-compatibility/2006" xmlns:a14="http://schemas.microsoft.com/office/drawing/2010/main">
+        <mc:Choice Requires="a14">
           <p:sp>
             <p:nvSpPr>
               <p:cNvPr id="6" name="テキスト ボックス 5">
@@ -25132,6 +25650,7 @@
               </a:bodyPr>
               <a:lstStyle/>
               <a:p>
+                <a:pPr/>
                 <a14:m>
                   <m:oMathPara xmlns:m="http://schemas.openxmlformats.org/officeDocument/2006/math">
                     <m:oMathParaPr>
@@ -25440,7 +25959,7 @@
             </p:txBody>
           </p:sp>
         </mc:Choice>
-        <mc:Fallback>
+        <mc:Fallback xmlns="">
           <p:sp>
             <p:nvSpPr>
               <p:cNvPr id="6" name="テキスト ボックス 5">
@@ -25485,8 +26004,8 @@
           </p:sp>
         </mc:Fallback>
       </mc:AlternateContent>
-      <mc:AlternateContent xmlns:mc="http://schemas.openxmlformats.org/markup-compatibility/2006">
-        <mc:Choice xmlns:a14="http://schemas.microsoft.com/office/drawing/2010/main" Requires="a14">
+      <mc:AlternateContent xmlns:mc="http://schemas.openxmlformats.org/markup-compatibility/2006" xmlns:a14="http://schemas.microsoft.com/office/drawing/2010/main">
+        <mc:Choice Requires="a14">
           <p:sp>
             <p:nvSpPr>
               <p:cNvPr id="10" name="テキスト ボックス 9">
@@ -25515,6 +26034,7 @@
               </a:bodyPr>
               <a:lstStyle/>
               <a:p>
+                <a:pPr/>
                 <a14:m>
                   <m:oMathPara xmlns:m="http://schemas.openxmlformats.org/officeDocument/2006/math">
                     <m:oMathParaPr>
@@ -25766,7 +26286,7 @@
             </p:txBody>
           </p:sp>
         </mc:Choice>
-        <mc:Fallback>
+        <mc:Fallback xmlns="">
           <p:sp>
             <p:nvSpPr>
               <p:cNvPr id="10" name="テキスト ボックス 9">
@@ -25811,8 +26331,8 @@
           </p:sp>
         </mc:Fallback>
       </mc:AlternateContent>
-      <mc:AlternateContent xmlns:mc="http://schemas.openxmlformats.org/markup-compatibility/2006">
-        <mc:Choice xmlns:a14="http://schemas.microsoft.com/office/drawing/2010/main" Requires="a14">
+      <mc:AlternateContent xmlns:mc="http://schemas.openxmlformats.org/markup-compatibility/2006" xmlns:a14="http://schemas.microsoft.com/office/drawing/2010/main">
+        <mc:Choice Requires="a14">
           <p:sp>
             <p:nvSpPr>
               <p:cNvPr id="11" name="テキスト ボックス 10">
@@ -25841,6 +26361,7 @@
               </a:bodyPr>
               <a:lstStyle/>
               <a:p>
+                <a:pPr/>
                 <a14:m>
                   <m:oMathPara xmlns:m="http://schemas.openxmlformats.org/officeDocument/2006/math">
                     <m:oMathParaPr>
@@ -26010,7 +26531,13 @@
                         <a:rPr kumimoji="1" lang="en-US" altLang="ja-JP" b="0" i="1" smtClean="0">
                           <a:latin typeface="Cambria Math" panose="02040503050406030204" pitchFamily="18" charset="0"/>
                         </a:rPr>
-                        <m:t>′)</m:t>
+                        <m:t>′</m:t>
+                      </m:r>
+                      <m:r>
+                        <a:rPr kumimoji="1" lang="en-US" altLang="ja-JP" b="0" i="1" smtClean="0">
+                          <a:latin typeface="Cambria Math" panose="02040503050406030204" pitchFamily="18" charset="0"/>
+                        </a:rPr>
+                        <m:t>)</m:t>
                       </m:r>
                       <m:sSub>
                         <m:sSubPr>
@@ -26089,7 +26616,13 @@
                         <a:rPr kumimoji="1" lang="en-US" altLang="ja-JP" b="0" i="1" smtClean="0">
                           <a:latin typeface="Cambria Math" panose="02040503050406030204" pitchFamily="18" charset="0"/>
                         </a:rPr>
-                        <m:t>′)</m:t>
+                        <m:t>′</m:t>
+                      </m:r>
+                      <m:r>
+                        <a:rPr kumimoji="1" lang="en-US" altLang="ja-JP" b="0" i="1" smtClean="0">
+                          <a:latin typeface="Cambria Math" panose="02040503050406030204" pitchFamily="18" charset="0"/>
+                        </a:rPr>
+                        <m:t>)</m:t>
                       </m:r>
                     </m:oMath>
                   </m:oMathPara>
@@ -26099,7 +26632,7 @@
             </p:txBody>
           </p:sp>
         </mc:Choice>
-        <mc:Fallback>
+        <mc:Fallback xmlns="">
           <p:sp>
             <p:nvSpPr>
               <p:cNvPr id="11" name="テキスト ボックス 10">
@@ -26144,8 +26677,8 @@
           </p:sp>
         </mc:Fallback>
       </mc:AlternateContent>
-      <mc:AlternateContent xmlns:mc="http://schemas.openxmlformats.org/markup-compatibility/2006">
-        <mc:Choice xmlns:a14="http://schemas.microsoft.com/office/drawing/2010/main" Requires="a14">
+      <mc:AlternateContent xmlns:mc="http://schemas.openxmlformats.org/markup-compatibility/2006" xmlns:a14="http://schemas.microsoft.com/office/drawing/2010/main">
+        <mc:Choice Requires="a14">
           <p:sp>
             <p:nvSpPr>
               <p:cNvPr id="12" name="テキスト ボックス 11">
@@ -26310,7 +26843,25 @@
                       <a:rPr kumimoji="1" lang="en-US" altLang="ja-JP" b="0" i="1" smtClean="0">
                         <a:latin typeface="Cambria Math" panose="02040503050406030204" pitchFamily="18" charset="0"/>
                       </a:rPr>
-                      <m:t>′(0≤</m:t>
+                      <m:t>′</m:t>
+                    </m:r>
+                    <m:r>
+                      <a:rPr kumimoji="1" lang="en-US" altLang="ja-JP" b="0" i="1" smtClean="0">
+                        <a:latin typeface="Cambria Math" panose="02040503050406030204" pitchFamily="18" charset="0"/>
+                      </a:rPr>
+                      <m:t>(</m:t>
+                    </m:r>
+                    <m:r>
+                      <a:rPr kumimoji="1" lang="en-US" altLang="ja-JP" b="0" i="1" smtClean="0">
+                        <a:latin typeface="Cambria Math" panose="02040503050406030204" pitchFamily="18" charset="0"/>
+                      </a:rPr>
+                      <m:t>0</m:t>
+                    </m:r>
+                    <m:r>
+                      <a:rPr kumimoji="1" lang="en-US" altLang="ja-JP" b="0" i="1" smtClean="0">
+                        <a:latin typeface="Cambria Math" panose="02040503050406030204" pitchFamily="18" charset="0"/>
+                      </a:rPr>
+                      <m:t>≤</m:t>
                     </m:r>
                     <m:sSup>
                       <m:sSupPr>
@@ -26430,7 +26981,13 @@
                       <a:rPr kumimoji="1" lang="en-US" altLang="ja-JP" b="0" i="1" smtClean="0">
                         <a:latin typeface="Cambria Math" panose="02040503050406030204" pitchFamily="18" charset="0"/>
                       </a:rPr>
-                      <m:t>′)</m:t>
+                      <m:t>′</m:t>
+                    </m:r>
+                    <m:r>
+                      <a:rPr kumimoji="1" lang="en-US" altLang="ja-JP" b="0" i="1" smtClean="0">
+                        <a:latin typeface="Cambria Math" panose="02040503050406030204" pitchFamily="18" charset="0"/>
+                      </a:rPr>
+                      <m:t>)</m:t>
                     </m:r>
                     <m:r>
                       <a:rPr lang="ja-JP" altLang="en-US" i="1">
@@ -26451,7 +27008,7 @@
             </p:txBody>
           </p:sp>
         </mc:Choice>
-        <mc:Fallback>
+        <mc:Fallback xmlns="">
           <p:sp>
             <p:nvSpPr>
               <p:cNvPr id="12" name="テキスト ボックス 11">
@@ -26547,8 +27104,8 @@
           </a:p>
         </p:txBody>
       </p:sp>
-      <mc:AlternateContent xmlns:mc="http://schemas.openxmlformats.org/markup-compatibility/2006">
-        <mc:Choice xmlns:a14="http://schemas.microsoft.com/office/drawing/2010/main" Requires="a14">
+      <mc:AlternateContent xmlns:mc="http://schemas.openxmlformats.org/markup-compatibility/2006" xmlns:a14="http://schemas.microsoft.com/office/drawing/2010/main">
+        <mc:Choice Requires="a14">
           <p:sp>
             <p:nvSpPr>
               <p:cNvPr id="13" name="テキスト ボックス 12">
@@ -26663,12 +27220,18 @@
                       <a:rPr kumimoji="1" lang="en-US" altLang="ja-JP" b="0" i="1" smtClean="0">
                         <a:latin typeface="Cambria Math" panose="02040503050406030204" pitchFamily="18" charset="0"/>
                       </a:rPr>
-                      <m:t>′)</m:t>
+                      <m:t>′</m:t>
+                    </m:r>
+                    <m:r>
+                      <a:rPr kumimoji="1" lang="en-US" altLang="ja-JP" b="0" i="1" smtClean="0">
+                        <a:latin typeface="Cambria Math" panose="02040503050406030204" pitchFamily="18" charset="0"/>
+                      </a:rPr>
+                      <m:t>)</m:t>
                     </m:r>
                   </m:oMath>
                 </a14:m>
                 <a:r>
-                  <a:rPr lang="ja-JP" altLang="en-US"/>
+                  <a:rPr lang="ja-JP" altLang="en-US" dirty="0"/>
                   <a:t>は時刻</a:t>
                 </a:r>
                 <a:r>
@@ -26676,7 +27239,7 @@
                   <a:t>t</a:t>
                 </a:r>
                 <a:r>
-                  <a:rPr lang="ja-JP" altLang="en-US"/>
+                  <a:rPr lang="ja-JP" altLang="en-US" dirty="0"/>
                   <a:t>で</a:t>
                 </a:r>
                 <a14:m>
@@ -26709,11 +27272,11 @@
                   </m:oMath>
                 </a14:m>
                 <a:r>
-                  <a:rPr kumimoji="1" lang="ja-JP" altLang="en-US"/>
+                  <a:rPr kumimoji="1" lang="ja-JP" altLang="en-US" dirty="0"/>
                   <a:t>に入射した</a:t>
                 </a:r>
                 <a:r>
-                  <a:rPr lang="ja-JP" altLang="en-US"/>
+                  <a:rPr lang="ja-JP" altLang="en-US" dirty="0"/>
                   <a:t>光子が時刻</a:t>
                 </a:r>
                 <a14:m>
@@ -26733,7 +27296,7 @@
                   </m:oMath>
                 </a14:m>
                 <a:r>
-                  <a:rPr kumimoji="1" lang="ja-JP" altLang="en-US"/>
+                  <a:rPr kumimoji="1" lang="ja-JP" altLang="en-US" dirty="0"/>
                   <a:t>にピクセル</a:t>
                 </a:r>
                 <a:r>
@@ -26741,7 +27304,7 @@
                   <a:t>j</a:t>
                 </a:r>
                 <a:r>
-                  <a:rPr kumimoji="1" lang="ja-JP" altLang="en-US"/>
+                  <a:rPr kumimoji="1" lang="ja-JP" altLang="en-US" dirty="0"/>
                   <a:t>に存在する確率密度，</a:t>
                 </a:r>
                 <a:endParaRPr kumimoji="1" lang="en-US" altLang="ja-JP" dirty="0"/>
@@ -26826,12 +27389,18 @@
                       <a:rPr lang="en-US" altLang="ja-JP" i="1">
                         <a:latin typeface="Cambria Math" panose="02040503050406030204" pitchFamily="18" charset="0"/>
                       </a:rPr>
-                      <m:t>′)</m:t>
+                      <m:t>′</m:t>
+                    </m:r>
+                    <m:r>
+                      <a:rPr lang="en-US" altLang="ja-JP" i="1">
+                        <a:latin typeface="Cambria Math" panose="02040503050406030204" pitchFamily="18" charset="0"/>
+                      </a:rPr>
+                      <m:t>)</m:t>
                     </m:r>
                   </m:oMath>
                 </a14:m>
                 <a:r>
-                  <a:rPr lang="ja-JP" altLang="en-US"/>
+                  <a:rPr lang="ja-JP" altLang="en-US" dirty="0"/>
                   <a:t>は時刻</a:t>
                 </a:r>
                 <a:r>
@@ -26839,7 +27408,7 @@
                   <a:t>t’</a:t>
                 </a:r>
                 <a:r>
-                  <a:rPr lang="ja-JP" altLang="en-US"/>
+                  <a:rPr lang="ja-JP" altLang="en-US" dirty="0"/>
                   <a:t>でピクセル</a:t>
                 </a:r>
                 <a:r>
@@ -26847,7 +27416,7 @@
                   <a:t>j</a:t>
                 </a:r>
                 <a:r>
-                  <a:rPr lang="ja-JP" altLang="en-US"/>
+                  <a:rPr lang="ja-JP" altLang="en-US" dirty="0"/>
                   <a:t>に入射した光子が時刻</a:t>
                 </a:r>
                 <a14:m>
@@ -26861,7 +27430,7 @@
                   </m:oMath>
                 </a14:m>
                 <a:r>
-                  <a:rPr lang="ja-JP" altLang="en-US"/>
+                  <a:rPr lang="ja-JP" altLang="en-US" dirty="0"/>
                   <a:t>に</a:t>
                 </a:r>
                 <a:r>
@@ -26869,7 +27438,7 @@
                   <a:t>x</a:t>
                 </a:r>
                 <a:r>
-                  <a:rPr lang="ja-JP" altLang="en-US"/>
+                  <a:rPr lang="ja-JP" altLang="en-US" dirty="0"/>
                   <a:t>に存在する確率密度</a:t>
                 </a:r>
                 <a:endParaRPr kumimoji="1" lang="en-US" altLang="ja-JP" dirty="0"/>
@@ -26877,7 +27446,7 @@
             </p:txBody>
           </p:sp>
         </mc:Choice>
-        <mc:Fallback>
+        <mc:Fallback xmlns="">
           <p:sp>
             <p:nvSpPr>
               <p:cNvPr id="13" name="テキスト ボックス 12">
@@ -26922,8 +27491,8 @@
           </p:sp>
         </mc:Fallback>
       </mc:AlternateContent>
-      <mc:AlternateContent xmlns:mc="http://schemas.openxmlformats.org/markup-compatibility/2006">
-        <mc:Choice xmlns:a14="http://schemas.microsoft.com/office/drawing/2010/main" Requires="a14">
+      <mc:AlternateContent xmlns:mc="http://schemas.openxmlformats.org/markup-compatibility/2006" xmlns:a14="http://schemas.microsoft.com/office/drawing/2010/main">
+        <mc:Choice Requires="a14">
           <p:sp>
             <p:nvSpPr>
               <p:cNvPr id="14" name="正方形/長方形 13">
@@ -27025,7 +27594,7 @@
             </p:txBody>
           </p:sp>
         </mc:Choice>
-        <mc:Fallback>
+        <mc:Fallback xmlns="">
           <p:sp>
             <p:nvSpPr>
               <p:cNvPr id="14" name="正方形/長方形 13">
@@ -27334,8 +27903,8 @@
           </a:fontRef>
         </p:style>
       </p:cxnSp>
-      <mc:AlternateContent xmlns:mc="http://schemas.openxmlformats.org/markup-compatibility/2006">
-        <mc:Choice xmlns:a14="http://schemas.microsoft.com/office/drawing/2010/main" Requires="a14">
+      <mc:AlternateContent xmlns:mc="http://schemas.openxmlformats.org/markup-compatibility/2006" xmlns:a14="http://schemas.microsoft.com/office/drawing/2010/main">
+        <mc:Choice Requires="a14">
           <p:sp>
             <p:nvSpPr>
               <p:cNvPr id="25" name="テキスト ボックス 24">
@@ -27389,7 +27958,7 @@
             </p:txBody>
           </p:sp>
         </mc:Choice>
-        <mc:Fallback>
+        <mc:Fallback xmlns="">
           <p:sp>
             <p:nvSpPr>
               <p:cNvPr id="25" name="テキスト ボックス 24">
@@ -27434,8 +28003,8 @@
           </p:sp>
         </mc:Fallback>
       </mc:AlternateContent>
-      <mc:AlternateContent xmlns:mc="http://schemas.openxmlformats.org/markup-compatibility/2006">
-        <mc:Choice xmlns:a14="http://schemas.microsoft.com/office/drawing/2010/main" Requires="a14">
+      <mc:AlternateContent xmlns:mc="http://schemas.openxmlformats.org/markup-compatibility/2006" xmlns:a14="http://schemas.microsoft.com/office/drawing/2010/main">
+        <mc:Choice Requires="a14">
           <p:sp>
             <p:nvSpPr>
               <p:cNvPr id="26" name="テキスト ボックス 25">
@@ -27483,7 +28052,7 @@
             </p:txBody>
           </p:sp>
         </mc:Choice>
-        <mc:Fallback>
+        <mc:Fallback xmlns="">
           <p:sp>
             <p:nvSpPr>
               <p:cNvPr id="26" name="テキスト ボックス 25">
@@ -27542,6 +28111,3543 @@
 </file>
 
 <file path=ppt/slides/slide21.xml><?xml version="1.0" encoding="utf-8"?>
+<p:sld xmlns:a="http://schemas.openxmlformats.org/drawingml/2006/main" xmlns:r="http://schemas.openxmlformats.org/officeDocument/2006/relationships" xmlns:p="http://schemas.openxmlformats.org/presentationml/2006/main">
+  <p:cSld>
+    <p:spTree>
+      <p:nvGrpSpPr>
+        <p:cNvPr id="1" name=""/>
+        <p:cNvGrpSpPr/>
+        <p:nvPr/>
+      </p:nvGrpSpPr>
+      <p:grpSpPr>
+        <a:xfrm>
+          <a:off x="0" y="0"/>
+          <a:ext cx="0" cy="0"/>
+          <a:chOff x="0" y="0"/>
+          <a:chExt cx="0" cy="0"/>
+        </a:xfrm>
+      </p:grpSpPr>
+      <p:sp>
+        <p:nvSpPr>
+          <p:cNvPr id="4" name="正方形/長方形 3">
+            <a:extLst>
+              <a:ext uri="{FF2B5EF4-FFF2-40B4-BE49-F238E27FC236}">
+                <a16:creationId xmlns:a16="http://schemas.microsoft.com/office/drawing/2014/main" id="{290B4B8F-C172-C232-385B-46916598D225}"/>
+              </a:ext>
+            </a:extLst>
+          </p:cNvPr>
+          <p:cNvSpPr/>
+          <p:nvPr/>
+        </p:nvSpPr>
+        <p:spPr>
+          <a:xfrm>
+            <a:off x="1233749" y="2129623"/>
+            <a:ext cx="2039816" cy="3205425"/>
+          </a:xfrm>
+          <a:prstGeom prst="rect">
+            <a:avLst/>
+          </a:prstGeom>
+          <a:solidFill>
+            <a:schemeClr val="bg2">
+              <a:lumMod val="75000"/>
+            </a:schemeClr>
+          </a:solidFill>
+        </p:spPr>
+        <p:style>
+          <a:lnRef idx="2">
+            <a:schemeClr val="dk1">
+              <a:shade val="50000"/>
+            </a:schemeClr>
+          </a:lnRef>
+          <a:fillRef idx="1">
+            <a:schemeClr val="dk1"/>
+          </a:fillRef>
+          <a:effectRef idx="0">
+            <a:schemeClr val="dk1"/>
+          </a:effectRef>
+          <a:fontRef idx="minor">
+            <a:schemeClr val="lt1"/>
+          </a:fontRef>
+        </p:style>
+        <p:txBody>
+          <a:bodyPr rtlCol="0" anchor="ctr"/>
+          <a:lstStyle/>
+          <a:p>
+            <a:pPr algn="ctr"/>
+            <a:endParaRPr kumimoji="1" lang="ja-JP" altLang="en-US"/>
+          </a:p>
+        </p:txBody>
+      </p:sp>
+      <mc:AlternateContent xmlns:mc="http://schemas.openxmlformats.org/markup-compatibility/2006">
+        <mc:Choice xmlns:a14="http://schemas.microsoft.com/office/drawing/2010/main" Requires="a14">
+          <p:sp>
+            <p:nvSpPr>
+              <p:cNvPr id="5" name="正方形/長方形 4">
+                <a:extLst>
+                  <a:ext uri="{FF2B5EF4-FFF2-40B4-BE49-F238E27FC236}">
+                    <a16:creationId xmlns:a16="http://schemas.microsoft.com/office/drawing/2014/main" id="{0CF84DD8-328C-471B-64D8-C59C3EAC58F9}"/>
+                  </a:ext>
+                </a:extLst>
+              </p:cNvPr>
+              <p:cNvSpPr/>
+              <p:nvPr/>
+            </p:nvSpPr>
+            <p:spPr>
+              <a:xfrm>
+                <a:off x="2339068" y="2129623"/>
+                <a:ext cx="502418" cy="502418"/>
+              </a:xfrm>
+              <a:prstGeom prst="rect">
+                <a:avLst/>
+              </a:prstGeom>
+              <a:solidFill>
+                <a:schemeClr val="accent4">
+                  <a:lumMod val="40000"/>
+                  <a:lumOff val="60000"/>
+                </a:schemeClr>
+              </a:solidFill>
+              <a:ln>
+                <a:solidFill>
+                  <a:schemeClr val="tx1"/>
+                </a:solidFill>
+              </a:ln>
+            </p:spPr>
+            <p:style>
+              <a:lnRef idx="2">
+                <a:schemeClr val="accent1">
+                  <a:shade val="50000"/>
+                </a:schemeClr>
+              </a:lnRef>
+              <a:fillRef idx="1">
+                <a:schemeClr val="accent1"/>
+              </a:fillRef>
+              <a:effectRef idx="0">
+                <a:schemeClr val="accent1"/>
+              </a:effectRef>
+              <a:fontRef idx="minor">
+                <a:schemeClr val="lt1"/>
+              </a:fontRef>
+            </p:style>
+            <p:txBody>
+              <a:bodyPr rtlCol="0" anchor="ctr"/>
+              <a:lstStyle/>
+              <a:p>
+                <a:pPr algn="ctr"/>
+                <a14:m>
+                  <m:oMathPara xmlns:m="http://schemas.openxmlformats.org/officeDocument/2006/math">
+                    <m:oMathParaPr>
+                      <m:jc m:val="centerGroup"/>
+                    </m:oMathParaPr>
+                    <m:oMath xmlns:m="http://schemas.openxmlformats.org/officeDocument/2006/math">
+                      <m:sSub>
+                        <m:sSubPr>
+                          <m:ctrlPr>
+                            <a:rPr kumimoji="1" lang="en-US" altLang="ja-JP" i="1" smtClean="0">
+                              <a:solidFill>
+                                <a:schemeClr val="tx1"/>
+                              </a:solidFill>
+                              <a:latin typeface="Cambria Math" panose="02040503050406030204" pitchFamily="18" charset="0"/>
+                            </a:rPr>
+                          </m:ctrlPr>
+                        </m:sSubPr>
+                        <m:e>
+                          <m:r>
+                            <a:rPr kumimoji="1" lang="en-US" altLang="ja-JP" b="0" i="1" smtClean="0">
+                              <a:solidFill>
+                                <a:schemeClr val="tx1"/>
+                              </a:solidFill>
+                              <a:latin typeface="Cambria Math" panose="02040503050406030204" pitchFamily="18" charset="0"/>
+                            </a:rPr>
+                            <m:t>𝑥</m:t>
+                          </m:r>
+                        </m:e>
+                        <m:sub>
+                          <m:r>
+                            <a:rPr kumimoji="1" lang="en-US" altLang="ja-JP" b="0" i="1" smtClean="0">
+                              <a:solidFill>
+                                <a:schemeClr val="tx1"/>
+                              </a:solidFill>
+                              <a:latin typeface="Cambria Math" panose="02040503050406030204" pitchFamily="18" charset="0"/>
+                            </a:rPr>
+                            <m:t>𝑖</m:t>
+                          </m:r>
+                        </m:sub>
+                      </m:sSub>
+                    </m:oMath>
+                  </m:oMathPara>
+                </a14:m>
+                <a:endParaRPr kumimoji="1" lang="ja-JP" altLang="en-US"/>
+              </a:p>
+            </p:txBody>
+          </p:sp>
+        </mc:Choice>
+        <mc:Fallback>
+          <p:sp>
+            <p:nvSpPr>
+              <p:cNvPr id="5" name="正方形/長方形 4">
+                <a:extLst>
+                  <a:ext uri="{FF2B5EF4-FFF2-40B4-BE49-F238E27FC236}">
+                    <a16:creationId xmlns:a16="http://schemas.microsoft.com/office/drawing/2014/main" id="{0CF84DD8-328C-471B-64D8-C59C3EAC58F9}"/>
+                  </a:ext>
+                </a:extLst>
+              </p:cNvPr>
+              <p:cNvSpPr>
+                <a:spLocks noRot="1" noChangeAspect="1" noMove="1" noResize="1" noEditPoints="1" noAdjustHandles="1" noChangeArrowheads="1" noChangeShapeType="1" noTextEdit="1"/>
+              </p:cNvSpPr>
+              <p:nvPr/>
+            </p:nvSpPr>
+            <p:spPr>
+              <a:xfrm>
+                <a:off x="2339068" y="2129623"/>
+                <a:ext cx="502418" cy="502418"/>
+              </a:xfrm>
+              <a:prstGeom prst="rect">
+                <a:avLst/>
+              </a:prstGeom>
+              <a:blipFill>
+                <a:blip r:embed="rId2"/>
+                <a:stretch>
+                  <a:fillRect/>
+                </a:stretch>
+              </a:blipFill>
+              <a:ln>
+                <a:solidFill>
+                  <a:schemeClr val="tx1"/>
+                </a:solidFill>
+              </a:ln>
+            </p:spPr>
+            <p:txBody>
+              <a:bodyPr/>
+              <a:lstStyle/>
+              <a:p>
+                <a:r>
+                  <a:rPr lang="ja-JP" altLang="en-US">
+                    <a:noFill/>
+                  </a:rPr>
+                  <a:t> </a:t>
+                </a:r>
+              </a:p>
+            </p:txBody>
+          </p:sp>
+        </mc:Fallback>
+      </mc:AlternateContent>
+      <p:sp>
+        <p:nvSpPr>
+          <p:cNvPr id="6" name="正方形/長方形 5">
+            <a:extLst>
+              <a:ext uri="{FF2B5EF4-FFF2-40B4-BE49-F238E27FC236}">
+                <a16:creationId xmlns:a16="http://schemas.microsoft.com/office/drawing/2014/main" id="{2ED9C167-7F44-7F20-20A9-3D39E3712AB5}"/>
+              </a:ext>
+            </a:extLst>
+          </p:cNvPr>
+          <p:cNvSpPr/>
+          <p:nvPr/>
+        </p:nvSpPr>
+        <p:spPr>
+          <a:xfrm>
+            <a:off x="1454813" y="3404259"/>
+            <a:ext cx="502418" cy="502418"/>
+          </a:xfrm>
+          <a:prstGeom prst="rect">
+            <a:avLst/>
+          </a:prstGeom>
+          <a:solidFill>
+            <a:schemeClr val="accent1">
+              <a:lumMod val="40000"/>
+              <a:lumOff val="60000"/>
+            </a:schemeClr>
+          </a:solidFill>
+          <a:ln>
+            <a:solidFill>
+              <a:schemeClr val="tx1"/>
+            </a:solidFill>
+          </a:ln>
+        </p:spPr>
+        <p:style>
+          <a:lnRef idx="2">
+            <a:schemeClr val="accent1">
+              <a:shade val="50000"/>
+            </a:schemeClr>
+          </a:lnRef>
+          <a:fillRef idx="1">
+            <a:schemeClr val="accent1"/>
+          </a:fillRef>
+          <a:effectRef idx="0">
+            <a:schemeClr val="accent1"/>
+          </a:effectRef>
+          <a:fontRef idx="minor">
+            <a:schemeClr val="lt1"/>
+          </a:fontRef>
+        </p:style>
+        <p:txBody>
+          <a:bodyPr rtlCol="0" anchor="ctr"/>
+          <a:lstStyle/>
+          <a:p>
+            <a:pPr algn="ctr"/>
+            <a:r>
+              <a:rPr kumimoji="1" lang="en-US" altLang="ja-JP" dirty="0">
+                <a:solidFill>
+                  <a:schemeClr val="tx1"/>
+                </a:solidFill>
+              </a:rPr>
+              <a:t>j</a:t>
+            </a:r>
+            <a:endParaRPr kumimoji="1" lang="ja-JP" altLang="en-US">
+              <a:solidFill>
+                <a:schemeClr val="tx1"/>
+              </a:solidFill>
+            </a:endParaRPr>
+          </a:p>
+        </p:txBody>
+      </p:sp>
+      <p:sp>
+        <p:nvSpPr>
+          <p:cNvPr id="7" name="正方形/長方形 6">
+            <a:extLst>
+              <a:ext uri="{FF2B5EF4-FFF2-40B4-BE49-F238E27FC236}">
+                <a16:creationId xmlns:a16="http://schemas.microsoft.com/office/drawing/2014/main" id="{C1629ED4-3421-A0E1-CD6F-50BFD8150A46}"/>
+              </a:ext>
+            </a:extLst>
+          </p:cNvPr>
+          <p:cNvSpPr/>
+          <p:nvPr/>
+        </p:nvSpPr>
+        <p:spPr>
+          <a:xfrm>
+            <a:off x="2369212" y="4832630"/>
+            <a:ext cx="502418" cy="502418"/>
+          </a:xfrm>
+          <a:prstGeom prst="rect">
+            <a:avLst/>
+          </a:prstGeom>
+          <a:solidFill>
+            <a:schemeClr val="accent1">
+              <a:lumMod val="40000"/>
+              <a:lumOff val="60000"/>
+            </a:schemeClr>
+          </a:solidFill>
+          <a:ln>
+            <a:solidFill>
+              <a:schemeClr val="tx1"/>
+            </a:solidFill>
+          </a:ln>
+        </p:spPr>
+        <p:style>
+          <a:lnRef idx="2">
+            <a:schemeClr val="accent1">
+              <a:shade val="50000"/>
+            </a:schemeClr>
+          </a:lnRef>
+          <a:fillRef idx="1">
+            <a:schemeClr val="accent1"/>
+          </a:fillRef>
+          <a:effectRef idx="0">
+            <a:schemeClr val="accent1"/>
+          </a:effectRef>
+          <a:fontRef idx="minor">
+            <a:schemeClr val="lt1"/>
+          </a:fontRef>
+        </p:style>
+        <p:txBody>
+          <a:bodyPr rtlCol="0" anchor="ctr"/>
+          <a:lstStyle/>
+          <a:p>
+            <a:pPr algn="ctr"/>
+            <a:r>
+              <a:rPr kumimoji="1" lang="en-US" altLang="ja-JP" dirty="0">
+                <a:solidFill>
+                  <a:schemeClr val="tx1"/>
+                </a:solidFill>
+              </a:rPr>
+              <a:t>x</a:t>
+            </a:r>
+            <a:endParaRPr kumimoji="1" lang="ja-JP" altLang="en-US">
+              <a:solidFill>
+                <a:schemeClr val="tx1"/>
+              </a:solidFill>
+            </a:endParaRPr>
+          </a:p>
+        </p:txBody>
+      </p:sp>
+      <p:cxnSp>
+        <p:nvCxnSpPr>
+          <p:cNvPr id="8" name="直線矢印コネクタ 7">
+            <a:extLst>
+              <a:ext uri="{FF2B5EF4-FFF2-40B4-BE49-F238E27FC236}">
+                <a16:creationId xmlns:a16="http://schemas.microsoft.com/office/drawing/2014/main" id="{3BEFD118-4253-24C4-4E2C-2DD43217EDF8}"/>
+              </a:ext>
+            </a:extLst>
+          </p:cNvPr>
+          <p:cNvCxnSpPr>
+            <a:cxnSpLocks/>
+          </p:cNvCxnSpPr>
+          <p:nvPr/>
+        </p:nvCxnSpPr>
+        <p:spPr>
+          <a:xfrm flipH="1">
+            <a:off x="2609431" y="1771714"/>
+            <a:ext cx="10990" cy="357909"/>
+          </a:xfrm>
+          <a:prstGeom prst="straightConnector1">
+            <a:avLst/>
+          </a:prstGeom>
+          <a:ln>
+            <a:tailEnd type="triangle"/>
+          </a:ln>
+        </p:spPr>
+        <p:style>
+          <a:lnRef idx="1">
+            <a:schemeClr val="accent2"/>
+          </a:lnRef>
+          <a:fillRef idx="0">
+            <a:schemeClr val="accent2"/>
+          </a:fillRef>
+          <a:effectRef idx="0">
+            <a:schemeClr val="accent2"/>
+          </a:effectRef>
+          <a:fontRef idx="minor">
+            <a:schemeClr val="tx1"/>
+          </a:fontRef>
+        </p:style>
+      </p:cxnSp>
+      <mc:AlternateContent xmlns:mc="http://schemas.openxmlformats.org/markup-compatibility/2006">
+        <mc:Choice xmlns:a14="http://schemas.microsoft.com/office/drawing/2010/main" Requires="a14">
+          <p:sp>
+            <p:nvSpPr>
+              <p:cNvPr id="11" name="テキスト ボックス 10">
+                <a:extLst>
+                  <a:ext uri="{FF2B5EF4-FFF2-40B4-BE49-F238E27FC236}">
+                    <a16:creationId xmlns:a16="http://schemas.microsoft.com/office/drawing/2014/main" id="{C14CC71A-358A-2A6A-A148-852F865261DC}"/>
+                  </a:ext>
+                </a:extLst>
+              </p:cNvPr>
+              <p:cNvSpPr txBox="1"/>
+              <p:nvPr/>
+            </p:nvSpPr>
+            <p:spPr>
+              <a:xfrm>
+                <a:off x="1344281" y="1340112"/>
+                <a:ext cx="1818752" cy="369332"/>
+              </a:xfrm>
+              <a:prstGeom prst="rect">
+                <a:avLst/>
+              </a:prstGeom>
+              <a:noFill/>
+            </p:spPr>
+            <p:txBody>
+              <a:bodyPr wrap="square" rtlCol="0">
+                <a:spAutoFit/>
+              </a:bodyPr>
+              <a:lstStyle/>
+              <a:p>
+                <a14:m>
+                  <m:oMathPara xmlns:m="http://schemas.openxmlformats.org/officeDocument/2006/math">
+                    <m:oMathParaPr>
+                      <m:jc m:val="centerGroup"/>
+                    </m:oMathParaPr>
+                    <m:oMath xmlns:m="http://schemas.openxmlformats.org/officeDocument/2006/math">
+                      <m:r>
+                        <a:rPr lang="en-US" altLang="ja-JP" b="0" i="1" smtClean="0">
+                          <a:latin typeface="Cambria Math" panose="02040503050406030204" pitchFamily="18" charset="0"/>
+                        </a:rPr>
+                        <m:t>𝑡</m:t>
+                      </m:r>
+                      <m:r>
+                        <a:rPr lang="en-US" altLang="ja-JP" b="0" i="1" smtClean="0">
+                          <a:latin typeface="Cambria Math" panose="02040503050406030204" pitchFamily="18" charset="0"/>
+                        </a:rPr>
+                        <m:t>=</m:t>
+                      </m:r>
+                      <m:r>
+                        <a:rPr lang="en-US" altLang="ja-JP" b="0" i="1" smtClean="0">
+                          <a:latin typeface="Cambria Math" panose="02040503050406030204" pitchFamily="18" charset="0"/>
+                        </a:rPr>
+                        <m:t>0</m:t>
+                      </m:r>
+                    </m:oMath>
+                  </m:oMathPara>
+                </a14:m>
+                <a:endParaRPr kumimoji="1" lang="ja-JP" altLang="en-US" dirty="0"/>
+              </a:p>
+            </p:txBody>
+          </p:sp>
+        </mc:Choice>
+        <mc:Fallback>
+          <p:sp>
+            <p:nvSpPr>
+              <p:cNvPr id="11" name="テキスト ボックス 10">
+                <a:extLst>
+                  <a:ext uri="{FF2B5EF4-FFF2-40B4-BE49-F238E27FC236}">
+                    <a16:creationId xmlns:a16="http://schemas.microsoft.com/office/drawing/2014/main" id="{C14CC71A-358A-2A6A-A148-852F865261DC}"/>
+                  </a:ext>
+                </a:extLst>
+              </p:cNvPr>
+              <p:cNvSpPr txBox="1">
+                <a:spLocks noRot="1" noChangeAspect="1" noMove="1" noResize="1" noEditPoints="1" noAdjustHandles="1" noChangeArrowheads="1" noChangeShapeType="1" noTextEdit="1"/>
+              </p:cNvSpPr>
+              <p:nvPr/>
+            </p:nvSpPr>
+            <p:spPr>
+              <a:xfrm>
+                <a:off x="1344281" y="1340112"/>
+                <a:ext cx="1818752" cy="369332"/>
+              </a:xfrm>
+              <a:prstGeom prst="rect">
+                <a:avLst/>
+              </a:prstGeom>
+              <a:blipFill>
+                <a:blip r:embed="rId3"/>
+                <a:stretch>
+                  <a:fillRect/>
+                </a:stretch>
+              </a:blipFill>
+            </p:spPr>
+            <p:txBody>
+              <a:bodyPr/>
+              <a:lstStyle/>
+              <a:p>
+                <a:r>
+                  <a:rPr lang="ja-JP" altLang="en-US">
+                    <a:noFill/>
+                  </a:rPr>
+                  <a:t> </a:t>
+                </a:r>
+              </a:p>
+            </p:txBody>
+          </p:sp>
+        </mc:Fallback>
+      </mc:AlternateContent>
+      <p:sp>
+        <p:nvSpPr>
+          <p:cNvPr id="13" name="正方形/長方形 12">
+            <a:extLst>
+              <a:ext uri="{FF2B5EF4-FFF2-40B4-BE49-F238E27FC236}">
+                <a16:creationId xmlns:a16="http://schemas.microsoft.com/office/drawing/2014/main" id="{333F54B5-3724-29D3-02E6-5A15A4F791B7}"/>
+              </a:ext>
+            </a:extLst>
+          </p:cNvPr>
+          <p:cNvSpPr/>
+          <p:nvPr/>
+        </p:nvSpPr>
+        <p:spPr>
+          <a:xfrm>
+            <a:off x="1957231" y="3404259"/>
+            <a:ext cx="502418" cy="502418"/>
+          </a:xfrm>
+          <a:prstGeom prst="rect">
+            <a:avLst/>
+          </a:prstGeom>
+          <a:solidFill>
+            <a:schemeClr val="accent1">
+              <a:lumMod val="40000"/>
+              <a:lumOff val="60000"/>
+            </a:schemeClr>
+          </a:solidFill>
+          <a:ln>
+            <a:solidFill>
+              <a:schemeClr val="tx1"/>
+            </a:solidFill>
+          </a:ln>
+        </p:spPr>
+        <p:style>
+          <a:lnRef idx="2">
+            <a:schemeClr val="accent1">
+              <a:shade val="50000"/>
+            </a:schemeClr>
+          </a:lnRef>
+          <a:fillRef idx="1">
+            <a:schemeClr val="accent1"/>
+          </a:fillRef>
+          <a:effectRef idx="0">
+            <a:schemeClr val="accent1"/>
+          </a:effectRef>
+          <a:fontRef idx="minor">
+            <a:schemeClr val="lt1"/>
+          </a:fontRef>
+        </p:style>
+        <p:txBody>
+          <a:bodyPr rtlCol="0" anchor="ctr"/>
+          <a:lstStyle/>
+          <a:p>
+            <a:pPr algn="ctr"/>
+            <a:endParaRPr kumimoji="1" lang="ja-JP" altLang="en-US" dirty="0">
+              <a:solidFill>
+                <a:schemeClr val="tx1"/>
+              </a:solidFill>
+            </a:endParaRPr>
+          </a:p>
+        </p:txBody>
+      </p:sp>
+      <p:sp>
+        <p:nvSpPr>
+          <p:cNvPr id="14" name="正方形/長方形 13">
+            <a:extLst>
+              <a:ext uri="{FF2B5EF4-FFF2-40B4-BE49-F238E27FC236}">
+                <a16:creationId xmlns:a16="http://schemas.microsoft.com/office/drawing/2014/main" id="{374F0589-055F-CF68-A96D-EA2D7667379D}"/>
+              </a:ext>
+            </a:extLst>
+          </p:cNvPr>
+          <p:cNvSpPr/>
+          <p:nvPr/>
+        </p:nvSpPr>
+        <p:spPr>
+          <a:xfrm>
+            <a:off x="2459649" y="3404259"/>
+            <a:ext cx="502418" cy="502418"/>
+          </a:xfrm>
+          <a:prstGeom prst="rect">
+            <a:avLst/>
+          </a:prstGeom>
+          <a:solidFill>
+            <a:schemeClr val="accent1">
+              <a:lumMod val="40000"/>
+              <a:lumOff val="60000"/>
+            </a:schemeClr>
+          </a:solidFill>
+          <a:ln>
+            <a:solidFill>
+              <a:schemeClr val="tx1"/>
+            </a:solidFill>
+          </a:ln>
+        </p:spPr>
+        <p:style>
+          <a:lnRef idx="2">
+            <a:schemeClr val="accent1">
+              <a:shade val="50000"/>
+            </a:schemeClr>
+          </a:lnRef>
+          <a:fillRef idx="1">
+            <a:schemeClr val="accent1"/>
+          </a:fillRef>
+          <a:effectRef idx="0">
+            <a:schemeClr val="accent1"/>
+          </a:effectRef>
+          <a:fontRef idx="minor">
+            <a:schemeClr val="lt1"/>
+          </a:fontRef>
+        </p:style>
+        <p:txBody>
+          <a:bodyPr rtlCol="0" anchor="ctr"/>
+          <a:lstStyle/>
+          <a:p>
+            <a:pPr algn="ctr"/>
+            <a:endParaRPr kumimoji="1" lang="ja-JP" altLang="en-US" dirty="0">
+              <a:solidFill>
+                <a:schemeClr val="tx1"/>
+              </a:solidFill>
+            </a:endParaRPr>
+          </a:p>
+        </p:txBody>
+      </p:sp>
+      <mc:AlternateContent xmlns:mc="http://schemas.openxmlformats.org/markup-compatibility/2006">
+        <mc:Choice xmlns:a14="http://schemas.microsoft.com/office/drawing/2010/main" Requires="a14">
+          <p:sp>
+            <p:nvSpPr>
+              <p:cNvPr id="15" name="テキスト ボックス 14">
+                <a:extLst>
+                  <a:ext uri="{FF2B5EF4-FFF2-40B4-BE49-F238E27FC236}">
+                    <a16:creationId xmlns:a16="http://schemas.microsoft.com/office/drawing/2014/main" id="{E796BFDD-F8BB-632C-AD59-EBC40E4D0D22}"/>
+                  </a:ext>
+                </a:extLst>
+              </p:cNvPr>
+              <p:cNvSpPr txBox="1"/>
+              <p:nvPr/>
+            </p:nvSpPr>
+            <p:spPr>
+              <a:xfrm>
+                <a:off x="2118003" y="1698021"/>
+                <a:ext cx="502418" cy="369332"/>
+              </a:xfrm>
+              <a:prstGeom prst="rect">
+                <a:avLst/>
+              </a:prstGeom>
+              <a:noFill/>
+            </p:spPr>
+            <p:txBody>
+              <a:bodyPr wrap="square" rtlCol="0">
+                <a:spAutoFit/>
+              </a:bodyPr>
+              <a:lstStyle/>
+              <a:p>
+                <a14:m>
+                  <m:oMathPara xmlns:m="http://schemas.openxmlformats.org/officeDocument/2006/math">
+                    <m:oMathParaPr>
+                      <m:jc m:val="centerGroup"/>
+                    </m:oMathParaPr>
+                    <m:oMath xmlns:m="http://schemas.openxmlformats.org/officeDocument/2006/math">
+                      <m:r>
+                        <a:rPr lang="en-US" altLang="ja-JP" b="0" i="1" smtClean="0">
+                          <a:latin typeface="Cambria Math" panose="02040503050406030204" pitchFamily="18" charset="0"/>
+                        </a:rPr>
+                        <m:t>100</m:t>
+                      </m:r>
+                    </m:oMath>
+                  </m:oMathPara>
+                </a14:m>
+                <a:endParaRPr kumimoji="1" lang="ja-JP" altLang="en-US" dirty="0"/>
+              </a:p>
+            </p:txBody>
+          </p:sp>
+        </mc:Choice>
+        <mc:Fallback>
+          <p:sp>
+            <p:nvSpPr>
+              <p:cNvPr id="15" name="テキスト ボックス 14">
+                <a:extLst>
+                  <a:ext uri="{FF2B5EF4-FFF2-40B4-BE49-F238E27FC236}">
+                    <a16:creationId xmlns:a16="http://schemas.microsoft.com/office/drawing/2014/main" id="{E796BFDD-F8BB-632C-AD59-EBC40E4D0D22}"/>
+                  </a:ext>
+                </a:extLst>
+              </p:cNvPr>
+              <p:cNvSpPr txBox="1">
+                <a:spLocks noRot="1" noChangeAspect="1" noMove="1" noResize="1" noEditPoints="1" noAdjustHandles="1" noChangeArrowheads="1" noChangeShapeType="1" noTextEdit="1"/>
+              </p:cNvSpPr>
+              <p:nvPr/>
+            </p:nvSpPr>
+            <p:spPr>
+              <a:xfrm>
+                <a:off x="2118003" y="1698021"/>
+                <a:ext cx="502418" cy="369332"/>
+              </a:xfrm>
+              <a:prstGeom prst="rect">
+                <a:avLst/>
+              </a:prstGeom>
+              <a:blipFill>
+                <a:blip r:embed="rId4"/>
+                <a:stretch>
+                  <a:fillRect r="-10843"/>
+                </a:stretch>
+              </a:blipFill>
+            </p:spPr>
+            <p:txBody>
+              <a:bodyPr/>
+              <a:lstStyle/>
+              <a:p>
+                <a:r>
+                  <a:rPr lang="ja-JP" altLang="en-US">
+                    <a:noFill/>
+                  </a:rPr>
+                  <a:t> </a:t>
+                </a:r>
+              </a:p>
+            </p:txBody>
+          </p:sp>
+        </mc:Fallback>
+      </mc:AlternateContent>
+      <p:sp>
+        <p:nvSpPr>
+          <p:cNvPr id="16" name="正方形/長方形 15">
+            <a:extLst>
+              <a:ext uri="{FF2B5EF4-FFF2-40B4-BE49-F238E27FC236}">
+                <a16:creationId xmlns:a16="http://schemas.microsoft.com/office/drawing/2014/main" id="{4DAC3099-9647-6CC1-6908-12B7273DF5F2}"/>
+              </a:ext>
+            </a:extLst>
+          </p:cNvPr>
+          <p:cNvSpPr/>
+          <p:nvPr/>
+        </p:nvSpPr>
+        <p:spPr>
+          <a:xfrm>
+            <a:off x="3564968" y="2129623"/>
+            <a:ext cx="2039816" cy="3205425"/>
+          </a:xfrm>
+          <a:prstGeom prst="rect">
+            <a:avLst/>
+          </a:prstGeom>
+          <a:solidFill>
+            <a:schemeClr val="bg2">
+              <a:lumMod val="75000"/>
+            </a:schemeClr>
+          </a:solidFill>
+        </p:spPr>
+        <p:style>
+          <a:lnRef idx="2">
+            <a:schemeClr val="dk1">
+              <a:shade val="50000"/>
+            </a:schemeClr>
+          </a:lnRef>
+          <a:fillRef idx="1">
+            <a:schemeClr val="dk1"/>
+          </a:fillRef>
+          <a:effectRef idx="0">
+            <a:schemeClr val="dk1"/>
+          </a:effectRef>
+          <a:fontRef idx="minor">
+            <a:schemeClr val="lt1"/>
+          </a:fontRef>
+        </p:style>
+        <p:txBody>
+          <a:bodyPr rtlCol="0" anchor="ctr"/>
+          <a:lstStyle/>
+          <a:p>
+            <a:pPr algn="ctr"/>
+            <a:endParaRPr kumimoji="1" lang="ja-JP" altLang="en-US"/>
+          </a:p>
+        </p:txBody>
+      </p:sp>
+      <mc:AlternateContent xmlns:mc="http://schemas.openxmlformats.org/markup-compatibility/2006">
+        <mc:Choice xmlns:a14="http://schemas.microsoft.com/office/drawing/2010/main" Requires="a14">
+          <p:sp>
+            <p:nvSpPr>
+              <p:cNvPr id="17" name="正方形/長方形 16">
+                <a:extLst>
+                  <a:ext uri="{FF2B5EF4-FFF2-40B4-BE49-F238E27FC236}">
+                    <a16:creationId xmlns:a16="http://schemas.microsoft.com/office/drawing/2014/main" id="{0FB14E54-96E9-3F85-9B0D-0BDE22B5B143}"/>
+                  </a:ext>
+                </a:extLst>
+              </p:cNvPr>
+              <p:cNvSpPr/>
+              <p:nvPr/>
+            </p:nvSpPr>
+            <p:spPr>
+              <a:xfrm>
+                <a:off x="4670287" y="2129623"/>
+                <a:ext cx="502418" cy="502418"/>
+              </a:xfrm>
+              <a:prstGeom prst="rect">
+                <a:avLst/>
+              </a:prstGeom>
+              <a:solidFill>
+                <a:schemeClr val="accent1">
+                  <a:lumMod val="40000"/>
+                  <a:lumOff val="60000"/>
+                </a:schemeClr>
+              </a:solidFill>
+              <a:ln>
+                <a:solidFill>
+                  <a:schemeClr val="tx1"/>
+                </a:solidFill>
+              </a:ln>
+            </p:spPr>
+            <p:style>
+              <a:lnRef idx="2">
+                <a:schemeClr val="accent1">
+                  <a:shade val="50000"/>
+                </a:schemeClr>
+              </a:lnRef>
+              <a:fillRef idx="1">
+                <a:schemeClr val="accent1"/>
+              </a:fillRef>
+              <a:effectRef idx="0">
+                <a:schemeClr val="accent1"/>
+              </a:effectRef>
+              <a:fontRef idx="minor">
+                <a:schemeClr val="lt1"/>
+              </a:fontRef>
+            </p:style>
+            <p:txBody>
+              <a:bodyPr rtlCol="0" anchor="ctr"/>
+              <a:lstStyle/>
+              <a:p>
+                <a:pPr algn="ctr"/>
+                <a14:m>
+                  <m:oMathPara xmlns:m="http://schemas.openxmlformats.org/officeDocument/2006/math">
+                    <m:oMathParaPr>
+                      <m:jc m:val="centerGroup"/>
+                    </m:oMathParaPr>
+                    <m:oMath xmlns:m="http://schemas.openxmlformats.org/officeDocument/2006/math">
+                      <m:sSub>
+                        <m:sSubPr>
+                          <m:ctrlPr>
+                            <a:rPr kumimoji="1" lang="en-US" altLang="ja-JP" i="1" smtClean="0">
+                              <a:solidFill>
+                                <a:schemeClr val="tx1"/>
+                              </a:solidFill>
+                              <a:latin typeface="Cambria Math" panose="02040503050406030204" pitchFamily="18" charset="0"/>
+                            </a:rPr>
+                          </m:ctrlPr>
+                        </m:sSubPr>
+                        <m:e>
+                          <m:r>
+                            <a:rPr kumimoji="1" lang="en-US" altLang="ja-JP" b="0" i="1" smtClean="0">
+                              <a:solidFill>
+                                <a:schemeClr val="tx1"/>
+                              </a:solidFill>
+                              <a:latin typeface="Cambria Math" panose="02040503050406030204" pitchFamily="18" charset="0"/>
+                            </a:rPr>
+                            <m:t>𝑥</m:t>
+                          </m:r>
+                        </m:e>
+                        <m:sub>
+                          <m:r>
+                            <a:rPr kumimoji="1" lang="en-US" altLang="ja-JP" b="0" i="1" smtClean="0">
+                              <a:solidFill>
+                                <a:schemeClr val="tx1"/>
+                              </a:solidFill>
+                              <a:latin typeface="Cambria Math" panose="02040503050406030204" pitchFamily="18" charset="0"/>
+                            </a:rPr>
+                            <m:t>𝑖</m:t>
+                          </m:r>
+                        </m:sub>
+                      </m:sSub>
+                    </m:oMath>
+                  </m:oMathPara>
+                </a14:m>
+                <a:endParaRPr kumimoji="1" lang="ja-JP" altLang="en-US"/>
+              </a:p>
+            </p:txBody>
+          </p:sp>
+        </mc:Choice>
+        <mc:Fallback>
+          <p:sp>
+            <p:nvSpPr>
+              <p:cNvPr id="17" name="正方形/長方形 16">
+                <a:extLst>
+                  <a:ext uri="{FF2B5EF4-FFF2-40B4-BE49-F238E27FC236}">
+                    <a16:creationId xmlns:a16="http://schemas.microsoft.com/office/drawing/2014/main" id="{0FB14E54-96E9-3F85-9B0D-0BDE22B5B143}"/>
+                  </a:ext>
+                </a:extLst>
+              </p:cNvPr>
+              <p:cNvSpPr>
+                <a:spLocks noRot="1" noChangeAspect="1" noMove="1" noResize="1" noEditPoints="1" noAdjustHandles="1" noChangeArrowheads="1" noChangeShapeType="1" noTextEdit="1"/>
+              </p:cNvSpPr>
+              <p:nvPr/>
+            </p:nvSpPr>
+            <p:spPr>
+              <a:xfrm>
+                <a:off x="4670287" y="2129623"/>
+                <a:ext cx="502418" cy="502418"/>
+              </a:xfrm>
+              <a:prstGeom prst="rect">
+                <a:avLst/>
+              </a:prstGeom>
+              <a:blipFill>
+                <a:blip r:embed="rId5"/>
+                <a:stretch>
+                  <a:fillRect/>
+                </a:stretch>
+              </a:blipFill>
+              <a:ln>
+                <a:solidFill>
+                  <a:schemeClr val="tx1"/>
+                </a:solidFill>
+              </a:ln>
+            </p:spPr>
+            <p:txBody>
+              <a:bodyPr/>
+              <a:lstStyle/>
+              <a:p>
+                <a:r>
+                  <a:rPr lang="ja-JP" altLang="en-US">
+                    <a:noFill/>
+                  </a:rPr>
+                  <a:t> </a:t>
+                </a:r>
+              </a:p>
+            </p:txBody>
+          </p:sp>
+        </mc:Fallback>
+      </mc:AlternateContent>
+      <p:sp>
+        <p:nvSpPr>
+          <p:cNvPr id="18" name="正方形/長方形 17">
+            <a:extLst>
+              <a:ext uri="{FF2B5EF4-FFF2-40B4-BE49-F238E27FC236}">
+                <a16:creationId xmlns:a16="http://schemas.microsoft.com/office/drawing/2014/main" id="{D101979F-54CD-0454-1B07-C2B05E6F6BC5}"/>
+              </a:ext>
+            </a:extLst>
+          </p:cNvPr>
+          <p:cNvSpPr/>
+          <p:nvPr/>
+        </p:nvSpPr>
+        <p:spPr>
+          <a:xfrm>
+            <a:off x="3786032" y="3404259"/>
+            <a:ext cx="502418" cy="502418"/>
+          </a:xfrm>
+          <a:prstGeom prst="rect">
+            <a:avLst/>
+          </a:prstGeom>
+          <a:solidFill>
+            <a:schemeClr val="accent4">
+              <a:lumMod val="40000"/>
+              <a:lumOff val="60000"/>
+            </a:schemeClr>
+          </a:solidFill>
+          <a:ln>
+            <a:solidFill>
+              <a:schemeClr val="tx1"/>
+            </a:solidFill>
+          </a:ln>
+        </p:spPr>
+        <p:style>
+          <a:lnRef idx="2">
+            <a:schemeClr val="accent1">
+              <a:shade val="50000"/>
+            </a:schemeClr>
+          </a:lnRef>
+          <a:fillRef idx="1">
+            <a:schemeClr val="accent1"/>
+          </a:fillRef>
+          <a:effectRef idx="0">
+            <a:schemeClr val="accent1"/>
+          </a:effectRef>
+          <a:fontRef idx="minor">
+            <a:schemeClr val="lt1"/>
+          </a:fontRef>
+        </p:style>
+        <p:txBody>
+          <a:bodyPr rtlCol="0" anchor="ctr"/>
+          <a:lstStyle/>
+          <a:p>
+            <a:pPr algn="ctr"/>
+            <a:r>
+              <a:rPr lang="en-US" altLang="ja-JP" dirty="0">
+                <a:solidFill>
+                  <a:schemeClr val="tx1"/>
+                </a:solidFill>
+              </a:rPr>
+              <a:t>j</a:t>
+            </a:r>
+            <a:endParaRPr kumimoji="1" lang="en-US" altLang="ja-JP" dirty="0">
+              <a:solidFill>
+                <a:schemeClr val="tx1"/>
+              </a:solidFill>
+            </a:endParaRPr>
+          </a:p>
+        </p:txBody>
+      </p:sp>
+      <p:sp>
+        <p:nvSpPr>
+          <p:cNvPr id="19" name="正方形/長方形 18">
+            <a:extLst>
+              <a:ext uri="{FF2B5EF4-FFF2-40B4-BE49-F238E27FC236}">
+                <a16:creationId xmlns:a16="http://schemas.microsoft.com/office/drawing/2014/main" id="{D49C16EB-913F-BCE0-485C-F73D907836D3}"/>
+              </a:ext>
+            </a:extLst>
+          </p:cNvPr>
+          <p:cNvSpPr/>
+          <p:nvPr/>
+        </p:nvSpPr>
+        <p:spPr>
+          <a:xfrm>
+            <a:off x="4700431" y="4832630"/>
+            <a:ext cx="502418" cy="502418"/>
+          </a:xfrm>
+          <a:prstGeom prst="rect">
+            <a:avLst/>
+          </a:prstGeom>
+          <a:solidFill>
+            <a:schemeClr val="accent1">
+              <a:lumMod val="40000"/>
+              <a:lumOff val="60000"/>
+            </a:schemeClr>
+          </a:solidFill>
+          <a:ln>
+            <a:solidFill>
+              <a:schemeClr val="tx1"/>
+            </a:solidFill>
+          </a:ln>
+        </p:spPr>
+        <p:style>
+          <a:lnRef idx="2">
+            <a:schemeClr val="accent1">
+              <a:shade val="50000"/>
+            </a:schemeClr>
+          </a:lnRef>
+          <a:fillRef idx="1">
+            <a:schemeClr val="accent1"/>
+          </a:fillRef>
+          <a:effectRef idx="0">
+            <a:schemeClr val="accent1"/>
+          </a:effectRef>
+          <a:fontRef idx="minor">
+            <a:schemeClr val="lt1"/>
+          </a:fontRef>
+        </p:style>
+        <p:txBody>
+          <a:bodyPr rtlCol="0" anchor="ctr"/>
+          <a:lstStyle/>
+          <a:p>
+            <a:pPr algn="ctr"/>
+            <a:r>
+              <a:rPr kumimoji="1" lang="en-US" altLang="ja-JP" dirty="0">
+                <a:solidFill>
+                  <a:schemeClr val="tx1"/>
+                </a:solidFill>
+              </a:rPr>
+              <a:t>x</a:t>
+            </a:r>
+            <a:endParaRPr kumimoji="1" lang="ja-JP" altLang="en-US">
+              <a:solidFill>
+                <a:schemeClr val="tx1"/>
+              </a:solidFill>
+            </a:endParaRPr>
+          </a:p>
+        </p:txBody>
+      </p:sp>
+      <mc:AlternateContent xmlns:mc="http://schemas.openxmlformats.org/markup-compatibility/2006">
+        <mc:Choice xmlns:a14="http://schemas.microsoft.com/office/drawing/2010/main" Requires="a14">
+          <p:sp>
+            <p:nvSpPr>
+              <p:cNvPr id="21" name="テキスト ボックス 20">
+                <a:extLst>
+                  <a:ext uri="{FF2B5EF4-FFF2-40B4-BE49-F238E27FC236}">
+                    <a16:creationId xmlns:a16="http://schemas.microsoft.com/office/drawing/2014/main" id="{A85BAF99-9356-8342-0BE4-C70121D27C1E}"/>
+                  </a:ext>
+                </a:extLst>
+              </p:cNvPr>
+              <p:cNvSpPr txBox="1"/>
+              <p:nvPr/>
+            </p:nvSpPr>
+            <p:spPr>
+              <a:xfrm>
+                <a:off x="3675500" y="1340112"/>
+                <a:ext cx="1818752" cy="369332"/>
+              </a:xfrm>
+              <a:prstGeom prst="rect">
+                <a:avLst/>
+              </a:prstGeom>
+              <a:noFill/>
+            </p:spPr>
+            <p:txBody>
+              <a:bodyPr wrap="square" rtlCol="0">
+                <a:spAutoFit/>
+              </a:bodyPr>
+              <a:lstStyle/>
+              <a:p>
+                <a14:m>
+                  <m:oMathPara xmlns:m="http://schemas.openxmlformats.org/officeDocument/2006/math">
+                    <m:oMathParaPr>
+                      <m:jc m:val="centerGroup"/>
+                    </m:oMathParaPr>
+                    <m:oMath xmlns:m="http://schemas.openxmlformats.org/officeDocument/2006/math">
+                      <m:r>
+                        <a:rPr lang="en-US" altLang="ja-JP" b="0" i="1" smtClean="0">
+                          <a:latin typeface="Cambria Math" panose="02040503050406030204" pitchFamily="18" charset="0"/>
+                        </a:rPr>
+                        <m:t>𝑡</m:t>
+                      </m:r>
+                      <m:r>
+                        <a:rPr lang="en-US" altLang="ja-JP" b="0" i="1" smtClean="0">
+                          <a:latin typeface="Cambria Math" panose="02040503050406030204" pitchFamily="18" charset="0"/>
+                        </a:rPr>
+                        <m:t>=</m:t>
+                      </m:r>
+                      <m:r>
+                        <a:rPr lang="en-US" altLang="ja-JP" b="0" i="1" smtClean="0">
+                          <a:latin typeface="Cambria Math" panose="02040503050406030204" pitchFamily="18" charset="0"/>
+                        </a:rPr>
+                        <m:t>𝑡</m:t>
+                      </m:r>
+                      <m:r>
+                        <a:rPr lang="en-US" altLang="ja-JP" b="0" i="1" smtClean="0">
+                          <a:latin typeface="Cambria Math" panose="02040503050406030204" pitchFamily="18" charset="0"/>
+                        </a:rPr>
+                        <m:t>′</m:t>
+                      </m:r>
+                    </m:oMath>
+                  </m:oMathPara>
+                </a14:m>
+                <a:endParaRPr kumimoji="1" lang="ja-JP" altLang="en-US" dirty="0"/>
+              </a:p>
+            </p:txBody>
+          </p:sp>
+        </mc:Choice>
+        <mc:Fallback>
+          <p:sp>
+            <p:nvSpPr>
+              <p:cNvPr id="21" name="テキスト ボックス 20">
+                <a:extLst>
+                  <a:ext uri="{FF2B5EF4-FFF2-40B4-BE49-F238E27FC236}">
+                    <a16:creationId xmlns:a16="http://schemas.microsoft.com/office/drawing/2014/main" id="{A85BAF99-9356-8342-0BE4-C70121D27C1E}"/>
+                  </a:ext>
+                </a:extLst>
+              </p:cNvPr>
+              <p:cNvSpPr txBox="1">
+                <a:spLocks noRot="1" noChangeAspect="1" noMove="1" noResize="1" noEditPoints="1" noAdjustHandles="1" noChangeArrowheads="1" noChangeShapeType="1" noTextEdit="1"/>
+              </p:cNvSpPr>
+              <p:nvPr/>
+            </p:nvSpPr>
+            <p:spPr>
+              <a:xfrm>
+                <a:off x="3675500" y="1340112"/>
+                <a:ext cx="1818752" cy="369332"/>
+              </a:xfrm>
+              <a:prstGeom prst="rect">
+                <a:avLst/>
+              </a:prstGeom>
+              <a:blipFill>
+                <a:blip r:embed="rId6"/>
+                <a:stretch>
+                  <a:fillRect/>
+                </a:stretch>
+              </a:blipFill>
+            </p:spPr>
+            <p:txBody>
+              <a:bodyPr/>
+              <a:lstStyle/>
+              <a:p>
+                <a:r>
+                  <a:rPr lang="ja-JP" altLang="en-US">
+                    <a:noFill/>
+                  </a:rPr>
+                  <a:t> </a:t>
+                </a:r>
+              </a:p>
+            </p:txBody>
+          </p:sp>
+        </mc:Fallback>
+      </mc:AlternateContent>
+      <p:cxnSp>
+        <p:nvCxnSpPr>
+          <p:cNvPr id="20" name="直線矢印コネクタ 19">
+            <a:extLst>
+              <a:ext uri="{FF2B5EF4-FFF2-40B4-BE49-F238E27FC236}">
+                <a16:creationId xmlns:a16="http://schemas.microsoft.com/office/drawing/2014/main" id="{058D0C7C-1914-9E57-AC02-645948C55DA2}"/>
+              </a:ext>
+            </a:extLst>
+          </p:cNvPr>
+          <p:cNvCxnSpPr>
+            <a:cxnSpLocks/>
+          </p:cNvCxnSpPr>
+          <p:nvPr/>
+        </p:nvCxnSpPr>
+        <p:spPr>
+          <a:xfrm flipH="1">
+            <a:off x="4951640" y="2662473"/>
+            <a:ext cx="10990" cy="741786"/>
+          </a:xfrm>
+          <a:prstGeom prst="straightConnector1">
+            <a:avLst/>
+          </a:prstGeom>
+          <a:ln>
+            <a:tailEnd type="triangle"/>
+          </a:ln>
+        </p:spPr>
+        <p:style>
+          <a:lnRef idx="1">
+            <a:schemeClr val="accent2"/>
+          </a:lnRef>
+          <a:fillRef idx="0">
+            <a:schemeClr val="accent2"/>
+          </a:fillRef>
+          <a:effectRef idx="0">
+            <a:schemeClr val="accent2"/>
+          </a:effectRef>
+          <a:fontRef idx="minor">
+            <a:schemeClr val="tx1"/>
+          </a:fontRef>
+        </p:style>
+      </p:cxnSp>
+      <p:sp>
+        <p:nvSpPr>
+          <p:cNvPr id="22" name="正方形/長方形 21">
+            <a:extLst>
+              <a:ext uri="{FF2B5EF4-FFF2-40B4-BE49-F238E27FC236}">
+                <a16:creationId xmlns:a16="http://schemas.microsoft.com/office/drawing/2014/main" id="{83A1CD1E-CF6B-C32D-D27B-66D3748B4198}"/>
+              </a:ext>
+            </a:extLst>
+          </p:cNvPr>
+          <p:cNvSpPr/>
+          <p:nvPr/>
+        </p:nvSpPr>
+        <p:spPr>
+          <a:xfrm>
+            <a:off x="4288450" y="3404259"/>
+            <a:ext cx="502418" cy="502418"/>
+          </a:xfrm>
+          <a:prstGeom prst="rect">
+            <a:avLst/>
+          </a:prstGeom>
+          <a:solidFill>
+            <a:schemeClr val="accent4">
+              <a:lumMod val="40000"/>
+              <a:lumOff val="60000"/>
+            </a:schemeClr>
+          </a:solidFill>
+          <a:ln>
+            <a:solidFill>
+              <a:schemeClr val="tx1"/>
+            </a:solidFill>
+          </a:ln>
+        </p:spPr>
+        <p:style>
+          <a:lnRef idx="2">
+            <a:schemeClr val="accent1">
+              <a:shade val="50000"/>
+            </a:schemeClr>
+          </a:lnRef>
+          <a:fillRef idx="1">
+            <a:schemeClr val="accent1"/>
+          </a:fillRef>
+          <a:effectRef idx="0">
+            <a:schemeClr val="accent1"/>
+          </a:effectRef>
+          <a:fontRef idx="minor">
+            <a:schemeClr val="lt1"/>
+          </a:fontRef>
+        </p:style>
+        <p:txBody>
+          <a:bodyPr rtlCol="0" anchor="ctr"/>
+          <a:lstStyle/>
+          <a:p>
+            <a:pPr algn="ctr"/>
+            <a:endParaRPr kumimoji="1" lang="ja-JP" altLang="en-US" dirty="0">
+              <a:solidFill>
+                <a:schemeClr val="tx1"/>
+              </a:solidFill>
+            </a:endParaRPr>
+          </a:p>
+        </p:txBody>
+      </p:sp>
+      <p:sp>
+        <p:nvSpPr>
+          <p:cNvPr id="23" name="正方形/長方形 22">
+            <a:extLst>
+              <a:ext uri="{FF2B5EF4-FFF2-40B4-BE49-F238E27FC236}">
+                <a16:creationId xmlns:a16="http://schemas.microsoft.com/office/drawing/2014/main" id="{1D45FFFA-701C-2E94-0C4D-688EF4925D6E}"/>
+              </a:ext>
+            </a:extLst>
+          </p:cNvPr>
+          <p:cNvSpPr/>
+          <p:nvPr/>
+        </p:nvSpPr>
+        <p:spPr>
+          <a:xfrm>
+            <a:off x="4790868" y="3404259"/>
+            <a:ext cx="502418" cy="502418"/>
+          </a:xfrm>
+          <a:prstGeom prst="rect">
+            <a:avLst/>
+          </a:prstGeom>
+          <a:solidFill>
+            <a:schemeClr val="accent4">
+              <a:lumMod val="40000"/>
+              <a:lumOff val="60000"/>
+            </a:schemeClr>
+          </a:solidFill>
+          <a:ln>
+            <a:solidFill>
+              <a:schemeClr val="tx1"/>
+            </a:solidFill>
+          </a:ln>
+        </p:spPr>
+        <p:style>
+          <a:lnRef idx="2">
+            <a:schemeClr val="accent1">
+              <a:shade val="50000"/>
+            </a:schemeClr>
+          </a:lnRef>
+          <a:fillRef idx="1">
+            <a:schemeClr val="accent1"/>
+          </a:fillRef>
+          <a:effectRef idx="0">
+            <a:schemeClr val="accent1"/>
+          </a:effectRef>
+          <a:fontRef idx="minor">
+            <a:schemeClr val="lt1"/>
+          </a:fontRef>
+        </p:style>
+        <p:txBody>
+          <a:bodyPr rtlCol="0" anchor="ctr"/>
+          <a:lstStyle/>
+          <a:p>
+            <a:pPr algn="ctr"/>
+            <a:endParaRPr kumimoji="1" lang="ja-JP" altLang="en-US" dirty="0">
+              <a:solidFill>
+                <a:schemeClr val="tx1"/>
+              </a:solidFill>
+            </a:endParaRPr>
+          </a:p>
+        </p:txBody>
+      </p:sp>
+      <p:cxnSp>
+        <p:nvCxnSpPr>
+          <p:cNvPr id="26" name="直線矢印コネクタ 25">
+            <a:extLst>
+              <a:ext uri="{FF2B5EF4-FFF2-40B4-BE49-F238E27FC236}">
+                <a16:creationId xmlns:a16="http://schemas.microsoft.com/office/drawing/2014/main" id="{54BA1022-15C5-55C9-BEE1-BE798EDC1A50}"/>
+              </a:ext>
+            </a:extLst>
+          </p:cNvPr>
+          <p:cNvCxnSpPr>
+            <a:cxnSpLocks/>
+          </p:cNvCxnSpPr>
+          <p:nvPr/>
+        </p:nvCxnSpPr>
+        <p:spPr>
+          <a:xfrm flipH="1">
+            <a:off x="4509619" y="2662473"/>
+            <a:ext cx="431503" cy="741786"/>
+          </a:xfrm>
+          <a:prstGeom prst="straightConnector1">
+            <a:avLst/>
+          </a:prstGeom>
+          <a:ln>
+            <a:tailEnd type="triangle"/>
+          </a:ln>
+        </p:spPr>
+        <p:style>
+          <a:lnRef idx="1">
+            <a:schemeClr val="accent2"/>
+          </a:lnRef>
+          <a:fillRef idx="0">
+            <a:schemeClr val="accent2"/>
+          </a:fillRef>
+          <a:effectRef idx="0">
+            <a:schemeClr val="accent2"/>
+          </a:effectRef>
+          <a:fontRef idx="minor">
+            <a:schemeClr val="tx1"/>
+          </a:fontRef>
+        </p:style>
+      </p:cxnSp>
+      <p:cxnSp>
+        <p:nvCxnSpPr>
+          <p:cNvPr id="28" name="直線矢印コネクタ 27">
+            <a:extLst>
+              <a:ext uri="{FF2B5EF4-FFF2-40B4-BE49-F238E27FC236}">
+                <a16:creationId xmlns:a16="http://schemas.microsoft.com/office/drawing/2014/main" id="{0B837103-17E5-1630-4FA6-64151A13FF48}"/>
+              </a:ext>
+            </a:extLst>
+          </p:cNvPr>
+          <p:cNvCxnSpPr>
+            <a:cxnSpLocks/>
+            <a:stCxn id="17" idx="2"/>
+          </p:cNvCxnSpPr>
+          <p:nvPr/>
+        </p:nvCxnSpPr>
+        <p:spPr>
+          <a:xfrm flipH="1">
+            <a:off x="4043761" y="2632041"/>
+            <a:ext cx="877735" cy="741786"/>
+          </a:xfrm>
+          <a:prstGeom prst="straightConnector1">
+            <a:avLst/>
+          </a:prstGeom>
+          <a:ln>
+            <a:tailEnd type="triangle"/>
+          </a:ln>
+        </p:spPr>
+        <p:style>
+          <a:lnRef idx="1">
+            <a:schemeClr val="accent2"/>
+          </a:lnRef>
+          <a:fillRef idx="0">
+            <a:schemeClr val="accent2"/>
+          </a:fillRef>
+          <a:effectRef idx="0">
+            <a:schemeClr val="accent2"/>
+          </a:effectRef>
+          <a:fontRef idx="minor">
+            <a:schemeClr val="tx1"/>
+          </a:fontRef>
+        </p:style>
+      </p:cxnSp>
+      <p:sp>
+        <p:nvSpPr>
+          <p:cNvPr id="31" name="正方形/長方形 30">
+            <a:extLst>
+              <a:ext uri="{FF2B5EF4-FFF2-40B4-BE49-F238E27FC236}">
+                <a16:creationId xmlns:a16="http://schemas.microsoft.com/office/drawing/2014/main" id="{5256FAB2-6144-F77A-8871-67C2CE0DF271}"/>
+              </a:ext>
+            </a:extLst>
+          </p:cNvPr>
+          <p:cNvSpPr/>
+          <p:nvPr/>
+        </p:nvSpPr>
+        <p:spPr>
+          <a:xfrm>
+            <a:off x="5820807" y="2129623"/>
+            <a:ext cx="2039816" cy="3205425"/>
+          </a:xfrm>
+          <a:prstGeom prst="rect">
+            <a:avLst/>
+          </a:prstGeom>
+          <a:solidFill>
+            <a:schemeClr val="bg2">
+              <a:lumMod val="75000"/>
+            </a:schemeClr>
+          </a:solidFill>
+        </p:spPr>
+        <p:style>
+          <a:lnRef idx="2">
+            <a:schemeClr val="dk1">
+              <a:shade val="50000"/>
+            </a:schemeClr>
+          </a:lnRef>
+          <a:fillRef idx="1">
+            <a:schemeClr val="dk1"/>
+          </a:fillRef>
+          <a:effectRef idx="0">
+            <a:schemeClr val="dk1"/>
+          </a:effectRef>
+          <a:fontRef idx="minor">
+            <a:schemeClr val="lt1"/>
+          </a:fontRef>
+        </p:style>
+        <p:txBody>
+          <a:bodyPr rtlCol="0" anchor="ctr"/>
+          <a:lstStyle/>
+          <a:p>
+            <a:pPr algn="ctr"/>
+            <a:endParaRPr kumimoji="1" lang="ja-JP" altLang="en-US"/>
+          </a:p>
+        </p:txBody>
+      </p:sp>
+      <mc:AlternateContent xmlns:mc="http://schemas.openxmlformats.org/markup-compatibility/2006">
+        <mc:Choice xmlns:a14="http://schemas.microsoft.com/office/drawing/2010/main" Requires="a14">
+          <p:sp>
+            <p:nvSpPr>
+              <p:cNvPr id="32" name="正方形/長方形 31">
+                <a:extLst>
+                  <a:ext uri="{FF2B5EF4-FFF2-40B4-BE49-F238E27FC236}">
+                    <a16:creationId xmlns:a16="http://schemas.microsoft.com/office/drawing/2014/main" id="{E907A253-4FFB-BF9D-2BCF-0F318BAAA7B3}"/>
+                  </a:ext>
+                </a:extLst>
+              </p:cNvPr>
+              <p:cNvSpPr/>
+              <p:nvPr/>
+            </p:nvSpPr>
+            <p:spPr>
+              <a:xfrm>
+                <a:off x="6926126" y="2129623"/>
+                <a:ext cx="502418" cy="502418"/>
+              </a:xfrm>
+              <a:prstGeom prst="rect">
+                <a:avLst/>
+              </a:prstGeom>
+              <a:solidFill>
+                <a:schemeClr val="accent1">
+                  <a:lumMod val="40000"/>
+                  <a:lumOff val="60000"/>
+                </a:schemeClr>
+              </a:solidFill>
+              <a:ln>
+                <a:solidFill>
+                  <a:schemeClr val="tx1"/>
+                </a:solidFill>
+              </a:ln>
+            </p:spPr>
+            <p:style>
+              <a:lnRef idx="2">
+                <a:schemeClr val="accent1">
+                  <a:shade val="50000"/>
+                </a:schemeClr>
+              </a:lnRef>
+              <a:fillRef idx="1">
+                <a:schemeClr val="accent1"/>
+              </a:fillRef>
+              <a:effectRef idx="0">
+                <a:schemeClr val="accent1"/>
+              </a:effectRef>
+              <a:fontRef idx="minor">
+                <a:schemeClr val="lt1"/>
+              </a:fontRef>
+            </p:style>
+            <p:txBody>
+              <a:bodyPr rtlCol="0" anchor="ctr"/>
+              <a:lstStyle/>
+              <a:p>
+                <a:pPr algn="ctr"/>
+                <a14:m>
+                  <m:oMathPara xmlns:m="http://schemas.openxmlformats.org/officeDocument/2006/math">
+                    <m:oMathParaPr>
+                      <m:jc m:val="centerGroup"/>
+                    </m:oMathParaPr>
+                    <m:oMath xmlns:m="http://schemas.openxmlformats.org/officeDocument/2006/math">
+                      <m:sSub>
+                        <m:sSubPr>
+                          <m:ctrlPr>
+                            <a:rPr kumimoji="1" lang="en-US" altLang="ja-JP" i="1" smtClean="0">
+                              <a:solidFill>
+                                <a:schemeClr val="tx1"/>
+                              </a:solidFill>
+                              <a:latin typeface="Cambria Math" panose="02040503050406030204" pitchFamily="18" charset="0"/>
+                            </a:rPr>
+                          </m:ctrlPr>
+                        </m:sSubPr>
+                        <m:e>
+                          <m:r>
+                            <a:rPr kumimoji="1" lang="en-US" altLang="ja-JP" b="0" i="1" smtClean="0">
+                              <a:solidFill>
+                                <a:schemeClr val="tx1"/>
+                              </a:solidFill>
+                              <a:latin typeface="Cambria Math" panose="02040503050406030204" pitchFamily="18" charset="0"/>
+                            </a:rPr>
+                            <m:t>𝑥</m:t>
+                          </m:r>
+                        </m:e>
+                        <m:sub>
+                          <m:r>
+                            <a:rPr kumimoji="1" lang="en-US" altLang="ja-JP" b="0" i="1" smtClean="0">
+                              <a:solidFill>
+                                <a:schemeClr val="tx1"/>
+                              </a:solidFill>
+                              <a:latin typeface="Cambria Math" panose="02040503050406030204" pitchFamily="18" charset="0"/>
+                            </a:rPr>
+                            <m:t>𝑖</m:t>
+                          </m:r>
+                        </m:sub>
+                      </m:sSub>
+                    </m:oMath>
+                  </m:oMathPara>
+                </a14:m>
+                <a:endParaRPr kumimoji="1" lang="ja-JP" altLang="en-US"/>
+              </a:p>
+            </p:txBody>
+          </p:sp>
+        </mc:Choice>
+        <mc:Fallback>
+          <p:sp>
+            <p:nvSpPr>
+              <p:cNvPr id="32" name="正方形/長方形 31">
+                <a:extLst>
+                  <a:ext uri="{FF2B5EF4-FFF2-40B4-BE49-F238E27FC236}">
+                    <a16:creationId xmlns:a16="http://schemas.microsoft.com/office/drawing/2014/main" id="{E907A253-4FFB-BF9D-2BCF-0F318BAAA7B3}"/>
+                  </a:ext>
+                </a:extLst>
+              </p:cNvPr>
+              <p:cNvSpPr>
+                <a:spLocks noRot="1" noChangeAspect="1" noMove="1" noResize="1" noEditPoints="1" noAdjustHandles="1" noChangeArrowheads="1" noChangeShapeType="1" noTextEdit="1"/>
+              </p:cNvSpPr>
+              <p:nvPr/>
+            </p:nvSpPr>
+            <p:spPr>
+              <a:xfrm>
+                <a:off x="6926126" y="2129623"/>
+                <a:ext cx="502418" cy="502418"/>
+              </a:xfrm>
+              <a:prstGeom prst="rect">
+                <a:avLst/>
+              </a:prstGeom>
+              <a:blipFill>
+                <a:blip r:embed="rId7"/>
+                <a:stretch>
+                  <a:fillRect/>
+                </a:stretch>
+              </a:blipFill>
+              <a:ln>
+                <a:solidFill>
+                  <a:schemeClr val="tx1"/>
+                </a:solidFill>
+              </a:ln>
+            </p:spPr>
+            <p:txBody>
+              <a:bodyPr/>
+              <a:lstStyle/>
+              <a:p>
+                <a:r>
+                  <a:rPr lang="ja-JP" altLang="en-US">
+                    <a:noFill/>
+                  </a:rPr>
+                  <a:t> </a:t>
+                </a:r>
+              </a:p>
+            </p:txBody>
+          </p:sp>
+        </mc:Fallback>
+      </mc:AlternateContent>
+      <p:sp>
+        <p:nvSpPr>
+          <p:cNvPr id="33" name="正方形/長方形 32">
+            <a:extLst>
+              <a:ext uri="{FF2B5EF4-FFF2-40B4-BE49-F238E27FC236}">
+                <a16:creationId xmlns:a16="http://schemas.microsoft.com/office/drawing/2014/main" id="{7CAE96F1-8882-845B-9152-87D3C137EA0C}"/>
+              </a:ext>
+            </a:extLst>
+          </p:cNvPr>
+          <p:cNvSpPr/>
+          <p:nvPr/>
+        </p:nvSpPr>
+        <p:spPr>
+          <a:xfrm>
+            <a:off x="6041871" y="3404259"/>
+            <a:ext cx="502418" cy="502418"/>
+          </a:xfrm>
+          <a:prstGeom prst="rect">
+            <a:avLst/>
+          </a:prstGeom>
+          <a:solidFill>
+            <a:schemeClr val="accent4">
+              <a:lumMod val="40000"/>
+              <a:lumOff val="60000"/>
+            </a:schemeClr>
+          </a:solidFill>
+          <a:ln>
+            <a:solidFill>
+              <a:schemeClr val="tx1"/>
+            </a:solidFill>
+          </a:ln>
+        </p:spPr>
+        <p:style>
+          <a:lnRef idx="2">
+            <a:schemeClr val="accent1">
+              <a:shade val="50000"/>
+            </a:schemeClr>
+          </a:lnRef>
+          <a:fillRef idx="1">
+            <a:schemeClr val="accent1"/>
+          </a:fillRef>
+          <a:effectRef idx="0">
+            <a:schemeClr val="accent1"/>
+          </a:effectRef>
+          <a:fontRef idx="minor">
+            <a:schemeClr val="lt1"/>
+          </a:fontRef>
+        </p:style>
+        <p:txBody>
+          <a:bodyPr rtlCol="0" anchor="ctr"/>
+          <a:lstStyle/>
+          <a:p>
+            <a:pPr algn="ctr"/>
+            <a:r>
+              <a:rPr lang="en-US" altLang="ja-JP" dirty="0">
+                <a:solidFill>
+                  <a:schemeClr val="tx1"/>
+                </a:solidFill>
+              </a:rPr>
+              <a:t>j</a:t>
+            </a:r>
+            <a:endParaRPr kumimoji="1" lang="en-US" altLang="ja-JP" dirty="0">
+              <a:solidFill>
+                <a:schemeClr val="tx1"/>
+              </a:solidFill>
+            </a:endParaRPr>
+          </a:p>
+        </p:txBody>
+      </p:sp>
+      <p:sp>
+        <p:nvSpPr>
+          <p:cNvPr id="34" name="正方形/長方形 33">
+            <a:extLst>
+              <a:ext uri="{FF2B5EF4-FFF2-40B4-BE49-F238E27FC236}">
+                <a16:creationId xmlns:a16="http://schemas.microsoft.com/office/drawing/2014/main" id="{2834F204-FC96-C7E3-457C-220C0D820A37}"/>
+              </a:ext>
+            </a:extLst>
+          </p:cNvPr>
+          <p:cNvSpPr/>
+          <p:nvPr/>
+        </p:nvSpPr>
+        <p:spPr>
+          <a:xfrm>
+            <a:off x="6956270" y="4832630"/>
+            <a:ext cx="502418" cy="502418"/>
+          </a:xfrm>
+          <a:prstGeom prst="rect">
+            <a:avLst/>
+          </a:prstGeom>
+          <a:solidFill>
+            <a:schemeClr val="accent1">
+              <a:lumMod val="40000"/>
+              <a:lumOff val="60000"/>
+            </a:schemeClr>
+          </a:solidFill>
+          <a:ln>
+            <a:solidFill>
+              <a:schemeClr val="tx1"/>
+            </a:solidFill>
+          </a:ln>
+        </p:spPr>
+        <p:style>
+          <a:lnRef idx="2">
+            <a:schemeClr val="accent1">
+              <a:shade val="50000"/>
+            </a:schemeClr>
+          </a:lnRef>
+          <a:fillRef idx="1">
+            <a:schemeClr val="accent1"/>
+          </a:fillRef>
+          <a:effectRef idx="0">
+            <a:schemeClr val="accent1"/>
+          </a:effectRef>
+          <a:fontRef idx="minor">
+            <a:schemeClr val="lt1"/>
+          </a:fontRef>
+        </p:style>
+        <p:txBody>
+          <a:bodyPr rtlCol="0" anchor="ctr"/>
+          <a:lstStyle/>
+          <a:p>
+            <a:pPr algn="ctr"/>
+            <a:r>
+              <a:rPr kumimoji="1" lang="en-US" altLang="ja-JP" dirty="0">
+                <a:solidFill>
+                  <a:schemeClr val="tx1"/>
+                </a:solidFill>
+              </a:rPr>
+              <a:t>x</a:t>
+            </a:r>
+            <a:endParaRPr kumimoji="1" lang="ja-JP" altLang="en-US">
+              <a:solidFill>
+                <a:schemeClr val="tx1"/>
+              </a:solidFill>
+            </a:endParaRPr>
+          </a:p>
+        </p:txBody>
+      </p:sp>
+      <mc:AlternateContent xmlns:mc="http://schemas.openxmlformats.org/markup-compatibility/2006">
+        <mc:Choice xmlns:a14="http://schemas.microsoft.com/office/drawing/2010/main" Requires="a14">
+          <p:sp>
+            <p:nvSpPr>
+              <p:cNvPr id="35" name="テキスト ボックス 34">
+                <a:extLst>
+                  <a:ext uri="{FF2B5EF4-FFF2-40B4-BE49-F238E27FC236}">
+                    <a16:creationId xmlns:a16="http://schemas.microsoft.com/office/drawing/2014/main" id="{24349BFC-7AF8-28F1-582C-CB409700707B}"/>
+                  </a:ext>
+                </a:extLst>
+              </p:cNvPr>
+              <p:cNvSpPr txBox="1"/>
+              <p:nvPr/>
+            </p:nvSpPr>
+            <p:spPr>
+              <a:xfrm>
+                <a:off x="5931339" y="1340112"/>
+                <a:ext cx="1818752" cy="369332"/>
+              </a:xfrm>
+              <a:prstGeom prst="rect">
+                <a:avLst/>
+              </a:prstGeom>
+              <a:noFill/>
+            </p:spPr>
+            <p:txBody>
+              <a:bodyPr wrap="square" rtlCol="0">
+                <a:spAutoFit/>
+              </a:bodyPr>
+              <a:lstStyle/>
+              <a:p>
+                <a14:m>
+                  <m:oMathPara xmlns:m="http://schemas.openxmlformats.org/officeDocument/2006/math">
+                    <m:oMathParaPr>
+                      <m:jc m:val="centerGroup"/>
+                    </m:oMathParaPr>
+                    <m:oMath xmlns:m="http://schemas.openxmlformats.org/officeDocument/2006/math">
+                      <m:r>
+                        <a:rPr lang="en-US" altLang="ja-JP" b="0" i="1" smtClean="0">
+                          <a:latin typeface="Cambria Math" panose="02040503050406030204" pitchFamily="18" charset="0"/>
+                        </a:rPr>
+                        <m:t>𝑡</m:t>
+                      </m:r>
+                      <m:r>
+                        <a:rPr lang="en-US" altLang="ja-JP" b="0" i="1" smtClean="0">
+                          <a:latin typeface="Cambria Math" panose="02040503050406030204" pitchFamily="18" charset="0"/>
+                        </a:rPr>
+                        <m:t>=</m:t>
+                      </m:r>
+                      <m:r>
+                        <a:rPr lang="en-US" altLang="ja-JP" b="0" i="1" smtClean="0">
+                          <a:latin typeface="Cambria Math" panose="02040503050406030204" pitchFamily="18" charset="0"/>
+                        </a:rPr>
+                        <m:t>𝑡</m:t>
+                      </m:r>
+                      <m:r>
+                        <a:rPr lang="en-US" altLang="ja-JP" b="0" i="1" smtClean="0">
+                          <a:latin typeface="Cambria Math" panose="02040503050406030204" pitchFamily="18" charset="0"/>
+                        </a:rPr>
+                        <m:t>′</m:t>
+                      </m:r>
+                    </m:oMath>
+                  </m:oMathPara>
+                </a14:m>
+                <a:endParaRPr kumimoji="1" lang="ja-JP" altLang="en-US" dirty="0"/>
+              </a:p>
+            </p:txBody>
+          </p:sp>
+        </mc:Choice>
+        <mc:Fallback>
+          <p:sp>
+            <p:nvSpPr>
+              <p:cNvPr id="35" name="テキスト ボックス 34">
+                <a:extLst>
+                  <a:ext uri="{FF2B5EF4-FFF2-40B4-BE49-F238E27FC236}">
+                    <a16:creationId xmlns:a16="http://schemas.microsoft.com/office/drawing/2014/main" id="{24349BFC-7AF8-28F1-582C-CB409700707B}"/>
+                  </a:ext>
+                </a:extLst>
+              </p:cNvPr>
+              <p:cNvSpPr txBox="1">
+                <a:spLocks noRot="1" noChangeAspect="1" noMove="1" noResize="1" noEditPoints="1" noAdjustHandles="1" noChangeArrowheads="1" noChangeShapeType="1" noTextEdit="1"/>
+              </p:cNvSpPr>
+              <p:nvPr/>
+            </p:nvSpPr>
+            <p:spPr>
+              <a:xfrm>
+                <a:off x="5931339" y="1340112"/>
+                <a:ext cx="1818752" cy="369332"/>
+              </a:xfrm>
+              <a:prstGeom prst="rect">
+                <a:avLst/>
+              </a:prstGeom>
+              <a:blipFill>
+                <a:blip r:embed="rId8"/>
+                <a:stretch>
+                  <a:fillRect/>
+                </a:stretch>
+              </a:blipFill>
+            </p:spPr>
+            <p:txBody>
+              <a:bodyPr/>
+              <a:lstStyle/>
+              <a:p>
+                <a:r>
+                  <a:rPr lang="ja-JP" altLang="en-US">
+                    <a:noFill/>
+                  </a:rPr>
+                  <a:t> </a:t>
+                </a:r>
+              </a:p>
+            </p:txBody>
+          </p:sp>
+        </mc:Fallback>
+      </mc:AlternateContent>
+      <p:cxnSp>
+        <p:nvCxnSpPr>
+          <p:cNvPr id="36" name="直線矢印コネクタ 35">
+            <a:extLst>
+              <a:ext uri="{FF2B5EF4-FFF2-40B4-BE49-F238E27FC236}">
+                <a16:creationId xmlns:a16="http://schemas.microsoft.com/office/drawing/2014/main" id="{837537FA-F59A-67F3-51E9-3B0DE5DD8B90}"/>
+              </a:ext>
+            </a:extLst>
+          </p:cNvPr>
+          <p:cNvCxnSpPr>
+            <a:cxnSpLocks/>
+          </p:cNvCxnSpPr>
+          <p:nvPr/>
+        </p:nvCxnSpPr>
+        <p:spPr>
+          <a:xfrm flipH="1">
+            <a:off x="7207479" y="2662473"/>
+            <a:ext cx="10990" cy="741786"/>
+          </a:xfrm>
+          <a:prstGeom prst="straightConnector1">
+            <a:avLst/>
+          </a:prstGeom>
+          <a:ln>
+            <a:tailEnd type="triangle"/>
+          </a:ln>
+        </p:spPr>
+        <p:style>
+          <a:lnRef idx="1">
+            <a:schemeClr val="accent2"/>
+          </a:lnRef>
+          <a:fillRef idx="0">
+            <a:schemeClr val="accent2"/>
+          </a:fillRef>
+          <a:effectRef idx="0">
+            <a:schemeClr val="accent2"/>
+          </a:effectRef>
+          <a:fontRef idx="minor">
+            <a:schemeClr val="tx1"/>
+          </a:fontRef>
+        </p:style>
+      </p:cxnSp>
+      <p:sp>
+        <p:nvSpPr>
+          <p:cNvPr id="37" name="正方形/長方形 36">
+            <a:extLst>
+              <a:ext uri="{FF2B5EF4-FFF2-40B4-BE49-F238E27FC236}">
+                <a16:creationId xmlns:a16="http://schemas.microsoft.com/office/drawing/2014/main" id="{C1DB4BF8-D4E0-244C-37C3-4894823A3FF2}"/>
+              </a:ext>
+            </a:extLst>
+          </p:cNvPr>
+          <p:cNvSpPr/>
+          <p:nvPr/>
+        </p:nvSpPr>
+        <p:spPr>
+          <a:xfrm>
+            <a:off x="6544289" y="3404259"/>
+            <a:ext cx="502418" cy="502418"/>
+          </a:xfrm>
+          <a:prstGeom prst="rect">
+            <a:avLst/>
+          </a:prstGeom>
+          <a:solidFill>
+            <a:schemeClr val="accent1">
+              <a:lumMod val="40000"/>
+              <a:lumOff val="60000"/>
+            </a:schemeClr>
+          </a:solidFill>
+          <a:ln>
+            <a:solidFill>
+              <a:schemeClr val="tx1"/>
+            </a:solidFill>
+          </a:ln>
+        </p:spPr>
+        <p:style>
+          <a:lnRef idx="2">
+            <a:schemeClr val="accent1">
+              <a:shade val="50000"/>
+            </a:schemeClr>
+          </a:lnRef>
+          <a:fillRef idx="1">
+            <a:schemeClr val="accent1"/>
+          </a:fillRef>
+          <a:effectRef idx="0">
+            <a:schemeClr val="accent1"/>
+          </a:effectRef>
+          <a:fontRef idx="minor">
+            <a:schemeClr val="lt1"/>
+          </a:fontRef>
+        </p:style>
+        <p:txBody>
+          <a:bodyPr rtlCol="0" anchor="ctr"/>
+          <a:lstStyle/>
+          <a:p>
+            <a:pPr algn="ctr"/>
+            <a:endParaRPr kumimoji="1" lang="ja-JP" altLang="en-US" dirty="0">
+              <a:solidFill>
+                <a:schemeClr val="tx1"/>
+              </a:solidFill>
+            </a:endParaRPr>
+          </a:p>
+        </p:txBody>
+      </p:sp>
+      <p:sp>
+        <p:nvSpPr>
+          <p:cNvPr id="38" name="正方形/長方形 37">
+            <a:extLst>
+              <a:ext uri="{FF2B5EF4-FFF2-40B4-BE49-F238E27FC236}">
+                <a16:creationId xmlns:a16="http://schemas.microsoft.com/office/drawing/2014/main" id="{2BBE3DAA-DCD9-0494-8976-83A118ABF915}"/>
+              </a:ext>
+            </a:extLst>
+          </p:cNvPr>
+          <p:cNvSpPr/>
+          <p:nvPr/>
+        </p:nvSpPr>
+        <p:spPr>
+          <a:xfrm>
+            <a:off x="7046707" y="3404259"/>
+            <a:ext cx="502418" cy="502418"/>
+          </a:xfrm>
+          <a:prstGeom prst="rect">
+            <a:avLst/>
+          </a:prstGeom>
+          <a:solidFill>
+            <a:schemeClr val="accent1">
+              <a:lumMod val="40000"/>
+              <a:lumOff val="60000"/>
+            </a:schemeClr>
+          </a:solidFill>
+          <a:ln>
+            <a:solidFill>
+              <a:schemeClr val="tx1"/>
+            </a:solidFill>
+          </a:ln>
+        </p:spPr>
+        <p:style>
+          <a:lnRef idx="2">
+            <a:schemeClr val="accent1">
+              <a:shade val="50000"/>
+            </a:schemeClr>
+          </a:lnRef>
+          <a:fillRef idx="1">
+            <a:schemeClr val="accent1"/>
+          </a:fillRef>
+          <a:effectRef idx="0">
+            <a:schemeClr val="accent1"/>
+          </a:effectRef>
+          <a:fontRef idx="minor">
+            <a:schemeClr val="lt1"/>
+          </a:fontRef>
+        </p:style>
+        <p:txBody>
+          <a:bodyPr rtlCol="0" anchor="ctr"/>
+          <a:lstStyle/>
+          <a:p>
+            <a:pPr algn="ctr"/>
+            <a:endParaRPr kumimoji="1" lang="ja-JP" altLang="en-US" dirty="0">
+              <a:solidFill>
+                <a:schemeClr val="tx1"/>
+              </a:solidFill>
+            </a:endParaRPr>
+          </a:p>
+        </p:txBody>
+      </p:sp>
+      <p:cxnSp>
+        <p:nvCxnSpPr>
+          <p:cNvPr id="39" name="直線矢印コネクタ 38">
+            <a:extLst>
+              <a:ext uri="{FF2B5EF4-FFF2-40B4-BE49-F238E27FC236}">
+                <a16:creationId xmlns:a16="http://schemas.microsoft.com/office/drawing/2014/main" id="{2B5E63E1-C792-41D4-D871-1992A5F9C0E5}"/>
+              </a:ext>
+            </a:extLst>
+          </p:cNvPr>
+          <p:cNvCxnSpPr>
+            <a:cxnSpLocks/>
+          </p:cNvCxnSpPr>
+          <p:nvPr/>
+        </p:nvCxnSpPr>
+        <p:spPr>
+          <a:xfrm flipH="1">
+            <a:off x="6765458" y="2662473"/>
+            <a:ext cx="431503" cy="741786"/>
+          </a:xfrm>
+          <a:prstGeom prst="straightConnector1">
+            <a:avLst/>
+          </a:prstGeom>
+          <a:ln>
+            <a:tailEnd type="triangle"/>
+          </a:ln>
+        </p:spPr>
+        <p:style>
+          <a:lnRef idx="1">
+            <a:schemeClr val="accent2"/>
+          </a:lnRef>
+          <a:fillRef idx="0">
+            <a:schemeClr val="accent2"/>
+          </a:fillRef>
+          <a:effectRef idx="0">
+            <a:schemeClr val="accent2"/>
+          </a:effectRef>
+          <a:fontRef idx="minor">
+            <a:schemeClr val="tx1"/>
+          </a:fontRef>
+        </p:style>
+      </p:cxnSp>
+      <p:cxnSp>
+        <p:nvCxnSpPr>
+          <p:cNvPr id="40" name="直線矢印コネクタ 39">
+            <a:extLst>
+              <a:ext uri="{FF2B5EF4-FFF2-40B4-BE49-F238E27FC236}">
+                <a16:creationId xmlns:a16="http://schemas.microsoft.com/office/drawing/2014/main" id="{654E876F-C0BA-018E-07CD-61679A6B4876}"/>
+              </a:ext>
+            </a:extLst>
+          </p:cNvPr>
+          <p:cNvCxnSpPr>
+            <a:cxnSpLocks/>
+            <a:stCxn id="32" idx="2"/>
+          </p:cNvCxnSpPr>
+          <p:nvPr/>
+        </p:nvCxnSpPr>
+        <p:spPr>
+          <a:xfrm flipH="1">
+            <a:off x="6299600" y="2632041"/>
+            <a:ext cx="877735" cy="741786"/>
+          </a:xfrm>
+          <a:prstGeom prst="straightConnector1">
+            <a:avLst/>
+          </a:prstGeom>
+          <a:ln>
+            <a:tailEnd type="triangle"/>
+          </a:ln>
+        </p:spPr>
+        <p:style>
+          <a:lnRef idx="1">
+            <a:schemeClr val="accent2"/>
+          </a:lnRef>
+          <a:fillRef idx="0">
+            <a:schemeClr val="accent2"/>
+          </a:fillRef>
+          <a:effectRef idx="0">
+            <a:schemeClr val="accent2"/>
+          </a:effectRef>
+          <a:fontRef idx="minor">
+            <a:schemeClr val="tx1"/>
+          </a:fontRef>
+        </p:style>
+      </p:cxnSp>
+      <p:sp>
+        <p:nvSpPr>
+          <p:cNvPr id="42" name="テキスト ボックス 41">
+            <a:extLst>
+              <a:ext uri="{FF2B5EF4-FFF2-40B4-BE49-F238E27FC236}">
+                <a16:creationId xmlns:a16="http://schemas.microsoft.com/office/drawing/2014/main" id="{FD6AA797-02C1-BF89-9091-3F820BD299AD}"/>
+              </a:ext>
+            </a:extLst>
+          </p:cNvPr>
+          <p:cNvSpPr txBox="1"/>
+          <p:nvPr/>
+        </p:nvSpPr>
+        <p:spPr>
+          <a:xfrm>
+            <a:off x="5683569" y="1645499"/>
+            <a:ext cx="2314291" cy="369332"/>
+          </a:xfrm>
+          <a:prstGeom prst="rect">
+            <a:avLst/>
+          </a:prstGeom>
+          <a:noFill/>
+        </p:spPr>
+        <p:txBody>
+          <a:bodyPr wrap="square" rtlCol="0">
+            <a:spAutoFit/>
+          </a:bodyPr>
+          <a:lstStyle/>
+          <a:p>
+            <a:r>
+              <a:rPr lang="ja-JP" altLang="en-US" dirty="0"/>
+              <a:t>ピクセル</a:t>
+            </a:r>
+            <a:r>
+              <a:rPr lang="en-US" altLang="ja-JP" dirty="0"/>
+              <a:t>j</a:t>
+            </a:r>
+            <a:r>
+              <a:rPr lang="ja-JP" altLang="en-US" dirty="0"/>
+              <a:t>以外を棄却</a:t>
+            </a:r>
+            <a:endParaRPr kumimoji="1" lang="ja-JP" altLang="en-US" dirty="0"/>
+          </a:p>
+        </p:txBody>
+      </p:sp>
+      <p:sp>
+        <p:nvSpPr>
+          <p:cNvPr id="43" name="正方形/長方形 42">
+            <a:extLst>
+              <a:ext uri="{FF2B5EF4-FFF2-40B4-BE49-F238E27FC236}">
+                <a16:creationId xmlns:a16="http://schemas.microsoft.com/office/drawing/2014/main" id="{67445AB8-C15C-869C-AA26-47503B002C57}"/>
+              </a:ext>
+            </a:extLst>
+          </p:cNvPr>
+          <p:cNvSpPr/>
+          <p:nvPr/>
+        </p:nvSpPr>
+        <p:spPr>
+          <a:xfrm>
+            <a:off x="8521197" y="2129623"/>
+            <a:ext cx="2039816" cy="3205425"/>
+          </a:xfrm>
+          <a:prstGeom prst="rect">
+            <a:avLst/>
+          </a:prstGeom>
+          <a:solidFill>
+            <a:schemeClr val="bg2">
+              <a:lumMod val="75000"/>
+            </a:schemeClr>
+          </a:solidFill>
+        </p:spPr>
+        <p:style>
+          <a:lnRef idx="2">
+            <a:schemeClr val="dk1">
+              <a:shade val="50000"/>
+            </a:schemeClr>
+          </a:lnRef>
+          <a:fillRef idx="1">
+            <a:schemeClr val="dk1"/>
+          </a:fillRef>
+          <a:effectRef idx="0">
+            <a:schemeClr val="dk1"/>
+          </a:effectRef>
+          <a:fontRef idx="minor">
+            <a:schemeClr val="lt1"/>
+          </a:fontRef>
+        </p:style>
+        <p:txBody>
+          <a:bodyPr rtlCol="0" anchor="ctr"/>
+          <a:lstStyle/>
+          <a:p>
+            <a:pPr algn="ctr"/>
+            <a:endParaRPr kumimoji="1" lang="ja-JP" altLang="en-US"/>
+          </a:p>
+        </p:txBody>
+      </p:sp>
+      <mc:AlternateContent xmlns:mc="http://schemas.openxmlformats.org/markup-compatibility/2006">
+        <mc:Choice xmlns:a14="http://schemas.microsoft.com/office/drawing/2010/main" Requires="a14">
+          <p:sp>
+            <p:nvSpPr>
+              <p:cNvPr id="44" name="正方形/長方形 43">
+                <a:extLst>
+                  <a:ext uri="{FF2B5EF4-FFF2-40B4-BE49-F238E27FC236}">
+                    <a16:creationId xmlns:a16="http://schemas.microsoft.com/office/drawing/2014/main" id="{FC8667D3-BC56-A90E-52AA-580432EDA6AF}"/>
+                  </a:ext>
+                </a:extLst>
+              </p:cNvPr>
+              <p:cNvSpPr/>
+              <p:nvPr/>
+            </p:nvSpPr>
+            <p:spPr>
+              <a:xfrm>
+                <a:off x="9626516" y="2129623"/>
+                <a:ext cx="502418" cy="502418"/>
+              </a:xfrm>
+              <a:prstGeom prst="rect">
+                <a:avLst/>
+              </a:prstGeom>
+              <a:solidFill>
+                <a:schemeClr val="accent1">
+                  <a:lumMod val="40000"/>
+                  <a:lumOff val="60000"/>
+                </a:schemeClr>
+              </a:solidFill>
+              <a:ln>
+                <a:solidFill>
+                  <a:schemeClr val="tx1"/>
+                </a:solidFill>
+              </a:ln>
+            </p:spPr>
+            <p:style>
+              <a:lnRef idx="2">
+                <a:schemeClr val="accent1">
+                  <a:shade val="50000"/>
+                </a:schemeClr>
+              </a:lnRef>
+              <a:fillRef idx="1">
+                <a:schemeClr val="accent1"/>
+              </a:fillRef>
+              <a:effectRef idx="0">
+                <a:schemeClr val="accent1"/>
+              </a:effectRef>
+              <a:fontRef idx="minor">
+                <a:schemeClr val="lt1"/>
+              </a:fontRef>
+            </p:style>
+            <p:txBody>
+              <a:bodyPr rtlCol="0" anchor="ctr"/>
+              <a:lstStyle/>
+              <a:p>
+                <a:pPr algn="ctr"/>
+                <a14:m>
+                  <m:oMathPara xmlns:m="http://schemas.openxmlformats.org/officeDocument/2006/math">
+                    <m:oMathParaPr>
+                      <m:jc m:val="centerGroup"/>
+                    </m:oMathParaPr>
+                    <m:oMath xmlns:m="http://schemas.openxmlformats.org/officeDocument/2006/math">
+                      <m:sSub>
+                        <m:sSubPr>
+                          <m:ctrlPr>
+                            <a:rPr kumimoji="1" lang="en-US" altLang="ja-JP" i="1" smtClean="0">
+                              <a:solidFill>
+                                <a:schemeClr val="tx1"/>
+                              </a:solidFill>
+                              <a:latin typeface="Cambria Math" panose="02040503050406030204" pitchFamily="18" charset="0"/>
+                            </a:rPr>
+                          </m:ctrlPr>
+                        </m:sSubPr>
+                        <m:e>
+                          <m:r>
+                            <a:rPr kumimoji="1" lang="en-US" altLang="ja-JP" b="0" i="1" smtClean="0">
+                              <a:solidFill>
+                                <a:schemeClr val="tx1"/>
+                              </a:solidFill>
+                              <a:latin typeface="Cambria Math" panose="02040503050406030204" pitchFamily="18" charset="0"/>
+                            </a:rPr>
+                            <m:t>𝑥</m:t>
+                          </m:r>
+                        </m:e>
+                        <m:sub>
+                          <m:r>
+                            <a:rPr kumimoji="1" lang="en-US" altLang="ja-JP" b="0" i="1" smtClean="0">
+                              <a:solidFill>
+                                <a:schemeClr val="tx1"/>
+                              </a:solidFill>
+                              <a:latin typeface="Cambria Math" panose="02040503050406030204" pitchFamily="18" charset="0"/>
+                            </a:rPr>
+                            <m:t>𝑖</m:t>
+                          </m:r>
+                        </m:sub>
+                      </m:sSub>
+                    </m:oMath>
+                  </m:oMathPara>
+                </a14:m>
+                <a:endParaRPr kumimoji="1" lang="ja-JP" altLang="en-US"/>
+              </a:p>
+            </p:txBody>
+          </p:sp>
+        </mc:Choice>
+        <mc:Fallback>
+          <p:sp>
+            <p:nvSpPr>
+              <p:cNvPr id="44" name="正方形/長方形 43">
+                <a:extLst>
+                  <a:ext uri="{FF2B5EF4-FFF2-40B4-BE49-F238E27FC236}">
+                    <a16:creationId xmlns:a16="http://schemas.microsoft.com/office/drawing/2014/main" id="{FC8667D3-BC56-A90E-52AA-580432EDA6AF}"/>
+                  </a:ext>
+                </a:extLst>
+              </p:cNvPr>
+              <p:cNvSpPr>
+                <a:spLocks noRot="1" noChangeAspect="1" noMove="1" noResize="1" noEditPoints="1" noAdjustHandles="1" noChangeArrowheads="1" noChangeShapeType="1" noTextEdit="1"/>
+              </p:cNvSpPr>
+              <p:nvPr/>
+            </p:nvSpPr>
+            <p:spPr>
+              <a:xfrm>
+                <a:off x="9626516" y="2129623"/>
+                <a:ext cx="502418" cy="502418"/>
+              </a:xfrm>
+              <a:prstGeom prst="rect">
+                <a:avLst/>
+              </a:prstGeom>
+              <a:blipFill>
+                <a:blip r:embed="rId9"/>
+                <a:stretch>
+                  <a:fillRect/>
+                </a:stretch>
+              </a:blipFill>
+              <a:ln>
+                <a:solidFill>
+                  <a:schemeClr val="tx1"/>
+                </a:solidFill>
+              </a:ln>
+            </p:spPr>
+            <p:txBody>
+              <a:bodyPr/>
+              <a:lstStyle/>
+              <a:p>
+                <a:r>
+                  <a:rPr lang="ja-JP" altLang="en-US">
+                    <a:noFill/>
+                  </a:rPr>
+                  <a:t> </a:t>
+                </a:r>
+              </a:p>
+            </p:txBody>
+          </p:sp>
+        </mc:Fallback>
+      </mc:AlternateContent>
+      <p:sp>
+        <p:nvSpPr>
+          <p:cNvPr id="45" name="正方形/長方形 44">
+            <a:extLst>
+              <a:ext uri="{FF2B5EF4-FFF2-40B4-BE49-F238E27FC236}">
+                <a16:creationId xmlns:a16="http://schemas.microsoft.com/office/drawing/2014/main" id="{8D947907-8821-F83B-C1E0-5E3C8DECF2F4}"/>
+              </a:ext>
+            </a:extLst>
+          </p:cNvPr>
+          <p:cNvSpPr/>
+          <p:nvPr/>
+        </p:nvSpPr>
+        <p:spPr>
+          <a:xfrm>
+            <a:off x="8742261" y="3404259"/>
+            <a:ext cx="502418" cy="502418"/>
+          </a:xfrm>
+          <a:prstGeom prst="rect">
+            <a:avLst/>
+          </a:prstGeom>
+          <a:solidFill>
+            <a:schemeClr val="accent1">
+              <a:lumMod val="40000"/>
+              <a:lumOff val="60000"/>
+            </a:schemeClr>
+          </a:solidFill>
+          <a:ln>
+            <a:solidFill>
+              <a:schemeClr val="tx1"/>
+            </a:solidFill>
+          </a:ln>
+        </p:spPr>
+        <p:style>
+          <a:lnRef idx="2">
+            <a:schemeClr val="accent1">
+              <a:shade val="50000"/>
+            </a:schemeClr>
+          </a:lnRef>
+          <a:fillRef idx="1">
+            <a:schemeClr val="accent1"/>
+          </a:fillRef>
+          <a:effectRef idx="0">
+            <a:schemeClr val="accent1"/>
+          </a:effectRef>
+          <a:fontRef idx="minor">
+            <a:schemeClr val="lt1"/>
+          </a:fontRef>
+        </p:style>
+        <p:txBody>
+          <a:bodyPr rtlCol="0" anchor="ctr"/>
+          <a:lstStyle/>
+          <a:p>
+            <a:pPr algn="ctr"/>
+            <a:r>
+              <a:rPr lang="en-US" altLang="ja-JP" dirty="0">
+                <a:solidFill>
+                  <a:schemeClr val="tx1"/>
+                </a:solidFill>
+              </a:rPr>
+              <a:t>j</a:t>
+            </a:r>
+            <a:endParaRPr kumimoji="1" lang="en-US" altLang="ja-JP" dirty="0">
+              <a:solidFill>
+                <a:schemeClr val="tx1"/>
+              </a:solidFill>
+            </a:endParaRPr>
+          </a:p>
+        </p:txBody>
+      </p:sp>
+      <p:sp>
+        <p:nvSpPr>
+          <p:cNvPr id="46" name="正方形/長方形 45">
+            <a:extLst>
+              <a:ext uri="{FF2B5EF4-FFF2-40B4-BE49-F238E27FC236}">
+                <a16:creationId xmlns:a16="http://schemas.microsoft.com/office/drawing/2014/main" id="{09077A7B-BAA3-DABC-AFFE-5A250D82B47D}"/>
+              </a:ext>
+            </a:extLst>
+          </p:cNvPr>
+          <p:cNvSpPr/>
+          <p:nvPr/>
+        </p:nvSpPr>
+        <p:spPr>
+          <a:xfrm>
+            <a:off x="9656660" y="4832630"/>
+            <a:ext cx="502418" cy="502418"/>
+          </a:xfrm>
+          <a:prstGeom prst="rect">
+            <a:avLst/>
+          </a:prstGeom>
+          <a:solidFill>
+            <a:schemeClr val="accent4">
+              <a:lumMod val="40000"/>
+              <a:lumOff val="60000"/>
+            </a:schemeClr>
+          </a:solidFill>
+          <a:ln>
+            <a:solidFill>
+              <a:schemeClr val="tx1"/>
+            </a:solidFill>
+          </a:ln>
+        </p:spPr>
+        <p:style>
+          <a:lnRef idx="2">
+            <a:schemeClr val="accent1">
+              <a:shade val="50000"/>
+            </a:schemeClr>
+          </a:lnRef>
+          <a:fillRef idx="1">
+            <a:schemeClr val="accent1"/>
+          </a:fillRef>
+          <a:effectRef idx="0">
+            <a:schemeClr val="accent1"/>
+          </a:effectRef>
+          <a:fontRef idx="minor">
+            <a:schemeClr val="lt1"/>
+          </a:fontRef>
+        </p:style>
+        <p:txBody>
+          <a:bodyPr rtlCol="0" anchor="ctr"/>
+          <a:lstStyle/>
+          <a:p>
+            <a:pPr algn="ctr"/>
+            <a:r>
+              <a:rPr kumimoji="1" lang="en-US" altLang="ja-JP" dirty="0">
+                <a:solidFill>
+                  <a:schemeClr val="tx1"/>
+                </a:solidFill>
+              </a:rPr>
+              <a:t>x</a:t>
+            </a:r>
+            <a:endParaRPr kumimoji="1" lang="ja-JP" altLang="en-US">
+              <a:solidFill>
+                <a:schemeClr val="tx1"/>
+              </a:solidFill>
+            </a:endParaRPr>
+          </a:p>
+        </p:txBody>
+      </p:sp>
+      <mc:AlternateContent xmlns:mc="http://schemas.openxmlformats.org/markup-compatibility/2006">
+        <mc:Choice xmlns:a14="http://schemas.microsoft.com/office/drawing/2010/main" Requires="a14">
+          <p:sp>
+            <p:nvSpPr>
+              <p:cNvPr id="47" name="テキスト ボックス 46">
+                <a:extLst>
+                  <a:ext uri="{FF2B5EF4-FFF2-40B4-BE49-F238E27FC236}">
+                    <a16:creationId xmlns:a16="http://schemas.microsoft.com/office/drawing/2014/main" id="{81FEB3C7-8A80-25D0-50FE-B2D39998F966}"/>
+                  </a:ext>
+                </a:extLst>
+              </p:cNvPr>
+              <p:cNvSpPr txBox="1"/>
+              <p:nvPr/>
+            </p:nvSpPr>
+            <p:spPr>
+              <a:xfrm>
+                <a:off x="8631729" y="1340112"/>
+                <a:ext cx="1818752" cy="369332"/>
+              </a:xfrm>
+              <a:prstGeom prst="rect">
+                <a:avLst/>
+              </a:prstGeom>
+              <a:noFill/>
+            </p:spPr>
+            <p:txBody>
+              <a:bodyPr wrap="square" rtlCol="0">
+                <a:spAutoFit/>
+              </a:bodyPr>
+              <a:lstStyle/>
+              <a:p>
+                <a14:m>
+                  <m:oMathPara xmlns:m="http://schemas.openxmlformats.org/officeDocument/2006/math">
+                    <m:oMathParaPr>
+                      <m:jc m:val="centerGroup"/>
+                    </m:oMathParaPr>
+                    <m:oMath xmlns:m="http://schemas.openxmlformats.org/officeDocument/2006/math">
+                      <m:r>
+                        <a:rPr lang="en-US" altLang="ja-JP" b="0" i="1" smtClean="0">
+                          <a:latin typeface="Cambria Math" panose="02040503050406030204" pitchFamily="18" charset="0"/>
+                        </a:rPr>
+                        <m:t>𝑡</m:t>
+                      </m:r>
+                      <m:r>
+                        <a:rPr lang="en-US" altLang="ja-JP" b="0" i="1" smtClean="0">
+                          <a:latin typeface="Cambria Math" panose="02040503050406030204" pitchFamily="18" charset="0"/>
+                        </a:rPr>
+                        <m:t>=</m:t>
+                      </m:r>
+                      <m:r>
+                        <a:rPr lang="en-US" altLang="ja-JP" b="0" i="1" smtClean="0">
+                          <a:latin typeface="Cambria Math" panose="02040503050406030204" pitchFamily="18" charset="0"/>
+                        </a:rPr>
+                        <m:t>𝑡</m:t>
+                      </m:r>
+                    </m:oMath>
+                  </m:oMathPara>
+                </a14:m>
+                <a:endParaRPr kumimoji="1" lang="ja-JP" altLang="en-US" dirty="0"/>
+              </a:p>
+            </p:txBody>
+          </p:sp>
+        </mc:Choice>
+        <mc:Fallback>
+          <p:sp>
+            <p:nvSpPr>
+              <p:cNvPr id="47" name="テキスト ボックス 46">
+                <a:extLst>
+                  <a:ext uri="{FF2B5EF4-FFF2-40B4-BE49-F238E27FC236}">
+                    <a16:creationId xmlns:a16="http://schemas.microsoft.com/office/drawing/2014/main" id="{81FEB3C7-8A80-25D0-50FE-B2D39998F966}"/>
+                  </a:ext>
+                </a:extLst>
+              </p:cNvPr>
+              <p:cNvSpPr txBox="1">
+                <a:spLocks noRot="1" noChangeAspect="1" noMove="1" noResize="1" noEditPoints="1" noAdjustHandles="1" noChangeArrowheads="1" noChangeShapeType="1" noTextEdit="1"/>
+              </p:cNvSpPr>
+              <p:nvPr/>
+            </p:nvSpPr>
+            <p:spPr>
+              <a:xfrm>
+                <a:off x="8631729" y="1340112"/>
+                <a:ext cx="1818752" cy="369332"/>
+              </a:xfrm>
+              <a:prstGeom prst="rect">
+                <a:avLst/>
+              </a:prstGeom>
+              <a:blipFill>
+                <a:blip r:embed="rId10"/>
+                <a:stretch>
+                  <a:fillRect/>
+                </a:stretch>
+              </a:blipFill>
+            </p:spPr>
+            <p:txBody>
+              <a:bodyPr/>
+              <a:lstStyle/>
+              <a:p>
+                <a:r>
+                  <a:rPr lang="ja-JP" altLang="en-US">
+                    <a:noFill/>
+                  </a:rPr>
+                  <a:t> </a:t>
+                </a:r>
+              </a:p>
+            </p:txBody>
+          </p:sp>
+        </mc:Fallback>
+      </mc:AlternateContent>
+      <p:sp>
+        <p:nvSpPr>
+          <p:cNvPr id="49" name="正方形/長方形 48">
+            <a:extLst>
+              <a:ext uri="{FF2B5EF4-FFF2-40B4-BE49-F238E27FC236}">
+                <a16:creationId xmlns:a16="http://schemas.microsoft.com/office/drawing/2014/main" id="{0DC4EABE-D869-5082-3A73-A0B6998D7E15}"/>
+              </a:ext>
+            </a:extLst>
+          </p:cNvPr>
+          <p:cNvSpPr/>
+          <p:nvPr/>
+        </p:nvSpPr>
+        <p:spPr>
+          <a:xfrm>
+            <a:off x="9244679" y="3404259"/>
+            <a:ext cx="502418" cy="502418"/>
+          </a:xfrm>
+          <a:prstGeom prst="rect">
+            <a:avLst/>
+          </a:prstGeom>
+          <a:solidFill>
+            <a:schemeClr val="accent1">
+              <a:lumMod val="40000"/>
+              <a:lumOff val="60000"/>
+            </a:schemeClr>
+          </a:solidFill>
+          <a:ln>
+            <a:solidFill>
+              <a:schemeClr val="tx1"/>
+            </a:solidFill>
+          </a:ln>
+        </p:spPr>
+        <p:style>
+          <a:lnRef idx="2">
+            <a:schemeClr val="accent1">
+              <a:shade val="50000"/>
+            </a:schemeClr>
+          </a:lnRef>
+          <a:fillRef idx="1">
+            <a:schemeClr val="accent1"/>
+          </a:fillRef>
+          <a:effectRef idx="0">
+            <a:schemeClr val="accent1"/>
+          </a:effectRef>
+          <a:fontRef idx="minor">
+            <a:schemeClr val="lt1"/>
+          </a:fontRef>
+        </p:style>
+        <p:txBody>
+          <a:bodyPr rtlCol="0" anchor="ctr"/>
+          <a:lstStyle/>
+          <a:p>
+            <a:pPr algn="ctr"/>
+            <a:endParaRPr kumimoji="1" lang="ja-JP" altLang="en-US" dirty="0">
+              <a:solidFill>
+                <a:schemeClr val="tx1"/>
+              </a:solidFill>
+            </a:endParaRPr>
+          </a:p>
+        </p:txBody>
+      </p:sp>
+      <p:sp>
+        <p:nvSpPr>
+          <p:cNvPr id="50" name="正方形/長方形 49">
+            <a:extLst>
+              <a:ext uri="{FF2B5EF4-FFF2-40B4-BE49-F238E27FC236}">
+                <a16:creationId xmlns:a16="http://schemas.microsoft.com/office/drawing/2014/main" id="{8BC832D2-2D2C-0FC9-02E2-AD21CAB1BCBF}"/>
+              </a:ext>
+            </a:extLst>
+          </p:cNvPr>
+          <p:cNvSpPr/>
+          <p:nvPr/>
+        </p:nvSpPr>
+        <p:spPr>
+          <a:xfrm>
+            <a:off x="9747097" y="3404259"/>
+            <a:ext cx="502418" cy="502418"/>
+          </a:xfrm>
+          <a:prstGeom prst="rect">
+            <a:avLst/>
+          </a:prstGeom>
+          <a:solidFill>
+            <a:schemeClr val="accent1">
+              <a:lumMod val="40000"/>
+              <a:lumOff val="60000"/>
+            </a:schemeClr>
+          </a:solidFill>
+          <a:ln>
+            <a:solidFill>
+              <a:schemeClr val="tx1"/>
+            </a:solidFill>
+          </a:ln>
+        </p:spPr>
+        <p:style>
+          <a:lnRef idx="2">
+            <a:schemeClr val="accent1">
+              <a:shade val="50000"/>
+            </a:schemeClr>
+          </a:lnRef>
+          <a:fillRef idx="1">
+            <a:schemeClr val="accent1"/>
+          </a:fillRef>
+          <a:effectRef idx="0">
+            <a:schemeClr val="accent1"/>
+          </a:effectRef>
+          <a:fontRef idx="minor">
+            <a:schemeClr val="lt1"/>
+          </a:fontRef>
+        </p:style>
+        <p:txBody>
+          <a:bodyPr rtlCol="0" anchor="ctr"/>
+          <a:lstStyle/>
+          <a:p>
+            <a:pPr algn="ctr"/>
+            <a:endParaRPr kumimoji="1" lang="ja-JP" altLang="en-US" dirty="0">
+              <a:solidFill>
+                <a:schemeClr val="tx1"/>
+              </a:solidFill>
+            </a:endParaRPr>
+          </a:p>
+        </p:txBody>
+      </p:sp>
+      <p:cxnSp>
+        <p:nvCxnSpPr>
+          <p:cNvPr id="52" name="直線矢印コネクタ 51">
+            <a:extLst>
+              <a:ext uri="{FF2B5EF4-FFF2-40B4-BE49-F238E27FC236}">
+                <a16:creationId xmlns:a16="http://schemas.microsoft.com/office/drawing/2014/main" id="{4B15B0A7-464A-907B-0884-5EBC06867759}"/>
+              </a:ext>
+            </a:extLst>
+          </p:cNvPr>
+          <p:cNvCxnSpPr>
+            <a:cxnSpLocks/>
+          </p:cNvCxnSpPr>
+          <p:nvPr/>
+        </p:nvCxnSpPr>
+        <p:spPr>
+          <a:xfrm>
+            <a:off x="8993470" y="3955963"/>
+            <a:ext cx="914399" cy="876667"/>
+          </a:xfrm>
+          <a:prstGeom prst="straightConnector1">
+            <a:avLst/>
+          </a:prstGeom>
+          <a:ln>
+            <a:tailEnd type="triangle"/>
+          </a:ln>
+        </p:spPr>
+        <p:style>
+          <a:lnRef idx="1">
+            <a:schemeClr val="accent2"/>
+          </a:lnRef>
+          <a:fillRef idx="0">
+            <a:schemeClr val="accent2"/>
+          </a:fillRef>
+          <a:effectRef idx="0">
+            <a:schemeClr val="accent2"/>
+          </a:effectRef>
+          <a:fontRef idx="minor">
+            <a:schemeClr val="tx1"/>
+          </a:fontRef>
+        </p:style>
+      </p:cxnSp>
+      <mc:AlternateContent xmlns:mc="http://schemas.openxmlformats.org/markup-compatibility/2006">
+        <mc:Choice xmlns:a14="http://schemas.microsoft.com/office/drawing/2010/main" Requires="a14">
+          <p:sp>
+            <p:nvSpPr>
+              <p:cNvPr id="53" name="テキスト ボックス 52">
+                <a:extLst>
+                  <a:ext uri="{FF2B5EF4-FFF2-40B4-BE49-F238E27FC236}">
+                    <a16:creationId xmlns:a16="http://schemas.microsoft.com/office/drawing/2014/main" id="{72EF5052-F41E-6929-7754-49E0D128717C}"/>
+                  </a:ext>
+                </a:extLst>
+              </p:cNvPr>
+              <p:cNvSpPr txBox="1"/>
+              <p:nvPr/>
+            </p:nvSpPr>
+            <p:spPr>
+              <a:xfrm>
+                <a:off x="8483009" y="3024269"/>
+                <a:ext cx="761670" cy="307777"/>
+              </a:xfrm>
+              <a:prstGeom prst="rect">
+                <a:avLst/>
+              </a:prstGeom>
+              <a:noFill/>
+            </p:spPr>
+            <p:txBody>
+              <a:bodyPr wrap="square" rtlCol="0">
+                <a:spAutoFit/>
+              </a:bodyPr>
+              <a:lstStyle/>
+              <a:p>
+                <a14:m>
+                  <m:oMathPara xmlns:m="http://schemas.openxmlformats.org/officeDocument/2006/math">
+                    <m:oMathParaPr>
+                      <m:jc m:val="centerGroup"/>
+                    </m:oMathParaPr>
+                    <m:oMath xmlns:m="http://schemas.openxmlformats.org/officeDocument/2006/math">
+                      <m:r>
+                        <a:rPr lang="ar-AE" altLang="ja-JP" sz="1400" i="1" smtClean="0">
+                          <a:latin typeface="Cambria Math" panose="02040503050406030204" pitchFamily="18" charset="0"/>
+                        </a:rPr>
+                        <m:t>𝜙</m:t>
+                      </m:r>
+                      <m:r>
+                        <a:rPr lang="en-US" altLang="ja-JP" sz="1400" b="0" i="1" smtClean="0">
+                          <a:latin typeface="Cambria Math" panose="02040503050406030204" pitchFamily="18" charset="0"/>
+                        </a:rPr>
+                        <m:t>=</m:t>
+                      </m:r>
+                      <m:r>
+                        <a:rPr lang="en-US" altLang="ja-JP" sz="1400" i="1">
+                          <a:latin typeface="Cambria Math" panose="02040503050406030204" pitchFamily="18" charset="0"/>
+                        </a:rPr>
+                        <m:t>3</m:t>
+                      </m:r>
+                      <m:r>
+                        <a:rPr lang="en-US" altLang="ja-JP" sz="1400" b="0" i="1" smtClean="0">
+                          <a:latin typeface="Cambria Math" panose="02040503050406030204" pitchFamily="18" charset="0"/>
+                        </a:rPr>
+                        <m:t>0</m:t>
+                      </m:r>
+                    </m:oMath>
+                  </m:oMathPara>
+                </a14:m>
+                <a:endParaRPr kumimoji="1" lang="ja-JP" altLang="en-US" sz="1400" dirty="0"/>
+              </a:p>
+            </p:txBody>
+          </p:sp>
+        </mc:Choice>
+        <mc:Fallback>
+          <p:sp>
+            <p:nvSpPr>
+              <p:cNvPr id="53" name="テキスト ボックス 52">
+                <a:extLst>
+                  <a:ext uri="{FF2B5EF4-FFF2-40B4-BE49-F238E27FC236}">
+                    <a16:creationId xmlns:a16="http://schemas.microsoft.com/office/drawing/2014/main" id="{72EF5052-F41E-6929-7754-49E0D128717C}"/>
+                  </a:ext>
+                </a:extLst>
+              </p:cNvPr>
+              <p:cNvSpPr txBox="1">
+                <a:spLocks noRot="1" noChangeAspect="1" noMove="1" noResize="1" noEditPoints="1" noAdjustHandles="1" noChangeArrowheads="1" noChangeShapeType="1" noTextEdit="1"/>
+              </p:cNvSpPr>
+              <p:nvPr/>
+            </p:nvSpPr>
+            <p:spPr>
+              <a:xfrm>
+                <a:off x="8483009" y="3024269"/>
+                <a:ext cx="761670" cy="307777"/>
+              </a:xfrm>
+              <a:prstGeom prst="rect">
+                <a:avLst/>
+              </a:prstGeom>
+              <a:blipFill>
+                <a:blip r:embed="rId11"/>
+                <a:stretch>
+                  <a:fillRect b="-5882"/>
+                </a:stretch>
+              </a:blipFill>
+            </p:spPr>
+            <p:txBody>
+              <a:bodyPr/>
+              <a:lstStyle/>
+              <a:p>
+                <a:r>
+                  <a:rPr lang="ja-JP" altLang="en-US">
+                    <a:noFill/>
+                  </a:rPr>
+                  <a:t> </a:t>
+                </a:r>
+              </a:p>
+            </p:txBody>
+          </p:sp>
+        </mc:Fallback>
+      </mc:AlternateContent>
+      <mc:AlternateContent xmlns:mc="http://schemas.openxmlformats.org/markup-compatibility/2006">
+        <mc:Choice xmlns:a14="http://schemas.microsoft.com/office/drawing/2010/main" Requires="a14">
+          <p:sp>
+            <p:nvSpPr>
+              <p:cNvPr id="56" name="テキスト ボックス 55">
+                <a:extLst>
+                  <a:ext uri="{FF2B5EF4-FFF2-40B4-BE49-F238E27FC236}">
+                    <a16:creationId xmlns:a16="http://schemas.microsoft.com/office/drawing/2014/main" id="{24BC2972-E59C-4F63-4F4C-ED1AF62E7AE9}"/>
+                  </a:ext>
+                </a:extLst>
+              </p:cNvPr>
+              <p:cNvSpPr txBox="1"/>
+              <p:nvPr/>
+            </p:nvSpPr>
+            <p:spPr>
+              <a:xfrm>
+                <a:off x="8921876" y="4873536"/>
+                <a:ext cx="761670" cy="307777"/>
+              </a:xfrm>
+              <a:prstGeom prst="rect">
+                <a:avLst/>
+              </a:prstGeom>
+              <a:noFill/>
+            </p:spPr>
+            <p:txBody>
+              <a:bodyPr wrap="square" rtlCol="0">
+                <a:spAutoFit/>
+              </a:bodyPr>
+              <a:lstStyle/>
+              <a:p>
+                <a14:m>
+                  <m:oMathPara xmlns:m="http://schemas.openxmlformats.org/officeDocument/2006/math">
+                    <m:oMathParaPr>
+                      <m:jc m:val="centerGroup"/>
+                    </m:oMathParaPr>
+                    <m:oMath xmlns:m="http://schemas.openxmlformats.org/officeDocument/2006/math">
+                      <m:r>
+                        <a:rPr lang="ar-AE" altLang="ja-JP" sz="1400" i="1" smtClean="0">
+                          <a:latin typeface="Cambria Math" panose="02040503050406030204" pitchFamily="18" charset="0"/>
+                        </a:rPr>
+                        <m:t>𝜙</m:t>
+                      </m:r>
+                      <m:r>
+                        <a:rPr lang="en-US" altLang="ja-JP" sz="1400" b="0" i="1" smtClean="0">
+                          <a:latin typeface="Cambria Math" panose="02040503050406030204" pitchFamily="18" charset="0"/>
+                        </a:rPr>
+                        <m:t>=</m:t>
+                      </m:r>
+                      <m:r>
+                        <a:rPr lang="en-US" altLang="ja-JP" sz="1400" b="0" i="1" smtClean="0">
+                          <a:latin typeface="Cambria Math" panose="02040503050406030204" pitchFamily="18" charset="0"/>
+                        </a:rPr>
+                        <m:t>10</m:t>
+                      </m:r>
+                    </m:oMath>
+                  </m:oMathPara>
+                </a14:m>
+                <a:endParaRPr kumimoji="1" lang="ja-JP" altLang="en-US" sz="1400" dirty="0"/>
+              </a:p>
+            </p:txBody>
+          </p:sp>
+        </mc:Choice>
+        <mc:Fallback>
+          <p:sp>
+            <p:nvSpPr>
+              <p:cNvPr id="56" name="テキスト ボックス 55">
+                <a:extLst>
+                  <a:ext uri="{FF2B5EF4-FFF2-40B4-BE49-F238E27FC236}">
+                    <a16:creationId xmlns:a16="http://schemas.microsoft.com/office/drawing/2014/main" id="{24BC2972-E59C-4F63-4F4C-ED1AF62E7AE9}"/>
+                  </a:ext>
+                </a:extLst>
+              </p:cNvPr>
+              <p:cNvSpPr txBox="1">
+                <a:spLocks noRot="1" noChangeAspect="1" noMove="1" noResize="1" noEditPoints="1" noAdjustHandles="1" noChangeArrowheads="1" noChangeShapeType="1" noTextEdit="1"/>
+              </p:cNvSpPr>
+              <p:nvPr/>
+            </p:nvSpPr>
+            <p:spPr>
+              <a:xfrm>
+                <a:off x="8921876" y="4873536"/>
+                <a:ext cx="761670" cy="307777"/>
+              </a:xfrm>
+              <a:prstGeom prst="rect">
+                <a:avLst/>
+              </a:prstGeom>
+              <a:blipFill>
+                <a:blip r:embed="rId12"/>
+                <a:stretch>
+                  <a:fillRect b="-5882"/>
+                </a:stretch>
+              </a:blipFill>
+            </p:spPr>
+            <p:txBody>
+              <a:bodyPr/>
+              <a:lstStyle/>
+              <a:p>
+                <a:r>
+                  <a:rPr lang="ja-JP" altLang="en-US">
+                    <a:noFill/>
+                  </a:rPr>
+                  <a:t> </a:t>
+                </a:r>
+              </a:p>
+            </p:txBody>
+          </p:sp>
+        </mc:Fallback>
+      </mc:AlternateContent>
+      <mc:AlternateContent xmlns:mc="http://schemas.openxmlformats.org/markup-compatibility/2006">
+        <mc:Choice xmlns:a14="http://schemas.microsoft.com/office/drawing/2010/main" Requires="a14">
+          <p:sp>
+            <p:nvSpPr>
+              <p:cNvPr id="57" name="テキスト ボックス 56">
+                <a:extLst>
+                  <a:ext uri="{FF2B5EF4-FFF2-40B4-BE49-F238E27FC236}">
+                    <a16:creationId xmlns:a16="http://schemas.microsoft.com/office/drawing/2014/main" id="{C0ABCA81-4343-03CF-247E-99AE79443572}"/>
+                  </a:ext>
+                </a:extLst>
+              </p:cNvPr>
+              <p:cNvSpPr txBox="1"/>
+              <p:nvPr/>
+            </p:nvSpPr>
+            <p:spPr>
+              <a:xfrm>
+                <a:off x="5760012" y="3024269"/>
+                <a:ext cx="761670" cy="307777"/>
+              </a:xfrm>
+              <a:prstGeom prst="rect">
+                <a:avLst/>
+              </a:prstGeom>
+              <a:noFill/>
+            </p:spPr>
+            <p:txBody>
+              <a:bodyPr wrap="square" rtlCol="0">
+                <a:spAutoFit/>
+              </a:bodyPr>
+              <a:lstStyle/>
+              <a:p>
+                <a14:m>
+                  <m:oMathPara xmlns:m="http://schemas.openxmlformats.org/officeDocument/2006/math">
+                    <m:oMathParaPr>
+                      <m:jc m:val="centerGroup"/>
+                    </m:oMathParaPr>
+                    <m:oMath xmlns:m="http://schemas.openxmlformats.org/officeDocument/2006/math">
+                      <m:r>
+                        <a:rPr lang="ar-AE" altLang="ja-JP" sz="1400" i="1" smtClean="0">
+                          <a:latin typeface="Cambria Math" panose="02040503050406030204" pitchFamily="18" charset="0"/>
+                        </a:rPr>
+                        <m:t>𝜙</m:t>
+                      </m:r>
+                      <m:r>
+                        <a:rPr lang="en-US" altLang="ja-JP" sz="1400" b="0" i="1" smtClean="0">
+                          <a:latin typeface="Cambria Math" panose="02040503050406030204" pitchFamily="18" charset="0"/>
+                        </a:rPr>
+                        <m:t>=</m:t>
+                      </m:r>
+                      <m:r>
+                        <a:rPr lang="en-US" altLang="ja-JP" sz="1400" i="1">
+                          <a:latin typeface="Cambria Math" panose="02040503050406030204" pitchFamily="18" charset="0"/>
+                        </a:rPr>
+                        <m:t>3</m:t>
+                      </m:r>
+                      <m:r>
+                        <a:rPr lang="en-US" altLang="ja-JP" sz="1400" b="0" i="1" smtClean="0">
+                          <a:latin typeface="Cambria Math" panose="02040503050406030204" pitchFamily="18" charset="0"/>
+                        </a:rPr>
+                        <m:t>0</m:t>
+                      </m:r>
+                    </m:oMath>
+                  </m:oMathPara>
+                </a14:m>
+                <a:endParaRPr kumimoji="1" lang="ja-JP" altLang="en-US" sz="1400" dirty="0"/>
+              </a:p>
+            </p:txBody>
+          </p:sp>
+        </mc:Choice>
+        <mc:Fallback>
+          <p:sp>
+            <p:nvSpPr>
+              <p:cNvPr id="57" name="テキスト ボックス 56">
+                <a:extLst>
+                  <a:ext uri="{FF2B5EF4-FFF2-40B4-BE49-F238E27FC236}">
+                    <a16:creationId xmlns:a16="http://schemas.microsoft.com/office/drawing/2014/main" id="{C0ABCA81-4343-03CF-247E-99AE79443572}"/>
+                  </a:ext>
+                </a:extLst>
+              </p:cNvPr>
+              <p:cNvSpPr txBox="1">
+                <a:spLocks noRot="1" noChangeAspect="1" noMove="1" noResize="1" noEditPoints="1" noAdjustHandles="1" noChangeArrowheads="1" noChangeShapeType="1" noTextEdit="1"/>
+              </p:cNvSpPr>
+              <p:nvPr/>
+            </p:nvSpPr>
+            <p:spPr>
+              <a:xfrm>
+                <a:off x="5760012" y="3024269"/>
+                <a:ext cx="761670" cy="307777"/>
+              </a:xfrm>
+              <a:prstGeom prst="rect">
+                <a:avLst/>
+              </a:prstGeom>
+              <a:blipFill>
+                <a:blip r:embed="rId11"/>
+                <a:stretch>
+                  <a:fillRect b="-5882"/>
+                </a:stretch>
+              </a:blipFill>
+            </p:spPr>
+            <p:txBody>
+              <a:bodyPr/>
+              <a:lstStyle/>
+              <a:p>
+                <a:r>
+                  <a:rPr lang="ja-JP" altLang="en-US">
+                    <a:noFill/>
+                  </a:rPr>
+                  <a:t> </a:t>
+                </a:r>
+              </a:p>
+            </p:txBody>
+          </p:sp>
+        </mc:Fallback>
+      </mc:AlternateContent>
+      <mc:AlternateContent xmlns:mc="http://schemas.openxmlformats.org/markup-compatibility/2006">
+        <mc:Choice xmlns:a14="http://schemas.microsoft.com/office/drawing/2010/main" Requires="a14">
+          <p:sp>
+            <p:nvSpPr>
+              <p:cNvPr id="58" name="テキスト ボックス 57">
+                <a:extLst>
+                  <a:ext uri="{FF2B5EF4-FFF2-40B4-BE49-F238E27FC236}">
+                    <a16:creationId xmlns:a16="http://schemas.microsoft.com/office/drawing/2014/main" id="{E98A847F-85E0-AC26-1856-A08FACB05FCA}"/>
+                  </a:ext>
+                </a:extLst>
+              </p:cNvPr>
+              <p:cNvSpPr txBox="1"/>
+              <p:nvPr/>
+            </p:nvSpPr>
+            <p:spPr>
+              <a:xfrm>
+                <a:off x="3436756" y="3002934"/>
+                <a:ext cx="761670" cy="307777"/>
+              </a:xfrm>
+              <a:prstGeom prst="rect">
+                <a:avLst/>
+              </a:prstGeom>
+              <a:noFill/>
+            </p:spPr>
+            <p:txBody>
+              <a:bodyPr wrap="square" rtlCol="0">
+                <a:spAutoFit/>
+              </a:bodyPr>
+              <a:lstStyle/>
+              <a:p>
+                <a14:m>
+                  <m:oMathPara xmlns:m="http://schemas.openxmlformats.org/officeDocument/2006/math">
+                    <m:oMathParaPr>
+                      <m:jc m:val="centerGroup"/>
+                    </m:oMathParaPr>
+                    <m:oMath xmlns:m="http://schemas.openxmlformats.org/officeDocument/2006/math">
+                      <m:r>
+                        <a:rPr lang="ar-AE" altLang="ja-JP" sz="1400" i="1" smtClean="0">
+                          <a:latin typeface="Cambria Math" panose="02040503050406030204" pitchFamily="18" charset="0"/>
+                        </a:rPr>
+                        <m:t>𝜙</m:t>
+                      </m:r>
+                      <m:r>
+                        <a:rPr lang="en-US" altLang="ja-JP" sz="1400" b="0" i="1" smtClean="0">
+                          <a:latin typeface="Cambria Math" panose="02040503050406030204" pitchFamily="18" charset="0"/>
+                        </a:rPr>
+                        <m:t>=</m:t>
+                      </m:r>
+                      <m:r>
+                        <a:rPr lang="en-US" altLang="ja-JP" sz="1400" i="1">
+                          <a:latin typeface="Cambria Math" panose="02040503050406030204" pitchFamily="18" charset="0"/>
+                        </a:rPr>
+                        <m:t>3</m:t>
+                      </m:r>
+                      <m:r>
+                        <a:rPr lang="en-US" altLang="ja-JP" sz="1400" b="0" i="1" smtClean="0">
+                          <a:latin typeface="Cambria Math" panose="02040503050406030204" pitchFamily="18" charset="0"/>
+                        </a:rPr>
+                        <m:t>0</m:t>
+                      </m:r>
+                    </m:oMath>
+                  </m:oMathPara>
+                </a14:m>
+                <a:endParaRPr kumimoji="1" lang="ja-JP" altLang="en-US" sz="1400" dirty="0"/>
+              </a:p>
+            </p:txBody>
+          </p:sp>
+        </mc:Choice>
+        <mc:Fallback>
+          <p:sp>
+            <p:nvSpPr>
+              <p:cNvPr id="58" name="テキスト ボックス 57">
+                <a:extLst>
+                  <a:ext uri="{FF2B5EF4-FFF2-40B4-BE49-F238E27FC236}">
+                    <a16:creationId xmlns:a16="http://schemas.microsoft.com/office/drawing/2014/main" id="{E98A847F-85E0-AC26-1856-A08FACB05FCA}"/>
+                  </a:ext>
+                </a:extLst>
+              </p:cNvPr>
+              <p:cNvSpPr txBox="1">
+                <a:spLocks noRot="1" noChangeAspect="1" noMove="1" noResize="1" noEditPoints="1" noAdjustHandles="1" noChangeArrowheads="1" noChangeShapeType="1" noTextEdit="1"/>
+              </p:cNvSpPr>
+              <p:nvPr/>
+            </p:nvSpPr>
+            <p:spPr>
+              <a:xfrm>
+                <a:off x="3436756" y="3002934"/>
+                <a:ext cx="761670" cy="307777"/>
+              </a:xfrm>
+              <a:prstGeom prst="rect">
+                <a:avLst/>
+              </a:prstGeom>
+              <a:blipFill>
+                <a:blip r:embed="rId13"/>
+                <a:stretch>
+                  <a:fillRect b="-8000"/>
+                </a:stretch>
+              </a:blipFill>
+            </p:spPr>
+            <p:txBody>
+              <a:bodyPr/>
+              <a:lstStyle/>
+              <a:p>
+                <a:r>
+                  <a:rPr lang="ja-JP" altLang="en-US">
+                    <a:noFill/>
+                  </a:rPr>
+                  <a:t> </a:t>
+                </a:r>
+              </a:p>
+            </p:txBody>
+          </p:sp>
+        </mc:Fallback>
+      </mc:AlternateContent>
+      <mc:AlternateContent xmlns:mc="http://schemas.openxmlformats.org/markup-compatibility/2006">
+        <mc:Choice xmlns:a14="http://schemas.microsoft.com/office/drawing/2010/main" Requires="a14">
+          <p:sp>
+            <p:nvSpPr>
+              <p:cNvPr id="60" name="テキスト ボックス 59">
+                <a:extLst>
+                  <a:ext uri="{FF2B5EF4-FFF2-40B4-BE49-F238E27FC236}">
+                    <a16:creationId xmlns:a16="http://schemas.microsoft.com/office/drawing/2014/main" id="{D30EED6A-C337-24E0-9728-46B7BDB20A57}"/>
+                  </a:ext>
+                </a:extLst>
+              </p:cNvPr>
+              <p:cNvSpPr txBox="1"/>
+              <p:nvPr/>
+            </p:nvSpPr>
+            <p:spPr>
+              <a:xfrm>
+                <a:off x="662641" y="287420"/>
+                <a:ext cx="6096000" cy="396519"/>
+              </a:xfrm>
+              <a:prstGeom prst="rect">
+                <a:avLst/>
+              </a:prstGeom>
+              <a:noFill/>
+            </p:spPr>
+            <p:txBody>
+              <a:bodyPr wrap="square">
+                <a:spAutoFit/>
+              </a:bodyPr>
+              <a:lstStyle/>
+              <a:p>
+                <a14:m>
+                  <m:oMath xmlns:m="http://schemas.openxmlformats.org/officeDocument/2006/math">
+                    <m:sSub>
+                      <m:sSubPr>
+                        <m:ctrlPr>
+                          <a:rPr kumimoji="1" lang="en-US" altLang="ja-JP" i="1" smtClean="0">
+                            <a:latin typeface="Cambria Math" panose="02040503050406030204" pitchFamily="18" charset="0"/>
+                          </a:rPr>
+                        </m:ctrlPr>
+                      </m:sSubPr>
+                      <m:e>
+                        <m:r>
+                          <a:rPr kumimoji="1" lang="en-US" altLang="ja-JP" b="0" i="1" smtClean="0">
+                            <a:latin typeface="Cambria Math" panose="02040503050406030204" pitchFamily="18" charset="0"/>
+                          </a:rPr>
+                          <m:t>h</m:t>
+                        </m:r>
+                      </m:e>
+                      <m:sub>
+                        <m:r>
+                          <a:rPr kumimoji="1" lang="en-US" altLang="ja-JP" b="0" i="1" smtClean="0">
+                            <a:latin typeface="Cambria Math" panose="02040503050406030204" pitchFamily="18" charset="0"/>
+                          </a:rPr>
+                          <m:t>𝑟</m:t>
+                        </m:r>
+                        <m:r>
+                          <a:rPr kumimoji="1" lang="en-US" altLang="ja-JP" b="0" i="1" smtClean="0">
+                            <a:latin typeface="Cambria Math" panose="02040503050406030204" pitchFamily="18" charset="0"/>
+                          </a:rPr>
+                          <m:t>,</m:t>
+                        </m:r>
+                        <m:sSub>
+                          <m:sSubPr>
+                            <m:ctrlPr>
+                              <a:rPr kumimoji="1" lang="en-US" altLang="ja-JP" b="0" i="1" smtClean="0">
+                                <a:latin typeface="Cambria Math" panose="02040503050406030204" pitchFamily="18" charset="0"/>
+                              </a:rPr>
+                            </m:ctrlPr>
+                          </m:sSubPr>
+                          <m:e>
+                            <m:r>
+                              <a:rPr kumimoji="1" lang="en-US" altLang="ja-JP" b="0" i="1" smtClean="0">
+                                <a:latin typeface="Cambria Math" panose="02040503050406030204" pitchFamily="18" charset="0"/>
+                              </a:rPr>
+                              <m:t>𝑥</m:t>
+                            </m:r>
+                          </m:e>
+                          <m:sub>
+                            <m:r>
+                              <a:rPr kumimoji="1" lang="en-US" altLang="ja-JP" b="0" i="1" smtClean="0">
+                                <a:latin typeface="Cambria Math" panose="02040503050406030204" pitchFamily="18" charset="0"/>
+                              </a:rPr>
+                              <m:t>𝑖</m:t>
+                            </m:r>
+                          </m:sub>
+                        </m:sSub>
+                        <m:r>
+                          <a:rPr kumimoji="1" lang="en-US" altLang="ja-JP" b="0" i="1" smtClean="0">
+                            <a:latin typeface="Cambria Math" panose="02040503050406030204" pitchFamily="18" charset="0"/>
+                          </a:rPr>
+                          <m:t>,</m:t>
+                        </m:r>
+                        <m:r>
+                          <a:rPr kumimoji="1" lang="en-US" altLang="ja-JP" b="0" i="1" smtClean="0">
+                            <a:latin typeface="Cambria Math" panose="02040503050406030204" pitchFamily="18" charset="0"/>
+                          </a:rPr>
+                          <m:t>𝑗</m:t>
+                        </m:r>
+                      </m:sub>
+                    </m:sSub>
+                    <m:d>
+                      <m:dPr>
+                        <m:ctrlPr>
+                          <a:rPr kumimoji="1" lang="en-US" altLang="ja-JP" b="0" i="1" smtClean="0">
+                            <a:latin typeface="Cambria Math" panose="02040503050406030204" pitchFamily="18" charset="0"/>
+                          </a:rPr>
+                        </m:ctrlPr>
+                      </m:dPr>
+                      <m:e>
+                        <m:sSup>
+                          <m:sSupPr>
+                            <m:ctrlPr>
+                              <a:rPr kumimoji="1" lang="en-US" altLang="ja-JP" b="0" i="1" smtClean="0">
+                                <a:latin typeface="Cambria Math" panose="02040503050406030204" pitchFamily="18" charset="0"/>
+                              </a:rPr>
+                            </m:ctrlPr>
+                          </m:sSupPr>
+                          <m:e>
+                            <m:r>
+                              <a:rPr kumimoji="1" lang="en-US" altLang="ja-JP" b="0" i="1" smtClean="0">
+                                <a:latin typeface="Cambria Math" panose="02040503050406030204" pitchFamily="18" charset="0"/>
+                              </a:rPr>
+                              <m:t>𝑡</m:t>
+                            </m:r>
+                          </m:e>
+                          <m:sup>
+                            <m:r>
+                              <a:rPr kumimoji="1" lang="en-US" altLang="ja-JP" b="0" i="1" smtClean="0">
+                                <a:latin typeface="Cambria Math" panose="02040503050406030204" pitchFamily="18" charset="0"/>
+                              </a:rPr>
+                              <m:t>′</m:t>
+                            </m:r>
+                          </m:sup>
+                        </m:sSup>
+                      </m:e>
+                    </m:d>
+                    <m:r>
+                      <a:rPr kumimoji="1" lang="en-US" altLang="ja-JP" b="0" i="0" smtClean="0">
+                        <a:latin typeface="Cambria Math" panose="02040503050406030204" pitchFamily="18" charset="0"/>
+                      </a:rPr>
+                      <m:t>,</m:t>
+                    </m:r>
+                  </m:oMath>
+                </a14:m>
+                <a:r>
+                  <a:rPr lang="ja-JP" altLang="en-US" dirty="0"/>
+                  <a:t> </a:t>
+                </a:r>
+                <a14:m>
+                  <m:oMath xmlns:m="http://schemas.openxmlformats.org/officeDocument/2006/math">
+                    <m:sSub>
+                      <m:sSubPr>
+                        <m:ctrlPr>
+                          <a:rPr lang="en-US" altLang="ja-JP" i="1">
+                            <a:latin typeface="Cambria Math" panose="02040503050406030204" pitchFamily="18" charset="0"/>
+                          </a:rPr>
+                        </m:ctrlPr>
+                      </m:sSubPr>
+                      <m:e>
+                        <m:r>
+                          <a:rPr lang="en-US" altLang="ja-JP" i="1">
+                            <a:latin typeface="Cambria Math" panose="02040503050406030204" pitchFamily="18" charset="0"/>
+                          </a:rPr>
+                          <m:t>h</m:t>
+                        </m:r>
+                      </m:e>
+                      <m:sub>
+                        <m:r>
+                          <a:rPr lang="en-US" altLang="ja-JP" i="1">
+                            <a:latin typeface="Cambria Math" panose="02040503050406030204" pitchFamily="18" charset="0"/>
+                          </a:rPr>
+                          <m:t>𝑟</m:t>
+                        </m:r>
+                        <m:r>
+                          <a:rPr lang="en-US" altLang="ja-JP" i="1">
+                            <a:latin typeface="Cambria Math" panose="02040503050406030204" pitchFamily="18" charset="0"/>
+                          </a:rPr>
+                          <m:t>,</m:t>
+                        </m:r>
+                        <m:r>
+                          <a:rPr lang="en-US" altLang="ja-JP" i="1">
+                            <a:latin typeface="Cambria Math" panose="02040503050406030204" pitchFamily="18" charset="0"/>
+                          </a:rPr>
+                          <m:t>𝑗</m:t>
+                        </m:r>
+                        <m:r>
+                          <a:rPr lang="en-US" altLang="ja-JP" b="0" i="1" smtClean="0">
+                            <a:latin typeface="Cambria Math" panose="02040503050406030204" pitchFamily="18" charset="0"/>
+                          </a:rPr>
+                          <m:t>,</m:t>
+                        </m:r>
+                        <m:r>
+                          <a:rPr lang="en-US" altLang="ja-JP" b="0" i="1" smtClean="0">
+                            <a:latin typeface="Cambria Math" panose="02040503050406030204" pitchFamily="18" charset="0"/>
+                          </a:rPr>
+                          <m:t>𝑥</m:t>
+                        </m:r>
+                      </m:sub>
+                    </m:sSub>
+                    <m:r>
+                      <a:rPr lang="en-US" altLang="ja-JP" i="1">
+                        <a:latin typeface="Cambria Math" panose="02040503050406030204" pitchFamily="18" charset="0"/>
+                      </a:rPr>
+                      <m:t>(</m:t>
+                    </m:r>
+                    <m:r>
+                      <a:rPr lang="en-US" altLang="ja-JP" b="0" i="1" smtClean="0">
+                        <a:latin typeface="Cambria Math" panose="02040503050406030204" pitchFamily="18" charset="0"/>
+                      </a:rPr>
+                      <m:t>𝑡</m:t>
+                    </m:r>
+                    <m:r>
+                      <a:rPr lang="en-US" altLang="ja-JP" b="0" i="1" smtClean="0">
+                        <a:latin typeface="Cambria Math" panose="02040503050406030204" pitchFamily="18" charset="0"/>
+                      </a:rPr>
+                      <m:t>−</m:t>
+                    </m:r>
+                    <m:r>
+                      <a:rPr lang="en-US" altLang="ja-JP" i="1">
+                        <a:latin typeface="Cambria Math" panose="02040503050406030204" pitchFamily="18" charset="0"/>
+                      </a:rPr>
+                      <m:t>𝑡</m:t>
+                    </m:r>
+                    <m:r>
+                      <a:rPr lang="en-US" altLang="ja-JP" i="1">
+                        <a:latin typeface="Cambria Math" panose="02040503050406030204" pitchFamily="18" charset="0"/>
+                      </a:rPr>
+                      <m:t>′</m:t>
+                    </m:r>
+                    <m:r>
+                      <a:rPr lang="en-US" altLang="ja-JP" i="1">
+                        <a:latin typeface="Cambria Math" panose="02040503050406030204" pitchFamily="18" charset="0"/>
+                      </a:rPr>
+                      <m:t>)</m:t>
+                    </m:r>
+                    <m:r>
+                      <a:rPr lang="ja-JP" altLang="en-US" i="1">
+                        <a:latin typeface="Cambria Math" panose="02040503050406030204" pitchFamily="18" charset="0"/>
+                      </a:rPr>
+                      <m:t>の</m:t>
+                    </m:r>
+                  </m:oMath>
+                </a14:m>
+                <a:r>
+                  <a:rPr lang="ja-JP" altLang="en-US" dirty="0"/>
+                  <a:t>導出</a:t>
+                </a:r>
+              </a:p>
+            </p:txBody>
+          </p:sp>
+        </mc:Choice>
+        <mc:Fallback>
+          <p:sp>
+            <p:nvSpPr>
+              <p:cNvPr id="60" name="テキスト ボックス 59">
+                <a:extLst>
+                  <a:ext uri="{FF2B5EF4-FFF2-40B4-BE49-F238E27FC236}">
+                    <a16:creationId xmlns:a16="http://schemas.microsoft.com/office/drawing/2014/main" id="{D30EED6A-C337-24E0-9728-46B7BDB20A57}"/>
+                  </a:ext>
+                </a:extLst>
+              </p:cNvPr>
+              <p:cNvSpPr txBox="1">
+                <a:spLocks noRot="1" noChangeAspect="1" noMove="1" noResize="1" noEditPoints="1" noAdjustHandles="1" noChangeArrowheads="1" noChangeShapeType="1" noTextEdit="1"/>
+              </p:cNvSpPr>
+              <p:nvPr/>
+            </p:nvSpPr>
+            <p:spPr>
+              <a:xfrm>
+                <a:off x="662641" y="287420"/>
+                <a:ext cx="6096000" cy="396519"/>
+              </a:xfrm>
+              <a:prstGeom prst="rect">
+                <a:avLst/>
+              </a:prstGeom>
+              <a:blipFill>
+                <a:blip r:embed="rId14"/>
+                <a:stretch>
+                  <a:fillRect t="-4615" b="-20000"/>
+                </a:stretch>
+              </a:blipFill>
+            </p:spPr>
+            <p:txBody>
+              <a:bodyPr/>
+              <a:lstStyle/>
+              <a:p>
+                <a:r>
+                  <a:rPr lang="ja-JP" altLang="en-US">
+                    <a:noFill/>
+                  </a:rPr>
+                  <a:t> </a:t>
+                </a:r>
+              </a:p>
+            </p:txBody>
+          </p:sp>
+        </mc:Fallback>
+      </mc:AlternateContent>
+    </p:spTree>
+    <p:extLst>
+      <p:ext uri="{BB962C8B-B14F-4D97-AF65-F5344CB8AC3E}">
+        <p14:creationId xmlns:p14="http://schemas.microsoft.com/office/powerpoint/2010/main" val="2598201452"/>
+      </p:ext>
+    </p:extLst>
+  </p:cSld>
+  <p:clrMapOvr>
+    <a:masterClrMapping/>
+  </p:clrMapOvr>
+</p:sld>
+</file>
+
+<file path=ppt/slides/slide22.xml><?xml version="1.0" encoding="utf-8"?>
 <p:sld xmlns:a="http://schemas.openxmlformats.org/drawingml/2006/main" xmlns:r="http://schemas.openxmlformats.org/officeDocument/2006/relationships" xmlns:p="http://schemas.openxmlformats.org/presentationml/2006/main">
   <p:cSld>
     <p:spTree>
@@ -30072,7 +34178,7 @@
 </p:sld>
 </file>
 
-<file path=ppt/slides/slide22.xml><?xml version="1.0" encoding="utf-8"?>
+<file path=ppt/slides/slide23.xml><?xml version="1.0" encoding="utf-8"?>
 <p:sld xmlns:a="http://schemas.openxmlformats.org/drawingml/2006/main" xmlns:r="http://schemas.openxmlformats.org/officeDocument/2006/relationships" xmlns:p="http://schemas.openxmlformats.org/presentationml/2006/main">
   <p:cSld>
     <p:spTree>
@@ -30339,7 +34445,7 @@
 </p:sld>
 </file>
 
-<file path=ppt/slides/slide23.xml><?xml version="1.0" encoding="utf-8"?>
+<file path=ppt/slides/slide24.xml><?xml version="1.0" encoding="utf-8"?>
 <p:sld xmlns:a="http://schemas.openxmlformats.org/drawingml/2006/main" xmlns:r="http://schemas.openxmlformats.org/officeDocument/2006/relationships" xmlns:p="http://schemas.openxmlformats.org/presentationml/2006/main">
   <p:cSld>
     <p:spTree>
@@ -30420,8 +34526,8 @@
           </a:prstGeom>
         </p:spPr>
       </p:pic>
-      <mc:AlternateContent xmlns:mc="http://schemas.openxmlformats.org/markup-compatibility/2006">
-        <mc:Choice xmlns:a14="http://schemas.microsoft.com/office/drawing/2010/main" Requires="a14">
+      <mc:AlternateContent xmlns:mc="http://schemas.openxmlformats.org/markup-compatibility/2006" xmlns:a14="http://schemas.microsoft.com/office/drawing/2010/main">
+        <mc:Choice Requires="a14">
           <p:sp>
             <p:nvSpPr>
               <p:cNvPr id="8" name="テキスト ボックス 7">
@@ -30679,7 +34785,19 @@
                         <a:rPr lang="en-US" altLang="ja-JP" b="0" i="1" smtClean="0">
                           <a:latin typeface="Cambria Math" panose="02040503050406030204" pitchFamily="18" charset="0"/>
                         </a:rPr>
-                        <m:t>(10)</m:t>
+                        <m:t>(</m:t>
+                      </m:r>
+                      <m:r>
+                        <a:rPr lang="en-US" altLang="ja-JP" b="0" i="1" smtClean="0">
+                          <a:latin typeface="Cambria Math" panose="02040503050406030204" pitchFamily="18" charset="0"/>
+                        </a:rPr>
+                        <m:t>10</m:t>
+                      </m:r>
+                      <m:r>
+                        <a:rPr lang="en-US" altLang="ja-JP" b="0" i="1" smtClean="0">
+                          <a:latin typeface="Cambria Math" panose="02040503050406030204" pitchFamily="18" charset="0"/>
+                        </a:rPr>
+                        <m:t>)</m:t>
                       </m:r>
                     </m:oMath>
                     <m:oMath xmlns:m="http://schemas.openxmlformats.org/officeDocument/2006/math">
@@ -30724,13 +34842,7 @@
                         <a:rPr lang="ja-JP" altLang="en-US" i="1">
                           <a:latin typeface="Cambria Math" panose="02040503050406030204" pitchFamily="18" charset="0"/>
                         </a:rPr>
-                        <m:t>な</m:t>
-                      </m:r>
-                      <m:r>
-                        <a:rPr lang="ja-JP" altLang="en-US" i="1">
-                          <a:latin typeface="Cambria Math" panose="02040503050406030204" pitchFamily="18" charset="0"/>
-                        </a:rPr>
-                        <m:t>ピーク</m:t>
+                        <m:t>なピーク</m:t>
                       </m:r>
                       <m:r>
                         <a:rPr lang="ja-JP" altLang="en-US" i="1" smtClean="0">
@@ -30742,7 +34854,13 @@
                         <a:rPr lang="en-US" altLang="ja-JP" b="0" i="1" smtClean="0">
                           <a:latin typeface="Cambria Math" panose="02040503050406030204" pitchFamily="18" charset="0"/>
                         </a:rPr>
-                        <m:t>(15</m:t>
+                        <m:t>(</m:t>
+                      </m:r>
+                      <m:r>
+                        <a:rPr lang="en-US" altLang="ja-JP" b="0" i="1" smtClean="0">
+                          <a:latin typeface="Cambria Math" panose="02040503050406030204" pitchFamily="18" charset="0"/>
+                        </a:rPr>
+                        <m:t>15</m:t>
                       </m:r>
                       <m:r>
                         <a:rPr lang="en-US" altLang="ja-JP" b="0" i="1" smtClean="0">
@@ -30805,7 +34923,13 @@
                         <a:rPr lang="en-US" altLang="ja-JP" b="0" i="1" smtClean="0">
                           <a:latin typeface="Cambria Math" panose="02040503050406030204" pitchFamily="18" charset="0"/>
                         </a:rPr>
-                        <m:t>(5</m:t>
+                        <m:t>(</m:t>
+                      </m:r>
+                      <m:r>
+                        <a:rPr lang="en-US" altLang="ja-JP" b="0" i="1" smtClean="0">
+                          <a:latin typeface="Cambria Math" panose="02040503050406030204" pitchFamily="18" charset="0"/>
+                        </a:rPr>
+                        <m:t>5</m:t>
                       </m:r>
                       <m:r>
                         <a:rPr lang="en-US" altLang="ja-JP" b="0" i="1" smtClean="0">
@@ -30827,7 +34951,7 @@
             </p:txBody>
           </p:sp>
         </mc:Choice>
-        <mc:Fallback>
+        <mc:Fallback xmlns="">
           <p:sp>
             <p:nvSpPr>
               <p:cNvPr id="8" name="テキスト ボックス 7">
@@ -30990,7 +35114,7 @@
           </a:ln>
           <a:extLst>
             <a:ext uri="{C572A759-6A51-4108-AA02-DFA0A04FC94B}">
-              <ma14:wrappingTextBoxFlag xmlns="" xmlns:m="http://schemas.openxmlformats.org/officeDocument/2006/math" xmlns:a14="http://schemas.microsoft.com/office/drawing/2010/main" xmlns:ma14="http://schemas.microsoft.com/office/mac/drawingml/2011/main" xmlns:lc="http://schemas.openxmlformats.org/drawingml/2006/lockedCanvas" val="1"/>
+              <ma14:wrappingTextBoxFlag xmlns:lc="http://schemas.openxmlformats.org/drawingml/2006/lockedCanvas" xmlns:ma14="http://schemas.microsoft.com/office/mac/drawingml/2011/main" xmlns:a14="http://schemas.microsoft.com/office/drawing/2010/main" xmlns:m="http://schemas.openxmlformats.org/officeDocument/2006/math" xmlns="" val="1"/>
             </a:ext>
           </a:extLst>
         </p:spPr>
@@ -31330,7 +35454,7 @@
           </a:ln>
           <a:extLst>
             <a:ext uri="{C572A759-6A51-4108-AA02-DFA0A04FC94B}">
-              <ma14:wrappingTextBoxFlag xmlns="" xmlns:m="http://schemas.openxmlformats.org/officeDocument/2006/math" xmlns:a14="http://schemas.microsoft.com/office/drawing/2010/main" xmlns:ma14="http://schemas.microsoft.com/office/mac/drawingml/2011/main" xmlns:lc="http://schemas.openxmlformats.org/drawingml/2006/lockedCanvas" val="1"/>
+              <ma14:wrappingTextBoxFlag xmlns:lc="http://schemas.openxmlformats.org/drawingml/2006/lockedCanvas" xmlns:ma14="http://schemas.microsoft.com/office/mac/drawingml/2011/main" xmlns:a14="http://schemas.microsoft.com/office/drawing/2010/main" xmlns:m="http://schemas.openxmlformats.org/officeDocument/2006/math" xmlns="" val="1"/>
             </a:ext>
           </a:extLst>
         </p:spPr>
@@ -31670,7 +35794,7 @@
           </a:ln>
           <a:extLst>
             <a:ext uri="{C572A759-6A51-4108-AA02-DFA0A04FC94B}">
-              <ma14:wrappingTextBoxFlag xmlns="" xmlns:m="http://schemas.openxmlformats.org/officeDocument/2006/math" xmlns:a14="http://schemas.microsoft.com/office/drawing/2010/main" xmlns:ma14="http://schemas.microsoft.com/office/mac/drawingml/2011/main" xmlns:lc="http://schemas.openxmlformats.org/drawingml/2006/lockedCanvas" val="1"/>
+              <ma14:wrappingTextBoxFlag xmlns:lc="http://schemas.openxmlformats.org/drawingml/2006/lockedCanvas" xmlns:ma14="http://schemas.microsoft.com/office/mac/drawingml/2011/main" xmlns:a14="http://schemas.microsoft.com/office/drawing/2010/main" xmlns:m="http://schemas.openxmlformats.org/officeDocument/2006/math" xmlns="" val="1"/>
             </a:ext>
           </a:extLst>
         </p:spPr>
@@ -32010,7 +36134,7 @@
           </a:ln>
           <a:extLst>
             <a:ext uri="{C572A759-6A51-4108-AA02-DFA0A04FC94B}">
-              <ma14:wrappingTextBoxFlag xmlns="" xmlns:m="http://schemas.openxmlformats.org/officeDocument/2006/math" xmlns:a14="http://schemas.microsoft.com/office/drawing/2010/main" xmlns:ma14="http://schemas.microsoft.com/office/mac/drawingml/2011/main" xmlns:lc="http://schemas.openxmlformats.org/drawingml/2006/lockedCanvas" val="1"/>
+              <ma14:wrappingTextBoxFlag xmlns:lc="http://schemas.openxmlformats.org/drawingml/2006/lockedCanvas" xmlns:ma14="http://schemas.microsoft.com/office/mac/drawingml/2011/main" xmlns:a14="http://schemas.microsoft.com/office/drawing/2010/main" xmlns:m="http://schemas.openxmlformats.org/officeDocument/2006/math" xmlns="" val="1"/>
             </a:ext>
           </a:extLst>
         </p:spPr>
@@ -32350,7 +36474,7 @@
           </a:ln>
           <a:extLst>
             <a:ext uri="{C572A759-6A51-4108-AA02-DFA0A04FC94B}">
-              <ma14:wrappingTextBoxFlag xmlns="" xmlns:m="http://schemas.openxmlformats.org/officeDocument/2006/math" xmlns:a14="http://schemas.microsoft.com/office/drawing/2010/main" xmlns:ma14="http://schemas.microsoft.com/office/mac/drawingml/2011/main" xmlns:lc="http://schemas.openxmlformats.org/drawingml/2006/lockedCanvas" val="1"/>
+              <ma14:wrappingTextBoxFlag xmlns:lc="http://schemas.openxmlformats.org/drawingml/2006/lockedCanvas" xmlns:ma14="http://schemas.microsoft.com/office/mac/drawingml/2011/main" xmlns:a14="http://schemas.microsoft.com/office/drawing/2010/main" xmlns:m="http://schemas.openxmlformats.org/officeDocument/2006/math" xmlns="" val="1"/>
             </a:ext>
           </a:extLst>
         </p:spPr>
@@ -32690,7 +36814,7 @@
           </a:ln>
           <a:extLst>
             <a:ext uri="{C572A759-6A51-4108-AA02-DFA0A04FC94B}">
-              <ma14:wrappingTextBoxFlag xmlns="" xmlns:m="http://schemas.openxmlformats.org/officeDocument/2006/math" xmlns:a14="http://schemas.microsoft.com/office/drawing/2010/main" xmlns:ma14="http://schemas.microsoft.com/office/mac/drawingml/2011/main" xmlns:lc="http://schemas.openxmlformats.org/drawingml/2006/lockedCanvas" val="1"/>
+              <ma14:wrappingTextBoxFlag xmlns:lc="http://schemas.openxmlformats.org/drawingml/2006/lockedCanvas" xmlns:ma14="http://schemas.microsoft.com/office/mac/drawingml/2011/main" xmlns:a14="http://schemas.microsoft.com/office/drawing/2010/main" xmlns:m="http://schemas.openxmlformats.org/officeDocument/2006/math" xmlns="" val="1"/>
             </a:ext>
           </a:extLst>
         </p:spPr>
@@ -36467,7 +40591,25 @@
                           </a:solidFill>
                           <a:latin typeface="Cambria Math" panose="02040503050406030204" pitchFamily="18" charset="0"/>
                         </a:rPr>
-                        <m:t>,0,</m:t>
+                        <m:t>,</m:t>
+                      </m:r>
+                      <m:r>
+                        <a:rPr lang="en-US" sz="2400" b="0" i="1" smtClean="0">
+                          <a:solidFill>
+                            <a:srgbClr val="000000"/>
+                          </a:solidFill>
+                          <a:latin typeface="Cambria Math" panose="02040503050406030204" pitchFamily="18" charset="0"/>
+                        </a:rPr>
+                        <m:t>0</m:t>
+                      </m:r>
+                      <m:r>
+                        <a:rPr lang="en-US" sz="2400" b="0" i="1" smtClean="0">
+                          <a:solidFill>
+                            <a:srgbClr val="000000"/>
+                          </a:solidFill>
+                          <a:latin typeface="Cambria Math" panose="02040503050406030204" pitchFamily="18" charset="0"/>
+                        </a:rPr>
+                        <m:t>,</m:t>
                       </m:r>
                       <m:r>
                         <a:rPr lang="ar-AE" sz="2400" i="1">
@@ -36485,7 +40627,16 @@
                           </a:solidFill>
                           <a:latin typeface="Cambria Math" panose="02040503050406030204" pitchFamily="18" charset="0"/>
                         </a:rPr>
-                        <m:t>)=−2</m:t>
+                        <m:t>)=−</m:t>
+                      </m:r>
+                      <m:r>
+                        <a:rPr lang="ar-AE" sz="2400" i="1">
+                          <a:solidFill>
+                            <a:srgbClr val="000000"/>
+                          </a:solidFill>
+                          <a:latin typeface="Cambria Math" panose="02040503050406030204" pitchFamily="18" charset="0"/>
+                        </a:rPr>
+                        <m:t>2</m:t>
                       </m:r>
                       <m:r>
                         <a:rPr lang="ar-AE" sz="2400" i="1">
@@ -36542,7 +40693,25 @@
                               </a:solidFill>
                               <a:latin typeface="Cambria Math" panose="02040503050406030204" pitchFamily="18" charset="0"/>
                             </a:rPr>
-                            <m:t>,0,</m:t>
+                            <m:t>,</m:t>
+                          </m:r>
+                          <m:r>
+                            <a:rPr lang="en-US" sz="2400" b="0" i="1" smtClean="0">
+                              <a:solidFill>
+                                <a:srgbClr val="000000"/>
+                              </a:solidFill>
+                              <a:latin typeface="Cambria Math" panose="02040503050406030204" pitchFamily="18" charset="0"/>
+                            </a:rPr>
+                            <m:t>0</m:t>
+                          </m:r>
+                          <m:r>
+                            <a:rPr lang="en-US" sz="2400" b="0" i="1" smtClean="0">
+                              <a:solidFill>
+                                <a:srgbClr val="000000"/>
+                              </a:solidFill>
+                              <a:latin typeface="Cambria Math" panose="02040503050406030204" pitchFamily="18" charset="0"/>
+                            </a:rPr>
+                            <m:t>,</m:t>
                           </m:r>
                           <m:r>
                             <a:rPr lang="ar-AE" sz="2400" i="1">
@@ -36623,7 +40792,16 @@
                               </a:solidFill>
                               <a:latin typeface="Cambria Math" panose="02040503050406030204" pitchFamily="18" charset="0"/>
                             </a:rPr>
-                            <m:t>1−</m:t>
+                            <m:t>1</m:t>
+                          </m:r>
+                          <m:r>
+                            <a:rPr lang="ar-AE" sz="2400" i="1">
+                              <a:solidFill>
+                                <a:srgbClr val="000000"/>
+                              </a:solidFill>
+                              <a:latin typeface="Cambria Math" panose="02040503050406030204" pitchFamily="18" charset="0"/>
+                            </a:rPr>
+                            <m:t>−</m:t>
                           </m:r>
                           <m:sSub>
                             <m:sSubPr>
@@ -37319,7 +41497,16 @@
                           </a:solidFill>
                           <a:latin typeface="Cambria Math" panose="02040503050406030204" pitchFamily="18" charset="0"/>
                         </a:rPr>
-                        <m:t>)=−2</m:t>
+                        <m:t>)=−</m:t>
+                      </m:r>
+                      <m:r>
+                        <a:rPr lang="ar-AE" sz="2400" i="1">
+                          <a:solidFill>
+                            <a:srgbClr val="000000"/>
+                          </a:solidFill>
+                          <a:latin typeface="Cambria Math" panose="02040503050406030204" pitchFamily="18" charset="0"/>
+                        </a:rPr>
+                        <m:t>2</m:t>
                       </m:r>
                       <m:r>
                         <a:rPr lang="ar-AE" sz="2400" i="1">
@@ -37940,7 +42127,16 @@
                               </a:solidFill>
                               <a:latin typeface="Cambria Math" panose="02040503050406030204" pitchFamily="18" charset="0"/>
                             </a:rPr>
-                            <m:t>1+</m:t>
+                            <m:t>1</m:t>
+                          </m:r>
+                          <m:r>
+                            <a:rPr sz="2400" i="1">
+                              <a:solidFill>
+                                <a:srgbClr val="000000"/>
+                              </a:solidFill>
+                              <a:latin typeface="Cambria Math" panose="02040503050406030204" pitchFamily="18" charset="0"/>
+                            </a:rPr>
+                            <m:t>+</m:t>
                           </m:r>
                           <m:sSub>
                             <m:sSubPr>
@@ -37985,7 +42181,16 @@
                               </a:solidFill>
                               <a:latin typeface="Cambria Math" panose="02040503050406030204" pitchFamily="18" charset="0"/>
                             </a:rPr>
-                            <m:t>1−</m:t>
+                            <m:t>1</m:t>
+                          </m:r>
+                          <m:r>
+                            <a:rPr sz="2400" i="1">
+                              <a:solidFill>
+                                <a:srgbClr val="000000"/>
+                              </a:solidFill>
+                              <a:latin typeface="Cambria Math" panose="02040503050406030204" pitchFamily="18" charset="0"/>
+                            </a:rPr>
+                            <m:t>−</m:t>
                           </m:r>
                           <m:sSub>
                             <m:sSubPr>
@@ -38493,7 +42698,34 @@
                           </a:solidFill>
                           <a:latin typeface="Cambria Math" panose="02040503050406030204" pitchFamily="18" charset="0"/>
                         </a:rPr>
-                        <m:t>=−1.440</m:t>
+                        <m:t>=−</m:t>
+                      </m:r>
+                      <m:r>
+                        <a:rPr lang="en-US" sz="2400" b="0" i="1" smtClean="0">
+                          <a:solidFill>
+                            <a:srgbClr val="000000"/>
+                          </a:solidFill>
+                          <a:latin typeface="Cambria Math" panose="02040503050406030204" pitchFamily="18" charset="0"/>
+                        </a:rPr>
+                        <m:t>1</m:t>
+                      </m:r>
+                      <m:r>
+                        <a:rPr lang="en-US" sz="2400" b="0" i="1" smtClean="0">
+                          <a:solidFill>
+                            <a:srgbClr val="000000"/>
+                          </a:solidFill>
+                          <a:latin typeface="Cambria Math" panose="02040503050406030204" pitchFamily="18" charset="0"/>
+                        </a:rPr>
+                        <m:t>.</m:t>
+                      </m:r>
+                      <m:r>
+                        <a:rPr lang="en-US" sz="2400" b="0" i="1" smtClean="0">
+                          <a:solidFill>
+                            <a:srgbClr val="000000"/>
+                          </a:solidFill>
+                          <a:latin typeface="Cambria Math" panose="02040503050406030204" pitchFamily="18" charset="0"/>
+                        </a:rPr>
+                        <m:t>440</m:t>
                       </m:r>
                       <m:sSubSup>
                         <m:sSubSupPr>
@@ -38536,7 +42768,16 @@
                               </a:solidFill>
                               <a:latin typeface="Cambria Math" panose="02040503050406030204" pitchFamily="18" charset="0"/>
                             </a:rPr>
-                            <m:t>−2</m:t>
+                            <m:t>−</m:t>
+                          </m:r>
+                          <m:r>
+                            <a:rPr lang="en-US" altLang="ja-JP" sz="2400" b="0" i="1" smtClean="0">
+                              <a:solidFill>
+                                <a:srgbClr val="000000"/>
+                              </a:solidFill>
+                              <a:latin typeface="Cambria Math" panose="02040503050406030204" pitchFamily="18" charset="0"/>
+                            </a:rPr>
+                            <m:t>2</m:t>
                           </m:r>
                         </m:sup>
                       </m:sSubSup>
@@ -38547,7 +42788,34 @@
                           </a:solidFill>
                           <a:latin typeface="Cambria Math" panose="02040503050406030204" pitchFamily="18" charset="0"/>
                         </a:rPr>
-                        <m:t>+0.710</m:t>
+                        <m:t>+</m:t>
+                      </m:r>
+                      <m:r>
+                        <a:rPr lang="en-US" altLang="ja-JP" sz="2400" b="0" i="1" smtClean="0">
+                          <a:solidFill>
+                            <a:srgbClr val="000000"/>
+                          </a:solidFill>
+                          <a:latin typeface="Cambria Math" panose="02040503050406030204" pitchFamily="18" charset="0"/>
+                        </a:rPr>
+                        <m:t>0</m:t>
+                      </m:r>
+                      <m:r>
+                        <a:rPr lang="en-US" altLang="ja-JP" sz="2400" b="0" i="1" smtClean="0">
+                          <a:solidFill>
+                            <a:srgbClr val="000000"/>
+                          </a:solidFill>
+                          <a:latin typeface="Cambria Math" panose="02040503050406030204" pitchFamily="18" charset="0"/>
+                        </a:rPr>
+                        <m:t>.</m:t>
+                      </m:r>
+                      <m:r>
+                        <a:rPr lang="en-US" altLang="ja-JP" sz="2400" b="0" i="1" smtClean="0">
+                          <a:solidFill>
+                            <a:srgbClr val="000000"/>
+                          </a:solidFill>
+                          <a:latin typeface="Cambria Math" panose="02040503050406030204" pitchFamily="18" charset="0"/>
+                        </a:rPr>
+                        <m:t>710</m:t>
                       </m:r>
                       <m:sSubSup>
                         <m:sSubSupPr>
@@ -38592,7 +42860,49 @@
                         <a:rPr lang="en-US" altLang="ja-JP" sz="2400" b="0" i="1" smtClean="0">
                           <a:latin typeface="Cambria Math" panose="02040503050406030204" pitchFamily="18" charset="0"/>
                         </a:rPr>
-                        <m:t>+0.668+0.0636</m:t>
+                        <m:t>+</m:t>
+                      </m:r>
+                      <m:r>
+                        <a:rPr lang="en-US" altLang="ja-JP" sz="2400" b="0" i="1" smtClean="0">
+                          <a:latin typeface="Cambria Math" panose="02040503050406030204" pitchFamily="18" charset="0"/>
+                        </a:rPr>
+                        <m:t>0</m:t>
+                      </m:r>
+                      <m:r>
+                        <a:rPr lang="en-US" altLang="ja-JP" sz="2400" b="0" i="1" smtClean="0">
+                          <a:latin typeface="Cambria Math" panose="02040503050406030204" pitchFamily="18" charset="0"/>
+                        </a:rPr>
+                        <m:t>.</m:t>
+                      </m:r>
+                      <m:r>
+                        <a:rPr lang="en-US" altLang="ja-JP" sz="2400" b="0" i="1" smtClean="0">
+                          <a:latin typeface="Cambria Math" panose="02040503050406030204" pitchFamily="18" charset="0"/>
+                        </a:rPr>
+                        <m:t>668</m:t>
+                      </m:r>
+                      <m:r>
+                        <a:rPr lang="en-US" altLang="ja-JP" sz="2400" b="0" i="1" smtClean="0">
+                          <a:latin typeface="Cambria Math" panose="02040503050406030204" pitchFamily="18" charset="0"/>
+                        </a:rPr>
+                        <m:t>+</m:t>
+                      </m:r>
+                      <m:r>
+                        <a:rPr lang="en-US" altLang="ja-JP" sz="2400" b="0" i="1" smtClean="0">
+                          <a:latin typeface="Cambria Math" panose="02040503050406030204" pitchFamily="18" charset="0"/>
+                        </a:rPr>
+                        <m:t>0</m:t>
+                      </m:r>
+                      <m:r>
+                        <a:rPr lang="en-US" altLang="ja-JP" sz="2400" b="0" i="1" smtClean="0">
+                          <a:latin typeface="Cambria Math" panose="02040503050406030204" pitchFamily="18" charset="0"/>
+                        </a:rPr>
+                        <m:t>.</m:t>
+                      </m:r>
+                      <m:r>
+                        <a:rPr lang="en-US" altLang="ja-JP" sz="2400" b="0" i="1" smtClean="0">
+                          <a:latin typeface="Cambria Math" panose="02040503050406030204" pitchFamily="18" charset="0"/>
+                        </a:rPr>
+                        <m:t>0636</m:t>
                       </m:r>
                       <m:sSub>
                         <m:sSubPr>
